--- a/Notes/TestNG-1.pptx
+++ b/Notes/TestNG-1.pptx
@@ -5,8 +5,8 @@
     <p:sldMasterId id="2147483648" r:id="rId1"/>
   </p:sldMasterIdLst>
   <p:sldIdLst>
-    <p:sldId id="257" r:id="rId2"/>
-    <p:sldId id="256" r:id="rId3"/>
+    <p:sldId id="256" r:id="rId2"/>
+    <p:sldId id="257" r:id="rId3"/>
     <p:sldId id="258" r:id="rId4"/>
     <p:sldId id="259" r:id="rId5"/>
     <p:sldId id="260" r:id="rId6"/>
@@ -15,6 +15,11 @@
     <p:sldId id="263" r:id="rId9"/>
     <p:sldId id="264" r:id="rId10"/>
     <p:sldId id="265" r:id="rId11"/>
+    <p:sldId id="266" r:id="rId12"/>
+    <p:sldId id="267" r:id="rId13"/>
+    <p:sldId id="268" r:id="rId14"/>
+    <p:sldId id="269" r:id="rId15"/>
+    <p:sldId id="270" r:id="rId16"/>
   </p:sldIdLst>
   <p:sldSz cx="12192000" cy="6858000"/>
   <p:notesSz cx="6858000" cy="9144000"/>
@@ -132,7 +137,7 @@
           <inkml:channelProperty channel="T" name="resolution" value="1" units="1/dev"/>
         </inkml:channelProperties>
       </inkml:inkSource>
-      <inkml:timestamp xml:id="ts0" timeString="2021-02-02T13:14:56.097"/>
+      <inkml:timestamp xml:id="ts0" timeString="2021-02-03T13:09:14.371"/>
     </inkml:context>
     <inkml:brush xml:id="br0">
       <inkml:brushProperty name="width" value="0.05292" units="cm"/>
@@ -140,53 +145,24 @@
       <inkml:brushProperty name="color" value="#FF0000"/>
     </inkml:brush>
   </inkml:definitions>
-  <inkml:trace contextRef="#ctx0" brushRef="#br0">1376 2223 0,'21'0'47,"-21"21"-16,21-21-31,-21 21 16,21-21-1,-21 21-15,21-21 16,1 0-16,-1 0 0</inkml:trace>
-  <inkml:trace contextRef="#ctx0" brushRef="#br0" timeOffset="472.78">1524 2265 0,'0'0'0,"0"-21"16,-21 21-16,21-43 31,0 22-31,0 0 15,0 0 1,0 42 31,0 0-31,-21 22-1,21-22-15,0 42 0,-22 1 16,22-22-16,0 0 0,0 107 31,0-44-15,-21-20-1,21-43 1,0-20 0,-21-1-1,21-42 16,-21-1-31,21 1 16,0 0 0</inkml:trace>
-  <inkml:trace contextRef="#ctx0" brushRef="#br0" timeOffset="964.66">1482 2244 0,'0'-21'15,"0"42"-15,0-64 0,0 22 0,0 0 16,0 0-16,0 0 0,0-22 16,0 22-16,0-21 31,0 105 0,0-41-31,0 20 0,0 212 31,-43-85-15,1-21 0,42-63-1,0-43-15,-21 64 16,0-85 0,21-42 30,0 0-30,21-42 0</inkml:trace>
-  <inkml:trace contextRef="#ctx0" brushRef="#br0" timeOffset="1293.38">1757 2688 0,'0'0'0,"0"21"16,21-21 0,-21 22-16,21-22 15,21 0 1,43-64 0,-43 1-1,-42 41 1,-21-20-1,-63 63 17,20 43-17,43-22 1,21 0 0,42-42 15</inkml:trace>
-  <inkml:trace contextRef="#ctx0" brushRef="#br0" timeOffset="2132.71">3598 1947 0,'0'0'0,"21"-42"0,1-21 0,-22 20 16,21-20-1,0 20-15,-21-41 16,0 41 0,0 22-16,-42 106 31,20-43-16,-62 128 1,-1 41-16,-148 213 31,149-213-15,41-126 0,43-43-1,0-84 16,0 21-31,43-85 16,62-148 0,-41 127-1,148-381 17,-107 296-17,-83 128 1,-22 105-1,0 63 1,0-20-16,-22 275 31,22-255-31,-42 128 16,21-22 0,0-41-1,21-107-15,0 85 31,0-106-15,0-63 15,0 21-31,0-106 16,-43 42 0</inkml:trace>
-  <inkml:trace contextRef="#ctx0" brushRef="#br0" timeOffset="6166.74">3154 2455 0,'-43'43'0,"86"-86"0,-86 107 15,65-64 1,-1 0 0,212-21-1,-191 0-15,148-43 16,22 1 15,-106-1-31,-43 1 31,-63 84 16,0 0-47,-42 127 31,21-127-31,0 43 16,21-22-16,-43 64 16,43-64-1,0-21-15,-21-21 0,21 22 16,0-44 0,0 1-1,0-21-15,21-64 16,85-106 15,-21 128 0,-64 84-31,21 0 16,1 0 0,-43 21-16,0 148 31,0-42-16,0-63 1,42-22 0,-21-42-16,170-42 31,-107-22-15,1-20-1,0-43 1,-64 0 15,-63 148 0,42 0-15,-22 0-16,-20 43 16,-21 126-1,41-105 1,-20-22-1,42-42 1,0-42 15,42-85-15,1 43 0,63-85-1,21 42 16,-106 106-15,-21 42 0,0 22-1,0 105 17,0-127-32,0 22 15,63-22 1,1-21-1,105-105 17,-84-22-17,-43 42 1,22-84 0,-64 127-1,0 0 1,-22 42-1,1 0 1,0 64 0,-21 21-16,42-85 0,0 148 31,0-126-15,84-22-1,-20-21 1,105-85 15,-148 64-31,43-64 16,-43 1-1,-21-22 1,-63-42 0,-1 126-1,-42 22 1,64 43-1,21-22-15,-64 169 32,85-105-17,42 0 1,43-22 0,42-42-1,0-21 1,42-84-1,-63-1 1,-63 43-16,41-64 16,1-42-1,-43-191 17,-42 233-17,0 64 1,-21 42-1,-21 190 17,21-147-32,-1 63 15,1 21 1,21 21 0,0 106-1,85-148 16,-43-85-31,22-21 16,147-64 15,-105-20-15,21-65 0,-63 44-1,-85-44 16,-64 149-15,0 43 0,-21 20-16,85-42 15,-63 170 1,84-64 0,0-64-1,0-41-15,42-22 16,127-43 15,-42-105 0,-63 42-15,-43 0 0,-21 64 15,-42 84-16,20 43 1,22 21 0,22 63 15,41-126-15,43-43-1,0-43 1,21-63-1,42-211 17,-105 148-17,-64-43 1,0 106 0,-22 85 15,1 63-31,0 22 15,0-22-15,0 149 16,0-43 0,21 85 15,42-85-15,0-106-1,1-21 1,62-63-1,-83 21 1,83-85 0,-41 21-16,21-42 15,-85 85 1,21 0 15,-42 105-15,-1 22-1,22 21 1,0 63 15,64-106-15,-1-63 0,22-42-1,0-21 1,42-64-1,-106 84-15,42-84 32,-63 106-17,-21 63 1,-42 149 15,63-170-31,0 43 16,0 41-1,0-62 1,106-22 15,-43-63-15,22-43 0,-22 0-1,-63 43-15,0 0 0,0-85 16,0 84-1,-21-20-15,-21 42 16,-43 21 0,-63 148 15,106-64-15,20 43-1,65-63 1,20-22-1,85-42 1,1-84 0,-44 20-1,-20-42 1,42-21 15,-106 85-31,-42 63 31,0 0-15,21 0-16,0 1 0,-64 105 31,64-43-31,-21 1 16,0 0 0,21-64 15,0-42-16,21-1 1,43-105 0,42-42-1,-85 127-15,42-1 16,43-41 0,-42 63-1,20 63 16,-84 64-15,0 0 0,0-64-16,0 21 15,0 86 17,0-128-17,21-21-15,43 0 0,-1 0 16,128-127 15,-106 21-15,-43 64-16,21-64 15,-20 21 1,-43 22 0,-85 63 15,0 63-16,64 22 1,21 42 0,106-21-1,-85-85-15,22 21 16,41 0 0,-84-20-1,0 20 1,-21-42-16,-42 21 15,41 0-15,-83 0 32,83-21-17,1 0 1,0-21 0,-21-85-1,42 64 1</inkml:trace>
-  <inkml:trace contextRef="#ctx0" brushRef="#br0" timeOffset="6467.67">8636 1630 0,'-21'0'0,"42"0"0,-63-21 0,20 0 0,1 21 16,21-22-16,-21 22 16,21-21-16,-21 21 62,0 0-46,0 0-16,-1 0 0</inkml:trace>
-  <inkml:trace contextRef="#ctx0" brushRef="#br0" timeOffset="6763.5">7070 2011 0,'-22'0'16,"44"0"0,-1-21-16,42 0 15,43-1 1,42 1-1,0-21 1,-126 42-16,62-21 16,-63 21-16,-21-21 31,-42 21-15,-21 0-16</inkml:trace>
-  <inkml:trace contextRef="#ctx0" brushRef="#br0" timeOffset="7035.06">6096 1905 0,'0'0'0,"-42"0"0,-1 0 0,22 0 0,0 0 0,84 0 31,-41 0-15,62 0-16,64-21 31,-21 0-15,-84 0-1</inkml:trace>
-  <inkml:trace contextRef="#ctx0" brushRef="#br0" timeOffset="7303.28">0 4763 0,'0'0'0,"0"21"0,0 0 0</inkml:trace>
-  <inkml:trace contextRef="#ctx0" brushRef="#br0" timeOffset="8345.21">1439 4170 0,'0'21'16,"0"0"-1,-21-21 1,0 0-16,0 0 0,0 0 15,-1 0-15,22-42 16,0 21-16,0-85 31,0 85-31,22 0 16,62-64 0,-41 64-16,-22 0 15,0 21-15,64 0 16,-64 0-16,21 21 15,-21 0-15,22 42 16,-43-20-16,0 20 0,0 43 16,0-64-16,-43 191 15,1-127 1,0-42-16,-64 84 16,63-85-16,-20 1 15,21-22-15,-1-21 16,-63 43-1,1-64-15,41-43 16,22-20 0,21 21-16,21-1 15,0 1-15,0-85 16,0 63 0,21 43-16,0-21 0,0 21 15,0 0-15,64-1 16,-64 22-16,170 85 31,-149-43-31,0 64 16,-21 21-1,22-21 1,-22-64-16,21 22 16,-21-22-1,1-21-15,-1-21 0,21 0 31,0-42-15,22-21 0,-64 41-1</inkml:trace>
-  <inkml:trace contextRef="#ctx0" brushRef="#br0" timeOffset="8659.15">2201 4678 0,'21'0'16,"1"0"0,-1 0-1,0 0-15,0 0 0,0 0 16,0 0-16,1-21 16,20 0-16,-21 21 15,-21-22-15,0-20 16,-21 42-1,0 0 1,-22 0 0,22 0-16,0 0 0,21 21 15,-21 0 1,21 1-16,-21-22 0,21 21 16,21-21-1</inkml:trace>
-  <inkml:trace contextRef="#ctx0" brushRef="#br0" timeOffset="10140.87">3831 3831 0,'0'-21'16,"0"0"-16,0 0 16,-21 21-16,21-21 0,0-1 15,-21 22 1,21-21-1,-21 21-15,21 21 32,0 1-17,0-1-15,0 0 0,21 0 16,0 0-16,-21 22 0,106 147 31,-64-63-31,0-42 16,1 21-1,-43-85-15,21 0 0,21 85 32,-42-64-17,21-21 1,-21 0-16,22-21 62,-1 0-30,-21-21 77,0 0-78,0 0-15,0 0-16,-21 0 16</inkml:trace>
-  <inkml:trace contextRef="#ctx0" brushRef="#br0" timeOffset="10598.61">3916 3789 0,'0'0'15,"0"-21"-15,0 0 0,0-43 16,0 22 0,0 21-1,0 42 17,0 21-32,0-21 0,0 22 15,0-1-15,0 43 16,0-22-16,0 1 0,0-1 0,-43 149 15,-20 42 1,21-127 0,20-85-16,1 85 15,-21-21 1,42-64 0,0-21-1,0-42 1,0 0-16,21-21 15,-21-1-15,21 22 16,22-127 0,-22 63-1</inkml:trace>
-  <inkml:trace contextRef="#ctx0" brushRef="#br0" timeOffset="12087.11">3916 4022 0,'0'42'0,"0"-84"0,0 21 0,-21-22 16,-1 1 0,1 0-1,21 20-15,0 1 16,0 0-16,0 0 16,21 0-16,1 0 0,20-22 15,0 43-15,64-42 16,-21 42-1,-43 0-15,64 42 16,-85-21 0,21 43-16,-42-22 15,-42 191 1,-64-85 0,-21-21-1,64-63-15,20-43 16,22 0-16,-63 0 15,62-21 1,22-21 0,0 0-1,0 0-15,0 0 0,0-1 0,0 1 16,22 21 0,-1 0-1,0 0-15,0 64 16,-21-43-16,42 85 31,-20-22-31,-1-20 16,0-43-16,0 0 15,-21 0-15,21 1 0,0-22 16,106 42 0,-21-84-1,-42 20 1,-22 1-16,64-42 15,21-85 1,-106 105-16,-21 22 16,21-85-1,-21 85 1,0 0-16,0 63 31,-42-21-31,21 106 16,-22-42-1,43-43-15,0-20 16,0 83 0,64-62-1,21-22 1,-22-21 0,-42 0-16,127-42 15,-63-22 1,0-42-1,-85 64-15,21 0 16,-21-1-16,0 22 0,0-21 16,0 21-1,0 42 1,0 0 0,-21 0-16,21 0 0,-21 85 15,21-42 1,0-43-16,0 0 15,0 42-15,42-41 16,-21-22-16,21 0 16,128 0-1,-64-64 1,-64 64-16,21-42 16,22-64-1,-85 21 1,0 43-1,0 21 1,-21 21 0,21 21-16,-42 64 15,42-1 1,-22 1 0,22-43-16,-21-21 15,21 1-15,0-1 0,-21 0 0,21 21 31,0-21-31,0-42 16,0-21 0,0 21-1,0 0-15,64-106 16,-1 21 0,22 0-1,-22 64-15,-20 20 16,-22 1-16,148 21 15,-105 85 1,-22 0 0,-42-22-1,0-21-15,0 107 16,0-107 0,0 21-1,0-41-15,0-44 31,0 1-15,0 0-16,21 0 0,0 0 0</inkml:trace>
-  <inkml:trace contextRef="#ctx0" brushRef="#br0" timeOffset="12623.75">7810 3937 0,'0'0'0,"0"-63"15,0 41-15,0 1 0,0 0 16,0 0-16,0 0 0,0 0 16,22-1-16,20-20 15,-21 42 1,21 0-16,-20 21 15,-1 43 1,0-22-16,0 0 0,64 234 16,-43-107-1,-21-21 1,0-21 0,1-85-16,-22 43 15,0-43 1,0-63 15,0 0-31,0 0 16,0 0-16,0-22 15,0-62 1,0-44-16</inkml:trace>
-  <inkml:trace contextRef="#ctx0" brushRef="#br0" timeOffset="12903.58">8382 3895 0,'0'0'0,"42"-106"0,-42 85 0,21-22 16,-21 65 0,-42-1-1,21 21-15,0-21 0,-127 170 32,105-128-32,-147 149 15,42-85 1,63-64-1,-21 22 1,85-43 0,106-63 15,-1-42-15,-63 63-16,64-43 15,-64 22-15,22 21 0</inkml:trace>
-  <inkml:trace contextRef="#ctx0" brushRef="#br0" timeOffset="13983.88">8318 4551 0,'22'21'0,"-22"0"16,21-21-16,-21 21 0,21-21 16,0 0-16,43 0 15,-43 0-15,0 0 16,85-42-1,-85 0-15,0 21 0,85-149 16,-64 107 0,-21-1-16,1 1 0,-1-1 15,63-232 1,-84 254 0,0 20-16,0-62 15,-21 84 1,21 21-16,-63 106 15,20-21 1,1 127 0,21-106-1,21 127 1,21-191 0,85 22-1,0-85 1,-85 0-16,21 0 15,64-43 1,-85 22-16,64-63 16,-22 41-16,-63 1 15,43-43-15,-43 64 16,0 0-16,0-21 16,0 63-1,0 0 1,0 21-16,0-21 15,-21 1-15,21-1 0,0 42 16,0 1 0,63-43-1,-21-21 1,-20 0-16,20 0 0,64-21 16,-43-22-1,-42 22-15,1 0 16,41-42-16,-42 20 15,0 22-15,-21 0 16,0 0 0,-21 63 15,21-21-31,-21 0 0,0 22 16,0 105-1,0 0 1,21-42-1,0-64-15,0 149 16,-43 126 0,1-126-1,21-1 1,0-126-16,-1 42 16,22-64-16,0 106 31,-21-148-16,21-21 1,-21 0-16,0 0 0,21-22 0,-21-20 16,21 20-1,21-422 1,21 317 0,1 84-16,62-148 15,-62 149 1,20-22-1,22 22 1,0-1 0,42-20-1</inkml:trace>
-  <inkml:trace contextRef="#ctx0" brushRef="#br0" timeOffset="15567.57">10858 3979 0,'-21'-21'0,"42"42"0,-63-42 16,0 21-1,42-21-15,-43 21 16,43-21-1,43 0 1,41 0 0,-62-1-16,20 1 0,127-42 15,-105 20 1,-43 22-16,21-106 16,-42 106-1,0 0-15,0 0 0,0-43 31,-42 64-31,0 85 32,20-64-32,1 21 0,21 1 15,-63 168 1,63-84 0,0 43-16,0-128 15,0 22-15,0 63 16,0-85-16,0 64 15,0-85 1,-43-21 0,22 0-16,0 0 0,0-21 15,0 21-15,-64-127 32,43 42-32,42 43 15,-21 21-15,-1-1 16,1 22-16,21 22 31,0 41-31,0 1 16,0-43-16,21 0 15,22 0-15,-22 0 0,0-21 16,127 21 0,-21-21-1,43-42 1,-86 0-16,-63 21 15,43-43-15,-43-63 16,-21 64 0,0-1-1,0 43-15,-21 0 16,0 21-16,-43 63 16,22 1-1,21-22-15,21 22 16,-21-22-16,21-21 15,0 43-15,0-22 0,0-21 0,21 64 32,21-64-17,-21-21-15,43 0 16,20-21-16,-62 0 16,20 21-16,127-106 15,-84 21 1,-22-63-1,-63 106 1,0 20-16,-42 22 16,0 22-1,42-1-15,0 106 16,0-64 0,0 22-1,0-64-15,21 0 0,21 64 31,-42-64-15,0-42 15,-21 0-31,-21-22 16,-1-20 15,22 63-15,21 42-1,64 1 1,-1-22 0,64 0-1,-84-21 1,-1 0-16,-21 0 0,21-21 16,1 0-16,41-43 15,-41 43-15,-1-43 16,43-63-16,-43-42 15,-21 106-15,22-170 32,-43 169-17,0 22 1,-22 63 0,1 0-16,-42 127 15,42 1 1,-1-44-1,22-62-15,-21 105 16,21-106-16,0 64 16,21-42-1,1-43-15,-22 0 0,21-21 16,21 0 0,-21 0-16,0 0 0,64-42 15,-64-1 1,0 22-16,-21 0 15,22-85-15,-22 21 16</inkml:trace>
-  <inkml:trace contextRef="#ctx0" brushRef="#br0" timeOffset="15780.45">12171 3979 0,'0'0'0,"0"22"16,0-1-16,21-21 15,0 0-15,43 21 16,-43-21-16,21 0 0,85 0 16,-21 0-1,-64 0 1,-21-42 0,-21 20-16,0-20 15</inkml:trace>
-  <inkml:trace contextRef="#ctx0" brushRef="#br0" timeOffset="17725.24">13885 4466 0,'-21'21'0,"0"-21"0,0 0 0,0 0 15,-1 22-15,-20-22 16,21 0 0,-21 0-1,42-22 1,0-126 15,21 21-15,0 85-16,85-191 15,-43 127-15,170-84 32,-169 190-17,-43 42 1,-21-21-16,21 22 15,-21-22-15,0 21 0,0 22 32,0-22-17,0-21 1,0-42 0,0 0-16,21 21 15,-21-21-15,21-64 16,0 0-1,-21 43 1,-42-64 0,21 106-1,-64 42 1,64-20-16,-42 41 16,41-21-16,-147 191 15,127-106 1,21-84-16,-1 105 15,22-106-15,0 22 16,0-22-16,0-21 16,127 43-1,-21-43 1,42-21-16,1-43 16,-86 43-16,-21-21 15,1 0-15,41-42 16,-62 41-16,41-41 15,-42 21-15,0-1 0,-21-20 16,22-22 0,-22 64-16,0 0 0,-43 21 15,-20 42 1,-1 0 0,43-20-16,-21 41 15,21-21-15,-1-20 0,-62 105 31,84-64-31,21 1 16,21-64 0,-21 0-16,1 0 0,126-43 31,-85-20-15,-20-22-1,-1 0-15,-42 43 16,21-43-1,-21 64 1,0 42 0,0 1-16,-21-1 15,0 0-15,21 0 0,-43 106 16,43-21 0,0-85-1,0 0-15,22 0 16,-1-21-16,85 0 31,-1-42-31,-20-21 16,21-22-1,-85 64-15,0-22 16,0-41 0,-21 63-16,0-22 15,-21 43 1,0 0-16,0 21 0,0 1 15,0 41-15,21 1 16,0 20 0,0 1-1,0-64-15,21 0 16,-21 0-16,21 1 31,-42-22-15,0-22-1,-1 22-15,-41-63 16,21 63 0,20-21-1,22 63 17,22-42-32,20 21 15,21 0 1,22-21-1,127 0 1,-85-21 0,0-21-1,-43 0 1,-62 20-16,-1 1 0,0-106 31,-21 64-31,0-22 16,0 64-1,-21 21-15,0 0 16,-43 63 0,1 43-1,20 21-15,43-84 16,0-22-16,0 0 0,0 0 16,0 21-16,64 1 15,-1-43 1,1 0-1,-1-21 1,22-85 0</inkml:trace>
-  <inkml:trace contextRef="#ctx0" brushRef="#br0" timeOffset="20303.86">16616 4297 0,'0'0'0,"0"21"0,-21-21 16,-1 21-16,22 0 15,22-42 16,-1 0-31,0 21 16,42-63-16,86-64 16,-22-22-1,-85 86-15,0 21 16,85-191 0,-84 148-1,-43-21 1,0 85-16,-22-21 0,1 42 15,0 0-15,-106 106 16,64-43 0,41-21-16,1 1 0,-21 41 15,21-41-15,21 63 16,0-64-16,0 21 0,42 128 16,22-64-1,-43-64 1,-21-41-16,21-1 15,-21 0-15,-21-21 16,0-21 0,-85-43-1,63 22-15,22 21 16,-42-22 0,42 43-16,-22 0 15,43 64 1,21-43-1,64 21 1,84 1 0,43-43-1,-43-21 1,-63-1 0,-63 1-16,105-148 31,-127 63-31,-21 21 15,-21 64-15,0 0 16,-1 21-16,1 0 0,-127 21 31,106 0-31,-1 1 0,22-1 16,-63 85-16,41-43 16,43-42-1,0 22-15,21 62 16,43-83-1,63-22 1,-21 0 0,-85-22-16,21 1 0,22-42 15,-1-22 1,-63-21 0,0 85-16,0-21 15,0 21-15,0-1 0,0 44 31,-21-1-31,0 42 16,21-42-16,0 1 16,-21 41-16,21-42 0,0 22 15,21 20 1,0-42-16,43 22 16,41-43-1,1 0-15,-85 0 16,85-43-1,-21-63 1,-85 64 0,21 21-16,-21-21 0,0-43 15,0 64-15,0 0 0,0 42 32,-42 42-17,21 43 1,-22 21-1,22-63 1,21-1-16,0-42 16,0-42 15,0 0-31,64-85 31,-22 21-15,-21 22-1,0 21-15,22-22 16,-43 43-16,21 0 16,0 63-1,-21 22 1,0-22-16,0-21 0,0 43 16,0-43-16,0 21 0,21 22 15,0-22 1,-21-21-1,21-21 1,1 0-16,-22-21 0,21 0 16,0-22-1,0 22-15,21-63 16,1 20 0,20-42-16,-42 64 15,1 21-15,20-43 16,-42 43-1,0 63 1,0-20-16,0-1 16,0 0-16,0 21 0,-21 1 0,21 41 15,0 1 1,42 21 0,0-85-1,1 0-15,-22-21 0,106 0 16,-85-21-1,1 21-15,-22-21 16,42-43-16,-20 1 16,-43 20-16,21-41 15,0-22 1,-21 64-16,0-1 16,0 22-1,-64 42 1,43-21-16,-42 170 15,63-149-15,0 42 16,0 43 0,0-64-1,0-20 1,21-22-16,0 0 0,21 0 16,22-43-1,-1 1 1,-20 21-16,-22 0 15</inkml:trace>
-  <inkml:trace contextRef="#ctx0" brushRef="#br0" timeOffset="21938.44">19791 4403 0,'0'21'15,"21"-21"1,21-42 0,22-1-1,-22-20 1,-42 20-16,42 1 0,-20 0 0,41-106 16,-42 105-1,43-105-15,-1-21 16,1 21-1,-64 105-15,21-84 32,-42 148-17,0-21-15,-22 43 16,1 20-16,-170 318 47,191-190-32,21-22 1,0-127-16,42 43 16,-20-43-16,62 22 0,128-64 31,-127-64-15,42-41-1,-64-22 1,-42 84-16,0 1 15,22-43 1,-43 64-16,-21 21 16,-1 21-16,-41 43 15,63-22 1,0 127 0,0-126-1,0-1-15,21 0 16,64 1-1,-64-43-15,0 0 0,85 0 16,0-43 0,-85 22-16,21-42 15,-21 42-15,43-106 16,-22 42 0,-42 64-16,0 0 0,21-43 31,-21 106-16,0-20-15,-21 20 16,21-21-16,-63 127 31,63-105-15,-21 20-16,-1-63 16,22-21 15,0 0-31,22 21 15,20-85 1,-21 64-16,0-21 0,-21 20 16,21-20-16,1 21 0,62-106 15,-63 127 1,22-21 0,-43 42-1,0 0-15,0 0 0,0 64 16,0-43-1,0-21-15,0 43 16,0-43-16,0 0 0,0 0 16,0 22-16,0-22 0,0 21 31,0-63 0,0 0-31,21 0 0,0 0 16,-21-1-16,21 1 0,43-85 15,20 22 1,1-1 0,-21 43-1,-43 42-15,0 0 32,-21 42-32,-21 22 15,-22-1 1,43-42-16,-21 127 31,21-105-15,64 20-16,-1-63 15,-20 0 1,84-21 0,-106 0-16,21 0 15,64-85 1,-64 64-16,-21 20 0,1-20 15,-1 0-15,0 21 0,21-85 16,-42 85 0,0-1-1,-42 22 1,21 22-16,0-1 0,-64 106 31,64 0-15,21-64-1,0-20-15,63-22 32,-20-21-32,105-43 31,-127 22-31,64-42 16,-22-22-1,-63-21 1,0 0-1</inkml:trace>
-  <inkml:trace contextRef="#ctx0" brushRef="#br0" timeOffset="22355.05">21526 3154 0,'0'0'0,"-21"0"0,0 0 16,-21 42 0,21-21-1,21 1 1,21-1-1,0-21-15,42 0 16,-41 0 0,-1-64-1,-21 43-15,0 0 16,0 0-16,-21 0 16,-1 21 15,1 21-31,21 0 15,-21 0 1,21 0-16,-42 22 16,21-22-16,-43 42 15</inkml:trace>
-  <inkml:trace contextRef="#ctx0" brushRef="#br0" timeOffset="22671.87">19748 3683 0,'0'0'0,"-42"0"0,0 0 0,21 21 16,-1-21-16,22 21 0,22-21 16,20 0-1,0 0-15,1 0 0,84 0 16,-22 0-1,-62 0-15,20 0 0,128 0 32,-107 0-32,-62 0 0,62 0 15,-105 0 32,0 0-47,0 22 0,0-22 16,-22 21-16</inkml:trace>
-  <inkml:trace contextRef="#ctx0" brushRef="#br0" timeOffset="24246.54">1206 6414 0,'-21'0'15,"42"0"-15,-63 0 16,21 0-16,0 0 0,-22 0 16,22 0-16,0-22 15,21-20 1,0 21 0,85 21-1,-64-21-15,127 21 31,-106 21-31,43 0 16,0 43-16,-64-1 16,-21-21-16,0-20 0,-106 105 31,-21-64-15,106-42-16,-64 22 15,22-22 1,42-21-16,-1-21 15,22-1 1,85-20 0,-43 21-1,170 21 17,-85 85-17,-85-43 1,-20-21-16,-22 85 15,-64-21 1,-190 84 0,106-127-1,42-42 1,85 0-16,-21 0 16,-1-42-1,-41-22 1,84 43-16,0 0 0,-22 0 15,22 0-15,0 0 32,22 21-32,20 0 15,21-22 1,-20 1-16</inkml:trace>
-  <inkml:trace contextRef="#ctx0" brushRef="#br0" timeOffset="24581.5">2180 6816 0,'0'-21'78,"0"-1"-78,21 22 16,-21-21-16,21 21 15,-21-21-15,-21 21 47,21 21-31,-21-21-16,0 21 0</inkml:trace>
-  <inkml:trace contextRef="#ctx0" brushRef="#br0" timeOffset="25120.71">3810 6223 0,'21'-21'16,"-42"42"-16,63-63 0,-21-1 0,1 22 16,-1 0-16,42-64 15,-42-20 1,-21 83-1,0 44 1,-21-1-16,21 21 0,-42 43 16,-22 84-1,1 43 1,42-128-16,0 43 16,-1-63-16,1-1 0,0 128 15,21-128 1,-21-41-16,21 20 15,0-63 17,-21 0-32,21-22 15,0 22-15,0 0 16</inkml:trace>
-  <inkml:trace contextRef="#ctx0" brushRef="#br0" timeOffset="25890.4">3556 6519 0,'-64'-127'0,"128"254"0,-149-381 16,85 191 0,43-64-1,41 21 1,64 21 0,255 22 15,-255 148-16,-64 42 1,-62 21 0,-171 106-1,22-127 1,0-43 0,22-20-1,20-64 1,64-21-1,0-22 1,21 1 0,0 21-1,0 63 1,42 64 0,0-21-1,64 42 1,-21-64-1,-1-20 1,22-22 0,-85-21-16,255-43 31,-171 22-15,1-63-1,-21-1-15,-64 43 16,0 20-16,-21-105 15,0 64 1,-42 42 0,21 21-16,-43 21 15,43 0-15,0 21 0,-43 43 16,43-64-16,21 43 16,0 20-1,0-62-15,21 20 16,1-21-16,-1 0 0,63 0 31,-62 1-31,20-22 0,21 0 16,-63-22-16,43 1 15,-22-21 17,0 21-32,0 0 0</inkml:trace>
-  <inkml:trace contextRef="#ctx0" brushRef="#br0" timeOffset="27310.51">5376 7091 0,'0'0'0,"0"-21"46,0 0-46,0-1 16,0 1-16,21 0 16,1 0-16,-1 0 0,21 0 0,-21-22 15,64-63-15,0 1 16,-64 83 0,21-83-1,-42 83-15,-85 22 31,64 0-31,0 0 0,-42 22 16,41-1-16,1 0 0,-21 42 16,42 1-1,0-43-15,21 0 16,21 43 0,-20-43-16,-1 0 0,21 43 31,-21-1-31,-21 1 15,21-43 1,22 0 0,126-21 15,-42-42-15,-42-1-1,-22-41 1,-20-107 15,-43 106-15,0 22-1,0 42-15,0 42 16,0 0 0,-22 21-16,1 1 15,0 84 1,21-106-16,-21 21 15,21 1-15,0-22 16,0 63 0,0-62-16,42-1 15,22-21-15,-1 0 16,-42 0-16,22 0 16,63-64-1,-43 1 1,-21-22-1,-42 64-15,22 0 0,-22 0 16,21-22-16,-21-41 16,0 62-1,0 44 1,-21-1-16,-1 21 16,1-21-16,21 0 0,-21 1 0,0 62 15,21-20 1,0-22-1,21-21-15,43-21 16,-43 0-16,21 0 0,149 0 31,-64-42-15,-43-22 0,-63 43-16,1-42 15,-1-85 1,-21 105-1,-21 43 17,-1 21-32,1 1 0,0 62 15,0 1 1,21 21 0,-21-85-1,21 0-15,-21 0 16,21 0-1,0-42 17,0 0-32,0 0 0,0 0 15,0 0-15,42-43 16,0 1-16,-21 41 0,85-126 16,-42 106-1,-22 21 1,-21 0-16,85 63 15,-64 43 1,-20 20 0,-22-62-16,0 20 15,0-42-15,0 64 16,-22-64-16,1 0 16,21 1-1,-21-22 1,0 0-16,21-85 15</inkml:trace>
-  <inkml:trace contextRef="#ctx0" brushRef="#br0" timeOffset="29986.65">8361 6773 0,'0'0'0,"0"22"0,0-1 16,0 0-16,0 0 16,0 0-16,42-21 31,22 0-31,-22-21 15,-21 0-15,21 0 0,107-64 16,-22 0 0,0-42-1,-43 0 1,-63 64-16,1 21 0,-22-85 16,0-22-1,0 107-15,-64-64 16,22 43-1,21 63-15,-64 63 32,43-20-32,-43 105 15,-21 169 1,43-147-16,41-86 16,-41 445-1,63-423 1,-21 0-16,-43 296 15,43-169 1,0-127-16,0 0 0,-43 254 16,43-149-1,21-20 1,21-128 0,0-63-16,64-21 15,42-85 1,-85 64-16,107-85 15,-107 63-15,43-63 16,-43 64-16,0-1 16,22-211-1,-64 212-15,-21-128 16,-22 85 0,-63-63-16,64 127 0,-191-149 31,191 170-16,-43 0 1,106 21 0,1 0-1,20 0-15,85 0 16,42-42 0,-105 20-16,-1 1 0,22-21 15,-22 21-15,1 0 0,211-128 16,-211 86-1,-22-22 1,-42 64-16,0-42 16,-21 63-16,21-22 15,-64 22 1,1 22 0,20 20-1,22-21-15,-42 64 0,42-43 16,-1-21-16,22 127 15,0-105 1,43-22 0,-22-21-16,21 0 15,-21 0-15,85-85 32,-85 43-32,43-43 15,-43 43 1,-21 21-16,21-43 31,-21 128 0,0-43-31,21 64 16,-21-43 0,64 0-1,-64-21-15,127-21 31,-42-42-15,-1-43 0,-63 43-1,-21 21-15,0 0 0,22-64 16,-1 64-16,-21 42 31,0 0-15,0 0-16,0 1 0,0 105 31,0-22-15,21-62-1,21-43-15,43 0 16,84-85 15,-63-21-15,-21-42-1,-43 42 1,-21 43-16,22-85 16,-1-106 15,-42 232-15,-42 86 15,-1 63-31,-41 169 31,62-126-15,22-128-16,0 21 15,0 22 1,191-21 15,-85-64-15,0-43-1,-85 22-15,63-42 16,-62 41-16,41-41 16,-63 21-16,0-1 15,0 1-15,0 21 0,0-22 16,-21 43 0,-21 0-1,-1 85 1,22-21-16,21 20 15,0-63-15,21 43 16,64-1 0,21-41-1,232-22 17,-295-22-32,41 1 15,86-42 1,-64-43-1,-43-63 17,-84 126-17,-21 43 1,20 0-16,-62 43 16,41-22-16,-41 42 15,63-42-15,-1 22 0,-20-1 16,42 43-1,0-64-15,0 0 0,21 43 16,0-64 0,85 0-1,-85 0-15,64-43 16,-43 22 0,-20 0-16,20-64 15,21-63 1,-41 42-1,-1 64-15,85-360 32,-85 296-17,0 64-15,0-22 0,-21 22 16,0 63 0,-42 64-1,42-43-15,-106 191 16,64-106-1,20-64-15,1 1 16,-21 42-16,21-43 0,0 1 0,21 20 16,0-41-16,0 62 15,0-83 1,21 62-16,0-84 16,64 21-16,-1-21 15,-41 0 1,20-21-16,64-63 15,-106 62-15,0-20 16,1-21 0,-22-22-1,-43 43 1</inkml:trace>
-  <inkml:trace contextRef="#ctx0" brushRef="#br0" timeOffset="30410.06">10329 6435 0,'0'0'0,"-21"0"0,0 0 32,21-21-1,0-1-31,21 1 16,0 0-1,-42 21 16,-42 64-15,41-1 0,22-42-1,22-21 1,41 0 0</inkml:trace>
-  <inkml:trace contextRef="#ctx0" brushRef="#br0" timeOffset="32123.85">13525 6350 0,'0'0'0,"22"-21"16,-1 21-1,0-21-15,0 21 16,21-21-16,1-1 16,84-105 15,-85 0-15,-42 43-1,0-1 1,-63 106 15,41 85-15,1 63-1,21-63-15,0 85 16,0-128-16,0-20 16,0 62-16,0-62 15,21-1-15,-21 22 0,22-22 16,-22-21-16,0 43 15,-22-64 1,1 0-16,0 0 16,0 0-16,-43-64 15,43 43-15,-21-21 16,21-1-16,0 22 0,-22-42 16,43 41-16,-21-20 15,0 42-15,21 21 31,0 0-31,0 1 0,0 62 16,0-41-16,42 20 16,43 22-1,-64-85-15,0 21 16,64 0-16,-64-21 0,21 0 16,64 0-16,-63 0 15,-1 0-15,64-42 0,-64 21 16,0-1-16,128-105 15,-128 0 1,-21 22 0,-21 62-16,0-41 15,-21 62 1,-64 65 0,1 41-1,20 22 1,43-63-16,-21 62 15,42-83-15,0 41 16,0-42-16,0 0 0,127 43 31,0-64-15,-21-21 0,21-43-1,-85 43-15,85-85 16,-85-84 15,-42 84-15,-63 127 15,20 64-15,43 148 15,43-128-16,-22-62 1,0-22 0,-21 0-1,-63-84 17,20-1-17,22 64 1,85 85 31,-1-64-32,-42-21-15,85 0 32,-21-21-17,126-106 16,-126-21-15,-21-64 0,-22 21-1,-42 43 1,0 64 15,-64 189-15,-20 65-1,-1 63 1,85-85 0,0 85 15,21-170-15,64-42-1,0-21 1,-64 0-16,42-21 15,43-127 17,-106 63-1,21 64-31</inkml:trace>
-  <inkml:trace contextRef="#ctx0" brushRef="#br0" timeOffset="32357.77">15325 6477 0,'0'0'0,"-22"0"0,1 0 15,21-21 1,21 21 0,64-42-1,0 20 1,63-20-1,42 0 17,-105 21-17</inkml:trace>
-  <inkml:trace contextRef="#ctx0" brushRef="#br0" timeOffset="33842.23">16616 6223 0,'0'-21'15,"0"42"-15,0-106 16,-21-42 15,-22 127-15,22 0-16,-85 22 15,-42 83 1,21 65 0,42 232 31,149-254-32,-43-106-15,85 22 16,169-22-1,-127-42 1,149-190 31,-234 63-31,-42 84-16,-21-105 15,-21 85 1,-42 84-1,-128 191 17,149-128-32,21-63 15,-1 106 1,22-63-16,22-22 31,41-42-15,-42 0-16,43-21 15,-43 0-15,0 0 16,127-212 15,-105 106-15,-43 190 15,-64 128 0,64-106 1,21-43-17,43-21 1,147-84 15,-105-1-15,-85 22-16,106-106 15,-63-22 1,-64 43 15,-21 127-31,-85 106 32,85 42-17,21 22 1,63-65-1,1-41 17,-85-106-1,-1 42-15,-20-64-1,-21 22 16,41 42-15,22 42 0,22 0-1,20 1-15,106-22 32,-63-21-17,-43 0-15,85-21 16,-21-22-1,42-62 1,43-149 15,-191 169-15,0 21 0,-127 128-1,63-1 1,-42 234 15,127-213 0,149 1-15,-43-85 0,211-63 15,-211-64 0,-105 42-15,-22 64-16</inkml:trace>
-  <inkml:trace contextRef="#ctx0" brushRef="#br0" timeOffset="34517.73">15198 6329 0,'0'0'0,"-22"21"0,-20 0 16,21 0 0,42-21 15,0 0-31,85 0 15,127-42 17,-170 42-17,1 0 17</inkml:trace>
-  <inkml:trace contextRef="#ctx0" brushRef="#br0" timeOffset="36742.51">952 8869 0,'0'0'0,"22"0"15,-22-21-15,21 0 0,-21-1 16,0-20-16,0-64 31,0 64-15,0 21 0,-21 21-1,-1 84 1,1 86-1,0-43 1,-42 106 0,-86 63-1,86-190 1,21-64 0,42-63 15,0 0-31,63-64 31,-42 43-31,22-1 16,62-41-1,-20 63 1,42 21 0,-63 0-1,-1 0 1,1 0-1,20-22 17,-63-20-17,1-21-15,-22-1 16,-43-21 15,22 85-15,-21 22-1,42-1-15,-21 42 16,-22 128 0,43-107-1,0-62-15,0 20 16,-42 21-16,42 1 16,0-43-16,-21 21 31,21-63 16,0 0-47,0 0 0,42-21 15,-21-1 1</inkml:trace>
-  <inkml:trace contextRef="#ctx0" brushRef="#br0" timeOffset="37185.12">1841 9292 0,'-21'0'46,"42"0"1,1 0-31,-1-21 0,-21 0-16,21 21 15,-21-21 1,0 0-16,-21 21 31,0 0-15,-1 21-1,22 21 1,-21-21 0,21 0-1,0-42 16</inkml:trace>
-  <inkml:trace contextRef="#ctx0" brushRef="#br0" timeOffset="38438.54">3492 8975 0,'-21'0'0,"21"-21"16,0-1-16,-21 22 0,21-21 16,0-21-16,0 21 0,0-43 15,0-63 1,0 21 0,0 85-1,21-21-15,-21-22 0,0 43 16,0-63-1,0-22 1,0 127 15,0 0-31,0 64 16,-63 190 15,42-212-31,-22 213 16,22-107-1,-21-21 1,42 43 0,0-128-1,0-84 17,0 0-17,0 0-15,0-22 16,0-41-1,0 41-15</inkml:trace>
-  <inkml:trace contextRef="#ctx0" brushRef="#br0" timeOffset="38810.42">3111 8573 0,'0'0'15,"-21"-22"-15,0-20 0,0 21 0,0-64 31,21 43-31,0 0 0,42-22 16,43 22 0,-43 21-16,85-1 15,-63 22-15,84 0 16,106 43 0,-191 20-1,-20 64-15,-43-84 16,0-1-16,-85 106 15,-63-42 1,0 0 0,105-85-16,1 21 0,-22 1 15,22-43-15,0 42 16,42-21 0,21-21-1,64 0 1,-64 0-16,21 0 0</inkml:trace>
-  <inkml:trace contextRef="#ctx0" brushRef="#br0" timeOffset="40475.01">4170 9335 0,'0'0'16,"21"0"-16,0 0 15,0 0-15,-21-22 0,0 1 16,21 0-16,-21 0 0,0 0 16,0 0-16,0-64 15,-42 0 1,0 22 0,42 20-16,-21 22 0,-64-21 15,0 84 1,22 22-1,42-43-15,-22 106 16,1 42 15,42-63-15,42-64-16,1-20 16,-22-22-16,21 0 15,64-22 1,-43-20-1,1-21 1,-43 41-16,0-62 16,-21-43-1,0 63 1,0 43-16,0 0 16,-21 106 15,0-1-16,21-41-15,-21 41 16,21-20-16,63 20 31,-20-62-15,20-22-16,22 0 16,-43 0-16,-21-22 15,127-41 1,-21-43-1,-127 21 1,0 22 0,0 42-16,0 0 0,-42-22 15,0 43 1,21 43 0,21-1-1,0-21-15,0 0 0,63 106 16,-42-106-1,0 1-15,22 41 16,-22-42-16,-21 0 0,21 1 16,0-1-16,64 42 31,-43-63-15,64 0-16,-21-42 15,-64 21 1,0 21-16,85-64 15,-43-20 1,1-43 0,-64 105-16,0-62 15,-21-1 1,0 85-16,-22 0 16,22 0-16,-64 21 15,22 43 1,42-43-16,-22 0 0,-41 106 15,63-42 1,21-64-16,0 21 16,21 1-1,0-43-15,0 0 16,64 0 0,-22-22-1,22-62 1,-43 41-16,-21 22 15,1-127 1,-1 85 0,-21 20-1,0 64 1,0 1-16,-21-1 16,-1 21-16,1 43 15,21-1 1,21-20-1,43-22 17,42-42-32,0 0 15,-64-42 1,-21 21-16,0 0 16,64-85-1,-64 63-15,21-41 16,1-86-1,-1 22-15,-21 106 16,-21 0-16,0-64 16,0 85-1,-21 42 1,-42 85 0,41-64-16,22 0 0,-42 106 15,21-84-15,21 21 16,0 105-1,21-126 1,64-1 0,-22-63-1,-42 0-15,43-42 32,-43-1-17,-21 1 1,-21 42 15,0 0-15,0 21-16,-22-21 15</inkml:trace>
-  <inkml:trace contextRef="#ctx0" brushRef="#br0" timeOffset="41550.46">974 9017 0,'0'0'0,"-22"-21"0,-20 0 16,21 21-1,0 0-15,-22-21 0,22 21 0,0 0 16,21-22-16,-21 22 15,0 0-15,42 0 47,0 0-31,0 0-16,22 0 0,-1 0 16,0 22-16,22-22 0,147 0 15,-105 0-15,85 21 16,147-21-1,213 21 1,-403-21-16,572 21 31,-297-21-15,-42 21 0,-64 0-16,-232-21 15,211 22 1,-190-22-1,-42 21 1,-85-21 31,-1 0-47,-20 0 16,21 0-16,-233 0 31</inkml:trace>
-  <inkml:trace contextRef="#ctx0" brushRef="#br0" timeOffset="42186.15">1249 9271 0,'21'0'15,"0"21"1,0-21-16,0 0 0,22 0 16,168 21-1,1-21 1,-127 0-16,275 0 31,-22 0-31,-232 0 16,127 0-16,275-21 15,-381 21 1,0 0-16,339-21 16,-339 21-16,84 0 15,1 0 1,127 0 0,-276 0-16,149-21 15,-106 21 1,-1-21-1,-41 21 1,-22 0 15,-21 0-15,-42 0 0,-21 0-1,21 0-15,-191 0 31</inkml:trace>
-  <inkml:trace contextRef="#ctx0" brushRef="#br0" timeOffset="42697.42">3090 8573 0,'21'0'63,"22"0"-63,-22 0 16,127 0-16,-84 0 15,84-22-15,148 22 16,-42-21-1,-169 21 1,42 0 15,-148 0 16,-1 21-47,-20 43 31,21-22-15</inkml:trace>
-  <inkml:trace contextRef="#ctx0" brushRef="#br0" timeOffset="43202.15">3387 9208 0,'0'0'0,"0"21"16,21-21-1,21 0-15,-21 21 0,22-21 0,62 0 16,22 0 0,-42 0-16,-21 0 0,105 0 15,-84 0-15,-1 0 0,213 0 16,-192 0-16,86 0 15,-106 0-15,126 0 16,-84 0 0,-84 0-16,-22 0 0,0 0 31,-63 0 0,20 21-31,1-21 16,-42 0-1,42 0 1,-1 0-16,1 0 0</inkml:trace>
-  <inkml:trace contextRef="#ctx0" brushRef="#br0" timeOffset="43520.49">4085 9419 0,'0'0'0,"0"21"16,21-21-16,170 0 31,20 0-31,65 0 16,-1-21-1,-212 21-15,22-21 16,-22 21-16,107-21 15,-64 21 1,-64-21 0,-21 21-16,-21-21 15,0-1 1,-21 22-16,0 0 16,0-42-1</inkml:trace>
-  <inkml:trace contextRef="#ctx0" brushRef="#br0" timeOffset="43898.27">5207 9017 0,'0'0'0,"21"0"0,0 0 15,0 0-15,22 0 0,-22-21 16,106 0 0,-85 21-16,1 0 0,41 0 15,-41-21-15,-1 21 0,64 0 31,-64 0-15,-42 21 47,-21-21-63</inkml:trace>
+  <inkml:trace contextRef="#ctx0" brushRef="#br0">2519 2625 0,'21'0'32,"-21"-21"-32,21-1 15,0 22-15,-21-21 16,21 0-16,1 0 0,-1 0 16,-21 0-16,0-1 0,0 1 0,0 0 15,0 0-15</inkml:trace>
+  <inkml:trace contextRef="#ctx0" brushRef="#br0" timeOffset="1752.43">2773 1376 0,'-21'-21'0,"21"0"0,-22 21 16,22-22-16,0 1 0,0 0 15,0 0-15,0 0 0,0 0 16,0-1-16,0 1 0,0 0 16,0 0-16,0 0 0,0 0 15,0-1-15,0 1 0,0 0 0,0 0 16,0 42 15,0 0-31,0 0 16,0 22-16,0-22 0,0 21 15,0 1-15,0 20 0,-21-21 0,21 22 16,-21-22-16,21 22 0,0 20 16,-21-20-16,0-1 0,0 1 0,21-1 15,-22 1-15,22-1 0,0-20 16,0 20-16,0-20 0,0-22 0,0 21 15,0-21-15,0 22 0,0-22 16,0 0-16,0 0 16,0-42 15,0 0-15,0 0-16,0-1 0,22 1 15,-1-21-15,0 21 0</inkml:trace>
+  <inkml:trace contextRef="#ctx0" brushRef="#br0" timeOffset="2124.73">3217 1757 0,'0'21'16,"0"21"-16,-21-42 15,21 22-15,21-22 16,0 0 0,1 0-16,-1-22 15,-21 1-15,21 21 0,0-21 16,-21 0-16,0 0 0,0 0 16,0-1-16,0 1 15,-21 21-15,0 0 16,0 0-16,-1 0 15,22 21-15,-21-21 0,0 22 16,21-1-16,-21 0 0,21 0 16,0 0-16,0 0 15,0 1-15,0-44 32,21 22-17,0-21-15,0 0 0</inkml:trace>
+  <inkml:trace contextRef="#ctx0" brushRef="#br0" timeOffset="3614.99">5482 1058 0,'0'0'0,"0"-21"0,0 0 0,0 0 16,0 0-16,0 0 0,0-1 15,0 1-15,0 0 0,0 0 0,0 0 16,0 0-1,-21 21-15,0 21 16,0 0-16,21 0 0,-22 21 0,1 1 16,21 20-16,-21 1 0,0-1 15,0 1-15,0-1 0,21 1 0,-22 20 16,1 1-16,0-21 0,0 20 16,0 1-16,0-22 0,-1 1 15,22-22-15,-21 22 0,21-22 16,0 0-16,0-20 0,0-1 0,0 0 15,0 0-15,21-21 32,-21-21-32,22 0 0,-1-22 15,0 22-15,0-21 0,0 0 0,0-22 16,1 1-16,-1-1 0,0 1 16,0-1-16,0 1 0,0-22 15,-21 21-15,22-20 0,-1 20 0,0-20 16,0 20-16,-21 1 0,21-22 15,0 43-15,1-22 0,-1 22 16,0-1-16,0 22 0,-21 0 0,21 0 16,0 63-1,1-21-15,-22 43 0,21-22 0,-21 22 16,0-1-16,0 22 0,0-22 16,0 22-16,0-21 0,0 20 0,0 1 15,0 0-15,0-22 0,0 22 16,0-22-16,0 1 0,0-22 0,0 22 15,0-22-15,0 0 16,0-21-16,0 22 0,0-22 0,0 0 16,0 0-16,21-21 15,-21-21 1,0 0 0,0 0-16,-21-22 0,0 22 0</inkml:trace>
+  <inkml:trace contextRef="#ctx0" brushRef="#br0" timeOffset="3814.87">5355 1672 0,'0'0'0,"-21"0"15,42 0 1,0-21-16,22 21 0,-22-21 16,21 21-16,22-21 0,-22 0 15,21 21-15,1-22 0,-22 22 16,1-21-16,20 21 0,-42 0 0,22 0 15,-22 0-15,0 0 0,0 0 16,0 0-16,0 0 16</inkml:trace>
+  <inkml:trace contextRef="#ctx0" brushRef="#br0" timeOffset="6984.95">5990 2032 0,'0'21'0,"0"-42"32,0 0-17,21 0-15,0 0 0,1-22 0,-1 1 16,21 0-16,-21-22 0,0 22 16,22-22-16,-22 1 0,21-1 0,-21 22 15,22 0-15,-22-1 0,0 1 16,0 21-16,0 0 0,-21-1 15,0 44 1,-21-1-16,0 0 16,21 0-16,-21 0 15,0 0-15,21 1 0,-21-1 0,21 21 16,0-21-16,0 0 0,0 22 16,0-22-16,0 0 0,0 0 0,21 22 15,21-22-15,-21 0 0,0 0 16,1 21-16,-1-20 0,21-1 15,-21 0-15,0 0 0,1 0 0,-1 0 16,-21 1-16,0-1 0,0 0 16,-21-21-1,-22 0-15,22 0 0,0 0 0,-21 0 16,20 0-16,-20 0 0,21-21 16,-21 0-16,20-1 0,1 1 15,0 0-15,0-21 0,0 21 0,0-1 16,21 1-16,0 0 15,0 42 1,0 0-16,0 1 16,21-1-16,0 0 0,-21 0 0,21 0 15,0 0-15,0 1 0,-21-1 16,22 0-16,-1 0 0,0-21 0,0 21 16,0 0-16,22-21 15,-22 0-15,0 0 0,0 0 0,21 0 16,-20-21-16,20 21 0,0-21 15,1 0-15,-1 0 0,0-22 16,22 1-16,-22 0 0,0-1 16,22-20-16,-22 21 0,1-22 0,-22 1 15,21 20-15,-21 1 0,0 0 16,-21-1-16,0 1 0,0 21 0,0 0 16,0-1-16,0 1 0,0 0 15,-21 21-15,0 0 0,0 0 16,0 21-16,21 0 0,0 1 15,-21-1-15,21 21 0,0-21 16,0 22-16,0-22 0,0 21 16,21-21-16,-21 22 0,21-1 0,0 0 15,0-21-15,-21 22 0,21-1 16,1-21-16,-1 0 0,-21 22 0,21-22 16,-21 0-16,21 0 0,-21 0 15,0 1-15,-21-22 31,0 0-31,0 0 0,-1 0 0,-20 0 16,21-22-16,0 22 0,-22-21 16,22 0-16,0 21 0,0-21 0,0 0 15,0 21-15,-1 0 16,22 21 0,0 0-1,22 0-15,-1 0 0,-21 1 16,21-1-16,0 0 0,0 0 0,0-21 15,1 21-15,-1 0 0,0-21 16,0 22-16,0-22 0,22 0 16,-1 0-16,-21 0 0,43 0 0,-22 0 15,0-22-15,22 22 0,-22-21 0,22 0 16,-22 0-16,0-21 0,43-22 16,-43 22-16,1 21 0,-22-22 15,0 1-15,0 0 16,-21-1-16,0 1 0,0 21 0,0 0 15,0-1-15,0 1 0,0 0 16,0 0-16,-21 21 0,0 0 0,0 0 16,-1 0-16,1 21 15,0 0-15,0 0 0,21 22 16,0-22-16,-21 21 0,21 1 16,-21-22-16,21 21 0,0 0 0,0-20 15,0 20-15,0-21 0,0 0 0,21 22 16,0-22-16,-21 0 0,21-21 15,0 21-15,0-21 0,22 0 0,-22 0 16,0 0-16,21 0 16,-20 0-16,20 0 0,-21 0 0,21-21 15,-20 0-15,20 0 0,-21-1 16,0-20-16,0 21 0,1 0 0,-1-22 16,21-20-16,-42 42 15,21 0-15,-21-1 0,21 1 0,-21 0 16,0 42 15,0 0-31,0 1 16,0-1-16,0 0 0,0 0 0,0 21 15,0-20-15,0-1 0,0 0 16,0 0-16,0 21 16,0-20-16,0-1 0,22 0 0,-1-21 15,-21 21-15,21-21 0,0 21 16,0-21-16,0 0 0,22 0 0,-22 0 15,0 0-15,21-21 0,-20 0 16,-1 0-16,21 0 0,-21-1 0,22 1 16,-22-21-16,0 0 0,21-1 15,-21 1-15,1-22 0,-1 1 0,0-1 16,-21 22-16,0-21 0,0-1 16,0 1-16,0-1 0,0 1 15,0-1-15,0 22 0,0-1 0,0 1 16,0 21-16,0 0 0,0 0 15,0-1-15,-21 22 16,21 22-16,-21-1 0,21 0 16,-22 21-16,22 1 0,0-1 15,-21 0-15,21 22 0,-21-22 0,21 22 16,0-22-16,0 21 0,0 1 16,0-22-16,-21 22 0,21-1 0,0-20 15,0-1-15,0 21 0,0-20 0,0-22 16,0 21-16,0 1 0,21-22 15,-21 0-15,21 0 0,0-21 0,1 21 16,-1-21-16,0 0 16,0 0-16,21 0 0,-20 0 0,-1-21 15,21 0-15,-21 0 0,22 0 16,-22-1-16,0-20 0,21 0 0,-21-1 16,22 1-16,-22-21 0,0 20 15,0-41-15,-21 41 0,21 22 16,-21 0-16,0 0 0,22 0 0,-22 42 31,0 0-31,0 0 0,-22 0 16,22 22-16,-21-22 0,21 21 15,0-21-15,0 64 0,0-64 16,0 21-16,0-20 0,0 20 16,0-21-16,0 0 0,0 0 15,0 1-15,21-1 0,1-21 16,-1 0-16,21 0 0,-21 0 0,0 0 15,1 0-15,20-21 0,-21-1 0,0 1 16,0 0-16,1-21 0,-1 21 16,0-22-16,0 1 0,0 21 0,0-22 15,1 22-15,-22 0 0,0 0 16,0 0-16,0 0 0,21-1 0,-21 44 31,-21-1-15,21 0-16,0 0 0,0 0 0,-22 0 15,22 22-15,-21-22 0,21 0 16,0 0-16,0 22 0,0-22 0,0 0 16,0 0-16,0 0 0,0 0 15,0 1-15,21-22 0,1 21 0,-1-21 16,0 0-16,0 0 0,0 0 16,22 0-16,-22 0 0,0-21 15,21-1-15,-21 1 0,1 0 0,-1 0 16,0 0-16,0-22 0,0 1 0,-21 0 15,0 21-15,0-22 0,0 1 16,0 0-16,0 20 0,0-20 0,0 21 16,-21 0-16,-21 0 15,21 21-15,-1 0 0,-20 0 16,21 0-16,-21 0 0,20 21 0,1-21 16,0 21-16,21 0 0,-21-21 15,21 21-15,0 0 0,21-21 16,0 0-16,0 0 15,1 0-15,20 0 0,-21 0 0,0 0 16,22 0-16,-1-21 0,-21 21 0,21 0 16,1-21-16,-22 21 0,21-21 15,-21 21-15,1 0 0,-1 0 0,0 0 16,21 0 0,-21 0-16,1 0 0,-22 21 15,0 0-15,21-21 16,-21 21-16,0 1 0,0-1 0,0 0 15,0 0-15,0 0 0,0 0 16,0 22-16,0-22 0,0 0 0,0 21 16,0-20-16,0-1 0,-21 0 0,21 0 15,0 0-15,0 0 0,0 1 16,0-1-16,0-42 47,0-1-47,0-20 15,21 21-15,0 0 0,0-22 0,0 22 16,0-21-16,1 0 0,-1-22 16,0 22-16,42-22 0,-20 22 15,-22 21-15,21 0 0,-21-1 0,1 1 16,-1 21-16,0 0 0,0 0 16,0 0-16,0 0 0,-21 21 0,0 1 15,0-1-15,0 42 16,0-20-16,0-22 0,0 21 15,0-21-15,0 22 0,-21-1 0,21-21 16,0 0-16,0 22 0,0-1 16,0-21-16,21 0 0,-21 0 15,22-21-15,-1 0 0,-21 22 16,21-22-16,0 0 0,0 0 0,0 0 16,22 0-16,-22-22 0,21 22 15,-21-21-15,22 0 0,-1 0 0,-21 0 16,22-22-16,-1 22 0,0-21 15,1 0-15,-22-1 0,21 1 0,-21 0 16,0-1-16,1 1 0,-22 0 16,21 20-16,-21-41 0,0 42 15,0 0-15,-21 21 16,-1 0-16,1 0 0,0 0 0,0 0 16,-21 21-16,20 0 0,1 0 15,0 21-15,21-20 0,0-1 16,0 21-16,0-21 0,0 43 15,0-43-15,0 21 0,0-21 16,0 1-16,21-1 0,0 21 0,-21-21 16,22 0-16,-22 1 0,0-1 15,0 0-15,21 0 0,-21 0 0,0 0 16,0 1-16,0-1 0,-21 0 16,-1-21-16,1 21 0,0-21 15,0 0-15,0 0 0,0 0 16,-1 21-16,1-21 15,0 0-15,0 0 16,21-21 0,0 0-1,-21 0-15,21 0 16,0-1-16,0 1 0,-21 0 16,-1 0-16,22 0 0</inkml:trace>
+  <inkml:trace contextRef="#ctx0" brushRef="#br0" timeOffset="7304.22">9588 762 0,'0'0'0,"0"-21"16,0 42 62,0 0-63,0 0-15,0 1 16,-21-22-16,0 21 0,0 0 16</inkml:trace>
+  <inkml:trace contextRef="#ctx0" brushRef="#br0" timeOffset="7604.05">8572 1334 0,'0'21'0,"0"-42"0,22 42 31,-1-21-31,0 0 0,21 0 0,1 0 16,-1 0-16,0 0 0,22 0 15,-22 0-15,22 0 0,-1-21 0,-21 21 16,22 0-16,-22 0 0,1 0 15,-22 0-15,21 0 0,-21 0 0,0 0 16,1 0-16,-1 0 0,-21 21 16,0 0 15,-21-21-31,-1 0 16,-20 0-16</inkml:trace>
+  <inkml:trace contextRef="#ctx0" brushRef="#br0" timeOffset="8640.39">2646 3344 0,'0'0'15,"-21"0"-15,-1 0 16,1 0-16,0 0 0,21-21 15,0 0-15,0 0 16,-21 0-16,21-22 0,0 22 0,0 0 16,0 0-16,0 0 0,0 0 15,21-1-15,0 1 0,-21 0 16,21 21-16,1-21 0,-1 21 16,0 0-16,0 0 0,0 0 0,22 0 15,-22 21-15,0 0 0,21 22 16,-21-1-16,1 0 0,-1 1 0,-21 20 15,0-21-15,0 22 0,0-1 16,0 1-16,-21-1 0,-1-20 16,1 20-16,-21 1 0,0-22 15,-1 0-15,1 22 0,0-22 0,20 1 16,-20-22-16,0 21 0,21-21 0,-1 0 16,1-21-16,-21 0 0,21 0 15,0 0-15,-1-21 0,1 21 16,0-42-16,0 21 0,0 0 15,0-22-15,-1 1 0,1 0 0,21-1 16,0 1-16,-21 0 0,21-1 16,0 22-16,0-21 0,0-1 0,0 22 15,21 0-15,0 0 0,1 0 16,-1 21-16,0 0 0,0 0 16,21 21-16,-20 0 0,-1 21 0,21-20 15,-21 20-15,0-21 0,1 21 16,-22 1-16,0-1 0,21 0 0,-21 1 15,21-1-15,-21 0 0,0-20 16,0 20-16,0 0 0,0-21 16,0 1-16,0-1 0,21 0 15,-21 0-15,0 0 16,21-21-16,0 0 16,1 0-16,-22-21 0,21 0 15,0 0-15,0 0 0,0-22 16,0 22-16,1-21 0</inkml:trace>
+  <inkml:trace contextRef="#ctx0" brushRef="#br0" timeOffset="8881.25">3344 3662 0,'0'0'0,"0"-21"15,0 0 1,-21 21 15,21-22-31,-21 22 0,42 0 63,0 0-63,0 0 15,1 0-15,-1 0 0</inkml:trace>
+  <inkml:trace contextRef="#ctx0" brushRef="#br0" timeOffset="9316.01">4635 3133 0,'-21'-21'0,"42"42"0,-42-64 0,21 22 15,0 0-15,0 0 0,0 0 16,0 0-16,0-1 0,0 1 0,0 0 16,0 0-16,21 21 0,-21 21 31,0 0-31,0 0 15,0 1-15,0 20 0,0 21 0,0 1 16,0-22-16,0 43 0,0-22 16,0 1-16,0 21 0,0-22 0,0 1 15,0-1-15,-21 1 0,0-1 16,21-21-16,-21 22 0,21-22 16,0 1-16,0-22 0,0 21 15,0-21-15,0 0 0,0 1 0,0-44 31,0 1-31,0 0 16,0 0-16,0-21 0,0 20 0,0-20 16,0 0-16,0-1 0</inkml:trace>
+  <inkml:trace contextRef="#ctx0" brushRef="#br0" timeOffset="9652.36">4318 3175 0,'-21'-21'0,"42"42"0,-63-63 15,20 21-15,22-1 0,0-20 16,0 21-16,0-21 0,0 20 0,0-20 16,22 21-16,20-21 0,0 20 15,1-20-15,-1 21 0,0 0 0,22 0 16,-1 21-16,-20 0 0,20 0 16,1 0-16,-1 21 0,1 0 15,-1 0-15,-21 21 0,22 1 0,-43-1 16,21 0-16,-20 1 0,-22 20 0,0-20 15,0-1-15,-22 21 16,1-20-16,-21-1 0,0 0 0,-1 1 16,1-1-16,0-21 0,-1 22 15,22-22-15,-21 0 0,21 0 0,-22-21 16,22 21-16,21 0 0,-21-21 16,42 0 15,0 0-31,0 0 15,1 0-15</inkml:trace>
+  <inkml:trace contextRef="#ctx0" brushRef="#br0" timeOffset="12136.86">5503 3789 0,'21'0'0,"-42"0"0,64 0 16,-22-21-16,0 21 0,0-21 15,0-1-15,-21 1 0,21 0 16,1-21-16,-22 21 0,0-22 0,21 1 16,-21 21-16,0-22 0,0 1 15,0 21-15,0 0 0,-21 0 0,-1-1 16,1 1-16,0 21 0,0 0 0,0 0 16,-22 21-16,22 1 0,0-1 15,-21 0-15,21 21 0,-1-21 0,-20 22 16,21-1-16,0 0 15,0 1-15,-1-1 0,1 0 0,0 1 16,21-1-16,-21 0 0,21-20 16,0 20-16,0-21 0,0 21 0,0-20 15,42 20-15,-21-42 16,1 0-16,-1 0 0,21 0 16,-21 0-16,0-21 0,22 0 15,-22-1-15,21 1 0,-21 0 0,1 0 16,-1-21-16,21-1 0,-21 22 15,0-21-15,-21-1 0,22 1 0,-1 21 16,-21-21-16,21 20 0,-21-41 16,0 42-16,21 21 15,-21-21-15,0 42 32,0 0-32,0 0 15,0 0-15,0 22 0,0-22 0,0 0 16,0 21-16,-21-21 0,21 1 15,0 20-15,0-21 0,0 0 0,0 0 16,0 1-16,0-1 0,0 0 16,21 0-16,0-21 0,0 0 15,1 0-15,-1 0 0,0 0 0,21 0 16,1 0-16,-22-21 0,21 0 16,0 0-16,1-1 0,-1 1 0,0 0 15,-20-21-15,20-1 0,-21 22 16,0-21-16,0 0 0,1-1 0,-22 22 15,0-21-15,0 21 0,0-1 16,0 1-16,0 0 0,-22 21 0,1 0 16,0 0-16,0 0 15,21 21-15,0 0 0,0 1 16,0-1-16,0 0 0,0 0 16,21 0-16,0 0 0,0 1 15,-21 20-15,22-21 0,-1 0 0,0 0 16,0 1-16,-21-1 0,21 21 15,0-21-15,-21 0 0,0 1 0,22-22 16,-1 21-16,0 0 0,-21 0 16,21-21-16,0 21 0,0-21 0,1 0 15,-1 0-15,0 0 0,0 0 16,0 0-16,22 0 0,-22-21 0,0 0 16,0 21-16,21-21 0,-20-22 0,-1 22 15,21 0-15,-21-21 16,0-1-16,22 1 0,-22 0 0,21-22 15,-21 22-15,1 0 0,20-1 16,-21 1-16,0 21 0,22 0 0,-22-1 16,0 1-16,0 21 15,0 0-15,0 0 0,-21 21 0,0 1 16,0-1-16,22 0 0,-22 21 16,0-21-16,0 22 0,0-22 0,0 21 15,0-21-15,0 1 0,0 20 0,0-21 16,0 0-16,0 0 0,21-21 15,-21 22-15,21-22 0,-21 21 16,21-21-16,0-21 16,0 21-1,-21-22-15,0 1 0,0 0 16,22 0-16,-22-21 0,0 20 16,0-20-16,0 0 0,0 21 0,0-22 15,0 22-15,0 0 0,-22 0 16,22 0-16,-21 21 0,0 0 15,0 0-15,0 0 0,0 21 16,-1 0-16,1 0 0,-21 21 0,-22 22 16,43-43-16,-21 21 15,21 1-15,-22-22 0,22 21 0,0 1 16,-21-22-16,42 21 0,-21-21 0,21 0 16,0 22-16,0-22 0,0 21 15,21-21-15,0-21 16,0 0-16,0 0 15,22 0-15,-22 0 0,0 0 0,21-21 16,-21 21-16,43-42 0,-43 21 16,21 0-16,-20-1 0,-1-20 15,0 21-15,0-21 0,0-1 0,0 22 16,1-21-16,-1-1 0,-21 22 16,0 0-16,0 0 0,21 0 15,-21 0-15,0 42 16,0 0-1,-21 0-15,21 21 0,0-20 0,0 20 16,0-21-16,-21 21 16,21-20-16,0-1 0,0 21 0,0-21 15,0 0-15,0 1 0,0-1 16,0 0-16,21-21 0,0 21 0,0-21 16,21 0-16,-20 0 0,-1 0 15,0 0-15,21-21 0,-21 0 16,1 21-16,20-21 0,-21-22 0,0 22 15,22-21-15,-22 21 0,0-43 16,0 22-16,21-64 16,-20 42-16,-1 1 0,0-1 0,-21-41 15,0 62-15,0 1 16,0 0-16,0 20 0,0 1 0,0 0 16,-21 42-1,0 0-15,21 1 16,-22 20-16,1 0 0,0 1 15,0-1-15,21 21 0,0 1 0,0-22 16,-21 22-16,21-22 0,0 22 16,0-22-16,0 0 0,0 64 15,21-85-15,-21 0 0,21 1 16,21-1-16,-20 0 16,-1-21-16,21 0 0,-21 0 0,0 0 0,22 0 15,-22-21-15,21 0 16,-21-1-16,43-20 0,-22 0 15,-21 21-15,22-22 0,-22-20 16,21 20-16,-21-20 0,1-1 0,-22-20 16,0 20-16,21 1 0,-21-1 0,0 22 15,0 0-15,0-1 0,0 1 16,0 0-16,0 20 0,0 1 16,-21 21-1,-1 21-15,22 22 0,0-22 16,0 21-16,-21 1 0,21 20 15,0-21-15,0 22 0,0-1 0,0-20 16,0 20-16,0 1 0,0-22 16,0 0-16,0 1 0,0-1 15,0 0-15,21-20 0,1 20 0,-1-21 16,0 0-16,0 0 0,0 1 16,0-22-16,22 0 0,-1 0 0,-21 0 15,22 0-15,-22 0 0,21-22 16,43-20-16,-64 21 0,21 0 15,1 0-15,-22-22 0,0 1 0,0 21 16,0-22-16,0 1 16,-21 0-16,0 21 0,0-22 0,0 22 15,0 0-15,-21 21 16,0 0-16,0 0 16,0 21-16,0 0 0,-1 0 0,1 22 15,0-22-15,0 21 0,0-21 16,21 22-16,-21-22 0,21 21 0,0-21 15,0 1-15,0 20 0,0-21 16,0 0-16,0 0 0,21-21 0,0 22 16,0-1-16,0-21 0,22 0 15,-22 0-15,21 0 0,0 0 0,-20 0 16,20-21-16,0 21 0,1-22 0,-1 1 16,-21 0-16,21-21 15,1 21-15,-22-22 0,21 1 0,-21 0 16,22-22-16,-22 22 0,0-22 15,0 1-15,-21-1 0,0 1 0,21-1 16,-21-105-16,0 127 16,0-1-16,0 22 0,0 0 15,0 0-15,-21 21 0,21 21 16,-21 0-16,0 21 16,0 1-16,21-1 0,0 22 15,0-1-15,-21 1 0,21-1 0,0 1 16,-22-22-16,22 21 0,0 1 0,0-22 15,0 1-15,0-1 0,0 0 16,0-21-16,0 1 0,22 20 0,-1-21 16,0 0-16,0-21 15,0 0-15,0 0 0,1 0 16,20 0-16,-21 0 0,0 0 0,22-21 16,-22 21-16,0-21 0,21 0 0,-21 0 15,22-1-15,-22 1 16,21 0-16,-21-21 0</inkml:trace>
+  <inkml:trace contextRef="#ctx0" brushRef="#br0" timeOffset="12684.07">11049 3598 0,'-21'0'0,"42"0"0,-42-21 16,0 21-16,21-21 15,0 0 1,0 0-1,0 0 1,0-1-16,0 1 0,21 0 16,0 0-16</inkml:trace>
+  <inkml:trace contextRef="#ctx0" brushRef="#br0" timeOffset="16705.5">10901 3620 0,'0'0'0,"-21"0"0,-1 21 15,22 0-15,-21-21 16,21 21-1,-21-21-15,42 0 32,0-21-32,1 21 15,-1-21-15,0 0 0,0 21 16,0-22-16,22-20 0,-22 21 0,21 0 16,0-22-16,-20 1 0,20 0 15,-21-1-15,0 1 0,0 0 0,1-1 16,-1 1-16,-21 0 0,0 21 15,0-22-15,0 22 0,0 0 0,0 0 16,0 0-16,-21 21 16,-1-22-16,1 22 0,0 0 15,0 22-15,0-22 0,0 42 16,-1-21-16,1 21 0,-21 1 16,21-1-16,21 22 0,-21-22 0,21 64 15,0-64-15,0 22 16,0-22-16,0 0 0,0-21 0,42 43 15,-21-43-15,0 0 0,0 0 16,22 1-16,-22-22 0,21 0 16,1 0-16,-22 0 0,21 0 15,0 0-15,-20-22 0,20 1 0,-21 0 16,21 0-16,-20 0 0,-1-22 16,0 22-16,0-21 0,0 0 15,0-1-15,-21 1 0,22 0 0,-1-1 16,0 1-16,-21 0 0,21 20 0,0-20 15,0 21-15,1 0 0,-1 21 16,0 0-16,21 0 0,-21 0 0,1 21 16,-1-21-16,0 42 0,21-21 15,-42 22-15,21-22 0,-21 21 0,22 1 16,-22-1-16,0 0 0,0-21 16,0 22-16,0-1 0,0-21 0,-43 43 15,43-43-15,-21 0 16,0 0-16,21 0 15,0-42 17,0 0-32,0 0 0,0 0 0,21 0 15,0-22-15,0 22 0,1-21 0,-1 21 16,0-22-16,0 1 0,0 0 16,0-1-16,1 1 0,-1 0 0,0-1 15,0 22-15,0 0 0,0-21 16,-21 20-16,0 1 0,-21 21 31,0 21-31,0 1 16,0-1-16,0 21 0,-1-21 15,1 22-15,0-1 0,0 0 16,0 1-16,0-1 0,21 0 0,-22 1 16,22-1-16,0 0 0,0-21 15,22 43-15,-1-43 0,0-21 16,21 21-16,-21 0 0,22-21 15,-1 0-15,0 0 0,1 0 0,-1 0 16,22 0-16,-22-21 0,0 0 0,22 21 16,-22-21-16,0-21 15,1 20-15,-22 1 0,21-21 0,-21 0 0,-21 20 16,0-41-16,0 21 16,0-1-16,0 1 0,0 0 0,0-1 15,0 22-15,-21 0 0,0 0 0,21 0 16,-21 21-16,0 0 0,0 21 15,-1 0-15,22 0 0,-21 21 16,21 1-16,0-1 0,0 0 16,0 1-16,0-1 0,0 0 0,0 1 15,0-1-15,0-21 0,21 43 16,1-43-16,-1 0 0,21 0 16,-21 0-16,0-21 0,22 0 15,-1 0-15,0 0 0,1 0 0,41 0 16,-41 0-16,-1-21 15,-21 0-15,22 0 0,-1-21 16,0 20-16,1-20 0,-22 0 0,21-1 16,-21-20-16,0 21 0,22-1 15,-22-20-15,0 20 0,0 22 0,0 0 16,1 0-16,-1 0 0,0 21 16,0 21-16,-21 0 15,0 0-15,0 0 0,0 22 16,0-22-16,0 0 0,0 21 0,0-20 15,0-1-15,0 0 0,0 0 0,0 0 16,0 0-16,21-21 16,-21-21 15,21 21-31,-21-21 0,0 0 16,0-21-16,0 20 0,0 1 0,0-21 15,0 21-15,0-22 0,0 22 16,0-42-16,0 42 0,-21-1 15,21 1-15,-21 21 16,0 0-16,0 0 0,21 21 16,-21 1-16,-1 20 0,22 0 15,-21 1-15,0-1 0,21 0 0,-21 1 16,0-1-16,0 64 16,21-64-16,-22 0 0,22-20 15,0 20-15,0-21 0,0 21 0,0-20 16,22-1-16,-1 0 0,21-21 15,0 21-15,-20-21 0,20 0 0,0 0 16,1 0-16,-1 0 0,0 0 0,1-21 16,-1 0-16,-21 0 0,21-1 15,1 1-15,-22 0 0,21-21 0,-21-1 16,22 1-16,-22 0 0,0-1 16,0 1-16,-21 0 0,21-1 0,-21-20 15,22 42-15,-44 63 31,1-21-15,0 0-16,21 22 0,0-1 16,-21-21-16,0 43 0,21-22 15,0 0-15,0-20 0,0-1 16,0 0-16,0 0 0,0 0 0,0 0 16,0 1-16,21-22 0,0 0 0,0 0 15,22 0-15,-22 0 0,0 0 16,21 0-16,-21 0 0,22 0 15,-22-22-15,0 1 0,21 0 0,-20 0 16,-1 0-16,0-22 0,0 22 16,0-21-16,0 0 0,-21-1 0,0 22 15,22-21-15,-22-1 0,0 22 16,0 0-16,0 0 0,0 0 0,0 42 31,0 0-31,0 21 16,-22-20-16,22 20 0,-21-21 15,21 21-15,0 1 0,0-22 0,0 21 16,0-21-16,0 22 0,0-22 0,0 0 16,0 0-16,21 0 0,1-21 15,-1 22-15,0-22 0,0 0 0,21 0 16,-20 0-16,20 0 0,-21 0 16,0 0-16,0 0 0,22-22 15,-22 1-15,0 0 0,0 0 16,0-21-16,1 20 0,-1-20 15,-21 0-15,21-22 0,0-42 0,-21 43 16,0-1-16,0 1 0,21-1 16,-21 1-16,0-1 0,21-41 15,-21 41-15,0 22 0,0 21 16,0-1-16,0 1 0,0 0 0,0 42 16,0 0-1,0 22-15,-21-22 0,-21 169 16,42-126-1,-21-1-15,21 1 0,0-1 16,-21 1-16,21-1 0,0 1 0,0-22 16,0 1-16,0-1 0,0 0 15,0 1-15,0 20 0,0-42 16,0 0-16,21 1 0,0-22 0,0 21 16,0-21-16,0 0 0,1 0 15,20 0-15,-21 0 0,0 0 0,22-21 16,-22-1-16,0 22 0,21-42 15,-21 21-15,22 0 0,-22-22 16,0 22-16,21-21 0,-20 0 0,-1-1 16,-21 22-16,21-21 0,-21 21 15,21-1-15,-21 1 0,0 0 0,0 42 32,0 0-32,0 1 0,0 20 15,-21-21-15,0 21 0,21-20 16,-21 20-16,21-21 0,0 0 0,-22 22 15,22-22-15,0 0 0,0 0 0,0 0 16,0 0-16,0 1 0,22-22 16,-1 21-16,0-21 0,0 0 0,0 0 15,22 0-15,-22 0 0,21 0 16,-21 0-16,43-21 16,-43-1-16,0 1 0,21 0 15,-20 0-15,-1-21 0,0 20 0,0-20 16,0 0-16,0 21 0,1-22 0,-1 1 15,-21 21-15,0 0 0,21-1 16,-21 1-16,0 42 31,-21 1-31,21-1 0,-21 0 0,-1 0 16,1 21-16,21-20 0,-21 20 16,0-21-16,0 21 0,21-20 15,0 20-15,0-21 0,0 0 16,0 0-16,0 1 0,0-1 15,21 0-15,0-21 16,0 0-16,0 0 0,1 0 16,20 0-16,-21 0 0,0-21 0,22 0 15,20-22-15,-42 22 16,0 0-16,1 0 0,-1-22 16,21 22-16,-21-21 0,-21 0 0,0-1 0,21 1 15,-21-43 1,0 64-16,0-21 0,-21 21 0,0-1 0,0 1 15,0 21-15,0 0 16,-22 0-16,22 0 0,0 21 0,-21 1 16,20-1-16,1 21 0,-21-21 15,21 22-15,0-1 0,-1 0 0,22 1 16,0-22-16,0 21 0,0-21 16,0 0-16,0 22 0,0-22 0,22-21 15,-1 21-15,21 0 0,-21-21 0,0 0 16,22 0-16,-1 0 0,0 0 15,1 0-15,-22 0 0,21 0 0,1-21 16,-1 0-16,-21 21 0,21-21 16,1-22-16,-22 22 0,21 0 15,-21-21-15,22-22 0,-22 22 16,0 21-16,0-22 0,0 1 16,-21 21-16,0 42 31,0 21-31,0-20 15,0 20-15,0-21 0,-21 21 16,0 1-16,0-22 0,0 21 0,21-21 16,-21 1-16,-1 20 0,22-21 15,-21 0-15,21 0 0,0 1 16,-21-1-16,21 0 16,21-42 15,-21 0-31,21-1 15,1 1-15,-22 0 0,21 0 16,0-21-16,0 20 0,0-20 16,0 21-16,43-64 0,-43 43 15,21 0-15,-20 20 0,20-20 16,21 0-16,-41 21 16,20-1-16,0 22 0,-21 0 15,-21 22-15,22-1 0,-22 21 16,0-21-16,0 22 0,0-1 0,0-21 0,0 21 15,0 1-15,0-22 0,-22 21 16,1-21-16,21 22 0,0-22 16,-21 0-16,21 0 0,-21-21 15,21 21-15,0 1 0,0-1 16,0-42 46,21-1-62,0 1 16,-21 0 0,0 0-16,0 0 15,0 0-15,0-1 0</inkml:trace>
+  <inkml:trace contextRef="#ctx0" brushRef="#br0" timeOffset="17104.27">16256 2604 0,'0'0'15,"-21"0"-15,0 0 0,21 21 0,0 0 16,0 0 0,21 0-1,0-21-15,0 0 16,0 0-16,0 0 0,-21-21 16,22 0-16,-1 0 15,-21 0-15,0-1 16,0 1-1,-21 21 32,21 21-47,-22-21 0,1 22 16,0-22-16,0 0 0,0 0 16,0 0-16</inkml:trace>
+  <inkml:trace contextRef="#ctx0" brushRef="#br0" timeOffset="17488.05">14880 2985 0,'0'0'0,"-21"0"0,0 0 16,21 21-16,21-21 15,0 0 1,0 0-16,0 0 0,22 0 16,-1 0-16,0-21 0,1 21 0,-1 0 15,22 0-15,-22-22 0,21 22 16,-20 0-16,-1-21 0,0 21 16,1-21-16,-1 21 0,-21 0 0,0 0 0,1 0 15,-1 0-15,-21-21 47,-21 21 0,-1 0-31,1 0-16,0 21 0,-21-21 0</inkml:trace>
+  <inkml:trace contextRef="#ctx0" brushRef="#br0" timeOffset="54302.5">8064 6689 0</inkml:trace>
 </inkml:ink>
 </file>
 
@@ -206,7 +182,7 @@
           <inkml:channelProperty channel="T" name="resolution" value="1" units="1/dev"/>
         </inkml:channelProperties>
       </inkml:inkSource>
-      <inkml:timestamp xml:id="ts0" timeString="2021-02-02T14:24:54.446"/>
+      <inkml:timestamp xml:id="ts0" timeString="2021-02-03T14:13:17.319"/>
     </inkml:context>
     <inkml:brush xml:id="br0">
       <inkml:brushProperty name="width" value="0.05292" units="cm"/>
@@ -214,95 +190,81 @@
       <inkml:brushProperty name="color" value="#FF0000"/>
     </inkml:brush>
   </inkml:definitions>
-  <inkml:trace contextRef="#ctx0" brushRef="#br0">2667 2604 0,'0'-22'47</inkml:trace>
-  <inkml:trace contextRef="#ctx0" brushRef="#br0" timeOffset="956.73">2857 910 0,'-21'0'15,"21"21"-15,21-42 63,1 21-63,-1-21 0,21 0 16,-21 0-16,85-64 15,-64 43-15,22-43 16,-22 22-1,-42 20 1,-169 64 0,127 1-1,-170 83 1,64-20 0,21 148 15,148-148-16,42-22-15,-20-42 16,20 43-16,128 63 31,-149-43-15,-42-41-16,0 20 16,-148 85-1,-148-21 1,190-105-1,-106-44 1,127-20 0,64 0-16,-106-106 31,106 126-31,0-62 0,21 20 16,42 22-1,128 0 16,-107 20-31</inkml:trace>
-  <inkml:trace contextRef="#ctx0" brushRef="#br0" timeOffset="1306.53">3450 614 0,'0'0'0,"-63"0"16,41 0-1,1 0-15,21 21 0,-21 43 16,21 63 0,-21-85-16,0 148 15,21-126-15,-64 169 31,64-127-31,-21 42 16,21-106 0,0-21-16,0 0 15,21-21 1,0 0 0,-21-21-1,0 0-15,0-21 0,0-1 0</inkml:trace>
-  <inkml:trace contextRef="#ctx0" brushRef="#br0" timeOffset="1556.39">3027 1376 0,'0'21'0,"21"-21"15,85 0 16,-22-21-15,-62 21-16,-1-21 16,42 0-1,-20-1 1,-1 1 0</inkml:trace>
-  <inkml:trace contextRef="#ctx0" brushRef="#br0" timeOffset="1940.1">3514 1439 0,'0'0'15,"63"22"-15,1-22 32,-22 0-32,21-22 15,43-20 1,-42 0-1,-43-22 1,-21 22 0,-21 21-1,-43 0-15,43 21 16,-85 63 0,64-21-1,0 64 1,-1 0-1,43-85-15,0 127 16,21-105 0,43-43-1,-43 0-15,43 0 16,-43 0-16,0-21 0,85-43 16,-64 43-1,22-43-15</inkml:trace>
-  <inkml:trace contextRef="#ctx0" brushRef="#br0" timeOffset="2275.91">4318 1207 0,'0'-22'0,"0"44"0,0-65 15,-21 43 1,0 0-16,21 21 16,-22-21-16,22 22 15,0 62 1,0 1-1,0-43-15,0 43 16,0-43-16,0 22 0,0 190 16,-42-85-1,21 22 1,-21-43 0,42-106-16,0-21 0,0 64 31,0-43-31,0-84 31,21 21-15,0 0-16,21-106 15,-21 42-15,1 21 16</inkml:trace>
-  <inkml:trace contextRef="#ctx0" brushRef="#br0" timeOffset="2582.73">4276 1461 0,'-22'-22'0,"44"44"0,-44-86 0,1 1 16,0-22 0,42-21-1,43 85 1,20 21 0,1 21-1,0 127 16,-85-63-15,-64 21 0,-20-43-16,41-42 15,-41 43 1,62-64-16,1 21 16,21-42-1,0 0-15,0 0 16,21-1-16,22 1 15</inkml:trace>
-  <inkml:trace contextRef="#ctx0" brushRef="#br0" timeOffset="3053.44">4953 1270 0,'-21'0'0,"63"-21"0,-63 42 0,63-42 0,-21 0 0,1 21 16,-1-21-16,0-1 0,0 22 15,-21-21-15,0 0 0,21 21 16,-21-42 0,-21 42-1,-85 42 1,43 0 0,42-20-16,-43 83 31,64-62-16,0-22-15,21 0 16,64 0 0,-64 0-16,85 22 31,-106-1-31,0-21 16,-21 22-1,-85 20 16,64-42-31,-43 0 0,21-21 16,22 0 0,21 0-1,0 0 1,-22-21 0,43 0-16,-21 0 15,21 0-15</inkml:trace>
-  <inkml:trace contextRef="#ctx0" brushRef="#br0" timeOffset="4149.18">6371 677 0,'0'0'0,"0"-21"0,0-21 16,0 21-16,-21 0 16,0-22-1,21 22 1,-21 42-1,21 85 1,0 0 0,0-43-16,0 297 31,-22-233-15,22-84-16,0 41 15,-21-20 1,21-22-1,-21-42 17,21-42-17,0-43 1,0 64-16</inkml:trace>
-  <inkml:trace contextRef="#ctx0" brushRef="#br0" timeOffset="5652.96">6202 847 0,'-21'-43'0,"42"86"0,-42-128 0,21 64 16,0-64-1,0 1 1,21 62-16,63-105 15,22 85 1,-42 42-16,20 0 16,107 85-1,-85 148 17,-127-85-17,-22-85-15,-63 64 16,1 0-1,-44-42 1,128-64 0,0-21-1,21-21 1,-21 0-16,21 0 16,0-1-1,0 44 1,21 20-1,0 43 1,43 42 15,-1-43-15,1-41 0,-22-22-1,0-21-15,128-43 31,-86-20-15,-41-1 0,-22 1-16,0-85 31,-21 169 16,0 42-32,-21 64 17,21-42-17,0-43 1,63-42 0,64-21 15,-63-42-16,-1 20 1,-41-41 0,-1-43 15,-21 106-15,0 42 15,0 0-31,0 0 0,0 21 15,-21 22 1,21-43-16,0 21 0,0-20 16,0-1-16,0 21 15,42-42 1,-21 0-16,0 0 0,106-21 31,-42-21-15,-64 20-16,43-41 15,-64 21 1,21-64 0,-21 85-1,0 63 17,-21 85-1,21-64-31,-22-41 15,22-1-15,0 0 16,-21 0 0,0-21 15,21-21-15,0 0-16,0-22 15,0-41-15,148-128 31,0 149 1,-105 63-32,63 0 15,-22 63 1,-41 170 15,-43-170-31,0-41 0,-22-1 16,22 21-16,-42 22 15,42-43 1,-21-21-16,21 21 16,0-42-1,21-22 1,43-41 0</inkml:trace>
-  <inkml:trace contextRef="#ctx0" brushRef="#br0" timeOffset="6018.81">9398 656 0,'0'0'0,"0"-21"0,0 0 15,0-21 1,0 63-1,0 0 1,-64 212 15,43-127-15,0-64-16,-21 106 16,21-42-1,-22 21 1,43-106-1,-21-42 17,21 0-32,0 0 15,-21-1-15</inkml:trace>
-  <inkml:trace contextRef="#ctx0" brushRef="#br0" timeOffset="6673.29">8826 1101 0,'-42'0'0,"84"0"0,-20 0 32,126-21-17,42-43 1,-42 22 0,106-128 15,-169 65-16,-85 41 1,0 22 0,-21 42 15,0 0-31,0 63 16,21-20-16,-43 84 15,1 63 1,42-105-1,-42 63 1,-1-21 15,22-106-15,0-21 0,21-85 15,0 64-31,21-42 15,43-64 1,20 42 0,86 43 15,-86 105-15,-84-20-16,21-1 15,-21 43 1,-63 63 15,42-127-31,0 21 16,-1-42-1,128-63 17</inkml:trace>
-  <inkml:trace contextRef="#ctx0" brushRef="#br0" timeOffset="7047.88">10054 1164 0,'0'0'16,"0"21"-16,21-21 16,0 0-16,22 0 15,126-63 16,-127-1-15,-20-20 0,-22 63-16,0-22 15,-64 22 17,1 85-17,-1 41 1,43-62-16,0 20 0,0 107 31,84-86-15,22-84-1,-1 0 1,22-84 0</inkml:trace>
-  <inkml:trace contextRef="#ctx0" brushRef="#br0" timeOffset="7602.85">11493 635 0,'0'-21'0,"0"42"0,22-63 0,-1-1 16,-21 22-16,0 0 0,21-21 15,-21-1 1,0 22-16,0 64 31,0 105-15,-21 21-1,-22 22 1,-41 41 0,63-126-1,-1 42 17,65-148-17,-1-21 1,-21 0-16,22-64 15,-43 64-15,42-106 16</inkml:trace>
-  <inkml:trace contextRef="#ctx0" brushRef="#br0" timeOffset="7794.04">11324 995 0,'0'0'15,"-21"21"-15,21 0 16,21-21 15,64 0-15,-64 0-16,148-21 31,-148 0-31,64 0 16,-21 0-16</inkml:trace>
-  <inkml:trace contextRef="#ctx0" brushRef="#br0" timeOffset="8174.82">11874 1037 0,'0'0'15,"0"21"-15,-21 1 16,64-22 15,-22 0-31,42-43 16,64-20-1,-84 20 1,-22 22-16,-21-63 16,0 62-1,-170 65 17,86 63-17,41-1 1,43-62-16,-21-1 15,42 85 17,43-106-17,21-21 1,-64 0-16,63-42 0,22-22 16</inkml:trace>
-  <inkml:trace contextRef="#ctx0" brushRef="#br0" timeOffset="8546.6">12594 889 0,'0'-21'0,"0"42"0,0-84 31,-42 63-15,-22 42 0,43-21-16,0 21 15,0 64 16,42-85-15,64 43 0,-22-43-16,-21 64 31,-63-64-15,-63 21-1,-1-21 1,0-21-1,1 0 1,62 0 0,22-42-1,43 0 1,63-64 0</inkml:trace>
-  <inkml:trace contextRef="#ctx0" brushRef="#br0" timeOffset="8858.17">13123 550 0,'21'-21'0,"-42"42"0,42-84 15,-21 84 17,0 0-17,0 0-15,-42 85 16,21-21-1,0-43-15,-43 170 16,43 0 0,21-128-1,42-41 17,43-43-17,-64 0-15,64-64 16,-64 1-1,-21-22 1,0 43 0</inkml:trace>
-  <inkml:trace contextRef="#ctx0" brushRef="#br0" timeOffset="9040.17">12806 931 0,'0'0'16,"84"-21"-1,-41 0 1,-1 21-16,64-42 16,21 21-1,63-64 17</inkml:trace>
-  <inkml:trace contextRef="#ctx0" brushRef="#br0" timeOffset="9408.58">14224 614 0,'0'0'0,"21"0"0,0-21 0,43-64 16,-43 64-16,42-64 15,-63 22 1,-21 63-1,-42 0 1,-22 63 0,43-42-16,-85 128 15,42-1 1,22 0 0,41 64-1,44-128 1,62-20-1,22-64 1,85-43 15,-1-62-15</inkml:trace>
-  <inkml:trace contextRef="#ctx0" brushRef="#br0" timeOffset="10418.33">14626 953 0,'42'-43'0,"-42"-84"31,-105 381-31,168-338 0,-21-107 16,-84 191 0,0 21-1,21 0-15,-64 128 16,21-44 0,64-83-16,-21 62 15,21-41 1,43-22 15,41-42-15,-20-43-1,-43-21 1,21-63 15,-42 127-15,0 42-1,0 0 1,0 64-16,0 21 16,0-43-1,0-41 1,21 20 0,64-42-1,-43-42 1,22-22-1,21-105 17,-64 105-17,-21 43-15,0 63 32,21-20-32,-21-1 0,21 106 31,-21-43-16,42-20 1,-42-43 0,0 0 15,-21-21-15,21-21-16,-21 21 0,0-21 15,0 21-15,0-21 16,21 0-1,-22 21-15,22 21 16,0 21 15,43-21-15,-22-21-16,64 0 16,20-21-16,171-85 31,-171 43 0,-41-64-31,-64 63 16,-42 43 15,-22 106-15,43-64-16,-21 85 15,42-22 1,42 1 15,21-85-15,22-21-1,-43-21 1,-20 20-16</inkml:trace>
-  <inkml:trace contextRef="#ctx0" brushRef="#br0" timeOffset="13149.58">16700 995 0,'0'0'0,"-21"21"16,0-21-1,21-21 1,0 0-1,21-22-15,43-41 16,-43 41 0,106-189-1,-21-1 1,-106 190-16,0-20 16,-43-1-1,-84 128 16,106-22-31,-21 85 16,42 64 0,42-64-1,22 0 1,-43-106-16,42 127 31,-63-127-15,-21 0-1,-63-21 1,20-42 0,-42-64-1,106 127 17,43 64-17,20-21 1,64-1 15,-85-63-31,107 0 16,41-21-1,-21-21 1,-105 20-16,84-105 16,-148 0-1,0 85 1,0 21-16,-63 0 15,41 21-15,-126 0 32,42 127-17,43-21 1,63-1 0,63-20 15,22-85-16,0-21 1,-64 21-16,0-21 0,64-85 16,-64 85-1,-21-64 1,21 22-16,0 41 0,-21 1 16,0 85 15,0 63-16,0-85-15,0 43 16,0-43-16,0 22 0,-42 168 31,42-62-15,0 20-16,-21-20 16,21-107-16,0 22 15,0-64-15,-21 21 16,21 1-1,0-65 1,0 1 0,0 0-16,21-21 0,63-212 15,-62 106 1,62-191 0,-41 148-1,-22 107-15,-21-1 0,42-254 31,-42 276-31,0-1 16,0 86 0,0 20-1,0 0-15,-21 43 16,21 42 0,0 0-1,0-106-15,0 43 0,0-43 16,21 0-16,21 0 15,1-21 1,41-42 0,-20-43-1,-1-84 1,-41 63 0,-22 85-16,0 0 15,0-1 1,0 44 15,-22 41-31,22-42 0,0 43 16,0-22-16,0 22 15,0-43-15,0 0 0,0 21 16,43 22 0,20-22-1,22-42 1,-64 0-16,64-21 15,-43 0-15,85-106 32,-106 106-32,0-106 0,-21 42 31,0 0-31,-21 85 16,0 0-16,-42 127 31,63 0-16,0-42 1,42-22 0,-21-41-1,0-22-15,0 0 0,1 0 16,126-22 0,-106-20-1,43-64 1,-85 85-16,21 0 15,0 0-15,-21-43 16,0 85 15,0 1-31,0 20 16,0-21-16,0 0 0,0 0 0,0 64 16,0-64-1,0 43 1,0-43-16,0-42 31,0 0-15,42-43-1,-20 43-15,20-64 16,-21 22-16,-21 42 16,21 21-16,0-22 15,-21 44 1,0 62-1,0-41 1,0-22-16,22 21 0,-1 43 16,21-43-1,0-42 1,22 0 0,42-63 15,-64-43-16,-21 85-15,0-85 16,22-42-16,-1-106 31,-21 169-15,-21 64 0,0 42-16,0 0 15,0 21-15,-42 85 16,21-42-1,21-43-15,0 149 16,0-106 0,0-64-16,0 21 0,0 22 15,42-43 1,-21-21 0,0 0-16,1-21 15,-1 21-15,-21-22 0,42-62 31,22-1-31,-64 106 32,0 0-17,0 1-15,0 41 16,0 1 0,0-22-16,0-21 15,0 0-15,0 0 16,0-42 15,0 0-31,0-21 16,63-43-1,-63 43-15</inkml:trace>
-  <inkml:trace contextRef="#ctx0" brushRef="#br0" timeOffset="13284.51">20045 699 0,'0'-22'15,"0"-20"1,-21 233-16,42-318 0,-21 42 31,-21 106 16,-1-21-31</inkml:trace>
-  <inkml:trace contextRef="#ctx0" brushRef="#br0" timeOffset="13485.39">19494 804 0,'-21'0'15,"42"0"-15,-63 0 0,63 0 32,64 0-17,21-21 1,0 0-1,-1 21 1</inkml:trace>
-  <inkml:trace contextRef="#ctx0" brushRef="#br0" timeOffset="15201">20574 953 0,'21'0'15,"0"0"-15,-21-22 16,21 1-16,-21 0 16,0 0-16,0 0 15,0 0-15,0-106 32,-63 84-17,21 43-15,-43 43 16,64-22-1,-43 42-15,-20 149 32,84-149-17,21-20 1,0-43 0,0 0-16,127-43 31,-84-41-16,-43-22 1,0 85-16,21-106 16,-42 21 15,0 127-15,0 21-16,0 85 31,43 106-16,20-190 1,22-22 0,-22-21-1,1-43 1,-43 22-16,21-85 16,-20-21-1,-1 85 1,0-21-16,42-276 15,-41 148 1,-1 86 0,-21 83-1,0 44-15,-85 168 32,43 1-17,42-22 1,0 43-1,42-64 1,22-85 0,-43-63-1,63 0-15,1-84 32,-21-43-17,-22 42 1,-42 21-16,63-105 0,-41 106 15,-1-213 1,-21 234 0,0 63-1,-64 106 1,1 43 0,63-128-16,-21 275 31,63-168-16,21-86 1,1-42 0,21-21-1,-1-42 1,22-85 0,-85 63-1,-21 86 16,0 20-15,0 0 0,0-21-16,0 22 15,0-22 1,21-21-16,64 0 16,-64 0-16,43-21 31,-1-43-31,-42 1 15,-21 42-15,43-64 32,-43 127 15,0-21-47,-21 1 0,-1 41 15,22 1 1,0 84-1,0-106-15,0 64 16,0-43-16,0-20 0,0 190 16,0-128-1,0 128 1,0-169-16,0 84 16,0-106-16,0 128 15,-21-149 1,0 42-1,0-42-15,0-21 16,0 0-16,-1-21 0,-41-63 31,-22-43-15,1-43-16,62 107 16,-20-85-16,42 63 0,0 0 15,21-169 1,22 170-1,62-65 1,-62 128-16,-22 0 0,21 0 16,-21 0-16,22 0 0,63-43 15,-43 43 1,-42 0 0,-21 0-1,-63 21 1,20 0-16</inkml:trace>
-  <inkml:trace contextRef="#ctx0" brushRef="#br0" timeOffset="17835.63">2900 2053 0,'-21'0'16,"42"0"-16,-64 0 0,22 0 15,64 0 63,-22 0-78,42 0 16,-42 0-16,43 0 0,42 0 16,42-21-1,127 21 16,-84 0-31,-22-21 16,0 21 0,-105 0-16,-22 0 15,127 0 1,1 0-16,20 0 16,-126 0-1,126 0-15,-126 0 16,211 0-1,-42-21 1,0 21 0,-43-21-1,-126 21-15,-1 0 0,106-22 16,-105 22-16,148-21 16,20 21-1,-20-42 1,-148 42-16,211-21 31,-212 21-31,85-21 0,43 21 16,-106-22-1,105 22-15,-148 0 0,234-21 32,-107 0-17,-84 21 1,-22 0-16,64 0 15,-63 0-15,105 0 16,0 0 0,-105 0-1,42 0 1,-85 0-16,169 0 31,-84 0-15,0-21-16,84 21 31,-41 0-15,-1-21-16,0 21 15,275 0 17,-190-21-17,-21 21 1,-149 0-16,85 0 15,-84 0-15,169 0 16,21 0 0,127 0-1,-297 0 1,43 0-16,106 0 16,-21 0-1,-127 0-15,169 0 31,-64 0-31,-21 0 16,1 0 0,-107-22-16,1 22 15,169 0 1,-191 0-16,21 0 16,149-21-1,-148 21-15,41 0 0,-41 0 16,275 0-1,-212-21 1,148 21 0,-64-21-1,-147 21-15,211 0 16,-190-21-16,84 21 16,149 0-1,-86 0 1,255 0 15,-339 0-15,64-21-16,-64 21 15,-63 0-15,-22 0 16,234 0 0,-64 0-1,-22 0 1,-147 0-16,84 0 15,-85 0-15,255-22 16,-191 22 0,-64 0-16,170 0 15,-169 0 1,-1 0-16,1 0 0,253 0 16,-190 0-1,148 0 1,-148 0-1,-84 0-15,84 0 16,106 0 0,-128 0-16,86 0 15,-128 0-15,1 0 16,-1-21-16,-20 21 0,20 0 16,128-21-1,-85 21 1,-64 0-16,85-21 15,-85 21-15,43 0 16,148-21 0,-127 21-1,-43 0 1,-42 0 0,0 0-1,-21-21 16,-21 21 79,0 0-110,0 0 0,0 0 15</inkml:trace>
-  <inkml:trace contextRef="#ctx0" brushRef="#br0" timeOffset="19037.61">3260 3217 0,'0'-21'15,"0"-21"-15,0 21 16,0-22 0,0 1-16,0 0 15,0 21 17,-22 21-32,22 21 46,0 0-46,0 21 0,0-21 16,0 22-16,0-22 0,0 64 16,0 42-1,0 0 1,-21-85-16,21 43 16,0-64-16,-21 85 15,21-85 1,0 0-1,0-42 48,0 0-47,0-1-16</inkml:trace>
-  <inkml:trace contextRef="#ctx0" brushRef="#br0" timeOffset="19435.38">3683 3577 0,'0'21'15,"-21"-21"-15,21 22 16,21-22 15,0 0-15,0 0-16,-21-22 16,21 1-1,-21 0 1,-21 0-1,-21 21 1,21 21 0,0 0-1,-1 0-15,22 1 0,0-1 32,22-21-17,-1-21 1</inkml:trace>
-  <inkml:trace contextRef="#ctx0" brushRef="#br0" timeOffset="21927.46">5821 3217 0,'0'0'0,"-21"0"16,21-21-1,0 0 1,21 0 0,21 0-1,-21 0-15,22-1 16,-43 1-16,21 0 0,21-42 15,-21 41-15,22-83 16,-43 20 0,-22 64-1,-20 21-15,-21 0 16,20 0-16,22 0 0,-106 21 16,64 21-1,63 1 1,0-22-16,0 21 15,0-21-15,0 0 0,21 22 0,42 41 32,1 1-32,-43-21 15,0-22 1,0 43-16,-21-43 0,-21 106 31,-64-84-15,1-22-1,-1-21 1,43-21-16,21 0 0,-85-21 31,85 0-31,-43-64 0,1-21 16,41 0 0,22 22-1,0 63 1,0 42-1,106 106 17,-63-21-17,-22-85-15,63 63 16,-20 1 0,42-21-1,63-43 1,-42-21-1,-21-64 1,-21 43 0,-43-21-16,64-64 15,-64-42 1,-42 84 0,0 43-16,0-64 15,-42 64 1,21 42-1,-22 43 1,22 42 0,21-64-16,0-21 0,0 106 31,21-42-15,0-64-16,43-21 15,-43 0-15,0 0 16,64-21-1,21-21 1,21-43 0,-85 21-1,-21 22-15,0 0 0,43-170 16,-22 64 0,-42 84-16,21-63 15,1 22 1,-22 20 15,0 127-15,0 22-1,0-43-15,0 21 16,-43 128 0,22 41-1,0-63 1,21-63-1,0-43-15,0-20 0,42 83 16,1-62 0,-22-43-16,85 0 15,-43-21 1,-21-1-16,128-83 31,-149 83-31,21-62 0,22-43 31,-64 42-31,-21 22 32,-22 63-32,1 21 15,21-21-15,0 84 16,-1-62 0,22 20-16,-21 85 15,21-42 1,21-43-1,1-21-15,20 21 16,-21-42-16,106 0 16,-21-42-1,-43 0 1,-41-1-16,41-20 16,-42 42-16,0-22 0,64-105 15,-21 85 1,-64 20-1,21 43 1,0 0 0,-21 43-1,0-22 1,42 21 0,-21-42-1,1 0 1,-22-42-1,0 0 1,0 20 0,-22 22-16,1-21 15,-21 21 1,0 0 0,-1 43-1,43-1-15,-42 85 16,42-106-1,0 85-15,0 0 16,21-43 0,0-42-1,106 22 1,-42-43 0,0-21-1,-22-22-15,-42 22 16,85-191-1,-64 64 1,1 0 0,-43-21-1,42-43 1,-42 149 0,0 20-1,0 64 1,0 1-16,0-1 0,-21 127 31,0-21-31,21 21 16,0 0-1,0-105-15,0-1 16,0 0-16,0-21 0,0 22 16,21 84-1,0-106 1,0 0-1,0-21-15,1 0 0,-1 0 16,42-63 0,-42 41-16,1-20 15,-1-21 1,0-1 0,-21 43-16,0 0 0,0 0 15</inkml:trace>
-  <inkml:trace contextRef="#ctx0" brushRef="#br0" timeOffset="22147.33">8403 3006 0,'0'21'0,"21"-21"32,43 0-17,20-21-15,-41 21 16,-22 0-16,127-43 15,-63 22 1,-64 21 0</inkml:trace>
-  <inkml:trace contextRef="#ctx0" brushRef="#br0" timeOffset="23512.39">10202 3302 0,'21'0'31,"1"-21"-31,-22 0 15,21 0-15,0-1 0,-21-62 32,0-1-17,-42 43 1,-22-22 0,22 43-16,-22 0 15,-20 21 1,-65 127-1,107-21 1,21-64-16,21 85 16,0-42-1,63 42 1,-20-106 0,-22-21-16,85-21 15,-64 0 1,0-1-16,43-83 31,-21-1-31,-22 0 16,-21-21-1,0 42 17,0 106-1,-21 22-16,0-1-15,0 127 16,0-84 0,22 21-1,-1-85-15,-21 21 0,42-20 16,-42-1-16,127-21 16,-21-43-1,0-20 1,-22-43-1,-62 64-15,-1-1 0,21-147 32,-21 42-32,0 63 15,-21 43-15,0-1 16,0 22-16,0 0 0,0 0 31,0 42-31,0 21 16,-42 107-1,21-44-15,21-62 16,0-1-16,0 212 16,0-212-1,0 1-15,0 63 16,63-64 0,-41-42-16,83 0 15,-62 0-15,41-85 16,1 1-1,0-43 1,-64 84-16,42-147 31,-63 63-31,22-43 16,-22 128 0,0 21-1,0 42 1,0 0-16,0 0 15,-22 22-15,22 63 16,-42 42 0,42-106-16,-42 149 15,42-43 1,0-85 0,21 1-1,0-64-15,21 0 31,-20 0-31,20-21 16,0-22-16,1-20 16,-22 42-16,-21-22 0,21 22 15</inkml:trace>
-  <inkml:trace contextRef="#ctx0" brushRef="#br0" timeOffset="23994.63">12975 2731 0,'0'0'15,"0"-22"-15,0 1 0,0 0 0,21-21 16,-21 21-16,0-1 0,0 1 0,0-21 31,0 63-15,0 43-16,0-43 15,-21 127-15,21-85 16,0-20-16,-42 126 16,21-127-16,-1 128 15,1-43 1,21-43 0,-21-62-16,21 41 15,-21-63 16,21-21-31,0 0 0,-42-43 16,20 43-16</inkml:trace>
-  <inkml:trace contextRef="#ctx0" brushRef="#br0" timeOffset="24884.73">12467 3133 0,'0'0'0,"42"0"47,-20 0-47,83 0 16,44-21-16,253-85 31,-275 21-15,-21-21-1,-85 43 1,-21-107 15,-43 170 0,43 22-31,-21 20 16,0 64-16,-21 148 31,42-212-31,-21 85 16,-1 21-1,22-84 1,-21 20 15,21-126 1,0 21-32,21-21 15,106-170 16,-42 106-15,-21 85 0,-43 21-1,21 21 1,-42 43-16,0 126 31,0-105-15,0-22-1,21-42 1,43 1 0,-22-22-16,-21 0 15,22-22-15,-22 1 0,127-42 16,-63-1 0,20-42-1,-83-21 1,-22 43 15,-64 84-15,1 84-1,63 1 1,0-64-16,-22 43 16,22-43-16,43 85 31,-1-106-16,0 0 1,22-21 0,-22-43-1,-21 43-15,1-21 0</inkml:trace>
-  <inkml:trace contextRef="#ctx0" brushRef="#br0" timeOffset="27994.13">15261 3239 0,'-21'21'0,"21"0"47,0 0 312,0 0-359,0 0 16,21-21 0,-21 22-16,21-22 15,0 0 1,1 0 0,-1-22-1,-21 1 1,21 21-16,-21-42 0,21 21 15,0-22-15,-21 1 16,64-43-16,-64 43 16,21 0-16,42-64 15,-20 64 1,-1 20 0,-21 22-1,0 0-15,-21 43 16,22-22-1,-22 0-15,0 0 16,21-21 15,-21-21 1,0 0-17,0 0-15,0 0 16,0-1-16,-21 22 15,-1-21-15,1 21 0,0 0 16,-21 21 0,21 1-16,-22 20 15,1 64 1,21 42 0,21-106-16,0 128 31,42-107-31,0-42 15,-20-21-15,62 0 16,43-21 15,-21-42-31,-85 20 0,64-63 16,-64 85-16,0-21 16,0-22-16,1 22 15,-1 0-15,42-106 16,-20-22-1,-1 22-15,-42 63 16,0 43 0,0 0-1,0 84-15,-21 43 16,0 63 0,-1 0-1,22 148 16,0-190-15,43-42-16,63 20 16,126-84 15,-126-42-15,0-43-1,-64 22 1,1-22-1,-22-84 1,-21 84 0,-64 85-1,22 21 1,-21 43 0,20-43-16,-41 106 15,41-21 1,43 0-1,0-85-15,0 21 16,64 1 15,-1-43-15,-42-22-16,43-20 16,-1-21-1,-20-43 1,-22-21-1,0 42 1,-21 43 15,0 105-15,-21 1 0,21-43-16,-21 85 15,21-85-15,0 85 16,0-43-1,21-42-15,0-21 0,0 22 16,22-22 0,-22 0-16,0 0 0,85-43 31,-22 1-31,22-43 16,-85 43-16,1 21 15,20-43-15,-21 22 16,0-64-1,-21 85 1,-21 21 0,0 21-16,21 0 15,-21 0-15,21 64 16,0 0 0,0-64-16,21 21 15,0 43 1,-21-64-16,0 0 15,-21-21 32,0 0-47,21-21 0,-21 21 16,-1-21 0,1 21-16,-21-21 15,21 21 1,21 21-1,0 21 1,0-21 0,21 1-1,0-22-15,-21 21 0,64-21 16,-43 0-16,127 0 16,-85-21-1,-20-1-15,63-41 16,-1-1-1,-83 22-15,62-85 32,-63 21-32,-21 43 15,0 20 1,-21 43 0,0 43-1,-21 41 1,42 1-1,0-43-15,0 22 0,0-43 16,0 0-16,0 85 16,21-42-1,-21-43 1,0 0 0,-21-21-16,-22 0 15,22 0 1,0 0-1,0 0-15,0 0 0,-22 0 16,22 0-16,0 0 16,-21 21-16</inkml:trace>
-  <inkml:trace contextRef="#ctx0" brushRef="#br0" timeOffset="29146.61">3154 4805 0,'-21'0'0,"-1"0"15,1 0 1,0-21 0,21 0-16,-21-1 15,21 1-15,0-21 16,0 21-16,42-22 15,43 1 1,21 21 0,-85 21-1,85 42 1,-64 1-16,0 41 16,-42-41-16,0-1 15,0 43-15,0-43 0,-21 0 16,-106 128-1,64-86 1,-43 22 0,64-85-16,-64 43 15,85-64-15,-106 21 16,105-21-16,-20 0 16,-21-85-1,63 43 1,0 21-16,0 0 0,42-85 15,0 85 1,-21-1 0,1 22-16,20 0 0,21 43 15,-20-22-15,63 106 32,-64-85-17,21 64 1,-20-64-16,-22-20 15,21-1 1,-21-21 15,-21-21-15,22-1-16</inkml:trace>
-  <inkml:trace contextRef="#ctx0" brushRef="#br0" timeOffset="29352.49">3895 5207 0,'0'0'0,"21"0"0,-21-21 94,0 0-94,0 0 0</inkml:trace>
-  <inkml:trace contextRef="#ctx0" brushRef="#br0" timeOffset="30603.34">6181 4614 0,'0'0'0,"0"-21"15,21-85 1,-21 85-16,0-21 16,0 63 15,0 0-31,0 0 0,0 22 0,0 84 16,0 63-1,0-126-15,0-1 16,0 149-1,-43-85 1,22-21 0,21-64-16,0-21 15,-21-21-15,21-21 32,0-21-17,0 21-15,0-85 16,0 85-16,0-233 15,0 148 1,0 42-16,0-84 16,21 21-1,0 106-15,1-21 16,147-64 0,-106 106-1,-20 0-15,105 21 16,-63 42-1,-43 107 1,-84-64 0,-64-1-1,0-20 1,85-64-16,-106 22 16,84-43-1,22-64 1,0 43-1,21 0-15,0 42 32,21-21-32,22 106 15,-22-43 1,0-42-16,21 43 16,1 42-1,20-43 1,1 1-16,-43-64 15,85 21-15,-85-21 16,21 0-16,106-42 16,-42-43-1,-64 64 1,1-85 0,-1 0-1,-42 43-15,0 63 31,0 84-15,0 22 0,0 0-1,-21-64 1,21 1 0,0-65 30,0 1-46,0 0 16,0 0-16,0-43 0</inkml:trace>
-  <inkml:trace contextRef="#ctx0" brushRef="#br0" timeOffset="30800.23">7175 4741 0,'0'-21'16,"0"42"-16,0-63 31,0 63 16,22-21-31,-22 21-1,21-21-15</inkml:trace>
-  <inkml:trace contextRef="#ctx0" brushRef="#br0" timeOffset="31633.28">7768 5165 0,'0'0'0,"21"0"0,-21-21 16,21-1-16,22-83 15,-22 20 17,-21 43-32,-64-85 31,43 127-31,-63 0 16,-1 63-1,0 43 1,43 21-1,42-21 1,21-43 0,127-63 15,0-84-15,-84-1-1,-22 43 1,-42-1 15,0 64-15,0 22-1,0 84 1,-21 21 0,0 148 15,21-126-16,0-107-15,0 128 16,0 63 0,0-22-1,0-41 1,-42-128 0,-43 1-1,-190-128 16,84-105 1,43-43-17,106 22 1,105-212 15,1 275-15,63-21-1,-85 105 1,64-41 0,-64 62-16,85-41 15</inkml:trace>
-  <inkml:trace contextRef="#ctx0" brushRef="#br0" timeOffset="32477.56">8424 4530 0,'0'0'0,"0"-21"0,0-1 16,-21 22-16,0 0 0,21 22 31,-21-1-31,-22 106 16,22-21-1,0 84 1,0-126-16,0 168 16,0-168 15,21-43-31,0-42 31,0-21-15,105-191 15,-62 148-15,-1 43-1,0 63 1,-42 64 0,22 147 15,20-147-16,0-64 1,43-21 0,21-42-1,-43 0 1,107-297 15,-107 106 0,-42 191-31,0-85 16,1 106 0,-22 105 15,-43 64-15,-20 43-1,63 21 16,0-128-15,21 22 15,21-106-15,22-42 0,-43-64-1,-42-63 16</inkml:trace>
-  <inkml:trace contextRef="#ctx0" brushRef="#br0" timeOffset="32705.49">8805 4953 0,'0'0'0,"-21"0"16,106 0 15,21 0-16,-1 0 17,-20-21-17,-64 0 1,0 21-16,-42-21 47,0 21-32</inkml:trace>
-  <inkml:trace contextRef="#ctx0" brushRef="#br0" timeOffset="33708.39">9779 4932 0,'0'0'0,"85"-42"16,-64 20-16,0 1 0,0-85 31,-21 85-15,-21 21 0,-64 0-1,-63 233 16,106-64-15,21-63 0,21 0-1,211-42 17,1-149-1,-85 21-16,0-63 1,85-232 15,-149 105-15,-42 127 0,-21 84-1,0 64 1,-21 106-1,0 85 1,-21 169 15,42-254-15,63-42 15,22-64-15,-22-42-1,128-127 17,-149-1-17,-21 22 1,0 106-16,-21 0 16,0 106 15,-42 42-16,42-21 1,0-64 0,0-21-16,0 21 31,21-105 0,22-43-15</inkml:trace>
-  <inkml:trace contextRef="#ctx0" brushRef="#br0" timeOffset="34056.87">11176 4551 0,'-21'0'0,"21"21"0,-43 0 16,43 0 15,22-21 0,-22-21-15,21-42 15,-21 42-15,0-1-16,-21 22 15,-43 43 1,22 20 0,42 43 15,42-85-15,-21-21-16</inkml:trace>
-  <inkml:trace contextRef="#ctx0" brushRef="#br0" timeOffset="35135.83">11620 4678 0,'0'0'0,"0"-64"16,-21 64-1,-21 0 16,-43 127-15,43 22 0,21-22-1,21-43 17,0-63-32,63 43 15,-42-64-15,43 0 16,21 0-1,-43-21-15,85-64 16,-85 43 0,64-339 15,-85 211-15,-21-62-1,21 168 1,-21 170 15,-21 106-15,0-43-1,0-42 17,0 85-1,0-170-16,21-63 17,42-106-17,21 21 1,149-85 15,-170 170-15,-20 21-16,41 0 15,-42 43 1,-21 41 0,-84 1-1,20-43 1,1-21 0,41-21-16,-83 0 31,83-42-16,22 21 1,0 84 15,0-41-31,0 126 32,43-42-17,41-43 1,43-42-1,-84-21-15,41 0 16,1-21 0,0-85 15,-85 85-15,0 0-1,0 42 48,-21 0-63,-1-21 0,1 21 15</inkml:trace>
-  <inkml:trace contextRef="#ctx0" brushRef="#br0" timeOffset="36739.66">3217 6773 0,'0'0'0,"-21"0"0,0 0 0,0 0 15,-43 0 1,43 0-1,0-21 17,42-21-17,148-64 17,-63 85-17,0 42 16,-64 64-15,-42 21 0,-105 42 15,-1-85-15,-21 22-1,63-64 1,22-21 15,42-21-15,0 0-16,63-22 15,-20 22 1,-22 0-16,85 21 16,63 0 15,-84 42-16,-1 22 1,-62 21 0,-86 84 15,-21-106-15,-42 1-1,22-43 1,-128 0 15,169-42-15,22-21-1,21 42 1,21-21 15,0-1-15,21 22-16,42-42 31,1 21-31</inkml:trace>
-  <inkml:trace contextRef="#ctx0" brushRef="#br0" timeOffset="37541.8">4064 6964 0,'-21'0'63,"0"0"-48,21 21 1,0 21 0,0-20-1,0-1 1,21-21 15,0 0-15,0-43-1,-21 22 1,0 0-16,0 0 16,-42 21 15,21 0-16,21 21 1,0 0 0,42 0 15,-21-21-15</inkml:trace>
-  <inkml:trace contextRef="#ctx0" brushRef="#br0" timeOffset="39613.24">5927 6900 0,'0'-21'15,"0"0"1,0 0-1,0 0 17,-22 21-17,44 0 63,-1 0-62,0 0 0</inkml:trace>
-  <inkml:trace contextRef="#ctx0" brushRef="#br0" timeOffset="40175.15">5884 6583 0,'0'-21'0,"0"42"0,0-21 78,0 21-62,0 0-1,0 0 32,21-21 31,-21-21-46,22 21-32,-22-21 15</inkml:trace>
-  <inkml:trace contextRef="#ctx0" brushRef="#br0" timeOffset="41871.57">5948 6498 0,'0'-21'0,"0"42"32,0 0-17,0 1-15,0-1 0,0 0 16,21 0-1,21-21 1,43 0 0,84-85 15,-63 1-15,-85 63-16,-21-22 15,21 22-15,-21 0 16,0 0-16,-21 0 15,0 21-15,-21 0 16,21 63 0,-1 43-1,22-64-15,0 297 32,0-149-17,0-20 1,0-107-1,0 43 17,-42-85-17,0-42 1,-43-64 0,64 64-16,-64-127 31,22 106-31,42-1 31,21 65-15,0 20-1,42 43 1,21-22 0,22 1-1,0-1 1,126-42-1,-41-21 1,-128-21 0,43-21-16,21-22 15,-1-126 17,-105 105-17,0-21 1,-21 64-1,-42 63 17,20 64-17,43-1 1,0 1-16,0 106 31,43-170-15,20-21-1,22 0 1,42-85 0,-21 22-1,-22-43 1,-62 63-16,41-41 16,-21 20-1,-42 43-15,-21 21 31,0 21-31,21 0 16,0 1-16,-21 83 16,21-41-1,0 21 1,106-1 0,-85-41-1,0-43-15,-42-22 47,-43-20-31,-20 21-1,41 21 1,1 0 0,42 42-1,64 64 16,20-85-15,-63-21-16,85 0 16,21-42-1,106-85 1,-106 0 0,-42-21 15,-85 21-31,0 84 15,21-211 1,-21 191 0,0 42-1,0 42 1,0 191 15,-21-64-15,0 21-1,-1-21 1,22-42 0,22-21-1,41-64 1,1-42 0,-1-22-1,-42 22 1,0 0-16,22-64 15,-22-20 1,-21 62 0,-21 1-16</inkml:trace>
-  <inkml:trace contextRef="#ctx0" brushRef="#br0" timeOffset="42116.43">7937 6879 0,'-21'0'0,"42"0"0,-21 0 16,64 0 0,-22 0-16,1-21 0,41 0 15,-41 21-15,147-64 32,-169 64-32,0-21 15,1 21-15,-1-21 0,0 21 16,0 0-1,-21-21 1</inkml:trace>
-  <inkml:trace contextRef="#ctx0" brushRef="#br0" timeOffset="42644.72">9059 6583 0,'0'0'16,"0"-21"-16,0 0 0,0-1 16,0 1-16,0 0 0,0-21 15,0 21 1,0 42-1,0 0-15,0 42 16,0-20-16,0 84 16,-63 127 15,20-106-15,22-63-1,0-22 1,21-42-1,0-63 1,0 21 0,0-85-1,0 0 1</inkml:trace>
-  <inkml:trace contextRef="#ctx0" brushRef="#br0" timeOffset="42968.54">8911 6689 0,'0'-64'0,"0"128"0,0-191 16,0 84-1,0 22-15,21 0 16,0 21-16,43 0 31,-43 21-31,21 0 0,1 22 0,41 41 16,22 43 0,-63-84-16,-22-1 15,85 106 1,-85-127-16,0 22 15,21 41 1,-21-62-16,1 20 0,-22-21 0,0 0 16,0-42 15,0-21-15,0-22-16,0 43 15,21 0-15,0-170 16,42 64-1</inkml:trace>
-  <inkml:trace contextRef="#ctx0" brushRef="#br0" timeOffset="43236.39">9842 6435 0,'0'-64'16,"0"128"-16,0-170 0,0 85 16,-21 21-1,-21 127 16,21-85-31,-22 106 16,1 0 0,21-63-16,0-21 0,0-43 15,21 21-15,-43 85 16,43-63 0,0-43-1,21-21 1,-21-21-16,64-22 15,21-20 1,-22-1 0</inkml:trace>
-  <inkml:trace contextRef="#ctx0" brushRef="#br0" timeOffset="43949.98">10710 6498 0,'64'-84'0,"-128"168"0,149-232 16,-85 85 0,-42 20-1,-22 43 1,-84 170 15,127-107-31,-64 128 16,22-86-1,41-41-15,-20 63 16,42-106-16,0 21 0,0 22 16,0-43-16,42 43 15,43-43 1,-64-21-16,85 0 16,-64 0-1,-20-21-15,-1 21 0,0-22 16,0-20-1,-21 0-15,-21 42 16,0-21 0,-43 21-16,43 0 15,0 0-15,0 0 16,42 0 46,0 0-46,0 0-16,0 21 16,-21 0-16,22 64 15,-22-43 1,0 85-16,-43 85 16,-41-1-1,-43 64 16,42-105-15,64-128-16,0 43 16,-1-43-1,22-84 32,0 21-47,22-64 16,-22 64-16</inkml:trace>
-  <inkml:trace contextRef="#ctx0" brushRef="#br0" timeOffset="45844.64">3133 8594 0,'0'0'0,"-22"-21"0,1-1 15,0 1 1,0 0-16,0 0 0,0 21 15,21 42 17,-22 106-17,22 22 1,-42-43 0,21-85-16,21 0 15,-21-20-15,21-1 0,-21 0 16,21-42 15,0 0-31,0-1 16,21 1-16,0 21 0,106-42 15,-64 42 1,43 0 0,-42 0-1,-43 0-15,0 0 16,43-21-1,-43-22 1,-21-20 0,0 21-1,-64-22 17,43 85-17,0 0-15,0 64 0,21 21 16,0-43-1,0 149 17,0-148-17,0-43-15,0 42 0,21-20 16,-21-22 15,21-85 0,0 43-31</inkml:trace>
-  <inkml:trace contextRef="#ctx0" brushRef="#br0" timeOffset="46299.17">3979 8996 0,'0'0'0,"21"0"0,1 0 0,-22-21 63,-22 21-47,22-21-1,-21 21-15,21 21 31,0 0-15,0 0-16,0-42 94,0 42 0</inkml:trace>
-  <inkml:trace contextRef="#ctx0" brushRef="#br0" timeOffset="49008.71">6181 8551 0,'0'0'0,"21"-21"0,0 0 0,0 21 15,-21-21-15,21 0 16,0 0-16,22-22 16,-22 22-16,0 0 0,-21-43 15,0 43-15,0-106 31,-42 85-15,-22 0-16,-63 63 16,-127 254 15,212 0-15,42-127-1,0-84-15,42 211 31,64-85-15,-21-147 0,-64-43-16,85-21 15,-22-1 1,-41-20-16,168-106 16,-105 21-1,-21 0 1,-85 85-1,0 20-15,0 44 32,-21-1-32,0 85 15,-1-85-15,22 21 16,0 0-16,0 1 0,0-1 0,0 106 31,43-105-15,-22-22-16,64 0 15,20-21 1,-62 0-16,168-106 16,-105 0 15,-85-42-15,-21 42-16,-169-127 31,106 191-16,-86 42 1,44 42-16,20 107 31,85 62-15,21-63-16,43-63 16,-22-64-1,64 22 1,-64-43-16,43 0 0,-43 0 0,106-43 31,22-20-31,-107 20 0,-21 22 16,170-148-1,-170 105 1,-20-20 0,-22 105 15,0 0-31,-43 106 15,22-42 1,21-43 0,0-21-16,0 0 0,0 22 0,-21-22 0,21 21 31,21-42 0,0-21-31,-21 0 0,21 0 16,43-127-1,-22 84 1,-21 22-16,22-43 16,-22 43-1,0 42-15,0 42 16,0 0 0,1 43-1,-22-64-15,21 85 16,-21-85-16,42 64 15,-21-64-15,22 43 32,41-64-17,-41-22-15,-1-20 16,-21 21-16,127-170 31,-105 86-15,-22 20-1,0 64 1,0 63 0,-21 22-1,0-22-15,0 64 16,0-22 0,0-20-1,85 21 16,-1-85-15,-62-22-16,-1 1 0,21 0 16,106-148 15,-105 105-31,20-84 16,-21 85-1,-42 84 16,0 0-15,0 64 0,0-1-16,0-63 15,0 1-15,0 62 16,43-41 0,-1-22-1,-21 0-15,0-21 0,22 0 16,190-106 15,-191 85-31,43-64 16,-22-21-1,-21-21 1,-63 43 0,-21 84-1,21 21-15,-43 21 16,43 1-16,0-22 15,0 0-15,0 21 16,21-21-16,-64 149 16,64-86-1,0-41 1,0-22-16,64 0 16,-22 0-16,-21-21 15,21 0-15,107-42 16,-107 42-16,21-42 15,64-64 1,-84 63-16,-22 22 0,21-42 16,-21 42-16,1-43 31,-1 64-15,-21 42-16,0-20 15,0-1-15,0 21 16,-21 64-1,21-64 1,0-21-16,42 1 16,43-1-16,-43-21 15,127 0 1,-84-43 0,42-84-1,-21-63 1,-64 148-16,-21-22 0,22-84 15,-1-21 1,-42-1 0,0 107-1,0 84 1,0 0 0,-42 43-16,-22 84 15,43 0 1,0-106-16,0 64 15,-1 21 1,22-21 0,0-21-1,0-64-15,0 21 0,22-42 16,-1 0 0,21 0-16,22 0 15,41-63 1,1-22-1,-63-42 17,-43 85-17,-22 20-15</inkml:trace>
-  <inkml:trace contextRef="#ctx0" brushRef="#br0" timeOffset="49260.57">10626 8678 0,'-22'0'0,"44"0"0,-1 0 16,42 0 0,107-42-1,-107 42-15,128-21 16,-107 0 0,-41 21-16,41 0 15,-41-21 1,-43-1 31</inkml:trace>
-  <inkml:trace contextRef="#ctx0" brushRef="#br0" timeOffset="49784">12425 8276 0,'0'-21'0,"0"42"0,0-63 0,0-22 16,42-41 15,-42 83-31,21 22 15,-21 43 1,0-22-16,0 21 16,0-21-16,-21 128 15,0 20 1,-21 43 0,20-128-1,22-20-15,0-22 0,-21-21 0,0 106 16,0-106-1,21 1-15,0-1 16,21-21 0,0-21-1,43-64-15,-1 43 16</inkml:trace>
-  <inkml:trace contextRef="#ctx0" brushRef="#br0" timeOffset="50196.67">13039 8488 0,'21'-21'0,"-42"42"0,63-42 0,-42 42 31,-21 0-15,-43 43-16,1 20 16,42-63-16,-22 64 15,22-64-15,0 43 16,21-43-16,0 21 0,42 22 15,-21-64-15,22 0 16,20 0 0,-20 0-16,-22-21 0,85-22 15,-85 22-15,63-106 32,-84 21-17,-63 0 1,21 64-16,-1 21 0,22 0 15,-127 21 1,63 0 0,43 21-1,42 0 1,-21-21 15,0 0-15</inkml:trace>
-  <inkml:trace contextRef="#ctx0" brushRef="#br0" timeOffset="50439.53">12340 8467 0,'0'0'0,"0"-21"16,0-1-16,0 1 15,106-21 1,21 0-1,106-1 1,-64 1-16,-21 21 31,-127 21-31,22-21 16,-64 21 15,-22 0-31</inkml:trace>
-  <inkml:trace contextRef="#ctx0" brushRef="#br0" timeOffset="52161.59">15198 8297 0,'0'0'0,"21"-21"47,-21 0-47,21 21 0,0-21 0,0 0 16,64-43-1,-43 22-15,43-85 16,-64 106-16,-21 0 15,21-43-15,-21 43 16,0-43 0,-42 64-1,0 64 1,20 63 0,22-64-16,-21 170 15,21-63 1,0-22-1,0-106-15,0-21 0,0 64 16,0-64-16,-42 64 16,-22-64-1,43-21 1,0 0-16,-64-21 16,64 0-16,0-1 0,-85-83 31,85 62-31,0 22 0,0-21 15,-22-43-15,22 43 16,21 21-16,0-1 0,0 44 31,21 41-15,43 43 0,21-21-1,-64-43-15,0-21 0,106 64 16,-85-64-16,1-21 15,-1 0-15,-21 0 0,106 0 16,-21-21 0,-64 0-16,106-106 31,-148 84-31,22-84 16,-22 64-1,-22-22 1,-20 64-1,21 106 1,-21-1 0,42-20-1,0 42 1,21 42 0,21-127-1,22-21 1,-22 0-16,-21 0 0,43 0 15,-22-21-15,106-64 16,-106 43-16,43-43 16,-21-21-1,-43 64-15,-21 0 16,0-1-16,0 22 31,0 42-15,-43 64-1,43 21 1,22 21 0,-1-64-1,-21-20 1,0-22 0,-43-42 15,-20-22-16,-43-20 1,85 42 0,-21 21-1,42 42 1,42 0 0,21 22-16,1-43 15,-43-21 1,85 0-16,-64 0 0,1 0 15,126-42 1,-63-22 0,-22-21-1,-62 43-15,41-64 16,-42-105 0,-21 168-16,0-126 15,0 63 1,0 64-1,0 63-15,0 64 16,-42 42 0,21 63-1,21-148-15,0 43 16,-21-43-16,21-20 0,0 105 31,21-64-31,-21-21 16,42-42-1,-21 0-15,0 0 16,22-21 0,-22 0-1,0-42 1,-21 41-16,0-20 0,0 21 16</inkml:trace>
-  <inkml:trace contextRef="#ctx0" brushRef="#br0" timeOffset="52350.48">16764 8403 0,'-21'0'0,"42"0"31,21-21-31,43 21 16,-64-21-16,21 21 15,107-42 1,-86 42-1,1-43-15,-1 22 16</inkml:trace>
-  <inkml:trace contextRef="#ctx0" brushRef="#br0" timeOffset="52666.3">17738 8065 0,'-22'-22'0,"44"44"0,-65-44 0,43 1 0,-21 21 16,0-21-1,0 42-15,-22 85 32,1 21-17,21 64 1,0-86-16,21 22 31,0-63-15,0-85 15,0 0-15,0-1-16</inkml:trace>
-  <inkml:trace contextRef="#ctx0" brushRef="#br0" timeOffset="52942.19">17441 8340 0,'0'-85'0,"0"170"0,0-191 0,0 42 31,64 64-15,-43 22-16,64 41 16,-1 43-16,86 84 31,-107-105-16,-42-43 1,-21-20 0,21-22-1,-21-43 17,22 22-32,-22-21 15,0 21-15,21-22 0</inkml:trace>
-  <inkml:trace contextRef="#ctx0" brushRef="#br0" timeOffset="53182.34">18224 8086 0,'0'0'0,"0"-64"0,0 22 0,0 21 0,0-22 15,-21 43 1,-42 85 0,20 0-1,22-22-15,0-20 16,-85 232-1,64-148 1,0-43 0,20-20-16,22-43 0,0 0 15,0 0 1,22-21 0,20-42-1,21 0-15</inkml:trace>
-  <inkml:trace contextRef="#ctx0" brushRef="#br0" timeOffset="53894.2">18944 8213 0,'0'-43'0,"0"86"0,21-107 0,-21 22 15,0-22-15,0 43 0,-21-63 31,0 84-15,-43 42-16,-20 64 16,41-64-16,22 0 15,-127 170 1,106-127 0,21 21-1,21-64 1,21-21-16,0 0 0,0-21 0,64 0 15,-64 0-15,42 0 16,-41 0-16,62-42 16,-63 0-1,-21-85 17,-84 105-17,-1 22 1,22 0-1,105 0 17,64-21-17,-43 21 1,-20 0 0,-22 0-16,0 85 15,-21-64-15,0 0 16,0 0-16,0 43 15,-64 42 1,1 127 15,42-106-31,21 42 16,0-127-16,0 43 16,0-64-16,0 21 0,-21 43 31,-1-64-31,1-21 0,0 21 15,-21-21 1,21-21 0,-43-63-1</inkml:trace>
-  <inkml:trace contextRef="#ctx0" brushRef="#br0" timeOffset="54690.75">2476 10520 0,'22'0'0,"-1"0"0,0 0 16,0 0-16,21 0 15,-20-21-15,20 21 0,0 0 16,170-43-1,-106 43-15,84-21 16,-169 21 0,1 0-16,-1-21 15,0 21 1,-106-21 0,1 21-1,41-21 1</inkml:trace>
-  <inkml:trace contextRef="#ctx0" brushRef="#br0" timeOffset="55166.99">2900 10393 0,'-106'85'15,"42"-22"1,234-211-16,-403 402 16,212-148-1,21-64-15,-21 64 16,21-64-1,0-21 1,21-21 0,0-21-1,21-21 1,43-22 0,-64 43-16,21 0 15,1 21-15,84 0 16,-85 42-1,0 22 1,-20-43-16,-22 0 0,0 43 16,-85 169 15,0-170-15,64-42-16,-106 22 15,85-22 1,-85-42 15,106-22-15,21 22-1,0-21-15,21 21 16,63-64 0</inkml:trace>
-  <inkml:trace contextRef="#ctx0" brushRef="#br0" timeOffset="55366.88">3683 10922 0,'21'0'0,"0"0"16,0 0-16,1 0 16</inkml:trace>
-  <inkml:trace contextRef="#ctx0" brushRef="#br0" timeOffset="57151.95">5905 10456 0,'0'0'15,"-21"0"-15,0 0 0,21 22 32,0-1-32,0 0 15,0 0-15,21 0 16,64 0-1,0-21 1,63-84 0,-21-1-1,-43 0 1,-41 1 0,-43 63-16,0-22 31,-43 43-16,22 21-15,21 43 16,0 63 0,-21 212 15,21-297-31,0 106 16,-21-106-16,0 107 15,0-107 1,21-21-16,-22 21 0,22-20 0,-42 20 15,21-42 1,-43-42 0,64 20-16,-42-20 15,21 0-15,21 21 0,-85-106 16,43 84 0,21 1-1,0 42 1,21 21-1,0 43 1,63-1 0,1 43-16,-43-85 15,0 21-15,0-20 16,0-1-16,22 0 0,168 21 16,-126-42-1,127-63 1,-64-22-1,-106 64-15,85-148 32,-127 42-17,0 84-15,0-20 16,-85 84 15,43 42-15,0 43-1,42 0-15,0-85 0,21 170 32,64-128-17,-1-63 1,-20 0 0,169-127 15,-170 64-31,64-64 15,-63 21 1,-64 42 0,21 64 15,-85 64-15,22 42-1,42 0 1,0-22-1,63 64 1,-41-148 0,-1 0-1,-21-21 1,-43-21 0,-84-43 15,85 64-16,21 63 1,0 1 0,21-22-16,0 0 0,42 64 31,43-64-15,-1-21-1,1 0-15,-43 0 0,85-42 16,64-85-1,-170 105 1,64-62-16,-64 63 16,21-22-16,1-84 15,-43 64-15,0-22 16,0 22-16,0-149 16,0 170-1,0 84 1,0 64-1,0 21 1,-22 127 15,22-106-15,0-42 0,22-43-1,41-42 1,-21-21-1,-20-42 1,20 0-16,-42-85 31,0 42-15,-21 22-16</inkml:trace>
-  <inkml:trace contextRef="#ctx0" brushRef="#br0" timeOffset="57383.82">8001 10837 0,'-21'22'0,"42"-44"0,-21 44 16,148-22 15,-42-22-15,0 1-1,-64 0-15,43 0 16,-43 0-16,-21 21 0,22-21 31,-65 21 0,22-22-31</inkml:trace>
-  <inkml:trace contextRef="#ctx0" brushRef="#br0" timeOffset="57880.09">9377 10732 0,'0'0'15,"0"-22"-15,-21-20 0,21 21 16,0 0-16,-22 0 16,22-22-1,0 64 1,0 1-16,0 20 15,0-21-15,-21 106 16,0-85-16,0 107 16,21-107-16,-21 21 15,0-20-15,-1-1 0,-41 127 16,42-105 0,21-85 30,0 0-46,0-1 0,0 1 16,0-85-16,0 1 16,0 62-16,0 1 15</inkml:trace>
-  <inkml:trace contextRef="#ctx0" brushRef="#br0" timeOffset="58138.94">9144 10753 0,'0'0'0,"21"-43"0,-21-20 0,42-22 15,-20 43 1,62 42-1,22 85 1,-21 42 0,-64-85-16,85 106 15,-43-63 1,-42-43-16,1-21 0,83 191 31,-83-170-15,-22-21-1,0-105 17,42-22-17,-42 64-15</inkml:trace>
-  <inkml:trace contextRef="#ctx0" brushRef="#br0" timeOffset="58395.66">10096 10583 0,'0'0'0,"22"-42"16,-1-21-16,-21-22 15,0 106 17,-21 0-32,-43 127 31,43-84-31,-21 21 0,-22 63 16,43-106-16,-43 64 15,43-64-15,0 85 31,21-63-15,21-64 0,0 0-16,1 0 15,126-127 1</inkml:trace>
-  <inkml:trace contextRef="#ctx0" brushRef="#br0" timeOffset="59053.17">10880 10541 0,'21'-21'0,"-42"42"0,63-63 0,0-85 31,-42 106-31,-21 21 16,0 0-16,-43 21 16,-63 85-1,85-85-15,-21 42 0,20-20 16,-63 105-1,1 0-15,83 21 16,22-126 0,0-22-16,0 0 0,22 21 15,126 1 1,-21-43 0,0-64-1,0-21 1,-85-63-1,-127 106 17,-20 21-32,41 21 15,43 0-15,-64 0 32,106 0-17,22 0 1,-1 0-16,-21 0 0,106 42 31,-106-21-31,1 0 0,-1 1 16,0-1-16,0 63 15,-21 43-15,0-84 16,0-1-16,-21 170 16,0-106-1,-43 84 1,43-126-16,-21 20 15,21-41-15,-85 147 16,85-126 0,-1-64-1,22-22 1,0 1 0,22-21-16,20-64 15,-21 43-15</inkml:trace>
-  <inkml:trace contextRef="#ctx0" brushRef="#br0" timeOffset="59471.93">11896 10859 0,'0'21'16,"-22"0"0,1 0-16,64-21 62,-43-21-62,21 0 0,0 21 16,-21-21-1,0-22-15,-21 43 16,0 0 0,-1 0-16,22 21 0,-21 1 15,21-1-15,-21 42 16,0-63-16,21 21 16,0 1-16,0 20 15,21-42 1,43-21-1,-43 0-15,0-1 16</inkml:trace>
-  <inkml:trace contextRef="#ctx0" brushRef="#br0" timeOffset="59859.7">13102 10202 0,'0'-21'0,"0"42"0,0-63 0,0 0 16,0 63 15,21 21-31,0-21 15,-21 22-15,85 168 16,-21-62 0,-43-86-16,0-21 0,0 43 15,43 21 1,-64-85-16,21 0 0,0 43 31,-21-43-31,21-21 16,-21-21-1,0 0-15,0-1 0,0 1 16,0-42-16</inkml:trace>
-  <inkml:trace contextRef="#ctx0" brushRef="#br0" timeOffset="60150.54">13610 10202 0,'0'-21'0,"0"0"16,0 0-16,-21 42 31,-21 21-15,-107 170-1,44-43 1,-65 22 0,64-85-1,64-64-15,21-21 0,-43 64 31,43-85-15,42 0 0,1-21-1,147-85 1,-84 42-16</inkml:trace>
-  <inkml:trace contextRef="#ctx0" brushRef="#br0" timeOffset="60968.58">14076 10266 0,'42'0'0,"-84"0"0,105-21 0,-42 21 15,-21 42 1,-63 85 15,63-85-31,-21 22 0,21-22 0,-43 64 16,43 63 15,-21-105-15,21-43-1,0-84 32,0 20-47,0-41 16,0-43-1,64-127 1,-22 190 0,43-42-1,-43 106 1,-21 0-16,0 0 0,1 0 0,41 64 31,-42 42-31,-21-22 16,0-41-16,0 84 15,21-85-15,-21-21 16,0 85 0,0-64-1,0-21 1,0-42 0,22-85-1,41-42 16,1-21-15,-1 42-16,-21 85 16,64-43-1,-42 106 1,-22 64 0,-21 21-1,0 169 16,-21-169-15,-21-1 0,-21-20-1,21-64 1,21-42 31,0 0-47,0 0 0,21-64 15</inkml:trace>
-  <inkml:trace contextRef="#ctx0" brushRef="#br0" timeOffset="61411.33">15579 10139 0,'-43'21'0,"149"-84"16,-169 105-16,147-106 0,-63 43 0,-21 0 0,22 21 15,-1 0 1,-21 42 0,0 43-1,-43 42 1,-41 106 0,20-148-1,43-43-15,-42 64 16,41-85-16,22 21 0,-21-21 15,21 1-15,-21-1 0,21 42 16,42-63 0,1 0-16,20 0 15,-20 0-15,-1 0 0,64-21 16,-64 0-16,0 0 0,85 0 31,-84 21-31,-1-43 0,22 43 16,-43 0-1,-42 0 32,-1 0-31,1 0-16,-21 0 0,0 0 0</inkml:trace>
-  <inkml:trace contextRef="#ctx0" brushRef="#br0" timeOffset="62468.56">3048 12531 0,'0'0'0,"0"-21"0,0-1 15,0 1-15,-21 0 16,0 21 0,-1 0-16,1 0 15,0 21-15,0-21 0,21 21 16,-64 43-16,43-22 16,0 1-16,0-1 0,21 0 15,-21 1-15,-22 168 16,43-105-1,0-64-15,22 64 16,20-63 0,-21-22-16,21 0 0,-20-21 0,83 0 15,1-21 1,-42-22 0,-43 22-16,0 0 15,-21-21-15,-42-64 31,-64 64-15,64 20-16,-1 22 16,-20 22-16,42-1 0,-1-21 15,-62 84 1,63-62-16,-1 20 16,22 0-16,0 1 15,22-22-15,-1-21 16,21 0-16,85 0 15</inkml:trace>
-  <inkml:trace contextRef="#ctx0" brushRef="#br0" timeOffset="62772.38">3810 12891 0,'-21'0'0,"42"0"0,-21 21 16,-42 0-1,20 0 1,22-42 15,0-21-15,22 42 0,-22-22-16,0-20 15,-22 42 16,1 0-31,0 0 0,21 21 16,-21-21-16,21 21 0,-21 22 16,42-43 15,21 0-31</inkml:trace>
-  <inkml:trace contextRef="#ctx0" brushRef="#br0" timeOffset="64583.55">5884 12340 0,'0'-21'0,"0"42"0,0-63 0,0 21 15,0 0-15,0-1 0,0 1 16,0 0-16,0 0 0,0 0 16,-21-22-16,21 65 31,0-1-31,0 21 0,0 0 15,0 1-15,0 20 0,0 361 32,-42-255-17,-1-21 1,43-106-16,-21 22 16,0-43 15,21-42-16,-42-43 1,-22-63 0,-42-42 15,43 0-15,42 126-16,21 1 0,42-127 15,254-64 16,-84 191-15,-106 42 0,42 42-1,0 191 17,-190-85-17,21-106-15,-64 43 16,0-22-1,43-41-15,21-1 0,-85-21 32,43-21-32,20-43 31,22 64-31,42 21 31,43 43-15,-1 63-1,-20 0 1,84 42 15,-43-127-15,22-42 0,21-21-1,64-127 16,-107 0-15,-41 42 0,-43 0-1,0 64-15,0 105 32,0-41-32,0 83 15,0 1 1,0 0-1,0-64-15,63 22 32,-42-64-32,64 0 15,0-42 1,-22-1 0,85-147 15,-127 105-31,-21-21 15,0 64 1,0 63 0,0 148 15,0-63 0,0-21-31,43-43 16,147-21 15,-126-84 0,42-43-15,-85-21-16,-21-21 31,0 127-15,0 63-1,0-21-15,-21 64 16,-22 105 15,22-105-15,21-64-16,-21 0 0,0 22 16,21-22-1,0-42 16,0-22-15,0-84 0,63 0-1,-42 85-15,128-127 16,-65 126 0,22 65-1,-42 62 1,-22 128 15,-42-85-15,-21 0-1,0-42 1,-22-43 0,43-63-1,0-22 1,0 22-16,21-42 15</inkml:trace>
-  <inkml:trace contextRef="#ctx0" brushRef="#br0" timeOffset="65032.35">9398 12488 0,'0'0'15,"0"-21"-15,0-127 16,0 106-16,0-43 15,0 43 1,0 84 0,0 85-1,0-85 1,0 318 0,-21-212-1,-22-21 1,-20-21-1,21-42 17,20-85-17,-62-64 1,63 43 0</inkml:trace>
-  <inkml:trace contextRef="#ctx0" brushRef="#br0" timeOffset="65940.14">8721 12764 0,'-43'0'0,"86"0"0,-86-22 0,43 1 32,43 0-32,84 21 15,190-85 17,-63 1-17,-63-1 1,20-42-1,-105 0 1,-106 85 0,-21-1-1,-43 43 1,1 106 0,-1 0-1,64-64-15,-42 212 31,21-63-15,0-64 0,-22-21-1,43-85-15,0 21 32,0-63-17,22-64 1,41-42-1,-63 85-15,148-148 32,-127 168-32,43 1 15,-43 21-15,0 0 16,-21 21-16,21 1 16,-21-1-16,22 148 15,-22-84 1,63 21-1,-21-43 1,1-63 0,20 21-16,-20-21 15,-22 0-15,148-63 16,-21-43 0,-84 42-1,20-84 1,-84 42-1,0 85-15,-63 0 32,-43 106-17,85-1 1,0 22 0,21-63-16,42 84 31,22-85-16,-43-21-15,42-21 16,22-21 0,63-85 15,-127 85-15,43-64-1,-43 64 1</inkml:trace>
-  <inkml:trace contextRef="#ctx0" brushRef="#br0" timeOffset="67597.45">12150 12700 0,'-22'0'0,"44"0"0,-65 21 0,64-42 47,1 21-47,41-42 15,-21 21-15,149-106 31,-43 0-15,-63-43 0,-64 43-1,-21 85-15,0 0 0,-42-64 32,-1 106-17,-41 42 1,-1 149-1,21-1 1,-41 339 15,83-381-15,-41 128 0,21-1-1,20-212-15,22 1 0,-21-1 16,21 1-16,0 105 15,0-105-15,127 147 32,-42-168-32,63-43 15,-63-64 1,84-84 15,-148 106-31,64-128 16,-64 1-1,-21 0 1,-233-191 15,149 317-15,20 22 0,43 21-1,42 0 1,127-21-1,-105 21 1,41-42 0,213-106-1,-192 84 1,65-126 0,-149 126-1,-21 43 1,-64 148 31,64-106-47,0 85 15,22-21 1,-1-43 0,169-21 15,-63-84-16,0-43 1,-84 21 0,84-232 15,-106 147-15,-21 128-16,0 0 15,21-85-15,-21 84 16,21 22-16,-21 63 31,-42 107-15,21-65-1,-22 107 1,22-43 0,21-106-16,0 170 31,21-106-16,85-85 1,42-42 0,-42-22-1,21-62 1,-42-1 0,-43-85 15,-42 149-16,-63 42 1,-22 63 0,0 191 31,85-211-47,0 20 0,0-42 15,43 22-15,-43-22 0,21 0 16,21-21-16,43 21 15,148-84 17,-149 20-17,1-41 1,-43 20 0,-42 22-1,0-22 1,0 22-16</inkml:trace>
-  <inkml:trace contextRef="#ctx0" brushRef="#br0" timeOffset="67852.89">13483 12129 0,'-42'-22'16,"21"22"0,42 0 30,42 0-46,-42 22 16</inkml:trace>
-  <inkml:trace contextRef="#ctx0" brushRef="#br0" timeOffset="68143.39">15325 12806 0,'0'0'15,"21"0"1,-21 21 15</inkml:trace>
+  <inkml:trace contextRef="#ctx0" brushRef="#br0">1947 826 0,'0'-22'16,"0"1"-1,0 0-15,0 0 16,0 0-16,0 0 16,0-1-1,0 1-15,0 0 16,-21 21-1,21 21 32,-21 0-47,21 1 0,0-1 16,0 21-16,0 0 0,0 1 16,0-1-16,0 0 15,0 22-15,0-22 0,0 1 0,0 20 0,0-21 16,0 1-16,0 20 15,0-20-15,0-1 0,0 0 0,0 22 16,0-22-16,0 0 0,0 1 16,0 20-16,0-20 0,0-1 15,0 0-15,-21 1 0,21-1 16,-21 0-16,21 1 0,0-22 0,0 0 16,0 0-16,0 0 0,-22-21 15,22-21 16,0 0-31,0 0 0,0 0 16,0-1-16,0-20 0,0 21 16,0-21-16,0-1 0,0 1 0,0 0 15</inkml:trace>
+  <inkml:trace contextRef="#ctx0" brushRef="#br0" timeOffset="411.76">1651 953 0,'0'0'15,"-21"0"-15,21-22 0,-21 22 16,21-21-16,-22 0 0,22 0 16,0 0-16,0 0 15,0-1-15,0 1 0,43 0 16,-22 0-16,0 0 0,21 0 15,1-1-15,-1 1 0,0 21 0,1-21 16,-1 21-16,22 0 0,-22 0 16,0 0-16,22 0 0,-22 21 15,0 0-15,1 1 0,-22 20 0,21 0 16,-42 1-16,0-1 0,0 0 16,0 1-16,-21-1 0,0 21 15,-21-20-15,-1-1 0,1 0 16,0 1-16,-1-22 0,22 21 15,-21-21-15,21 1 0,-1-1 16,1 0-16,0 0 0,0-21 0,21 21 16,0-42 31</inkml:trace>
+  <inkml:trace contextRef="#ctx0" brushRef="#br0" timeOffset="1111.9">2413 1757 0,'-21'0'15,"-22"0"1,65 0 31,-1 0-47,21-21 15,-21 21-15,0-21 0,22-1 0,-22 1 16,21 21-16,-21-21 0,22 0 16,-22 0-16,0 0 0,0-1 15,0 22-15,-21-21 0,0 0 0,0 0 16,0 0-16,0 0 16,-21 21-16,0 0 0,0 0 15,0 0-15,0 0 0,-22 0 16,22 21-16,-21 0 0,21 0 15,-1 0-15,1 22 0,0-1 16,0 0-16,0 1 0,0-1 16,21 21-16,0-20 15,0-1-15,0-21 0,0 22 0,0-22 16,0 0-16,0 0 0,21 0 16,0 0-16,0 1 0,0-22 0,0 21 15,1-21-15,-1 0 0,0 0 16,0 0-16,21 0 0,-20 0 15,-1 0-15,21 0 0,-21 0 0,0-21 16,22-1-16,-22 1 0,0 0 16,0 0-16</inkml:trace>
+  <inkml:trace contextRef="#ctx0" brushRef="#br0" timeOffset="1599.53">3281 1461 0,'0'0'0,"-21"0"32,-1 0-17,1 0-15,0 21 0,21 0 0,-21 0 16,0 21-16,0-20 0,21 20 16,-22 0-16,1 1 0,0-1 15,21 21-15,0-20 0,0-22 0,0 21 16,0 1-16,0-22 15,0 0-15,0 0 0,0 0 0,0 0 16,21 1-16,0-22 0,1 0 16,20 0-16,-21 0 0,21 0 0,-20 0 15,20 0-15,0-22 0,1 1 16,-1 21-16,-21-21 0,21-21 0,1 21 16,-22-1-16,0-20 0,0 21 15,0-21-15,-21-1 0,0 1 16,0 0-16,0-1 0,0 1 0,0 0 15,-21-1-15,0 22 16,0-21-16,0 21 0,0-1 0,-1 22 16,-20-21-16,21 21 0,0 0 15,0 0-15,-22 0 0,22 0 0,0 21 16,0-21-16,-22 22 0,22-1 16,0 0-16,0 0 0,21 0 15,0 0-15,0 1 0,0-1 0,0 21 16,0-21-16,0 0 0,21 1 15,0-22-15,22 21 0,-22 0 16,21-21-16,0 0 0</inkml:trace>
+  <inkml:trace contextRef="#ctx0" brushRef="#br0" timeOffset="3581.69">3937 1990 0,'0'0'0,"-21"0"15,21 21-15,-21-21 16,21-21 0,0 0-16,0-1 15,21 1-15,0-21 16,0 21-16,0-22 0,0 22 15,-21-21-15,22 0 0,-1-1 16,0 1-16,0 21 0,-21-22 16,0 22-16,0 0 0,0 0 0,0 0 15,0 0-15,-21 21 16,0 0-16,0 0 16,-1 0-16,1 0 0,21 21 15,0 0-15,-21-21 0,21 21 16,0 0-16,0 0 15,21 1-15,-21-1 0,21 0 16,1 0-16,-1 0 0,-21 0 16,21 1-16,-21-1 0,21 21 0,-21-21 15,0 0-15,0 22 0,0-22 16,0 0-16,0 21 0,0-20 0,0-1 16,21 0-16,0 0 15,-21 0-15,22-21 16,-1 0-16,0 0 0,0 0 0,0 0 15,0 0-15,1-21 0,-1 21 16,21-21-16,-21 0 0,22 0 0,-1-1 16,-21-20-16,21 21 0,-20-21 15,20 20-15,-21-20 0,21 0 16,-20-1-16,20-20 16,-21 21-16,0 20 0,-21 1 0,0 0 15,21 0-15,-21 0 0,0 0 16,0-1-16,-21 44 47,0-1-47,21 0 0,-21 0 0,21 0 15,0 0-15,-21 22 0,21-22 16,-21 21-16,21 1 0,0-22 0,0 21 16,0-21-16,0 22 0,0-22 15,0 0-15,0 0 0,0 0 0,21 0 16,0 1-16,0-22 15,0 0-15,22 0 0,-22 0 0,21 0 16,0 0-16,1-22 0,-1 22 16,-21-21-16,22 0 0,-1 0 15,-21 0-15,21 0 0,-20-1 0,-1-20 16,0 0-16,0 21 0,-21-22 0,21 1 16,-21-22-16,21 22 0,-21 0 15,0-22-15,22 22 0,-22-22 16,21 22-16,-21-21 0,0-1 15,0 22-15,0-22 0,0 22 16,0 0-16,0-1 0,0 1 0,0 0 16,0 20-16,0 1 0,0 0 15,0 0-15,0 0 0,-21 21 0,-1 0 16,22 21 15,0 21-31,0-21 0,0 22 0,0-1 16,0 22-16,0-22 0,0 0 15,0 22-15,0-1 0,0-20 0,0 20 16,0-21-16,0 1 16,0 20-16,0-20 0,0-1 0,0 0 15,0 22-15,0-22 0,0 0 0,0-20 16,0 20-16,0 0 0,0-21 16,0 22-16,0-22 0,43 21 15,-22-42-15,0 0 16,21 21-16,-20-21 0,-1 0 0,21 0 15,-21 0-15,0-21 0,22 0 16,-22 21-16,21-21 0,-21 0 0,1-22 16,20 22-16,-21 0 0,0-21 15,0 21-15,1-22 0,-1 22 0,0-21 16,-21 21-16,0-22 0,21 22 16,-21 0-16,21 0 0,-21 0 15,0-1-15,0 44 31,0-1-15,0 0-16,0 0 0,0 21 16,0-20-16,0-1 0,0 0 15,0 0-15,0 0 0,21 0 0,-21 1 16,22-1-16,-1-21 0,-21 21 16,21 0-16,0-21 0,0 0 0,0 0 15,1 0-15,-1 0 0,0 0 16,0 0-16,0-21 15,0 0-15,1 0 0,-1-1 0,-21 1 16,21 0-16,0 0 0,-21-21 16,21-1-16,-21 1 15,21 21-15,-21 0 0,0-1 0,22 1 16,-22 0-16,0 0 16,0 0-16,0 42 31,0 0-16,0 0-15,0 0 16,0 1-16,-22-1 0,22 0 0,-21 0 16,21 21-16,0 1 15,-21-22-15,21 21 0,0 1 0,0-1 0,0 0 16,0 1-16,0 20 16,0-21-16,0 1 0,0-1 0,0 0 15,0 22-15,21-22 0,-21 1 16,21 20-16,1 1 0,-1-22 0,-21 21 15,21 1-15,0-22 0,0 22 16,-21-22-16,21 22 0,1-22 0,-1 21 16,-21-20-16,21-1 0,0 0 15,-21 1-15,0-1 0,21 0 0,-21 1 16,21-1-16,-21-21 0,0 22 16,0-22-16,0 0 0,0 0 0,0 0 15,0 0-15,0 1 0,-21-22 16,0 0-1,0 0-15,0-22 0,0 1 16,-1 0-16,22-21 16,-21 21-16,0-22 0,0 22 0,0-21 15,0-1-15,-1 1 0,1 0 16,21-1-16,0-20 0,0-43 16,0 64-16,0-22 0,0 1 15,0-1-15,0 22 0,0-22 0,21 1 16,1-1-16,-1 22 0,0-21 15,0 20-15,0-20 0,0 20 0,1 1 16,-22 0-16,21-1 16,0 1-16,0 21 0,0-21 0,0 20 15,-21 1-15,22 21 0,-22-21 16,21 21-16,-42-21 47,-1 21-32,1-21-15</inkml:trace>
+  <inkml:trace contextRef="#ctx0" brushRef="#br0" timeOffset="3935.57">5228 1312 0,'42'0'0,"-20"0"0,-1-21 15,21 21-15,0 0 16,1 0-16,-1-21 0,0 21 0,1 0 15,-1-21-15,-21 0 0,22 21 16,-1 0-16,0-21 0,-21 21 0,22 0 16,-22 0-16,0-22 0,0 22 15,0 0-15,1 0 0,-44 0 47,1 0-47,0 0 0,0 0 0,-21 0 16</inkml:trace>
+  <inkml:trace contextRef="#ctx0" brushRef="#br0" timeOffset="4309.47">4762 1249 0,'0'-21'16,"0"0"-1,-21 21 1,0 0 15,21 21 1,21 0-17,-21 0-15,0 0 0</inkml:trace>
+  <inkml:trace contextRef="#ctx0" brushRef="#br0" timeOffset="5087.78">3090 3810 0,'0'0'0,"0"-21"0,0 0 16,0 0-16,0-1 15,0 44 17,0-1-32,0 0 0,0 0 0,0 0 15,0 22-15,0-1 0,0 0 16,0 22-16,0-1 0,0-20 15,0 20-15,0 1 0,0-22 16,0 0-16,0 22 0,0-22 0,0-21 16,0 22-16,0-22 0,0 21 15,0-21-15,0 0 0,21 1 16,-21-1-16,0-42 47,0-1-32,0 1-15</inkml:trace>
+  <inkml:trace contextRef="#ctx0" brushRef="#br0" timeOffset="6051.39">3598 4276 0,'0'21'78,"0"0"-78,0 0 0,0 0 16,0 1 0,0-1-16,21-21 15,1 0 1,-1 0-1,0 0 1,0-21 0,-21-1-16,0 1 15,0 0-15,0 0 16,0 0-16,-21 21 16,0 0-1,0 0 1,-1 21-16,22 0 15,0 0-15,0 0 16,0 1-16,0-1 16,0 0-16,0 0 31,22-21-15,-1 0-1</inkml:trace>
+  <inkml:trace contextRef="#ctx0" brushRef="#br0" timeOffset="10210.25">5228 3704 0,'21'0'16,"-21"-21"0,0 0-1,0 0 17,0 0-17,0 42 48,-21 21-63,21-21 15,0 0-15,-21 22 0,21-1 0,0 0 16,0 22-16,-21-22 16,0 22-16,-1-1 0,1 1 0,0-1 0,0-20 15,0 20-15,0-21 16,-1 1-16,1-1 0,0 0 0,0-20 15,0 20-15,0-21 0,-1 0 16,1-21-16,21 21 0,0-42 31,0 0-31,0 0 0,0 0 16,0 0-16,0-22 0,0 22 16,0-21-16,0 21 0,0-22 0,21 1 15,-21 21-15,22-22 0,-22 22 16,0 0-16,21 0 0,-21 0 0,21 21 15,0 0 1,-21 21-16,21 0 0,-21 0 16,0 0-16,0 1 0,21 20 15,-21-21-15,22 0 0,-1 22 16,-21-22-16,21 0 0,0 21 0,-21-21 16,21 1-16,0-1 0,1-21 15,-1 21-15,21 0 0,-21-21 0,0 0 16,1 0-16,20 0 0,-21 0 15,21 0-15,-20 0 0,20-21 0,-21 21 16,21-21-16,-20 0 0,20-1 0,-21-20 16,0 21-16,0-21 0,1-1 15,-1 1-15,0 0 0,-21-22 16,0 22-16,0-22 0,21 22 16,-21-22-16,0 1 0,0-22 15,0 22-15,0 20 0,-21 1 16,21 0-16,-21-1 0,0 1 0,-1 21 15,1 0-15,0 0 0,0-1 16,0 22-16,0 0 0,-1 0 0,-20 0 16,21 22-16,0-1 0,0 0 15,-22 0-15,22 21 0,0 1 16,0-1-16,0 0 0,21 22 0,0-22 16,-22 22-16,22-1 0,0 1 15,0-1-15,0-20 0,0 20 0,0-21 16,22 1-16,-22-1 0,21 0 15,0-20-15,0 20 0,0-21 16,0 0-16,22 0 0,-22 1 0,0-22 16,21 0-16,1 21 0,-22-21 15,21 0-15,1 0 0,-1 0 16,21-21-16,-20 21 0,-1-22 0,0 1 16,1 0-16,-1 0 0,0-21 0,-20 20 15,-1-20-15,21 21 0,-42-21 0,21 20 16,0-20-16,-21-21 15,0 41-15,0 1 0,0 0 16,0 0-16,0 0 0,-21 21 16,0 0-1,0 21 1,0 0-16,21 21 0,-21-20 0,21 20 16,0-21-16,-22 21 0,22-20 0,0 20 15,0 0-15,0-21 0,0 1 16,0 20-16,0-21 0,22 0 0,-1 0 15,0-21-15,0 22 0,0-22 16,0 0-16,22 0 0,-22 0 16,21 0-16,-21 0 0,22 0 15,-1 0-15,-21-22 0,22 1 0,-1 0 16,-21-21-16,21 21 0,1-43 16,-22 22-16,0-1 0,-21 1 15,0 0-15,0-1 0,0 1 0,0 0 16,21-1-16,-21 1 0,0 0 15,0 21-15,21-22 0,-21 22 0,0-42 16,0 41-16,0 1 16,0 0-16,0 42 31,0 0-15,0 22-16,0-22 0,0 21 15,0 1-15,0-1 0,0 21 16,0-20-16,0 20 0,-21 1 0,0-1 15,0 1-15,21 20 0,-21-20 16,0 21-16,-1-22 0,22 22 0,-21 21 16,0-22-16,0 1 0,21 21 15,-21-22-15,21 22 0,-21-21 0,-1 21 16,22-22-16,0 1 0,0 0 0,0-1 16,0 107-1,0-149-15,0 1 0,22-1 0,-1 0 16,0-21-16,0-21 0,21 22 15,-20-22-15,-1 0 0,21 0 0,-21-22 16,22 22-16,-1-21 0,-21-21 16,21 21-16,1 0 0,-22-22 0,21 1 15,-21 0-15,22-1 0,20-105 16,-42 85-16,-21-1 16,22 1-16,-22-22 0,0 21 15,0-20-15,-22 20 0,1-20 0,0-1 16,-21 21-16,21 1 0,-22-1 0,1 1 15,0 21-15,-1 20 0,-20-20 16,20 21-16,1 0 0,-21 0 0,20 21 16,22 0-16,-21-22 15,21 22-15,-1 0 0,1 0 0,42-21 32,22 21-32,-22-21 0,21 21 15,22-21-15,-22 21 0,22-21 0,-1 0 16,1-1-16,-1 1 0,-21 0 15,22 0-15,-1 0 0,-20-22 0,41-20 16,-41 21-16,-22-1 16,21 1-16,-21 21 0,1-22 15,-22 1-15,0 0 0,0 21 0,0-22 16,0 22-16,0 0 0,0 0 0,-22 0 16,1 21-16,0 0 0,0 0 15,0 0-15,-22 0 0,22 0 16,-21 0-16,0 21 0,-1 0 0,22 21 15,-21-21-15,21 22 0,-1-1 16,1 0-16,0 1 0,21-1 0,0-21 16,0 22-16,0-22 0,0 21 15,0-21-15,21 0 0,0 1 0,1-22 16,-1 21-16,0 0 0,21-21 0,-21 0 16,1 0-16,20 0 0,-21 0 15,0 0-15,22 0 0,-1-42 16,-21 42-16,0-22 0,0-20 15,-21 21-15,22 0 0,-22-22 16,21 1-16,-21 21 0,0-21 16,0-1-16,0 22 0,0 0 0,0-21 15,0 20-15,0 1 0,0 42 32,0 1-32,0-1 0,0 0 15,-21 21-15,21-21 0,0 22 16,0-1-16,-22 0 0,22-20 0,0 20 15,0-21-15,0 0 0,0 22 16,0-22-16,22 0 0,-1-21 0,0 21 16,0 0-16,21-21 0,-20 0 15,-1 0-15,21 0 16,-21 0-16,22-21 0,-1 0 0,-21 0 16,21 0-16,1-1 0,-22 1 15,0-21-15,0 21 0,22-22 0,-43 1 16,21 0-16,0 21 0,-21-22 15,0 22-15,21-21 0,-21 21 0,0-1 16,0 1-16,-21 21 16,21 21-1,-21 1-15,21-1 0,0 0 0,0 0 16,0 0-16,-21 22 0,21-1 16,0-21-16,0 21 0,0-20 15,0-1-15,0 21 0,0-21 16,21 0-16,-21 1 0,21-22 0,0 21 15,0-21-15,0 0 0,1 0 0,-1 0 16,0 0-16,0 0 0,0 0 16,0 0-16,22 0 0,-22-21 0,0-1 15,0 1-15,0 0 0,1 0 16,-1-21-16,0 20 0,-21-20 16,21 0-16,-21 21 0,21-22 0,-21 22 15,21-21-15,-21 21 0,0-22 16,0 22-16,0 42 31,0 0-15,0 22-16,-21-22 0,21 21 15,0-21-15,0 1 0,0 20 0,0-21 16,0 21-16,0-20 0,0-1 0,0 0 16,0 21-16,21-21 15,-21 1-15,22-1 0,-1-21 0,0 0 16,0 0-16,0 0 0,0 0 15,1 0-15,-1 0 0,0 0 0,21-21 16,-21-1-16,22 1 0,-1 0 0,-21-21 16,22 21-16,-22-22 15,0 1-15,21 0 0,-21-1 0,1-20 16,-22 20-16,21-20 0,0 21 16,0-22-16,-21 22 0,0-64 15,0 42-15,21 22 0,-21 0 16,0-1-16,0 1 0,0 21 0,0 0 15,0 0-15,0-1 0,-21 22 16,0 43 0,21-22-16,0 21 0,-21 1 15,0-1-15,21 0 0,-22 1 16,22 20-16,0-21 0,-21 22 0,21-22 16,0 22-16,-21-22 0,21 22 15,0-22-15,0 0 0,0 22 16,0-22-16,21-21 0,-21 22 0,21-1 15,1-21-15,-1 0 0,0 0 16,0 1-16,21-1 0,-20-21 16,-1 0-16,0 0 0,0 0 15,21 0-15,-20 0 0,-1-21 0,0-1 16,0 1-16,21 0 0,-20 0 0,-1-21 16,0-1-16,0 1 0,0 0 15,0-22-15,1 1 0,20-43 16,-42 42-16,0 1 0,21 20 15,0-20-15,-21 21 0,0-1 0,0 1 16,0 0-16,0 20 0,0 1 16,0 0-16,0 0 0,0 42 31,-21 0-31,0 0 0,21 1 16,-21 20-16,21 0 0,-21 1 0,21-1 15,-22 0-15,22 1 0,0-1 16,0 21-16,0-20 0,0 20 0,0-20 15,0 41-15,0-41 16,0-1-16,0 0 0,0 1 0,22-22 16,-22 0-16,21 0 0,-21 0 15,21 0-15,-21 1 0,21-22 16,0 0-16,0 0 0,1 0 16,-1 0-16,0-22 15,0 22-15,0-21 0,-21 0 16,0 0-16,21-21 0,-21 20 0,0-20 15,0 21-15,0-21 0</inkml:trace>
+  <inkml:trace contextRef="#ctx0" brushRef="#br0" timeOffset="10451.12">9229 3874 0,'0'0'0,"0"21"0,21-21 15,0 0-15,0 0 16,0 0-16,0 0 0,1 0 16,20 0-16,-21 0 0,0 0 0,0 0 15,1 0-15,-1 0 0,0 0 16,0 0-16,0 0 0,0-21 16,1 21-16,-22-22 31,-22 22-16</inkml:trace>
+  <inkml:trace contextRef="#ctx0" brushRef="#br0" timeOffset="11175.66">10647 3577 0,'0'0'0,"0"-21"0,0 0 16,0 0-16,0 0 0,0-22 15,21 22-15,-21 0 16,21 21-16,-21-21 0,21 21 0,0 0 15,1 0-15,-1 0 16,0 21-16,0 0 0,0 21 0,0 1 16,1-1-16,-1 22 0,-21-22 15,21 21-15,0-20 0,-21 20 0,21 1 16,-21-1-16,0 1 0,0-1 16,0 1-16,21-22 0,-21 22 0,0-22 15,0-21-15,0 21 0,22-20 0,-22-1 16,0 0-16,21-21 15,0 0 1,-21-21-16,21-22 16,0 22-16,0-21 0,1 0 15,-1-1-15,0-20 0,-21-1 0,21 1 16,21 20-16,-20-20 0,-1-1 16,0 1-16,0-1 0,0 1 0,0-1 15,1 22-15,-1 0 0,0-22 16,-21 43-16,0-21 0,21 21 0,-21-1 15,21 1-15,-21 0 0,0 42 32,0 0-32,0 1 15,0-1-15,0 0 16,0 0-16,0 21 0,0-20 0,0-1 16,0 0-16,0 0 0,0 0 15,0 22-15,21-22 0</inkml:trace>
+  <inkml:trace contextRef="#ctx0" brushRef="#br0" timeOffset="12799.33">11938 4191 0,'42'0'16,"-42"-21"-1,21 0-15,1 0 0,-22-1 16,0 1-16,0 0 0,0-21 15,0 21-15,0-22 0,0 22 0,0-21 16,0 21-16,-22-22 0,1 22 16,0-21-16,0 21 0,0-1 0,0 1 15,-22 21-15,22 0 0,0 0 16,0 0-16,0 0 0,-22 21 0,22 1 16,0-1-16,0 0 0,0 21 0,-1 1 15,1-1-15,0 21 0,0-20 16,21 20-16,-21-20 0,21-1 0,0 0 15,0 1-15,0-1 16,0-21-16,0 0 0,21 0 0,0 1 16,0-1-16,0-21 0,22 0 0,-22 0 15,0 0-15,21 0 0,-20 0 16,20 0-16,-21-21 0,0-1 0,22 1 16,-22 0-16,21 0 0,-21-21 15,0 20-15,1-20 0,-1 0 0,0-1 16,-21 1-16,21-21 0,-21 20 0,21 1 15,-21 21-15,0-22 0,0 1 16,0 21-16,0 0 0,0 0 16,0 42-1,0 0-15,0 0 16,0 0-16,0 22 16,0-22-16,0 21 0,0 0 0,0 1 15,0-1-15,0 0 0,0 1 0,0-22 16,0 21-16,0-21 0,21 22 15,1-22-15,-1 0 0,0 0 0,0-21 16,0 0-16,0 21 0,1-21 16,20 0-16,-21 0 0,0-21 0,22 0 15,-22 0-15,0 0 0,21 0 0,-21-22 16,1 1-16,-1 0 16,21-1-16,-21-20 0,0 20 0,1-20 15,-1-1-15,-21 22 0,21-21 16,0-1-16,-21 1 0,21 20 0,-21-20 15,0-1-15,0 22 0,0 0 16,0-1-16,0 1 0,0 21 0,0 0 16,0-1-16,0 1 0,0 42 31,-21 1-31,21 20 0,-21 0 16,0 1-16,21-1 0,0 21 0,0 1 15,-21-22-15,21 22 0,-22-1 16,22-20-16,-21 20 0,21 64 15,0-85-15,0 22 0,0-1 16,0-20-16,0-1 0,0 0 16,0 1-16,0-1 0,0-21 0,43 22 15,-22-22-15,0 0 16,0-21-16,0 0 0,0 0 0,1 0 16,-1 0-16,0 0 0,21 0 0,-21-21 15,1 21-15,-1-21 0,21-22 16,-21 22-16,0 0 0,1-21 0,-1-1 15,0 1-15,0 0 0,0-1 16,0 22-16,-21-21 0,22-1 0,-22 22 16,21-21-16,-21 21 0,21 0 15,-21-1-15,0 1 16,0 42 0,0 1-16,0-1 15,0 0-15,0 21 0,0-21 0,0 22 16,0-1-16,0-21 0,0 22 0,0-22 15,0 21-15,0-21 0,0 22 16,0-22-16,21 0 0,0-21 0,-21 21 16,21 0-16,1-21 0,-1 0 15,0 0-15,0 0 0,0 0 0,22 0 16,-22 0-16,0-21 0,0 0 0,0 0 16,0 0-16,1-1 15,-1-20-15,0 21 0,0-21 0,0 20 16,-21-20-16,0 0 0,21 21 15,-21-1-15,22-20 0,-22 21 0,0 0 16,0 0-16,0 42 47,0 0-47,0 0 0,0 21 16,0-20-16,0-1 0,0 21 0,0-21 15,0 22-15,0-22 0,0 0 16,0 21-16,0-21 0,0 1 0,0-1 15,21 0-15,0-21 0,0 21 16,-21 0-16,21-21 0,0 0 16,1 0-16,-1 0 0,0 0 0,0 0 15,0 0-15,0 0 0,22-21 0,-22 21 16,21-21-16,-21 0 0,1 0 16,20-1-16,-21 1 0,0 0 0,0-21 15,1 21-15,-22-22 0,0 22 16,21-21-16,-21-1 0,0 22 0,0 0 15,0-21-15,0 21 0,0-1 0,0 1 16,-21 21-16,-1 0 16,1 0-16,0 0 15,0 21-15,0 1 0,0-1 16,21 21-16,-22-21 0,22 22 16,0-1-16,-21-21 0,21 21 0,0-20 15,0 20-15,0 0 16,21-21-16,1 1 0,-1-1 0,-21 0 15,21 0-15,0-21 0,0 21 16,0-21-16,1 0 0,-1 0 0,0 0 16,0 0-16,0 0 0,0 0 15,1 0-15,-1 0 16,0 0-16,-21-21 16,0 0-16,21 0 15</inkml:trace>
+  <inkml:trace contextRef="#ctx0" brushRef="#br0" timeOffset="13427.97">15494 3683 0,'-21'0'0,"42"0"32,21 0-32,-21 0 15,22 0-15,-1 0 0,0 0 16,1 0-16,-1 0 0,0 0 0,22 0 16,-1 0-16,1 0 0,-1 0 15,-20 0-15,20 0 0,1 0 16,-22 0-16,0 0 0,-20 0 0,-1 0 15,0 0-15,0 0 0,0 0 16,-42 0 15,0 0-31,0 0 16,0 0-16,-1 0 0,1 0 16,0 0-16,0 0 0,-21 0 0,20 0 15,-20 0-15,21 0 0</inkml:trace>
+  <inkml:trace contextRef="#ctx0" brushRef="#br0" timeOffset="13751.78">15473 3810 0,'0'0'16,"21"0"15,0 0-31,0 0 0,0 0 0,1 0 15,20 0-15,0 0 0,-21 0 16,22 0-16,-1 0 0,0 0 0,1 0 16,-1 0-16,22 0 0,-22 0 15,0-21-15,-21 21 0,22 0 16,-1 0-16,-21 0 0,22-21 0,-22 21 16,0 0-16,0 0 15,0 0 1,-21-21 31,0-1-47,0 1 15</inkml:trace>
+  <inkml:trace contextRef="#ctx0" brushRef="#br0" timeOffset="14283.21">16298 3323 0,'0'0'0,"-21"0"16,0 0-16,21 21 47,0 1-47,0-1 15,0 0-15,0 0 0,21 0 16,0-21-16,0 21 0,1 1 16,20-22-16,-21 21 0,21-21 15,-20 0-15,20 0 0,-21 21 16,0-21-16,0 0 0,22 0 16,-22 0-16,0 0 0,0 0 0,0 0 15,1 0-15,-1 0 16,-42 0 15,-1 0-31,22 21 16,-42 0-16,21 0 0,0 1 15,0-1-15,-22 0 0,22 0 0,-21 21 16,-1-20-16,1 20 0,0-21 16,-1 21-16,1-20 0,21-1 15,-21 21-15,-1-21 0,22 0 0,0 1 16,0-1-16,0 0 0,21 0 0,0 0 15,-22 0-15,22 1 16,22-22 31,-22-22-47,0 1 0,21 0 0,0 0 16</inkml:trace>
+  <inkml:trace contextRef="#ctx0" brushRef="#br0" timeOffset="17732.7">18013 3217 0,'0'0'16,"0"-21"-16,0 0 31,-21 21 0,-1 21-31,1 0 16,0 1-16,21 20 16,0-21-16,-21 21 0,0-20 0,21 20 15,-21 0-15,21-21 0,0 22 16,-22-1-16,22 0 0,-21-20 0,21 20 16,0 0-16,0-21 0,0 22 0,0-22 15,0 21-15,0-21 0,0 22 16,0-22-16,0 21 0,0-21 0,21 1 15,-21-1-15,22 21 0,-1-21 16,0 0-16,0-21 0,0 22 16,0-1-16,22-21 0,-22 0 15,0 21-15,21-21 0,-20 0 0,-1 0 16,21 0-16,-21 0 0,22 0 0,-22-21 16,0 21-16,21-21 0,-21-1 15,22-20-15,-22 21 0,0 0 16,0-22-16,0 22 0,1 0 15,-1-21-15,0-1 0,-21 22 0,21-21 16,0 0-16,-21 20 0,0-20 16,0 21-16,21-21 0,-21 20 15,0-20-15,0 21 0,0-21 16,0 20-16,0 1 0,0-21 0,0 21 16,-21 0-16,0-1 0,21 1 15,-21 0-15,0 0 0,0 0 0,-1 21 16,1 0-16,21-21 0,-21 21 15,0 0-15,0 0 0,0 0 0,-1 0 16,1 0-16,0 21 0,0 0 16,0-21-16,0 21 0,-1 0 0,1 0 15,0 1-15,0 20 0,21-21 16,-21 0-16,0 22 0,21-22 0,0 21 16,-22-21-16,1 22 0,21-22 15,-21 0-15,0 21 0,21-21 16,0 22-16,0-22 0,-21 0 0,21 0 15,0 22-15,-21-22 0,21 0 16,0 0-16,0 21 0,0-20 0,0-1 16,0 0-16,0 0 0,0 0 15,21 0-15,0-21 0,-21 22 0,21-1 16,0-21-16,0 21 0,1-21 16,-1 0-16,0 21 0,0-21 15,0 0-15,22 0 0,-22 0 0,0 0 16,21 0-16,-21 0 0,1 0 0,-1 0 15,21-21-15,-21 21 0,0-21 16,1 0-16,-1 21 0,0-22 16,0 1-16,0-21 0,0 21 0,1 0 15,-22-22-15,21 22 0,-21 0 16,0-21-16,21-1 0,0 22 0,-21-21 16,21-1-16,-21 1 0,0 0 0,0-1 15,0 1-15,0 0 0,0-1 16,0 1-16,0 21 0,0-21 0,0 20 15,0-20-15,-21 21 0,21 0 16,-21 0-16,0-1 0,0 1 16,-1 21-16,1 0 0,0 0 0,0 0 15,-21 0-15,20 0 0,1 0 16,-21 0-16,0 21 0,20 1 16,-20-1-16,21 0 0,-21 0 0,-1 0 15,22 22-15,0-22 0,-21 21 16,20 0-16,-20 22 0,21-22 15,0-21-15,0 22 0,21-22 16,-22 21-16,22-21 0,-21 43 16,0-43-16,21 0 0,0 0 15,0 1-15,0 20 0,0-21 0,0 0 16,0 0-16,0 1 0,0-1 16,0 0-16,21 0 0,0 0 0,-21 0 15,22 1-15,-1-1 16,0-21-16,0 21 0,0 0 0,0-21 15,22 0-15,-22 0 0,0 0 0,0 0 16,22 0-16,-22 0 0,0 0 16,0 0-16,0 0 0,22-21 0,-22 21 15,0-21-15,0 0 0,0-1 16,0 1-16,1 0 0,-1 0 16,0-21-16,-21 20 0,21-20 0,0 21 15,0-21-15,-21-1 0,0 1 0,22 0 16,-22-1-16,0 1 0,21 0 15,-21-1-15,0 1 0,0 0 0,0-1 16,0 22-16,0-21 0,-21 21 16,-1-1-16,1-20 0,0 42 15,0-21-15,0 0 0,0 0 16,-22 21-16,22 0 0,0 0 0,-21-22 16,-1 22-16,22 0 0,-21 0 15,21 0-15,-22 22 0,22-1 0,0-21 16,-21 21-16,20 0 0,1 0 15,-21 22-15,21-22 0,0 0 16,-1 21-16,1-21 0,0 22 0,21-22 16,-21 21-16,0-21 0,0 22 0,21-22 15,0 21-15,-22-21 0,22 22 0,-21-22 16,21 42 0,0-20-16,0-22 0,0 21 0,0 1 15,0-22-15,21 21 0,1-21 16,-1 0-16,0 1 0,0 20 0,0-42 15,0 21-15,1 0 0,-1 0 16,0-21-16,21 0 0,-21 22 16,22-22-16,-22 0 0,0 0 0,21 0 15,-20 0-15,20 0 0,-21 0 0,0 0 16,22 0-16,-22-22 0,0 1 0,0 21 16,0-21-16,0 0 15,1 0-15,20 0 0,-21-1 0,0 1 16,0 0-16,1 0 0,-1-21 15,0 20-15,21-41 0,-42 42 16,21-22-16,-21 1 0,22 21 0,-22-21 16,0-1-16,0 1 0,0 0 15,0-1-15,0 22 0,0-21 0,0-1 16,0 1-16,0 21 16,0-21-16,0 20 0,-22 1 0,1 0 15,0 0-15,0 21 0,-21-21 0,20 21 16,-20-21-16,0 21 0,21 0 15,-22 0-15,1 0 0,0 0 0,-1 0 16,1 0-16,21 0 0,-22 21 16,22 0-16,-21 0 0,0-21 15,20 21-15,1 22 0,0-22 0,0 0 16,0 0-16,0 21 0,-1-20 16,1 20-16,0 0 0,0-21 0,21 22 15,-21-22-15,21 21 0,-21-21 16,21 22-16,0-22 0,-22 21 0,22-21 15,0 1-15,0 20 0,0-21 16,0 21-16,0-20 0,0-1 0,0 21 16,0-21-16,22 0 0,-1 1 15,0-1-15,0 21 16,21-42-16,-20 21 0,-1-21 0,0 0 16,0 0-16,21 0 0,-20 0 15,20 0-15,-21 0 0,21 0 0,1-21 16,-22 0-16,21 21 0,-21-42 15,22 20-15,-22 1 0,42-42 16,-41 20-16,-1 22 0,0-21 16,-21 21-16,21-22 0,-21 22 0,21-21 15,-21 0-15,0 20 0,0-20 16,0 0-16,0 21 0,0-22 0,0 22 16,0-21-16,0 21 0,0-1 15,0-20-15,-21 21 0,0 0 16,21 0-16,-21-1 0,0 1 0,-1 0 0,1 0 15,0 21-15,0-21 16,0 21-16,0 0 0,-22 0 0,22 0 16,0 0-16,-21 0 0,20 0 15,1 0-15,-21 0 0,21 0 0,-22 21 16,22 0-16,-21 0 0,21 0 16,-22 1-16,22-1 0,0 0 0,-21 0 15,21 0-15,-1 22 16,1-22-16,0 0 0,21 21 0,0-21 15,-21 1-15,21 20 0,-21-21 16,21 0-16,0 0 0,0 1 0,0-1 16,0 0-16,0 0 0,0 0 0,0 0 15,0 1-15,0-1 16,0 0-16,0-42 78,0 0-78,0-1 16,0 1-1,0 0-15,0 0 0,0 0 16,21 0-16,-21-1 16,0 1-16,0 0 0,21 0 0,-21-21 15,21 20-15,0 1 0,-21 0 16,22-21-16,-1 21 0,-21-22 0,21 22 15,0 0-15,0-21 0,0 20 16,1 1-16,-1-21 0,0 21 16,0 0-16,21-1 0,-20 1 0,20 0 15,0 0-15,-21 21 16,1 0-16,20-21 0,-21 21 0,0 0 16,0 0-16,1 0 0,-1 21 15,-21 0-15,21 0 16,-21 0-16,0 22 0,0-22 0,0 21 15,0-21-15,0 1 0,0 20 16,0-21-16,0 0 0,0 0 0,-21-21 16,21 22-16,0-1 15,0-42 17,0-1-32,0 1 0,0 0 15,0 0-15,0 0 0,0 0 16,-21-1-16,21-20 0,-22 21 15,1 0-15,0 0 0,21-1 16,-21 1-16,0 0 0,-22-21 16,1 42-16,21-21 15,0 21-15,0 0 0,-1 0 16,1 0-16,0 0 0,0 0 0,0 21 16,0 0-16,-1 0 0,1 0 15,0 0-15,0 1 0,0 20 0,0-21 16,-1 21-16,1 1 0,0-1 15,21-21-15,-21 22 0,0-1 16,0 43-16,21-43 0,0-21 16,-22 21-16,22 1 0,0-22 0,0 0 15,0 0-15,0 22 0,0-22 16,22 0-16,-1 21 16,0-21-16,0 1 0,0-22 0,0 21 15,-21 0-15,43-21 0,-22 21 16,0-21-16,21 0 0,-20 0 15,-1 0-15,0 0 0,0 0 16,0 0-16,0 0 0,1 0 16</inkml:trace>
+  <inkml:trace contextRef="#ctx0" brushRef="#br0" timeOffset="22699.12">3471 6181 0,'0'0'15,"-21"0"16,0 0-15,0 0 0,0 0-16,-1 0 15,1 0 1,0 0 0,21-21-1,0-1 1,0 1-16,0 0 15,21 0-15,0 21 0,-21-21 16,22 21-16,-1-21 0,0 21 16,0 0-16,0-22 0,0 22 15,1 0-15,-1 0 0,0 0 16,0 0-16,0 22 0,0-1 0,1-21 16,-1 21-16,-21 21 15,21-21-15,-21 1 0,21 20 0,-21 0 16,0 1-16,0-1 0,0 0 15,0 22-15,0-22 0,-21 22 0,-21-22 16,20 0-16,1 22 0,-21-22 16,21 0-16,-22-20 0,1 20 0,21-21 15,-21 0-15,20 0 0,-20 1 16,21-1-16,-21-21 0,20 0 0,1 0 16,0 0-16,0 0 0,0 0 15,-22 0-15,22 0 0,0-21 0,0-1 16,0 1-16,0 0 0,-1 0 15,1 0-15,21 0 0,-21-1 0,21-20 16,0 21-16,0 0 0,0-22 16,0 22-16,0 0 0,0 0 15,21 0-15,0 0 0,1-1 16,-1 1-16,0 0 0,0 21 0,0 0 16,22 0-16,-22 0 0,0 0 15,21 0-15,-21 21 0,1 0 0,20 1 16,-21-1-16,0 0 0,0 21 15,22-21-15,-22 1 0,0-1 0,0 21 16,-21-21-16,21 0 0,1 1 16,-22-1-16,0 0 0,0 0 0,21 0 15,-21 0 1,21-21-16,-21 22 0,21-22 16,0 0-1,0 0 1,-21-22-16,22 1 0</inkml:trace>
+  <inkml:trace contextRef="#ctx0" brushRef="#br0" timeOffset="23046.94">3958 6646 0,'0'22'0,"21"-22"15,0 0 1,1 0-16,-1 0 16,0 0-16,-21-22 15,21 22-15,-21-21 0,21 21 16,-21-21-16,0 0 16,-21 21-16,0-21 15,0 21-15,0 0 16,-1 0-16,1 0 0,21 21 15,-21-21-15,0 21 0,21 0 16,0 0 0,0 1-1,21-22 1,0 0 0,-21-22-16,0 1 15,21 21-15</inkml:trace>
+  <inkml:trace contextRef="#ctx0" brushRef="#br0" timeOffset="24231.34">5694 6392 0,'-21'-21'16,"21"0"0,-22 21-1,22-21-15,0 0 0,0 0 16,0-1-16,22 1 16,-1 21-16,0-21 0,0 0 0,0 21 15,0-21-15,22 21 0,-22 0 16,0-21-16,0 21 0,0 0 0,1 0 15,-1 0-15,0 21 0,0-21 16,0 21-16,0 21 0,-21-21 0,0 22 16,22-22-16,-22 21 0,21 1 0,-21 20 15,0-21-15,0 1 16,0-1-16,0 0 0,0 1 0,0-1 16,0-21-16,0 22 0,0-22 15,-21 0-15,21 0 0,-22 0 16,22-42 15,0 0-31,0 0 0,0 0 16,0-1-16,0 1 0,0 0 0,0-21 15,0-1-15,0 1 0,22 0 0,-1-1 16,-21 1-16,21 0 0,0 21 16,0-22-16,0 1 0,1 21 15,-1 0-15,0-22 0,21 43 16,-21-21-16,1 0 0,-1 21 0,21 0 15,-21 0-15,0 0 0,1 0 16,-1 21-16,0 0 0,-21 0 0,21 1 16,-21 20-16,21-21 0,-21 21 0,21 1 15,-21-1-15,0 0 0,0 1 16,0-22-16,22 21 0,-22 1 0,21-22 16,-21 0-16,21 21 0,0-21 15,-21 1-15,21-22 0,0 21 0,1-21 16,-1 0-16,21 0 15,-21 0-15,0 0 0,22 0 0,-1 0 0,-21 0 16,22-21-16,-1-1 0,0 1 16,1 0-16,-1 0 0,-21 0 15,21-22-15,1 1 0,-22 21 0,0-21 16,0-1-16,0 1 0,-21 0 16,0 20-16,0-20 0,0 21 0,0 0 15,0 0-15,0-1 0,-21 22 16,0 0-1,0 0-15,0 0 0,0 22 16,-1 20-16,1-21 0,21 21 16,-21-20-16,21 20 0,0-21 0,0 21 15,0 1-15,0-22 0,0 0 16,0 21-16,0-20 0,21-1 16,0 0-16,1 0 0,-1-21 0,-21 21 15,21-21-15,0 0 0,0 0 16,0 0-16,1 0 0,-1 0 0,0 0 15,0 0-15,21 0 16,1-21-16,-22 0 0,21 0 0,-21 0 16</inkml:trace>
+  <inkml:trace contextRef="#ctx0" brushRef="#br0" timeOffset="25024.88">8297 6308 0,'0'0'0,"0"-21"0,0-1 16,0 1-16,0 0 16,0 0-16,0 0 0,0 0 0,-21 21 15,21-22-15,-21 22 0,0-21 0,0 21 16,-1 0-16,1 0 0,0 0 16,0 0-16,0 21 0,0 1 0,-22-1 15,22 0-15,0 0 0,21 0 16,-21 0-16,0 22 0,21-22 0,-22 21 15,22 1-15,0-22 16,0 21-16,0-21 0,0 0 0,0 1 0,0-1 16,0 0-16,22 0 0,-1-21 15,0 0-15,0 0 16,0 0-16,0 0 0,22 0 0,-22 0 16,0-21-16,0 0 0,0 0 15,1-1-15,-1 1 0,0-21 0,0 21 16,0 0-16,-21-1 0,0 1 0,0 0 15,0 0-15,0 0 0,0 0 16,0-1-16,0 44 47,0-1-47,21 0 16,-21 0-16,22 21 0,-22-20 15,0 20-15,0 0 0,21 1 0,-21-1 16,21 0-16,-21 1 0,0 20 0,0-21 15,0 1-15,0 20 0,0 1 16,0-1-16,0 1 0,0-1 0,21 1 16,-21-1-16,0 22 0,0-22 0,0 1 15,0-1-15,0 1 0,0-1 16,0 1-16,0-1 0,0-20 0,0-1 16,0 22-16,0-43 0,0 21 15,0 0-15,0-20 0,0-1 16,0 0-16,-21 0 0,0-21 15,0 21-15,-1-21 0,1 0 16,0 0-16,0-21 0,0 0 16,0-21-16,-1 20 0,-20-20 0,21 0 15,0-1-15,0 1 0,-22 0 0,22-22 16,0 1-16,21-1 0,0 1 16,0-1-16,0 1 0,0-22 15,0 22-15,21-22 0,0 21 0,0 1 0,1-1 16,-1 1-16,0-1 0,21 1 15,-21 21-15,1-22 0,20 22 16,-21-1-16,0 1 0,0 21 0,1-21 16,-1 20-16,0 1 0,0 0 15,-21 0-15,0 0 0,0 0 16,0-1-16</inkml:trace>
+  <inkml:trace contextRef="#ctx0" brushRef="#br0" timeOffset="27163.81">9207 6498 0,'0'0'0,"22"0"0,-22-21 0,21 0 0,-21 0 0,0-22 16,0 22-16,0 0 15,0 0-15,0 0 0,0 0 16,0-22-16,0 22 0,0 0 0,-21 0 16,-1 0-16,22-1 0,-21 1 15,0 0-15,0 0 0,0 21 0,0 0 16,-22 0-16,22 0 0,0 0 16,-21 0-16,20 21 0,-20 0 0,21 0 15,-21 1-15,20 20 0,1-21 16,0 21-16,0 1 0,0-1 0,21 0 15,0 1-15,0-1 0,0 0 16,0 1-16,0-22 0,0 21 16,21-21-16,0 1 0,0-22 0,0 21 15,22-21-15,-22 0 0,21 0 0,-21 0 16,1 0-16,20-21 0,0-1 16,-21 22-16,22-21 0,-22 0 0,0-21 15,21 21-15,-20-1 0,-1-20 16,0 21-16,0-21 0,-21-1 0,21 22 15,-21-21-15,21 21 0,-21-22 0,0 22 16,0-21-16,0 21 16,0-1-16,0 1 0,0 42 31,0 1-15,0-1-16,0 21 0,0-21 0,-21 22 15,21-22-15,0 21 0,0 0 16,0-20-16,0 20 0,0 0 0,0-21 15,0 22-15,0-22 0,0 0 16,21 0-16,1 0 0,-1-21 16,0 0-16,21 0 0,-21 0 0,22 0 15,-22 0-15,21-21 0,1 0 16,-1 0-16,0-21 0,1 20 16,-1-20-16,-21 0 0,21 21 0,1-22 15,-1-20-15,-21 20 0,22 1 16,-22 0-16,0-22 0,0 22 0,0-22 15,0 22-15,1-21 0,-1-1 16,0 22-16,0-22 0,-21 22 0,0 0 16,0-1-16,0 1 0,0 21 15,0-22-15,0 22 0,0 0 0,0 0 16,-21 21 0,0 0-16,0 21 0,-1 0 0,1 0 15,0 1-15,0 20 0,0 0 16,0 22-16,-1-22 0,22 22 0,-21-1 15,21 1-15,-21-22 0,21 21 0,0 1 16,0-22-16,0 22 16,0-22-16,0 0 0,0 1 0,0 41 15,0-41-15,21-1 16,0-21-16,1 0 0,-22 1 0,21-1 16,0 0-16,0-21 0,0 0 0,0 0 15,1 0-15,-1 0 0,0 0 16,21 0-16,-21-21 0,1 0 0,-1-1 15,42-20-15,-42 21 16,1 0-16,-1 0 0,0-1 0,0-20 16,0 21-16,0 0 0,-21 0 15,22-1-15,-22 1 0,21 0 16,-21 0-16,0 0 0,0 42 47,0 0-47,0 0 0,0 0 15,0 1-15,0-1 0,0 21 16,0-21-16,0 0 0,0 1 0,21-1 16,-21 0-16,0 0 0,21 0 15,-21 0-15,21 1 0,0-1 16,1-21-16,-1 0 0,0 0 16,0 0-16,0-21 15,0-1-15,1 22 0,-1-21 16,0 0-16,-21 0 0,21-21 0,0 20 15,0 1-15,1-21 0,-22 21 16,42-22-16,-21 22 0,-21 0 16,0 0-16,21 0 0,-21 0 15,21 21-15,-21-22 0,22 22 32,-22 22-32,0-1 15,0 0-15,0 0 0,0 0 16,0 22-16,0-22 0,0 0 15,0 0-15,0 21 0,0-20 0,0-1 16,0 0-16,21 0 0,0 0 16,-21 0-16,21 1 0,0-22 15,0 0-15,1 0 0,-1 0 16,0 0-16,0 0 0,0 0 16,0-22-16,1 1 0,20 0 0,-21 0 15,0 0-15,0 0 0,1-1 0,-1 1 16,-21 0-16,21-21 0,0 21 15,-21-1-15,21 1 0,-21 0 0,0 0 16,21 0-16,1 0 0,-1-1 16,-21 1-16,0 0 15,21 21-15,-21 21 47,0 0-47,0 1 0,0-1 16,0 0-16,0 0 0,0 0 0,0 0 15,0 1-15,0 20 0,0-21 0,0 0 16,0 0-16,0 1 0,21-1 16,-21 0-16,21 0 0,0-21 15,-21 21-15,22-21 0,-1 0 0,0 0 16,0 0-16,0 0 0,0 0 0,43 0 16,-43 0-16,0 0 15,0-21-15,1 21 0,20-42 16,0 21-16,-21-1 0,1 1 15,-1 0-15,-21 0 0,21 0 16,0 0-16,0-1 0,-21-20 16,0 21-16,21 0 0,-21 0 0,22-22 0,-22 22 15,0 0-15,0 0 0,0 0 16,0-1-16,0 1 0,0 0 0,-22 21 31,1 0-31,21 21 16,-21 0-16,0 1 0,0-1 15,0 21-15,-1-21 0,22 22 16,0-22-16,-21 21 0,21-21 0,0 22 16,0-22-16,0 21 0,0 22 15,0-22-15,0-21 0,21 0 16,1 22-16,-1-22 0,0-21 0,0 21 16,21 0-16,-20-21 0,20 0 15,-21 0-15,21 0 0,1 0 0,-1 0 16,-21-21-16,22 0 0,-1 21 15,0-21-15,-21-1 0,22 1 0,-22-21 16,21 0-16,-21 20 16,-21 1-16,0 0 0,22 0 0,-22 0 15,0 0-15,0-1 0,0 1 16,0 0-16,0 0 0,0 0 0,-22 0 16,1-1-16,0 1 0</inkml:trace>
+  <inkml:trace contextRef="#ctx0" brushRef="#br0" timeOffset="27491.62">11769 5482 0,'0'0'16,"-22"0"-16,1-21 0,0 21 15,0 0 63,0 0-62,21 21 0,-21-21-16,-1 0 0,1 21 0</inkml:trace>
+  <inkml:trace contextRef="#ctx0" brushRef="#br0" timeOffset="27879.68">9948 5969 0,'0'21'0,"21"-21"16,1 0 0,-1 0-16,21 0 0,-21 0 0,22-21 15,-22 21-15,21-21 0,0 21 16,1 0-16,-1 0 0,-21-21 0,22 21 16,-22 0-16,21 0 15,-21 0-15,0 0 0,1 0 0,-1 0 16,-21 21 31,-21 0-32,-1-21-15,22 21 0</inkml:trace>
+  <inkml:trace contextRef="#ctx0" brushRef="#br0" timeOffset="29091.85">3387 8382 0,'0'0'15,"-43"0"-15,43-21 16,-21 21-16,0 0 0,0-21 15,21 0-15,0-1 16,0 1 0,21 0-1,0 21-15,0 0 0,22 0 16,-22 0-16,21 21 0,0-21 16,-20 21-16,20 1 0,-21-1 0,21 21 15,-20-21-15,-1 0 0,-21 22 16,0-22-16,0 0 0,0 21 0,0-20 15,-21 20-15,-1-21 0,1 0 16,0 22-16,-21-22 0,21 0 0,-22 0 16,22 0-16,-21 0 0,21-21 15,-1 22-15,-20-22 0,21 0 16,0 0-16,21-22 16,0 1-1,0 0-15,0 0 0,21 21 16,0-21-16,0 0 0,0 21 15,22-22-15,-22 22 0,21 0 0,1 0 16,-1 0-16,0 0 0,1 0 16,-1 0-16,-21 0 0,21 22 0,-20-1 15,-1 0-15,0 0 0,-21 0 0,0 22 16,0-22-16,0 21 0,0-21 16,-21 22-16,0-1 0,-22-21 0,1 21 15,21-20-15,-22-1 0,1 0 16,0 0-16,-1 0 0,1 0 15,0-21-15,21 0 0,-22 0 16,1 0-16,21 0 0,0 0 0,-1 0 16,-20 0-16,21 0 0,0-21 15,0 21-15,-1-21 0,22 0 0,-21 0 16,0 21-16,21-21 0,-21-1 16,21 1-16,0 0 15,0 0 1,21 0-1,0 21-15,0 0 0,1-21 16</inkml:trace>
+  <inkml:trace contextRef="#ctx0" brushRef="#br0" timeOffset="29307.72">4064 8742 0,'0'0'0,"21"0"0,0 0 94,0-21-78</inkml:trace>
+  <inkml:trace contextRef="#ctx0" brushRef="#br0" timeOffset="29895.38">6138 8615 0,'0'0'0,"-21"-21"16,21 0-16,0-1 0,0-20 0,-21 21 16,21 0-16,0 0 0,0-1 0,0 1 15,0 0-15,0 0 16,0 0-16,0 0 16,-21 21-16,21 21 15,0 0-15,0 0 0,0 21 16,0 1-16,0-1 0,0 0 0,0 22 15,0-1-15,0 22 16,0 0-16,0-22 0,0 22 0,0 0 0,0-22 16,0 22-16,-21-1 0,-1-20 15,1 21-15,0-1 0,21-20 0,-21 20 16,-21 1-16,20-21 0,1 20 0,-21-20 16,21-1-16,0 1 0,-43 42 15,43-64-15,0 0 16,0 1-16,-1-1 0,22-21 0,0 0 15,0 0-15,0 1 0,0-44 32,0 1-32,0 0 0,0-21 0,0 21 15,0-22-15,0 1 0,0 0 16,0-22-16,0 22 0</inkml:trace>
+  <inkml:trace contextRef="#ctx0" brushRef="#br0" timeOffset="30240.22">5651 8996 0,'0'0'0,"0"-21"0,0-22 0,-21 1 15,21 0-15,0-1 0,0 22 0,21-63 16,1 41-16,20 1 16,-21 21-16,21-22 0,1 22 0,20 0 15,-20-21-15,-1 21 0,21 21 16,-20 0-16,-1 0 0,0 0 0,85 21 15,-105 0-15,-1 0 16,0 0-16,0 22 0,-21-22 16,0 21-16,0 0 0,-21-20 15,0 20-15,0 0 0,-1 1 0,1-22 16,0 21-16,-21-21 0,21 22 0,-1-22 16,1 0-16,-21 0 15,21-21-15,0 42 16,-1-42-16,44 0 31,-1-21-31,0 0 16,0 0-16</inkml:trace>
+  <inkml:trace contextRef="#ctx0" brushRef="#br0" timeOffset="32508.01">6964 8446 0,'0'0'0,"0"-22"16,-21 22 0,-1 0-16,1 0 15,0 0-15,0 22 0,0-1 16,0 0-16,-22 0 0,22 21 0,0-20 16,0 20-16,0 0 0,-1-21 0,1 22 15,21-1-15,0 0 16,-21 1-16,21-1 0,0 0 0,0-20 0,0-1 15,0 21-15,0-21 16,21-21-16,0 21 0,1-21 0,20 0 16,-21 0-16,21 0 0,1 0 0,-1-21 15,0 21-15,1-21 0,-1 0 16,0-21-16,1 20 0,-1-20 0,43-21 16,-64 20-16,21 22 15,-21-21-15,1-1 0,-22 1 0,0 0 16,0 21-16,0-22 0,0 1 0,-22 21 15,1-22-15,0 22 0,0 0 16,0 0-16,-22 21 0,22 0 0,-21 0 16,21 0-16,-22 0 0,1 0 15,21 21-15,-21-21 0,-1 21 16,22 0-16,0 1 0,-21 20 0,42-21 16,-22 0-16,22 22 0,0-22 15,0 0-15,0 21 0,0-21 0,0 1 16,22-1-16,20 21 15,-21-21-15,21 0 0,-20-21 0,20 0 16,0 0-16,1 0 0,-1 0 16,0 0-16,1-21 0,20 21 0,-21-21 15,22 0-15,-1 0 0,1 0 16,-22-1-16,22-20 0,-1 21 16,-20 0-16,-1 0 0,-21-1 0,0 1 15,22 0-15,-43 0 16,-22 21-1,1 0 1,21 21-16,-21-21 0,0 21 16,0 22-16,21-1 0,0-21 15,0 0-15,0 22 0,0-22 16,0 0-16,0 0 0,21 0 0,-21 0 16,21 1-16,0-1 0,0-21 0,1 21 15,-22 0-15,21-21 0,-21 21 16,21-21-16,-42 0 47,0 0-47,-1-21 0,1 0 0,0 21 15,0-21-15,0 0 0,0 21 16,-1-22-16,1 22 0,0 0 16,0 0-1,21 22-15,0-1 16,0 0-16,0 0 0,0 0 15,21 0-15,-21 1 0,21-22 16,22 21-16,-22-21 0,21 0 16,-21 21-16,22-21 0,-22 0 15,21 0-15,0 0 0,1-21 16,-1 0-16,0-1 0,22 1 0,-22 0 16,1 0-16,-22 0 0,21-22 15,0 22-15,-20 0 0,-1-21 0,0 21 16,0-22-16,-21 22 0,0-21 15,0 21-15,0-22 0,0 22 0,0 0 16,0 0-16,0 0 0,0-1 0,-21 22 31,21 22-31,-21-1 16,21 0-16,-21 0 0,21 0 16,0 22-16,0-22 0,0 21 15,0-21-15,0 22 0,0-22 0,0 0 16,0 21-16,0-21 0,21 1 15,0-1-15,0 0 0,0 0 16,0-21-16,22 0 0,-22 0 16,21 0-16,-21 0 0,22-21 0,-1 0 15,-21 0-15,22 21 0,-1-43 0,-21 22 16,21 0-16,-20 0 0,20-22 16,-21 1-16,21-21 15,-20 20-15,-1 1 0,-21-22 0,0 1 16,21 21-16,-21-22 0,21 1 15,-21-1-15,0 1 0,0 20 0,0-20 16,0 20-16,0 1 0,0-21 16,0 41-16,0 1 0,0 0 15,0 0-15,-21 21 16,0 0-16,0 0 0,21 21 16,0 0-16,-22 0 0,22 22 15,-21-1-15,0 0 0,21 22 0,0-22 16,0 22-16,0-1 0,-21 1 0,21-1 15,0-20-15,0 20 0,0 1 16,0-22-16,0 0 0,0 22 0,0-22 16,0 0-16,0 1 0,21-22 15,0 21-15,0-21 0,1 22 16,-1-22-16,21 0 0,-21-21 0,0 21 16,22-21-16,-22 0 0,0 0 15,21 0-15,-20 0 0,-1 0 0,0-21 16,0 0-16,0 0 0,0 0 0,1-1 15,-1 1-15,21-21 16,-42 0-16,0 20 0,21 1 0,0 0 16,-21 0-16,0 0 0,0 0 15,0-1-15,22 22 0,-22-21 16,0 42 15,0 1-31,21-22 0,-21 21 0,0 0 16,0 0-16,0 0 0,0 0 15,0 1-15,0 20 0,0-21 16,21 0-16,-21 0 0,21-21 0,-21 22 16,21-1-16,0 0 15,1-21-15,-1 0 16,0 0-16,0 0 0,0-21 16,0 21-16,-21-21 0,22-1 15,-1 1-15,0 0 0,0 0 0,0 0 16,0 0-16,1-22 15,-22 22-15,21 0 0,21-21 16,-42 20-16,21 1 0,-21 42 47,0 1-31,0-1-16,0 0 0,0 0 15,0 0-15,0 0 0,0 1 0,0-1 16,0 0-16,0 0 0,21 0 15,1 0-15,-1 1 0,-21-1 16,21-21-16,0 21 0,0-21 0,0 21 16,1-21-16,-1 0 15,0 0-15,0 0 0,0 0 0,0 0 0,1 0 16,-1-21-16,0 21 0,0-21 16,0 21-16,0-21 0,22-1 15,-22 22-15,0-21 0,0 0 0,0 0 16,1 0-16,-1 0 0,0-1 15,0 1-15,0 0 0,-21 0 16,21 0-16,-21 0 0,0-1 0,0-20 16,0 21-16,0 0 0,0 0 15,0-1-15,-21 22 0,0-21 16,0 21 0,0 21-1,21 1-15,-21-1 16,21 0-16,0 0 0,0 0 15,0 0-15,0 1 0,0 20 16,0-21-16,0 0 0,0 22 16,0-22-16,0 21 0,21-21 0,0 0 15,-21 1-15,21-22 0,0 21 16,0 0-16,1-21 0,-1 0 0,0 0 16,0 0-16,0 0 0,22 0 0,-22 0 15,21 0-15,-21 0 0,22 0 16,-1-21-16,-21 0 0,21 21 15,-20-22-15,20 1 0,-21 21 0,0-21 16,22 0-16,-22 0 0,21-22 16,-42 22-16,21 0 0,-21 0 15,0 0-15,0 0 0,0-1 0</inkml:trace>
+  <inkml:trace contextRef="#ctx0" brushRef="#br0" timeOffset="32791.85">10435 7832 0,'-21'0'16,"0"0"-1,21 21-15,-21-21 16,-1 21 31,1-21-31,0 0-16,0 0 0,0 21 0</inkml:trace>
+  <inkml:trace contextRef="#ctx0" brushRef="#br0" timeOffset="33057.69">9186 8255 0,'21'0'16,"1"0"-16,-1 0 15,21 0-15,-21-21 0,22 21 0,-1-21 16,0 21-16,1-21 0,-1 21 16,0 0-16,1-22 0,-1 22 15,-21 0-15,0 0 0,22 0 0,-65 0 47,1-21-47,0 21 0,-21 0 0</inkml:trace>
+  <inkml:trace contextRef="#ctx0" brushRef="#br0" timeOffset="33291.58">8551 8170 0,'0'0'0,"-21"0"0,0 22 16,21-1 47</inkml:trace>
+  <inkml:trace contextRef="#ctx0" brushRef="#br0" timeOffset="34427.89">3365 11070 0,'0'-21'0,"0"-21"16,0 21-16,0-1 15,-21 1-15,21 0 16,-21 21-16,21 21 16,0 0-1,0 1-15,0 20 0,0 0 0,0 1 16,-21 20-16,21-21 0,-21 22 15,0-22-15,21 22 0,-22-22 0,1 0 16,21-20-16,0 20 0,-21-21 16,21 21-16,-21-42 0,21 22 0,21-22 31,0 0-15,0-22-16,1 1 0,-1 21 0,21-21 15,-21 0-15,0 21 0,22-21 16,-22 0-16,21 21 0,-21-22 15,22 1-15,-22 0 0,0 21 0,21-21 16,-20 0-16,-1 0 0,0-1 0,0 1 16,0 0-16,0 21 0,1-21 15,-22 0-15,0 0 16,0 42 0,-22 0-1,1 21-15,0-21 0,21 22 16,-21-22-16,21 21 0,-21 1 15,0-22-15,21 21 0,0-21 0,-22 22 16,22-22-16,-21 0 0,21 21 16,0-21-16,0 1 0,0-1 15,0 0 1,21-21 0,-21-21-16,22 0 15,-22-1-15,21 1 0</inkml:trace>
+  <inkml:trace contextRef="#ctx0" brushRef="#br0" timeOffset="34627.35">4170 11282 0,'0'0'0,"-21"0"62</inkml:trace>
+  <inkml:trace contextRef="#ctx0" brushRef="#br0" timeOffset="35857.66">6244 11176 0,'0'0'16,"0"-21"0,0 0-16,0 0 15,0-1-15,0 1 0,0 0 0,0 0 16,0 0-16,0 0 0,21-1 15,0 1-15,1 21 0,-22-21 0,21 21 16,0 0-16,0 0 0,0 0 16,0 21-16,1-21 0,-1 21 15,0 22-15,0-22 0,21 21 0,-20 1 16,-22-1-16,21 0 0,-21 1 16,0-1-16,21 0 0,-21 1 0,0-1 0,0 0 15,0-21-15,0 22 0,0-22 16,-21 0-16,0 0 15,21 0-15,-22-21 16,22-21 0,0 0-16,0 0 0,0 0 15,0-22-15,0 22 0,22-21 0,-1 0 16,0-1-16,0 1 0,-21 0 16,21-1-16,0 1 0,1 0 0,-1 20 15,0-20-15,0 21 0,0 0 16,0 0-16,1 21 15,-1 0-15,0 0 0,0 0 0,-21 21 16,21 0-16,0 0 0,-21 21 16,0-20-16,22 20 0,-1 0 0,-21 1 15,0-1-15,0 0 0,21-21 0,-21 22 16,21-1-16,0-21 0,-21 0 16,21 22-16,1-22 0,-1-21 0,0 21 15,0-21-15,21 0 0,-20 0 16,20 0-16,0 0 0,1-21 0,62-21 15,-62 20-15,-1 1 16,-21 0-16,22-21 0,-22 21 16,42-43-16,-63 22 15,21 21-15,1-22 0,-22 1 0,0 0 16,0-1-16,0 22 0,0-21 16,0 21-16,0-1 0,0 1 0,0 0 15,-22 21-15,1 0 0,0 0 16,0 21-16,0 0 0,21 22 15,-21-22-15,-1 21 0,22 1 0,0-1 16,-21 0-16,21 1 0,0-1 16,0 0-16,0-21 0,0 22 0,0-22 15,21 0-15,1 0 0,-1 0 16,21 1-16,-21-22 0,22 0 0,41 0 16,-20 0-16,20 0 15,-41 0-15,63 0 16,-64-22-16,-21 22 0,21-21 15,1 0-15,-22 21 0,0-21 0,21 0 16,-20 0-16,-1-1 0,-21 1 16</inkml:trace>
+  <inkml:trace contextRef="#ctx0" brushRef="#br0" timeOffset="36496.49">8424 11197 0,'21'-63'16,"-42"126"-16,64-147 0,-43 41 0,0 22 0,0-21 16,0 21-16,0-1 0,0 1 0,0 0 15,-43 21-15,43-21 16,-21 21-16,0 0 0,0 21 15,0 0-15,-1 0 0,22 1 16,-21-1-16,0 0 0,0 21 16,0 1-16,21-22 0,0 21 0,-21 0 15,21-20-15,0 20 0,0-21 0,0 0 16,0 0-16,0 1 0,0-1 16,21-21-16,0 0 0,0 0 0,0 0 15,0 0-15,22 0 16,-22 0-16,0-21 0,0-1 0,0 1 15,1 0-15,-1 0 0,0-21 16,-21 20-16,21 1 0,-21-21 0,21 21 16,-21 0-16,0-1 0,0 1 15,0 0-15,0 42 32,0 0-32,0 1 15,-21 41-15,21-21 16,-21-20-16,21 41 0,0-21 0,0 1 15,0-1-15,0 22 0,0-22 0,0 21 16,0-20-16,0 20 0,0 1 16,0-1-16,0 1 0,0-1 0,0 22 15,0-22-15,0 22 0,21-21 16,-21-1-16,0 1 0,0 20 0,0-20 16,0-1-16,0 1 0,0-1 0,0-20 15,0 20-15,-21-21 0,21 1 0,0 20 16,-21-42-1,21 1-15,-21-22 16,21-22-16,0 1 0,-22 0 16,1 0-16,21-21 0,-21-1 15,0 1-15,21 0 0,-21-1 0,0-20 16,-1 20-16,1-20 0,0-1 0,0 1 16,0-1-16,0 1 0,21-1 15,0 22-15,0-21 0,0-1 0,0 22 16,0-22-16,0 22 0,0 0 0,21-1 15,0 1-15,0 0 16,0-1-16,0 1 0,1-22 0,41-20 16,-21 41-16,1-20 0,-1 21 15</inkml:trace>
+  <inkml:trace contextRef="#ctx0" brushRef="#br0" timeOffset="37575.32">9377 11070 0,'-21'-21'32,"21"0"-17,-22 0-15,22 0 16,0-1-16,-21 1 0,0 0 15,21 0-15,-21 0 0,0 21 0,0-21 16,-1 21-16,1 0 0,0 0 16,0 0-16,0 0 0,0 21 15,-22 0-15,22 0 0,-21 64 16,21-64-16,21 21 0,-22 1 16,22-1-16,-21 0 0,21 43 15,0-64-15,0 0 0,0 22 0,0-22 16,0 0-16,21-21 15,22 21-15,-22-21 0,21 0 16,-21 0-16,22 0 0,-22-21 0,21 0 16,-21 21-16,1-21 0,20-22 15,-21 22-15,0 0 0,0-21 0,1 20 16,-1-20-16,0-21 0,-21 41 16,0 1-16,0-21 0,0 21 15,0 0-15,0-1 16,-21 44-1,21-1-15,0 0 16,-21 0-16,21 21 0,0-20 0,0 20 16,0-21-16,0 21 0,0 1 15,0-22-15,21 0 0,0 21 0,0-20 16,0-1-16,0-21 0,1 21 0,20-21 16,-21 0-16,21 0 0,1 0 15,-1 0-15,0-21 0,1 0 0,-1-1 16,0 1-16,-20-21 0,20 21 0,0-22 15,-21 1-15,1 0 0,20-1 16,-21 1-16,0 0 0,-21-22 0,0 1 16,21 20-16,-21-20 15,0-1-15,0 1 0,0 21 0,0-22 0,0 22 16,0-1-16,0 22 0,0 0 16,-21 0-16,21 0 0,-21 21 15,21 21-15,-21 0 0,0 0 16,21 22-16,-21-22 0,21 21 15,0 22-15,0-22 0,-22 0 0,22 22 16,0-22-16,0 0 0,0 22 0,0-22 16,0 1-16,0-1 0,22 0 15,-22 1-15,21-1 0,21-21 16,0 43-16,43-22 16,-64-42-16,22 0 0,-1 0 15,0 0-15,1 0 0,-1 0 0,0 0 0,-21-21 16,22 21-16,-22-21 15,21-1-15,-21-20 0,1 21 0,-1 0 16,0 0-16,0-22 0,-21 22 0,0 0 16,0-43-16,0-20 15,0 63-15,-21-1 16,0 22-16,0 0 0,-1 0 16,1 0-16,21 22 0,0-1 15,-21 0-15,21 21 0,-21-21 0,21 1 16,0-1-16,0 21 0,0-21 15,0 0-15,0 1 0,21 20 16,0-21-16,0 0 0,1 0 16,-1-21-16,0 0 0,21 22 15,-21-22-15,1 0 0,-1 0 0,21 0 16,-21 0-16,0-22 0,1 22 0,-1-21 16,0 0-16,0 0 0,0 0 15,-21 0-15,0-1 0,21 1 0,-21 0 16,0 0-16,0 0 0,0 0 0,0-1 15</inkml:trace>
+  <inkml:trace contextRef="#ctx0" brushRef="#br0" timeOffset="37811.33">9927 10626 0,'-21'0'0,"42"0"0,-42 21 0,42-21 15,0 0 1,22 0-16,-22 0 0,21 0 0,0 0 16,1 0-16,-1 0 0,0-21 15,1 21-15,-1-21 0,0 21 0,1 0 16,-1 0-16,-42-22 16,21 22-16</inkml:trace>
+  <inkml:trace contextRef="#ctx0" brushRef="#br0" timeOffset="38731.76">12763 10732 0,'0'0'0,"0"-22"0,0 1 0,0 0 16,0 0-16,0 0 0,22 0 16,-22-22-16,21 22 0,-21 0 0,0-43 15,0 43-15,0-21 16,-21 21-16,-1 0 0,1-1 16,0 22-16,-64-21 15,43 21-15,21 0 0,-21 21 16,20-21-16,-20 22 0,21 20 0,-21-21 15,20 21-15,1 1 0,0-1 16,0-21-16,0 22 0,21-1 0,0 0 16,0 1-16,0-1 0,0 0 15,0 1-15,21-22 0,0 0 16,0-21-16,0 21 0,22 0 16,-22-21-16,0 21 0,21-21 0,-20 0 15,20 0-15,-21 0 16,0 0-16,22 0 0,-22 0 0,0 0 15,0-21-15,0 21 0,-21-21 16,-21 21 0,0 0-16,-21 0 15,20 0-15,-20 21 0,21 0 0,-21-21 16,-22 43 0,43-22-16,-21 0 0,20 0 0,1 0 0,0 1 15,21-1-15,0 0 16,0 0-16,0 0 15,21-21 1,0 0-16,22 0 0,-22 0 16,0-21-16,21 21 0,-20-21 0,20 0 15,0 21-15,-21-21 0,22-1 0,-22 1 16,21 0-16,-21 21 0,1-21 16,-1 21-16,-21-21 0,21 21 15,-21 21 1,0 0-1,0 0-15,0 0 0,-21 22 0,21-22 16,-21 21-16,21 1 0,0-1 16,0-21-16,-22 21 0,22 1 15,-21-1-15,21 0 0,-21 1 0,21-1 16,0 0-16,-21 1 0,21-22 16,-21 21-16,21-21 0,-21 22 0,21-22 15,0 0-15,0 0 0,0 0 0,0 1 16,21-22-1,0 0-15,0-22 16,0 1-16,0 0 0,1 0 0,-1-21 16</inkml:trace>
+  <inkml:trace contextRef="#ctx0" brushRef="#br0" timeOffset="39264.73">14266 10668 0,'0'-21'0,"0"42"0,0-63 0,0 21 16,0-1-16,0 1 0,0 0 0,0 0 15,0 0-15,0 42 32,0 21-32,0-21 15,0 22-15,0-1 0,0 0 0,0 22 16,0-22-16,0 22 0,0-22 0,0 22 15,0-1-15,21 22 0,-21-22 16,0 1-16,0 20 0,0-20 0,0-1 16,0 64-16,0-42 0,0-21 15,0-1-15,22 1 16,-22-1-16,0-21 0,0 22 0,0-22 0,21 22 16,-21-22-16,0-21 0,0 22 15,0-1-15,0-21 16,0 0-16,0 0 0,21-21 15,-21-21 1,0 0-16,0 0 16,0 0-16,0 0 0,0-22 0,0 22 15,0-21-15,0-1 0,0 1 16,0 0-16</inkml:trace>
+  <inkml:trace contextRef="#ctx0" brushRef="#br0" timeOffset="39691.05">14118 10689 0,'0'0'0,"0"-42"16,-21 42-16,0-21 0,21 0 31,-21 21-31,-1-22 16,1 22-16,21-21 31,-21 21 0,0 0-15,21 21 31,0 1-16</inkml:trace>
+  <inkml:trace contextRef="#ctx0" brushRef="#br0" timeOffset="40465.11">10774 10626 0,'0'-43'0,"-21"22"16,21 0-16,-22 0 16,22 42 31,0 0-32,0 0-15,0 1 16,22-22-16,-22 21 0,21 0 15,-21 0-15</inkml:trace>
+  <inkml:trace contextRef="#ctx0" brushRef="#br0" timeOffset="41099.75">10922 10816 0,'0'21'16,"21"1"-16,0-1 0,-21 0 15,0 0-15,21 0 16,-21 0-16,0 1 0,22-1 0,-22 0 16,0 0-16,0 0 0,0 0 0,0 1 15,0-1-15,0 0 0,0 0 16,21-21 0,0 0-1,-21-21 1,21 21-16,0-21 15,-21 0-15,0-1 0,21 1 0,-21 0 0,22 0 16,-1 0-16,-21-22 0,0 22 16,0 0-16,21 0 0,-21 0 0,21 0 15,-21-1-15,0 1 16,21 21-16,0 0 16,-21 21-1,0 1-15,0-1 16,0 0-16,0 0 15,0 0-15,22 0 16,-1-21-16,0 22 16,0-22-16,0 0 15,0 0-15,1 0 16,-1-22-16,-21 1 16,21 0-16,0 0 0,-21 0 15,21 0-15,-21-1 0,0 1 16,0 0-16,0 0 15,0 0-15,-21 21 16,0 0-16,0 0 0,21 21 0,-21 0 16,-1 0-16,1 0 0,0 1 15,0-1-15,0 21 0,21-21 0,-21 22 16,21-22-16,-22 21 0,22-21 16,0 0-16,0 1 0,0 20 0,0-21 15,0 0-15,22-21 0,-1 21 0,-21 1 16,21-22-16,0 0 0,0 0 15,22 0-15,-22 0 0,0 0 0,0-22 16,21 1-16,-20 0 0</inkml:trace>
+  <inkml:trace contextRef="#ctx0" brushRef="#br0" timeOffset="41817.48">14139 10668 0,'-21'0'0,"21"-21"15,0 0 1,0 0-16,0-1 0,0 1 15,0 0-15,0 0 0,21 0 0,0-22 16,1 22-16,-1-21 0,0 21 16,0 0-16,21-22 0,-20 22 0,20 0 15,0 21-15,1-21 0,-1 21 16,0 0-16,1 0 0,-22 0 16,21 21-16,0 0 0,-20 21 0,20 1 15,-21-1-15,0 22 0,-21-22 16,0 0-16,0 22 0,0-22 0,-21 0 15,0-20-15,0 20 0,-22 0 16,22-21-16,-21 1 0,0-1 0,-1 0 16,22 0-16,-21-21 0,-22 21 15,43-21-15,0 0 0,0 0 16,0 0-16,21-21 31,21 21-31,0-21 0,0 0 0,21 0 16,-20-1-16</inkml:trace>
+  <inkml:trace contextRef="#ctx0" brushRef="#br0" timeOffset="44170.94">15346 10435 0,'21'-21'16,"-42"42"-16,63-42 0,-42 0 0,-21 42 31,0-21-31,0 21 0,-1 22 0,1-22 15,-21 21-15,0 0 16,20 1-16,-20-22 0,21 21 0,-21 1 16,-1-1-16,22-21 0,0 21 0,0-20 15,0 20-15,21-21 0,0 0 16,0 0-16,0 1 0,21-22 0,0 21 16,0-21-16,21 0 0,-20 0 15,20 0-15,-21 0 0,21 0 0,1 0 16,-1-21-16,0-1 0,1 22 0,-1-21 15,0 0-15,-20 0 0,20-21 16,21-22-16,-41 43 0,-1-21 16,0-1-16,-21 1 0,0 0 0,0 20 15,0-20-15,0 0 16,0 21-16,-21-1 0,-22 1 0,22 0 16,0 0-16,-21 21 0,21 0 15,-22 0-15,22 0 0,-21 0 0,-1 0 16,22 0-16,-21 21 0,21 0 15,-22 0-15,22 22 0,0-22 0,0 21 16,21-21-16,0 22 0,0-22 16,0 21-16,0-21 0,0 1 0,21-1 15,0 0-15,22 0 0,-22 0 0,21-21 16,0 0-16,1 21 16,-1-21-16,0 0 0,1 0 0,-1 0 0,0 0 15,1-21-15,-1 0 0,22 0 16,-22 0-16,0 0 0,22-1 15,-22-20-15,22 21 0,-22-21 0,0 20 16,1-20-16,-22 0 0,0 21 16,0-1-16,-21 1 0,0 0 0,-21 21 31,0 0-31,0 21 0,-1 0 16,1 22-16,0-22 0,21 0 0,-21 0 15,21 22-15,0-22 0,0 21 16,0-21-16,0 0 0,21 22 15,0-22-15,-21 0 0,21 0 0,1 0 16,-1 1-16,0-1 0,0 0 16,0 0-16,0-21 15,-21-21 17,-21 21-17,0-21-15,21 0 0,-21 21 16,0-22-16,0 22 0,21-21 15,-22 21-15,1 0 16,21 21 0,0 1-16,0-1 15,0 0-15,0 0 0,21 0 16,1-21-16,-1 0 16,21 0-16,-21 21 0,22-21 15,-22 0-15,21 0 0,0 0 0,1 0 16,-1 0-16,0 0 0,1-21 0,-1 21 15,0-21-15,1 0 0,-22 21 16,21-21-16,-21 0 0,1-1 0,-1-20 16,0 21-16,0 0 0,-21-22 15,21 22-15,-21-21 0,0 21 0,0-22 16,0 22-16,0 0 0,0-21 16,0 63-1,0 0 1,0 0-16,-21 0 0,21 22 0,0-22 15,-21 21-15,21-21 0,0 1 16,0 41-16,0-42 0,0 22 16,0-22-16,0 0 0,0 0 15,21 0-15,0-21 0,0 21 0,1-21 16,-1 0-16,21 0 0,-21 0 16,22 0-16,-22 0 0,21-21 15,0 0-15,-20 0 0,20 0 0,-21 0 16,21-22-16,-20 22 0,-1-21 15,0-1-15,0-20 0,0-1 0,0 1 16,1-1-16,-1 1 0,0-1 16,0 1-16,-21-1 0,21 1 15,-21-1-15,21 1 0,-21 21 0,0-22 16,0 22-16,0-22 0,0 1 16,0 42-16,0-1 0,0 1 15,0 0-15,-21 21 0,0 21 16,0 0-16,-21 1 0,20 20 15,1 0-15,0 22 0,0-22 16,0 22-16,0-22 0,-1 21 0,1 1 16,21-1-16,0 1 0,0-1 15,0 1-15,0-1 0,0-20 16,0 20-16,0-20 0,0-1 0,21 21 16,1-41-16,-22 20 0,21 0 15,0-21-15,0 22 0,0-22 16,0 0-16,1-21 0,-1 21 15,0-21-15,0 0 0,0 0 16,0 0-16,1-21 0,-1 0 16,0 21-16,0-21 0,0 0 0,0-1 15,1 1-15,20-21 16,-21 21-16,-21 0 0,21-1 16,0 1-16,-21 0 15,0 42 1,0 0-1,0 1-15,0-1 16,0 21-16,0-21 0,0 0 0,0 1 16,0-1-16,0 0 0,0 0 0,22 0 15,-1 0-15,-21 1 16,21-22-16,-21 21 0,21-21 16,0 0-16,0 0 0,1 0 15,-1-21-15,0 21 16,0-22-16,0 1 0,0 0 0,1 0 15,-1 0-15,-21 0 16,21-1-16,0-20 0,-21 21 0,0 0 16,21 0-16,0-1 0,-21 1 15,0 42 1,0 1-16,0-1 16,0 0-16,0 0 0,22 0 15,-22 0-15,0 1 0,21-1 16,-21 0-16,0 0 0,0 0 15,21-21-15,-21 21 0,21-21 0,0 0 32,0 0-32,1 0 0,-1 0 0,0 0 15,0 0-15,0-21 16,0 21-16,1-21 0,20 0 16,-21 0-16,0 0 0,0-1 0,1 1 15,20-21-15,-21 21 16,-21 0-16,21 21 0,-21-22 15,0 44 17,0-1-32,0 0 0,0 0 0,0 0 15,0 0-15,0 1 16,0-1-16,0 0 0,0 0 16,0 0-16,0 0 0,0 1 0,0-1 15,21-21-15,1 0 0,-1 21 16,0-21-16,0 0 0,0 0 15,0 0-15,22 0 0,-22 0 0,21 0 16,-21 0-16,22-21 0,-1 0 16,-21 21-16,22-22 0,-1 1 0,0 0 15,-21 0-15,22-21 0,-22 20 16,21-20-16,-21 21 0,1-21 0,-1-1 16,0 22-16,-21-21 0,0 21 15,0-22-15,0 22 0,0 0 0,-21 21 16,0 0-16,-1 0 0,1 0 0,0 0 15,0 21-15,-21 0 0,20 0 16,1 1-16,0 20 0,0-21 16,21 21-16,0-20 0,-21 20 0,21-21 15,0 0-15,0 22 0,0-22 0,0 0 16,21 0-16,-21 0 0,21 0 16,0-21-16,0 22 0,1-22 0,20 0 15,-21 0-15,0 0 0,22 0 0,-22 0 16,21 0-16,0 0 0,-20 0 15,20 0-15,0 0 0,-21 0 0,1-22 16,20 22-16,-21-21 0,0 0 16,0 0-16,-21 0 15,0 0-15,0-1 16,0 1-16,0 0 16,0 0-16,-21 0 0,0 0 15</inkml:trace>
+  <inkml:trace contextRef="#ctx0" brushRef="#br0" timeOffset="44442.96">18986 10097 0,'-21'0'0,"42"0"0,-63 0 15,21 0 1,0 0 0,0 0 46,-1 0-62,1 0 16,0 0-16,0 0 0</inkml:trace>
+  <inkml:trace contextRef="#ctx0" brushRef="#br0" timeOffset="44774.77">16827 10266 0,'-21'0'0,"42"0"0,-63 0 15,63 0 1,0 0 0,1 0-16,20 0 0,0 0 0,1 0 15,-1 0-15,0 0 0,1-21 16,20 21-16,1 0 0,41 0 15,-62-21-15,-1 21 0,0 0 16,1 0-16,-22 0 0,0 0 0,0 0 16,-42-22 15,0 22-31,-21 0 0,20 0 0</inkml:trace>
+  <inkml:trace contextRef="#ctx0" brushRef="#br0" timeOffset="45299.63">16171 9779 0,'0'21'47,"0"0"-32,0 1 1,21-22 15,1 0-31,-1-22 0,0 1 16,0 0 0,-21 0-16,0 0 0,0 0 15,0-1-15,-21 1 16,0 21-16,0 0 0,-1 0 15,1 0-15,0 0 16,0 0-16,0 0 0,0 21 16,21 1-1,0-1-15,0 0 16,0 0-16,0 0 16,0 0-16,0 1 0,0-1 15,0 0-15</inkml:trace>
+  <inkml:trace contextRef="#ctx0" brushRef="#br0" timeOffset="48922.91">6900 12150 0,'-21'-21'0,"42"42"0,-42-64 0,0 43 16,0-21-16,21 0 0,-21 0 15,-1 21-15,22-21 16,-21 21-16,21-21 0,-21 21 47,21 21-32,0 0-15,0 0 16,0 21-16,0-20 0,0 20 0,0 0 16,0 1-16,0-1 0,0 0 15,21 1-15,-21-1 0,21 0 0,1 1 16,-22-1-16,21 0 0,0-21 15,0 22-15,0-22 0,-21 21 0,21-21 16,1 1-16,-1-1 0,0 0 0,0 0 16,-21 0-16,21-21 15,0 0-15,1 0 16,-22-21 15,0 0-31,0 0 0,0 0 16,0-22-16,-22 22 0,1 0 15,0-21-15,21-1 0,-21 22 0,0-21 16,0-1-16,21 22 0,-22-21 0,1 0 16,21-1-16,-21-20 15,21 42-15,-21-1 0,21 1 16,0 0-16,-21 21 0,21-21 16,0 42 15,0 21-31,0-20 15,0-1-15,21 21 0,0 0 0,0-20 16,0 20-16,1 0 0,-1 1 16,0-22-16,-21 21 0,21 0 0,0-20 15,-21 20-15,21 0 0,-21-21 16,0 1-16,0 20 0,22-21 0,-22 0 16,0 0-16,21-21 0,-21 22 0,0-1 15,21 0 1,0-21-16,0 0 31,0 0-15,1 0-1,-1-21-15,-21 0 0,21-1 16,0 1-16,0 0 0,43-21 16,-43-1-16,21 1 0,22 21 15,-22-21-15,22-1 0,-1 1 16,1 0-16,20-1 0,1 1 15,-22 0-15,22-22 0,0 22 0,-1-22 16,22 22-16,0-22 0,0 1 16,0 21-16,0-22 0,-1 22 0,1-1 15,0 1-15,85-43 0,-107 64 16,-20-21-16,20 21 0,-20-22 16,-1 22-16,-20 0 0,-1 0 0,0 0 15,-20 21-15,-1-21 0,0-1 16,0 1-16,-21 0 15,-21 21 17,0 0-32,0 21 0,-1 0 15,1 1-15,0-1 0,0 0 16,-21 21-16,20-21 0,-20 22 16,0-22-16,-1 21 0,1 1 0,0-22 15,-1 21-15,-20 0 0,-1 1 16,1-1-16,-1 0 0,1 1 0,-22-1 15,22 0-15,-22 1 0,22-1 0,-22 0 16,0 1-16,22-1 0,-22 0 16,22-20-16,-22 20 0,21 0 0,-20 1 15,-1-22-15,22 21 0,-22 0 16,21-20-16,1 20 0,-22-21 0,22 0 16,-85 43-16,84-64 15,22 21-15,21 0 0,-22-21 16,22 0-16,-21 21 0,21-21 0,-1 0 15,1 21-15,0-21 16,21 22 0,0-44 31,0 1-32,0 0-15,0 0 16,0 0-16,0 0 0,0-1 15,0 1-15,0 0 0,0 0 16,0-21-16,0 20 0,0 1 16,0-21-16,0 21 0,0-22 0,0 22 15,0-21-15,-21 0 0,0 20 16,0-20-16,21 0 0,-22 21 16,1-22-16,21 22 0,-21 0 0,0 0 15,21 0-15,-21-1 0,21 1 16,-21 21-16,21-21 0,-22 21 31,22 21-15,0 0-16,0 1 0,0-1 15,0 21-15,22 0 0,-1-20 0,0 20 16,0 0-16,-21 1 0,21-22 0,-21 21 16,0 0-16,21 1 0,1-22 15,-22 21-15,21-21 0,-21 22 16,0-22-16,0 21 0,21-21 0,-21 1 15,21-1-15,-21 0 16,0 0-16,0 0 0,21-21 16,0 21-1,1-21 1,-1 0-16,0 0 16,0-21-16,0 21 0,0-21 15,1 0-15,20 0 0,-21 0 0,21-1 16,22-20-16,-22 21 15,22-21-15,20-1 0,65-41 16,-65 20-16,1 22 0,0-22 0,-1 22 16,107-85-16,-85 63 15,-1 22-15,1-21 0,-21 20 0,21 1 16,63-22-16,-84 22 16,-22 21-16,22-21 0,-22 20 15,1 1-15,21-21 0,-22 21 0,-21 0 16,22-1-16,-22 1 0,1 21 15,-1-21-15,-21 21 0,-42 0 16,0 0 0,-22 21-16,22 0 15,-21 1-15,0-1 0,-1 0 0,1 0 16,-22 0-16,-41 64 0,41-64 16,1 21-16,-1 1 0,1-1 15,-1 0-15,-21 22 0,1-22 0,20 1 16,-20 20-16,-1-21 0,21 22 15,-20-22-15,-43 64 0,63-64 16,1 1-16,-1-1 0,-63 43 16,64-43-16,20 0 15,-20-20-15,-43 41 0,21-21 16,64-20-16,-21-1 0,21-21 16,0 0-16,-1 0 0,1 0 15,21-21 1,21-1-1,22 1-15,-22 0 0,21-21 0,1 21 16,-1-1-16,21-20 0,1 21 16,84-64-16,-63 43 15,-1 0-15,1-1 0,0-20 0,21 20 16,84-62-16,-84 41 0,-21 22 16,20-22-16,-41 22 0,21 0 15,42-43-15,-85 64 0,21 0 16,-20-1-16,-22-20 0,21 42 15,22-42-15,-43 42 16,0 0 0,-42 0-1,0 21-15,0 0 0,-1 0 16,1 0-16,-21 1 0,21-1 16,-22 21-16,1-21 0,-21 22 15,-1-1-15,1-21 0,-1 21 0,-21 1 16,1-1-16,-1 0 0,0 1 15,-105 41-15,105-20 0,1-22 0,-1 1 16,0-22-16,22 21 0,-22 0 16,0 1-16,-63 20 15,85-42-15,20 22 0,-20-22 0,21 0 0,-22-21 16,43 21-16,-21 0 16,20-21-16,1 0 0,42-21 31,1 21-16,20-21-15,0 0 0,1 0 0,20 0 16,1-1-16,-1-20 0,22 21 16,-1-21-16,1-1 0,106-41 15,-107 41-15,340-147 16,-319 126 0,1 22-16,-21-22 0,63-20 15,-84 41-15,-1 1 0,-21 21 16,43-43-16,-43 64 0,-20-42 15,-1 42-15,-42 0 32,-1 21-32,1 0 15,0 1-15,-21 20 0,-1-21 0,-20 21 16,21 1-16,-22 20 0,-84 43 16,63-64-16,1 22 15,-1-22-15,-21 22 0,21-22 16,22 22-16,-22-22 0,-63 43 15,85-43-15,-1 0 0,-63 1 16,85-1-16,-22-42 0,22 21 16,21 0-16,-22-21 0,43-21 15,0 0-15,0 0 16,22 0-16,20-1 0,0-20 16,1 0-16,-1 21 0,21-22 0,-20 1 15,20 0-15,1-22 0,20 22 16,1-22-16,0 1 0,105-64 15,1 21-15,-107 42 16,22 1-16,-21 21 0,63-43 16,-21 0-16,-63 64 15,-1-21-15,22-1 0,-43 22 16,-21 21-16,0 0 0,-21-21 16,0 42-1,0 0-15,-21 1 16,0-1-16,0 21 0,-21-21 0,-43 64 15,43-43-15,-1 1 0,1-1 16,-22 21-16,1-20 16,-64 84-16,42-85 0,-84 64 15,105-64-15,-20 1 0,-1-1 16,-63 43-16,106-64 16,-64 21-16,21 0 15,43-42-15,21 0 0,-1 0 16,1 0-16,21-21 15,0 0 1,0 0-16,21 0 0,1 0 16,-1-1-16,21 1 0,0 0 15,1 0-15,-22 21 0,0 0 16,0 0-16,0 0 0,1 0 0</inkml:trace>
+  <inkml:trace contextRef="#ctx0" brushRef="#br0" timeOffset="53086.65">3387 14012 0,'-22'0'0,"1"0"15,0 0-15,42 0 63,0 0-63,1 0 16,20 0-16,0 0 0,-21 0 15,22 0-15,-1 0 0,0 0 0,1 0 16,-22 0-16,21-21 0,1 21 15,-22 0-15,0 0 0,0 0 16,0 0-16,0 0 0,-42 0 31,0 0-15,-21 0-16,21 0 0,-22 0 16,22 0-16,-21 0 0,-1 0 0,-20 0 15,42 0-15,0-21 16,-1 21-16,1 0 0,0 0 0,0-21 15,0 21 1,0 0-16,-1 0 16,1 0-1,21 21-15,-21-21 16,21 21-16,0 0 0,0 1 16,-21-1-16,21 0 0,-21 0 15,21 0-15,0 0 0,0 1 0,-21-1 16,-1 21-16,22-21 0,-21 0 15,0 1-15,21-1 0,-21 0 0,0 0 16,21 0-16,0 0 0,-21-21 16,21 22-16,-22-22 0,22-22 47,0 1-47,22 21 0,-1-21 15,0 21-15,0-21 0,0 21 16,0-21-16,1 21 0,-1 0 0,0 0 15,21-21-15,-21 21 0,22 0 16,-1 0-16,-21 0 0,22 0 0,-1 0 16,-21 0-16,21 21 0,-20-21 15,20 21-15,-21 0 0,0 0 0,-21 0 16,0 1-16,0-1 0,0 0 16,0 0-16,0 21 0,0-20 0,-21-1 15,0 0-15,0 0 0,-22 0 16,22 0-16,-21 1 0,21-1 0,0-21 15,-22 21-15,22-21 0,0 0 0,-21 0 16,20 0-16,1 0 16,0 0-16,0 0 0,0 0 0,0 0 15,-1 0 1,1 0-16,42-21 47,1 0-47,20 21 15,-21-22-15,21 1 0</inkml:trace>
+  <inkml:trace contextRef="#ctx0" brushRef="#br0" timeOffset="53587.53">4339 14372 0,'0'0'0,"21"0"16,-21 21 0,0-42 15,0 0-15,0 0-16,0 0 15,0 0-15,0-1 16,0 1-1,-21 21 1,0 21 0,0 1-16,21-1 15,0 0-15,0 0 0,0 0 16,0 0-16,0 1 16,21-22-1,0 0-15,0 0 16,-21-22-16,21 1 15,-21 0 1,-21 21 0,21-21-16,-21 21 15,0 0-15,0 0 0,0 0 16,-1 0-16,22 21 16,-21-21-16,21 21 15,0 0-15,0 1 16,21-22-1,1 0-15</inkml:trace>
+  <inkml:trace contextRef="#ctx0" brushRef="#br0" timeOffset="54288.2">5546 13822 0,'0'-21'0</inkml:trace>
+  <inkml:trace contextRef="#ctx0" brushRef="#br0" timeOffset="56363.98">5673 14012 0,'0'0'0,"0"-21"0,-22 0 16,1 0-16,21 0 15,0 0-15,0-1 0,-21 1 0,21 0 16,-21 21-16,21-21 0,-21 21 16,0 0-16,-1 0 15,22 21-15,0 0 16,0 22-16,0-22 0,0 21 15,0 0-15,0-20 0,0 20 0,0 0 16,0 1-16,0-1 0,0 0 16,0 1-16,0-22 0,0 21 0,0 0 15,0-20-15,0-1 0,0 0 0,0 0 16,0 0 0,0-42-1,0 0 1,0 0-16,0 0 15,0-1-15,0-20 0,0 21 0,0 0 16,22-22-16,-22 1 0,21 21 16,-21-21-16,0-1 0,21 22 0,0-21 15,0 21-15,0-22 0,1 22 0,-1 0 16,0 21-16,0 0 0,0 0 16,0 0-16,22 0 0,-22 0 0,0 21 15,21 0-15,-20 0 0,-1 22 16,0-22-16,0 0 0,0 21 15,0-20-15,-21 20 0,0-21 0,22 21 16,-22 1-16,0-22 0,0 0 0,0 21 16,0-20-16,0-1 0,0 0 15,0 0-15,0 0 0,-22-42 32,22 0-17,-21 0-15,21 0 0,0-22 16,0 22-16,0-21 0,0 21 0,0-22 15,21 1-15,1 0 0,-1-1 16,0 22-16,0-21 0,0-1 16,22 22-16,-22 0 0,42-21 15,-42 42-15,22 0 0,-22 0 16,21 0-16,-21 21 0,22 0 0,-22 0 16,0 22-16,0-22 0,0 21 0,-21-21 15,0 22-15,22-1 0,-22 0 16,0 1-16,21-1 0,-21 0 0,0 1 15,0-22-15,0 21 0,21-21 0,-21 22 16,0-22-16,21 0 0,0-21 16,0 21-16,-21 0 0,22-21 15,-1 0-15,21 0 0,-21 0 0,22 0 16,-22-21-16,21 0 0,-21 0 16,22 0-16,-22-1 0,21 1 0,-21 0 15,22-21-15,-1-22 0,-21 22 16,0 0-16,0 20 0,-21-20 15,22 0-15,-22 21 0,0-22 0,0 22 16,0 0-16,0 0 0,0 0 0,0-1 16,0 44 15,-22-1-31,22 0 0,-21 21 0,21-21 16,0 1-16,0 20 0,0 0 15,-21-21-15,21 22 0,0-1 0,-21-21 16,21 22-16,0-22 0,0 0 0,0 21 15,0-21-15,21 1 16,0-1-16,0-21 16,1 0-16,-1 0 0,0 0 0,0 0 15,21-21-15,-20-1 0,-1 1 0,21 0 16,-21 0-16,0 0 0,22-22 16,-22 22-16,0-21 0,0 0 15,22 20-15,-22-20 0,0 0 0,-21 21 16,21-22-16,0 22 0,-21-21 0,21 21 15,-21-1-15,0 1 16,0 0-16,0 42 16,0 0-16,0 1 15,0-1-15,0 0 0,0 0 16,0 21-16,-21-20 0,21 20 0,0-21 16,-21 21-16,21-20 0,0 20 0,0-21 15,0 21-15,0-20 0,0-1 16,0 0-16,0 0 0,0 0 0,21-21 15,0 21-15,1-21 0,20 0 16,-21 0-16,0 0 0,0-21 16,22 21-16,-22-21 0,0 0 0,21 0 15,-20 0-15,-1-22 0,21 22 16,-21 0-16,0-21 0,1-1 16,-1 22-16,-21-21 0,21-43 15,0 43-15,-21-1 0,0 1 0,0 0 16,0-1-16,0 1 0,0 21 15,0-21-15,0-1 0,0 22 0,0 0 16,0 0-16,0 42 16,0 0-1,-21 0-15,21 0 0,-21 64 16,21-43-16,0 1 0,-21-1 0,21 0 16,-22 22-16,22-22 0,-21 1 15,21-1-15,0 21 0,-21-20 16,21-1-16,0 0 0,0 1 0,0-1 15,0-21-15,0 22 0,0-22 0,21 0 16,0 0-16,1 0 0,-1-21 16,0 0-16,21 0 0,-21 0 0,22 0 15,-22-21-15,21 0 0,-21 0 0,22 0 16,-22-1-16,21 1 0,-21-21 16,22 0-16,-22-1 0,21 1 15,-21 0-15,1-1 0,-1 1 0,-21 0 16,0-1-16,21 1 0,-21-22 0,0 22 15,0 0-15,0-1 0,0 1 0,0 0 16,0 21-16,0-1 16,0-20-16,0 21 0,0 42 31,0 21-31,-21-20 0,21 20 16,-21 0-16,21 1 0,0-1 15,-22 0-15,22 1 0,-21-1 0,21 0 16,-21 22-16,21-22 0,0 0 0,0 1 15,0-22-15,0 21 0,0-21 0,0 22 16,0-22-16,0 0 0,21-21 16,0 21-16,1-21 0,-1 0 0,0 0 15,21 0-15,-21 0 0,1 0 0,20-21 16,-21 21-16,21-21 16,-20 0-16,20 21 0,-21-21 0,0-1 15,0 1-15,1 0 0,-1-21 0,0 21 16,0-1-16,-21 1 0,21 0 15,-21 0-15,0 0 0,0 0 0,0-1 16,0 44 0,0-1-1,0 0-15,0 0 0,0 0 16,0 0-16,0 1 0,0-1 16,0 0-16,0 0 0,0 0 15,21-21 1,1 0-1,-1 0-15,0-21 16,0 0-16,-21 0 0,21 0 16</inkml:trace>
+  <inkml:trace contextRef="#ctx0" brushRef="#br0" timeOffset="56571.86">9123 13885 0,'0'0'16,"-21"0"-16,-1 0 0,22-21 16,-21 21-1,21 21 32,-21-21-31,21 22-16,-21-22 0</inkml:trace>
+  <inkml:trace contextRef="#ctx0" brushRef="#br0" timeOffset="56759.75">8488 14182 0,'0'0'0,"0"21"15,0 0 1,21-21-1,0 0-15,0 0 0,0 0 0,1 0 16,-1 0-16,0 0 0,0 0 16,0 0-16,22 0 0,-22-21 15,0 0-15,21 21 0,-21-21 0,1 21 0</inkml:trace>
+  <inkml:trace contextRef="#ctx0" brushRef="#br0" timeOffset="57187.51">9631 14182 0,'0'-21'15,"0"-1"-15,-21 1 16,-1 21-1,1 0 1,0 0 0,21 21-16,-21 1 0,21-1 15,0 21-15,0 0 0,-21 1 0,21-1 16,-21 22-16,21-1 0,0 1 0,0-1 16,0 1-16,0 20 0,-22-20 15,22-1-15,0 22 0,0 0 0,0-22 16,0 22-16,0-1 0,0-20 15,0 21-15,0-22 0,0 1 0,0-1 0,0-21 16,0 22-16,0-22 0,0-21 16,0 22-16,0-22 0,0 0 15,22-21-15,-22-21 16,0 0-16,21 0 16,-21-1-16,0-20 0,0 21 15,21-21-15,-21-22 0,0 22 0,0-22 16,0 1-16</inkml:trace>
+  <inkml:trace contextRef="#ctx0" brushRef="#br0" timeOffset="57507.32">9440 14457 0,'-21'-64'0,"42"128"0,-42-170 0,0 43 0,21 20 16,-21 1-16,21 0 0,0-1 16,0 22-16,0-21 0,0 21 0,0-1 15,0 1-15,0 0 0,21 0 16,0 0-16,21 21 0,-20 0 0,20 0 15,0 0-15,1 0 0,-1 0 16,0 0-16,1 21 0,-1 0 0,0 0 16,1 0-16,-22 1 0,0 20 0,-21-21 15,0 0-15,0 22 0,0-22 16,0 0-16,-21 21 0,0-21 0,-1 1 16,-20-1-16,0 0 0,-1 0 0,22 0 15,-21 0-15,0 1 0,-1-1 16,22-21-16,-21 0 0,21 21 15,-1-21-15,22-21 16,0 0 0,22 21-16,-1-22 0,0-20 15,0 21-15,0 0 0,22-22 0</inkml:trace>
+  <inkml:trace contextRef="#ctx0" brushRef="#br0" timeOffset="57780.21">10329 13547 0,'0'0'16,"0"-21"-16,0-1 0,0 1 0,0 42 31,0 1-31,-21-1 0,0 21 16,21-21-16,0 22 0,-21 20 0,0-21 16,21 22-16,-22-22 0,22 22 15,0-22-15,-21 22 0,21-22 0,-21 21 16,21-20-16,-21-1 0,21 0 0,0 1 15,0-22-15,0 21 0,0-21 16,0 1-16,0-1 0,21-21 16,0 0-16,0 0 15,1 0-15,-1-21 0,21-1 16,-21 1-16,0 0 0,22-21 16</inkml:trace>
+  <inkml:trace contextRef="#ctx0" brushRef="#br0" timeOffset="58136">10499 14161 0,'21'0'0,"-21"21"16,21-21-1,0 0-15,0 0 16,0 0-16,1 0 16,-1-21-16,0 21 0,0-22 15,0 1-15,0 0 0,1 0 16,-22 0-16,0 0 0,0-1 0,0 1 15,0 0-15,0-21 0,0 21 16,0-1-16,-22 22 0,1-21 0,0 21 16,0 0-16,-21 0 0,20 21 15,1 1-15,-21-1 0,21 21 0,0-21 16,-1 22-16,1-1 0,0 0 16,0 1-16,21-1 0,-21 0 0,21 1 15,0-1-15,0 0 0,0-21 0,0 22 16,21-22-16,0 0 0,0 0 15,0 0-15,22 1 0,-22-22 0,21 0 16,1 0-16,-1 0 0,0 0 0,1 0 16,-1 0-16,0-22 0,1 1 15,-1 0-15,0 0 0</inkml:trace>
+  <inkml:trace contextRef="#ctx0" brushRef="#br0" timeOffset="59736.75">12594 13822 0,'-21'0'0,"42"0"0,-63 0 0,-1 21 0,22-21 16,0 0-16,0 0 15,42 0 1,0 0 0,0-21-16,1 0 0,20 21 0,-21-21 15,21-1-15,1 1 0,-1 0 16,0 0-16,1 0 0,-1 0 0,0-1 15,-20 1-15,20-21 0,-21 21 16,0 0-16,0-1 0,1 1 16,-22 0-16,0 0 15,-22 42 1,1 0-16,21 0 16,-21 22-16,21-1 0,0-21 0,-21 43 15,21-22-15,0 0 0,-21 22 0,21-22 16,0 22-16,0-22 0,-21 22 15,21-22-15,-22 0 0,22 1 0,-21-1 16,21 0-16,0 1 0,0-1 0,0 0 16,-21-21-16,21 22 0,0-22 15,-21 0-15,21 0 16,0 0-16,-21-21 0,0 0 16,-1 0-16,1 0 0,0-21 15,0 0-15,0 0 0,0 0 16,-1 0-16,1-1 0,0-20 0,0 21 15,0 0-15,-22-22 16,22 22-16,0 0 0,0 0 0,0 21 16,0 0-1,21 21-15,0 0 0,0 0 0,0 1 16,0-1-16,0 0 16,0 21-16,21-21 0,0 1 0,21 20 15,-21-21-15,1 0 0,20 0 0,0-21 16,-21 0-16,43 0 15,-22 0-15,1 0 0,20 0 0,1 0 16,-1-21-16,1 21 0,-1-21 0,-21 0 16,22 0-16,-1 0 0,-20-1 15,-1 1-15,0-21 0,1 21 0,-1 0 16,-21-22-16,0 22 0,-21-21 0,0 21 16,0-22-16,0 22 0,0 0 0,0 0 15,0 0-15,-21 21 16,0 0-16,0 0 15,21 21-15,-21 0 0,0 0 16,21 0-16,0 0 16,-22 1-16,1 20 0,21-21 0,-21 0 15,21 0-15,0 22 0,0-22 0,0 0 16,0 0-16,0 0 0,21 1 16,0-22-16,1 0 0,-1 0 15,0 0-15,0 0 0,21 0 0,-20 0 16,20-22-16,0 1 0,-21 0 15,22 0-15,-1 0 0,0 0 0,22-43 16,-22 43-16,1-21 16,-22-1-16,0 22 0,0-21 0,0 21 15,0-1-15,-21 1 0,0 0 0,0 0 16,0 0-16,-21 21 16,0 0-16,0 21 0,21 0 15,-21 0-15,0-21 0,-1 21 16,22 1-16,0 20 0,0-21 0,0 0 15,0 0-15,0 1 0,0-1 0,0 0 16,22 21-16,-1-21 0,-21 1 16,21-1-16,0 0 0,0-21 0,-21 21 15,21 0-15,1 0 0,-44-42 63,1 21-63,0-21 0,0 0 15,0 21-15,0 0 16,-1 0-16,1 0 16,21 21-16,0 0 0,0 0 15,0 1-15,0-1 0,21 0 16,1-21-16,-1 21 0,0 0 0,0-21 16,21 21-16,1-21 0,-22 0 0,21 0 15,1 0-15,-1 0 0,0 0 16,1-21-16,-1 0 0,0 0 15,1 0-15,-1 0 0,0-1 0,-21-20 16,22 21-16,-22-21 0,0-1 0,21 1 16,-20-22-16,-1 22 0,0-21 15,0 20-15,0-20 0,-21-1 0,0 22 16,21-22-16,-21 22 0,0-64 16,0 85-16,0 0 0,0 0 15,0 0-15,-21 42 16,0 21-16,0-21 0,21 22 15,-21-1-15,21 0 0,0 1 16,-21-1-16,-1 0 0,22 1 0,-21 20 16,21-21-16,0 1 0,-21-1 0,21 0 15,-21 1-15,21-1 0,0 0 16,0 1-16,0-22 0,0 21 16,21-21-16,0 1 0,0-1 0,1-21 15,-1 21-15,0-21 0,21 0 16,-21 0-16,22 0 0,-22 0 0,21-21 15,-21 0-15,22 21 0,-22-22 0,0 1 16,0-21-16,-21 21 0,0 0 0,0-1 16,0-20-16</inkml:trace>
+  <inkml:trace contextRef="#ctx0" brushRef="#br0" timeOffset="59935.71">14478 13970 0,'0'0'15,"-21"21"-15,42-21 32,0 0-32,0 0 0,0 0 15,22 0-15,-22 0 0,0 0 16,21 0-16,-20 0 0,20 0 0,-21 0 16,0-21-16,22 21 0,-22-21 0,0 0 15,0 21-15,0-21 0,0-1 0</inkml:trace>
+  <inkml:trace contextRef="#ctx0" brushRef="#br0" timeOffset="61302.93">16044 13737 0,'0'-21'32,"0"0"-32,0 0 15,0 0-15,0-1 0,0 1 0,0 0 16,0-21-16,-21 21 0,0-1 16,-21-20-16,20 21 0,1 0 0,-21 0 15,21 21-15,-22 0 0,22 0 16,-21 0-16,21 0 0,-22 0 0,22 21 15,-21 0-15,21 0 0,-22 21 16,22 1-16,0-1 0,0 22 16,0-22-16,0 21 0,21 1 0,0-22 0,-22 22 15,22-22-15,0 22 0,0-22 16,0 0-16,0 1 0,22-1 0,-1 0 16,21 1-16,-21-22 0,22 0 0,-1 21 15,0-21-15,1 1 0,20-22 0,-21 21 16,22-21-16,-1 21 15,1-21-15,-1 0 0,1 0 0,-1 0 16,1-21-16,-1 0 0,-20-1 0,20 1 16,-20 0-16,-1 0 0,-21 0 15,21-22-15,-20 22 0,-22-21 0,0 21 16,0-22-16,0 1 0,0 21 0,-22-21 16,1 20-16,0-20 0,0 21 15,-21 0-15,20 21 0,-20 0 0,21 0 16,-21 0-16,20 0 0,1 0 15,-21 21-15,21 0 0,-22 21 0,22-20 16,0 20-16,0-21 0,0 21 0,0 1 16,-1-22-16,22 42 15,0-20-15,0-22 0,0 0 0,0 0 16,22 0-16,-1-21 0,0 0 16,21 22-16,-21-22 0,22 0 0,-22 0 15,21 0-15,-21-22 0,22 1 0,-1 0 16,-21 21-16,22-21 0,-22-21 15,21 20-15,-21 1 0,0 0 0,1-21 16,-1 21-16,0-22 0,0 22 0,-21-21 16,21 21-16,-21-1 15,0-20-15,0 21 0,0 42 32,0 0-32,0 0 15,0 1-15,0 20 0,0-21 0,0 21 16,0-20-16,0-1 0,0 0 0,0 21 15,21-21-15,-21 1 0,22-22 0,-22 21 16,21 0-16,0-21 0,0 0 16,0 0-16,0 0 0,1 0 0,-1 0 15,0-21-15,0 21 0,0-21 0,22-1 16,-22 1-16,0 0 16,0 0-16,0-21 0,0 20 0,1 1 15,-22-21-15,0 21 0,21-22 16,-21 22-16,21 0 0,-21 42 31,0 0-31,0 1 0,0-1 0,0 0 16,0 0-16,0 0 0,0 22 0,0-22 15,0 0-15,0 0 0,0 21 16,0-20-16,0-1 0,0 0 0,0 0 16,0 0-16,0 0 0,21 1 15,-21-44 16,-21 1-31,21 0 16,-21 0 0,0 0-16,-1 0 0,1 21 15,0 0 1,21 21-16,0 0 16,0 0-16,0 0 15,21 0-15,0-21 0,1 0 16,-1 22-16,0-22 0,0 0 0,43 0 15,-22 0-15,0 0 16,1 0-16,-1-22 0,0 1 0,22 0 16,-22 0-16,0 0 0,1 0 0,20-1 15,-42 1-15,22-21 0,-1 21 16,-21-22-16,0 22 0,-21-21 16,0 21-16,22-22 0,-22 22 0,0 0 15,0 0-15,0 0 0,-22 21 0,1 0 16,0 21-16,0 0 15,0 21-15,0-20 0,-1 20 0,1-21 16,21 21-16,-21-20 0,21 20 0,0-21 16,0 21-16,0-20 0,21-1 15,0 0-15,1 0 0,-1 0 0,0 0 16,0-21-16,0 0 0,22 0 0,-22 0 16,21 0-16,-21 0 15,22-21-15,-22 0 0,21 0 0</inkml:trace>
+  <inkml:trace contextRef="#ctx0" brushRef="#br0" timeOffset="64144.68">19473 14203 0,'0'0'0,"-106"85"15,85-85-15,0 21 0,0-21 16,0 0-16,0 0 0,-1 0 0,22-21 31,0-1-31,0 1 0,22 0 16,-1-21-16,0 21 0,0-22 0,0 1 15,22 0-15,-22-22 0,0 1 16,-21-1-16,21 1 0,-21-22 16,21 21-16,-21 1 0,0-22 0,0 22 15,0-1-15,-21 1 0,0-1 16,21 22-16,-21 0 0,0 20 0,-1 1 15,1 0-15,0 21 0,0 0 16,0 21-16,0 0 0,-1 22 16,22-1-16,0 0 0,-21 22 0,21-1 15,0 1-15,-21 21 0,21-1 0,0-20 16,0 20-16,0-20 16,0 21-16,0-22 0,0 1 0,0-22 0,0 21 15,0-20-15,0-1 0,0 0 16,0 1-16,0-22 0,0 21 15,0-21-15,0 1 0,0-1 16,0-42 0,0-1-16,0 1 0,0 0 0,0 0 15,21 0-15,-21-22 0,21 22 16,-21-21-16,22 0 0,-22 20 0,21 1 16,0 0-16,-21 0 0,21 0 0,0 21 15,0 0-15,1 0 16,-1 0-16,0 21 0,-21 0 0,21 0 15,0 0-15,0 1 0,1-1 16,-1 21-16,0-21 0,0 0 16,0 1-16,22-1 0,-22 0 0,21 0 15,-21-21-15,22 21 0,-1-21 0,-21 0 16,21 0-16,1 0 0,-1 0 16,22 0-16,-22-21 0,0 0 0,22 21 15,-22-21-15,0 0 0,1-1 16,-1 1-16,-21-21 0,0 21 0,1 0 15,-22-1-15,0-20 0,0 21 0,0-21 16,0 20-16,-22 1 0,1-21 0,0 21 16,-21 0-16,21 21 0,-43 0 15,43 0-15,-21 0 16,20 21-16,1 0 0,-21 0 0,21 0 16,0 22-16,-1-1 0,1-21 15,0 21-15,0 1 0,0-1 0,21 0 16,0-20-16,0 20 0,0-21 0,0 0 15,21 0-15,0 1 0,0-22 16,22 0-16,-22 0 0,0 0 0,21 0 16,1 0-16,-22 0 0,21-22 0,-21 1 15,22 0-15,-22 0 0,21 0 16,-21 0-16,0-22 0,1 22 0,-1 0 16,0-21-16,-21 20 0,0-20 15,0 21-15,0 0 0,0 0 0,0-1 0,0 1 16,0 42-1,0 1 1,0 20-16,0-21 0,0 0 0,0 22 16,0-22-16,0 0 0,0 21 15,0-21-15,0 22 0,0-22 0,0 0 16,0 0-16,21 0 0,0-21 0,0 22 16,22-22-16,-22 0 0,0 0 15,21 0-15,1 0 0,-22 0 0,21-22 16,-21 1-16,22 0 0,-22 0 0,0 0 15,21-22-15,-20 22 0,-1 0 16,0-21-16,0 21 0,0-22 16,-21 1-16,21 21 0,-21-22 0,22 22 15,-22 0-15,0 0 0,0 42 32,0 0-32,0 0 0,0 22 15,0-22-15,0 0 0,0 21 16,0-20-16,0 20 0,0-21 0,0 43 15,0-43-15,0 0 0,21 0 16,0 0-16,-21 0 0,21-21 16,0 0-16,0 0 0,1 0 0,-1 0 15,0 0-15,21-21 0,-21 21 16,1-21-16,-1 0 0,0 0 0,0 0 16,0-22-16,-21 22 0,21 0 15,1-21-15,-1-22 0,-21 22 16,0-1-16,21 1 0,0 21 0,0-21 15,-21 20-15,21 1 0,1 21 16,-1 0-16,-21 21 16,0 1-16,0 20 15,0-21-15,0 21 0,0 22 16,0-22-16,0-21 0,0 22 0,0-1 16,0-21-16,0 22 0,0-22 15,0 0-15,0 0 0,0 0 16,21 0-16,0-21 0,0 0 15,0 0-15,1 0 0,20 0 0,-21 0 16,0 0-16,22-21 0,-22 0 16,0 0-16,0 0 0,0-22 0,0 22 15,1 0-15,-1-21 0,-21 21 16,21-64-16,-21 64 16,21 0-16,-21-1 0,0 1 0,0 0 0,0 42 31,0 0-31,0 1 0,0-1 15,0 21-15,-21-21 0,21 0 0,-21 22 16,21-22-16,0 0 0,0 0 16,0 22-16,0-22 0,0 0 15,21-21-15,0 21 0,0 0 0,0-21 16,1 0-16,-1 0 0,21 0 16,-21 0-16,22 0 0,-22-21 0,0 0 15,0 0-15,43-22 0,-43 22 16,0 0-16,-21 0 0,21-21 15,0 20-15,-21-20 0,21 21 0,1-21 16,-22 20-16,21 1 0,-21 0 0,21 21 16,-21 21 15,0 22-31,0-22 0,0 0 0,0 21 16,-21 1-16,0-1 15,-1-21-15,22 21 0,0-20 0,-21-1 16,21 0-16,0 0 0,-21 0 0,21 0 15,0 1-15,0-44 32,21 22-32,0-21 0,1 0 15,-1 0-15,0-21 0,0 20 16,0 1-16,0-21 0,1 21 0,-1-22 16,-21 22-16,21-21 0,0 21 15,0 0-15,0-1 0,1 22 0,-1 0 16,-21 22-1,21-1-15,-21 0 0,0 0 16,0 0-16,0 22 0,0-22 0,0 0 16,0 21-16,21-21 0,0 1 15,-21-1-15,21 0 0,1 0 0,-1 0 16,21-21-16,-21 0 0,22 21 0,-1-21 16,0 0-16,1 0 0,-1 0 15,0 0-15,1-21 0,-1 0 0,-21 21 16,21-21-16,-20 0 0,20 0 15,-21-1-15,0-20 0,22 21 16,-22 0-16,0-22 0,-21 1 0,0 21 16,0-21-16,0-1 0,0 22 0,0 0 15,0 0-15,0 0 0,-42 21 16,20 0-16,1 0 0,0 21 0,0-21 16,-21 21-16,20 0 0,1 21 15,-21-20-15,21-1 0,0 21 0,21 22 16,-22-43-16,22 0 0,0 0 15,0 0-15,0 0 0,22 1 16,-1-22-16,0 21 0,0-21 16,0 0-16,0 0 0,1 0 0,20-21 15,-21-1-15,0 22 16,0-21-16,1 0 0,-22 0 0,0 0 16,21 0-16,-21-1 0,21 1 15,-21 0-15,0 0 0,0 0 0,0 0 16,0-1-1,0 44 1,-21-22 0,0 21-16,-1 0 0,22 0 15,-21 0-15,0 22 0,0-22 16,21 21-16,0 0 0,-21 1 0,21-1 16,0 22-16,0-1 0,0 43 15,0-43-15,21 1 0,0-1 16,0 1-16,22 21 0,-22-22 0,0 1 15,21 20-15,-21-20 0,22 20 16,-22 1-16,21-21 0,-21 20 0,1 1 16,20 63-16,-21-84 15,-21 20-15,0 64 0,0-84 16,0-1-16,0 1 0,-21-22 0,0 1 16,0-1-16,-1-21 0,1 0 0,0 0 15,-42-21-15,41 0 16,1-21-16,0 0 0,0 0 0,0-21 0,21-1 15,-21-20-15,-1-1 0,22 1 16,-21-22-16,0 0 0,0 1 16,21-1-16,0 0 0,-21 1 0,21-1 15,0-21-15,0 22 0,0-65 16,0 86-16,0-1 0,21 1 16,0-1-16,0 22 0,0-21 0,1 20 15,-1 1-15,21-22 0,-21 22 16,22 0-16,-22-1 0,21 1 15,-21 0-15,22-1 0,-22 1 0,-21 21 0,21-21 16,-21 20-16,0 1 16,-21 21-16,0 0 15,-1-21-15,-20 21 0,21 0 16,-21-21-16,-1 0 0</inkml:trace>
+  <inkml:trace contextRef="#ctx0" brushRef="#br0" timeOffset="64371.09">22077 13504 0,'0'0'0,"-64"-42"16,64 21-16,-21 0 15,21 0 1,-21 21-16,0 0 31,42 0 0</inkml:trace>
+  <inkml:trace contextRef="#ctx0" brushRef="#br0" timeOffset="66486.92">24913 14139 0,'-21'0'0,"42"0"0,-42-21 31,21 0-31,0 0 16,0-21-16,0 20 15,0 1-15,0-21 0,0 0 0,21-1 16,-21 1-16,21-22 0,0 1 0,1-1 16,-1 1-16,0-1 0,0 1 15,0-22-15,43-42 16,-43 64-16,0 20 0,-21-20 0,0 21 16,0-1-16,0 22 0,0 0 0,0 0 15,-42 0-15,21 21 0,-1 0 0,1 0 16,0 21-16,-21 0 15,21 0-15,-1 0 0,1 22 0,0-1 16,0 0-16,21 1 0,-21 20 0,21-21 16,0 22-16,0-1 0,0 1 15,21-1-15,0 1 0,-21-22 0,21 22 16,0 63-16,1-85 0,-22 0 16,21 1-16,-21-22 0,0 21 15,0-21-15,0 1 0,0-1 0,0 0 16,0 0-16,-21-21 15,-1 0-15,-20 0 16,21 0-16,0 0 0,0-21 0,-22 21 0,22-21 16,0 0-16,-21-22 0,20 22 15,1 0-15,-21-21 0,21-1 16,0 22-16,-1-21 0,-20-22 16,42 43-16,-21 21 15,21 21 1,0 0-16,0 1 0,0-1 15,21 21-15,0-21 0,22 22 0,-22-22 16,0 21-16,21-21 0,43 22 16,-43-1-16,1-21 15,-1-21-15,0 21 0,1 0 0,-1-21 0,0 0 16,22 0-16,-22 0 0,0 0 16,1 0-16,20 0 0,-20-21 15,-1 0-15,64 0 0,-64 0 16,0 0-16,-20-22 0,-1 22 15,0 0-15,0-21 0,-21 20 0,0-20 16,0 21-16,0-21 0,0-1 0,0 22 16,-21-21-16,0 21 0,0-1 15,-1 1-15,1 21 0,0 0 0,0 0 16,0 0-16,0 0 0,-1 21 16,1 1-16,0-1 0,0 21 15,0-21-15,0 22 0,-1-1 0,1 0 16,0-21-16,21 22 0,0-22 0,0 21 15,-21-21-15,21 1 0,0-1 16,0 0-16,21-21 0,0 21 16,0-21-16,1 0 0,-1 0 0,0 0 15,21 0-15,-21-21 0,1 21 16,20-21-16,-21 0 0,0-1 0,0 1 16,1 0-16,-1 0 0,0 0 15,0 0-15,-21-22 0,0 22 0,0 0 16,0-21-16,0 20 0,0 1 15,0 42 1,0 1 0,0-1-16,0 0 0,0 0 15,0 21-15,0-20 0,0 20 16,0-21-16,0 0 0,0 0 16,0 1-16,21-1 0,0-21 0,1 21 15,-1-21-15,21 0 0,-21 0 0,22 0 16,-1 0-16,-21 0 0,21 0 15,1-21-15,-1 21 0,0-21 0,-20-1 16,20 1-16,-21 0 0,0 0 0,22-43 16,-43 43-16,0-21 15,21 21-15,-21-22 0,0 22 16,0 0-16,0 0 0,0 0 0,0 0 0,0 42 31,0 0-31,0 0 0,0 0 16,0 0-16,0 22 0,0-22 0,-21 21 15,21-21-15,0 22 0,0-22 16,-22 0-16,22 21 0,0-20 0,-21-1 16,21 0-16,0 0 0,0 0 15,-21-21 17,21-21-32,0 0 15,0 0 1,0 0-16,0-1 0,0-20 0,0 21 15,21 0-15,0-22 0,-21 1 0,22 21 16,-1-21-16,0 20 0,0-20 16,0 21-16,0 0 0,1 0 0,-1 21 15,21 0-15,-21 0 0,0 21 16,-21 0-16,0 0 0,22 0 16,-22 0-16,0 22 0,0-22 15,0 21-15,0 22 0,0-22 16,0-21-16,0 22 0,0-22 0,0 0 15,21 0-15,-21 21 16,0-20-16,0-44 47,21 1-47,-21 0 0,21 0 0,-21 0 16,21-22-16,-21 22 0,21-21 15,1 21-15,-1-22 0,0 1 16,0 0-16,43-43 0,-43 64 15,0 0-15,21 0 0,-21-1 16,1 22-16,-1 0 0,0 0 0,0 0 0,-21 43 16,0-22-16,0 0 15,0 21-15,0-20 0,0 20 16,0-21-16,0 21 0,0 1 0,0-22 0,0 21 16,0-21-16,0 1 0,0-1 15,0 0-15,0 0 0,21 0 16,0 0-16,1 1 0,20-22 0,-21 0 15,0 0-15,43 0 0,-22 0 16,0 0-16,1 0 0,-1 0 16,-21-22-16,22 1 0,-1 0 0,-21 0 15,0 0-15,0 0 0,1-22 0,-1 22 16,0-21-16,-21 21 0,0-22 16,0 1-16,0 21 0,0-43 15,0 43-15,-21 21 16,0 0-16,-1 0 0,1 21 15,0 0-15,0 22 0,0-22 0,21 21 16,-21-21-16,21 22 0,-22-22 0,22 21 16,0-21-16,0 22 0,0-22 15,0 0-15,0 0 0,0 0 0,22 1 16,-1-1-16,0-21 0,0 21 0,0-21 16,0 0-16,1 0 0,20 0 15,-21 0-15,21 0 0,-20-21 0,20 21 16,21-43-16,-41 43 0,20-21 15,-21 0-15,0 0 16,0 21-16,1-21 0,-22 0 0,21-1 16,0 1-16</inkml:trace>
+  <inkml:trace contextRef="#ctx0" brushRef="#br0" timeOffset="66987.58">28744 13293 0,'-21'-21'0,"42"42"0,-63-64 16,42 22-16,-21 0 0,21 0 15,-21 0-15,-1 21 0,22-21 16,0-1-16,-21 22 0,0 0 16,0 0-16,21 43 15,0-22-15,0 21 0,0 22 16,0-22-16,0 43 0,0-22 16,0 22-16,0 0 0,0-1 0,0 1 15,21 0-15,-21-1 0,0 22 16,21-21-16,-21-1 0,0 1 0,0 21 15,0-21-15,0-1 0,0 1 16,0 0-16,0-1 0,0 1 0,0-22 16,0 22-16,0-21 0,0-1 0,-21 1 15,21-1-15,0-21 0,-21 1 16,0-1-16,21-21 0,0 22 0,0-22 16,0-42-1,0-22 1,0 22-16,0-21 0,0-1 15,0 1-15,0 0 0,0-1 0,0-20 16,21-1-16,-21 1 16,21-1-16,-21 1 0</inkml:trace>
+  <inkml:trace contextRef="#ctx0" brushRef="#br0" timeOffset="67325.21">28596 13970 0,'-21'-21'0,"42"42"0,-63-84 0,21 41 0,-1 1 15,22-21-15,0 21 0,0 0 16,0-1-16,0 1 0,22 21 0,20-42 16,0 42-16,1 0 15,-1-21-15,0 21 0,22 0 0,-22 0 16,22 0-16,-22 21 0,21 0 16,-20 0-16,-22 0 0,21 1 15,-21 20-15,1 0 0,-22-21 0,0 22 16,0-1-16,0-21 0,0 22 15,-22-22-15,1 21 0,0-21 0,-21 0 16,21 1-16,-22-1 0,1 0 0,0-21 16,20 21-16,-20-21 0,21 0 15,0 21-15,0-21 0,-1 0 0,1 0 16,21-21 0,21 0-1,1 0-15,-1 21 0,63-43 16,-20 22-1</inkml:trace>
+  <inkml:trace contextRef="#ctx0" brushRef="#br0" timeOffset="69443.91">29125 14055 0,'21'0'16,"-126"21"-16,189-42 0,-41 21 0,-22-21 15,0 21-15,0-22 0,0 22 0,22-42 16,-22 21-16,21 0 16,-21 0-16,0-1 15,1 1-15,-1 0 0,0-21 0,0 21 16,-21-1-16,0 1 0,0 0 15,-21 21-15,0 0 16,0 0-16,-22 0 0,22 21 16,0 0-16,-21 1 0,20-1 15,1 0-15,-21 21 0,21-21 0,21 22 16,-21-22-16,21 0 0,-22 21 16,22-20-16,0-1 0,0 0 0,0 0 15,0 0-15,22 0 0,-1-21 0,-21 22 16,21-1-16,0-21 0,0 0 15,22 0-15,-22 0 0,0 0 0,42 0 16,-20 0-16,-22 0 16,21 0-16,-21-21 0,1 21 0,20-22 15,-21 1-15,0 21 0,0-21 0,1 0 16,-1 0-16,0 0 0,0-1 16,-21 1-16,0 0 0,21 0 15,-21 0-15,0-22 0,0 22 16,0 0-16,0 0 0,0 0 0,0 0 15,0 42 1,-21 0 0,21 0-16,-21 0 0,0 22 0,0-22 15,21 0-15,0 21 0,0-21 16,0 1-16,0 62 16,0-63-16,0 1 15,21-22-15,0 21 0,0-21 16,0 0-16,0 0 0,1 0 0,20 0 15,-21 0-15,0 0 0,22-21 16,-1 21-16,-21-22 0,0 1 0,64-42 16,-85 20-16,0 1 15,21 0-15,-21-1 0,0-41 16,0 41-16,0 1 0,-21 21 16,0-21-16,0 42 0,-1-22 15,1 22-15,0 0 0,-21 22 0,21-1 16,-1 0-16,-20 0 0,21 21 15,0-20-15,0 20 0,-22 0 16,43 1-16,-21-22 0,21 21 0,-21-21 16,21 22-16,0-22 0,0 0 15,0 0-15,21 0 0,0-21 0,0 21 16,1-21-16,-1 0 0,21 0 16,-21 0-16,22 0 0,-1 0 0,-21 0 15,21-21-15,1 0 0,-1 21 0,0-21 16,-20 0-16,20 0 0,0-1 15,1 1-15,-22-21 0,42 0 16,-42 20-16,1 1 0,-1 0 16,-21 42-1,0 0 1,0 1-16,0-1 0,0 0 16,0 21-16,-21-21 0,21 1 0,0-1 15,0 0-15,0 0 0,0 0 16,0 0-16,21 1 0,0-1 15,0-21-15,0 0 0,0 0 16,22 0-16,-22 0 0,0 0 0,0 0 16,22 0-16,-22 0 0,0 0 0,0-21 15,0-1-15,0 1 0,1 0 16,-1 0-16,0 0 0,0-43 16,-21 43-16,21-21 0,0 21 15,-21-22-15,0 22 0,0 0 16,0 0-16,0 0 0,0 42 31,0 0-31,0 0 0,0 0 16,-21 0-16,21 22 0,-21-22 15,21 0-15,0 0 0,0 0 16,21-21 0,0 0-16,1 0 0,-1 0 15,0-21-15,0 21 16,0-21-16,0-21 0,-21 21 0,22-22 15,-1 1-15,0 0 0,-21-1 16,21-20-16,0-1 0,0 22 16,-21-22-16,22 1 0,-1 21 0,0-22 15,-21 22-15,0-1 0,21 1 16,-21 0-16,21-1 0,-21 22 0,0 0 16,-21 42-1,0 0-15,0 1 16,21 20-16,-21-21 0,-1 21 15,22 1-15,-21 20 0,0-20 0,21 20 16,-21 1-16,21-1 0,0 1 16,0-1-16,0 1 0,0-1 0,0-21 15,0 22-15,0-22 16,0 1-16,21-1 0,-21-21 0,21 0 16,0 22-16,-21-22 0,22 0 15,-1-21-15,0 0 16,0 0-16,0 0 15,0 0-15,1 0 0,-1-21 0,0 0 16,0-1-16,0 1 0,0 0 16,1-21-16,-1 21 0,0-22 0,0 22 15,-21 0-15,21 0 0,-21 0 16,21 21-16,-21 21 16,0 0-16,0 0 15,0 0-15,-21 0 0,21 1 16,0-1-16,0 0 0,0 0 0,0 0 15,0 0-15,21 1 16,1-1-16,-1-21 0,0 0 0,0 0 16,0 0-16,22 0 0,-22 0 15,0 0-15,21 0 0,-21-21 0,1 21 16,-1-22-16,0 1 0,0 0 16,0 0-16,0 0 0,1-22 0,-1 22 15,0-21-15,0 21 0,-21-22 16,21 22-16,-21 0 0,0 0 0,0 0 15,0 42 17,0 0-32,-21 0 15,0 0-15,21 1 0,-21-1 0,0 0 16,21 0-16,0 21 0,0-20 16,-22 20-16,22-21 0,0 21 0,0 1 15,0-1-15,0 0 0,0 22 16,0-22-16,0 22 0,0-22 0,0 22 15,0-22-15,0 21 0,0 1 16,0-22-16,0 22 0,0-1 0,0-20 16,0 20-16,0 1 0,0-22 0,0 21 15,0 1-15,0-1 0,0-20 16,-21 20-16,21-20 0,0 20 16,0-21-16,0 1 0,0-22 15,0 21-15,0-21 0,0 1 0,0-1 16,0-42 15,0-22-15,0 22-16,-21 0 0,21-21 0,0-1 15,-21 1-15,21-22 0,-21 1 0,0-1 16,-1 1-16,1-1 16,21 1-16,0-1 0,0 1 0,0-1 15,0 22-15,0 0 0,0-1 0,0 1 16,21 0-16,1-1 0,-1 22 15,0-21-15,21 21 0,22-43 16,-22 22-16,-21 0 16,22 20-16,20-20 0,-21 21 0,1-21 15,-1 20-15,0 1 0,-20 0 0,20 21 16,-21-21-16,-21 0 0,0 0 16,0-1-1,0 1-15,-21 0 0,0 0 16,-22 21-16,22-21 0</inkml:trace>
+  <inkml:trace contextRef="#ctx0" brushRef="#br0" timeOffset="69787.2">30967 13610 0,'-21'0'15,"42"0"-15,-64 0 0,43-21 16,22 21-16,-1-21 16,0 0-16,21 21 0,1-21 15,-1 21-15,0 0 0,22-22 16,-22 22-16,22-21 0,-22 21 0,21-21 15,-20 21-15,-1 0 0,0 0 16,1-21-16,-1 21 0,-21 0 0,0 0 16,1 0-16,-1-21 0,-42 0 31,-1 21-31,1 0 0,0 0 16,-21-22-16,-1 22 0</inkml:trace>
+  <inkml:trace contextRef="#ctx0" brushRef="#br0" timeOffset="70218.95">30247 13187 0,'0'0'0,"-21"0"0,0 0 0,-22 0 0,22 0 15,0 0-15,0 0 0,0 0 16,0 0-16,21 21 16,21-21 15,0 0-31,0 0 0,0 0 15,0 0-15,-21-21 0,22 0 16,-22 0-16,0-1 16,0 1-16,-22 21 31,1 0-15,0 0-16,0 0 15,0 21-15,21 1 16,0-1-16,0 0 15,-21 0-15,21 0 16,0 0-16</inkml:trace>
+  <inkml:trace contextRef="#ctx0" brushRef="#br0" timeOffset="76444.42">11811 16129 0,'0'-42'15,"0"21"-15,-21-1 16,21 1-16,0 0 15,0 0-15,0 0 0,-21 0 0,21-1 16,-22 1-16,22 0 0,0 0 16,-21 0-16,21 0 15,-21-1-15,21 1 0,-21 21 0,0-21 16,0 0-16,-1 0 16,1 21-16,0 0 0,0-21 0,0 21 15,0 0-15,-1 0 0,1 0 0,-21 0 16,21 0-16,-22 0 0,22 21 15,-21-21-15,0 21 0,-1 0 0,22 0 16,-21 0-16,-1 22 0,1-1 0,21 0 16,-21 1-16,20-1 0,-20 0 15,21 22-15,0-22 0,21 1 16,0 20-16,0-21 0,0 1 16,0 20-16,0-20 0,0-22 15,21 0-15,0 0 0,0 0 0,0-21 16,22 0-16,-22 0 0,0 0 15,21 0-15,-20 0 0,-1 0 0,21 0 16,-21-21-16,22 0 0,-22 0 0,21 0 16,-21-1-16,0 1 0,22-21 15,-22 21-15,0-22 0,0 22 0,0-21 16,1 21-16,-22-22 0,0 1 16,21 21-16,-21-21 0,21-1 0,-21 22 15,0 0-15,0-21 0,21-1 16,-21 22-16,0 0 15,0 42 32,0 0-47,0 0 16,-21 1-16,21 20 0,0-21 16,0 0-16,0 0 0,0 22 0,0-22 15,0 42-15,0-20 0,0-22 16,0 0-16,0 0 15,0 0-15,0 1 0,0-1 0,21 0 16,-21 0-16,21 0 0,0-21 0,-21 21 16,22-21-16,-1 0 0,0 22 15,0-22-15,21 21 16,-20-21-16,-1 0 0,0 0 16,0 0-16,0 0 0,0 0 0,1 0 15,-1 0-15,0 0 0,0-21 0,0 21 16,22-22-16,-22 22 0,0-21 15,0 0-15,0 21 0,0-21 0,22 0 16,-22 0-16,0-1 0,-21-20 16,21 21-16,0 0 0,1-22 15,-22 1-15,21 0 0,-21 21 0,0-43 16,0 22-16,21-1 0,-21 1 0,0 0 16,0-1-16,21 1 0,-21 21 15,0-21-15,21-1 0,-21 1 0,21 21 16,-21 0-16,0-22 0,22 22 15,-22 0-15,21 0 0,-21 42 32,0 0-32,-21 0 0,-1 22 15,1-1-15,21-21 0,-21 21 0,21 22 16,-21-22-16,0 1 0,21 20 0,0-21 16,-43 107-1,43-107-15,0 21 0,0-20 16,0-1-16,0-21 0,0 22 0,0-1 15,0-21-15,22 0 0,-1 0 16,0 1-16,0-1 0,21-21 0,1 0 16,-22 0-16,21 0 0,1 0 15,-1 0-15,21 0 0,-20-21 0,-1-1 16,0 1-16,1 0 0,-1 0 0,0 0 16,-20-22-16,20 22 15,-21-21-15,0 21 0,0-22 0,1 22 16,-22-21-16,0 0 0,0 20 0,0-20 0,0 21 15,0 0-15,0 0 16,0-1-16,0 1 0,-22 42 31,22 1-31,0 20 0,0-21 16,0 21-16,-21 22 0,21 21 16,-21-22-16,21-21 0,0 22 0,0-1 15,0-20-15,-21 20 0,21 1 16,0-1-16,0 1 0,0 20 0,0-20 15,0-1-15,0 1 0,0 21 16,0-22-16,0 1 0,0-1 0,0 64 16,0-85-16,0 22 0,21-22 15,-21 1-15,0-1 16,0 0-16,0-21 0,0 1 0,0-1 16,0-42-1,0-1 1,0 1-16,0-21 0,0 21 0,0-22 15,0 1-15,0 0 0,0-22 16,0 22-16,0-22 0,0 1 0,0-1 16,0 1-16,-21-1 0,0-20 0,21 20 15,0-20-15,-21 20 0,-1 1 16,22-22-16,0 21 0,0-20 16,0 20-16,0 1 0,0-1 0,22 1 0,-1 20 15,0-20-15,0 21 16,21 20-16,-20-20 0,20 21 0,-21 0 15,21 0-15,-20 21 0,20 0 0,-21 0 16,0 21-16,0 0 0,1 0 16,-1 0-16,-21 0 0,0 22 0,0-22 15,0 21-15,0-21 0,0 1 16,-21 41-16,-1-42 0,1-21 16,0 21-16,0 1 0,0-22 0,0 0 15,-1 0-15,1 0 0,0 0 16,0 0-16,0 0 0,0 0 0,-1 0 15,1-22-15,0 1 0,0 21 16,0 0 0,21 21 15,21 1-31,0-1 0,0 0 16,0 0-16,1 0 0,-1-21 0,0 21 15,21 1-15,-21-22 0,22 0 0,-1 0 16,0 0-16,1 0 0,-1 0 15,0 0-15,1 0 0,-1 0 0,0-22 16,1 1-16,20 0 16,-20 0-16,-22 0 0,21 0 0,0-22 15,1-41-15,-22 41 0,0 1 16,0 0-16,-21-22 0,0 22 16,0-1-16,0 1 0,0 0 0,0-1 15,0 1-15,0 21 0,0 0 0,-21 0 16,21-1-16,-21 22 0,0 0 15,0 22-15,-1-1 0,1 0 16,21 0-16,-21 21 0,21 1 0,-21 20 16,21-20-16,0-1 0,-21 21 15,21 1-15,0-22 0,0 22 0,-21-22 16,21 0-16,0 1 0,0-1 16,0-21-16,0 22 0,0-22 15,0 0-15,0 0 0,0 0 16,21-21-1,0 0-15,-21-21 0,21 0 16,0 0-16,0 0 0,-21-1 16,22 1-16,-1 0 0,0-21 15,0 21-15,0-1 0,0 1 16,1 21-16,-1 0 16,0 21-1,-21 1-15,0-1 0,0 0 0,21 0 16,-21 0-16,0 0 0,21 1 0,0-1 15,-21 0-15,22 0 16,-1-21-16,0 21 0,0-21 0,0 0 16,22 21-16,-22-21 0,0 0 0,21 0 15,-21 0-15,64-21 16,-64 21-16,22-21 0,-1 0 0,-21 21 16,21-21-16,-20 0 0,-1-22 15,21 22-15,-21 0 0,-21-21 16,0 20-16,21-20 0,-21 21 0,0-21 15,0-1-15,0 22 0,0 0 0,0-21 16,-21 42-16,0 0 0,0 0 16,0 0-16,0 21 0,-1 0 15,-20 0-15,42 0 16,-42 0-16,42 1 0,-21 20 0,-1-21 16,1 43-16,0-22 0,21-21 15,0 0-15,0 22 0,0-22 16,0 0-16,0 0 0,21 0 15,0-21-15,22 0 0,-22 0 16,0 0-16,0 0 0,22 0 16,-22-21-16,0 0 0,0 0 0,0 21 15,0-21-15,-21-1 0,22 1 0,-1 0 16,0-21 0,-21-1-16,0 22 0,0 0 0,0 0 15,0 42 16,0 0-31,0 0 16,0 1-16,0-1 0,0 0 16,0 0-16,0 0 0,0 0 0,0 1 15,0-1-15,0 0 0,21 0 16,0-21-16,0 0 0,1 0 16,-1 0-16,0 0 0,0 0 15,0 0-15,22-21 0,-22 0 0,0 21 16,0-43-16,0 22 0,0 0 15,1-21-15,-22-1 0,21 1 16,0 0-16,0-1 0,-21 1 0,0-21 16,0 20-16,21-63 15,-21 64-15,0 0 0,0-1 0,0 22 16,0-21-16,0 21 0,0 0 16,0 42-1,0 0-15,-21 0 16,0 21-16,21-20 0,0 20 0,-21 0 15,0 1-15,21-1 0,-22 21 16,22-20-16,0-1 0,-21 0 0,0 1 16,21-1-16,-21 0 0,21 1 15,0-22-15,-21 21 0,21-21 0,-21 1 16,21-1-16,0 0 0,0 0 16,0-42 15,0 0-31,21 21 0,0-21 15,0-1-15,0-20 0,-21 21 0,21 0 16,1 0-16,-1-1 0,21 1 16,-21-21-16,0 42 0,1-21 15,20 0-15,-21 21 0,0 0 0,0 0 16,1 0-16,-1 0 0,0 0 16,0 0-16,0 21 0,0-21 15,1 21-15,-22 0 0,0 0 0,0 0 16,0 1-16,0-1 15,0 0-15,0 0 0,-22-21 0,1 21 16,0 0-16,0-21 0,0 22 0,0-22 16,-1 0-16,1 0 0,0 0 15,0 0-15,0 0 0,0 0 0,-1 0 16,22-22 0,-21 1-16,21 0 15,-21 21 1,21-21-16,-21 21 0,0 0 15,0 0 1,42 0 31,-21 21-31,21-21-16,0 21 15,0 0-15,0 1 16,1-22-16,-22 21 0,21-21 0,21 0 15,-21 21-15,22-21 0,-22 0 16,21 0-16,0 0 0,1 0 0,-1 0 16,0 0-16,1-21 0,-1 21 0,0-21 15,1 21-15,20-22 16,22-20-16,-64 21 0,21 0 16,-20-22-16,20 22 0,-21-21 0,0-22 15,-21 43-15,0-21 16,0 21-16,0 0 0,0-1 0,0 1 15,-21 21-15,0 0 16,0 0-16,0 21 16,-1 1-16,1-1 0,0 0 15,0 21-15,21-21 0,-21 43 0,0-22 16,21-21-16,0 1 0,0-1 16,0 0-16,0 0 0,42 21 15,-21-20-15,0-22 0,0 0 16,1 0-16,20 0 0,0 0 15,1 0-15,-22 0 0,21 0 0,0-22 16,1 22-16,-1-21 0,0 0 16,-20 0-16,20 0 0,-21-22 0,21-20 15,-20 21-15,-1-1 0,0-63 16,0 64-16,-21-21 16,0 20-16,0-20 0,0 20 0,0 1 15,21 0-15,-21-1 0,0 22 16,0 0-16,0 0 0,0 0 0,0 42 15,0 0 1,0 0-16,0 22 0,-21-22 16,0 21-16,0 0 0,21 1 0,0 20 15,-21-20-15,21-1 0,0 0 16,0 1-16,0-1 0,0 43 16,0-64-16,0 21 0,0-21 15,21 0-15,0 22 0,0-22 16,0 0-16,22-21 0,-22 0 15,0 0-15,21 0 0,-21 0 16,1 0-16,-1 0 0,0-21 0,0 0 16,21 21-16,-42-21 0,22-1 0,-1 1 15,0-21-15,-21 21 16,0 0-16,0-1 0,0 1 0,0 0 16,0 0-16,0 0 0,0 42 31,0 0-31,0 0 0,-21 0 0,21 1 15,0-1-15,-21 0 0,21 0 0,0 21 16,0-20-16,0-1 0,0 0 16,0 0-16,0 0 0,21-21 15,0 21-15,0-21 0,0 0 16,0 0-16,1 0 16,-1-21-16,21 0 0,-21 0 0,0 0 15,43-22-15,-43 22 16,21-21-16,-20 0 15,20-1-15,-21 1 0,43-22 0,-22 22 16,-21 21-16,0 0 0,0 0 16,1-1-16,-1 22 15,-21 22-15,0-1 16,0 0-16,0 0 0,0 0 16,0 0-16,0 1 0,0-1 15,21-21 16,-21-21-15,0-1 0,0 1-16,0 0 15,0 0-15,0 0 16,0 0-16,-21 21 0,0 0 16,-1 0-16,1 0 15,0 0-15,21 21 0,-21-21 16,0 21-16,0 0 0,-1 21 15,-20 1-15,0 20 16,21-20-16,21-1 0,0-21 0,0 21 16,0-20-16,0-1 0,0 21 15,0-21-15,0 0 0,0 1 16,42-1-16,0-21 0,-21 0 16,22 0-16,-1 0 0,0 0 0,1 0 15,-1 0-15,0 0 0,22 0 16,-22 0-16,1-21 0,-1-1 0,0 22 15,1-21-15,-1 0 0,-21 0 0,21 0 16,-20-22-16,-1 22 16,21-42-16,-42 42 0,0-22 0,0 22 15,0 0-15,0 0 0,0 0 16,0-1-16,-21 22 0,0 0 16,0 0-16,-1 0 0,1 22 15,0-1-15,0 0 0,0 0 0,-22 0 16,1 43-16,0-1 15,21-20-15,21-1 16,0-21-16,0 0 0,0 0 16,0 1-16,21-22 15,0 0-15,0 0 0,0 0 16,0 0-16,1 0 0,-1 0 0,0-22 16,0 22-16,0-21 0,0 0 15,1 0-15,-22-21 0,21-1 16,0 1-16,-21 21 0,0 0 15,0-1-15,21 22 16,-21 22 0,0-1-16,-21 0 15,21 0-15,0 0 0,-21 0 16,21 1-16,0-1 0,0 21 16,0-21-16,0 0 0,0 1 0,21-22 15,-21 21-15,21-21 0,0 0 16,0 0-16,1 0 0,-1 0 0,0 0 15,0 0-15,0 0 0,0-21 0,1-1 16,-1 22-16,0-21 0,0 0 16,0 0-16,0-21 0,1 20 15,20-62-15,-42 41 0,21-41 16,-21 41-16,21-20 16,-21-43-16,0 64 0,0-22 15,0 22-15,0 0 0,0-1 0,0 22 16,0 0-16,0 0 0,0 0 15,0 42 1,0 0 0,-21 21-16,21 1 0,-21-22 15,0 42-15,0-20 0,-1-1 16,22 21-16,-21-20 0,0 63 0,21-43 16,0-21-16,0 1 0,0-1 15,0-21-15,0 22 0,21-22 0,0 0 16,1 0-16,20 21 15,-21-42-15,21 0 0,-20 0 16,-1 0-16,0 0 0,21 0 0,1 0 16,-22-21-16,0 21 0,0-21 15,0 0-15,0 21 0,1-21 16,-22 0-16,21-1 0,-21 1 16,0 0-16,0 0 0,0 0 0,0 0 15,0-1-15,0 1 16,0 0-16,0 0 0,-21 0 0</inkml:trace>
+  <inkml:trace contextRef="#ctx0" brushRef="#br0" timeOffset="76720.25">17653 15579 0,'0'0'16,"-21"0"-16,0 0 0,-1 0 16,1 21-16,0-21 0,0 0 109,0 0-109</inkml:trace>
+  <inkml:trace contextRef="#ctx0" brushRef="#br0" timeOffset="76987.8">16171 15833 0,'0'0'0,"-21"21"0,0 0 0,0-21 16,0 0-16,42 0 31,0 0-31,0 0 0,21 0 16,22-21-16,-22 21 0,1-21 15,-1 21-15,-21 0 0,21 0 0,-20-21 16,20 21-16,-21-22 0,0 22 15,0 0-15,1 0 0,-1 0 16,0-21-16,0 21 16</inkml:trace>
+  <inkml:trace contextRef="#ctx0" brushRef="#br0" timeOffset="79358.99">20045 15642 0,'0'0'0,"0"-63"16,0 42-16,0-22 0,0 22 16,0 0-16,0 0 0,0-22 15,0 22-15,-21 0 0,21 0 16,-22 0-16,22 0 0,0-1 0,-21 22 15,0 0-15,0 0 16,0 0-16,0 0 0,-1 22 0,1-1 16,0 0-16,0 0 0,0 21 0,-22 1 15,43 20-15,-21-20 0,0 20 16,21 1-16,-21-22 0,21 43 0,0-22 16,0 1-16,0-22 0,21 21 15,0 1-15,0-1 0,1-20 16,-1-1-16,0 0 0,21 1 0,-21-1 15,22-21-15,-1 0 0,-21 22 0,22-43 16,-1 21-16,0 0 0,22-21 16,-22 0-16,0 0 0,1 0 0,-1 0 15,0 0-15,1-21 0,-1 0 16,0 21-16,-20-43 0,20 22 0,-21 0 16,0-21-16,0-1 0,1 1 0,-1 0 15,-21-22-15,21 1 0,-21-1 16,0 1-16,0-1 0,0 1 15,-21-1-15,0 1 0,-1-1 0,-20 1 0,21 20 16,-21-20-16,-1-1 16,1 22-16,0 0 0,-1 21 0,-20-1 15,20 1-15,1 21 0,-21 0 0,20 0 16,1 0-16,-22 43 0,22-22 16,0 21-16,-1 0 0,1 22 0,21-1 15,-21-20-15,20 20 0,1 1 16,0-1-16,21 1 0,0-1 0,0 1 15,0-1-15,42-20 0,-20 20 0,-1-21 16,21 1-16,-21-1 0,22-21 16,-1 22-16,64-1 0,-43-21 15,-20 0-15,20-21 0,-21 0 16,22 0-16,-1 0 0,-20 0 0,20 0 16,-20 0-16,-1-21 0,0 0 0,1 0 15,-1 0-15,-21-1 0,21-20 16,-20 21-16,-1-21 0,21-22 15,-21 43-15,-21 0 0,0 0 16,0-1-16,21 22 0,1 0 16,-22 22-1,0-1-15,0 0 0,0 0 16,0 0-16,0 22 0,0-22 16,0 0-16,0 0 0,0 0 0,0 0 15,0 1-15,0-1 0,0 0 0,21 0 16,0 0-16,-21 0 0,21-21 15,0 22-15,0-22 0,22 0 0,-22 0 16,0 0-16,21 0 0,-20 0 16,20 0-16,-21 0 0,21-22 15,-20 1-15,20 0 0,-21 0 0,0 0 16,22-22-16,-22 22 0,0-21 16,0 0-16,21-1 0,-20 22 0,-1-21 15,0-1-15,0 22 0,0 0 0,0 0 16,1 0-16,-1 21 0,0 0 15,0 0-15,-21 21 16,21 0-16,-21 0 0,21 0 16,-21 1-1,0-1-15,22 0 0,-1 0 16,-21-42 31,0 0-47,0 0 15,0-1-15,0 1 16,0 0-16,-21 0 0,-1 21 16,22-21-16,-21 21 0,0 0 15,0 0-15,0 0 0,-22 0 16,22 21-16,0 0 0,0 0 0,-21 0 16,20 22-16,1-22 15,0 21-15,0 1 0,0-22 0,0 21 16,21-21-16,0 22 0,0-1 15,0-21-15,0 0 0,0 0 16,21 1-16,0-1 0,0-21 16,21 21-16,-20-21 0,-1 0 0,0 0 15,0 0-15,21 0 0,-20 0 16,-1-21-16,0 21 0,0-21 0,0-1 16,0 1-16,1 0 0,-1-21 15,0 21-15,0-22 0,0 1 0,0-22 16,1-41-16,-1 41 0,0 1 15,-21 20-15,21-20 0,-21-1 16,21 1-16,-21 20 0,0 1 16,21 0-16,-21-1 0,0 22 0,0 0 15,0 0-15,0 0 0,-21 21 16,0 21-16,21 0 16,-21 0-16,0 22 0,0-1 0,21 0 15,-22 1-15,1-1 0,21 0 16,-21 22-16,21-22 0,0 22 0,0-22 15,0 21-15,0-20 0,0 20 0,0-20 16,0-1-16,0 0 16,0 1-16,0-22 0,21 21 0,-21-21 0,21 0 15,1 1-15,-22-1 0,21-21 16,0 21-16,0-21 0,0 0 16,0 0-16,1 0 0,-1 0 0,0 0 15,0 0-15,0 0 0,22-21 0,-22 21 16,0-21-16,0-1 0,0 1 15,0 21-15,1-42 0,-22 21 0,21 0 16,0-1-16,-21-20 0,0 0 16,21 21-16,-21-22 0,21 1 0,-21 21 15,0-22-15,0 22 0,0 0 0,-21 21 32,0 21-32,21 0 0,-21 1 15,21-1-15,-21 0 0,-1 21 16,22-21-16,0 22 0,0-22 15,0 0-15,0 0 0,0 22 0,0-22 16,0 0-16,0 0 0,0 0 16,0 0-16,22-21 0,-1 0 15,-21 22-15,21-22 0,0 0 0,0 0 16,0 0-16,1 0 0,-1 0 0,0-22 16,0 22-16,0-21 0,0 0 15,1 0-15,-1 0 0,0 0 16,0-1-16,0 1 0,0-21 0,1 21 15,-1-22-15,0 1 0,21-21 16,-42 20-16,0 22 0,0 0 16,21 0-16,-21 0 0,0 42 31,0 0-31,0 0 0,0 0 16,0 0-16,0 1 15,0-1-15,0 0 16,22-21-16,-1 0 15,0 0-15,0 0 16,0 0-16,0-21 0,1 0 16,-1-1-16,0 22 0,-21-21 15,21 0 1,0 21-16,-21 21 31,0 0-31,0 1 0,0-1 16,0 21-16,-21-21 0,0 0 0,21 22 15,-21-22-15,21 21 0,0-21 16,-21 22-16,21-22 0,0 0 0,0 0 16,0 0-16,0 1 0,0-1 15,21-21-15,0 0 16,0 0-16,0 0 0,0 0 16,22 0-16,-22 0 0,21 0 0,1 0 15,-22-21-15,21-1 0,-21 1 16,22 0-16,-22 21 0,0-21 0,0 0 15,0 0-15,-21-1 0,0 1 0,0-21 16,0 21-16,-21 0 16</inkml:trace>
+  <inkml:trace contextRef="#ctx0" brushRef="#br0" timeOffset="80184.52">20807 16362 0,'-21'0'15,"21"-21"17,0 0-32,0-1 15,21 1-15,-21 0 16,21 0-16,0 0 0,-21 0 16,21-1-16,-21-20 0,21 21 0,-21 0 15,0-22-15,22 22 0,-22 0 0,0 0 16,0 0-16,21 21 15,-21 21 1,-21-21-16,21 21 16,-22 0-16,22 0 0,0 1 15,0-1-15,0 0 0,0 0 0,0 0 16,0 0-16,-21 1 0,21-1 16,0 0-16,0 0 15,0 0 1</inkml:trace>
 </inkml:ink>
 </file>
 
@@ -322,7 +284,7 @@
           <inkml:channelProperty channel="T" name="resolution" value="1" units="1/dev"/>
         </inkml:channelProperties>
       </inkml:inkSource>
-      <inkml:timestamp xml:id="ts0" timeString="2021-02-02T14:26:20.466"/>
+      <inkml:timestamp xml:id="ts0" timeString="2021-02-03T14:15:03.150"/>
     </inkml:context>
     <inkml:brush xml:id="br0">
       <inkml:brushProperty name="width" value="0.05292" units="cm"/>
@@ -330,84 +292,68 @@
       <inkml:brushProperty name="color" value="#FF0000"/>
     </inkml:brush>
   </inkml:definitions>
-  <inkml:trace contextRef="#ctx0" brushRef="#br0">2752 529 0,'21'0'16,"-21"21"-1,0 1 1,0-1-16,0 0 31</inkml:trace>
-  <inkml:trace contextRef="#ctx0" brushRef="#br0" timeOffset="548.67">2773 550 0,'0'0'0,"0"-21"0,0 0 16,0 0-16,0 0 15,21 21-15,-21-43 31,0 65 1,0 62-17,-21 234 17,21-191-32,-43 127 15,22-191 1,0 1-16,21 20 15,-21 43 1,21-84-16,0-22 0,0 21 16,0-21-1,-21-42 1,21 0-16,-21 0 16,21 0-16,0-22 0,0-84 15</inkml:trace>
-  <inkml:trace contextRef="#ctx0" brushRef="#br0" timeOffset="1352.93">2582 868 0,'-63'-85'0,"126"170"16,-147-191-16,84 85 0,-22 0 0,22 0 15,0-1-15,0-62 16,22 63-16,20-43 15,43 1 1,-43 41-16,21 1 0,43 0 16,169 63-1,-169 64 1,-63 0 0,-43 42-1,-43-84-15,-147 190 16,42-148-1,21-22 1,42-63 0,64-21-16,-43 0 31,64-21-31,0 0 16,0 0-1,21 21-15,22 0 16,-1 63-1,0 43 1,-20-63 0,-1-1-16,21 43 15,64 84 17,-43-127-17,86-21 1,-22-42-1,21-42-15,-21-1 16,-43-42 0,-62 85-16,-1-63 15,-21 62 1,0-20-16,0-64 16,-64 106-1,43 21-15,-21 1 16,-1 62-1,22 86 17,21-65-17,0-83-15,64 41 16,-1-63 0,-42 0-16,22 0 0,63-21 31,-43-21-16,-42 42-15,22-43 0,-1-20 16,-42 42-16,42-43 16</inkml:trace>
-  <inkml:trace contextRef="#ctx0" brushRef="#br0" timeOffset="1919.66">4487 1397 0,'-21'0'0,"42"0"0,-63 0 0,21 21 0,0-21 16,42 0 15,0 0-31,0 0 0,21 0 16,-20 0-16,20 0 0,85-21 15,-85 21-15,-21 0 16,43-21 0,-43 21-16,0 0 62,0 21-46</inkml:trace>
-  <inkml:trace contextRef="#ctx0" brushRef="#br0" timeOffset="3417.06">5059 1693 0,'0'22'0,"21"-22"16,0 0-1,-21-22 1,0 1-16,21 0 16,0 0-16,1-21 0,20-43 15,-42 64-15,21-22 16,64-168 0,-85 41-1,0 107 1,-21 63-1,-43 21 1,1 148 15,63-105-15,0-43 0,63-21-1,-42 0-15,106-85 31,-84 64-15,-43 42 0,0 22-1,0-22-15,0 42 16,-43 149 15,43-85-15,0-63-1,43-1 1,105-63 15,-106-21-31,64-43 16,-43 22 0,1-64-1,-43-63 1,-21 42 15,0 106-31,-21 21 16,0 106 15,21-64-31,0 43 31,0 20-31,0-83 0,0 41 16,63 22 15,-20-85-15,-22 0-16,63-43 15,1-41 1,-43-22 0,-20 85-16,-1-43 15,-21 22-15,0-22 16,21 22-1,-21 63 17,0 0-32,0 1 0,0 105 31,-21-85-31,21 0 16,0 106-1,0-105 1,63-22-1,-42-21-15,22 0 0,-1 0 16,22-21-16,20-43 16,-63 43-16,22-42 15,-1-22 1,-42 64-16,0-22 0,0 22 16,0 0-16,0-42 15,-21 63 1,0 63-1,0 1 1,21-43-16,0 21 16,0 64-1,-22-43-15,22-20 16,0-22 0,-21-21 15,21-21-31,0 0 15,0-22 1,0 1-16,0-22 16,21 22-16,1 0 0,83-106 15,1 63 1,21 64 0,-21 42-1,-85 0-15,0 0 0,22 22 0,-43-1 16,21 0-16,-21 22 15,0-22-15,-21 64 16,-22-21 0,22-43-16,0 43 31,21-107-15,21-62-1</inkml:trace>
-  <inkml:trace contextRef="#ctx0" brushRef="#br0" timeOffset="5943">8572 1376 0,'0'0'0,"-21"0"0,0 21 16,0 0-16,0 0 16,0-21-1,42 0 1,0 0-16,0 0 15,21 0-15,64-63 16,64-22 0,-86 1-1,-20 41-15,-22 1 0,22-64 16,-22 64-16,-21-170 16,-21 64-1,-21 42 1,0 64-16,-43-1 15,-42 149 17,85-42-32,-21 169 15,-22 42 1,43 0 0,-21 318-1,21-382 1,21-105-16,0 106 15,0 63 1,0 127 0,0-275-1,0 21 1,0-127-16,21 1 16,0-22-16,64-85 15,-64 43 1,42-43-16,22-63 15,-43 84-15,-20 22 0,41-85 16,-42-212 15,-63 212-15,-106-63-16,0 63 16,84 106-16,22-22 15,-106 22 1,84 21-1,64 21 1,64 0 0,84-21-1,21-84 1,64-43 0,-106 42-1,-85 43-15,1-1 0,62-147 16,-105 126-1,0 22-15,-21-43 16,0 85 0,0 0-16,-21 22 15,-22 41 1,43-42-16,-21 64 16,-1 21-16,43-64 15,-21 64-15,21-85 16,21 43-1,22-64 1,-1 0 0,43-85-1,20-106 17,-83 128-17,-22 84 16,0 0-31,0 22 16,0 41-16,42 64 31,21-105-15,-20-43 0,-1 0-1,85-106 16,-63 21-31,-43-42 16,0 85 0,-21 21-1,0 42 1,21 127 15,0-63-15,43-1-1,-22-41 1,0-43-16,43 0 16,-64-21-1,64-22-15,-22-41 16,-41 41 0,20-168-1,-42-22 1,0 63-1,0 22 1,0 85 0,0 84-1,0 106 1,0 21 0,-21-106-16,21 64 15,0-63-15,0 20 0,0-21 0,0 43 16,0 84-1,42-84 1,43-21 0,21-64-1,-85 0-15,21-22 16,106-83 0,-84 20-1,-22 0 1,-21-21-1,-21 64 1,-21 42 0,0 21-16,-64 149 31,64-65-15,42-41-1,64-1 1,254-41 15,-107-44-15,-168-20-1,42-43 1,-43-20 15,-63-1-15,-84 42 15,-1 85-15,-21 64-1,64 21 1,-1-21-16,43-22 16,0 1-1,43-64 1,-22 0-16,0 0 0,85-43 31,0-84-15,-64 21-1,-21 64-15,43-170 16,-43 85 0,0 43-1,0 20-15,64-232 16,-85 190 15,0 170-15,-42 84-1,20-85-15,-126 382 32,106-234-17,42-168-15,0 20 16,42 43-1,22-85 1,253-127 15,-253 64-15,-22 21-16,0 0 16,-20 0-16,41-64 15,-63 43 1,-85-43-1,64 85-15</inkml:trace>
-  <inkml:trace contextRef="#ctx0" brushRef="#br0" timeOffset="6194.94">10181 974 0,'0'0'0,"-21"0"16,0 0-16,0-21 0,-1 21 15,-20-22 1,21 22-16,42 0 62,0 0-46</inkml:trace>
-  <inkml:trace contextRef="#ctx0" brushRef="#br0" timeOffset="7856.5">13801 1122 0,'0'21'0,"21"-21"47,42-63-32,85-43 1,-105 63-16,84-105 31,-64 0-15,-63 63-1,-84 149 17,-1 275-17,64-191 1,0-85-16,-22 276 16,1-191-1,21-63 1,21-43-16,-64 64 31,1-106-15,-1-106-1,22 0 1,-22-190 15,64 275 0,0 105-15,22 22 0,83 106 15,65-106-15,-22-106-1,42-43 1,43-147 15,-190 42-15,-43 21-1,0 84 1,-106 192 15,85-128-15,-1 85-1,22 21 1,43-64 0,20-42-1,85-42 17,-21-106-17,-63 21 1,-1-42-1,-63 63 1,0 64 0,0 127 15,0 42-15,0-63-1,43-22 1,-22-20-1,-63-86 32,-22-41-31,43 63-16,0-1 16,0 22-1,-1 22 1,22 41-1,106 64 17,64-106-1,-128-21-31,106-21 16,21-42-1,1-149 16,-128 85-15,0-106 0,1-21-1,-22 64 17,-21 168-17,0 149 1,-21 22-1,-22 62 1,22-20 0,0 84 15,42-233-15,22-21-1,-1-21 1,0-42-1,-21 21-15,1-64 16,-22-42 15</inkml:trace>
-  <inkml:trace contextRef="#ctx0" brushRef="#br0" timeOffset="8084">15325 1270 0,'0'21'0,"0"-42"0,21 42 16,63-21-1,149-42 17,-127-22-17,-42 43 1,-1 0-1,-42 21 1</inkml:trace>
-  <inkml:trace contextRef="#ctx0" brushRef="#br0" timeOffset="9512.42">16637 1143 0,'42'-63'0,"-84"126"0,105-148 16,1-105 15,-64 21-15,0 126 0,-85 64-1,-21 64 1,85-64-16,-127 191 15,21 105 17,127-105-17,42-148 1,1-43-16,63 21 16,-22-21-1,234-84 16,-234-22-15,-41-21 0,-43 22-1,-21-1 17,-64 148-1,64-41-31,-43 62 15,1 64 1,42-105 0,21 20-1,42-63 1,21-21 0,64-106 15,-63 42-16,-1-63 1,-20 64 0,-86 168 15,22-41-31,0 41 16,0 107 15,106-149-16,63-42 17,-42-42-17,21-43 1,21-105 15,-106 147-15,-42 107 15,0-43-31,21 169 31,-21-147-15,0 20 0,0-42-1,-84-42 16,20-21-15,43 21 15,21 42 1,85 42-1,-22-41-31,128-22 31,-64 0-15,-85 0-16,170-106 31,-128-42-15,-84 63-1,0 0 1,-42 85 15,-64 85-31,0 127 31,127-107 1,43-83-17,-22-22-15,106 0 16,1-22-1,20-41 17,-148 42-32,43-22 15,-64 22 1</inkml:trace>
-  <inkml:trace contextRef="#ctx0" brushRef="#br0" timeOffset="10649.78">3217 2498 0,'0'0'0,"-21"-21"0,0 21 0,-21 0 0,20-22 16,1 22-16,0-21 31,127 21 0,42 0-15,21 0 0,424-21 15,-466 21-31,402-21 15,254-21 17,-105 20-17,846-20 17,-889 21-17,487 0 1,-403 0 15,255-1-31,-741 22 0,486 0 16,1123-42 31,-953 42-32,-42-21 1,-234 0-1,-20-22 1,550 22 15,-466 0-15,-84 21 0,-233 0-1,127 0 1,-339 0 15,-169 0 0,0 0-31,-64 0 16,21 0 0</inkml:trace>
-  <inkml:trace contextRef="#ctx0" brushRef="#br0" timeOffset="11823.75">2730 4424 0,'-21'0'0,"42"0"0,-63 0 0,0 0 15,-22 0 1,43 0-1,42 0 1,0 0-16,297 0 31,-22 0-15,-21 0 0,-190-21-16,169 0 15,42-22 16,-232 43-15,-64-21 15,-106 0-15,64 0 0,-43 0-1,64 21 1,0 0-1,0 0 17,42 0-17,21 0-15,43 21 16,-22 127 15,-63-85-15,-21 22-1,-85 42 1,43-63 0,-64 41 15,106-105-31,21 22 0,-22-22 16,22-64 15,22 43-16</inkml:trace>
-  <inkml:trace contextRef="#ctx0" brushRef="#br0" timeOffset="13188.55">5228 3598 0,'21'-21'16,"-42"42"-16,42-63 0,-21 21 0,0 0 0,21-22 15,-21 22-15,0-21 16,0 21-16,0 42 31,0 64-15,0 126-1,-21-41 1,21-128-16,-21 254 31,21-232-31,-21-1 32,21-105-1,0 21-31,21 0 0</inkml:trace>
-  <inkml:trace contextRef="#ctx0" brushRef="#br0" timeOffset="13487.49">5546 3874 0,'0'21'0,"0"0"15,0 0-15,0 0 16,21-21-16,0 21 15,42-21 1,-41 0-16,-1-21 0,21 0 16,0-85 15,-190 85 16,127 42-47,0 0 15,-21 22 1,42-22-16,21-21 31</inkml:trace>
-  <inkml:trace contextRef="#ctx0" brushRef="#br0" timeOffset="15695.21">8107 3535 0,'0'0'0,"-21"21"0,21 0 0,-22 22 31,65-65 16,-22 1-47,0 21 0,21-21 16,-20-21-16,41-22 15,1-42 1,-43 22 0,-42-64 15,-1 105-31,1 22 16,0 21-1,0 0 32,0 0 94,0 21-126,-1 0-15,1 43 16,-21 42 0,42-43-16,-21 1 0,-22 84 15,43-63-15,-63 317 31,63-254-15,0-106-16,42 22 16,85-1-1,-42-63-15,21-63 16,63-64 0,-42-21-1,-106 105 1,43-274-1,-128 63 1,-20 84 0,-22 43-1,-106 85 17,170 84-32,-64 170 15,85 21 1,21-21-1,148 105 17,21-232-17,-21-85 1,43-64 0,63-105 15,-212 42-16,-42 106 1,0 0 0,-21 169 15,-21-21-15,-1 0-16,22-85 15,21 22 16,0-86-15,21-20 0,1 0-16,20-22 15,21-42 1,1-63 0,-22 169-1,-21 64 1,1-22-1,41 148 17,-21-126-17,43-22 1,-64-42-16,22 0 16,105-63 15,-85-43-16,22-42 1,-22 42 0,1 64-1,-22 20 1,-21 86 0,-21-43-16,0 21 31,0-20-31,22-22 15,-1-22 32,-21-41-31,0 42 0,-21 0-16,-43-43 15,43 64 1,-21 42-1,-1 22 1,-20 148 15,63-85-15,0-106-16,0 42 16,63 1-1,149-43 1,-43-85-1,-63 1 1,-21-43 0,-64 64-16,42-128 31,-63 128-15,-63 63-1,-1 64 1,22 42-1,42-21 1,21-22 0,43-41-1,20-43 1,86-21 0,-86-43-1,-62 43-15,20-21 16</inkml:trace>
-  <inkml:trace contextRef="#ctx0" brushRef="#br0" timeOffset="18987.21">12065 4106 0,'0'0'0,"-21"0"15,0 22 1,21-44 15,0 1-31,21 21 16,0-21-16,21 0 0,1-21 16,20-43-1,-42 64-15,0-22 0,22-84 16,-43 64-1,0 42-15,0-64 16,-43 64 0,22 21-16,0 21 0,-42 43 31,41-22-31,22 43 0,-21 105 16,21-105-1,0-43-15,21 0 0,64 85 31,-21-127-15,20 0 0,1-42-16,-64 21 15,85-127 1,-43 42 0,22 0-1,-21 21 1,-43 64-16,0 21 0,42 0 15,1 64 1,-64-43-16,0 85 16,0 0-1,0-64-15,-21-21 0,-22 85 32,1-64-32,42-21 0,-21 1 15,21-1-15,0-42 31,0-1-31,21 1 0,0-42 16,22-1 0,62-105-1,1 0 1,-63 42 0,-22 105-1,-21 44 1,-21-1-16,-22 21 15,22-21-15,0 22 0,0-22 0,-22 106 16,43-85 0,-21 43-16,21 42 15,43-64 1,-1-42-16,-21-21 0,254 0 31,-190-21-15,63-85-1,-42-42 1,-85 85 0,-21 20-16,0-41 15,-21 41 1,-64 43 0,-21 149 15,106-1-16,0-64 1,43 1-16,105-43 31,-42-42-15,0-21 0,-1-42-16,44-85 31,-65 21-16,-41 63 1,-22 22-16,0-1 0,0 43 16,0 0-1,0 22 1,1-1-16,-22 0 16,0 0-16,0 0 0,0 0 15,21-21 1,-21-21 15,0 0-15,0 0-16,0 0 15,0 0-15,0-1 16,-43 1-16,-20 0 16,21 42-1,20 0-15,1 1 16,-42 83-1,42-41-15,21-43 0,0 21 16,0 1-16,0-22 16,0 21-16,0 22 15,105 20 1,-83-84-16,62 22 16,22-22-1,-85 0-15,22-22 0,-22 1 16,0 0-16,0 0 0,85-85 15,-85 85-15,0-43 16,22-41 0,-22 83-16,-21 1 15,0 0-15,0 0 0,0 21 32,0 63-32,-21 43 31,-1 0-31,22-85 15,0 64 1,22-64 0,41-21-1,-21-21 1,1 21-16,-22-21 0,64-64 16,-64 43-16,21-22 15,22-63 1,-22 64-1,-42 42-15,21-1 16,-21 86 15,-21 21-31,0-1 16,21-41-16,0 62 31,21-41-15,85-64-1,-43-21 1,85-85 0,-105 0-1,-1-21 1,0-106 0,-20 106-1,-22 64-15,42-212 31,-84 380 1,-1 65-17,22-1 1,0 43 0,21-170-16,0 43 15,0 21-15,0-22 31,42-63-31,-21-21 16,43 0 0,-22-42-16,-21 21 15,43-21-15,-43-1 0,85-63 32,-43 43-17,-41 21 1,-86 190 15,43-127-31,0 64 16,21-22-1,0-42-15,42 22 16,0-22 0,170-85 15,-127-20-16,-1 20 1,-41-21 0,-1 22-1,-42 63 17,0 42-17,-21 43-15,0 0 16,21-22-1,63-21 17,-42-42-32,22 0 15,41 0 1,-41-21-16,-43 0 16,21-21-16,-21-106 31,-64 84-16,1 43 1,-1 21 0,107-21 15,20 0-15,22-1-1,-64 1-15,21 21 0,1 0 0,41-21 31,-62 21-31,41 0 0,1 42 16,-64 22 0,0-43-16,-64 106 31,43-63-31,0-22 16,0-21-16,21 21 15,-22-20 1,22-44 31,0 1-47,0-21 15,106-149 1,0 86 0,21 20-1,-21 43 1,-85 42-16,0 0 0,43 63 15,-64 1 1,0-43-16,0 42 16,0 64-1,-21-106-15,21 1 0,0 62 32,-22-63-32,22 1 0,-21-1 15,21-42 32,0-1-47,0 1 0,0 0 16,-21-85-1</inkml:trace>
-  <inkml:trace contextRef="#ctx0" brushRef="#br0" timeOffset="19199.09">16997 3196 0,'0'0'0,"-21"-21"16,21 0-16,-22 21 15,1 0 79,0 0-94</inkml:trace>
-  <inkml:trace contextRef="#ctx0" brushRef="#br0" timeOffset="19422.96">15557 3471 0,'0'0'0,"0"22"0,22-22 16,20 0 0,0 0-16,85 0 15,0-22 1,-84 1-16,-1 21 16,43-21-1,-22 21-15,-42-21 16</inkml:trace>
-  <inkml:trace contextRef="#ctx0" brushRef="#br0" timeOffset="19924.68">18944 3704 0,'0'0'0,"0"-21"0,21 0 0,-21 0 15,21 0-15,-21-1 0,0-20 16,0 21-16,22 21 16,-22 21-1,-22 0 1,22 0-16,-63 106 15,42-84-15,0-22 0,21 21 16,-22-21-16,-41 85 31,63-85-31,-21 1 0,42-44 47,0 1-47,43-21 16,-1 0-16</inkml:trace>
-  <inkml:trace contextRef="#ctx0" brushRef="#br0" timeOffset="20317.45">19389 3598 0,'0'0'15,"42"-21"-15,43 0 0,-22 0 16,-84 21 15,-21 21-31,-107 43 16,44-22-1,41 0 1,64-21 0,21 1-16,64-22 31,-43 0-31,64 0 0,21 21 16,-106-21-16,22 21 15,-22 0-15,-21 0 16,0 43-1,-85-43 1,-63 0 0,42 0-1,0-21 1,85 0-16,-42-42 31,63-22-15,0 22-1</inkml:trace>
-  <inkml:trace contextRef="#ctx0" brushRef="#br0" timeOffset="20483.89">19008 3366 0,'-22'-22'0,"44"44"0,-65-86 15,43 43 1,0 0 15,-21 21-15,0-21-16</inkml:trace>
-  <inkml:trace contextRef="#ctx0" brushRef="#br0" timeOffset="22315.17">22013 3048 0,'21'-21'0,"-42"42"0,64-63 0,-22-1 16,0 22-16,-21 0 0,21-85 15,-21 64 1,0 21-16,-21 0 0,-64-1 15,43 22-15,0 0 16,-22 22-16,22-1 0,-191 148 16,106-42-1,85-42-15,-22-22 0,-63 170 16,85-148 0,-1 42-16,22 148 31,64-233-16,105 1 1,-42-43-16,-64-22 16,21 22-16,-20-21 0,105-63 15,-63 41 1,-1-63 0,-63 1-1,-21 83-15,-21 22 16,-42 22-1,20 62 1,1 1 0,21-43-16,21-21 0,0 43 31,0-43-31,63 43 16,1-64-16,-43 0 0,85 0 15,-85-22-15,21 1 16,22-42-1,-22-1-15,-21-42 32,-21 43-32,-21 21 15,0 20-15,-64-62 16,22 84 0,42 0-16,0 21 0,-64 42 15,43-20 1,20-1-16,22-21 0,-21 85 15,21-85-15,0 0 16,85 1 0,-43-22-16,22 0 15,-43 0-15,233-127 32,-191 42-17,1 0 1,-64 106 15,-21 64-15,-22 0-1,22-43 1,21 22 0,0-43-1,0-42 1,0-1-1,64-62 1,-1-1 0,22-42-1,-64 85 1,0 42-16,0 21 31,-21 0-31,0 21 0,0 64 16,0-42-1,0-43 1,0 0-16,43 43 16,-1-64-1,0 0 1,22-43 0,-1-41 15,-41 41-31,41-41 15,-63 41-15,21 1 16,0 42 15,-21 63-31,-21 1 16,21 21 0,0-64-16,43 42 31,-1-42-31,-21-21 15,0 0-15,85 0 16,-42 0-16,-43-21 16,21 0-16,43-64 15,-85 43 1,42-106 0,-42 63-16,0 64 15,0 0-15,0 42 31,0 0-31,-21 85 16,-21 0 0,42-64-16,0 1 0,-43 105 15,43 0 1,-21 21 0,21-126-16,-21 62 15,0-62-15,21 20 0,0-20 16,-43 126-1,22-127-15,0-21 16,21 22-16,-42 20 16,21-20-16,21-65 31,0 1-31,0 0 16,0 0-16,0 0 0,21 0 15,-21-22-15,42-63 16,-21 64-16,0-43 15</inkml:trace>
-  <inkml:trace contextRef="#ctx0" brushRef="#br0" timeOffset="22608">23241 3747 0,'0'-254'16,"0"190"-1,0 382-15,85-699 16,-43 359-16,148 44 31,-126 20-15,-43 21-1,-84 22 1,-86 21 15,86-85-15,42 0-16,42-21 31,42 0-15,-41 0-1</inkml:trace>
-  <inkml:trace contextRef="#ctx0" brushRef="#br0" timeOffset="24205.38">23601 3747 0,'21'0'15,"0"0"1,85-85 0,-85 64-1,0 0-15,149-191 16,-128 127 0,0 22-16,22-128 31,-64 85-31,0 43 15,21 63 1,-42 0-16,-22 42 16,22 1-16,-21 62 15,0 44 1,20-86 0,22 22-16,0-22 0,0-20 15,0 62 1,43-20-16,41-21 15,-62-64 1,20 0-16,-21 0 0,0 0 16,0 0-16,64-43 15,-64 1 1,0 21-16,22-64 16,-43 43-16,0-1 15,0 22-15,0 0 0,0 0 16,-21 42-1,-22 64 1,43-1 0,0-62-16,0-1 15,0 63 1,21-62 0,22-1-16,-22-21 0,42 0 15,-41 0 1,62-64-1,-41 43-15,-1-42 16,-21 20-16,43-84 16,-22 0-16,-21 85 15,-21-22-15,85-190 16,-85 170 0,0 63-1,0 42 1,-43 42-16,1 64 15,-21 21 1,63 1 0,0-107-16,0 85 15,0-106-15,21 85 32,42-64-17,-42-42-15,43 0 0,21 0 16,-64 0-16,21-21 15,64-42 1,-43-64 0,-63 42-1,0 64 1,-84 42 15,20 64-15,64 20-1,0-62-15,127 41 32,-21-62-17,-64-22-15,85 0 16,-105 0-16,62-22 16,-41 1-16,126-127 31,-148 127-31,21-43 15,-42-41 1,-21 105 0,-42 0-1,-43 63 1,0 85 15,85-63-15,21-43-1,42-21 1,43-21 0,0-63-1,-64 21 1,85-128 0,-64 1 15,21-43-31,-41 170 15,-1-22-15,0-84 16,0 64 0,-42 126 15,0-21-31,-85 254 31,85-148-31,21-84 16,-21 62-16,21 22 15,0 0 1,42-84 0,21-22-1,22-21 1,-21 0 0,-43 0-16,21 0 0,43-21 31,-64-22-16,0 1 1,-21 0-16</inkml:trace>
-  <inkml:trace contextRef="#ctx0" brushRef="#br0" timeOffset="24494.26">24786 3196 0,'-21'0'0,"42"0"0,-63 0 0,21 0 16,21-21-16,21 21 15,0 0-15,85-21 16,-85 21-16,21 0 0,1 0 16,-1 0-16,0 0 15,85-21 1,-106 21-16,1 0 15,-44 0 17,1 0-32,0 0 0,-42 21 15,20-21 1</inkml:trace>
-  <inkml:trace contextRef="#ctx0" brushRef="#br0" timeOffset="26076.07">5122 5757 0,'-21'0'15,"21"-21"1,-21 21-16,0 0 15,0 0-15,-1-21 16,1 0 0,0 21-16,21-21 15,0 0-15,0-1 0,0-20 32,21 21-32,43 0 15,-43 21-15,0 0 16,21 42-16,-42-21 0,43 149 31,-43-22-15,-21-21-1,-1-85-15,1 0 16,0 1-16,0-1 0,-127 149 16,63-128-1,-42 1 1,106-43-16,-106 0 15,106-21-15,-106-21 16,63-43 0,64 22-16,0-22 15,0 22-15,0-64 16,21 64-16,1 0 16,83-22-1,-83 64-15,41 0 16,-21 21-1,22 43-15,21 84 32,-43-63-17,0 42 1,-21-106 0,64 21 15,-43-42-16,-20-21-15,-1 0 16</inkml:trace>
-  <inkml:trace contextRef="#ctx0" brushRef="#br0" timeOffset="26416.88">5673 6202 0,'0'21'16,"-22"0"-16,22 0 16,0 1-16,0-1 15,22-21 1,-1 0-16,0 0 16,0 0-16,21-21 15,-20-1-15,-1 1 0,-21-21 16,0 21-1,0 0-15,-85-22 16,64 43 0,0 0-16,0 0 0,-22 21 15,22-21-15,21 22 16,0-1 0,21-21-1,0 0 1</inkml:trace>
-  <inkml:trace contextRef="#ctx0" brushRef="#br0" timeOffset="29243.95">7556 6054 0,'0'21'0,"22"-21"16,-1 0-16,0 0 15,42 0 1,-41-21-16,-1 0 0,42-22 15,-20 22-15,62-64 16,-83 43-16,83-106 16,-83 63-1,-22 43-15,21-85 16,-21 106-16,0-22 16,0 22-16,0 0 0,0-21 15,0 63 1,0 21-1,-43 85-15,43-63 16,-21-1-16,-21 85 0,21-84 16,0 21-16,-85 232 15,85-232-15,-64 275 16,43-191 0,42 148-1,0-105 1,21 0-1,127-128 17,-21-147-17,-42-64 1,-1-21 0,-41-22-16,-43-41 15,-127-43 16,0 148-15,0 42 0,84 64-16,22-21 0,0 21 15,-21 0 1,63-21 0,42 0-1,-20 0-15,-1 0 0,106-64 16,-106 43-16,22 20 0,84-83 15,-21-22 1,-21 42 0,-85 64-16,-21-22 15,21 22-15,-21 42 32,-21 22-32,21-22 15,-21 85-15,21-22 16,0-62-16,0-1 15,0 63 1,21-62 0,21-22-1,1 0 1,-22-22-16,21 1 0,-21 0 0,43-42 16,-43 41-16,43-83 15,-22 41 1,43 1-1,-43 41-15,-21 1 0,64 21 32,-43 43-32,-21 20 15,-21-42-15,0 64 16,0-43-16,-63 43 31,20 0-15,43-64-16,0-42 31,0-1-15,0 1-16,43-63 15,-1 20 1,-21 22-16,22-43 0,-43 43 16,21-1-16,0 22 0,21-63 15,-42 126 16,0 0-31,0 22 16,-21-43-16,0 148 31,21-148-31,0 22 0,21-1 16,43-21 0,-43-21-16,0 0 0,127-21 31,-84 0-16,-43 0-15,63-43 16,-84 22-16,0 21 16,0-22-16,0-20 15,-21 21 1</inkml:trace>
-  <inkml:trace contextRef="#ctx0" brushRef="#br0" timeOffset="29448.12">8975 5440 0,'-43'-42'0,"86"84"0,-107-84 0,43 20 31,0 22-15,42 0 30,0 0-46</inkml:trace>
-  <inkml:trace contextRef="#ctx0" brushRef="#br0" timeOffset="29853.89">11430 5482 0,'0'-21'0,"0"42"0,0-84 15,0-1-15,0 22 0,0 21 16,0-64-1,0 64 1,-42 63 0,20 85-16,22-63 15,0-22-15,-21 212 16,0-85 0,21-63-1,-21 0 1,0-85-16,21 22 0,0-1 15,-21-42 1,-43-21 0,43 0-1</inkml:trace>
-  <inkml:trace contextRef="#ctx0" brushRef="#br0" timeOffset="30665.36">10858 5906 0,'-21'-22'16,"42"44"-16,-42-65 0,191 1 31,20-22-31,22 1 16,-149 42-1,22-22-15,42-20 16,-64 42-16,149-149 16,-170 65-1,-42 41 1,-21 64-1,-63 127 1,62-85 0,22 1-16,-63 147 15,42-42 1,21-105-16,-43 147 31,22-147-31,21-22 0,-21 21 31,21-63 1,21-21-32,0 20 15,85-168 1,-85 169-16,22-43 16,20 22-1,-42 42 1,-21 21-16,22 64 15,-1-1 1,0 22 0,0-63-1,0-22-15,0-21 0,106 42 32,-63-42-32,-43 0 0,85-21 15,-21-21 1,-43-1-16,0 1 15,1-43 1,-22-21 0,-21 22-1,0 63-15,-21-1 16,-1 22-16,-105 106 16,106 0-1,21-64 1,0-20-16,0 20 0,0 43 15,148-1 17,1-84-17,-65-42 1,22 0 0,0-43-1</inkml:trace>
-  <inkml:trace contextRef="#ctx0" brushRef="#br0" timeOffset="32760.89">14436 6033 0,'-22'21'16,"44"-42"-16,-65 42 0,22-21 0,0 0 16,0 0-1,0 0 1,42-21-1,21-22 1,-21 22-16,43-21 16,-43 21-16,85-64 15,-22 0 1,-62-21 0,-22 85-16,0 0 0,0-21 15,-43 42 1,-41 42-1,62 0-15,1 22 16,0-22-16,-21 170 31,42-170-31,0 22 16,0 20-16,21-41 16,0-22-16,0-21 0,64 0 31,21-21-31,-85 0 15,21-1-15,43-20 0,-43 21 16,43-43-16,-43 43 16,128-233-1,-149 191 1,-21 20-16,0 1 16,0 21-16,-43 21 0,22 0 15,0 0-15,-64 85 16,64-22-1,42 22 1,22-64 0,-1 0-16,22 0 15,84 0 1,-64 22 0,-84-1-16,22-21 0,-22 22 15,0-22-15,-22 0 16,-20 21-1,42-21 1,21-21 0,0 0-16,1-21 15,-1 0-15,63-21 16,-41 21-16,-1-43 16,0 43-16,22-106 15,-43 63 1,-21 22-16,0-85 15,-42 106 1,-43 63 0,85 1-1,0-22-15,21 106 32,-21-106-32,64 42 15,-22-20 1,-21 20-1,22 22 1,-43-64-16,63-21 16,1 0-1,20 0 1,1-42 0,84-128 15,-126 86-16,-1-43 1,-42 148 15,0 0-31,-21 0 0,0 43 16,-64 105 15,85-105-15,0-22-1,42-21-15,-21-21 16,106 0 0,-84 0-16,-22-21 15,85-43 1,-43-20 0,-63 63-16,0-22 0,0-63 15,0 22 1,0 63-16,0-22 0,-63-20 15,20 42 1,1 21-16,21 0 0,-148 63 16,105 1-1,1 20 1,41-63-16,1 64 16,21-64-16,64 22 31,-1-43-31,43 0 15,-64-22-15,22-20 16,-22 21 0,-21 0-16,106-85 15,-84 64 1,-22 20-16,21-20 16,-21 42-1,-21 21 1,0 0-16,0 43 15,0-43-15,0 85 16,0-64 0,0-21-16,0 1 0,0 62 15,43-41 1,-22-43-16,42 21 16,-41-21-16,41 0 15,-42 0-15,0 0 0,106-43 31,-21-20-31,42-64 32,-63 21-32,-64 64 15,22-43-15,-22-21 16,-21 64 0,-21 42-1,-43 21 1,43 0-16,0 0 0,-22 43 15,43 21 1,0-64-16,85 63 16,-43-41-1,-20-22-15,-1-21 0,42 63 16,-63-20 0,-21-22-1,0-21-15,0 0 0,-43 21 16,43-21-16,0 21 15,-64-21 1,64 0 0,-21 0-1,-22-21 1,43 21-16</inkml:trace>
-  <inkml:trace contextRef="#ctx0" brushRef="#br0" timeOffset="33962.92">4424 7980 0,'0'0'0,"-21"0"0,-1 0 0,1 0 15,21-21-15,-21 21 0,0 0 16,0-21-1,21-1 1,0-20-16,21 21 16,64 0-16,-43 21 15,-21 0-15,106 0 16,-42 42 0,-1 43-1,-84 21 1,0-64-16,0 0 0,-148 128 15,106-149 1,-85 63 0,85-84-16,-22 22 15,43-22-15,21-22 16,0-20 0,63 0-1,-20 21-15,20-1 16,-42 22-16,22 0 15,105 22 1,-42 41 0,-43 43-1,-63-43 1,-84 128 0,-86-64-1,86-64 1,-65 1-1,107-43-15,0 0 0,-106-21 16,126 0-16,-20-21 16,0-42-1,21-1 1,21 43-16,0 0 0,0-64 31,42 43-15,-21 42-16,21-21 0,22-1 15,-43 1-15,0 0 16</inkml:trace>
-  <inkml:trace contextRef="#ctx0" brushRef="#br0" timeOffset="34318.23">5397 8467 0,'0'0'0,"22"0"31,-1 0-31,0 0 16,0-21-1,21-22 1,-63 1-1,0 21 1,-42 21 0,-1 42 15,64 0-15,0-20-16,0-1 15,64-42 16</inkml:trace>
-  <inkml:trace contextRef="#ctx0" brushRef="#br0" timeOffset="34878.91">8594 7747 0,'0'0'0,"0"-21"0,0 0 0,21 0 0,0-64 16,0 0-1,-21 43-15,21 21 16,-21-64-1,0 85 1,-21 42 0,0 170-1,-21 84 1,-1-84 0,22-148-16,-21 126 15,21-148-15,-1 64 16,22-21-1,0-106 17,0 0-32,0-1 15,0 1-15,0 0 0,0-21 0</inkml:trace>
-  <inkml:trace contextRef="#ctx0" brushRef="#br0" timeOffset="37492.28">8361 7938 0,'-21'-106'0,"42"212"0,-42-445 31,42 275-15,0 22-16,106-85 15,42 85 1,128 84 0,-170 64-1,-85 21 1,-63 0-1,0-85-15,-191 170 32,148-170-32,-20 22 0,-22-1 15,42-63 1,64-42 15,0 0-15,43 20-16,-22 22 0,21 0 15,22 64 1,-43-43 0,85 191-1,-43-149 17,-42-42-32,64 43 15,-64-64-15,106 21 0,-42-21 16,275-148 15,-276 21-15,-84 63-1,0-41 1,0 83-16,0 1 0,-63-21 31,21 63-15,20 0-16,-41 64 0,63 42 15,0-85-15,0 1 16,0 62 0,42 1-1,85-42 1,-84-64-16,-1 0 16,0 0-16,1 0 0,189-43 15,-189 22-15,63-42 16,42-85-1,-106 42 1,0 42-16,-42 22 0,64-254 31,-64 169-31,21 42 16,-21 64 0,0 42-1,0 21 1,-21 43-1,-21 105-15,-22 64 32,22 22-17,-1-44 1,22 44-16,0-171 16,21 1-16,0 106 0,0-106 15,0 0-15,-42 444 16,21-338-1,21 84 1,-22-127 0,22-148-16,0 1 0,0 20 15,22-42 17,20-64-32,-21 43 0,64-106 15,-43 85-15,-21 0 16,106-191-1,-106 148-15,22-63 16,-43-85-16,-21-42 16,-1 190-1,-20 1-15,-170-276 16,43 212 0,106 105-1,20 22 1,22 21-16,21-21 15,42 0-15,22 0 16,42-43 0,-64 43-16,64-64 15,-64 43-15,191-170 32,-169 128-32,20-43 31,-41 63-31,-22 43 0,-21 0 15,21 0 1,-21 42 0,0 0-1,0 64-15,0-64 16,0 0-16,21 127 16,0-63-1,0-64-15,43 21 16,-1-21-1,-41-21-15,147-21 32,-21-42-17,-63-22-15,-64 64 16,21-21-16,-21-64 16,-21 42-1,-63 22 1,-1 42-1,-63 127 17,127-106-32,0 85 15,0-64 1,0-21-16,0 22 16,106-1-1,-85-42-15,43 0 16,21 0-1,-43-21-15,64-43 16,-64 43-16,170-190 31,-149 105-15,-20 42-16,-43 22 16,-85 63 15,64 0-31,-22 64 15,43 0 1,0 20 0,106 1-1,-63-42 1,-22-64 0,-42 0 15,-1-21-16,1 21-15,21-22 0,-63-20 16,42 42-16,-1-21 0,-20 0 16,21 21-16,0 21 15,21 21 1,21 43 0,21-64-1,-21-21-15,43 21 16,42-21-1,21-21 1,-85 0-16,85-43 16,0 1-1,21-276 1,-127 149 0,1 20-1,-22 22 1,0 85 15,0 105-15,0 64-16,-43 42 15,-20 127 17,20-127-17,43-21 1,0-63-1,0-43 17,0-42-17,64-85 1,-1-21 0,86-63-1,-107 190 1,-42 84-1,0 22 1,0-21 0,0-64-16,85 191 31,20-170-15,-62-42-16,20 0 15,22-21 1,63-127 15,-148 63-15,0 43-1,0-22-15</inkml:trace>
-  <inkml:trace contextRef="#ctx0" brushRef="#br0" timeOffset="38000.11">14753 7641 0,'0'0'0,"0"-42"0,42 0 15,-42-1-15,85-84 16,-85 85-1,0 63 1,-63 127 0,41-84-16,-20 42 15,0 63 1,-1 64 0,1-22 15,42-147-16,0-85 17,-85-106-17</inkml:trace>
-  <inkml:trace contextRef="#ctx0" brushRef="#br0" timeOffset="38828.32">14287 7938 0,'22'0'31,"83"0"-15,65-22-1,190-83 17,-128-1-17,-83 21 1,-44-63-1,-83-43 17,-22 170-32,-85 42 15,43 22 1,-43 126 0,-63 127-1,105-126 1,1-64-1,42-22 1,0-41 15,0-86 1,21 22-32,0-42 15,149-149 1,-64 148-1,-64 64 1,-21 0 0,0 149 15,-21-22-15,43-22-1,20-41 1,64-43 15,0-84-15,0-43-1,-85 42 1,-20 22-16,-1-127 16,-21 126 15,-43 43-31,-41 64 15,41 169 17,43-128-17,43-62 1,20-43 0,107-64 15,-65-20-16,-62 41 1</inkml:trace>
-  <inkml:trace contextRef="#ctx0" brushRef="#br0" timeOffset="40382.97">17589 8128 0,'0'0'0,"0"21"0,-21-21 0,0 21 15,0 1 1,0-22 0,21-43 15,63-41-16,43-65 1,-42 65 0,105-255-1,-148 212 1,-21 64 0,-42 84-1,-43 212 16,85-85-15,42 106 0,-20-170-1,20 22 17,-63-106-1,0-21-31,-22-42 15,-63-22 17,85 85-17,21 21 1,0 21 0,0-20-16,127 41 31,-21-63-16,21 0-15,106-63 16,84-107 15,-168 1-15,-128 127-16,42-128 16,-63 22-1,-42-127 16,-22 275-15,1 127 0,21 21-1,-1 170 17,43-149-17,21-63 1,43 0-1,105-43 17,-105-63-17,-22 0 1,-63 0 328,0 0-204,21-21-140,-21 21 16,21-21-16,-22 0 16</inkml:trace>
-  <inkml:trace contextRef="#ctx0" brushRef="#br0" timeOffset="41144.54">17907 7345 0,'0'21'62,"0"21"-62,0-20 0,0 20 0,0 21 16,-42 107 0,42 63-16,-106 211 31,85-317-15,-43 127-1,22-106 1,42-84-16,-21 63 15,-1-106 17,22-106-17,0-84 1,0 0 0</inkml:trace>
-  <inkml:trace contextRef="#ctx0" brushRef="#br0" timeOffset="41467.67">17632 7874 0,'0'-21'0,"0"42"0,0-63 16,0 21-16,42-106 15,22 63 1,-43 64-16,63-63 16,1 63-1,42 21 16,-127 63-15,0 1 0,-63 0-16,-43 42 31,85-85-15,-1-21-1,22-42 16,22 0-15,-1 0-16</inkml:trace>
-  <inkml:trace contextRef="#ctx0" brushRef="#br0" timeOffset="41915.48">18203 7705 0,'0'0'0,"0"-21"0,-21-1 15,21 1 1,0 0-16,0 0 16,21 21-1,22 21 1,62 43-1,-41 20 1,-43 1 0,-21 63-1,-42-106 1,-1-20 0,22-22-1,21-43 1,0-63-1,43 22 1,-22-1 0,42 22 15,-42 41-31,22 1 16,20 0-1</inkml:trace>
-  <inkml:trace contextRef="#ctx0" brushRef="#br0" timeOffset="42405.71">18944 7345 0,'0'-21'0,"0"42"0,0-85 16,0 43-16,-21 0 31,0 21-31,0 42 15,-43 170 17,22-21-17,-1-86 1,22 1 0,64 0-1,41-106 1,-20-21-1,-22 0 1,22-43-16,-43 43 16,-21 0-16,42-106 15,-42-64 1,0 43 0,-42 64-1,-1 20 1,-84 128 15,106-43-31,-63 106 16,62-21-1,1-43 1,42 22 0,43-43-16,-1-21 15</inkml:trace>
-  <inkml:trace contextRef="#ctx0" brushRef="#br0" timeOffset="42940.92">19177 7916 0,'0'0'0,"42"0"16,1-42 0,84-85 15,-43 0-16,-63 64-15,-21 41 16,0-41-16,0 84 31,-42 43-15,21-22-16,0 64 16,0-64-16,-1 43 15,22-43-15,-21 0 0,21 276 31,0-64-15,0-85 0,0 43-1,-21 127 17,-64-170-17,64-148-15,-63 43 16,20-64-1,43 0-15,-106-85 16,106 64-16,-22-22 16,-41 1-1,20-43 1,64 64-16,0-127 31,0-21-15,43-1-1</inkml:trace>
-  <inkml:trace contextRef="#ctx0" brushRef="#br0" timeOffset="43310.7">19516 7197 0,'0'0'16,"21"0"31,0 0-31,0 0-16,21-21 15,-20-22 1,-22-20-1,-22 63 17,-41 42-17,21-21-15,42 0 16,-43 85 0,43-85-16,0 1 15,64 20 1,-43-42-1</inkml:trace>
-  <inkml:trace contextRef="#ctx0" brushRef="#br0" timeOffset="44405.42">19981 7684 0,'0'0'0,"21"0"16,22 0-1,-22-22-15,42-41 16,-63 21 0,22-64-1,-44 0 17,-62 127-17,84 0-15,-43 85 16,22-21-1,21-64-15,0 21 0,0 43 16,0-64-16,0 21 16,21-20-16,-21-1 0,127 0 31,-84-21-31,63 0 16,-43-21-1,22-43 1,42-126-1,-64 84 1,22-21 15,-64 127-15,0 63 0,-21-41-16,0 20 15,0 0 1,0-21-1,21-21 17,-21-42-17,0-43 1,0 43 0,-21 0 15,0 42-31,-21 21 15,-22 64 1,1-1 0,42 86-1,63-43 1,43-85 0,-22-21-1,170-21 16,-170-63-15,43-43 0,-63-21-16,41-212 31,-63 170-15,1 84-16,-1 0 15,-21 43 1,0 63-1,0 22 1,0 20 0,-64 149-1,64-43-15,-21-127 16,21 1-16,-21 84 16,21 0-1,0-64 1,0-42-16,21-21 15,0 22-15,0-22 0,22 0 16,20-22 0,-20-20-1,-1-21 1,-21-43 0,-21 63-1</inkml:trace>
-  <inkml:trace contextRef="#ctx0" brushRef="#br0" timeOffset="44677.77">21082 7324 0,'0'-21'16,"21"-1"-16,0 22 16,85-21-1,0 0 1,21 21-1,-64 0 1,-41 0 15,-44 0 1,-41 0-32,21 0 0,-1 21 15</inkml:trace>
-  <inkml:trace contextRef="#ctx0" brushRef="#br0" timeOffset="45783.74">3471 10668 0,'21'-21'16,"-42"42"-16,42-63 0,-21 21 0,0-1 16,0 44 15,0 41-31,0-21 0,0 1 15,0-1-15,-21 85 16,21-21 0,0-64-16,-21 1 0,0 20 0,-21 64 15,-1-63 1,43-22 0,0-63-1,0 0 1,0-1-16,21-20 15,22 21-15,84-21 16,-106 42-16,21 0 16,-21 0-16,1 0 0,105 0 31,-106 0-31,21 0 16,-21 0-16,0-22 15,-21 1-15,43-21 16,-43 21-16,21-64 15,-21 22 1,0-1 0,-21 64-16,0 0 15,-1 21-15,1 22 16,0 20-16,0 22 16,0-43-16,21 149 15,0-86 1,0-62-16,0 168 31,0-168-31,0-22 16,0 21-1,0-21 1,0-84 0,21-22-1</inkml:trace>
-  <inkml:trace contextRef="#ctx0" brushRef="#br0" timeOffset="46095.24">4530 11324 0,'-22'0'0,"44"0"0,-22-21 0,21 21 15,0 0-15,-21-21 0,0 0 16,0 0-16,0-1 15,0 1 1,0 0-16,-42 0 16,20 21-1,1 0-15,-21 21 16,42 21 0,-21 1-1,21-22 1,21-21-1,0 0-15,0-21 16,0 0-16,1-1 0</inkml:trace>
-  <inkml:trace contextRef="#ctx0" brushRef="#br0" timeOffset="46871.3">6371 10753 0,'-21'0'16,"21"-21"15,21 21-31,0-22 15,64-41 1,0 21-16,-64-1 0,21 22 16,0-21-16,1-1 15,-1 1-15,85-170 16,-127 107 0,-42 41-1,-85 64 1,84 0-16,-147 127 15,84 42 1,64 64 0,42-127-1,21-64-15,0 1 0,0-22 0,127 64 32,-105-64-32,-1-21 0,149 0 15,-107 0 1,-63-21-16,1 21 15,-22-22-15,-22 22 16,-83 0 0,62 0-16,-147 85 15,105-21 1,0 41 0,22 65-1,63-86 1,85-41-1,-22-43 1,191-85 0,-169 22-1,42-22 1</inkml:trace>
-  <inkml:trace contextRef="#ctx0" brushRef="#br0" timeOffset="47148.14">7175 10689 0,'0'0'0,"0"-42"0,22 42 16,-1 0-16,0 21 15,0 0-15,0 0 0,0 1 16,128 168 15,-44-84-15,-41-21-16,-43-22 15,-21-42-15,0 43 16,0-43 15,-21-63-15,0-43 0,21 21-16</inkml:trace>
-  <inkml:trace contextRef="#ctx0" brushRef="#br0" timeOffset="47387">7620 10732 0,'0'-64'0,"0"43"16,-21 106-1,-22-43 1,-41 64 0,20-22-1,43-41-15,-21-1 0,21 0 0,-22 22 16,22-22-16,-42 64 15,41-42 1,44-64 0,-1-22-1,21 1-15,-21 0 0,0 0 16,85-64-16</inkml:trace>
-  <inkml:trace contextRef="#ctx0" brushRef="#br0" timeOffset="48045.63">8001 10710 0,'63'-42'16,"-126"84"-16,126-105 0,-41 42 16,-1 21-1,-21 63 1,0 128 0,0-22-1,0 85 1,0-106-1,0-84-15,0 359 16,0-275 0,-43 85-1,22 42 1,21-232-16,-21 168 16,21-190-1,-21-21 1,21-84-1,0 63-15,0-212 32,0 169-32,0 1 15,0-234 1,0 128-16,0 84 0,0 1 16,0-276-1,0 106 1,0 190-16,0-126 15,0 126-15,42-20 16,-21 63-16,1-22 0,62 1 16,-20 63-1,-1 21 1,-20 43 0,-43-64-16,0 22 15,-22 41-15,-20-41 16,21-22-16,-64 42 15,-21 1 1,106-43-16,-21-21 16,42 0 15,1 0-31,-1-21 16,0 0-16,21 21 0,-21-22 15,1 22-15</inkml:trace>
-  <inkml:trace contextRef="#ctx0" brushRef="#br0" timeOffset="49341.43">8848 10880 0,'84'-64'0,"-20"-42"16,-212 276-16,296-424 16,-148 233-16,0-43 15,-43 64 1,1 21-16,-64 106 15,0 43 1,106-149 0,-21 42-16,85 22 31,-1-85-15,22-42-1,-22-22 1,-41 43-16,20-127 31,-42 84-31,0 85 31,0 1-15,-21-1-16,21 21 0,0 64 31,0-43-31,21-20 16,0-22-16,0-21 0,22 21 15,-22-21-15,21 0 0,127-42 32,-126 42-32,-1-21 0,64-64 31,-64 64-31,-21-22 0,1 22 16,-22 0-16,0 0 15,0 42 16,0 0-31,0 0 0,-43 43 16,43-43-16,-21 64 16,21-43-1,21-42 17,0-21-17,1 0-15,20-22 16,64-41-1,-43 41 1,1 22-16,-43 21 16,21 21-1,-42 22 1,64 20 0,-22-20-1,-21-22-15,0-21 0,85 42 16,0-42-1,42 0 1,-105-21-16,84 0 16,-85 0-16,64-43 15,-64 22 1,-42 21-16,21-1 0,-21-62 16,0 20-1,0 43-15,-21 21 0,-127-21 31,84 42-31,43 0 0,-63 64 16,41 0 0,43-64-16,0 106 31,21-127-15,1 0-16,41 0 15,43-21 1,-64 21-16,64-85 15,-42 0 1,-22-84 0,-21 0-1,-21 105-15,0 1 0,21-191 32,-21 105-17,0 107-15,0 84 16,-84 234 15,41-65-15,43 1-1,0-170-15,0 128 16,85-1 15,-22-148-15,22-42-16,-21-43 15,41-84 1</inkml:trace>
-  <inkml:trace contextRef="#ctx0" brushRef="#br0" timeOffset="50976.64">12912 9991 0,'-22'0'0,"22"21"16,0 0-16,-21-21 0,21 21 15,-21 0-15,21 1 16,0-1-16,21-21 16,0 0-1,22-21-15,20-1 16,-20 1-16,-22 0 0,169-106 16,-147 64-1,-43-22 1,0 64-16,0 0 15,-22 21-15,1 21 16,-21 42 0,-22 107-1,22-1 1,21-63-16,0-43 16,0-20-16,-22 168 15,22-126 1,0-64-16,0 21 0,0-20 0,-1 20 15,-41-21 1,42-21-16,-43 0 16,43-21-16,0-43 15,-21-41 1,20-1 0,22 63-16,0 1 0,-21-85 31,21 148-16,0 0-15,0 64 16,0-43-16,106 149 31,21-106-15,-42-64 0,42 0-1,127-42 1,-127-22-1,-43-41 1,-20 41 0,-64 1-16,21 0 0,-21-106 31,0 84-31,-42 64 16,-1 21-1,22 0-15,21 1 0,-21 105 31,21-106-31,0 21 0,0 43 16,21-64 0,22 42-16,-22-63 15,85 0 1,-22 0 0,22-42-1,-85 21-15,22 0 0,20-22 16,-42 1-16,22 21 0,20-106 15,-42 106-15,0-43 16,-21 1 0,-21 63-16,21 21 15,-21 0-15,21 0 0,-42 64 16,42 0 0,0 42-1,0-64 1,0-42-16,0 0 0,0 1 15,21-1 1,-42-21 15,-22-64-15,-20 1 0,-22 20-1,85 65 16,-21 20-31,21 21 16,21-41-16,22 20 16,62-21-1,149-21 17,-148-21-32,0-43 15,0-20 1,-85 63-16,0-22 15,64-126 1,-43-64 0,-21 21-1,-21 128 1,22 20 0,-22 128-1,-43 42 1,1 21-1,-43 190 1,85-169 0,0-42-1,0-42 1,0-43-16,21 0 0,22-21 31,20 0-15,-63-21-16,43 0 0,20-64 15,-63 64-15,0-85 32,0 42-32</inkml:trace>
-  <inkml:trace contextRef="#ctx0" brushRef="#br0" timeOffset="51183.52">14457 10287 0,'-21'0'0,"42"0"0,-64 0 15,65 0 1,41 0-16,22 0 16,-1-42-1,43 21 1,-84 21-16,-22 0 0,21-22 16,-21 22-16,1 0 15,-1-21 1</inkml:trace>
-  <inkml:trace contextRef="#ctx0" brushRef="#br0" timeOffset="54001.92">16362 10139 0,'0'0'0,"21"-85"15,0 64-15,-21-21 16,21-22-16,-21 22 0,0-43 16,0 64-16,0-21 15,-63-22 1,42 43-16,-22 21 0,1 0 16,21 0-16,-85 85 15,21 63 1,43-85-16,-43 213 15,64-86 1,21 22 0,42-128-1,-20-62-15,20-1 0,170-21 32,-85-64-17,21-84 1,-64-42-1,-62 20 1,-22-20 0,-43 84-16,-63-85 15,85 170 1,-190 21 0,189 43-16,-105 84 15,64 127 1,42-85-1,42 0 1,85-21 0,21-63-1,233-85 17,-212-63-17,21-64 1,-84 21-1,-43-21 17,-63 169-17,0 0-15,0-20 16,21 41 0,-22 128-1,44-128 1,20-63-1,-42 21-15,42-21 0,1 0 16,-1 0-16,127-127 16,-105 43-1,-43-22 1,21 21 0,-42 64-16,0 0 0,0 0 15,0 42 1,0 21-1,-21-21-15,0 64 16,21-64-16,0 21 16,0 43-1,42-21 1,43-22 0,-22-42-16,-20 0 15,-1 0-15,106-85 16,-84 22-1,-22-43 1,-21 42-16,0 22 0,-21-64 16,43-190-1,-22 105 1,0 64 0,-21 106-16,0 0 0,21 21 15,-21 42 1,0-20-16,0 62 0,-63 128 15,42-43 1,21-21 0,0-105-16,0-1 15,0 106 1,21-84-16,0-43 0,0 0 16,0-21-16,0 0 15,1 21-15,62-21 16,-63 0-16,22-21 0,84-64 15,-64 64 1,-42 0-16,64-42 16,-64-1-1,0 43-15,-21 0 0,0-43 16,0 43 0,-21 42 15,0 22-31,21-22 0,-85 169 31,43-63-15,-21 0-1,-1 21-15,-42 43 16,-63 105 15,105-169-15,1-21-1,63-85 1,21-42 0,64-64-1,-64 43 1,64-85-16,-22-21 16,64-106-1,85-275 16,-85 359-15,-85 128 0,43 42-1,-43 21 1,-21 64 0,-21 42-1,-42-42 1,0-22-1,-43-63 17,43-42-17,20 21 1,22-1-16,0 44 47,0-1-47,22 0 15,-1 0-15,42 0 16,-42-21-16,1 0 16,105 0-1,-43 0-15,43-63 32,-106 63-32,64-85 0,-64 64 15,0 0-15,1-64 16,-1 22-1,-21 41 1,-21 22 0,-1 22-16,1 83 15,21-20 1,0-21 0,0-43-16,0 0 15,0 0-15,21-21 0,43 0 16,21 0-1,-22-42 1,-63 21 0,42-22-16,-20 22 0,-22 0 15,63-106 1,-42 63 0,0 43-1,-21 42 1,0 22-16,0-22 15,0 21-15,0 43 16,22-22 0,20-20-1,85-22 1,-42-63 0,-22-1-1,1-41 1,-64 41-16,21 22 15,42-169 1,-20 20 0,20-20-16,-21 63 15,-42 63-15,0 22 16,22-64 0,-65 127-1,1 43 1,0 84-1,20-106-15,1 22 0,-21 190 16,42-191 0,-21-20-16,21 105 15,21-42 1,0-85-16,0 0 0,64 0 31,0-21-31,42-42 16,-43-1-1,-41 22 1,41-42 0,-63-1-16,-21 1 15,0 42-15,0-22 16</inkml:trace>
-  <inkml:trace contextRef="#ctx0" brushRef="#br0" timeOffset="54259.3">19960 9843 0,'21'0'0,"-42"0"0,21-22 16,21 22-1,22 0-15,62-42 16,65 0 0,-86 21-1,65-22 1,-86 43-1,-63-21 1,-42 21 0,-64 0-1,64 0-15,-170 0 16,148 21 0</inkml:trace>
-  <inkml:trace contextRef="#ctx0" brushRef="#br0" timeOffset="54542.66">17822 9821 0,'-21'0'0,"42"0"0,-63 0 16,63-21-1,21 21 1,-20-21-16,20 21 0,-21 0 15,106-42-15,-42 42 16,-43-21-16,85 21 31,-148 0-15,0 0 0,-85 42-16,64-21 15,-1 0-15</inkml:trace>
-  <inkml:trace contextRef="#ctx0" brushRef="#br0" timeOffset="55173.36">3535 12912 0,'21'0'0,"0"-21"0,0 21 0,0-22 16,22 22-16,-1-21 15,-21 21-15,22-21 0,105 0 16,0-21 0,-85 42-1,-41 0-15,-1 0 0,-64 0 32,22 0-17,0 0-15,-21 0 0</inkml:trace>
-  <inkml:trace contextRef="#ctx0" brushRef="#br0" timeOffset="55648.23">3683 12848 0,'-42'21'0,"84"-42"0,-106 64 0,1 62 16,63-62-16,-42 20 16,20 22-1,1-43-15,0 1 16,21-22-1,21-21 17,43-64-17,105-20 1,-127 62-16,107 1 16,-65 42-1,-20 43 1,-43 63-1,-63 106 17,-22-149-17,-21-20 1,1-43 0,-43-42 15,106-21-16,21 20 1,0-20 0,105-21 15,1-1-15</inkml:trace>
-  <inkml:trace contextRef="#ctx0" brushRef="#br0" timeOffset="55946.78">4530 13272 0,'21'21'0,"0"-21"32,64-21-17,-43-1 1,-42 1-16,0-21 15,0 21 1,-21 0 0,-22 21-1,22 21 1,-21 63 15,42-62-31,0-1 31</inkml:trace>
-  <inkml:trace contextRef="#ctx0" brushRef="#br0" timeOffset="57051.43">6244 13250 0,'0'0'0,"21"-42"15,43-43 1,-64 43-16,0 0 0,-21-128 31,-1 149-31,-83-42 16,41 63-1,-42 106 1,43 232 15,63-84-15,63 0-1,-20-190 1,62-22 0,-83-42-16,20 0 0,170-63 15,-43-22 1,21-63 0,-147 84-16,63-42 15,-64 43-15,64-276 31,-106 212-15,0 64 0,-21 84-1,-22 148 1,22 1 0,21 62-1,0-147 1,85 127-1,-64-191-15,64 0 16,-1-21 0,22-21-1,42-127 1,-127 127-16,1-85 16,-22 63-1,0 22 1,-43 148 15,22-63-15,0 20-1,-21 22-15,42-63 32,0-65-17,0-20 1,0 21-16,0 0 0</inkml:trace>
-  <inkml:trace contextRef="#ctx0" brushRef="#br0" timeOffset="57220.45">7599 13187 0,'0'-21'0,"0"42"0,0-63 16,21 42 30,0 0-46,-21 21 16,21-21-16,22 21 16</inkml:trace>
-  <inkml:trace contextRef="#ctx0" brushRef="#br0" timeOffset="58033.14">8213 13229 0,'0'0'0,"0"-21"0,0-21 15,0 21 1,-64 21 0,22 21-1,21 0-15,-22 42 16,22-41-16,21 20 0,-21 21 16,21-41-16,0 20 0,-21 85 31,42-42-16,0-64-15,43 0 0,-43-21 0,21 0 16,22 0-16,126-64 31,-105-41-15,-1-1 0,-62-21-16,-22 63 15,0 22-15,0-191 16,0 106-1,0 42 1,0 107 0,0-1-16,0 212 31,0-85-15,-22 21-1,22-148-15,-21 85 16,21-64-1,0-20 1,0-44 0,0 1-16,21-106 31,22 43-15,-43 62-16,42-20 15,0 21 1,-20 42 15,-22 64-15,-43-43-1,-20 22 1,42 84 0,42-85-1,21-20 1,64-22-1,42 0 17,-63-21-17,-85-21 1,0-22 0,0 1-16</inkml:trace>
-  <inkml:trace contextRef="#ctx0" brushRef="#br0" timeOffset="60476.63">10562 13208 0,'0'0'0,"-21"0"0,0 21 0,0 0 31,-22 22-31,43-22 16,21-21 15,43-42-16,-43 20-15,170-105 16,-149 106-16,64-85 16,105-190 15,-211 169-15,-21 21-16,-85 22 15,-63 147 16,63 233-15,64-147 0,42-65-16,-21 191 15,-43 276 17,64-297-17,-21 63 1,21-105-16,0-149 15,0-20-15,64 126 32,-43-169-32,63 0 15,65-63-15,-86-1 16,64-253 15,-127 147-15,-106-41-1,0 84 1,-63 42 15,148 85-15,42 0 0,21 0-1,1-21-15,338-127 16,-191 42 15,22-64-15,-106 43-16,-106 64 15,-21-1 1,-149 64 15,64 85-15,43 0-1,42 21 1,63-1 0,43-105-1,-22 0 1,-42-21-16,1 0 16,41-21-16,-21 21 0,-20-1 15,83-105 1,-83 43-1,-22 63 1,0 42 15,-22 106-15,22-21 0,0-85-16,22 42 15,20-42 1,-21-21-16,21 0 15,43 0 1,21-42 0,-21-21-1,-22-1-15,-42-21 16,-21 64 0,0 0-16,0-21 0,0 21 31,0 84-16,0 43 1,0-43 0,21 43 15,1-106-31,62 0 16,1 0-1,0-42 1,42-64-16,0-127 31,-106 0-15,-21 64-1,0 84 1,0-63 15,-21 169-31,-22 128 16,1-1-1,21 148 17,21-105-17,42-64 1,0-64-16,107-21 31,-44-42-15,-20-42-1,63-64 1,0-63 0,-148 148-1,0 0-15,0-43 16,0 85 0,-42 0-1,42 43 1,0 42-1,0-43-15,0-42 16,0 1-16,106 62 16,0-63-1,42-21 1,-42 0 0,-43-21-16,-20 0 0,-1 0 0,148-64 15,-147 43 1,20-106-1,-63 0 1,-21 105-16,-21-41 16,21 62-1,-149 1 1,107 106 0,-22 42-1,22 0 1,63 63 15,21-147-15,63-22-1,-20-42 1,63-64-16,-42 0 16,42-105-1,-64-1 1,1-20-1,-64 147-15,21-20 16,0-43-16,-21 63 0,0 1 16,21-64-1,-21 105-15,0 44 16,-21 20 0,-43 170-1,-63 232 1,106-232-1,21-43 1,0 0 0,43-126-1,-22-22-15,21 0 16,0-21-16,-20 0 0,62-21 16,-41 0-16,147-85 31,-148 85-31,22-22 15,-43 22-15,21-63 16,-42-22-16,-63 63 16</inkml:trace>
-  <inkml:trace contextRef="#ctx0" brushRef="#br0" timeOffset="60700.54">12573 12552 0,'-42'0'0,"84"0"0,-106 0 0,22 0 15,21 0 1,0 0-16,21-21 16,21 21 15,0-21-31,0 21 15</inkml:trace>
-  <inkml:trace contextRef="#ctx0" brushRef="#br0" timeOffset="62283.2">16002 12340 0,'21'0'0,"-42"21"0,21-42 0,-21 42 16,21 1-16,21-22 31,0 0-31,0 0 0,85-64 16,-64 43-16,43-21 15,148-149 17,-170 64-17,-63 85 1,-105 232 15,62-20-15,-20 84-1,63-85 1,-43 127 15,-20-211-15,21-64-1,20-21-15,-83-21 16,41-43 0,1-41-1,-22-22 1,43 21 15,42 148-15,0 64-1,21-43 1,0-20-16,21 20 0,85 22 16,-42-43-1,63-42 1,-84 0-16,84 0 16,-106 0-16,0-21 0,85-42 15,-42-22 1,-43-42-1,-20 106-15,-22-22 0,0 1 16,0 21-16,0-21 0,-22-22 31,-20 64-31,21 42 16,0-20 0,-22 62-16,43-41 15,-21-1-15,0 106 16,21-84-1,42 20 1,-20-84-16,-1 21 0,21-21 0,-21 0 16,0 0-16,170-42 15,-85-21 1,-85 41-16,42-41 16,-20-22-1,-22 64-15,-21-21 0,0-106 31,0 105-31,-21 64 16,0 43 0,21-22-16,0 128 31,21-86-15,0 22-1,0-85-15,0-21 16,-42-21 31,0 21-47,21-21 0,-42 0 15,42 0-15,-22 21 0,1-22 16,21 44 0,0-1-1,0 0-15,0 0 16,0 0-16,85 22 15,0-43 1,-64 0-16,21 0 16,43-43-16,-43 43 0,0-21 15,1 0-15,-22 0 0,21 0 16,85-128 0,-63 22-1,-22-21 1,-42 85-16,0-43 0,0 64 15,0-22-15,0-84 16,0 190 15,0 1-31,-21 84 16,21-85-16,-42 212 16,20-106-1,22-42 1,0-43-1,0-41-15,0-1 0,0 21 16,43-42 0,-22 0-16,42-21 15,-41-43 1,-22 43-16,0 0 16,0-42-16</inkml:trace>
-  <inkml:trace contextRef="#ctx0" brushRef="#br0" timeOffset="62469.87">17738 12615 0,'0'0'0,"-22"0"0,44 0 47,-1 0-47,42 0 15,-42 0-15,43 0 16,-43 0-16,170-42 31,-170 21-31,63-21 16</inkml:trace>
-  <inkml:trace contextRef="#ctx0" brushRef="#br0" timeOffset="62723.72">18859 12256 0,'22'0'15,"-22"21"1,-22 21-16,1-21 0,0 22 16,21-22-16,-42 63 15,21-20-15,-1-22 0,-83 170 16,41-127 0,43-22-1,21-42-15,0 0 16,0-21 15,0-42-15,0 0-16</inkml:trace>
-  <inkml:trace contextRef="#ctx0" brushRef="#br0" timeOffset="62985.57">18584 12510 0,'21'-170'0,"1"86"16,-1 84-1,85 169 1,-64-84 0,21 42-1,1 0 1,42 21 0,-85-127-1,-21 0 1,21-21-1,0-21-15,-21-43 32,0-20-17,43-22-15</inkml:trace>
-  <inkml:trace contextRef="#ctx0" brushRef="#br0" timeOffset="63242.43">19389 12150 0,'0'-43'0,"0"86"0,21-128 0,-21 64 0,0-43 15,0 22 1,-21 63 0,-22 85-1,1-21 1,21-22-16,0 1 0,-1 42 16,1-43-16,21-21 0,-21 107 15,-21-1 1,42-85-1,0-42-15,0 1 16,21-22 0,0 0-16,0-22 15,0 1-15,22 21 0</inkml:trace>
-  <inkml:trace contextRef="#ctx0" brushRef="#br0" timeOffset="63867.96">20299 12425 0,'0'-64'0,"0"128"0,0-149 0,0 22 15,0 42-15,-21-1 0,-1-20 16,1 21-16,-42 0 16,42 21-16,-1 21 0,-41 21 15,42-21-15,-22 22 0,-105 190 31,64-85-15,41 0 0,43-63-1,85-43 1,0-42 0,-22-21-1,-21-43 1,-20 1-1,-22 42-15,0-1 0,-43-41 16,-20 42 0,42 0-1,-1 21-15,22 21 47,22 0-47,-1 64 16,0-1-1,-21-41-15,0-1 0,0 233 32,0-148-17,-21 127 1,0-42-16,21-149 16,-43 149-1,22-85 1,0-106-1,0-21 1,21-21-16,0-43 16,42-63-1,22 22 1</inkml:trace>
-  <inkml:trace contextRef="#ctx0" brushRef="#br0" timeOffset="64286.72">21061 12467 0,'0'0'0,"-21"21"0,-1 1 16,1-22-16,-21 42 15,0 0 1,42-21-16,-22 1 0,22-1 16,22-21 15,-22-21-31,21 21 0,-21-22 16,21 1-16,-21 0 0,21 0 15,-21 0-15,0-22 16,0 22-16,0 0 0,-21 21 31,0 0-31,0 0 16,-1 42-16,22-20 15,0-1-15,0 0 16,22-21 0,-1 0-1,21 0-15,-21 0 0</inkml:trace>
-  <inkml:trace contextRef="#ctx0" brushRef="#br0" timeOffset="64556.57">21463 12213 0,'-42'85'0,"84"-170"0,-42 64 0,21 0 16,0 0-16,-21 0 0,64-22 31,-22 64-31,-21 1 16,22 83-16,20 22 15,43 85 17,-21-127-32,-22-1 15,-42-62 1,22-1-16,-43 0 16,0-42-1,0 0 1</inkml:trace>
-  <inkml:trace contextRef="#ctx0" brushRef="#br0" timeOffset="64800.43">22140 12192 0,'0'0'0,"0"-85"0,0 64 0,-21 21 15,0 21 1,-64 85-1,-21 0 1,1 42-16,-128 127 31,169-190-15,64-64 0,21-21-1,1 0 1,-1 0-16,85-63 0</inkml:trace>
-  <inkml:trace contextRef="#ctx0" brushRef="#br0" timeOffset="65570.39">22479 12150 0,'0'-21'0,"0"42"0,21-42 15,-21 63 16,0 0-31,0-21 0,0 22 16,-21 41-16,21 65 16,0-107-16,0-21 15,0 127 1,0-84 0,0-43-1,0-42 16,-21-85-15,21 42 0,0 22-16,42-127 15,43-43 1,-43 127 0,-21 64-16,0 0 0,64 42 31,-85 85-16,21-85-15,-21 106 16,21 43 0,1-22 15,-1-106-15,-21-84 15,21 21-16,21-43 1,22-42 0,-43 64-16,0 0 0,64-107 15,-22 86 1,-42 21-16,22 42 0,-1 0 16,-21 63-1,-21-21-15,0-20 16,0 20-16,0 0 0,0 1 0,0 62 15,-21-62-15,21 20 16,0-20-16,0-22 16,0 42-16,0-42 0,0 22 15,0-22-15,-21 0 32,21-42-17,0-21 1,42-22-1,-21 43-15</inkml:trace>
-  <inkml:trace contextRef="#ctx0" brushRef="#br0" timeOffset="65928.32">23918 11980 0,'0'0'0,"64"-84"15,-64 63 1,0 84-1,0 1-15,-21-22 0,-22 43 16,22-22-16,-64 85 16,64-105-16,-42 84 15,-1 21 1,64-64 0,21-84-1,22 22-15,-22-22 16,21 0-16,22 0 15,-1 0-15,64 0 16,-63 0-16,42-22 16,-43 22-1,-42-21-15,-21 0 47,-21 21-47,0 0 16,0 0-16,-22 0 0</inkml:trace>
+  <inkml:trace contextRef="#ctx0" brushRef="#br0">2074 360 0,'0'0'0,"-21"-21"0,0 21 0,0 0 15,0-21-15,-1 21 0,1 0 16,0 0 0,21 21-16,-21 0 0,21 0 15,0 0-15,0 0 0,0 22 16,0-22-16,0 0 0,0 21 15,0-20-15,21 20 0,-21-21 0,21 0 16,0 22-16,1-22 0,-22 0 16,21 0-16,0-21 0,21 21 15,-21-21-15,22 0 0,-22 0 0,21 0 16,1-21-16,-1 0 0,0 0 16,1 0-16,-1-1 15,0 1-15,1-21 0,-22 21 0,21-22 0,0 1 16,-20 0-16,-1 21 15,0-22-15,-21 1 0,0 0 0,0-1 16,0 22-16,0 0 0,0 0 16,0 0-16,0-1 0,-21 22 15,0 0-15,-1 22 16,22-1-16,-21 0 0,0 21 16,21 1-16,0-1 0,0 0 15,-21 1-15,21-1 0,-21 21 0,21-20 16,0 20-16,-21 1 15,21 20-15,0-20 0,0 21 0,0-22 16,0 1-16,-22 20 0,22-20 0,0-1 16,0-20-16,0 20 15,-21 1-15,0-1 0,0 1 0,21-22 16,-21 0-16,0 22 0,-1-43 16,1 21-16,0-21 0,0 22 0,0-43 15,0 21-15,-22-21 0,1 0 16,21 0-16,-22 0 0,1-21 15,0 0-15,-1-1 0,-20-20 0,21 21 16,-1-21-16,-20-1 0,20 22 16,1-21-16,21 21 0,-21-1 15,20 1-15,1 0 0,21 0 16,0 42 15,0 0-31,0 0 0,21 1 16,1 20-16,-1-21 0,0 21 15,0-20-15,0 20 0,22-21 0,-22 0 16,0 22-16,21-22 0,-21 0 16,22 0-16,-1-21 0,-21 0 15,22 0-15,-1 0 0,0 0 0,1 0 16,62-21-16,-41 0 16,-1-22-16,-20 22 0,20-21 0,-20 0 15,20-1-15,-21 22 16,1-21-16,-1-1 0,-21 1 0,0 0 15,1-1-15,-1 22 0,0 0 16,-21-21-16,21 21 0,-21-1 16,0 44-1,-21-1 1,21 0-16,-21 21 0,0-21 16,21 22-16,-22-22 0,22 21 15,-21 1-15,0-1 0,21 0 16,0-21-16,0 22 0,-21-22 0,21 21 15,0-21-15,-21 1 16,21-1-16,0-42 31,0-1-31,0-20 16,0 21-16,0-21 0,21 20 16,-21-20-16,21 0 0,-21-1 0,21 1 15,0 21-15,1-21 0,-1 20 16,0-20-16,0 21 0,0 0 15,0 0-15,1 21 0,-1 0 0,0 0 16,0 0-16,-21 21 16,21 0-16,-21 0 0,21 21 0,-21-20 15,0 20-15,0-21 16,0 21-16,0 1 0,0-1 0,0 0 16,0 1-16,0-22 0,0 21 15,0-21-15,0 1 0,0-1 0,22-21 16,-1 0-1,0 0-15,0 0 0,0-21 16,0 21-16,1-43 0,-1 22 0,0 0 16,21-21-16,-21 20 0,-21-20 15,43-21-15,-22 20 16,-21 22-16,0-21 0,0 21 0,0-1 16,21 1-16,-21 0 0,-21 42 46,21 0-46,-21-21 0,0 43 0,21-22 16,-22 0-16,22 21 0,-21-20 16,0 20-16,0-21 0,21 21 0,-21-20 15,21-1-15,-21 21 0,21-21 16,-22-21-16,22 21 0,0 1 0,0-44 31,0 1-15,0 0-16,0-21 0,22 21 15,-22-22-15,21 22 0,0-21 16,0 21-16,0-22 0,0 22 16,1-21-16,-1 21 0,-21-1 15,21 1-15,0 21 0,0 0 0,0 0 16,1 0-16,-22 21 16,0 1-16,0-1 15,0 21-15,0-21 0,0 22 16,0-22-16,0 21 0,0-21 15,0 22-15,0-22 0,0 0 16,0 21-16,0-21 0,0 1 16,21-1-16,0-21 0,0 0 15,0 0-15,0 0 0,22-21 16,-22-1-16,0 1 0,0 0 16,22 0-16,-22 0 0,0 0 15,0-22-15,0 22 0,22-21 0,-22 21 16,0-22-16,-21 22 0,21 0 15,0 0-15,-21 0 0,21-1 0,-21 44 47,-21-1-47,0 0 0,0 0 16,21 0-16,-21 22 0,0-1 16,21-21-16,0 21 0,-22 1 0,22-1 15,0-21-15,0 43 16,0-43-16,0 0 0,0 0 15,22 0-15,-1-21 0,0 0 0,0 0 16,0 0-16,0 0 0,22-21 16,-22 21-16,0-21 0,21 0 0,-20 0 15,-1-22-15,0 22 0,0-21 16,0 0-16,0 20 0,-21-20 16,22 0-16,-22-1 0,0 22 0,0-21 15,0 0-15,0 20 0,0 1 0,-22 0 16,1 0-16,0 0 15,0 0-15,0 21 0,0 0 0,-22 0 0,22 0 16,-21 0-16,21 21 0,-22 0 16,1 0-16,21 0 0,-22 0 15,22 22-15,0-22 0,0 21 16,0 1-16,21-1 0,0 0 16,0 1-16,21 20 0,0-42 15,0 22-15,0-22 0,1-21 16,-1 21-16,21-21 0,-21 0 0,22 0 15,-22 0-15,21 0 0,0 0 16,1-21-16,-1 0 0,0-1 0,-20 1 16,20 0-16,-21-21 0,0 21 15,22-1-15,-22-20 0,0 21 16,0 0-16,0 0 0,0-1 16,1 1-16,-1 0 0,0 0 0,0 0 15,0 21 1,-21 21-1,0 0 1,0 0-16,0 0 0,0 1 0,0-1 16,0 21-16,0-21 0,0 22 15,0-22-15,0 0 0,0 21 0,0-21 16,0 1-16,0-1 0,21 0 16,1 0-16,20-21 0,-21 0 15,0 0-15,0 0 16,22 0-16,-22 0 0,21-21 0,-21 0 15,22 0-15,-22-1 0,21 1 16,-21-21-16,1 21 0,-1-22 0,0 22 16,0-21-16,0 21 0,-21-22 15,0 22-15,21 0 0,-21 0 0,0 0 16,0 0-16,0-1 16,22 22-16,-22 22 31,0-1-31,0 0 0,0 0 15,0 21-15,-22-20 0,22-1 16,0 21-16,0-21 0,-21 22 16,21-22-16,0 0 0,0 21 0,0-21 15,21 1-15,1-1 16,-1-21-16,0 0 0,21 0 0,-21 0 16,43 0-16,-22 0 0,1 0 15,20 0-15,-21-21 0,1-1 0,-1 1 16,0 0-16,-20 0 0,20 0 15,-21-22-15,0 22 0,0-21 16,1 21-16,-22-22 0,0 22 0,0-21 16,0 21-16,0-22 0,0 22 0,0 0 15,0 0-15,-22 0 0,1 0 16,0 21-16,0 0 0,0 0 16,0 0-16,-1 0 0,1 0 15,0 0-15,0 21 0,0 0 0,21 0 16,-21 0-16,-1 22 0,22-22 15,-21 21-15,21 0 0,0 1 0,0-22 16,0 21-16,0 1 0,0-22 16,0 21-16,0-21 0,0 0 0,0 1 15,21-1-15,1-21 0,-1 0 16,0 0-16,0 0 0,0 0 16,0-21-16,1 21 0,-22-22 15,21 1-15,0 0 0,0-21 0,-21 21 16,21-22-16,0 1 0,-21 0 15,22 20-15,-22-20 0,21 21 16,-21-21-16,21 20 0,-21 1 0,0 0 16,0 0-1,0 42 1,0 0-16,0 0 0,0 1 16,0-1-16,0 0 0,0 21 0,0 1 15,0-22-15,0 21 0,0 0 16,0-20-16,0 20 0,21-21 0,-21 0 15,21 0-15,-21 1 16,21-1-16,1-21 0,-1 0 0,21 0 0,-21 0 16,0 0-16,1 0 15,20-21-15,-21-1 0,0 1 0,0 0 16,22-21-16,-22-1 0,0 22 16,0-21-16,0-22 0,1 22 0,20 0 15,0-85-15,-21 63 16,1 1-16,-1-107 0,-21 86 15,0 20-15,21-20 0,-21 20 16,0 1-16,0-1 0,0 22 0,0-1 16,0 1-16,0 21 0,-21 21 15,21 21 1,-21 0-16,21 22 0,0-1 16,-22 0-16,1 22 0,21-1 15,0 1-15,0 20 0,0-20 16,0 21-16,-21-22 0,21 1 0,0 20 15,0-20-15,0-1 0,0 1 16,0-1-16,0-20 0,-21 20 0,21-21 16,0 1-16,0-1 0,0-21 15,0 0-15,0 1 0,0-1 0,21 0 16,0-21-16,0 0 0,1 0 16,20 0-16,-21-21 0,0 0 15,22-1-15,-22 1 16,21-21-16,-21 0 0,0 20 0,22-20 15,-22 0-15,21-1 16,1-20-16,-22 21 0,0-1 16,-21 22-16,21 21 15,-21-21-15,0 42 16,0 0-16,0 0 16,-21 1-16,0-1 0,21 21 0,-21-21 15,21 22-15,0-22 0,0 21 16,0-21-16,0 0 0,0 22 0,0-22 15,0 0-15,0 0 0,0 0 0,21-21 16,0 22 0,0-22-16,0 0 0,0 0 0,1 0 15,-1-22-15,0 1 0,0 21 16,21-21-16,1-42 0,-22 41 16,0-20-16,0 21 0,0 0 15,1-22-15,-1 22 0,0 0 0,-21 0 16,21 21-16,-21-21 15,0 42 1,0 0-16,0 0 16,0 0-16,0 1 0,0-1 15,0 0-15,0 21 0,0-21 0,0 1 16,0-1-16,0 0 0,0 0 16,0 0-16,0 0 0,0 1 15,21-22-15,0 0 0,1 0 16,-1 0-16,21 0 0,-21 0 15,0 0-15,1 0 0,-1-22 16,0 1-16,0 0 0,-21 0 0,21 0 16,-21-22-16,21 22 15,-21-21-15,0 21 0,0 0 0,0-22 0,0 22 16,-21 0-16,0 0 0,-21 0 16,21 21-16,-1-22 0,1 22 0,0 0 15,-21 0 1,21 0-16,21-21 15,21 0 1,0 0-16,21 21 0,-21-21 16,22 21-16,-22-21 0,21 21 0,1 0 15,-1 0-15,0 0 16,1 0-16,-1 0 0,0 0 0,-21 0 0,22 21 16,-22 0-16,0 0 0,0 21 15,-21-20-15,0 20 16,0-21-16,0 0 0,0 22 0,0-22 15,0 21-15,0-21 0,0 22 16,0-22-16,-21 0 0,21 21 16,-21-21-16,21 1 0,0 20 0,0-21 15,0 0-15,0 0 0,0 1 0,0-1 16,0-42 31,0-1-47,0 1 0,0-21 15,0 21-15,0-22 0,0 1 16,21 0-16,0-1 0,0 1 16,43-64-16,-43 64 0,21 0 15,1-1-15,41-20 16,-41 20-16,-1 22 0,0 21 0,1 0 16,-1 0-16,0 0 0,22 21 15,-43 1-15,21-1 0,-20 21 16,-22-21-16,0 22 0,0-1 15,0 0-15,0 1 0,0-22 0,0 21 16,-22 0-16,22-20 0,-21 20 16,-21 0-16,42-21 15,0 1-15,-21-1 0,21 0 0,-21-21 0,21-21 47,0 0-31,0-1-16,-22-20 0,22 21 15,0-21-15</inkml:trace>
+  <inkml:trace contextRef="#ctx0" brushRef="#br0" timeOffset="215.87">7683 762 0,'0'0'0,"-42"0"0,21 0 15,0 0-15,0 0 16,-1 0-16,1 0 31,21 21-15,-21-21-16,0 0 16,0 0-16,0 0 0,-1 0 15,1 0-15</inkml:trace>
+  <inkml:trace contextRef="#ctx0" brushRef="#br0" timeOffset="451.73">6350 1122 0,'0'0'0,"-21"0"0,0 21 16,-1-21-16,1 0 0,21 21 15,21-21-15,1 0 0,-1 0 16,0 0-16,21 0 0,-21 0 15,22 0-15,-1 0 0,-21 0 0,22 0 16,-1 0-16,0-21 0,-21 21 16,22-21-16,-22 21 0,21-21 0,-21 21 15,1 0-15,-22-21 0,21 21 16,-21-22-16,21 22 0,-21-21 16</inkml:trace>
+  <inkml:trace contextRef="#ctx0" brushRef="#br0" timeOffset="4182.39">10033 868 0,'21'0'16,"0"0"-16,0-21 16,-21 0-16,22 21 0,-1-22 15,-21 1-15,21 0 0,0 21 0,0-21 16,-21 0-16,0 0 0,21-1 15,-21 1-15,0 0 0,0 0 16,0 0-16,0 0 0,-21-1 16,0 22-16,0 0 15,-21 0-15,20 0 0,1 0 0,-21 22 16,0-22-16,-1 42 0,22-21 16,-21 21-16,-1 1 0,1 20 15,0-20-15,-1 20 0,22 22 0,-21-22 16,0 1-16,20-1 0,1 22 15,-21-22-15,21 1 0,0-1 0,-1 1 16,22-1-16,0 1 0,0-1 16,0-20-16,0 20 0,22-42 0,20 22 15,-21-1-15,21-21 0,1 0 16,-1-21-16,0 0 0,22 0 0,-1 0 16,-20 0-16,20-21 0,-20 0 15,20 0-15,1 0 0,-22 0 16,0-22-16,1 22 0,-1-21 0,0-1 15,-21 22-15,22-21 0,-22 0 16,0-1-16,0 22 0,0-21 0,1 21 16,-22-1-16,0 1 0,21 0 15,-21 0-15,0 42 32,-21 0-32,-1 0 0,1 1 15,21-1-15,-21 21 0,0-21 16,0 22-16,21-1 0,0-21 0,-21 21 15,21 1-15,0-22 0,0 21 16,0-21-16,0 1 0,0-1 16,21 0-16,0 0 0,0-21 0,0 0 15,0 0-15,22 0 0,-22 0 16,21 0-16,1 0 0,-22-21 0,21 0 16,0 0-16,1-1 0,-22 1 15,21 0-15,1-42 0,-22 41 16,0-20-16,-21 21 0,0-21 15,0-1-15,0 22 0,0-21 0,0-1 16,-21 22-16,0 0 0,-1 0 16,1 0-16,-21 0 0,21-1 15,-22 22-15,22 0 0,-21 0 0,0 0 16,20 22-16,-20-1 0,21 0 16,0 0-16,-22 21 0,22 1 0,0-22 15,21 21-15,0 1 0,-21-1 16,21 0-16,0 1 0,0-1 0,0-21 15,0 21-15,21-20 0,0-1 16,0 0-16,22 0 0,-22 0 0,21-21 16,-21 0-16,22 0 0,-1 0 15,0 0-15,1 0 0,-1-21 0,0 0 16,1 0-16,-1 0 0,0-1 16,-20 1-16,20-21 0,0 21 0,-21-22 15,22 22-15,-22-21 0,0 0 16,0 20-16,22-41 15,-22 42-15,-21 0 0,21 21 0,-21-22 16,0 1-16,0 42 31,0 1-31,-21-1 0,0 0 16,-1 0-16,1 0 0,21 22 0,-21-1 16,0-21-16,21 21 0,0 1 0,0-22 15,0 21-15,0-21 0,0 22 16,0-22-16,0 0 0,21 0 0,0 0 15,0 1-15,1-22 0,-1 0 16,21 0-16,-21 0 0,22 0 16,-1 0-16,0 0 0,-21-22 15,22 1-15,-1 0 0,-21-21 0,22 21 16,-22-1-16,0-20 0,0 21 0,0-21 16,0-1-16,1 1 0,-1 21 15,0-22-15,0 22 0,0 0 0,0 0 16,-21 0-16,0 0 0,0 42 47,-21-21-47,0 21 0,21 0 0,-21 0 15,21 22-15,0-22 0,-21 21 0,21-21 16,0 0-16,0 22 16,0-22-16,0 0 0,0 0 0,21 0 15,0 1-15,0-22 0,0 21 16,1-21-16,-1 0 0,0 0 0,0 0 15,21 0-15,-20-21 0,-1 21 0,0-22 16,0 1-16,0 0 0,0 0 16,1 0-16,-1 0 0,-21-22 0,0 22 15,21-21-15,-21 21 0,0-22 16,0 22-16,0 0 0,0 0 0,0 0 16,0-1-16,0 1 0,-21 21 31,0 21-16,21 1-15,-22-1 0,22 21 16,-21-21-16,21 22 0,0-22 0,0 21 16,-21-21-16,21 22 0,-21-22 15,21 21-15,0-21 0,0 0 0,-21 1 16,21-1-16,-21 0 0,21 0 16,0-42 15,0 0-31,0 0 0,21-1 15,0 1-15,0-21 0,0 21 0,-21-22 16,21 1-16,1 21 16,-1-21-16,21-1 0,-21 1 0,0 21 15,1 0-15,-1-22 0,0 22 0,21 21 16,-21 0-16,1 0 16,-1 0-16,0 21 0,-21 0 15,0 1-15,0 20 0,0-21 16,0 21-16,0 1 0,0-22 0,0 21 15,0-21-15,0 22 0,0-22 16,0 0-16,0 0 0,0 0 0,0 1 16,21-22-16,0 0 0,0 0 0,1 0 15,-1 0-15,0 0 0,0 0 16,0 0-16,0-22 0,1 1 16,-1 0-16,0 0 0,0 0 15,0-22-15,-21 22 0,21-21 0,1 0 16,-1 20-16,0-20 0,0-21 15,-21 20-15,21-20 0,0 20 0,1-20 16,-22-1-16,0 1 0,21-1 16,-21 1-16,0-1 0,21 1 0,-21 21 15,0-1-15,0 22 0,0 0 0,0 0 16,0 0-16,0 42 16,0 0-16,0 0 0,-21 21 15,21 1-15,-21 20 0,21-20 16,-22 20-16,1 64 15,21-63-15,-21-1 0,0 1 16,21-22-16,0 21 0,0-20 0,0-1 16,0 22-16,0-22 0,0 0 15,0-21-15,0 22 0,0-22 0,0 0 16,0 0-16,21 0 0,0-21 16,22 22-16,-22-22 15,0 0-15,0 0 0,0 0 0,0 0 16,1-22-16,20 22 0,-21-21 0,0 21 15,0-21-15,1 0 0,-1 0 16,0 0-16,-21-1 0,0 1 16,21 0-16,-21 0 0,21-21 15,-21 20-15,0 1 0,0 0 0,0-21 16</inkml:trace>
+  <inkml:trace contextRef="#ctx0" brushRef="#br0" timeOffset="4433.26">12742 1016 0,'21'0'15,"1"0"-15,20 0 16,-21 0-16,21 0 0,22-21 16,-22 0-16,1 21 0,-1 0 15,21-21-15,-20 21 0,-1 0 0,0-22 16,1 22-16,-22 0 0,0 0 15,0 0-15,0-21 0,-42 42 32,0-21-32,0 22 0,-21-1 15,-1 0-15,-20-21 0</inkml:trace>
+  <inkml:trace contextRef="#ctx0" brushRef="#br0" timeOffset="5375.72">3260 2540 0,'0'0'0,"-106"-21"16,63 21-16,22-21 0,-21 21 0,21 0 16,0-21-16,-1-1 0,1 22 15,21-21 1,21 0 0,1 21-1,-1 0-15,0 0 0,21 0 0,1 0 16,-1 0-16,0 0 0,22 0 0,-1 0 15,1 0-15,20 0 16,1 0-16,-21 0 0,41 0 0,-20 0 16,21-21-16,0 21 0,0 0 15,-1 0-15,22 0 0,22-21 0,-22 21 16,21 0-16,-21-21 0,21 21 16,21-22-16,-21 22 0,1 0 0,20-21 15,-21 21-15,21 0 0,1-21 0,-1 21 16,0 0-16,22 0 0,-22-21 15,1 21-15,20 0 0,-21 0 0,22-21 16,-22 21-16,22 0 0,-22-21 16,22 21-16,-1 0 0,1 0 15,-22-22-15,21 22 0,-20 0 0,20 0 16,1-21-16,-22 21 0,22 0 16,-22-21-16,0 21 0,1 0 0,-1-21 15,0 0-15,1 21 0,-22-21 16,0-1-16,0 22 0,0-21 0,0 21 15,-21-21-15,22 21 0,-44-21 16,22 21-16,-21-21 0,-21 21 16,21 0-16,-43-21 0,1 21 0,-1 0 0,-20 0 15,-1 0-15,0 0 16,-21 0-16,-42 0 31,0 0-15,0 0-16,0 21 0,-22-21 0,22 0 15,0 0-15</inkml:trace>
+  <inkml:trace contextRef="#ctx0" brushRef="#br0" timeOffset="6268.57">3387 3535 0,'0'0'0,"0"-21"0,0 0 0,-22-1 0,22 1 15,-21 0-15,21-21 0,-21 21 16,21-1-16,0 1 0,0 0 16,-21 0-16,0 0 0,21 42 31,0 21-31,0-21 0,0 22 15,0 20-15,0-20 16,0 20-16,0 1 0,0-1 0,0 1 16,0-1-16,0 1 0,0-1 15,0 1-15,-21-1 0,-1 1 0,1-22 16,0 21-16,0-20 0,0-1 16,21-21-16,0 0 0,0 1 0,0-1 15,-21 0-15,21-42 16,0 0-1,0-1-15,0 1 0,0 0 16,0-21-16,0 21 0</inkml:trace>
+  <inkml:trace contextRef="#ctx0" brushRef="#br0" timeOffset="7716.38">3048 3747 0,'0'-22'0,"0"44"0,-21-65 16,0 22-16,21-21 0,-22 21 15,22-1-15,0-20 0,0 0 0,0-1 16,0 1-16,22 0 0,-1-1 16,0 1-16,21 0 0,1-1 15,-1 1-15,21 21 0,1 0 0,-1 0 16,-20-1-16,20 22 0,1 0 16,-1 0-16,-20 43 0,-1-22 0,0 21 15,1 1-15,-22-1 0,0 21 16,-21-20-16,0 20 0,0 1 15,-21-22-15,-22 22 0,22-22 16,-21 0-16,0 1 0,-22-1 0,22 0 16,-1 1-16,1-22 0,0 0 15,-1 0-15,1 0 0,0 0 0,21-21 16,-22 0-16,22 0 0,0 0 16,21-21-16,-21 0 0,21 0 15,0 0-15,0 0 16,0-1-16,0 1 0,21 21 15,0 0 1,0 0-16,0 21 0,1 1 0,-1 20 16,0-21-1,0 0-15,-21 22 0,21-1 0,0-21 16,1 64-16,-1-43 16,0-21-16,-21 22 0,21-22 0,0 0 15,0 0-15,1 0 0,-1 0 16,0 1-16,0-22 0,21 0 0,-20 0 15,20 0-15,0 0 0,-21-22 16,22 1-16,-1 21 0,-21-42 0,22 21 16,-1 0-16,-21-1 0,0-20 15,22 0-15,-22 21 0,0-64 16,0 43-16,-21 20 16,21-20-16,-21 21 0,0-21 0,0 20 15,0 1-15,0 0 0,0 42 31,0 0-15,0 1-16,0-1 0,0 21 16,0 22-16,0-43 0,-21 21 15,21 0-15,0-20 0,0 20 16,0 0-16,0-21 0,0 1 0,0-1 16,0 0-16,21 0 0,0-21 15,1 0-15,-1 0 0,0 0 16,0 0-16,21-21 15,-20 0-15,-1 0 0,21-1 0,-21 1 16,0 0-16,22-21 0,-22 21 16,0-22-16,0 22 0,-21-21 0,0-1 15,21 22-15,-21-21 0,0 21 0,0 0 16,0-1-16,0 1 0,0 0 16,0 42 15,-21 0-31,21 1 0,0-1 0,0 21 15,0 0-15,-21-20 0,21 20 16,0 0-16,0 1 0,0-1 0,0-21 16,0 21-16,0-20 15,0-1-15,21 21 0,0-42 0,1 21 16,-1 0-16,0-21 0,21 0 16,-21 0-16,22 0 0,-22 0 0,21-21 15,1 0-15,-22 0 0,21 0 0,0 0 16,-20-22-16,-1 22 0,0-21 15,0 21-15,0-22 0,0 1 16,-21 0-16,0 20 0,0-20 0,0 21 16,0 0-16,0 0 0,0-1 0,0 1 15,-21 21 17,21 21-32,-21 1 0,21-1 0,0 21 15,0-21-15,0 22 0,-21-1 16,21-21-16,0 21 0,-21 1 0,21-22 15,0 21-15,0-21 0,0 22 16,0-22-16,0 0 0,0 0 0,0 0 16,0 1-16,0-1 15,0-42 17,0-1-32,0 1 15,0-21-15,0 21 0,0 0 0,0-22 16,0 1-16,21 21 0,-21-22 15,21 1-15,0 0 0,0-1 16,1 1-16,-1 0 0,0 21 16,0-22-16,21 22 0,-20 0 0,-1 21 15,0-21-15,0 21 0,21 0 16,-20 0-16,-1 21 0,0-21 0,0 21 16,-21 0-16,21 22 0,-21-22 0,21 21 15,-21 0-15,0-20 0,0 62 16,0-41-16,0-22 0,0 21 15,0-21-15,0 0 0,0 1 16,0-1-16,0 0 0,0 0 16,0 0-1,0-42 17,0 0-32,0 0 15,0 0-15</inkml:trace>
+  <inkml:trace contextRef="#ctx0" brushRef="#br0" timeOffset="9840.45">6456 4149 0,'-21'0'0,"-1"0"16,1 0-1,21-21-15,0-1 16,0 1-16,0-21 16,0 21-16,0 0 0,0-22 15,0 22-15,21-21 0,1-1 0,20 1 16,-21-21-16,21 20 0,-20-20 16,20-1-16,-21 1 0,21-1 0,1 22 15,-22-22-15,0 22 0,0 0 16,0 21-16,-21-22 0,0 22 0,-21 21 15,0 0 1,0 21-16,0 22 0,-22-1 16,22 0-16,0 1 0,0 20 0,0-21 15,0 22-15,21-22 0,0 22 16,0-22-16,0 64 0,0-64 16,21 1-16,0-1 0,0 0 15,0-21-15,0 22 0,22-22 0,-22 21 16,0-21-16,-21 1 0,21-1 15,0 0-15,-21 0 0,-21-21 32,0 0-32,0-21 0,0 0 15,0 0-15,-22-1 0,22 1 16,-21 0-16,21 0 0,-22 0 16,22 0-16,0-1 0,-21 1 0,20 0 15,1 21-15,0 0 16,0 0-16,21 42 15,0-20-15,0-1 16,0 21-16,0-21 0,0 22 0,21-22 16,0 21-16,0-21 0,1 0 15,20 22-15,-21-22 0,21-21 0,1 21 16,63 0-16,-64-21 16,21 0-16,1 0 0,-1-21 15,1 0-15,-22 0 0,22 0 0,-1-1 16,1 1-16,-22-21 0,0 21 15,1-22-15,-1 1 0,0 0 0,-20 21 16,-1-22-16,-21 1 0,0 0 16,0-1-16,0 22 0,0-21 0,0 21 15,-21-22-15,21 22 0,-22 0 16,1 21-16,0-21 0,0 21 0,0 0 16,0 0-16,-1 21 0,1-21 15,0 21-15,0 21 0,0-20 0,0 20 16,-1 0-16,1-21 0,0 22 0,0-1 15,21 0-15,0 1 16,-21-1-16,21 0 0,0-20 0,0-1 16,0 0-16,0 0 0,21 0 15,0-21-15,0 0 0,0 0 0,1 0 16,20 0-16,-21 0 0,21-21 0,1 0 16,-1 0-16,-21 0 0,22-22 15,-22 22-15,0-21 0,21 21 0,-42-22 16,21 22-16,-21-21 0,22 21 15,-22-1-15,0-20 0,0 21 0,0 0 16,0 0-16,0-1 16,-22 22-1,22 22-15,0-1 16,0 0-16,-21 0 0,21 0 16,0 22-16,-21-22 0,21 0 0,0 21 15,0-21-15,0 22 0,0-22 16,0 0-16,21 21 0,0-42 0,1 22 15,-1-1-15,0-21 0,0 0 16,21 0-16,-20 0 0,20 0 0,0 0 16,-21-21-16,22-1 0,-1 1 0,-21 0 15,22 0-15,-22-21 16,0 20-16,0-20 0,0 21 0,-21-21 16,0 20-16,21-20 0,1 21 0,-22 0 15,0 0-15,0-1 0,0 1 16,0 42-1,0 1 1,0-1-16,0 0 0,0 0 0,0 21 16,0-20-16,0-1 0,0 21 15,0-21-15,0 22 0,0-22 0,0 21 16,-22-21-16,22 0 0,-21 1 16,21-1-16,0 0 0,0 0 0,0 0 15,0-42 16,0 0-31,0 0 16,21-22-16,1 22 16,-22 0-16,21-21 0,0-1 0,0 22 15,-21-21-15,21 0 0,0-1 0,1 22 16,-1-21-16,0 21 0,0-1 16,21 1-16,1 0 0,-22 21 15,0 0-15,21 0 0,-20 21 16,-1 0-16,0 1 0,-21 20 15,0-21-15,0 0 0,0 0 16,0 22-16,0-22 0,0 0 16,0 0-16,0 22 0,0-22 0,0 0 0,0 0 15,0 0 1,0 0-16,21-21 31,0-21-31,0 21 0,-21-21 16,22 0-16,-1 0 0,0-22 0,0 22 15,0 0-15,0-21 0,1 21 16,-1-22-16,0 22 0,0-21 0,0 21 16,-21-1-16,21 1 0,1 0 15,-1 21-15,-21-21 0,0 42 32,0 0-32,0 0 15,0 1-15,0-1 0,0 0 16,0 0-16,0 21 0,0-20 15,0-1-15,0 21 0,0 0 16,0-20-16,21 20 0,0-21 0,-21 0 16,21 0-16,0-21 0,1 22 15,-1-22-15,21 0 0,-21 0 0,0 0 16,22 0-16,-22 0 0,21 0 0,-21-22 16,1 1-16,20 0 0,-21 0 15,0 0-15,22 0 0,-22-1 16,0-20-16,0 21 0,-21-21 0,21-22 15,0 22-15,-21 21 0,0-22 16,0 22-16,0 0 0,0-21 16,0 20-16,-21 22 15,0 0-15,0 22 16,0-1-16,0 0 0,21 0 16,0 21-16,-22-20 0,22-1 0,0 21 15,0-21-15,0 22 0,0-22 0,0 21 16,0-21-16,0 0 0,22 1 15,-1-1-15,-21 0 0,21 0 0,0 0 16,0-21-16,0 0 16,1 0-16,-1 0 0,0 0 0,0 0 15,0 0-15,0 0 0,1 0 0,-1-21 16,0 21-16,0-21 0,0 0 16,0 0-16,1-1 0,-1-20 0,21 0 15</inkml:trace>
+  <inkml:trace contextRef="#ctx0" brushRef="#br0" timeOffset="11640.75">10901 3175 0,'0'0'15,"-21"0"1,21 21 0,0 0-1,0 1-15,21-22 16,0 21-16,0-21 0,0 0 16,0 0-16,1 0 0,20 0 15,-21-21-15,21-1 0,1 1 0,-1 0 16,0 0-16,1 0 0,-1 0 15,-21-1-15,22-20 0,-22 21 0,0 0 16,0 0-16,0-1 0,-21 1 16,0 0-16,0 0 0,0 0 15,0 0-15,-21 21 16,0 0 0,0 21-16,21 21 0,-21 0 0,-1-20 15,22 41-15,0-21 0,-21 22 16,0-1-16,0 1 0,21-1 0,0 22 15,-21-21-15,0-1 0,21-21 0,-22 22 16,22-1-16,0-20 0,0-1 16,0 0-16,-21 1 0,21-1 0,0 0 15,-21-20-15,21-1 0,0 0 0,0 0 16,-21-21 0,0 0-16,0 0 15,21-21-15,-22 0 0,1 0 16,21-1-16,-21-20 0,0 21 15,0 0-15,0-22 0,-1 1 0,1 21 16,0-21-16,0 20 0,0 1 16,0-21-16,-1 42 0,1-21 15,0 21-15,0 0 16,0 0-16,21 21 0,-21 0 0,21 0 16,0 0-16,0 22 0,0-22 15,0 21-15,0-21 0,0 22 0,21 20 16,0-42-16,0 1 0,0-1 15,0 0-15,22 0 0,-22 0 16,21 0-16,1-21 0,-1 0 16,21 0-16,-20 0 0,20-21 0,-20 0 15,20 0-15,-21 0 0,22 0 16,-22-1-16,1 1 0,-1 0 0,0-21 16,1 21-16,-1-22 0,-21 22 15,0-21-15,0 21 0,-21-22 0,0 22 16,0-21-16,0 21 0,0-1 0,0 1 15,0-21-15,-21 42 16,0 0-16,0 0 0,0 0 16,0 21-16,-1 0 15,22 0-15,-21 1 0,21-1 0,-21 0 16,0 21-16,21-21 0,0 22 0,0-22 16,0 21-16,0-21 0,0 22 15,0-22-15,0 0 0,0 0 0,21 0 16,0 1-16,0-1 0,1-21 15,-1 0-15,0 21 0,21-21 0,-21 0 16,22 0-16,-22 0 0,21-21 0,1 0 16,-1-1-16,0 1 0,1 0 15,-22 0-15,21 0 0,0 0 0,1-1 16,-22-20-16,0 21 0,0-21 16,0 20-16,1 1 0,-1-21 0,0 21 15,-21 0-15,0-1 0,0 44 31,-21-22-15,0 21-16,21 0 0,-22 0 16,22 21-16,0-20 0,0-1 0,0 0 15,0 0-15,0 0 0,0 0 0,0 1 16,0-1-16,22 0 0,-1 0 16,0 0-16,0 0 15,-42-42 32,0 0-47,0 21 16,-1-21-16,1 21 0,0 0 15,0-21-15,0 21 0,0 0 0,-1 0 16,1 0-16,0 0 0,0 0 16,21 21-16,0 0 0,0 0 15,0 0-15,0 1 0,0-1 16,0 0-16,21 0 0,0 0 0,0-21 15,22 21-15,-22-21 0,21 0 0,1 0 16,-22 0-16,21 0 0,0 0 16,1 0-16,-1-21 0,-21 0 0,22 0 15,-22 0-15,21 0 0,-21-1 16,22-20-16,-22 21 0,0-21 16,0 20-16,0-20 0,0 0 0,1-1 15,-1 1-15,-21-21 0,21 20 16,0-20-16,0-1 0,0 1 0,22-43 15,-43 42-15,0 22 16,21 0-16,-21-1 0,21 22 0,-21 0 16,0 0-16,0 0 0,0 42 15,0 0 1,-21 0-16,0 22 0,21-1 0,0 0 16,-21 1-16,21-1 15,-22 21-15,1-20 0,21 20 0,0-20 16,0 20-16,0-21 0,0 1 0,0-1 15,0 0-15,0 1 0,0-1 16,0-21-16,0 22 0,0-22 0,0 0 16,0 0-16,21 0 0,1 0 15,-1-21-15,-21 22 0,21-22 16,0 0-16,0 0 0,0 0 16,1 0-16,-22-22 0,21 1 15,0 0-15,-21 0 0,21 0 16,0 0-16,-21-1 0,0 1 0,21 0 15,-21 0-15,0-21 16,22 20-16,-22-20 0</inkml:trace>
+  <inkml:trace contextRef="#ctx0" brushRef="#br0" timeOffset="11919.59">12636 3387 0,'0'0'0,"0"21"0,-21-21 0,21 21 15,21-21 1,1 0-16,20 0 0,-21 0 0,21 0 16,1 0-16,-1 0 0,22 0 15,-22 0-15,0-21 0,1 21 16,-1-21-16,0 21 0,1-21 0,-22 21 16,21 0-16,-21 0 0,0-22 15,1 22-15,-22-21 31,0 0 16</inkml:trace>
+  <inkml:trace contextRef="#ctx0" brushRef="#br0" timeOffset="13232.94">13631 3725 0,'-21'0'15,"21"22"1,0-1-16,0 0 15,-21 0-15,21 0 16,0 0-16,0 1 16,21-22 31,0-22-47,-21 1 15,21 0-15,1 0 0,-1 0 0,-21-22 16,21 22-16,0-21 0,0-22 15,0 22-15,1-21 0,-1 20 0,0-20 16,21-1-16,-21 1 0,1 20 0,-1-20 16,0 21-16,21 20 0,-21 1 15,1 0-15,-1 0 0,0 21 0,0 0 16,0 0-16,0 0 0,-21 21 16,22 0-16,-22 0 0,21 1 15,-21-1-15,0 21 0,0-21 0,0 0 16,0 1-16,0-1 0,0 0 15,0 0-15,0 0 0,0 0 16,0-42 15,0 0-31,0 0 16,0 0-16,0 0 0,0-22 0,0 1 16,0 21-16,0 0 15,-21-1-15,-1 1 0,22 0 0,-21 0 16,0 0-16,0 21 0,0 0 0,0 0 15,-1 0-15,1 21 0,0 0 16,0 0-16,0 0 0,0 22 16,-1-1-16,1 0 0,0 1 0,21-1 15,-21 22-15,0-22 0,0 21 16,21-20-16,-22 20 0,22-20 16,0-1-16,0 0 0,0 1 0,0-1 15,0-21-15,22 21 0,-1-20 0,0-1 16,42 21-16,-20-21 15,-1 0-15,0-21 0,22 0 0,-22 0 16,22 0-16,-1 0 0,-20 0 16,20-21-16,-21 0 0,1 21 0,20-21 15,-20 0-15,-22 0 0,21-1 16,0-20-16,-20 21 0,-1 0 16,0-22-16,-21 1 0,0 21 0,0-21 15,0-1-15,0 22 0,0-21 16,0 21-16,0-1 0,0 1 0,0 0 15,-21 21-15,0 0 0,-1 0 16,1 0-16,0 0 0,21 21 16,-21 0-16,0 1 0,0-1 0,21 0 15,-22 0-15,1 0 0,0 22 16,0-22-16,21 0 0,-21 21 0,21-21 16,-21 1-16,21-1 0,0 21 15,0-21-15,0 0 0,0 1 16,0-1-16,21-21 0,0 21 15,0-21-15,0 0 16,-21 21-16,21-21 0,1 0 16,-22-21 171,0 0-187,0 0 16</inkml:trace>
+  <inkml:trace contextRef="#ctx0" brushRef="#br0" timeOffset="15399.44">14711 3620 0,'0'-22'0,"0"1"16,0 0-1,0 0-15,0 0 16,0 0-16,0-1 15,0 1 1,-21 21-16,-1 0 16,1 0-16,0 0 15,0 0-15,21 21 16,-21 1-16,0-1 0,-1 0 16,1 0-16,0 0 0,21 22 0,-21-1 15,0-21-15,21 21 0,-21-20 16,21 20-16,-22-21 0,22 0 0,0 22 15,0-22-15,0 0 0,0 0 0,0 0 16,22-21-16,-1 0 16,0 0-16,0 0 0,21 0 15,-20 0-15,-1 0 0,0 0 16,0-21-16,0 0 0,0 21 0,1-21 16,-1 0-16,0-1 0,-21 1 0,21 0 15,-21 0-15,21 0 16,-21-22-16,0 22 0,21 0 0,-21-21 15,22-1-15,-22 22 0,0-21 16,0 21-16,0-22 0,0 22 16,0 0-16,0 0 0,0 0 0,0 0 15,0 42 1,0 0 0,0 0-16,0 0 0,0 22 15,-22-22-15,22 21 0,0-21 0,0 22 16,0-1-16,0-21 0,0 21 15,-21-20-15,21-1 0,0 0 0,0 0 16,0 0-16,0 0 0,0 1 16,21-1-16,1-21 15,-1 0-15,0 0 0,0 0 16,0 0-16,0 0 0,1-21 16,-1 21-16,42-43 0,-42 43 15,22-21-15,-22 0 0,21-21 0,-21 20 16,1 1-16,20-21 0,-21 21 15,0-22-15,22 22 0,-22 0 0,0-21 16,0 21-16,-21-1 16,0 1-16,-21 21 15,0 21 1,0 1-16,21-1 0,0 0 16,-22 0-16,22 21 0,0-20 15,-21-1-15,21 0 0,0 0 16,0 0-16,0 0 0,0 1 0,21-1 15,-21 0-15,22 0 0,-22 0 16,21 0-16,0-21 16,-21 22-16,-21-22 31,0 0-31,-1 0 16,22-22-16,-21 22 0,0-21 0,0 21 15,0-21 1,0 21-16,-1 0 0,22-21 15,-21 21-15,0 0 16,21 21 0,0 0-16,21 0 15,0-21-15,1 22 16,-1-22-16,0 0 0,0 0 16,21 0-16,-20 0 0,-1 0 15,0 0-15,21 0 0,-21 0 0,22 0 16,-22 0-16,21 0 0,1-22 0,-22 22 15,21-21-15,-21 0 16,22 0-16,-22 0 0,21 0 16,-42-1-16,21 1 0,0-21 15,1 21-15,-22 0 0,0-22 0,0 22 16,0-21-16,21 21 0,-21-1 0,0 1 16,0 0-16,0 0 15,-21 21 1,-1 21-16,1 21 15,0-20-15,21-1 0,-21 21 0,21-21 16,0 22-16,0-1 0,0-21 16,0 21-16,0-20 0,0-1 0,0 0 15,0 0-15,42 21 16,-21-20-16,1-22 0,-1 0 16,0 21-16,21-21 0,-21 0 0,1 0 15,-1 0-15,0 0 0,0 0 16,-21-21-16,21 21 0,0-22 0,1 1 15,-22 0-15,0 0 0,21 0 16,0 0-16,-21-1 16</inkml:trace>
+  <inkml:trace contextRef="#ctx0" brushRef="#br0" timeOffset="17365.68">16997 3450 0,'0'0'0,"0"-21"0,0 0 16,0 0-16,0 0 0,0-1 0,0-20 16,0 21-16,0 0 0,0 0 15,21-22-15,-21 22 0,21 0 0,0 21 16,0-21-16,22 0 0,-22 21 15,0 0-15,0 0 0,0 0 16,22 21-16,-22 21 0,0-21 0,0 22 16,22-1-16,-43-21 0,21 43 0,-21-22 15,21 0-15,-21 1 0,0-1 16,0-21-16,0 21 0,-21 22 16,0-43-16,21 21 0,-22-20 15,1-22-15,0 21 0,21 0 16,-21-21-16,0 21 0,21-42 31,0 0-31,0 0 16,0-22-16,0 22 0,0-21 15,21 21-15,0-22 0,0 1 16,0 0-16,1-1 0,-1 1 0,0 21 16,21-22-16,-21 1 0,1 21 15,-1 0-15,21 0 0,-21-1 16,0 22-16,1 0 0,-1 0 0,21 0 15,-42 22-15,21-1 0,0 0 16,1 0-16,-1 21 0,-21-20 0,0 20 16,0 0-16,0 1 0,0-1 15,0-21-15,0 21 0,0-20 0,0 20 16,0-21-16,0 0 0,-21 0 16,21 1-16,0-1 0,-22-21 0,22 21 15,0-42 16,0 0-31,22-1 0,-1 1 16,-21-21-16,0 21 0,21 0 16,0-22-16,0 1 0,-21 0 15,21-1-15,1 1 0,-1 21 16,0-22-16,0 1 0,0 21 0,0-21 16,22 20-16,-22 22 0,0-21 15,0 21-15,0 0 0,1 0 0,-1 21 16,0 1-16,-21-1 15,0 0-15,21 0 0,-21 21 0,0 1 0,0-22 16,0 21-16,0 1 0,0-1 16,0-21-16,0 21 0,0-20 0,0-1 15,0 0-15,0 0 0,21 0 0,0 0 16,-21 1-16,22-1 16,-1-21-16,0 0 0,0 0 0,21 0 15,-20 0-15,-1 0 0,21 0 16,-21 0-16,0 0 0,22-21 0,-22 21 15,0-22-15,0 1 0,0 0 0,1 0 16,-1 0-16,-21 0 0,21-22 16,0-20-16,0 42 0,-21-1 15,0-20-15,0 21 0,21 0 16,-21 0-16,0 42 31,0 0-31,0 0 0,0 0 16,0 0-16,0 1 0,0 20 15,-21-21-15,21 0 0,-21 22 0,21-22 16,0 0-16,0 0 0,0 0 0,0 0 16,0 1-16,0-1 0,0 0 15,21-21-15,0 0 16,1 0-16,-1 0 0,0 0 16,0 0-16,21 0 0,-20 0 0,-1 0 15,0-21-15,0 21 0,0-21 0,0-1 16,1 1-16,-22 0 15,0 0-15,21 0 0,-21 0 0,0-22 0,0 22 16,0 0-16,0-21 0,0 20 16,0-20-16,0 21 0,-21-21 15,21 20-15,-22 1 0,1 0 16,0 0-16,0 21 0,0 0 16,0 0-16,-1 0 0,1 0 15,0 21-15,0 0 0,0 0 0,0 1 16,-1-1-16,22 0 0,0 0 15,0 21-15,0-20 0,0-1 0,0 21 16,0-21-16,0 0 0,0 1 16,22-22-16,-1 21 0,0 0 0,0-21 15,0 0-15,0 21 16,1-21-16,-1 0 0,0 0 16,0 0-16,0-21 0,0 21 15,1-21-15,-1 0 0,0 21 16,0-22-16,0 1 0,0 0 0,1 0 15,-1 0-15,21 0 0,-21-1 16,22 22-16,-22-21 0,0 0 0,21 21 16,-21-21-16,1 21 15,-22 21 1,0 0-16,0 0 16,0 1-16,0-1 15,0 0-15,-22 0 0,22 0 0,0 0 16,0 1-16,0-1 0,0 0 15,0 0-15,0 0 0,0 0 0,0 1 16,22-22-16,-22 21 0,21-21 16,0 21-16,21-21 0,-21 21 0,1-21 15,-1 0-15,0 0 0,21 0 0,-21 0 16,1 0-16,-1 0 16,21 0-16,-21 0 0,0-21 0,1 0 0,-1 0 15,21-1-15,-21 1 0,22-21 16,-43 21-16,21-22 0,-21 22 15,21-21-15,-21 21 0,21-22 0,-21 22 16,0 0-16,0 0 16,0 0-16,0 0 0,-21 21 15,0 0-15,0 0 16,-1 21-16,1 0 0,0 0 16,21 0-16,-21 0 0,21 1 15,-21 20-15,21-21 0,0 0 0,0 0 16,0 1-16,0 20 0,0-21 0,0 0 15,21 0-15,0 1 0,0-22 16,0 21-16,22 0 0,-22-21 0,0 21 16,0-21-16,0 0 0,22 0 15,-22 0-15,0 0 0,0 0 0,0 0 16,1 0-16,-1 0 0,0 0 16,0-21-16,0 0 0,0 21 15,1-21-15,-1-1 0,21 1 0,-21 0 16,0 0-16,22 0 0</inkml:trace>
+  <inkml:trace contextRef="#ctx0" brushRef="#br0" timeOffset="17682.59">21251 2921 0,'0'-21'0,"0"42"16,0-63-16,0 21 15,0 42 1,-21 0 0,21 0-16,-21 0 0,0 22 0,0-1 15,21 0-15,-22 1 0,1 20 0,21-21 16,-21 22-16,0-1 16,21-20-16,0 20 0,-21-20 0,21-1 0,-21 0 15,21 1-15,0-1 16,0-21-16,0 21 0,0-20 0,0-1 0,0 0 15,0 0-15,0-42 47,0 0-47,-22 21 0,22-21 16</inkml:trace>
+  <inkml:trace contextRef="#ctx0" brushRef="#br0" timeOffset="19135.74">20743 3429 0,'0'0'15,"0"-21"-15,21 21 32,22 0-32,-22 0 0,21 0 15,22 0-15,-22 0 0,0-21 16,22 21-16,-1-21 0,1 21 0,-1-22 16,1 1-16,-1 0 0,1 0 0,-22 0 15,1-22-15,-1 1 0,0 21 16,-21-21-16,22-1 0,-43 1 0,21 0 15,-21-1-15,0 22 0,0 0 16,0-21-16,0 20 0,-21 22 16,0 0-16,-1 0 15,1 0-15,21 22 0,-21-1 0,0 0 16,0 21-16,21 1 0,0-22 16,-21 42-16,21-20 0,-22-1 0,1 21 15,21 1-15,0-22 0,-21 22 16,21-22-16,-21 22 0,0-22 15,0 85-15,21-106 16,-22 21-16,22-20 0,0-1 16,0 0-16,0 0 15,22-42 1,-22 0 0,21 21-16,0-21 0,0-1 0,0 1 15,22-21-15,-22 21 16,0 0-16,0-1 0,21 1 0,-20 0 15,-1 0-15,0 21 0,0 0 16,-21 21 0,0 0-1,0 0-15,21 1 0,-21-1 16,21 0-16,-21 0 0,22 0 0,-1 0 16,0-21-16,0 22 0,21-22 15,-20 21-15,-1-21 0,0 0 16,42 0-1,-20 0-15,41 0 0,-41 0 0,-1-21 16,22-1-16,-22 22 0,0-21 0,1 0 16,-22-21-16,21 21 15,0-1-15,-20-20 0,-1 21 0,-21-21 0,0 20 16,0 1-16,0 0 0,0 0 16,-21 0-16,-1 0 0,1-1 15,-21 22-15,21 0 0,-22 0 0,1 0 16,21 0-16,-21 22 0,-1-1 15,1 0-15,21 0 0,0 0 0,-22 22 16,22-22-16,21 0 0,0 21 16,-21-21-16,21 1 0,0-1 0,0 0 15,0 21-15,21-21 16,-21 1-16,21-22 0,0 0 0,1 21 16,-1-21-16,0 0 0,0 0 0,21 0 15,-20 0-15,-1 0 0,21-21 16,-21-1-16,0 22 0,1-21 15,-1 0-15,0-21 0,0 21 16,0-1-16,-21-20 0,0 21 0,21-21 16,-21 20-16,0 1 0,0 0 15,-21 42 1,21 0 0,-21 1-16,21-1 0,0 0 15,0 0-15,0 0 0,0 0 0,0 22 16,21-22-16,0 0 15,1 0-15,-1-21 0,0 21 16,21-21-16,-21 0 0,1 0 0,-1 0 0,21 0 16,-21 0-16,0 0 15,1 0-15,-1 0 0,0-21 0,0 0 16,21-21-16,-42-1 16,22 22-16,-1 0 0,0-21 0,-21 21 15,21-22-15,-21 22 0,0 0 0,0 0 16,0 42-1,0 0 1,0 0-16,-21 0 0,0 1 16,0-1-16,21 21 0,-22-21 0,22 0 15,0 1-15,0 20 16,-21-21-16,21 0 16,0 0-16,-21 1 0,21-1 31,0-42 0,0-1-31,0 1 0,0 0 0,0 0 16,0 0-16,21 0 0,0-1 0,-21 1 15,43-21-15,-22 21 16,0-22-16,0 22 0,22-21 0,-1 21 16,-21-22-16,21 22 0,43-21 15,-21 42-15,-22 0 0,-21 0 0,21 0 16,1 0-16,-22 0 15,0 21-15,-21 0 0,0 22 0,0-22 16,0 21-16,0 0 0,0 1 0,0-22 16,0 21-16,0 1 0,-21-22 15,21 21-15,-21-21 0,0 0 0,21 1 16,-22-1-16,22 0 0,0 0 16,-21 0-16,0-21 0,21 21 15,-21-21-15,0 0 16,0 0-16,-1 0 15,1 0-15,0 0 0,0 0 16,-21 0-16</inkml:trace>
+  <inkml:trace contextRef="#ctx0" brushRef="#br0" timeOffset="21220.14">7662 4763 0,'0'0'0,"0"-22"15,0 1-15,0 0 0,0 0 16,0 0-16,0 0 16,0-1-16,0 1 0,0 0 15,-21 21 1,0 0-16,0 0 16,0 21-16,-1 0 0,1 1 15,0 20-15,0 0 0,0 1 16,0-1-16,-22 85 0,43-85 15,0 22-15,-21-1 0,21 1 16,0-22-16,0 22 0,0-22 0,0 0 16,0 1-16,0-22 0,21 21 15,0-21-15,1 0 0,20 22 16,0-43-16,-21 0 0,22 0 16,-22 0-16,21 0 0,1 0 15,-22-21-15,21 21 0,0-22 0,22-41 16,-22 42-16,1-22 0,-22 22 15,21-21-15,-21 0 0,0-22 16,1 22-16,-1-22 0,0 1 0,-21-64 16,0 84-16,0-20 15,0 21-15,0-1 0,-21 1 0,0 0 16,-1-1-16,1 22 0,-21 0 16,-22 21-16,43 0 15,-21 0-15,-85 63 0,85-41 16,20 20-16,-20 21 15,0-20-15,21 20 0,-22 1 0,22-1 16,0 1-16,0-1 0,21-20 16,0 20-16,0-21 0,0 22 0,0-22 15,0-21-15,21 22 0,21-22 16,-21 0-16,22 0 0,-1 0 0,0-21 16,22 0-16,-22 0 0,22 0 15,-1 0-15,1-21 0,-22 0 0,22 0 16,-1 0-16,1 0 0,-22-1 15,21-20-15,-20 21 0,-22 0 0,42-43 16,-41 22-16,-1 21 16,0 0-16,-21-1 0,21 1 0,-42 64 47,21-22-47,-21 0 0,21 21 15,0-21-15,-21 1 0,-1 20 16,1-21-16,21 0 0,-21 22 0,21-22 15,0 0-15,-21 0 0,21 0 0,-21 0 16,21 1-16,0-44 47,0 1-47,0 0 0,21 0 16,0 0-16,-21 0 0,21-22 0,-21 22 15,21-21-15,1 21 0,-22-22 16,21 1-16,0 21 0,0 0 0,0-22 15,0 22-15,1 21 0,-1 0 16,0 0-16,-21 21 16,21 0-16,-21 1 0,0-1 0,0 0 15,21 0-15,-21 21 0,0-20 0,21-1 16,-21 0-16,22 0 0,-22 0 16,21 0-16,0 1 0,0-1 0,0-21 15,-21 21-15,21-21 0,1 0 16,-1 0-16,0 0 0,0 0 15,0 0-15,0-21 0,1 21 0,-1-21 16,0-1-16,0 1 0,0-21 16,0 21-16,-21 0 0,22-1 15,-1-20-15,-21 0 0,21 21 0,0-22 16,0 22-16,0-21 0,1 21 16,-1 21-16,-21-22 0,21 22 0,0 0 15,0 0-15,-21 22 16,0-1-16,21 0 15,-21 0-15,0 0 0,0 0 0,0 1 16,0-1 0,0-42 31,0-1-32,0 1-15,0 0 0,0 0 16,0 0-16,0 0 15,-21 21-15,0 0 16,0 0 0,0 0-16,0 21 15,21 0-15,-22 0 0,1 0 0,21 0 16,-21 1-16,0 20 0,0-21 16,0 0-16,-1 0 0,22 43 15,-21-43-15,21 0 0,0 0 16,0 1-16,0-1 0,0 0 15,0 0-15,21 0 0,-21 0 0,22-21 16,-1 22-16,0-22 0,21 0 0,-21 0 16,1 21-16,20-21 0,-21 0 15,21 0-15,1 0 0,-22 0 0,21-21 16,1 21-16,-22-22 0,21 1 0,-21 21 16,22-21-16,-22 0 15,0 0-15,0 0 0,0-1 0,0-20 0,1 21 16,-22 0-16,21-22 0,-21 22 15,0-21-15,0 21 0,21-22 16,-21 22-16,0-21 0,0 21 0,0 0 16,0-1-16,-21 22 15,0 22 1,-1-1-16,22 0 0,-21 0 0,0 21 16,21-20-16,0 20 0,0-21 15,0 0-15,0 22 0,0-22 0,0 0 16,0 0-16,21 0 0,0 0 0,1 1 15,-1-1-15,0-21 0,21 0 16,-21 21-16,22-21 0,-22 0 0,21 0 16,-21 0-16,1 0 0,20 0 15,-21 0-15,0-21 0,0 21 0,1-21 16,-1 21-16,-21-22 0,21 22 16,-21-21-16,0 0 0,21 0 15,-21 0-15,21 21 0</inkml:trace>
+  <inkml:trace contextRef="#ctx0" brushRef="#br0" timeOffset="33531.92">3598 6985 0,'0'-21'0,"21"0"16,1 0 0,-22-1-16,0 1 0,21 0 15,0 0-15,-21 0 0,0 0 16,0-1-16,21 1 0,-21 0 0,0 0 15,0 0-15,0 0 0,0-1 16,0 1-16,0 0 0,0 0 16,0 0-16,-21 21 15,21 21 1,-21 0-16,21 0 0,0 0 0,-21 22 16,-1-1-16,22 22 0,-21-22 15,0 21-15,0 1 0,0-1 16,0 1-16,-1 21 0,-20-1 15,21-20-15,-21 20 0,-1-20 0,1-1 16,21 1-16,-22-1 0,22-20 16,0-1-16,0 0 0,0 1 0,0-22 15,21 0-15,0-42 32,0 0-32,0 0 15,0-22-15,0 22 0,0-21 0,0-1 16,0 1-16,0 0 0,0-1 15,0 1-15,0-21 0,0 20 0,0 1 16,0 21-16,0 0 16,21-1-16,-21 1 0,0 42 15,21-21-15,-21 43 16,21-22-16,0 21 0,-21-21 0,21 22 16,1-1-16,-22 0 0,21 1 15,0-1-15,0 0 0,0 1 0,0-22 16,22 21-16,-22-21 0,21 1 15,1-1-15,-1 0 0,0-21 0,1 0 16,-1 0-16,21 0 0,-20 0 16,20 0-16,-20-21 0,-1 0 0,21-1 15,-20 1-15,-1 0 0,22 0 16,-22-21-16,0-1 0,1 1 16,-22 0-16,21-22 0,-21 1 0,0-1 15,1 1-15,-1-1 0,-21 1 16,0-1-16,0 1 0,0-1 0,0 1 15,0-1-15,-21 1 0,-1 20 16,-20-20-16,21 20 0,0-20 16,-22 21-16,22-1 0,-21 1 0,0 21 15,20-22-15,-20 22 0,0 21 16,-1 0-16,1 0 0,0 0 0,-43 64 16,43-22-16,21 0 15,-22 22-15,22-1 0,-21-20 16,21 20-16,-1 1 0,22-1 15,0 22-15,-21-22 0,21 22 0,0-21 16,0-1-16,21 22 0,-21-22 16,22 1-16,20-1 0,-21-20 0,0 20 15,22-21-15,-1 1 0,0-22 16,1 21-16,-1-21 0,43 22 16,-43-43-16,21 0 0,-20 0 15,20 0-15,1 0 0,-1 0 0,1 0 16,-22-21-16,22-1 0,-1 1 0,-21 0 15,22 0-15,-22-21 16,1 20-16,-1-20 0,0 0 0,-21-1 16,22 1-16,-22 0 0,-21-1 15,21 1-15,-21 0 0,0 21 0,0-22 16,0 22-16,0 0 0,0 0 16,0-22-16,-21 43 0,0 0 15,0 0-15,-1 22 0,1-22 16,-21 21-16,21 21 0,0-21 0,-22 22 15,22-22-15,0 21 0,-21 0 0,20 1 16,1-1-16,21-21 0,0 22 16,0-1-16,0-21 0,0 0 0,0 0 15,0 22-15,21-43 16,22 21-16,-22 0 0,21-21 0,1 0 16,-1 0-16,0 0 0,1 0 0,-1 0 15,0-21-15,1 0 0,-1 0 16,0-1-16,22 1 0,-22 0 0,0-21 15,1-1-15,-1 1 0,0 0 16,1-1-16,-22-20 0,0 21 0,21-22 16,-20 22-16,-22-22 0,21 22 15,-21-22-15,21 22 0,-21 0 0,0-1 16,0 1-16,0 0 0,0-1 16,0 22-16,0-21 0,0 21 0,0 0 15,-21-1-15,0 1 0,-1 21 16,1 0-16,0 0 15,0 0-15,21 21 0,-21 1 0,0 20 16,-1-21-16,22 21 0,-21 1 16,21-1-16,0 22 0,0-22 0,-21 21 15,21 1-15,-21 21 0,21-22 16,0 1-16,0 20 0,-21 1 0,21-22 16,-21 22-16,21 0 0,0-1 15,-22 1-15,1 21 0,21-21 0,-21 20 16,0 1-16,21-21 0,-21 0 15,0 20-15,21-20 0,-22 0 0,1-1 16,0 1-16,21 0 0,-21-22 16,0 1-16,21-1 0,0 1 0,-21-1 15,21-20-15,-22-1 0,22 0 16,0 1-16,0-22 0,0 0 0,0 0 16,0 0-16,22-21 0,-1 0 15,0 0-15,0-21 0,21 0 16,-20-21-16,20-1 0,0 22 0,1-42 15,20 20-15,-21-20 0,22-1 0,-1 1 16,-20-1-16,20 1 0,-20-22 16,-1 22-16,0-86 15,-21 65-15,-21-1 0,0 22 0,0-1 16,0-21-16,-21 22 0,-21-1 16,21 1-16,-43-1 0,22 22 0,0-21 15,-22 41-15,22-20 0,-1 21 16,-20-21-16,21 20 0,-1 22 0,1-21 15,0 21-15,20 0 0,-20 0 16,21 0-16,21-21 31,21 21-31,0 0 0,0 0 16,43-42-16,-22 21 0,22 21 16,-22-22-16,22 1 0,-1 0 15,1 0-15,-1-21 0,1 20 16,-1 1-16,1-21 0,-22 21 15,0-22-15,1 22 0,20-42 16,-42 20-16,0 22 0,-21-21 0,0 21 16,0-22-1,0 22-15,0 0 0,-21 0 0,0 0 0,0 21 16,0 0-16,-22 0 0,22 0 16,-21 0-16,0 0 0,20 0 0,-20 0 15,0 21-15,21 0 0,-22 21 16,22-20-16,0 20 0,0 0 15,0 1-15,21-1 0,0-21 0,0 21 16,0 1-16,0-22 0,0 0 16,21 0-16,0 0 0,0 1 0,0-22 15,0 0-15,22 21 0,-22-21 16,21 0-16,-21 0 0,22 0 0,-22-21 16,0 21-16,21-22 0,-20 1 15,-1 0-15,0 0 0,0 0 0,0 0 16,-21-1-16,0-20 0,0 21 0,21-21 15,-21 20-15,0 1 0,0 0 16,0 0-16,0 0 0,0 0 0,-21 21 31,21 21-31,0 0 0,-21 0 16,21 0-16,-21 0 16,21 22-16,0-22 0,-21 21 0,21-21 15,0 22-15,0-22 0,0 21 0,0-21 16,0 1-16,21-1 0,0 0 15,0-21-15,0 21 0,1-21 0,-1 0 16,0 0-16,21 0 0,-21 0 16,1 0-16,20-21 0,-21 21 0,0-21 15,0 0-15,22-1 0,-22 1 16,0 0-16,0-21 0,0 21 0,1-22 16,-1 1-16,0 21 0,-21-22 15,0 1-15,0 0 0,0 21 0,0-1 16,0-20-16,0 21 15,0 42 1,-21 0 0,21 22-16,-21-22 0,21 21 15,-22-21-15,22 22 0,0-1 0,0-21 16,0 21-16,0-20 0,0 20 0,0-21 16,0 0-16,0 0 0,22 1 15,-1-1-15,0-21 0,21 21 16,1-21-16,-22 0 0,0 0 15,21 0-15,-21-21 0,22 0 16,-22 21-16,0-22 0,21 1 0,-20 0 16,-1-21-16,0 21 0,0-1 15,0-20-15,22-43 0,-43 64 16,21-21-16,-21 0 0,0-1 16,0 22-16,0 0 0,0 0 0,0 0 15,0-1-15,0 1 0,0 42 31,0 1-31,-21-1 0,-1 0 0,22 21 16,-21-21-16,21 22 0,0-1 16,0 0-16,0 22 15,0-22-15,0-21 0,0 22 0,0-22 16,0 0-16,0 21 0,21-20 16,1-22-16,-1 21 0,0 0 0,0-21 15,0 0-15,0 0 0,1 0 16,-1 0-16,21 0 0,-21 0 0,22 0 15,-22 0-15,0-21 0,21 0 16,-21-22-16,1 22 0,20 0 16,-21-21-16,0-1 0,0 1 0,1 0 0,-1-22 15,0 22-15,0-22 16,-21 22-16,21-22 0,0 1 0,-21-43 16,22 43-16,-22-1 15,21 22-15,-21-1 0,0 1 0,0 0 16,0-1-16,0 22 0,0 0 15,-21 42 1,-1 0-16,1 22 16,0-1-16,0 0 0,21 1 0,-21 20 15,0-20-15,21 20 0,0-21 16,-22 22-16,22-1 0,-21 1 0,21-22 16,0 22-16,0-22 0,0 22 0,0-22 15,0 0-15,0 1 0,0-22 16,21 21-16,-21-21 0,22 0 0,-1 1 15,0-1-15,21-21 16,-21 0-16,1 0 0,-1 0 0,21 0 16,-21 0-16,22 0 0,-1 0 0,-21-21 15,21-1-15,-20 1 0,20 0 16,21-42-16,-41 20 0,41-41 16,-42 41-16,0-20 15,-21 20-15,22-20 0,-1-64 16,0 63-16,-21 1 0,21-1 0,-21 1 15,0-1-15,21 22 16,-21 0-16,0-43 0,0 43 0,0 21 16,0-1-16,0 44 15,-21-1 1,21 21-16,-21 0 16,0 1-16,21 20 0,-21-20 0,21 20 15,-22 1-15,22-1 0,-21-21 0,21 22 16,0-1-16,0-20 0,0 20 15,0-20-15,0 20 0,0-21 0,0 1 16,0-1-16,0 0 0,0-20 16,0-1-16,21 0 0,-21 0 0,22 0 15,-22 0-15,21-21 0,0 0 0,0 0 16,0 0-16,0 0 16,1 0-16,-1-21 15,0 0-15,0 21 0,-21-21 0,21 0 16,0 0-16,-21-1 0,0 1 15,22 0-15,-22 0 0,21 0 0,-21-22 16,0 22-16,0-21 0,0 21 16,0 0-16,0-22 0</inkml:trace>
+  <inkml:trace contextRef="#ctx0" brushRef="#br0" timeOffset="33828.68">7916 6900 0,'0'0'0,"21"0"16,1 0-1,-1 0-15,21 0 0,-21 0 0,22 0 16,-1 0-16,-21 0 0,21 0 0,-20 0 16,20-21-16,-21 21 0,21 0 15,-20-21-15,-1 0 0,0 21 0,0 0 16,0 0-16,0-21 0,-21 0 47,-21 21-16,0 0-15,0 0-16</inkml:trace>
+  <inkml:trace contextRef="#ctx0" brushRef="#br0" timeOffset="36536.58">9186 7366 0,'0'21'0,"0"22"15,0-22-15,0 0 16,0 0-16,0 0 0,0 0 0,0 1 16,0-1-16,0 0 15,0 0-15,21-21 16,1 0 0,-22-21-16,0 0 15,0 0-15,0-1 0,21 1 0,-21 0 16,0-21-16,21-1 0,0 1 0,-21 0 15,21-1-15,0-20 0,-21 21 16,22-22-16,-1 1 0,0-1 0,-21 1 16,21-1-16,0 1 0,-21-1 15,21 22-15,1-22 0,-1 22 0,-21 21 16,21-22-16,0 22 0,0 21 16,0 0-16,1 21 15,-22 1-15,21-1 0,-21 21 16,0-21-16,0 22 0,0-22 15,0 21-15,0-21 0,0 0 0,0 1 16,0-1-16,0 0 0,0 0 16,0 0-16,21-21 15,0 0 1,0-21-16,-21 0 0,0 0 16,0 0-16,0-1 0,0 1 15,0 0-15,0-21 0,0 21 0,0-22 16,0 22-16,-42-42 0,21 41 15,-22 1-15,22 0 0,0 0 16,0 21-16,0 0 0,0 0 0,-1 21 16,1 0-16,0 0 15,0 1-15,0 20 0,-22 0 16,22 1-16,0 20 0,21-21 0,-21 1 0,0 20 16,0-20-16,21 20 0,0 1 15,0-22-15,0 21 0,0 1 0,0-22 16,0 1-16,0-1 0,21 0 15,-21 1-15,42-1 0,-21-21 0,0 0 16,22 0-16,-22-21 0,21 22 16,1-22-16,-1 0 0,21 0 0,-20 0 15,-1-22-15,22 1 0,-22 21 16,0-21-16,1-21 0,20 21 0,-21-1 16,-20-20-16,20 21 0,-21-21 15,21-1-15,-20 22 0,-22-21 0,0-1 16,21 22-16,-21 0 0,0 0 15,0 0-15,0 0 0,-21 21 16,-1 0 0,1 0-16,0 21 0,0 0 15,0 0-15,21 0 0,0 22 0,-21-22 16,21 21-16,0 0 0,0-20 16,0 20-16,0-21 0,0 0 15,0 22-15,21-22 0,0 0 16,0 0-16,0-21 0,0 21 0,1-21 15,20 21-15,-21-21 0,21 0 0,-20 0 16,20 0-16,-21 0 0,21-21 16,-20 0-16,20 0 0,-21 0 0,21 0 15,-20-1-15,-1 1 0,0 0 16,0-21-16,-21-1 0,0 1 0,21 0 16,-21-1-16,0 1 0,0 0 0,0-1 15,0 1-15,-21 21 0,0-21 16,0-1-16,21 22 0,-43 0 0,22 0 15,0 21-15,-21 0 0,21 0 16,-1 0-16,-20 0 0,0 21 16,21 0-16,-22 0 0,22 22 0,-21-22 15,21 21-15,-1 0 0,1-20 16,0 20-16,21 0 0,-21 1 0,21-1 16,0 21-16,21-20 15,0-22-15,0 0 0,22 21 0,-22-42 16,21 22-16,1-1 0,-1-21 0,0 0 15,-21 0-15,22 0 0,-1 0 16,0 0-16,1-21 0,-1-1 16,0 1-16,1 0 0,-1 0 0,-21 0 15,22 0-15,-1-22 0,-21 22 16,0-21-16,22 21 0,-22-22 0,0 1 16,0 21-16,0-22 0,-21 22 15,0 0-15,0 0 0,0 0 0,0 0 16,-21 42 15,21 0-31,-21 0 0,0 0 0,21 0 16,0 22-16,0-22 0,-21 21 15,21 1-15,0-22 0,0 21 0,0-21 16,0 22-16,0-22 0,0 0 16,21 21-16,0-21 0,0 1 0,21-22 15,-20 21-15,20-21 0,-21 0 16,21 0-16,-20 0 0,20 0 0,0 0 15,-21 0-15,22-21 0,-22-1 16,0 1-16,21 0 0,-20 0 0,-1 0 16,0-22-16,-21 22 0,21-21 15,-21 0-15,21 20 0,-21-20 0,0 0 16,0 21-16,0-22 0,0 22 0,0 0 16,0 0-16,-21 21 15,0 0 1,21 21-16,0 0 0,0 0 15,-21 0-15,21 22 0,0-22 0,0 21 16,0-21-16,0 22 0,0-22 16,21 0-16,-21 21 0,21-20 15,0-1-15,0 0 0,1 0 0,20-21 16,-21 21-16,0-21 0,22 0 0,-22 0 16,21 0-16,-21 0 0,22 0 15,-22 0-15,0-21 0,21 0 0,-21 0 16,1 0-16,-1-1 0,0 1 15,-21-21-15,0 21 0,21-22 0,-21 1 16,0 0-16,0 21 0,0-22 0,0 1 16,0 21-16,0 0 0,0-1 15,0 1-15,0 0 0,-21 21 16,21 21-16,0 0 16,0 1-16,-21-1 0,21 0 15,-21 21-15,21-21 0,0 22 0,0-1 16,-22-21-16,22 22 0,-21-1 15,21-21-15,0 0 0,0 0 0,0 22 16,0-22-16,0 0 0,0 0 16,0-42 15,0 0-15,0 0-16,21 0 0,1-1 15,-1-20-15,0 21 0,-21-21 0,42-1 0,-21 22 16,1-21-16,20-1 15,-21 1-15,21 21 0,-20-21 0,20 20 16,-21 1-16,43 0 0,-43 21 16,0 0-16,0 0 0,-21 21 15,0 22-15,0-22 0,0 0 16,0 21-16,0-21 16,0 22-16,0-1 0,0-21 0,0 22 0,0-22 15,0 21-15,0-21 0,0 0 16,0 1-16,0-1 0,0 0 0,21 0 15,0-21-15,1 0 0,-1 0 16,0 0-16,0 0 0,0 0 0,0 0 16,1-21-16,-1 21 15,0-21-15,0 0 0,0-22 0,0 22 16,1-21-16,-1 21 0,0-22 16,0 1-16,-21 0 0,21-22 0,0 22 15,22-85-15,-43 63 0,21 1 16,0-22-16,-21 22 0,0-1 15,0 1-15,21-1 0,-21 22 0,0-1 16,0 1-16,0 0 0,0 21 16,0-22-16,0 22 15,0 0-15,0 42 16,0 0-16,0 0 0,-21 22 16,21 20-16,0 1 0,0-1 0,-21 22 15,21 0-15,-21-22 0,21 22 16,0-22-16,-21 1 0,21-1 0,0 1 15,0-22-15,0 22 0,0-22 16,0 0-16,0-21 0,0 22 0,0-1 16,21-21-16,-21 0 0,21 1 0,-21-1 15,21 0-15,0-21 16,0 0-16,1 0 16,-1 0-16,0 0 0,-21-21 15,21 0-15,0 21 16,-21-22-16,21 1 0,-21 0 0,22 0 15,-22 0-15,0 0 0,0-1 16,21 1-16,-21 0 0,0 0 16,0 0-16,0 0 0,0-1 0</inkml:trace>
+  <inkml:trace contextRef="#ctx0" brushRef="#br0" timeOffset="36820.43">12636 6710 0,'-21'0'0,"42"0"32,1 0-32,-1 0 0,0 0 15,21 0-15,1 0 0,-22 0 16,21 0-16,0 0 0,1 0 0,-1 0 16,0-21-16,1 21 0,-1 0 0,0 0 15,1-21-15,-22 21 0,21 0 16,-21 0-16,1 0 0,-22-22 15,21 22-15,-42 0 47,21-21-15</inkml:trace>
+  <inkml:trace contextRef="#ctx0" brushRef="#br0" timeOffset="37380.25">13843 6731 0,'0'0'0,"-21"0"0,0 0 16,-1 0-16,1 0 0,0 0 0,0 0 16,0 0-1,42 0 1,21 0 0,-21 0-16,22 0 0,-22 0 0,21 0 15,22 0-15,-22 0 0,22 0 16,-22 0-16,21 0 0,1 0 0,-22 0 15,22 0-15,-22 0 0,0 0 0,1 0 16,-1 0-16,0 0 0,-20 0 16,20 0-16,-21 0 0,0 0 0,-21 21 47,-21-21-32,0 0-15,0 0 16,0 0-16,-1 0 0,1 0 0,0 0 15,0 0-15,0 0 0</inkml:trace>
+  <inkml:trace contextRef="#ctx0" brushRef="#br0" timeOffset="37704.25">13758 6858 0,'0'0'0,"-21"21"0,0-21 16,21 21-16,21-21 31,0 0-31,0 0 16,22 0-16,-22 0 0,21 0 0,1 0 15,20 0-15,1 0 0,-22 0 16,21 0-16,1 0 0,-1 0 0,-20 0 16,20 0-16,-20-21 0,20 21 0,-21 0 15,1 0-15,-22 0 0,21 0 16,-21-21-16,1 21 0,-1 0 15,0 0-15,0 0 0,-42-21 63,0 21-63,0-21 16,-1 21-16,22-21 0</inkml:trace>
+  <inkml:trace contextRef="#ctx0" brushRef="#br0" timeOffset="38271.51">14668 6329 0,'0'0'0,"0"-42"15,0 20-15,0 44 63,0-1-63,0 0 15,0 0-15,0 0 0,22 0 16,-1 1-16,-21 20 16,21-21-16,0 0 0,0 0 0,0 1 15,1-1-15,-1-21 0,0 21 16,0 0-16,0-21 0,0 0 0,22 21 15,-22-21-15,21 0 0,-21 0 0,22 0 16,-22 0-16,21 0 0,1 0 16,-22 0-16,0 0 0,0 0 0,0 0 15,0 0-15,1 0 16,-44 0 0,-20 21-1,21-21-15,0 22 0,-43 20 16,22-21-16,0 0 0,-1 0 15,1 22-15,0-1 0,20-21 16,-20 22-16,0-1 0,-1-21 0,22 21 16,-21 1-16,21-22 0,-22 21 15,22-21-15,0 1 0,0-1 0,21 21 16,-21-42-16,21 21 0,-21 0 0,21 1 16,0-44 30,21 22-46,-21-21 16,21 0-16,0 0 0,0-21 0</inkml:trace>
+  <inkml:trace contextRef="#ctx0" brushRef="#br0" timeOffset="39988.21">16722 6583 0,'0'21'15,"0"0"1,0 0-1,21-21 17,0 0-32,0 0 15,0-21-15,-21 0 16,21 0-16,-21 0 0,0 0 16,22-1-16,-1 1 0,-21-21 0,21 0 15,-21 20-15,0-20 0,0 21 16,21 0-16,-21 0 0,21-1 0,-21 1 15,0 0-15,0 0 0,0 0 16,0 42 31,0 0-47,0 0 0,0 0 16,0 22-16,0-22 0,0 21 0,0 1 15,0-1-15,0 0 0,0 1 16,0-1-16,-21 0 0,21 22 0,-21-43 15,21 21-15,-21 1 0,21-1 0,-21 0 16,21-21-16,-22 22 0,22-22 16,0 21-16,-21-21 0,21 1 0,-21-1 15,21 0-15,0 0 16,0 0-16,0 0 0,-21 1 16,21-1-16,0 0 15,-21-21 16,0 0-15,-1 0 0,1 0-16,0-21 0,0 21 0,0 0 15,0 0-15,-1 0 0,1 0 16,0 0-16,-21 0 0,21 0 0,-22 0 16,22 0-16,0 0 0,-21 0 0,20 0 15,1 0 1,42 0 15,22 0-31,-22 0 0,21 0 16,1 0-16,-1 0 0,0 0 0,1 0 15,20 0-15,-21 0 0,22 0 16,-22 0-16,22 0 0,-22-21 0,0 21 16,22 0-16,-22 0 0,-21 0 15,22 0-15,-22 0 0,0 0 0,0 0 16,-21-22-16,-21 22 47,0 0-47,0 0 0,0 0 0,-1 0 15,1 0-15,-21 0 0,21 0 16,-22 0-16,22 0 0,-21 0 0,0 0 16,-64 0-16,63 0 0,1 0 15,0 0-15,21 0 0,-22 0 16,22 0-16,0 0 0,21 22 31,21-22-31,0 0 16,0 0-16,1 0 0,20 0 15,-21 0-15,21 0 0,1 0 0,-1 0 16,0 0-16,1 0 0,-1 0 16,0 0-16,-20 0 0,20 0 15,0-22-15,-21 22 0,1 0 0,-1 0 16,0 0-16,0 0 0,-42 0 125</inkml:trace>
+  <inkml:trace contextRef="#ctx0" brushRef="#br0" timeOffset="61595.68">2752 10181 0,'-22'0'16,"44"0"-16,-65 21 0,22-21 0,0 0 0,0 0 16,21 22-1,0-1 16,21-21-31,0 0 0,0 0 0,0 0 16,22 0-16,-22 0 0,21-21 16,1 21-16,-1-22 0,0 22 0,1-21 15,-1 0-15,21 0 0,-20 0 16,20 0-16,-20-1 0,20 1 0,-21 0 16,22 0-16,-22 0 15,1 0-15,-1-1 0,-21 1 0,0 0 16,0 0-16,1 0 0,-22 0 0,0-1 15,0 1-15,0 0 16,0 0-16,-22 21 0,1 0 0,0 0 16,-21 0-16,21 0 0,-22 0 15,1 0-15,0 0 0,-1 21 0,1-21 16,-22 21-16,22 0 0,0 1 0,-1-1 16,-20 21-16,21-21 15,-1 0-15,1 1 0,0 20 0,-1-21 0,22 21 16,0-20-16,0-1 0,0 21 15,21-21-15,0 22 0,0-22 16,0 0-16,0 21 0,0-21 16,0 1-16,21-1 0,0 0 0,0 0 15,0 0-15,22-21 0,-22 0 16,0 0-16,64 0 0,-64 0 16,21 0-16,-21 0 0,22 0 0,-22 0 15,0 0-15,0 0 0,0-21 16,0 21-16,1 0 0,-44 0 31,1 0-31,0 0 16,-21 0-16,21 0 0,-22 21 15,1 0-15,0 1 0,-1-1 0,1 0 16,0 21-16,-1-21 0,1 22 16,0-22-16,-1 21 0,1 1 0,-22 41 15,43-41-15,21-1 0,0 0 16,0-21-16,0 22 0,0-1 15,0-21-15,0 22 0,21-22 0,1 0 16,20 0-16,-21-21 0,21 0 16,1 21-16,-1-21 0,0 0 0,1 0 15,20-21-15,-20 21 16,20-21-16,-21 0 0,22 0 0,-1-1 16,1-20-16,-22 21 0,22 0 0,-22 0 15,22-22-15,-22 22 0,0-21 16,-21 21-16,22-1 0,-22-20 15,0 21-15,0-21 0,-21-1 0,0 22 16,0 0-16,0 0 16,-21 42 15,0 0-31,0 0 0,21 0 0,0 1 16,-21-1-16,21 0 0,-22 21 0,1-21 15,21 1-15,0-1 0,0 21 16,-21-21-16,21 0 0,-21 1 15,21-1-15,0 0 0,0 0 16,0 0-16,0-42 47,0 0-47,21 0 0,0 0 16,0-22-16,1 22 0,-22 0 0,21 0 15,0 0-15,0-1 0,0 1 16,0 0-16,1 0 0,-1 0 15,0 0-15,0 21 0,0 0 0,0 0 16,1 0-16,-1 0 0,0 0 16,-21 21-16,21 0 15,-21 0-15,21 0 0,-21 0 16,21 22-16,-21-22 0,0 0 0,22 0 16,-22 0-16,21 1 0,0-1 0,-21 0 15,21 0-15,0 0 0,0 0 16,43 1-16,-43-22 0,21 0 15,-20 0-15,20 0 0,0 0 16,1 0-16,-1-22 0,21 22 0,-20-21 16,-1 0-16,0 0 0,1 21 0,-22-21 15,21 0-15,1-1 0,-22-20 16,21 21-16,-21 0 0,0 0 16,-21-22-16,0 22 0,22-21 0,-22 21 15,0-1-15,0-20 0,0 21 0,0 0 16,-22 0-16,1-1 0,0 22 15,0-21-15,0 21 0,0 0 0,-1 0 16,-20 0-16,21 21 0,-21-21 16,-1 22-16,22-1 0,-21 0 0,21 0 15,-1 21-15,1-20 0,0 20 16,0 0-16,0-21 0,21 22 0,-21-1 16,21-21-16,0 0 0,0 22 15,0-22-15,0 0 0,0 0 0,21 0 16,0-21-16,0 0 15,0 0-15,0 0 0,1 0 16,-1 0-16,0 0 0,0 0 16,-21-21-1,0 0 1,0 0 0,0 0-1,0 0-15</inkml:trace>
+  <inkml:trace contextRef="#ctx0" brushRef="#br0" timeOffset="62447.9">2540 10351 0,'0'0'0,"-21"0"0,21-22 16,21 22 15,21 0-31,-21 0 0,43 0 0,-22 0 16,22 0-16,-1 0 15,1 0-15,-1 0 0,22 0 0,0 0 0,-1 0 16,1 0-16,0 0 0,-1 0 16,1-21-16,0 21 0,-1 0 15,1 0-15,-22 0 0,1 0 0,-22 0 16,1 0-16,-1 0 0,0 0 15,-21 0-15,1 21 0,-1-21 0,0 22 16,-21-1 0,-21 0-1,-22-21-15,22 0 0,0 21 0,-21-21 16,-1 21-16,1-21 0,0 21 16</inkml:trace>
+  <inkml:trace contextRef="#ctx0" brushRef="#br0" timeOffset="62791.72">2582 10880 0,'0'0'0,"-21"21"0,0 0 0,0-21 16,21 21-16,0 0 16,21-21-16,0 0 0,21 0 15,1 0-15,-1 0 0,0 0 16,22 0-16,-22 0 0,43 0 0,-22 0 15,22-21-15,0 0 0,-1 21 16,22-21-16,-21 0 0,21 21 0,0-21 16,-22-1-16,22 1 0,85 0 15,-86 21-15,-20 0 0,0-21 16,-1 21-16,-20 0 0,21 0 16,-22 0-16,-21 0 0,1 0 0,-1 0 15,-21 0-15,0 0 0,1 0 16,-22 21-16,-22 0 15,1-21-15,0 0 0,-21 21 16,21-21-16,-22 0 0,-20 22 16,20-22-16,-20 0 0,-1 0 0</inkml:trace>
+  <inkml:trace contextRef="#ctx0" brushRef="#br0" timeOffset="63080.07">3069 11134 0,'-42'21'0,"84"-42"0,-105 42 0,63 0 0,21-42 32,21 0-32,0 0 0,22 21 15,-1-22-15,1 1 0,21 0 16,-1 0-16,1 0 0,21 0 0,-22-1 16,1 1-16,21 0 0,-21 21 0,20-21 15,-20 0-15,0 0 16,-1 21-16,1-22 0,-21 22 0,20 0 15,1 0-15,-43 0 0,-21 0 16,22 0-16,-22 0 16,0 0 31,0-21-47</inkml:trace>
+  <inkml:trace contextRef="#ctx0" brushRef="#br0" timeOffset="65385.28">7366 10287 0,'-21'0'31,"21"-21"0,21 0-31,0 0 16,0 21-16,0-22 0,22 1 16,-22 0-16,0 0 0,21 0 0,-20 0 15,20-1-15,-21 1 0,0 0 16,0-21-16,-21 21 0,22-1 15,-22 1-15,0 0 0,0 0 0,-22-21 16,1 20-16,-21 22 0,21-21 16,-22 0-16,22 21 0,-21 0 0,0 0 15,-1 0-15,1 0 0,0 21 16,20 0-16,-20-21 0,0 22 0,21-1 16,-1 0-16,-20 21 0,21-21 0,0 1 15,21-1-15,0 0 0,-21 21 16,21-21-16,0 1 0,0 20 0,0-21 15,0 21-15,21-20 0,0 20 16,-21-21-16,21 21 0,0 1 0,0-22 16,22 21-16,-22 1 0,0-22 15,0 21-15,0-21 0,1 22 0,-1-22 16,0 21-16,0-21 0,0 22 16,-21-22-16,0 0 0,0 21 0,0-21 15,0 1-15,0-1 0,-21 0 0,0 0 16,0 0-16,-22 0 0,22 1 15,0-22-15,-21 0 0,21 21 0,-1-21 16,-20 0-16,0 0 0,21 0 0,-22-21 16,1-1-16,21 1 0,-22 0 15,1 0-15,0-21 0,21 20 16,-22-20-16,22 21 0,0-21 0,-21-1 16,42 1-16,-22 0 0,1-1 15,21 22-15,0-21 0,-21 21 0,21-1 16,0 1-16,0 42 31,21 1-31,0-1 16,-21 0-16,22 0 0,-22 21 15,21 1-15,0-22 0,0 21 0,-21-21 16,21 22-16,0-1 0,1-21 0,-1 22 16,21-22-16,-21 0 15,0 0-15,22 0 0,-1 0 0,-21 1 16,22-22-16,-1 0 0,0 0 0,1 0 15,-1 0-15,21 0 0,-20-22 16,-1 22-16,22-21 0,-22 0 0,21 0 16,-20 0-16,-1-22 0,0 1 0,1 21 15,-1-21-15,-21-1 0,22-20 16,-22 20-16,0 1 0,0-21 0,0-1 16,-21 22-16,0-22 0,0 22 0,21-22 15,-21 22-15,0 0 0,0-1 16,0 1-16,0 0 0,0-1 0,0 22 15,0 0-15,0 0 16,0 0-16,0 42 16,0 0-1,0 21-15,-21 1 0,21-1 16,0 0-16,0 1 0,0-1 0,0 22 16,0-22-16,0 21 0,0 1 0,0 42 15,0-64-15,0 0 16,0 22-16,-21-22 0,21 1 0,0-22 15,-21 21-15,21-21 0,0 22 0,-21-22 16,21 0-16,0 0 0,0 0 16,-21-21-16,21-21 47,0 0-47,0 0 15,0-22-15,0 22 0,0 0 0,21-21 16,0 21-16,0-1 0,0-20 15,22 21-15,-22-21 0,0 20 0,21 1 16,-21 0-16,22 0 0,-1-21 16,0 42-16,-20 0 0,-1-22 15,0 22-15,0 0 0,0 22 16,-21-1 0,0 0-16,-21 0 15,0 0-15,0 0 0,0 1 0,-22-1 16,22 0-16,-21-21 0,21 21 15,-22 0-15,22-21 0,-21 0 0,21 21 16,-1-21-16,1 0 0,0 0 16,0 0-16,0 0 0,0 0 15,42 0 17,0 0-32,0 22 15,0-22-15,-21 21 16,21-21-16,-21 21 0,22 0 0,-1 0 15,-21 0-15,21 1 16,0-1-16,-21 0 0,21 0 16,0 0-16,1 0 0,-1 1 15,0-22-15,-21 21 0,21-21 16,0 0-16,0 0 0,1 0 0,-1 0 16,0 0-16,0 0 0,21 0 15,-20 0-15,20-21 0,-21-1 0,21 22 16,1-21-16,-1 0 0,0 0 0,-20 0 15,20 0-15,-21-22 16,21 22-16,-20 0 0,-1-21 0,0 20 16,0 1-16,-21-21 0,0 21 0,21 0 0,-21-1 15,0 1-15,21 0 16,-21 42 31,0 0-47,0 1 0,0-1 0,0 0 15,0 21-15,0-21 0,0 1 0,0-1 16,0 21-16,0-21 0,0 0 16,0 1-16,0-1 0,0 0 0,22 0 15,-22 0-15,21-21 0,0 0 16,21 21-16,-21-21 0,1 0 0,20 0 16,-21 0-16,21 0 0,1 0 15,-22-21-15,21 0 0,1 0 16,-22 21-16,21-21 0,-21 0 0,0-1 15,22 1-15,-22-21 0,0 21 16,-21 0-16,21-22 0,0 22 0,-21 0 16,0-21-16,0 20 0,0 1 0,0 0 15,0 0-15,0 0 16,0 0-16,0 42 47,-21 0-47,21 0 0,0 21 15,0-20-15,-21-1 0,21 21 0,0 0 16,0-20-16,0 20 0,0 0 16,0 1-16,-21-1 0,21 21 15,0-20-15,0 20 0,-21 1 0,21-1 16,0 1-16,0-1 0,0 1 0,0-1 16,0 22-16,0-22 0,0 1 15,0-1-15,0 1 0,-21-1 0,21 1 16,0-22-16,0 22 0,0-1 0,0-20 15,0-1-15,0 0 0,0 1 0,0-1 16,0-21-16,-22 0 0,22 0 16,0 1-16,0-1 0,0 0 15,-21-21 17,21-21-32,0 0 0,0-1 15,0 1-15,0-21 0,0 21 16,0-22-16,0 1 0,0 0 15,0-1-15,0 1 0,0-85 16</inkml:trace>
+  <inkml:trace contextRef="#ctx0" brushRef="#br0" timeOffset="65832.17">9356 10583 0,'0'-21'16,"0"42"-16,-22-63 0,22 21 0,0 0 0,0 0 15,0-1-15,0 1 0,0 0 16,0 0-16,0 0 0,0 0 16,22-1-16,-1 1 0,0 21 0,0-21 15,21 0-15,1 0 0,-1 21 16,0-21-16,1 21 0,20 0 0,-20 0 15,20 0-15,-21 0 0,1 0 16,-1 21-16,0 0 0,-20 0 0,-1 0 0,0 0 16,0 22-16,-21-1 15,0 0-15,0 1 0,0-22 16,-21 0-16,0 21 0,0-20 0,-22-1 16,22 0-16,0 21 0,-21-21 15,20 1-15,1-1 0,-21-21 0,21 21 16,0 0-16,-22 0 0,22 0 0,0 1 15,0-22-15,0 21 0,-1-21 0,1 21 16,0 0-16,0-21 0,0 0 16,0 0-1,-1 0-15,1 0 16,21-21 0,-21 0-16,0 0 0</inkml:trace>
+  <inkml:trace contextRef="#ctx0" brushRef="#br0" timeOffset="66651.71">8848 9991 0,'0'-21'16,"-22"21"15,1 0-31,21 21 16,-21-21-16,21 21 15,0 0-15,0 0 16,0 0-16,0 1 31,21-22-31,0 0 16,1 0-16,-1-22 16,0 1-1,-21 0-15,0 0 16,0 0-16,0 0 15,0-1-15,0 1 16,-21 21-16,21-21 0,-21 21 16,-1 0-16,1 0 15,0 21-15,0 0 0,21 1 16,0-1-16,0 0 0,-21-21 16,21 21-16,0 0 15,21-21 1,0 0-1,0 0-15,0 0 16,1 0-16,-22-21 16,21 21-16,-21-21 0,0 0 15,0 0 1,-21 21 0,-1 0-1,1 0-15,0 0 16,21 21-16,-21-21 0,21 21 31</inkml:trace>
+  <inkml:trace contextRef="#ctx0" brushRef="#br0" timeOffset="68207.92">11536 9631 0,'0'0'0,"21"-21"0,0-43 15,-21 43-15,21 0 16,-21 0-16,0 0 16,0-1-16,-21 22 31,0 0-31,21 22 15,-21 20-15,0-21 0,-22 21 0,22 1 16,0-1-16,0 22 0,-22-1 0,1-21 16,21 43-16,-21-21 0,-1-1 15,1 1-15,0-1 0,-1 1 0,1-1 16,0 1-16,-1 20 0,1-20 0,0-22 16,-1 22-16,1-1 0,21-21 15,-22 1-15,22-1 0,-21 0 0,21 1 16,0-22-16,21 0 0,0 21 0,-22-42 15,22 22-15,0-1 16,22-42 31,-22-1-47,21 1 0,0 0 0,-21 0 16,21 0-16,0 0 0</inkml:trace>
+  <inkml:trace contextRef="#ctx0" brushRef="#br0" timeOffset="70252.19">11896 10075 0,'0'22'0,"21"-22"16,-21 21 0,21-21-16,0 0 15,0 0-15,0 0 16,1-21-16,-1 21 16,0-22-16,0 1 0,0 0 0,0 21 15,1-21-15,-1-21 0,0 20 16,0 1-16,0 0 0,0 0 15,-21-21-15,0 20 0,0 1 0,0 0 16,0-21-16,0 21 0,0-1 0,0 1 16,0 0-16,-21 21 15,0 0 1,0 0-16,0 21 16,21 0-16,0 1 0,0 20 15,0-21-15,0 21 0,0 1 0,0-1 16,0 22-16,0-22 0,0 0 15,0 1-15,0-1 0,0 0 16,0 1-16,0-1 0,0 0 0,0 1 0,21-1 16,-21 0-16,21 1 0,-21-1 15,21-21-15,-21 21 0,0-20 0,0-1 16,0 42-16,0-42 16,0 1-16,0-1 15,0 0-15,-21-21 31,0 0-31,0 0 16,0 0-16,-1 0 16,1-21-16,0 21 15,0-21-15,0-1 0,0 22 16,21-21 0,-22 21-16,1 0 15,21-21 157,-21 0-141,0 0-15,0 21-16,21-21 16,-21 21-1,21 21 16,0 0-15,0 0-16,0 0 16,21-21-16,0 21 0,0-21 0,0 22 15,0-22-15,1 0 0,20 21 0,-21-21 16,0 0-16,22 0 0,-1 0 16,-21 0-16,21 0 0,1 0 15,-22-21-15,21 21 0,1-22 0,-1 1 16,-21 0-16,21 0 0,-20 0 0,20 0 15,-21-1-15,21-20 16,-20 21-16,-1-21 0,-21 20 0,21-20 0,-21 21 16,0-21-16,21 20 0,-21 1 0,0 0 15,0 0 1,0 42 0,0 0-16,0 22 15,-21-22-15,21 0 0,-21 0 16,21 21-16,-21-20 0,21-1 0,0 21 0,0-21 15,-22 0-15,22 1 0,-21-1 16,21 0-16,-21 0 0,21 0 16,0 0-16,0 1 15,0-44 17,0 1-32,0 0 0,0 0 15,0 0-15,21-22 16,0 1-16,-21 21 0,22 0 0,-1-22 15,0 22-15,0 0 0,-21 0 16,21 0-16,0 0 0,1 21 0,-1 0 16,0 0-1,-21 21-15,21-21 0,-21 21 16,21 0-16,0 21 0,-21-20 0,0-1 16,0 0-16,22 0 0,-22 0 0,21 0 15,0 1-15,-21 20 0,21-21 16,0 0-16,0 0 0,1-21 15,-1 22-15,21-22 0,-21 0 0,22 0 16,-22 0-16,21 0 0,-21 0 16,64 0-16,-43-22 15,-21 22-15,22-21 0,-22 0 0,21 0 0,-21 21 16,1-21-16,-1 0 16,-21-1-16,21 1 0,0 0 15,-21 0-15,0 0 0,0 0 0,0-1 16,0 1-16,0 0 0,0 0 15,0 0-15,0 0 16,0-1-16,0 1 16,-21 0-16,0 21 15,21-21 1,-21 21 0,-1 0-16,1 0 31,0 0-31,0 0 0,0 0 15,-22 0-15,22 0 0,0 0 16,0 0-16,0 0 0,-22 21 16,22-21-16,0 21 0,0 0 0,0-21 15,0 22-15,-22-22 0,43 21 0,-21 0 16,0-21-16,0 21 0,21 0 16,-21 0-1,-1-21 126,1 0-141,0 0 15,0 0-15,0 0 0</inkml:trace>
+  <inkml:trace contextRef="#ctx0" brushRef="#br0" timeOffset="71043.73">12742 10393 0,'-21'0'78,"0"0"-78,0 0 16,0 21 0,-1-21-16,22 21 0,-21 0 15,21 1-15,-21-1 0,21 21 16,-21-21-16,21 0 0,0 1 16,0-1-16,0 0 0,0 0 0,0 0 15,0 0-15,0 1 0,0-1 16,21-21-1,0 0-15,0 0 0,1 0 16,-1 0-16,0-21 0,21 21 0,-21-22 16,1 1-16,20 0 15,-21 0-15,0 0 0,0 0 0,1-1 16,-1-20-16,0 21 0,0 0 0,-21 0 16,21-1-16,-21 1 15,0 0-15,0 42 31,0 0-31,-21 22 16,21-22-16,-21 21 0,21-21 16,-21 64-16,0-43 15,21 1-15,0-1 0,0 0 0,0 22 0,0-22 16,0 22-16,0-22 0,0 22 16,0-1-16,0 1 0,0-1 15,0 1-15,0-1 0,0 1 0,0-1 16,21 1-16,-21-22 0,0 0 0,0 22 15,0-22-15,0 0 0,0-20 16,0 20-16,-21-21 0,21 0 0,0 0 16,-22 1-16,1-22 0,0 0 0,0 0 15,0 0-15,0 0 0,-1-22 16,1 1-16,0-21 0,0 21 16,0 0-16,0-22 0,-1 1 0,1 0 15,21 20-15,0-20 0,-21 0 0,21-1 16,0 1-16,0 0 0,0 21 15,0-22-15,0 1 0,21 0 0,0-1 16,1 22-16,-1-21 0,0-1 0,0 1 16,21 0-16,-20-1 0,20-20 15,0 21-15</inkml:trace>
+  <inkml:trace contextRef="#ctx0" brushRef="#br0" timeOffset="72484.11">13525 10351 0,'0'0'0,"0"-22"15,0 1-15,0 42 32,0 1-32,0-1 0,0 0 15,0 0-15,0 21 0,0-20 16,0 20-16,0-21 0,0 21 0,0-20 15,0-1-15,0 21 0,0-21 0,0 0 16,0 1-16,0-1 0,0 0 16,0-42 31,0 0-47,0-1 0,0 1 15,0 0-15,0 0 0,0 0 0,0-22 16,22 22-16,-1-21 0,-21 21 15,21-22-15,0 22 0,0-21 0,0 21 16,1 0-16,-1-1 0,0 22 0,0 0 16,0 0-16,0 0 0,1 0 0,-1 22 15,0-1-15,0 0 0,-21 21 16,21-21-16,-21 22 0,21-22 0,-21 21 16,0-21-16,0 1 0,22 20 15,-22-21-15,21 0 0,-21 0 16,0 1-16,21-1 0,-21 0 0,21-21 15,0 0-15,0 21 0,1-21 16,-1 0-16,0 0 0,0 0 16,0-21-16,0 0 0,1 21 0,20-21 15,-21-1-15,0-20 0,0 21 0,1 0 16,-1-22-16,-21 22 0,21-21 16,-21 21-16,0-22 0,0 22 0,0 0 15,0 0-15,0 0 0,0 0 0,0 42 31,0 21-15,0-21-16,0 0 0,-21 22 0,21-22 16,0 21-16,0-21 15,0 22-15,0-22 0,0 0 0,0 43 16,0-43-16,21 0 16,0 0-16,0-21 15,0 0-15,1 0 0,-1 0 0,0 0 16,0 0-16,21 0 0,-20 0 0,-1-21 15,0 0-15,0 0 0,0-1 16,-21 1-16,21-21 0,-21 21 16,22-22-16,-22 22 0,0-21 0,0 0 15,0-1-15,0 1 0,0 21 0,0-22 16,-22 1-16,1 21 0,0 0 0,21 0 16,-21-1-16,0 1 0,0 21 15,-1 0-15,1 0 0,0 0 16,0 0-16,0 0 0,0 21 0,-1 1 15,-20-1-15,42 0 0,-21 0 0,21 21 16,-21 1-16,21-22 0,0 21 16,0 1-16,0-22 0,0 21 0,0-21 15,21 0-15,0 1 0,0-1 0,0 0 16,1-21-16,20 0 0,-21 21 16,0-21-16,22 0 0,-22 0 0,63-21 15,-62 0-15,20 0 0,0-1 16,-21 1-16,22 0 0,-1 0 15,-21-21-15,0 20 0,1-20 16,-1 21-16,0 0 0,0-22 0,0 43 16,0-42-16,1 42 15,-22 21 1,0 0-16,0 1 16,0-1-16,0 0 0,0 0 15,0 0-15,0 0 0,0 22 0,0-22 16,0 0-16,0 0 0,0 0 15,0 1-15,0-1 0,21 0 0,-21 0 0,21 0 16,0-21-16,0 21 16,0-21-16,22 0 0,-22 22 0,21-22 15,1 0-15,-22 0 0,21 0 0,0 0 16,1 0-16,-1-22 0,-21 22 16,22-21-16,-1 0 0,0 0 0,-21 0 15,22 0-15,-22-1 0,0 1 16,0-21-16,0 21 0,1-22 15,-1 1-15,-21 21 0,21-21 0,-21-1 16,0-20-16,0 42 0,-21 21 16,0 0-1,-1 0-15,1 42 0,0-21 16,21 0-16,0 22 0,-21-1 16,21 0-16,-21-21 0,21 22 15,0-1-15,0-21 0,0 0 0,0 22 16,0-22-16,0 0 0,0 0 0,21-21 15,-21 21-15,21-21 0,0 0 16,0 0-16,1 0 0,-1 0 0,0 0 16,0 0-16,21 0 0,22-42 15,-43 42-15,21-21 0,-20 0 16,-1 0-16,0 21 0,0-22 16,0 1-16,-21 0 0,-21 0 15,0 21-15,0 0 16</inkml:trace>
+  <inkml:trace contextRef="#ctx0" brushRef="#br0" timeOffset="73657.64">6731 11367 0,'0'0'0,"-42"-22"0,20 22 0,-20 0 15,21 0-15,0 0 0,-22 0 0,22 0 16,0 0 0,42 0 15,0 0-16,1 0-15,-1 0 16,0 0-16,0 0 0,0 0 0,0 0 16,1 0-16,20 0 0,0 0 0,-21 0 15,22 0-15,-1 0 0,0 0 16,1 0-16,20 0 0,-20 0 0,20 0 16,1 0-16,-1 0 0,1 0 0,-1 0 15,1 0-15,20 0 0,1 0 0,0 0 16,-1 0-16,1 0 0,0 0 15,-1 0-15,22 0 0,-21 0 16,-1 0-16,22 0 0,-21 0 0,21 0 16,0 0-16,-1 0 0,1 0 15,0 0-15,0 0 0,0 0 0,0 22 16,21-22-16,-22 0 0,22 0 0,0 21 16,-21-21-16,21 0 0,0 0 0,0 21 15,0-21-15,0 21 0,21-21 16,-21 0-16,0 0 0,22 21 0,-22-21 15,21 0-15,-21 0 0,21 21 0,0-21 16,-21 0-16,21 0 0,0 22 16,-21-22-16,22 0 0,-1 0 15,-21 21-15,169-21 0,-169 0 16,0 21-16,21-21 0,-21 0 0,0 0 16,0 0-16,21 0 0,-21 0 15,0 21-15,22-21 0,-22 0 0,0 0 16,21 0-16,106 0 15,-127 0-15,0 0 0,0 21 0,-21-21 16,21 0-16,-22 0 0,1 0 0,0 0 16,0 0-16,-21 0 0,20 0 0,-20 0 15,0 0-15,-22 0 0,1 0 16,-1 0-16,1 0 0,-22 0 16,22 0-16,-22 0 0,-21 0 0,21 0 15,-20 0-15,-1 0 0,0 0 16,-42 0 156,0 0-172</inkml:trace>
+  <inkml:trace contextRef="#ctx0" brushRef="#br0" timeOffset="78043.92">5800 13102 0,'0'0'16,"-22"0"-16,1 0 0,0 0 15,0 0-15,0 0 0,0 0 16,-1 0-16,1 0 15,0 21 1,0 1-16,21-1 0,0 0 16,0 0-1,0 0-15,0 0 0,21-21 16,21 0-16,-20 0 0,-1 0 16,0 0-16,21 0 0,-21 0 15,22 0-15,-1 0 0,0 0 0,-20-21 16,20 0-16,0 21 0,1-21 0,-1 0 15,0 0-15,1-1 0,-1 1 0,-21 0 16,21 0-16,-20 0 0,-1-22 0,0 22 16,-21 0-16,0 0 0,0 0 15,0-22-15,0 22 0,-21 0 16,0 21-16,-1-21 0,-20 21 16,21 0-16,0 0 0,-22 0 0,22 0 15,-21 21-15,0-21 0,-1 21 0,1 0 16,-43 64-16,22-64 15,20 22-15,-62 41 0,62-41 16,-20 20-16,20-21 0,22 1 0,-21-1 16,21-21-16,0 22 0,-1-1 15,22 0-15,0-21 0,0 22 0,0-22 16,22 0-16,-1 0 0,21 0 0,64 22 16,0-43-1,-64 0-15,22 0 0,-22 0 16,21 0-16,-20 0 0,-1 0 0,0 0 15,1-21-15,-1 21 0,-21-22 0,0 22 16,22-21-16,-43 0 0,21 21 16,-21-21-16,-21 0 15,0 21-15,-1 0 16,1 0-16,0 0 0,-21 0 0,21 21 16,-22 0-16,1 0 0,0 0 0,-1 1 15,1-1-15,-22 0 0,22 21 0,0-21 16,-1 22-16,1-22 0,0 21 0,21 1 15,-22-22-15,22 21 0,0 0 0,0-20 16,21 20-16,0-21 16,0 21-16,0-20 0,0-1 0,0 21 15,21-21-15,0 0 0,0 1 0,0-22 16,22 21-16,-22 0 0,21-21 0,1 0 16,-1 0-16,0 0 0,22 0 0,42 0 15,-64 0-15,21-21 0,1 0 16,-1 21-16,1-22 0,-22 1 0,22 0 15,-1 0-15,-20 0 0,-1 0 16,21-22-16,-20 22 0,-22 0 0,21 0 16,1-22-16,-22 22 0,0 0 0,0-21 15,-21 21-15,0-1 0,0 1 16,21 0-16,-21 0 0,0 42 31,0 0-15,-21 0-16,0 1 0,0 20 15,21-21-15,-21 0 0,-1 22 16,22-22-16,-21 0 0,0 0 0,21 0 16,-21 0-16,21 1 0,0-1 0,-21 0 15,0 0-15,21-42 47,0 0-47,0 0 16,21-1-16,0 1 0,-21-21 0,21 21 15,0 0-15,0-22 0,22 22 0,-22-21 16,0 21-16,0-1 0,22 1 16,-22 0-16,0 21 0,0-21 0,21 21 15,-20 0-15,-1 0 0,0 0 0,0 21 16,0 0-16,0 0 0,1 1 16,-22-1-16,42 42 0,-42-42 15,21 1-15,0 20 0,-21-21 0,21 0 16,1 22-16,-1-22 0,0 0 0,0 0 15,0 0-15,0 0 0,-21 1 16,43-22-16,-22 21 0,0-21 0,0 0 16,0 0-16,22 0 0,-22 0 0,21 0 15,1-21-15,-1 21 0,0-22 16,1 1-16,-1 0 0,0 0 0,1 0 16,-22 0-16,21-22 0,-21 22 0,43-42 15,-43 41-15,0-20 0,-21 21 16,0-21-16,0 20 0,0-20 0,0 21 15,0 0-15,0-22 0,0 22 0,0 0 16,-21 21-16,0-21 0,0 21 16,-1 0-16,-20 0 0,21 21 15,0 0-15,-22 0 0,22 1 16,-21-1-16,21 21 0,0 0 0,-22-20 16,22 20-16,0 0 0,0 1 0,21-22 15,0 21-15,0 22 0,0-43 16,0 0-16,21 0 0,0-21 0,0 21 15,0-21-15,1 0 0,-1 0 0,21 0 16,-21 0-16,0 0 0,22 0 0,-22-21 16,0 0-16,21 21 0,-20-21 0,-1 0 15,0-1-15,0 1 0,0 0 16,-21 0-16,0 0 0,21 0 0,-21-1 16,0-20-16,22 21 0,-22 0 15,0 0-15,0-1 0,0 1 0,0 0 16,0 0-16,0 0 0,21 21 15,-21-21-15,21 21 16,0 0-16,-21-22 0,21 22 16,0 0-16,-21-21 0,22 21 15,-22-21-15,21 21 16,0 0-16,-21 21 47,0 0-32,0 1-15,0-1 0,0 0 0,0 0 16,0 0-16,0 0 0,21 1 16,-21 20-16,0-21 0,0 21 15,0-20-15,21-1 0,-21 21 0,0-21 16,0 0-16,0 22 0,21-22 0,1 0 16,-22 0-16,21-21 0,-21 21 0,21-21 15,0 0-15,0 0 0,0 0 0,1 0 16,-1 0-16,21 0 0,-21-21 15,0 21-15,1-21 0,20 0 16,-21 0-16,0-22 0,22 22 0,-22-21 0,0 21 16,0-22-16,0 1 0,0 0 15,1-1-15,-22-20 0,0 21 16,21-1-16,-21-20 0,0 20 0,0 1 16,0-106-16,0 127 15,0-22-15,0 1 0,0 21 0,0 0 16,-21 0-16,21-1 0,-22 22 15,22 22-15,0-1 16,-21 0-16,21 0 0,0 21 16,0 1-16,0-1 0,0 43 15,0-43-15,0 22 0,0-22 0,0 0 16,0 1-16,0-1 0,0 0 0,0 1 16,0-22-16,0 21 0,0-21 0,0 0 15,0 1-15,0-1 0,0 0 16,0 0-16,0-42 47,0 0-47,0 0 0,21-1 15,1 1-15,-1 0 0,0 0 16,-21 0-16,21 0 0,0-1 0,0 22 0,22-21 16,-22 0-16,0 0 0,0 21 15,0 0-15,64 0 0,-64 0 16,0 0-16,1 21 0,-1 0 0,0-21 15,0 21-15,0 1 16,0-1-16,1 0 0,-1 0 0,-21 0 16,0 0-16,0 1 0,0-1 0,0 0 15,0 0-15,0 0 0,-21 0 16,-1-21-16,1 22 0,0-22 0,0 0 16,0 21-16,0-21 0,-1 0 0,1 0 15,0 0-15,0 0 0,0 0 0,-22 0 16,22 0-16,0-21 0,0-1 15,0 1-15,0 21 0,-1-21 0,22 0 16,-21 21-16,21-21 0,-21 21 16,21 21-1,0 0 1,21 0-16,0-21 16,-21 21-16,22-21 0,-1 22 0,0-1 15,0-21-15,0 21 0,0-21 16,1 0-16,20 0 0,-21 0 0,0 0 15,0 0-15,22 0 0,-22 0 0,21-21 16,-21 0-16,22 21 0,-22-22 16,21 1-16,1 0 0,-22 0 15,21 0-15,85-106 16,-106 84-16,22-20 0,-22 21 16,-21-22-16,0 22 0,21-1 15,-21 1-15,0 0 0,0-1 0,0-84 16,0 85-16,0 21 15,0-21-15,-21 20 0,21 1 16,-21 0-16,21 0 0,-22 21 16,1 0-1,21 21-15,0 0 0,0 0 0,0 22 16,-21-1-16,21 0 0,0 1 16,0-1-16,0 22 0,0-22 0,0 21 15,0-20-15,0 20 0,0-20 0,0-1 16,0 0-16,0 1 0,0-22 0,0 21 15,0 0-15,21-20 0,0-1 0,1 0 16,-1 0-16,21 21 16,-21-20-16,22-22 0,-22 0 0,21 0 15,-21 0-15,22 0 0,-22 0 0,0 0 16,21 0-16,-21 0 0,22-22 0,-22 1 16,0 0-16,21 0 0,-20 0 15,-1 0-15,0-1 0,0 1 16,-21 0-16,0-21 0,21 21 0,-21-22 0,0 22 15,0-21-15,0 21 0,0-1 0,0 1 16,0 0-16,-21 21 16,0 0-1,0 0-15,0 21 0,-1 0 16,22 1-16,0-1 0,-21 0 16,21 0-16,-21 21 0,21-20 0,0-1 15,0 0-15,0 42 0,0-41 16,0-1-16,21 0 0,0 0 0,-21 0 15,22-21-15,41 43 0,-42-43 16,22 21-16,-22-21 0,21 0 0,0 21 16,22-21-16,-22 0 0,22 0 15,-22 0-15,22 0 0,-22-21 0,21 21 16,1-21-16,-22 21 0,1-22 16,-1 1-16,0 0 0,1 0 0,-22 0 15,0 0-15,21-22 0,-42 22 0,21-21 0,1-22 16,-22 22-16,0 21 15,0-22-15,0 22 0,0-21 0,0 21 16,0 0-16,0-1 0,-22 22 16,1-21-16,0 21 0,0 0 0,0 0 15,0 0-15,-1 0 0,1 21 0,0-21 16,-42 85-16,41-64 16,1 22-16,0-22 0,0 21 15,0-21-15,21 22 0,0-22 0,0 21 0,0-21 16,0 0-16,0 1 0,0-1 0,0 0 15,0 0-15,21-21 16,-21 21-16,21 0 0,0-21 0,0 0 16,1 0-16,-1 0 0,0 0 0,0 0 15,0 0-15,0-21 0,1 21 0,-1-21 16,0 21-16,21-21 0,1-21 16,-22-1-16,0 22 0,-21-21 0,21-22 15,0 22-15,-21 0 16,0-1-16,0 1 0,0-22 0,0 22 15,0 0-15,0-1 0,0-20 0,0 21 16,0-1-16,0 1 0,0 0 0,0-1 16,0-41-16,0 62 0,0-20 15,0 21-15,0 0 0,0 0 16,0-1-16,0 44 16,0-1-16,0 0 15,0 0-15,0 21 0,0 1 16,-21-1-16,21 0 0,-21 22 0,21-22 15,0 22-15,-21 42 16,21-1-16,0-41 0,0-22 0,0 1 16,0 20-16,0-21 0,0-20 0,0 20 15,0 0-15,0-21 0,21 22 0,-21-22 16,0 0-16,0 0 0,21 0 0,0 1 16,0-1-16,1-21 15,-1 0-15,0 0 16,0 0-16,0 0 0,0 0 15,1-21-15,-1 21 0,0-22 16,-21 1-16,21 0 0,0 0 0,0 0 16,-21 0-16,22-1 0,-22 1 0,21-21 15,-21 21-15</inkml:trace>
+  <inkml:trace contextRef="#ctx0" brushRef="#br0" timeOffset="78508.52">12636 13547 0,'-21'0'16,"42"0"15,1 0-31,-1 0 15,0 0-15,0 0 0,0 0 0,0 0 16,1 0-16,20 0 0,-21 0 0,21 0 16,-20-21-16,-1 21 0,42 0 15,-42 0-15,1 0 0,-1 0 16,-21 21 0,0 0-1,-21-21 1,-1 21-16,1-21 0,0 0 15,0 0-15,0 21 0,0-21 0,-1 21 16</inkml:trace>
+  <inkml:trace contextRef="#ctx0" brushRef="#br0" timeOffset="78624.46">12467 13822 0,'0'0'16,"0"21"-16</inkml:trace>
+  <inkml:trace contextRef="#ctx0" brushRef="#br0" timeOffset="79388.03">13356 13822 0</inkml:trace>
+  <inkml:trace contextRef="#ctx0" brushRef="#br0" timeOffset="80375.32">12975 13758 0,'0'22'47,"-21"-22"-47,21 21 15,-21-21 1,0 0-16,21 21 15,-22-21-15,1 0 16,0 0-16,0 0 0,21 21 16,-21-21-16,0 0 0,-1 21 15,1-21 1,0 0-16,0 0 16,0 0-1,42 0 63,0 0-78,0 0 0,0 0 16,22 0-16,-22 0 0,0 0 16,21 0-16,-20 0 0,20-21 0,-21 21 15,21 0-15,-20 0 0,20-21 0,-21 21 16,0-21-16,0 21 0,1 0 15,-1 0-15,-42 0 47,-1 0-47,1 0 0,0 0 16,0 0-16,0 0 16,0 0-16,-1 0 15,1 0-15,0 0 0,0 0 16,0 0-16,0 0 15</inkml:trace>
+  <inkml:trace contextRef="#ctx0" brushRef="#br0" timeOffset="80744.38">12848 13483 0,'0'0'0,"-21"0"0,0 0 15,0 0-15,42 0 47,0 0-47,0 0 0,0 0 0,0 0 16,1 0-16,20 0 15,-21 0-15,0 0 0,22 0 0,-1 0 0,-21 0 16,0 0-16,22 0 0,-22 0 16,0 0-16,0 0 15,0 0-15,-21 21 16,0 1 0,-21-22-16,0 0 15,0 0-15,0 21 0,-1-21 16,1 0-16,0 0 0,0 21 15</inkml:trace>
+  <inkml:trace contextRef="#ctx0" brushRef="#br0" timeOffset="81038.22">12763 13801 0,'0'21'15,"22"-21"32,-1 0-47,0 0 0,0 0 16,0 0-16,22 0 0,-22-21 0,21 21 16,-21 0-16,0 0 0,1-21 0,20 21 15,-21 0-15,0 0 16,0 0-16,1 0 47,-1 0-47</inkml:trace>
+  <inkml:trace contextRef="#ctx0" brushRef="#br0" timeOffset="83539.91">13801 13737 0,'-43'21'16,"22"-21"-16,42 0 31,0 0-15,22-21-16,-22 0 0,21 21 15,-21-21-15,22 0 0,-1 0 0,22-1 16,-22-20-16,0 21 0,1 0 15,-1-22-15,21 1 0,-20 21 0,-22-21 16,21-1-16,-21 22 0,22-21 0,-22-1 16,0 1-16,-21 0 0,0-1 15,0 1-15,0 0 0,0-1 0,0-20 16,0 42-16,-21-22 0,0 1 0,0 21 16,-1-21-16,1 20 0,0 1 15,0 21-15,0-21 0,0 21 16,-22 0-16,22 0 0,0 0 0,0 21 0,-22 0 15,22 1-15,0-1 16,0 21-16,0-21 0,0 22 0,-1 20 16,1-21-16,0 22 0,21-22 0,0 22 15,0-1-15,-21 1 0,21 20 16,0-20-16,0 21 0,0-22 0,0 22 16,0-1-16,0 1 0,0-21 0,0 20 15,0 1-15,0 0 0,0-1 16,0 1-16,0 0 0,0-1 0,0 1 15,0 21-15,0-22 0,0 1 16,0 0-16,0-1 0,-21 1 0,21-21 0,0 20 16,0 43-1,0-63-15,0-22 0,0 0 0,21 1 16,0-1-16,0-21 0,0 0 0,1 1 16,20-1-16,-21-21 0,21 0 0,1 0 15,-22-21-15,21-1 0,1-20 16,-1 21-16,0-21 0,1-1 0,-1 1 15,0 0-15,1-1 0,-22-20 16,0 20-16,21-20 0,-21-1 0,-21 22 16,0-21-16,0-1 0,0 1 0,0-1 15,0 1-15,0 20 0,-21-20 16,0-1-16,-21 1 0,21-1 0,-1 22 16,-20 0-16,0-22 0,-1 43 15,22-21-15,-21 20 0,0 1 0,-1 0 16,1 0-16,0 21 0,-1 0 15,22 0-15,0-21 0,0 21 16,21-21 0,0-1-16,0 1 0,21 0 15,0 0-15,21 0 0,-20 0 16,20-1-16,0 1 0,22 0 16,-22-21-16,22 21 0,-1-22 15,1 22-15,-1-21 0,1-1 0,-1 22 16,1-21-16,-1 21 0,1-22 0,-1 22 15,1 0-15,-22 0 0,0 0 16,1 21-16,-1-21 0,-21-1 16,0 22-16,-21-21 0,-21 21 31,0 0-31,-21 0 16,20 0-16,1 21 0,0-21 15,-21 22-15,21-1 0,-1 0 0,-20 0 16,21 21-16,-43 22 0,43-22 15,-21-21-15,21 22 0,21-1 16,-21-21-16,21 22 0,0-22 16,0 0-16,0 0 0,0 0 0,0 0 15,21 1-15,0-22 16,21 0-16,-21 0 0,1 0 16,-1 0-16,21 0 0,-21 0 0,0-22 15,22 1-15,-22 21 0,0-21 16,0 0-16,0 0 0,1 0 0,-1-1 15,0-20-15,0 21 0,-21 0 16,0-22-16,21 1 0,-21 21 0,0-21 16,21 20-16,-21 1 0,0-21 0,0 21 15,0 0-15,0-1 16,0 44 0,0-1-1,-21-21-15,21 21 0,-21 21 0,21-21 16,0 1-16,0 20 0,0-21 15,0 21-15,0-20 0,0 20 0,0-21 16,0 0-16,0 0 0,0 1 16,21-1-16,0 0 0,-21 0 0,22 0 15,-1-21-15,0 21 0,0-21 16,0 0-16,0 0 0,1 0 0,-1 0 16,0 0-16,0-21 0,21 0 15,-20 0-15,-1 0 0,0 0 16,0-1-16,0-20 0,0 21 0,1-21 15,-1-1-15,-21 1 0,21 0 16,0-1-16,-21 1 0,21-22 0,0 22 16,-21 0-16,0-1 0,0 1 0,22 0 15,-22-1-15,0 1 0,21 0 16,-21-1-16,0 1 0,0 0 0,0-1 16,0 22-16,0-21 0,0 21 0,0 0 15,0-1-15,0 1 0,0 64 47,0-22-47,0 0 0,0 21 16,0 1-16,0 20 0,0-21 0,0 1 15,0 20-15,0-20 0,0 20 16,0-21-16,0 22 0,0-1 0,0-20 16,0 20-16,0-20 0,0 20 0,0 22 15,0-64-15,0 21 16,0 1-16,21-22 0,-21 0 0,21 0 15,0 0-15,0-21 0,1 21 0,-1-21 16,0 0-16,0 0 0,0 0 16,22 0-16,-22 0 0,21-21 0,85-21 15,-85 0-15,1 20 16,-1 1-16,0-21 0,1 21 16,-1-22-16,-21 1 0,22 0 15,-22-1-15,0 1 0,0 21 0,0-21 16,-21 20-16,21-20 15,-21 21-15,-21 21 16,0 0 0,21 21-16,0 0 0,0 0 15,0 1-15,0-1 0,0 0 0,0 0 16,0 21-16,0-20 0,0-1 16,0 0-16,0 0 0,21 0 0,0 0 15,1 1-15,-22-1 0,21-21 0,0 21 16,0 0-16,0 0 0,0 0 15,1-21-15,-22 22 16,-22-44 15,1 22-15,0-21-16,0 0 16,0 0-16,0 0 0,21 0 15,-22 21-15,22-22 0,-21 22 16,0 0-16,21 22 31,0-1-31,0 0 0,0 0 16,0 0-16,21 0 15,0 1-15,1-22 16,-1 0-16,0 21 0,0-21 0,0 0 16,0 0-16,22 0 0,-22 0 15,21 0-15,1 0 0,-1 0 0,0-21 16,1 21-16,-1-22 0,0 1 0,22 0 15,-22 0-15,0 0 0,1 0 0,-1-22 16,-21 22-16,22-21 0,-22 21 16,21-22-16,-21 1 0,22-22 15,-43 22-15,0 0 0,0 21 16,0-1-16,0-20 0,0 21 16,0 0-16,-22 21 15,1 0-15,0 0 0,0 0 16,0 21-16,21 0 0,-21 0 15,-1 0-15,1 1 0,0 20 16,21 0-16,0 1 0,-21-22 0,21 21 0,0 0 16,0 1-16,0-22 0,0 21 15,0-21-15,21 1 0,0-1 0,0 0 16,1 0-16,-1 0 0,42-21 16,-20 0-16,-1 0 0,0 0 15,-21 0-15,22 0 0,-1 0 16,-21 0-16,0-21 0,1 0 0,-1 21 0,0-21 15,0 0-15,-21-1 0,0 1 16,0 0 0,0 0-16,0 0 15</inkml:trace>
+  <inkml:trace contextRef="#ctx0" brushRef="#br0" timeOffset="134915.16">6710 14965 0,'-21'0'16,"-1"0"-16,1 0 15,0 0-15,0 0 0,0 0 16,0 0-16,-1 0 15,1 0-15,0 0 16,0 0-16,0 0 0,0 0 16,-1 0-16,1 0 0,0 0 15,0 0-15,0 0 0,-22 0 16,22 0-16,0 0 0,0 21 0,0-21 16,0 0-16,-1 0 0,1 0 15,0 0-15,0 0 16,0 0-16,0 21 0,-1-21 47,44 0 0,-1 0-32,0 0-15,0 0 16,0 0-16,0 0 0,1 0 0,-1 21 15,0-21-15,0 0 0,21 0 0,-20 0 16,-1 0-16,0 0 0,0 0 16,21 0-16,-20 0 0,20 0 15,-21 0-15,21 0 0,1 0 0,-1 0 16,0 0-16,1 0 0,20 0 0,-20 0 16,20 0-16,1 0 0,-1 0 15,1 0-15,-1 0 0,1 0 0,-1 0 16,1 0-16,-1 0 0,1 0 0,-1-21 15,1 21-15,-1 0 0,1 0 16,-1 0-16,1 0 0,-1 0 0,1 0 16,-1-21-16,22 21 0,-22 0 0,1 0 15,-1 0-15,1-21 0,20 21 16,-20 0-16,21 0 0,-22 0 16,22 0-16,-1-21 0,-20 21 0,21 0 15,-1 0-15,1 0 0,-22 0 0,22 0 16,-21-21-16,-1 21 0,22 0 15,-22 0-15,1 0 0,20 0 0,-20 0 16,21 0-16,-22 0 0,22 0 0,-22 0 16,1 0-16,20 0 0,-20-22 15,-1 22-15,1 0 0,-1 0 0,1 0 16,-1 0-16,-20 0 0,20 0 0,1 0 16,-22 0-16,22 0 0,-1 0 0,-21 0 15,22-21-15,-1 21 0,-20 0 16,20 0-16,-20 0 0,20 0 15,-21 0-15,22 0 0,-22-21 0,1 21 16,20 0-16,-21 0 0,1 0 16,-1 0-16,22 0 0,-22 0 0,0 0 15,1 0-15,-1-21 0,0 21 0,1 0 16,-1 0-16,0 0 0,1 0 16,-1 0-16,21 0 0,-20-21 0,-1 21 15,22 0-15,-22 0 0,21 0 0,-20 0 16,20 0-16,1 0 0,-22 0 15,22-21-15,-1 21 0,1 0 0,-1 0 16,-21 0-16,22 0 0,-1 0 16,1 0-16,-1-22 0,1 22 0,-1 0 15,22 0-15,-21 0 0,-1 0 16,1 0-16,-1-21 0,1 21 0,-1 0 16,1 0-16,20 0 0,-20 0 0,-1 0 15,22 0-15,-22 0 0,1-21 16,21 21-16,-22 0 0,1 0 0,-1 0 15,1 0-15,-1 0 0,1 0 0,-1 0 16,1 0-16,20 0 0,-20 0 16,-1 0-16,1 0 0,-1 0 0,1 0 15,20 0-15,-20 0 0,-1 0 0,1 0 16,-1 0-16,1 0 16,-1-21-16,1 21 0,-22 0 0,22 0 15,-1 0-15,-20 0 0,20 0 0,1 0 16,-1 0-16,-21 0 0,22 0 15,-1 0-15,1 0 0,-1 0 0,1 0 16,-1 0-16,1 0 0,-22 0 0,22 0 16,-1 0-16,1 0 0,-1 0 15,1 0-15,-22 0 0,22 0 0,-1 0 16,1 0-16,-22-21 0,21 21 0,-20 0 16,20 0-16,-20-21 0,20 21 15,-21 0-15,1 0 0,-1-22 0,0 22 16,1 0-16,-1 0 0,0-21 15,-20 21-15,20-21 0,-21 21 16,0 0-16,0 0 0,1-21 0,-1 21 16,0 0-16,-21-21 15,21 21-15,-21-21 16,21 21-16,-21-22 16,0 1-1,0 0-15,0 0 16,0 0-1,0 0 1,0-1-16,21 1 0,-21 0 16,22 0-16,-22 0 15,0 0-15,21 21 0,-21-22 0,0 1 16,0 0-16,0 0 0,21 0 0,-21 0 16,0-22-16,0 22 0,0 0 15,21 0-15,-21 0 0,0-1 0,21 1 16,-21 0-16,0-21 0,0 21 0,0-1 15,0 1-15,0 0 0,0 0 16,0-21-16,0 20 0,0 1 0,0-21 16,0 21-16,0 0 0,0-22 0,0 22 15,0 0-15,0 0 16,0-22-16,0 22 0,0 0 0,0 0 16,0 0-16,0 0 0,-21-1 0,21 1 15,-21 0-15,21 0 0,-21 0 16,0 0-16,21-1 0,-22 1 0,1 0 15,0 0-15,0 0 0,0 0 0,0-1 16,-1 22-16,1-21 0,0 0 16,0 0-16,-21 0 0,20 0 0,1 21 15,-21-22-15,21 1 0,-22 21 0,22-21 16,-21 0-16,0 21 0,-1-21 16,1 0-16,0 21 0,-1-22 0,-20 22 15,20-21-15,1 21 0,0-21 0,-1 0 16,-20 21-16,21-21 15,-1 21-15,1-21 0,0 21 0,-1-22 16,1 22-16,0 0 0,-1-21 0,1 21 16,-22-21-16,22 21 0,0 0 15,-1-21-15,1 21 0,-21-21 16,20 21-16,-20 0 0,20-21 0,1 21 16,0 0-16,-22-22 0,22 22 0,0 0 15,-1-21-15,-20 21 0,20 0 0,1 0 16,-21-21-16,20 21 0,1 0 0,-22 0 15,22-21-15,-21 21 16,20 0-16,-20-21 0,-1 21 0,1 0 0,20 0 16,-20 0-16,-1 0 0,1 0 0,-1 0 15,1 0-15,-1 0 16,22 0-16,-21 0 0,-1 0 0,1 0 16,-1 0-16,1 0 0,-1 0 0,1 0 15,-22 0-15,21 0 0,1 0 16,-1 0-16,1 0 0,-1 0 15,-20 0-15,20 0 0,1 0 0,-1 0 0,1 0 16,-1 0-16,1 0 0,-1 0 16,-20 0-16,20 0 0,-63 0 15,64 0-15,-1 0 0,1 0 16,-1 0-16,1 0 0,-1-21 0,1 21 16,-1 0-16,22 0 0,-22 0 15,1 0-15,-1-22 0,1 22 0,20 0 16,-20-21-16,-1 21 0,1 0 0,-1 0 15,1 0-15,-1-21 0,22 21 16,-21 0-16,-1 0 0,1 0 0,20-21 16,-20 21-16,20 0 0,-20 0 0,21 0 15,-22-21-15,22 21 0,-1 0 16,-84 0-16,85-21 0,-21 21 16,20 0-16,-20 0 0,20 0 0,-20-22 15,-1 22-15,22 0 16,-21 0-16,20-21 0,-20 21 0,20 0 15,1 0-15,-21-21 0,-22 0 16,21 21-16,22 0 0,0-21 16,-1 21-16,-20 0 0,21-21 0,-1 21 15,-20 0-15,20-22 0,1 22 0,-21-21 16,20 21-16,1 0 0,0-21 16,-22 21-16,22 0 0,-1-21 0,1 21 15,0 0-15,-1-21 0,1 21 0,0 0 16,-1-21-16,-20 21 0,21 0 15,-1 0-15,1-22 0,0 22 16,-1-21-16,-20 21 0,20 0 0,1 0 16,-21 0-16,20-21 0,1 21 15,-22 0-15,22 0 0,0 0 0,-1-21 16,-20 21-16,-22 0 0,43 0 16,-22 0-16,22-21 0,0 21 15,-22 0-15,22 0 0,-22 0 0,22 0 16,-21 0-16,-1-21 0,22 21 0,-22 0 15,22 0-15,-22 0 0,22 0 16,-21 0-16,20 0 0,1-22 0,-22 22 16,22 0-16,0 0 0,-1 0 0,-20 0 15,21 0-15,-1 0 16,-20 0-16,20 0 0,1 0 0,-21-21 16,20 21-16,-20 0 0,20 0 0,-62 0 15,62 0-15,1 0 16,0 0-16,-22 0 0,22 0 0,-1 0 15,1 0-15,21 0 0,-21 0 0,-1 0 16,1 0-16,21 0 0,-22 0 16,1 0-16,0 0 0,21 0 0,-22 0 15,1 0-15,0 0 0,-1 21 0,1-21 16,21 22-16,-22-22 0,1 0 16,0 0-16,-1 21 0,22-21 0,-21 0 15,0 21-15,-1-21 0,22 21 0,-21-21 16,21 21-16,-22-21 15,22 21-15,-21-21 0,21 22 0,-22-22 16,22 21-16,0-21 0,-21 21 0,20 0 16,-20-21-16,21 21 0,-21-21 15,20 21-15,1 1 0,-21-22 0,21 21 16,0 0-16,-22-21 0,1 42 16,21-42-16,0 21 0,-22 1 15,22-22-15,0 21 0,0-21 16,0 21-16,-1 0 0,-20 0 0,21-21 0,0 21 15,0 1-15,-1-22 16,1 21-16,0 0 0,0 0 0,-21 0 16,20 0-16,1 1 0,0-1 15,0 21-15,0-21 16,0 0-16,21 1 0,-22-1 0,22 0 16,-21 21-16,0-21 0,21 1 15,0-1-15,0 0 0,-21 21 0,21-21 16,-21 1-16,21 20 15,-21-21-15,21 0 0,0 0 0,0 1 16,0-1-16,0 0 0,0 21 0,0-21 16,0 1-16,0-1 0,0 0 0,0 0 15,0 0-15,0 0 0,0 1 16,0-1-16,0 0 0,0 0 0,0 21 16,0-20-16,0-1 0,0 0 15,21 0-15,-21 0 0,21 0 0,-21 1 16,0 20-16,21-21 0,0 0 15,22 22-15,-43-22 0,21 21 16,0-21-16,0 0 0,0 1 0,0-1 16,1 0-16,-1 0 0,0 0 15,0 0-15,0 1 0,0-1 16,43 21-16,-43-21 0,0 0 0,0 1 16,22-1-16,-22 0 15,0 0-15,43 0 0,-43 0 16,21 1-16,22 20 0,-43-42 15,21 21-15,-21 0 0,22 0 16,-22-21-16,21 22 0,-21-1 0,22 0 16,-1-21-16,-21 21 0,21 0 0,1-21 15,-22 21-15,21 1 0,1-22 16,-1 21-16,0 0 0,1-21 16,-1 21-16,0 0 0,1-21 0,-1 21 0,0-21 15,1 22-15,20-22 0,-21 21 16,1 0-16,20-21 0,-20 21 15,62-21-15,-62 0 0,-1 21 16,22 0-16,-22-21 0,21 0 0,-20 22 16,20-22-16,-20 0 0,20 0 0,1 21 15,-1-21-15,1 0 0,-22 0 16,21 21-16,64-21 0,-63 0 16,-22 21-16,22-21 0,-1 0 0,-20 0 15,20 0-15,1 21 0,-22-21 16,21 0-16,-20 0 0,20 0 0,-20 0 15,20 21-15,-21-21 0,1 0 16,20 0-16,-20 0 0,-22 0 0,21 22 16,0-22-16,1 0 0,-22 0 0,0 0 15,21 21-15,-20-21 0,20 0 16,-21 0-16,0 0 0,0 21 16,1-21-16,-1 0 15,0 0 1,-42 0 15,0-21-15,-1 0-16</inkml:trace>
+  <inkml:trace contextRef="#ctx0" brushRef="#br0" timeOffset="138704.45">21632 12954 0,'0'0'0,"0"-21"47,21 21-47,-21-21 16,22 0-16,-22-1 0,21 1 0,-21 0 15,0 0-15,0 0 0,0 0 16,0-1-16,0-20 0,0 21 0,0 0 16,-21 21-16,-1-21 0,1-1 0,0 22 15,0 0-15,0 0 0,0 0 16,-22 0-16,22 0 0,-21 22 15,21-1-15,-22 0 0,22 21 16,-21-21-16,21 22 0,-1-22 0,1 21 16,0-21-16,21 22 0,0-1 0,0-21 15,0 22-15,0-22 0,0 0 16,0 0-16,0 0 0,21 0 0,0 1 16,1-22-16,-1 0 0,0 0 15,0 0-15,21 0 0,-20 0 0,20 0 16,-21-22-16,21 1 0,1 0 0,-22 21 15,21-42-15,-21 21 16,1-1-16,-1-20 0,21 21 0,-21-21 16,-21 20-16,43-41 0,-43 21 15,0 20-15,0 1 0,0 0 16,21 21-16,-21 21 31,0 0-31,-21 22 0,21-22 0,0 0 16,0 21-16,-22 1 0,22-22 15,0 21-15,0-21 0,0 22 0,0-22 16,0 0-16,0 0 0,0 0 0,0 1 16,22-1-16,-1 0 15,0-21-15,0 0 0,0 0 0,0 0 16,1 0-16,20 0 0,-21 0 16,0-21-16,22 0 0,-22-1 0,0 1 15,0 0-15,0-21 0,0 21 0,22-64 16,-43 43-16,0-22 15,0 22-15,0-1 0,0-20 0,0 21 16,0-1-16,-21-20 0,-1 20 0,1 1 16,0 0-16,0-1 0,-21 1 15,-22-21-15,22 20 0,-22 22 16,22 0-16,-22 0 0,22 0 16,-21-1-16,-1 22 0,1 0 0,-1 0 15,1 0-15,-22 22 0,21-1 16,1 0-16,-22 21 0,22 1 15,-1-1-15,1 0 0,-22 22 0,22-22 16,-1 43-16,22-22 0,-22 1 16,22 20-16,0-20 0,20 21 0,1-22 15,21 22-15,0-22 0,0-20 0,0 20 16,21-21-16,1 22 0,20-22 16,0 1-16,1-22 0,-1 21 0,21-21 15,-20 22-15,-1-22 0,22 0 16,-22 0-16,21 0 0,-20-21 0,20 0 15,-20 0-15,20 0 0,-21 0 0,22 0 16,-1-21-16,1 0 0,-22 0 16,22 0-16,-22-1 0,22 1 15,20-21-15,-20 0 0,-22 20 16,0-20-16,1 21 0,-1-21 16,0 20-16</inkml:trace>
+  <inkml:trace contextRef="#ctx0" brushRef="#br0" timeOffset="139240.89">22479 12531 0,'-42'0'16,"84"0"-16,-106 0 0,43-21 0,0 21 16,0 0-16,21-22 31,21 22-31,21 0 15,-20 0-15,20 0 0,0 0 0,22-21 16,-22 21-16,22 0 0,-22 0 16,21 0-16,-20 0 0,20 0 0,-20 0 15,-22 0-15,0 0 0,0 0 0,-42 0 32,0 0-32,0 0 15,-1 0-15,-20 21 0,21-21 16,-21 0-16,20 0 0,1 22 15,0-22-15,0 0 0,0 0 0,0 0 16,-1 0-16,22 21 31,0 0-15,0 0-16,0 0 16,0 0-16,0 1 0,0 20 0,0 0 15,0 1-15,-21-1 0,21 0 16,0 22-16,-21-22 0,0 22 15,21-22-15,0 0 0,-21 22 0,21-22 0,-21 0 16,21-20-16,0 20 16,-22 0-16,22-21 0,0 1 0,0-1 15,-21 0-15,21 0 0,0 0 0,21-21 32,1 0-32,-22-21 15,21 0-15,0 0 0,0 0 0,21-1 16,-20 1-16,-1 0 0</inkml:trace>
+  <inkml:trace contextRef="#ctx0" brushRef="#br0" timeOffset="140264.43">22860 13208 0,'21'0'0,"0"0"16,0-21-1,1 0-15,-1 21 0,0-21 16,0-1-16,0 22 0,0-21 15,1 0-15,-1-21 0,0 21 0,0-1 16,-21-20-16,0 21 0,0-21 0,0 20 16,0 1-16,0 0 0,0 0 15,-21 21-15,0 0 16,0 0-16,-1 0 0,1 0 16,0 21-16,0 0 0,-21 22 15,20-22-15,1 21 0,0-21 0,0 22 16,0-1-16,0 21 15,21-41-15,0 20 0,-22-21 0,22 0 16,0 22-16,0-22 0,22 0 16,-1 0-16,0-21 0,0 0 15,0 21-15,0-21 0,1 0 0,20 0 16,0 0-16,-21-21 0,22 21 16,-1-21-16,0 0 0,-20 0 0,20-22 15,0 22-15,-21-21 0,22 21 0,-22-22 16,0 1-16,0 0 0,-21-1 15,0 1-15,0 21 0,0 0 16,0-1-16,-21 44 31,0-1-31,21 0 0,-21 0 0,21 21 16,0-20-16,0-1 0,0 21 16,0-21-16,0 0 0,0 22 0,0-22 15,21 0-15,0 0 0,0 0 0,-21 1 16,0-1-16,21 0 0,1-21 15,-22 21-15,0 0 16,-22-21 0,1 0-1,0 0-15,0 0 0,0-21 16,0 21-16,-1 0 0,1 0 16,21 21 15,0 0-31,21 1 0,1-1 15,-1-21-15,0 21 0,0-21 16,0 0-16,0 0 0,1 0 0,20 0 16,-21 0-16,21 0 0,1 0 15,-1 0-15,-21 0 0,22-21 0,-1 0 16,-21-1-16,21 1 0,-20 0 0,20-21 16,-21-1-16,0 1 0,0 0 15,22-1-15,-22-20 0,0-1 16,-21 1-16,21-1 0,0 1 0,1-1 15,-22 1-15,0-1 0,0 22 16,21-21-16,-21 20 0,0 22 0,0-21 16,0 21-16,0-1 0,0 44 31,0-1-31,-21 0 0,21 21 0,0-21 16,-22 22-16,22-1 0,-21 22 15,0-22-15,21 21 0,0 1 0,-21-1 16,21-20-16,-21 20 0,0 1 0,21-22 15,0 0-15,0 22 0,0-22 16,-22-21-16,22 22 0,0-1 16,0-21-16,0 0 0,0 1 0,0-1 15,0 0-15,0 0 0,22 0 16,-1-21-16,0 0 16,0 0-16,0 0 0,0 0 15,1 0-15,-1-21 0,0 21 0,0-21 16,0 21-16,0-21 0,-21 0 0,22-1 15,-1 1-15,-21-21 16,21 21-16,-21-22 0</inkml:trace>
+  <inkml:trace contextRef="#ctx0" brushRef="#br0" timeOffset="140488.31">23897 12996 0,'0'0'0,"21"22"15,0-1-15,1-21 16,-1 21-16,0-21 0,21 0 16,-21 0-16,22 0 0,-22 0 0,21 0 15,-21 0-15,22 0 0,-22 0 16,0 0-16,0 0 0,0-21 0,1 21 16,-22-21-16,0-1 15,0 1-15,0 0 16,0 0-16</inkml:trace>
+  <inkml:trace contextRef="#ctx0" brushRef="#br0" timeOffset="140898.09">25485 12065 0,'-22'-42'15,"1"42"-15,0-21 16,0 21-16,0 0 0,0 0 16,-1 0-16,-20 21 0,21-21 15,-21 42-15,20-21 0,-20 22 0,0 20 16,-1-21-16,1 22 0,0 21 0,-1-22 15,1 22-15,0 21 0,-1-22 16,1 1-16,21 21 0,0-22 0,0 1 16,-1 0-16,22-1 0,0-20 15,0 21-15,0-22 0,0 22 0,0-22 16,22 1-16,-1-1 0,0 1 16,21-1-16,1-20 0,-1 20 0,0-21 15,1 1-15,-1-22 0,0 21 16,22-21-16,-22 1 0,-21-22 0,22 0 15,-22 0-15,21 0 0,-21 0 0,0 0 16,1-43-16,-1 22 0</inkml:trace>
+  <inkml:trace contextRef="#ctx0" brushRef="#br0" timeOffset="143836.35">25421 12742 0,'0'0'16,"0"22"-16,-21-1 0,0-21 16,0 0-16,21 21 0,21-42 46,0 0-46,21 21 0,-21-22 0,1 1 16,-1 0-16,21 0 0,-21 0 16,0 0-16,1-1 0,-22 1 15,0 0-15,0 0 0,0 0 0,0 0 16,-22 21-16,1 0 0,0 0 16,-21 0-16,21 0 0,-22 0 0,1 0 15,21 21-15,-22 0 0,1 0 16,0 21-16,21-20 0,-22 20 0,22 0 15,21 1-15,0-1 0,-21 0 0,21 1 16,0-22-16,21 42 16,-21-42-16,21 1 0,0-1 0,22 0 15,-22-21-15,0 0 0,0 21 16,22-21-16,-22 0 0,0 0 16,0 0-16,0 0 0,0 0 0,1-21 15,-44 21 1,1 0-1,-21 0-15,21 21 0,-22-21 0,22 21 16,-21 0-16,0 1 0,-1 20 16,22-21-16,0 0 0,0 0 0,0 22 15,21-22-15,-22 0 0,22 0 0,0 0 16,0 1-16,22-1 0,-1 0 16,0-21-16,21 21 0,-21-21 0,22 0 15,-1 0-15,0 0 0,-20 0 16,41 0-16,-21-21 0,1 21 15,-1-21-15,0 0 0,1-1 0,-1 1 16,-21 0-16,22 0 0,-22-21 16,21-1-16,-21 22 0,-21-21 0,21-1 15,-21 22-15,22-21 0,-22 21 0,0 0 16,-22 42 0,22 0-1,-21 0-15,0 0 0,21 22 0,-21-22 16,0 0-16,21 21 0,-21-21 15,-1 1-15,22-1 0,0 0 0,-21 0 16,21 0-16,-21 0 0,21 1 16,-21-22-16,21-22 47,21 1-47,-21 0 15,21 0-15,0 0 0,-21 0 0,22-22 16,-1 22-16,0-21 0,0 21 15,0-22-15,0 22 0,1 0 0,-1 0 16,0 0-16,0 21 0,0 0 0,0 0 16,1 0-16,-22 21 15,0 0-15,0 0 0,0 0 0,0 0 16,0 22-16,0-22 0,21 0 16,-21 0-16,0 22 0,21-22 15,-21 0-15,21 0 0,0-21 0,0 21 16,-21 0-16,22-21 0,20 0 0,-21 0 15,0 0-15,22 0 0,-22 0 16,21 0-16,-21 0 0,22 0 0,-22-21 16,21 0-16,-21 0 0,0 0 0,1 0 15,-22-1-15,21-20 0,-21 21 16,0-21-16,21-1 0,-21 22 16,0-21-16,0 21 0,0-22 0,-21 22 15,0 0-15,-1 0 0,1 21 16,0 0-16,0 0 0,0 0 0,0 21 15,-1 0-15,1 0 0,0 0 16,0 1-16,0 20 0,0-21 16,21 21-16,-22-20 0,22 20 0,0-21 15,0 0-15,0 0 0,0 1 0,0-1 16,22 0-16,41 0 16,-42 0-16,0-21 15,1 0-15,-1 0 0,0-21 0,0 21 16,0-21-16,0 0 0,1 0 15,-22-1-15,0 1 0,21 0 0,-21-21 16,0 21-16,21-1 0,-21-20 16,0 21-16,0 0 0,0 0 15,0 42 1,0 0 0,0 21-16,0-21 0,0 1 15,0-1-15,0 0 0,0 0 0,0 0 16,0 0-16,0 1 0,0-1 0,21-21 15,0 21-15,0-21 0,1 0 16,20 0-16,-21 0 0,0 0 16,0 0-16,1-21 0,-1 21 15,0-21-15,-21-1 0,21 1 0,0-21 16,-21 21-16,0-22 0,21 1 16,-21 0-16,22-22 0,-22 22 0,21-22 15,-21 1-15,0-1 0,21 22 16,-21-21-16,21 20 0,-21 22 0,0-21 15,0 21-15,0 42 32,0 0-32,0 21 0,0 1 0,-21-1 15,0 0-15,21 22 0,-21-22 16,21 22-16,-22-22 0,1 0 0,21 1 16,0-1-16,0 0 0,-21 1 0,21-22 15,-21 0-15,21 0 16,-21 0-16,21 0 0,0 1 15,0-44 17,0 1-32,0 0 0,21 0 0,-21 0 15,21 0-15,0-1 0,0 1 0,1-21 16,-22 21-16,21 0 16,21 21-16,-21-22 0,0 1 0,1 21 0,20 0 15,-21 0-15,0 21 16,0 1-16,1-1 0,-22 0 15,21 0-15,0 0 0,-21 0 16,0 1-16,0-1 0,0 0 16,0 0-16,0 0 0,-21 0 15,0-21-15,-1 22 0,1-22 16,0 0-16,-21 0 0,21 0 16,-1 0-16,-41 0 0,42 0 15,0 0-15,-1 0 0,1 0 0,0 0 16,0 0-1,21 21-15,0 0 16,0 0 0,21 0-16,0-21 15,0 0-15,22 0 0,-22 0 0,0 0 16,21 0-16,1 0 0,-22 0 16,21 0-16,1 0 0,-1 0 15,0 0-15,1-21 0,-1 0 0,0 0 16,-21 0-16,1-1 0,20-20 0,-21 21 15,0-21-15,0-1 0,1-20 16,-1 20-16,0-20 0,-21-1 0,21 1 16,21-43-16,-42 43 0,0 20 15,0 1-15,22 21 0,-22-22 16,0 22-16,0 0 0,0 42 31,0 0-31,-22 22 16,22-22-16,-21 21 0,21 1 0,-21 20 15,0-21-15,21 1 0,0 20 16,0-20-16,0 20 0,0-21 0,0 1 16,0-1-16,0 0 0,0 1 0,0-22 15,21 21-15,0-21 16,0 1-16,1-1 0,-1 0 0,0-21 0,0 0 16,0 21-16,0-21 0,22 0 15,-22 0-15,0 0 0,0 0 0,0-21 16,1 0-16,-1 0 0,0-1 0,0 1 15,0 0-15,-21-21 0,0 21 0,21-22 16,-21 1-16,0 21 16,0-22-16,0 22 0,0 0 0,0 0 15,-21 21-15,0 0 16,0 0-16,0 21 0,0 0 16,21 0-16,0 22 0,-22-22 0,22 0 15,0 0-15,0 22 0,0-22 16,0 0-16,0 0 0,0 0 0,0 0 15,22 1-15,-1-1 0,0-21 0,0 21 16,0 0-16,22-21 0,-1 0 16,0 0-16,-21 0 0,22 0 0,20 0 15,-20 0-15,-1 0 0,0 0 16,1-21-16,-1 21 0,-21-21 16,21 0-16,1-1 0,-22 1 0,21-21 15,-21 21-15,1-22 0,-1 22 0,0-21 16,-21 21-16,0 0 0,0-22 15,0 22-15,0 0 0,-21 0 16,0 21-16,-1 0 16,-41 0-16,42 21 0,-22 0 15,22 0-15,0 0 0,0 22 0,0-22 16,0 0-16,21 21 16,0-20-16,0-1 0,0 0 0,0 21 0,0-21 15,0 1-15,0-1 0,21 0 16,0 0-16,0-21 15,0 0-15,0 0 0,1 0 0,-1 0 16,0 0-16,0 0 0,0-21 16,0 0-16,-21 0 0,22-1 0,-1-20 15,0 21-15,0-21 0,-21-1 0,21 1 16,-21 0-16,21-22 0,-21-63 16,0 64-16,22 20 0,-22-20 15,21-1-15,-21 1 0,0 20 0,21 1 16,-21 0-16,0-1 0,0 22 15,0 0-15,0 0 0,0 42 16,0 0 0,0 0-16,-21 22 0,21-1 15,0 0-15,-21 1 0,-1 20 0,22 1 16,-21-22-16,21 22 0,0-1 16,0-21-16,-21 22 0,21-22 0,0 1 15,-21-1-15,21 0 0,0 1 0,0-22 16,0 42-1,0-42-15,0 1 0,21-1 0,-21 0 0,21-21 16,0 0-16,1 21 0,-1-21 0,0 0 16,0 0-16,0 0 0,0 0 15,1-21-15,-1 0 0,0 21 16,0-21-16,0-1 0,0 1 16,22 0-16,-22 0 0,21 0 0</inkml:trace>
+  <inkml:trace contextRef="#ctx0" brushRef="#br0" timeOffset="144131.7">29654 12975 0,'0'0'0,"-21"0"15,0 21 1,42 1 0,0-22-1,1 0-15,20 0 16,0 0-16,-21 0 0,1 0 0,20 0 16,-21 0-16,0 0 0,0 0 0,-21 21 31,-21-21-31,0 0 15,0 0-15,0 0 0</inkml:trace>
+  <inkml:trace contextRef="#ctx0" brushRef="#br0" timeOffset="144293.6">29570 13187 0,'0'0'0,"0"63"16,0-41-1,21-22-15,0 0 0,0 0 16,0 0-16,1 0 0,-1 0 15,21 0-15,-21 0 0,0 0 16,22 0-16,-22 0 0,0-22 0,21 1 16,-20 0-16,-1 0 0,0 0 0,0 0 15</inkml:trace>
+  <inkml:trace contextRef="#ctx0" brushRef="#br0" timeOffset="146152.76">30713 12975 0,'21'0'32,"0"0"-32,0-21 15,0 0-15,1 0 16,-1 0-16,0-1 0,0-20 15,0 21-15,0-21 0,1-1 0,-1 1 16,0 0-16,0-22 0,-21 22 16,0-22-16,0 22 0,0-22 0,0 22 15,0 0-15,0-1 0,0 22 0,0 0 16,0 0-16,-21 21 16,0 21-16,0 0 0,-1 0 15,22 22-15,-21-1 0,0 0 16,0 22-16,0-1 0,-22 1 0,22 21 15,0-1-15,-21-20 0,-22 105 16,43-84-16,-21-1 16,21 1-16,-22 0 0,22 21 0,0-22 15,0 1-15,0 21 0,-1-22 16,22 1-16,-21 0 0,21-1 0,0-20 16,0-1-16,0 1 0,-21-1 15,21-20-15,0-1 0,0 0 0,0 1 16,0-22-16,0 0 0,21-21 0,0 0 15,1 0-15,-1 0 16,21-21-16,-21 0 0,0 0 16,22-1-16,-22-20 0,21 21 0,1-21 15,-22-1-15,0 1 0,21 0 16,-21-22-16,1 22 0,-1-22 0,-21 22 16,0-22-16,0 1 0,0-1 15,0 22-15,-21-21 0,-22-1 0,22 22 16,0-1-16,-21 1 0,-1 0 0,22 21 15,-21-22-15,21 22 0,-1 0 16,1 21-16,0-21 0,21 0 16,21 21-1,0-22-15,1 22 0,-1-21 16,21 21-16,-21 0 0,22 0 16,-1-21-16,0 21 0,1 0 0,-1-21 15,0 21-15,1-21 0,-1 21 16,0-21-16,1 21 0,-22-22 15,21 22-15,-21-21 0,-21 0 0,0 0 16,0 0-16,0 0 16,0-1-16,0 1 0,-21 0 15,0 21-15,0 0 0,0 0 16,-1 0-16,1 0 0,0 0 0,0 21 16,0 0-16,0 1 0,-1-1 0,1 0 15,0 0-15,0 0 0,21 0 16,0 1-16,0-1 15,0 0-15,0 0 16,21-21-16,0 0 0,0 0 0,1 0 16,-1 0-16,0 0 0,0 0 15,21-21-15,-20 0 0,-1 21 16,0-21-16,0-1 0,0 1 0,-21 0 16,21 0-16,-21 0 0,22 0 15,-22-1-15,0 44 31,0-1-31,0 0 0,-22 0 16,22 0-16,0 0 0,-21 1 16,21-1-16,0 0 0,0 0 15,0 0-15,21 0 16,1-21-16,-1 0 0,0 0 16,0 0-16,0 0 0,22 0 0,-22 0 15,0 0-15,21 0 0,-21-21 16,22 0-16,-22 0 0,0-21 0,0 20 15,22-20-15,-22-21 0,0 20 16,0-20-16,0-1 0,0 22 0,1-22 16,-22 1-16,21-1 0,-21 22 15,21-21-15,-21 20 0,0 22 0,0-21 16,0 21-16,0-1 0,0 44 31,-21 20-15,21-21-16,-21 21 0,-1-20 0,22 20 15,0 21-15,0-20 0,-21-1 16,21 22-16,0-22 0,0 21 0,0-20 16,0-1-16,0 0 0,0 1 15,0-22-15,0 21 0,0-21 0,0 1 16,0-1-16,21-21 16,1 0-16,-1 0 0,0-21 15,0-1-15,0 1 0,0-21 16,1 21-16,-1-22 0,0 1 15,0 0-15,0 21 0,0-22 16,-21 22-16,22 0 0,-22 0 0,21 21 16,-21 21-1,0 0 1,21 21-16,-21-20 0,0-1 0,0 21 16,21-21-16,-21 0 0,0 22 15,0-22-15,0 0 0,21 0 0,-21 0 16,0 1-16,0-1 15,-21-21 17,0 0-32,0-21 0,0 21 15,21-22-15,-22 1 0,1 21 16,0 0 0,0 0-16,0 0 15,21 21 1,0 1-16,21-1 15,0-21-15,0 0 0,0 0 16,1 21-16,-1-21 0,0 0 0,21 0 16,-21 0-16,22 0 0,-22 0 15,21 0-15,1-21 0,-22 21 0,21-21 16,-21-1-16,22 1 0,-22 0 16,0 0-16,0-21 0,0-1 15,0 22-15,-21-21 0,0-1 0,0 22 16,0-21-16,0 21 0,0 0 15,-21 21 1,0 0-16,0 21 16,21 0-16,-21 21 0,0-21 0,21 22 15,0-22-15,0 21 0,0 1 16,0-22-16,0 21 0,0 22 16,21-43-16,0 0 0,0 0 15,0 0-15,0 0 0,1-21 16,-1 0-16,21 22 0,-21-22 0,0 0 15,1 0-15,-1-22 0,0 22 0,21-21 16,-21 0-16,1 0 0,-1-21 16</inkml:trace>
+  <inkml:trace contextRef="#ctx0" brushRef="#br0" timeOffset="146506.74">32978 12213 0,'0'21'15,"42"-21"1,-21 22-16,0-1 0,0 0 16,1 0-16,20 0 0,-21 22 15,21-22-15,-20 21 0,-1 0 16,0 1-16,-21-1 0,0 22 0,0-1 15,0-21-15,0 43 0,-21-21 16,-22-1-16,22 1 0,-21-1 0,0 1 16,-1-1-16,-20-21 0,20 22 15,-20-22-15,21 1 0,-22-1 0,1 0 16,-1-21-16,22 1 0,-1 20 16,-20-21-16,21 0 0,-1 0 15,22 1-15,-21-22 0,21 21 0,-1-21 16,1 0-16,-21 0 0,21 0 15,0 0-15,-1 21 0</inkml:trace>
+  <inkml:trace contextRef="#ctx0" brushRef="#br0" timeOffset="147320.35">22648 14647 0,'21'0'0,"1"0"16,-22-21-1,0 0 1,-22 21 0,1 0-16,0 0 15,0 0-15,0 0 16,0 0-16,-1 0 0,1 0 15,0 0-15,0 0 16,21 21-16,0 0 16,21 1-1,0-22-15,0 0 16,1 21-16,-1 0 0,0-21 0,0 21 16,21-21-16,-20 21 0,-1-21 15,0 21-15,0 1 0,-21-1 16,0 0-16,0 0 0,0 0 0,0 0 15,-21-21-15,0 22 0,0-1 16,-1 0-16,1 0 0,0-21 16,0 21-16,0-21 0,0 21 0,-1-21 15,1 0-15,0 22 0,0-22 16,21 21-16,0 0 16,21 0-16,0-21 15,0 21-15,1-21 0,-22 21 16,21-21-16,-21 22 0,21-1 15,-21 0-15,0 0 0,0 0 16,0 22-16,-21-22 0,0 0 16,-22 0-16,22 21 0,0-20 0,-21-1 15,20 0-15,1 21 0,-21-21 16,42 1-16,-21-22 0,21 21 0,0 0 16</inkml:trace>
+  <inkml:trace contextRef="#ctx0" brushRef="#br0" timeOffset="147730.57">22352 16510 0,'0'0'0,"-42"42"15,63-42 32,0 0-47,-21 22 31,0-1-31,0 0 16,0 0-16,0 0 0,0 22 0,0-22 16,0 21-16,0-21 0,0 22 0,0-1 15,0-21-15,0 21 0,0 1 16,0-1-16,21-21 0,0 22 0,0-1 15,-21-21-15,22 0 0,-22 22 16,21-22-16,-21 0 0,0 0 16,0 0-16,0 0 0,-21-21 15,-1 22-15,1-22 0,0 0 16,-21 0-16,21 0 0,-22 0 16,22-22-16,-21 1 0,21 0 0,-22-21 15,22 21-15,0-22 0,0-20 0,21 20 16</inkml:trace>
+  <inkml:trace contextRef="#ctx0" brushRef="#br0" timeOffset="148108.35">22712 15706 0,'0'0'0,"-21"0"0,-22 0 0,22 0 16,-21 0-16,21 0 0,-1 0 0,1 0 16,0 0-16,42 0 15,0 0-15,22 0 16,-1 0-16,0 0 0,22 0 0,-1 0 16,22-21-16,0 21 0,-1 0 15,1-22-15,21 22 0,-21 0 16,20-21-16,1 0 0,0 21 0,0 0 15,0 0-15,-22 0 0,22 0 16,-42 0-16,-1 0 0,1 0 0,-22 0 16,-21 0-16,22 0 0,-65 0 31,1 0-31,0 0 0,-21 0 0,21 0 16,-43 0-16,22 0 0,-22 0 0,1 21 15,-1-21-15,1 0 0,-22 0 16,22 21-16</inkml:trace>
+  <inkml:trace contextRef="#ctx0" brushRef="#br0" timeOffset="148383.2">22712 15833 0,'0'0'0,"-43"21"0,-20 0 0,21-21 0,-1 0 16,22 0-16,0 21 0,42-21 16,0 0-1,22 0-15,-1 21 0,21-21 0,1 0 16,21 0-16,-1 22 0,1-22 0,0 0 15,20 0-15,-20 21 0,21-21 16,-21 0-16,-1 0 0,1 0 16,0 0-16,-22 0 0,1 0 0,-1 0 0,-21 0 15,-20 0-15,20 0 0,-21 0 16,-63 21 0,21-21-16,-1 0 15,-20 0-15,0 21 0,-1-21 0,-20 21 16,21-21-16,-22 21 0,1-21 15,-1 22-15,-21-22 0,1 21 0,-1-21 16</inkml:trace>
+  <inkml:trace contextRef="#ctx0" brushRef="#br0" timeOffset="148652.04">22204 16277 0,'-43'21'0,"86"-42"0,-128 42 16,43 1-16,21-1 0,21 0 15,42-21-15,-21 0 0,21 0 16,22 0-16,-22 0 0,22 0 15,20 0-15,1-21 0,0 21 0,-1-21 16,22 21-16,0-22 0,0 22 16,0 0-16,0 0 0,-1-21 0,1 21 15,0 0-15,-21 0 0,-1 0 0,1 0 16,-21 0-16,-1 0 0,-21 0 16,-20 0-16,-1 0 0,0 0 15,-21 21-15,-21-21 0,0 22 16,-1-22-16,-20 0 0,0 0 15,-1 21-15,1-21 0,-21 0 0,-1 0 16,1 21-16,-1-21 0,-21 0 0,1 21 16</inkml:trace>
+  <inkml:trace contextRef="#ctx0" brushRef="#br0" timeOffset="148850.93">22585 16489 0,'-43'21'16,"86"-42"-16,-149 42 0,64-21 0,20 21 15,1-21-15,42 0 16,1 0-16,20 0 0,0 0 15,1 0-15,20 0 0,1 0 16,-1 0-16,22-21 0,-1 21 0,1-21 16,0 21-16,-1 0 0,1-21 15,0 21-15,-1-21 0,1-1 0,0 22 0,-1-21 16,-20 0-16,21 21 0,-22-21 16,-21 0-16,22 0 0,-22-1 15,1 1-15,-1-21 0</inkml:trace>
 </inkml:ink>
 </file>
 
@@ -427,7 +373,7 @@
           <inkml:channelProperty channel="T" name="resolution" value="1" units="1/dev"/>
         </inkml:channelProperties>
       </inkml:inkSource>
-      <inkml:timestamp xml:id="ts0" timeString="2021-02-02T14:28:09.553"/>
+      <inkml:timestamp xml:id="ts0" timeString="2021-02-03T14:18:00.818"/>
     </inkml:context>
     <inkml:brush xml:id="br0">
       <inkml:brushProperty name="width" value="0.05292" units="cm"/>
@@ -435,87 +381,590 @@
       <inkml:brushProperty name="color" value="#FF0000"/>
     </inkml:brush>
   </inkml:definitions>
-  <inkml:trace contextRef="#ctx0" brushRef="#br0">4868 868 0,'0'0'0,"21"0"93,1 0-77,-1 0 93,0-21-93,0 21 0,0 0-16,0-21 15,22-43 1,-1 22 0,-21-22-1,43-84 16,-85 63-15,-43 85 0,22 0-16,-43 22 15,43-1-15,-233 127 32,169-42-17,85-85-15,-1 42 0,22 22 16,106 21 15,0-43-31,-64-20 16,64 41-16,-21-20 15,-43-22 1,-42-21-16,21 64 16,-21-64-16,0 64 15,-42-22 1,0-41-16,-1-1 0,-62 21 15,62-21-15,-168 0 16,41-42 0,107 0-1,-1-42 1,43 20-16,0 22 0,0-42 31,21 41-31,21 1 31,42 0-31,-41 21 16,-1-21-16</inkml:trace>
-  <inkml:trace contextRef="#ctx0" brushRef="#br0" timeOffset="339.82">5419 614 0,'0'-21'16,"0"42"-16,0-63 0,0 20 16,0 1-16,-22 42 31,22 22-15,0-22-16,0 21 0,-21 1 0,21 62 15,0-41-15,-21-1 16,0 1-16,0 21 0,21-22 0,0 1 15,-21 105 1,21-84-16,0-43 0,0 43 16,21-22-1,0-42 1,0-21-16,0 0 16,-21-21-1,0-21 1,0-22-1,0 43-15</inkml:trace>
-  <inkml:trace contextRef="#ctx0" brushRef="#br0" timeOffset="551.69">5122 1334 0,'-21'0'16,"42"0"-16,-21 0 15,21 0 1,1 0-16,-1 0 0,0 0 15,21-22-15,-21 22 0,22-21 16,-22 21-16,85-42 16,-22 0-1,-20 20 1,-43 22-16</inkml:trace>
-  <inkml:trace contextRef="#ctx0" brushRef="#br0" timeOffset="1303.08">5630 1355 0,'0'0'0,"0"21"0,0 21 15,43-21 1,41-21 0,22-42-1,0 0 1,-21-22-1,-22-20 1,-42 20 0,-21 22-1,-148 21 1,63 84 0,1 1-1,20 84 1,64 0 15,0-42-15,43-64-16,41 0 15,-41-42-15,62 0 16,1-63 0,42-43-1,-63 43 1,-85 20-16,21 22 15,0-42 1,-21 41-16,0-20 0,0 0 16,0 63 15,0 0-31,0 0 0,-21 0 16,21 22-16,0 84 15,0 42 1,0 22-1,0-107-15,-21 234 16,0-43 0,0-21-1,21-169-15,-21 105 16,-1-126-16,1 105 31,21-127-15,-21-42-16,21-21 15,0 0 1,0-43 0,0-63-16,0-105 31,0 83-31,0 86 16</inkml:trace>
-  <inkml:trace contextRef="#ctx0" brushRef="#br0" timeOffset="1665.89">6308 1651 0,'0'0'16,"-22"-21"-16,1-43 0,21-20 15,0 41 1,0-20 0,21 42-16,1-22 0,20 1 31,43-43-31,-43 64 0,0 21 15,22 0-15,42 0 16,-85 0-16,0 21 16,21 64-1,-42-43 1,-21 1-16,-42 20 16,-22 22-16,43-64 15,20 0-15,-105 64 16,85 0-1,21-64 1,42-21 0,85-85 15,-85 64-31</inkml:trace>
-  <inkml:trace contextRef="#ctx0" brushRef="#br0" timeOffset="2105.66">7048 1397 0,'22'0'16,"-44"0"-16,107-42 16,-64 42-16,0-21 0,1-1 15,41-62 1,-63 63 0,0-1-1,-63 22 1,-64 85-1,21 21 1,85-64 0,21-21-16,0 22 15,21-1 1,85 0 0,-43-20-1,1-1 1,-22 42-1,-42-42 1,-106 22 0,43-22-1,-64 0 1,63 0 0,43-21-1,0 0-15,0 0 16,21-21-1,0 0 1</inkml:trace>
-  <inkml:trace contextRef="#ctx0" brushRef="#br0" timeOffset="2621.42">8953 762 0,'0'0'0,"0"-42"0,43-43 16,-22 43-16,21-64 16,-42 0-1,21 85 1,-21 0-16,0 42 16,0 0-1,0 0-15,0 64 16,0 84-16,0 43 15,-42 0 1,42-149-16,0 1 16,-42 126-1,21-105 1,-1-22 0,22-42-16,0 1 0,-21-22 15,21-22 16,21 1-31,22-42 16,-22 42-16</inkml:trace>
-  <inkml:trace contextRef="#ctx0" brushRef="#br0" timeOffset="3022.2">9250 1122 0,'21'-21'0,"-42"42"0,42-21 31,-21 63-16,-21 22 1,21-64-16,-21 64 16,-1-22-1,22 22 1,22-64-16,20-21 16,21 0-1,1-42 1,-43 42-16,21-21 0,1-85 15,-43 21 1,-21 1 0,-22 20-1,22 43-15,-21 21 0,-43 0 32,22 21-32,-1 21 15,43-20 1,0-22-16,0 0 15,21-22 17,0 1-32</inkml:trace>
-  <inkml:trace contextRef="#ctx0" brushRef="#br0" timeOffset="3286.05">8826 1016 0,'-21'0'0,"42"0"0,-63 0 16,84-21 0,128-21-1,-64 20 1,-64 1-16,21 0 0,-20 21 16,20-21-16,-20 0 0,-1 21 0,85-21 31,-106 21-16,0 0-15,-42 0 47,0 0-47</inkml:trace>
-  <inkml:trace contextRef="#ctx0" brushRef="#br0" timeOffset="6207.88">11155 1270 0,'0'0'0,"21"21"16,0-21-16,0 0 0,0 0 15,22-21 1,-1-42-16,-21 41 16,43-41-1,-22-43-15,-42 85 16,0 0-16,0-85 15,-42 64 1,21 42-16,-1-22 0,-41 22 16,-43 22-1,64-1-15,-1 0 0,1 21 0,-85 106 32,42-21-32,64-21 15,21-21 1,21-64-1,43 0 1,21-21-16,-64 0 0,148-84 16,-148 62-1,22 1-15,-22-21 0,21 0 16,0-22 0,-20 22-1,-22 21 1,0 42-1,0 0 1,0 0-16,0 21 0,0 43 16,-22 106-1,22-128-15,0 1 0,0 84 16,0-64-16,0 1 0,0 169 16,0 0-1,43 127 1,-22-212-1,0-84-15,-21 0 16,0 232 0,-42-190-1,-43-42 1,-63-43-16,106-42 16,-22 0-16,-211-63 15,63-22 1,149 43-16,-128-106 15,85-1 1,85 86-16,64-276 31,-22 276-31,63-107 16,149-189 0,127-22-1,-64 105 1,-20 44-16,-65 62 15,-105 1 1,-127 42 15,-43 106-15,43 21-16,-42 21 16,-22 42-1,0 128 1,85-64-1,22 0 1,20-85 0,-21-21-16,148-21 15,-105 0 1,-22 0-16,64-63 16,-64 42-16,22-22 15,-22 1-15,-21 21 0,43-106 31,-43 63-31,-21 43 16,0-21 0,0 63-1,0 43 1,0 41 0,-21-62-1,0-1-15,21-21 0,0 22 16,0-22-16,-21 0 0,21 0 15,0-42 17,42-21-17,-42 20-15,21-20 0,43-64 32,-22 22-17,-21 62-15,21 1 0,-20 21 16,-1 0-1,-21 85 1,0-64-16,0 21 0,21 43 16,0-64-16,-21 22 15,21-22 1,0 21-16,43 0 16,-22-42-1,43 0 1,21-63-1,42-106 1,-148 42 0,0 84-1,0 1 1,-21 42 0,-64 85 15,85-43-31,-21 21 15,21 22 1,0 21 0,42-85-16,-21 0 15,85-21 1,-21-21 0,63-42-1,-84-22 1,-43 64-16,0-22 0,42-62 15,-41 62 1,-22 64 15,0 1-31,0-1 16,0 42-16,0 22 16,21 21-1,-21-85-15,0 0 16,21-21-16,0 21 0,106 0 31,-63-21-31,41-21 16,-62 21-1,63-63-15,-64 42 16,-21-1-16,64-147 16,-85 42-1,0 85 1,-85 42-1,64 0-15,-43 21 16,-20 64 0,20 42-1,43-64 1,42 64 15,0-127-15,43 0-16,-1 0 15,-41-21-15,62-64 32,-84 1-17,0-1 1,0 43-16,0 20 16,0 44-1,0-1 1,0 0-16,0 42 15,0-41-15,0-1 0,0 42 16,0-42-16,0 1 0,0 62 16,43-63-1,-22-21-15,21 22 16,-21-22-16,0 0 0,64 0 16,21-64-1,-85 43-15,21 0 0,64-106 31,-63-21-31,-22-22 32,-21 22-32,0 106 0,0-1 15,0-20 1,0 84 0,0 0-16,0 0 15,0 22-15,0-1 0,0 0 16,-21 1-16,-22 232 15,22-169 1,21 21 0,0-85-16,0-21 0,0 22 15,21-22-15,0 0 0,43-21 16,-43 0-16,64 0 16,21-21-1,-64 0-15,-21-1 16,0 1-16,22 0 0,-22-21 15,21-85 1,-42 84-16,0-20 31,-21 63-31,0 0 16,0 42-16,-22 22 16,22 20-1,21-20 1,0-1-1,21-63-15,0 22 0,43-22 16,-43 0-16,43 0 16,84-22-1,-64-20 1,-41 21-16,-22 0 0,21-85 16,-21 21-1,-21 43 1</inkml:trace>
-  <inkml:trace contextRef="#ctx0" brushRef="#br0" timeOffset="6479.72">14478 868 0,'0'0'0,"0"21"15,21-21 1,0 0-1,0 0-15,22 0 0,105 0 16,-63-21 0,-1 0-1,-41 21-15,-1 0 0,43-21 16,-43 21 15</inkml:trace>
-  <inkml:trace contextRef="#ctx0" brushRef="#br0" timeOffset="7031.64">17526 931 0,'0'-63'16,"0"126"-16,21-168 0,0-65 31,-21 86-15,0 41-16,0-41 16,0 62-16,0 1 15,-21 21-15,0 0 0,-21 64 16,20-43-1,1 21-15,-21 212 16,21-84 0,0-107-16,-43 318 15,22-212 1,42-126-16,-21 41 16,-1-41-16,22-22 0,0 42 15,0-41-15,0-1 31,0-42-15,0-1-16,0 1 16,0-42-16,-21 42 0,21-22 15,0-20-15</inkml:trace>
-  <inkml:trace contextRef="#ctx0" brushRef="#br0" timeOffset="8212.56">17081 995 0,'0'0'0,"-21"-42"0,0-1 0,0 1 16,21 0-16,-42-22 16,42 22-16,-22-64 15,22 85-15,106-127 16,21 42 0,64 21-1,-1 64 1,-126 21-16,-1 0 0,85 42 31,-105 1-31,20 62 0,-20 65 16,-43-107-1,-22 64-15,-20-63 0,21-1 16,-43 1-16,-84 84 16,-42-42-1,105-43 1,43-42-16,-1-21 0,1 22 0,-21-22 15,41 0-15,-41-43 16,63-63 0,0 22-1,0-22 1,63 42 0,-20 86-1,-43-1-15,42 106 16,-42 0-1,0-64-15,0-20 16,42 84 0,22 0-1,-1-64 1,-20-42-16,-1-21 16,0 0-16,128 0 15,-64-63 1,-64 42-16,43-43 15,-43 1 1,-42-43 0,-42 42 15,-43 85-15,43 64-1,-22 42 1,43 21 15,21-127-31,42 22 16,64-22-1,0-21 1,169-127 0,-190 63-1,42-105 1,-85 84-1,-21 43-15,22-212 16,-43 191 0,0-43-1,0 85 1,-22 21 0,22 42-1,-21 0-15,21 1 0,0-1 16,0 43-16,0 105 15,0-126-15,21-1 16,1 149 0,-22-149-16,0 85 15,-22 170-15,-20-170 16,21-63-16,-21-1 16,-64 319-1,63-255 1,-41 63-1,63-105 1,-1-85-16,1 22 0,21-22 16,0-42 15,0 0-31,0-1 0,21-20 0,22-21 16,-22-1-16,21 22 15,64-233 1</inkml:trace>
-  <inkml:trace contextRef="#ctx0" brushRef="#br0" timeOffset="8558.36">18563 1799 0,'0'0'0,"-21"-84"0,0 41 0,21 22 0,-21-21 15,21 21-15,0-85 16,63 42-1,22 1 1,-43 42-16,43-22 16,-43 22-16,0 21 0,64 0 15,-85 21-15,1 22 16,-22 41 0,-43 1-1,22-64-15,0 0 0,-106 85 31,85-85-31,20 0 0,-20 1 16,21-1 0,42-42 15,0 21-15,0-22-16,22 1 0</inkml:trace>
-  <inkml:trace contextRef="#ctx0" brushRef="#br0" timeOffset="9019.1">19219 1334 0,'21'-22'15,"-42"44"-15,42-65 0,-42 43 32,0 21-32,0 22 15,-21 20 1,42-42-16,-22 43 15,1-1 1,21 22 0,43-43-1,20-42 1,1 0 0,63-105-1,-106-22 1,-21 21-1,-21 63-15,-1 1 16,-41 0 0,-1 42-1,1 63 1,42 1 0,0-43-16,21 0 0,0 43 31,0-43-31,63 0 15,-42-21 1,22 0-16,-1 0 0,-21 0 16,85-21-16</inkml:trace>
-  <inkml:trace contextRef="#ctx0" brushRef="#br0" timeOffset="9424.56">19664 1334 0,'0'-22'0,"0"-62"31,0 190-31,21-233 16,0 127-16,0-22 0,0 22 15,1 0-15,20 22 16,-42-1-16,0 0 0,21 42 16,-21-20-1,0-1-15,0-21 0,0 127 31,0-84-15,0-43-16,-21 0 16,0-21 15,21-84-15,42-1-1,-21 43-15,22-85 16,20 0-1,1 0 17,-43 105-17,42 22 17</inkml:trace>
-  <inkml:trace contextRef="#ctx0" brushRef="#br0" timeOffset="9817.06">20743 656 0,'0'0'0,"0"-42"0,21 21 0,1-64 32,-22 43-17,0 63 1,0 0-16,0 0 0,-22 43 15,22-22-15,-21 0 0,0 1 16,-85 168 0,-21 1-1,85-64 1,42-105-16,-21-1 0,21 106 31,21-127-31,85 22 16,-64-43-1,-21 0-15,85-22 32,-85 1-32,43 0 0,-43 0 15,0-21-15,0 20 16,-21 1-16,21-21 16,-21 21-16,0 0 0,0-22 15</inkml:trace>
-  <inkml:trace contextRef="#ctx0" brushRef="#br0" timeOffset="10100.75">20510 974 0,'0'0'16,"0"-21"-16,43-1 15,-1 22-15,85-42 16,169-21 15,-147 20-15,-22 1-1,-85 42 1,-21 0 0,-42 0-1,0 21-15,-22 0 16,22 0-16,0 1 0,-64 20 15</inkml:trace>
-  <inkml:trace contextRef="#ctx0" brushRef="#br0" timeOffset="11400.26">5207 2371 0,'-21'0'0,"42"0"0,-63 0 0,20 0 16,1 0-16,0 0 0,21-21 0,21 21 31,64 0-16,-22 0 1,-20 0-16,63 0 16,63 0-16,85 0 31,-21 0-31,-149 0 16,1 0-16,402 0 15,-21 0 1,-85 0-1,21-22 1,254 1 15,-148 21-15,21-21 0,-84 21-1,486-21 1,-423 0-1,190 0 1,22-1 0,360 1 15,-361 0-15,-190 21-1,-21-21 1,487 21 15,-825 0-31,465 0 16,-318-21-1,-148 21-15,466-21 16,-317 21 0,-170 0-16,297-22 15,-318 22-15,635 0 31,-635-21-31,169 21 16,-148 0 0,-63 0-16,105-21 15,-84 21 1,-64 0 0,-20 0-16,-1 0 0,-21-21 46,-21 21-14,-1 0-17,1 0-15</inkml:trace>
-  <inkml:trace contextRef="#ctx0" brushRef="#br0" timeOffset="20820.95">3217 3874 0,'-21'-43'0,"21"22"16,0 0-16,-21-21 15,21 63 32,0 0-47,0 0 0,0 21 0,21 170 32,-21-85-32,0-63 0,0 105 15,0-63 1,0-64-16,0 85 31,0-63-31,0-43 16,0-42 15,0-1-15,0 1-16,0 0 0,0 0 15</inkml:trace>
-  <inkml:trace contextRef="#ctx0" brushRef="#br0" timeOffset="21571.04">3641 4318 0,'0'0'0,"21"64"16,-21-43-1,0 0-15,0 21 16,0-21-1,0 1 1,21-22-16,0 0 31,0-43-15,-21 22-16,0 0 16,0 0-16,0 0 15,-21-22-15,0 43 16,0 0-1,0 21 1,21 1-16,0-1 0,0 21 16,0-21-16,-22 0 15,22 1-15,22-1 32,-1-21-32,42-43 15,-42 1 1,-21 0-1,0-43 1,-21 64 15,0 21-31,-21 0 16,21 21-16,21 0 16,-22 43-16,22-43 15,0 0-15,0 0 16,0 0-1,22-21 1,-1 0-16,0 0 16,-21-21-16,21 21 0,-21-21 15,0-21 1,0 21-16,0-1 16,-21 22-1,0 0 1,0 0-1,-1 22 1,1-1 0,21 0-1,21-21 1,22 0 0</inkml:trace>
-  <inkml:trace contextRef="#ctx0" brushRef="#br0" timeOffset="23579.54">5842 3916 0,'0'0'0,"0"-21"0,21-43 15,-21 43-15,0 0 16,0-85 0,0 21-1,-42 22 1,-43 63-1,64 21-15,-43 64 16,22 21 0,-21 148-1,41 21 1,22 0 15,43-169-31,63-43 16,-1-42-1,-62-21-15,-1 0 0,127-84 32,-126 63-32,63-64 15,-22-42 1,-20-42 0,-43-128-1,-85 107 1,-63-1-1,43 128 1,-149 20 0,42 128-1,86 42 1,62 0 0,43-63-16,0 20 0,85 255 15,-22-233 1,86 0-1,41-43 1,-126-63 0,211-42-1,-169-1 1,-64 22-16,64-42 16,0-43-16,-85 64 15,0 20-15,0-41 16,-42 126 15,-21-20-15,42-1-16,-43 170 31,43-149-31,0-20 16,43-65 30,-43 1-46,21 0 0,0 0 0,-21-43 16,63-63 0,1 0 15,-43 127-15,21 85-1,-20-43 1,41 85-1,-21-63 1,1-43 0,-22 0-16,21-21 15,-21 0-15,64-21 32,-21-42-32,20-43 15,-41 21 1,62-63 15,-105 127-31,22 21 16,-1 0-16,-21 63 15,0-42-15,0 1 16,21 41 0,-21-42-1,0 0-15,21-21 16,0 0-1,0-21-15,-21 0 16,0 0 0,0 0-16,0-64 15,-21 64 1,0 0-16,-21-22 0,-22 43 16,22 0-1,-22 85 1,22 21-1,42-64-15,0-21 0,0 85 32,0-63-32,0 41 15,64-41-15,20-1 16,-41-42 0,-1 0-16,170-21 15,-107-22 1,44-20-16,-65 21 15,-63 20-15,1-20 0,-1 21 16,0-21-16,0-107 16,-21 86-1,0 42 1,-21 21-16,0 0 16,0 21-16,-1 0 0,-41 85 31,42 0-31,0 63 31,21-127-31,148 64 31,-85-106-15,22 0-16,-43-21 16,22 0-16,-43 0 15,21 0-15,43-85 16</inkml:trace>
-  <inkml:trace contextRef="#ctx0" brushRef="#br0" timeOffset="27175.01">10266 3979 0,'0'0'0,"-21"0"0,21-21 16,0 0 15,63 0-15,-42 21-16,43-21 16,63-64-1,0 0 1,-64-20-1,-63-1 1,-42 42 0,-64 43-16,-42 42 31,42 64-31,-21 63 31,127-42-31,0-64 16,0 1-16,42 126 15,-20-148-15,20 43 16,64-22 0,-85-42-16,21 0 0,22 0 15,-22 0-15,0 0 0,22-42 16,-43 20-16,-21 1 16,0 0-1,-21 21-15,-21 0 16,-1 0-16,22 21 0,-169 85 15,147-85 1,22 22-16,0-1 0,0-21 16,-22 43-16,22 41 15,21-83 1,43 62 0,20-63-16,-42-21 15,64 0 1,0 0-16,-43 0 15,-21-21-15,64-63 16,-43 41 0,0 1-16,22-64 15,-43 64-15,21-1 0,-20 1 16,20 21-16,170-85 16,-170 106-1,21 0-15,43 42 16,-63 64-1,-43-63-15,-22 126 32,-41-42-17,-1-64 1,64-41-16,0-44 31,0 1-15,22 0-16,-1-21 15,0 21-15,21-64 0,-21 43 16,1-1-16,-1 1 0,63-85 16,-20 21-1,-43 64 1,-21 63 0,-85 106 15,64-42-16,0-43-15,0 64 0,21 0 16,63-1 15,86-83-15,-22-22 0,21-43-16,-85 22 15,107-106 1,-65-21-1,-105 84 1,0-41 0,0 83-16,-21 1 0,-85 0 15,22 85 1,63-43-16,-64 106 16,85-43-1,0 43 1,190-21 15,-41-106-15,-107 0-16,64-21 15,-22-42 1,-20-1 0,-22-42-1,43-84 16,-22 147-15,-41 43-16,-1 0 16,21 85 15,-21-85-31,-21 21 16,21-21-1,-21-21 16,0-21-31,0-22 16,-21 43 0,0 21-16,-42 0 31,20 21-31,22 0 16,-21 22-16,21-1 15,21-21-15,-22 43 16,1-22-16,21 149 15,0-128 1,64 1 0,-1-43-1,191-42 17,-148-22-17,0-63 1,-43 22-1,-63 41-15,0 1 0,22-64 32,-22 149-1,-22-22-31,22 0 0,0 21 16,-21-21-16,-21 64 15,42-43 1,0 43-1,21-64-15,0-21 16,22 0-16,-22 0 0,85 0 16,-1-21-1,-20-64 1,-43 22 0,-20 42-16,-1-22 0,0-105 31,0 106-31,-21 21 15,0 42 1,0 21-16,-21 85 31,0-42-31,21 0 16,0-43 0,0-21-16,42 0 15,-21-21-15,106 21 16,-42-21-1,-64-21-15,64-21 16,-1-64-16,-62 85 16,-1-43-16,0 22 0,64-212 15,-43 64 1,0-43 0,-21 63-1,1 43 16,-44 212-15,1 63 0,0-105-16,21 20 15,-42 170 1,21-43 0,21-84-16,-22-42 0,22-22 15,0 64 1,64 42 15,42-148-15,-22-42-1,1-22 1,21-169 0,-85 170-1,-21 84 16,0 0-31,0 0 16,0 1-16,-21-1 0,0 148 31,21-148-15,0 0-16,21 22 16,0-43-16,21 0 15,22-21 1,84-85-1,-63 0 1,-1 21 0,-41 22-1,-22 84 17,-42 85-17,0-43 1,-1 1-1,22-1 1,64-42 0,-43-21-16,0 0 15,22 0-15,20-21 16,-42 0 0,0-64-1,-21-20 1,0 83-16,-63-62 15,-1 63 1,-63-1 0,106 22-1,106-21 17,-43 21-32,149-42 31,-64 21-16,-64 21 1,-42 42 0,-21 85-1,0-85 1,0 64 0,0-42-1,-21 20 16,0-84-31,0 22 16,21-1 0,-21-21-1,0 0-15,21-64 32,0 43-32,21-64 15,85-84 1,-85 127-16,63-43 15,170-21 1,-148 127 0,-85 85-1,-21 21 1,-84 64 15,41-107-15,22-20-1,21-43 1,0-84 15,0 41-31,0-62 16</inkml:trace>
-  <inkml:trace contextRef="#ctx0" brushRef="#br0" timeOffset="27390.1">15833 3556 0,'0'0'0,"-43"-21"16,1 0 0,21 21-1,0 0 1,-43 21 31,22-21-47</inkml:trace>
-  <inkml:trace contextRef="#ctx0" brushRef="#br0" timeOffset="27652.4">14182 3831 0,'0'0'0,"-22"0"0,44 0 31,-1 0-31,42 0 0,85 0 16,22-21 15,-149 21-31,42-21 15,-63 0 17</inkml:trace>
-  <inkml:trace contextRef="#ctx0" brushRef="#br0" timeOffset="28103.68">17759 4001 0,'0'-22'16,"0"-20"-16,0 21 0,0-21 16,0-1-1,0 22-15,0 42 31,0 43-15,-43 84 0,22-21-1,-42 42 1,63-126 0,0-22-16,21-42 46,0-1-46</inkml:trace>
-  <inkml:trace contextRef="#ctx0" brushRef="#br0" timeOffset="28495.96">18119 3979 0,'148'-105'16,"-296"210"-16,359-253 15,-253 148 16,21 0-31,0 0 0,-22 0 16,-41 43 0,20-1-1,64 0-15,0-21 16,0 1 0,85 62-1,-22-20 1,-20-22-1,-43 43 1,-64-22 15,-42-42-15,22 1 0,-1-22-1,21-43 16,64-41-15,0 20-16</inkml:trace>
-  <inkml:trace contextRef="#ctx0" brushRef="#br0" timeOffset="28690.85">17759 3641 0,'0'-21'16,"-21"21"15,21-22 1</inkml:trace>
-  <inkml:trace contextRef="#ctx0" brushRef="#br0" timeOffset="30474.91">20637 3556 0,'0'0'0,"0"-21"0,43-43 15,-22-41 1,0 62-16,-21-84 15,0 43 1,-190 41 15,20 170-15,22 64 0,21 20-1,0 276 16,148-233-15,106-106 0,0-105-1,233-107 17,-254 1-17,-21-85 1,-85 105-16,0-63 15,-64 22 17,22 126-17,-43 106 1,85-42-16,42 85 31,64-128-15,0-63-1,0 0 1,84-127 0,-190 42-1,-21-42 1,-42 0 0,-149 22 15,106 126-16,43 85 1,20-1 0,43-62-16,43 126 15,105-84 1,-85-85 0,107-21-1,-149 21-15,148-106 31,-148 63-31,43-20 16,-64-22 0,0 64-1,0 42 1,-42 64 0,20 21-1,1-43 1,21-42-16,0 1 0,0-1 31,21-64 0,22 1-15,-43 0-16,84-128 16,-62 107-1,20 21 1,-21 63-1,0 148 1,-21-84 0,0-1-1,0-41 1,106-43 15,-64-21-15,43-85-1,-43 0 1,43-85 0,-85 170 15,0 64-15,0 84-1,0 21 1,42-64-1,-20-84-15,20 22 16,64-22 0,63-106 15,-127 0-15,22-42-1,-43 0 1,-21 126-1,0 44 1,-21 105 0,-21 21-1,20-106-15,-20 127 16,42 1 0,-42 190 15,21-191-16,21-106-15,-22 107 16,22-128-16,-21 64 16,0-64 15,21-63-15,0 0-16,0-43 15,0-63-15,64-63 16</inkml:trace>
-  <inkml:trace contextRef="#ctx0" brushRef="#br0" timeOffset="32169.17">22267 4191 0,'0'-42'0,"0"84"0,21-169 16,64 21-1,-21 85 1,41 21-1,-62 127 17,-86-21-17,-41-21 1,63-64-16,-22 0 0,1 0 16,0 0-16,20 22 31,22-22-16,149 0 1,-65-21 0,107-42-1,84-107 17,-169-20-17,-64 21 1,-21 0-1,-21 105-15,0-41 16,-21 105 0,-85 148-1,64-42 1,21 64 0,42-64-1,85 0 16,-22-127-15,22-21 0,0-64-1,0-106 1,-106 86 0,0 83-1,-64 65 1,43-1-1,0-21-15,0 106 16,21-21 0,0-85-1,21 0-15,64 1 16,126-22 15,-41-106-15,-64 0-1,-1-42 1,-20-170 0,-85 234-1,0 41 1,-63 107 0,-43 211 15,106-127-16,0-42 1,42 21 0,64-64 15,0-63-15,-22-42-16,-20-21 15,-1-149 16,-63 148-15,-42 107 15,0 84-15,42-106-16,0 42 16,42-20-1,22-1 1,126-42 15,-42 0-31,43-63 16,-64-1-1,-21-126 17,-106 126-17,-22 64-15,-62 0 16,63 0-16,-22 0 0,-20 42 15,20-20-15,-62 105 32,83-22-17,22-62 1,22-43-16,41 21 16,85-21-1,-63-85 1,-22-21-1,1-21 1,-1-275 15,-20 212-15,-43 20 0,0 149-1,0 127 1,-21 42-1,-43 106 1,64-190-16,-21-22 16,0 233-1,42-148 1,0-106-16,21 22 16,43-43-1,84-21 16,-42-64-15,-105 21 0,-1 22-1,-21 21-15,0-21 16</inkml:trace>
-  <inkml:trace contextRef="#ctx0" brushRef="#br0" timeOffset="32428.21">24003 3704 0,'0'0'0,"-21"0"0,0 21 16,42-21-16,85 0 31,-64 0-31,85 0 15,21 0 1,-106 0-16,22-21 16,21 21-1,-212 64 17</inkml:trace>
-  <inkml:trace contextRef="#ctx0" brushRef="#br0" timeOffset="33647.51">2942 6265 0,'-21'0'0,"0"0"16,0 0-16,-1 0 0,1 0 16,0 0-16,-21-21 15,42 0-15,0 0 0,0-21 31,42-22-31,-21 43 0,43-21 32,20 42-32,43 105 31,-105-20-31,-1 84 31,-64 43-31,22-148 16,-148 168-1,21-126 1,63-63 0,64-43-16,-43 0 15,-20-106 17,84-64-17,21 86-15,64-64 16,63 148 15,-42 127-15,-64-43-1,21 107 1,22-1 0,-21-126-1,-1-22 1,-21-42-1,43-127 17,-43 64-32</inkml:trace>
-  <inkml:trace contextRef="#ctx0" brushRef="#br0" timeOffset="33849.4">3873 6668 0,'0'0'15,"22"-22"1,-1 22 0,-21-21 46,0 0-46,21 21-1</inkml:trace>
-  <inkml:trace contextRef="#ctx0" brushRef="#br0" timeOffset="34347.62">5948 5884 0,'0'0'0,"0"-21"0,-21 0 16,21 0-16,-22-21 15,22 20-15,0 1 16,0 64 0,0-1-16,0 127 15,22 64 1,-22 212-1,-43-276 1,-126 275 15,148-422-15,0-65 0,-22-41-1,1 20 1</inkml:trace>
-  <inkml:trace contextRef="#ctx0" brushRef="#br0" timeOffset="36879.08">5355 6392 0,'-21'-84'0,"-21"-128"32,105 508-32,-126-634 0,84 274 0,148-84 15,-63 85 1,317 20 15,-296 86-15,43 126-1,-149-106-15,-21 22 16,-106 190 0,-42-105-1,105-128 1,-84 43-1,106-85-15,-42-22 16,42-41 0,-1 21-16,22-43 15,0 43 1,127 169 15,-84 0-15,20 21-1,-20-42 1,105-1 0,0-83-1,-21-44 1,-85 1 0,43 0-16,-22-21 0,-20 21 15,126-149 1,-148 64-1,-21 1 1,-21 83-16,-21-20 16,-64 84-1,64 64 1,20 0 0,22-64-16,0 43 15,0-64-15,0 22 0,0-1 0,106 64 16,0-64-1,85-42 1,-22-42 0,170-170 15,-149-21-15,-105 43-1,-85 42 1,0 84-16,0-275 31,0 297-31,-21 63 16,-1 64-1,-83 254 17,62-107-17,22-147-15,-21 169 16,-22 127-1,64-296-15,-21 21 0,-42 380 32,41-295-17,22-106-15,0 253 16,0-147 0,43 20-1,-22-189 1,0-22-16,43 0 15,-1-64 1,22-84 0,42-43-1,-43 22 1,-62 106-16,-44-467 31,-83 298-15,-44 62-1,-41 43 1,63 85 0,127 21-16,85-43 31,42 1-15,84-43-1,-41-21 1,126-148 15,-190 148-15,-106 42-1,0 106 17,0 0-32,0 1 15,21 41 1,0 64-1,0-21-15,85 0 32,-64-85-17,-20-21-15,-1 0 16,85-21-16,-1-22 16,-83 1-1,147-148 1,-148 126-1,-21 43-15,0-43 16,0 43-16,-21 0 16,-85 0 15,64 63-31,21 43 16,21-43-16,0 1 15,0 147 16,0-169-31,105 43 16,-20-43 0,-21-21-1,168-85 17,-147 1-17,0-86 1,-85 107-1,-21 42 1,-1 42-16,-20 21 31,42 0-31,0 1 0,0 20 16,85 85 15,-85-105-15,42-22-1,-42 0 1,-85-21 0,64 0-1,-85-42 1,64 42-16,21 0 16,42 84 15,43-41-16,20-43 1,22 0 0,148-106 15,-212 85-31,85-64 16,-63 0-16,21-105 15,-64-170 16,-21 254-15,0 22-16,-21 274 47,-22 1-31,-20-43-1,20 0 1,22 0-1,21-42 1,0-85 0,21-21-1,22-21 1,-43 0-16,21-22 0,85-84 31,-64 85-31,43-64 0,-1 43 16,-41 63-1,-43 127 17,-21 21-17,-1-42 1,1-85-16,21 42 31,0-41-15,0-44-1,0 1 1,0 0-16,0 0 0,0 0 0</inkml:trace>
-  <inkml:trace contextRef="#ctx0" brushRef="#br0" timeOffset="37343.19">12107 5948 0,'0'0'0,"0"-42"0,21-43 16,-21 64 0,0 63-1,-21-21-15,0 106 16,0 43-1,0-128-15,-22 148 16,1 1 0,42-149-16,-63 170 31,41-191-31,22 21 16,-21-42-16,-42-21 15,42 0 1,21 0-16</inkml:trace>
-  <inkml:trace contextRef="#ctx0" brushRef="#br0" timeOffset="38215.56">11451 6456 0,'21'0'16,"0"0"-1,1 0-15,41 0 16,-21 0-16,234-64 15,-149 22 1,148-64 0,-212 85-16,43-42 15,-64 20-15,1 1 0,63-127 32,-85 63-17,-21 42 1,0 43-16,-43 0 0,22 21 15,-42 42 1,20 64 0,22-64-16,-21 64 15,42-63-15,-42 105 16,-64 212 15,63-233-15,22-85-1,21-21-15,0-42 32,21-21-32,22-43 15,-22 64-15,42-85 16,22 21 15,-64 85-31,0 127 31,-21 0-15,0-42 0,22 0-1,41-22 17,85-63-17,-21-42 1,-21-43-1,85-148 17,-191 127-17,0 64-15,0-21 16,-85 63-16,-63 190 31,105-42-15,43-42-1,43-64 1,232 1 15,-106-86-15,-84-20 0,-43-22-1,-21 1 1</inkml:trace>
-  <inkml:trace contextRef="#ctx0" brushRef="#br0" timeOffset="38688.35">14711 6096 0,'0'-21'0,"0"0"0,0-43 15,21 22-15,0-43 16,-21-42 15,0 85-31,0 63 16,0 106 15,0 127-15,0-85-16,0-84 15,-42 190-15,-64 297 32,42-318-17,43-43 1,0-41-1,21-1 1,-21-232 15,21 41-31,-21-105 16,21-105 0</inkml:trace>
-  <inkml:trace contextRef="#ctx0" brushRef="#br0" timeOffset="38988.18">14457 6710 0,'0'-127'0,"0"-21"15,0 423-15,42-656 16,-21 360-16,64-64 16,21 43-1,190 42 16,-232 63-15,-64-42-16,-22 85 16,-62 0-1,-86 42 1,128-127 0,21 1-16,-21-65 31,84-20-16,0-1 1</inkml:trace>
-  <inkml:trace contextRef="#ctx0" brushRef="#br0" timeOffset="39389.64">15049 6181 0,'22'-21'0,"-22"-1"0,21 22 15,0 0-15,21-42 16,128 42 15,-65 42-31,1 43 16,-85-21 0,-63 168 15,0-189-16,-1-1 1,22-42 0,21-85-1,0-84 1,21 63 0,22 22-1,-1-1 16,0 85-15,1 42 0,-1-21-1</inkml:trace>
-  <inkml:trace contextRef="#ctx0" brushRef="#br0" timeOffset="40346.43">16171 6138 0,'21'-42'0,"-21"0"16,-21 42 0,-42 0 15,-1 42-31,43 0 0,-127 170 47,148-85-47,0-63 31,21-43-31,64-21 16,190-64 15,-148-20-15,-85 62-16,22-105 15,-64 22 1,-191-1-1,64 106 17,43 42-32,-1 64 15,127 63 17,128-105-17,-86-64 1,107-43-1,63-62 17,-148-1-17,-85 42 1,0 43 0,-21 85 15,-21-1-16,-22 106 1,22-20 0,21-107-16,-42 297 31,21-64-15,0-42-1,-1 42 1,-20-85-1,42-126-15,-21 63 16,0-64 0,21-105 15,0 21-31,0 0 0,21-424 31,-21 149-15,0 105-1,21 128-15,43-64 16,63-43 15,-43 43-15,-63 64 0,-21-43-1,0 64 1</inkml:trace>
-  <inkml:trace contextRef="#ctx0" brushRef="#br0" timeOffset="40689.85">16997 5779 0,'0'0'0,"-21"0"0,21 21 47,21-21-32,0 0-15,0 0 16,0-43-16,-21 1 16,-21 0 15,-21 42-16,-1 42 1,22 22 0,21-43-16,0 106 31,43-85-15,-22-42-16,0 21 15</inkml:trace>
-  <inkml:trace contextRef="#ctx0" brushRef="#br0" timeOffset="41687.67">17378 6223 0,'84'21'16,"-41"-21"0,41-63-1,-41-64 1,-43 42-1,0 64 1,-64 42 0,-20 85-1,84 84 17,21-84-17,21-85-15,22 22 16,84-43-1,-42-43 1,-22-41 0,-20 20-1,-43 22-15,0 21 16,21-127 0,-20 105-1,-1 43 1,0 21-1,21 1 1,1-1 15,-22-21 1,-21-21-32,0-1 15,0-20 1,0 21-16,0 0 0,-21 21 15,-22 0 1,22 0-16,-21 42 16,21-42-16,-22 85 15,43-64 1,-21 64-16,21-43 16,0 21-16,21 22 15,64-43 1,-43-42-1,106 0-15,-84 0 16,-22 0-16,64-21 16,21-42-1,-85 42-15,-20-1 0,62-105 16,-63 85-16,22-43 16,-1-232-1,-42 190 1,0 85-16,42-128 31,-42 213-15,-63 105-1,42 21 1,21 170 15,0-297-31,0 85 16,63 0-1,1-42 1,84-106 15,-85-43-15,-41 64-16,62-106 16</inkml:trace>
-  <inkml:trace contextRef="#ctx0" brushRef="#br0" timeOffset="41952.61">18923 5948 0,'0'-21'16,"0"0"-16,63 21 15,43-43 1,0 22-1,127 0 17,-170 0-17,-63 0 1,-42 21 0,-85 0-1</inkml:trace>
-  <inkml:trace contextRef="#ctx0" brushRef="#br0" timeOffset="43037.11">2857 8594 0,'-21'-21'0,"21"-1"15,-21 22-15,21-21 0,-21-21 16,21 21-1,42-43 1,-21 64-16,43-21 16,148 63 15,-191-20-31,21 20 0,-42 85 16,-42-42-1,-85 63 16,106-148-15,-1 0 0,1-21-1,127-64 1,0 85 0,0 0-1,21 42 1,-43 170-1,-84-127 1,-21-64-16,-85 85 16,1-22-1,-107 1 17,127-85-17,22-21 1,-1-43-1,64-20 1,21 20 0,43 22-1,-22 42-15,-21-21 16</inkml:trace>
-  <inkml:trace contextRef="#ctx0" brushRef="#br0" timeOffset="43223.34">3958 8827 0,'0'0'0,"21"0"0,22 0 15,-22 0 1</inkml:trace>
-  <inkml:trace contextRef="#ctx0" brushRef="#br0" timeOffset="44871.61">5630 8530 0,'-21'21'16,"42"-42"-16,-84 64 0,42-22 0,-22 21 16,43-21-16,0 22 15,0-22-15,0 21 16,148-21 15,1-105-15,-65 41-16,22-63 15,21-84 17,-127 84-17,-63 85 1,41 63-1,-20 85 1,21 21 0,21-84-16,-21 63 15,21-64-15,0 22 0,0 42 16,-21 42 0,21-105-16,-22-22 0,1 64 15,0 0 16,-21-127-15,-22-43 0,22 1-1,-106-170 1,105 191 15,1 63-31,42 85 16,85 84 15,42-84-15,-43-85-1,86-21 1,105-63 15,-106-43-15,-84 21-1,-43-21 1,-21-42 0,-63 148-1,-21 64 1,20 41 0,22 65 15,21-64-31,21-85 15,22 0 1,-1 0-16,43-21 16,169-42-1,-64-43 1,-63-21 0,-85 64-16,1-22 15,-43-105 16,-21 211 1,-1 64-32,22 42 31,22-42-15,-1-85-16,-21 43 15,21-22 1,-21-21 15,0-42-15,-64-21-1,43 0 1,-21 20 15,42 44-15,21 20-1,21 0 1,128-42 0,-43-21 15,84-85-31,-84 22 16,-84 41-16,105-190 31,-127 191-31,21-212 15,-42 85 1,0 42 0,0 84 15,-42 149-15,-21 106-1,20-43 1,22 191 15,42-254-15,43-21-1,20-64 1,-20-21 0,-22-43-1,22-20-15,-64 42 16,0-64-1,0 64-15,0-43 16,-21 43-16</inkml:trace>
-  <inkml:trace contextRef="#ctx0" brushRef="#br0" timeOffset="45064.77">7726 9038 0,'-43'0'15,"107"0"1,-85 0-16,105 0 15,149-42 1,-127 0 0,-21-1-1,-64 43 1,-21-42 0</inkml:trace>
-  <inkml:trace contextRef="#ctx0" brushRef="#br0" timeOffset="46498.29">9207 8805 0,'0'-21'0,"0"-42"16,0 42-16,0-1 16,0 1-16,0 0 0,22-127 31,-22 42-31,0 64 16,0 21-1,-43 21-15,-105 127 31,63 105-15,22-20 0,42 0-1,0 169 17,105-275-17,-63-85-15,149-21 16,-22-43-1,-85 22-15,128-106 16,-106 43 0,-43 20-16,21-42 15,-41 64-15,-22-22 0,0 1 16,0-64-16,-22-42 16,1 105-16,0 1 0,0 20 15,-127-105 1,-43 169-1,107 43 1,-86 126 0,86 212 15,126-190-15,106-85-1,0-106 1,-84-21-16,274-42 31,-232-22-31,0 22 16,-64 0-16,43-43 15,-85 43-15,0 21 0,21-64 32,-21 106-17,-21 64 1,0-64-16,21 21 15,-42 64 1,42-21 0,0-43-1,21-21-15,21 0 16,-21-21-16,127-42 16,-21-43-1,-84 43 1,41-85-1,-41 0 1,-43 106 0,0 42-1,0 0 1,-21 106 0,-1-106-16,22 85 15,0-42 1,22-1-1,62-63 1,22 0 0,42-63-1,-63 20 1,-64 22-16,148-233 16,-126 85-1,-22-22 1,21 1-1,1-64 1,-43 233-16,0-22 16,0 22-1,0 42-15,0 1 0,0 62 16,-22-41-16,-41 168 31,63-147-31,-42 105 16,42 0-16,0-105 15,0 21 1,84 105 0,-41-169-1,20-21 1,43-21 0,-43-42-1,-41 41-15,20-83 31,-42 83-31,0-62 16,-42 20-16</inkml:trace>
-  <inkml:trace contextRef="#ctx0" brushRef="#br0" timeOffset="46722.16">10922 8784 0,'-42'21'0,"84"-42"0,-84 64 16,63-43-1,127-22 1,-21-20 0,63 0-1,-84 21 1,-85-1-16,64 1 31,-85 0-15,21 21-16,-21-21 15</inkml:trace>
-  <inkml:trace contextRef="#ctx0" brushRef="#br0" timeOffset="49632.61">13610 8805 0,'0'0'0,"-21"0"0,21 22 0,-21-1 0,21 0 15,21-21 16,0-21-15,0 0-16,22-1 16,-1-41-16,0 21 15,1 20-15,-22-20 0,21 0 0,22-43 16,41-42 0,-83 85-16,-1-22 0,0-84 31,-21 63-31,0 64 15,0 85 1,-21-22-16,-43 191 16,64-148-16,-42 211 15,21-84 1,0-107-16,-1 213 16,1-212-16,0 0 15,-21 275 1,42-212-1,0 106-15,0-106 16,21-126 0,42-22-1,1-21 1,-22 0-16,-21-42 0,64-43 16,-21-42-1,-43 85-15,-21-1 0,21-105 16,-21 85-16,0-43 15,0 42-15,-106-169 16,43 149 0,41 41-16,1 1 0,-127-106 31,127 127-15,21-22-1,85 1 1,20-21-1,44-43-15,168-127 32,-211 127-17,-85 85-15,0-43 16,-42 86 15,-64 126 0,85-127-31,-42 106 16,42 21 0,0-84-1,0-22 1,85-42 0,-1-21-1,1-43-15,-64 22 16,64-170-1,-85 128 1,-42-65 0,-22 86-1,22 42 1,21 21-16,-1 0 0,-62 84 16,63-41-16,-22 20 15,43 64 1,0-84-16,0-22 0,0 42 15,21-42-15,64 1 16,-21-22 0,-43 0-16,21 0 0,64-64 15,-21 22 1,-43-1-16,0 1 0,191-170 31,-148 85-15,-64 0-16,-21 22 15,0 83-15,0 1 16,0 42 0,0 1-1,-21 20-15,-43 127 16,64-63 0,0-42-16,0-1 0,-21 191 15,42-190 1,85 41-1,-42-83 1,-22-22-16,-21 0 0,148-22 31,-20-20-31,-22-21 16,-106 41-16,21-20 16,-21 21-16,0 0 0,1-22 15,-22-105 1,-43 85-1,-20 20 1,-43 65 0,0 105-1,85-106-15,-43 106 16,64-21 0,0-64-1,0 0-15,0-21 0,85 1 16,0-22-1,-22-43 1,-42 43-16,64-84 16,-64 62-16,0-20 0,64-127 31,-21-1-31,-22-41 16,-21 126-1,-21 43 1,0 21-16,0-22 15,-21 64-15,0 22 16,0 20 0,-22 64-16,43-84 15,-21 62-15,0 44 16,21-22 0,21-43-1,0-63-15,0 1 0,22 20 16,-22-42-16,127 0 15,-63-42 1,-22-1 0,1-63-1,-43 64-15,-21 21 0,21-85 32,-21 85-17,0 42 1,0 0-16,0 22 0,-21-22 15,0 169 1,21-105 15,42-43-31,22-42 16,-1 0 0,64-63-1,-42-1 1,63-147 15,-127 211-15,-21 42-1,0 43 1,0-43 0,0-21-16,0 0 0,0 0 15,0 1-15,0-1 0,21-21 16,22 0-1,-1 0 1,0-43 0,1-20-16</inkml:trace>
-  <inkml:trace contextRef="#ctx0" brushRef="#br0" timeOffset="52534.01">18690 8975 0,'0'0'0,"0"21"0,-21-21 16,42 0 31,0 0-47,0-21 0,1 0 15,-1-1-15,0 1 0,106-85 32,-85 64-32,22-43 15,-22 43-15,0-43 0,-20 43 0,-1-64 16,-21 64-16,0-22 31,21 64 0,21 0 1,-21 0-17,1 0-15,20 0 16,-21 0-16,43-21 16,-43 21-16,0 0 0,42 43 15,-41 20 1,-22 22-1,0-64-15,0 21 16,0-21-16,-22 1 0,22-1 16,0-42 15,0-1-15,0 1-16,0 0 0,0 0 15,0 0-15,0-43 16,0 43-16,0-64 15,-21 43 1,0 21-16,0 21 0,0 0 16,-64 106-1,64-64 1,0 0-16,-85 128 16,64-43-1,42-64-15,0-20 0,21 126 16,42-84-1,43-64 1,21-21 0,-85-21-16,128-22 15,-128 1-15,170-127 32,-106-1-17,-106 107 1,0 42-16,0-43 15,0 43 1,-43 21 0,43 42-1,43 1 1,20-1 0,22 43-1,-43-22 1,-21 1-1,22 63 17,-22-106-17,21 0-15,43-21 16,63-42 15,0-43-15,-42 0-16,-85 43 15,21-22-15,-20 22 0,-22 0 16,21-85 0,-21 63-1,-64 64 1,1 43 0,42-43-16,-1 42 0,-62 64 15,63-22 1,21-62-16,0 83 15,0-83-15,21 62 16,0-63-16,85 22 31,-64-43-31,106 0 0,-21 0 16,-21-21 0,-64-1-16,22 1 0,105-106 31,-105 85-16,-43-64-15,0 85 0,-21-21 16,0-1-16,0 22 16,-85 21-1,1 42 1,-1 43 0,64-64-16,-21 43 15,20-22-15,1-21 0,0 85 16,42-64-1,22-20 1,41-44 0,-63 22-16,106-105 31,-42-1-15,-85 63-16,21 1 15,0-43 1,-63 191 15,42-63-31,-21 41 16,21 1-1,63 0 1,86-64 15,-22-21-15,-43-64-1,1-42 1,0-148 15,-43-42-15,-21 127 0,-21 63-1,-21 169 16,-21 64-15,20 85 0,1-64-1,42 85 1,43-148 0,-22-22-1,128-63 16,-128 0-31,-21 0 0,21-21 0,22-21 16,-1-22 0,-41 43-16,41-106 15,-63 42 1,0 64 0,-21 21-1,0 21-15,0 1 16,-22 20-16,22-21 15,-21 170 1,84-107 15,22-41-15,-22-43-16,0 21 0,85-21 16,191-43 15,-107-20-16,-105-22 1,-21 1-16,-64 62 16,0-105-1,-42 85 1,-42 42-16,-43 0 16,-64 106 15,86-21-16,63 20 1,21-41-16,0-43 16,84 21-1,1-42 1,-22 0 0,1-42-1,-43 21-15,0 0 0,85-149 16,-42 43-1,-22 22 1,-21 41-16,0 1 0,22-128 16,20-105 15,-42 232-15,-63 128-1,-64 105 1,21 170 15,64-128-15,21-62-1,0-107-15,0 21 16,85 64 0,-64-127-16,21 22 15,-20-22-15,41 0 16,22-22-1,-43 1-15,106-21 16,-127 21 0,22 0-16,-43-43 15,0 1 1</inkml:trace>
-  <inkml:trace contextRef="#ctx0" brushRef="#br0" timeOffset="52884.81">21717 8192 0,'0'0'16,"-21"0"-16,21-22 16,21 1-16,0 21 0,85-21 15,42 0 1,0 0 0,-105 21-16,-1 0 15,0 0-15,1 0 0,-1 0 16,21 0-1,-84 0 1,0 0 0,-42 0-16,41 0 0</inkml:trace>
-  <inkml:trace contextRef="#ctx0" brushRef="#br0" timeOffset="54292.31">3027 10964 0,'-21'-21'0,"42"42"0,-64-63 16,43 21-16,0 0 15,0 0-15,-21-1 16,0 22 0,21 22-16,0 41 15,0-42-15,0 22 0,0 62 16,-21-41-16,21-1 16,-85 191-1,43-148-15,-22 42 16,64-126-1,-21-1-15,21 0 0,0-42 32,0 0-17,64-64 1,-22 64 0,-21 0-16,85-1 15,-42 22 1,-43 0-16,0-21 0,0 21 15,0 0-15,0 0 0,22-21 16,-22 21-16,42-63 16,-63 41-1,22-41-15,-1-1 16,-21-63 0,0 85-16,0-43 31,-21 85-16,-22 85 1,1 106 0,21-86-1,0 86 1,-1-106 0,1-43-16,21 64 15,0 42 16,0-190 16,21-1-31,22 1-16</inkml:trace>
-  <inkml:trace contextRef="#ctx0" brushRef="#br0" timeOffset="54833.01">3852 11557 0,'21'0'78,"-21"-21"-62,0 0-1,-21 21-15,0 0 16,0 0-1,0 0-15,21 21 16,-21 21 0,21 1-1,21-1 1,0-42-16,21 0 16,43-42-1,-64-1 1,0 1-1,-21 21 1,0 0-16,0-1 16,-21 22-16,0 0 15,0 0 1,21 22-16,-21-22 16,21 21-1</inkml:trace>
-  <inkml:trace contextRef="#ctx0" brushRef="#br0" timeOffset="56812.26">5588 10943 0,'21'0'63,"0"-21"-63,0 21 0,43-21 15,21-21 1,20-1 0,-83 43-16,62-84 15,-63 62 1,-21-41 0,-42 42-1,-64 0 1,85 21-16,-64 63 15,-20 85 1,83-63 0,22-43-16,0-21 15,0 1-15,43 41 16,-22-42-16,0-21 0,106 43 31,-21-43-15,-64 0-16,-63 0 31,0 0-15,-21 21-16,20 0 15,-20 21-15,-85 43 16,0 63 0,64 21-1,63-84 1,42-64-1,-21-21-15,43 21 16,-43-21-16,127 0 16,-85-21-1,-41 0-15,83-42 16,-62 20 0,-43 22-16,42-21 15</inkml:trace>
-  <inkml:trace contextRef="#ctx0" brushRef="#br0" timeOffset="57063.5">6265 11134 0,'21'-21'16,"-42"42"-16,64-85 15,-1 64 1,21 85 0,1 0-1,-43-64-15,0 21 0,85 85 16,-64-63-1,1-22 1,-43-21-16,0 0 16,21-21-16,-21 21 31,0-42-31,0-21 16,0 21-16</inkml:trace>
-  <inkml:trace contextRef="#ctx0" brushRef="#br0" timeOffset="57292.81">6773 11113 0,'0'-22'16,"0"44"-16,0-65 0,0 22 16,-21 21-1,-42 64 1,-22 41 0,0 1-1,1 0 1,62-64-16,1-20 0,-63 105 15,84-106 1,21-21 0,21 0-1,-21-21-15,0-1 0,64-20 16</inkml:trace>
-  <inkml:trace contextRef="#ctx0" brushRef="#br0" timeOffset="57619.62">7027 11070 0,'21'-42'0,"-42"84"0,42-63 31,-21 85-15,0-43-16,0 254 16,0-148-1,22 148 1,-22 170 15,0-191-15,0-106-1,0-106-15,0 64 16,21-43-16,0-63 16,0 0-1,-21-21-15,21-190 31,0 62-15</inkml:trace>
-  <inkml:trace contextRef="#ctx0" brushRef="#br0" timeOffset="59146.08">7133 11705 0,'-21'-106'0,"21"64"0,-21-106 31,21 106-31,0-1 0,21 1 0,42-43 15,-20 43 1,126 0 15,-127 63-15,-20 63-16,-22 22 16,-22-63-16,-126 105 31,85-85-16,20-42-15,22 1 16,0-22-16,63 0 31,-20 0-15,-1 0-16,63-43 16,-20 1-16,-22 42 15,-21-21-15,22 0 0,84-22 16,-21-41-1,-64 62-15,-21-20 0,43 0 16,-64-43 0,0 43-16,0 21 15,-22 21 1,1 0-16,-21 42 0,-43 43 16,-21 63-1,106-106-15,-42 64 31,42-64-15,21-42 0,0 0-16,1 0 0,-1-21 15,106-106 1,-85 85 0,-42-1-16,21 1 15,0 0 1,-21 63-1,0 0-15,0 21 16,0 64 0,0-63-1,22-22-15,-22 0 0,105 0 32,-41-21-32,63-42 15,-42-1 1,-43 22-16,0-21 15,-21-22 1,1 43 0,-1 0-16,-21 63 31,-43 85-15,43-84-1,0-1 1,22-63 15,-1 0-15,-21 0-16,21-1 0,0 1 0,0-21 15,0 21-15,43-64 16,-64 64-16,42 0 31,-42 42-31,21 21 16,1 22-1,-22-22-15,21-21 0,0 0 16,42 43 0,64-43-1,22-21 1,-107 0-16,85-21 16,-42-21-1,42-43 1,-106 64-16,0-64 15,-21 43-15,0 21 0,-42-106 32,-64 127-17,63 0-15,1 21 16,-64 42-16,-21 85 16,85-42-1,42-85 1,63 85-1,22-106 1,21 0 0,0-63-1,21-64 1,-85 42 0,22-127-1,-64 43 1,0 127-16,0-22 0,0-169 15,0 149 1,-22 63 0,22 42-16,-21 21 15,0 22-15,21-22 0,0 254 32,0-126-17,0-65-15,0-62 0,21 84 16,22 0 15,-43-106-15,21-21-16,0-21 15</inkml:trace>
-  <inkml:trace contextRef="#ctx0" brushRef="#br0" timeOffset="60643.12">10964 10732 0,'0'0'0,"0"21"0,-21 0 15,21 0 1,21-42 15,0 21-31,1-21 0,-1 0 16,0-1-16,42-41 16,-20 21-16,-22-1 0,0 22 15,0-64 1,-21 43-1,0 63 1,-21 106 0,0-63-16,21-22 0,0 149 15,0-22 1,0 0 0,0-105-16,0-22 0,0 43 15,-21-64-15,21 21 16,0 22-1,-43-64 1,22 0 0,-42-64-16,42 22 15,21 21-15,-106-149 16,0 86 0,21 20-1,64 85 1,42 106-1,0-84-15,64 63 16,-21-22 0,84 1-1,-85-64-15,149-21 16,-127 0 0,105-85-1,-42-20 1,-84-22-1,-85-85 17,-1 191-32,-20 21 15,0 63 1,42 1 0,0 42-1,0 21 1,63-64-1,107-21 1,-43-42 0,-22-63-1,-62 42-15,41-43 16,-62 43-16,-1 0 0,63-148 31,-84 84-15,-21 85-1,0 21-15,0 0 0,21 22 16,0 62 0,0-20-1,42 42 1,-21-63-16,1-43 16,-22-42 30,-22 21-46,1 0 16,0-22-16,0 1 16,0 21-16,21 21 31,0 1-31,21-1 16,0-21-16,43 21 31,-22-21-31,0 0 0,64-64 31,-64 43-31,22-21 0,-22 0 0,1 20 16,62-126-1,-41 21 1,-22-84 0,-42 105-1,0 42-15,-21-20 0,0-1 16,0 64-16,21 105 31,0-41-31,-21 84 16,21-64-16,-22-20 0,-20 168 31,21-20-15,0-85-1,21-64 1,0-21-16,21-21 15,64-63 1,-64-22 0,-21 64-1</inkml:trace>
-  <inkml:trace contextRef="#ctx0" brushRef="#br0" timeOffset="60801.03">12636 11028 0,'-21'0'15,"64"0"-15,-1 0 16,85 0 0,63-42-1,-147-1 1,20 1 0</inkml:trace>
-  <inkml:trace contextRef="#ctx0" brushRef="#br0" timeOffset="62083.34">14139 10964 0,'0'0'15,"0"-21"1,0 0-16,0 0 0,0-106 31,-63 0-15,-22 85 0,22 42-1,41 21-15,-83 63 16,-1 107-1,85-43 1,21-106-16,21 149 16,42-106-1,43-22 1,106-63 0,-64-85-1,-85 22 1,-20-43-1,-86-148 1,22 212 0,-106-106-1,85 126-15,-64 22 16,-21 127 15,85 64-15,42-64-16,21 0 15,191-21 17,-128-106-17,64-64 1,1-42 0,-44-63 15,-105 84-16,0 107 17,0 126-17,0-85 1,0-42-16,22 43 16,-1-64-16,42 0 15,-42 0-15,1 0 16,105-64-1,-43 1 1,-63 42-16,22-22 16,-22-41-1,-21-22 1,0 127 0,0 43-1,0 63 1,0-64-1,63 64 17,-41-106-32,83-21 15,22 0 1,22-84 0,-44-1-16,-41-21 15,-1-233 16,-63 170-15,0 42 0,0 85-1,-21 63 1,-21 296 15,21-105-15,21-43-1,0-63 1,63 0 0,1-106 15,-22-85-15,-42 22-16,0 42 0,0-64 15</inkml:trace>
-  <inkml:trace contextRef="#ctx0" brushRef="#br0" timeOffset="62251.8">15473 10774 0,'0'21'0,"21"-21"16,42 0 0,64 0-1,0-21 1,-21 0-1,-21-43 1,-43 43 0</inkml:trace>
-  <inkml:trace contextRef="#ctx0" brushRef="#br0" timeOffset="64499.62">16870 11049 0,'0'0'0,"0"21"0,-21 43 16,21-43 0,63-21-1,-21 0-15,128-42 16,-1-43-1,170-190 17,-276 105-32,-63 86 15,0-22 1,0 85-16,-106 21 31,22 106-31,-64 148 16,84-85-1,43-84-15,-21-1 16,-64 276 0,63-169-16,22-107 15,-63 149 1,62-148-16,1-1 0,0 65 16,0 168-1,21-232 1,63-43-1,1-42 1,-22-21-16,-21 0 0,106-64 16,43-105-1,-43 20 1,-106 107-16,21-22 16,1-42-16,-43-212 31,-106 170-16,42 127-15,22 42 16,0 0-16,20 0 0,1 0 16,0 21-1,42-21 1,106 0 0,0-42-16,-84-1 15,-1 22-15,148-106 16,-84 64-1,-63 20-15,84-63 16,-106 64 0,-42 42 15,-1 42-31,-20 1 16,21-22-16,0 0 0,21 85 15,0-85-15,0 85 31,21-64-31,0-21 0,43 1 16,-22-22 0,-21 0-16,21 0 0,85-64 31,-84-42-15,-43 43-1,-21-43 1,-128-42-1,107 148 1,-106 21 0,84 21-1,43 1-15,21-22 0,0 21 0,-21 85 32,85-42-17,-22-43-15,0-42 0,22 0 16,-22 0-16,0 0 15,255-106 1,-191 22 0,21-65-1,-85 1 1,-21 0 0,-21 42-1,-21 85 16,0 169-15,0 43 0,21-107-1,21 128 1,63-106 0,-41-85-1,84 0 1,106-42-1,-106-42 1,-64 20 0,1-41-16,-43 41 15,-21 22-15,21-85 16,-42 85 0,-64 21-1,-21 42 1,-21 85-1,85-63 1,42-43-16,-21 64 16,21-43-1,21-21-15,21-21 16,64 0 0,-21-63-1,21-1-15,-22-42 16,-63 64-16,1 0 15,41-85 1,-42-43 0,-21 107-16,0-85 0,0 84 15,0 1-15,0 42 16,0-1 0,-21 65-1,0-1-15,21 0 0,-21 43 16,0 127-1,21-149-15,0-20 0,0 147 32,0-126-32,0-22 0,63 64 15,22-64 1,42-42 15,-64 0-31,-20 0 0,62-63 16,-83 20-16,-1 22 15,0 0-15,-21 0 0,21-43 16,0 1 0,-21 42-1,-42 21 1,21 21-16,-22 21 16,22-21-16,-21 85 15,21 0 1,21-43-1,0-41 1,21-22-16,0 0 0,43 0 16,-1-43-1,64-41 1,-106 62-16,43-41 16,-43 42-16,21-22 15,43-20 1,-85 84-1,0 0 1,0 0-16,0 1 0,0-1 16,0 63-1,0-62 1,21-1-16,85 0 16,0-21-1,-64 0-15,64-42 16,-85 20-16,21-20 15,-20-43 1</inkml:trace>
-  <inkml:trace contextRef="#ctx0" brushRef="#br0" timeOffset="65643.92">3238 13145 0,'0'0'0,"-21"0"0,0 21 0,0-21 16,42 0 15,0 0-31,0 0 0,22 0 16,-1 0-16,-21 0 0,85 0 15,-21 0-15,-43-21 16,0 21-16,64-22 16,-127 22 15,-21 0-31,21 0 0,-22 0 15,1 0-15,21 0 0,-85 0 16,0 0 0,21 0-1,64 22-15,0-1 16,0 0-16,0 0 0,-43 64 31,43-22-31,0-42 0,-21 106 16,20-84-1,1-43 1,21 21 0,0-63-16,64-22 15,-22 22 1,-21 42 0,0 0-16,22 0 0,84 0 15,-85 0-15,85 84 16,-42 22-1,-64 0 1,-21-85-16,-85 106 16,1-63-1,62-43-15,-41-21 16,-43 0 0,21-21 15,64 0-16,64-1 1,-22 22 0,0-21-16,85 0 15</inkml:trace>
-  <inkml:trace contextRef="#ctx0" brushRef="#br0" timeOffset="65836.81">4085 13674 0,'42'0'0,"-84"0"0,106 0 0,-43 0 16,0 0 0,-42 0 31,0 0-32,21-21 1</inkml:trace>
-  <inkml:trace contextRef="#ctx0" brushRef="#br0" timeOffset="66632.75">6075 13187 0,'0'0'16,"0"-21"-16,0 0 0,-21-1 0,-1 1 0,1-42 15,-21-1 1,21 43-16,0 0 0,-1 0 0,-20 21 16,21 0-16,-21 21 15,20 0-15,1 0 16,-42 106-16,-1 21 15,64-84 1,-42 211 0,42-127-16,0-84 15,42 84-15,-21-106 16,43 22-16,-22-43 16,1 0-16,147-21 15,-148 0-15,64-42 16,42-43-1,43-105 1,-149 126-16,64-126 16,-64-1-1,-42 128-15,22-22 0,-22-84 16,0 84 0,0 64-16,0 0 0,-43 63 31,22 106-31,-21 85 15,21-106 1,21-64-16,0 64 16,0 22-1,42-44 1,-21-83-16,21-1 16,64-21-1,-85 0-15,1-21 0,83-64 16,-83-21-1,-22 21 1,0 64-16,0-21 16,0 105 15,-22 22-15,-20 0-16,21-1 15,0-62-15,21-1 16,-21-21-1,42 0 1,0-21-16,-21-22 0,42 1 16</inkml:trace>
-  <inkml:trace contextRef="#ctx0" brushRef="#br0" timeOffset="66806.64">7091 13335 0,'0'0'0,"0"-21"15,-21 21 17,21 21-32,0 0 15,0 0 1,21-21 0,0 22-16</inkml:trace>
-  <inkml:trace contextRef="#ctx0" brushRef="#br0" timeOffset="67508">7366 13377 0,'-21'0'15,"-22"106"1,1 21 15,42 43-15,0-86-1,64-20-15,126-43 32,-148-42-32,128-85 15,-64 0 1,-22-21 0,-41-85-1,-22 170 1,0-191-1,-21 212-15,21 0 16,-21 63 0,0 64-1,-21 85 1,-85 84 15,85-148-15,21-85-1,63-127 17,-41 64-32,41-85 31,1 1-31,-64 41 16,-22 64-1,1 0-15,-106 64 31,106-22-31,0 43 16,21 42 0,42-85-1,43 43 1,63-22 15,-84-63-15,-43 0-16,21 0 15,22-85 1,-22 22-16</inkml:trace>
-  <inkml:trace contextRef="#ctx0" brushRef="#br0" timeOffset="70829.62">9758 13843 0,'0'0'0,"-43"21"0,22-21 16,-63 43 0,62-22-1,44-42 1,41-43-1,-21 22-15,149-149 32,-64 64-32,-64-42 15,-63 105 1,0 43-16,-169-21 31,42 127-15,42 105-1,85 1 1,85-1 15,63-148-15,-21-42-16,0-42 16,-63 21-16,126-148 31,-105-1-16,-64 64 1,-21 64 0,-42 127 15,21 63-15,-1-21-1,1-21 1,21-22 15,0-105 0,21 0-31,43-106 16,-22 21 0,1 0 15,-1 149-16,-42 41 1,21 22-16,0-21 31,0-43-31,22-21 16,41-42 15,1-85-15,42-21-1,-42 43 1,-1 20 15,-84 85-15,43 106 0,-22-42-1,85 84 16,0-105-31,21-64 32,0 0-32,105-106 31,-168 64-15,-1-85-1,-63 42-15,-84 0 31,-22 107-15,-21 83 0,63-20-1,64 127 17,43-170-17,63-42 1,-85 0-16,63-63 15,43-64 17,-84 21-17,-43 85-15,0-1 16,0 44 15,0 83-15,0-20-1,0 0 1,63-43 0,43-42-1,-21-42 17,-22-22-32,1-20 15,42-86 16,-106 149-15,0 42 0,0 43-1,0-43-15,42 106 32,43-64-17,-22-41 1,106-22-1,107-106 17,-192 0-17,1-63 1,-64-43 0,-21 148-16,21-211 31,-21 254-16,-21 85 1,-42 105 0,20 148 15,43-147-15,0-107-1,21-42-15,43 64 16,42-64-1,0-21 1,63-21 0,-63-21-1,0-22 1,-85-20 0,-21-43-1,0 105-15,-148-41 31,42 84-15,42 64-16,43-22 16,-21 128 15,42-149-15,84-42-1,-20-21 1,42-106-1,-43 21 17,-20 64-17,-43 169 17,0-64-17,21 22 1,42-85-1,-42 0-15,128-21 32,-1-127-1,-85 21-15,-20-85-1,-22-106 16,-21 276-31,0-43 0,-21 149 32,-43 105-17,-21 149 17,43-191-17,42-85-15,0 0 0,0 22 16,-21-43-1,21-63 17,63-64-17,1 42 1,84-41-16,21 126 31,-169 63-15,0 1-1,-105 0 1,-1-1 15,63-84-15,1-42 0,21-21-1,0 41 1,63 65 31,0-1-32,-20-21-15,62 22 16,170-43 15,-148-43-15,42-41-1,-84-22 1,-43 63-16,85-380 31,-106 338-15,21-20 0,-106 295 30,64-148-46,-42 170 16,20-21 0,43-107-1,170 86 17,-43-170-32,21-22 15,21-83 1,-105 20-1,-64 0 1,0 43 15,-106 127-15,63 20 0,43-62-16,0 63 15,0-64 1,149 0 15,-44-63-15,44-64-1,41-20 1,-42-22 0,-105 42-1</inkml:trace>
-  <inkml:trace contextRef="#ctx0" brushRef="#br0" timeOffset="71070.62">12975 13123 0,'0'0'0,"-21"0"0,-43 22 16,43-22-16,-21 0 16,42-22 15,0-20-15</inkml:trace>
-  <inkml:trace contextRef="#ctx0" brushRef="#br0" timeOffset="72344.38">16531 12912 0,'0'0'0,"21"-21"16,-21-22-16,21 22 0,1-85 15,-1 22 16,0 105-15,-21 127 0,21 318 15,-21-276-15,0 22-1,-21-128 1,21-62-16,-21-22 15,0-85 1,21-42 0,0 42-1,0 22-15,105-361 32,-41 234-17,-1 84 1,22 106-1,-85 275 1,-42-127 0,21-105-16,-22 41 15,-41 22 1,62-63 0,1-43-1,0 0 1,42 84 31,64 43-32,-43-84 1,85-1 0,148-63 15,-232 0-31,63-22 0,42-63 15,-106 43 1,-21 42-16,0-43 0,-63-63 31,-85 191-15,64-22 0,-1 64-1,64-64-15,0 106 31,127-84-15,21-64 0,0-42-1,149-191 17,-191 63-17,-106 43 1,0 43-1,0 147 1,-43 107 0,1-1-1,21-84-15,-22 42 16,-62 359 15,83-41-15,22-276-1,0 149 1,0-22 0,22-275-1,-1-84 1,21-85 0,-42-233 15,0 211-16</inkml:trace>
-  <inkml:trace contextRef="#ctx0" brushRef="#br0" timeOffset="73303.75">17970 13716 0,'0'64'0,"0"-128"0,0-63 16,0 21 0,0 85-16,64-42 15,21-1 1,232 43 15,-275 21-31,22 42 16,-64 64-1,-42-21 1,20-64-16,-41 21 0,-85 22 16,84-43 15,85-21-16,43-42 1,84-43 0,64-63 15,-85 21-15,-85 106-1,-42-1 1,0 44-1,0-1-15,-42 127 32,42-106-32,0 43 15,0-43-15,63 22 16,1-64 0,-43 0-16,64-21 15,-22-43 1,-21-42-1,-42 64-15,-42-149 32,-43 170-17,-42 64 1,64 20 0,42 22-1,42 21 16,64-106-15,84-43 0,-106 1-1,-41 21-15,295-64 32,-190 85-17,-42 64 1,-85 20-1,0-63-15,0 106 16,-21-63 0,-1-64-1,1 0 1,21-21 0,0 0-16,0-43 15,43-42 1,-22 85-16,-21-21 0,42-191 31,0 85-15,-20 63-1,62-42 1,22-42 0</inkml:trace>
-  <inkml:trace contextRef="#ctx0" brushRef="#br0" timeOffset="73896.91">20087 12531 0,'42'0'0,"-42"21"31,-42-42-31,84 63 0,-42 0 0,-21 64 16,0 85 0,21-128-1,-21-20-15,21-1 0,0 0 0,0 1 16,0-1-16,0 127 31,42-126-31,1-22 16,20-21-1,1-21 1,20-43 15,-63-21-15,-21 43 0,-63 148 15,63-21-16,0-64-15,0 85 32,63-64-32,107-21 31,-43-84-15,-64-1-1,22-21 1,21-20 15,-85 105-31,-21 42 31,0-21-31,21 43 16,85 20 0,-21-63-1,-43-21 1,-21 0-16,43-21 15,-22-127 17</inkml:trace>
-  <inkml:trace contextRef="#ctx0" brushRef="#br0" timeOffset="74131.38">19854 13018 0,'0'0'0,"-21"0"0,-21 0 0,-1 0 16,192 0 15,-22-43-15,63 22-1,22-21 1,-22 21-1,-126-1 1</inkml:trace>
-  <inkml:trace contextRef="#ctx0" brushRef="#br0" timeOffset="74510.75">21569 13314 0,'0'21'0,"0"0"32,0 0-1,21-21-16,42-21-15,-41 0 16,20-21 0,-21-1-1,-21 1 1,-63 42 0,20 21-1,22 22 1,0-22 15,42-21-31,0 0 16,22-21-16</inkml:trace>
-  <inkml:trace contextRef="#ctx0" brushRef="#br0" timeOffset="74792.74">22225 12848 0,'21'-42'0,"-42"84"0,42-126 15,0-22-15,-21 42 32,0 107-17,0 84 1,-21 105 0,-21 22 15,42-63-16,0-128-15,0-41 16,63-44 15,-20-41-15,-1 21-16</inkml:trace>
-  <inkml:trace contextRef="#ctx0" brushRef="#br0" timeOffset="75047.47">22542 12933 0,'64'-212'0,"-64"191"32,-64 254-32,128-424 0,-64 445 31,0-105-15,0-107-16,0 64 15,0-43 1,21 22 15,0-85 0,-21-21-31,0-43 16,-84-20-16</inkml:trace>
-  <inkml:trace contextRef="#ctx0" brushRef="#br0" timeOffset="76421.56">22394 13208 0,'-84'-21'16,"20"21"-1,297 21-15,-318-21 0,-42-42 32,233 42-32,-64 0 15,128-43 1,-1 1-16,-105 42 16,190-106-1,-191 43 1,-63-22-1,-42 64 1,21 0-16,-22 0 0,-63-1 31,85 22-31,42 0 16,43 0 0,42 0-1,-64 0-15,127 0 16,-63 0-1,0 0 1,-127-21 15,-21 21-15,-22 0 0,43 0-1,0 43 1,21-22-16,-43 106 15,22 0 1,21-64-16,-21 85 16,21-63-1,0-64-15,0 106 32,21-106-17,22-21 1,-1-63-1,43-64 17,-22-42-32,-42 105 15,43-63 1,-43 21-16,-21 85 16,0 42-1,0 22 1,0 20-16,-21 43 15,0 0 1,21 0 0,0-43-1,0-42-15,0 43 16,0-43 0,0-42 30,21-43-30,0 22 0,-21-22-1,42 1 1,-21-64 15,-21 106-31,43-85 16,-43 64-16,106-85 31,-85 127-15,0 148-1,-21-21 1,0-85-16,0 64 16,0-21-1,0-1 1,21-63 15,0-21-31,0-21 0,-21-21 16,64-64-1,-43 85 1,0-21-16,64-107 16,0 22-1,-1 0 1,-63 127-1,-21 212 17,0-43-17,-21 1 1,21-86 0,0-20-1,0-22 1,0-63 31,0 0-47,0-43 15,43-20 1,-22 41-16</inkml:trace>
-  <inkml:trace contextRef="#ctx0" brushRef="#br0" timeOffset="76793.98">24617 12785 0,'0'-43'0,"0"86"0,0-107 15,21 1 1,-21 42-16,0 63 16,0 64-1,0 21 1,-21 0 0,0-64-16,-1 64 15,1-21 1,0-42-16,21-1 15,0-21 1,0-20-16,0-1 16,64 0-16,-22-21 15,254 0 17,-105-42-32,-85 20 31,-43 1-16,-42 0 1,-42 21 15,-21 0-31</inkml:trace>
+  <inkml:trace contextRef="#ctx0" brushRef="#br0">1757 466 0,'0'-21'0,"0"-1"16,0 1-1,0 0 1,0 0 0,0 0-16,0 0 15,0-1-15,0 1 0,21 0 16,-21 0 0,0 0-16,0 0 0,0-1 0,21 1 15,-21 0-15,0 0 0,0 0 16,21 0-16,-21-22 0,0 22 15,0 42 64,-21 22-79,0-1 0,0 21 15,0 64-15,-1-42 16,22-21-16,-21 20 0,0 1 15,-21 0-15,21-22 0,-1 22 16,1-1-16,0-20 0,0 21 0,0-22 16,0-21-16,-1 22 0,22-22 15,0 1-15,-21-1 16,21-21-16,0 21 0,0-20 0,0-1 0,0 0 16,0 0-1,0-42 1,0 0-16,0-22 15,0 22-15,0 0 16,0-21-16,21-1 0,-21 1 0,22-21 16,-1 20-16,0-20 15,0-1-15</inkml:trace>
+  <inkml:trace contextRef="#ctx0" brushRef="#br0" timeOffset="375.78">1884 85 0,'0'0'0,"21"-43"15,-21 22-15,0 0 16,0 42 0,0 0-16,0 22 15,0-1-15,0 0 0,0 1 16,0 20-16,0-20 0,0 20 15,0 1-15,0 20 0,0-20 0,0-1 16,0 22-16,0-22 0,0 22 16,0-21-16,0-1 0,0 1 15,0-1-15,0 1 0,0-22 0,0 21 16,0-20-16,0-1 0,0-21 16,0 22-16,0-22 0,0 0 0,0 0 15,0 0-15,0-42 47,0 0-47,0 0 16,-21 0-16,21-1 0,0 1 15,0 0-15</inkml:trace>
+  <inkml:trace contextRef="#ctx0" brushRef="#br0" timeOffset="635.73">1587 1207 0,'22'0'31,"-1"0"-31,0 0 16,0 0-16,21-22 0,-20 1 15,41 0-15,-21 21 0,-20 0 16,-1-21-16,21 21 0,-21 0 15,0 0-15,1-21 0,-1 21 16,0 0-16,0 0 16</inkml:trace>
+  <inkml:trace contextRef="#ctx0" brushRef="#br0" timeOffset="1204.08">2413 995 0,'-21'0'16,"21"21"-16,0 0 15,0 0-15,0 1 0,-21-1 16,21 0-16,-22 0 0,22 0 15,0 0-15,0 1 0,-21-1 16,21 21-16,0-21 0,-21 0 16,21 1-16,0-1 0,0 0 0,0 0 15,0 0 1,0 0-16,-21-21 31,0 0-15,21-21-16,0 0 0,0 0 0,0 0 15,0 0-15,0-1 0,0 1 16,0 0-16,0-21 0,0 21 16,21-22-16,0 22 0,0-21 0,0 21 15,22-22-15,-1 22 0,-21 0 16,22 0-16,-1 0 0,0-1 16,1 1-16,-1 21 0,0 0 15,1 0-15,-1 0 0,-21 21 0,0 1 16,0 20-16,1-21 0,-22 21 15,21-20-15,-21 20 0,0 0 0,0-21 16,0 22-16,-21-22 0,-1 21 16,22-21-16,-21 1 0,0-1 15,0 0-15,21 0 0,0 0 0,-21-21 16,0 21-16,21-42 47,0 0-47,0 0 15,21 0-15</inkml:trace>
+  <inkml:trace contextRef="#ctx0" brushRef="#br0" timeOffset="1746.77">3154 1016 0,'0'21'32,"-21"0"-17,21 1-15,0-1 0,-22 21 16,22-21-16,0 0 0,0 1 0,0-1 16,-21 21-16,21-21 0,0 0 15,-21 1-15,21-1 0,0 0 16,0 0-16,-21 0 0,21 0 15,0-42 32,0 0-47,0 0 0,0 0 16,0 0-16,0-1 16,0 1-16,21-21 0,0 21 0,-21 0 15,21-1-15,22-20 0,-22 21 16,0 0-16,21 0 0,-20-1 0,20 22 15,-21-21-15,21 21 0,-20 0 16,-1 0-16,0 0 0,0 21 16,0 1-16,0-1 0,-21 0 0,0 0 15,0 21-15,0-20 0,0 20 16,0-21-16,-21 0 0,0 22 0,21-22 16,-21 0-16,0 0 15,0-21-15,21 21 0,0 0 0,-22-21 16,22 22-16,0-44 47,22 1-47,-1 0 0,0 0 15</inkml:trace>
+  <inkml:trace contextRef="#ctx0" brushRef="#br0" timeOffset="2247.77">3937 995 0,'0'0'0,"-21"0"32,0 0-32,-1 0 0,1 0 15,0 21-15,21 0 0,-21 0 16,0 1-16,0-1 0,-1 0 0,1 21 15,21-21-15,0 1 16,-21 20-16,21-21 0,-21 0 0,21 0 16,0 1-16,0-1 0,0 0 15,0 0-15,0 0 0,21 0 16,0-21-16,0 22 0,1-22 16,-1 0-16,0 0 0,21 0 0,-21 0 15,1 0-15,-1 0 0,42-43 16,-42 22-16,1 21 0,-1-21 15,0 0-15,0 0 0,0-22 16,0 22-16,-21-21 0,0 21 0,22-22 16,-22 22-16,0-21 0,0 21 15,0-22-15,0 22 0,-22 0 0,22 0 16,-21 21-16,0-21 0,0 21 16,0 0-16,-22 0 0,22 0 15,0 0-15,0 21 0,-21-21 16,20 21-16,1 0 0,0 0 0,21 0 15,0 1-15,0-1 16,21-21 0,0 0-16,1 0 15</inkml:trace>
+  <inkml:trace contextRef="#ctx0" brushRef="#br0" timeOffset="2635.55">4635 381 0,'-21'0'15,"42"0"-15,-63 0 0,42 21 16,0 0-16,-21 1 15,21-1-15,0 21 16,0-21-16,-21 22 0,21-1 0,0 0 16,0 1-16,0 20 0,0 1 15,-21-22-15,21 21 0,-22 1 16,22-1-16,-21-20 0,21 20 16,0-20-16,-21-1 0,21 0 0,0 1 15,0-1-15,0-21 0,0 0 16,0 22-16,21-43 0,22 0 15,-22 0-15,0 0 16,21 0-16,-21 0 0,1-22 0,20 1 16,-21 0-16,0 0 0,0 0 15,1 0-15,-1-1 0,-21 1 16</inkml:trace>
+  <inkml:trace contextRef="#ctx0" brushRef="#br0" timeOffset="2876.42">4487 995 0,'0'0'15,"-21"0"-15,42-21 32,0 0-17,22 21-15,-22-22 0,0 22 16,21 0-16,-20-21 0,20 21 15,-21 0-15,0-21 0,0 21 0,1 0 16,-1 0-16,0 0 0,-21-21 16,21 21-16</inkml:trace>
+  <inkml:trace contextRef="#ctx0" brushRef="#br0" timeOffset="3683.95">5567 1207 0,'0'0'0,"0"-22"0,0 1 16,0 0-16,0 0 15,0 0-15,0 0 0,0-1 16,0-20-16,0 21 0,0 0 16,0 0-16,0-1 0,-21 1 0,-1 0 15,1 0-15,0 0 16,-21 0-16,-22 21 0,22 0 15,21 0-15,-22 0 0,22 21 16,-21 0-16,-22 42 0,22-20 16,21-1-16,0 0 0,-22 1 15,22-1-15,0 0 0,0 1 0,21-1 16,0 43 0,0-64-16,0 0 0,0 0 0,21 0 0,0 1 15,64-22-15,-43 0 16,1-22-16,41-20 0,-20 21 15,-22 0-15,0 0 0,1-1 16,-1-20-16,22-21 16,-43 41-16,0-20 0,-21 0 15,21 21-15,-21-22 0,0 22 0,0 0 16,0 0-16,0 0 0,-42 21 16,21 0-16,-1 0 0,1 0 15,21 21-15,-21 21 16,0 22-16,21-43 0,0 21 15,0-21-15,0 22 0,0-1 16,0-21-16,0 0 0,0 22 0,0-22 16,42 21-1,1 0-15,-22-42 0,0 0 16,0 0-16,0 0 16,22 0-16,-22 0 0,63-63 15,-62 42-15,-1 0 16</inkml:trace>
+  <inkml:trace contextRef="#ctx0" brushRef="#br0" timeOffset="3979.32">6286 296 0,'0'-42'0,"0"84"0,0-105 0,0 42 15,0 0-15,0-1 0,-21 22 16,0 22-16,0 20 15,21-21-15,0 43 0,-21-22 16,0 21-16,21 1 0,-22-1 16,22 1-16,0 21 0,-21-22 0,0 22 15,21-22-15,0 1 0,-21-1 16,21 1-16,-21-22 0,21 43 16,0-43-16,0 0 0,0-20 15,0-1-15,0 0 0,0 0 0,21-21 16,0 0-1,0 0-15,0 0 0,1-21 16,-1 21-16,0-21 0,0 0 16</inkml:trace>
+  <inkml:trace contextRef="#ctx0" brushRef="#br0" timeOffset="4258.16">6625 931 0,'0'-21'16,"-21"21"-16,0 21 16,21 1-16,-21-22 0,21 21 15,0 21-15,0-21 0,-22 0 16,22 22-16,-21-22 0,21 0 16,0 21-16,0-20 0,-21-1 15,21 0-15,0 0 0,0 0 0,0 0 16,0 1-16,0-1 15,0 0-15,21-21 16,0 0-16,1 0 16,-1-21-16,0 0 15,0 21-15,-21-22 0</inkml:trace>
+  <inkml:trace contextRef="#ctx0" brushRef="#br0" timeOffset="4619.95">6858 614 0,'0'0'0,"-21"0"0,0 0 16,-1 0-1,1 0 1,0 0-1,0 0-15,0 21 157</inkml:trace>
+  <inkml:trace contextRef="#ctx0" brushRef="#br0" timeOffset="4831.83">6138 910 0,'0'0'0,"21"0"31,1 0-31,-1 0 16,0 0-16,0 0 0,0 0 0,0 0 15,22 0-15,-22 0 0,21-21 16,-21 21-16,1 0 0,20 0 15,-21 0-15,21 0 0</inkml:trace>
+  <inkml:trace contextRef="#ctx0" brushRef="#br0" timeOffset="5316.55">7239 910 0,'0'0'0,"-21"0"16,0 0-1,-1 0-15,1 0 16,0 0-16,0 21 0,-21 1 0,20-1 16,1 0-16,0 0 0,0 21 15,0-20-15,0 20 0,-1-21 0,22 21 16,0-20-16,-21 20 0,21-21 15,0 0-15,0 0 0,0 1 0,0-1 16,21 0-16,1-21 0,-1 0 16,21 0-16,0 0 15,1 0-15,-22 0 0,21 0 0,-21-21 16,22 21-16,-22-21 0,21-1 16,-21 1-16,1 0 0,-1-21 0,0 21 15,0-1-15,-21-20 0,0 0 16,0 21-16,0-22 0,0 1 0,0 0 15,-21 20-15,0-20 0,0 21 16,-1 0-16,1 0 0,0-1 0,-21 22 16,21 0-16,-1 0 0,1 0 15,-21 0-15,21 0 0,0 22 16,-1-1-16,22 0 0,0 0 16,0 0-16,0 0 0,0 1 15,0-1-15,22 0 0,-1 0 16,0-21-16,0 21 0</inkml:trace>
+  <inkml:trace contextRef="#ctx0" brushRef="#br0" timeOffset="5860.47">7705 953 0,'0'0'15,"0"21"16,0 0-31,0 0 0,0 0 16,0 0-16,0 1 16,0-1-16,0 0 0,0 0 0,-22 0 0,22 22 15,0-22-15,-21 0 16,21 0-16,-21-21 0,21 21 0,0 0 16,0 1-16,0-1 0,-21-21 15,0 0 16,0-21-15,21-1-16,-22 1 0,22 0 16,0 0-16,0 0 0,0-22 15,0 22-15,0-21 0,22 0 16,-1-1-16,0 22 0,0-21 16,21-1-16,1 1 0,-1 0 0,0 21 15,1-1-15,20 1 0,-20 0 16,20 21-16,-21 0 0,1 0 0,-1 21 15,0 0-15,1 1 0,-22-1 16,0 21-16,0-21 0,0 22 0,-21-1 16,0 0-16,0 1 0,0-1 15,0-21-15,0 21 0,-21-20 0,-21 41 16,42-42-16,-21 0 0,0-21 16,-1 22-16,22-1 15,-21-21-15,21-21 31,0-1-15,21 1-16,1 21 0,-1-21 0,0 0 16</inkml:trace>
+  <inkml:trace contextRef="#ctx0" brushRef="#br0" timeOffset="6383.35">8911 868 0,'0'0'0,"21"-21"0,-21 0 0,0-1 16,0 1-16,0 0 15,-21 21-15,0 0 16,0 0-16,0 0 16,-1 0-16,1 21 0,0-21 0,0 21 15,0 1-15,0-1 0,-1 0 16,1 0-16,0 0 0,0 0 0,0 1 15,21-1-15,0 0 0,0 0 16,0 0-16,0 0 0,0 1 16,0-1-1,21-21-15,0 0 16,0 0-16,0 0 0,-21 21 0,22-21 16,-1 0-16,0 0 0,0 0 15,0 0-15,0 21 16,1-21-16,-22 21 0,21-21 0,0 21 15,-21 1-15,0-1 16,0 0-16,0 0 16,0 0-16,0 0 0,-21 1 15,0-22-15,-1 21 0,-20-21 16,21 0-16,0 21 0,0-21 0,-22 0 16,22 21-16,0-21 0,0 0 15,0 0-15,-22 0 0,22 0 16,0 0-16,0 0 0,0 0 15,-1 0 1,1 0-16,0 0 16,0 0-1,0 0-15,0 0 0</inkml:trace>
+  <inkml:trace contextRef="#ctx0" brushRef="#br0" timeOffset="7541.62">1990 1842 0,'-22'0'15,"44"0"-15,-65 0 0,22 0 0,0 0 16,0 0-16,0 0 0,-1 0 16,1 0-16,0 0 0,0 0 15,0 0-15,0 0 0,-1 0 16,1 0-1,0 0-15,0 0 16,0 0 15,42-22 1,0 22-32,0 0 15,0 0-15,1 0 0,-1 0 16,0 0-16,21 0 0,-21 0 0,1 0 15,-1 0-15,21 0 0,-21 0 16,22 0-16,-22 0 0,21 0 0,0 0 16,1 0-16,-1 0 0,0 0 15,1 0-15,20 0 0,1 0 0,-1 0 16,1 0-16,-1 0 0,22 0 16,-22 0-16,22 0 0,0 0 15,-1 0-15,1 0 0,0 0 16,-1 0-16,22 0 0,-21 0 0,21 0 15,0-21-15,-1 21 0,22 0 16,-21 0-16,0-21 0,21 21 0,127 0 16,-106 0-16,-21 0 15,0-21-15,21 21 0,-21 0 16,22 0-16,-22 0 0,21 0 0,-21 0 0,0 0 16,21 0-16,-21 0 0,0 0 15,21 0-15,-21 0 0,21 0 0,-21 0 16,21 0-16,-21 21 0,0-21 15,22 0-15,-22 0 0,21 0 16,-21 21-16,0-21 0,0 0 16,-21 0-16,21 0 0,-22 0 0,1 21 15,0-21-15,-21 0 0,21 0 0,-22 22 16,1-22-16,-22 0 0,1 0 16,-1 0-16,1 21 0,-22-21 0,1 0 15,-22 0-15,0 0 0,0 0 16,0 0-16,0 0 0,-42 0 62,0 0-46,0 0-16,21-21 16</inkml:trace>
+  <inkml:trace contextRef="#ctx0" brushRef="#br0" timeOffset="8580.15">10499 1164 0,'0'0'0,"0"-21"0,-22 21 0,1 0 16,0 0-16,0 0 0,0 0 15,-22 0-15,22 0 0,0-21 16,-21 21-16,21 0 0,-1 0 0,-20 0 16,21 0-16,0 0 0,0 0 15,-1 0-15,1 0 16,42 0 15,1 21-31,20-21 0,-21 0 16,21 0-16,1 0 0,20 0 15,-20 0-15,20 0 0,1 0 0,-1 0 16,1 0-16,-1 0 0,1 0 16,20 0-16,-20 0 0,-1 0 0,1 0 15,-1 0-15,43 0 16,-64 0-16,22 0 0,-22 0 0,1 0 15,-22 0-15,21 0 16,-21 0-16,0-21 0,1 21 16,-44 0 31,1 0-47,0 0 0,0 0 15,0 0-15,0 0 0,-1 0 0,1 0 16,0 0-16,0 0 0,0 0 15,0 0-15</inkml:trace>
+  <inkml:trace contextRef="#ctx0" brushRef="#br0" timeOffset="8991.92">10160 1207 0,'0'0'0,"-21"0"0,0 0 0,-1 0 16,1 0 0,21 21-16,21-21 15,1 0 1,-1 21-16,21-21 0,0 0 16,1 0-16,20 0 0,-20 0 0,20 0 15,-21 0-15,22 0 0,-1 0 16,1 0-16,-1 0 0,1 0 15,-1 0-15,-20 0 0,20 0 16,-20 0-16,-1 0 0,0 0 0,1 0 16,-22 0-16,0 0 0,21 0 15,-21 0-15,1 0 0,-1 0 16,0 0-16,0 0 0,0 0 16,0 0-1,1 0 1,-22-21-1,0 0 1,0-1 0</inkml:trace>
+  <inkml:trace contextRef="#ctx0" brushRef="#br0" timeOffset="9527.12">11176 847 0,'0'-21'16,"0"42"-16,-21-42 0,0 21 15,-1 0-15,1 0 0,21 21 32,0 0-32,0 0 15,0 0-15,0 0 0,0 1 16,43-22-16,-22 21 0,0 0 0,21 0 15,-21-21-15,22 21 0,-22-21 0,21 0 16,1 21-16,-1-21 0,-21 0 16,21 0-16,-20 0 0,-1 0 0,21 0 15,-21 0-15,0 0 0,1 0 16,-1 0-16,-21 22 16,0-1-1,0 0 1,-21-21-16,-1 21 0,1 0 15,0 0-15,0 1 0,0-22 0,0 21 16,-22 0-16,22 21 0,-21-21 0,-1 1 16,1-1-16,-21 0 0,20 21 15,1-21-15,0 1 0,-1-1 0,1 21 16,0-21-16,20 0 16,1 1-16,0-1 0,0 0 0,0 0 0,21 0 15,0 0-15,0 1 16,-21-22-16,21 21 15,21-42 32,-21-1-47,21 1 16,0 0-16,0 0 0,0 0 16</inkml:trace>
+  <inkml:trace contextRef="#ctx0" brushRef="#br0" timeOffset="10559.63">13229 677 0,'21'-42'15,"0"42"-15,-21-21 0,22 0 16,-22 0-16,0-1 0,0 1 15,0 0-15,0 0 0,0 0 16,0 0-16,0-1 0,0 1 0,0 0 16,0 0-16,0 0 0,0 0 15,0-1-15,-22 1 0,1 21 0,21-21 16,-21 21-16,0 0 0,0 0 16,0 0-16,-22 0 0,22 0 0,-21 0 15,-1 0-15,22 0 16,-21 21-16,-22 0 0,22 1 0,0-1 0,-1 0 15,1 0-15,21 21 16,-21 1-16,-1-22 0,22 21 0,-21 1 16,21-1-16,-1 21 0,1-20 15,0 20-15,21-20 0,-21 20 0,21 1 16,-21-22-16,21 21 0,0-20 16,0-1-16,0 22 0,0-22 0,0-21 15,21 21-15,0 1 0,0-22 16,0 21-16,1-21 0,-1 1 0,0-1 15,0 0-15,0 0 16,22 0-16,-22-21 0,21 21 0,-21-21 0,22 0 16,-1 0-16,-21 0 0,21 0 15,1 0-15,-1 0 0,0-21 16,-20 0-16,20 0 0,-21 21 0,21-21 16,-20 0-16,20-1 0,-21 1 15,0 0-15,22 0 0,-22 0 0,0 0 16</inkml:trace>
+  <inkml:trace contextRef="#ctx0" brushRef="#br0" timeOffset="11051.89">13568 1016 0,'0'0'0,"0"-21"15,-21 21-15,-1 0 16,1 0-16,0 21 15,21 0 1,-21 0-16,0 1 0,0-1 0,21 21 16,-22-21-16,1 0 0,0 22 0,21-22 15,-21 0-15,0 21 0,0 1 16,21-1-16,0-21 0,0 0 16,0 1-16,0-1 0,21 0 15,0-21-15,0 21 0,0-21 0,0 0 16,1 0-16,-1 0 0,21 0 15,-21 0-15,0 0 0,22 0 16,-22-21-16,0 0 0,21 0 0,-20-1 16,-1 1-16,21 0 0,-21 0 15,0 0-15,22-43 16,-43 22-16,0 21 0,0-22 0,0 1 16,0 21-16,0-21 0,-21 20 0,-1 1 15,1 0-15,0 21 0,0 0 16,-21 0-16,20 0 0,-20 0 0,21 0 15,-21 0-15,-1 21 16,22 0-16,-21 1 0,42-1 16,-21 0-16,21 0 0,0 0 15,0 0-15,0 1 0,0-1 0,0 0 16,21 0-16,0-21 16,0 0-16,21 0 0,-20 0 0,-1 0 15,21 0-15,0 0 0</inkml:trace>
+  <inkml:trace contextRef="#ctx0" brushRef="#br0" timeOffset="11611.57">14245 1016 0,'0'0'0,"-21"0"31,21 21-15,-21 0-16,0 1 0,21-1 0,0 0 15,0 0-15,-22 0 0,22 0 16,-21 22-16,21-22 0,0 0 0,0 0 16,-21 22-16,21-22 15,0 0-15,-21 0 0,21 0 0,-21 0 0,21 1 16,0-1-16,0 0 16,-21 0-16,21 0 15,0-42 16,0 0-15,0 0-16,0 0 16,0-1-16,0-20 0,0 21 0,0 0 15,0-22-15,21 1 0,0 21 16,0-21-16,0-1 0,0 1 0,1 21 16,-1 0-16,21-22 0,-21 22 15,22 21-15,-22-21 0,0 21 0,0 0 16,0 0-16,0 0 0,1 21 0,-1 0 15,0 0-15,0 22 16,-21-22-16,0 21 0,21-21 0,-21 22 0,0-22 16,0 21-16,0 1 15,0-22-15,0 21 0,0-21 0,0 0 16,0 1-16,0-1 0,-21 0 16,0 0-16,0 0 0,21 0 15,0-42 16,0 0-15,0 0-16,0 0 0,0 0 16,0-1-16</inkml:trace>
+  <inkml:trace contextRef="#ctx0" brushRef="#br0" timeOffset="11963.37">15028 550 0,'0'0'15,"-21"0"-15,0 0 16,0 22-16,0-1 16,21 0-16,-22 0 0,1 21 15,21 1-15,-21-1 0,0 0 16,0 22-16,21-22 0,-21 22 15,-1-1-15,1-20 0,21 20 0,0-21 16,-21 1-16,21-1 0,0 0 16,-21-20-16,21 20 0,0-21 0,0 0 15,0 0-15,0 1 0,0-1 16,21-21-16,0 0 16,0 0-16,1 0 15,-1 0-15,0 0 0,-21-21 0,21 21 16,0-22-16,0 1 0,1 0 0,-22 0 15,21 21-15,0-21 0</inkml:trace>
+  <inkml:trace contextRef="#ctx0" brushRef="#br0" timeOffset="12192.24">14690 1101 0,'0'0'0,"21"0"31,0 0-31,0 0 0,0 0 16,0 0-16,1 0 0,-1 0 15,0 0-15,0 0 0,0 0 0,0 0 16,1 0-16,-1-21 16,0 21-16,0 0 15,0 0-15,0 0 16</inkml:trace>
+  <inkml:trace contextRef="#ctx0" brushRef="#br0" timeOffset="12675.96">15261 1164 0,'0'-21'16,"-21"21"-16,21-21 0,0 0 15,0 0-15,0-1 16,0 1-16,21 21 16,0 0-16,0-21 15,1 21-15,-1 0 0,0 0 0,21 0 16,-21 21-16,1-21 0,-1 21 0,-21 1 16,21-1-16,0 0 0,0 0 15,0 21-15,1-20 0,-22 20 0,0-21 16,0 0-16,0 22 0,0-22 15,0 0-15,0 0 0,0 0 0,0 0 16,-22 1-16,22-1 16,-21 0-16,0-21 0,21 21 15,-21-21-15,21-21 16,0 0 0,0 0-16,0-1 0,21 1 15,0-21-15,0 21 0,-21 0 16,22-22-16,-1 22 0,0-21 0,0 21 15,0-22-15,0 22 0,-21 0 16,22-21-16,-1 20 0,-21 1 16,0 0-16,21 21 0,-21 21 62,0 0-62</inkml:trace>
+  <inkml:trace contextRef="#ctx0" brushRef="#br0" timeOffset="13195.67">16129 1101 0,'0'-21'16,"0"42"-16,0-64 0,0 22 15,-21 21 1,0 0 0,-1 0-16,1 0 0,21 21 15,-21 1-15,0-1 0,0 0 0,0 0 16,21 21-16,-22-20 0,1-1 16,21 21-16,-21-21 0,21 22 0,0-22 15,0 0-15,0 0 0,0 0 16,0 0-16,0 1 0,0-1 0,0 0 15,21 0-15,0-21 0,1 0 16,-1 21-16,0-21 0,0 0 16,0 0-16,0 0 0,1-21 15,20 0-15,-21 21 0,0-21 16,0 0-16,1-1 0,-1 1 0,0-21 16,0 21-16,-21-22 0,0 22 15,0-21-15,0 0 0,0-1 0,0 1 16,0 0-16,0-1 0,0 22 15,-21 0-15,0 0 0,0 0 0,-22 21 16,22 0-16,0 0 0,0 0 0,-22 0 16,22 0-16,0 21 0,0 0 15,0 21-15,0-21 0,-1 1 0,22 20 16,-21-21-16,21 0 0,0 22 16,0-22-16,0 0 0,0 0 15,0 0-15,21 0 16,1-21-16,-1 0 0,0 0 0</inkml:trace>
+  <inkml:trace contextRef="#ctx0" brushRef="#br0" timeOffset="13550.64">16679 699 0,'0'0'0,"0"-43"16,21 22-16,-21-21 0,0-1 15,0 22-15,0 0 16,0 42 0,0 0-16,0 1 15,0-1-15,0 21 0,-21 0 16,0 1-16,21-1 0,-21 0 0,21 22 16,-21-1-16,21-20 0,-21 20 15,-1-20-15,22 20 0,0-21 16,-21 1-16,21-1 0,-21 0 0,21-20 0,-21 20 15,21-21-15,0 0 0,0 0 16,0 1-16,0-1 0,0 0 0,21-21 47,0 0-47,0 0 0,-21-21 16,22 21-16,-1-21 0,0-1 0,21-20 15,-21 21-15</inkml:trace>
+  <inkml:trace contextRef="#ctx0" brushRef="#br0" timeOffset="13879.45">17103 487 0,'0'0'0,"0"-21"0,0 42 31,-22 0-31,1 0 15,21 22-15,-21-22 0,0 21 0,0 0 16,21 22-16,-21-22 0,-1 22 16,1-1-16,21 1 0,0-22 0,-21 22 15,21-22-15,-21 0 0,21 1 16,0-1-16,0 0 0,0-21 0,0 22 16,0-22-16,0 0 0,-21 0 0,21 0 15,0 1-15,0-1 16,-21-21-16,42 0 31,-21-21-15,21-1-16,0 22 0,-21-21 15,21 0-15,0 0 0</inkml:trace>
+  <inkml:trace contextRef="#ctx0" brushRef="#br0" timeOffset="14295.73">17166 1249 0,'0'21'15,"21"-21"17,0 0-32,1 0 15,-1 0-15,0-21 0,0 21 16,0-21-16,0 0 0,1 21 0,-1-22 15,0 1-15,0 21 0,0-21 0,-21 0 16,0 0-16,0 0 16,-21 21-1,0 0 1,-21 0-16,20 21 0,1 0 16,0-21-16,0 21 15,0 21-15,0-20 0,-1-1 0,1 0 16,0 0-16,0 0 0,21 0 15,0 1-15,0-1 0,0 0 0,0 0 16,0 0-16,0 0 0,0 1 16,21-1-1,0-21-15,0 0 0,1 0 0,-1 0 16,21 0-16,-21 0 0,22 0 16,-22-21-16,21 21 0,0-22 0</inkml:trace>
+  <inkml:trace contextRef="#ctx0" brushRef="#br0" timeOffset="14924.37">17992 1185 0,'0'0'16,"0"-21"-16,0 0 16,0 0-16,-22 21 0,22-21 0,-21 21 15,21-21-15,-21 21 16,0 0-16,0 0 0,0 0 15,-1 21-15,1-21 0,0 21 16,0 0-16,0 0 0,-22 43 16,22-43-16,0 0 0,0 0 15,0 22-15,0-22 16,-1 0-16,22 0 0,0 0 0,0 0 0,0 1 16,0-1-16,0 0 15,22-21-15,-1 0 16,0 0-16,0 0 0,0 0 15,0 0-15,1 0 0,20-21 0,-21 0 16,0-1-16,0 22 0,22-42 16,-22 21-16,0 0 0,0-22 0,22 22 15,-22-21-15,0 0 16,0-22-16,0 22 0,0-22 0,1 22 0,-1-22 16,0 1-16,0-1 0,0 22 15,-21-21-15,21 20 0,-21 1 16,22 0-16,-22 20 0,0 1 15,0 0-15,0 0 0,0 0 0,0 42 32,-22-21-32,1 42 0,21-21 15,-21 22-15,0-1 0,0 22 0,0-22 16,-1 21-16,1 1 0,21-1 16,-21 1-16,0-1 0,21-20 15,0 20-15,0-20 0,0-1 0,0 0 16,0 1-16,0-22 0,0 0 15,0 0-15,21 0 0,0 0 16,0 1-16,-21-1 0,22-21 0,-1 0 16,0 0-16,0 0 0,0 0 15,0 0-15,22 0 0,-22 0 16,0-21-16,0-1 16,0 1-16,-21 0 0,22 0 0,-1 0 15</inkml:trace>
+  <inkml:trace contextRef="#ctx0" brushRef="#br0" timeOffset="18557.28">19092 1418 0,'0'21'15,"21"-42"32,1 21-47,-1-21 16,0 21-16,-21-21 0,21 0 15,-21 0-15,0-1 0,21 1 0,-21 0 16,0 0-16,21 0 0,-21-22 0,22 22 16,-1 0-16,-21 0 0,0 0 0,0 0 15,0-1-15,-21 22 16,-1 0-1,1 0-15,21 22 0,-21 20 0,0-21 16,0 0-16,21 0 0,0 1 16,0-1-16,0 0 0,0 42 15,0-41-15,0-1 0,0 0 16,0 0-16,0 0 0,0 0 0,0 1 16,21-1-16,-21 0 0,21 0 15,0-21-15,-21 21 16,21-21-16,1 0 15,-22-21 1,21 21-16,0-42 0,-21 21 16,21-1-16,0 22 0,0-21 15,-21 0-15,43-21 0,-22 21 0,0-1 16,0 1-16,0 0 0,1 0 16,20 0-16,-21 0 0,43-1 0,-43 1 15,0 21-15,0 0 0,21 0 0,-20 0 16,-1 0-16,0 0 0,21 21 15,-42 1-15,0-1 0,0 0 16,0 0-16,0 0 0,0 22 16,0-22-16,0 0 0,-21 0 0,0 0 15,0 0-15,-22 22 0,22-43 16,21 21-16,-21-21 0,0 21 16,21-42 30,21 0-46,0 21 0,0-21 16,1-1-16,-1 1 0,0 0 16,21-21-16,-21 21 0,1-1 0,-1 1 15,0 0-15,0 0 0,21-21 0,-20 20 16,-1 1-16,-21 0 0,21 21 0,-21-21 16,21 0-16,0 0 15,-21-1-15,-21 22 16,0 0-16,21 22 15,-42 20-15,20-21 16,22 0-16,-21 0 0,0 1 0,0 20 0,0-21 16,21 0-16,0 0 0,-21 1 15,-1-1-15,22 42 0,-21-42 0,21 1 16,0-1-16,0 0 0,0 0 0,0 0 16,0 0-16,0 1 0,21-1 15,1-21-15,-1 0 0,0 0 0,0 0 16,43 0-16,-22 0 0,0 0 0,1 0 15,-1-21-15,0 21 0,1-22 0,-1 1 16,85-21-16,-106 21 0,21 0 16,-20-1-16,-1 1 0,0 0 0,21-21 15,-42 21-15,0-1 0,0 1 0,0 0 16,0 0-16,0 0 0,0-22 0,-21 22 16,0 21-16,0 0 15,0 0-15,-1 0 0,1 0 16,0 0-16,0 0 0,0 43 0,0-22 15,21 0-15,0 0 0,-22 0 0,22 0 16,0 22-16,0-22 0,0 21 16,0-21-16,0 1 0,22 20 15,-1-21-15,0 0 0,0-21 0,0 21 16,0-21-16,1 22 0,-1-22 0,21 0 16,-21 0-16,0 0 0,1 0 0,20 0 15,-21 0-15,0-22 0,0 1 16,1 21-16,-1-21 0,-21 0 0,21 0 15,0 0-15,21-22 0,-42 22 16,22 0-16,-1 0 0,0-22 0,0 22 16,-21 0-16,42-42 0,-20 41 0,-1 1 15,-21 0-15,21 0 0,-21 0 16,21 21-16,0 0 0,0 0 0,1 21 31,-22 0-31,0 0 0,0 0 16,0 1-16,0-1 0,0 21 15,0-21-15,0 0 32,0-42-1,0 0-31,0 0 16,0 0-16,0 0 0,0-22 15,0 22-15,0 0 16,0 0-16,-22 0 0,22-1 15,-21 22-15,0 0 16,0 0-16,0 0 16,0 22-16,21-1 0,0 0 0,-22 0 15,1 0-15,0 22 0,21-22 16,-21 0-16,0 0 0,0 43 16,21-22-16,0 0 0,0-21 15,0 1-15,0-1 0,0 0 0,21-21 16,-21 21-16,21 0 0,0 0 0,0-21 15,0 22-15,43-1 0,-43-21 0,21 0 16,-20 0-16,-1 0 0,0 0 16,42 0-16,-41 0 0,-1 0 0,0 0 0,0-21 15,0 21-15,0-22 0,22-20 16,-22 21-16,0 0 0,0 0 16,-21-1-16,21-20 0,22 0 0,-43-1 15,0 22-15,21 0 0,0-21 0,-21 21 0,21-1 16,-21 1-16,0-21 0,0 21 15,0 42 17,-21 21-32,21-21 0,-21 1 15,0-1-15,0 42 0,21-42 16,0 1-16,0-1 0,0 21 0,0-21 16,0 0-16,0 1 0,0-1 15,0 0-15,0 0 16,21-21-16,0 0 15,0 0-15,0 0 0,0 0 16,1 0-16,-22-21 0,42 0 16,-42 0-16,21 21 0,21-43 15,-42 22-15,22 0 0,-1 0 16,-21 0-16,21-1 0,0-62 16,0 41-16,-21 22 0,21 0 0,-21 0 15,0 0-15,0 0 16,0 42-1,0 0-15,0 0 0,0 0 0,0 0 16,0 1-16,0 20 0,0-21 0,0 0 16,0 0-16,0 22 0,0-22 0,0 0 15,0 21-15,22-20 0,-1-1 0,-21 0 16,21 0-16,0 0 0,0 0 16,0-21-16,1 0 15,-1 0-15,0 0 0,0 0 16,-21-21-16,21 21 0,0-21 15,-21 0-15,22 0 0,-22 0 16,21-22-16,-21 22 0,0 0 0,21-21 16,0-1-16,0-41 0,0-1 15,1 21-15,-1 1 0,-21 21 16,21-22-16,0 22 0,0-1 0,-21-20 0,21 21 16,-21 20-16,22-20 0,-22 21 0,0 0 15,21 0-15,-21-1 0,0 1 0,-21 42 31,-1 1-15,1-1-16,21 21 0,-21 0 0,0-20 16,21 41-16,-21-21 0,0 1 0,21 20 15,-22 43-15,22-64 0,-21 1 0,21-1 16,-21 22-16,21-22 0,0 0 0,0-21 16,0 22-16,0-22 0,0 0 0,0 21 15,0-20-15,0-1 16,0 21-16,0-21 0,21-21 0,0 0 0,-21 21 15,22-21-15,-1 0 0,0 0 16,0 0-16,0 0 0,0 0 16,1-21-16,20 0 0,-42 0 0,21 0 15,0 21-15,0-21 0,-21-1 16,22 1-16,-1 0 0,-21 0 0,0 0 16,21 0-16,0-1 0,-21 1 0,0 0 15,0 0-15,21 0 0,-21 0 16,0 42-1,0 0 1,0 0-16,-21 0 0,21 0 0,0 1 16,0-1-16,0 0 0,0 0 0,0 0 15,0 0-15,0 1 0,0 20 16,0-21-16,0 0 16,21-21-16,0 0 15,1 0-15,-1 0 16,0 0-16,21 0 0,-21 0 0,-21-21 15,22 21-15,-1-21 0,0 0 0,0 0 16,0 21-16,0-22 0,1 1 0,-1 0 16,0 0-16,-21 0 0,21-22 0,0 22 15,-21 0-15,0 0 0,21 0 16,-21 0-16,0 42 31,0 0-31,-21 0 16,21 0-16,-21 22 0,21-22 0,-21 0 15,21 0-15,-21 0 0,21 0 16,0 1-16,0-1 0,0 0 0,0 0 16,0 0-16,0 0 15,21-21-15,0 0 16,0 0-16,0 0 0,22-21 16,-43 0-1,21 21-15,-21-21 0,21 0 0,-21 0 16,21 21-16,-21-22 0,0 1 0,0 0 15,0 0-15,0-21 0,0 20 0,0 1 16,0 0-16,-21 0 16,0 21-16,0 0 15,0 0-15,-1 0 16,44 0 15,-1 0-31,0 0 0,0 0 16,0 0-16,0 0 0,1-21 0,-1 21 15,21-21-15,-21 21 0,0 0 16,1-22-16,-1 22 0,0 0 0,0 0 16,0 0-16,-21 22 15,21-1-15,-21 0 16,0 21-16,0-21 0,0 1 16,0-1-16,0 0 0,0 0 15,0 0-15,-21 0 0,21 1 0,0-1 16,0 0-16,-21 0 15,0 0-15,21 0 16,-21 1-16,21-44 47,0 1-31,0 0-16,0 0 0,0 0 15,21 0-15,-21-1 0,21 1 16,0 0-16,0-21 0,1 21 15,20-22-15,-21 22 0,0 0 16,0-21-16,1 20 0,62-20 16,-63 21-16,22 21 0,-1 0 15,0 0-15,-42 21 16,22-21-16,-22 21 0,0 0 0,0 1 16,0-1-16,0 0 0,0 0 0,0 21 15,-22-20-15,22-1 0,0 0 0,-21 0 16,0 0-16,21 0 0,-21 1 15,0-22-15,21 21 0,0 0 0,-21 0 16,-1 0 0,22-42 31,0 0-32,0 0-15,0-22 0</inkml:trace>
+  <inkml:trace contextRef="#ctx0" brushRef="#br0" timeOffset="18831.63">23516 677 0,'0'0'15,"-21"0"-15,0 0 16,0 0 0,-1 0 62,1 0-63</inkml:trace>
+  <inkml:trace contextRef="#ctx0" brushRef="#br0" timeOffset="19139.84">22352 931 0,'0'0'0,"-21"22"0,42-1 16,21-21-1,-21 0-15,1 0 0,-1 0 16,21 0-16,0 0 0,-20 0 0,20 0 16,0 0-16,-21 0 0,22 0 0,-22 0 15,21 0-15,-21 0 0,1 0 0,-1 0 16,21 0-16,-63 0 47,0 0-47,0 0 15,-1 0-15,1 0 0,0 0 16,-21 0-16</inkml:trace>
+  <inkml:trace contextRef="#ctx0" brushRef="#br0" timeOffset="20174.07">13674 1799 0,'-22'0'0,"44"0"0,-65 0 16,22 0-16,0 0 0,0 0 0,0 0 16,-1 0-16,1 0 0,0 0 0,0 0 15,0 0-15,0 0 16,21 21-1,21 1 1,21-22 0,-21 21-16,0-21 0,1 0 0,20 21 15,-21-21-15,21 0 0,1 0 0,-1 21 16,0-21-16,1 0 0,-1 0 0,22 0 16,-22 21-16,85-21 15,-42 0-15,-22 0 0,22 0 0,63 0 0,-63 0 16,-1 0-16,1 0 0,21 0 0,-22 0 15,22 0-15,21 0 0,-21 0 0,0 0 16,21 0-16,-21 0 0,105 0 16,-105 0-16,0 0 0,0 0 15,0 0-15,0 0 0,-22 0 0,1 0 16,0 0-16,-22 0 0,85 0 0,-105 0 16,-1 0-16,0 0 0,1 0 0,-1 0 15,-21 0-15,0 0 0,0 0 78,1 0-46,-1-21-17</inkml:trace>
+  <inkml:trace contextRef="#ctx0" brushRef="#br0" timeOffset="21060.07">19304 1884 0,'0'0'16,"-21"0"-16,0 0 0,-1 0 0,1 0 0,0 0 15,-21 0-15,21 0 0,-1 0 0,1 0 16,0 0-16,0 0 16,21 21 15,21-21-31,0 0 0,22 0 16,-22 0-16,0 0 0,21 0 0,1 0 15,-1 0-15,21 21 0,1-21 0,-22 0 16,22 0-16,-1 0 0,1 0 0,-1 0 15,22 0-15,-22 21 0,1-21 16,105 0-16,-84 0 0,0 0 16,-1 0-16,22 0 0,-21 0 0,-1 0 15,22 0-15,-21 0 0,0 0 0,-1 0 16,1 0-16,84 0 0,-84 0 0,0 0 16,-1 0-16,86-21 15,-86 21-15,-20 0 0,-1 0 0,1 0 0,-22-21 16,0 21-16,22 0 0,-43 0 0,21 0 15,-20 0-15,20 0 0,-21-21 0,0 21 16,0 0 0,-42 0 15,0 0-31,0 0 0,0 0 16,0 0-16,-22 0 0,1 0 0,21 0 15,-22 0-15,1 0 0,0 0 0,-22 0 16</inkml:trace>
+  <inkml:trace contextRef="#ctx0" brushRef="#br0" timeOffset="21511.41">19050 1990 0,'0'0'15,"-21"0"-15,0 0 0,42 0 78,0 0-78,21 0 0,-21 0 16,22 0-16,-1 0 0,0 0 0,1 0 16,20 0-16,1 0 0,-1 0 0,22 0 15,0 0-15,63 0 0,-64 0 16,22 0-16,-21 0 0,21 0 0,0 0 16,-1 0-16,1 0 0,-21 0 0,21 0 15,-22 0-15,1 0 0,0 0 0,-1 0 16,1 0-16,-21 0 0,-1 0 0,1 0 15,-1 0-15,1 0 0,-1 0 16,-21 0-16,1 0 0,-1 0 0,0 0 16,1 0-16,-22 0 0,0 0 0,0 0 15,0 0-15,1 0 0</inkml:trace>
+  <inkml:trace contextRef="#ctx0" brushRef="#br0" timeOffset="21582.37">21823 1969 0,'0'0'0,"-21"0"31,-1 0-31,1 0 0,0 0 15,-21 0-15</inkml:trace>
+  <inkml:trace contextRef="#ctx0" brushRef="#br0" timeOffset="22483.86">13928 2053 0,'-22'0'15,"44"0"-15,-65 0 0,22 0 0,0 0 16,0 0-16,0 0 0,-1 0 16,1 0-16,0 0 0,0 0 15,0 0-15,0 0 16,42 0 31,0 0-47,0 0 0,0 0 0,22 0 15,-1 0-15,-21 21 0,21-21 0,22 0 16,-22 22-16,22-22 0,-1 0 0,1 0 16,20 0-16,-20 0 0,21 0 0,-1 0 15,1 0-15,0 0 0,20 0 0,-20 0 16,21 0-16,0 0 0,21 0 16,-21 0-16,-1 0 0,1 0 0,0 0 0,-21 0 15,21 0-15,-1 0 0,-20 0 0,106 0 16,-128 0-16,22-22 15,-1 22-15,-20 0 0,-1 0 0,-20 0 16,20 0-16,-20 0 0,-22-21 0,21 21 16,-21 0-16,0 0 0,1 0 0,-1 0 15,-42 0 79,-1 0-94,1 0 0,0 0 0,0 0 16</inkml:trace>
+  <inkml:trace contextRef="#ctx0" brushRef="#br0" timeOffset="52064.16">1460 3260 0,'22'21'15,"-1"-21"32,-21-21-31,21 0-1,-21-1-15,0 1 16,21 0 0,-21-21-16,0 21 15,0-1-15,0 1 0,-21 0 16,0 0-16,0 21 16,21-21-16,-22 0 0,1 21 0,0 0 15,0-22-15,-21 22 16,20 0-16,1 0 15,0 0-15,0 0 0,0 0 16,0 22-16,-1-22 0,1 21 16,0 0-16,0 0 0,0 0 15,0 0-15,-1 22 0,22-22 0,0 21 16,-21 1-16,21-22 0,0 21 16,0-21-16,0 0 0,0 22 15,0-1-15,0-21 0,0 0 16,0 1-16,21-1 15,-21 0-15,22-21 0,-1 0 16,0 0-16,0 0 0,0 0 16,0 0-16,1-21 15,-1 21-15,21-21 0,-21-1 0,0 1 16,1 0-16,-1 0 0,0 0 16,-21-22-16,21 22 0,0 0 15,-21-21-15,0 21 0,21-1 0,-21-20 16,22 21-16,-22 0 0,0 0 15,0-1-15,21 22 16,-21-21-16,21 21 63,-21 21-63,0 1 0,0-1 15,0 21-15,0 0 16,0-20-16,0-1 0,0 0 15,0 0-15,0 21 0,0-20 0,0-1 16,0 0-16,0 0 16,0 0-16,0 0 0,21-21 15,0 22-15,0-22 0,1 0 16,-1 0-16,0 0 16,0 0-16,0 0 0,0 0 15,1 0-15,-1-22 0,0 22 0,0-21 16,0 0-16,0 0 15,1 0-15,-1 0 0,0-1 0,-21 1 16,21-21-16,-21 21 0,21-22 16,-21 22-16,21-21 0,-21 21 0,0 0 15,0-22-15,0 22 0,0 0 16,0-43-16,0 43 16,0 0-16,0 0 0,0 0 0,0 0 15,0-1-15,0 1 0,0 0 16,-21 0-16,0 0 0,0 0 15,21-1-15,-21 1 0,0 0 0,-1 0 16,1 21-16,0-21 0,0 0 16,0 21-16,-43-22 15,1 22-15,20 0 16,1 0-16,21 0 0,-21 0 16,-1 0-16,1 0 0,0 0 0,-1 0 15,1 0-15,0 0 0,-1 0 16,1 22-16,0-22 0,20 21 15,-20-21-15,0 21 0,21-21 0,-22 21 16,22 0-16,0-21 0,-43 43 16,43-43-16,0 21 15,0 0-15,0 0 0,0 0 16,-1 0-16,1 1 0,0 20 16,0-21-16,0 0 0,0 0 15,21 1-15,-22 20 0,22-21 0,-21 0 16,21 22-16,0 20 15,0-42-15,0 22 0,0-1 16,0 0-16,0-21 0,0 22 0,0-1 16,0-21-16,21 22 0,-21-22 15,22 21-15,-1-21 0,-21 22 16,21-22-16,0 0 0,0 42 16,0-41-16,1-1 0,-1 0 15,-21 0-15,21-21 0,0 21 16,0 0-16,0 1 0,1-22 15,-1 21-15,21-21 0,-21 0 16,0 21-16,1-21 0,20 0 0,-21 0 16,21 0-16,1 0 0,-1 0 15,0 0-15,1 0 0,-1 0 16,0-21-16,22 21 0,-22-21 0,1-1 16,-1 22-16,0-21 0,1 21 15,-1-21-15,-21 21 0,0 0 16,0-21-16,1 21 0,-1 0 0,0 0 15,-21-21-15,21 21 79,-21-21-64,0-1-15,21 22 0,-21-21 16</inkml:trace>
+  <inkml:trace contextRef="#ctx0" brushRef="#br0" timeOffset="56739.58">2476 2985 0,'0'-22'16,"0"1"0,0 0-16,0 0 15,0 0-15,0 0 16,0-1-16,0 1 31,0 0-31,0 42 47,0 0-31,0 1-16,0-1 0,0 0 15,0 21-15,0-21 0,0 22 0,0-1 16,0 0-16,-21 1 0,0-1 15,21 0-15,-21 22 0,21-22 0,0 1 16,-21-1-16,0 0 0,21 1 16,-22-22-16,22 21 0,-21-21 0,21 0 15,0 1-15,0-1 0,0 0 16,-21-21-16,21-21 47,0 0-32,21-1-15,-21 1 0,21 0 16,-21-21-16,0 21 0,22-1 16,-1 1-16,-21-21 0</inkml:trace>
+  <inkml:trace contextRef="#ctx0" brushRef="#br0" timeOffset="57463.19">2392 2921 0,'0'0'0,"0"-21"0,-21 21 16,-1-21-16,22 0 16,0-1-1,0 1-15,0 0 0,22 0 16,-1 21-16,21-21 15,-21 0-15,0 21 0,22-22 0,-1 22 16,0 0-16,1-21 0,-1 21 16,0 0-16,1 0 0,-1 0 0,-21 0 15,22 21-15,-22 1 16,0-1-16,-21 21 0,0-21 0,0 22 16,0-22-16,-21 21 0,-22 0 15,22 1-15,-21-22 0,0 21 0,-1 1 16,1-1-16,0-21 0,-1 0 15,-41 43 1,62-64-16,22-21 31,22-1-15,-1 1-16,21 0 0,-21 0 0,0 21 16,1-21-16,20 0 0,-21 21 15,0 0-15,22-22 0,-22 22 16,21 0-16,-21 0 0,22 0 15,-22 0-15,21 0 0,-21 0 0,0 22 16,1-1-16,-1 0 0,0 0 16,0 0-16,0 0 0,-21 1 0,21 20 15,-21-21-15,0 0 0,0 22 0,0-22 16,0 0-16,-21 21 0,0-21 16,0 1-16,-21-1 0,20 0 0,-20 0 15,21 0-15,-21 0 16,-1 1-16,22-22 0,-21 21 0,-1-21 15,1 0-15,21 0 0,-21 0 16,20 0-16,-20 0 0,21 0 0,0 0 16,-22 0-16,22-21 0,0 21 15,21-22-15,-21 22 0,21-21 16,-21 21-16,21-21 31,21 21-15,0-21-16,0 0 0,22 0 15,-22 21-15,21-22 0</inkml:trace>
+  <inkml:trace contextRef="#ctx0" brushRef="#br0" timeOffset="57879.44">3154 3344 0,'0'0'16,"21"0"0,0 0-16,0 0 15,22-21-15,-22 0 16,0 21-16,0-21 0,21 0 0,-20 0 16,-1-1-16,0 1 15,0-21-15,0 21 0,-21 0 0,0-1 16,0 1-16,0 0 15,-21 21-15,0 0 0,0 0 16,0 0-16,-1 0 0,-20 0 16,21 21-16,0-21 0,0 43 0,-22-22 15,22 0-15,0 21 0,21-21 16,-21 22-16,21-22 0,-21 21 16,21 1-16,0-22 0,0 21 0,0-21 15,0 0-15,0 1 0,0-1 0,21 0 16,0 0-16,0-21 0,0 21 15,0-21-15,1 0 16,-1 0-16,0 0 0,0-21 0,0 21 16,22-21-16,-22 0 0,21 0 15,-21-22-15,22 22 0</inkml:trace>
+  <inkml:trace contextRef="#ctx0" brushRef="#br0" timeOffset="58884.55">3979 2455 0,'0'0'0,"-21"-42"15,0 42 1,0 0-16,0 0 16,-1 21-16,22 0 15,-21 22-15,0-22 0,0 21 0,21 1 16,-21 20-16,0-21 0,21 22 0,0-1 15,-22 1-15,1-1 0,21 1 16,-21 21-16,21-22 0,0 22 0,-21-22 16,0 22-16,21-22 0,-21 1 15,21 21-15,-22-22 0,1 1 16,0-1-16,21 1 0,-21 20 16,0-20-16,0-1 0,-1 1 0,1 20 15,0-20-15,0-1 0,0-20 0,0 20 16,-1-20-16,22-1 0,-21 0 15,21 1-15,-21-1 0,21-21 0,0 0 16,0 0-16,0 1 0,0-1 16,21-21-1,0 0-15,1 0 0,-1-21 16,21-1-16,-21 1 0,22 0 0,-22 0 16,21-21-16,-21 20 0,22-20 0,-1 0 15,-21-1-15,21 1 16,-20 0-16,-1-1 0,0-20 0,0 21 0,-21-22 15,21 1-15,-21-1 0,0 22 16,0-22-16,-21 22 0,0 0 16,-21-22-16,20 22 0,-20 21 0,0-22 15,21 1-15,-22 21 0,1 0 16,21-1-16,-22 1 0,22 21 0,0-21 16,0 21-16,0 0 0,21-21 15,21 21 1,0 0-16,21-21 15,-20 0-15,-1 21 0,21-22 0,0 1 16,-20 21-16,20-21 0,0 0 16,1-21-16,-1 20 0,-21 1 15,21 0-15,-20-21 0,-1 21 0,0-1 16,0 1-16,0-21 0,-21 21 16,0 0-16,0-1 0,0 1 15,0 0-15,0 42 31,-21 0-15,0 1-16,0-1 0,21 42 16,-21-42-16,21 22 0,-22-1 15,22-21-15,-21 22 0,21-1 16,0-21-16,0 0 0,0 0 0,0 1 16,0-1-16,21 0 15,1-21-15,-1 21 0,0-21 16,0 0-16,0 0 0,0 0 15,1-21-15,-1 0 0,0 0 16,0-1-16,-21 1 0,21 0 0,-21 0 16,21-21-16,-21 20 0,0-20 15,0 0-15,0 21 0,0-1 16,0-20-16,0 21 0,0 0 0,-21 21 16,0-21-16,0 21 0,0 0 15,0 0-15,-1 0 0,1 0 0,0 21 16,21 0-16,-21-21 15,21 21-15,0 0 16,0 0-16,21-21 16,0 0-16,0 0 15,1 0-15,-1 0 0,0 0 0</inkml:trace>
+  <inkml:trace contextRef="#ctx0" brushRef="#br0" timeOffset="59303.31">4254 3133 0,'0'0'0,"-21"0"16,21-21-16,0-1 15,21 22 1,1-21-16,-1 21 16,0 0-16,0 0 0,0 0 15,-21 21-15,21 1 0,1-1 16,-1 0-16,-21 0 0,0 0 0,0 22 15,0-22-15,0 0 0,0 21 16,0-21-16,0 22 0,0-22 0,0 0 16,0 0-16,-21 0 0,-1 1 0,1-22 15,21 21 1,0-42 0,0-1-16,0 1 15,0 0-15,0 0 0,0-21 16,0 20-16,21-20 0,1 21 15,-1-21-15,-21 20 0,21 1 0,0 0 16,-21 0-16,21 0 0,0 0 0,1-1 16,-1 22-16,0-21 15,0 21-15,0 0 16,0 0 15,-21 21-31</inkml:trace>
+  <inkml:trace contextRef="#ctx0" brushRef="#br0" timeOffset="59703.08">4741 3281 0,'0'0'0,"21"0"15,1 0-15,-1 0 16,0-21-16,0 21 15,0-21-15,0-1 0,1 22 0,-1-21 0,-21 0 16,21 0-16,0 21 16,0-21-16,-21 0 0,0-1 15,0 1-15,0 0 16,-21 21 0,0 0-16,0 21 15,0 0-15,-1-21 0,1 22 16,0-1-16,0 0 0,0 0 0,0 0 15,21 0-15,0 1 0,-22 20 0,22-21 16,0 0-16,0 0 16,0 1-16,0-1 0,0 0 0,0 0 15,22 0-15,-1-21 0,0 0 16,0 0-16,0 0 16,0 0-16,1 0 0,-1 0 15,0-21-15,0 0 0,-21 0 16,21 0-16,0-1 0,1 1 15</inkml:trace>
+  <inkml:trace contextRef="#ctx0" brushRef="#br0" timeOffset="62044.2">5884 3069 0,'-42'0'16,"42"-21"30,21 21-46,0-21 0,0 21 0,1-21 16,-1 21-16,0-21 0,21-1 16,-21 1-16,22 0 0,-22 0 0,42-21 15,-41-1-15,-1 22 16,0 0-16,-21 0 0,0 0 16,0-1-16,0 1 0,0 0 15,-21 21-15,0 0 0,-22 0 16,22 0-16,-21 0 0,21 0 0,-22 0 15,1 21-15,21-21 0,-22 21 16,1 1-16,0-22 0,21 21 0,-22 0 16,22 0-16,0 0 0,0 0 0,21 1 15,-21-1-15,21 0 0,0 0 16,0 0-16,0 0 0,0 1 0,21-1 16,0 0-16,-21 0 0,21 0 15,0 0-15,0 1 0,1-1 0,-22 0 16,21 0-16,0 21 15,0-20-15,-21-1 0,0 0 0,0 21 16,0-21-16,0 1 0,0 20 0,0-21 16,0 0-16,-21 22 0,0-22 15,0 0-15,-22 0 0,22 0 0,-21 0 16,-1 1-16,1-22 0,21 21 16,-21-21-16,-1 0 0,1 0 0,0 0 15,20 0-15,1 0 0,-21 0 0,21 0 16,21-21-16,-21-1 0,21 1 15,0 0-15,-22 0 0,22-21 16,0 20-16,0-20 0,0 0 0,0-1 16,0 1-16,0 21 0,22-21 15,-22 20-15,21-20 0,-21 21 0,0 0 16,21 0-16,0 21 16,-21 21-1,0 0 1,21 0-16,-21 0 0,0 0 0,0 22 15,0-22-15,0 21 0,21 1 16,-21-22-16,0 21 0,0-21 0,22 0 16,-1 22-16,-21-22 0,21 0 15,0 0-15,0-21 0,0 21 0,1 1 16,-1-22-16,0 0 0,0 0 0,21 0 16,-20 0-16,20 0 15,0 0-15,22 0 0,-43-22 16,21 1-16,1 0 0,-22 21 0,0-21 15,21 0-15,-21 0 0,1-22 16,-1 22-16,0 0 0,0 0 0,0-22 16,-21 22-16,21 0 0,-21 0 15,22 0-15,-22 0 0,0-1 16,0 44 15,0-1-31,0 0 0,-22 0 16,22 21-16,0-20 0,0-1 15,-21 0-15,21 21 0,0-21 16,0 1-16,0-1 0,0 0 16,0 0-16,0 0 0,0 0 0,0 1 15,0-1-15,21-21 0,1 0 0,-1 0 16,0 0-16,0 0 0,0 0 16,0 0-16,1 0 0,-1 0 0,0-21 15,21 21-15,-21-22 0,1 1 16,-1 0-16,0 0 0,0 0 0,0-22 15,0-20-15,1 42 16,-22-22-16,21 22 0,-21 0 16,21-21-16,-21 21 0,0-1 15,0 1-15,0 42 32,0 1-32,0-1 15,0 0-15,0 0 0,0 21 16,0-20-16,0-1 0,0 0 0,0 0 15,0 21-15,0-20 0,0-1 16,0 0-16,0 0 0,0 0 16,0 0-16,21-21 0,0 0 15,-21 22-15,21-22 0,1 0 0,-1 0 16,0 0-16,0 0 0,0 0 0,0-22 16,1 1-16,-1 21 15,21-21-15,-21 0 0,0 0 0,-21 0 16,22-22-16,-1 22 0,0 0 0,0-21 15,-21 20-15,0-20 0,0 21 16,21 0-16,-21 0 0,0-1 0,21 22 16,-21-21-16,0 42 31,0 1-31,0-1 0,0 0 16,-21 0-16,21 0 0,0 22 15,-21-22-15,21 0 0,0 0 0,0 21 16,0-20-16,0-1 0,0 0 15,0 0-15,0 0 16,21-21-16,0 0 0,1 21 0,-1-21 16,0 0-16,0 0 0,0 0 15,0 0-15,1 0 0,-1-21 0,0 0 16,0 0-16,0 0 0,0 0 0,1-1 16,-1 1-16,0-21 15,0 0-15,0-1 0,-21 1 0,21 0 16,1-1-16,-22-20 0,21 20 0,0-20 15,-21 21-15,21-22 0,0 1 16,-21 20-16,21 1 0,1 0 0,-22-1 16,0 1-16,0 21 0,21-22 0,-21 22 15,0 0-15,21 0 16,-21 42 0,0 0-1,0 0-15,-21 22 0,21-22 16,-21 21-16,21 1 0,0-1 0,-22 43 15,1-43-15,21 0 0,-21 1 16,21-1-16,0 0 16,-21 1-16,21-1 0,0 0 0,-21 1 0,21-22 15,0 21-15,0-21 16,0 22-16,0-22 0,0 0 0,0 0 16,0 0-16,21 0 0,0 1 0,0-22 15,0 21-15,1-21 16,-1 0-16,0 0 0,0 0 0,0 0 15,0 0-15,1 0 0,-1-21 0,0 21 16,0-22-16,0 1 0,22 0 16,-22 21-16,0-21 0,0-21 0,0 20 15,0 1-15,-21 0 0,22-21 16,-1 21-16,0-22 0,-21 22 16,0 0-16,0 0 0,0 0 0,0-1 15,-21 22 16,0 0-31,-1 22 16,22-1-16,-21 0 0,21 0 16,-21 0-16,21 0 0,-21 22 0,21-1 15,0-21-15,0 0 16,0 1-16,0 20 0,0-21 0,0 0 16,21 0-16,0 1 0,0-1 15,1-21-15,-1 0 0,0 21 16,0-21-16,0 0 0,0 0 0,1 0 15,20 0-15,-21 0 0,21 0 0,-20 0 16,-1-21-16,0 0 16,0 21-16,0-22 0,0 1 0,1 0 15,-22 0-15,21 0 0,-21 0 16,21-1-16,-21 1 0,0-21 16,0 21-16,0 0 0,0-1 0,0 1 15</inkml:trace>
+  <inkml:trace contextRef="#ctx0" brushRef="#br0" timeOffset="62379.01">7535 2858 0,'0'0'16,"-21"0"-16,42 0 16,22 0-1,-22 0-15,21 0 0,-21-22 16,22 22-16,-1-21 0,0 21 16,22 0-16,-22-21 0,0 21 0,1 0 15,-1 0-15,0-21 0,-20 21 16,20 0-16,-21 0 0,0-21 15,-21 0 1,-21 21 0,0 0-1,0-22-15,0 22 0</inkml:trace>
+  <inkml:trace contextRef="#ctx0" brushRef="#br0" timeOffset="62885.39">7048 2582 0,'0'0'0,"-21"43"16,21-22-16,-21-21 16,21 21-16,0 0 0,0 0 15,0 1-15,0-1 16,0 0-16,21-21 16,-21 21-16,21-21 0,1 0 0,-1 0 15,0 0-15,0 0 0,0 0 16,0 0-16,1 0 0,-1 0 15,-21-21-15,21 21 0,0-21 0,-21 0 16,0-1-16,0 1 16,0 0-16,0 0 0,0 0 15,-21 21-15,0 0 0,0 0 0,-1 0 16,1 0-16,0 0 0,0 0 16,0 0-16,0 21 0,-1 0 15,1 0-15,0 0 16,21 1-16,-21-1 0,21 0 0,-21 0 15,21 0 1,-21 0-16,21 1 0,0-1 16,0 0-1,0 0-15</inkml:trace>
+  <inkml:trace contextRef="#ctx0" brushRef="#br0" timeOffset="66251.42">1397 17801 0,'21'0'15,"0"0"-15,0 0 16,1-21 0,-22 0-16,0 0 15,21 21-15,0-21 0,-21-1 0,0 1 16,0 0-16,0 0 0,0 0 16,0 0-16,-21-1 0,21 1 15,-21 21-15,21-21 0,0 0 0,-22 21 16,1 0-16,0 0 0,0 0 15,0 0-15,0 0 0,-1 21 16,22 0-16,-21 0 0,0 1 16,0 20-16,21-21 0,0 0 15,0 22-15,0-22 0,0 0 0,0 0 16,0 0-16,0 0 0,0 1 16,42-1-16,-21-21 15,1 0-15,-1 0 0,0 0 16,0 0-16,0-21 0,0 21 15,1-22-15,20-20 0,-21 42 0,0-21 16,0 0-16,-21 0 0,22-1 0,-1 1 16,0 0-16,-21 0 0,21 0 0,-21 0 15,0-1-15,0 1 0,0 0 0,-21 21 32,0 21-17,21 0-15,0 1 0,0-1 16,0 0-16,-21-21 0,21 21 0,0 21 15,0-20-15,0-1 0,0 0 16,0 0-16,21 0 0,-21 0 16,21-21-16,0 0 0,21 22 0,-20-22 15,-1 0-15,0 0 0,0 0 0,0 0 16,0 0-16,22 0 0,-22-22 0,0 1 16,21 0-16,-20 0 0,20 21 0,-21-21 15,0 0-15,0-1 0,1 1 0,-22 0 16,21-42-16,0-1 15,-21 43-15,0-21 0,0-1 0,0 1 16,0 21-16,-21-22 0,0 1 0,-1 21 16,1 0-16,-42-43 0,42 22 15,-22 21-15,22 0 0,-21-1 0,-1 1 16,22 21-16,-63-21 0,41 21 0,1 0 16,0 0-16,20 0 0,-83 0 15,41 21-15,1 0 0,-22 22 16,21-22-16,1 21 0,-1 1 0,22-1 15,-21 21-15,20-20 0,1 20 16,0 1-16,20-1 0,1 1 16,0 20-16,21-41 0,0 20 15,0 1-15,21-22 0,0 0 0,22 1 16,-1-1-16,0 0 0,1-20 16,-1-1-16,22 0 0,-1-21 0,-21 21 15,22-21-15,-1 0 16,1 0-16,-1 0 0,-20 0 15,20 0-15,-20 0 0,-1 0 0,-21-21 16,21 21-16,-20-21 0,20 21 16,-21-21-16,0-1 0,0 22 0,1-21 15</inkml:trace>
+  <inkml:trace contextRef="#ctx0" brushRef="#br0" timeOffset="67019.61">2900 17124 0,'0'-21'0,"0"42"0,0-63 15,0 20-15,-21 22 16,-1 0-1,22 22 1,-21-1-16,21 0 0,0 0 0,-21 21 16,0 1-16,21-1 0,-21 0 15,21 1-15,-21-1 0,-1 0 0,22 22 16,-21-22-16,0 1 0,0-1 16,0 0-16,0 1 0,-1-1 15,1-21-15,0 0 0,21 0 16,-21 1-16,21-44 31,0 1-15,0 0-16,0-21 0,21 21 0,-21-22 15,21 22-15,-21-21 0,21-1 16,1 1-16,-1-21 0,-21 20 0,21 1 16,0 0-16,0-1 0,0 1 15,1 0-15,-1-1 0,0 22 16,0-21-16,0 21 0,0-1 15,1 22-15,-1 0 0,0 0 0,0 0 16,0 22-16,-21-1 16,21 0-16,-21 0 0,0 21 0,0-20 15,0 20-15,0 0 0,0 1 16,0-1-16,0 21 0,0-20 0,0-1 16,0 0-16,0 1 0,0-22 15,0 21-15,0-21 0,0 22 0,0-22 16,0 0-16,0 0 15,0 0-15,22-21 16,-22-21 15,0 0-15,0 0-16,-22 21 0</inkml:trace>
+  <inkml:trace contextRef="#ctx0" brushRef="#br0" timeOffset="67220.49">2603 17568 0,'0'22'16,"22"-22"-1,-1 0-15,0 0 0,0 0 16,0 0-16,0 0 0,1 0 0,-1 0 16,21 0-16,-21 0 0,0 0 15,22 0-15,-22-22 0,21 22 16,-21-21-16,1 0 0,-1 21 15,21-21-15,-21 0 0,0 0 0,1-1 16,20 22-16</inkml:trace>
+  <inkml:trace contextRef="#ctx0" brushRef="#br0" timeOffset="68587.22">3683 17336 0,'0'-22'16,"0"1"0,0 0-16,0 0 15,0 0-15,0 0 0,0-1 0,0 1 16,0 0-16,0 0 0,0 0 0,0-22 16,0 22-16,0 0 0,0 0 15,0 0-15,0 0 0,0-1 0,-21 1 16,0 21-1,-1 0-15,1 0 0,21 21 16,-21 1-16,0-1 0,0 21 16,21-21-16,-21 22 0,21-1 15,-22 21-15,1-20 0,21 20 16,0 1-16,-21-1 0,0 1 0,0-1 16,21 1-16,0 20 0,-21-20 15,-1-1-15,22 22 0,0-21 0,0 20 16,-21-20-16,21 20 0,-21-20 15,21 21-15,-21-22 0,21 22 0,0-22 16,0-20-16,0 20 0,0-21 16,0 1-16,0-22 0,0 21 0,0-21 15,21-21-15,0 0 0,0 0 16,22-21-16,-22 0 16,0 0-16,0 0 0,22-22 15,-22 1-15,0 0 0,21-22 0,-21 22 16,1-22-16,-1 22 0,-21-21 15,0-1-15,0 22 0,0-1 0,0-20 16,0 21-16,-21-1 0,-1 1 16,1 0-16,-21 20 0,21-20 0,-22 21 15,1 0-15,21 0 0,-21 21 16,20-22-16,-20 22 0,21 0 16,0 0-16,0 0 0,-1 0 15,22-21 1,22 21-16,-1 0 0,0-21 15,21 0-15,-21 21 0,22-21 16,-1 0-16,0-1 0,22 1 16,-22-21-16,22 21 0,-22-22 0,22 1 15,-22 0-15,21-1 0,1 1 16,-22 0-16,1-1 0,-1 1 0,-21 0 16,43-22-16,-64 22 15,21 21-15,-21 0 0,0-22 0,0 22 16,0 0-16,-21 42 31,-1 0-15,22 22-16,0-22 15,-21 0-15,0 21 0,0-21 16,21 22-16,0-1 0,-21 0 16,0 1-16,21-1 0,-22 0 0,22 1 15,0 20-15,0-20 0,0-22 16,0 21-16,0 0 0,0-20 0,0 20 15,0-21-15,0 0 0,22 0 16,-1 1-16,0-22 0,0 0 0,0 21 16,0-21-16,1 0 0,20 0 15,-21 0-15,0-21 0,0-1 0,22 1 16,-22 21-16,0-42 0,0 21 16,22 0-16,-22-1 0,-21 1 15,21-21-15,0 21 0,-21 0 16,0-1-16,0-20 0,0 21 0,0 0 15,0 0-15,0-1 16,-21 22-16,0 0 16,0 0-16,-1 22 0,22-1 15,-21 0-15,21 0 0,0 0 16,0 0-16,0 1 0,0-1 16,0 0-16,0 0 0,0 0 0,0 0 15,0 1-15,0-1 0,21-21 0,1 21 16,-1-21-16,0 0 15,0 0-15,0 0 0,22-21 16,-22 21-16,0-21 16,0-1-16,21 1 0,-20 0 0,-1 0 15,0 0-15,-21 0 0,21 21 0,0-22 16,0 1-16,-21 0 0,22 21 16,-22 21 15,0 0-31,0 1 0,0-1 15,0 0-15,0 0 0,0 0 16,0 0-16,21 1 0,-21-1 16,21-21-16,-21 21 0,21 0 0,0-21 15,0 0-15,1 0 16,-1 0-16,0 0 0,0 0 0,0 0 16,0-21-16,1 21 0,-22-21 15,21 21-15,-21-21 0,21 21 0,-21-22 16,0 1-16,0 0 15,0 0-15,0 0 0,0 0 0</inkml:trace>
+  <inkml:trace contextRef="#ctx0" brushRef="#br0" timeOffset="68903.28">4106 17272 0,'0'0'0,"21"0"31,1 0-31,-1-21 16,0 21-16,21-21 0,-21 21 16,22 0-16,-1-21 0,0 21 0,-20 0 15,20 0-15,0-22 0,-21 22 16,22 0-16,-22 0 0,0 0 15,0 0 1,-42 0 15</inkml:trace>
+  <inkml:trace contextRef="#ctx0" brushRef="#br0" timeOffset="70988.39">5334 17336 0,'0'0'0,"0"21"16,21-21 15,0 0-31,0-21 0,1 21 16,-1-22-16,21 1 0,-21 21 15,22-21-15,-22 0 0,21 0 0,0 0 16,1-1-16,-22 1 0,21-21 0,-21 21 15,1 0-15,-1-1 0,-21 1 16,0 0-16,0 0 0,0 0 0,0 0 16,-43 21-16,22 0 0,-21-22 15,21 22-15,-22 0 0,1 0 0,0 0 16,-1 22-16,1-1 0,0 0 16,-1 0-16,1 0 0,21 0 0,0 1 15,0-1-15,-1 0 0,22 21 0,0-21 16,0 1-16,0-1 15,0 0-15,22 21 0,-1-21 0,42 22 16,-42-22-16,22 0 16,-22 0-16,21 0 0,1 22 0,-22-22 15,21 0-15,-21 0 0,22 0 16,-22 1-16,0-1 0,0 0 0,-21 0 16,0 0-16,0 0 0,0 1 15,-21-1-15,0 0 0,0-21 0,-22 21 16,22 0-16,-21-21 0,-1 0 0,1 0 15,0 0-15,21 0 0,-22 0 16,22 0-16,-21 0 0,21-21 0,-1 0 16,1 0-16,0 0 15,0-1-15,0-20 0,21 21 0,0 0 16,0 0-16,0-22 0,0 22 16,0 0-16,21 21 31,0 21-31,-21 0 0,21 0 15,0 1-15,-21-1 0,22 0 16,-1 21-16,-21-21 0,21 1 0,0-1 16,0 0-16,-21 21 15,21-21-15,1-21 0,-1 22 0,21-1 0,-21-21 16,0 0-16,22 0 0,-22 0 16,21 0-16,1 0 0,-1 0 0,-21-21 15,21-1-15,1 1 0,-1 0 16,0 0-16,1 0 0,-22 0 15,21-1-15,-21-20 0,22 21 0,-22 0 16,0-22-16,-21 22 0,21-21 16,-21 21-16,21 0 0,-21-1 0,0 1 15,0 0-15,0 42 32,-21 0-17,21 1-15,-21-1 16,21 0-16,0 21 0,0-21 0,0 43 15,0-43-15,0 21 16,0-20-16,0-1 0,0 0 0,0 0 16,21 0-16,0-21 0,-21 21 15,22-21-15,-1 0 0,0 0 0,0 0 16,21 0-16,-20 0 0,-1-21 16,21 21-16,-21-21 0,0 0 0,1 0 15,20 0-15,-21-1 0,0 1 0,0 0 16,1-21-16,-1 21 0,0-1 15,-21-20-15,0 21 0,21 0 0,-21 0 16,21-1-16,-21 1 16,0 0-16,0 42 31,0 0-31,0 1 16,0-1-16,0 0 0,0 0 0,0 0 15,0 0-15,-21 22 0,21-22 16,0 0-16,0 0 0,0 0 0,0 1 15,0-1-15,0 0 0,0 0 16,21 0-16,0-21 0,1 0 0,-1 0 16,0 0-16,21 0 0,-21 0 15,22 0-15,-22-21 0,21 21 16,-21-21-16,22 0 0,-22 0 0,21-1 0,-21 1 16,1 0-16,-1 0 15,0 0-15,0-22 0,0 22 0,-21 0 16,21-21-16,-21 21 0,0-1 0,0 1 15,0 0-15,0 42 32,0 0-17,0 1-15,0-1 0,0 0 0,0 21 16,-21-21-16,21 22 0,0-22 16,-21 0-16,21 0 0,0 22 0,0-22 15,0 0-15,0 0 16,21-21-16,0 0 0,1 0 15,-1 0-15,0 0 0,0 0 16,0 0-16,0-21 0,22 0 16,-22 0-16,0-1 0,0 1 0,0-21 15,1 21-15,-1-22 0,0 1 16,0 0-16,0-1 0,0 1 0,-21 0 16,22-1-16,-22 1 0,21-21 0,-21 20 15,0-20-15,0 20 0,21 1 16,-21 0-16,0-1 0,21 22 0,-21-21 15,0 21-15,0 0 0,0-1 16,0 44 0,0-1-1,-21 0-15,21 0 0,-21 21 16,21-20-16,-21 20 0,21 0 0,-22 1 16,22-1-16,0 0 0,-21-21 15,21 22-15,-21-1 0,21 0 0,0 1 16,0-1-16,0-21 0,0 22 0,0-1 15,0-21-15,0 21 0,0-20 16,0 20-16,21-21 0,-21 0 0,21 0 16,1 1-16,-1-22 0,0 21 15,0 0-15,0-21 0,0 0 0,1 0 16,20 0-16,0 0 0,-21 0 0,22 0 16,-22-21-16,21 21 15,-21-21-15,22-1 0,-22 1 0,0 0 16,21-21-16,-20 21 0,-1-1 15,0-20-15,0 21 0,-21 0 0,0-22 16,21 22-16,-21 0 0,0-21 0,0 21 16,0-22-16,0 22 15,0 0-15,0 0 16,-21 21 0,21 21-16,0 0 0,0 0 15,0 0-15,-21 1 0,21-1 16,0 21-16,0-21 0,-21 22 0,21-22 15,0 0-15,0 21 0,0-21 16,0 1-16,0-1 0,0 0 0,0 0 16,0 0-16,21 0 15,0-21-15,0 0 0,0 0 16,1 0-16,-1 0 0,21 0 16,-21 0-16,0-21 0,1 21 0,-1-21 15,21 0-15,-21 0 0,0 21 16,1-21-16,-1-1 0,0 1 0,0 0 15,0 21-15,0-21 0,-21 0 16,22 0-16,-22-1 0,0 1 16,0 0-16</inkml:trace>
+  <inkml:trace contextRef="#ctx0" brushRef="#br0" timeOffset="71311.32">8064 17082 0,'0'0'0,"0"-22"31,22 22-15,20-21-16,-21 21 0,0-21 15,22 21-15,-22-21 0,21 21 0,-21-21 16,22 21-16,-1 0 0,-21-21 0,21 21 16,-20 0-16,-1-22 0,0 22 15,0-21-15,-21 0 16,-21 21 0,0 0-16,0 0 0,-22 0 15,1 0-15,21 0 0,-22 0 16,1 0-16</inkml:trace>
+  <inkml:trace contextRef="#ctx0" brushRef="#br0" timeOffset="71755.58">7218 16912 0,'0'0'0,"-21"21"16,-1 1-1,1-1-15,21 0 16,-21-21-16,21 21 0,0 0 16,0 0-1,21-21 1,0 0-16,1 0 0,-1 0 0,0 0 15,0-21-15,0 0 0,0 0 16,-21 0-16,0 0 16,0-1-16,0 1 0,-21 0 15,0 21-15,0 0 16,0 0-16,0 0 0,-1 0 0,1 0 16,0 0-16,21 21 0,-21-21 15,0 21-15,0 1 0,21-1 16,0 0-16,-22-21 0,22 21 15,0 0 1,0 0-16,22-21 16,-1 0-16,0 0 15,0 0-15</inkml:trace>
+  <inkml:trace contextRef="#ctx0" brushRef="#br0" timeOffset="90249.02">6159 5503 0,'0'0'0,"0"22"0,0-1 16,22-21-16,-1 0 15,0 0 1,-21-21 0,21 21-16,-21-22 0,0 1 15,21 0-15,-21 0 0,0 0 16,0 0-16,0-1 0,0 1 0,0 0 16,0 0-16,0 0 0,0 0 15,0-1-15,0-20 0,-21 21 0,0 0 16,0 0-16,0-1 15,-1 22-15,1 0 0,0 0 16,0 0-16,0 0 0,0 0 0,-1 22 16,1-1-16,0 0 0,0 21 15,0-21-15,0 22 0,-1-1 16,22-21-16,0 22 0,-21-1 16,21-21-16,0 21 0,0 1 0,0-22 15,0 0-15,0 0 0,0 0 16,0 1-16,21-1 0,1-21 0,-1 0 15,0 0-15,0 0 0,0 0 16,0 0-16,1 0 0,-1-21 16,0-1-16,0 1 0,0 0 0,0 0 15,1 0-15,-1 0 0,0-22 16,0 22-16,-21 0 0,21-21 0,-21 20 16,21-20-16,-21 21 0,0 0 15,0 0-15,0-1 16,0 44-1,0-1 1,0 0-16,0 0 0,0 0 0,0 0 16,0 1-16,-21-1 0,21 21 0,0-21 15,0 0-15,0 22 0,0-22 16,0 0-16,0 0 0,0 0 0,21 1 16,1-22-16,-1 21 0,0-21 15,0 0-15,0 0 0,22 0 16,-22 0-16,21 0 0,-21 0 0,22-21 15,-22-1-15,21 1 0,-21 0 16,22 0-16,-22 0 0,0-22 0,0 22 16,0-21-16,0 21 0,-21-22 15,0 1-15,0 0 0,0-1 0,0 1 16,0 0-16,0-22 0,-21 22 16,0 0-16,0-1 0,0 1 0,0 0 15,-22-1-15,22 1 0,-21 0 16,21 20-16,-22 1 0,1 0 0,0 0 15,-1 0-15,1 0 0,0-1 16,-1 22-16,1 0 0,0 0 16,-22 0-16,22 0 0,-22 22 0,22-1 15,-22 0-15,1 21 0,-1 1 16,1-1-16,-1 0 0,1 22 0,21 20 16,-1-20-16,1-1 0,0 1 15,-1 21-15,22-22 0,-21 1 0,21 20 16,-1-20-16,22-1 0,0 22 0,0-22 15,0 43 1,22-63-16,-1-1 0,0 0 0,21 1 0,1-22 16,20 0-16,-21 0 0,22 0 15,-22 0-15,22-21 0,-1 0 0,1 0 16,-22 0-16,22 0 0,-1 0 16,-21 0-16,1 0 0,20-21 15,-20 21-15,-22-21 0,21 21 0,0-21 16,-20 0-16,-1 21 0,0-21 15,0 21-15,0 0 0,-21-22 0,0 1 16,21 0-16,-21 0 16,22 21-16,-22-21 0,0 0 15</inkml:trace>
+  <inkml:trace contextRef="#ctx0" brushRef="#br0" timeOffset="90598.83">7408 4995 0,'-21'-21'15,"0"21"-15,21 21 16,0 1-16,-21-1 0,21 21 15,-21-21-15,21 22 0,-22 20 16,22-21-16,0 1 0,-21 20 0,0-20 16,0 20-16,21-21 0,-21 1 15,0-1-15,21 0 0,0 1 16,-22-22-16,22 21 0,-21-21 0,21 1 16,0-1-16,0 0 15,0-42 1,21 0-16,-21-1 15,22-20-15,-22 21 0,0-21 16,21 20-16,-21-20 0</inkml:trace>
+  <inkml:trace contextRef="#ctx0" brushRef="#br0" timeOffset="91181.5">7302 4974 0,'0'-21'0,"0"42"0,0-63 0,0 21 15,0 0 1,22-1-16,-1 22 0,0-21 0,0 0 16,0 21-16,0-21 0,22 21 0,-22 0 15,0 0-15,21 0 0,-20 0 16,-1 0-16,21 21 0,-21-21 0,0 21 16,1 0-16,-1 22 0,0-22 15,-21 21-15,0 1 0,0-22 0,0 21 16,-21 0-16,-22-20 0,22 20 15,-21 0-15,0-21 0,-1 22 16,22-22-16,-21 0 0,-1 0 0,22 0 16,0-21-16,0 0 0,0 22 15,21-44 1,21 22-16,0-21 16,-21 0-16,21 21 0,22-21 15,-22 21-15,0 0 0,0-21 0,21 21 16,-20 0-16,-1 0 0,21 0 15,-21 0-15,22 0 0,-22 21 0,0-21 16,21 21-16,-21 0 0,1 0 16,-1 1-16,0-1 0,-21 21 0,0-21 15,0 22-15,0-22 0,0 0 16,0 21-16,-21-21 0,-22 1 0,22 20 16,-21-21-16,0 0 0,-1 0 15,1 1-15,-22 20 16,22-42-16,0 21 0,-1-21 0,22 0 15,0 0-15,-21 0 0,21 0 0,-1 0 16,1 0-16,0 0 0,0-21 16,21 0-1,0 0-15,0-1 16,0 1 0,21 0-16,-21 0 15,21 21-15,0-21 0,1 0 0</inkml:trace>
+  <inkml:trace contextRef="#ctx0" brushRef="#br0" timeOffset="91583.28">8022 5482 0,'0'0'0,"21"0"0,0 0 15,1 0-15,-1-21 16,0 21-16,0-21 0,0 0 16,0 0-16,1 21 0,-1-22 0,-21 1 15,0 0-15,0 0 0,0 0 16,0 0-16,-21 21 16,-1 0-16,1 0 15,0 0-15,0 0 0,0 0 16,0 21-16,-1 0 0,-20 0 0,21 0 15,0 22-15,21-22 0,-21 0 16,21 21-16,0-21 0,0 22 0,0-22 16,0 21-16,0-21 0,0 1 0,0 20 15,0-21-15,21 0 16,0 0-16,0 1 0,0-22 16,0 0-16,1 0 0,-1 0 0,0 0 15,0 0-15,0 0 0,0 0 16,1-22-16,20 1 0,-21 0 0,21 0 15,-20-21-15</inkml:trace>
+  <inkml:trace contextRef="#ctx0" brushRef="#br0" timeOffset="92571.62">8805 4657 0,'0'21'0,"0"-42"0,-21 0 0,21-1 16,-21 22-16,0 0 16,0 22-1,21-1-15,-22 0 0,1 21 16,21 1-16,-21-1 0,0 21 16,21 1-16,-21-1 0,0 1 0,-1-1 15,1 22-15,0-21 0,0 20 0,21-20 16,-21 20-16,0-20 15,-1 21-15,1 63 0,0-64 16,21-20-16,-21-1 0,21 1 0,0-1 16,-21 22-16,0-21 0,-1-1 15,1 1-15,21-1 0,-21 1 0,0-1 16,0-21-16,21 22 0,-21-22 0,-1 1 16,22-1-16,-21-21 0,21 0 15,0 0-15,0 1 0,21-22 16,1 0-16,-1 0 15,21 0-15,-21-22 0,0 1 16,22 0-16,-22 0 0,21 0 16,1 0-16,-22-22 0,21 1 0,-21 21 15,0-22-15,1-20 0,-1 21 0,0-1 16,-21-20-16,21 20 0,-21 1 16,0-21-16,0 20 0,-21-20 0,0 20 15,0 1-15,-22 0 0,22-22 0,-21 22 16,21 21-16,-22-22 0,22 1 15,-21 21-15,21 0 0,-1 0 0,1-1 16,21 1-16,0 0 0,0 0 16,0 0-16,21 0 15,22-1-15,-22 22 0,0-21 16,21 0-16,1 21 16,-1-21-16,-21 0 0,22 0 0,-1 21 0,0-22 15,1 1-15,-1 0 0,0 0 16,-21 0-16,22 0 0,-22-1 15,0 1-15,0 0 0,-21 0 0,0 0 16,0 0-16,0-1 0,0 1 16,0 0-16,0 0 15,-21 21-15,0 0 16,0 21-16,21 0 0,0 0 16,-21 1-16,-1-1 0,22 0 0,-21 21 15,21-21-15,0 22 0,0-22 16,0 21-16,0-21 0,0 22 0,21-22 15,1 0-15,-22 0 0,21 0 16,0 1-16,0-22 0,0 0 16,0 0-16,1 0 0,-1 0 0,0 0 15,0 0-15,0 0 0,0-22 16,1 1-16,-1 0 0,0 0 16,0-21-16,-21 20 0,0 1 0,0-21 15,0 21-15,0-22 0,0 22 16,0-21-16,0 21 0,-21 0 0,21-1 15,-21 1-15,0 0 0,-1 21 0,1 0 16,0 0-16,0 0 16,0 0-16,0 0 0,-1 0 0,1 21 0,0-21 15,0 43-15,21-22 16,0 0-16,0 0 16,0 0-16,21 0 0,0-21 15,0 0-15,1 0 0,-1 0 16,0 0-16,0 0 0,0 0 0</inkml:trace>
+  <inkml:trace contextRef="#ctx0" brushRef="#br0" timeOffset="92999.46">9292 5292 0,'0'-21'16,"0"-1"-1,0 1 1,21 0-1,0 21-15,1 0 16,-1 0-16,0 21 16,0 0-16,0 1 0,0-1 15,1 0-15,-22 0 0,21 0 0,0 0 16,-21 1-16,0-1 0,0 0 16,0 21-16,0-21 0,0 1 0,0-1 15,0 0-15,-21 0 0,0 0 16,-1-21-1,22 21-15,-21-21 0,0 0 16,21-21 0,0 0-16,0 0 15,0 0-15,21 0 0,-21-1 0,21-20 16,-21 21-16,22 0 0,-1 0 16,-21-22-16,21 22 0,0 0 0,-21 0 15,21 0-15,-21-1 0,21 1 16,1 21-16,-1 0 15,-21-21-15,21 21 16,0 0-16,0 0 16,0 21-16</inkml:trace>
+  <inkml:trace contextRef="#ctx0" brushRef="#br0" timeOffset="93386.98">9864 5398 0,'0'0'0,"21"0"0,0 0 16,0 0-16,0-22 15,0 22-15,1-21 0,-22 0 16,21 0-16,0 0 0,0 0 0,-21-1 16,0 1-16,0 0 15,0 0-15,0 0 0,0 0 16,0-1-16,-21 22 15,0 0-15,0 0 16,-1 22-16,1-1 0,21 0 0,-21 0 16,0 0-16,21 0 0,-21 22 15,21-22-15,0 0 0,0 21 0,0-20 16,0-1-16,0 0 0,0 0 0,0 0 16,0 0-16,21 1 15,0-22-15,0 0 0,0 0 0,-21 21 16,22-21-16,-1 0 0,0 0 15,0 0-15,0 0 0,0 0 16,1-21-16,-1-1 16,0 22-16,-21-21 15,21 21-15,-21-21 0,0 0 0</inkml:trace>
+  <inkml:trace contextRef="#ctx0" brushRef="#br0" timeOffset="98919.79">6350 14880 0,'0'0'0,"21"0"0,21-42 15,-42 21 1,0 0-16,0-1 16,0 1-16,0 0 0,0 0 0,0 0 15,0 0-15,0-1 0,0 1 0,-21 0 16,21 0-16,-21 0 0,0 0 16,21-1-16,-21 1 0,0 21 0,-1 0 15,1 0-15,0 0 0,0 0 0,0 0 16,0 0-16,-1 21 0,-20 1 15,21-1-15,-21 0 0,20 21 0,1-21 16,0 1-16,-21 41 16,21-21-16,21-20 0,-22-1 0,22 21 15,0-21-15,0 0 0,0 1 16,22-22-16,-22 21 0,21 0 0,0-21 16,0 0-16,21 0 0,-20 0 15,-1 0-15,0 0 0,21 0 0,-21 0 16,1-21-16,20 21 0,-21-21 15,0-1-15,22 1 0,-22 21 0,0-21 16,0 0-16,0-21 0,0 20 0,1 1 16,-22 0-16,0 0 0,0 0 15,21 0-15,-21-1 0,0 1 0,0 0 16,0 42 15,0 0-15,0 1-16,-21-1 0,21 0 0,0 0 15,0 0-15,0 0 0,0 1 16,0 20-16,0-21 0,0 0 0,0 0 16,21 1-16,0-1 0,0 0 15,0-21-15,0 0 0,22 21 16,-22-21-16,0 0 0,21 0 0,-20 0 16,20 0-16,-21 0 0,21-21 0,1 21 15,-22-21-15,21 0 0,-21 21 16,1-22-16,20 1 0,-21 0 0,0 0 15,-21-21-15,21 20 0,-21-20 0,22 21 16,-22-21-16,0-1 0,0 1 16,0 0-16,0-22 0,0 22 15,-22-1-15,1 1 0,0 0 0,-21-1 16,21 1-16,-1 0 0,-20-1 16,21 22-16,-21-21 0,-1 21 0,-20-22 15,20 22-15,1 0 0,-21 0 0,-1 21 16,22 0-16,-22 0 0,1 0 15,-1 0-15,1 0 0,-1 21 16,1 0-16,-1 0 0,1 22 0,-1-22 0,22 21 16,-22 1-16,22-1 15,-21 21-15,20-20 0,1 20 0,0-20 16,20 20-16,-20 1 0,0 41 16,21-41-16,-1-1 0,22 1 15,0-22-15,0 22 0,0-1 0,0-20 16,0-1-16,22 0 0,20 1 15,-21-1-15,21 0 0,1-21 0,-1 1 16,22-1-16,-22 0 0,21 0 0,1-21 16,-1 0-16,1 0 0,-22 0 15,22 0-15,-1 0 0,1 0 0,-22 0 16,22 0-16,-1-21 0,-21 0 0,22 21 16,-22-21-16,1-1 0,-1 22 15,-21-21-15,0 21 0,22 0 16,-43-21-16,21 21 0,0 0 15,-42-21 48,0 0-47,21 0-16,0-1 0,0 1 15</inkml:trace>
+  <inkml:trace contextRef="#ctx0" brushRef="#br0" timeOffset="99381.21">7091 14330 0,'0'0'0,"-21"-21"16,21 0-1,21-1 16,0 22-31,0 0 0,21-21 0,-20 21 16,20 0-16,0 0 0,1 0 0,-1 0 16,0-21-16,1 21 0,20 0 15,-21 0-15,1 0 0,20 0 0,-20 0 16,-1 0-16,0 0 0,1 0 0,-22 0 16,0 0-16,0 0 0,0 0 15,0 0-15,-42 0 31,0 0-31,0 0 16,0 0-16,0 21 0,-1-21 16,1 0-16,-21 0 0,21 0 0,0 21 15,-22-21-15</inkml:trace>
+  <inkml:trace contextRef="#ctx0" brushRef="#br0" timeOffset="99714.04">7535 14309 0,'-21'0'15,"0"0"32,21 21-47,0 0 0,0 0 16,-21 0-16,21 1 0,0-1 16,-21 0-16,21 21 0,0 1 0,0-1 15,0 0-15,0-21 0,-22 22 0,22-1 16,0 0-16,-21 1 0,21-1 15,0-21-15,0 22 0,0-22 0,-21 0 16,21 0-16,0 21 16,-21-20-16,21-1 0,0 0 15,21-21 32,-21-21-47,21 21 0,-21-21 16,21-1-16,-21 1 0,22 21 15,-1-21-15,-21 0 0</inkml:trace>
+  <inkml:trace contextRef="#ctx0" brushRef="#br0" timeOffset="100563.07">7916 14880 0,'0'21'16,"0"-42"31,21 0-47,1 21 15,-1-21-15,-21 0 0,21 0 16,0-1-16,0 1 0,0 0 0,1 0 15,-22-21-15,21 20 0,-21 1 16,21 0-16,-21-21 0,0 21 0,0-1 16,0 1-16,-21 21 31,0 0-31,21 21 0,-22-21 16,1 22-16,0-1 0,0 21 0,21-21 15,-21 0-15,21 22 0,-21-22 0,21 21 16,-22-21-16,22 1 0,0 20 15,0-21-15,0 0 0,0 0 0,0 1 16,0-1-16,0 0 0,22 0 16,-1-21-16,0 21 0,0-21 0,0 0 15,0 0-15,1 0 0,-1 0 16,21 0-16,-21 0 0,22-21 0,-22 21 0,21-21 16,-21 0-16,22 0 15,-22-1-15,21 1 0,0 0 0,-20-21 16,-1 21-16,21-1 0,-21-20 0,-21 21 15,21 0-15,-21 0 0,22-1 16,-22 1-16,0 42 16,0 1-1,0-1-15,0 0 16,0 0-16,-22 0 0,22 0 0,0 22 16,0-22-16,0 0 0,0 0 15,0 0-15,0 1 0,0-1 16,22 0-16,-1 0 15,0-21-15,0 21 16,-42-21 31,0-21-47,0 0 16,-1 21-16,1-21 15,0 21-15,21-21 16,-21 21-16,21 21 31,0 0-31,0 0 16,0 0-16,0 0 15,21-21 1,21-21 15,-42 0-31,0 0 0,0 0 16</inkml:trace>
+  <inkml:trace contextRef="#ctx0" brushRef="#br0" timeOffset="104171.82">7641 14266 0,'0'0'0,"0"-21"0,0 0 16,0 0-16,0 0 15,0 0 1,0 42 15,0 0-31,0 0 0,0 21 16,0-20-16,0 20 0,0 21 0,0-20 16,0-1-16,0 22 0,0-22 15,0 21-15,0-20 0,0-1 0,0 22 16,0-22-16,0 0 0,0-21 0,0 22 15,0-1-15,0-21 0,0 0 16,0 1-16,0-1 0,0 0 0,0 0 16,0 0-1,-21-21 1,21-21-16,-21 0 16,21 0-16,-21 0 15,-1-1-15</inkml:trace>
+  <inkml:trace contextRef="#ctx0" brushRef="#br0" timeOffset="104395.2">7345 14880 0,'21'0'32,"0"0"-32,0 0 0,0-21 15,1 21-15,-1 0 0,0 0 0,0-21 16,0 21-16,22 0 0,-22-21 0,21 21 15,-21-21-15,22 21 16,-22-22-16,0 22 0,0-21 0,0 21 16,0 0-16,-21-21 0,0 0 15,0 0 1</inkml:trace>
+  <inkml:trace contextRef="#ctx0" brushRef="#br0" timeOffset="105071.98">8001 14669 0,'0'0'0,"21"-22"0,0 22 16,0-21-16,1 0 0,-1 0 16,0 0-16,0 0 0,0-1 15,0 1-15,1 0 0,-1 0 0,-21-21 16,0 20-16,0 1 0,21 0 15,-21 0-15,0 0 0,0 0 0,0-1 16,0 1-16,-21 0 0,0 21 16,-1 0-1,1 0-15,0 0 16,0 21-16,21 22 0,-21-22 16,0 21-16,21 0 0,-22 22 15,22-22-15,-21 22 0,0-1 0,0 1 16,21-1-16,-21 1 0,0-1 0,-1 1 15,1-1-15,0 1 0,0 20 16,0-20-16,21-1 0,0 1 0,-21-1 16,21 1-16,0-1 0,0-20 0,0 20 15,0-20-15,0-1 0,0 0 16,0-21-16,0 22 0,0-22 0,21 0 16,-21 0-16,21 0 0,0 1 15,0-22-15,0 0 0,1 0 16,-1 0-16,21-22 15,-21 1-15,0 0 0,22 0 0,-22 0 16,0 0-16,0-22 0,0 22 16,1-21-16,-1-1 0,-21 22 0,0-21 15,0 0-15,0-1 0,0 1 0,0 0 16,-21-1-16,-1 1 0,1 0 16,0-1-16,-21 1 0,21 0 0,-22 20 15,1 1-15,21 0 0,-22 0 16,22 0-16,-21 0 0,21 21 0,0 0 15,21-22-15,-22 22 0,44 0 47,20 0-47,-21-21 0,0 21 16,0 0-16,22-21 0,-1 21 16,-21-21-16,64 0 0,-64 0 15,21-1-15,-20 1 0,20 0 0,0-21 16,-21 21-16,22-1 0</inkml:trace>
+  <inkml:trace contextRef="#ctx0" brushRef="#br0" timeOffset="105396.8">8784 14161 0,'0'0'0,"0"-22"0,0 1 0,-21 21 16,21-21-16,-21 21 15,21 21 1,-21 0-16,21 1 16,-22-1-16,22 21 0,-21 0 15,21 1-15,-21-1 0,21 0 0,-21 22 16,0-22-16,21 22 0,0-1 16,0-20-16,-21-1 0,21 0 0,-22 1 15,22-1-15,-21 0 0,21 1 0,0-22 16,0 0-16,0 21 15,0-21-15,0 1 0,0-1 16,21-21 0,1 0-16,-22-21 15,21 21-15,0-22 0,-21 1 0,21 0 16,-21 0-16,0 0 0</inkml:trace>
+  <inkml:trace contextRef="#ctx0" brushRef="#br0" timeOffset="105671.64">8488 14626 0,'0'0'0,"0"21"15,21-21 1,0 0 0,0 0-16,0 0 0,22 0 15,-22 0-15,21 0 0,-21 0 0,22-21 16,-1 21-16,-21 0 0,22 0 15,-22-21-15,21 21 0,-21-21 0,0 21 16,1 0-16,-22 21 47</inkml:trace>
+  <inkml:trace contextRef="#ctx0" brushRef="#br0" timeOffset="106131.38">9144 14859 0,'0'0'0,"21"-21"31,0 21-31,-21-21 16,21 0-16,1 21 0,-1-22 16,0 1-16,0 0 0,-21 0 0,21 21 15,0-21-15,-21 0 0,0-1 0,0 1 16,-21 21-1,0 0 1,0 0-16,0 0 0,0 21 16,-1 1-16,1-1 0,21 0 0,-21 0 15,0 21-15,21-20 0,-21-1 16,21 21-16,0-21 0,0 22 16,0-22-16,0 0 0,0 0 0,0 0 15,0 0-15,0 1 0,21-1 0,0 0 16,0-21-16,0 21 15,1-21-15,-1 0 0,21 0 16,-21 0-16,0-21 0,1 0 0,-1 21 16,0-21-16,0-1 0,21 1 15,-20 0-15,-1 0 0</inkml:trace>
+  <inkml:trace contextRef="#ctx0" brushRef="#br0" timeOffset="106579.39">9694 14690 0,'0'-21'16,"21"21"-1,-21-22-15,22 22 0,-1 0 16,0 0-16,0 0 16,0 0-16,0 0 15,1 0-15,-1 22 0,0-1 16,0 0-16,-21 0 0,21 0 0,0 0 0,-21 22 15,0-22-15,0 0 16,0 21-16,0-20 0,0-1 0,0 21 16,0-21-16,-21 0 0,0 1 0,0-1 15,21 0-15,0 0 0,-21-21 16,0 21-16,21-42 16,0 0-1,0 0-15,0 0 16,0-22-16,0 22 0,21 0 0,21-43 15,-42 22-15,21 21 0,0-21 16,-21-1-16,22 22 0,-1-21 16,0 21-16,0-1 0,0 1 0,0 0 15,1 0-15,-1 0 0,0 21 16,0-21-16,0 21 16</inkml:trace>
+  <inkml:trace contextRef="#ctx0" brushRef="#br0" timeOffset="125294.58">8234 7514 0,'0'0'0,"0"21"16,63-21 0,-42 0-16,-21 22 0,-42-22 15,21 0-15,84 0 16,-41-22 0,20 1-16</inkml:trace>
+  <inkml:trace contextRef="#ctx0" brushRef="#br0" timeOffset="125333.56">8276 7514 0,'42'-42'15</inkml:trace>
+  <inkml:trace contextRef="#ctx0" brushRef="#br0" timeOffset="126393.46">8403 7260 0,'-42'-42'31,"42"21"-31,-21 0 0,-1 21 0,107 84 0,-191-190 0,85 106 16,0 0-16,0 0 16,0 0-16,-1 0 0,1 0 15,0 22-15,0-1 0,0-21 16,-22 21-16,22 21 0,0-21 0,-21 22 15,21-22-15,-1 21 0,1-21 0,21 22 16,0-22-16,0 21 0,-21-21 0,0 1 16,0 20-16,21-21 15,-21 21-15,-1 1 0,44-43 16,-1 21-16,0-21 0,0 0 16,21 0-16,-20 21 0,-1-21 0,0 0 15,0 0-15,0 21 0,0-21 16,1-21-16,20 0 0,-21 0 15,0 21-15,0 0 0,43-43 16,-43 22-16,0-21 0,0 21 16,22 0-16,-43-1 15,0-20-15,21 21 0,-21 0 0,0-22 16,21 22-16,-21 0 0,0 0 0,0 0 16,0 0-16,0-1 15,0 1-15,0 42 16,-21 1-1,42-1-15,-42 0 16,21 0-16,-21 0 0,21 0 0,-21 22 16,21-22-16,-22 0 0,22 0 0,0 22 15,0-22-15,0 0 0,0 0 0,0 0 16,0 0-16,43-21 16,-22 22-16,0-1 15,0-21-15,22 0 0,-22 0 0,0 0 16,0 0-16,0 0 0,0 0 15,22 0-15,-43-21 0,21 21 0,0-22 16,43 1-16,-22 0 0,-21 0 0,0 21 16,0-21-16,1 0 0,-1-22 0,-21 22 15,21 21-15,0-21 0,0-64 16,-21 43-16,0-22 0,0 22 16,0 0-16,0-1 0,0 22 0,0-21 15,0 0-15,0 20 0,-21-20 0,0 21 16,0 0-16,21-22 0,-21 22 15,-1 0-15,1 0 0,0 0 0,-42-43 16,41 43-16,1 21 0,-21-21 16,21 0-16,-22 0 15,1 21-15,21 0 0,-21 0 0,-1 0 16,22 0-16,-21 0 0,-1 0 0,-20 0 16,42 0-16,-22 21 0,1 0 15,-21-21-15,20 21 0,1 0 0,0 22 16,-22-22-16,22 0 0,-22 21 0,1-21 15,20 22-15,1-22 0,21 21 16,-21 1-16,-1-1 0,22 0 16,-21 1-16,-1 62 0,22-62 15,21-1-15,21 0 0,-21 1 0,-21-1 0,21 43 16,0-43-16,0 43 16,0-22-16,0-20 0,0-22 0,21 21 15,1-21-15,-1 22 0,0-1 0,21-21 16,-21 21-16,22-20 0,-1 20 0,0-21 15,1 0-15,-1 22 0,22-22 0,-1-21 16,1 0-16,-22 42 0,0 0 0,85-42 16,-84 0-16,41 0 0,-20 0 15,-22 0-15,22 0 0,-1-21 0,1 0 16,-1 0-16,1 0 0,-22 21 0,21-21 16,-20-1-16,-1 1 0,-21 21 15,22-21-15,-22 0 0,0 21 16,21 0-16,-42-21 0,0 0 47,-21 21-47,0-22 15,21 1-15,0 0 0,0 0 16</inkml:trace>
+  <inkml:trace contextRef="#ctx0" brushRef="#br0" timeOffset="126979.13">9525 7006 0,'0'0'0,"0"-21"0,0 0 16,0 0-16,0 0 16,0-1-1,0 1 1,0 42 0,0 1-16,0-1 0,-21 0 15,21 0-15,0 21 0,0-20 16,-21 20-16,21 85 0,0-106 15,0 85-15,0-64 0,0-21 0,0 22 16,0-1-16,0 0 0,0-20 0,0 20 16,0-21-16,0 0 0,0 22 0,0-22 15,0 0-15,0 21 16,0-21-16,0 1 16,0 20-1,-22-42-15,22-21 16,22 0-16,-22-1 0,0 1 15,0-21-15,0 21 0,0 0 0,0-22 16,0 22-16,0-21 16</inkml:trace>
+  <inkml:trace contextRef="#ctx0" brushRef="#br0" timeOffset="127651.24">9461 7049 0,'0'0'0,"0"-22"0,0 1 16,0 0-16,0 0 0,-21 21 0,21-21 16,0 0-16,0-1 0,0 1 15,21 21-15,1-21 0,-1 21 0,0-21 16,0 21-16,21-21 0,-20 0 16,-1 21-16,0 0 0,0 0 0,21 0 15,1 0-15,-1 0 0,0 0 0,1 0 16,-22 21-16,21 0 0,1 0 0,-22 0 15,0 0-15,0 1 0,0-1 0,-21 42 16,0-20-16,0-1 0,-21-21 16,0 21-16,-21 1 0,-1-22 0,22 21 15,0-21-15,-21 22 0,-1-22 0,-41 21 16,62-21-16,-20 1 0,21-22 16,0 21-16,0-21 0,-1 0 0,1 0 15,42 0 1,-21-21-16,0-1 15,22 1-15,-1 21 16,21-42-16,0 42 0,-20-21 16,-1 0-16,21 21 0,-21 0 0,22-22 15,-1 22-15,0 0 0,-21 0 0,22 0 16,-1 22-16,-21-22 0,0 0 0,22 21 16,-22 0-16,0 0 0,0 0 0,0 22 15,-21-22-15,0 0 0,22 0 0,-22 0 16,0 0-16,0 1 0,0-1 0,42 0 15,-42 0-15,-21 0 0,0 0 0,-1-21 16,1 22-16,-21 20 0,0-42 0,-22 42 16,43-42-16,-21 21 0,20 1 15,-20-22-15,-21 0 0,41 0 16,-41 0-16,21 21 0,20-21 0,-20 0 16,21 0-16,0 0 0,42 0 15,-21-21-15,-42 21 0,-1-22 0,22 22 16,-21-21-16,42 0 0,-21 0 15,-1 0-15,22 0 47,22 63-47,-1-42 16,0-21-16,0 0 0</inkml:trace>
+  <inkml:trace contextRef="#ctx0" brushRef="#br0" timeOffset="128164.95">10245 7514 0,'21'0'0,"0"21"0,0-21 31,0 0-31,0 0 16,1 0-16,-1 0 0,0 0 16,0 0-16,0 0 0,0-21 0,1 21 15,-1-21-15,0 0 0,0 21 0,-21-21 16,21 0-16,0-1 0,-21 1 16,0 0-16,0 0 0,0 0 15,0 0-15,0-1 0,0 1 16,-21 21-16,0 0 0,0 0 0,0 0 15,-22-21-15,22 21 0,0-21 0,-21 21 16,21 21-16,-1 0 0,1 0 16,-21 1-16,21-1 0,-22 21 0,1-21 15,42 64-15,-21-64 0,0 21 16,21 1-16,-21-22 0,21 21 0,-22-21 16,86 22-16,-43-22 0,-21 0 0,0 0 15,0 0-15,21 1 0,0-1 16,-21 0-16,22 0 0,-1-21 0,0 21 15,21-21-15,-21 0 0,1 21 0,20-21 16,-21 0-16,21 0 0,-20-21 0,20 21 16,-21 0-16,21-21 0,1 21 0,-22-21 15,21 0-15,-21 21 0,1-21 0,20-22 16,-21 22-16,0 0 0,22 0 16,-22-22-16,21 1 0,-21 21 0</inkml:trace>
+  <inkml:trace contextRef="#ctx0" brushRef="#br0" timeOffset="129243.58">11366 6837 0,'0'0'0,"0"-21"16,-21 21 0,0 0-16,0 0 15,0 0-15,21 21 0,0 0 16,-43 21-16,22-20 0,0-1 15,21 21-15,0 0 0,0 1 0,-21-1 16,0 0-16,21 22 0,-43-22 0,22 22 16,0-1-16,-42 107 15,20-128-15,22 0 0,0 22 0,0-22 0,0 22 16,-1-22-16,1 21 0,21 1 0,0-1 16,-21 1-16,-21-1 0,21-20 0,-1 20 15,1 1-15,0-1 0,0 64 16,0-63-16,0-1 0,21-20 15,-22 20-15,22 1 0,-21-1 16,0-21-16,21 22 0,0-22 0,0 1 16,-21 20-16,21-21 0,0-20 0,0-1 15,0 21-15,0-21 0,21-21 16,0 0-16,0 0 0,22-21 16,-22 0-16,0 0 0,21-22 15,1 22-15,-22-21 0,21 0 0,1 20 16,-1-20-16,0 0 0,1-1 0,-1 1 15,0 0-15,1-1 0,-22 1 16,0 0-16,0-1 0,0 1 0,0 21 16,1-21-16,-22-107 15,-22 107-15,1 0 0,-21-1 0,21 1 0,0 0 16,-22-1-16,22 1 0,-21 0 16,-1 21-16,22-1 0,-21 1 15,0 0-15,20-21 0,1 42 0,-21-21 16,42-1-16,-21 1 0,21 0 15,0 0-15,21 0 16,21 0 0,-21-1-16,22 22 0,-22-42 15,42 21-15,-20 0 0,-1 21 0,0-21 16,1 21-16,-1-22 0,0 1 0,43-21 16,-43 0-16,-20 20 15,-1 1-15,21 0 0,-21 0 16,0 0-16,-21 0 0,0-1 0,0 1 15,22 0-15,-22 0 16,-22 0-16,1 0 16,0 42-1,0 0 1,0 0-16,21 0 0,0 22 0,0-22 16,-43 21-16,43-21 0,0 43 0,0-43 15,0 0-15,0 21 0,0-20 0,22-1 16,-22 0-16,0 0 0,21 0 15,-21 0 1,42 1-16,-21-22 0,22 0 16,-1 0-16,-21 0 0,0 0 0,0-22 15,43 1-15,-64 0 0,0 0 16,42 0-16,-42 0 0,43-1 16,-43 1-16,21-21 0,-21 21 0,0-22 15,0 22-15,0-21 0,0 21 0,0-22 16,0 22-16,-21 0 0,-1 0 15,-41-21-15,42 42 0,-22 0 16,1 0-16,21 0 0,0 21 16,0-21-16,-1 21 0,22 21 0,0-21 15,-21 1-15,-21-1 0,21 0 16,21 0-16,-21 0 0,21 0 16,21-21-16,0 22 0,-21-1 15,21-21-15,0 21 0,0-21 0,1 0 16,-1 21-16,0-21 0,0 0 15,0 0-15,0 0 0,1 0 0,-1 0 16,0 0-16,0-21 0,0 0 0,0 21 16,1-21-16</inkml:trace>
+  <inkml:trace contextRef="#ctx0" brushRef="#br0" timeOffset="129627.36">11853 7472 0,'21'-42'16,"1"42"-16,-22-22 0,0 1 15,21 21-15,-21-21 16,21 21-16,0-21 0,0 21 15,0 0 1,1 0-16,20 21 0,-42 0 16,21 0-16,0 1 15,-21-1-15,21 0 0,-21 0 0,22 0 16,-22 0-16,0 22 0,0-22 16,0 0-16,0 0 15,0 0-15,0 1 0,0-1 0,-22-21 16,1 21-16,0-21 0,21 21 15,-21-21 1,21-21 0,0 0-1,0 0-15,21 21 0,-21-22 16,21 1-16,0 0 0,1-42 0,-1 41 16,0 1-16,-21-21 0,21 21 0,0 0 15,0-1-15,1 1 0,-22 0 0,21 0 16,21-21-16,-42 20 0,21 22 15,0 0-15,-21-21 0,0 42 32,0 1-17</inkml:trace>
+  <inkml:trace contextRef="#ctx0" brushRef="#br0" timeOffset="130045.73">12446 7514 0,'21'0'15,"-42"0"-15,63 0 0,-21 0 16,-21 21-16,22-21 0,41 0 0,-21 0 16,43 0-16,-64 0 0,0 0 15,-21-21-15,0 0 0,0 0 0,22 0 16,-1 0-16,-21-1 0,0 1 0,0 0 16,0 0-16,0 0 0,0 0 0,0-1 15,0-20-15,0 21 0,0-21 0,0 20 16,0 1-16,0 0 15,-21 21-15,-1 0 0,1 0 16,0 0-16,21 21 16,-21 22-16,0-43 0,0 21 0,-1 21 15,22-21-15,-21 0 0,21 22 0,-21-1 16,0-21-16,21 0 0,-21 1 0,21 20 16,0 0-16,0 1 0,0-22 0,0 0 15,0 21-15,0-21 0,0 1 0,0-1 16,0 0-16,0 0 0,21 0 15,0-21-15,0 21 0,0-21 0,1 0 16,20 22-16,-21-22 0,0 0 16,0 0-16,1 0 0,-1 0 15,0 0-15,0 0 0,0-22 0,0 1 16,1 0-16,-1 0 0,0 0 16,-21-22-16,21 22 0,0 0 15</inkml:trace>
+  <inkml:trace contextRef="#ctx0" brushRef="#br0" timeOffset="134495.12">8361 12615 0,'0'-21'63,"0"0"-48,0 0 1,0 0-16,0 0 0,0-1 16,0 1-16,0 0 15,-21 0-15,-1 0 0,1 0 16,0 21-16,0 0 0,0 0 15,0 0-15,-1 0 0,1 0 0,0 0 16,0 21-16,0 0 0,0 0 16,-1 0-16,-20 0 0,21 1 0,0-1 15,0 21-15,-1-21 0,1 22 16,21-1-16,0-21 0,-21 21 0,21 1 16,0-22-16,0 0 0,0 21 0,0-20 15,0-1-15,0 0 0,0 0 16,21-21-16,-21 21 0,21-21 15,1 0-15,20 0 0,-21 0 16,0-21-16,0 0 0,22 0 16,-22 0-16,0-1 0,21 1 0,-20 0 15,-1-21-15,0 21 0,0-22 0,0 22 16,-21-21-16,0 21 0,21-22 16,-21 22-16,22 0 0,-22 0 0,0 0 15,0-1-15,0 44 31,0-1-31,-22-21 0,22 21 16,-21 0-16,21 0 0,0 0 0,-21 1 16,21-1-16,0 0 0,-21 0 0,21 0 15,0 0-15,0 1 0,0-1 16,0 0-16,0 0 0,21 0 0,-21 0 16,21-21-16,0 22 0,1-22 15,-1 21-15,0-21 0,0 0 0,0 0 16,0 0-16,22 0 0,-1 0 0,-21-21 15,22-1-15,-1 22 0,-21-21 16,21 0-16,22-42 0,-22 41 16,-21-20-16,1 21 0,-1-21 15,0-1-15,-21 22 0,21-21 0,-21-1 16,0 1-16,0 0 0,0-1 0,-21 1 16,0 0-16,0-1 0,-22 1 15,22 21-15,-21-21 0,21-1 16,-22 22-16,1-21 0,0 21 0,-1-1 15,1 1-15,0 0 0,-64 21 16,63 0-16,1 0 0,-21 21 16,-1 0-16,22 1 0,-22 20 0,1 0 15,-1 22-15,1-22 0,20 22 16,-20-1-16,21 1 0,-1-1 0,1 1 16,0-22-16,-1 21 0,1 1 15,21-1-15,0 1 0,-1-1 16,1 1-16,21-1 0,0-20 0,0 20 15,0-20-15,0-1 0,21 0 0,1 1 16,20 41-16,0-63 16,-21 22-16,22-22 0,-1 0 0,22 21 15,-22-42-15,21 22 0,-20-1 0,20-21 16,1 0-16,-1 0 0,-20 0 16,20 0-16,1 0 0,-22-21 0,21 21 15,-20-22-15,-1 1 0,0 21 0,1-21 16,-22 21-16,21-21 0,-21 21 15,1-21-15,-1 21 0,-21-21 0,21-1 16,-21 1 0,0 0-16,21 0 0,-21 0 15</inkml:trace>
+  <inkml:trace contextRef="#ctx0" brushRef="#br0" timeOffset="135228.54">10012 12383 0,'0'0'0,"0"-22"16,0 1-16,0 0 0,0 0 0,0 0 15,0 0-15,-21 21 32,21 21-32,-22 21 15,1-21-15,0 22 0,0-1 0,-21 0 16,20 1-16,1-1 0,0 0 15,-21 22-15,21-22 0,-22 22 16,22-22-16,-21 0 0,21 1 0,-1-1 16,-20 0-16,21 1 0,0-22 15,0 21-15,-1-21 0,22 0 0,-21 1 16,21-44 15,21 1-31,1 0 0,-22 0 16,21-21-16,0 20 0,0-20 0,21 0 15,-20-1-15,-1-20 0,0 21 16,21-1-16,-21-20 0,22 20 0,-22-20 16,21 21-16,-21-1 0,22 1 15,-1 0-15,-21-1 0,22 22 16,-22-21-16,0 21 0,0 21 0,0 0 16,0 0-16,1 0 0,-22 21 15,0 0-15,21 0 0,-21 0 0,21 22 16,-21-1-16,0-21 0,0 21 0,0 1 15,0-1-15,0 0 0,0 1 16,0-1-16,0 0 0,0 1 0,0-1 16,-21 0-16,21-20 0,0 20 0,0-21 15,0 0-15,0 22 0,0-22 16,0 0-16,0 0 0,0 0 16,0-42 30,-21 21-46,-1-21 0,1 0 0,-21-22 16,21 22-16</inkml:trace>
+  <inkml:trace contextRef="#ctx0" brushRef="#br0" timeOffset="135419.43">9525 12785 0,'0'0'0,"0"21"0,-21-21 0,21 21 16,21-21-1,0 0-15,21 0 16,-20 0-16,-1 0 0,21 0 0,0 0 16,1 0-16,-1 0 0,0-21 15,1 21-15,-1-21 0,0 21 16,1-21-16,-22 21 0,21-22 0,-21 1 16,22 21-16,-22-21 0,0 21 0,0-21 15</inkml:trace>
+  <inkml:trace contextRef="#ctx0" brushRef="#br0" timeOffset="136909.1">10541 12764 0,'0'0'0,"21"0"0,0 0 0,0 0 16,1 0-16,41 0 15,-21 0-15,-20 0 0,20-22 0,0 1 16,1 0-16,-1 0 0,0 0 0,1 0 15,-1-1-15,-21-20 0,21 21 16,-20-21-16,-1 20 0,0-20 0,0 21 16,0-21-16,-21-1 0,0 22 0,0-21 15,0-1-15,0 22 0,0-21 16,0 21-16,0 0 0,0-1 0,0 1 16,0 0-16,-21 21 15,0 0-15,0 0 0,0 0 16,-1 0-16,22 21 0,-21 0 15,0 1-15,0 20 0,0 0 0,0-21 16,21 22-16,-22-1 0,1 22 16,0-22-16,0 0 0,0 1 0,0 20 15,-1 1-15,1-1 0,0 1 16,0-1-16,0 1 0,0-1 0,-1 1 16,1 20-16,0-20 0,0-1 15,0 1-15,21-1 0,0 1 0,-21-1 0,-1 1 16,22-22-16,-21 22 0,21-22 15,-21 21-15,21-20 0,0-1 16,0-21-16,0 22 0,0-22 0,0 21 16,0-21-16,21 0 0,0-21 15,1 0-15,-1 0 0,0 0 16,21 0-16,-21-21 0,22 0 0,-22 21 16,21-21-16,-21-21 0,22 20 0,-22 1 15,21-21-15,-21 21 0,22-22 16,-22 1-16,42-85 15,-41 64-15,-22 20 0,21 1 16,-21 0-16,0-22 0,0 22 16,0-1-16,-21 1 0,-1 0 0,1-1 15,0 22-15,0-21 0,-21 21 0,-1-43 16,1 43-16,21 21 16,0-21-16,-22 0 0,22 21 15,0-21-15,0 21 16,21-22-16,21 22 15,0 0-15,0-21 0,22 21 16,-22-21-16,21 21 0,22 0 0,-22-21 16,0 0-16,22 21 0,-1-21 15,-20-1-15,20 1 0,-21 0 16,22 0-16,-22 0 0,1 0 0,-1-1 16,0 1-16,1-21 0,-22 21 15,0 0-15,0-22 0,0 22 0,-21-21 16,21-1-16,-21 22 0,0 0 15,0 0-15,0 0 0,0 0 16,0-1-16,-21 22 31,0 0-15,21 22-16,-21-1 0,21 21 0,-21-21 16,21 0-16,-21 1 0,-1 20 15,22-21-15,-21 21 0,21-20 0,0 20 16,-21 21-16,21-20 15,-21-22-15,21 21 0,0-21 0,0 22 16,0-22-16,0 21 0,0-21 16,0 1-16,0-1 0,21 0 0,0 0 15,0 0-15,-21 0 0,22 1 0,-1-22 16,0 21-16,0-21 0,21 0 16,-20 0-16,20 0 0,-21 0 0,0 0 15,22 0-15,-22 0 0,42-21 16,-42 21-16,22-22 0,-22 1 15,0 0-15,0 0 0,0 0 0,1 0 16,-22-22-16,0 22 0,21 0 16,-21-21-16,0 20 0,0 1 0,0 0 15,0 0-15,-21 21 16,-1 0 0,1 0-16,0 0 15,21 21-15,-21 0 0,21 0 16,0 1-16,0-1 0,0 0 15,0 0-15,0 0 0,0 0 16,21-21 0,0 22-16,0-1 0,1-21 15,-1 0-15,0 0 0,0 0 0,0 0 16,0 0-16,22 0 16,-22-21-16,0-1 0,0 1 0,0 21 15,1-21-15,-1 21 0,0-21 0,0 21 16,-21-21-16,0 42 31,0 0-15,0 0-16,0 0 15,0 1-15,0-1 0,0 0 16,0 0-16,0 0 16,21-21-1,0 21-15,1-21 0,-1 0 16,0 0-16,0 0 0,0 0 15,0 0-15,1 0 0,-1-21 16,-21 0-16,21 0 16,-21 0-16,0 0 15,0-1-15,0 1 0,0 0 16,0 0-16,0 0 0,0-22 16,-21 22-16</inkml:trace>
+  <inkml:trace contextRef="#ctx0" brushRef="#br0" timeOffset="137242.4">11663 12361 0,'0'0'16,"-21"0"-16,-1 0 0,1 0 0,42 0 31,1 0-16,-1 0-15,0 0 0,21 0 0,1 0 16,20-21-16,43 0 0,-43 21 16,-20 0-16,20 0 0,1 0 15,-1 0-15,-20 0 0,-1 0 0,0 0 16,1 0-16,-22 0 0,21 0 16,-21 0-16,0 0 15,-42 0 16,0 0-31,0 0 16,0 0-16,0 0 16</inkml:trace>
+  <inkml:trace contextRef="#ctx0" brushRef="#br0" timeOffset="156592.16">11515 4614 0,'0'-21'16,"0"0"-16,-22 21 15,1-21-15,0 21 16,0-21-16,0 21 0,0 0 15,-1-21-15,1 21 16,0-22-16,0 22 0,0-21 0,0 21 16,-1 0-16,1 0 0,0 0 0,0 0 15,0 0 1,21 21 0,21-21-1,21 22-15,1-22 0,-1 0 0,0 0 16,22 0-16,-22 0 0,22 0 15,-1 0-15,1 0 0,20 0 0,-20 0 16,-1 0-16,1 0 0,-1 0 16,1-22-16,-22 22 0,0 0 15,1 0-15,-22 0 0,0 0 16,0 0-16,-42 0 16,0 0-1,-21 0-15,20 0 0,-20 0 16,21 0-16,-21 22 0,-1-22 0,22 0 15,-21 0-15,21 0 0,-22 21 16</inkml:trace>
+  <inkml:trace contextRef="#ctx0" brushRef="#br0" timeOffset="156867.69">11726 4530 0,'-21'0'0,"0"0"31,0 0-31,21 21 0,-21-21 15,21 21-15,-22 0 0,22 22 0,0-22 16,0 21-16,-21 0 0,21 22 16,-21-22-16,0 22 0,21-22 0,0 22 15,-21-22-15,0 21 0,21-20 16,-22 20-16,22-20 0,0-1 0,0 0 16,0 1-16,0-22 0,0 21 15,0-21-15,0 0 0,0 1 0,0-1 16,0 0-16,0-42 31,0 0-31,22-22 16,-1 22-16,0 0 0</inkml:trace>
+  <inkml:trace contextRef="#ctx0" brushRef="#br0" timeOffset="157916.09">11811 5207 0,'21'0'15,"-21"21"1,21-21-16,0 0 16,1 0-16,-1 0 0,0 0 0,0-21 15,0 21-15,0-21 0,1 0 16,20 0-16,-21-1 0,0 1 16,22 0-16,-22 0 0,-21 0 0,0 0 15,21-22-15,-21 22 0,0 0 16,0 0-16,0 0 0,-21 21 15,0 0-15,-1 0 16,1 0-16,0 21 0,0 0 0,-21 0 16,20 21-16,-20-20 0,21 20 15,0 0-15,0 1 0,-1-22 16,1 21-16,0 0 0,21-20 0,0-1 0,0 21 16,0-21-16,0 0 0,0 1 15,21-1-15,0-21 16,1 0-16,-1 0 0,0 0 15,21 0-15,1 0 0,-22 0 0,21 0 16,0 0-16,1-21 0,-1-1 0,0 1 16,1 0-16,-1 0 0,0-21 15,1-1-15,-1 22 0,0-21 0,-20-1 16,20 22-16,-21-21 0,-21 21 16,0 0-16,21-1 0,-42 22 31,0 0-31,0 22 0,0-1 0,-1 0 15,22 0-15,0 21 0,-21-20 16,21-1-16,0 0 0,0 0 16,0 21-16,0-20 0,21-1 0,-21 0 15,22 0-15,20 0 0,-21 0 16,-21 1-16,21-22 0,0 21 16,1-21-16,-44 0 31,1 0-16,0-21-15,21-1 0,-21 22 16,0-21-16,0 21 0,-1 0 16,1 0-16,0 0 0,0 0 15,0 0 1,21 21-16,0 1 0,0-1 16,0 0-16,0 0 15,21-21-15,0 21 0,0-21 16,0 0-16,22 0 0,-22 0 0,0 0 15,21 0-15,1 0 0,-1 0 0,0 0 16,1-21-16,20 0 0,-20 0 16,-1 0-16,21-22 0,-20 22 0,-1-21 15,0-1-15,1-20 0,-1 21 16,0-22-16,1 1 0,-22-1 0,21 1 16,-21-1-16,1 1 15,-22-1-15,0 22 0,21-1 0,-21 1 16,0 21-16,0 0 0,0 0 0,0-1 15,0 1-15,-21 42 16,-1 1-16,22-1 16,-21 0-16,0 21 0,0 1 15,0-1-15,0 21 0,21-20 16,-22 20-16,1 1 0,21-1 0,-21 1 16,21-22-16,0 22 0,0-22 15,0 0-15,0 1 0,0-1 0,21-21 0,0 21 16,1-20-16,-1-1 0,0 0 15,0-21-15,-21 21 0,21-21 16,22 0-16,-22 0 16,0 0-16,0 0 0,21-21 0,-20 21 15,-1-21-15,0 0 0,0-1 0,0-20 16,-21 21-16,0-21 0,0-1 16,0 22-16,0-21 0</inkml:trace>
+  <inkml:trace contextRef="#ctx0" brushRef="#br0" timeOffset="158140.29">13144 4911 0,'0'0'0,"22"0"16,-1 0-16,21 0 0,-21 0 16,22 0-16,-1 0 0,0-21 0,22 21 15,-22-22-15,0 22 0,1 0 16,-1-21-16,0 0 0,1 21 0,-1 0 15,-21 0-15,0-21 0,1 21 16,-1 0-16,0 0 16,-21 21-1,0 0 1</inkml:trace>
+  <inkml:trace contextRef="#ctx0" brushRef="#br0" timeOffset="160215.35">13737 7303 0,'21'0'0,"-42"0"0,63 0 15,-20-22 1,-22 1-16,0 0 16,0 0-16,0 0 0,0 0 15,-22 21 1,1 0-16,0 0 0,0 0 0,0 0 15,0 0-15,-1 21 0,1 0 16,0 0-16,0 21 0,0-20 0,0 20 16,-1-21-16,1 21 0,0 1 15,21-1-15,-21 0 0,0 1 0,21-1 16,0-21-16,0 22 0,0-22 0,0 0 16,0 0-16,21 0 0,0-21 15,0 21-15,22-21 0,-22 0 0,21 0 16,0 0-16,-20 0 0,20-21 0,0 21 15,22-21-15,-22 0 16,0 0-16,1 0 0,-1-22 0,0 1 16,1 0-16,-1-1 0,0 1 0,1-22 15,-1 1-15,-21-1 0,22 1 16,20-43-16,-42 43 0,0-1 16,1 1-16,-1 20 0,-21-20 15,0 20-15,0 22 0,0-21 0,0 21 16,0 0-16,0 42 15,-21 0 1,-1 0-16,1 21 0,0 1 16,0-1-16,0 22 0,0-22 15,-1 21-15,1 1 0,0-1 0,-21 64 16,21-63-16,21-22 16,0 22-16,-22-22 0,22 22 0,0-22 15,0-21-15,0 21 0,0 1 0,22-22 16,-1 0-16,21 0 0,-21 0 15,22-21-15,-1 0 0,0 0 0,1 0 16,-1 0-16,0 0 0,1 0 0,-1 0 16,-21-21-16,21 0 0,1 0 15,-22 0-15,21 0 0,-21-1 16,1-20-16,-1 21 0,0-21 0,0-1 16,-21 1-16,0 0 0,0 20 15,0-20-15,0 21 0,0 0 0,0 0 16,-21-1-16,0 22 0,0 0 15,-1 0-15,1 0 0,0 0 0,0 22 16,0-1-16,-22 21 0,22-21 0,0 22 16,-21-1-16,-1 21 15,22-20-15,21-22 0,0 21 0,0-21 16,0 22-16,0-22 0,0 0 16,0 0-16,0 0 0,21-21 15,1 0-15,-1 0 0,0 0 0,0 0 16,0 0-16,0 0 0,1-21 15,20 0-15,-21 0 0,0 0 0,0 0 16,1-22-16,-1 22 0,0-21 16,0-1-16,0 1 0,0 21 15,-21-21-15,22-22 0,-22 43 16,0 0-16,-22 42 31,1 0-31,21 0 0,-21 22 0,0-22 16,0 21-16,0-21 15,21 22-15,0-22 0,-22 21 0,22-21 0,0 0 16,0 22-16,0-22 0,0 0 16,22 0-16,-1 0 15,0-21-15,0 0 0,0 0 0,22 0 16,-22 0-16,21 0 0,0 0 0,1 0 16,-1-21-16,0 0 0,1 0 15,-1 0-15,22 0 0,-22-22 0,-21 22 16,21-21-16,-20-1 0,20 22 0,-21-21 15,-21 0-15,0 20 0,0 1 16,0 0-16,0 0 0,-21 21 16,0 0-16,-22 0 15,22 21-15,0 0 0,0 0 0,0 1 16,21-1-16,0 21 0,0-21 16,0 0-16,0 22 0,0-22 15,0 0-15,0 0 0,0 0 0,21 1 16,0-1-16,0 0 0,-21 0 0,21-21 15,1 21-15,-22 0 16,-22-42 15,1 21-15,0-21-16,0 0 0,0 21 16,0 0-16,-1 0 15,1 0-15,0 0 16,21 21-16,0 0 15,0 0-15,0 1 16,0-1-16,21-21 16,0 21-16,1-21 0,-1 0 0,0 21 15,0-21-15,0 0 0,0 0 0,22 0 16,-22 0-16,21 0 0,1 0 16,-1 0-16,-21-21 0,21 0 0,1 0 15,-1 21-15,0-43 0,1 22 16,-1 0-16,0-21 0,1 20 0,-22-20 15,0 21-15,21-21 0,-20-1 16,-22 1-16,0 21 0,0-43 16,0 43-16,0 0 0,0 0 15,-22 21-15,1 0 16,0 21-16,0 0 0,21 21 16,0-20-16,0 20 0,0-21 0,0 43 15,0-22-15,0-21 0,0 21 16,21-20-16,-21-1 0,21 0 15,0 0-15,1 0 0,-22 22 0,21-22 16,0-21-16,-21 21 0,21 0 16,-21 0-16,-21-21 15,0 0-15,0 0 0,-22 0 16,22 21-16,0-21 16,-21 0-16,20 0 0,1 0 0,-21 0 15,21 0-15,0 0 0,-1 22 16,1-22-1</inkml:trace>
+  <inkml:trace contextRef="#ctx0" brushRef="#br0" timeOffset="163275.76">14055 12510 0,'0'-22'31,"0"1"-15,0 0 0,0 0-16,0 0 15,0 0-15,21-1 0,-21 1 16,0 0-16,0 0 16,-21 21-1,-1 0-15,1 0 0,0 42 16,0-21-16,0 1 15,0 20-15,-1-21 0,1 21 16,0 1-16,0-1 0,21 0 0,0 1 16,-21-1-16,21 0 0,0 1 15,0 41-15,0-41 0,21-22 16,-21 21-16,21-21 0,0 1 16,22-1-16,-22-21 0,21 21 0,-21-21 15,22 0-15,-1 0 0,-21 0 0,21 0 16,1-21-16,-1 0 0,0-1 15,1 1-15,-1 0 0,0-21 0,1-1 16,-1 1-16,0 0 16,1-1-16,-22 1 0,21-21 0,-21 20 0,1-20 15,-1 20-15,0-20 16,0-1-16,-21 22 0,0-21 0,0-1 16,21 22-16,-21-1 0,0 1 15,21 21-15,-21-21 0,0 63 16,0 0-1,-21 21-15,0 1 0,21-1 16,-21 0-16,0 22 0,0-22 0,-1 0 16,1 22-16,0-22 0,21 22 0,0-22 15,-21 0-15,21 22 0,0-22 16,0-21-16,0 22 0,21-1 16,0-21-16,0 22 0,1-22 0,-1 0 15,21-21-15,-21 21 0,22-21 16,-1 0-16,0 0 0,1 0 0,-1 0 15,0 0-15,1-21 0,-1 0 16,0 0-16,1-1 0,-1 1 0,0 0 16,-21-21-16,1 21 0,-1-22 0,0 22 15,-21-21-15,0-1 0,0 22 16,0-21-16,0 21 0,0 0 16,0-1-16,-21 1 0,0 0 0,-1 21 15,1 0-15,-21 0 0,21 21 0,-22 0 16,22 1-16,-21-1 0,0 0 0,20 21 15,-20 1-15,21-22 16,0 21-16,-22 0 0,22-20 0,21 20 16,0-21-16,0 0 0,0 0 0,0 1 15,0-1-15,21-21 16,1 0-16,20 0 0,-21 0 0,21 0 16,-20 0-16,20-21 0,0-1 15,1 1-15,-1 0 0,-21 0 0,21-21 16,-20 20-16,20-20 0,-21 21 15,0-21-15,-21 20 0,21-20 16,-21 21-16,22 0 0,-22 0 0,0-1 16,0 44-1,0-1 1,0 0-16,-22 0 0,22 0 0,0 22 16,-21-22-16,0 21 0,21-21 15,-21 22-15,21-22 0,0 0 0,0 0 16,0 21-16,0-20 0,0-1 15,21 0-15,0-21 0,0 0 16,1 0-16,-1 0 0,21 0 0,-21 0 16,0-21-16,22 0 0,-1-1 0,-21 1 15,22 0-15,-1-21 16,-21 21-16,21-22 0,1 1 0,-22 21 16,0-22-16,0 1 0,0 21 15,-21 0-15,0 0 0,0-1 0,0 44 31,0-1-31,0 0 16,0 0-16,0 0 0,0 22 0,0-22 16,0 0-16,0 0 0,0 21 0,0-20 15,0-1-15,0 0 0,0 0 16,0 0-16,0 0 0,22 1 16,-1-1-16,-21-42 46,-21-1-30,-1 22-16,1-21 0,21 0 0,-21 0 16,0 21-16,0 0 15,21 21 1,0 0 0,0 0-16,0 1 0,0-1 15,0 0-15,0 0 0,21 0 16,0 0-16,0-21 0,0 0 0,1 22 15,-1-22-15,21 0 0,-21 0 16,22 0-16,-1 0 0,0-22 0,1 1 16,20 0-16,-21 0 0,1 0 15,-1 0-15,0-22 0,1 22 16,-1-21-16,0-1 0,-20 22 0,-1-21 16,0 0-16,0-1 0,-21 1 15,0 21-15,0 0 0,0-22 0,0 22 16,-21 21-1,0 0-15,0 0 0,-1 21 16,22 0-16,0 1 0,-21-1 0,21 21 16,0-21-16,0 0 0,0 22 0,0-22 15,0 21-15,21-21 0,-21 1 16,0 20-16,22-21 0,-1 0 0,-21 0 16,0 1-16,0-1 0,0 0 15,0 0-15,0 0 16,0 0-16,-21-21 0,-1 22 15,-20-22-15,21 0 0,0 0 0,-22 0 0,22 21 16,-21-21-16,21 0 0,0 0 16,-22 0-16,22 0 0,0 0 0,0-21 15,0 21-15,21-22 0,-22 22 16,1 0-16</inkml:trace>
+  <inkml:trace contextRef="#ctx0" brushRef="#br0" timeOffset="163960.89">11642 14499 0,'0'0'0,"42"0"31,-21 21-31,21-21 16,22 0-16,-22 0 15,43 0-15,-22 0 0,22 0 0,0 0 16,-22 0-16,22 0 0,-22 0 0,1 0 16,-1 0-16,-20 0 0,-1 0 15,0 0-15,-20 0 0,-1 0 0,0 0 16,-21 22-16,0-1 31,-21-21-31,0 0 0,-1 21 0,-20-21 16,21 0-16,-21 0 0,20 21 15,-20-21-15</inkml:trace>
+  <inkml:trace contextRef="#ctx0" brushRef="#br0" timeOffset="164227.74">12192 14605 0,'0'21'47,"0"0"-47,0 1 16,0-1-16,0 0 0,0 21 0,0-21 15,0 22-15,0-22 0,0 21 16,0 1-16,0-1 0,-21 0 0,21 1 16,-21-1-16,21 0 0,-22-21 15,22 22-15,0-22 0,0 21 0,0-21 16,0 1-16,0-1 0,0 0 0,0 0 16,22-21-1,-1 0 1,0 0-16,0-21 0,0 0 15,0 0-15,1-1 0,-1-20 16,0 21-16,0-21 0,21 20 0</inkml:trace>
+  <inkml:trace contextRef="#ctx0" brushRef="#br0" timeOffset="165373.07">12763 15071 0,'0'21'16,"0"-42"-16,0 63 0,22-21 15,-1-21 17,0 0-32,-21-21 0,21 0 0,0 21 15,-21-21-15,21 0 0,1-1 16,-22 1-16,21-21 0,-21 21 16,21 0-16,-21-1 0,0 1 0,0 0 15,0 0-15,0 0 0,0 0 16,-21 21-16,0 0 0,-1 0 0,1 21 15,0 0-15,0-21 16,0 42-16,-22-21 0,1 43 16,21-43-16,0 21 0,0 1 0,-1-1 15,1 0-15,0-20 16,21 20-16,0 0 0,0-21 0,0 1 16,0-1-16,0 0 0,21 0 0,22 0 15,-22-21-15,21 0 0,-21 0 16,22 0-16,-1 0 0,21 0 0,-20-21 15,-1 0-15,22 0 0,-22 0 0,0-1 16,22-20-16,-22 21 0,0-21 16,1 20-16,-22-20 0,0 21 0,43-85 15,-64 64 1,21 21-16,-21-1 0,0 1 0,0 0 16,0 42-1,-21 0 1,-1 1-16,22-1 0,0 0 15,0 0-15,0 21 0,0-20 0,0-1 16,0 21-16,0-21 0,0 0 0,0 1 16,22-1-16,-22 0 0,21 0 15,0 0-15,0 0 0,0-21 16,0 0 0,-21-21 15,-21 0-31,21 0 15,-21 21-15,0 0 16,0 0-16,0 0 16,-1 0-1,22 21-15,0 0 16,0 0-16,22 1 16,-1-1-16,0-21 15,0 0-15,0 0 0,0 0 0,22 0 16,-22 0-16,0 0 0,21 0 15,1 0-15,-22 0 0,21-21 0,1 21 16,-1-22-16,0 1 0,1 0 16,-1-21-16,0 21 0,1-22 0,-22 22 15,21-21-15,-21-1 0,22 1 16,-22 0-16,0-1 0,0-20 0,0 21 16,0-1-16,1-20 0,-22-43 15,0 64-15,21-1 0,-21 1 16,21 21-16,-21 0 0,0-1 0,0 1 15,0 42 1,0 1-16,0-1 16,0 21-16,-21 0 0,0 1 15,-1-1-15,22 0 0,-21 22 0,0-22 16,0 1-16,0-1 0,0 0 16,-1 1-16,22-1 0,-21 0 15,21 1-15,-21-22 0,21 63 16,0-62-16,0-1 0,0 0 0,0 0 15,0 0-15,0 0 0,21-21 0,0 22 16,1-22-16,-1 0 16,0 0-16,0 0 0,0 0 0,22 0 15,-22 0-15,0 0 0,0-22 0,0 1 16,0 0-16,1 21 16,-22-21-16,21 21 0,-21-21 15,0 0-15,21-1 0,-21 1 16,0 0-1,0 0-15,0 0 16,0 0-16,0-1 16,0 1-16,0 0 0,0 0 0</inkml:trace>
+  <inkml:trace contextRef="#ctx0" brushRef="#br0" timeOffset="165654.92">14203 14774 0,'0'0'0,"-21"0"0,-1 0 16,44 0 15,-1 0-31,0 0 16,21 0-16,-21 0 0,1 0 0,62-21 16,-63 0-16,22 21 0,-1-21 15,-21 21-15,22-21 0,-1 21 16,-21 0-16,0-21 15,0 21-15</inkml:trace>
+  <inkml:trace contextRef="#ctx0" brushRef="#br0" timeOffset="168339.24">12573 9229 0,'21'-21'16,"0"-22"-1,0 22-15,-21 0 0,0 0 16,0 0-16,0-1 0,0 1 15,0 0-15,0 0 0,0 0 16,0 0-16,-21 21 0,21-22 0,0 1 16,-42 21-16,21-21 15,0 21-15,-1 0 0,1 0 16,0 21-16,0 0 0,21 1 0,-21-1 16,0 21-16,-1-21 0,1 22 15,0-1-15,0-21 0,21 21 16,-21-20-16,21 20 0,-21-21 15,21 0-15,0 0 0,0 1 0,0-1 16,0 0-16,0 0 0,21-21 16,0 0-16,0 0 0,21 0 15,-20 0-15,-1-21 0,0 21 16,21-21-16,-21 0 0,1-1 16,-1 22-16,0-42 0,0 21 15,0 0-15,0 0 0,-21-1 0,0-20 16,22 21-16,-22 0 0,0 0 0,0-1 15,0 1-15,0 42 32,0 1-32,0-1 15,0 0-15,0 0 0,0 0 0,0 0 16,0 1-16,0-1 0,0 0 16,0 0-16,0 0 0,21-21 15,0 21-15,0 1 0,0-22 0,0 0 16,1 0-16,-1 0 0,0 0 15,21 0-15,-21 0 0,22 0 16,-22 0-16,21-22 0,-21 22 0,22-21 16,-22 0-16,21 0 0,-21 0 0,1 0 15,-1-1-15,0-20 0,0 21 16,-21-21-16,0-1 0,0 1 16,0 21-16,0-22 0,0 1 0,0 0 15,-21-1-15,-21 1 0,20 0 0,1-1 16,0 1-16,-21 21 0,-1-21 15,22 20-15,-21-20 0,0 21 0,-1 0 16,1 0-16,-22-1 0,22 1 16,0 21-16,-1 0 0,-20 0 0,-1 0 15,-41 21-15,20 22 16,21-22-16,1 21 0,-22-21 16,22 43-16,-1-22 0,1 22 0,-1-1 15,22 1-15,0-1 0,20 22 16,-20-22-16,42 107 15,0-107-15,0-20 0,21-1 0,22 0 16,-22 1-16,21-1 0,0 0 16,1 1-16,20-22 0,-20 0 0,20 0 15,-21 0-15,22 0 0,-22-21 16,22 0-16,-22 22 0,0-22 16,1 0-16,-1 0 0,0 0 0,-20 0 0,-1-22 15,0 22-15,0-21 16,-21 0-16,0 0 0,21 0 0,-21 0 15,21-1-15,-21 1 0,22 0 0,-22 0 16</inkml:trace>
+  <inkml:trace contextRef="#ctx0" brushRef="#br0" timeOffset="168787.98">13801 8763 0,'0'0'0,"21"-42"16,0 42-16,-21 21 31,0 21-15,0-21-16,0 22 0,0-1 16,0 0-16,0 1 0,0-1 0,0 0 15,-21 1-15,21-1 0,-21 0 16,-1 1-16,22-1 0,0-21 0,0 0 15,-21 22-15,21-1 0,-21-21 16,21 0-16,0-42 47,0 0-47,0 0 16,0 0-16</inkml:trace>
+  <inkml:trace contextRef="#ctx0" brushRef="#br0" timeOffset="169311.68">13758 8805 0,'0'0'0,"0"-42"15,0 21-15,0 0 16,0 0-16,21 21 0,1-22 0,-1 22 16,0 0-16,21 0 0,-21-21 15,22 21-15,41 0 0,-62 0 16,20 0-16,0 21 0,1 1 15,-1-1-15,-21 0 0,0 0 0,0 21 16,-21-20-16,0 20 0,0 0 0,0-21 16,-21 22-16,0-1 15,-21-21-15,-1 22 0,1-22 0,0 0 16,-1 0-16,1 0 0,0 0 16,21 1-16,-1-22 0,1 0 0,0 0 15,42 0 1,0-22-1,1 22-15,20 0 0,-21 0 0,21 0 16,1 0-16,-1 0 0,0 0 0,43 0 16,-43 22-16,1-1 15,-1 0-15,-21 0 0,0 0 0,22 0 16,-22 22-16,-21-22 0,0 0 16,0 0-16,0 0 15,-21 1-15,0-1 0,-1 0 0,-20-21 16,21 21-16,-21 0 0,-1-21 15,1 21-15,21-21 0,-22 0 0,22 0 16,-21 0-16,21 0 0,-22 0 0,22 0 16,0 0-16,0 0 0,0 0 15,21-21-15,-21 0 0,21 0 16,0 0 0,0 0-1,21 21-15,0-22 16,0 1-16</inkml:trace>
+  <inkml:trace contextRef="#ctx0" brushRef="#br0" timeOffset="169808.45">14838 9271 0,'0'0'0,"0"21"0,-21-21 16,-1 21-16,22 1 16,-21-22-1,42 0 17,1-22-32,-1 1 15,0 21-15,0-21 0,0 0 16,22 21-16,-22-21 0,0 0 0,0-1 15,0 1-15,-21 0 0,0 0 16,0 0-16,0 0 16,0-1-16,-21 22 0,0 0 0,0 0 15,0 0-15,-1 0 0,1 22 16,0-1-16,0-21 0,0 42 0,0-21 16,-1 0-16,1 22 0,0-22 0,21 21 15,0 1-15,0-22 16,0 21-16,0-21 0,0 22 0,0-22 15,0 21-15,0-21 0,0 0 0,21 1 16,0-1-16,1 0 0,-1 0 16,0 0-16,0-21 0,21 0 15,1 0-15,-22 0 0,0 0 0,0 0 16,22 0-16,-22-21 0,0 0 16,21 0-16,-21-22 0,22 22 0,-22-21 15,0 0-15,21 20 0</inkml:trace>
+  <inkml:trace contextRef="#ctx0" brushRef="#br0" timeOffset="171027.33">15557 8763 0,'0'-21'16,"0"42"-16,0-63 0,0 21 0,0 42 31,0 0-15,0 21-16,0 1 0,0-1 15,-21 0-15,21 22 0,-21-22 16,0 22-16,21-1 0,-21 1 0,0-1 16,-1-21-16,1 22 0,0 21 15,0-22-15,0 1 0,0 20 16,-1-20-16,1 20 0,0-20 0,0-1 0,21 1 16,-21-1-16,21 1 0,0 63 15,0-85-15,0 1 0,0-1 16,0 0-16,0 1 0,21-22 0,-21 21 15,21-21-15,0-21 0,22 21 16,-22-21-16,21 0 0,-21 0 0,22 0 16,-22-21-16,21 21 0,-21-21 0,0 0 15,22-21-15,-22 20 0,0 1 16,21-63-16,-20 62 16,-22-20-16,21 0 0,-21-1 0,0 1 0,0 0 15,0-22-15,-21 22 0,-1 0 16,-20-1-16,21-20 0,-21 20 15,20 1-15,-20 0 0,0-1 0,-1 22 16,22 0-16,-21 0 0,21 0 16,-22 0-16,22 21 0,21-22 15,0 1 1,21 21-16,1 0 16,-1-21-16,21 0 0,0 21 0,1-21 15,-1 21-15,0-21 0,1-1 16,-1 1-16,0 0 0,1 0 0,-1-21 15,0 20-15,1 1 0,-22-21 16,21 21-16,-21 0 0,1-1 16,-1 1-16,0 0 0,-21 0 15,-21 42 17,21 0-17,0 0-15,0 22 0,-21-22 16,21 0-16,0 0 0,0 0 0,0 22 15,0-22-15,0 0 0,0 0 0,0 0 16,0 1-16,0-1 0,0 0 16,21-21-16,-21 21 0,21-21 0,0 0 15,-21 21-15,21-21 0,0 0 16,1 0-16,-1 0 0,0 0 16,0-21-16,0 21 0,0-21 0,1 0 15,-1 21-15,0-21 0,0-1 0,0-20 16,-21 21-16,0 0 0,0 0 15,0-22-15,0 22 0,0 0 0,0 0 16,0 0-16,-21-1 0,0 22 16,-21-21-16,20 21 0,1 0 0,0 0 15,-21 0-15,21 0 0,-1 0 0,-20 0 16,21 0-16,0 0 16,0 0-1,42-21 1,0 21-16,0 0 15,21-21-15,-20 21 0,20 0 16,0-21-16,-21 21 0,22 0 0,-1 0 16,-21 0-16,22 0 0,-1 0 0,-21 0 15,21 0-15,1 21 0,-22-21 0,21 21 16,-21 0-16,1 0 0,-1 1 16,0-1-16,0 0 0,0 0 15,-21 0-15,0 0 0,0 1 0,0-1 16,0 0-16,0 0 0,-21 0 15,0-21-15,0 0 16,0 0 0,21-21-1,0 0-15,0 0 16,0 0-16,21-22 0,-21 22 16,0-21-16,21 21 0,0-22 0,0 1 15,-21 21-15,21-22 0,1 22 0,-22 0 16,21 0-16,-21 0 0,21 0 15,0 21-15,0 0 16,0 0-16,-21 21 16,0 0-1,22 0-15,-22 0 0,0 0 16,0 1-16,0-1 16</inkml:trace>
+  <inkml:trace contextRef="#ctx0" brushRef="#br0" timeOffset="171381.79">16849 9271 0,'0'0'0,"21"21"15,-21 0-15,21-21 0,0 0 16,0 0-16,0 0 0,1 0 16,-1 0-16,0 0 0,21 0 0,-21 0 15,1 0-15,20-21 0,-21 21 16,21-21-16,-20 0 0,-1 0 16,0 0-16,0-1 0,0 1 0,-21 0 15,0-21-15,0-1 16,0 1-16,0 21 0,0 0 0,-21 0 15,0 21-15,0 0 0,0 0 0,-1 0 16,1 0-16,0 0 0,0 42 16,0-21-16,0 0 0,-22 22 0,43-22 15,-21 21-15,0-21 0,21 22 0,-21-1 16,21-21-16,0 21 16,0-20-16,0-1 0,0 0 0,0 0 15,0 0-15,21 0 0,0 1 0,0-1 16,0-21-16,1 21 0,-1-21 15,0 0-15,21 0 0,-21 0 0,1 0 0,20 0 16,-21 0-16,0-21 16,0 0-16,1-1 0,20 1 0,-21 0 15,21 0-15,-20 0 0</inkml:trace>
+  <inkml:trace contextRef="#ctx0" brushRef="#br0" timeOffset="171834.23">18097 8636 0,'0'0'0,"22"-21"0,-22-21 15,0 20-15,0 1 16,0 42 15,0 1-31,0-1 0,0 21 16,0 0-16,0 1 0,0-1 15,0 22-15,0-1 0,0-21 0,0 22 16,-22-22-16,22 22 0,-21-22 0,21 0 16,0 1-16,-21 63 15,0-43 1,21-42-16,0 0 0,0 1 0,0-1 0,0 0 16,-21-42 15,21 0-31,0-1 15,-21 1-15</inkml:trace>
+  <inkml:trace contextRef="#ctx0" brushRef="#br0" timeOffset="172459.56">17886 8763 0,'0'-63'16,"0"41"-16,21 1 0,0 0 15,0 0-15,0 0 0,1 0 0,-1-1 16,0 1-16,21 21 0,-21-21 16,22 0-16,-1 0 0,-21 21 15,22 0-15,-1 0 0,0 0 0,22 21 16,-43 0-16,0 21 0,21 1 16,-20-22-16,-1 42 0,-21-20 15,21-1-15,-21 22 0,21-22 16,-21 21-16,0-20 0,0 20 0,0-20 15,0-1-15,0 0 0,0-21 0,-21 22 16,0-22-16,0 0 0,21 21 0,0-20 16,0-1-16,-22-21 15,22-21 17,0-1-32,0 1 15,0 0-15,0-21 0,22 21 0,-22-22 16,21 1-16,-21 0 0,21-1 15,0 1-15,-21-22 0,42-41 16,43-44-16,-64 107 16,22 21-16,-22-21 0,21 20 15,-21 1-15,22 0 0,-22 21 0,21 0 16,-21 0-16,22 0 0,-22 0 16,0 21-16,0 0 0,0 22 0,0-1 15,1 0-15,-22 1 0,21 20 16,-21-20-16,0 20 0,0 1 15,0-1-15,0-21 0,0 22 0,-21-22 16,-1 1-16,22-1 0,0 0 0,-21 1 16,21-1-16,-21-21 0,0 0 15,21 22-15,0-22 0,0 0 0,-21 0 16,21 0-16,-21-21 0,21-21 47,0 0-47,0 0 0,21 0 15,0-1-15,0-20 0</inkml:trace>
+  <inkml:trace contextRef="#ctx0" brushRef="#br0" timeOffset="172875.48">19431 9208 0,'0'0'0,"0"21"0,0 0 31,21-21-15,0 0 0,0-21-16,1 21 0,-1-21 0,21-1 15,-21 22-15,0-21 0,22 0 16,-22 0-16,0-21 0,0 20 0,0 1 16,-21-21-16,0 21 0,0 0 15,0-1-15,0 1 0,0 0 0,-21 21 16,0 0-1,0 0-15,-43 42 16,22-20-16,0-1 0,21 21 0,-22 0 16,22-20-16,0 20 0,-21 0 0,42 1 15,-22-1-15,1-21 0,21 21 0,0-20 16,-21 20-16,21-21 0,0 0 16,0 0-16,0 1 0,21-1 0,0 0 15,1 0-15,-1-21 0,0 0 0,0 21 16,21-21-16,-20 0 15,20 0-15,0 0 0,-21 0 0,22-21 16,-1 21-16,0-21 0,-20 0 0,20 0 16,0-1-16,-21 1 0,22 0 15,-22-21-15</inkml:trace>
+  <inkml:trace contextRef="#ctx0" brushRef="#br0" timeOffset="173198.42">20256 8636 0,'0'-42'0,"0"84"0,0-105 16,0 41-16,0 1 0,-21 21 31,21 21-31,-21 1 0,21-1 16,0 0-16,0 21 0,0 1 16,0-1-16,-21 0 0,21 22 0,0-22 15,0 22-15,0-22 0,0 21 16,0-20-16,0-1 0,0 0 0,-21 43 15,21-43-15,-21 1 0,21-22 16,-22 21-16,1-21 0,21 1 16,0-1-16,0 0 0,-21 0 0,21 0 15,0 0-15,0-42 32,0 0-17,21 21-15,-21-21 0,21-21 0,1 20 16,-1-20-16,0 21 0</inkml:trace>
+  <inkml:trace contextRef="#ctx0" brushRef="#br0" timeOffset="173744.36">20616 8573 0,'0'-22'16,"0"44"-16,0-65 0,0 22 15,0 42 1,0 0-16,0 22 15,0-22-15,0 21 0,0 1 0,0-1 16,0 21-16,-21-20 0,21 84 16,-21-85-16,21 22 0,-21-22 15,21 0-15,0 1 0,0-1 16,-21 0-16,21-21 0,-22 22 0,22-22 16,0 0-16,0 0 0,-21-21 15,21 21-15,-21 1 0,0-22 16,0 0-1,0-22 1,21 1-16,0 0 16,0 0-16,0 0 0,0 0 0,21-22 15,0 22-15,0-21 0,21 21 16,-20-22-16,-1 22 0,21-21 0,0 21 16,-20-1-16,20 22 0,-21-21 0,21 21 15,-20 0-15,41 0 16,-42 21-16,0 1 0,1-22 15,-1 21-15,-21 0 0,0 21 0,0-21 16,0 1-16,0-1 0,0 0 0,0 21 16,0-21-16,0 1 0,0-1 0,-21 0 15,-1 21-15,1-42 16,0 21-16,21 1 0,-21-22 16,21 21-16,-21 0 0,21-42 46,21 21-46,0-21 16,0-1-16,0 22 0,22-42 16,-1 21-16</inkml:trace>
+  <inkml:trace contextRef="#ctx0" brushRef="#br0" timeOffset="174156.3">21315 9102 0,'0'-21'16,"0"42"-16,21-42 0,-21-1 0,21 22 15,-42 22 17,0-1-32,0 0 0,-1 0 15,1 0-15,-21 0 0,21 1 0,0 20 16,-1-21-16,1 0 0,0 0 0,0 1 16,21-1-16,-21 0 0,21 0 15,0 0-15,0 0 0,0 1 16,21-22-16,0 0 0,0 0 0,0 0 15,1 0-15,-1 0 0,0 0 16,0 0-16,21 0 0,-20 0 0,-1-22 16,21 22-16,0-42 15,22-21 1,-64 20-16,21 22 0,-21-21 0,21 21 16,-21-22-16,0 22 0,0-21 15,0 21-15,-21-1 0,0 22 16,0 0-16,0 0 0,-1 0 0,1 0 15,0 0-15,-21 0 0,21 22 16,-1-22-16,1 21 0,0 0 16,0 0-16,21 0 0,21 0 31,0-21-31,0 0 16</inkml:trace>
+  <inkml:trace contextRef="#ctx0" brushRef="#br0" timeOffset="174827.77">22034 9229 0,'0'-21'0,"0"42"0,0-64 15,0 1 1,-21 0 0,0 21-16,0-1 0,0 22 15,0-21-15,-1 21 0,1 0 16,0 0-16,0 21 0,0-21 0,0 22 15,-22-1-15,22 0 0,0 0 0,-64 85 16,43-64 0,21 1-16,0-22 0,-1 0 15,22 0-15,0 21 0,0-20 16,0-1-16,0 0 0,0 0 16,43 0-16,-22-21 0,0 0 15,0 0-15,0 0 0,22 0 16,-22 0-16,0 0 0,0 0 0,0-21 15,22 0-15,-22 0 16,21-22-16,-21 22 0,43-42 16,-43 20-16,0 1 0,0 0 15,1-22-15,-1 22 0,0-22 16,-21 1-16,21-1 0,0 1 0,-21-1 16,0 22-16,21-21 0,1 20 0,-22 1 15,21 0-15,-21 20 0,0-20 16,0 21-16,0 0 15,0 42 1,0 0-16,0 0 16,-21 0-16,21 22 0,-22-1 0,1 0 15,21 1-15,-21 20 0,0 1 0,21-1 16,-21 43-16,21-42 0,-21-1 16,-1-21-16,22 1 15,0 41-15,0-41 0,0-1 16,0-21-16,0 22 0,0-22 0,22 0 15,-1 0-15,0-21 0,0 21 16,0-21-16,0 0 0,1 0 0,-1 0 16,21 0-16,-21 0 0,22 0 0,-22-21 15,21 0-15,0 0 16,1 0-16,-22-1 0,0 1 0,0 21 16,0-21-16,1 0 0,-1 0 15,-21 0-15,0-1 0,0 1 16,0 0-16,0 0 0,-21 0 15</inkml:trace>
+  <inkml:trace contextRef="#ctx0" brushRef="#br0" timeOffset="175227.22">20151 8721 0,'-22'0'0,"44"0"0,-22 0 31,21 0-31,21 0 0,0-21 15,1 21-15,-1 0 0,0 0 0,22 0 16,-22 0-16,64 0 16,-64-22-16,1 22 0,-1 0 0,0 0 15,-20 0-15,20 0 0,-21-21 0,0 21 16,0 0 0,1 0-16,-22 21 31,-22-21-16,1 22-15,0-1 0,-21 0 0,21-21 16,-22 21-16,22 21 0</inkml:trace>
+  <inkml:trace contextRef="#ctx0" brushRef="#br0" timeOffset="184237.69">13102 11388 0,'0'0'0,"-21"0"0,21 21 15,0-42 17,0 0-32,21 21 0,-21-22 15,21 1-15,-21 0 0,0 0 16,21 0-16,-21 0 0,0-1 0,0 1 16,0 0-16,-21 0 0,0 0 15,0 0-15,0 21 0,0-22 0,-22 22 16,22 0-16,-21 0 0,21 0 0,-22 22 15,22-1-15,0 0 0,-21 0 16,20 0-16,1 22 0,0-22 0,0 21 16,0-21-16,0 22 0,-1-22 15,22 0-15,0 21 0,0-21 0,0 1 16,0-1-16,0 0 0,0 0 16,22-21-1,-1 0-15,0 0 0,21 0 16,-21 0-16,1 0 0,20-21 0,-21 0 15,21 0-15,-20-1 0,20 1 16,-21 0-16,0 0 0,0 0 0,1 0 16,-22-1-16,21 1 0,-21 0 15,0 0-15,0 0 0,0 42 32,-21 0-32,21 0 0,-22 0 15,1 1-15,21-1 0,0 0 16,-21 0-16,21 21 0,0-20 15,0-1-15,0 0 0,0 0 0,0 0 16,0 0-16,0 1 0,21-22 16,-21 21-16,21-21 0,22 0 0,-22 0 15,0 0-15,21 0 0,-20 0 0,20 0 16,0 0-16,-21 0 0,22-21 16,-1 21-16,-21-22 0,22 1 0,-22 0 15,21-21-15,-21 21 0,0-22 0,-21 22 16,22-21-16,-22-1 15,21 1-15,-21 0 0,0-1 0,0-20 16,0 21-16,0-1 0,-21 1 0,-1 0 0,1 20 16,-21-20-16,21 0 15,-22 21-15,1-22 0,0 22 0,-22-21 16,1 21-16,-1 21 0,1-22 16,-1 22-16,1 0 0,-1 0 0,1 0 15,-22 22-15,22-1 0,-1 21 16,1 0-16,-1 1 0,1 20 0,-1-20 15,1 41-15,20-20 0,-20-1 16,20 22-16,22-22 0,0 1 0,0-1 0,21 1 16,0-1-16,0-20 0,42 20 15,-21-20-15,22-22 0,-1 21 16,0-21-16,22 22 0,-22-22 0,22 0 16,-1 0-16,-20-21 0,20 21 15,1-21-15,63 0 0,-64 0 16,1 0-16,-22 0 0,0 0 0,22 0 15,-22-21-15,-21 21 0,22-21 16,-1 0-16,-21 21 0,21-21 0,1-1 16,-1 1-16</inkml:trace>
+  <inkml:trace contextRef="#ctx0" brushRef="#br0" timeOffset="184775.38">14478 11134 0,'0'-21'15,"-21"21"1,0 0-16,-1 21 0,1 0 0,0 0 16,0 0-16,0 22 0,0-22 15,-22 42-15,22-20 0,-21-1 0,21 0 16,-22 1-16,22 20 0,-21-21 0,21 1 15,-22-1-15,22-21 0,0 22 16,0-1-16,0-21 0,-1 0 0,22 0 16,-21 1-16,21-1 0,21-21 31,1 0-15,-1-21-16,0-1 0,0-20 0,0 21 15,0 0-15,1-22 0,20 1 16,-21 0-16,0-1 0,-21 1 0,21 0 15,1-1-15,-1-20 0,-21 21 0,21-1 16,-21 1-16,21 0 0,-21 20 16,0 1-16,21 0 0,0 21 15,-21 21-15,0 0 16,0 1-16,22 20 0,-22 0 0,21 1 16,-21-1-16,0 0 0,0 1 0,0-1 15,0 21-15,0-20 16,21-22-16,-21 21 0,0-21 15,0 1-15,0 20 0,0-21 0,21 0 16,-21 0-16,0 1 0,0-1 16,0-42 15,0-1-31,-21 22 0</inkml:trace>
+  <inkml:trace contextRef="#ctx0" brushRef="#br0" timeOffset="184966.27">13991 11557 0,'0'0'0,"0"21"15,21 0 1,0-21-16,1 0 0,-1 0 0,21 0 16,0 0-16,1 0 0,-1 0 0,0 0 15,1 0-15,20-21 0,-20 21 16,20-21-16,-21 0 0,22 0 0,-22 0 15,1-1-15,20-20 0,-21 21 0</inkml:trace>
+  <inkml:trace contextRef="#ctx0" brushRef="#br0" timeOffset="185921.24">15134 11028 0,'0'-21'15,"-21"21"-15,21 21 16,0 0-16,-21-21 15,21 42-15,-21-20 0,21 20 0,0 0 16,-22-21-16,22 43 0,-21-22 0,0 1 16,21-1-16,-21 0 0,0 22 15,0-22-15,21 0 0,-22 1 0,1-1 16,0 0-16,0 22 0,0-22 16,0 1-16,21-1 0,-22 21 15,22-20-15,-21-1 0,21 0 0,0 1 0,0-22 16,0 21-16,0-21 0,0 22 15,0-22-15,0 0 0,0 0 16,21-21-16,1 0 16,-1 0-16,0 0 0,0-21 15,0 21-15,-21-21 0,21 0 16,1 0-16,-22-1 0,21-41 16,-21 21-16,0 20 0,21-20 0,-21 0 15,0-1-15,0 1 0,0 0 16,0-1-16,0 22 0,-21-21 15,0 21-15,21 0 0,0-1 0,-22 1 16,1 21-16,21-21 16,21 21-1,1-21 1,-1 21-16,21 0 0,-21 0 16,22-21-16,-1 21 0,0-21 0,22-1 15,-22 22-15,22-21 0,-22 0 0,21 0 16,-20-21-16,-1 20 0,0 1 15,1-21-15,-1 0 0,-21 20 0,0-20 16,1 21-16,-1-21 0,-21 20 0,0-20 16,21 21-16,-21 0 15,0 0-15,0-1 0,0 1 16,-21 21-16,0 0 16,-1 21-16,1 1 0,21-1 15,-21 0-15,0 0 0,0 21 0,0 43 16,21-43-16,-22 1 0,22-1 15,0 0-15,-21 1 0,21-22 16,0 21-16,0 1 0,0-22 0,0 0 16,0 21-16,0-21 0,0 1 0,21-1 15,-21 0-15,22-21 0,-1 21 16,21-21-16,-21 0 0,0 0 16,1 0-16,-1 0 0,0 0 0,0-21 15,0 0-15,0 21 16,22-21-16,-22-1 0,0 1 0,0-21 15,0 21-15,1 0 0,-1-1 0,-21 1 16,0 0-16,21 21 16,-21-21-16,0 42 15,0 0 1,-21 0-16,21 1 0,-21-1 16,21 21-16,-22-21 0,22 0 15,0 1-15,0-1 0,0 0 16,0 0-16,0 0 15,22-21-15,-1 0 16,0 0-16,0 0 0,0 0 16,22 0-16,-22 0 0,0 0 0,-21-21 15,21 21-15,0-21 0,0 21 16,-21-21-16,22 0 0,-22-1 16,21 22-16,-21-21 0,0 0 0</inkml:trace>
+  <inkml:trace contextRef="#ctx0" brushRef="#br0" timeOffset="186169.76">15536 11134 0,'0'0'0,"21"0"16,1 0-1,-1 0-15,21 0 0,-21 0 0,22 0 16,-1 0-16,0 0 0,-21 0 16,22 0-16,-1 0 0,0 0 0,-20 0 15,-1 0-15,0 0 0,0 0 0,0 0 16</inkml:trace>
+  <inkml:trace contextRef="#ctx0" brushRef="#br0" timeOffset="188979.1">17230 11367 0,'0'0'0,"-22"-22"0,22 1 15,0-21-15,0 0 0,0 20 16,0 1-16,0 0 0,0 0 16,0 0-16,-21 21 15,21 21 1,0 0-16,-21 0 0,21 22 0,0-1 16,0 0-16,-21 1 0,21-1 0,-21 0 15,21 1-15,-21-1 0,21 0 16,0 1-16,0-1 0,0-21 0,-22 43 15,22-22-15,0-21 0,0 0 16,0 0-16,0 1 16,-21-22-1,0 0 1,0-22-16,21 1 16,0 0-16,-21 0 0,21 0 0,-21 0 15,21-22-15,0 22 16,0-21-16,0-1 0,0 22 0,0-21 15,0 0-15,21-1 0,0 1 0,0 0 16,0 20-16,0 1 0,1 0 16,-1 0-16,0 21 0,21 0 0,-21 0 15,22 21-15,-1 0 0,-21 0 0,22 22 16,-22-22-16,21 64 16,-21-43-16,0-21 0,-21 21 0,22 1 15,-22-22-15,0 21 0,0-21 16,0 22-16,0-22 0,0 0 15,0 0-15,0 0 0,0 1 0,0-1 16,0 0-16,21-42 31,0 21-31,0-21 16,-21-1-16,21-20 0,0 21 16,1 0-16,-1-22 0,0 1 0,0 21 15,21-21-15,-20-22 0,-1 22 0,0-1 16,21 1-16,-21 0 0,1-1 15,20 1-15,-21 21 0,0 0 16,0 0-16,1-1 0,-1 22 16,-21 22-16,21-1 0,-21 0 15,0 0-15,0 21 0,0 22 16,0-22-16,0 1 0,0-1 16,0 0-16,0 1 0,0-22 0,0 21 15,0 0-15,0-20 0,0-1 0,0 21 16,0-21-16,0 0 0,0 1 15,21-1-15,0 0 0,-21 0 0,43-21 16,-22 21-16,0-21 0,21 0 0,-21 0 16,22 0-16,-1 0 0,0 0 15,-20-21-15,20 21 0,0-21 16,1 0-16,-1 0 0,0-1 0,-21-20 16,22 21-16,-22 0 0,0-22 15,0 22-15,0-21 0,-21 21 0,0 0 16,0-1-16,0-20 0,0 21 15,-21 21-15,0 0 16,0 0-16,0 0 0,0 0 0,-1 21 16,1 0-16,0 0 0,0 22 0,0-22 15,0 0-15,-1 0 0,22 22 16,0-22-16,0 0 0,0 42 16,0-41-16,0-1 0,22 0 15,-22 0-15,21 0 0,0-21 16,0 21-16,21-21 0,-20 0 0,20 0 15,0 0-15,-21 0 0,22 0 16,-1 0-16,0-21 0,1 0 0,-1 0 16,0 0-16,-20 0 0,20-1 0,0-20 15,1-21-15,-1 20 16,-21 1-16,0 0 0,0-22 0,-21 22 16,0-1-16,22 1 0,-22-21 0,21 20 15,-21 1-15,0 0 0,0-1 16,0 22-16,0-21 0,0 21 0,0 42 31,0 0-15,0 21-16,0-21 0,-21 43 0,21-22 15,-22 1-15,1-1 0,21 0 0,-21 22 16,21-22-16,-21 0 0,21 1 16,0-1-16,0 0 0,0-20 0,0 20 15,0 0-15,0-21 0,21 43 16,0-43-16,0-21 0,1 21 15,-1-21-15,21 0 0,-21 0 0,22 0 16,-1 0-16,-21 0 0,21 0 0,-20-21 16,20 0-16,0 0 0,-21 0 15,22-1-15,-22-20 0,21 21 0,-21-21 16,1-1-16,-1 1 0,0 0 16,0-22-16,0 22 0,-21-1 15,21-105-15,-21 106 16,0 0-16,0 20 0,0 1 15,0 0-15,0 42 16,0 0-16,-21 1 0,0 20 16,21 0-16,-21 1 0,0-1 15,21 0-15,-21 1 0,-1-1 16,22 0-16,-21 1 0,21-1 0,-21-21 16,21 21-16,0-20 0,-21 20 15,21-21-15,-21 0 0,21 0 0,0 1 16,0-1-16,0 0 0,0-42 31,21 21-15,0-21-16,-21-1 0,21 1 0,0 0 15,1 0-15,-22 0 0,21 0 16,0-22-16,0 22 0,0 0 16,-21 0-16,21 21 0,-21 21 31,22 0-31,-22 0 0,0 0 15,0 1-15,0 20 0,0-21 16,0 0-16,0 0 0,0 1 0,0-1 16,21 0-16,-21 0 15,21 0-15,0-21 0,0 21 16,0-21-16,1 0 0,-1 0 16,0 0-16,0 0 0,0 0 0,0-21 15,1 0-15,-1 21 0,0-21 16,0 0-16,0 0 0,0-1 0,1 1 15,-1 0-15,-21 0 0,21-21 16,0 20-16,-21 1 0,0 0 0,21 0 16,0 0-16,-21 42 15,0 0 1,-21 0-16,21 0 16,-21 1-16,0-1 0,21 21 15,0-21-15,0 0 0,0 1 0,0-1 16,0 0-16,0 0 0,0 0 15,0 0-15,21-21 16,0 0-16,0 0 0,1 0 0,20 0 16,-21 0-16,0 0 0,0 0 15,1-21-15,-1 0 0,0 0 16,0 0-16,-21 0 0,0-1 16,0-20-16,0 21 0,0 0 15,0-22-15,0 22 0,0 0 16,0-21-16,-21 21 0,0-1 0,0 1 0,-1 21 15,1-21-15,21 42 32,43-21-17,-22 21-15,0-21 0,21 22 16,-21-22-16,22 0 0,-1 0 0,-21 21 16,22-21-16,-1 0 0,-21 0 0,21 0 15,-20 0-15,20 0 0,-21 0 16,0 0-16,0 0 0,1 0 0,-1 0 15,-42 0 17,-1 0-32,1 0 15,0 0-15,0 0 0,0 21 16,-22-21-16,22 21 0,0-21 16,0 21-16,0 0 0,0 1 0,-1-1 15,1 0-15,21 0 0,0 0 0,0 0 16,0 1-16,0-1 0,0 0 15,0 0-15,0 0 0,0 0 16,21-21-16,1 22 0,-1-22 0,0 0 16,0 0-16,21 0 15,-20 0-15,-1 0 0,0 0 16,0-22-16,0 1 0,0 0 0,1 21 16,-1-42-16,0 21 0,0-1 15,0-20-15,0 21 0,1-21 0,-1-1 16,0 1-16,0 0 0,0-1 15,-21 1-15,21-22 0,1 1 0,-1-43 16,21 21-16,-42 22 16,0 42-16,21-22 0,-21 22 15,21 0-15,-21 0 0,22 21 16,-22 21-16,0 0 16,0 22-16,-22-22 0,1 21 15,21 22-15,-21-22 0,0 0 16,0 1-16,0 20 0,-1-21 0,22 1 15,-21-1-15,0 22 0,0-43 16,-21 63-16,42-41 0,0-22 16,0 0-16,0 21 0,0-20 0,0-1 15,0 0-15,0 0 0,21 0 16,0-21-16,0 0 16,0 0-16,22 0 0,-22 0 0,0 0 15,21 0-15,-21 0 0,1-21 16,20 0-16,-21 21 0,0-21 0,0 0 15,1-1-15,-1 1 0,0 21 16,-21-21-16,0 0 0,0 0 16</inkml:trace>
+  <inkml:trace contextRef="#ctx0" brushRef="#br0" timeOffset="189252.05">19135 11430 0,'21'0'32,"0"0"-17,0 0-15,21 0 0,-20 0 0,20 0 16,-21-21-16,21 21 0,1 0 15,-1 0-15,-21 0 0,22-21 0,-22 21 16,0 0-16,0 0 0,0-21 0,0 21 16,1-22-16,-22 1 0,21 0 15,0 21-15</inkml:trace>
+  <inkml:trace contextRef="#ctx0" brushRef="#br0" timeOffset="190435.98">22564 10583 0,'0'0'16,"21"22"-16,0-22 15,-21 21-15,21-21 0,0 0 16,0 0-16,1 0 0,-1-21 16,0 21-16,-21-22 15,0 1-15,21 21 0,0-21 0,-21 0 16,0 0-16,0 0 0,0-22 0,0 22 16,0-21-16,0 21 0,-21-22 15,0 22-15,0 0 0,0-21 16,-1 20-16,1 1 0,-21 21 15,21-21-15,0 21 0,-22 0 0,22 0 16,-21 0-16,21 21 0,-22-21 0,22 21 16,-21 1-16,21 20 0,-1-21 15,-20 21-15,42-20 0,-21 20 0,21 0 16,-21-21-16,21 22 0,0-22 16,0 21-16,0-21 0,0 1 0,21-1 15,0 0-15,0 0 0,0-21 16,1 0-16,-1 21 0,21-21 0,-21 0 15,22 0-15,-22 0 0,63-21 16,-62 0-16,20 21 0,-21-21 16,21 0-16,-20-1 0,-1-20 15,0 21-15,0 0 0,0-22 0,0 22 16,-21-42-16,0 42 0,0-1 16,0 1-16,-21 21 31,0 0-31,0 21 0,0 1 15,0 41-15,-1-42 16,22 0-16,0 22 0,0-22 16,0 0-16,0 0 0,0 0 15,0 1-15,0 20 0,22-42 0,-1 21 0,0 0 16,0-21-16,0 21 0,22-21 16,-22 0-16,0 0 0,21 0 15,-21 0-15,22 0 0,-22 0 0,21-21 16,-21 0-16,22 21 0,-22-42 15,0 21-15,0-1 0,0-20 0,1 0 16,-1-1-16,-21 1 0,21 0 0,-21-1 16,0 1-16,0 0 0,0-1 15,0-20-15,0 21 0,-21-1 0,0 1 16,-1-22-16,-20 22 0,21 0 16,-21-1-16,-1 1 0,1 21 15,-22-21-15,22 20 0,-21 1 0,-1 0 16,-63 0-16,42 21 15,22 0-15,-22 21 0,22 0 0,-22 22 16,22-22-16,-22 21 0,21 22 0,1-22 16,-1 0-16,1 22 0,-1-1 15,22 1-15,0-22 0,21 22 16,-1-1-16,22 1 0,0-1 0,0 1 0,22-22 16,-1 21-16,21 1 0,0-22 15,-20 1-15,41-1 0,-21 0 16,1 1-16,20-22 0,1 21 0,-22-21 15,22 0-15,-1 1 0,1-22 16,-1 21-16,1-21 0,-22 0 0,21 0 16,-20 0-16,20 0 0,-20 0 0,-1 0 15,-21-21-15,21 21 0,-20-22 16,41-20-16,-42 21 0,0 0 16,-21 0-16,22-1 0,-1 1 0,0-21 15,0 21-15,0 0 0</inkml:trace>
+  <inkml:trace contextRef="#ctx0" brushRef="#br0" timeOffset="190771.79">23601 9864 0,'0'0'16,"0"-21"-16,0-1 31,21 22-31,21 0 0,-21 0 16,22 0-16,20 0 0,-20 0 0,20-21 16,-21 21-16,22 0 0,-1 0 15,1 0-15,-22 0 0,1 0 16,-1 0-16,0 0 0,1 0 0,-22 0 15,0 0-15,-21 21 16,-21 1 0,-22-22-16,22 0 0,-21 0 15,0 21-15,20-21 0,-20 0 0,0 0 16,-1 0-16,22 21 0</inkml:trace>
+  <inkml:trace contextRef="#ctx0" brushRef="#br0" timeOffset="191059.62">23918 9885 0,'0'21'16,"0"0"-16,0 0 15,0 1-15,-21-1 0,21 0 16,-42 42-16,42-20 0,-21-22 16,-1 21-16,1 1 0,0 20 15,21-21-15,-21 1 0,21-1 0,-21 0 16,21 1-16,0-1 0,-21 0 0,21 1 15,0-22-15,0 0 0,0 21 16,0-20-16,0-1 0,0 0 16,0 0-16,21-21 31,0 0-15,0-21-16,0 0 0,0 21 0,-21-43 15,22 22-15,-1 0 0,21 0 16</inkml:trace>
+  <inkml:trace contextRef="#ctx0" brushRef="#br0" timeOffset="192172.69">24130 10520 0,'0'21'0,"42"-21"16,-21 0-16,1 0 16,-1 0-16,0 0 15,0 0-15,0 0 0,0 0 16,1 0-16,-1-21 0,0 0 15,0 0-15,0-1 0,0 1 16,-21 0-16,22-21 0,-22 21 0,21-1 16,-21-20-16,0 21 0,0 0 15,0 0-15,0-22 0,0 22 16,0 0-16,-21 21 16,-1 0-16,1 0 0,21 21 15,-21 0-15,0 0 0,21 1 16,-21-1-16,0 0 0,-1 21 15,22-21-15,0 22 0,-21-1 0,0-21 0,21 22 16,0-22-16,0 21 0,0-21 16,0 0-16,0 22 0,0-22 15,0 0-15,0 0 0,0 0 0,0 1 16,21-22-16,0 0 0,1 0 16,-1 21-16,0-21 0,21 0 15,-21 0-15,1 0 0,20-21 0,0 21 16,-21-22-16,22 1 0,-1 0 15,0 0-15,1 0 0,-22-22 0,21 22 16,1-21-16,-22 0 0,21-1 16,-21 1-16,0 0 0,-21 20 15,0-20-15,0 21 0,0 0 0,0 0 16,-21 21 0,0 21-16,21 0 15,0 0-15,-21 0 0,21 22 0,0-22 16,0 0-16,0 21 0,0-21 15,0 22-15,21-22 0,-21 0 0,21 21 16,-21-20-16,21-1 0,-21 0 0,22-21 16,-1 21-16,-21 0 0,0 0 15,-21-21 17,-1-21-32,1 21 15,0-21-15,0 0 0,0 21 16,0 0-16,21-21 15,0 42 1,0 0 0,21 0-1,0-21-15,0 0 0,0 21 16,0-21-16,1 0 0,-1 0 0,0 0 0,0 0 16,21 0-16,-20 0 15,20 0-15,-21 0 0,21 0 0,-20 0 0,20 0 16,-21-21-16,0 0 0,22 0 15,-22 0-15,0 0 0,0-22 16,0 1-16,22 0 0,-22-1 0,0 1 16,0-22-16,0 22 0,0-21 0,1 20 15,-22-20-15,21-1 0,-21 22 16,21-22-16,-21 22 0,0 0 0,0-1 16,0 1-16,0 21 0,0 0 15,0 0-15,-21 21 0,0 0 16,-1 21-16,1 0 0,21 0 0,-21 21 15,0-20-15,0 20 0,21 0 16,0 1-16,0-1 0,-21 0 0,21 1 16,0-1-16,0 21 0,0-20 15,0-1-15,0 0 0,0 1 16,0-1-16,0 0 0,0 1 0,0-1 16,0-21-16,0 22 0,0-22 15,0 0-15,21 0 0,0 21 16,-21-20-16,21-22 0,0 0 15,0 0-15,1 0 0,-1 0 16,0 0-16,0 0 0,0 0 16,22-22-16,-22 22 0,0-21 0,0 0 15,0 21-15,-21-21 0,21 0 16,-21 0-16,22 21 0,-22-22 0,0 1 16,0 0-16,0 0 0,0 0 15,0 0-15</inkml:trace>
+  <inkml:trace contextRef="#ctx0" brushRef="#br0" timeOffset="192506.78">25442 10160 0,'0'0'0,"-21"0"16,21-21-16,21 21 15,-21-21-15,21 21 0,1 0 16,20-21-16,-21 21 0,0-22 16,22 22-16,-22 0 0,21 0 0,0 0 15,-20-21-15,20 21 0,-21 0 0,21 0 16,-20 0-16,20 0 0,-21 0 16,0 0-16,0 0 0,-42 0 62,0 0-46,0 0-16,0 21 0,0-21 15,-1 0-15,1 22 0,0-1 0</inkml:trace>
+  <inkml:trace contextRef="#ctx0" brushRef="#br0" timeOffset="193119.48">23622 11240 0,'-21'0'15,"42"0"-15,-63 0 0,20 0 16,1 0-16,0 0 16,0 0-16,0 0 0,0 0 15,-1 0-15,22 21 16,22-21 15,20 0-31,0 21 0,1-21 16,20 0-16,1 0 0,20 21 0,1-21 15,0 21-15,-1-21 0,1 21 16,0-21-16,-1 22 0,1-22 0,0 0 16,-1 21-16,1-21 0,-22 0 0,1 21 15,-1-21-15,1 0 16,-22 0-16,1 0 0,-1 0 0,-21 0 16,0 0-16,-42 0 31,0 0-31,0-21 15,-22 21-15,22 0 0,-21-21 16,-22 21-16,22-22 0,-21 22 0,20-21 16,-20 0-16,-1 21 0</inkml:trace>
+  <inkml:trace contextRef="#ctx0" brushRef="#br0" timeOffset="193455.03">23474 11324 0,'-21'21'15,"42"-42"-15,-64 42 0,22-21 0,0 22 16,42-1 0,0-21-16,22 0 15,-1 0-15,0 0 0,22 0 0,-1 0 16,22 0-16,-21 0 0,20 0 16,1 0-16,0 0 0,-1 0 0,-20 0 15,20 0-15,1 0 0,-21 0 0,-1 0 16,22 0-16,-22 0 15,-20 0-15,20 0 0,-21 0 0,1 0 16,-1 0-16,0 0 0,-20 0 0,-1 0 16,0 0-16,0 0 0,0 0 31,-21 21-15,0 0-1,-21-21 16</inkml:trace>
+</inkml:ink>
+</file>
+
+<file path=ppt/ink/ink13.xml><?xml version="1.0" encoding="utf-8"?>
+<inkml:ink xmlns:inkml="http://www.w3.org/2003/InkML">
+  <inkml:definitions>
+    <inkml:context xml:id="ctx0">
+      <inkml:inkSource xml:id="inkSrc0">
+        <inkml:traceFormat>
+          <inkml:channel name="X" type="integer" max="1600" units="cm"/>
+          <inkml:channel name="Y" type="integer" max="900" units="cm"/>
+          <inkml:channel name="T" type="integer" max="2.14748E9" units="dev"/>
+        </inkml:traceFormat>
+        <inkml:channelProperties>
+          <inkml:channelProperty channel="X" name="resolution" value="51.77993" units="1/cm"/>
+          <inkml:channelProperty channel="Y" name="resolution" value="51.72414" units="1/cm"/>
+          <inkml:channelProperty channel="T" name="resolution" value="1" units="1/dev"/>
+        </inkml:channelProperties>
+      </inkml:inkSource>
+      <inkml:timestamp xml:id="ts0" timeString="2021-02-03T14:22:00.070"/>
+    </inkml:context>
+    <inkml:brush xml:id="br0">
+      <inkml:brushProperty name="width" value="0.05292" units="cm"/>
+      <inkml:brushProperty name="height" value="0.05292" units="cm"/>
+      <inkml:brushProperty name="color" value="#FF0000"/>
+    </inkml:brush>
+  </inkml:definitions>
+  <inkml:trace contextRef="#ctx0" brushRef="#br0">3069 635 0,'0'0'0,"0"-21"0,0 0 0,0 0 0,0-1 15,21 1-15,-21 0 0,0 0 16,0 0-16,0 0 0,0-1 16,0 1-16,0 0 15,0 42 17,0 0-32,-21 1 0,21-1 15,0 21-15,-21 0 0,21 1 16,0 20-16,0 1 0,-21-1 0,21 22 15,-21-22-15,21 22 0,-22 0 16,22-22-16,-21 22 0,21 0 0,-21-1 16,21-20-16,0 20 0,-21 1 15,21-21-15,0-1 0,0 1 0,-21-22 16,21 21-16,0-20 16,0-1-16,0-21 0,0 22 0,0-22 15,0 0-15,0 0 16,0-42-1,0 0 1,0 0-16,0-1 0,0-20 0,0 0 16,0-1-16,0 1 0,0 0 15,0-22-15</inkml:trace>
+  <inkml:trace contextRef="#ctx0" brushRef="#br0" timeOffset="419.76">2815 868 0,'-21'-21'0,"42"42"0,-63-85 15,21 43-15,-1 0 0,1 0 16,0 0-16,0 0 0,21-1 0,0 1 16,0 0-16,0-21 15,0 21-15,0-1 0,21 1 0,21 0 16,-20 0-16,20 0 0,0-22 0,1 22 15,-1 21-15,21-21 0,1 0 16,-1 21-16,1 0 0,21 0 0,-22 0 16,22 21-16,-22 0 15,-20 0-15,20 1 0,-21 20 0,-20 0 16,-1 1-16,-21-1 0,0 21 16,0-20-16,-21 20 0,-1 1 15,-20-1-15,0-20 0,-22 20 0,22-21 16,-22 22-16,1-22 0,21-21 15,-22 22-15,22-1 0,-1-21 0,1 0 16,21 1-16,-21-1 16,20-21-16,22 21 0,-21-21 0,42 0 47,1-21-47,-1 21 15,0-21-15</inkml:trace>
+  <inkml:trace contextRef="#ctx0" brushRef="#br0" timeOffset="3187.19">4000 1842 0,'0'0'0,"0"-22"0,0 1 0,22 0 16,-1 0-16,-21-21 0,21 20 16,-21-20-16,0 0 0,21-1 0,-21 1 15,0 0-15,0-1 0,0 1 16,0 0-16,0-1 0,-21 1 16,21 21-16,-21 0 0,0 0 15,-1-1-15,1 22 0,-21 0 0,21 0 0,0 0 16,-22 22-16,1-1 0,0 21 15,20-21-15,-20 22 0,0-1 16,-1 21-16,1-20 0,0 20 0,21-20 16,-22 20-16,22 1 0,0-22 15,0 21-15,21-20 0,0-1 16,0 0-16,0-20 0,0-1 16,21 0-16,0 0 0,0 0 0,0-21 15,1 0-15,20 0 0,0 0 16,-21 0-16,22-21 0,-1 0 0,0 0 15,1 0-15,-1-22 0,0 22 16,-20-21-16,20-1 0,-21 1 16,0 0-16,22-1 0,-22 1 0,-21 0 15,21-1-15,0 22 0,-21-21 0,0 21 16,0 0-16,0-1 0,0 1 16,0 0-16,0 42 46,0 0-46,-21 1 0,21-1 16,-21 21-16,21-21 0,0 22 0,0-1 16,0 0-16,-21 1 0,21-1 15,0-21-15,0 21 0,0-20 0,0 20 16,0-21-16,0 0 0,21 0 16,-21 1-16,21-1 0,0-21 15,0 0-15,0 0 0,1 0 0,-1 0 16,21 0-16,-21-21 0,22-1 15,-22 1-15,21 0 0,0-21 0,1 21 16,-1-22-16,0 1 0,-20-22 16,20 22-16,-21 0 0,0-1 15,0 22-15,-21-21 0,0 21 0,0 0 16,0-1-16,0 1 0,0 0 16,-21 21-16,0 0 0,0 0 0,0 0 15,0 0-15,-1 0 0,1 0 16,0 21-16,21 0 0,0 1 0,0-1 15,0 0-15,0 0 16,21 0-16,0 22 0,1-22 0,-1 0 16,0 21-16,0-21 15,0 22-15,0-22 0,1 0 0,-1 0 16,0 22-16,0-22 0,-21 0 0,21 0 16,-21 0-16,21-21 0,1 21 15,-22 1-15,21-22 0,0 21 16,0-21-16,0 0 15,0 0-15,1 0 0,-1-21 0,0-1 16,-21 1-16,21 0 0,0 0 16,0-21-16,1 20 0,41-83 15,-42 62-15,0 1 0,22 0 16,-22-1-16,0 22 0,21-21 16,-20 21-16,20-1 0,-21 1 15,0 0-15,22 21 0,-22 0 0,0 0 16,0 0-16,0 21 15,-21 0-15,0 1 0,0-1 0,21 0 16,-21 0-16,0 0 0,0 0 16,22 22-16,-22-22 0,0 0 0,0 0 15,0 0-15,0 1 0,21-1 16,0-21 0,-21-21 15,21-1-31,-21 1 0,0 0 15,21 0-15,-21 0 0,0 0 16,0-1-16,0 1 0,0 0 0,-21 0 16,0 0-16,0 0 0,0 21 15,-1 0-15,1 0 0,0 0 0,0 0 16,0 0-16,-22 0 0,22 0 16,-21 21-16,21 0 0,-22 0 0,22 21 15,-21-20-15,21 20 0,-22 0 16,22-21-16,0 22 0,0-1 0,21 0 15,0 1-15,-21-22 0,21 21 0,0-21 16,0 1-16,0-1 16,0 0-16,21 0 0,0 0 0,0-21 15,0 0-15,22 0 0,-22 0 16,21 0-16,-21 0 0,22-21 0,-22 0 16,21 21-16,1-42 0,-22 20 15,0 1-15,21-21 0,-21 21 0,1-22 16,-1 1-16,-21 0 0,21 21 15,-21-22-15,21 1 0,-21 0 0,0 20 16,0-20-16,0 21 0,0 0 16,0 0-16,-21 21 15,0 21 1,21 0-16,0 0 0,-21 21 16,-1-20-16,22 20 0,-21 0 15,21 1-15,0-22 0,0 21 16,0 0-16,0-20 0,0 20 0,0-21 15,0 0-15,0 0 0,21 1 16,1-1-16,-1-21 0,0 21 0,0-21 16,0 0-16,0 0 0,1 0 15,20 0-15,-21 0 0,21-21 0,-20 21 16,20-21-16,-21-1 0,21-20 16,-20 21-16,-1-21 0,21-1 0,-21 1 15,0 0-15,1-22 0,-1 22 0,0-22 16,0 22-16,0-22 0,0 1 15,-21-1-15,22-41 16,-22 62-16,0-20 0,0 20 16,0 1-16,0 0 0,0-1 0,0 22 15,0 0-15,0 0 0,0 0 16,-22 21-16,1 0 16,21 21-16,0 0 0,0 0 0,-21 22 15,21-1-15,0 0 0,-21 1 16,21 20-16,0 1 0,0-1 0,0-21 15,-21 22-15,21-1 0,0 1 0,0-1 16,0-20-16,0 20 0,0-20 16,0 20-16,0-21 0,0 1 15,0-22-15,21 21 0,0-21 16,0 1-16,-21-1 0,21 0 0,1 0 16,20-21-16,-21 0 0,0 0 15,0 0-15,22 0 0,-1-21 0,-21 0 16,22 0-16,20-22 0,-21 1 15,-20 0-15,20-1 0,-21 1 16,21-22-16,-20 22 0,-1-21 0,0-1 16,0 1-16,0-1 0,0-21 15,1 22-15,-1-1 0,0 1 16,-21-1-16,0 22 0,0-21 16,21 20-16,-21 22 0,0-21 0,0 21 15,0-1-15,-21 44 16,21 20-1,-21 0-15,0 1 16,-1-1-16,22 21 0,0-20 0,0 20 16,-21 1-16,21-1 0,-21-20 15,21 84-15,-21-85 0,21 21 16,0-20-16,0-1 0,0 0 16,0 1-16,0-1 0,0-21 0,0 22 15,0-22-15,21 0 0,0-21 16,0 21-16,1-21 0,-1 21 0,0-21 15,21 0-15,-21 0 0,1 0 16,20-21-16,0-21 16,1 21-16,-22-1 0,0 1 0,21 0 15,-21-21-15,1-1 0,-1 22 16,0-21-16,0 0 0,-21 20 0,0-20 16,0 21-16,0 0 0,0 0 15,0-1-15,0 1 0,-21 21 31,0 0-31,21 21 0,-21 1 16,-1-1-16,1 0 0,21 21 16,0-21-16,0 22 0,-21-22 0,21 21 15,0 1-15,0-22 0,0 21 16,0-21-16,0 0 0,0 22 16,0-22-16,0 0 0,21 0 0,0 0 15,1-21-15,-1 22 0,0-22 16,0 0-16,0 0 0,0 0 0,1 0 15,20 0-15,-21 0 0,21 0 0,-20-22 16,20 1-16,0-21 16,-21 21-16,22-22 0,-22 1 0,21 0 15,-21-22-15,22 22 0,-22-22 16,0 1-16,0 21 0,0-22 0,1-21 16,-1 22-16,0-1 0,21-63 15,-42 64-15,0 21 0,21-1 16,-21 1-16,0 0 0,0 20 15,0 1-15,-21 64 32,0-22-32,21 21 0,-21 22 0,0-22 15,21 21-15,-21 1 0,-1-1 16,1 1-16,0-1 0,21 1 0,-21-1 16,0-20-16,21 20 0,-21 1 0,21-22 15,0 0-15,0 22 0,0-22 16,0-21-16,0 22 0,0-22 0,21 0 15,0 0-15,-21 0 0,21 1 16,0-22-16,0 0 0,1 0 16,-1 0-16,21 0 0,0 0 15,-20 0-15,-1 0 0,0 0 16,0-22-16,0 1 0,0 21 0,-21-21 16,0 0-16,0-21 0,22 20 15,-22 1-15,21 0 0,-21-21 0,0 21 16</inkml:trace>
+  <inkml:trace contextRef="#ctx0" brushRef="#br0" timeOffset="6860.55">9059 1905 0,'0'21'15,"0"0"1,21-21 31,1-21-47,-1 21 0,0-21 0,0 0 15,0 0-15,22 0 16,-22-22-16,0 22 0,42-64 16,-41 64-16,-1-21 0,0 0 15,0-1-15,0 22 0,-21-21 0,0-1 16,0 22-16,0 0 0,0 0 16,0 0-16,-21 21 15,0 0-15,0 0 0,0 0 16,-1 42-16,1-21 0,0 0 15,0 22-15,0-1 0,21 0 0,-21 22 16,21-22-16,-22 1 0,22-1 16,0 0-16,0 1 0,0-1 15,0-21-15,22 0 0,-1 0 16,0 1-16,0-1 0,0 0 0,0-21 16,1 0-16,-1 0 0,21 0 15,-21 0-15,0 0 0,1 0 0,-1-21 16,21 21-16,-21-21 0,0-1 0,1 1 15,-1 0-15,0 0 0,0-21 16,0 20-16,0-20 0,1 0 0,20-1 16,-21 22-16,0-21 0,22 21 15,-22-22-15,21 22 0,-21 0 0,22 0 16,-22 0-16,21 0 16,-21 21-16,22 0 0,-22 0 0,0 0 15,0 0-15,0 0 0,-21 21 16,0 0-16,0 21 0,0-21 15,0 22-15,0-22 0,0 21 0,-21 1 16,0-1-16,0 0 0,0-21 16,-1 22-16,1-1 0,0-21 0,21 0 15,-21 1-15,21-1 0,-21 0 16,21 0-16,21-42 31,0 21-15,0-21-16,0-22 0,1 22 0,20 0 0,-21-21 15,21-1-15,-20 1 0,-1 0 16,21-1-16,-21 1 0,22 21 16,-22-21-16,0-1 0,0 22 15,0-21-15,-21 21 0,0-1 16,0 1-16,-21 21 31,0 0-31,0 21 0,0 1 0,-1-1 16,1 0-16,0 21 0,0-21 15,0 22-15,21-1 0,-21 0 0,-1-20 16,22 20-16,-21 0 0,21-21 16,0 22-16,0-22 0,0 0 0,0 0 15,0 0-15,0 1 16,21-1-16,1-21 0,-1 0 0,0 21 16,0-21-16,0 0 0,22 0 0,-1 0 15,0 0-15,1-21 0,-1 0 16,0-1-16,1 22 0,-22-21 0,21-21 15,0 21-15,-20 0 0,20-1 16,-21-20-16,0 21 0,-21-21 16,0-1-16,21 22 0,-21-21 0,0 21 15,0-22-15,0 22 0,0 0 16,-21 21-16,21-21 0,-21 21 0,0 0 0,0 0 16,0 0-16,-1 21 15,1 0-15,0 0 0,0 22 16,21-1-16,-21-21 0,21 21 15,-21 1-15,21-1 0,0-21 0,0 22 16,0-22-16,0 0 0,0 21 16,21-21-16,0-21 0,0 22 0,0-1 15,0-21-15,22 0 0,-22 0 0,21 0 16,1 0-16,-1 0 0,0 0 16,-21 0-16,22-21 0,-1 21 15,-21-22-15,22 1 0,-22 0 0,0 0 16,21-21-16,-21 20 0,1-20 15,-1 0-15,0-1 0,0 22 0,0-21 16,0 21-16,-21-22 0,22 22 16,-1 21-16,-21-21 0,0 0 0,21 21 15,0 0 1,-21 21-16,0 0 16,21 0-16,-21 1 15,0-1-15,0 0 0,21-21 16,-21 21-16,0-42 47,0 0-32,0 0-15,0-1 0,0 1 16,0 0-16,0 0 16,0 0-16,0 0 0,-21 21 15,0 0-15,0 0 16,0 0-16,0 0 15,-1 21-15,1 0 0,0 0 16,0 0-16,0 0 0,0 1 16,21-1-16,-22 21 0,1 22 15,0-43-15,21 21 0,0 0 16,0-20-16,0 20 0,0-21 16,0 0-16,21 0 0,0 1 0,1-1 15,-1 0-15,0 0 0,0-21 16,21 0-16,-20 21 0,-1-21 0,42 0 15,-42 0-15,22 0 16,-22 0-16,0-21 0,21 0 0,-20 0 16,-1 0-16,0-1 0,0 1 0,0 0 15,22-21-15,-22 21 0,0-22 16,0 1-16,0 21 0,0-22 16,-21 1-16,22 21 0,-1-21 15,0 20-15,-21 1 0,0 0 0,21 21 16,-21-21-16,0 42 15,0 0-15,0 0 16,-21 1-16,21 20 0,-21-21 16,21 21-16,0-20 0,-21 20 15,21 0-15,-22-21 0,22 22 0,0-22 16,0 0-16,0 0 0,0 0 16,0 1-16,0-1 0,0 0 0,22-21 15,-1 0-15,-21 21 0,21-21 0,0 0 16,0 0-16,0 0 0,22-21 15,-22 21-15,21-21 0,-21 0 16,1-1-16,-1 1 16,0 0-16,-21-21 0,21 21 0,0-22 0,0 22 15,-21-21-15,0-1 0,22 1 16,-22 21-16,21 0 0,-21 0 16,0-1-16,0 1 0,0 42 31,-21 1-31,21-1 0,-22 21 15,22-21-15,0 22 0,0-22 16,0 21-16,0-21 0,0 22 16,0-22-16,0 0 0,0 0 0,0 0 0,22 0 15,-1 1-15,0-1 0,0-21 16,0 0-16,0 0 0,1 0 0,-1 0 16,0 0-16,21 0 0,-21 0 15,1-21-15,20-1 0,-21 1 16,0 0-16,22 0 0,-22-21 0,0-1 15,0 1-15,0-22 16,22 22-16,-22-21 0,0-1 0,0 1 0,0-1 16,0-84-16,1 84 15,-22-20-15,21 20 0,-21 1 0,0-1 16,0 1-16,0 20 0,0 1 16,0 0-16,0 21 0,0-1 0,0 1 15,0 42 1,-21 1-16,-1-1 15,22 21-15,-21 0 0,21 22 16,-21-1-16,0 1 0,0-1 16,21 1-16,-21-1 0,-1 86 15,1-86-15,21 1 0,0-1 16,0 1-16,0-1 0,0-21 0,0 1 16,0-1-16,0 0 0,0 1 15,0-22-15,0 21 0,0-21 0,0 1 16,0-1-16,21-21 0,1 0 15,-1 0-15,0 0 16,0 0-16,0 0 0,22-21 0,-22-1 16,0 1-16,21 0 0,-21-21 15,1 21-15,20-22 0,-21 1 16,21 0-16,-20-1 0,-1 22 0,0-21 16,21-22-16,-42 43 15,21 0-15,-21 42 31,0 0-31,0 0 0,0 1 0,0 20 16,-21 0-16,21-21 0,-21 22 0,21-1 16,0-21-16,0 22 0,0-22 15,0 21-15,0-21 0,0 0 0,0 1 16,0-1-16,0 0 0,21-21 16,0 21-16,1-21 0,-1 0 15,0 0-15,0 0 0,0 0 0,0 0 16,1-21-16,-1 0 15,21 0-15,-21-1 0,0 1 0,1-21 16,20 21-16,-21-22 0,0 22 16,0-21-16,1 0 0,-1 20 15,-21 1-15,0 0 0,21 0 0,-21 0 0,0 42 32,0 0-17,-21 0-15,21 22 0,-21-22 16,21 0-16,0 21 0,-22-21 15,22 22-15,0-22 0,0 0 0,0 0 16,0 0-16,0 1 0,0-1 16,0 0-16,0 0 0,22 0 15,-1-21-15,0 0 0,0 0 0,0 0 16,0 0-16,1 0 0,-1 0 16,0 0-16,0 0 0,0-21 0,0 0 15,1 0-15,-1 0 0,-21-1 16,21 1-16,-21-21 0,0 21 0,0-22 15,0 22-15,0-21 0,0 21 0,-21 0 16,0-1-16,-1 1 16,1 0-16,0 0 0,0 21 0,-21 0 15,20 0-15,1 0 0,0 0 16,0 0-16,42 0 31,0 0-15,22-21-16,-22 21 0,21-21 0,0 21 15,1-22-15,-1 22 16,0 0-16,-20-21 0,20 21 0,0 0 0,-21 0 16,22 0-16,-22 0 0,21 0 15,-21 0-15,1 0 0,-1 0 0,0 21 16,0 1-16,-21-1 0,0 0 0,21 0 16,-21 0-16,0 0 15,0 22-15,0-22 0,0 0 0,0 0 16,0 22-16,0-22 0,0 0 15,-21 0-15,21 0 0,0 0 0,-21 1 16,0-1-16,21 0 0,-21 0 0,21 0 16,-22 0-16,1 1 15,21-1 1,-21-21 0,21-21 15,0-1-31,0 1 0,0 0 15,21 0-15,-21 0 0,21-22 16,1 22-16,-1-21 0,0 0 0,21-1 16,-21 1-16,43-43 15,-22 43-15,1 0 0,-22 20 0,21-20 16,0 21-16,22-21 0,-1 20 16,-41 22-16,-1 0 15,0 22-15,0-1 0,0 0 0,0 21 16,-21-21-16,0 22 0,0-1 15,0 0-15,0 1 0,0-1 16,-21 0-16,0 1 0,0-22 0,21 21 0,-21-21 16,0 1-16,-1 20 15,22-21-15,0 0 0,-21-21 0,21 21 0,-21 1 16,0-1 0,21-42 30,0-1-46,0 1 0,0 0 16,0 0-16,-21-21 0,21-1 0,-21 22 16</inkml:trace>
+  <inkml:trace contextRef="#ctx0" brushRef="#br0" timeOffset="7127">14499 910 0,'-21'0'15,"42"0"-15,-63 0 0,21 0 16,21-21-16,-22 21 94,1 0-94,0 0 0,0 0 15</inkml:trace>
+  <inkml:trace contextRef="#ctx0" brushRef="#br0" timeOffset="7386.98">12806 1270 0,'-21'0'0,"42"0"0,-64 0 0,43 21 0,22-21 32,20 0-32,-21 0 0,21 0 0,1-21 15,-1 21-15,0 0 0,1 0 16,20 0-16,-20-21 0,-22 21 0,21 0 15,0 0-15,-20 0 0,-1 0 0,0 0 16,-42 0 0,0 0-1,-22 0-15,1 0 0,0 0 16</inkml:trace>
+  <inkml:trace contextRef="#ctx0" brushRef="#br0" timeOffset="8299.49">3514 2667 0,'0'0'0,"-43"0"0,22 0 0,-21 0 0,21 0 15,-1 0-15,-20 0 0,21 0 16,-21 0-16,20 0 0,1 0 16,0 0-16,0 0 15,0 0-15,21 21 32,21-21-17,21 0-15,1 21 16,-1-21-16,21 0 0,1 0 0,21 0 15,-1 0-15,22 0 16,0 0-16,254 0 16,-212 0-16,21 0 0,-21 0 15,22 0-15,-1 0 0,22 0 16,-22 0-16,0 0 0,1 0 0,-1 0 16,-21 0-16,0 0 0,22 0 0,105 0 15,-21 0 1,-127 0-16,-21 0 0,-1-21 0,-20 21 15,0 0-15,-22 0 0,1 0 0,-1 0 16,-20 0-16,-1 0 0,0 0 16,-21 0-16,1 0 0,-1 0 15,0-21 1,0 0 0,0 21-1,0-21-15</inkml:trace>
+  <inkml:trace contextRef="#ctx0" brushRef="#br0" timeOffset="9084.06">9504 2540 0,'-43'0'0,"86"0"0,-128 0 15,64 0-15,-21 0 0,20 0 16,1 0-16,-21 0 0,21 0 0,0 0 16,-1 0-16,1 0 0,0 0 15,42 0 32,0 0-47,22 0 0,-1 0 0,0 0 16,22 0-16,-1 0 0,22 0 15,0 0-15,21 0 0,-1 0 0,22 0 16,0 0-16,0 21 0,0-21 16,22 0-16,20 0 0,-21 0 0,0 0 15,22 0-15,-1 0 0,-21 0 16,21 21-16,1-21 0,147 0 16,-147 0-16,-22 0 0,0 0 15,21 0-15,-21 0 0,1 0 16,-1 0-16,0 0 0,-21 22 0,0-22 15,0 0-15,-21 0 0,0 0 16,-1 0-16,1 0 0,-21 0 0,0 0 16,-22 0-16,1 0 0,-1 0 0,-21 0 15,1 0-15,-22 0 0,0 0 16,0 0-16,0 0 0,-21 21 31,-21 0-15,0-21-16,-21 0 15,21 21-15,-22-21 0</inkml:trace>
+  <inkml:trace contextRef="#ctx0" brushRef="#br0" timeOffset="13348.88">1016 4191 0,'0'0'0,"-21"0"0,21 21 0,0 0 16,-21 1-16,21-1 15,0-42 32,21-1-31,0 1-16,0 0 0,0-21 15,0-1-15,1 1 0,-1 0 0,0-1 16,0-20-16,21 21 0,-20-22 16,-1 22-16,0-22 0,-21 1 0,0 20 15,0 1-15,0 0 16,0-1-16,0 22 0,0 0 15,-21 0-15,0 21 0,-22 0 16,1 0-16,21 21 0,0 21 16,-22-20-16,22 20 0,0 0 15,0 1-15,0-1 0,-1 0 0,22 1 16,0-22-16,0 21 0,0 0 16,0-20-16,0 20 0,0-21 0,22 0 15,-1-21-15,0 21 0,42-21 16,-41 0-16,20 0 15,-21-21-15,21 0 0,1 21 0,-1-21 16,0 0-16,-20-22 0,20 22 16,0 0-16,-21 0 0,1-21 15,-1 20-15,0 1 0,0 0 16,-21 0-16,21 0 0,-21 0 16,0-1-16,0 44 31,0-1-31,0 0 15,0 0-15,-21 0 0,0 43 16,21-43-16,0 21 0,0 1 16,0-1-16,0-21 0,0 21 0,0 1 15,0-1-15,0-21 16,0 22-16,21-22 0,0 0 0,0 0 16,1 0-16,-1-21 0,42 0 15,-42 0 1,1 0-16,20 0 0,-21-21 0,0 21 15,0-42-15,22 21 0,-22-1 16,0-20-16,0 21 0,0-21 0,-21 20 16,22-20-16,-1-21 15,-21 41-15,0-20 0,0 21 16,0 0-16,0 0 0,0-1 16,0 44 15,0-1-16,0 0-15,0 0 0,0 0 0,0 0 16,0 1-16,0 20 0,0 0 16,0-21-16,0 22 0,0-22 0,0 21 15,0-21-15,0 22 0,0-22 16,21 0-16,0-21 0,0 21 16,22 0-16,-22-21 0,0 0 15,21 0-15,-21-21 0,22 0 16,-1 21-16,0-42 0,1 21 0,-1-1 15,-21-20-15,22 21 0,-1-21 16,-21 20-16,0-20 0,0 21 0,1-21 16,-22 20-16,0-20 0,0 21 15,21 0-15,-21 0 0,0-1 16,-21 22 0,21 22-1,-22-1 1,22 0-16,-21 21 0,21 1 15,0-22-15,0 21 0,0 0 16,0-20-16,0 20 0,0-21 0,0 0 16,0 22-16,0-22 0,21 0 15,1 0-15,-1-21 0,0 21 16,0-21-16,85 0 16,-64-21-16,-21 21 15,1-21-15,20 0 0,-21 0 16,0-1-16,0-20 0,1 21 0,-1 0 15,-21-22-15,0 22 0,21-42 16,-21 20-16,0 22 0,0 0 16,0 0-16,0 0 0,0 0 15,0 42 17,0 0-32,0 0 0,0 21 15,0-20-15,0-1 0,0 0 16,0 21-16,0-21 0,0 1 15,-21 20-15,21-21 0,0 0 16,0 0-16,0 1 0,0-1 0,0 0 16,0-42 31,0 0-47,0-1 0,0-20 15,0 21-15,0-21 0,0 20 16,0-20-16,0 21 0,21-21 0,0-1 15,-21 22-15,21-21 0,43-1 16,-43 22-16,21 0 0,1 0 16,-1 21-16,0 0 15,1 0-15,-1 0 0,0 0 0,-21 21 16,22 0-16,-22 0 0,0 1 16,0-1-16,-21 0 0,21 21 0,-21-21 15,0 22-15,0-22 0,0 21 16,0-21-16,0 1 0,0 20 0,0-21 15,0 0-15,0 0 0,22 1 16,-22-1-16,21 0 0,0-21 0,0 0 16,0 0-16,22 0 15,-22 0-15,0 0 0,0-21 0,21 21 16,-20-21-16,20-1 0,-21 1 0,0 0 16,0 0-16,22 0 0,-22-22 15,0 22-15,-21-21 0,21 21 0,-21-22 16,21 22-16,-21-21 0,0 21 15,0-22-15,0 22 0,0 0 0,0 0 16,0 0-16,-21 21 16,0 0-1,21 21-15,0 0 16,-21 21-16,21-20 0,-21-1 0,21 21 16,0-21-16,0 22 0,-21-22 15,21 21-15,-22 0 0,22-20 0,0-1 16,0 21-16,0-21 0,-21 0 15,21 1-15,0-1 0,0 0 16,0-42 15,0 0-15,0-1-16,21-20 0,-21 21 16,0 0-16,22-22 0,-1 22 0,0-21 15,-21 21-15,21-22 0,0 22 16,0 0-16,1 0 0,-1 0 0,-21 0 15,21-1-15,0 22 0,0 0 16,0 0-16,1 22 16,-22-1-16,21 0 0,-21 0 15,0 0-15,21 0 0,-21 1 16,0-1-16,0 21 0,0-21 0,21 0 16,-21 22-16,21-22 0,-21 0 15,21 0-15,1-21 0,-1 21 0,-21 1 16,21-22-16,0 0 0,0 0 15,0 0-15,22 0 0,-22 0 0,0 0 16,21 0-16,-20-22 0,-1 1 16,21 0-16,-21 0 0,22 0 15,-22 0-15,0-22 0,0 22 0,0-21 16,0 21-16,1-22 0,-22 22 16,0-21-16,21 21 0,0-22 0,-21 22 15,0 0-15,0 0 16,0 0-16,0 42 31,0 0-31,0 0 0,0 21 0,0-20 16,0 20-16,0-21 0,0 21 0,0-20 15,0 20-15,0-21 0,0 21 16,0-20-16,0-1 0,0 21 0,0-21 16,0 0-16,21 1 15,0-22-15,0 0 0,1 0 0,-1 0 16,0 0-16,0 0 0,0 0 15,22 0-15,-22 0 0,0-22 16,0 1-16,0 0 0,0 0 0,1-21 16,-1 20-16,-21 1 0,21-21 15,0 21-15,-21-22 0,21 22 0,-21-21 16,0 21-16,0-22 0,0 22 0,21 0 16,-21 0-16,0 0 0,22 42 46,-22 0-46,0 21 0,0-20 0,0-1 16,0 0-16,0 0 0,0 21 16,0-20-16,0-1 0,-22 0 0,22 0 15,0 21-15,-21-20 0,21-1 16,-21 0-16,0-21 0,21 21 16,0 0-16,-21-21 0,21 21 15,0-42 16,0 0-31,0 0 0,0 0 16,0 0-16,21-22 0,0 22 0,-21-21 16,21 21-16,0-22 0,22 1 0,-22 21 15,0-22-15,21 1 0,-20 21 16,20 0-16,0-22 0,-21 43 16,22-21-16,-1 21 0,0-21 15,1 21-15,-22 0 0,21 0 0,-21 21 16,1 0-16,-1 1 0,0-1 0,-21 0 15,0 0-15,0 21 0,0 1 16,0-1-16,0-21 0,0 0 16,0 22-16,0-22 0,0 0 15,0 0-15,0 0 0,21 1 0,0-22 16,0 21-16,22 0 0,-22-21 0,21 0 16,1 0-16,-1 0 0,0 0 15,22 0-15,-22 0 0,0 0 16,22 0-16,-22-21 0,1 0 15,20 21-15,-21-22 0,-20 1 0,20 0 16,21-42-16,-41 41 0,-1-20 16,0 0-16,-21-22 15,0 22-15,0 21 0,0-22 0,0 22 16,0-21-16,-21 21 0,0 21 16,-1-21-16,-20 21 0,21 0 0,-21 0 15,20 0-15,-20 21 0,0 0 16,-1 0-16,22 0 0,-21 22 0,0-22 15,20 21-15,-20 0 0,21 1 16,-21 20-16,42-20 16,0-22-16,0 21 0,0-21 0,0 0 15,0 1-15,0-1 0,21 0 16,0-21-16,42 0 0,-41 0 16,-1 0-16,0 0 0,21 0 0,-21-21 15,1 21-15,-1-21 0,0-1 16,0 1-16,0 0 0,0 0 0,-21-21 15,22 20-15,-22 1 0,21 0 16,-21-21-16,0-1 16,21 22-16,-21 0 0,21 0 0,-21 0 15,0 42 17,0 0-17,0 0-15,0 0 0,-21 43 16,0-43-16,0 21 0,21-20 15,-22 20-15,1 0 0,0 22 16,0-22-16,21 22 0,-21-1 16,21 1-16,-21-1 0,21 1 0,-22-1 15,22 1-15,0 20 0,0-20 0,0 190 16,0-191-16,0 22 16,0 0-16,0-1 0,0-20 15,0-1-15,0 22 0,22-22 16,-22 1-16,21-22 0,0 22 0,-21-22 15,21 0-15,-21-20 0,0 20 0,0-21 16,0 0-16,0 0 16,-21 1-16,0-22 0,0 0 15,-1 0-15,-20 0 0,21-22 0,-21 1 16,-1 0-16,22 0 0,-21 0 16,-1-22-16,1 1 0,-21-43 15,20 22-15,22-1 0,0 1 0,21-1 16,0-20-16,0-1 15,0 0-15,0 1 0,0-1 0,0 22 0,21-22 16,0 0-16,22 22 16,-1-64-16,0 63 0,1 1 15,-22-1-15,21 22 0,0 0 0,1-1 16,-1 1-16,0 0 0,22-22 16,-43 43-16,0 0 15,0 21-15,1-21 0,-1-1 16,-21 1-16,-21 21 15,-1-21-15,-20 21 0,21-21 16,-21 21-16</inkml:trace>
+  <inkml:trace contextRef="#ctx0" brushRef="#br0" timeOffset="13584.35">5038 3344 0,'-22'0'15,"44"0"48,-1 0-48,0 0-15</inkml:trace>
+  <inkml:trace contextRef="#ctx0" brushRef="#br0" timeOffset="15814.93">8001 4043 0,'0'0'0,"0"21"16,-21-21-16,0 0 0,21 21 16,-22-21-16,1 0 15,0 0-15,21-21 31,0 0-31,0 0 16,21 0-16,0-22 0,1 22 0,-1-21 16,21 21-16,-21-22 0,22 1 15,-22 0-15,21-22 0,-21 22 0,22-22 16,-1 22-16,-21-22 0,21 1 16,22-43-16,-43 64 15,-21 21-15,0-22 0,0 22 0,0 0 16,-21 21-1,-21 21-15,20 21 16,1-20-16,-21 20 0,21 0 16,0 1-16,-1-1 0,1 0 0,0 1 15,21-1-15,0 0 0,0 1 16,0-1-16,0 0 0,21-21 0,0 22 16,1-1-16,-1-21 0,0 22 15,0-22-15,0 21 0,0-21 0,-21 22 16,0-22-16,22 0 0,-22 0 15,0 0-15,0 0 0,0 1 16,-22-22-16,1 0 0,0 0 16,0 0-16,0 0 15,0 0-15,-1-22 0,-20 1 0,21 0 16,0 0-16,0 0 0,-1 0 16,1-1-16,0 1 0,0 0 0,21 0 15,-21 0-15,0 0 16,21 42-1,0 0-15,0 0 16,0 0-16,0 0 0,21 22 0,0-22 16,0 21-16,0-21 0,0 1 15,1-1-15,-1 0 0,21 0 0,0 0 16,-20 0-16,20-21 0,0 0 0,-21 0 16,22 0-16,-1 0 0,0 0 15,22 0-15,-22 0 0,1-21 16,-1 0-16,21 0 0,-20 0 0,-1 0 15,0-22-15,1 22 0,-22-21 16,21 21-16,-21-22 0,1 1 0,-1 21 16,-21-22-16,0 1 0,0 21 15,0-21-15,0 20 0,0-20 16,-21 21-16,-1 0 0,1 0 0,-21 21 0,21 0 16,0 0-16,-1 0 0,-20 0 15,21 21-15,-21 0 0,-1 0 0,22 21 16,-21-20-16,21 20 0,-1 0 15,1-21-15,0 22 0,0-1 16,21 0-16,0 1 0,0-22 16,0 21-16,0-21 0,0 1 0,21-1 15,0 0-15,0 0 0,1-21 0,20 0 16,0 0-16,-21 0 0,22 0 16,-1 0-16,-21-21 0,22 0 0,-1 21 15,-21-21-15,21-1 0,-20-20 16,-1 21-16,0 0 0,0-22 0,0 22 15,-21 0-15,21-21 0,-21 21 16,0-1-16,0-20 0,0 21 16,0 0-16,0 0 0,0 42 31,-21 0-31,21 0 16,0 0-16,0 0 0,-21 1 0,21 20 15,0-21-15,0 0 0,0 22 16,0-22-16,0 0 0,0 0 0,21 0 15,-21 0-15,21 1 0,1-22 16,-1 0-16,0 0 0,0 0 0,21 0 16,-20 0-16,-1 0 0,21-22 0,-21 22 15,22-21-15,-22 0 16,21 0-16,-21-21 0,0 20 0,1 1 16,-1-21-16,0 21 0,0-22 0,-21 22 15,21 0-15,-21 0 0,0 0 16,0 0-16,0 42 31,0 0-31,-21 0 0,21 21 16,-21-20-16,21-1 0,-21 21 15,21-21-15,0 22 0,0-22 0,0 0 16,0 21-16,0-21 0,0 1 16,0-1-16,0 0 0,0 0 15,-21-21-15,21-21 47,0 0-47,0 0 0,0-1 16,0 1-16,0 0 0,0-21 15,0-1-15,0 22 0,21-21 0,-21 21 16,21-22-16,0 1 0,0 21 16,0 0-16,22-22 0,20 1 15,-42 42-15,22 0 0,-1 0 16,0 0-16,1 0 0,-22 21 0,21-21 15,1 21-15,-22 22 0,21-22 0,-21 0 16,0 0-16,-21 22 0,0 20 16,0-42-16,0 0 15,0 1-15,0 20 0,0-21 0,-21 0 16,21 0-16,-21 1 16,0-22-16,21-22 31,0 1-16,0 0-15,0-21 0,0 21 0,21-1 16,0-20-16,0 21 0,1-21 16,-1-1-16,21-20 15,-21 42-15,22-22 0,-22 22 0,21 0 16,-21 0-16,22 21 0,-22 0 16,21 0-16,-21 0 0,22 0 0,-22 0 15,0 21-15,-21 0 0,0 0 16,0 22-16,0-22 0,0 0 0,0 21 15,0-21-15,0 22 0,0-1 16,0-21-16,0 22 0,-21-22 0,21 0 16,0 21-16,0-21 0,0 1 0,0-1 15,21 0-15,0 0 16,0-21-16,0 0 0,22 0 0,-22 0 16,21 0-16,1 0 0,-1 0 15,-21-21-15,21 0 0,1 0 0,-1-1 16,0 1-16,1 0 0,-22 0 15,21-21-15,-21 20 0,1 1 16,-1-21-16,0-64 16,-21 64-16,0 21 0,0-1 0,0-20 15,0 21-15,0 0 16,-21 21-16,0 0 0,-1 0 0,1 0 16,0 21-16,0 0 0,-21 0 15,20 22-15,1-22 0,-21 63 16,21-62-16,21 20 0,-21 21 15,21-20-15,0-22 0,0 21 16,21-21-16,0 1 0,0-1 0,21-21 16,-20 21-16,-1-21 0,0 0 15,21 0-15,-21 0 0,1 0 16,20 0-16,-21 0 0,0-21 0,0 21 16,1-21-16,-1-1 0,0 1 0,-21 0 15,0 0-15,21 0 0,-21 0 16,0-1-16,0 1 0</inkml:trace>
+  <inkml:trace contextRef="#ctx0" brushRef="#br0" timeOffset="19168.48">11874 4001 0,'-21'0'0,"21"21"0,0-42 219,21 21-203,1-22-16,-22 1 0,21 0 0,0 0 15,21-21-15,-21 20 0,1-20 16,20 21-16,0-21 0,1-1 15,-1-20-15,0 20 0,-21 1 16,22 0-16,-22-22 0,21 43 0,-21-21 16,-21 21-16,0-1 0,0 1 0,-21 21 31,-21 0-31,21 21 0,0 1 0,-22-1 16,22 21-16,-21-21 0,21 22 15,-1-1-15,22-21 0,0 43 16,0-22-16,0-21 0,0 21 15,22-20-15,-1 20 0,0-21 0,0 0 16,0 0-16,0 22 0,1-22 16,-1 0-16,-21 0 0,21 0 0,-21 1 15,0-1-15,0 0 16,-21-21 0,0 0-1,-1-21-15,1 0 0,0 21 16,0-22-16,21 1 0,-21 0 15,21 0-15,-21 21 0,21-21 0,-22 0 16,22 42 15,22 0-15,-1 0-16,-21 0 0,21 0 16,0 1-16,0-1 0,0 0 0,1-21 0,-22 21 15,42-21-15,0 21 16,-21-21-16,1 0 0,-1 0 15,21 0-15,-21 0 0,0 0 16,1 0-16,-1-21 0,0 0 0,0 21 16,0-21-16,0 0 0,1-1 0,-1-20 15,0 21-15,0-21 0,0 20 16,0-20-16,22 21 0,-22-21 16,0-1-16,0 22 0,0-21 0,1 21 15,-1-1-15,0 22 0,-21-21 0,21 21 16,-21 21-1,0 1-15,0-1 16,0 0-16,0 0 0,0 0 16,0 0-16,0 1 15,0-1-15,21-21 16,0 0 15,-21-21-31,0-1 16,0 1-16,0 0 15,0 0-15,0 0 0,0 0 0,0-1 16,0 1-16,-21 0 0,21 0 16,-21 21-1,0 0-15,0 0 0,0 0 16,21 21-16,-22 0 16,1 0-16,21 1 0,-21 20 0,0-21 15,0 21-15,0-20 0,21 20 16,-22-21-16,1 21 0,0 1 0,21-22 15,0 21-15,0-21 0,0 22 16,0-22-16,0 0 0,0 21 0,0-20 16,21-1-16,0-21 0,1 21 0,20-21 15,-21 0-15,21 0 0,1 0 16,-1 0-16,0-21 0,1 21 16,20-21-16,-20-22 0,-1 22 0,21 0 15,-20-21-15,-1 20 0,0-20 16,1 0-16,-22 21 0,21-22 0,-21 1 15,-21 21-15,22-22 0,-22 22 16,0 0-16,0 0 0,-22 21 16,1 0-1,0 0-15,0 21 0,0-21 16,21 21-16,-21 0 0,-1 1 0,22-1 16,0 0-16,0 0 0,0 0 15,0 0-15,0 1 0,0-1 16,0 0-16,0 0 0,0 0 15,22 0-15,-1 1 16,-21-1-16,0 0 0,0 0 0,21 0 16,0-21-16,-21 21 0,21 1 15,0-22-15,1 0 16,-1 0-16,0 0 0,0 0 0,0 0 16,0 0-16,1-22 0,-1 22 15,0-21-15,21 0 0,-21 0 0,1 0 16,20 0-16,-21-1 0,0-20 15,22 21-15,-22 0 0,-21-22 16,21 22-16,-21 0 0,21-21 0,-21 21 0,0-1 16,21 1-16,-21 0 15,0 0-15,-21 42 32,0 0-32,21 0 0,-21 1 0,0-1 15,21 21-15,0-21 0,0 0 0,-22 22 16,22-22-16,0 21 0,0-21 15,0 1-15,0-1 0,0 0 0,0 0 16,22 0-16,-1-21 0,0 0 0,21 21 16,-21-21-16,22 0 15,-22 0-15,21 0 0,-21-21 0,22 21 0,-22-21 16,21 0-16,-21 0 0,22 0 16,-22-1-16,0 1 0,0 0 15,0 0-15,-21-21 0,22 20 0,-22 1 16,21-21-16,-21 21 0,0 0 15,0-1-15,0 1 0,21 0 0,-21 0 16,0 42 15,0 0-31,0 0 0,-21 22 0,0-22 16,21 21-16,-22-21 0,22 22 16,-21-1-16,21 22 0,-21-22 0,0 21 15,21-20-15,-21 20 0,21 1 16,0-1-16,-21 1 0,21-1 0,-22 1 15,1-1-15,21 1 0,0-1 16,-21 1-16,0-1 0,0 1 0,0-1 16,21 1-16,-22-22 0,1 22 15,21-22-15,0 0 0,-21 1 0,21-22 16,-21 21-16,21-21 0,0 0 16,0-42-1,0 0 1,0 0-16,0 0 0,0 0 0,21-22 15,0 1-15,-21 0 0,21-22 16,1 1-16,-1-1 0,0 1 0,0-22 16,0 21-16,0-20 0,1-1 0,20 0 15,-21 1-15,0-22 16,43-63-16,-43 84 0,21 0 16,-21 22-16,1-1 0,-1 1 15,0-1-15,0 1 0,0 20 16,-21 1-16,21 21 0,-21 0 0,22 0 15,-22-1-15,21 22 0,0 0 16,0 22-16,0-1 0,0 21 16,-21-21-16,0 22 0,22-1 15,-22 0-15,0 1 0,0-22 16,0 21-16,0 0 0,0-20 0,-22-1 16,22 0-16,0 0 0,-21 0 15,0 0-15,0-21 0,0 0 16,0 0-1,-1-21-15,22 0 0,-21 21 16,21-21-16,0-21 0,0 20 0,-21 1 16,21 0-16,0 0 0,0 0 15,-21 0-15,21-1 16,0 44 0,0-1-16,0 0 15,0 0-15,0 0 0,0 0 16,0 1-16,0-1 0,21 0 15,0 0-15,-21 0 0,21-21 0,1 21 16,-1-21-16,21 0 16,-21 0-16,0 0 0,22 0 0,-1 0 15,0 0-15,1 0 0,-1-21 16,0 0-16,1 0 0,41-21 16,-41 20-16,-1-20 0,-21 0 0,22-1 15,-22 1-15,0 0 0,0-1 16,0 1-16,0-21 0,-21 20 15,0-20-15,0 20 0,0 1 0,0 0 16,0-1-16,0 22 0,0 0 16,0 0-16,0 0 0,-21 42 31,21 21-31,0-21 0,-21 22 0,21-1 16,-21 0-16,21 1 0,-21 20 15,21-20-15,0-1 0,0 0 0,0 1 16,0-1-16,0 0 0,0 1 15,0-1-15,0-21 0,21 21 0,0-20 16,0-1-16,-21 0 0,21 0 0,1 0 16,20 0-16,-21-21 0,0 0 15,22 0-15,20 0 0,-42 0 16,22 0-16,-1-21 16,-21 0-16,21 21 0,1-21 0,-22 0 0,21-22 15,-21 22-15,1 0 16,-1 0-16,0 0 0,-21-22 0,0 22 15,0 0-15,0 0 0,-21 21 16,0 0 0,-1 0-16,1 21 0,0 0 0,0-21 15,21 21-15,-21 1 0,21-1 16,0 0-16,0 0 0,0 0 0,21 0 16,0 1-16,0-1 0,-21 0 0,21 0 15,1 0-15,-22 0 0,0 1 16,0-1-16,0 0 0,0 0 15,0 0 1,-22-21-16,1 0 16,0 0-16,0 0 0,0 0 0,0 0 15,21-21-15,-22 0 16,1 21-16,21-21 0,-21 0 0,0-1 16,21 1-16,-21 0 0,0 0 0,-1 0 15</inkml:trace>
+  <inkml:trace contextRef="#ctx0" brushRef="#br0" timeOffset="19392.36">15261 3493 0,'0'0'0,"0"-22"0,21 1 16,0 21 0,22 0-16,-22-21 0,21 21 0,1-21 15,-1 21-15,0 0 0,1-21 0,-1 0 16,0 21-16,1-22 0,-22 22 15,21 0-15,0-21 0,-20 21 16,-1 0-16,-21-21 0,-21 0 16,-22 21-1,22 0-15,-21 0 0,-1 0 16</inkml:trace>
+  <inkml:trace contextRef="#ctx0" brushRef="#br0" timeOffset="19575.25">14414 3239 0,'0'0'0,"-42"0"0,21 0 16,0 0-16,0 0 0,-1 0 15,44 0 48,20-22-48</inkml:trace>
+  <inkml:trace contextRef="#ctx0" brushRef="#br0" timeOffset="20815.54">17653 3069 0,'21'-42'0,"-42"84"0,42-105 16,-21 42-16,21-1 0,-21-20 16,21 21-16,-21-43 0,0 43 15,0 0-15,0-21 0,0 21 16,0-1-16,-21 1 0,0 21 16,0 0-1,0 0-15,0 0 0,-22 21 0,-20 43 16,20-43-16,22 21 15,-21 22-15,0-22 0,-1 22 0,22-1 16,-21 1-16,-1 20 0,22-20 16,-21-1-16,21 22 0,0-21 0,21-1 15,0-21-15,0 22 0,0-22 0,0 1 16,21-22-16,0 21 0,21-21 16,1 0-16,-1 1 0,0-1 0,22-21 15,-1 0-15,-20 0 16,20 0-16,1 0 0,-22 0 0,21-21 0,-20-1 15,20 1-15,-20 0 0,20 0 16,-21-21-16,1 20 0,-1-20 16,0 0-16,-20-1 0,20 1 15,-21-21-15,0-1 0,-21 1 0,0-1 16,0 1-16,0-1 0,0 22 0,0-22 16,-21 1-16,0-1 0,0 22 15,0 0-15,-22-1 0,1 22 0,0 0 16,-1 0-16,1 0 0,0 21 15,-22 0-15,1 0 0,20 21 16,-20 0-16,-1 0 0,22 21 0,-22 1 16,22-1-16,0 0 0,-1 22 15,22-22-15,0 22 0,21-1 0,0 1 16,0-22-16,0 22 0,21-1 16,22-21-16,-22 1 0,21-1 15,0 0-15,1-20 0,20-1 0,1 21 16,-22-42-16,22 21 0,-1 0 0,1-21 15,-22 0-15,21 0 0,1 0 16,-1 0-16,1-21 0,-1 0 0,-20 0 16,20 0-16,-20 0 0,-1-1 15,0 1-15,1-21 0,-22 21 0,0 0 16,0-1-16,0 1 0,-21 0 0,21 0 16,-21 0-16,-21 42 31,0 0-16,21 0-15,-21 0 0,0 1 0,0-1 16,21 0-16,-22 21 0,1-21 16,21 1-16,-21-1 0,21 0 0,-21-21 15,0 21-15,21 0 0,0 0 0,-21 1 16,-1-22 0,22 21-16,0-42 31,0-1-16,0 1-15,0 0 0,0 0 16,22-21-16,-1 20 0,0-20 16,0 21-16,0-21 0,22-1 0,-22 22 15,21-21-15,0 21 0,1-1 16,-22 1-16,21 0 0,22 0 16,-22 21-16,-21 0 0,0 21 15,1 0-15,-1 0 0,0 22 0,-21-22 16,0 21-16,0-21 0,0 22 15,0-22-15,0 0 0,0 21 0,0-20 16,0-1-16,0 0 0,-21 0 16,21 0-16,-21 0 0,21 1 15,-22-22-15,22-22 47,0 1-47,0 0 16,0 0-16</inkml:trace>
+  <inkml:trace contextRef="#ctx0" brushRef="#br0" timeOffset="22947.75">19727 3450 0,'0'-21'15,"0"0"-15,0 0 16,0 0-16,21-1 16,-21 1-16,22-21 0,-1 21 15,21 0-15,-21-1 0,0 22 0,22-21 16,-22 0-16,0 21 0,21 0 16,-20 0-16,-1 0 0,21 0 0,-21 21 15,0 0-15,1 22 0,-1-22 16,0 21-16,-21 1 0,0-1 0,0 0 15,0 1-15,0-1 0,0 0 16,0 1-16,0-22 0,0 21 0,-21-21 16,21 22-16,-21-22 0,-1 0 15,1 0-15,0 0 0,0 0 16,0-21-16,21 22 0,-21-22 16,-1 0-16,22-22 15,0 1 1,0 0-16,0 0 0,0-21 15,22 20-15,-1 1 0,-21-21 16,21 0-16,0-1 0,21 1 0,-20 21 16,-1-22-16,21 1 0,-21 0 15,22 21-15,-1-1 0,0-20 0,1 42 16,-22-21-16,21 21 16,-21 0-16,22 0 0,-22 21 0,21-21 15,-21 42-15,-21-20 0,21-1 16,-21 21-16,0 0 0,0-20 0,0 20 15,0 0-15,0-21 0,0 22 0,0-22 16,-21 0-16,0 0 0,21 0 16,-21 1-16,0-1 0,21 0 0,-21-21 15,21 21-15,-22-21 16,22-21 0,0 0-1,0 0-15,22-1 16,-1 1-16,0-21 0,0 21 15,0-22-15,0 22 0,1-21 16,-1 0-16,0-1 0,21 22 0,-21-21 16,22 21-16,-22-22 0,21 22 15,-21 0-15,22 21 0,-22 0 0,0 0 16,0 0-16,0 0 0,1 21 16,-1 0-16,-21 0 0,21 22 0,-21-22 15,0 21-15,0-21 0,0 22 16,0-1-16,0-21 0,0 22 0,0-22 15,-21 0-15,21 0 0,0 0 0,0 0 16,0 1-16,0-1 16,0 0-16,21-21 0,0 21 0,0-21 15,0 0-15,1 0 0,-1 0 16,0 0-16,0 0 0,0-21 16,0 0-16,1 21 0,-1-21 0,0-1 15,0 1-15,0 0 0,0 0 16,1-21-16,-1-1 0,0 22 0,0-21 15,-21-1-15,0 1 0,0 0 16,0-1-16,0 1 0,0 21 0,0-21 16,0 20-16,0 44 31,-21-1-31,21 21 0,-21 0 16,0-20-16,21 20 0,0 0 0,0 1 15,-22-1-15,22 0 0,0 1 16,0-22-16,0 0 0,0 21 15,0-21-15,22 1 0,-1-22 0,0 21 16,0 0-16,0-21 0,0 0 0,1 0 16,-1 0-16,0 0 0,21 0 15,-21 0-15,1-21 0,-1 0 0,0 21 16,0-22-16,0 1 0,0 0 16,-21-21-16,22 21 0,-1-22 0,0 1 15,-21 21-15,0-22 0,21 1 16,-21 21-16,21-21 0,-21 20 0,0 1 15,0 0-15,0 42 32,0 0-32,-21 22 0,21-22 15,-21 21-15,0-21 0,21 22 16,0-1-16,0-21 0,0 43 16,0-43-16,0 21 0,0-21 15,0 1-15,21-1 0,0-21 0,0 21 16,0 0-16,1-21 0,-1 0 15,0 0-15,0 0 0,0 0 16,0-21-16,1 0 16,-1 21-16,-21-21 0,21-22 15,0 22-15,0-21 0,0 21 0,1-43 16,-1 22-16,0-1 0,0-20 16,0-1-16,0 1 0,1 21 0,20-22 15,0-42-15,-42 64 16,21 0-16,-21 20 0,0 1 0,0 0 15,0 0-15,-21 21 16,0 21-16,0 0 16,0 22-16,0-22 0,-1 21 0,-20 0 15,21 22-15,0-1 0,0-20 16,-1 20-16,22 1 0,0-1 16,-21-20-16,21-1 0,0 21 15,0-20-15,0-22 0,0 21 0,21-21 16,1 22-16,-1-22 0,0 0 0,0 0 15,0-21-15,22 21 0,-22-21 16,0 0-16,21 0 0,-21 0 0,22 0 16,-22 0-16,21-21 0,-21 0 15,1 0-15,20 0 0,-21 0 0,21-22 16,-20 22-16,-1-21 0,21-1 16,-21-20-16,0 21 0,22-22 15,-22 1-15,21-43 0,-21 42 0,1 22 16,-1 0-16,-21-1 15,0 1-15,0 21 0,0 0 0,0-1 16,0 44 0,-21 20-1,-1-21-15,1 0 0,21 22 16,-21-1-16,0 21 0,0-20 0,0 20 16,21-20-16,0 20 0,-22-21 15,22 1-15,0-1 0,0 0 0,0-20 16,0 20-16,0-21 0,0 0 15,0 0-15,22 1 0,-1-1 0,0-21 16,0 21-16,0-21 0,0 0 16,1 0-16,-1 0 15,0 0-15,0-21 0,21 0 0,-20-1 16,-1 22-16,0-42 0,0 21 16,-21 0-16,21 0 0,0-1 0,1 1 15,-22 0-15,0 0 0,0 42 31,0 0-31,0 0 16,0 1-16,0-1 0,-22 0 16,22 0-16,0 0 0,0 0 0,-21-21 15,21 22-15,0-1 0,21-21 63,1-21-63,-22-1 0,21 1 15</inkml:trace>
+  <inkml:trace contextRef="#ctx0" brushRef="#br0" timeOffset="23143.63">23410 3196 0,'0'0'15,"-21"0"-15,0 0 0,0 0 16,0 0-16,-1 0 31,22 21-31,-21-21 16,21 22-16,0-1 15,-21-21 1,0 0-16,0 21 0</inkml:trace>
+  <inkml:trace contextRef="#ctx0" brushRef="#br0" timeOffset="23318.86">22564 3471 0,'0'0'0,"0"22"15,21-22 17,0 0-32,21 0 0,1 0 0,-22 0 15,21 0-15,0 0 0,1 0 16,-1 0-16,22 0 0,-22 0 0</inkml:trace>
+  <inkml:trace contextRef="#ctx0" brushRef="#br0" timeOffset="23675.87">23431 3471 0,'0'-21'16,"0"42"-1,0 1 1,-21-1-16,21 21 16,-21-21-16,21 0 0,0 22 0,-21-22 15,0 21-15,0 1 0,-1-1 16,1 0-16,21 1 0,-42-1 0,21 21 16,0-20-16,-1 20 0,1-20 0,0 20 15,0 1-15,0-22 0,21 21 16,0-20-16,-21 20 0,21-20 15,-22-1-15,22 0 0,0 1 0,0-1 16,0 0-16,0-21 0,0 1 16,0-1-16,0 0 0,22 0 0,-1-21 15,0 0 1,0 0-16,-21-21 16,0 0-16,0 0 0,0-1 0,21 1 15,-21-21-15</inkml:trace>
+  <inkml:trace contextRef="#ctx0" brushRef="#br0" timeOffset="23978.7">23304 3641 0,'0'-21'0,"0"42"0,0-64 0,0 1 16,22 42-16,-1-21 0,0 0 15,-21 0-15,21 21 0,0 0 0,0 0 16,22 0-16,-22 0 0,0 0 15,21 0-15,-20 21 0,-1 0 0,0-21 16,0 42-16,-21-21 0,0 1 0,0-1 16,0 21-16,-21-21 0,0 0 15,0 22-15,-22-22 0,22 0 16,-21 0-16,21 0 0,-22 1 0,22-1 16,0-21-16,0 21 0,0-21 15,-1 21-15,44-42 31,-1 0-15,0 0-16,0-1 0</inkml:trace>
+  <inkml:trace contextRef="#ctx0" brushRef="#br0" timeOffset="24251.54">24024 3048 0,'0'0'0,"0"-42"15,-21 42 1,0 21 0,21 0-16,-21 0 0,-1 0 0,22 22 15,0-1-15,-21 0 0,0 1 16,0 20-16,21-20 0,0 20 16,-21-21-16,21 22 0,-21-22 0,21 1 0,-22-1 15,22-21-15,0 21 0,0-20 16,0-1-16,0 0 0,0 0 0,0 0 15,0 0 1,22-42 0,-1 21-1,0-21-15</inkml:trace>
+  <inkml:trace contextRef="#ctx0" brushRef="#br0" timeOffset="24599.34">23982 3662 0,'21'0'15,"0"0"1,0 0-16,0 0 16,1 0-16,-1 0 15,0 0-15,0-21 0,0 21 16,0-21-16,-21-1 16,22 1-16,-22 0 0,0 0 15,0 0 1,-22 21-16,1 0 0,0 0 0,0 0 15,0 0-15,0 21 0,-22 0 0,22 0 16,0 0-16,0 22 0,-22-22 16,22 0-16,0 21 0,21-20 0,0-1 15,0 21-15,0-21 0,0 0 16,0 1-16,21-1 0,-21 0 0,21 0 16,22-21-16,-22 21 0,0-21 15,0 0-15,0 0 0,22 0 16,-22 0-16,0 0 0,0 0 0,0 0 0,1 0 15,-1-21-15,-21 0 16,0 0-16</inkml:trace>
+  <inkml:trace contextRef="#ctx0" brushRef="#br0" timeOffset="25951.79">1884 4763 0,'0'0'0,"0"-43"15,0 22-15,0 0 0,0 0 16,0 0-16,0-1 0,0 1 0,0 0 16,-21 42 15,21 0-31,-22 1 0,22 20 0,0 0 16,0 22-16,0-1 0,0 1 15,-21-1-15,21 22 0,-21-22 0,21 1 16,-21-1-16,21 1 15,-21-1-15,0 1 0,-1-22 0,22 22 16,-21-22-16,0 0 0,0 1 16,21-1-16,0-21 0,0 22 0,-21-22 15,21 0-15,0-42 32,0 0-32,0-1 0,0-20 15,0 21-15,21-21 0,-21 20 16,0-20-16,21 0 0,0-1 0,0 1 15,1 0-15,-1 21 0,0-22 16,0 22-16,0-21 0,0 21 16,22-1-16,-1 22 0,-21 0 15,22 0-15,-1 0 0,-21 0 0,21 0 16,1 22-16,-22-22 0,21 42 16,-21-21-16,1 0 0,-22 0 0,0 1 15,0 20-15,0-21 0,0 21 16,-22-20-16,1-1 0,0 21 0,-21-21 15,21 0-15,-22 22 0,1-22 16,-22 21-16,22-42 16,21 21-16,-21 1 0,20-22 15,1 0-15,-21 21 0,21-21 16,0 0-16,42-21 47,0-1-47,0 1 0,0 21 15,0-21-15</inkml:trace>
+  <inkml:trace contextRef="#ctx0" brushRef="#br0" timeOffset="26351.57">2349 5355 0,'0'-21'15,"0"42"-15,22-42 0,-1 0 0,0 0 0,21 0 16,1-1-16,-22 1 0,0 21 15,21 0-15,-21 0 0,22 0 16,-22 0-16,0 21 0,21 1 16,-20-1-16,-1 0 0,0 21 0,0-21 15,-21 22-15,0-1 0,0-21 16,0 22-16,0-1 0,0-21 0,0 21 16,0-20-16,-21 20 0,0-21 15,0 0-15,-1 0 0,22 1 0,-21-22 16,0 0-1,21-22 1,0 1-16,0-21 16,0 21-16,0-22 0,21 22 0,0-21 15,-21 0-15,22 20 16,-22-20-16,21 0 0,0-1 0,0 22 16,-21-21-16,21 21 0,0 0 15,1-1-15,-1 22 16,0 0-1,-21 22-15,0-1 16,21 0-16</inkml:trace>
+  <inkml:trace contextRef="#ctx0" brushRef="#br0" timeOffset="26863.27">3556 5313 0,'0'0'0,"0"-21"0,0 0 15,0-22 1,0 22-16,-21 21 0,0 0 16,-22 0-16,22 0 0,0 21 0,0 0 15,-22 1-15,22-1 0,-21 0 16,21 21-16,0-21 0,-22 22 15,22-1-15,0 0 0,0 1 0,0-1 16,21 0-16,0 1 0,0-1 16,0-21-16,0 22 0,0-22 15,0 0-15,21 0 0,0 0 0,0-21 16,0 0-16,22 0 0,-1 0 16,0 0-16,1-21 0,-1 0 15,0 21-15,1-42 0,-1 20 0,0 1 0,1-21 16,-1 21-16,-21-22 0,0 22 15,0-21-15,1 0 0,-22-1 0,0 22 16,0-21-16,0-1 16,0 1-16,-22 21 0,1-21 0,0 20 15,0 1-15,-21 21 0,20 0 0,-20 0 16,0 0-16,21 0 0,-22 0 16,1 0-16,21 21 0,-22 1 15,22-1-15,0 0 0,0 0 0,0 0 16,21 0-16,0 1 0,0-1 0,0 21 15,0-21-15,0 0 0,21 1 16,21-22-16,-21 21 0,1-21 0,20 0 16</inkml:trace>
+  <inkml:trace contextRef="#ctx0" brushRef="#br0" timeOffset="28679.21">4212 5292 0,'21'0'16,"-42"0"-16,21 21 31,-21 0-31,21 0 16,-21 22-16,0-22 0,21 0 16,-22 21-16,1 1 0,21-22 0,-21 21 15,21-21-15,0 22 0,-21-22 0,21 21 16,0-21-16,0 0 15,0 1-15,0-1 0,21-21 16,0 0-16,0 0 0,1 0 16,-1 0-16,0-21 0,0-1 15,0 22-15,22-21 0,-22 0 0,0-21 16,0 21-16,21-1 0,-20-20 16,-1 21-16,0 0 0,0-22 0,0 22 15,0 0-15,-21 0 0,0 0 0,22 21 16,-22 21 15,0 0-31,-22 0 16,22 0-16,0 1 0,-21 20 15,0-21-15,21 0 0,-21 22 0,21-22 16,-21 0-16,21 0 0,0 0 16,0 0-16,0 1 0,0-1 0,21-21 15,0 0-15,0 0 0,0 0 16,1 0-16,20 0 0,-21 0 0,21 0 15,1-21-15,-22-1 0,21 22 0,1-21 16,-22 0-16,21-21 0,-21 21 16,0-1-16,43-41 0,-43 21 15,0 20-15,-21-20 0,21 21 0,-21-21 16,22 20-16,-22 1 0,0 0 16,0 0-16,-22 21 31,22 21-31,-21 0 15,0 0-15,21 22 0,0-22 0,-21 0 16,21 21-16,-21-20 0,21 20 16,-21-21-16,21 0 0,0 0 0,0 22 15,0-22-15,0 0 16,21 0-16,0-21 0,0 21 16,0-21-16,22 0 0,-22 0 0,0 0 15,21 0-15,-21-21 0,22 21 16,-22-21-16,21 0 0,-21 0 15,22 0-15,-22-1 0,21 1 0,-21-21 16,1 21-16,20 0 0,-21-22 16,-21 22-16,21 0 0,-21 0 0,0 0 15,0-1-15,-21 22 32,21 22-32,-21-22 0,21 21 0,0 0 15,0 0-15,0 0 0,0 0 16,0 1-16,0-1 0,0 21 0,0-21 15,0 0-15,0 1 0,42 20 16,-21-42-16,1 21 0,-1 0 16,0 0-16,0-21 15,0 0-15,-21-21 47,-21 21-47,0-21 0,0 0 16,0 0-16,-1 0 15,1 21-15,0-22 0,0 22 0,0 0 16,0 0 0,21 22-16,0-1 15,0 0-15,0 0 0,0 0 16,21 0-16,0 1 16,0-22-16,-21 21 0,21 0 15,22-21-15,-22 0 0,0 21 0,0-21 16,21 0-16,-20 0 0,20 0 15,-21 0-15,21 0 0,1 0 0,-1-21 16,0 21-16,-20-21 0,20 0 0,0 21 16,1-22-16,-22 1 0,21 0 15,-21 0-15,22 0 0,-22 0 0,0-22 16,0 22-16,0-21 0,0 21 16,-21-22-16,0 22 0,22-21 0,-22 21 15,0-1-15,0-20 0,0 21 16,0 0-16,0 42 31,0 0-15,-22 0-16,22 22 0,0-22 15,0 0-15,-21 0 0,21 21 0,0-20 16,-21-1-16,21 0 0,0 21 0,0-21 16,0 1-16,0-1 0,0 0 15,0 0-15,0 0 0,21-21 16,0 0-16,-21 21 0,22-21 0,-1 0 15,0 0-15,0 0 0,0 0 16,22 0-16,-22 0 0,0 0 0,21-21 16,1 0-16,-22 21 0,21-21 0,-21 0 15,0 0-15,22-1 16,-22-20-16,0 21 0,0 0 0,0-22 16,1 22-16,-1-21 0,0 21 0,-21-22 15,0 22-15,0 0 0,0-21 16,0 21-16,0-1 0,0 1 15,-21 21-15,0 0 16,-1 0-16,22 21 0,0 1 16,0-1-16,0 0 15,0 0 1,22-21-16,-1 0 0,0 0 0,0 0 16,0 0-16,22 0 0,-22 0 0,0 0 15,21 0-15,-21-21 16,1 21-16,-1 0 0,0 0 0,0 0 15,-21 21 17,0 0-32,0 0 0,-21 1 15,0-1-15,0 0 0,21 0 16,-22 0-16,22 22 0,-21-22 16,21 0-16,0 0 0,0 0 0,0 0 0,0 1 15,0-1-15,0 0 0,21-21 16,1 0-16,-1 0 15,0 0-15,0 0 0,0 0 16,0 0-16,1 0 0,-1 0 16,-21-21-16,21 21 15,0-21-15,-21-1 0,0 1 16,21 21-16,-21-21 16,0 0-1,21 21-15</inkml:trace>
+  <inkml:trace contextRef="#ctx0" brushRef="#br0" timeOffset="47340.41">3958 7684 0,'0'0'0,"21"0"0,-21 21 16,21-21-1,1 0-15,-1 0 31,0 0-31,-21-21 32,0-1-32,0 1 15,0 0-15,0 0 16,0 0-16,0 0 16,0-1-16,-21 1 0,21 0 0,-21 0 15,-1 0-15,1 0 0,21-1 16,-21 1-16,0 0 0,0 21 0,0-21 15,21 0-15,-22 21 0,1 0 16,0-21-16,0 21 0,0 0 16,0 0-16,-1 0 0,1 0 15,21 21-15,-21 0 0,0 0 0,0 0 16,0 0-16,-1 1 0,22 20 0,-21-21 16,0 21-16,0 1 0,0-22 15,0 21-15,-1 1 0,22-22 16,0 21-16,-21-21 0,21 22 15,0-22-15,0 0 0,0 21 0,0-21 16,0 1-16,0-1 0,21 0 16,1-21-16,-1 21 0,0-21 0,0 0 15,0 0-15,0 0 0,1 0 16,-1 0-16,0 0 0,0-21 0,21 0 16,-20 0-16,-1-1 0,0 22 15,0-21-15,0-21 0,0 21 16,1 0-16,-22-1 0,21-20 0,0 21 0,-21 0 15,21-22-15,-21 22 16,0 0-16,0 0 0,0 0 0,21 0 16,-21-1-16,0 1 0,0 0 15,0 0-15,0 42 32,0 0-17,0 0-15,0 1 0,0-1 0,0 0 16,0 0-16,0 0 0,0 22 15,0-22-15,0 0 0,0 21 0,0-21 16,0 1-16,0 20 0,0-21 16,0 0-16,0 0 0,21 1 0,-21-1 15,22-21-15,-1 21 0,0-21 0,0 0 16,0 0-16,0 0 16,1 0-16,-1 0 0,21 0 0,-21-21 15,0 0-15,22-1 0,-22 1 16,0 0-16,21 0 0,-20 0 0,-1-22 15,0 22-15,0-21 0,0 0 16,-21 20-16,0-20 0,0 0 0,0-1 16,0 1-16,0 0 0,0-1 0,0 1 15,0 0-15,0-1 16,0 22-16,-21-21 0,0 0 0,21-1 16,-21 22-16,0-21 0,-1-1 0,1 22 15,-21-21-15,0 0 16,-1-1-16,22 22 0,0 0 0,-21 0 15,20 0-15,1-1 0,-21 1 16,21 21-16,-22-21 0,22 21 0,-21-21 16,21 21-16,-22 0 0,1 0 15,0 0-15,-1 0 0,1 21 0,0 0 16,-1 0-16,-20 1 0,21-1 16,-1 0-16,1 0 0,0 0 0,-1 22 15,1-1-15,0-21 0,-1 21 16,1 22-16,21-22 0,-22 22 15,22-1-15,0-20 0,-21 20 16,21 1-16,21 20 0,-22-20 0,22-22 16,-21 22-16,21-1 0,0 1 15,0-1-15,0-21 0,0 22 0,0-22 16,21 22-16,1-22 0,-1 0 16,21 1-16,-21-1 0,0-21 0,22 22 15,-1-22-15,0 0 16,1 0-16,-1 0 0,0 0 0,22-21 15,-1 0-15,-20 0 0,20 0 0,1 0 16,-1 0-16,1 0 0,-1 0 0,1 0 16,-22-21-16,22 21 0,-22-21 0,0 0 15,22 0-15,-43 21 0,21-21 16,1-1-16,-22 1 0,0 21 16,0-21-16,-21 0 15,21 21-15,-21-21 16,0 0-1,0-1-15,21 1 0,-21 0 16</inkml:trace>
+  <inkml:trace contextRef="#ctx0" brushRef="#br0" timeOffset="47779.55">5207 7006 0,'0'-21'16,"0"42"-16,-21-42 0,0 0 0,21 0 0,0 0 15,-22 21-15,1 0 16,0 0-1,21 21 1,0 0-16,0 0 16,0 21-16,0 1 0,0-1 0,0 0 15,0 22-15,0-1 0,0 1 16,0-1-16,0 1 0,0-1 0,0-20 16,-21 20-16,21-20 0,0-1 15,0 0-15,0 1 0,0-1 0,0 0 16,0 1-16,0-22 0,0 0 0,0 0 15,0 0-15,0 0 0,0 1 16,0-1 0,0-42-1,0-1 1,0 1-16,0 0 0,0 0 0,0 0 16,0 0-16</inkml:trace>
+  <inkml:trace contextRef="#ctx0" brushRef="#br0" timeOffset="48189.32">5038 7091 0,'-22'-21'0,"44"42"0,-65-42 0,43 0 16,-21-1-16,0 22 0,21-21 15,-21 0-15,21 0 16,0 0-16,0 0 0,21-1 15,0 22-15,21-21 0,-20 0 16,-1 21-16,21-21 0,0 21 0,1 0 16,-1 0-16,0 0 0,22 0 15,-22 0-15,22 0 0,-22 0 0,0 0 16,1 21-16,-1 0 0,0 0 0,1 22 16,-22-22-16,-21 21 0,0-21 15,0 22-15,0-22 0,-21 21 0,0 1 16,-22-22-16,22 21 0,-42 0 15,20-20-15,1 20 0,-22-21 16,22 0-16,0 0 0,-1 1 0,1-1 16,0 0-16,-1 0 0,22 0 15,0-21-15,0 21 0,0-21 16,21 22-16,21-22 31,0 0-15,0 0-16</inkml:trace>
+  <inkml:trace contextRef="#ctx0" brushRef="#br0" timeOffset="48930.92">5821 7747 0,'0'0'16,"21"0"-16,0-21 0,-21 0 16,21 0-16,-21-1 15,0 1-15,0 0 0,0 0 16,0 0-16,0 0 16,-21-1-16,0 22 0,21-21 0,-21 21 15,0-21-15,-1 21 0,1 0 16,0 0-16,-21 0 0,21 21 15,-1 0-15,-20 1 0,21-1 0,-21 0 16,20 0-16,-20 21 0,21-20 16,0 20-16,-22 0 0,22-21 0,0 22 15,0-1-15,21 22 0,0-43 16,0 0-16,0 0 0,0 0 16,0 0-16,0 1 0,21-22 0,0 0 15,0 0-15,1 0 0,-1 0 0,0 0 16,21 0-16,-21 0 0,22-22 15,-22 1-15,0 0 0,43-21 16,-22 21-16,-21-1 0,0 1 16,0-21-16,-21 21 0,22 0 15,-22-1-15,21 1 0,-21 0 0,0 0 16,0 0-16,0 42 31,0 0-15,-21 0-16,21 0 0,-22 1 15,22-1-15,-21 0 0,21 0 0,0 0 16,0 0-16,0 1 0,0-1 0,0 0 16,0 0-16,0 0 0,0 0 15,21 1-15,1-22 0,-1 0 16,0 0-16,0 0 0,0 0 16,0 0-1,1 0-15,-1 0 0,0-22 0,0 1 16</inkml:trace>
+  <inkml:trace contextRef="#ctx0" brushRef="#br0" timeOffset="49406.65">6138 7684 0,'0'0'0,"0"-22"15,0 1-15,21 0 16,1 21-1,-1 0 1,0 0-16,0 0 0,0 0 16,0 0-16,1 0 0,-1 21 0,21 0 15,-21 1-15,0-1 0,1 0 16,-22 0-16,21 0 0,-21 0 0,21 1 16,-21-1-16,0 21 0,0-21 0,0 0 15,0 1-15,0-1 0,0 21 16,0-21-16,-21 0 0,0 1 0,21-1 15,-22-21-15,22 21 16,-21-21-16,0 0 16,21-21-1,0 0-15,0-1 0,0 1 16,0 0-16,0 0 0,0 0 16,21-22-16,0 22 0,1-21 0,-1 21 15,-21-22-15,21 22 0,0-21 0,0 21 16,-21 0-16,21-22 0,1 22 15,-1 21-15,-21-21 0,21 0 0,0 21 16,0 0-16,0 21 31,-21 0-15,22-21-16,-22 21 0,21-21 16</inkml:trace>
+  <inkml:trace contextRef="#ctx0" brushRef="#br0" timeOffset="50023.47">7197 7874 0,'0'0'0,"21"-21"0,-21 0 16,0 0-16,21-1 15,-21 1-15,0 0 0,0 0 16,0 0-16,0 0 0,0-1 16,0 1-16,0-21 0,0 21 0,0 0 15,-21-1-15,0 1 0,-1 21 16,1 0 0,0 0-16,0 0 0,0 21 0,0 1 15,-1-1-15,1 21 0,-21-21 16,21 22-16,-22-1 0,22 0 0,-21 1 15,21-1-15,0 0 0,21-21 16,0 22-16,0-1 0,0-21 0,0 0 0,0 1 16,0-1-16,0 0 0,21 0 15,0-21-15,21 0 0,-21 0 16,1 0-16,-1 0 0,21 0 0,-21-21 16,0 21-16,22-21 0,-22 0 15,0-1-15,21 1 0,-20 0 0,-1-21 16,0 21-16,-21-22 0,21 22 0,-21-21 15,21 21-15,-21-22 0,0 22 16,0 0-16,0-21 0,0 20 0,0 1 16,0 0-16,-21 42 31,21 0-31,-21 1 16,21-1-16,0 21 0,0-21 15,0 0-15,0 1 0,0 20 16,0-21-16,0 0 0,0 0 0,0 1 15,21-1-15,-21 0 0,21 0 0,0 0 16,-21 0-16,22-21 16,-1 22-16,0-22 0,0 0 15,0 0-15,0 0 0,1-22 16,-1 1-16,0 0 0</inkml:trace>
+  <inkml:trace contextRef="#ctx0" brushRef="#br0" timeOffset="50770.83">7662 7705 0,'0'-21'0,"0"42"0,0-64 16,-21 43-1,0 0 1,21 22 0,0-1-16,-21 0 15,21 0-15,0 0 0,0 0 0,-21 1 16,21-1-16,0 0 0,0 0 15,0 0-15,0 0 0,-22 1 0,22-1 16,0 0-16,-21 0 0,21 0 16,0 0-16,0 1 0,0-1 15,-21-21-15,21-21 32,0-1-17,0 1-15,0 0 0,0 0 16,0 0-16,0 0 0,0-22 0,0 22 15,0 0-15,21-21 0,-21 20 0,21 1 16,-21-21-16,22 21 0,-1 0 16,0-1-16,0 1 0,0 0 0,0 0 15,1 21-15,-1-21 0,0 21 0,0 0 16,21 0-16,-20 0 0,-1 0 16,0 21-16,0-21 0,0 21 0,-21 0 15,21 0-15,-21 1 0,22 20 16,-22-21-16,0 0 0,0 0 15,0 1-15,0 20 0,0-21 0,0 0 16,0 0-16,0 1 0,-22-1 0,1-21 16,21 21-16,-21 0 0,0-21 15,21-21 17,0 0-17,0 0-15,0-1 0,0 1 0,0-21 16,21 21-16,0 0 0,0-22 0,-21 22 15,22-21-15,-1 21 16,0-1-16,21 1 0,-21 0 0,1 0 16,-1 0-16,21 21 0,-21-21 0,0 21 15,1 0-15,-1 0 0,0 21 16,0 0-16,-21 0 0,0 0 0,21 0 16,-21 22-16,0-22 0,0 0 15,0 0-15,0 0 0,0 22 0,0-22 16,0 0-16,0 0 0,0 0 0,-21 1 15,21-1-15,-21 0 16,0-21 0,21-21 15,21 0-31</inkml:trace>
+  <inkml:trace contextRef="#ctx0" brushRef="#br0" timeOffset="51207.78">8488 7705 0,'0'0'0,"0"21"16,21-21 15,0 0-15,0 0-16,0 0 0,1 0 0,-1-21 15,0 21-15,21-21 0,-21-1 0,1 22 16,-1-21-16,0 0 0,-21 0 16,0 0-16,21 0 0,-21-1 0,0 1 15,0 0-15,0 0 0,0 0 16,-21 0-16,0 21 16,0 0-16,-1 0 0,1 0 0,0 0 15,0 21-15,0 0 0,0 21 16,-1-21-16,1 1 0,0 20 0,0-21 15,21 21-15,0-20 0,-21 20 16,21-21-16,0 21 0,0-20 16,0-1-16,0 21 0,0-21 0,0 0 15,0 1-15,21-1 0,-21 0 16,21-21-16,0 0 0,0 0 16,1 0-16,-1 0 0,0 0 0,0 0 15,0 0-15,0 0 0,1 0 0,-1-21 16,0 0-16,21-1 0,-21 1 15,1 0-15</inkml:trace>
+  <inkml:trace contextRef="#ctx0" brushRef="#br0" timeOffset="51591.69">9398 6668 0,'-21'0'16,"0"-22"-1,-1 22-15,1 0 16,21 22-16,-21-1 16,21 0-16,-21 0 0,21 21 15,0-20-15,0 20 0,-21 21 0,21-20 16,-21 20-16,21-20 0,0 20 0,0 22 15,-22-22-15,22 1 0,0-1 16,0-20-16,-21 20 0,21-21 0,0 1 16,0-1-16,0 0 0,0 1 0,0-1 15,0-21-15,0 0 0,0 1 16,0-1-16,0 0 0,0 0 0,0 0 16,0-42 15,21 0-16,1 0-15,-1 0 0,-21-1 16,21 1-16</inkml:trace>
+  <inkml:trace contextRef="#ctx0" brushRef="#br0" timeOffset="52032.12">9419 7747 0,'0'0'0,"64"0"16,-43 0 0,0 0-16,0 0 0,-21-21 15,21 21-15,0-21 16,1 21-16,-1-21 0,-21-1 0,0 1 16,21 0-16,-21 0 0,0 0 0,0 0 15,0-1-15,0 1 0,0 0 16,0 0-16,-21 0 0,0 21 15,-1 0-15,1 0 0,0 0 16,0 0-16,0 0 0,0 21 16,-1 0-16,1-21 0,0 21 0,0 0 15,21 1-15,-21-1 0,21 0 16,0 21-16,0-21 0,0 1 0,0-1 16,0 21-16,0-21 0,0 0 15,0 1-15,0-1 0,0 21 16,0-21-16,0 0 0,21 1 0,-21-1 15,0 0-15,21-21 16,0 21-16,0-21 0,1 0 16,-1 0-16,0 0 15,0 0-15,0 0 0,0-21 16,1 21-16,-1-21 0,0 0 0,0-1 16</inkml:trace>
+  <inkml:trace contextRef="#ctx0" brushRef="#br0" timeOffset="52543.58">9948 7535 0,'0'0'16,"0"-21"-16,0 0 0,0 0 16,21 0-1,1 21-15,-1 0 16,0 0-16,0 0 0,0 0 15,0 0-15,1 0 0,-1 21 16,-21 0-16,21 0 0,0-21 16,0 21-16,-21 22 0,0-22 0,0 0 0,0 0 15,0 22-15,0-22 16,0 0-16,0 0 0,0 0 0,0 22 16,0-22-16,0 0 0,0 0 0,0 0 15,-21 0-15,21 1 0,-21-22 16,21 21-16,-21-21 0,0 0 15,-1 0 1,22-21 0,0-1-16,0 1 15,0 0-15,0 0 0,22-21 16,-22 20-16,21-20 0,0 21 0,0-21 16,0-1-16,0 1 15,1 21-15,20-22 0,-21 22 0,0-21 16,0 21-16,22 0 0,-22-1 0,0 1 15,0 0-15,22 0 16,-22 21-16,0-21 0,0 21 16,0 0-16,0 0 0,1 0 15,-22-21 17</inkml:trace>
+  <inkml:trace contextRef="#ctx0" brushRef="#br0" timeOffset="52988.59">9186 6900 0,'-21'0'0,"42"0"0,-63 0 15,21-21 1,42 21 0,21-21-16,-21 21 15,22 0-15,-1 0 0,22-21 0,-1 21 16,64 0-16,-63 0 0,20 0 15,1-21-15,0 21 0,-22 0 16,22 0-16,-22 0 0,1 0 0,-1 0 16,1 0-16,-22 0 0,-21 0 0,22 0 15,-22 0-15,0 0 0,0-21 16</inkml:trace>
+  <inkml:trace contextRef="#ctx0" brushRef="#br0" timeOffset="62680.98">4487 10139 0,'0'21'16,"0"-42"-16,0 63 15,0-63 1,21 21 0,-21-21-16,22 0 15,-1 0-15,-21-1 0,0 1 0,21 0 16,0 21-16,-21-21 0,0 0 16,0 0-16,0-1 0,0 1 15,0 0-15,0 0 0,0 0 0,-21 0 16,0-1-16,0 1 0,21 0 15,-22 21-15,1 0 0,-21 0 0,21 0 16,0 0-16,-43 21 0,43 0 16,0 1-16,0-1 0,-22 21 15,22-21-15,0 22 0,-21 20 16,20-21-16,22 1 0,0-22 16,-21 21-16,21-21 0,0 22 0,0-22 15,0 0-15,0 0 0,0 0 0,21 1 16,1-22-1,-1 0-15,0 0 0,0 0 0,0 0 16,0-22-16,1 1 0,-1 0 0,21 0 16,-21 0-16,0 0 0,1-1 15,-1 1-15,0 0 0,0 0 0,0 0 16,-21-22-16,0 22 0,21 0 0,-21 0 16,0 0-16,0 0 15,0 42 16,0 0-31,-21 0 0,21 21 16,0-20-16,0-1 0,0 21 0,0-21 16,0 22-16,0-22 15,21 0-15,1 21 0,-22-21 0,21 1 16,0-1-16,0 0 0,0-21 16,22 0-16,-22 21 0,0-21 0,21 0 15,-21 0-15,22 0 0,-1-21 0,-21 0 16,22 0-16,-1-1 0,-21 1 0,21 0 15,-20-21-15,20 21 16,-21-22-16,0 1 0,-21 0 0,0-1 0,21 1 16,-21 0-16,0-1 0,0 1 0,0-22 15,0 22-15,-21-21 0,21 20 16,-21-20-16,0 20 0,-21 1 0,20 0 16,-20-1-16,21 1 0,-21 0 15,-1 21-15,1-22 0,-22 22 16,1 0-16,21 21 0,-22 0 0,-21 0 15,22 0-15,-1 0 0,-20 0 16,20 21-16,-20 21 0,20 1 0,1-1 16,-22 0-16,21 22 0,1-1 15,21 1-15,-22 21 0,-21 42 16,64-64-16,0 22 0,21-22 16,0 1-16,0-1 0,0 1 15,21-22-15,0 22 0,1-22 0,20 0 0,0 1 16,1-1-16,-1 0 15,0-21-15,1 1 0,20-1 0,-21 0 16,1 0-16,20-21 0,-20 0 0,-1 0 16,21 0-16,-20 0 0,20 0 15,-20 0-15,-1 0 0,21 0 0,-20-21 16,-1 0-16,0 0 0,22-1 0,-22 1 16,1 0-16,-22 0 0,21 0 15,0-22-15,1 22 0</inkml:trace>
+  <inkml:trace contextRef="#ctx0" brushRef="#br0" timeOffset="62942.93">5482 9589 0,'0'0'0,"-21"0"16,42 0-1,0 0 1,0 0-16,22 0 0,-22-22 0,21 22 16,1 0-16,-1 0 0,21 0 0,-20 0 15,-1 0-15,0 0 0,1 0 16,-1 0-16,-21 0 0,0 0 0,1 0 16,-1 0-16,-42 0 31</inkml:trace>
+  <inkml:trace contextRef="#ctx0" brushRef="#br0" timeOffset="63211.86">5778 9589 0,'0'0'0,"-21"0"16,21 21-1,0 0 1,0 0-16,0 0 0,-21 22 15,21-1-15,0-21 0,0 21 0,-21 1 16,21-1-16,-21 0 0,21 1 16,0-1-16,-21 0 0,21 1 0,-22-1 15,1-21-15,21 22 0,0-1 0,0-21 16,-21 21-16,21-20 0,0-1 16,-21 21-16,21-21 0,0 0 15,21-21 1,0-21-1,-21 0-15,21 0 0,1 0 0</inkml:trace>
+  <inkml:trace contextRef="#ctx0" brushRef="#br0" timeOffset="64321.21">5948 10139 0,'0'21'0,"21"-21"31,0 0-31,0 0 0,0 0 16,1 0-16,-1-21 0,0 0 15,0 21-15,0-21 0,-21-1 16,21 1-16,1 21 0,-1-21 0,-21 0 16,0 0-16,0 0 0,0-1 15,0 1-15,0 0 16,-21 21-1,-1 0-15,1 0 0,0 21 16,0 0-16,0 1 0,0-1 16,-1 0-16,1 0 0,0 21 0,0-20 15,0 20-15,0-21 0,21 43 16,0-43-16,0 0 0,0 0 16,0 0-16,0 0 0,0 1 0,21-22 15,0 21-15,0-21 0,0 0 0,0 0 16,1 0-16,20 0 0,-21 0 15,21-21-15,1 21 0,-22-22 16,21 1-16,1 0 0,-22 0 0,21 0 16,0 0-16,-20-22 0,20 22 0,-21-21 15,0 21-15,0-1 0,1-20 16,-22 21-16,0 0 0,0 0 0,0-1 16,0 44-1,-22-1 1,1 0-16,21 0 0,-21 0 15,21 0-15,0 1 0,0-1 0,0 0 16,0 0-16,0 0 0,0 0 16,0 1-16,21-1 0,0 0 0,1 0 15,-22 0-15,21 0 16,0 1-16,-21-1 16,-21-21 15,0-21-16,21-1-15,-22 22 0,1-21 0,0 21 16,21-21-16,-21 21 0,0 0 0,0 0 16,-1 0-1,22 21 1,0 0-16,0 1 0,0-1 16,0 0-16,22-21 0,-22 21 15,21 0-15,0-21 0,0 21 16,21-21-16,-20 0 0,41 0 15,-21 0-15,-20 0 0,20 0 0,0 0 16,1 0-16,-1-21 0,-21 0 16,21 21-16,1-21 0,-22 0 0,21-22 15,-21 22-15,22 0 0,-22-21 0,0 21 16,0-22-16,0 1 0,1 0 16,-1-1-16,-21 1 0,0 0 0,0-22 15,0 22-15,0-1 0,0-20 16,0 21-16,0-1 0,0 1 15,0 21-15,0-22 0,0 22 0,0 0 16,0 42 0,0 0-1,0 1-15,-21 20 0,21 0 0,-22 1 16,22-1-16,-21 0 0,21 22 0,0-22 16,0 0-16,-21 1 0,21-1 15,0 0-15,0 43 16,0-43-16,0 1 0,0-22 0,0 0 0,0 21 15,0-20-15,0-1 0,0 0 16,21 0-16,-21 0 0,21-21 0,1 21 16,-1-21-16,0 0 15,0 0-15,0 0 0,0 0 16,1 0-16,-1 0 0,-21-21 16,21 0-16,0 21 0,-21-21 0,21 0 15,-21 0-15,21-1 0,-21 1 0,0 0 16,0-21-16,0 21 0</inkml:trace>
+  <inkml:trace contextRef="#ctx0" brushRef="#br0" timeOffset="64543.69">7112 9906 0,'0'0'0,"0"21"15,0 0 1,21-21-16,0 0 0,22 0 0,-22 0 15,0 0-15,42 0 0,-41 0 16,-1 0-16,21 0 0,-21 0 16,0 0-16,1 0 0,-1 0 0,0 0 15,0 0-15,0 0 16,0-21-16,1 21 16,-22-21-16,21 0 15</inkml:trace>
+  <inkml:trace contextRef="#ctx0" brushRef="#br0" timeOffset="65071.01">8361 9419 0,'0'0'0,"0"-21"0,0 0 0,0 0 0,0 0 16,0-1-16,0 44 31,0-1-31,0 0 16,0 0-16,0 21 0,0 1 16,0-1-16,0 22 0,0-1 0,0-21 15,0 22-15,0-1 0,0 1 16,0-1-16,0-20 0,0 20 15,-21-20-15,-1 62 0,22-62 16,0-1-16,-21 0 0,21 1 0,-21-1 16,21-21-16,-21 0 0,21 1 15,0-1-15,0 0 0,0 0 16,0-42 0,0 0-1,0 0-15,0-1 0,0-20 0,0 21 16,0-21-16,0-1 0,0 1 15</inkml:trace>
+  <inkml:trace contextRef="#ctx0" brushRef="#br0" timeOffset="65523.81">8424 9504 0,'0'21'0,"0"-42"16,0 0-16,-21 21 31,0 0-31,21 21 0,-21 0 0,0 0 15,-1 0-15,1 1 16,0 20-16,21-21 0,-42 0 0,42 22 0,-21-22 16,-1 0-16,1 0 0,0 0 0,21 0 15,-21 1-15,21-1 16,0-42 15,21-1-31,-21 1 0,21 0 16,0 0-16,1-21 0,-1 20 0,0-20 15,0 0-15,0 21 0,0-22 16,1 1-16,-1 0 0,-21 20 0,21-20 16,21 0-16,-21 42 0,-21-21 15,22 21-15,-1 0 16,0 21-16,-21 0 0,21 0 16,0 0-16,-21 22 0,21-22 0,1 21 15,-1 0-15,0 1 0,-21-22 16,21 21-16,0 1 0,0-22 15,-21 21-15,22-21 0,-1 0 0,-21 1 16,21-1-16,-21 0 0,0 0 0,21-21 16,-21 21-16,21-21 0,0-21 31,-21 0-31,0 0 0</inkml:trace>
+  <inkml:trace contextRef="#ctx0" brushRef="#br0" timeOffset="66247.74">5736 8594 0,'0'0'16,"-21"0"-16,-21 0 0,20 0 0,1 0 0,-21 0 16,21 0-16,0 0 15,-1 0-15,1 0 0,0 0 0,0 0 16,0 0-16,0 0 0,-1 0 15,44 0 17,20 0-17,-21 21-15,21-21 0,22 0 16,-22 0-16,43 0 0,-22 0 0,22 0 16,0 0-16,21 21 0,-22-21 15,22 0-15,21 0 0,-21 0 0,21 0 16,0 21-16,0-21 0,21 0 0,-21 0 15,0 0-15,0 0 16,21 21-16,-21-21 0,21 0 0,-21 0 16,0 0-16,22 0 0,-44 0 0,22 0 15,0 0-15,-21 0 0,21 0 16,-21 0-16,-21 0 0,-1 0 0,1 22 16,-21-22-16,-1 0 0,-21 0 0,1 0 15,-22 0-15,0 21 0,0-21 16,-21 21-1,-21-21 1,0 0-16,0 0 0,-22 0 0,1 0 16,0 0-16,-1 0 0,-20 0 15,-1 0-15</inkml:trace>
+  <inkml:trace contextRef="#ctx0" brushRef="#br0" timeOffset="66827.63">5482 8700 0,'-21'0'0,"42"0"0,-63 21 16,42 0 15,21-21-15,0 21-16,0-21 0,0 0 0,43 21 15,-43-21-15,21 0 16,22 21-16,-22-21 0,22 0 0,20 0 15,-20 0-15,21 0 0,20 22 16,-20-22-16,21 0 0,0 0 16,21 0-16,0 0 0,0 0 0,0 0 15,0 0-15,0 0 0,0 0 0,21 0 16,0 0-16,0 0 0,-21 0 16,21 0-16,-21 0 0,22 0 0,-22 0 15,0 0-15,0 0 0,0 0 16,0 0-16,-22 0 0,1 0 0,-21 0 15,0 0-15,-1 0 0,1 0 0,-22 0 16,-20 0-16,20 0 0,-20 0 16,-22 0-16,0 0 0,0 0 15,0 0-15,0 0 0,-21 21 32,0 0-17,-21-21-15,0 21 0,0 0 16,0 0-16,-22 1 0,1-1 15,0 0-15</inkml:trace>
+  <inkml:trace contextRef="#ctx0" brushRef="#br0" timeOffset="75327.39">12001 10478 0,'22'-22'0,"-1"1"0,0 0 16,-21 0-16,21 21 16,0-21-16,0 0 0,1-1 15,-1 1 1,-21 0 0,21 21-16,-21 21 62,-21-21-62,0 21 0,21 1 0,-22-22 16,1 21-16,21 0 0,-21 0 15,-21 21-15,21-20 0,-1-1 0,-20 0 16,0 21-16,-1-21 0,1 22 16,0-22-16,-22 21 0,22-21 15,0 22-15,-22-22 0,22 0 0,-22 21 16,22-20-16,0-1 0,-1 0 0,1 0 15,0 0-15,-22 0 0,43-21 16,0 0-16,0 22 0,-1-22 16,1 0-16,0 0 0,0 0 15,42 21 48,0-21-63,0 0 15,1 0-15,-1 21 16,0-21-16,0 21 0,21-21 0,-20 21 16,41 0-16,-21 1 0,1-1 15,-1 0-15,0 0 0,-20 0 16,20 0-16,0 1 0,1 20 0,-1-21 16,-21 0-16,21 0 0,1 22 0,-22-22 15,21 0-15,1 0 0,-22 22 0,0-22 16,21 0-16,-21 0 0,22 0 15,-22 0-15,21 1 0,-21-22 16,1 21-16,-1 0 0,0-21 0,0 0 0,0 21 16,0-21-16,1 0 31,-22-21 0,-22 21-15,22-21-16,0 0 0,-21-1 15</inkml:trace>
+  <inkml:trace contextRef="#ctx0" brushRef="#br0" timeOffset="76042.99">12763 10583 0,'0'0'16,"22"-42"-1,-22 21-15,0 0 0,21 0 0,-21-1 16,0 1-16,0 0 16,0 0-16,0 0 0,0 0 15,0-1-15,0 1 16,0 42 15,0 1-15,0-1-16,0 21 0,0-21 15,0 22-15,0-1 0,0 21 0,0-20 16,0-1-16,0 22 0,0-22 0,0 21 16,0-20-16,0 20 0,0-20 15,0 20-15,0-21 0,0 1 0,0-1 16,0 43-16,0-43 16,0 0-16,0-20 0,0-1 0,0 21 15,0-21-15,0 0 16,0 1-16,0-1 0,0-42 62,0-1-62,-21 1 16,21 0-16,0 0 16,0-21-16,-22 20 0,22 1 0,0-21 15</inkml:trace>
+  <inkml:trace contextRef="#ctx0" brushRef="#br0" timeOffset="76451.75">12636 10583 0,'-21'0'0,"42"0"0,-42-21 15,21 0-15,0 0 0,-21 0 0,21 0 16,0-1-16,0 1 0,0 0 0,0 0 15,0 0-15,0 0 0,0-1 16,0 1-16,21 0 0,0 0 0,1 0 16,-1 0-16,21 21 0,-21-22 15,22 1-15,-1 21 0,0-21 16,22 21-16,-22 0 0,22 0 0,-22 0 16,21 0-16,-20 0 0,-1 21 0,43 22 15,-43-1-15,-21-21 16,0 21-16,1 1 0,-22 20 0,0-20 15,0-1-15,0 0 0,-22 1 0,-20-1 16,21 0-16,-21 1 0,20-22 16,-20 21-16,0-21 0,21 22 0,-22-22 15,22 0-15,0-21 0,0 21 0,0 0 16,-1-21-16,1 21 0,0-21 16,21 22-1</inkml:trace>
+  <inkml:trace contextRef="#ctx0" brushRef="#br0" timeOffset="78703.25">13483 11303 0,'0'-21'16,"0"0"-16,21 0 15,0 21-15,-21-22 0,22 1 16,-1 0-16,0 0 16,-21 0-16,0 0 0,21-1 15,-21 1-15,0 0 0,0 0 0,0 0 16,0 0-16,0-1 0,0 1 0,0 0 15,-21 21-15,21-21 0,0 0 16,-21 21-16,0 0 0,-1 0 0,1 0 16,0 0-16,0 0 0,0 0 0,0 21 15,-1 0-15,1 0 0,-21 0 16,21 22-16,0-22 0,-1 21 0,1 1 16,0-22-16,0 21 0,21 0 0,0-20 15,0 20-15,0-21 16,0 0-16,0 0 0,0 1 0,0-1 15,0 0-15,21-21 0,0 21 16,0-21-16,1 0 0,-1 0 16,0 0-16,0-21 0,0 0 15,0 21-15,1-21 0,-1-1 0,0 1 16,21 0-16,-21 0 0,1 0 0,-1-22 16,0 22-16,0 0 0,-21-21 15,21 21-15,0-22 0,-21 22 16,0 0-16,0 0 0,22 0 0,-22-1 15,21 1-15,-21 42 32,0 1-17,0-1-15,0 0 0,0 0 0,0 21 16,0-20-16,0 20 0,0 0 16,0-21-16,0 22 0,0-1 0,0-21 15,-21 0-15,21 22 0,0-22 0,0 0 16,0 0-16,0 0 0,0 1 0,0-1 15,21-21 1,0 0-16,0 0 16,0-21-16,0-1 0,1 1 15,-1 0-15,21 0 0,-21 0 16,0 0-16,1-22 0,20-20 16,-21 20-16,0 1 0,-21 21 15,0-21-15,21 20 0,-21 1 0,0 0 16,0 0-16,0 0 15,0 42 1,-21-21 0,21 21-16,0 0 0,0 0 15,0 1-15,0-1 0,0 0 16,0 21-16,21-21 0,-21 1 16,0-1-16,22 0 0,-1 0 15,-21 0-15,21 0 0,-21 1 16,0-1-16,21 0 0,-21 0 15,0 0-15,21-21 0,-21 21 0,0 1 16,21-22 0,1 21-16,-1-21 15,0 0-15,0 0 0,0 0 0,0 0 16,1 0-16,-1 0 0,0-21 16,21 21-16,-21-22 0,1 1 0,20 21 15,-21-21-15,0 0 0,0 0 16,22 0-16,-43-1 0,21 1 0,0-21 15,-21 21-15,21 0 0,-21-1 16,0-20-16,0 21 0,0 0 0,0 0 16,0-1-16,0 1 0,-21 21 15,0 0-15,0 0 16,0 0-16,-1 0 0,1 0 0,0 21 16,0 1-16,0-1 0,0 0 0,-22 0 15,22 21-15,0-20 0,0 20 16,-22-21-16,22 0 0,21 22 0,-21-22 15,21 0-15,0 0 0,0 0 16,0 0-16,0 1 0,0-1 0,21 0 16,0-21-16,1 0 15,-1 0-15,0 0 0,0 0 16,0-21-16,22 0 0,-22 21 16,0-22-16,0 1 0,0 0 0,0 21 15,1-21-15,-1 0 0,0-22 0,0 1 16,-21 21-16,0 0 0,0 0 15,0-1-15,0 1 0,21 0 16,-21 0 0,0 42-1,0 0-15,0 0 0,0 22 16,0-22-16,0 0 0,0 0 16,0 22-16,0-22 15,0 0-15,0 0 0,0 0 16,0 22-16,21-22 0,1-21 15,-1 21-15,0-21 0,0 0 16,21 0-16,-20 0 16,-1 0-16,0 0 0,21-21 0,-21 0 15,1-1-15,-1 22 0,0-21 0,0 0 16,0 0-16,-21 0 0,0-22 16,21 22-16,-21 0 0,22 0 0,-22-21 15,0 20-15,0 1 0,0 0 16,0 0-16,0 0 15,0 42 1,0 0-16,0 0 0,0 0 16,0 1-16,0-1 0,0 0 0,0 0 15,0 0-15,0 22 0,0-22 16,-22 0-16,22 0 0,0 0 0,-21 0 16,21 1-16,0-1 0,0 0 15,-21-21-15,21 21 16,-21-21-1,21-21 17,0 0-32,0 0 0,0-1 15,0 1-15,0 0 16,0-21-16,0 21 0,0-1 0,21 1 16,0 0-16,-21 0 0,21 0 15,1 0-15,-1-1 0,0 22 0,0-21 16,0 0-16,22 21 0,-22 0 15,0 0-15,0 0 0,0 21 16,0 0-16,1 1 0,-1-1 0,-21 0 16,21 0-16,0 0 0,-21 0 15,0 1-15,0 20 0,0-21 0,0 0 16,0 0-16,0 1 16,0-1-16,0 0 0,0 0 15,-21-21 16,0 0-31,21-21 16,0 0-16,0 0 16,0-1-16,0 1 0,0 0 15,0-21-15,0 21 0,42-43 16,-21 43-16,0-21 0,1 20 0,-1 1 16,0 0-16,0 0 15,21 0-15,-20 0 0,-1 21 0,0 0 16,0 0-16,0 0 0,0 21 0,1 0 15,-1 0-15,0 0 0,0 0 16,-21 22-16,0-22 0,0 21 0,0-21 16,0 1-16,0 20 0,0-21 0,0 0 15,0 0-15,0 1 0,0-1 16,0 0-16,-21 0 0,0-21 16,0 0-16,-1 0 0,1 0 15,0 0-15,0 0 0,0-21 16,0 0-16,-1 0 0,1-1 15</inkml:trace>
+  <inkml:trace contextRef="#ctx0" brushRef="#br0" timeOffset="80202.42">11176 7620 0,'0'-21'0,"-21"21"16,21-21-1,0 0 16,0-1-15,21 1 0,-21 0-16,0 0 15,0 0-15,0 0 16,0-1 0,-21 22-16,0 0 0,-1 0 15,1 0-15,0 0 0,-21 0 16,21 0-16,-22 0 0,22 0 0,-21 0 15,-1 0-15,22 22 0,-21-22 16,21 21-16,0 0 0,-1-21 0,-20 21 16,21 0-16,0 0 0,21 1 0,-21-1 15,-1 0 1,22 0-16,0 0 0,0 0 16,0 1-16,0-1 15,22-21 1,-1 21-16,0-21 0,0 0 15,0 21-15,0-21 0,1 0 0,-1 0 16,0 21-16,21-21 0,-21 0 16,1 0-16,-1 21 0,0-21 0,0 0 15,0 0-15,0 0 0,-21 22 0,22-22 16,-1 21-16,0-21 0,-21 21 16,0 0-16,21-21 15,-21 21-15,0 0 16,0 1-16,0-1 15,-21-21-15,0 21 0,0-21 16,-1 0-16,1 21 0,0 0 0,0-21 16,-21 0-16,20 0 0,-20 21 0,21-21 15,-21 0-15,-1 0 0,22 0 16,-21 0-16,21 0 0,-22 0 16,22 0-16,-21 0 0,21 0 0,-1 0 0,1 0 15,0 0-15,0 0 0,0-21 31,21 42 48,-21-21-48</inkml:trace>
+  <inkml:trace contextRef="#ctx0" brushRef="#br0" timeOffset="82855.35">16023 11282 0,'0'21'16,"21"-21"-1,0 0 1,1-21-16,-1 21 15,0-21-15,21 0 0,-21 21 16,1-22-16,-22 1 0,21 21 0,0-21 16,-21 0-16,21 0 0,-21 0 15,0-1-15,0 1 0,0 0 16,-21 0-16,0 21 0,0 0 16,-1 0-16,1 0 15,0 0-15,0 0 0,0 0 0,0 21 16,-1 0-16,1 0 0,21 22 15,-21-22-15,0 21 0,0-21 0,21 22 16,0-1-16,-21 0 0,21 1 16,0-22-16,-22 21 0,22-21 0,0 1 15,0 20-15,0-21 0,0 0 16,22-21-16,-1 21 0,0 1 0,0-22 16,0 0-16,22 0 0,-22 21 15,0-21-15,0 0 0,21 0 0,1 0 16,-22-21-16,0-1 0,21 22 15,-20-21-15,-1 0 0,0 0 16,0 0-16,0 0 0,0-22 0,1 22 16</inkml:trace>
+  <inkml:trace contextRef="#ctx0" brushRef="#br0" timeOffset="83219.64">16870 10435 0,'0'0'0,"0"-21"0,-21 21 16,21-21-16,0 0 0,-22 21 15,22-21-15,0 42 32,0 0-32,0 0 0,-21 21 0,21 1 15,0-1-15,-21 0 0,21 1 16,-21 20-16,21-20 0,0 20 0,-21 1 15,21-1-15,-21-21 0,-1 22 16,22 63-16,-21-85 16,21 1-16,-21 20 0,21-21 0,-21 1 15,21-22-15,-21 21 0,21-21 0,0 1 16,0-1-16,0 0 0,-21-21 16,21 21-16,0-42 31,21 21-16,0-21-15,0 0 0,-21-1 0,21 1 16,0 0-16</inkml:trace>
+  <inkml:trace contextRef="#ctx0" brushRef="#br0" timeOffset="83644.41">16912 11345 0,'21'22'0,"0"-22"15,1 0 1,-1 0 0,0 0-16,-21-22 0,21 22 0,0-21 15,0 0-15,-21 0 0,22 0 0,-1 0 16,0-1-16,-21 1 0,0 0 16,21 0-16,-21 0 0,0 0 15,0-1-15,-21 22 16,0 0-1,0 0-15,-1 0 0,1 22 16,-21-22-16,21 21 0,0 0 0,-1 21 16,1-21-16,21 1 0,-21-1 15,21 21-15,-21-21 0,21 0 0,0 22 16,0-22-16,0 21 0,0-21 16,0 1-16,0-1 0,0 0 15,21 0-15,0-21 0,-21 21 0,21 0 16,1 1-16,-1-22 0,0 0 15,0 21-15,0-21 16,0 0-16,1 0 16,-1 0-16,0 0 0,0-21 15,0 21-15,0-22 0,1 1 16,20 0-16,-21 21 0</inkml:trace>
+  <inkml:trace contextRef="#ctx0" brushRef="#br0" timeOffset="84184.61">17568 11155 0,'0'0'0,"0"-21"15,0 0 1,21 21 15,1 0-15,-1 0-16,-21 21 15,21 0-15,-21 0 0,21 21 16,-21-20-16,0-1 0,0 0 0,0 21 16,0-21-16,0 1 0,0 20 0,0-21 15,-21 0-15,21 0 0,-21 1 16,21-1-16,0 0 0,-21 0 0,-1 0 16,22 0-16,-21-21 15,21-21 16,0 0-31,0 0 16,0 0-16,0 0 0,21-1 16,-21-20-16,22 21 0,-1 0 15,0-22-15,0 1 0,0 21 0,0-21 16,-21-1-16,43 22 0,-22-21 16,0 21-16,0-1 0,0 1 0,-21 0 15,22 21-15,-1-21 0,0 21 0,-21-21 31,21 21-31,-42 0 94,0 0-94,0 0 0,21-21 16</inkml:trace>
+  <inkml:trace contextRef="#ctx0" brushRef="#br0" timeOffset="84611.37">16552 10753 0,'21'0'16,"1"0"-1,-1 0-15,0 0 0,0 0 16,0 0-16,22-21 0,-1 21 15,-21 0-15,43 0 0,-22-22 0,0 22 16,22 0-16,-1 0 0,-20 0 0,20-21 16,1 21-16,-22 0 0,21 0 15,-20 0-15,-1 0 0,0 0 0,1 0 16,-22 0-16,0 0 0,0 0 0,0 0 16,-21 21 30</inkml:trace>
+  <inkml:trace contextRef="#ctx0" brushRef="#br0" timeOffset="85534.84">19367 11007 0,'22'-21'15,"-44"42"-15,65-42 0,-43-1 0,21 22 16,-21-21-16,0 0 0,21 21 15,0-21-15,-21 0 0,21 21 16,1 21 15,-22 0-31,0 0 16,0 0-16,0 1 0,0 20 0,0-21 16,0 21-16,0 1 0,0-22 15,0 21-15,0 1 0,-22-22 0,1 21 16,21-21-16,0 0 0,-21 1 0,21-1 15,-21 0-15,21 0 0,-21-21 16,21 21-16,-21-21 16,21-21 15,0 0-31,0 0 16,0 0-16,0-22 0,0 22 15,0 0-15,0-21 0,0 20 0,21-20 16,-21 0-16,21 21 0,42-43 15,-41 22-15,20 21 0,0-1 16,1 1-16,-1 0 0,0 0 0,-21 21 16,22 0-16,-1 0 0,-21 0 0,22 0 15,-22 0-15,0 0 0,0 21 16,21 21-16,-20 1 0,-22-22 16,0 21-16,21 1 15,-21-22-15,0 21 0,0 0 0,0 1 16,0-22-16,0 21 0,0-21 0,0 1 15,-21-1-15,21 0 0,0 0 16,-22 0-16,1 0 0,0-21 16,21 22-16,0-44 31,0 1-31,0 0 16,21 0-16,0 0 0</inkml:trace>
+  <inkml:trace contextRef="#ctx0" brushRef="#br0" timeOffset="86859.59">20786 11218 0,'0'-21'15,"21"0"-15,-21 0 0,0 0 16,0 0-16,0-1 0,0 1 0,-21 0 15,-1 0-15,1 0 16,21 0-16,-21-1 0,0 1 0,0 0 16,0 21-16,-1 0 0,1 0 0,0 0 15,0 0-15,0 0 16,0 0-16,-1 0 0,1 21 0,0 0 16,0 1-16,0 20 0,0-21 0,-1 21 15,1 1-15,0-1 0,0 0 16,21 1-16,0-22 0,-21 21 0,21-21 15,0 22-15,0-22 0,0 0 0,0 0 16,0 0-16,21-21 0,-21 22 16,21-22-16,0 0 0,22 0 0,-22 0 15,0 0-15,0 0 0,21-22 0,-20 1 16,20 21-16,-21-21 0,0 0 16,0 0-16,22-22 0,-22 22 15,0-21-15,-21 21 0,21-22 0,0 22 16,1-21-16,-22 21 0,0-22 15,21 22-15,-21 0 0,21 0 0,-21 0 16,0 42 15,0 0-31,0 0 0,0 0 16,0 22-16,0-22 16,0 21-16,0-21 0,0 22 0,0-22 0,0 0 15,0 0-15,0 22 0,0-22 0,0 0 16,0 0-16,21-21 15,0 0-15,0 0 0,1 0 16,-1 0-16,0 0 0,0 0 16,0 0-16,0-21 0,1 0 15,-1 0-15,-21-1 0,21 1 0,0 0 16,0 0-16,-21-21 0,0 20 16,21 1-16,-21-21 0,22 21 0,-22 0 15,0-1-15,0 1 0,0 0 16,0 42 15,0 0-31,0 1 0,0-1 0,0 0 16,-22 0-16,22 21 0,0-20 15,0-1-15,-21 0 0,21 0 16,0 21-16,0-20 0,0-1 16,0 0-16,0 0 0,-21-21 15,21 21-15,-21-21 0,21-21 47,0 0-47,0 0 16,0 0-16,0-1 0,0 1 15,0 0-15,0 0 0,0-21 0,0 20 16,21 1-16,0-21 0,-21 21 0,21 0 16,1-1-16,-1 1 0,0 0 15,0 0-15,0 21 16,0 0-16,1 0 0,20 0 0,-21 21 15,0-21-15,0 21 16,1 22-16,-22-22 0,21 0 0,-21 0 16,21 21-16,-21 1 0,0-22 15,0 21-15,0-21 0,0 1 16,0-1-16,-21-21 0,21 21 0,-21 0 16,-1 0-16,1-21 15,0 0 1,21-21 15,0 0-31,0 0 16,0 0-16,0-1 0,0 1 0,0-21 15,21 21-15,-21-22 0,21 22 16,1 0-16,-1-21 0,0 21 0,21-1 16,-21 1-16,1 0 0,20 0 0,-21 21 15,21 0-15,1 0 0,-22 0 16,0 0-16,0 0 0,0 21 0,1 0 15,-22 0-15,0 1 0,0-1 0,0 0 16,21 21-16,-21-21 0,0 1 16,0 20-16,0-21 0,0 0 15,0 0-15,-21 1 0,21-1 0,0 0 16,-22 0-16,1 0 16,0-21-16,21 21 0,0-42 46,0 0-30,21 0-16,-21 0 16,21 0-16</inkml:trace>
+  <inkml:trace contextRef="#ctx0" brushRef="#br0" timeOffset="87317.43">21992 11240 0,'0'0'0,"21"0"16,0 0-16,1 0 16,-1 0-1,0 0-15,0-22 0,0 22 0,-21-21 16,21 0-16,1 21 0,-1-21 0,0 0 16,0 0-16,0-1 0,0 1 15,1 0-15,-1 0 0,0 0 16,-21 0-16,0-1 0,0 1 15,-21 21 1,0 0-16,-1 0 16,1 0-16,-21 21 0,21 1 15,0-1-15,-1 0 0,1 0 16,0 0-16,0 22 0,0-22 0,0 21 16,21-21-16,0 0 0,-22 22 0,22-22 15,0 0-15,0 0 0,0 22 16,0-22-16,0 0 0,0 0 15,22 0-15,-1-21 16,0 0-16,0 0 0,0 0 16,0 0-16,1 0 15,-1 0 1,0 0 0,-21-21-16,21 21 0,-21-21 15,0 0-15,21 21 16,0-21-16</inkml:trace>
+  <inkml:trace contextRef="#ctx0" brushRef="#br0" timeOffset="88211.91">25315 10964 0,'0'0'15,"0"-21"-15,0 0 16,0 0-16,21 21 0,-21-21 15,22 0-15,-1-1 16,0 22-16,0 0 0,0-21 16,22 21-16,-22 0 0,0 0 0,0 21 15,0 1-15,22-1 0,-22 0 16,21 21-16,-21 1 0,0-1 16,22 0-16,-22 1 0,0 20 0,-21-21 15,21 22-15,-21-22 0,21 1 16,-21 20-16,0-42 0,0 22 0,0-1 15,0-21-15,0 21 0,0-20 16,0-1-16,0 0 0,-21-21 16,0 0-16,0 0 15,21-21 1,0 0-16,0-1 16,0 1-16,0-21 0,0 21 15,21-22-15,0 1 0,0 0 0,1-22 16,-1 22-16,0 0 0,0-22 0,0 22 15,22-1-15,-22-20 16,0 21-16,21-1 0,-21 1 0,1 21 16,-1-22-16,0 22 0,0 0 0,0 0 15,-21 0-15,21 21 16,-21-21-16,0 42 31,0 0-31,0 0 0,0 0 16,0 0-16,0 1 0,0-1 15,-21 0-15,21 21 0,0-21 0</inkml:trace>
+  <inkml:trace contextRef="#ctx0" brushRef="#br0" timeOffset="89834.77">26712 11409 0,'0'0'0,"0"-21"0,0 0 16,0-22-16,0 22 0,0 0 0,0-21 15,0 20-15,0-20 0,0 21 16,-21-21-16,21 20 0,-21 1 0,0 0 16,21 0-16,-21 21 0,-1 0 15,1 0-15,0 0 0,0 0 16,0 21-16,0 0 0,-1 0 0,1 1 15,-21 20-15,21 0 0,0 1 16,-1-1-16,1 0 0,21 1 0,0-1 16,-21-21-16,21 21 0,0-20 0,0 20 15,0-21-15,0 0 0,21 0 16,-21 1-16,21-22 0,1 21 16,-1-21-16,0 0 0,0 0 0,0 0 15,0 0-15,1 0 0,-1-21 16,0-1-16,0 22 0,0-21 15,0 0-15,1-21 0,-1 21 0,0-1 16,0-20-16,0 0 0,0-1 16,-21 1-16,0 21 0,22-21 0,-22-1 15,0 22-15,0-21 0,0 21 16,0-1-16,0 44 16,0-1-1,-22 0-15,1 0 0,21 21 0,0-20 16,0 20-16,0 0 0,0-21 0,0 22 15,0-1-15,0-21 0,0 0 16,0 22-16,0-22 0,0 0 0,21 0 16,1 0-16,-1-21 0,0 22 15,0-22-15,0 0 0,0 0 16,1 0-16,-1 0 0,21 0 0,-21 0 16,0 0-16,1 0 0,-1-22 0,21 22 15,-21-21-15,0-21 0,1 21 16,-1 0-16,0-22 0,0 1 0,0 0 15,0-22-15,1 22 0,-1-22 16,-21 22-16,0-22 0,21 22 0,-21 0 16,21-1-16,-21 1 0,0 0 15,0-1-15,0 22 0,0 0 0,0 0 16,0 0-16,0 42 31,0 0-31,0 0 0,-21 22 0,0-22 16,21 21-16,-21 64 0,21-64 15,-22 22-15,22-22 0,-21 22 16,21-22-16,0 0 0,0 1 0,0-1 16,0 0-16,0 1 0,0-22 15,0 21-15,0-21 0,0 0 0,0 1 16,21-1-16,1 0 0,-1-21 16,0 0-1,0 0-15,0 0 0,0-21 16,1 0-16,-1 21 0,0-22 15,0 1-15,0 0 0,0-21 16,-21 21-16,22-1 0,20-41 16,-42 21-16,0 20 0,21 1 15,-21 0-15,21 21 0,-21 21 32,0 0-32,-21 1 15,21-1-15,-21 21 0,21-21 0,0 0 16,0 1-16,0-1 0,-21 0 15,21 0-15,0 0 0,0 0 0,0 1 16,0-1-16,0 0 16,0 0-16,21-21 15,0 0-15,0 0 0,0 0 16,1 0 0,-1 0-16,0-21 0,0 21 0,0-21 15,0 0-15,22-1 0,-22 1 0,0 0 16,0 0-16,0 0 0,1-22 15,-1 22-15,0 0 0,0 0 0,-21 0 16,0 0-16,21 21 16,-21 21-1,0 0 1,-21-21-16,0 21 0,21 0 16,-21 0-16,21 1 0,0-1 15,-21 0-15,21 0 0,0 0 0,0 0 16,0 1-16,0-1 0,0 0 15,0 0-15,0 0 16,21 0-16,0-21 0,0 0 16,0 22-16,0-22 0,1 0 0,-1 0 15,21 0-15,-21 0 0,0 0 0,22 0 16,-1 0-16,-21-22 0,22 22 16,-22-21-16,21 0 0,-21 0 0,22 0 15,-22 0-15,0-1 0,0-20 16,0 21-16,0-21 0,-21-1 15,22 22-15,-22-21 0,0 21 0,0-1 16,0 1-16,0 0 0,0 0 16,-22 21-16,1 0 15,0 0-15,0 0 0,0 21 16,0 0-16,-22 22 0,22-22 0,0 0 16,0 21-16,21-21 0,-21 22 15,21 20-15,0-42 0,0 1 16,0-1-16,0 0 0,0 0 0,0 0 15,21 0-15,0 1 0,0-22 16,0 21-16,0-21 0,1 0 0,20 0 16,-21 0-16,21 0 15,-20 0-15,41 0 0,-21 0 16,-20 0-16,-1-21 0,0-1 0,21 22 16,-21-21-16,1 0 0,-1 21 15,0-21-15,0 0 0,0 0 16,0-1-16,-21 1 0</inkml:trace>
+  <inkml:trace contextRef="#ctx0" brushRef="#br0" timeOffset="91210.99">22627 11176 0,'0'21'16,"21"-21"62,0 0-63,1 0-15,-1 0 0,0 0 16,0 0-16,0 0 0,0 0 0,1 0 0,-1 0 16,0 0-16,0 0 15,0 0-15,0 0 0,1 0 16,-22 21 78,-22-21-79,1 0 1,0 0-1,0 22-15</inkml:trace>
+  <inkml:trace contextRef="#ctx0" brushRef="#br0" timeOffset="91971.06">22542 11388 0,'0'21'15,"-21"-21"-15,42 0 47,1 0-47,-1 0 0,0 0 16,0 0-16,21 0 15,-20 0-15,20 0 0,-21 0 16,0 0-16,0 0 0,1 0 0,-1 0 16,0 0-16,0 0 15,0 0-15,0 0 16,1 0 0,-1 0-1,-21 21 48,21-21 171,-21 21-156,-21-21-62,0 0-1,-1 0-15</inkml:trace>
+  <inkml:trace contextRef="#ctx0" brushRef="#br0" timeOffset="93800.29">12171 6879 0,'21'0'0,"-21"-21"15,21 0 1,-21 0-16,21 21 16,-21-21-1,-21 21 63,0 21-62,0 0-16,0 0 0,-1-21 16,1 21-16,21 0 0,-21 1 15,0-1-15,0 0 0,0 0 0,-22 21 16,22-20-16,0-1 0,0 21 16,0-21-16,-1 0 0,1 22 0,21-1 15,-21-21-15,0 22 0,21-22 0,0 21 16,-21-21-16,0 22 0,21-1 15,-22-21-15,22 21 0,0-20 16,0-1-16,0 21 0,0-21 16,0 0-16,0 22 0,0-22 0,0 0 15,0 0-15,0 0 0,0 1 0,22 20 16,-22-21-16,21 0 16,0 0-16,-21 1 0,21-1 0,0 0 15,0 0-15,1 0 16,-1 0-16,0 1 0,0-22 0,0 21 15,0-21-15,1 21 0,-1-21 16,0 21-16,0-21 16,0 0-1,0 0-15,1 0 16,-1-21 0,0 0-16,0 0 0,21-43 15,1 43-15</inkml:trace>
+  <inkml:trace contextRef="#ctx0" brushRef="#br0" timeOffset="94416.61">13864 6985 0,'21'0'16,"22"-21"-1,-22 21-15,0 0 16,0 21-1,0 0-15,0 0 16,-21 1-16,22-1 0,-1 0 16,-21 0-16,0 21 0,42 1 15,-42-1-15,21-21 0,-21 22 0,0-1 16,0-21-16,0 21 0,0-20 16,0 20-16,0-21 0,0 21 0,0-20 15,0 20-15,0-21 16,0 21-16,0-20 0,0-1 0,0 0 0,0 21 15,0-21-15,0 1 0,0-1 16,0 0-16,0 0 0,-21 21 0,21-20 16,-21-1-16,0 0 0,0 0 0,21 0 15,-22 0-15,1-21 16,0 22-16,0-1 0,-21 0 0,20 0 16,1 0-16,0 0 0,0-21 15,0 22-15,0-1 0,-1-21 0,1 21 16,0 0-16,0-21 0,0 0 0,21 21 15,-21-21-15,-1 0 16,22 21-16,0-42 31,0 0-15,0 0-16,0 0 0,22 0 16,-22-1-16</inkml:trace>
+  <inkml:trace contextRef="#ctx0" brushRef="#br0" timeOffset="94855.67">12298 7705 0,'0'0'0,"-21"0"16,21 21-16,0 0 31,21-21-31,0 21 0,0-21 16,0 21-16,22-21 0,-1 0 0,0 0 15,1 0-15,20 22 0,1-22 16,-1 0-16,1 0 0,20 0 0,-20 0 16,20 0-16,-20 0 0,21 0 15,-22 0-15,1 0 0,-1 0 0,-21 21 16,1-21-16,-22 0 0,0 0 16,0 0-16,0 0 0,-42 0 46,21-21-14</inkml:trace>
+  <inkml:trace contextRef="#ctx0" brushRef="#br0" timeOffset="96235.49">13949 7176 0,'0'0'0,"-21"-22"16,21 1 0,-22 21-1,22-21-15,0 0 0,-21 21 0,21-21 16,0 0-16,0-1 15,0 1-15,0 0 0,0 0 0,0 0 16,0 0-16,0-1 0,0 1 16,0 0-16,21 0 0,1-21 0,-1 20 15,0 1-15,21-21 0,1 21 16,-1-22-16,21 22 0,-20-21 0,20 21 16,1-22-16,-1 22 15,1-21-15,-1 0 0,1 20 0,-22 1 16,22 0-16,-1 0 0,-21 0 15,22 0-15,-22-1 0,22 1 0,-1 0 16,1 21-16,-1-21 0,1 0 16,-1 21-16,1-21 0,20 21 0,-20-22 15,84 1 1,-84 21-16,20 0 0,-20 0 0,20-21 0,1 21 16,0 0-16,21 0 0,-22 0 15,1 0-15,0 0 0,-1 0 0,-20 0 16,20 0-16,-20 0 15,21 21-15,-22 0 0,22-21 0,-22 22 16,22-22-16,0 21 0,-1-21 16,1 21-16,0 0 0,-1 0 0,1 0 15,-22 1-15,1-1 0,21 0 16,-22 0-16,1 0 0,-1 22 16,1-22-16,-1 21 0,1-21 0,-1 22 15,1-22-15,-1 21 0,1-21 16,-22 22-16,21-22 0,-20 21 0,20-21 15,-20 0-15,-1 1 0,0 20 16,1-21-16,-1 0 0,0 0 0,1 1 16,-1-1-16,0 0 15,1 21-15,20-21 0,-21 1 0,22-1 16,-22 21-16,22-21 0,-22 22 16,22-22-16,-22 21 0,21 0 0,-20 1 15,-1-22-15,22 21 0,-22 1 16,0-22-16,1 21 0,-1-21 0,-21 22 15,21-22-15,-20 21 0,20-21 16,0 22-16,-21-22 0,22 21 16,-1-21-16,0 22 0,1-1 0,-1 0 15,0 1-15,1-1 0,-1 0 0,22 1 16,-22 20-16,21-21 0,-20 1 16,-1-1-16,22 0 0,-22 1 15,21 20-15,-20-20 0,-1-22 0,0 21 16,1 0-16,-1 1 0,22-1 15,-22 0-15,43 43 0,-43-21 16,0-22-16,22 0 0,-22 1 16,0-1-16,22 0 0,-22 1 0,22-1 15,-1 0-15,-20 1 0,20-22 16,-21 21-16,1-21 0,-1 22 0,22-22 16,-22 21-16,0-21 0,-21 0 15,22 22-15,-1-22 0,0 0 0,-20 0 16,20 0-16,-21 1 0,0-1 0,0 0 15,1 0-15,-1-21 16,0 21-16,0-21 0,-21 21 16,-21-21 93,21-21-109</inkml:trace>
+  <inkml:trace contextRef="#ctx0" brushRef="#br0" timeOffset="96815.16">22669 9377 0,'0'0'0,"0"-21"0,0 0 16,0-1-1,0 44 32,0-1-31,22 0-16,-1 0 0,-21 0 15,21-21-15,0 21 0,-21 1 0,21 20 16,0-21-16,-21 0 0,22 0 16,-1 1-16,0-1 0,-21 0 15,0 0-15,21-21 0,-21 21 0,0 0 16,21 1-16,-21-1 0,0 0 15,0 0-15,0 0 16,0 0-16,-21-21 16,0 22-16,0-22 15,-22 21-15,22-21 0,0 0 16,-21 0-16,-1 21 0,22-21 0,-21 0 16,0 21-16,-1-21 0,1 21 15,0-21-15,20 21 0,-20-21 0,0 22 16,21-22-16,-22 21 0,22-21 15,-21 21-15,21-21 0,-1 0 0,1 21 16,0-21-16,0 0 0,0 21 16,0-21-16,21 21 15,21-21 17,0 0-17,0-21-15,0 21 16,0 0-16</inkml:trace>
+  <inkml:trace contextRef="#ctx0" brushRef="#br0" timeOffset="97771.71">29379 11430 0,'0'0'0,"-21"0"0,0 0 0,0 0 31,42 0 0,0 0-31,0 0 16,0 0-16,1 0 0,-1 0 0,0 0 16,0 0-16,0 0 0,0 0 15,1 0-15,-1 0 0,0 0 0,0 0 16,0 0-16,0 0 47,-21 21-47,-21-21 31,0 0-31</inkml:trace>
+  <inkml:trace contextRef="#ctx0" brushRef="#br0" timeOffset="97998.57">29400 11578 0,'0'21'0,"22"-21"32,-1 0-17,0 0-15,0 0 0,0 0 16,0 0-1,1 0 1,-1 0-16,0 0 16,-21-21-16,21 21 0,0 0 15</inkml:trace>
+  <inkml:trace contextRef="#ctx0" brushRef="#br0" timeOffset="101171.61">30670 11388 0,'22'0'0,"-22"-21"16,0-1-1,0 1-15,0 0 16,0 0 0,-22 21-1,1 0-15,-21 21 0,21 0 16,0 0-16,-22 1 0,22-1 16,-21 0-16,21 21 0,-22-21 0,22 1 15,0 20-15,0-21 0,0 21 16,-1-20-16,22-1 0,0 0 0,0 0 15,0 0-15,22 0 16,-1 1-16,0-1 0,0 0 0,0 0 16,22-21-16,-22 21 0,21-21 15,-21 0-15,22 0 0,-22 21 0,21-21 16,-21 0-16,22 0 0,-22 0 16,21 0-16,-21-21 0,0 0 0,22 21 15,-22-21-15</inkml:trace>
+  <inkml:trace contextRef="#ctx0" brushRef="#br0" timeOffset="101707.27">31242 11134 0,'0'0'0,"0"-21"0,0-1 16,0 44 15,0-1-31,0 0 0,0 21 0,0-21 15,0 22-15,0-1 0,0 0 16,0 1-16,0 20 0,0-20 0,0-22 16,0 21-16,-21 0 15,21 1-15,0-22 0,0 0 0,-21 21 0,21-20 16,-22-1-16,22 0 0,0 0 16,-21-21-1,21 21-15,0-42 31,0 0-15,0 0 0,0 0-16,21-1 0,-21 1 0,22 0 15,-1 0-15,21 0 0,-21 21 16,0-21-16,22-1 0,-22 1 16,21 0-16,-21 21 0,22 0 0,-22 0 15,21 0-15,-21 0 0,1 0 16,-1 21-16,0-21 0,0 21 15,-21 1-15,0-1 0,0 0 0,0 0 16,0 0-16,0 0 0,0 1 16,0-1-16,-21 0 0,0-21 15,0 21-15,-1 0 0,1-21 16,0 21-16,0-21 31,21-21-15,0 0-1,21 0-15</inkml:trace>
+  <inkml:trace contextRef="#ctx0" brushRef="#br0" timeOffset="102099.78">31729 11557 0,'0'0'0,"0"-21"15,0 0-15,0 0 16,21 21-16,0 0 15,0 0-15,0 0 0,1 0 16,-1 0-16,0 0 16,-21 21-16,0 0 0,21 0 0,-21 0 15,0 0-15,0 1 0,0 20 16,0-21-16,0 0 0,0 0 0,0 1 16,-21-1-16,21 0 15,-21-21-15,21 21 0,-21-21 31,-1 0-15,22-21 0,0 0-16,0 0 15,22-1-15,-1 1 0,-21 0 16,21 0-16,0 0 16,-21 0-16,21-1 0,0 22 0,-21-21 0,0 0 15,22 21-15,-1 0 0,-21-21 16,21 21-16,0 0 15,0 0 1,0 0-16</inkml:trace>
+  <inkml:trace contextRef="#ctx0" brushRef="#br0" timeOffset="102568.51">32470 11557 0,'0'-21'15,"0"0"1,-22 21-16,1-21 0,0 21 0,0 0 16,0 0-16,0 0 0,-1 0 15,1 21-15,0 0 16,0-21-16,-21 21 0,20 0 0,1 0 16,0 22-16,0-22 0,21 0 15,0 0-15,-21-21 0,21 21 0,0 1 16,0-1-16,0 0 0,0 0 15,21-21-15,0 0 16,0 0-16,0 0 0,1 0 16,-1 0-16,0 0 0,0 0 15,0 0-15,0 0 0,1-21 0,-1 0 16,0 0-16,0-1 0,-21 1 16,0 0-16,21 0 0,-21 0 15,0-22-15,0 22 0,0 0 16,0 0-16,-21 21 15,0 0-15,0 0 0,0 0 0,-1 0 16,1 21-16,21 0 16,-21 0-16,21 1 0,0-1 15,0 0-15,21-21 16,0 0-16,1 21 0,-1-21 16,0 0-16,21 0 0,-21 0 15,1 0-15,20 0 0,-21 0 0,0 0 16,22 0-16,-22-21 0</inkml:trace>
+  <inkml:trace contextRef="#ctx0" brushRef="#br0" timeOffset="103207.75">32660 11642 0,'21'-21'16,"-63"42"-16,63-21 16,0-43-16,0 43 0,-21 22 31,0-1-31,0 0 16,0 0-16,-21 0 0,21 0 15,0 1-15,-21-1 16,21 0-16,-21-21 0,21 21 15,-21-21-15,0 0 0,21 21 16,-22-21 0,22-21 15,0 0-31,0 0 16,0 0-16,0-1 0,22 1 15,-1 0-15,0 21 0,0-21 16,0 0-16,0 0 0,1-1 15,-1 22-15,0 0 0,0-21 0,0 21 16,0 0-16,1 0 0,-1 0 16,0 21-16,-21 1 15,0-1-15,0 0 0,0 0 16,0 0-16,0 0 0,-21 1 16,0-22-16,21 21 15,-22-21-15,1 0 16,0 0-1,21-21 17,0-1-32,21 1 0,0 21 15,-21-21-15,22 0 0,-1 0 16,0 0-16,0-1 0,0 1 16,0 21-16,1-21 0,-1 21 15,0 0-15,0 0 0,0 0 0,0 21 16,-21 0-1,0 1-15,0-1 0,0 0 16,0 0-16,-21 0 16,0 0-16,0-21 0,21 22 0,-21-1 15,42-42 48,0 21-63,0 0 15,0-22-15</inkml:trace>
+  <inkml:trace contextRef="#ctx0" brushRef="#br0" timeOffset="103539.08">33189 11684 0,'21'0'62,"1"0"-62,-1 0 16,0 0-16,-21-21 0,0 0 16,21 21-16,-21-21 15,-21 21 17,0 0-32,0 0 0,-1 21 15,1 0-15,0-21 0,0 21 16,0-21-16,0 21 0,21 0 0,-22 1 15,22-1 1,0 0-16,22-21 31,-1 0-31,0 0 16,0 0-16,0 0 0,0 0 16,1 0-16,-1-21 0</inkml:trace>
+  <inkml:trace contextRef="#ctx0" brushRef="#br0" timeOffset="104002.81">33740 11494 0,'0'0'16,"-22"0"-16,1 0 0,0 0 15,0 0 1,21 21-1,-21-21-15,21 21 0,0 0 16,21-21-16,0 21 16,0 0-16,0 1 15,1-22-15,-1 21 0,0-21 16,21 0-16,-21 21 0,-21 0 16,0 0 15,0 0-16,0 1 1,-21-1 0,0 0-16,-21-21 15,-1 21-15,1 0 0,0 0 0,-1 1 16,1-1-16,0 0 0,21 0 16,-22 0-16,22-21 15,0 21-15,-21 1 0,20-22 0,22 21 16,-21 0-16,0-21 0,0 0 15,21 21-15,-21-21 16,0 0 15</inkml:trace>
+  <inkml:trace contextRef="#ctx0" brushRef="#br0" timeOffset="105798.75">16383 8530 0,'0'0'16,"0"-21"-16,0 0 0,0 0 15,0 0-15,0-1 0,0 1 16,0 0-16,-21 0 15,21 0-15,-21 21 0,21-21 16,-22 21-16,1 0 16,0 0-16,21 21 15,0 0-15,0 0 0,-21 0 0,21 22 16,0-22-16,0 21 0,0 0 16,0 1-16,0-1 0,-21 0 0,21 1 15,0 20-15,0-20 0,0-1 16,-21 21-16,21-20 0,-22-1 0,22-21 15,-21 22-15,21-22 0,0 21 16,0-21-16,0 0 0,-21-21 0,21 22 16,0-1-1,0-42 17,0-1-32,0 1 15,0 0-15,0-21 0</inkml:trace>
+  <inkml:trace contextRef="#ctx0" brushRef="#br0" timeOffset="106197.25">16065 8488 0,'0'0'0,"0"-21"0,0 0 16,-21-1-16,21 1 0,0 0 15,0 0-15,0 0 0,0 0 16,21-1-16,1 1 0,-1 0 15,0 0-15,21 0 0,1 0 0,-1-1 16,0 22-16,22-21 0,-22 21 16,64 0-16,-43 0 0,-20 21 15,-1-21-15,-21 22 0,0-1 16,1 21-16,-1-21 0,-21 22 0,0-22 16,0 21-16,0-21 0,-21 22 15,-1-22-15,1 0 0,0 21 0,-21-21 16,21 1-16,-22-1 0,1 0 15,0 0-15,20 0 0,-62 22 16,63-22-16,-22-21 16,22 21-16,0-21 0,0 21 15,42-21 17,-21 21-32,21-21 0,0 0 15,22 0-15,-22 0 0,0 21 0,21-21 16,-21 22-16,1-22 0</inkml:trace>
+  <inkml:trace contextRef="#ctx0" brushRef="#br0" timeOffset="108579.59">16870 8975 0,'0'0'0,"21"0"0,0 0 15,0-21-15,0 21 0,1-22 16,-22 1-16,21 0 0,0-21 15,0 21-15,-21-1 0,0 1 16,0 0-16,0 0 0,0 0 0,0 0 16,-21-1-16,0 1 0,0 0 15,-1 21-15,1 0 0,0 0 0,-21 0 16,-1 0-16,22 21 16,0 0-16,0 1 0,0 20 15,0-21-15,-1 21 0,22-20 0,-21 20 16,21 0-16,-21-21 0,21 22 15,-21-22-15,21 21 0,0-21 0,0 1 16,0-1-16,0 0 0,0 0 16,21-21-16,0 21 0,0-21 0,1 0 15,-1 0-15,0 0 0,0 0 16,0 0-16,0-21 0,1 21 0,-1-21 16,0 0-16,0 21 0,0-21 15,0-22-15,1 22 0,-22 0 0,21 0 16,-21-22-16,21 22 0,-21-21 15,0 21-15,21-22 0,-21 22 16,0 0-16,21 0 0,-21 0 16,0 42-1,0 0 1,0 0-16,0 0 16,0 1-16,0 20 0,0-21 0,0 0 15,0 22-15,0-22 0,0 0 16,0 0-16,0 0 0,0 0 0,0 1 15,0-1-15,0 0 0,0 0 16,21-21-16,1 0 16,-1 0-16,0 0 0,0 0 15,0 0-15,0-21 0,1 0 16,20 21-16,-21-21 0,0-1 0,0 1 16,1 0-16,-1 0 0,0 0 15,0-22-15,-21 22 0,0 0 16,0-21-16,0 21 0,0-1 0,0 1 15,0 0-15,0 0 0,0 42 32,0 0-32,0 0 15,0 1-15,0-1 0,0 0 16,0 0-16,0 0 0,0 22 0,21-1 16,-21-21-16,21 0 15,1 0-15,-22 1 16,21-1-16,0 0 0,0-21 0,0 21 15,0-21-15,1 0 16,-1 0-16,0 0 0,0 0 0,0 0 16,22 0-16,-22-21 0,0 0 15,21 21-15,-21-21 0,1-1 16,20 1-16,-21 0 0,0 0 0,0 0 16,1 0-16,-22-1 0,0-20 15,0 21-15,0 0 0,0 0 0,0-22 16,0 22-16,0 0 0,-22 21 15,1 0-15,0 0 0,0 0 16,0 21-16,0 0 16,-1-21-16,-20 43 0,21-22 0,0 0 15,21 0-15,-21 21 0,-1-20 16,22 20-16,-21-21 0,21 0 0,0 0 16,0 1-16,0-1 0,0 0 15,0 0-15,21-21 0,1 0 16,-1 0-16,0 0 0,0 0 15,0 0-15,0 0 16,1-21-16,-1 0 0,-21 0 0,21-1 16,0 1-16,-21 0 0,21 0 15,-21 0-15,0-22 0,0 22 16,21-21-16,-21 21 0,0 0 16,22-1-16,-22 1 0,0-21 15,0 63 1,0 0-16,0 0 15,0 1-15,0-1 0,0 0 16,-22 21-16,22-21 0,0 22 0,0-22 16,0 0-16,0 0 0,0 0 15,0 1-15,0-1 0,0 0 16,22 0-16,-1-21 0,0 21 0,0-21 16,0 0-16,0 0 0,1 0 15,-1 0-15,0 0 0,0-21 16,0 0-16,22 21 0,-22-21 0,0 0 15,0-1-15,0 1 0,-21 0 16,21-21-16,1-1 0,-1 22 0,0-21 16,0-43-16,0 43 15,-21 0-15,21-1 0,-21 1 0,22 0 16,-22 20-16,21-20 0,-21 21 16,0 0-16,0 0 0,0 42 31,0 0-31,0 0 15,0 0-15,0 22 0,-21-1 16,-1-21-16,1 21 0,0 43 16,0-21-16,0-22 0,21 0 15,-21-21-15,21 22 0,0-1 16,0-21-16,0 22 0,0-22 0,0 0 16,0 0-16,0 0 0,21-21 15,0 21-15,0-21 0,0 0 16,0 0-16,1 0 0,20 0 15,-21 0-15,0-21 0,22 0 0,-22 21 16,0-21-16,21 0 0,-21 0 0,1-1 16,-1-20-16,0 21 15,0-21-15,0-1 0,0 1 0,-21 0 16,22-1-16,-22 1 0,21 0 16,-21 20-16,0-20 0,21 21 0,-21-21 15,0 20-15,21 1 16,-21 0-16,-21 42 31,0 0-31,21 1 16,-21 20-16,-1-21 0,22 21 0,-21 1 15,0-22-15,21 21 16,-21 1-16,21-1 0,-21 0 0,0 1 0,21-1 16,0-21-16,0 21 15,0-20-15,0-1 0,0 0 0,0 0 16,0 0-16,0 0 0,0 1 15,21-22-15,0 0 0,0 0 16,0 0-16,0 0 0,1 0 0,-1 0 16,21 0-16,-21 0 0,0 0 15,22-22-15,-22 22 0,0-21 0,0 21 16,0-21-16,1 0 0,-1 0 16,0 0-16,-21-1 0,0 1 15,0 0-15,0 0 0,0 0 0,0 0 0,0-1 16,0 1-16,0 0 15,0 0-15,-21 0 16,0 21-16,-1 0 16,1 21-16,0 0 15,0 0-15,21 0 0,0 1 16,-21-1-16,0 21 0,21-21 0,-22 0 16,22 1-16,0 20 0,0-21 0,0 0 15,0 0-15,0 1 0,0-1 16,0 0-16,0 0 0,22-21 0,-1 21 15,0 0-15,0-21 0,0 0 16,0 0-16,1 0 0,-1 0 0,0 0 16,21 0-16,-21 0 0,22 0 15,-22-21-15,0 21 0,21-21 16,1 0-16,-22 0 0,21 0 0,-21-1 16,22 1-16,-22-21 0,21-43 15,-21 43-15,22-43 16,-22 43-16,0-22 0,-21 22 15,0 0-15,21-1 0,-21 1 0,21 21 16,-21-21-16,0 20 0,0 1 16,0 42-1,-21-21-15,21 22 16,-21 20-16,0-21 0,21 21 16,-21 1-16,0-1 0,-1 0 15,1 64-15,0-63 0,0-1 16,21-21-16,0 21 0,0 1 15,-21-22-15,21 21 0,0-21 0,0 1 16,0-1-16,0 0 0,0 0 16,0 0-16,21 0 0,0-21 15,0 0-15,0 0 0,1 0 16,-1 0-16,0 0 16,0 0-16,0 0 0,0 0 15,1-21-15,-1 0 0,0 21 16,0-21-16,0 0 0,0 0 15,-21-1-15</inkml:trace>
+  <inkml:trace contextRef="#ctx0" brushRef="#br0" timeOffset="108848.44">20151 8975 0,'0'0'0,"-22"0"16,22 21-16,22-21 47,-1 0-47,0 0 15,0 0-15,0 0 0,0 0 16,1 0-16,-1 0 0,0 0 16,0 0-16,0 0 15,-21 21 16,-21-21-15,0 21-16</inkml:trace>
+  <inkml:trace contextRef="#ctx0" brushRef="#br0" timeOffset="109035.33">20129 9144 0,'0'0'0,"-21"21"16,21 0-16,0 1 31,21-22-16,1 0-15,-1 0 16,0 0-16,0 0 16,0 0-1,0 0 1,-21-22-16,22 22 0,-1-21 16,0 21-16,-21-21 0</inkml:trace>
+  <inkml:trace contextRef="#ctx0" brushRef="#br0" timeOffset="109465.29">21315 8509 0,'0'0'0,"0"-21"0,0 0 0,0 0 15,0-1-15,0 1 0,-21 21 32,21 21-17,-22 1-15,22-1 16,-21 0-16,0 21 0,0 1 0,21-22 16,-21 42-16,0-20 0,-1-1 15,1 21-15,0-20 0,21 20 0,0-20 16,-21-1-16,21 0 0,-21 1 0,21-1 15,0 0-15,0-21 0,0 1 16,0-1-16,0 0 0,0 0 16,0 0-16,0 0 15,21-21-15,0 0 0,0 0 16,0 0-16,1 0 0,-1 0 0,0-21 16,0 21-16,0-21 0,0 21 15,-21-21-15,22 21 0,-1-21 16,0 0-16,-21-1 15,0 1-15,0 0 0,0 0 0,0 0 16</inkml:trace>
+  <inkml:trace contextRef="#ctx0" brushRef="#br0" timeOffset="109681.17">20934 8954 0,'0'0'0,"0"21"16,0 0-1,21-21-15,0 0 16,21 0-16,-20 0 0,20 0 16,0 0-16,-21 0 15,1 0-15,-1-21 0,21 21 0,-21-21 16,0 21-16,1-22 0,-1 22 0,0-21 16,0 21-16,-21-21 15,21 21-15,-21-21 0</inkml:trace>
+  <inkml:trace contextRef="#ctx0" brushRef="#br0" timeOffset="110783.3">21463 9038 0,'42'0'15,"-21"0"-15,1 0 0,-1 0 16,-21-21-16,21 21 0,0-21 16,-21 0-16,21 0 0,0-1 0,-21 1 15,22 0-15,-1 0 0,-21 0 16,0-22-16,0 22 0,21 21 0,-21-21 16,0 0-16,-21 42 31,0 0-31,-1 0 15,1 1-15,21-1 0,-21 21 16,0-21-16,0 0 0,0 1 0,21 20 16,0-21-16,-22 0 0,22 0 15,0 1-15,0-1 0,0 0 16,0 0-16,0 0 16,22-21-16,-1 0 0,0 0 15,0 0-15,0 0 0,0 0 16,22 0-16,-22 0 0,0-21 15,21 0-15,-20 21 0,-1-21 0,21 0 16,-21-22-16,0 22 0,1 0 16,-1 0-16,0-22 0,0 22 0,-21-21 15,21 21-15,-21 0 0,0-1 16,-21 22 15,21 22-31,-21-1 0,21 0 0,0 0 16,0 21-16,0-20 0,0-1 15,0 0-15,0 21 0,0-21 0,21 1 16,-21-1-16,0 0 0,0 0 16,0 0-16,0 0 15,-21-21 17,0 0-32,0 0 0,-1 0 31,1 0-31,0 0 31,21 22-15,21-22-1,0 0-15,1 21 0,-1-21 16,0 0-16,0 0 0,0 0 16,0 0-16,1 0 15,-1 0-15,21 0 0,-21-21 0,0-1 16,1 22-16,-1-21 0,0 0 0,0-21 15,0 21-15,0-22 0,1 1 16,-1 0-16,-21-1 0,21 1 0,0-22 16,0 22-16,0-21 0,-21 20 15,22 1-15,-1 0 0,-21-1 0,0 1 16,0 21-16,0 0 0,21-1 16,-42 44 15,21-1-31,0 0 0,-21 0 0,-1 0 15,1 22-15,21-1 0,-21-21 16,0 21-16,21 22 0,-21-22 16,21 1-16,-21-1 0,-1 0 0,22 43 15,0-64-15,0 21 16,0-20-16,0 20 0,0-21 0,0 0 16,0 0-16,0 1 15,22-22 1,-1 0-16,0 0 0,0 0 15,0 0-15,0 0 16,1 0-16,-22-22 0,21 22 0,-21-21 16,21 0-16,-21 0 15,21 0-15,-21 0 16,21-1-16,-21 1 0,0-21 16,0 21-16</inkml:trace>
+  <inkml:trace contextRef="#ctx0" brushRef="#br0" timeOffset="111014.76">22373 8848 0,'-21'0'0,"0"0"15,42 0 17,0 0-32,0 0 15,0 0-15,1 0 16,-1 0-16,0-21 0,0 21 15,0-22-15,0 22 0,1 0 16,-22-21-16</inkml:trace>
+  <inkml:trace contextRef="#ctx0" brushRef="#br0" timeOffset="111507.72">23050 8848 0,'0'0'0,"0"-21"16,0-1-16,0 1 0,0 0 15,-21 21 16,0 0-31,0 0 16,0 0-16,0 0 0,-1 21 16,22 0-16,-21-21 0,21 22 15,-21-1-15,21 0 16,0 0-16,0 0 0,0 0 16,0 1-16,21-1 15,0-21-15,-21 21 0,22-21 16,-1 21-16,0-21 0,0 21 0,0-21 15,-21 21-15,21-21 0,-21 22 16,22-22-16,-22 21 0,0 0 16,0 0-16,0 0 15,-22-21-15,1 0 0,0 21 16,0-21-16,0 0 0,0 0 0,-1 22 16,1-22-16,0 0 0,0 0 15,0 0-15,0 0 0,-1 0 0,1 0 16,0 0-1,0 0-15,0 0 0,21-22 32,0 1-17,0 0-15,21 0 0</inkml:trace>
+  <inkml:trace contextRef="#ctx0" brushRef="#br0" timeOffset="111875.18">23453 8467 0,'0'21'47,"0"0"-31,0 0-16,0 0 15,-22 1-15,1-1 16,21 0-1,-21-21-15,21 21 16,-21-21-16</inkml:trace>
+  <inkml:trace contextRef="#ctx0" brushRef="#br0" timeOffset="112099.65">23558 8488 0,'-21'0'16,"0"0"-1,21 21-15,-21 0 16,21 0-16,-21-21 16,21 22-16,0-1 0,0 0 15,-21-21 1,21 21-16,0 0 15,-22-21-15</inkml:trace>
+  <inkml:trace contextRef="#ctx0" brushRef="#br0" timeOffset="112764.47">20807 8234 0,'0'0'0,"0"-21"0,0 0 31,0 42 16,0 0-47,0 0 16,0 0-16,0 0 0,0 1 15,0-1-15,0 0 16,0 0-16,0 0 0,0 0 31,21-42 16</inkml:trace>
+  <inkml:trace contextRef="#ctx0" brushRef="#br0" timeOffset="113031.54">21124 8149 0,'0'0'15,"0"21"17,-21 1-17,21-1-15,-21-21 0,21 21 0,0 0 16,0 0-16,-21 22 15,0-22-15,21 0 16,0 0 0,0 0-1</inkml:trace>
+  <inkml:trace contextRef="#ctx0" brushRef="#br0" timeOffset="115735.12">22902 9419 0,'0'0'0,"-21"0"0,0 0 16,0 0-16,0 0 0,-1 0 15,1 0 1,0 0-16,42 0 47,0 0-47,1 0 15,20 0-15,0 0 0,1 0 16,-1 0-16,0 0 0,1 0 16,-1 0-16,0 0 0,-21 0 15,22 0-15,-22 0 0,21 0 0,-21 0 16,1 0-16,-1 0 15,-42 0 1,-1 0 0,1 0-16,0 0 0,0 0 15,0 0-15,-22 21 0,22-21 0,-21 0 16,0 0-16,-1 0 0,1 0 16,0 22-16,-22-22 0,22 0 15,-43 0-15,43 21 0,-1-21 16,1 0-16,21 0 0,0 0 15,0 0-15,-1 0 0,44 0 32,-1 0-32,0 0 0,21 0 15,1 0-15,-1 0 0,21 0 16,-20 0-16,20 0 0,1 0 0,-22 0 16,22 0-16,20 0 15,-41 0-15,-1 21 0,-21-21 0,0 0 16,0 0-16,1 0 0,-44 0 31,1 0-31,0 0 16,-21 0-16,21 0 0,-22 0 15,1 0-15,0 0 0,-1 21 0,22-21 16,-21 0-16,-1 0 0,22 0 16,-21 21-16,21-21 0,0 0 15,21 21-15,0 1 16,21-22-16,0 0 0,21 0 15,1 0-15,-1 0 0,0 0 16,22 0-16,-22 0 0,22 0 0,-22 0 16,21 0-16</inkml:trace>
+</inkml:ink>
+</file>
+
+<file path=ppt/ink/ink14.xml><?xml version="1.0" encoding="utf-8"?>
+<inkml:ink xmlns:inkml="http://www.w3.org/2003/InkML">
+  <inkml:definitions>
+    <inkml:context xml:id="ctx0">
+      <inkml:inkSource xml:id="inkSrc0">
+        <inkml:traceFormat>
+          <inkml:channel name="X" type="integer" max="1600" units="cm"/>
+          <inkml:channel name="Y" type="integer" max="900" units="cm"/>
+          <inkml:channel name="T" type="integer" max="2.14748E9" units="dev"/>
+        </inkml:traceFormat>
+        <inkml:channelProperties>
+          <inkml:channelProperty channel="X" name="resolution" value="51.77993" units="1/cm"/>
+          <inkml:channelProperty channel="Y" name="resolution" value="51.72414" units="1/cm"/>
+          <inkml:channelProperty channel="T" name="resolution" value="1" units="1/dev"/>
+        </inkml:channelProperties>
+      </inkml:inkSource>
+      <inkml:timestamp xml:id="ts0" timeString="2021-02-03T14:25:24.573"/>
+    </inkml:context>
+    <inkml:brush xml:id="br0">
+      <inkml:brushProperty name="width" value="0.05292" units="cm"/>
+      <inkml:brushProperty name="height" value="0.05292" units="cm"/>
+      <inkml:brushProperty name="color" value="#FF0000"/>
+    </inkml:brush>
+  </inkml:definitions>
+  <inkml:trace contextRef="#ctx0" brushRef="#br0">4657 614 0,'21'-21'0,"-42"42"0,63-63 0,-42 20 0,0 1 16,0 0-16,21 0 0,-21 0 15,0 0-15,0-22 0,0 22 0,0 0 16,0 0-16,0 0 0,0-1 16,0 1-16,0 0 0,-21 42 31,21 0-15,-21 22-16,0-22 0,-1 42 15,1-20-15,0-1 0,0 22 16,0 20-16,-22-20 0,1 20 0,21-20 15,-21 21-15,-1-1 0,1 1 16,21 0-16,-22-1 0,1 1 0,0 0 16,-1-1-16,22 1 0,-21-22 15,21 22-15,-22-21 0,22-22 0,0 21 16,21-20-16,0-22 16,-21 21-16,21-21 0,0 1 0,0-1 15,0-42 1,0-22-1,0 22-15,21-21 0,0-1 0,0 1 16,1-21-16,-1-1 0,0 1 16,21-22-16,-21 21 0,22 1 15,-1-22-15,-21 22 0</inkml:trace>
+  <inkml:trace contextRef="#ctx0" brushRef="#br0" timeOffset="343.8">4762 233 0,'0'0'0,"0"21"31,0 0-31,0 22 16,0-1-16,0 43 0,0-22 15,-21 1-15,21 20 0,-21 1 16,0 0-16,21-1 0,-21 1 0,0 21 15,21-22-15,0-20 0,-22 21 16,22-1-16,-21-20 0,21-1 16,0 22-16,0-43 0,0 22 15,0-1-15,-21-20 0,21-1 0,0 0 16,-21-21-16,21 1 0,0-1 16,0 0-16,0 0 0,0-42 31,0 0-31,0 0 15,0-1-15,0-20 0,0 21 16,0-21-16,0-1 0</inkml:trace>
+  <inkml:trace contextRef="#ctx0" brushRef="#br0" timeOffset="607.67">4191 1418 0,'0'0'0,"-21"0"16,0 0-16,42 0 31,0 0-31,0 0 0,21-21 0,22 21 16,-22 0-16,22-21 0,-1 0 15,1 21-15,-1-21 0,1 21 0,-1 0 16,-20-22-16,-1 22 0,0 0 16,-21 0-16,1-21 0,-1 21 15,0 0-15</inkml:trace>
+  <inkml:trace contextRef="#ctx0" brushRef="#br0" timeOffset="3832.19">4995 1884 0,'0'0'0,"0"21"0,0 0 16,0 0-16,0 1 0,0-1 16,21-21-16,-21 21 0,22-21 15,-1 0-15,0 0 16,0-21-16,0 0 0,22-1 16,-22 1-16,21-21 0,0 0 15,1-1-15,20 1 0,-20-22 0,-1 22 16,21-21-16,-20 20 0,-1-20 0,0 20 15,1 1-15,-22 0 0,0-1 16,0 22-16,-21 0 0,0 0 0,0 0 16,-21 21-1,0 0-15,-21 0 0,20 21 0,-20-21 16,21 21-16,-21 21 0,20-20 16,1-1-16,0 21 0,0-21 15,0 0-15,21 22 0,0-22 16,0 21-16,0-21 0,21 1 0,0-1 15,0 21-15,0-21 0,1 0 16,20 1-16,-21-1 0,0 0 0,22 0 16,-22 0-16,21-21 0,-21 21 15,0 1-15,1-1 0,-22 0 16,0 0-16,0 0 16,-22-21-1,1 0-15,0 0 0,0 0 0,0 0 16,0-21-16,-1 21 15,1-21-15,0 0 0,0 0 0,0-1 0,0 1 16,-1 0-16,1 21 0,21-21 16,-21 0-16,21 42 31,0 0-15,0 0-16,0 0 15,0 1-15,21-1 0,0 0 0,-21 0 16,22 0-16,-1 0 0,0-21 15,0 22-15,0-1 0,0-21 0,1 0 16,20 0-16,-21 0 0,21 0 16,1 0-16,-1 0 0,0-21 15,1-1-15,-1 1 0,22 0 0,-22 0 16,0 0-16,1-22 0,-1 1 16,0 0-16,1-1 0,-1 1 0,-21 0 15,21-1-15,-20 1 0,-22 0 16,0-1-16,21 22 0,-21 0 0,0 0 15,-21 21 1,-1 0 0,1 21-16,0 0 0,21 0 15,0 1-15,-21 20 0,21-21 0,-21 0 16,21 22-16,0-22 0,0 21 16,0-21-16,0 0 0,0 1 15,21 20-15,0-21 0,0 0 0,0 0 16,1 1-16,-22-1 0,21 0 15,0-21-15,0 21 0,-21 0 0,0 0 16,0 1 0,-21-22-1,0 0 1,0-22-16,-1 22 0,1-21 16,0 21-16,0-21 0,0 21 15,0-21-15,-1 21 16,1 0-16,0 0 0,21 21 15,0 0 1,0 0-16,0 1 16,0-1-16,21 0 0,0-21 15,1 21-15,-1 0 0,0-21 0,0 0 16,0 21-16,22-21 0,-22 0 0,21 0 16,0 0-16,1 0 0,-1 0 15,0 0-15,1 0 0,-1-21 0,-21 0 16,22 21-16,-1-21 0,-21 0 15,0 0-15,43-43 16,-43 22-16,0-1 0,-21 22 0,21-21 16,-21 0-16,21-1 0,-21 22 15,0 0-15,0-21 0,0 20 16,0 1-16,-21 21 16,0 21-1,0 1-15,0-1 0,0 0 16,21 0-16,-22 21 0,1-20 0,0 20 15,21-21-15,0 21 0,0-20 16,0 20-16,0-21 0,0 0 0,0 22 16,0-22-16,0 0 0,21 0 15,0 0-15,1-21 0,-1 21 0,0-21 16,42 0-16,-41 0 16,-1 0-16,21 0 0,-21-21 0,22 21 15,-22-21-15,0 0 0,21 0 16,-21 0-16,1-22 0,-1 22 15,-21-21-15,21 21 0,0-22 16,-21 22-16,21 0 0,-21 0 0,0 0 16,0-1-16,0 44 31,0-1-31,0 0 0,-21 0 0,21 0 16,-21 0-16,21 1 0,0-1 15,0 21-15,0-21 0,0 0 16,0 1-16,0-1 0,0 0 0,0 0 0,21 0 15,0 0-15,0-21 0,-21 22 16,43-22-16,-22 0 0,0 0 16,0 0-16,0 0 0,22 0 15,-22-22-15,0 22 0,21-21 0,-20 0 16,-1 0-16,0-21 0,0 20 0,21-20 16,-20 0-16,-1-22 0,0 22 15,0-22-15,0 1 0,-21-1 0,21 1 16,1-22-16,-1 22 0,-21-1 15,0-20-15,0 20 0,21-21 0,-21 22 16,0-1-16,0 22 0,0 0 16,0-1-16,0 1 0,0 21 0,0 0 15,-21 42 17,0 0-32,21 21 0,0 1 15,-22-1-15,1 22 0,0-22 0,21 21 16,-21 1-16,21-1 0,0 1 15,-21-22-15,0 22 0,21-1 0,0 1 16,0-1-16,0 1 0,0-1 16,0-20-16,0 20 0,0-21 0,0 1 15,0-1-15,0 0 0,0-20 0,21 20 16,0-21-16,-21 0 16,21 0-16,0 1 0,0-22 0,1 21 15,-1-21-15,0 0 0,0 0 16,0 0-16,0 0 0,22-21 15,-22 21-15,0-22 0,0 1 16,0 0-16,1 0 0,-1-21 0,0 20 16,0-20-16,0 0 0,0-1 0,1 1 15,-22 0-15,0-1 0,21 22 16,-21-21-16,21 21 0,-21 0 0,0 42 31,0 0-15,0 0-16,0 21 0,0-20 0,-21 20 15,21-21-15,0 21 16,0-20-16,0 20 0,0-21 0,0 21 16,0-20-16,0-1 0,0 0 15,0 0-15,0 0 0,0 0 16,42-21-16,-21 0 0,0 0 16,1 0-16,-1 0 0,0 0 15,0 0-15,0-21 0,0 0 0,1 0 16,20 0-16,-21 0 0,0-22 15,0 22-15,1 0 0,-1-21 0,0 20 16,-21 1-16,21 0 16,-21 0-16,0 0 0,21 21 0,-21 21 31,0 0-31,-21 0 16,0-21-16,21 43 0,-21-22 0,21 0 15,0 0-15,0 0 0,0 0 0,0 1 16,0-1-16,0 0 0,0 0 15,0 0-15,0 0 0,21-21 16,0 0-16,0 22 0,0-22 16,1 0-16,-1 0 0,0 0 0,21 0 15,-21 0-15,1 0 0,20-22 0,-21 1 16,0 0-16,0 0 0,1 0 16,20-43-16,-21 22 15,-21 0-15,0 20 0,0-20 16,0 0-16,0 21 0,0-1 0,-21 1 15,0 0-15,-22 21 0,22 0 16,0 0-16,-21 0 0,21 0 16,-22 0-16,22 0 0,0 0 0,0 0 0,21 21 15,0 0 1,21-21-16,0 0 16,0 0-16,0 0 0,1 0 15,20 0-15,-21 0 0,21-21 0,-20 21 16,20-21-16,0 21 0,-21-21 15,22 21-15,-1 0 0,0-21 16,1 21-16,-22 0 0,21 0 0,1 0 16,-22 0-16,0 0 0,0 0 15,0 21-15,-21 0 0,0 0 16,0 0-16,0 1 0,0-1 16,0 0-16,0 21 0,0-21 0,0 1 15,0-1-15,-21 21 0,0-21 16,21 0-16,-21 1 0,21-1 0,-21 0 15,21 0-15,0 0 0,0 0 0,0 1 16,0-1-16,0 0 16,0 0-1,0-42 17,0 0-32,21 21 0,0-21 0,0-1 15,-21 1-15,21-21 0,0 21 16,-21-22-16,22 22 0,-1-21 0,0 0 15,21-1-15,-21 1 0,1 0 16,20-1-16,0 22 0,-21-21 16,22 21-16,-1-1 0,-21 22 0,22-21 0,-22 21 15,21 0-15,-21 0 0,0 21 16,-21 1-16,0-1 0,0 21 16,0-21-16,0 22 15,0-22-15,0 21 0,-21 0 0,0-20 16,21 20-16,-21-21 0,21 21 0,-21-20 15,21-1-15,-21 0 0,21 0 16,0 0-16,0 0 0,21-21 16,0 0-16,0 0 15,0 0-15,0 0 0,1 0 0,-1 0 16,21 0-16,-21-21 0,22 0 0,-22 0 16,21 0-16,0 0 0,1-22 15,-22 1-15,21 21 0,1-22 0,-22 1 16,21 0-16,-21-1 15,22 1-15,-22 0 0,-21 21 0,0-1 16,21-20-16,-42 42 16,0 0-1,-1 0-15,22 21 0,-21 0 0,0 1 16,0-1-16,21 21 0,-21-21 16,21 22-16,0-22 0,0 21 0,0-21 15,0 0-15,0 1 0,0 20 16,0-21-16,21 21 0,0-20 15,-21-1-15,0 0 0,0 0 16,0 0 0,0 0-16,0 1 31,-21-22-15,0 0-16,0 0 15,-1 0 1,22-22-16,0 1 0,-21 0 15,0 0-15,21 0 0,-21 0 0</inkml:trace>
+  <inkml:trace contextRef="#ctx0" brushRef="#br0" timeOffset="4100.09">9737 847 0,'0'0'15,"-22"0"-15,1 0 16,21-21-16,-21 21 62,0 0-46,0 0-16,0 0 16</inkml:trace>
+  <inkml:trace contextRef="#ctx0" brushRef="#br0" timeOffset="4399.91">7726 1397 0,'0'0'16,"-21"0"-16,-22 21 0,22 0 0,63-21 31,-20 0-31,20 0 0,0 0 0,22 0 16,-22 0-16,22 0 0,-22 0 15,21 0-15,-20 0 0,20 0 0,-20 0 16,-1-21-16,0 21 0,-21 0 15,1 0-15,-1 0 0,0-21 0,0 21 16,0 0 0,-21-21-1,-21 21 1,0-21-16,0 0 0</inkml:trace>
+  <inkml:trace contextRef="#ctx0" brushRef="#br0" timeOffset="4951.85">11578 1609 0,'0'0'0,"21"0"31,0 0-15,1 0-16,-1 0 0,0 0 0,0 0 16,21 0-16,1 0 0,20 0 15,-20 0-15,20 0 0,1 0 0,20 0 16,-20 0-16,-1 0 0,1 0 15,-22 0-15,22 0 0,-22 0 0,0 0 16,1 0-16,-22 0 0,21 0 16,-21 0-16,0 0 0,-42 0 47,0 0-47,0 0 15,0 21-15,-22-21 0,1 0 16,0 0-16,-22 0 0,22 0 15,-85 21-15</inkml:trace>
+  <inkml:trace contextRef="#ctx0" brushRef="#br0" timeOffset="5220.7">11642 1757 0,'0'0'16,"-22"21"0,22 0-16,22-21 15,-1 0-15,0 0 16,21 0-16,1 0 0,-1 0 15,21 0-15,1 0 0,-1 0 16,1 0-16,-1 0 0,1 0 0,-1 0 16,-20 0-16,20 0 0,-20 0 15,20 0-15,-21-21 0,-20 21 0,20 0 16,-21 0-16,21-21 0,-20 21 16,-1-21-16,0 21 15,0-21-15,-21-1 16,0 1-1,0 0 1,0 0-16,-21 21 0</inkml:trace>
+  <inkml:trace contextRef="#ctx0" brushRef="#br0" timeOffset="5667.87">12658 1312 0,'0'0'0,"-43"0"15,43 22 1,0-1 0,0 0-16,0 0 0,21 0 15,1-21-15,-1 21 16,0-21-16,21 0 0,-21 22 0,1-22 16,20 0-16,-21 0 0,21 0 0,1 0 15,-22 0-15,21 0 16,-21 0-16,22 0 0,-22 0 0,0 0 15,0 0 1,-42 21 15,0-21-31,0 21 16,0 0-16,-1 0 0,1 0 0,0 1 16,0-1-16,-21 0 0,20 21 15,1-21-15,0 22 0,-21-1 0,21-21 16,-1 22-16,-20-22 0,21 21 15,0-21-15,-22 0 0,22 22 0,0-1 16,0-42-16,21 21 16,-21 0-16,0-21 15,21 22-15,21-44 32,0 22-32,0-21 15,0 0-15</inkml:trace>
+  <inkml:trace contextRef="#ctx0" brushRef="#br0" timeOffset="6414.46">14901 1228 0,'0'0'0,"-21"-43"16,0 22-16,21 0 16,-21 0-16,0 0 0,21 0 15,0-1-15,0 1 0,-22 0 0,22 0 16,0 0-16,0 0 0,0-1 16,0 1-16,0 0 0,22 0 0,-1 21 15,0-21-15,0 0 0,21 21 16,-20 0-16,20 0 0,0 21 0,1 0 15,-1 0-15,0 21 16,1 1-16,-1 20 0,0 1 0,-21-1 16,22 64-16,-22-63 0,-21-1 15,0 22-15,0-22 0,0 22 16,0-21-16,0-1 0,-21-21 0,0 22 16,21-22-16,0 1 0,-22-22 15,22 21-15,-21-21 0,21 0 16,0-42-1,21 0-15,1 0 16,-1 0-16,-21-22 0,21 1 0,0-21 16,0 20-16,0-20 0,1-1 15,20 1-15,-21-1 0,0-20 16,0 20-16,22-21 0,-22 22 16,0-22-16,0 1 0,22 20 0,-22-21 15,0 22-15,0 21 0,0-22 16,0 22-16,1-1 0,-1 22 0,-21 0 15,0 0-15,0 0 0,21 21 16,-21 21 0,0 0-16,0 0 0,0 0 15,0 22-15,-21-22 0,0 21 16,21 1-16,-22-1 0,22 0 0,0 1 16,-21-1-16,21 0 0</inkml:trace>
+  <inkml:trace contextRef="#ctx0" brushRef="#br0" timeOffset="7437.1">15854 1757 0,'0'0'0,"21"21"16,0-21-16,0 0 16,0 0-16,1 0 0,-1-21 15,0 0-15,0 0 0,0-1 16,0 1-16,1-21 0,-22 21 0,21-22 15,0 22-15,-21-21 0,21 0 16,-21-1-16,0 22 0,0-21 16,0 21-16,0-1 0,0 1 15,-21 21 1,0 0-16,0 21 16,-1 1-16,1-1 0,0 21 15,0-21-15,0 22 0,21-22 0,-21 21 16,-1 0-16,22 1 0,-21-1 15,21 0-15,0 1 0,0-22 0,0 21 16,0-21-16,0 22 0,43-22 16,-22 0-16,0 0 0,0 0 0,21-21 15,-20 22-15,20-22 0,-21 0 16,21 0-16,1 0 0,-22 0 16,21 0-16,1-22 0,-1 1 0,0 0 15,-21 0-15,22 0 0,-1-22 16,-21 22-16,22-21 0,-22 0 0,0-1 15,0 1-15,0 0 0,0-1 0,-21 1 16,0 0-16,0 20 0,0-20 16,0 21-16,-21 21 15,0 0 1,0 21-16,0 0 0,0-21 16,-1 21-16,1 1 0,21-1 15,0 0-15,0 0 0,0 0 16,0 0-16,0 1 15,21-22-15,1 0 0,-1 0 16,0 0-16,0 0 0,0-22 0,22 1 16,-22 21-16,0-21 0,0 0 15,21 0-15,-20 0 0,-1-22 16,0 22-16,0 0 0,0 0 16,-21 0-16,0-1 0,0 44 31,0-1-16,0 0-15,-21 0 16,21 0-16,-21 22 0,0-1 0,21-21 16,0 21-16,-21 1 0,21-22 0,-22 21 15,22-21-15,0 22 0,0-22 16,0 0-16,0 0 0,0 0 0,0 1 16,22-1-16,-1-21 0,0 21 15,0-21-15,21 0 0,-20 0 16,-1 0-16,0 0 0,21-21 15,-21 0-15,1-1 0,20 1 0,-21 0 16,0 0-16,22-43 16,-22 22-16,0 21 0,0-21 0,0 20 15,-21-20-15,0 21 0,0 0 0,21 21 16,-21-21-16,0 42 31,0 0-31,0 0 0,0 0 16,-21 0-16,21 22 0,-21-22 0,21 21 15,0-21-15,0 1 0,-21 20 0,21-21 16,0 0-16,0 0 0,0 1 16,0-1-16,0 0 15,21-21 17,-21-21-32,0 0 0,0-1 15,0 1-15,0 0 0,0-21 16,0 21-16</inkml:trace>
+  <inkml:trace contextRef="#ctx0" brushRef="#br0" timeOffset="7651.97">17314 1058 0,'0'0'0,"-21"0"0,0 0 15,0 0 1,0 0-16,21 22 31,-22-22-31,1 0 63</inkml:trace>
+  <inkml:trace contextRef="#ctx0" brushRef="#br0" timeOffset="11036.28">17230 1503 0,'0'0'0,"0"21"15,21-21-15,0 0 16,0 0-16,21 0 0,-20 0 0,20 0 16,0 0-16,22-21 15,-22 0-15,0 0 0,22-1 0,-1 1 16,-20 0-16,-1 0 0,22-21 15,-22 20-15,0-20 0,1 21 0,-22-21 16,21-1-16,-21 1 0,0-22 16,1 22-16,-22-106 15,0 106-15,0-22 0,0 43 16,-22-21-16,1-1 0,21 22 0,-21-21 16,0 21-16,0 21 0,0-22 15,-1 22-15,1 0 0,0 22 16,0 20-16,21-21 0,-21 43 15,0-22-15,-1 21 0,22 22 0,-21 0 16,0-22-16,0 22 0,0 0 16,0 20-16,-1-20 0,1 0 15,0 21-15,0-22 0,0 1 0,0 21 16,-1-22-16,1 1 0,0 0 16,0-1-16,0 1 0,21 0 0,-21-1 15,-1 1-15,1 0 0,0-1 0,0 1 16,0 0-16,0-22 0,-1 22 15,1-22-15,21-20 0,0 20 0,-21-20 16,21-1-16,0-21 0,0 21 0,21-42 16,0 0-16,1 0 15,20 0-15,0-21 0,1 0 0,-1-21 16,21 21-16,-20-22 0,-1 1 16,22 0-16,-22-22 0,64-42 15,-64 43-15,-21-1 0,22 1 16,-22-1-16,0 1 0,0-1 15,-21 1-15,0-1 0,0 1 0,0-1 16,-21 22-16,0-22 0,-22 22 0,22 0 16,-21-1-16,21 22 0,-22-21 15,1 21-15,21 0 0,-21-1 0,-1 1 16,22 21-16,0 0 0,0-21 16,42 21-1,0-21-15,0 21 16,22 0-16,-22-21 0,21 21 15,0-21-15,1 21 0,-1-22 0,0 1 16,1 0-16,-1 0 0,0 0 16,1 21-16,-1-21 0,-21-1 0,22 1 15,-22 0-15,0 0 16,0 0-16,-21 0 0,0-1 0,0 1 0,0 0 16,0 0-1,0 42 16,0 0-31,0 0 0,0 1 0,0 20 16,0-21-16,0 0 0,0 22 16,0-22-16,0 0 0,0 0 15,0 0-15,21 0 0,-21 1 0,21-22 16,1 0-16,-1 21 0,0-21 16,0 0-16,0 0 0,0 0 0,1-21 15,-1-1-15,0 22 0,0-42 16,0 21-16,0 0 0,22-22 15,-22 1-15,0 0 0,21 21 0,-20-22 0,20 1 16,-21 21-16,0 0 0,0-1 16,1 1-16,-1 0 0,0 21 15,-21 21 1,0 0-16,0 1 16,0-1-16,0 0 15,0 0-15,21-21 0,-21 21 16,21-21-1,-21-21 17,0 0-32,0 0 15,0 0-15,0-1 16,0 1-16,-21 21 31,0 0-15,0 0-16,0 21 0,-1 1 15,1-1-15,21 21 0,-21-21 0,0 0 16,21 22-16,-21-22 0,21 21 16,0-21-16,0 1 0,0 20 0,0-21 15,0 0-15,21 0 0,0 1 16,0-22-16,-21 21 0,21-21 0,1 0 16,-1 21-16,0-21 0,0 0 15,0 0-15,22 0 0,-22 0 0,0-21 16,0 0-16,21-1 0,-20 1 15,-1 0-15,0 0 0,0-21 16,43-43-16,-43 43 0,21-1 16,-21 1-16,22 21 0,-22-22 15,21 22-15,-21 0 0,0 0 0,1 21 16,-1 0-16,0 0 0,0 0 16,0 0-16,-21 21 15,21 0-15,-21 0 16,0 1-16,0-1 0,22-21 0,-22 21 15,0 0-15,0 0 0,0 0 16,21-21 15,-21-21-15,21 0-16,-21 0 16,0 0-16,0 0 15,0-1-15,0 1 0,0 0 16,-21 21-1,0 0-15,-1 0 16,1 0-16,0 21 0,0 0 0,-21-21 16,20 22-16,-20 20 15,21-21-15,-43 43 0,43-43 0,0 21 16,0-21-16,0 22 16,21-22-16,-21 21 0,21-21 0,0 0 0,0 1 15,0-1-15,0 0 0,0 0 16,21 0-16,0-21 0,0 0 15,0 21-15,0-21 0,1 0 16,-1 0-16,0 0 0,0-21 16,0 0-16,0 0 0,22-21 15,-22 20-15,0-20 0,-21 21 16,21-21-16,0-1 0,-21 1 0,0 21 16,0-22-16,22 22 0,-22 0 15,0 0-15,0 0 0,21 21 0,-42 21 31,21 0-31,-22 0 16,22 22-16,0-22 0,0 21 16,0-21-16,0 22 0,0-22 15,0 0-15,0 21 0,0-21 0,0 1 16,0-1-16,22 0 0,-1-21 0,0 21 16,0-21-16,0 0 0,0 0 15,1 0-15,20 0 0,-21 0 0,0 0 16,0 0-16,22-21 0,-22 0 15,0-22-15,0 22 0,0-21 0,1 21 16,-1-43-16,0 22 0,0-22 16,0 22-16,0-21 0,1-1 15,-22 1-15,21-22 0,0 21 16,0 1-16,0-1 0,-21-63 16,0 64-16,21 21 0,-21 20 15,0-20-15,0 21 0,-21 21 31,21 42-31,-21-21 0,0 22 0,0-1 16,0 0-16,-1 22 0,1-1 16,21 1-16,-21-1 0,21 1 0,-21-1 15,21 1-15,-21-22 0,21 22 16,0-1-16,0-20 0,0 20 0,0-21 16,0 1-16,0-1 0,0-21 0,0 22 15,0-22-15,0 0 16,21 0-16,0 0 0,0-21 0,0 0 15,1 0-15,-1 0 16,21 0-16,-21 0 0,0-21 0,22 21 16,-22-21-16,21 0 0,1 0 15,-22-22-15,21 22 0,-21-21 0,22-1 16,-22 1-16,0 0 0,0-1 16,0 22-16,-21 0 0,0 0 0,21 0 15,-21 0-15,0 42 16,0 0-1,-21 0-15,0 21 0,0-20 16,21-1-16,-21 21 0,21-21 16,-21 0-16,21 22 0,-22-22 15,22 0-15,0 0 0,0 0 0,0 1 16,0-1-16,0 0 0,22 0 16,-1-21-16,0 0 0,0 0 15,0 0-15,0 0 0,1 0 16,-1 0-16,21-21 0,-21 0 0,0 21 15,1-21-15,20-1 0,-21 1 16,0-21-16,0 21 0,22-22 0,-22 22 16,-21 0-16,21 0 15,-21 0-15,21 0 0,-21-1 0,-21 22 32,0 22-32,21-1 15,0 0-15,-21 0 0,21 0 0,-21 0 16,21 1-16,-22 20 0,22-21 15,0 0-15,0 0 0,0 1 0,0-1 16,0 0-16,22 0 16,-1-21-16,0 0 0,0 21 0,0-21 15,0 0-15,1 0 0,-1 0 16,0 0-16,0 0 0,0 0 0,0-21 16,-21 0-16,22 0 15,-22 0-15,21-1 0,-21 1 16,0-21-16,0 21 0,0-22 0,0 22 15,0-21-15,0 21 0,0 0 16,-21-22-16,-1 43 0,1-21 0,21 0 16,-21 21-16,0 0 0,42 0 47,0 0-32,0 0-15,1 0 0,20 0 16,-21 0-16,21-21 0,1 21 0,-1 0 15,0 0-15,1 0 0,-1 0 16,-21 0-16,22 0 0,-22 0 16,0 0-16,0 0 0,0 0 0,0 0 15,-21 21-15,0 0 0,0 0 16,0 0-16,0 1 0,0-1 0,0 0 16,0 21-16,-21-21 0,21 1 15,-21 20-15,21-21 0,0 0 0,0 0 16,0 1-16,-21-1 0,21 0 0,0 0 15,-21-21-15,21 21 16,0-42 15,0 0-15,0 0-16,0 0 16,21-1-16,0-20 0,0-21 15,0 41-15,1-20 16,-1 0-16,21-1 0,-21 22 0,0-21 15,22 0-15,-1 20 0,0-20 16,1 21-16,-1 0 0,0 0 0,22 21 16,-22 0-16,1 0 15,-22 0-15,0 21 0,0 0 0,-21 21 16,0-21-16,0 22 0,0-22 0,0 21 16,0 1-16,0-22 0,-21 21 15,-21 22-15,20-43 16,1 21-16,21-21 0,-21 0 0,21 1 15,-21-22-15,21 21 0,0 0 16,0-42 15,0 0-15,21-1-16,0 1 16,-21 0-16,0 0 0,0-21 0</inkml:trace>
+  <inkml:trace contextRef="#ctx0" brushRef="#br0" timeOffset="11324">21823 783 0,'0'0'16,"-21"-21"0,21 0-16,0 42 78,-22-21-78,22 21 0,-21-21 15,0 21-15</inkml:trace>
+  <inkml:trace contextRef="#ctx0" brushRef="#br0" timeOffset="11614.83">20256 1122 0,'0'0'0,"22"0"16,20 0-1,-21 0-15,21 0 0,22 0 16,-22 0-16,22 0 0,-1 0 0,1-21 16,20 0-16,-20 21 0,-1-22 15,1 22-15,-1 0 0,-20-21 0,-1 21 16,0-21-16,-20 21 0,-1 0 15,-21-21-15,-21 0 32,-22 21-32,22 0 0,-21 0 0</inkml:trace>
+  <inkml:trace contextRef="#ctx0" brushRef="#br0" timeOffset="12289.11">19071 635 0,'0'0'0,"-21"21"0,0 0 0,21 1 32,21-22 15,-21-22-32,-21 22 16,0 0-31,-1 0 16,1 0-16,21 22 31,0-1 1,21 0-32,-21 0 15</inkml:trace>
+  <inkml:trace contextRef="#ctx0" brushRef="#br0" timeOffset="18319.62">8488 2709 0,'0'0'0,"63"-42"16,-42 21-1,1 21-15,-1-21 0,0 21 0,0-21 16,0 21-16,0-22 0,1 1 16,-1 21-16,-21-21 0,21 21 15,0-21-15,0 21 0,-21-21 16,21 0-16,1 21 16,-44 0 15,1 0-16,0 0-15,0 21 0,0-21 16,-22 21-16,1 0 0,0 0 16,-1 0-16,1 1 0,0-1 0,-22 21 15,1-21-15,-1 0 0,-20 22 16,-1-22-16,-21 21 0,21 1 0,-20-22 16,-1 21-16,21 0 0,-21 1 0,22-1 15,-1 0-15,0 1 0,22-1 16,-22 22-16,22-22 0,-1 0 0,1-21 15,-1 22-15,22-1 16,-22-21-16,22 22 0,0-22 0,-1 0 0,1 0 16,21-21-16,0 21 0,-1-21 15,22-21 17,0 0-32,0 0 0,0 0 0,0-1 15,22 1-15,-1 0 0,0 0 0,-21 0 16,21-22-16,0 22 0,0 0 15</inkml:trace>
+  <inkml:trace contextRef="#ctx0" brushRef="#br0" timeOffset="18776.63">7175 2921 0,'0'0'0,"0"-21"0,22 21 0,-1 0 16,-42 0 15,-1 21-15,-20 0-16,21-21 0,-21 21 0,-1 1 15,1 20-15,0-21 0,-1 21 16,-20-20-16,20 20 0,-20 0 0,21 1 16,-22-1-16,22 0 0,21-21 15,-22 22-15,1-22 0,21 0 0,0-21 16,-1 21-16,1 0 0,42-21 62,1 0-62,-1 22 0,0-22 0,21 21 16,-21-21-16,22 21 0,-22 0 16,21-21-16,1 21 0,-1 0 0,0 1 15,1-1-15,-22 0 0,21-21 16,0 21-16,1 0 0,-22-21 0,0 21 15,21-21-15,-20 0 0,-1 22 16,0-22-16,-21 21 0,21-21 16,-21-21 31</inkml:trace>
+  <inkml:trace contextRef="#ctx0" brushRef="#br0" timeOffset="19420.79">10456 2921 0,'0'-21'0,"0"42"0,-21-63 16,21 21-16,0-1 0,0 1 16,0 0-16,0 0 0,0 0 0,0 0 15,-21-1-15,21 1 0,0 0 16,0 0-16,0 0 0,0 0 16,0-1-1,0 44 16,21-1-31,0 0 0,22 21 16,-22-21-16,21 22 0,0 20 16,1-20-16,-1-1 0,22 21 15,-22-20-15,0 20 0,22 1 0,-22-1 16,22-20-16,-22 20 0,0 1 16,1-1-16,-1-21 0,0 22 0,1-22 15,-1 1-15,0-1 0,-21 0 16,22 1-16,-22-22 0,0 0 0,0 21 15,0-21-15,1 1 0,-1-22 0,-21 21 16,0 0-16,21-21 16,-21-21 15,0 0-31,0-1 16,0 1-16,0 0 0,0 0 15,0 0-15</inkml:trace>
+  <inkml:trace contextRef="#ctx0" brushRef="#br0" timeOffset="19848.06">11705 3281 0,'0'0'16,"0"-21"-16,21 21 47,-21 21-47,21 0 15,-21 0-15,0 0 0,22 1 16,-1-1-16,-21 21 0,21-21 16,21 22-16,-42-22 0,21 0 15,1 0-15,-22 0 0,21 0 16,0 1-16,-21-1 0,21 0 0,-21 0 16,0 0-16,21 0 0,-21 1 15,0-1-15,0 0 16,0 0-16,0 0 0,-21-21 15,0 21-15,0 1 0,-22-22 0,22 21 16,-21 0-16,21 0 0,-22-21 16,-20 21-16,21 0 0,-1 1 0,1-1 15,-22 0-15,22 0 0,0-21 16,-1 21-16,1 0 0,0 1 16,-1-22-16,22 21 0,0 0 0,0-21 15,0 0-15,0 21 0,-1-21 16,1 0 15,0 0-31</inkml:trace>
+  <inkml:trace contextRef="#ctx0" brushRef="#br0" timeOffset="21156.3">3514 3979 0,'0'0'0,"0"-42"16,0 21 0,0 0-1,-22 21 1,1 21-16,21 0 15,-21 0-15,0 22 0,0-1 16,0 21-16,-1-20 0,1 20 0,0 1 16,0-1-16,0 22 0,0-22 15,-22 1-15,22 21 0,-21-22 16,21 1-16,-22 20 0,22-20 16,0-22-16,0 22 0,-43 41 15,43-62 1,21-22-16,21-21 31,0-21-31,-21-22 0,22 22 0,-1-21 16,0 0-16,-21-1 0,21-20 15,0-1-15,0 22 0,1-22 0,-1 1 16,21-22-16,-21 22 0,0-1 16,1-20-16,20 20 0,-21-21 0,21 22 15,-20-1-15,20 1 0,-21-1 16,21 22-16,-20 0 0,-1-1 15,0 22-15,0 0 0,0 0 0,-21 42 32,0 21-32,0 1 0,0-1 15,0 22-15,-21-1 0,21 1 16,0-1-16,0 1 0,-21 20 0,21-20 16,-21-1-16,21 1 0,-21-1 15,21 1-15,-22-1 0,22 1 16,0-22-16,0 22 0,0-22 0,0 0 15,0 1-15,0-1 0,0 0 16,0-21-16,0 1 0,0-1 16,0 0-16,0-42 31,0 0-31,0-1 0,0 1 16,0-21-16,-21 21 0</inkml:trace>
+  <inkml:trace contextRef="#ctx0" brushRef="#br0" timeOffset="21368.2">3027 4699 0,'0'0'15,"21"-21"17,0 21-32,21 0 0,-20-21 0,20 0 15,0 21-15,1-22 0,-1 1 16,0 21-16,1-21 0,-1 21 0,0 0 15,1-21-15,-22 21 0,21 0 16,-21 0-16,0-21 0,1 21 31</inkml:trace>
+  <inkml:trace contextRef="#ctx0" brushRef="#br0" timeOffset="23147">3704 5059 0,'0'0'0,"0"21"0,0 0 0,21 0 0,-21 1 15,21-22-15,1 0 0,-1 0 16,0 0-16,0-22 0,21 1 16,-20 0-1,20 0-15,-21-21 0,21-1 0,-20 1 0,20 0 16,-21-1-16,0 1 0,0 0 15,1-1-15,-1 1 0,0 0 16,-21-1-16,0 22 0,0-21 0,0 21 16,-21 21-1,0 0-15,-1 0 0,1 0 0,0 21 16,21 0-16,-21 0 0,21 0 16,-21 0-16,21 1 0,0 20 0,0-21 15,0 0-15,21 22 0,0-22 16,0 0-16,0 0 0,22 0 0,-22 22 15,21-22-15,22 21 16,-22-21-16,-21 0 0,-21 1 16,0-1-16,0 0 0,0 0 15,-21-21 1,0 0-16,0 0 16,0 0-16,-1 0 0,-20 0 0,21 0 15,0-21-15,0 21 0,-1-21 16,1 0-16,0-1 0,0 22 15,21 22 17,0-1-32,0 0 15,0 0-15,0 0 0,21-21 0,0 21 16,0 1-16,1-22 16,20 21-16,-21-21 0,0 0 0,22 0 15,-1 0-15,-21 0 0,21-21 16,22-1-16,-22 1 0,1 0 15,20 0-15,-21-21 0,1 20 0,20-20 16,-20 0-16,-1-1 0,-21 1 0,0 0 16,0-1-16,1 1 0,-22 0 15,0-1-15,0 1 16,-22 0-16,1 42 0,21-21 0,-21 21 16,-21 0-16,21 0 0,-1 21 0,1 0 15,-21 0-15,21 0 0,0 0 16,-1 1-16,1 20 0,21-21 0,0 21 15,0-20-15,0 20 0,0-21 16,21 21-16,1-20 0,20-1 16,-21 0-16,0 0 0,0 0 0,22 0 15,-22 1-15,0-1 0,0-21 16,-21 21-16,0 0 16,0 0-16,-21-21 15,0 0-15,0 0 16,-22 0-16,22 0 0,0 0 0,0 0 15,-21 0-15,20 0 0,1 0 16,0 0-16,0 0 0,0 0 0,0 0 16,-1 0-16,22 21 15,0 1 1,22-22-16,-1 0 16,21 0-16,-21 21 0,0-21 15,22 0-15,-1 0 16,0 0-16,1 0 0,-1 0 0,43-21 15,-43-1-15,0 22 0,1-21 16,-1 0-16,0 0 0,1 0 0,41-22 16,-62 22-16,-1-21 0,0 21 15,0-22-15,0 22 0,-21-21 16,0 0-16,0 20 0,0 1 0,0-21 16,0 21-16,0 0 15,0-1-15,0 1 0,-21 21 16,0 0-16,0 21 15,0 1-15,-1-1 16,22 0-16,-21 0 0,21 0 0,-21 0 16,21 22-16,-21-22 0,21 21 15,0-21-15,0 1 0,0-1 16,0 21-16,0-21 0,0 0 0,0 1 0,0-1 16,21 0-16,0-21 0,0 21 15,-21 0-15,22 0 0,-1-21 0,-21 22 16,21-22-16,0 21 0,0-21 15,0 0-15,1 0 16,-1 0-16,0 0 16,0 0-1,0-21-15,-21-1 0,21 1 0,1 0 16,20-42-16,-21 41 0,0-20 16,0 0-16,1 21 15,41-43-15,-42 43 0,0 0 16,1 21-16,-1 0 15,-21 21 1,0 0-16,0 0 0,0 0 16,0 22-16,0-22 0,0 0 15,0 0-15,0 0 16,0 1-16,0-1 0,0 0 0,21-21 16,0 21-16,0-21 0,0 0 15,1 0-15,20 0 0,-21 0 0,21 0 16,1 0-16,-22 0 0,21 0 15,-21 0-15,22-21 0,-22 0 0,21-22 16,-21 22-16,22 0 16,-43-21-16,21-1 0,0 22 0,-21-21 15,0 0-15,21-22 0,-21 22 16,0-1-16,21 1 0,-21-21 0,0 20 16,0 22-16,0-21 0,0-1 15,0 22-15,0 0 0,-21 42 31,21 0-31,-21 22 0,21-22 16,0 21-16,0-21 0,-21 22 0,21-1 16,0 0-16,-21 1 0,21-1 15,0 0-15,0 1 0,0-1 16,0 0-16,0-20 0,0 20 0,0-21 16,0 0-16,0 0 0,21 1 15,0-1-15,-21 0 0,21-21 0,0 0 0,1 0 16,-1 0-16,0 0 15,21-21 1,-21 21-16,1-21 0,-22-1 0,21 1 16,0 0-16,-21 0 0,21 0 15,-21 0-15,0-1 0,0 1 0,0 0 16,0 0-16,0 0 0,0 0 0</inkml:trace>
+  <inkml:trace contextRef="#ctx0" brushRef="#br0" timeOffset="23387.87">6286 4551 0,'0'0'0,"22"21"31,-1-21-31,0 0 0,0 0 0,0 0 0,0 0 16,1 0-16,20 0 16,-21 0-16,21 0 0,1 0 0,-22 0 15,21 0-15,-21 0 0,22 0 0,-22 0 16,0 0-16,0 0 0,0 0 15,1 0-15,-1 0 0,0 0 0,-21-21 47,0 0-31,21 0-16</inkml:trace>
+  <inkml:trace contextRef="#ctx0" brushRef="#br0" timeOffset="29235.9">8001 4085 0,'0'0'0,"21"-21"0,0 0 16,0 0-16,-21 0 0,22-1 16,-1 22-16,0-42 15,21 0-15,-42 21 16,21-1-16,-21 44 31,-21-1-31,-21 21 16,21 0-16,-22 22 0,-62 42 15,-1 42 1,42-85-16,1 1 0,20 21 16,-20-22-16,-1 1 0,1-1 0,21 22 15,-22-22-15,22-20 0,-1 20 0,22-21 16,-21 1-16,-22 63 16,43-64-16,0-21 0,21 0 15,0 0-15,0 1 0,0-1 16,0 0-1</inkml:trace>
+  <inkml:trace contextRef="#ctx0" brushRef="#br0" timeOffset="29878.14">2561 6117 0,'0'0'15,"21"-21"-15,-21-42 16,21 20-16,-21 22 0,22 0 0,-22 0 16,0 0-16,21-1 0,0 1 15,-21 0-15,0 42 31,0 0-31,0 1 16,0-1-16,0 21 0,-21 0 0,21 1 16,-21 20-16,-1-20 0,1 20 15,0 1-15,0-1 0,0 1 0,0-1 16,-1-21-16,-20 64 16,21-42-16,0-22 0,0-21 15,-1 22-15,22-22 0,-21 0 0,21 0 16,0 0-16,0 0 0,21-21 31,1 0-15,-1-21-16,0 0 0,0 0 0,0-21 15,0-1-15,1 22 0</inkml:trace>
+  <inkml:trace contextRef="#ctx0" brushRef="#br0" timeOffset="30171.49">3090 5906 0,'0'0'0,"21"-22"0,1 22 16,-1 0-16,-21 22 15,0-1 1,0 21-16,0-21 0,0 22 16,0-1-16,0 0 0,-21 22 0,-1-22 15,22 22-15,-21-22 0,0 21 0,0 1 16,0-1-16,0-20 0,-1 20 15,1-20-15,0-1 0,0 0 0,21 1 16,-21-1-16,0-21 0,-1 21 16,22-20-16,0-1 0,0 0 15,0 0-15,-21-21 32,21-21-32,0 0 0,-21 0 15,21-1-15,-21 1 0</inkml:trace>
+  <inkml:trace contextRef="#ctx0" brushRef="#br0" timeOffset="30395.37">2349 6668 0,'0'0'0,"-21"0"0,42 0 32,22 0-32,-1 0 15,0-22-15,22 22 0,-22-21 16,22 21-16,-1-21 0,1 0 0,-22 21 15,22-21-15,-22 0 0,0 21 16,1-22-16,-1 22 0,0-21 0,-21 21 16,1 0-16,20-21 0,-21 21 15,0 0-15,0-21 0,1 21 0,-1-21 16,0 21-16</inkml:trace>
+  <inkml:trace contextRef="#ctx0" brushRef="#br0" timeOffset="31711.69">3556 6668 0,'0'0'15,"63"0"1,-41 0-16,20-22 0,-21 22 0,0-21 0,0 0 16,1 0-16,-1 0 0,-21 0 15,0-1-15,21 1 0,-21-21 0,0 21 16,0 0-16,0-1 0,-21-20 15,0 21-15,-1 0 0,1 0 0,0-1 16,-21 22-16,21-21 0,-22 21 16,22 0-16,-21 0 0,21 0 15,-22 21-15,22 1 0,0-1 0,0 0 16,-22 21-16,22 1 0,0-1 16,0 21-16,21-20 0,-21-1 0,21 0 15,-21 1-15,21-1 0,0 0 16,0-20-16,0 20 0,0-21 0,21 0 15,0 0-15,0-21 0,0 22 0,22-22 16,-22 0-16,0 0 16,21 0-16,-21 0 0,1 0 0,20-22 0,-21 22 15,21-21-15,-20 0 0,-1 0 16,0 0-16,0 0 0,0-22 16,0 22-16,1-21 0,-22-22 15,0 22-15,0 21 0,0-22 16,0 22-16,0 0 0,0 0 0,0 0 15,0 42 1,0 0 0,0 0-16,0 0 0,0 1 15,0-1-15,0 21 0,0-21 0,0 0 16,0 1-16,0 20 0,0-21 0,0 0 16,0 0-16,21 1 15,0-22-15,0 0 0,-21 21 0,21-21 16,0 0-16,1 0 15,-1 0-15,0 0 0,0 0 0,0-21 16,0 21-16,1-22 0,-1 1 0,0 0 16,0 0-16,-21 0 0,21 0 15,0-1-15,1 1 0,-1-21 0,-21 21 16,0 0-16,21-1 0,0 1 16,-21 42 15,0 1-31,0-1 15,0 0-15,0 0 0,0 0 0,0 22 16,0-22-16,-21 0 16,21 0-16,0 0 0,0 0 0,0 22 15,0-22-15,0 0 0,0 0 16,21 0-16,0-21 0,22 0 16,-22 22-16,21-22 0,-21 0 0,22 0 15,-1 0-15,0 0 0,22 0 0,-22-22 16,0 22-16,22-21 0,-22 21 15,1-21-15,-1 0 0,0 0 0,-21 21 16,1-21-16,-1-1 0,0 1 16,0 0-16,-21 0 0,0-21 0,0 20 15,0 1-15,0-21 0,0 21 16,0 0-16,0-1 0,-21 1 16,0 0-16,0 21 0,-1 0 15,-20 0-15,21 0 0,0 21 0,0 0 16,-22 1-16,1-1 0,21 0 15,0 21-15,-22-21 0,1 43 16,21-43-16,21 0 0,0 22 16,0-22-16,0 0 0,0 0 0,0 0 15,0 0-15,21-21 0,0 0 16,0 0-16,22 0 0,-22 0 16,0 0-16,21 0 0,-21 0 0,22 0 15,-22-21-15,21 0 0,-21 0 16,22 0-16,-22-22 0,21 22 15,-21-21-15,1 0 0,20-1 0,-21 1 16,0 0-16,22-64 0,-22-64 16,0 128-1,-21-21-15,0 20 0,0 1 0,0 21 16,0-22-16,0 22 0,0-21 16,0 21-16,0 0 0,-21 42 15,0 0 1,-1 0-16,22 21 15,-21 1-15,0-22 0,21 42 0,-21-20 16,21-1-16,-21 22 0,21-22 0,0 21 16,-21-20-16,21 20 0,0-20 15,0-1-15,0 0 0,0 1 0,0-1 16,0 21-16,0-41 16,21-1-16,0 0 0,0-21 0,-21 21 15,21-21-15,0 0 0,1 0 0,20 0 16,-21 0-16,0 0 0,22-21 15,-22 0-15,21 0 0,-21-1 0,22-20 16</inkml:trace>
+  <inkml:trace contextRef="#ctx0" brushRef="#br0" timeOffset="32453.24">6011 6117 0,'0'0'0,"21"-21"0,1 0 16,-1-21-16,-21 20 0,21 1 0,-21 0 16,21 21-16,-21-21 0,0 63 31,-21-21-16,0 22-15,0-1 0,-1 0 16,1 1-16,0 20 0,0-20 0,0 20 16,-22 1-16,22-22 0,0 0 15,-21 1-15,21-1 0,-1 0 16,1 1-16,0-22 0,0 0 0,21 0 16,0 0-16,0 0 15,21-42 1,0 0-16,0 0 15,1-21-15,20 20 0,-21-20 16,0 0-16,0-1 0,1-20 0,20 21 16,-21-1-16,0-20 0,0 20 15,1-20-15,-1 21 0,0-1 16,0 1-16,0 0 0,-21-1 16,0 22-16,21 0 0,-21 0 0,22 21 0,-22 21 15,0 0-15,0 0 16,0 0-16,0 22 0,0-1 0,0 0 15,0 22-15,0-22 0,0 22 16,0-22-16,0 22 0,0-22 16,0 0-16,0 22 0,0-22 0,0-21 15,0 22-15,-22-1 0,22-21 0,0 21 16,0-20-16,0-1 16,0 0-16,-21-42 31,21 0-16,-21-1-15,0 1 0</inkml:trace>
+  <inkml:trace contextRef="#ctx0" brushRef="#br0" timeOffset="32632.17">5736 6456 0,'0'0'0,"21"0"15,0 0 1,1 0-16,-1 0 0,0 0 0,0 0 15,21 0-15,-20 0 0,20 0 16,-21-21-16,21 21 0,-20-21 16,-1 21-16,21-22 0,-21 22 0,0 0 15,1-21-15,-1 21 0,0 0 0,0 0 16</inkml:trace>
+  <inkml:trace contextRef="#ctx0" brushRef="#br0" timeOffset="34311.79">6329 6710 0,'0'0'0,"0"21"0,0 0 15,0 0-15,21-42 32,0 0-17,0 0-15,0 0 0,1-22 16,20 22-16,-21-21 0,21 0 0,-20-22 15,20 22-15,0-1 0,1 1 16,-22 0-16,0-1 0,21 1 0,-21 0 16,1 21-16,-22-1 0,0 1 0,-22 21 31,1 21-31,0 1 0,0-1 16,0 0-16,0 0 0,-1 0 15,1 0-15,0 22 0,21-22 16,0 42-16,0-20 0,0-22 15,0 0-15,21 21 0,0-20 0,1-1 16,-1 0-16,0 0 0,0 0 16,0 0-16,0 1 0,1-1 15,-1-21-15,0 21 0,-42-21 32,0 0-17,-1 0-15,1 0 0,0 0 0,0-21 16,0 0-16,0 21 0,-1-22 15,1 22-15,0-21 16,0 21-16,21 21 31,0 1-31,0-1 16,0 0-16,0 0 0,0 0 16,21-21-16,0 21 0,0-21 15,1 0-15,20 0 0,-21 0 0,0 0 16,22 0-16,-1 0 0,-21 0 0,21 0 15,1-21-15,-1 21 0,0-21 16,1 0-16,-1 0 0,-21 0 16,22-22-16,-1 22 0,0-21 0,-21-1 15,1 22-15,20-21 0,-21 0 16,-21-1-16,21 22 0,-21-21 0,21 21 16,-21-1-16,0 1 0,-21 21 31,0 21-31,0 1 0,21-1 15,-21 0-15,21 0 0,-21 0 16,21 0-16,0 22 0,0-22 0,0 0 16,0 0-16,0 0 0,0 1 0,0-1 15,0 0-15,0 0 0,0 0 16,21 0-16,0-21 16,-21 22-16,-21-22 46,0 0-46,-1 0 16,1 0 0,0 0-16,0 0 0,0 0 15,21 21 1,0 0 0,21 0-1,0-21-15,0 0 16,0 0-16,22 0 0,-22 0 0,0 0 15,0 0-15,22-21 0,-1 21 16,0-21-16,1 0 0,-1 21 16,0-22-16,1 1 0,-1-21 0,0 21 15,-21 0-15,1-1 0,-1-20 16,0 21-16,0 0 0,-21 0 0,21-1 16,-21 1-16,0 0 0,-21 21 31,0 0-31,21 21 0,-21 0 15,0-21-15,21 43 0,0-22 16,-22 0-16,1 0 0,21 0 0,-21 1 0,21-1 16,0 0-16,0 0 0,0 0 15,0 0-15,0 1 0,0-1 16,21-21-16,0 0 0,1 0 16,-1 0-16,0 0 15,0 0-15,0 0 0,22 0 0,-22-21 16,0-1-16,0 1 0,0 21 0,22-21 15,-22 0-15,-21 0 0,21 0 16,0-1-16,0 1 0,-21 0 0,0 0 16,0 42 15,0 0-31,0 0 16,-21 1-16,21-1 0,-21 0 0,21 0 15,0 0-15,0 0 16,0 1-16,21-1 15,0-21-15,0 0 16,22 0-16,-22 0 0,0 0 16,21 0-16,1-21 0,-1-1 15,-21 1-15,0 0 0,22 0 0,-22 0 16,0-22-16,0 1 0,0 21 16,1-21-16,-1-22 0,-21 22 15,21-1-15,-21 1 0,21 0 0,-21-22 16,21 22-16,-21 0 0,0-1 15,0 1-15,0 0 0,21 20 0,-21 1 0,0 0 16,0 0-16,-21 42 31,21 0-31,-21 0 0,0 22 0,0-22 16,21 21-16,-21 1 0,-1-1 0,22 0 16,0 1-16,-21-1 0,0 43 15,21-43-15,0 0 0,0-21 16,0 22-16,0-1 0,0-21 0,0 22 15,0-22-15,0 0 0,21 0 16,0 0-16,-21 0 0,22-21 0,-1 0 16,0 22-16,0-22 0,0 0 15,0 0-15,1 0 16,-1-22-16,0 22 0,0-21 16,-21 0-16,21 0 0,-21 0 0,21 0 15,-21-1-15,0 1 0,0-21 0,0 21 16,0-22-16</inkml:trace>
+  <inkml:trace contextRef="#ctx0" brushRef="#br0" timeOffset="34595.62">8594 6054 0,'21'0'47,"0"0"-47,0 0 0,0 0 15,22 0-15,-22 0 0,21 0 0,-21 0 16,22 0-16,-22 0 0,21 0 0,-21 0 16,22 0-16,-22 0 0,0 0 15,0 0-15,0-21 0,0 21 16,-42-22 31,0 1-16,21 0-31</inkml:trace>
+  <inkml:trace contextRef="#ctx0" brushRef="#br0" timeOffset="36971.82">13547 4339 0,'21'0'0,"0"0"15,0 0-15,0 0 16,0 0-16,1 0 16,-1-21-16,-21 0 0,42 0 0,-21 0 15,0-1-15,1 1 0,-22 0 16,21 0-16,0 0 0,-21 0 0,0-1 16,0 1-16,0 0 0,0 0 15,0 0-15,-21 21 0,0 0 16,-22 0-16,22 0 0,-21 0 0,-1 0 15,22 0-15,-21 21 0,0 0 16,-1-21-16,1 21 0,21 22 0,-22-22 16,22 0-16,0 0 0,0 21 15,21-20-15,0 20 0,0-21 0,0 0 16,0 22-16,0-22 0,21 0 16,0 21-16,0-21 0,1 1 15,-1 20-15,0-21 0,21 21 16,-21 1-16,1-22 0,-22 0 0,0 0 15,0 22-15,0-22 0,0 0 16,0 0-16,0 0 0,-22 0 0,1 1 16,0-1-16,0-21 0,-21 21 0,20-21 15,-20 0-15,0 0 0,21 0 16,-22 0-16,22 0 0,0 0 16,-21-21-16,20 0 0,1-22 0,0 22 15,0-21-15,21 21 0,-21-22 0,21 1 16,-21 0-16,21 20 0,-22-20 15,22 0-15,0-1 0,0 22 16,0 0-16,0 0 0,0 0 0,0 0 16,22 42-1,-1 0 1,-21 0-16,21 0 0,-21 0 0,21 1 16,0 20-16,-21-21 0,21 0 0,1 22 15,-22-22-15,21 0 0,0 21 16,0-21-16,0 1 0,22 20 15,-22-21-15,0 0 0,0 0 16,21 1-16,-20-22 0,20 21 0,0-21 16,1 0-16,-22 0 0,21 0 15,-21 0-15,22-21 0,-1 21 16,-21-22-16,21 1 0,-20 0 0,20 0 16,-21-21-16,21 20 0,-20-20 0,-1 21 15,0 0-15,0-22 0,0 22 16,-21-21-16,0 21 0,21 0 15,1-22-15,-22 22 0,0 42 47,-22 0-47,1 1 0,21-1 16,0 0-16,-21 0 0,21 0 0,-21 0 16,21 1-16,0 20 0,0-21 15,0 0-15,0 0 0,0 1 0,0-1 16,0 0-16,0 0 0,21 0 0,0 0 15,-21 1-15,21-22 0,1 0 0,-22 21 16,21-21-16,0 0 0,21 0 16,-21 0-16,1 0 0,-1 0 15,21-21-15,-21-1 0,0 1 0,22 0 0,-22 0 16,0-21-16,21 20 0,-20-20 16,-1 21-16,-21-21 0,21 20 15,-21-20-15,0 21 0,0-21 0,0 20 16,0-20-16,0 0 0,0 21 15,-21-1-15,21 1 0,-21 0 0,-1 0 16,1 0-16,-21 21 0,21 0 16,0 0-16,-1 0 0,-20 21 0,21 0 15,0-21-15,0 21 0,-1 22 0,1-22 16,0 0-16,21 21 0,0-21 16,0 1-16,0 20 0,21-21 15,0 0-15,22 0 0,-22 1 16,21-22-16,1 0 0,-22 21 0,21-21 15,0 0-15,1 0 0,-1 0 16,0 0-16,1 0 0,20-21 0,-20-1 16,-1 1-16,21 0 0,-20 0 15,-1 0-15,0-22 0,1 22 16,-22-21-16,21 21 0,-21-22 0,1 1 16,-1 21-16,0-21 0,-21 20 0,0-20 15,21 21-15,-21 0 0,0 0 0,0-1 16,0 1-16,0 0 15,-21 42 1,21 0 0,-21 1-16,21 20 0,-21 0 15,-1-21-15,1 22 0,21-1 0,-21 0 0,0 22 16,21-22-16,-21 1 16,0 20-16,-1-21 0,1 22 0,0-1 15,0 1-15,21-1 0,-21 22 0,0-21 16,-1-1-16,1 1 0,0 20 15,0-20-15,0-1 0,0 1 16,-1-1-16,1 1 0,0-1 0,-21 1 16,21-1-16,-1-20 0,1 62 15,21-62-15,-21-1 0,21 0 0,0-20 16,0 20-16,0-21 0,0 0 0,21 0 16,0-21-16,1 0 15,-1 0-15,21 0 0,-21 0 0,0 0 16,64-21-16,-64 21 0,0-21 15,22 0-15,-22 0 0,21-22 0,-21 22 16,1 0-16,-1-21 0,0-1 16,0 1-16,0 0 0,0-1 0,1 1 15,-22-21-15,0-43 0,0 63 16,0-20-16,0-1 0,0 22 16,0 0-16,-22-22 0,1 22 0,0 0 15,0-1-15,21 22 0,-42-21 16,20 21-16,1-1 0,0 1 0,0 0 15,0 0-15,0 21 0,21-21 16,0 0 0,21 21-1,0-22-15,0 22 0,21 0 0,-20-21 16,20 0-16,21 21 0,-20-21 16,20 0-16,1 0 0,-1-22 0,1 22 15,-1 0-15,1 0 0,-22-22 16,85-20-16,-85 21 15,1 20-15,-22-20 0,21 0 0,-21-1 16,1 22-16,-22-21 0,0 0 16,21 20-16,-21-20 0,0 21 0,0-21 0,0 20 15,0 1-15,0 0 16,0 0-16,-21 21 31,21 21-31,0 0 0,-22 0 0,22 22 16,-21-1-16,21 0 0,-21 1 0,21 20 15,-21-20-15,21-1 0,0 0 16,0 1-16,-21-1 0,21 0 0,-21 1 16,21-1-16,0 0 0,0 1 15,-22-22-15,22 21 0,0-21 0,0 22 16,0-22-16,0 0 0,0 0 0,0 0 16,22 0-16,-1-21 15,0 0-15,0 0 16,0 0-16,-21-21 0,21 0 15,1 0-15,-22 0 0,21 0 16,0-1-16,-21-20 0,0 21 0</inkml:trace>
+  <inkml:trace contextRef="#ctx0" brushRef="#br0" timeOffset="37235.67">15663 4424 0,'21'0'31,"1"0"-31,-1 0 0,0 0 16,0 0-16,0 0 0,22 0 15,-22 0-15,0 0 0,21 0 0,-21-21 16,1 21-16,20 0 0,-21 0 16,0 0-16,0 0 0,1 0 0,-1 0 15,0 0-15,-21-21 16,-21 21 15,0 0-15</inkml:trace>
+  <inkml:trace contextRef="#ctx0" brushRef="#br0" timeOffset="39740.25">16256 4805 0,'0'0'0,"21"0"0,0 0 0,22 21 15,-1-21 1,-21 0-16,0 0 0,0 0 15,1-21-15,-1 21 0,0-21 16,42 0-16,-41-1 0,-1 1 16,-21 0-16,21 0 0,-21 0 0,21 0 15,-21-1-15,0-20 0,0 21 16,0 0-16,-21-22 0,0 22 0,0 0 16,-1 0-16,1 0 0,0 0 15,0 21-15,-21 0 0,20 0 0,-20 0 16,21 21-16,-21 0 0,-1 0 0,22 0 15,-21 0-15,-1 22 0,22-22 16,-21 21-16,21 1 0,-22-1 0,22 0 16,0 43-16,21-43 15,0 1-15,0-1 0,0-21 16,0 21-16,0-20 0,21-1 0,0 0 16,1 0-16,-1-21 0,0 0 15,21 0-15,-21 0 0,22 0 0,-1 0 16,-21 0-16,22 0 0,-22-21 0,21 0 15,0 0-15,-20-1 0,-1-20 16,21 21-16,-21-21 0,0-1 0,1 1 16,-1 0-16,-21-1 0,0 1 0,21 21 15,-21-22-15,0 1 0,0 21 16,0-21-16,0 20 0,0 1 16,0 42-1,0 1 1,-21-1-16,21 0 0,0 21 0,0-21 15,-21 1-15,21 20 0,0-21 16,0 21-16,0-20 0,0-1 0,0 21 16,0-21-16,0 0 0,21 22 0,-21-22 15,21 0-15,0-21 0,0 21 16,0 0-16,1-21 0,-1 0 0,0 0 16,0 0-16,21 0 0,-20 0 15,-1 0-15,21 0 0,-21-21 16,22 0-16,-1 0 0,0 0 0,1-22 15,-22 22-15,21-21 0,0 21 16,1-22-16,-1 1 0,-21 21 0,22-21 16,-43 20-16,21-20 0,-21 21 15,21 21-15,-21-21 0,-21 21 16,0 0-16,-1 21 16,1-21-16,0 21 0,0 0 15,21 0-15,-21 1 0,21-1 0,-21 0 16,21 0-16,0 0 0,0 0 15,0 1-15,0-1 0,0 0 0,21 0 16,0 0-16,-21 0 0,21 1 0,0-1 16,-21 0-1,-21-42 32,0 21-47,21-21 0,-21-1 16,0 22-16,21-21 0,-22 21 15,1 0-15,0 0 16,0 0-16,21 21 16,-21 1-16,21-1 15,0 0-15,0 0 0,0 0 16,0 0-16,21 1 0,0-22 16,0 21-16,0-21 0,22 0 15,-22 0-15,21 0 0,-21 0 16,22 0-16,-1 0 0,0 0 0,1 0 15,-1 0-15,22-21 0,-22-1 16,0 22-16,1-21 0,-22-21 0,21 21 16,0 0-16,-20-22 0,20 22 15,-21-21-15,0-1 0,0 1 0,1 21 16,-1-21-16,-21-1 0,0 22 16,0-21-16,21 21 0,-21-1 0,-21 22 31,0 22-31,-1-1 15,1 0-15,21 0 0,0 0 0,0 22 16,0-22-16,0 0 0,0 21 16,0-21-16,0 1 0,0 20 15,0-21-15,0 0 0,0 0 0,21 22 16,1-22-16,-22 0 16,0 0-16,0 0 0,0 1 15,0-1 1,-22-21-1,1 0 1,21-21-16,-21 21 0,21-22 16,0 1-16,-21 21 0,0-21 0,21 0 15,-21 21-15,-1-21 0,1 21 16,0 0-16,0-21 16,0 21-16,21 21 15,0 0-15,0 0 16,0 0-16,0 0 15,21 1-15,0-22 0,0 21 0,0 0 16,1-21-16,-1 0 0,0 21 16,0-21-16,21 0 0,-20 0 0,20 0 15,-21 0-15,21 0 0,1 0 0,-22 0 16,21 0-16,1-21 0,-1 0 16,-21 21-16,21-21 0,1-1 15,-1 1-15,-21 0 0,22-21 0,-22 21 16,21-1-16,-21-20 0,0 21 15,22-43-15,-43 43 0,0 0 16,0 0-16,0 0 0,0 0 16,0-1-16,0 1 0,-21 21 15,-1 0-15,1 0 0,0 0 16,0 0-16,21 21 16,-21 1-16,0-1 15,21 0-15,0 0 0,0 0 16,0 0-16,0 22 0,0-22 15,0 0-15,0 0 0,0 0 0,0 1 16,0-1-16,0 0 0,0 0 16,0 0-16,21 0 0,0 1 0,0-1 15,0 0-15,0-21 0,1 21 0,-1-21 16,0 0-16,0 0 0,0 0 16,0 0-16,22 0 0,-22 0 0,0 0 15,0 0-15,0-21 16,1 0-16,-1 0 0,0-1 0,0 1 15,0 0-15,0-21 0,1 21 16,-1-22-16,-21 22 0,21-21 0,0 21 16,-21-1-16,0 1 0,21 21 0,-21-21 15,0 42 17,0 0-32,0 1 0,0-1 15,0 0-15,0 0 0,0 21 16,0-20-16,0-1 0,0 0 0,0 0 15,0 0-15,0 0 0,0 1 16,21-1-16,1-21 0,-1 0 16,0 21-16,0-21 0,0 0 0,0 0 15,22 0-15,-22 0 0,0 0 16,21-21-16,-20 21 0,-1-21 16,21-1-16,-21 1 0,0-21 0,1 21 0,20-22 15,-21 1-15,0 0 16,22-43-16,-22 22 15,-21 20-15,21-20 0,0-1 0,0 1 0,-21-1 16,0 1-16,21 20 0,-21-20 16,22 21-16,-22-1 0,0-20 15,0 42-15,0-1 0,0 44 16,0-1-16,0 0 16,-22 21-16,1 1 0,0 20 0,21-21 15,-21 22-15,0-22 16,0 22-16,-1-22 0,22 22 0,0-22 15,-21 0-15,21 22 0,0-22 0,0 0 16,0 1-16,0-1 0,0 0 16,0 1-16,0-22 0,0 0 0,21 21 15,1-20-15,-1-1 16,0 0-16,0-21 0,0 0 16,0 0-16,1 0 0,-1 0 0,0 0 15,0 0-15,0-21 0,0 21 16,22-21-16,-22-1 0,0 1 0,-21 0 15,21-21-15,0 21 16,22-43-16,-43 43 0,21-21 16,-21 20-16,21-20 0,-21 21 0</inkml:trace>
+  <inkml:trace contextRef="#ctx0" brushRef="#br0" timeOffset="40000.1">19706 4318 0,'0'21'16,"21"-21"-16,0 21 0,1-21 15,20 0-15,-21 0 0,21 22 16,1-22-16,-1 0 0,0 0 0,22 0 16,-22 21-16,1-21 0,-1 0 15,0 0-15,-21 0 0,22 0 0,-1 0 16,-21 0-16,0 0 0,1 0 15,-1 0-15,-42 0 32,-1-21-32,1 21 0,-21 0 0,0 0 15,-22 0-15,1 0 0</inkml:trace>
+  <inkml:trace contextRef="#ctx0" brushRef="#br0" timeOffset="42029.95">12128 5482 0,'0'-42'16,"0"21"-1,0 0-15,0-1 0,0 1 16,-21 21 0,21-21-16,0 42 46,0 0-46,0 1 0,0-1 0,0 0 16,0 0-16,0 21 0,0-20 0,0 20 16,0 0-16,0-21 0,0 22 15,0-1-15,0 0 0,0 1 16,0-22-16,0 21 0,-21 1 0,21-1 16,0 0-16,-21 1 0,21-1 15,0 0-15,0 1 0,0-1 0,0 0 16,0 1-16,0 20 0,0-21 0,0 22 15,0-1-15,0-20 0,0 63 16,0-43-16,0 1 0,0-22 16,0 21-16,0-20 0,0 20 0,0 1 15,0-22-15,21 22 0,-21-22 16,0 21-16,21-20 0,-21 20 0,0-20 16,0-1-16,0 21 0,0-20 0,0-1 15,0 0-15,21 1 0,-21-1 16,0 22-16,0-22 0,0 0 15,0 1-15,0-22 0,0 21 0,0 0 16,0 1-16,0-1 0,0 0 0,0-20 16,0 20-16,0 0 0,0-21 15,-21 22-15,0-1 0,21-21 0,0 22 16,0-22-16,-21 21 0,21-21 0,-21 22 16,21-22-16,0 42 15,0-20-15,-21-1 0,21-21 0,-22 21 16,22 1-16,0-22 0,0 21 15,-21 1-15,21-1 0,-21-21 0,21 21 0,0 1 16,0-1-16,-21-21 0,21 64 16,-21-43-16,21-21 15,0 22-15,-21-1 0,21 0 0,0 1 16,0-1-16,0 0 0,0 1 0,-22-1 16,22 0-16,-21 1 0,21 20 0,0-20 15,-21 62-15,21-62 16,-21-1-16,21 22 0,-21-22 0,21 21 15,0-20-15,-21 20 0,21-20 0,0 20 16,-22-21-16,22 22 0,0-22 16,0 22-16,0 42 0,0-43 15,0-21-15,-21 22 0,21-22 16,0 22-16,-21-22 0,21 22 0,0-1 16,0 1-16,0-22 0,0 21 0,0 1 15,0-1-15,-21 43 16,21-42-16,0-1 0,0-20 0,-21 20 15,21 1-15,0-1 0,0 1 0,0-22 16,0 21-16,0 1 0,0-1 0,0-20 16,0 20-16,0 1 0,0-22 15,0 22-15,0-22 0,0 21 16,0 1-16,0-22 0,0 22 0,0-1 16,0-20-16,0 20 0,0 1 0,0-22 15,0 21-15,0 1 0,0-22 0,0 22 16,0-22-16,0 22 0,0-1 15,0-21-15,0 22 0,0-1 0,0-20 16,0 20-16,-21 1 0,21-22 0,0 22 16,0-1-16,0-21 0,0 22 15,-22-22-15,22 22 0,0-1 0,0-20 16,0 20-16,0 1 0,0-22 0,0 21 16,0-20-16,0 20 0,0 1 15,0-22-15,0 22 0,-21-22 0,21 21 16,-21 1-16,21-22 0,0 22 0,0-1 15,-21 1-15,21-1 0,-21 1 16,21-22-16,0 22 0,0-1 16,-21 1-16,21-22 0,0 21 0,-22 1 15,22-22-15,0 22 0,0-1 0,0-20 16,0 20-16,0 1 0,0-22 0,0 21 16,0 1-16,0-22 0,0 22 15,0 42-15,0-43 0,-21 1 16,21-22-16,-21 21 0,21 1 0,0-22 15,0 22-15,0-1 0,-21-20 16,21 20-16,-21 1 0,21-22 0,0 0 16,0 22-16,0-22 0,0 22 0,0-22 15,0 0-15,0 22 16,0-22-16,0 0 0,0 22 0,0-22 16,0 1-16,0-1 0,0 21 15,0-20-15,0-1 0,0 0 0,0 1 16,0-1-16,0 0 0,0 1 0,0-1 15,0 0-15,0 1 0,0-1 16,0 0-16,-21 1 0,21-1 16,0 0-16,0 1 0,0-1 0,-22 0 15,22 1-15,0-1 0,0 0 0,0 1 16,0-1-16,0 0 0,0 1 16,0-1-16,0 0 0,0 22 0,22-64 62,-44 0-15,1 0-47,0 0 16,0 0-16</inkml:trace>
+  <inkml:trace contextRef="#ctx0" brushRef="#br0" timeOffset="43445.3">2117 7197 0,'-64'0'15,"128"0"-15,-170 0 0,63 0 0,-20 0 16,21 0-16,20 0 0,-20 0 0,21 0 15,-21 0-15,20 0 16,1 0-16,0 0 0,0 0 16,42 0 31,0 0-47,22 0 0,-1 0 0,0 21 15,22-21-15,-22 0 0,22 0 16,20 0-16,1 21 0,0-21 0,-1 21 15,128-21-15,-106 0 16,21 21-16,-21-21 0,21 0 0,0 0 16,0 0-16,0 22 0,0-22 0,0 0 15,21 0-15,-21 0 16,21 0-16,0 0 0,0 21 0,22-21 16,-22 0-16,21 0 0,-21 0 0,22 0 15,-1 21-15,0-21 0,1 0 16,-1 0-16,-21 0 0,21 0 0,-20 0 15,-1 0-15,0 0 0,-21 0 0,21 0 16,-42 0-16,21 0 16,-21 0-16,0 0 0,-22 0 0,1 21 0,0-21 15,-22 0-15,1 0 0,-22 0 0,43 0 16,-43 0-16,-21 0 16,0 0-16,0 0 0,-21-21 31,0 0-31</inkml:trace>
+  <inkml:trace contextRef="#ctx0" brushRef="#br0" timeOffset="44631.63">13039 5652 0,'-22'0'16,"44"0"-16,-65 0 0,22 0 0,0 0 15,0 0-15,0 0 0,-1 0 16,1 0-16,0 0 16,0 0-1,42 0 16,0 0-31,0 0 0,22 0 16,-22 0-16,21 0 0,22 0 0,-1 0 16,1 21-16,-1-21 0,22 0 15,0 0-15,20 21 0,-20-21 0,42 0 16,0 21-16,0-21 0,21 0 16,0 21-16,1-21 0,20 0 15,21 21-15,1 1 0,-1-22 0,1 21 16,21-21-16,-1 21 0,1-21 15,21 0-15,-22 21 0,22-21 0,0 21 16,0-21-16,0 21 0,0-21 16,-22 0-16,22 22 0,0-22 0,-21 0 15,-22 0-15,22 0 0,-22 21 0,-20-21 16,-1 0-16,0 0 0,-42 0 16,21 0-16,-42 0 0,0 0 0,-21 0 15,-1 0-15,1 0 0,-21 0 16,-22 0-16,0 0 0,-21 0 0,1 0 15,-1 0-15,0 0 16,-42 0 0,0 0-1,-1 0-15,1 21 0,0-21 0,0 21 16</inkml:trace>
+  <inkml:trace contextRef="#ctx0" brushRef="#br0" timeOffset="47477.23">910 8149 0,'21'-21'0,"-42"42"0,42-63 0,-21 21 16,21 0-16,-21-22 0,22 22 0,-22 0 15,0 0-15,0 0 16,0-1-16,0 1 0,0 0 0,0 0 16,-22 21-1,1 0-15,0 0 16,-21 21-16,21 21 0,-1 1 15,-20-1-15,0 22 0,-1-1 16,1 1-16,0-1 0,-1 22 0,1-22 16,21 1-16,-21-1 0,20 1 15,1-1-15,0 1 0,21-1 16,0-20-16,0-1 0,21 21 0,0-41 16,22 20-16,-22-21 0,42 43 15,-20-43 1,-1-21-16,-21 21 0,22-21 0,-22 0 15,21 0-15,0 0 0,-20-21 16,-1 0-16,21-1 0,-21 1 0</inkml:trace>
+  <inkml:trace contextRef="#ctx0" brushRef="#br0" timeOffset="47893.91">1249 8594 0,'0'0'0,"0"-21"0,-21 21 47,-1 21-47,1 0 0,0 0 16,0 0-16,0 0 0,0 22 15,-1-22-15,22 21 0,-21-21 0,21 22 16,-21-22-16,21 21 0,0-21 16,0 1-16,0-1 0,21 0 0,0 0 15,22-21-15,-1 0 0,-21 0 16,43 0-16,-22 0 0,0 0 15,1-21-15,20 21 0,-20-21 0,-1 0 16,0-1-16,1-20 0,-22 21 16,0 0-16,0 0 0,-21-22 15,0 22-15,0 0 0,0-21 0,-21 20 16,0 1-16,0 0 0,-22 0 16,22 0-16,-21 21 0,-1 0 15,1 0-15,0 0 0,-1 0 16,1 21-16,0 0 0,21 0 0,-22-21 15,22 21-15,0 1 0,0 20 16,0-21-16,21 0 0,0 0 16,0 1-16,21-1 0,21-21 15,-21 0-15,22 0 0,-1 0 16,21 0-16,1 0 0</inkml:trace>
+  <inkml:trace contextRef="#ctx0" brushRef="#br0" timeOffset="48548.28">1968 8615 0,'0'0'16,"-21"21"-1,21 0 1,-21-21-16,0 21 0,21 1 16,0 20-16,-21-21 0,21 0 0,-21 0 15,-1 22-15,22-22 0,-21 0 16,21 21-16,0-20 0,-21-1 15,21 0-15,-21 0 0,21 0 16,0 0-16,0-42 31,0 0-15,0 0-16,0-21 0,0 20 16,21 1-16,0-21 0,-21 0 15,21 20-15,1 1 0,-22-21 0,21 21 16,0 0-16,0-1 0,21 1 15,-20 21-15,-1 0 0,21 0 0,-21 0 16,0 0-16,22 0 0,-22 0 16,0 21-16,0-21 0,-21 22 0,21-1 15,-21 0-15,0 0 16,0 0-16,0 0 0,0 22 0,0-22 16,0 0-16,-21 0 0,21 0 15,0 1-15,-21-22 0,21 21 0,-21-21 16,0 0-16,21-21 31,0-1-31,0 1 0,21-21 16,0 21-16,0-22 0,22 22 15,-22 0-15,0-21 0,21 21 0,-21-1 16,22 1-16,-22 0 0,21 21 16,1 0-16,-22 0 0,21 0 0,-21 0 15,0 0-15,1 21 16,-1 0-16,-21 1 0,0-1 0,0 21 15,0-21-15,0 0 0,-21 22 16,-1-22-16,1 0 0,0 0 0,21 22 16,-21-22-16,0 0 0,0 0 15,21 0-15,21-42 47,0 0-47,0 21 0</inkml:trace>
+  <inkml:trace contextRef="#ctx0" brushRef="#br0" timeOffset="49052.02">2879 8615 0,'21'0'0,"-42"0"0,63-21 16,-21 21-16,0-21 0,0-1 0,-21 1 15,22 21-15,-22-21 16,21 21-16,-21 21 31,0 0-31,0 1 0,0-1 16,0 21-16,0-21 0,0 22 0,0 20 15,0-21-15,0 22 0,0-1 16,0 1-16,0-1 0,0 22 0,-21-21 16,-1 20-16,22 1 15,0 0-15,-21-1 0,0 1 0,0 0 0,0-1 16,0 1-16,21 0 15,-22-22-15,1 1 0,0-1 0,21 1 16,0-22-16,-21 0 0,21-21 0,0 1 16,0-1-16,0-42 15,0-1-15,0 1 16,0 0-16,21-21 0,-21 21 16,21-22-16,0 1 0,-21-22 0,0 22 15,22-21-15,-1-1 0,-21 1 0</inkml:trace>
+  <inkml:trace contextRef="#ctx0" brushRef="#br0" timeOffset="49362.08">2857 8742 0,'0'0'0,"-21"-42"0,21-1 16,0 22-16,-21-21 0,21 21 16,0-1-16,0 1 0,0 0 0,0 0 15,0 0-15,21 0 0,22 21 16,-22-22-16,21 22 0,0 0 0,43 0 15,-43 0-15,1 0 16,-1 22-16,0-22 0,-20 21 0,20 21 16,-42-21-16,0 0 0,0 22 15,0-22-15,0 21 0,-21-21 0,0 22 16,-1-22-16,1 21 16,0-21-16,0 22 0,0-22 0,-22 0 15,22 0-15,21 0 0,-21-21 16,0 22-16,42-22 31,0 0-31,0-22 16,1 1-16,20 21 0</inkml:trace>
+  <inkml:trace contextRef="#ctx0" brushRef="#br0" timeOffset="51342.4">3852 8467 0,'0'0'0,"-21"0"0,0 0 16,0 0-16,0 0 0,-1 0 0,-20 21 15,21 0-15,-21 0 0,20 0 16,-41 22-16,21-1 0,20 0 16,1-20-16,0 20 0,0-21 15,0 21-15,21-20 0,-21 20 0,21-21 16,0 0-16,0 0 0,0 1 15,21-22-15,0 0 16,0 0-16,0 0 0,0 0 16,22 0-16,-22-22 0,21 22 0,-21-21 15,22 0-15,-22 0 0,21-21 16,-21 20-16,22 1 0,-22-21 0,0 21 16,-21 0-16,21-1 0,-21 1 0,21 0 15,-21 0-15,0 0 16,0 42-1,0 0 1,0 0-16,0 0 0,0 1 16,0-1-16,0 21 15,0-21-15,0 0 0,0 22 0,0-22 16,0 0-16,0 0 0,0 0 0,0 1 16,0-1-16,22 0 15,-1-21-15,0 0 0,0 0 16,0 0-16,0 0 0,1 0 15,-1-21-15,21 0 0,-21-1 0,0 1 16,1 0-16,-1 0 0,0-21 16,0 20-16,0 1 0,0 0 0,-21 0 15,0 0-15,22 0 0,-22-1 16,21 22-16,-21 22 31,0-1-15,-21 0-16,21 0 0,-22 0 0,22 0 15,0 1-15,0-1 0,0 0 16,-21 0-16,21 0 0,0 0 0,0 1 16,0-1-16,21 0 15,1-21-15,20 0 16,-21 0-16,0-21 0,22 0 0,-1 21 16,-21-22-16,21 1 0,1-21 15,-1 21-15,22-43 16,-43 43-16,0-21 0,0 21 0,0-1 15,-21 1-15,0 0 16,-21 21 0,21 21-1,0 0-15,-21 1 0,21-1 16,0 0-16,0 0 0,0 0 16,0 0-16,0 1 0,0-1 15,21 0-15,-21 0 0,0 0 16,0 0-16,0 1 15,-21-22 17,0 0-17,0 0-15,-1 0 0,1 0 16,0 0-16,21 21 16,0 0-1,21 0 1,0-21-1,1 0-15,20 0 0,-21 0 0,21 0 16,-20 0-16,20 0 0,-21 0 16,21-21-16,-20 0 0,20 21 15,-21-21-15,0-1 0,0 1 16,22 0-16,-22 0 0,0 0 0,0-43 16,0 43-16,1 0 0,-22-21 15,21 20-15,-21 1 0,0 0 16,0-21-16,0 21 0,0 42 47,0 0-47,0 0 0,0 0 0,-21 22 15,21-22-15,0 0 0,-22 21 16,22 1-16,0-22 0,0 0 16,0 0-16,0 0 0,22 0 15,-1-21-15,0 0 0,0 0 0,0 0 16,0 0-16,1 0 0,20 0 0,-21 0 15,0 0-15,0-21 16,22 0-16,-22 0 0,21-21 16,-21 20-16,-21 1 0,22 0 15,-22 0-15,21 0 0,-21 0 0,21-1 16,-21 1-16,-21 21 31,0 21-15,-1 1-16,22-1 0,0 0 0,-21 0 15,21 0-15,0 0 0,0 1 16,0-1-16,0 0 0,0 0 16,21 0-1,1-21-15,-1 0 0,0 0 16,0 0-16,21 0 0,-20 0 16,-1 0-16,0-21 0,0 0 15,-21 0-15,21 0 0,-21-1 16,0 1-16,0 0 0,0 0 15,-21 0-15,0 0 16,-21-1-16,20 1 0,1 21 0,0-21 16,0 0-16,0 21 0,0 0 15,-1 0-15,22-21 0,0 0 16,22 21 0,-1 0-16,0 0 15,21-22-15,-21 22 0,22 0 0,-22 0 16,21 0-16,-21 0 0,1 0 0,20 22 15,-21-22-15,0 21 0,0 0 16,1 0-16,-1 0 0,-21 0 16,0 1-16,0-1 0,0 0 15,0 0-15,0 0 0,0 0 16,0 1-16,0-1 0,-21-21 16,21 21-16,-22-21 0,1 0 15,21-21 32,0 0-47,0-1 0,0 1 16,21-21-16,-21 21 15,22 0-15,-1-1 0,0-20 0,0 21 16,0 0-16,0 0 0,1-1 0,20-20 16,-21 21-16,0 21 15,22 0-15,-22 0 0,0 0 0,0 0 16,0 21-16,0 0 0,-21 0 0,22 1 15,-22-1-15,21 0 16,-21 0-16,0 0 0,0 0 0,0 1 16,0 20-16,0-21 0,-21 0 15,-1 0-15,1 1 16,21-1-16,-21-21 0,0 21 0,0-21 31,0 0-15,21-21-1,0 0-15,-22-1 16,1 1-16</inkml:trace>
+  <inkml:trace contextRef="#ctx0" brushRef="#br0" timeOffset="51560.27">5313 8319 0,'-21'0'16,"-1"0"0,22 21 31,-21-21-47</inkml:trace>
+  <inkml:trace contextRef="#ctx0" brushRef="#br0" timeOffset="53746.39">7302 8636 0,'-42'0'16,"21"0"-16,42 0 47,0 0-47,0 0 15,22 0-15,-22-21 0,21 0 0,1 0 16,-1 21-16,0-22 0,1 1 16,-1 0-16,21-21 0,-20 21 15,-1-1-15,0-20 0,-20 21 0,-1-21 16,21-22-16,-42 22 15,0-1-15,0 1 0,0 0 0,-21-1 16,0 22-16,0-21 0,-1 21 0,1 0 16,0-1-16,0 22 0,-21 0 15,20 0-15,1 0 0,0 0 0,-21 0 16,21 43-16,-1-22 0,-20 21 16,21 22-16,0-22 0,0 22 15,-1-1-15,1 1 0,0 20 0,0-20 16,0 20-16,0-20 0,-1 21 0,22-1 15,0 1-15,-21 63 16,0-63-16,21-1 0,0 1 16,0 0-16,0-1 0,-21-20 0,21 21 15,0-1-15,-21-20 0,21 20 0,0-20 16,0-1-16,0 1 0,0-1 0,0-20 16,0-1-16,0 0 0,0 1 15,0-1-15,0-21 0,0 0 0,21-21 16,0 0-16,21 0 0,-20 0 15,-1-21-15,21 0 0,-21 0 16,22-21-16,-1 20 0,0-20 0,1 0 16,41-64-16,-41 64 15,-1-22-15,-21 1 0,0 20 16,0-20-16,-21-1 0,0 1 0,0 20 16,0-20-16,-21-1 0,0 22 0,0-21 15,-21 20-15,-1-20 0,1 20 16,0 1-16,-1 0 0,1 21 0,0-1 15,-1 1-15,1 0 0,0 0 16,20 21-16,-20 0 0,21 0 0,0 0 16,0 0-16,21 21 15,21-21 1,0 0-16,21 0 0,1 0 0,-1 0 16,0 0-16,22 0 0,-22-21 15,43 0-15,-22 21 0,22-21 16,63-22-16,-63 1 0,-22 21 15,22 0-15,-22-1 0,-20-20 16,-1 21-16,0 0 0,1 0 0,-1-1 16,-21-20-16,-21 21 0,0 0 0,0 0 15,0-1-15,0 1 0,0 0 16,0 0-16,-21 0 16,0 21-16,0 0 0,-22 0 15,22 21-15,0 0 0,-21 0 0,21 0 16,-1 1-16,-20-1 0,21 0 15,0 21-15,0-21 0,-1 22 16,1-22-16,21 0 0,-21 21 0,21-20 16,0-1-16,0 0 0,0 0 15,21-21-15,0 21 0,1-21 0,-1 0 16,0 0-16,0 0 0,21 0 0,-20 0 16,20 0-16,-21-21 0,21 21 15,-20-21-15,20 0 0,-21 0 0,0-1 16,0 1-16,1 0 0,-1 0 15,0 0-15,0 0 0,-21-1 16,0 1-16,21 0 0,0 0 16,-21 0-16,0 42 47,0 0-47,0 0 0,-21 0 15,21 1-15,0-1 0,0 0 0,0 0 16,0 0-16,0 0 0,0 1 15,21-1-15,1-21 16,-1 21-16,0-21 0,0 0 0,0 0 16,22 0-16,-22 0 0,0 0 15,21-21-15,-21 21 0,1-21 0,20-1 16,-21 1-16,0 0 0,0 0 16,1-21-16,-22 20 0,21 1 15,-21 0-15,0 0 0,0 0 0,0 0 16,0-1-16,0 1 15,0 42 1,0 1 0,0-1-16,0 0 0,-21 0 15,21 0-15,0 0 0,0 1 0,0-1 16,0 0-16,0 0 0,0 0 16,0 0-16,0 1 0,0-1 0,21 0 15,0-21-15,-21 21 0,21-21 16,0 0-16,0 0 0,1 0 15,-1 0-15,0 0 0,21-21 16,-21 0-16,1 0 0,-1-1 0,0 1 16,0 0-16,0-21 0,0 21 15,1-22-15,20-41 0,-42 41 16,21-20-16,-21 20 0,21-20 0,-21 21 16,0-22-16,0-21 15,0 22-15,0 21 0,0-1 0,0 22 16,0 0-16,0-21 0,0 20 15,0 1-15,0 42 32,0 1-32,0-1 0,0 21 15,0 106 1,-21-105-16,21-1 16,0 0-16,0 1 0,0-1 0,0 0 15,0 1-15,0 20 0,0-21 16,0 1-16,0-22 0,0 21 15,0-21-15,21 22 0,0 20 16,-21-42 0,22 1-16,-1-1 0,0-21 0,0 0 15,0 0-15,0 0 16,1 0-16,-1 0 0,42-21 16,-42-1-16,1 1 0,-1 0 15,0 0-15,21 0 0,-21 0 0,1-22 16,-1 22-16,0-21 0,-21 21 15,21-22-15,-21 22 0,21 0 0,-21 0 16,0 0-16,0-1 0,-21 22 31,0 0-15,21 22-16,-21-1 0,21 0 16,0 0-16,0 0 15,0 0-15,21 1 0,0-22 0,0 21 16,-21 0-16,21-21 15,1 21-15,-1 0 0,0-21 0,0 21 0,0-21 16,-21 22-16,21-1 0,-21 0 16,0 0-1,-21 0-15,0-21 0,0 21 16,0-21-16,0 0 0,-1 22 16,1-22-16,0 0 0,0 0 15,0 0-15,0 0 0,-1 0 16,1 0-1,0 0-15,21-22 16,-21 1-16,0 21 0,0-21 16,-1 0-16,1 21 15</inkml:trace>
+  <inkml:trace contextRef="#ctx0" brushRef="#br0" timeOffset="54148.19">8911 8086 0,'-21'0'15,"0"0"1,0 0-1,42 0 48,-21 21-32,0 0 0,-21-21-31,21 21 16,0 0 31</inkml:trace>
+  <inkml:trace contextRef="#ctx0" brushRef="#br0" timeOffset="58236.11">360 10351 0,'0'0'0,"0"-43"15,0 22 1,0 0-16,0 0 0,0 0 0,0-1 15,0 1 1,0 42 0,0 1-16,0-1 0,0 0 15,-21 21-15,-1-21 0,1 22 16,21-1-16,-21 0 0,21 1 0,0-22 16,0 21-16,0-21 0,0 22 15,0-22-15,0 0 0,0 0 16,0-42 15,0 0-31,21 0 0,-21-22 16,21 22-16,-21-21 0</inkml:trace>
+  <inkml:trace contextRef="#ctx0" brushRef="#br0" timeOffset="58591.91">360 9927 0,'-21'0'32,"21"21"-32,-22-21 0,22 22 0,0-1 15,0 0-15,0 0 16,22-21 0,-1 0-1,0 0-15,0 0 0,0 0 16,0-21-16,1 0 15,-1 21-15,-21-21 0,0-1 16,0 1-16,-21 21 16,-1 0-1,1 0-15,-21 0 0,21 0 0,0 0 16,-22 0-16,22 21 0,0 1 16,0-22-16,0 21 0,-1 0 15,22 0-15,0 0 0,0 0 16,22 1-1,-1-22-15,21 0 0,-21 0 0,22 0 0,-1 0 16</inkml:trace>
+  <inkml:trace contextRef="#ctx0" brushRef="#br0" timeOffset="58902.73">931 9843 0,'21'-22'0,"-21"44"47,0 20-47,0-21 16,0 0-16,0 22 0,0-1 15,-21-21-15,21 21 0,-21 1 0,0-1 16,0 22-16,21-22 0,-21 0 16,-1 22-16,22-22 0,0 0 15,0 22-15,-21-43 0,21 21 0,0 1 16,0-22-16,0 0 0,0 0 15,21-21-15,1 0 0,-1 0 16,0 0-16,0-21 16,0 0-16,0 21 0,1-42 15,-1 20-15,0 1 0,0-21 0,-21 21 16,0-22-16,0 22 0,0-21 16</inkml:trace>
+  <inkml:trace contextRef="#ctx0" brushRef="#br0" timeOffset="59100.23">804 10245 0,'-21'0'0,"0"0"0,42 0 31,0-21-15,0 21-16,1-22 0,20 22 16,-21-21-16,21 21 0,1-21 0,-1 21 15,0-21-15,1 21 16,-22 0-16,21-21 0,-21 21 0,1 0 0,-1 0 15,0 0-15,0 0 16,-21-21-16</inkml:trace>
+  <inkml:trace contextRef="#ctx0" brushRef="#br0" timeOffset="60691.97">2222 10075 0,'0'-21'0,"-21"21"15,21-21-15,-21 21 16,0 0-16,0 0 0,0 0 16,-1 0-1,1 21-15,21 0 0,0 1 16,-21 20-16,21-21 0,-21 21 16,21-20-16,0 20 0,-21 0 0,21-21 15,-21 22-15,21-1 16,-22-21-16,22 22 0,0-22 0,0 21 15,0-21 1,0-42 0,22 0-1,-22 0-15,21 0 0,0-22 0,0 22 16,0-21-16,0 21 0,-21-22 16,22 22-16,-1 0 0,0 0 0,0 0 15,0 21 1,0 0-16,1 21 15,-22 0-15,21 0 0,-21 21 16,0-20-16,0-1 16,0 0-16,21 21 0,-21-21 0,21 1 15,-21-1-15,21 0 0,-21 0 16,21-21-16,1 21 0,-1-21 16,21 0-16,-21 0 0,0 0 15,22-21-15,-22 21 0,21-21 0,1 0 16,-22 0-16,21-1 0,-21 1 15,22-21-15,-22 21 0,0 0 0,0-22 16,0 22-16,0-21 0,-21 21 16,0-1-16,0-20 0,0 21 0,0 0 15,0 0-15,0-1 16,0 44 0,-21-1-1,21 0-15,-21 0 0,0 0 0,21 22 16,0-22-16,0 21 0,0-21 15,0 22-15,0-22 0,0 21 0,0-21 16,0 0-16,0 1 0,0-1 16,21-21-16,-21 21 0,21-21 0,0 0 15,1 0-15,-1 0 0,0 0 16,0-21-16,0 0 0,22-1 16,-22 1-16,0 0 0,0 0 15,0 0-15,-21 0 16,21-22-16,1 22 0,-1 0 0,-21 0 0,0 0 15,0-1-15,21 1 0,-21 0 0,0 0 16,0 42 15,0 0-31,0 0 0,0 1 16,0-1-16,0 0 0,0 21 0,-21-21 16,21 22-16,0-22 0,0 0 15,0 21-15,0-20 0,0-1 0,21 0 16,0 0-16,0 0 0,0 0 0,1-21 15,-1 0-15,0 0 16,21 0-16,-21 0 0,22 0 0,-1-21 16,0 0-16,1 0 0,-1 0 0,-21 0 15,22-1-15,-1-20 0,-21 0 16,21 21-16,-20-22 0,-1 1 0,0 0 16,0-1-16,0 1 0,-21 0 15,0-22-15,21 22 0,-21-1 0,0 1 16,22 0-16,-22-1 0,0 1 0,0 21 15,0-21-15,0 20 16,0 44 0,0-1-16,0 0 0,0 21 15,-22 1-15,22-1 0,-21 0 16,0 1-16,21-1 0,0 0 0,-21 1 16,21-1-16,-21 0 0,21 1 15,0-1-15,0 0 0,0 1 0,0-22 16,0 21-16,0-21 0,0 22 0,21-22 15,0 0-15,0 0 0,0-21 16,1 0-16,-1 21 0,21-21 0,-21 0 16,22 0-16,-1-21 0,-21 21 0,21-21 15,-20 0-15,20 0 0,0-22 16,-21 22-16,22-21 0,-22 21 16,21-22-16,-21 1 0,1 0 0,-1-1 15,0 1-15,0-22 0,-21 22 0,21-64 16,-21 64-16,0-22 15,0 22-15,0 0 0,0-1 16,0 1-16,0 21 0,0 0 0,0 42 31,0 0-31,-21 21 16,21 1-16,0-1 0,-21 0 16,0 22-16,0-22 0,21 1 0,0 20 15,-22-21-15,22 22 0,0-22 0,-21 1 16,21-1-16,0 0 0,0 1 0,0-1 15,0-21-15,0 21 0,21-20 16,1-1-16,-22 0 0,21-21 0,0 21 16,0-21-16,0 0 0,0 0 15,1 0-15,-1 0 0,0 0 16,0-21-16,0 0 0,0 0 0,22-1 16,-22 1-16,-21 0 15,21 0-15,-21-21 0,0 20 0,0 1 16,0 0-16,0-21 0,0 21 0</inkml:trace>
+  <inkml:trace contextRef="#ctx0" brushRef="#br0" timeOffset="60919.84">3725 9821 0,'-21'22'16,"21"-1"-16</inkml:trace>
+  <inkml:trace contextRef="#ctx0" brushRef="#br0" timeOffset="63352.98">5524 10329 0,'0'-21'15,"0"0"1,-21 21-16,21-21 16,-21 0-16,21 0 15,0-1-15,0 1 16,0 0-16,0 0 0,0 0 15,0 0-15,0-1 0,0 1 16,0 0-16,0 0 0,0 0 0,21 0 16,0 21-16,1-22 15,-1 22-15,-21-21 0,21 21 16,0 0-16,0 0 0,0 0 0,1 21 16,-1 1-16,0-1 0,-21 21 15,21-21-15,0 22 0,0-1 0,-21-21 16,0 21-16,0 1 0,0-1 0,0 0 15,0-20-15,0 20 0,0 0 16,0-21-16,0 1 0,0-1 16,0 0-16,0 0 0,0 0 0,0 0 0,0 1 31,0-44-15,0 1-16,0 0 0,0 0 15,0 0-15,0 0 16,22-22-16,-22 22 0,21-21 0,0-1 15,-21 22-15,21-21 0,0 0 0,0 20 16,1-20-16,-1 21 0,0 0 16,0 0-16,0 21 0,0-22 0,1 22 15,-1 0-15,0 0 0,-21 22 16,21-1-16,-21 0 0,0 0 16,21 0-16,-21 22 0,0-22 0,0 0 15,0 21-15,21-21 0,-21 22 0,0-22 16,0 42-1,0-41-15,0-1 0,22 0 0,-22 0 0,21-21 16,0 21-16,0-21 16,0 0-16,0 0 15,22 0-15,-22-21 0,0 0 0,0 0 16,22 21-16,-22-21 0,0-1 0,0 1 16,0-21-16,0 21 0,1 0 15,-1-1-15,-21 1 0,0-21 0,21 0 16,0 20-16,-21 1 15,0 42 17,0 1-32,-21-1 0,0 0 0,0 0 15,21 0-15,0 0 16,-22 22-16,22-22 0,-21 21 0,21-21 16,0 1-16,0 20 0,0-21 0,0 0 15,21 0-15,1 1 0,-1-22 16,0 0-16,21 0 15,-21 0-15,1 0 0,20 0 0,-21-22 16,0 22-16,22-21 0,-22 0 0,0 0 16,21 0-16,-21 0 0,1-22 15,-22 22-15,0-21 0,21-22 16,-21 43-16,0-21 0,0 21 0,0-22 16,-21 22-16,-1 0 0,1-21 15,0 20-15,-21 22 0,21-21 16,-1 21-16,-20 0 0,21 0 0,-21 0 15,20 0-15,1 21 0,-21 1 16,21-1-16,0 0 0,-1 0 0,22 0 16,0 0-16,0 1 0,0-1 0,0 21 15,0-21-15,0 0 0,22 1 16,-22-1-16,42-21 0,-21 21 16,0 0-16,22-21 0,-22 0 0,21 0 0,0 0 15,-20 0-15,20 0 0,0 0 16,1-21-16,-1 21 0,-21-21 0,21 0 15,-20-1-15,20 1 0,-21 0 16,21-21-16,-20 21 0,-1-1 16,0-20-16,-21 21 0,21-21 0,-21-1 15,21 1-15,-21 0 0,0-43 16,0 64-16,0-22 0,0 1 16,0 21-16,21 0 0,-21 0 15,0 42 1,0 0-16,0 21 0,0-21 15,0 22-15,0-1 0,-21 0 0,21 1 16,0-1-16,0 0 0,-21 1 0,21-1 16,0 0-16,-21 1 0,21-1 15,0-21-15,0 22 0,0-1 0,0-21 16,0 0-16,0 0 0,21 1 16,-21-1-16,21-21 0,0 0 0,-21 21 15,22-21-15,-1 0 0,0 0 16,0-21-16,0 0 0,0-1 15,1 1-15,-22-21 0,0 21 16,0 0-16,0-22 0,0 22 16</inkml:trace>
+  <inkml:trace contextRef="#ctx0" brushRef="#br0" timeOffset="63559.86">7091 9970 0,'0'0'16,"-21"0"-1,21 21-15,21-21 16,0 0-16,0 0 16,0 0-16,22 0 0,-22 0 0,0 0 15,21 0-15,-21 0 0,22-21 0,-22 21 16,21 0-16,-21 0 0,1 0 16,-1-22-16,0 22 0,0 0 0,0 0 15,0 0 1</inkml:trace>
+  <inkml:trace contextRef="#ctx0" brushRef="#br0" timeOffset="66024.39">8255 10351 0,'0'21'0,"0"-42"0,0 63 15,0-21-15,0 0 16,21-21 15,0-21-31,-21 0 0,0 0 16,21 0-16,1-1 0,-1 1 15,0 0-15,-21 0 0,21-21 16,0 20-16,0 1 0,-21-21 0,0 21 0,0-22 16,0 22-16,0-21 0,0 21 15,0 0-15,0-1 0,0 1 0,-21 21 32,0 0-32,0 0 0,0 21 15,0 22-15,-1-22 0,1 0 0,0 21 16,0 1-16,21-22 0,0 21 15,0 1-15,0-1 0,0-21 0,0 21 16,0 1-16,21-22 0,-21 21 16,42-42-16,-20 21 0,-1 1 15,0-22-15,0 0 0,21 0 0,-20 0 16,-1 0-16,21 0 0,-21 0 0,22-22 16,-22 1-16,21 0 0,-21 0 15,0 0-15,22 0 0,-22-22 0,0 22 16,0-21-16,0 21 0,22-22 0,-22 22 15,0-21-15,0 21 0,22-1 16,-22 1-16,0 0 0,21 0 16,-21 21-16,1 0 0,-1 0 0,0 0 15,0 21-15,-21 0 16,0 0-16,0 1 0,0-1 0,0 0 16,0 21-16,0-21 0,0 1 0,-21 41 15,0-42-15,0 0 16,-1 1-16,22-1 0,0 0 0,-21 0 15,0-21-15,21 21 0,0-42 32,21 0-32,-21 0 15,21 0-15,1-1 0,-1 1 16,0 0-16,0-21 0,0 21 0,0-22 16,1 22-16,-1-21 0,0 21 15,0-1-15,0 1 0,0 0 0,-21 0 16,0 0-16,0 0 0,-21 21 31,21 21-31,-21 0 16,0 0-16,0 0 0,0 0 0,-1 1 15,1 20-15,21-21 0,0 0 16,-21 0-16,21 22 0,0-1 16,0-21-16,0 0 0,0 1 15,0-1-15,21 0 0,0-21 16,1 0-16,-1 21 0,21-21 0,-21 0 15,22 0-15,-1 0 0,0-21 0,-21 21 16,22-21-16,-1 0 0,0-1 16,1 1-16,-1 0 0,0 0 0,-20 0 15,-1 0-15,0-1 0,0-20 16,-21 21-16,21 0 0,-21-22 0,0 22 16,0 0-16,0 0 0,-21 0 15,0 21-15,0 0 0,0 0 0,-1 0 16,1 0-16,0 0 0,0 21 15,0 0-15,0 0 0,-1 0 0,1 1 0,21 20 16,0-21-16,0 43 16,0-43-16,0 0 0,0 0 15,0 0-15,21 0 0,1 1 0,-1-1 16,0 0-16,0-21 0,21 0 0,1 0 16,-1 0-16,-21 0 0,22 0 15,-1 0-15,0 0 0,1-21 0,-1 21 16,-21-21-16,21-1 0,-20 1 0,-1 0 15,0 0-15,0 0 0,0 0 16,0-1-16,-21 1 0,0-21 16,0 0-16,22 20 0,-22 1 0,0 0 15,0 0 1,21 21-16,-21 21 31,21 0-31,0-21 16,-21 21-16,21-21 15,0 0 1,1 0 0,-22-21-1,0 0 1,0 0 0,-22 21-1,1 0 1,0 0-1,21 21-15,-21 0 0,0 0 0,0 1 16,21-1-16,-22 0 0,1 0 0,21 0 16,0 22-16,0-22 0,-21 0 15,21 21-15,0-21 0,0 1 16,0-1-16,0 0 0,0 0 0,21-21 16,0 21-16,1-21 15,-1 0-15,21 0 0,-21 0 0,0 0 16,22 0-16,-22 0 0,21-21 0,-21 0 15,1 0-15,-1 21 0,21-21 16,-21-22-16,0 22 0,-21 0 16,22 0-16,-1 0 0,-21-22 0,21 22 15,-21 0-15,0 0 0,0 0 16,0-1-16,0 1 16,0 42-1,0 1-15,-21-1 16,21 0-16,-21 21 0,21-21 15,-22 1-15,22-1 0,0 0 16,0 0-16,0 0 0,0 0 0,0 1 16,0-1-16,0 0 0,22 0 15,-1-21-15,0 0 0,0 0 16,0 0-16,0 0 0,1 0 16,-1 0-16,0-21 0,0 0 0,0 21 15,0-21-15,1-1 0,-1 1 0,-21 0 16,21-21-16,0 21 15,-21-1-15,21 1 0,-21 0 0,0 0 0,21 0 16,-42 42 15,21 0-31,-21 0 16,21 0-16,0 1 0,0-1 16,-21 0-16,21 0 0,0 0 15,0 0-15,0 1 0,0-1 0,0 0 16,21-21-16,0 0 15,-21 21-15,21-21 0,1 0 0,-1 0 16,0 0-16,0 0 0,0-21 16,0 21-16,1-21 0,-1 0 0,0-1 15,0-20-15,0 0 16,0 21-16,1-22 0,-1 22 0,-21-21 16,21-1-16,-21-20 0,21 21 0,-21-1 15,0-20-15,21 20 0,-21-20 0,0 21 16,21-1-16,-21 1 0,0 0 15,0 20-15,0 1 0,0 0 16,0 0-16,0 42 16,0 0-1,0 0-15,0 22 0,0-22 0,-21 21 16,0 1-16,21 20 0,-21-21 0,21 1 16,0-1-16,-21 0 0,21 1 15,-21-1-15,21 0 0,0 1 0,0 20 16,0-20-16,0-22 0,0 0 15,0 21-15,0-21 0,21 1 16,0-22-16,-21 21 0,21 0 0,0-21 16,0 0-16,1 0 0,-1 0 0,0 0 15,0 0-15,21 0 16,-20 0-16,-1-21 0,0 0 0,0 21 16,21-43-16,-42 22 0,0 0 15,22 0-15,-22 0 0,0-1 16,21 1-16,-21 0 0,0 0 0,0 0 15,0 0-15,-21 21 16,-1 0 0,22 21-16,-21 0 0,21 0 15,0 0-15,0 0 0,0 22 16,0-22-16,0 0 0,0 0 0,0 0 16,0 1-16,0-1 15,21 0-15,1-21 0,-1 0 16,0 0-16,0 0 0,0 0 15,0 0-15,1-21 16,-1 21-16,0-21 0,-21-1 0,21 22 16,-21-21-16,21 0 0,0 0 0,-21 0 15,0 0-15,0-1 0,0 1 16,0 0-16,0 0 0,0 0 0</inkml:trace>
+  <inkml:trace contextRef="#ctx0" brushRef="#br0" timeOffset="66291.25">11176 9843 0,'0'0'0,"21"0"16,0 0-16,0 0 0,22 0 15,-1 0-15,-21 0 0,22 0 0,-1 0 16,0-22-16,1 22 0,-1-21 15,0 21-15,1 0 0,-1-21 0,0 21 16,-21 0-16,22-21 0,-22 21 0,0 0 16,0-21-16,-63 21 31,21 0-15,-22 0-16,22 0 0,-42 0 15,20 0-15</inkml:trace>
+  <inkml:trace contextRef="#ctx0" brushRef="#br0" timeOffset="67141.75">1037 11113 0,'0'0'0,"0"-22"0,0 1 0,-21 0 16,0 0-16,21 0 0,-21 21 16,-1 0-16,1 0 15,21 21-15,0 21 16,-21-21-16,21 22 0,0-1 0,0 22 16,0-22-16,-21 21 0,21 1 15,0-22-15,0 22 0,0-22 0,0 0 16,-21 1-16,21-1 15,0 0-15,-21-20 0,21 20 0,-22-21 16,22 0-16,0 0 0,-21-21 31,0-21-15,21 0-16,-21 0 0</inkml:trace>
+  <inkml:trace contextRef="#ctx0" brushRef="#br0" timeOffset="67950.42">317 11494 0,'0'0'0,"0"21"16,0 0-1,22-21-15,-1 0 0,21 0 16,0 0-16,1 0 0,20 0 16,1 0-16,-1-21 0,1 0 0,-1-1 15,1 1-15,-1-21 0,22 21 16,-22 0-16,-20-22 0,20 22 15,-20-21-15,20-1 0,-21 22 0,-20-21 16,20 21-16,-21 0 0,0-22 16,0 22-16,-21 0 0,0 0 0,0 0 15,-21 21 1,21 21 0,-21 21-16,0-21 15,0 22-15,0 20 0,21-21 0,-22 22 16,1-22-16,0 1 0,0 20 15,0-21-15,0 1 0,-1 20 0,1-42 16,0 22-16,0-1 0,21-21 16,-21 0-16,21 1 0,-21-1 0,21 0 15,0-42 17,21 21-32,0-21 0,0-1 15,0 1-15,0-21 0,1 21 16,-1-22-16,0 22 0,21 0 0,-21-21 15,22 21-15,-22-1 0,21 22 16,-21 0-16,1 0 0,-1 0 16,0 0-16,0 0 0,0 22 0,-21-1 15,0 0-15,21 21 0,-21-21 16,0 1-16,0-1 0,0 21 0,0-21 16,0 0-16,0 22 0,0-22 15,0 0-15,22-21 0,-22 21 0,0 0 16,21-21-16,0 0 0,0 0 15,0 0-15,0 0 0,1 0 0,-1-21 16,21 0-16,-21 0 0,22 21 16,-22-21-16,21-22 0,-21 22 0,0 0 15,1 0-15,-1-21 16,0 20-16,-21-20 0,0 21 0,0 0 16,0-22-16,0 22 0,0 0 15,-21 21-15,0 21 16,-1 0-16,1 1 0,21-1 15,0 0-15,-21 21 0,21-21 16,0 22-16,0-22 0,0 21 0,0-21 16,0 1-16,0 20 0,0-21 15,0 0-15,0 0 0,42 1 16,-42-1-16,22-21 0,-1 0 16,0 0-16,0 0 0,0 0 0,0 0 15,22 0-15,-22 0 16,21 0-16,1-21 0,-22 21 0,21-22 15,0 1-15</inkml:trace>
+  <inkml:trace contextRef="#ctx0" brushRef="#br0" timeOffset="68806.94">3111 11938 0,'-21'0'15,"21"-21"1,0 0 0,0 0-16,0-1 0,0-20 15,21 21-15,1-21 0,-1-1 0,0 1 16,0 0-16,0-1 0,0 1 0,1 0 15,-1-1-15,0-20 0,-21 42 16,0-22-16,0 22 0,0 0 0,0 0 16,-21 42-1,0 0-15,-1 0 0,1 22 16,0-22-16,21 21 0,-21 0 16,21 1-16,-21-1 0,21 0 15,0-20-15,0 20 0,0-21 0,0 0 16,0 22-16,21-43 0,0 21 15,-21 0-15,21 0 0,0-21 0,1 21 16,-1-21-16,0 0 16,-21-21 15,-21 0-31,21 0 16,-21 0-16,-1 21 0,1-22 0,0 22 15,0 0-15,0 0 0,0 0 31,21 22-31,-22-1 0,22 0 0,0 0 16,0 0-16,0 0 16,22-21-16,-1 0 0,0 22 15,0-22-15,0 0 0,0 0 0,1 0 16,20 0-16,0-22 0,1 22 16,-1-21-16,0 0 0,1 0 0,-1 0 15,0 0-15,1-1 0,-1 1 0,0 0 16,-21-21-16,1 21 0,20-22 15,-21 22-15,-21-21 0,21-1 16,-21 1-16,21 0 0,-21-1 0,0 1 16,0 0-16,0-1 0,0 22 15,0-21-15,0 21 0,0 0 0,0-1 16,-21 22 0,21 22-16,0-1 0,0 0 0,0 21 15,-21 1-15,21-1 0,-21 21 0,21-20 16,-21-1-16,0 22 0,21-22 15,0 0-15,0 1 0,-22-1 0,22 0 16,0-21-16,0 1 0,0-1 0,0 0 16,0 0-16,0 0 0,22-21 15,-1 0-15,0 0 0,0 0 16,0 0-16,0 0 16,1-21-16,-22 0 15,0 0-15,0 0 0,0-1 16</inkml:trace>
+  <inkml:trace contextRef="#ctx0" brushRef="#br0" timeOffset="69009.83">3683 11515 0,'0'0'0,"21"0"47,0-21-31,0 21-16,1 0 0,20-22 0,-21 22 15,21 0-15,-20-21 0,20 0 0,-21 21 16,21 0-16,-20-21 0,-1 21 16,0 0-16,-21-21 0,21 21 15,-21-21-15,21 21 0</inkml:trace>
+  <inkml:trace contextRef="#ctx0" brushRef="#br0" timeOffset="71716.94">4741 11875 0,'0'0'0,"21"-22"16,1-20 0,-22 21-16,0-21 0,0 20 0,0 1 15,0-21-15,0 21 0,0 0 16,0-22-16,0 22 0,-22-21 16,1 21-16,0-1 0,-21 1 0,21 0 15,-1 21-15,1 0 0,-21 0 0,21 0 16,-64 21-16,43 0 15,21 22-15,-22-22 0,22 21 0,-21 1 16,21-1-16,-1-21 0,1 21 16,0 1-16,21-1 0,0 0 0,0-20 15,0 20-15,0-21 0,0 0 0,0 0 16,21-21-16,0 0 0,1 22 16,-1-22-16,0 0 0,0 0 0,21 0 15,-20-22-15,20 1 0,0 0 16,-21 0-16,22 0 0,-1 0 15,-21-1-15,22 1 0,-22-21 0,21 21 16,-21 0-16,0-22 0,1 22 0,-22-21 16,0 21-16,21-22 0,-21 22 15,0 0-15,0 0 0,0 0 0,0 42 32,0 0-32,0 21 15,-21-21-15,21 1 0,0 20 0,-22 0 16,22-21-16,-21 22 0,21-22 0,0 0 15,0 0-15,0 22 16,0-22-16,0 0 0,0 0 16,21-21-16,1 0 0,-1 0 15,0 0-15,0 0 0,0 0 0,0-21 16,22 0-16,-22 0 0,21 21 0,-21-43 16,22 22-16,-22 0 0,0 0 15,21-22-15,-20 1 0,-1 0 0,0 21 16,0-22-16,-21 1 0,21-22 0,0-20 15,1 41-15,-22 1 16,0 0-16,0-1 0,21 1 0,-21 21 16,0-21-16,0 20 0,0 1 15,0 0 1,0 42-16,0 0 16,-21 1-16,-1 20 0,22 0 0,-21 1 15,0-1-15,21 21 0,-21-20 16,21 20-16,0-20 0,-21-1 0,21 0 15,0 22-15,0-22 0,0-21 0,0 22 16,0-1-16,21-21 0,-21 21 16,21-20-16,0-1 0,0 0 0,1 0 15,20-21-15,43 21 16,-43-21-16,-21 0 0,21 0 16,1 0-16,-1-21 0,0 21 15,1-21-15,-1 0 0,0 0 0,1 21 16,-22-22-16,0 1 0,0 0 15,0 0-15,-21-21 0,22 20 0,-22 1 16,0 0-16,0 0 0,0 0 0,0 0 16,-22-1-16,1 22 0,0 0 15,0 0-15,0 0 0,0 0 16,-1 22-16,1-1 0,0 0 0,0 0 16,21 0-16,0 0 0,0 1 15,0-1-15,0 0 0,0 0 0,0 0 16,0 0-16,0 1 0,21-1 0,0-21 15,0 0-15,22 0 0,-22 0 16,0 0-16,0 0 0,22 0 16,-22 0-16,0 0 0,21-21 0,-21-1 15,22 22-15,-22-21 0,0 0 0,21 0 16,-20 0-16,-1-22 0,0 22 16,-21 0-16,0 0 0,21 0 0,-21 0 15,0-1-15,21 1 0,-21 0 0,0 42 31,0 0-15,0 1-16,0-1 0,-21 0 0,21 0 16,0 0-16,-21 0 0,21 1 15,0-1-15,0 0 0,0 0 16,0 0-16,0 0 0,0 1 16,0-1-1,0-42 16,0-1-31,0 1 0,0 0 16,0 0-16,0 0 0,0 0 16,0-1-16,21 1 0,-21-21 15,21 21-15,0 0 0,-21-1 0,0 1 0,22 0 16,-22 0-16,21 21 0,0 0 16,0 0-1,-21 21-15,21-21 0,-21 21 0,0 0 16,0 22-16,21-22 15,-21 0-15,22 0 0,-22 0 0,0 1 16,21-1-16,-21 0 0,21 0 0,-21 0 16,21 0-16,-21 1 15,21-22-15,-21 21 16,21-21-16,1-21 16,-1-1-1,0 1-15,-21 0 0,21 0 16,-21 0-16,21 0 0,0-1 15,-21 1-15,22-21 0,20-22 16,-21 43-16,0 0 0,-21 0 16,21 0-16,1 21 0,-1 0 15,0 0-15,-21 21 16,0 0-16,0 0 16,0 0-16,0 1 0,0-1 0,0 0 15,0 0-15,0 0 0,0 0 0,0 1 16,0-1-16,0 0 0,21 0 15,-21 0-15,21 0 0,0-21 0,1 22 16,-1-22-16,0 0 0,0 21 0,0-21 16,22 0-16,-22 0 0,0 0 15,21 0-15,-21-21 0,1 21 16,-1-22-16,21 22 0,-21-21 0,0 0 16,-21 0-16,22 0 0,-1 0 0,-21-1 15,21-20-15,-21 21 0,0 0 16,0-22-16,0 22 0,0 0 0,0 0 15,0 0-15,-21 21 16,0 0-16,-1 0 16,1 21-16,0 0 15,21 0-15,0 22 0,-21-22 16,21 0-16,-21 0 0,21 0 0,0 0 16,0 1-16,0-1 0,0 0 15,0 0-15,21 0 0,-21 0 0,21-21 16,0 0-16,-21 22 0,21-22 0,1 0 15,-1 0-15,0 0 0,0 0 16,0 0-16,0-22 0,1 1 0,-1 21 16,0-21-16,-21 0 0,21 0 0,0 0 15,-21-1-15,0 1 0,21 0 16,-21-21-16,22 21 0,-22-1 16,0 1-16,0 0 0,0 42 31,0 0-31,0 1 15,0-1-15,0 0 0,0 0 16,0 0-16,-22 0 0,22 1 16,0-1-16,0 0 0,-21 0 15,21 0-15,0-42 47,21 0-31,1 0-16,-1 0 0,0-1 15,-21 1-15,21-21 0,0 21 16,0 0-16,1-1 0,-1 1 0,0 0 16,0 21-16,0 0 0,0 0 15,1 0-15,-1 0 0,-21 21 16,0 0 0,0 1-16,0-1 0,0 0 0,0 0 15,0 0-15,0 22 0,0-22 16,0 0-16,0 0 0,0 0 15,0 0-15,0 1 0,21-22 16,0 0-16,0 0 0,0 0 16,1 0-16,-1 0 0,0 0 15,0 0-15,0-22 0,0 1 0,-21 0 16,22 0-16,-1 0 0,0 0 16,0-1-16,0-20 0,0 21 0,-21-21 15,22-1-15,-1 1 0,-21-22 16,21 22-16,-21-21 0,21 20 0,-21-20 15,21 20-15,-21 1 0,0 0 0,0-1 16,0 22-16,0 0 0,21 0 0,-21 0 16,0 42-1,0 21 1,0-21-16,-21 22 0,21-22 0,0 21 16,0 1-16,0 20 0,0-21 15,0 1-15,0-1 0,0 0 0,0 1 16,0-1-16,0-21 0,0 22 15,-21-1-15,21-21 0,0 0 0,0 0 16,0 1-16,0 20 16,0-21-16,21-21 15,0 0-15,1 0 16,-1 0-16,0 0 0,0 0 0,0 0 16,22 0-16,-22-21 0,0 21 0,0-21 15,0 0-15,0 21 0,1-22 0,-22 1 16,0 0-16,0 0 0,21 21 15,-21-21-15,0 0 0,0-22 0,0 22 16</inkml:trace>
+  <inkml:trace contextRef="#ctx0" brushRef="#br0" timeOffset="71939.81">8318 11324 0,'0'0'0,"-21"0"0,0-21 16,-21 21-16,21-21 0,-1 0 15,44 0 1,-1 21-1,0 0-15,21 0 0,-21 0 0,22-22 16,-22 22-16,21 0 0,1 0 0,-1-21 16,0 21-16,1 0 0,-1-21 15,0 21-15,1 0 0,-22 0 0,21 0 16,-21-21-16,-42 21 31,0 0-31,-21 0 0,20-21 0,-20 21 16,0 0-16</inkml:trace>
+  <inkml:trace contextRef="#ctx0" brushRef="#br0" timeOffset="72267.63">4995 11176 0,'0'0'0,"21"0"16,1 0-16,20 0 16,0 0-16,1 0 0,-1-21 0,21 0 15,1 21-15,-1-21 0,1 21 16,-1 0-16,1-22 0,-1 22 0,-20 0 15,-1 0-15,0-21 0,-20 21 0,-1 0 16,0 0-16,-42 0 31,0 21-31,-22 1 0,22-22 16,-21 21-16,-1-21 0,-20 21 0</inkml:trace>
+  <inkml:trace contextRef="#ctx0" brushRef="#br0" timeOffset="74857.3">254 12425 0,'0'0'0,"42"-21"16,-42 0-16,21 21 0,1-22 16,-22 1-16,0 0 15,21 0-15,-21 0 0,0 0 0,0-1 16,0 1-16,0 0 16,-21 0-16,21 0 0,-22 0 0,1-1 15,0 22-15,0 0 0,21-21 16,-21 21-16,0 0 0,-22 0 15,22 21-15,0 1 0,0-1 0,-22 0 16,22 0-16,-21 21 0,42 1 16,0-1-16,0 0 0,0 1 15,0-1-15,0 0 0,0 1 0,0 20 16,0-20-16,0-1 0,0 0 0,0-21 16,0 22-16,0-22 0,0 21 15,0-21-15,0 1 0,0-1 16,42-21-16,1 0 15,-1 0-15,-21 0 0,21 0 0,1-21 16,-1-1-16,0 1 0,1 0 16,-1 0-16,0 0 0,1-22 0,-1 22 15,0 0-15,-20-21 0,-1 21 16,0-1-16,0-20 0,0 21 0,-21 0 16,21 0-16,-21-1 15,0 1-15,0 42 16,-21 1-1,0-1-15,21 0 16,0 0-16,-21 21 0,0-20 0,21-1 16,-21 21-16,21-21 15,0 0-15,0 1 0,0-1 0,0 0 16,0 0-16,0 0 0,21-21 16,0 21-16,0-21 0,0 0 0,0 0 15,1 0-15,-1 0 0,21 0 16,-21 0-16,0-21 0,22 0 0,-22 21 15,0-21-15,0 0 0,0 0 16,1-1-16,-1 1 0,-21 0 16,21 0-16,-21 0 0,21 0 0,-21-1 15,0 1-15,0 0 0,0 0 16,0 42 15,0 0-15,0 0-16,0 1 0,0-1 15,0 0-15,0 21 0,-21-21 0,21 1 16,0-1-16,0 0 0,0 0 16,21 0-16,0-21 15,0 0-15,1 0 16,-1 0-16,0 0 0,21 0 0,-21 0 16,22-21-16,-1 0 0,-21 0 15,22 0-15,-1-1 0,0-20 16,-21 21-16,22 0 0,-22 0 15,0-1-15,-21-20 0,0 21 0,21 21 16,-21-21-16,0 0 0,-21 42 31,21 0-15,0 0-16,0 0 0,0 0 16,0 1-1,21-22-15,0 21 16,1 0-16,-1 0 15,0-21-15,0 21 0,-21 0 0,0 1 16,21-22-16,-21 21 16,21 0-16,-21 0 0,0 0 15,0 0-15,0 1 16,22-22-16,-1 0 0,0 0 16,0 0-1,0 0-15,0 0 0,1-22 16,-22 1-16,21 21 0,0-21 15,0 0-15,21 0 0,-20 0 0,-1-22 16,0 22-16,-21 0 0,21 0 16,0-22-16,-21 22 0,0 0 15,0 0-15,0 0 0,0 0 0,-21 21 32,0 0-32,0 0 0,0 0 15,21 21-15,-22 0 16,22 0-16,0 0 0,0 0 15,22-21 1,-22 22-16,21-22 0,0 21 0,0-21 16,0 21-16,0 0 0,1-21 15,-1 21-15,0 0 0,-21 1 0,21-22 16,0 21-16,-21 0 0,0 0 16,21 0-16,-21 0 15,22-21-15,-22 22 0,21-22 0,0 21 16,0-21-16,0 0 15,0 0-15,1 0 0,20 0 16,-21 0-16,0 0 0,0-21 16,22 21-16,-22-22 0,21 1 0,-21 0 15,1 0-15,-1 0 0,21 0 16,-42-1-16,21 1 0,-21 0 0,21 0 16,-21 0-16,0 0 0,0-1 0,0 1 15,0 0-15,0 0 0,-21 0 16,0 21-16,0 0 0,0 0 15,0 0-15,-1 0 16,22 21-16,-21 0 0,0 0 0,21 0 16,0 1-16,0-1 0,0 0 0,0 0 15,0 21-15,0 1 16,0-22-16,21 0 0,0 0 0,1-21 16,-1 21-16,0-21 0,21 0 15,-21 0-15,1 0 0,20 0 0,-21 0 16,0 0-16,0 0 0,1 0 0,-1-21 15,0 0-15,0 21 0,0-21 16,0 0-16,1 0 0,-22-1 0,0 1 16,0 0-16,0 0 0,0 0 15,0 0-15,0-1 16,0 44 0,0-1-1,0 0-15,0 0 0,0 0 0,0 0 16,0 1-16,0-1 15,0 21-15,0-21 0,-22-21 0,22 21 0,0 1 16,0-1-16,0 0 16,0-42-1,22 0 1,-22-1-16,21 1 0,0 0 16,0 0-16,-21 0 0,21-22 0,0 22 15,1 0-15,-1-21 0,-21 21 16,21-1-16,0 1 0,0 21 15,0 0 1,1 0-16,-22 21 0,0 1 16,0-1-16,0 0 0,0 0 15,0 0-15,0 0 0,0 1 0,0-1 16,0 21-16,0-21 0,0 0 16,0 1-16,0-1 0,21-21 15,0 0-15,0 0 16,0 0-16,0 0 0,1 0 15,-1-21-15,0 21 0,0-22 16,21 1-16,-20 0 0,-1 0 0,0 0 16,0-22-16,0 22 0,-21-21 15,21 21-15,1-22 0,-22 1 0,0 0 16,21 21-16,-21-22 0,0 1 0,0 0 16,0-1-16,0 1 0,0 21 15,0 0-15,0-1 0,0 44 16,-21-1-1,21 21-15,0-21 0,0 22 16,-22-22-16,22 21 0,0 0 0,-21 1 16,21-1-16,0-21 0,0 22 0,0-1 15,0-21-15,0 21 16,0-20-16,0-1 0,0 0 0,0 0 16,0 0-16,21 0 15,1-21-15,-1 0 16,0 0-16,0 0 0,-21-21 15,0 0-15,21 0 0,-21 0 16,0 0-16,0-1 0,0 1 0,0 0 16</inkml:trace>
+  <inkml:trace contextRef="#ctx0" brushRef="#br0" timeOffset="75061.17">3450 12488 0,'0'0'0,"-21"22"16,42-22 15,0 0-31,0 0 0,1 0 0,-1 0 16,21 0-16,0 0 0,-20 0 15,20 0-15,-21 0 0,0 0 16,0 0-16,1-22 0,-1 22 0,0 0 16,0-21-1,0 21 1,0 0-16</inkml:trace>
+  <inkml:trace contextRef="#ctx0" brushRef="#br0" timeOffset="75740.78">4657 12404 0,'0'0'0,"0"-21"0,0-1 16,0 1-16,0 0 0,-22 0 0,22 0 15,0 0-15,-21 21 0,0 0 16,21 21 0,0 0-16,-21 0 0,21 0 15,0 22-15,-21-1 0,21 0 0,0-21 16,0 22-16,0-1 0,0 0 16,0 1-16,0-1 0,0 0 0,0-20 15,-21 20-15,21-21 0,-22 0 0,22 0 16,0 1-16,0-1 15,0 0-15,-21-21 16,21-21 0,0 0-1,0-1-15,0 1 0,0 0 0,21 0 16,1 0-16,-1 0 0,0-1 0,0 1 16,21 0-16,-20 0 0,20 21 15,0 0-15,1 0 0,-1 0 0,0 0 16,1 0-16,-1 0 0,-21 21 15,21 0-15,-20 0 0,-1 1 0,0-1 16,-21 21-16,0-21 0,0 0 16,0 1-16,0-1 0,0 0 0,-21 0 15,0 0-15,-1 0 0,-20 1 16,21-1-16,-21-21 0,20 21 0,-20-21 16,21 0-16,0 0 0,-22 0 0,22 0 15,0 0-15,0 0 0,0 0 16,0-21-16,21 0 15,0-1-15,21 1 16,0 0-16,0 0 16,0 21-16,0-21 0</inkml:trace>
+  <inkml:trace contextRef="#ctx0" brushRef="#br0" timeOffset="76023.63">5461 12383 0,'0'0'0,"21"-22"0,0 1 0,0 0 16,-21 0-16,22 21 0,-22-21 0,0 42 31,0 0-31,0 0 16,0 22-16,0-22 0,0 21 0,-22 0 16,22 1-16,-21-1 0,21 0 15,-21 1-15,21-1 0,0-21 16,0 22-16,0-1 0,0 0 0,0-21 15,0 1-15,0 20 0,0-21 0,0 0 16,0 0-16,21-21 31,0 0-31,1-21 16,-1 0-16,0 21 0,0-21 0</inkml:trace>
+  <inkml:trace contextRef="#ctx0" brushRef="#br0" timeOffset="76395.16">5905 12721 0,'22'-21'0,"-44"42"0,44-63 16,-22 21-16,0 0 0,21 21 16,-21-22-16,0 44 15,-21-22 1,-1 21-16,1 0 0,21 0 16,-21 0-16,0 22 0,0-22 0,21 0 15,0 0-15,0 21 0,0-20 0,0-1 16,0 0-16,0 0 0,0 0 15,0 0-15,21-21 0,0 22 16,0-22-16,0 0 0,22 0 0,-22 0 0,21 0 16,1 0-16,-22-22 15,21 1-15,-21 0 0,22 21 0,-22-21 16,0 0-16,0-22 0,0 22 0,-21 0 16,0 0-16,0-21 0,0 20 0,0-20 15,0 21-15,-21 0 0,21 0 16,-21-1-16,0 1 0,0 21 0,-1 0 15,-20 0-15,21 0 0,0 0 0,0 0 16,-1 0-16,1 21 0,0-21 16,0 22-16,0-1 0,21 0 15,0 0-15</inkml:trace>
+  <inkml:trace contextRef="#ctx0" brushRef="#br0" timeOffset="77259.73">6900 12552 0,'0'0'0,"0"-21"15,-21 42 16,0-21-31,0 21 16,0 0-16,-1 0 0,1 1 0,0-1 0,0 21 16,0-21-16,0 0 0,-1 22 15,22-22-15,0 21 0,-21-21 16,21 22-16,0-22 0,0 0 0,0 21 16,0-20-16,21-1 0,1 0 15,-1-21-15,0 0 0,21 0 16,-21 0-16,22 0 0,-1 0 0,0 0 15,1 0-15,-22-21 0,21 0 0,1-1 16,-1 1-16,-21 0 0,21 0 16,-20 0-16,-1-22 0,21 22 0,-21-21 15,0 0-15,-21-1 0,22 1 16,-22 21-16,21-22 0,-21 1 16,0 0-16,0-1 0,0 22 0,0 0 15,0 0-15,0 42 31,0 0-31,0 22 16,0-22-16,0 21 0,0-21 0,0 22 16,-21-1-16,21-21 0,0 21 0,-22-20 15,22 20-15,0-21 0,0 0 16,0 0-16,0 1 0,0-1 0,0 0 16,0-42 15,0 0-16,22-1-15,-1 22 0,-21-21 0,21 0 16,0-21-16,0 21 0,0 21 16,1-22-16,-1 1 0,0 0 0,21 0 15,-21 21-15,1 0 0,-1 0 0,0 0 16,0 0-16,0 0 16,-21 21-1,0 0-15,-21 0 16,0-21-16,0 22 0,0-22 0,-1 0 15,1 21-15,0-21 16,0 0-16,0 0 0,0 21 0,-1-21 0,22 21 31,0 0-31,0 0 16,0 1-16,22-1 16,-1-21-16,0 21 0,0 0 0,0-21 15,0 21-15,1 0 0,-1 1 16,0-1-16,0-21 15,-21 21-15,21-21 0,0 0 16,1 0 0,-22-21-1,21 0-15,-21-1 16,21 1-16</inkml:trace>
+  <inkml:trace contextRef="#ctx0" brushRef="#br0" timeOffset="79107.22">8721 12742 0,'0'0'0,"-22"0"16,22 22 0,0-44-1,0 1 1,0 0-16,0 0 16,22 21-16,-1-21 0,0 0 0,0-1 15,0-20-15,22 0 0,-22 21 16,0-1-16,-21 1 0,21 21 15,-21-21-15,21 21 0,-21-21 0,0 42 32,0 0-32,0 0 0,0 1 15,0-1-15,0 0 0,0 21 0,0-21 16,0 22-16,0-1 0,0-21 0,0 22 16,0-1-16,0-21 0,0 21 15,0 1-15,0-1 0,0 0 0,21 1 16,-21-22-16,22 21 0,-1 1 15,-21-1-15,0-21 0,0 21 0,21-20 16,-21 20-16,0-21 0,0 0 16,0 22-16,0-22 0,0 0 0,-21-21 15,0 21-15,-1 0 0,1-21 0,0 0 16,-21 0-16,21 0 16,-1 0-16,1 0 0,21-21 0,-21 0 15,0 0-15,21-22 0,-21 22 0,21 0 16,0-21-16,0-1 0,0 1 15,21 0-15,21-1 0,-21 1 0,1 0 16,20-1-16,43-41 16,-43 41-16,0-20 0,1 21 0,20-1 15,-42 22-15,22-21 0,-1 21 16,-21-22-16,0 22 0,0 0 0,-21 42 47,0 0-47,0 0 0,0 1 0,0-1 15,-21 0-15,21 21 0,0-21 0,-21 1 16,21-1-16,0 0 0,0 21 16,0-21-16,21 1 15,0-1-15,1-21 0,-1 0 16,0 0-16,0 0 0,0 0 0,0 0 16,1 0-16,20 0 0,-21-21 15,0-1-15,22 1 0,-22 0 16,0 0-16,0-21 0,0 20 0,0 1 15,-21-21-15,0 21 0,0 0 16,22-22-16,-22 22 0,0 0 16,0 42 15,0 0-31,0 0 0,0 1 16,0-1-16,0 0 0,0 0 15,21 0-15,-21 0 0,0 1 16,21-22-16,0 21 0,0-21 15,0 0-15,1 0 0,-1 0 16,0 0-16,21 0 0,-21 0 0,1-21 16,-1 21-16,0-22 0,0 1 15,0 0-15,0 0 0,1 0 0,-1 0 16,0-1-16,-21-41 0,0 42 16,0 0-16,21 21 0,-21-22 15,0 44 1,0-1-1,-21 0-15,21 0 16,0 0-16,0 0 0,0 1 0,-21-1 16,21 21-16,0-21 0,0 0 0,0 1 15,0-1-15,0 0 0,0 0 16,0 0-16,-21-21 0,21-21 47,0 0-32,0 0-15,0-22 0,0 22 16,0 0-16,0 0 0,0 0 0,0-22 16,21 22-16,0 0 0,0 0 15,0 0-15,0 21 16,1 0-16,-1 0 0,-21 21 16,21 0-16,-21 0 0,21 0 15,0 1-15,-21-1 0,0 0 16,21 0-16,-21 0 0,22 0 0,-22 1 15,0-1-15,0 0 16,21-21 0,-21-21-1,21 0-15,-21-1 16,0 1-16,21 0 16,0-21-16,0 21 0,-21-1 15,22 1-15,-1-21 0,-21 21 0,21 0 16,0 21-16,0-22 0,0 22 15,1 0-15,-22 22 16,0-1-16,0 0 0,0 0 16,0 0-16,0 0 0,0 22 0,0-22 15,0 0-15,0 0 0,0 0 16,0 22-16,0-22 0,21 0 16,-21 0-16,21 0 0,0-21 31,0 0-31,-21-21 15,21 0 1,-21 0-16,0 0 0,0 0 16</inkml:trace>
+  <inkml:trace contextRef="#ctx0" brushRef="#br0" timeOffset="79388.44">10795 12488 0,'0'-21'0,"0"42"0,21-42 15,-21 0-15,0 42 31,0 0-31,0 1 0,0 20 0,0 21 16,0-41-16,0 62 16,0-41-16,0-1 0,0 0 15,0 1-15,0-1 0,0 21 16,0-20-16,0 20 0,-21-20 0,0-1 16,21 0-16,-21 22 0,-1-22 15,1 0-15,0-20 0,21 20 0,-21 0 16,21-21-16,-21 22 0,0-43 15,21-21 1,0-1 0,0 1-16,21-21 0,-21 21 0,21-22 15,-21 1-15,0 0 0,21-1 16</inkml:trace>
+  <inkml:trace contextRef="#ctx0" brushRef="#br0" timeOffset="79690.92">10774 12742 0,'0'0'0,"0"-21"15,0 0-15,21-21 0,-21 21 0,21-1 16,-21 1-16,0 0 0,21-21 16,0 42-16,1-21 0,-1-1 0,0 1 15,0 21-15,0 0 0,22-21 0,-22 21 16,0 0-16,21 0 0,-21 0 16,1 21-16,-22 0 0,0 1 15,0-1-15,0 0 0,0 0 16,-22 0-16,1-21 0,0 21 15,-21 1-15,21-1 0,-1-21 16,1 21-16,-21-21 0,0 42 16,20-42-16,22 21 0,-21-21 15,42 0 17,1 0-32,-1 0 0,21-21 15,-21 21-15,0-21 0,22 0 16,-22 0-16,21 21 0</inkml:trace>
+  <inkml:trace contextRef="#ctx0" brushRef="#br0" timeOffset="80022.89">11324 12488 0,'21'0'16,"-42"0"-16,63-21 0,-20 0 0,20-21 15,-42 21 1,-21 21 0,0 0-1,-1 0-15,-20 0 0,21 21 0,0-21 16,0 21-16,21 0 0,-22 0 15,22 0-15,0 1 16,22-1-16,-1-21 16,0 21-16,0-21 0,0 21 0,0-21 15,22 21-15,-22 0 0,0 1 16,-21-1-16,0 0 16,0 0-16,0 0 0,-42 0 15,21 1-15,-43-1 16,22-21-16,21 0 0,-22 0 15,22 21-15,-21-21 0,-1 0 0,22 0 16,0 0-16,0 0 0,0 0 0,0 0 16,-1 0-16,22-21 0,-21 21 0,21-21 15,0-1-15,-21 1 16,21 0-16,-21 0 0,0 0 0</inkml:trace>
+  <inkml:trace contextRef="#ctx0" brushRef="#br0" timeOffset="80244.37">9631 12002 0,'0'0'0,"-21"0"31,-1 0-16,22 21 1,-21-21-16,0 0 0,0 21 16,0-21-16,21 21 0,-21-21 0,-1 21 15</inkml:trace>
+  <inkml:trace contextRef="#ctx0" brushRef="#br0" timeOffset="81972.17">1693 13526 0,'-21'0'16,"0"0"-1,21-22 1,0 1-16,0 0 16,0 0-16,0 0 0,0 0 15,0-1-15,21 22 16,0 0-16,0 0 16,1 0-16,-1 0 15,0 22-15,-21-1 0,0 0 0,21 21 16,-21 1-16,0-22 0,0 21 15,0 0-15,0 1 0,0-1 0,0 0 16,0-20-16,0 20 0,0-21 16,0 0-16,0 0 0,0 1 0,0-1 15,21-21 1,-21-21-16,21-1 16,1 1-16,-1 0 0,-21 0 15,21-21-15,0 20 0,0-20 16,0 0-16,-21 21 0,22-22 0,-1 1 15,0 21-15,-21 0 0,0-1 16,21 1-16,-21 0 0,21 21 0,-21 21 31,0 0-31,0 1 0,0-1 0,0 21 16,0-21-16,0 22 0,0-1 16,0-21-16,21 21 0,-21-20 0,0 20 15,22-21-15,-22 21 0,0-20 16,21-1-16,0-21 0,0 21 0,0-21 15,0 0-15,1 0 0,20 0 16,-21 0-16,21 0 0,-20-21 0,20 0 16,-21-1-16,21 1 0,1 0 15,-22 0-15,42-43 16,-41 22-16,-1 21 0,0-21 0,-21 20 16,0-20-16,0 0 15,0 21-15,0-1 0,-21 22 16,0 0-16,-1 0 15,1 22-15,0-1 0,0 0 0,0 0 16,21 21-16,0-20 0,0 20 0,-21-21 16,21 21-16,0-20 0,0-1 15,0 0-15,21 0 0,-21 0 16,21 0-16,0 1 0,0-22 0,0 0 16,1 0-16,-1 0 0,0 0 15,0 0-15,21 0 0,-20-22 0,-1 1 16,0 21-16,21-21 0,-21 0 15,1 0-15,-1-22 0,21 22 0,-21 0 16,0 0-16,1 0 0,20 0 16,-21-1-16,0 1 0,22 0 15,-22 21-15,0 0 0,0 0 0,0 0 16,0 0-16,-21 21 0,0 0 0,0 1 16,0 20-16,0-21 0,0 0 15,0 22-15,-21-22 0,0 0 16,0 21-16,0-21 0,21 1 0,-21-1 15,21 0-15,-22 0 0,1-21 16,42-21 0,1 21-1,-1-21-15,0-22 0,0 22 16,0 0-16,0-21 0,1 21 0,-1-22 16,0 22-16,0-21 0,0 21 15,0-1-15,1 1 0,-22 0 0,21 0 16,-21 42 15,-21 0-31,-1 0 0,22 1 16,0 20-16,-21-21 0,21 21 0,-21-20 15,21 20-15,0-21 0,0 0 16,0 22-16,0-22 0,42 42 16,1-42-1,-1-21-15,0 0 0,-20 0 0,20 0 16,0 0-16,1 0 0,-1-21 15,0 0-15,22 0 0,-22 0 0,0 0 16,-20-1-16,20 1 0,0-21 16,-21 21-16,1-22 0,-1 1 0,0 0 0,0-1 15,-21 1-15,21 0 0,-21-1 16,0 1-16,0 0 0,0-1 16,0-20-16,0 42 15,0 42 1,0 0-16,-21 0 0,0 0 0,21 1 15,-21 20-15,0 0 0,21 1 0,0-1 16,-22 0-16,22 1 0,-21-1 16,21 0-16,0-21 0,0 22 15,0-22-15,0 0 0,0 0 0,0 0 0,21 1 16,1-1-16,-22 0 0,21-21 16,0 0-16,0 0 0,0 0 15,0 0-15,1 0 0,-1 0 0,0 0 16,0 0-16,-21-21 15,0 0-15,0-1 0,0 1 16,0 0-16,0 0 0</inkml:trace>
+  <inkml:trace contextRef="#ctx0" brushRef="#br0" timeOffset="82183.19">3852 13504 0,'0'0'0,"-21"0"0,42 0 47,0 0-31,22 0-16,-22 0 0,21 0 15,-21-21-15,22 21 0,-1-21 0,0 21 16,1 0-16,-1-21 0,-21 21 0,22 0 16,-22-21-16,0 21 0,0-21 15,0 21-15,0 0 16</inkml:trace>
+  <inkml:trace contextRef="#ctx0" brushRef="#br0" timeOffset="82858.17">5757 13441 0,'21'-21'0,"-42"42"0,42-63 0,-21 20 0,0 1 0,0 0 16,0 0-16,0 0 0,0 0 15,-21 42 1,21 0 0,-21 0-16,21 0 0,0 22 0,0-1 15,-21-21-15,21 21 0,-21 1 16,21-1-16,-21 0 0,21 1 0,0-1 16,0 0-16,-22-20 0,22 20 0,0-21 15,0 0-15,0 0 0,0 1 16,0-1-16,0 0 15,22-21 1,-1-21-16,-21 0 16,21-1-16,21-20 15,-42 21-15,21 0 0,1 0 0,-1-22 16,0 22-16,-21 0 0,21 0 0,0 21 16,0-21-16,22-1 0,-22 22 15,0 0-15,0 0 0,0 0 0,1 22 16,-1-1-16,21-21 0,-21 21 0,-21 21 15,21-21-15,-21 1 0,22-1 16,-22 0-16,0 0 0,0 0 0,0 22 16,-22-43-16,1 21 0,0 0 0,-42 21 15,41-42 1,-20 0-16,21 21 0,-21-21 0,20 0 16,1 0-16,-21 0 0,21 0 0,0 0 15,-1 0-15,1 0 0,0-21 0,0 21 16,0 0-16,21-21 15,0 0 1,0 0-16,21 0 16,0 21-16</inkml:trace>
+  <inkml:trace contextRef="#ctx0" brushRef="#br0" timeOffset="83156.03">6456 13420 0,'21'-21'16,"-42"42"-16,63-64 0,-21 43 0,-21-21 0,21 21 16,1 0-16,-22 21 31,0 1-31,0 20 0,0-21 16,-22 21-16,22 1 0,-21-1 0,0 0 15,21 1-15,0-1 0,0-21 16,-21 64-16,21-64 15,0 21-15,0-20 0,0-1 0,0 0 16,0 0-16,0 0 0,0 0 0,0 1 16,21-22-1,0 0 1,0 0-16,1 0 0,-1-22 16,21 1-16</inkml:trace>
+  <inkml:trace contextRef="#ctx0" brushRef="#br0" timeOffset="83531.82">6964 13737 0,'0'0'0,"0"-21"0,21 21 16,-42 0-1,0 21 1,21 0-16,-22 1 0,1-1 16,0 0-16,21 0 0,-21 0 15,21 22-15,-21-22 0,21 0 0,0 0 16,0 0-16,0 0 0,0 1 0,0-1 15,21 0-15,0-21 0,21 0 16,-20 0-16,-1 0 16,0 0-16,21 0 0,-21 0 0,22-21 15,-22 21-15,0-21 0,0-1 16,22 1-16,-43 0 0,21 0 0,-21 0 16,21 0-16,-21-1 0,0 1 15,0-21-15,0 21 0,-21 0 0,0-1 0,-1 1 16,1 0-16,0 0 0,0 21 15,0 0-15,0 0 0,-22 0 16,22 0-16,0 0 0,0 21 0,-22-21 16,22 21-16,21 0 0,-21-21 0,21 22 15,-21-22-15,21 21 0,0 0 16,0 0-16,21-21 16</inkml:trace>
+  <inkml:trace contextRef="#ctx0" brushRef="#br0" timeOffset="84390.09">7535 13695 0,'0'0'0,"21"-21"16,-21 0 0,0 42 15,0 0-31,-21 0 0,21 0 15,0 22-15,0-22 0,-21 0 16,21 21-16,0-21 0,0 22 0,0-22 16,0 0-16,0 21 0,0-20 15,0-1-15,0 0 0,21 0 16,-21 0-16,21-21 0,1 21 0,-1-21 16,0 0-16,0 0 0,0 0 0,0 0 15,64-21-15,-43 21 16,-20-21-16,-1 0 0,0 0 15,0 0-15,0-1 0,0 1 0,1-21 16,-1 21-16,-21-22 0,0 1 0,21 0 16,-21-1-16,0 1 0,21-21 0,-21 20 15,0 1-15,0 0 16,0-1-16,0 22 0,0 0 0,21 0 0,-21 0 16,21 21-1,-21 21-15,0 0 16,0 0-16,0 21 0,0-20 0,0 20 15,22 0-15,-22 1 0,0 20 16,0-21-16,0-20 0,0 20 16,0-21-16,0 21 0,0-20 0,-22-1 15,22 0-15,0 0 0,-21-21 0,21 21 16,0-42 15,0 0-31,0 0 16,21 0-16,1-22 0,-1 22 15,0 0-15,0 0 0,0 0 16,0-1-16,1 1 0,-1 0 16,0 21-16,0-21 0,0 21 0,0 0 15,1 0-15,-22 21 16,0 0 0,0 0-16,0 1 0,-22-1 15,1 0-15,0-21 0,0 21 0,0-21 16,0 21-16,-1-21 15,1 0-15,0 0 0,0 0 16,21 21 0,0 1-1,0-1 1,21-21-16,0 21 0,0-21 0,1 21 16,20 21-16,-21-42 0,0 22 15,22-22-15,-22 21 0,0 0 0,0-21 16,0 0-16,0 0 0,1 21 15,-1-21-15,0 0 0,0 0 0,0 0 16,-21-21 0,21 0-1,-21 0-15,0-1 16</inkml:trace>
+  <inkml:trace contextRef="#ctx0" brushRef="#br0" timeOffset="87390.74">13885 6985 0,'21'-21'15,"-21"0"-15,22 21 0,-22-21 16,21-1-16,0 1 15,-21 0-15,0 0 0,21 0 16,-21 0-16,21-22 0,-21 22 0,0 0 16,0 0-16,0 0 0,0-22 15,0 22-15,-21 0 0,-21-21 16,21 42-16,-1-22 0,1 1 16,0 21-16,0 0 0,0 0 0,0 0 15,-1 0-15,-20 0 0,21 21 16,0 1-16,0 20 0,-64 64 15,64-43-15,0-20 16,-1-1-16,-20 21 0,21-20 0,0 20 16,-22 1-16,22-1 0,0-20 0,0 20 15,0 1-15,21-22 16,0 21-16,0-20 0,0-1 0,0 0 16,0 1-16,0-1 0,21-21 0,0 0 15,0 22-15,0-22 0,22 0 16,-22-21-16,21 21 0,-21-21 0,22 0 15,-1 0-15,0 0 0,1 0 16,-1 0-16,0-21 0,1 0 0,20 0 16,-20 0-16,-1-1 0,0 1 0,1 0 15,-22 0-15,21-21 0,-21 20 16,22 1-16,-22-21 0,-21 21 0,21-22 16,-21 22-16,21 0 0,-21-21 15,0 21-15,0-1 16,-21 22-1,0 22-15,0-1 0,-1 0 16,1 0-16,0 21 0,0-20 0,0 20 16,0 0-16,-1-21 0,22 22 15,0-1-15,-21-21 0,21 22 0,0-22 16,0 21-16,0-21 0,21 0 16,1-21-16,-1 0 0,0 22 0,0-22 15,21 0-15,-20 0 0,20 0 16,0-22-16,-21 22 0,22-21 15,-1 0-15,0 0 0,1 0 0,-22 0 16,0-1-16,0-20 0,0 21 0,1-21 16,-22 20-16,0-20 0,0 0 15,0 21-15,0-22 0,0 1 16,-22 0-16,22 20 0,-21 1 0,0 0 16,0 0-16,0 21 0,0 0 0,-1 0 15,1 21-15,0-21 0,0 42 16,0-20-16,0 20 0,-1-21 0,1 21 15,21 1-15,0-22 0,0 21 16,0-21-16,0 22 0,0-22 16,0 0-16,21 0 0,1-21 0,-1 21 15,0-21-15,0 0 0,0 0 0,0 0 16,22 0-16,-22 0 0,21-21 16,-21 0-16,22 0 0,-22 21 0,0-21 15,0 0-15,0-1 0,1 1 16,-1 0-16,-21-21 0,21 21 15,0 21-15,-21 21 32,0 0-32,0 0 0,0 0 0,0 0 15,0 1-15,0 20 0,0-21 16,0 0-16,0 0 0,0 22 0,0-22 16,0 0-16,0 0 0,0 0 15,0 1 1,0-44 15,0 1-31,0 0 16,0 0-16,0-21 0,0 20 0,21 1 15,0 0-15,1-21 0,-22 21 16,21-22-16,0 22 0,0 0 0,0 0 16,0 0-16,1 21 0,-1 0 0,0 0 15,0 0-15,0 0 0,0 21 16,1 0-16,-1 0 0,0 0 15,-21 0-15,21 22 0,0-22 0,-21 0 16,21 21-16,-21-20 0,0-1 16,0 0-16,0 0 0,0 0 0,0 0 15,0 1-15,0-44 47,0 1-47,22 21 0,-22-21 16,21-21-16,0 21 0,-21-1 0,21-20 15,0 21-15,-21-21 0,21 20 0,1 1 16,-1-21-16,0 21 16,0 21-16,0-21 0,0 21 0,1 0 15,-1 0-15,0 21 0,-21 0 0,21 0 16,-21 0-16,21 22 0,-21-22 16,0 21-16,0-21 0,0 22 0,0-22 15,0 21-15,0-21 0,0 22 0,0-22 16,0 0-16,0 0 0,0 0 15,0 0-15,0 1 0,0-1 16,21-42 0,1 21-1,-1-22-15,0 1 0,0 0 0,0 0 16</inkml:trace>
+  <inkml:trace contextRef="#ctx0" brushRef="#br0" timeOffset="87771.66">15960 7303 0,'0'-22'0,"0"44"0,0-65 0,0 22 16,0 42-1,0 22-15,0-22 16,0 21-16,0 0 0,0 1 0,-22-1 16,22 0-16,0 22 0,0-22 15,0 22-15,-21-22 0,21 22 0,0-1 16,0-21-16,0 22 0,0-1 0,0 1 15,0-1-15,0 1 16,0 21-16,0-22 0,0 1 0,-21-1 16,21 22-16,-21-22 0,0 22 0,0-22 15,-1 22-15,1 0 0,0-22 16,0 1-16,0 20 0,-22 43 16,1-63-16,42-22 0,-21 22 0,0-22 15,0-21-15,-1 0 0,22 1 0,0-1 16,0-42-1,0-1-15,0 1 16,0-21-16,0 21 0,0-22 0,0 1 16,0 21-16,22-21 0,-22-22 0,21 22 15,-21-1-15,21-20 16,-21-64-16,21 63 0,0 1 16</inkml:trace>
+  <inkml:trace contextRef="#ctx0" brushRef="#br0" timeOffset="88092.64">15706 7853 0,'0'0'16,"0"-64"-16,21 22 0,-21 0 0,21-1 16,-21 1-16,0 0 0,21-1 0,0 22 15,0-21-15,1 21 0,-1-22 16,0 22-16,21-21 0,1 21 16,-1 0-16,0 21 0,1-22 0,-1 22 15,0 0-15,1 0 0,41 43 16,-63-22-16,1 0 0,-1 0 15,-21 22-15,0-1 0,0-21 16,0 21-16,-21-20 0,-1 20 0,1-21 16,-21 0-16,21 22 0,-22-22 0,22 0 15,-21 0-15,0 0 0,20 0 16,-20-21-16,21 22 0,-21-1 0,20-21 16,1 21-16,0-21 0,0 0 15,21 21-15,21-42 31,0 0-15,0 0-16,1 21 0</inkml:trace>
+  <inkml:trace contextRef="#ctx0" brushRef="#br0" timeOffset="90656.3">16870 7768 0,'21'0'16,"-21"-21"0,21 0-16,-21 0 0,21 0 15,-21-1-15,0-20 0,21 21 16,-21-21-16,0 20 0,0-20 0,0 0 15,0-1-15,-21 1 0,0 21 0,0-21 16,21 20-16,-21 1 0,0 0 16,-1 21-16,-20 0 15,21 0-15,-21 21 0,20 0 0,-20 1 16,21-1-16,-21 21 0,20 0 0,-20 1 16,21-1-16,0 0 0,-22 1 15,22-1-15,0 0 0,0 1 16,0-22-16,21 21 0,0-21 0,0 1 15,0-1-15,0 0 0,0 0 0,21-21 16,0 0-16,0 0 0,22 0 16,-1 0-16,-21 0 0,0 0 15,0-21-15,22 0 0,-22 21 16,0-21-16,21-1 0,-20-20 0,-1 21 16,0 0-16,0-22 0,0 22 0,0-21 15,1 21-15,-1 0 16,0-1-16,-21 1 0,0 0 0,21 0 15,0 21-15,0 0 16,-21 21-16,0 0 16,0 0-16,0 1 0,0-1 0,0 0 15,0 21-15,0-21 0,0 1 16,0 20-16,0-21 0,0 0 0,0 22 16,0-22-16,0 0 0,0 0 15,0 0-15,0 0 0,0 1 0,22-1 16,-1-21-16,0 0 15,0 0-15,0 0 0,0 0 16,1-21-16,-1-1 0,0 1 0,42 0 16,-41 0-16,20-21 15,-21 20-15,0 1 0,22 0 0,-22-21 16,0 21-16,0-22 0,0 22 16,0 0-16,-21 0 0,0 0 15,22-1-15,-22 1 0,0 0 0,0 0 16,0-21-16,0 20 15,0 1-15,0 0 16,-22 21 0,1 21-1,0 0 1,21 1-16,-21-22 0,0 42 16,0-21-16,-1 0 0,1 0 15,21 1-15,-21-22 16,21 21-16,21-21 31,0 0-31,1 0 0,-1 0 16,0 0-16,0 0 15,0-21-15,0 21 0,1 0 16,-1 0-16,-21 21 16,0 0-1,0 0-15,0 0 16,0 0-16,0 1 15,0-1-15,0 0 0,0 0 16,0 0-16,0 0 0,0 1 16,0-1-16,0 0 0,0 0 15,0 21-15,0-20 32,21-22-17,0 0-15,0 0 16,0-22-16,22 1 0,-22 21 15,0-21-15,21-21 16,1 21-16,-22-1 0,0 1 0,0 0 16,0 0-16,1 0 0,-1-22 15,0 22-15,-21 0 0,0 0 16,21 0-16,-21 0 0,0-1 0,0 44 31,0-1-15,-21-21-16,0 21 0,21 0 0,0 0 15,0 0-15,0 1 0,0-1 16,0 0-16,0 0 0,0 0 0,0 0 16,0 1-16,0-1 0,0 0 15,21 21 1,-21-21-16,21-21 0,-21 22 16,-21-44 30,0 22-30,21-21-16,-21 21 16,21 21 31,0 1-32,21-22-15,0 0 0,0 0 16,0 0-16,0 0 15,1 0-15,-1 0 16,21 0-16,-21-22 0,0 22 0,22-21 16,-22 21-16,21-21 0,-21 0 0,1 21 15,20-21-15,0-43 16,-21 43-16,1 0 0,-1-21 0,0 20 16,0 1-16,0-42 0,-21 42 15,21-1-15,-21 1 16,0 42-1,0 1-15,0-1 16,0 0-16,0 21 0,-21-21 16,21 1-16,0-1 0,0 21 15,0-21-15,0 0 0,0 22 16,0-22-16,0 0 0,0 0 0,21 0 16,1-21-16,-1 0 15,-21 22-15,21-22 0,0 0 16,0 0-16,0 0 0,1 0 0,-1 0 15,63-43 1,-62 22-16,-1 21 0,0-21 16,0 0-16,0 0 0,-21-1 0,21 1 0,-21 0 15,22 0-15,-22 0 0,0 42 47,0 0-47,0 0 16,-22 0-16,1 1 0,21-1 0,-21 0 15,21 0-15,0 0 0,0 0 0,0 1 16,0-1-16,0 0 16,0 0-16,21-21 15,0 0-15,1 0 0,-1 0 16,0 0-16,0 0 0,0-21 16,0 0-16,1 0 0,-22-1 15,21 22-15,-21-21 0,0 0 16,0 0-16,0-21 0,0 20 0,0 1 15,0-42-15,-21 42 16,-1 21 0,1-22-16,0 22 0,0 0 0,0 0 15,0 0-15,42 0 47,0 0-47,0-21 16,0 21-16,0 0 15,1-21-15,20 21 0,-21-21 0,0 21 16,0 0-16,1 0 0,20 0 0,43 0 16,-22 0-1,-42 21-15,0 0 0,-21 22 16,0-22-16,0 0 0,0 0 16,0 21-16,0-20 0,0-1 15,-21 0-15,21 0 0,-21 21 0,0-20 16,21-1-16,-21 0 0,0 0 15,-1 0-15,22 0 16,-42 1-16,42-1 0,0-42 47,0-1-47,0 1 16,0 0-16,21 0 15,-21-21-15,21 20 0,1-20 0,-1 21 16,21-64-16,-21 43 0,0 0 15,1 20-15,147-83 32,-148 105-32,0 0 0,0 21 15,1 0-15,-22 0 0,0 0 16,0 22-16,0 20 16,0-42-16,0 0 0,0 22 15,0-22-15,0 0 0,0 0 0,0 0 16,0 1-16,-22-1 0,1 0 15,0 0 1,0-42 15,0 21-31,21-21 16,0 0-16,-21-1 0,-1 1 0,1 21 16,21-21-16,-21-21 0</inkml:trace>
+  <inkml:trace contextRef="#ctx0" brushRef="#br0" timeOffset="91060.26">18711 7260 0,'0'0'0,"-21"21"0,0-21 0,21 22 16,0-1-16,-21 0 0,21 0 16,21-21 15,0-21-15,-21 0-16,21 0 0,0-1 15,-21 1-15,0 0 0,0 0 16,0 0-16,0 0 15,0-1-15,-21 22 0,0 0 16,0 0-16,0 0 16,0 22-16,21-1 0,-22 0 15,22 0-15,-21 0 0,0 0 16,21 1-16,0-1 0,0 0 16,0 0-16,21-21 31</inkml:trace>
+  <inkml:trace contextRef="#ctx0" brushRef="#br0" timeOffset="100272.09">21103 7324 0,'0'21'15,"0"0"1,0 0 0,0 0-1,21-21 16,0-21-31,1 0 0,20 21 16,-21-21-16,21 0 0,22-22 16,-22 22-16,1 0 0,20-21 0,-21-1 15,22 1-15,-22 21 0,1-21 16,-1-1-16,0 1 0,1-22 0,-22 22 16,0 0-16,0-1 0,0-20 15,0 21-15,-21-1 0,0 1 0,0 0 16,0-1-16,0 1 0,0 21 15,0 0-15,0-1 0,0 1 0,0 0 16,-21 21-16,0 0 0,0 0 0,-21 0 16,20 21-16,-20 0 15,0 1-15,-1 20 0,1 0 0,0 22 16,-1-1-16,-20 22 0,21-22 16,-1 22-16,1 21 0,21-21 0,-22 20 15,22 1-15,0 0 0,0 0 16,0 0-16,0 0 0,21-1 0,0 1 15,0 0-15,-22 0 0,22-21 0,0 20 16,0-20-16,-21 21 0,21-21 16,0 20-16,0-20 0,-21 0 0,21 63 15,0-63-15,0-22 16,0-21-16,0 22 0,0-22 16,0 1-16,0-1 0,0-21 0,0 0 15,21 0-15,0 1 0,1-22 0,-1 0 16,0 0-16,0-22 0,21 1 15,-20 0-15,20 0 0,0-21 0,1 20 16,-1-20-16,0-21 0,22 20 0,20-84 16,-41 64-16,-1-22 15,-21 22-15,22-22 0,-22 21 0,0-20 16,0-1-16,0 0 0,-21 1 16,0 20-16,0-20 0,0 20 0,0 1 15,-21 20-15,0 1 0,-21 0 16,20-1-16,1 22 0,-21 0 0,0 0 15,20 21-15,-20 0 0,0-21 16,-1 21-16,22 0 0,0 0 0,0 0 16,0 0-16,42 0 15,21 0 1,-21 0-16,22 0 0,-1 0 0,22-22 16,-22 22-16,21-21 0,1 21 15,63-42-15,-64 21 0,1 0 16,-1 21-16,1-22 0,-22-20 15,1 21-15,-1 0 0,0 0 16,-21-1-16,1-20 0,-22 21 0,0 0 16,0-22-16,0 22 0,0 0 15,-22 0-15,1 0 0,0 21 0,-21 0 16,21 0-16,-22 0 0,22 0 16,-21 21-16,-1 0 0,22 0 0,-21 0 15,0 22-15,20-22 0,-20 21 16,21 1-16,0-22 0,-22 0 15,43 21-15,-21-21 0,21 1 0,0-1 16,0 0-16,0 0 0,0 0 0,21-21 16,1 0-16,-1 0 15,0 0-15,21 0 0,-21 0 16,1 0-16,-1-21 0,21 0 16,-21 0-16,0 0 0,22-1 0,-22 1 15,21 0-15,-21 0 0,1 0 16,-1-22-16,0 22 0,-21 0 0,0 0 15,-21 42 32,21 0-47,-21 0 0,-1 1 0,22-1 16,0 0-16,0 0 0,0 0 16,-21 0-16,21 1 0,0-1 0,0 0 15,0 0-15,21 0 16,1-21-16,-1 0 0,0 21 15,0-21-15,0 0 0,22 0 0,-22 0 16,21 0-16,-21 0 0,0-21 0,22 0 16,-22 21-16,0-21 0,21 0 15,-20 0-15,-1-1 0,0 1 0,0 0 16,0 0-16,0-21 0,-21 20 16,22 1-16,-22 0 0,21 0 0,-21 0 15,0 0-15,0 42 31,0 0-31,0 21 0,0-21 16,-21 1-16,21-1 0,-22 21 16,22-21-16,0 0 0,0 1 15,0-1-15,0 0 0,0 0 16,0 0-16,22-21 16,-1 0-16,0 0 0,0 0 15,21 0-15,-20-21 0,-1 21 16,0-21-16,0 0 0,0 0 0,0-1 15,1-20-15,-1 21 0,0-21 16,0-1-16,0 1 0,22-64 16,-43 43-16,21 20 0,0-20 15,-21 20-15,21 1 0,0-21 16,-21 20-16,21 1 0,1 0 0,-1-1 16,-21 22-16,0-21 0,21 21 15,-21-1-15,21 22 0,-21 22 31,0-1-31,0 21 0,-21-21 0,0 22 16,0-1-16,-1 21 0,1-20 16,0-1-16,0 22 0,0-1 0,0-21 15,-1 22-15,22-22 0,0 1 0,-21 20 16,21-42-16,0 22 0,0-1 16,0-21-16,0 21 0,0-20 0,0-1 15,0 0-15,21 0 16,1 0-16,-1-21 0,0 0 15,0 0-15,21 0 0,-20 0 0,-1 0 16,21-21-16,0 0 0,43 0 16,-43 0-16,1-22 0,-1 22 15,0 0-15,1 0 0,-22-22 16,21 22-16,-21-21 0,-21 21 0,0-22 16,0 22-16,0 0 15,0 0-15,-21 21 16,0 0-16,0 21 0,0 0 0,0-21 15,21 21-15,0 1 16,-22-1-16,22 0 0,0 0 16,0 0-16,22 0 0,-22 1 15,21-22-15,0 21 0,0 0 0,-21 0 16,21-21-16,-21 21 0,21 0 0,-21 1 16,0-1-16,0 0 15,0 0 1,-21-21-16,0 0 0,0 0 15,0 21-15,0-21 0,-1 0 16,1 0 0,21-21-1,-21 0 1,21 0-16,0 0 16</inkml:trace>
+  <inkml:trace contextRef="#ctx0" brushRef="#br0" timeOffset="100537.94">22712 6943 0,'0'0'0,"-64"-43"31,43 22-31,0 21 16,0-21-16,0 21 0,-1 0 16,1 0-16,0-21 0,0 21 15,0 0-15,0 0 16,21 21-16,-22 0 0,1 0 16,21 1-16</inkml:trace>
+  <inkml:trace contextRef="#ctx0" brushRef="#br0" timeOffset="101221.23">13208 9313 0,'0'0'0,"0"-105"16,0 83-16,0-20 0,0-43 15,0 43-15,0 21 16,0-21-16,0 20 0,0 1 15,0 42 1,0 1-16,0 20 16,0 0-16,-21 1 0,0-1 0,-1 0 15,22 1-15,-21-1 0,0 0 16,0 1-16,21-22 0,-21 21 0,21 0 16,-21-20-16,21-1 0,-22 0 15,22 0-15,0 0 0,0-42 31,0 0-15,22-21-16</inkml:trace>
+  <inkml:trace contextRef="#ctx0" brushRef="#br0" timeOffset="101560.55">13123 8657 0,'0'0'16,"0"-21"-16,0 42 47,0 0-47,0 1 0,21-1 15,1 0-15,-1-21 16,21 0-16,-21 0 0,0 0 0,1 0 16,20 0-16,-21-21 0,0 21 15,0-21-15,1-1 0,-22 1 16,0 0-16,0 0 15,0 0-15,0 0 0,0-1 16,-22 22-16,1-21 0,0 0 0,0 21 16,0 0-16,0 0 0,-1 0 15,1 0-15,0 21 0,0 0 16,21 1-16,0-1 0,0 0 0,0 0 16,0 21-16,0-20 15,0-1-15,0 0 0,0 0 0,0 0 0,21-21 16,0 21-16</inkml:trace>
+  <inkml:trace contextRef="#ctx0" brushRef="#br0" timeOffset="101860.38">14033 8509 0,'0'21'31,"-21"0"-31,0 1 0,21 20 0,-21-21 16,0 21-16,0 1 0,-1 20 16,1-20-16,0 20 0,0 1 15,0-22-15,0 21 0,21-20 16,-22-1-16,1 22 0,21-22 0,0-21 16,0 21-16,0-20 0,0-1 0,0 21 15,0-21-15,21 0 16,1-21-16,-1 0 0,0 0 0,0 0 15,0 0-15,0 0 16,1-21-16,-1 0 0,0 0 0,-21 0 16,0 0-16</inkml:trace>
+  <inkml:trace contextRef="#ctx0" brushRef="#br0" timeOffset="102041.27">13716 9186 0,'-21'22'15,"42"-22"1,0 0-16,0 0 16,22 0-16,-22 0 0,21 0 15,22-22-15,-22 22 0,21-21 0,-20 0 16,20 21-16,-20-21 0,20 21 0,-21-21 16,1 0-16,-22 21 0,21-22 15</inkml:trace>
+  <inkml:trace contextRef="#ctx0" brushRef="#br0" timeOffset="103703.45">16129 9123 0,'-21'-21'0,"42"42"0,-42-85 0,21 43 0,-21 0 16,21 0-16,-22 21 15,22 21 1,-21 0-16,21 0 0,-21 22 16,0-22-16,21 21 0,-21 1 0,0-1 15,21 0-15,-22 1 0,1-1 16,0 0-16,0 22 16,0-22-16,0-21 0,-1 22 0,22-22 15,0 0-15,-21 0 0,21 0 0,21-42 47,-21 0-47,22 0 0,-1 0 0,0-1 16,0-20-16,21 21 0,-20 0 0,-1-22 15,0 22-15,21-21 0,1 0 16,-22 20-16,0 22 16,0 0-16,0 0 15,0 22-15,-21-1 0,22 0 16,-22 0-16,0 21 0,0-20 0,21-1 15,-21 21-15,21-21 0,-21 0 16,0 1-16,21-1 0,0 0 16,0 0-16,1 0 0,-1-21 15,21 0-15,-21 0 0,0 0 16,1 0-16,20 0 0,-21-21 0,21 0 16,-20 0-16,-1 0 0,21-1 15,-21 1-15,0-21 0,22-22 16,-22 43-16,-21-21 0,0 21 15,21-22-15,-21 22 0,0-21 0,0 21 16,0 0-16,0-1 0,0 1 0,0 0 16,0 42-1,0 0 1,0 1-16,-21-1 0,21 0 16,0 0-16,0 21 0,-21-20 0,21-1 15,0 0-15,0 21 0,0-21 0,0 1 16,0-1-16,0 21 0,0-21 15,0 0-15,21 1 0,0-22 16,0 0-16,22 0 16,-22 0-16,0 0 0,0-22 0,21 1 15,-20 0-15,20 0 0,-21 0 0,21 0 16,-20-1-16,-1 1 0,0-21 16,0 21-16,0 0 0,0-1 15,-21-20-15,0 21 0,0 0 0,0 0 16,0-1-16,0 44 47,0-1-47,0 0 0,-21 0 0,21 21 15,-21-20-15,21-1 0,-21 0 0,21 21 16,0-21-16,0 1 0,0-1 16,0 0-16,0 0 0,0 0 0,21 0 15,0 1-15,0-22 0,1 0 16,-1 0-16,0 0 0,0 0 0,21 0 15,-20 0-15,20 0 0,0-22 16,-21 1-16,22 0 0,-22 0 16,21 0-16,-21 0 0,1-1 0,41-41 15,-63 42-15,21-22 16,0 22-16,1-21 0,-22 0 0,21-1 16,-21 1-16,0-85 15,0 85-15,21-1 0,-21 22 16,0-21-16,0 21 0,0-1 0,0 1 15,0 42 1,0 22 0,0-22-16,0 21 0,0 1 15,0-1-15,0 0 0,-21 22 16,21-22-16,-21 0 0,21 1 0,0-1 16,0-21-16,0 22 0,0-1 15,0-21-15,0 0 0,0 22 0,0-22 16,0 21-16,0-21 0,21 0 15,0-21-15,0 0 0,-21 22 16,21-22-16,0 0 0,22 0 0,-22 0 16,0-22-16,0 22 0,22-21 15,-22 0-15,0 0 0,21 0 16,-21-22-16,22 22 0,-22 0 0,0-21 0,21-1 16,-20 1-16,-1 0 15,0-1-15,0 1 0,-21-21 0,21 20 16,-21-20-16,21 20 0,-21 1 15,22-21-15,-22 20 0,0 22 0,0-21 16,0 21-16,0-1 0,0 1 0,-22 21 31,22 21-31,-21 22 16,0-22-16,21 21 0,-21 1 16,21 20-16,-21-21 0,0 22 0,21-22 15,0 22-15,0-22 0,-22 22 16,22-22-16,0 0 0,0 1 0,0-22 15,0 21-15,0 0 0,0-20 16,0-1-16,22 0 0,-22 0 0,21 0 16,0 0-16,0-21 0,0 0 15,22 0-15,-22 0 0,21 0 0,0 0 16,-20 0-16,20-21 0,0 21 0,-21-21 16,43-21-16,-43 21 15,0-1-15,0 1 0,1 0 0,-22 0 16,0-21-16,0 20 0,0 1 15,0 0-15</inkml:trace>
+  <inkml:trace contextRef="#ctx0" brushRef="#br0" timeOffset="103939.32">17526 8890 0,'-21'0'16,"42"0"-16,-63 0 0,20 0 16,22 21-16,0 0 62,22-21-46</inkml:trace>
+  <inkml:trace contextRef="#ctx0" brushRef="#br0" timeOffset="106528.35">19706 9377 0,'-21'0'0,"42"0"0,-63 0 16,42-21 0,21 21-1,0-21-15,21 21 0,-20-22 0,20 22 16,0-21-16,1 0 0,-1 0 16,0 0-16,1 0 0,20-1 0,-21 1 15,1 0-15,-1 0 0,-21 0 16,22-22-16,-22 22 0,0 0 0,-21 0 15,0 0-15,0 0 0,0-1 16,0 1-16,-21 21 0,0 0 0,-22 0 16,22 0-16,-21 21 0,21 1 15,-22-1-15,22 21 0,-21-21 0,21 22 16,-1-22-16,1 21 0,0 0 16,0 1-16,21-22 0,0 21 0,0-21 15,0 22-15,0-22 0,0 0 16,21 0-16,21 0 0,-20-21 15,-1 0-15,0 0 0,21 0 16,1 0-16,-22 0 0,21 0 0,0-21 16,-20 21-16,20-21 0,0 0 15,-21 0-15,1 0 0,20-1 0,-21-20 16,21 21-16,-20-21 0,-1-1 0,21 22 16,-21-21-16,0-1 0,22 22 15,-22 0-15,21 0 0,-21 0 16,1 0-16,20 21 0,-21 0 0,0 0 15,0 0-15,1 21 0,-1 0 0,-21 0 16,0 0-16,21 0 0,-21 22 0,0-22 16,0 21-16,0-21 15,0 22-15,0-22 0,0 0 0,0 21 16,-21-20-16,0-1 0,21 0 0,-22 0 16,1 0-16,0 0 15,21 1-15,0-44 31,0 1-31,21 21 0,-21-21 16,21 0-16,1 0 0,-1-22 0,0 22 16,0 0-16,0-21 15,0 21-15,22-22 0,-22 22 0,0-21 0,0 21 16,-21-1-16,0 1 0,21 0 16,-21 0-16,-21 21 31,0 21-31,0-21 15,0 21-15,0 0 0,-1 22 0,22-22 16,-21 0-16,0 21 0,21-20 0,-21-1 16,21 21-16,0-21 0,0 0 15,0 22-15,0-22 0,0 0 0,21 0 16,0-21-16,0 21 0,1 1 16,-1-22-16,21 0 0,-21 0 15,22 0-15,-1 0 0,0 0 0,1 0 16,-1-22-16,0 1 0,1 21 0,-1-21 15,-21 0-15,21 0 0,1-22 16,-22 22-16,0 0 0,0-21 0,0-1 16,1 22-16,-22-21 0,0-22 15,0 22-15,0 21 0,0 0 16,-22 21-16,1 0 16,0 0-16,0 0 0,0 21 0,0 0 15,-1 0-15,1 22 0,0-22 0,0 0 16,21 21-16,0 1 0,-21-22 15,21 0-15,0 21 0,0-21 16,0 1-16,0-1 0,21 0 0,0 0 16,0 0-16,0-21 0,1 0 15,20 0-15,21 0 0,-20 0 16,-1 0-16,-21 0 0,22-21 0,-1 21 16,-21-21-16,21 0 0,-20 0 15,-1-1-15,0 1 0,21-42 16,-21 42-16,1-22 0,-1 1 15,0 21-15,-21-22 0,21 22 0,0 0 16,-21 0-16,21 0 0,-21 0 0,22 21 16,-1 21-1,-21 0 1,0 0-16,0 0 16,0 0-16,0 1 0,0-1 0,0 0 15,0 0-15,0 0 16,21-21-1,0-21 1,-21 0-16,0 0 16,0 0-16,0-1 0,0 1 15,0 0-15,0 0 0,0 0 0,0 0 16,0-1-16,-21 1 16,0 0-16,0 21 0,-1 0 15,1 21 1,0 0-16,21 1 0,-21 20 15,0-21-15,21 21 0,-21-20 0,-1 20 16,22-21-16,-21 21 0,21-20 16,0 20-16,0-21 0,0 0 0,0 0 15,0 1-15,21-1 0,1 0 16,-1 0-16,0-21 0,0 21 0,21-21 16,-20 0-16,20 0 0,0 0 0,-21 0 15,22 0-15,-1 0 0,-21 0 16,22-21-16,-22 0 0,21 21 0,-21-21 15,0 0-15,1-1 0,-1-20 0,0 21 16,0 0-16,0-22 16,0 22-16,-21-21 0,0 21 15,22-22-15,-22 22 0,0 0 0,0 0 16,0 42 0,0 0-1,-22 0-15,1 22 0,21-22 16,0 0-16,-21 0 0,0 43 15,21-43-15,0 0 0,0 0 16,0 0-16,0 1 0,0-1 0,21 0 16,0-21-16,0 0 0,1 0 15,-1 0-15,0 0 16,21 0-16,-21 0 0,1 0 0,-1 0 16,0 0-16,0-21 0,21 0 0,-20 21 15,-1-22-15,0 1 0,0-21 16,0 0-16,0-1 0,1 22 15,-22-21-15,0 21 0,0-1 16,21 1-16,-21 0 0,0 0 0,0 42 31,0 0-15,0 22-16,0-22 0,0 0 0,0 21 16,0-21-16,0 1 0,0-1 15,0 21-15,0-21 0,0 0 16,0 1-16,21-1 0,0 0 15,0-21-15,0 0 0,1 21 16,-1-21-16,21 0 0,-21 0 0,0 0 16,1 0-16,-1 0 0,0-21 0,0 0 15,0 0-15,0-1 0,1 1 16,-1 0-16,0-21 0,0-1 0,0 22 16,-21-42-16,21 20 0,1 1 15,-22-21-15,21 20 0,0-20 16,0-1-16,-21 22 0,0 0 0,21-1 15,-21 1-15,0 21 0,0-22 0,0 22 16,0 0-16,0 42 16,0 0-1,-21 1-15,0-1 0,0 21 16,21 0-16,-21 1 0,-1-1 16,1 0-16,21 64 0,-21-42 15,21-22-15,-21 0 0,21 1 0,0-1 16,0-21-16,0 22 0,0-22 0,0 0 15,21 21-15,0-21 0,0-21 16,-21 22-16,22-22 0,-1 0 0,0 0 16,21 0-16,-21 0 0,22 0 0,-1 0 15,-21 0-15,22 0 16,-1-22-16,-21 1 0,21 0 0,-20 0 16,-1 0-16,0-22 0,0 22 0,0 0 15,0-21-15,-21 21 0,0-1 16,0 1-16,0 0 0,0 0 15,-21 21 1,0 0-16,0 21 0,0-21 0,0 21 16,-1 0-16,22 1 0,-21-1 0,21 21 15,-21-21-15,21 0 0,0 1 16,0-1-16,0 0 0,0 0 0,0 0 16,21 0-16,22 1 15,-1-1-15,-21-21 0,0 0 16,22 21-16,-1-21 0,-21 0 0,21 0 15,1 0-15,-1 0 0,-21 0 0,22 0 16,-1-21-16,-21 21 0,0-21 16,22-1-16,-43 1 0,21 21 0,0-42 15,0 21-15,-21 0 0,0-1 16,0 1-16,0 0 0,-21 0 16,0 0-16</inkml:trace>
+  <inkml:trace contextRef="#ctx0" brushRef="#br0" timeOffset="106809.19">23495 8890 0,'0'0'0,"0"-21"15,21 0 1,0 21-16,22 0 15,-1-21-15,0 21 0,1-22 16,20 22-16,1-21 0,-1 21 16,1-21-16,-1 21 0,-21-21 0,22 21 15,-22 0-15,22 0 0,-1 0 16,-20 0-16,-43 21 16,0 0-1,0 0-15,-43-21 0,1 22 0,0-1 16,-22 0-16</inkml:trace>
+  <inkml:trace contextRef="#ctx0" brushRef="#br0" timeOffset="107486.31">13187 10689 0,'0'-21'16,"0"42"-16,21-63 0,0 21 0,0 0 0,0-1 15,1-20-15,-1 21 0,0 0 0,0 0 16,0-1-16,0 1 0,1 0 15,-1 0-15,-21 42 32,0 21-32,0-20 0,0 20 0,0 21 15,0-20-15,0 20 0,0 1 0,0-1 16,-21 1-16,-1-22 0,22 22 16,-21-1-16,0 1 0,0-1 0,0-21 15,0 22-15,21-22 0,-22 1 16,1-1-16,21-21 0,-21 21 15,21-20-15,0-1 0,0 0 0,-21-21 16,0 0-16,0 0 0,-1 0 16,1-21-16</inkml:trace>
+  <inkml:trace contextRef="#ctx0" brushRef="#br0" timeOffset="108321.24">12721 11134 0,'-21'0'0,"42"0"0,0 0 15,0 0 1,22 0-16,-1 0 0,22 0 16,-1 0-16,22 0 0,-22-21 0,22-1 15,0 1-15,-1 21 0,1-21 16,0 0-16,-22 0 0,22 0 0,-22-22 16,1 22-16,-1 0 0,1 0 0,-22-22 15,0 22-15,1 0 0,-22-21 16,0 21-16,-21-22 0,0 22 0,0-21 15,0 21-15,0-22 0,-21 22 16,0 0-16,21 0 0,-21 21 0,-1 0 16,1 0-16,-21 0 0,21 0 15,0 42-15,-1-21 0,1 22 16,21-1-16,-21 0 0,0 1 0,0-1 0,0 64 16,-1-64-16,1 22 15,21-22-15,-21 0 0,21 22 16,0-22-16,0 0 0,0 1 0,0-1 15,0-21-15,-21 22 0,21-22 0,0 21 16,0-21-16,0 0 16,0-42 15,0 0-31,0 0 16,21-21-16,-21 20 0,21-20 0,0 21 15,1-21-15,-1 20 16,0-20-16,-21 21 0,21 0 0,0 0 15,0 21-15,1 0 0,-1 0 0,-21 21 16,21 0-16,-21 0 16,21 0-16,-21 0 0,0 22 0,0 20 15,0-20-15,0-22 0,0 21 16,0-21-16,0 22 0,0-22 16,0 0-16,21 0 0,0-21 0,1 21 15,20-21-15,-21 0 0,0 0 16,22 0-16,-1-21 0,-21 0 15,64-21-15,-43 20 16,0 1-16,1-21 0,-22 21 0,21-22 16,-21 22-16,1-21 0,-1 0 15,0-1-15,0 22 0,-21-21 0,0 21 16,0-1-16,0 1 0,-21 21 31,0 0-31,21 43 0,-43-1 16,22 0-16,0 1 0,21-22 15,0 21-15,0-21 0,-21 22 0,21-22 16,0 21-16,0-21 0,0 0 16,0 1-16,0-1 0,21 0 0,0 0 15,0-21-15,1 0 16,-1 0-16,0 0 0,21 0 16,-21-21-16,1 21 15,-1-21-15,0 0 0,0-1 0,0 1 16,0 0-16,22 0 0,-22 0 0</inkml:trace>
+  <inkml:trace contextRef="#ctx0" brushRef="#br0" timeOffset="112271.69">15960 11430 0,'-22'0'0,"44"0"0,-65 0 16,43-21-1,0 0-15,0 0 0,0-22 16,0 22-16,21 0 0,1 0 16,-1-22-16,0 22 0,0-21 15,21 0-15,-20 20 0,-1-20 0,0 0 16,0 21-16,0-22 0,-21 22 0,0 0 16,0-21-16,0 20 15,-21 1-15,21 0 0,-21 21 0,-21 0 16,20 0-16,1 0 0,-21 0 15,21 21-15,-22 0 0,22 1 0,0-1 16,0-21-16,21 21 0,0 0 0,0 21 16,0-20-16,0-1 0,0 0 15,42 42-15,1-41 16,-22-1-16,21 21 0,0-21 0,-20 0 16,20 22-16,0-1 15,-21-21-15,-21 22 0,0-22 0,0 0 16,0 0-16,0 0 0,0 0 15,0 22-15,0-22 32,22-21-17,-1-21 1,0 21-16,42-43 0,-20 22 16,41 0-1,-62 0-15,20 0 0,0 0 0,-21-1 16,1 1-16,20 0 0,-21 0 0,-21 0 15,21-22-15,-21 22 0,21 0 16,-21 0-16,0-21 0,0 20 0,0 1 16,0 0-16,-21 21 15,0 0-15,0 0 16,0 21-16,0 0 0,-1 1 0,1-1 16,0 0-16,0 21 0,0 22 15,0-43-15,21 21 16,0 1-16,0-22 0,0 0 0,0 21 0,0-21 15,21 1-15,0-1 0,0 0 16,0-21-16,0 21 0,22-21 0,-22 0 16,21 0-16,1 0 0,-1 0 15,43 0 1,-43-21-16,43 0 0,-43 0 0,0-1 16,-21 1-16,22-21 0,-22 21 15,21 0-15,-21-22 0,1 22 0,-22-21 16,21 21-16,-21-22 0,21 1 15,-21 21-15,0 0 0,0-1 16,-21 22 0,0 0-16,-1 22 0,22-1 15,0 0-15,-21 0 0,0 0 16,21 22-16,0-22 0,-21 21 16,0-21-16,21 0 0,-21 22 0,21-22 15,0 0-15,0 21 0,0-20 16,0-1-16,0 0 0,0 0 15,0-42 17,0 0-17,0 0-15,0-1 0,0 1 16,0 0-16,21-21 0,-21 21 0,21-22 16,0 1-16,-21 0 0,21-1 15,0 22-15,1-21 0,-1 21 16,0-1-16,0 1 0,0 0 0,0 0 15,1 21-15,-1 0 0,0 0 0,0 0 16,0 21-16,0 0 0,1 0 16,-22 1-16,21 20 0,0-21 15,-21 0-15,0 22 0,21-22 0,-21 21 0,21-21 16,-21 0-16,21 22 0,-21-22 16,0 0-16,0 0 0,0 0 0,22 1 15,-22-1-15,0-42 47,0-1-47,0 1 16,0 0-16,0 0 0,21 0 15,-21-22-15,42-20 16,-42 21-16,21-1 0,0 1 0,1 0 16,-1 20-16,0-20 0,21 0 15,-21 21-15,1-1 0,-1 22 0,0 0 16,0 0-16,0 0 0,0 0 15,1 0-15,-1 43 16,-21-22-16,0 0 0,0 43 0,0-22 16,0 0-16,0 22 15,0-22-15,0-21 0,0 0 16,0 22-16,0-22 0,0 0 0,0 0 16,0 0-16,21 1 0,0-22 15,43 21-15,-43-21 0,0 0 16,21 0-16,1 0 0,-1 0 0,0 0 15,1-21-15,-1-1 0,0 1 16,1 21-16,-1-21 0,0-21 0,1 21 16,20-43-16,-42 43 15,0-21-15,1-1 0,-1 22 0,-21-21 16,0-1-16,0 1 0,0 21 0,0-21 16,0 20-16,0 1 15,0 0-15,-43 0 0,1 0 16,21 21-16,0 0 0,-22 0 0,22 0 15,-21 21-15,0 0 0,-1 0 16,1 22-16,21-22 0,-22 21 0,22 0 16,0 1-16,0-22 0,0 21 15,21 1-15,0-22 0,0 21 16,0-21-16,0 0 0,0 22 0,63-1 16,-20-42-16,-22 0 0,21 0 15,-21 0-15,22 0 0,-22 0 16,21 0-16,-21-21 0,22 21 15,-22-21-15,0 0 0,0-1 0,21-20 16,-20 0-16,-1-1 16,0 1-16,0 21 0,-21-21 0,0-1 15,0 22-15,0 0 0,0 0 16,0 0-16,0-1 0,0 44 31,-21-22-31,0 21 0,21 0 16,-21 0-16,-1 21 0,22 22 15,-21-43-15,21 0 0,0 22 16,0-22-16,0 0 0,0 0 16,0 0-16,0 0 0,0 1 0,21 20 15,1-42-15,-1 0 0,0 0 16,0 0-16,0 0 0,0 0 16,1 0-16,20 0 0,-21 0 0,0-21 15,0 0-15,22-1 0,-22 1 0,0 0 16,0 0-16,0 0 0,1 0 15,20-43-15,-42 22 0,0 21 16,21-22-16,-21 22 16,0 0-16,0 0 0,-21 21 31,0 0-31,21 21 0,-21 0 0,21 0 16,-22 0-16,22 1 15,-21-1-15,21 21 0,0-21 0,0 0 16,0 1-16,0-1 0,0 0 0,0 0 15,21 0-15,1-21 0,-22 21 16,21-21-16,0 0 0,21 0 0,-21 22 16,1-22-16,20 0 0,-21 0 0,0 0 15,22 0-15,-22-22 0,0 1 16,21 21-16,-21-21 0,1 0 0,-1 0 16,0 0-16,0-22 0,0 22 15,0-21-15,-21 21 0,0-1 0,22-20 16,-22 21-16,0 0 0,21 0 0,-21-1 31,0 44-15,0-1-16,0 0 0,-21 0 0,21 0 15,0 0-15,-22 1 0,22-1 16,0 21-16,0-21 0,0 0 0,0 1 16,-21-1-16,21 0 0,0 0 15,-21 0-15,21 0 16,0-42 15,0 0-15,0 0-16,0 0 0,0 0 15,0-22-15,0 22 0,21 0 0,0-21 16,-21 20-16,22-20 0,-1 21 16,0 0-16,0 0 0,0-1 15,0 1-15,1 0 0,-1 0 0,0 21 16,0 0-16,0 0 0,0 0 15,1 0-15,-1 0 0,0 21 0,0 0 16,-21 22-16,0-22 16,0 0-16,0 0 0,0 21 0,0-20 15,0-1-15,0 0 0,0 0 16,0 0-16,0 0 0,0 1 0,0-1 0,0 0 16,21 0-16,0-21 15,1 0-15,-1 0 16,0 0-16,0 0 0,21 0 0,-20 0 15,-1 0-15,21-21 0,-21 0 16,0 21-16,22-21 0,-1-22 16,22-20-16,-64 42 0,21-22 15,0 22-15,0-21 0,-21 21 16,21-1-16,-21 1 0,0 0 0,0-21 16,0 63 15,0 0-31,-21 0 0,0 0 15,21 1-15,-21 20 0,21-21 0,0 0 16,0 22-16,0-22 0,0 0 16,0 21-16,0-21 0,0 1 0,0-1 15,21 0-15,0 0 16,0-21-16,0 0 0,1 0 16,-1 0-16,0 0 0,0 0 0,0 0 15,0-21-15,1 21 0,-1-21 16,0 0-16,0-1 0,0 1 0,0-21 15,-21 21-15,22 0 0,-1-43 16,-21 22-16,21 21 16,-21-1-16,21 1 0,-21 0 0,0 0 15,0 42 1,-21 0 0,0-21-16,0 43 0,21 20 15,-22-42-15,22 0 16,-21 1-16,0-1 0,21 0 15,0 0-15,0 0 0,-21-21 16,21-21 15,0 0-31,0 0 16,0 0-16,21-1 0,-21 1 0,21 0 16,0 0-16,1 0 15,20-22-15,-21 22 0,21-21 16,1 21-16,-22 0 0,21-1 15,-21 22-15,1 0 0,-1 0 16,-21 22-16,0-1 0,21-21 0,-21 21 16,0 0-16,0 0 0,0 22 0,0-22 15,0 0-15,0 0 0,0 0 16,0 0-16,0 1 0,0-1 0,21 0 16,0 0-16,0-21 0,-21 21 15,22 0-15,-1-21 0,0 0 0,21 0 16,-21 0-16,22 0 0,-22 0 15,21 0-15,1 0 0,-22-21 0,21 0 16,0 21-16,-20-21 0,20 0 16,-21 0-16,0-22 0,0 22 0,22 0 15,-22-43-15,0 43 16,-21-21-16,0 21 0,0-22 16,0 22-16,0 0 0,-21 0 0,0 21 15,0 0-15,-1 0 0,1 0 16,-21 0-16,21 21 0,0 0 0,-22 0 15,22 1-15,0 20 0,-21-21 0,42 0 16,-22 0-16,1 22 16,21-22-16,0 0 0,0 0 15,21 0-15,1-21 0,-1 22 16,0-22-16,0 0 16,0 0-16,0 0 0,1 0 0,-1 0 15,0-22-15,0 22 0,0-21 0,0 0 16,1 21-16,-22-21 15,21 0-15,0 0 0,-21-1 0,21 22 16,0-21-16,-21 0 0,0 0 0,21 21 16,-21-21-16,22 21 15,-22 21 1,0 0 0,0 0-16,-22 0 0,22 1 15,-21-1-15,0 42 16,0-20-16,0-22 0,0 63 15,-1-41-15,1 20 0,0 22 16,0-22-16,0 1 0,21-22 16,-21 22-16,21-22 0,-43 85 15,43-63-15,0-1 0,-21 1 0,0-22 16,21 21-16,-21 1 0,21-1 16,0 64-16,0-84 0,0-1 15,0 22-15,0-22 0,0 0 0,0 1 16,0-22-16,0 21 0,0-21 15,0 0-15,0 1 16,-21-44 0,21 1-16,-22 0 0,1 0 15,21 0-15,-21-22 0,0 1 16,0 0-16,0-1 0,-22-84 16,1-21-16,42 85 0,0-22 15,0 22-15,0-22 16,0 21-16,0-20 0,21 20 0,0 1 0,0-1 15,43-42-15,-43 64 16,0 0-16,22-1 0,-22 1 0,0 0 16,21-22-16,1 1 15,-43-1-15,0 43 16,0 0-16,0-21 0,0 20 16</inkml:trace>
+  <inkml:trace contextRef="#ctx0" brushRef="#br0" timeOffset="112520.66">20468 10287 0,'-21'0'0,"0"0"15,0 0 1,21-21 46,-22 21-62,1 0 16,0 0-16,0 0 0</inkml:trace>
+  <inkml:trace contextRef="#ctx0" brushRef="#br0" timeOffset="112735.12">19346 10351 0,'0'0'16,"-21"0"-16,0 0 0,21 21 0,-21-21 0,21-21 62,21-1-62,0 1 16,0 21-16</inkml:trace>
+  <inkml:trace contextRef="#ctx0" brushRef="#br0" timeOffset="114743.7">22648 11007 0,'0'21'15,"0"-42"-15,-21 42 16,21 0-16,21-42 62,0 21-62,1-21 16,-1 0-16,0 21 0,0-22 16,21 1-16,-20 0 0,-1 0 0,0-21 15,42-22-15,-41 22 16,-1-1-16,0 1 0,21-21 0,-21 20 16,1-20-16,-22-1 0,21 22 0,0-22 15,-21 22-15,21 0 16,-21 21-16,0-1 0,0 1 0,0 0 15,-21 21 1,0 21-16,0 0 0,21 1 16,-22 20-16,1 0 0,0 22 0,0-22 15,0 22-15,0-1 0,-1 1 16,1-1-16,0 1 0,21-1 0,0 43 16,0-64-16,0 1 0,0-22 15,0 21-15,21-21 0,0 22 16,1-22-16,-1-21 0,21 21 0,-21 0 15,22-21-15,-22 0 0,21 0 16,0 0-16,-20-21 0,20 21 0,0-21 16,1 0-16,-22-1 0,21 1 15,-21 0-15,22 0 0,-22-21 16,0 20-16,0 1 0,0-21 0,0 21 16,1 0-16,-1-22 0,-21 22 0,0 0 15,0 0 1,-21 42-1,21 0-15,-22 0 16,22 0-16,-21 1 0,21-1 16,-21 0-16,21 0 0,0 0 0,0 0 15,0 1-15,0-1 16,21 0-16,0-21 16,1 0-16,-1 0 0,0 0 0,0 0 15,0 0-15,22 0 0,-22 0 16,0 0-16,0-21 0,0 0 0,0 21 15,1-22-15,-1 1 0,0 0 0,0 0 16,-21 0-16,0 0 0,21-1 16,-21 1-16,21 0 0,-21 0 15,0 0-15,0 42 32,-21 0-32,0 0 0,21 0 15,-21 1-15,0-1 0,0 0 0,-1 0 16,1 0-16,21 22 0,-21-43 15,0 21-15,21 0 0,-21 0 16,21 0-16,0-42 47,0 0-47,0 0 16,21 0-16,0-1 0,0 1 0,0 0 15,22-21-15,-22 21 0,0-1 16,21-20-16,1 21 0,-22 0 15,21 0-15,-21 21 0,1 0 0,20 0 16,-21 0-16,0 0 0,-21 21 16,21-21-16,-21 42 0,0-21 15,22 0-15,-22 1 0,0-1 0,0 0 16,0 21-16,0-21 0,0 1 0,0-1 16,0 0-16,0 0 0,0 0 15,21 0-15,-21 1 0,21-1 0,0 0 16,0-21-16,0 0 0,1 0 15,-1 0-15,0 0 16,21 0-16,-21-21 0,22-22 16,-22 43-16,0-21 0,0 0 15,22-21-15,-22 21 0,0-1 16,0-20-16,-21 21 0,21-21 0,0 20 16,1-20-16,-22 21 0,0 0 15,21 0-15,-21-1 0,-21 22 16,21 22-1,-22-1-15,1 0 0,0 0 16,0 0-16,21 0 0,-21 22 0,0-22 16,21 0-16,0 0 0,0 22 0,0-22 15,0 0-15,0 0 0,0 0 16,0 0-16,0 1 16,21-22-16,0 0 0,0 21 0,0-21 0,22 0 15,-22 0-15,0 0 16,21 0-16,-21-21 0,22 21 0,-1-22 15,-21 1-15,22 0 0,-1 0 0,-21 0 16,21 0-16,43-64 16,-43 43-16,-20-1 0,-1 22 15,0-21-15,0 21 0,-21-22 16,0 22-16,0 0 0,0 0 16,-21 21-16,0 0 0,0 0 0,-43 0 15,43 21-15,0 0 16,0 0-16,-1-21 0,22 21 0,0 1 15,0 20-15,0-21 0,22 0 0,-1 0 16,0 1-16,0-1 0,0 0 16,43 21-16,-43-21 15,0 1-15,0-1 0,-21 0 0,0 0 16,0 0-16,0 0 16,-21-21-1,0 0-15,0 0 0,0 0 16,-1 0-16,1 0 15,0 0-15,0 0 0,0 0 16,21-21-16,-21 21 0,-1 0 0,1-21 16,0 0-16,-21 0 15</inkml:trace>
+  <inkml:trace contextRef="#ctx0" brushRef="#br0" timeOffset="114953.59">24003 10308 0,'-21'-42'0,"42"84"0,-63-105 0,-1 63 0,22 0 16,0-21-16,0 21 0,0 0 16,-1 0-16,1-22 15,0 22-15,0 0 0,0 0 0,0 0 16,-1 0-16,-20 0 0,0 0 15,-1 0-15,1 22 0</inkml:trace>
+  <inkml:trace contextRef="#ctx0" brushRef="#br0" timeOffset="116109.44">14647 12552 0,'21'0'0,"-42"0"0,42-21 15,-21 0-15,0-1 0,0 1 0,0 0 16,0 0-16,0 0 0,0 0 16,-21 21-1,0 0-15,0 21 16,21 21-16,-21-21 0,21 22 16,0-22-16,-21 21 0,21 0 15,-22 1-15,22-1 0,0 22 16,0-22-16,0-21 0,0 21 15,0-20-15,0-1 0,0 0 0,22-21 16,-1 0-16,0 0 0,0 0 0,0 0 16,22 0-16,-22-21 0,21 0 15,-21-1-15,22 1 0,-22 0 0,0-21 16,0 21-16,0-22 0,-21 22 16,0 0-16,0-21 0,0 20 0,0-20 15,-21 21-15,0-21 0,0 20 0,0 1 16,-22-21-16,22 21 15,0 21-15,-21 0 0,20 0 0,1 0 0,0 0 16,0 0-16,0 0 0,0 0 16,21 21-16,0 0 0,0 0 15,0 0-15,21 1 16,0-22-16,0 0 0,21 0 0,1 0 16,-1 0-16,0 0 0,1 0 15,20-22-15,1 1 0,-22 0 0,22 0 16,-1 0-16,-21 0 0,1-1 15,-1 1-15,0 0 0,1 0 0,-22 0 16,0 0-16,0-1 0,-21 1 16,0 42-1,-21 1 1,21-1-16,0 21 0,-21-21 16,0 22-16,21-1 0,-21 0 15,21 1-15,0-1 0,0 21 0,0 1 16,-22-1-16,22 1 0,0-1 0,0 1 15,0 21-15,0-22 0,0 22 16,0-22-16,0 22 0,0-22 0,0 22 16,22-21-16,-22-1 0,21 22 0,-21-22 15,0 1-15,0-1 0,0 1 16,0-22-16,0 22 0,0-22 0,0 0 16,0 1-16,0-1 0,-21-21 0,-1 21 15,1-20-15,-21-1 0,21 0 16,-22-21-16,22 0 0,-21 0 15,0 0-15,-1 0 0,1 0 0,21-21 16,-22-22-16,1 22 0,0-21 0,21 0 16,-22-22-16,1 22 0,21-43 15,0 22-15,-1-22 0,1-84 16,21 84-16,0 0 0,0 22 0,21-22 16,22 0-16,-22 22 0,21-1 15,1 22-15,20-21 0,-21 20 16,22 1-16,-1 0 0,1-1 0,-1 1 0,-20 21 15,20-22-15,-20 22 16,-1 0-16,0 0 0,1 0 0,-1 0 16,0-1-16,1 1 0</inkml:trace>
+  <inkml:trace contextRef="#ctx0" brushRef="#br0" timeOffset="117683.32">16933 12637 0,'0'0'0,"-21"-22"0,21 1 0,0 0 16,0 0-16,0 0 0,0 0 15,-21-22-15,0 22 0,21 0 16,-21 0-16,-1 21 0,1-21 16,0 21-16,0 0 15,0 0-15,21 21 0,-21 0 0,-1 0 16,1 0-16,21 0 0,0 22 16,-21-1-16,21 0 0,0 1 0,0-1 15,0 22-15,0-22 0,0 0 16,0 22-16,0-22 0,0 0 15,21-20-15,-21 20 0,21-21 0,1 21 16,-1-20-16,0-1 0,0-21 0,0 0 16,22 0-16,-22 0 0,21 0 15,0 0-15,-20 0 0,20-21 0,43-22 16,-43 22-16,-21 0 0,21 0 16,-20 0-16,20-22 0,-21 22 15,0-21-15,0 21 0,1-22 16,-1 22-16,-21-21 0,0 21 0,21-1 0,-21 1 15,21 21 1,-21 21-16,0 1 16,0-1-16,0 0 0,0 0 0,0 21 15,0 1-15,0-22 0,0 21 16,0-21-16,0 22 0,0-22 0,0 21 16,0-21-16,0 1 0,21-1 15,0-21-15,1 0 16,-1 0-16,0 0 0,0 0 0,0 0 15,0 0-15,1-21 0,-1-1 16,0 22-16,0-21 0,0 0 0,-21 0 16,21-21-16,-21 20 0,0 1 0,0 0 15,0-21-15,0 21 16,0-22-16,-21 22 0,0 0 0,0 0 16,0 0-16,0-1 0,-1 22 15,1 0-15,0 0 0,0 0 16,21 22-1,0-1-15,21-21 16,0 0-16,0 0 0,1 0 16,20 0-16,0 0 0,1 0 0,-1-21 15,0 21-15,1-22 0,20 22 16,-21-21-16,22 0 0,-1 21 16,1-21-16,-1 21 0,-20 0 0,20-21 0,-42 21 15,22 0-15,-22 0 16,0 0-16,0 0 0,-42 0 31,0 0-15,0 0-16,0 21 0,-1 0 0,-20 0 15,21 0-15,0 1 0,-22 20 0,1 21 16,0-41-16,21 20 16,-1-21-16,1 21 0,21-20 0,-21 20 15,21-21-15,0 0 0,0 0 0,0 1 16,0-1-16,0 0 0,21-21 15,-21 21-15,21-21 0,1 0 16,-1 0-16,0 0 0,21 0 0,-21 0 16,1-21-16,-1 0 0,0 21 15,21-21-15,-21-1 0,1 1 0,-1-21 16,-21 21-16,21-22 0,0 1 0,0 0 16,-21-1-16,21-20 0,1 21 15,-1-22-15,-21 1 0,21 20 0,0-20 16,-21-1-16,21 22 0,0-22 15,-21 22-15,22 0 0,-22-1 0,21 22 16,-21-21-16,21 42 0,-21-21 16,0 42-1,0 0-15,0 0 16,0 0-16,0 22 0,-21-1 0,21 0 16,-21 1-16,21-1 0,-22 0 15,22 1-15,0 20 0,0-20 0,0-1 16,0 0-16,0 1 0,0-1 0,0 0 15,0 1-15,0-22 0,0 21 16,0-21-16,22 0 0,-1 1 0,0-1 16,0 0-16,0-21 0,0 0 0,1 21 15,20-21-15,-21 0 0,21 0 16,1 0-16,-1-21 0,0 0 0,-20 21 16,20-21-16,0-1 0,1-20 0,-1 21 15,0-21-15,-21 20 16,1-20-16,20 0 0,-21-1 0,-21 22 15,21-21-15,-21 0 0,21 20 0,-21-20 16,0 21-16,0 0 0,-21 21 16,0 0-1,0 0-15,0 21 0,0 0 0,-1 0 16,1 0-16,0 22 0,0-1 16,0-21-16,0 22 0,-1-1 15,22-21-15,0 21 0,0-20 0,0 20 0,0-21 16,0 0-16,22 0 0,-1-21 15,0 22-15,0-1 0,0-21 16,0 0-16,1 0 0,-1 0 0,21 0 16,-21 0-16,22 0 0,-1-21 15,-21-1-15,21 22 0,-20-21 0,20 21 16,-21-21-16,0 21 0,0-21 0,1 21 16</inkml:trace>
+  <inkml:trace contextRef="#ctx0" brushRef="#br0" timeOffset="119711.38">550 15367 0,'0'0'0,"-21"0"15,0 0-15,0 0 0,0 0 16,-1 0-16,1 0 0,0 0 16,0 0-16,0 0 15,0 0-15,-1 0 0,1 0 16,0 0-16,0-21 0,0 21 0,0 0 16,-1 0-16,1 0 15,0 0-15,0 0 31,42 0 1,0 0-32,22 0 15,-1 0-15,0 0 0,22 0 16,-1 0-16,1 0 0,-1 0 0,1 0 16,-1 0-16,1 0 0,-22 0 15,22 0-15,-1 0 0,1 0 16,-22-21-16,0 21 0,1 0 0,-1 0 15,0 0-15,-21 0 16,22 0-16,-22 0 0,0 0 16,0 0-16,0 0 31,-21 21-15,-21 0-1,0-21 1,0 0-16,0 0 0,0 0 0,-22 21 15,22-21-15,-21 0 0,-1 0 16</inkml:trace>
+  <inkml:trace contextRef="#ctx0" brushRef="#br0" timeOffset="120128.65">254 15388 0,'0'0'0,"-21"0"0,0 0 16,21 21-1,21 1 17,0-22-32,0 0 15,0 0-15,22 0 0,-1 0 0,0 0 16,1 0-16,20 0 0,-21 0 15,22 0-15,-1 0 0,-20 0 16,20 0-16,1 0 0,-22 0 16,22 0-16,-22 0 0,0 0 0,1 0 15,-1 0-15,-21 0 0,21 0 16,-20 0-16,-1 0 0,0 0 0,0 0 16,0-22-16,-42 22 62,0 0-62,0 0 16,0 0-16,-1-21 15,1 21-15,0 0 0</inkml:trace>
+  <inkml:trace contextRef="#ctx0" brushRef="#br0" timeOffset="120668.34">1058 15050 0,'0'0'0,"0"-22"15,-21 22-15,21 22 63,0-1-63,0 0 15,21 0-15,-21 0 0,21-21 16,1 21-16,-1 1 0,0-1 0,21 0 16,-21-21-16,22 21 0,-22 0 15,21-21-15,-21 21 0,22-21 16,-22 0-16,21 22 0,-21-22 0,1 0 16,20 0-16,-21 21 0,0-21 15,0 0-15,1 0 16,-1 0-16,-21 21 15,0 0 1,0 0 0,-21 0-16,-1-21 0,-20 22 15,21-1-15,-21 0 0,-1 0 16,1 0-16,0 22 0,-22-22 0,22 0 16,-1 0-16,-20 21 0,21-20 15,-1-1-15,1 0 0,21 0 16,0 0-16,-22-21 0,22 21 15,0 1-15,21-1 0,-21-21 16,21 21 0,21-21 15,0 0-31,0 0 16,0-21-16,1 21 0,-1-21 15,0-1-15</inkml:trace>
+  <inkml:trace contextRef="#ctx0" brushRef="#br0" timeOffset="123311.92">2413 15536 0,'0'0'16,"0"-21"-16,-21 21 15,0 0 17,21 21-17,0 1-15,0-1 0,0 0 16,0 0-16,0 0 0,0 0 15,0 1-15,21-1 0,-21 0 16,21-21-16,-21 21 0,21-21 16,0 21-16,0-21 0,1 0 15,-1 0 1,0 0-16,0 0 0,0-21 16,0 0-16,1 0 0,-1 0 15,21-1-15,-21 1 0,0 0 0,1-21 16,-1 21-16,0-22 15,0 1-15,0 0 0,0-1 0,-21 1 0,0 0 16,22-1-16,-22 1 0,21 0 16,-21-1-16,21 22 0,-21-21 0,0-1 15,0 22-15,0 0 0,21 0 0,-21 0 16,21 21 0,-21 21-1,0 0 1,0 21-16,0 1 0,0-22 0,0 21 15,0 1-15,0 20 0,0-21 16,0 1-16,0-1 0,0 0 0,0 1 16,0-1-16,21-21 0,-21 22 0,0-1 15,0-21-15,22 0 0,-22 22 16,21-22-16,-21 0 0,0 0 0,0 0 16,0 0-16,21-21 15,0 0 1,-21-21-1,0 0 1,0 0-16,0 0 0,0 0 16,0-1-16,-21-20 0,0 21 15,0 0-15,-1 0 0,1-22 0,-21 22 16,21 0-16,0 0 0,-1 21 16,-20-21-16,21 21 0,0 0 0,-22 0 15,22 0-15,0 0 0,0 0 16,0 21-16,21 0 0,0 0 15,-21-21-15,21 21 0,0 0 0,0 1 0,0-1 16,0 0-16,0 0 0,21 0 16,0 0-16,0-21 0,0 22 15,22-22-15,-22 0 0,21 0 16,-21 0-16,22 0 0,-1 0 0,0 0 16,1 0-16,-1-22 0,0 22 15,1-21-15,20 0 0,-21 0 16,1 0-16,20 0 0,-20-1 0,-1 1 0,0-21 15,1 21-15,-22 0 16,0-1-16,0 1 0,0 0 0,-21 0 0,21 21 16,-21-21-16,-21 42 31,0-21-31,0 21 0,0 0 16,21 0-16,0 1 0,-21 20 15,21-21-15,0 0 0,0 0 16,0 1-16,0-1 0,0 0 0,21 0 15,-21 0-15,21-21 16,0 21-16,-21 1 0,21-22 0,0 21 16,-21 0-16,22 0 15,-22 0 1,-22-21 15,1 0-31,0 0 0,21-21 16,-21 21-16,0-21 0,0 0 0,-1 0 15,1-1-15,0 22 16,21-21-16,-21 21 0,0 0 16,21 21 15,0 1-31,0-1 16,0 0-16,0 0 0,21 0 15,0-21-15,-21 21 0,21-21 16,0 0-16,-21 22 0,22-22 0,-1 0 15,0 0-15,0 0 0,0 0 16,0 0-16,22 0 0,-22 0 16,0 0-16,21-22 0,1 1 0,-22 0 15,21 0-15,1 0 0,-1 0 0,0-1 16,1 1-16,-1 0 0,0-21 16,-21 21-16,22-22 0,-22 22 0,0 0 15,0-21-15,-21 20 0,0 1 16,21 0-16,-21 0 15,0 42 1,0 0-16,0 0 16,0 1-16,-21-1 0,21 0 15,0 0-15,0 0 0,0 0 0,0 1 16,0-1-16,0 0 0,0 0 16,0 0-16,0 0 0,0 1 15,21-1-15,-21 0 0,22-21 16,-22 21-16,0 0 15,-22-21 17,1 0-32,0 0 0,0 0 15,0 0-15,0 0 0,-1-21 16,1 0 0,0 21-16,21 21 46,0 0-46,0 0 16,0 1-16,0-1 16,0 0-16,21-21 0,0 0 15,-21 21-15,22-21 0,-1 0 0,0 0 16,0 0-16,0 0 16,0 0-16,22 0 0,-22 0 0,21-21 15,-21 0-15,22 0 0,-22 21 0,0-22 16,21 1-16,-20 0 0,-1 0 15,0 0-15,0 0 0,0-1 16,0-20-16,-21 21 0,22 0 0,-22 0 16,0-1-16,0 1 0,0 0 15,0 0-15,0 0 16,-22 21-16,1 0 16,21 21-16,0 0 15,-21 0-15,21 0 0,-21 1 16,21-1-16,0 21 0,0-21 15,0 0-15,0 1 0,0-1 0,0 0 16,0 0-16,0 0 0,21 0 0,0-21 16,-21 22-16,21-22 0,1 0 15,-1 0-15,0 0 0,0 0 0,0 0 16,0 0-16,1 0 0,-1-22 16,21 22-16,-21-21 0,0 0 0,1 0 15,-1 0-15,0 0 0,0-1 16,0 1-16,0 0 0,-21 0 0,22 0 15,-22 0-15,21 21 0,-21-22 0,21 22 16,-21 22 15,0-1-31,0 0 16,0 0-16,0 0 0,0 0 16,21 1-16,-21-1 0,0 0 15,0 0-15,0 0 0,21-21 0,-21 21 16,21 1-16,1-22 0,-1 21 15,0-21-15,0 0 0,0 0 16,0 0-16,1 0 0,20 0 0,-21-21 16,0-1-16,22 22 0,-22-21 15,0 0-15,0 0 0,0 0 0,0-22 16,1 22-16,-1-21 0,0 0 0,0-1 16,0 1-16,0 0 15,-21-1-15,0 1 0,22 0 0,-1-1 0,-21 1 16,21 0-16,-21-1 0,0 1 0,0 21 15,0 0-15,0-1 16,0 44 0,0-1-16,0 0 15,0 21-15,0-21 0,0 22 16,-21-1-16,21-21 0,0 22 0,-21-1 16,-1 0-16,1 1 0,21-1 0,-21 0 15,21-21-15,-21 22 0,21-1 16,0-21-16,0 0 0,0 22 0,0-22 15,0 0-15,0 0 0,0 0 16,21 1-16,0-22 0,0 0 16,1 0-16,-1 0 0,0 0 15,0 0-15,0 0 0,0-22 16,1 1-16,-1 21 0,0-21 0,0 0 16,0 0-16,-21 0 15,21-1-15,-21 1 0,0 0 0,0 0 16,0 0-16,0 0 0</inkml:trace>
+  <inkml:trace contextRef="#ctx0" brushRef="#br0" timeOffset="123551.37">5440 15367 0,'0'0'0,"-21"0"0,21 21 16,21-21 15,0 0-31,0 0 0,21 0 0,-20 0 15,-1 0-15,21 0 0,-21 0 16,22 0-16,-22 0 0,21-21 0,-21 21 16,22 0-16,-22 0 0,21-21 0,-21 21 15,-21-21-15,21 21 0,1 0 16,-22-21 0,-22-1-1,1 22-15</inkml:trace>
+  <inkml:trace contextRef="#ctx0" brushRef="#br0" timeOffset="125028.12">6456 15325 0,'0'0'0,"0"-21"0,0-1 0,0 1 16,0 0-16,0 0 0,0 0 0,0 0 15,0-1-15,-21-20 0,21 21 16,0 0-16,0 0 0,0-1 0,-22 22 16,22-21-16,-21 21 15,0 0-15,0 21 16,21 1-16,-21-1 0,21 0 16,-21 21-16,-1 1 0,22-1 0,0 0 0,-21 1 15,0-1-15,21 21 16,-21-20-16,21-22 0,0 21 0,-21 1 15,0-22-15,21 21 0,0-21 16,0 0-16,0 1 0,0-1 16,0-42-1,0-1 1,21 1-16,0 0 16,-21-21-16,21 21 0,0-22 0,-21 22 15,21-21-15,1-1 0,-22 1 0,21 0 16,0-1-16,-21 1 0,42-43 15,-42 64-15,21-21 16,-21 21-16,22 0 0,-1 21 16,0 0-1,-21 21-15,0 0 0,21 0 16,-21 0-16,0 64 0,0-64 16,21 21-16,-21 1 0,0-1 15,21-21-15,-21 22 0,0-1 0,0-21 16,0 21-16,22-20 0,-22-1 0,21 21 15,0-21-15,-21 0 0,21 1 16,-21-1-16,21-21 0,-21 21 0,21 0 16,1-21-16,-22 21 15,0-42 17,0 0-32,0 0 15,0 0-15,-22-1 0,1 1 0,0 0 16,0 0-16,0 0 0,-22 0 15,22-1-15,-21 1 0,21 0 0,-22 21 16,1 0-16,21 0 0,-21 0 0,20 0 16,1 0-16,0 0 0,0 21 15,0 0-15,21 1 0,0-1 0,0 0 16,0 21-16,21-21 16,0 1-16,0-22 0,22 21 15,-22-21-15,0 0 0,21 0 16,1 0-16,-1 0 0,-21 0 0,21 0 15,1 0-15,-1 0 0,0-21 16,22-1-16,-22 22 0,-21-21 0,22 0 16,-1 0-16,0 0 0,-20 0 0,20-1 15,-21-20-15,0 21 0,0 0 0,1-22 16,-1 1-16,0 0 0,-21-22 16,0 22-16,21 0 0,-21-1 15,0 1-15,0 21 0,0 0 0,0-22 16,0 22-16,0 0 15,0 42 1,0 0-16,0 0 0,0 1 16,-21 20-16,21-21 0,0 21 15,-21 1-15,21-1 0,-21-21 0,21 22 16,-22-1-16,22 0 0,0-21 0,0 22 16,0-22-16,0 21 0,0-21 15,0 1-15,0-1 0,0 0 0,0 0 16,22 0-16,-1 0 0,0 1 15,0-22-15,0 0 0,0 0 16,1 0-16,-1 0 16,21 0-16,-21 0 0,0-22 0,1 1 0,-1 0 15,0 0-15,0 0 0,0 0 16,0-1-16,1 1 0,-1-21 16,-21 21-16,21-22 0,0 1 0,-21 0 15,0-1-15,0 1 0,21 0 0,-21-1 16,21 1-16,-21 21 0,0 0 15,0-22-15,0 22 0,0 0 16,0 42 15,-21 0-31,0 22 0,21-22 0,-21 21 16,21 1-16,0-1 0,-21 0 0,21 1 16,-21-1-16,21 0 0,0 1 15,0-1-15,0 0 0,0 1 16,0-22-16,0 21 0,0-21 0,0 0 15,0 1-15,0-1 0,0 0 16,0 0-16,21 0 0,0-21 16,0 0-16,-21 21 0,21-21 0,0 0 15,1 0-15,-1 0 0,0-21 16,21 21-16,-21-21 0,22 0 0,-22 0 16,21 0-16</inkml:trace>
+  <inkml:trace contextRef="#ctx0" brushRef="#br0" timeOffset="125443.89">8488 15113 0,'0'0'0,"0"-21"0,-21 21 15,-1 0-15,1-21 0,0 21 16,0 0-16,0 0 16,0 21-16,-1 0 0,1 0 15,21 0-15,-21 22 0,21-22 16,-21 21-16,21 1 0,0-1 0,0-21 15,0 21-15,0 1 0,0-1 16,0 0-16,0-20 0,0 20 0,21-21 16,-21 0-16,21 0 0,0 1 0,1-1 15,-1 0-15,0 0 0,0-21 0,0 21 16,0-21-16,1 0 0,-1 0 16,0 0-16,0 0 0,0 0 15,0 0-15,1 0 0,-1 0 0,0-21 16,0 0-16,0 0 15</inkml:trace>
+  <inkml:trace contextRef="#ctx0" brushRef="#br0" timeOffset="125819.94">8932 15113 0,'21'-21'15,"1"0"-15,-1 0 16,0 21-16,0 0 0,0 0 0,0 0 16,1-22-16,-1 22 0,0 0 15,21 0-15,-21 0 0,1 22 0,20-1 16,-21 0-16,0 0 0,0 0 0,1 0 16,-1 22-16,-21-22 15,0 21-15,0 1 0,0-22 0,0 21 0,0-21 16,0 22-16,0-1 0,-21-21 0,-1 0 15,1 22-15,0-22 0,21 0 16,-21 0-16,0 21 0,0-20 16,-1-1-16,1 0 0,21 0 15,-21 0-15,0-21 0,21 21 16,0-42 31,0 0-47,21 0 15</inkml:trace>
+  <inkml:trace contextRef="#ctx0" brushRef="#br0" timeOffset="126350.64">10668 15155 0,'0'0'0,"-21"0"0,21-21 0,0 0 0,-21 0 16,21 0-16,-22 0 16,22-1-1,0 44 17,0-1-32,0 0 15,22 21-15,-1-21 0,0 22 16,0-1-16,0-21 0,0 22 15,1-1-15,-1 0 0,0-21 0,0 22 16,21-22-16,-20 21 0,-1-21 0,0 1 16,21 20-16,-21-21 0,1 0 0,-1 0 15,0 1-15,21-22 0,-21 42 16,1-42-16,-1 21 16,-21-42 30,0 0-46,-21 21 0,-1-21 16,22-1-16</inkml:trace>
+  <inkml:trace contextRef="#ctx0" brushRef="#br0" timeOffset="127517.55">11197 15261 0,'0'0'0,"21"-21"0,-21 0 15,21 0-15,-21 0 0,0-1 16,22 1-16,-22 0 16,-22 21 15,1 0-31,0 0 0,0 21 0,0 0 16,0 1-16,-22-1 0,1 21 15,0-21-15,-1 22 0,1-1 0,0-21 16,-1 21-16,1 1 0,0-1 0,-1 0 15,1-20-15,0 20 0,20-21 16,1 0-16,-21 22 0,21-43 16,21 21-16,-21 0 0,21 0 0,-22-21 15,22 21 1,-21-21 78,42 0 593,1 0-671,-1 0-1,-21-21 17,0 0-17,-21 0-15,-1 0 16</inkml:trace>
+  <inkml:trace contextRef="#ctx0" brushRef="#br0" timeOffset="130744.32">13250 15452 0,'0'0'0,"0"21"16,0 0-16,0 0 16,0 0-16,0 1 0,0-1 15,21-21-15,-21 21 0,0 0 16,22 0-16,-1 0 15,0 1-15,0-22 16,0 21-16,0-21 31,1 0-15,-1 0 0,-21-21-16,21 21 15,-21-22-15,0 1 0,0 0 0,0 0 16,0 0-16,21 0 0,-21-1 15,21 1-15,-21-21 0,21 21 16,-21-22-16,22 1 0,20-43 16,-42 43-16,21 0 0,0-1 0,0 1 15,1 0-15,20-1 0,-21 22 16,0-21-16,22 21 0,-22 0 16,21-1-16,-21 22 0,0 0 0,1 0 15,-1 0-15,0 0 0,0 22 0,-21-1 16,0 0-16,21 21 0,-21-21 0,0 22 15,0-1-15,0-21 0,0 22 16,0-22-16,0 21 0,0-21 16,0 0-16,0 1 0,0-1 0,-21 0 15,21-42 17,0 0-32,21-1 15,-21 1-15,0 0 0,0 0 16,0 0-16,0 0 0,0-22 0,0 22 15,0 0-15,0-21 0,-21 20 16,0 1-16,21 0 0,-21-21 0,0 21 16,-1-1-16,1 1 0,0 0 15,0 21-15,0 0 0,0 0 16,-1 0-16,1 0 16,0 21-16,0 0 0,0 1 0,0-1 15,-1 0-15,22 21 0,0 1 16,-21-22-16,21 21 0,-21 0 0,21 1 15,0-1-15,0 0 0,0 1 0,0-22 16,0 21-16,0-21 0,0 22 16,0-22-16,0 0 0,0 0 0,21 0 15,-21 1-15,21-1 0,1-21 16,-1 0-16,0 0 16,0 0-16,0 0 0,0 0 15,1-21-15,-1-1 0,0 1 16,0 0-16,0 0 0,0 0 15,1 0-15,-1-22 0,0 22 0,-21-21 16,21 21-16,-21-22 0,21 1 16,-21 21-16,0-22 0,0 22 0,0 0 15,21 0-15,-21 0 0,0 0 0,22 21 16,-22-22-16,0 44 31,0-1-31,0 0 0,0 21 0,0-21 16,0 22-16,0-22 0,0 21 15,0 1-15,0-22 0,0 21 0,0-21 16,0 22-16,0-22 0,0 0 0,0 0 16,21 0-16,0-21 15,-21 21-15,21-21 0,0 0 16,0 0-16,1 0 0,-1 0 0,21 0 16,-21 0-16,0 0 0,22-21 15,-22 0-15,21 0 0,1 0 0,-22 0 16,21-22-16,-21 22 0,22-21 0,-22-1 15,21 1-15,-21 21 0,0-21 16,1-1-16,-22 22 0,0 0 0,0 0 16,0 42 15,0 0-31,0 0 0,-22 0 16,22 22-16,-21-22 0,21 21 15,0-21-15,0 1 0,0 20 0,0-21 16,0 0-16,0 0 0,0 22 0,21-22 15,-21 0-15,22 0 0,-22 0 16,0 1-16,0-1 0,0 0 16,0 0-16,-22-21 31,1 0-31,0-21 16,0 0-16,0 21 15,21-21-15,0-1 0,-21 1 16,-1 21-16,22-21 0,0 0 0,-21 21 15,21 21 17,0 0-32,0 0 15,0 1-15,0-1 0,0 0 0,21 0 16,-21 0-16,22-21 16,-22 21-16,21-21 0,0 0 0,0 0 15,0 0-15,0 0 0,1 0 0,-1 0 16,21 0-16,-21 0 0,22 0 15,-22-21-15,21 0 0,0 21 16,1-21-16,-1 0 0,0-22 0,1 22 16,-1 0-16,-21 0 0,22-21 15,-1 20-15,-21-20 0,0 0 0,0 21 16,1-22-16,-22 22 0,0 0 0,0 0 16,0 0-16,-22 21 15,1 0-15,0 0 16,0 21-16,21 0 0,-21 0 15,0 0-15,21 22 0,-22-22 16,22 0-16,0 0 0,0 21 0,0-20 0,0-1 16,0 0-16,0 0 0,0 0 15,22 0-15,-22 1 0,21-1 0,-21 0 16,0 0-16,0 0 16,-21-21 15,-1 0-31,1 0 15,0-21-15,0 21 0,0-21 16,0 21-16,-1 0 0,22-21 16,-21 21-16,0 0 15,21 21 1,0 0 0,21 0-16,0 0 15,1 1-15,-1-22 0,0 0 16,0 0-16,0 0 0,22 0 15,-22 0-15,0 0 0,21 0 0,1 0 16,-22 0-16,21 0 0,0 0 0,22-22 16,-22 22-16,1-21 0,-22 0 15,21 21-15,0-21 0,-20 0 0,-1 0 16,21-1-16,-21-20 0,0 21 16,1 0-16,-22 0 0,0-1 0,21-20 15,-21 21-15,0 0 0,0 0 0,0-1 16,0 44 15,0-1-31,-21 0 16,21 0-16,-22 0 0,22 0 0,0 1 15,0-1-15,0 21 0,-21-21 16,21 0-16,0 1 0,0-1 0,0 0 16,0 0-16,0 0 0,21-21 15,1 0 1,-1 0-16,0 0 0,0 0 15,0 0-15,0 0 0,22-21 0,-22 0 16,0 21-16,0-21 16,0 0-16,1-1 0,-1 1 0,0-21 15,0 21-15,0 0 0,-21-1 0,21 1 16,-21 0-16,22 21 16,-22 21-1,0 0-15,0 1 16,0-1-16,0 0 0,0 0 15,0 0-15,0 0 0,0 1 0,0-1 16,21 21-16,0-42 0,0 21 16,0 0-16,0-21 0,43 22 15,-43-22-15,21 0 0,-20 0 16,20 0-16,-21 0 0,21 0 0,-20 0 16,-1 0-16,0-22 15,0 1-15,0 21 0,0-21 0,1 0 16,-1 0-16,21-43 0,-42 22 15,0 0-15,21-1 0,0 1 16,-21 0-16,0-22 0,0 22 0,22-1 16,-22-20-16,21 21 0,-21-1 0,0 1 15,0 0-15,21 20 0,-21-20 16,21 21-16,-21 0 0,0 0 16,21 21-16,-21 21 15,0 0-15,0 0 16,0 0-16,0 22 0,0-1 0,0 0 0,-21 1 15,21-1-15,-21 0 0,0 1 0,21-1 16,0 21-16,0-20 16,-21-1-16,21-21 0,0 22 0,0-1 15,-22-21-15,22 0 0,0 22 0,0-22 16,0 0-16,0 0 16,0 0-16,0 0 15,22-21 1,-1 0-16,0 0 0,0-21 15,0 0-15,-21 0 16,21 0-16,-21 0 16,22-1-16,-22 1 0,0 0 15</inkml:trace>
+  <inkml:trace contextRef="#ctx0" brushRef="#br0" timeOffset="130987.26">16658 15282 0,'0'22'16,"0"-1"0,21-21-16,0 0 0,1 0 15,-1 0-15,0 0 0,21 0 0,-21 0 16,22-21-16,-22 21 0,21 0 0,-21-22 16,22 1-16,-22 21 0,21 0 15,-21-21-15,1 21 0,-1 0 16,0 0-16,-21-21 0,0 0 31,-21 21-31,0-21 16,21-1-16</inkml:trace>
+  <inkml:trace contextRef="#ctx0" brushRef="#br0" timeOffset="132418.44">17780 14944 0,'0'0'0,"0"-43"15,0 22 1,-21 42 15,0 1-31,21-1 16,0 21-16,-22 0 0,1 1 0,0-1 16,21 22-16,-21-22 0,0 0 15,0 22-15,21-22 0,-22 0 0,1 1 16,0-1-16,21-21 0,0 22 0,-21-22 15,21 0-15,-21 0 0,21 0 16,0 0-16,0-42 31,21 0-31,0 0 16,-21 0-16,21-22 0,0 22 16,1-21-16,-1 0 0,0-1 15,0-20-15,-21 20 0,42 1 0,-42-21 16,43 20-16,-22-20 0,0 20 15,0 1-15,0 0 0,-21-1 0,22 1 16,-1 21-16,-21 0 0,21 0 16,-21 42-1,0 21-15,0-21 0,0 22 16,0-1-16,0 0 0,0 1 16,0-1-16,0 0 0,0 1 0,0-1 15,0 0-15,0 1 0,0-22 0,0 21 16,0-21-16,21 22 0,-21-22 15,21 0-15,-21 0 0,21 0 16,-21 0-16,0 1 16,22-22-16,-22-22 31,0 1-31,0 0 0,0 0 16,0 0-16,0 0 0,0-1 15,-22 1-15,1 0 0,0-21 0,21 21 16,-42-22-16,21 22 0,-1 0 0,1 0 15,0 21-15,-21 0 0,21 0 16,-1 0-16,1 0 0,-21 21 0,21 0 16,0 0-16,-1 0 0,1 1 0,21 20 15,0-21-15,0 0 16,0 22-16,0-22 0,0 0 0,0 0 16,0 0-16,21 0 0,1-21 0,20 22 15,-21-22-15,21 0 0,-20 0 16,20 0-16,0 0 0,1 0 0,41-22 15,-41 22-15,-1-21 0,0 0 16,1 0-16,-1 0 0,0-22 16,1 22-16,-1-21 0,0 0 15,1-1-15,-1 1 0,-21-22 0,21 22 16,-20 0-16,-1-1 0,0 1 16,0 0-16,-21-1 0,0 1 0,21 21 15,-21-21-15,0 20 0,0 1 16,-21 21-1,21 21-15,-21 22 16,0-22-16,0 21 0,-1-21 16,22 22-16,-21-1 0,0 0 0,0 1 15,21-1-15,0 0 0,-21 43 16,21-43-16,0 1 0,0-22 16,0 21-16,0-21 0,0 22 0,21-22 15,0 0-15,0 0 0,0 0 0,1-21 16,-1 22-16,0-22 0,0 0 15,21 0-15,-20 0 0,20 0 0,-21 0 16,21 0-16,-20-22 0,-1 22 16,21-21-16,-21 0 0,0 0 15,1-21-15,-1 20 0,21-20 0,-21 0 16,0-1-16,1 1 0,-1 0 0,0-1 16,21-62-16,-21 62 15,1 1-15,-22 0 0,21-1 0,0 1 16,-21 0-16,0-1 0,0 22 0,0 0 15,0 0-15,0 0 0,0-1 16,0 44 0,-21-1-16,0 0 0,-1 0 15,-20 21-15,21 1 0,0-1 16,0 0-16,-1 1 0,1-1 0,-21 64 16,42-64-16,0 1 15,0-1-15,0 0 0,0 1 0,0-1 16,0 0-16,0-21 0,0 22 0,0-22 15,0 0-15,21 0 0,0 0 16,0 1-16,-21-1 0,22-21 0,-1 0 16,0 0-16,0 0 0,0 0 15,0 0-15,1-21 16,-1 21-16,0-22 0,0 1 16,0 0-16,0 0 0,1 0 15,20 0-15</inkml:trace>
+  <inkml:trace contextRef="#ctx0" brushRef="#br0" timeOffset="132840.2">20256 14753 0,'0'0'0,"0"-21"0,0 0 16,-21 21-16,0 0 16,0 0-16,21 21 0,-21-21 0,0 21 15,-1 0-15,22 22 0,-21-22 0,0 0 16,0 21-16,0 1 0,0-1 15,-1 0-15,1 1 0,21-1 0,-21 0 16,21 1-16,0-1 0,0 0 16,0 1-16,0-1 0,0-21 0,21 22 15,-21-22-15,21 0 0,1 21 16,20-42-16,-21 21 0,0 1 0,22-1 16,-22-21-16,21 0 0,-21 0 15,0 0-15,22 0 0,-22 0 0,0 0 16,0 0-16,0 0 0,1-21 15,-1-1-15,0 1 0,0 0 16,-21 0-16</inkml:trace>
+  <inkml:trace contextRef="#ctx0" brushRef="#br0" timeOffset="133231.31">20891 14753 0,'0'0'0,"0"-21"0,22 21 0,-22-21 16,0 0-16,21 21 15,0 0-15,0 0 16,0 0-16,0 0 16,1 21-16,-1 0 15,0 0-15,-21 0 0,0 1 0,21-1 16,-21 21-16,21-21 0,-21 22 0,0-22 15,0 21-15,0 0 0,0 1 16,0-1-16,0-21 0,-21 22 16,21-1-16,-21 0 0,21 1 0,0-22 15,0 21-15,-21-21 0,0 0 16,21 1-16,-22-1 0,22 0 0,-21 0 16,0 0-16,0-21 0,21 21 0,-21-21 15,0 22-15,-1-22 0,1 0 16,0 0-1,21-22 1,0 1-16,21 0 0,0 21 16,1-21-16</inkml:trace>
+  <inkml:trace contextRef="#ctx0" brushRef="#br0" timeOffset="133950.16">22288 14923 0,'0'0'0,"-21"0"0,21-22 0,0 1 15,0 0-15,0 0 16,0 0 0,0 42 15,0 0-31,0 0 0,0 0 15,0 1-15,0-1 0,0 21 0,0-21 16,0 22-16,-21-1 0,21 0 16,0-21-16,-21 22 0,21-1 15,0 0-15,0-20 0,0 20 0,0-21 16,0 0-16,0 22 0,0-22 0,0 0 16,0 0-16,0 0 15,21-21-15,0 0 16,0 0-16,1 0 15,-1 0-15,0 0 0,21-21 0,-21 0 16,22 0-16,-1 0 0,0-1 16,1 1-16,-1-21 0,22 21 0,-22-22 15,21 1-15,1 0 0,-1-1 0,1 1 16,-1 21-16,1-21 0,-1-1 16,-20 22-16,20-21 0,-20 21 15,-1-1-15,0 1 0,1 0 0,-1 0 16,-21 0-16,21 0 0,-20-1 15,-1 22-15,-21-21 0,21 21 16,-42 0 47,0 0-63,-1 21 15,1 1-15,0-1 16,0-21-16,0 21 0,0 0 15,-22 0-15</inkml:trace>
+  <inkml:trace contextRef="#ctx0" brushRef="#br0" timeOffset="139139.79">635 17378 0,'-21'0'62,"0"0"-62,-1 0 16,1 0-16,0 0 16,0 0-16,0 0 15,0 0-15,-1 0 0,1 0 16,0 0-16,-21 0 0,21 0 0,-22 0 16,1 0-16,21 0 0,-22 0 15,-20 0-15,21-21 0,20 21 16,1 0-16,0 0 0,0 0 15,42 0 32,0 0-47,0 0 0,22 0 16,-1 0-16,0 0 0,1 0 16,20 0-16,-20-21 0,20 21 15,1 0-15,-1 0 0,1 0 16,-1 0-16,1 0 0,-22-22 0,21 22 15,1 0-15,-22 0 0,22 0 16,-22 0-16,0-21 0,1 21 16,-1 0-16,-21 0 0,22 0 0,-22 0 15,0 0-15,0 0 0,0 0 16,0 0-16,-21-21 16,-21 0 30,0 0-46,0 21 0,0-21 16,0 21-16,-1-22 0,1 22 0,0-21 16,0 21-16,0-21 0,-22 21 15,22-21-15,0 0 0,-21 21 16,21 0-16,-22-21 0,22 21 0,0 0 16,0 0-16,0 0 0,-1-22 15,1 22-15,0 0 0,0 0 16,0 0-1,42 22 32,0-22-47,0 0 0,0 21 0,1 0 16,-1-21-16,21 0 0,-21 0 16,22 21-16,20 0 0,-21-21 15,1 0-15,-22 0 0,21 0 16,1 0-16,-22 0 0,21 0 15,-21 0-15,0 21 0,1-21 0,-1 0 16,-21 22-16,0-1 16,0 0-16,0 0 15,-21-21-15,21 21 16,-43 0-16,22 1 0,0-1 0,-21 0 16,20 0-16,-20 0 0,-21 22 15,-1-1 1,43-21-16,-21 0 0,20 0 0,1 1 15,-21-1-15,21 0 0,0-21 16,-1 21-16,1-21 0,0 0 16,21 21-16,-21-21 0,42-21 47,0 0-32,0 0-15,1 0 16,-1-1-16,0 1 0,21 0 0,-21 0 15,1 0-15,20 0 0,-21-1 16,21 1-16,1-21 0,-22 21 0,21 0 16,43-22-1,-64 43-15,0 0 0,0 0 16,-21-21-16,22 21 0,-22 21 31,0 0 16,-22-21-47,22 22 16,-21-22-1</inkml:trace>
+  <inkml:trace contextRef="#ctx0" brushRef="#br0" timeOffset="142900.43">3133 17632 0,'0'21'15,"0"-42"48,21 0-63,-21 0 0,21-22 16,0 22-16,21-42 0,-20 20 0,20-20 15,21 20-15,-20-20 0,-1-1 16,22 1-16,-22-1 0,0 1 0,1-1 15,-1 22-15,0 0 0,-21-1 0,-21 22 16,0 0-16,-21 42 31,0 0-31,0 1 16,0 20-16,0-21 0,-1 21 0,1-20 16,21 20-16,0-21 15,0 21-15,0-20 0,0 20 0,0-21 16,21 21-16,1-20 0,-1-1 15,21 21-15,-21-21 0,0 0 0,22 1 16,-22 20-16,0-21 0,0 0 16,0 0-16,1 1 0,-1-1 15,-21 0-15,0 0 0,0 0 0,0 0 16,0 1-16,-21-22 16,-1 0-16,1 0 0,0 0 15,-21 0-15,21 0 0,-22-22 16,1 1-16,0 21 0,20-21 0,-20 0 15,0 0-15,-1 21 0,22-21 16,0-1-16,0 22 0,0 0 16,0-21-16,-1 21 0,22 21 15,22 1 1,-1-1-16,0 0 0,0 21 16,0-21-16,0 1 0,22 20 15,-22-21-15,0 0 0,21 0 0,-20 1 16,20-22-16,-21 21 0,21-21 15,1 0-15,-1 0 0,0 0 16,-20 0-16,20 0 0,0-21 0,1-1 16,-1 1-16,0 0 0,1 0 15,-1 0-15,-21-22 0,21 22 0,-20-21 16,-1 21-16,0-22 0,0 1 16,0 21-16,0-21 0,1-1 0,-22 1 15,0 0-15,0-1 0,0 1 16,0 0-16,0-43 0,0 64 15,0-22-15,0 22 0,0 0 16,0 42 0,0 0-1,0 22-15,0-22 16,0 21-16,-22 1 0,22 20 0,0-21 16,-21 1-16,21-1 0,0 0 15,0 1-15,0-1 0,0 0 0,0 1 16,0-22-16,21 0 0,-21 21 15,22-20-15,-1-1 0,0-21 16,0 0 0,0 0-16,-21-21 0,21 21 15,-21-22-15,22 1 0,-22 0 16,0 0-16,0 0 0</inkml:trace>
+  <inkml:trace contextRef="#ctx0" brushRef="#br0" timeOffset="143148.29">4170 17314 0,'0'0'0,"0"-21"15,21 0 1,0 21 0,0-21-16,0 0 0,22 21 0,-1-21 15,-21 21-15,22-22 0,-1 22 16,0-21-16,1 21 0,-1-21 0,-21 0 15,21 21-15,-20 0 0,-1 0 16,0-21-16,0 21 0,-42 21 47</inkml:trace>
+  <inkml:trace contextRef="#ctx0" brushRef="#br0" timeOffset="143360.17">5038 17632 0,'0'0'0,"-22"0"0,1 0 16</inkml:trace>
+  <inkml:trace contextRef="#ctx0" brushRef="#br0" timeOffset="144851.94">4974 17568 0,'0'0'0,"0"-21"15,0 0-15,0 0 16,0 0-1,0 0-15,21-1 0,-21 1 16,0 0-16,0 0 0,0 0 0,0 0 16,0-1-16,0 1 0,0 0 15,-21 21-15,21-21 0,-21 0 0,0 21 16,0 0-16,-1 0 16,1 0-16,0 0 0,0 21 0,21 0 15,-21 0-15,0 0 0,-1 1 16,1 20-16,0-21 0,0 21 15,21 1-15,0-1 0,-21-21 0,21 64 16,0-64-16,0 21 0,0-20 16,0-1-16,0 0 0,0 0 15,21 0-15,0-21 16,0 0-16,0 0 0,1 0 16,-1-21-16,0 0 0,0 0 15,0-22-15,0 22 0,1-21 0,-1 21 16,0-22-16,0 22 0,0-21 15,0 0-15,-21 20 0,0-20 0,22 21 16,-22-21-16,0 20 0,21 1 16,-21 0-16,0 0 15,0 42 1,0 0-16,0 0 16,0 1-16,0 20 0,0-21 0,0 21 15,0 1-15,0-1 0,0-21 16,0 22-16,21-1 0,-21-21 0,0 0 15,21 0-15,-21 1 0,0-1 16,21 0-16,0-21 0,1 0 0,-1 0 16,0 0-16,21 0 15,-21-21-15,1 0 0,-1-1 0,21 1 16,-21 0-16,22-21 16,-22 21-16,21-22 0,-21 1 0,0 0 0,1 20 15,-1-20-15,0 0 16,0-1-16,0 1 0,-21 0 0,0-1 15,0 1-15,0 0 0,0-1 0,0 1 16,0 21-16,0-21 0,0 20 16,0 1-16,0 0 0,0 0 0,0 42 31,0 0-31,0 0 16,0 1-16,0 20 0,0 0 0,0 1 15,0-1-15,0 0 0,0 1 16,-21-1-16,21 0 0,-21 22 15,21-22-15,0 0 0,0 1 0,0-1 16,0 0-16,0 1 0,0-22 16,0 42-16,21-41 15,-21-1-15,21 0 0,0 0 0,1-21 16,-1 0-16,0 0 0,0 0 0,0 0 16,22 0-16,-22 0 0,0-21 15,21 21-15,-21-21 0,1 0 0,20-1 16,-21-20-16,0 21 0,0 0 15,1-22-15,-1 1 0,0 21 16,0-21-16,0 20 0,-21-20 0,0 21 16,0-21-16,21-1 15,-21 22-15,0 42 32,0 0-32,0 1 0,0 20 15,0-21-15,0 21 0,0-20 16,0 20-16,0-21 0,0 21 0,0-20 15,22-1-15,-1 0 0,-21 0 16,21 0-16,0 0 0,0-21 0,0 0 16,1 0-16,20 0 0,-21 0 0,21 0 15,-20 0-15,20-21 0,0 0 16,1 0-16,-1 0 0,0 0 0,1-22 16,-1 22-16,-21 0 15,21-21-15,-20 20 0,20 1 0,-21-21 16,0 21-16,0 0 0,1 21 0,-1-22 15,-21 1-15,21 21 16,0 0 0,-21 21-16,0 1 15,0-1-15,0 0 16,0 0 0,0-42 30,0 0-46,0 0 16,0-1-16,0 1 16,0 0-16,0 0 15,-21 21-15,21-21 0,-21 21 16,0 0-16,-1 0 16,22 21-1,-21 0-15,0 0 0,21 0 0,-21 1 16,21 20-16,0-21 0,-21 21 15,21-20-15,0 20 0,-21-21 0,21 21 16,0-20-16,0 20 0,0-21 0,0 0 16,0 22-16,0-22 0,21 0 15,0 0-15,0-21 0,0 0 16,0 0-16,1 0 16,20 0-16,-21 0 0,0-21 0,22 21 15,-22-21-15,21 0 0,0-22 16,-20 22-16,-1 21 15,0-21-15,-21 0 0,0 0 0,0-1 0,0 1 16,0 0-16,0 0 0,0 0 16</inkml:trace>
+  <inkml:trace contextRef="#ctx0" brushRef="#br0" timeOffset="145248.17">6773 16679 0,'0'22'0,"0"-44"0,-21 65 0,21-22 0,-21 21 15,21-21-15,0 1 0,0-1 16,0 0-16,0 0 15,21-21-15,0 0 16,0 0-16,1 0 16,-1 0-16,-21-21 0,21 0 15,-21 0-15,0-1 16,0 1-16,0 0 0,0 0 16,-21 0-16,0 21 0,-1-21 15,1 21-15,0 0 16,0 0-16,0 21 0,21 0 15,-21-21-15,21 21 0,-22 0 16,22 22-16,-21-22 0,21 0 0,-21 0 16,21 0-16,0 0 0,-21-21 15</inkml:trace>
+  <inkml:trace contextRef="#ctx0" brushRef="#br0" timeOffset="145615.96">5503 17145 0,'0'0'0,"-21"21"0,0-21 15,42 0 16,0-21-31,0 21 16,1 0-16,20 0 0,0-21 16,1 21-16,-1 0 0,0 0 0,1-21 15,20 21-15,-21 0 0,1 0 0,20 0 16,-20-21-16,-22 21 0,21 0 16,0 0-16,-20 0 0,-1 0 0,0 0 15,0 0-15,-42 0 47,0 0-31,0 0-16,-1 0 0</inkml:trace>
+  <inkml:trace contextRef="#ctx0" brushRef="#br0" timeOffset="152723.72">12467 17357 0,'-21'0'16,"0"0"0,0 0-1,-1 0 1,1 0-16,0 0 15,0 0-15,0 0 0,0 0 16,-1 0 0,44 0 15,-1 0-31,0 0 0,21 0 16,-21 0-16,22 0 0,-1 0 15,22 0-15,-22 0 0,21 0 0,-20 0 16,20 0-16,1 0 0,-22 0 0,22 0 15,-22 0-15,0 0 0,1 0 16,-1 0-16,-21 0 0,21 0 0,-20 0 16,-1 0-16,0 0 15,-42 0 17,0-21-32,-1 21 15,1-22-15,0 22 0,0-21 0,-21 0 16,20 21-16,-20-21 15,21 21-15,0 0 0,-22-21 0,22 21 16,0 0-16,0-21 0,0 21 16,42 0 31,0 0-47,0 0 0,0 0 0,1 0 15,-1 0-15,0 0 0,0 0 16,21 0-16,-20 0 0,-1 21 15,0-21-15,0 0 0,-21 21 0,0 0 0,0 0 16,0 0-16,0 1 16,0-1-16,-21 0 0,0 0 15,0 0-15,-1 0 0,1 1 16,-21 20-16,21-21 0,0 0 0,-1 0 16,-20 1-16,21-1 0,0 0 15,0-21-15,-1 0 0,22 21 16,0-42-1,22 0 1,-1 0-16,0-1 0</inkml:trace>
+  <inkml:trace contextRef="#ctx0" brushRef="#br0" timeOffset="153131.49">14012 17082 0,'0'-22'16,"21"-41"-1,-21 42-15,0 0 0,0-1 0,0 1 16,0 0-16,0 0 15,0 42 17,0 0-32,0 22 0,0-1 0,0-21 15,0 21-15,0 22 0,0-22 16,0 1-16,0-1 0,0 0 0,0 1 16,0-1-16,0 0 0,-21 1 0,21-22 15,0 21-15,-21-21 0,21 0 16,0 1-16,0-1 0,0 0 15,-21-21 1,0-21 0,21 0-16,-21-1 15,21-20-15,-22 21 0,1 0 16</inkml:trace>
+  <inkml:trace contextRef="#ctx0" brushRef="#br0" timeOffset="153615.41">13568 17166 0,'0'0'0,"-21"-21"16,21 0-16,0 0 0,0 0 15,0-1-15,0 1 0,21 21 16,-21-21-16,21 0 0,0 0 16,21 0-16,-20 21 0,20-22 0,-21 22 15,21 0-15,1 0 0,-1 0 16,22 0-16,-22 22 0,0-1 0,1 21 15,-1-21-15,0 22 0,1-1 0,-1 0 16,0 1-16,1 20 0,-22-21 16,0 1-16,0-1 0,0 0 0,0 1 15,-21-1-15,0 0 0,22 1 16,-22-22-16,0 0 0,0 0 0,0 22 16,0-65 15,0 1-31,0-21 15,0 21-15,0-22 0,0 1 16,0 0-16,0-1 0,0 1 0,0-21 16,0 20-16,0-20 0,0-1 0,0 1 15,0 20-15,0-20 0,0-1 16,0 22-16,0 0 0,21-1 16,-21 1-16,21 21 0,-21 0 0,21 21 15,0 0 1,0 0-16,-21 21 15,22 0-15,-22 0 0,0 0 0,21 22 16,0-22-16,-21 0 0,0 21 16,0-20-16,21 20 0,-21-21 15</inkml:trace>
+  <inkml:trace contextRef="#ctx0" brushRef="#br0" timeOffset="154440.53">14880 17293 0,'0'-21'0,"0"0"15,0 42 32,-21 0-47,0 0 0,21 1 16,-21-1-16,21 21 0,0-21 0,0 22 15,-22-22-15,22 21 0,0-21 16,0 0-16,0 1 0,0-1 0,0 0 16,0 0-16,0 0 0,22-21 15,-1 0-15,0 0 16,0 0-16,0 0 16,-21-21-16,21 0 0,-21 0 0,0 0 15,0-1-15,0 1 0,0 0 0,0 0 16,0-21-16,0 20 15,-21 1-15,21 0 0,0-21 0,-21 21 16,21-1-16,-21 1 0,21 0 16,0 0-16,0 0 0,21 0 15,0-1-15,0 22 0,1-21 16,-1 21-16,21 0 0,-21 0 16,22 0-16,-22 0 0,21 0 0,0 21 15,-20 1-15,20-1 0,-21 0 16,21 0-16,-20 0 0,-1 22 0,0-22 15,0 21-15,0-21 0,0 22 16,-21-22-16,0 21 0,0-21 16,0 22-16,0-22 0,0 0 0,0 0 15,0 0-15,0 0 0,0 1 16,0-1-16,-21-21 16,0 0-16,21-21 15,0-1-15,0 1 16,0 0-16,0-21 0,0 21 0,0-22 15,0 1-15,0 21 0,0-22 16,0 1-16,0 21 0,21-21 0,-21 20 16,21-20-16,22 21 0,-22 0 0,0 0 15,21-1-15,-20 1 0,20 21 16,-21 0-16,21 0 0,1 0 16,-22 21-16,21 1 0,-21-1 15,1 0-15,-1 0 0,21 21 0,-21 1 16,-21-22-16,21 21 0,1-21 0,-22 22 15,21-1-15,-21-21 0,0 0 16,0 22-16,0-22 0,0 0 0,0 0 16,0 0-16,0 1 15,0-1-15,-21-21 16,-1 0 0,22-21-16,0-1 15,0 1-15,0 0 16,0 0-16,0 0 0</inkml:trace>
+  <inkml:trace contextRef="#ctx0" brushRef="#br0" timeOffset="156756.5">16383 17759 0,'0'0'0,"-21"0"16,0 0-16,21 21 16,0-42-1,0 0 1,0 0-16,0-1 15,0-20-15,0 21 0,0-21 0,21 20 16,0-20-16,0 0 0,-21-1 0,21 1 16,0 0-16,1-1 0,-22 1 15,0 21-15,0-21 0,0 20 16,0 1-16,0 0 0,-22 21 16,22 21-1,-21-21-15,0 21 0,0 1 0,0 20 16,0-21-16,21 0 0,0 0 15,0 22-15,0-22 0,0 0 0,0 21 16,0-20-16,0-1 0,21 0 16,0 21-16,0-21 0,0 1 0,0-1 15,1 0-15,-1 0 0,-21 0 0,21 0 16,-21 1 0,-21-22-1,0 0 1,-1 0-16,1 0 0,0-22 15,0 1-15,0 0 0,0 0 0,-1 0 16,1 21-16,0-21 0,21-1 16,-21 22-16,21 22 15,0-1 1,0 0-16,0 0 0,21 0 0,0 0 16,0 1-16,-21-1 0,22 21 0,-1-21 15,0 0-15,0-21 0,0 22 16,0-1-16,1-21 0,-1 0 0,0 0 15,0 0-15,21 0 16,-20 0-16,-1 0 0,21 0 0,-21-21 16,0-1-16,22 1 0,-22 0 15,0 0-15,0-21 0,0 20 0,1-20 16,20-43-16,-21 22 0,0 21 16,-21-1-16,0-20 0,21 20 15,-21-20-15,22 21 0,-22-1 0,0-20 16,0 20-16,0 1 0,0 21 15,0-21-15,0 20 0,0 1 0,0 42 32,0 22-32,0-22 15,0 21-15,0 1 0,0 20 16,0-21-16,0 1 0,-22-1 16,22 22-16,0-22 0,-21 0 0,21 43 15,0-43-15,0 1 16,0-22-16,0 21 0,0-21 0,0 22 15,0-22-15,21 0 0,1 0 0,-1-21 16,0 21-16,0 0 0,0-21 16,22 0-16,-22 0 0,21 0 0,0 0 15,-20 0-15,20 0 0,0-21 16,1 21-16,-1-21 0,-21 0 0,21 0 16,-20 0-16,-1-1 0,0 1 15,0-21-15,0 21 0,0-22 16,-21 22-16,0-21 0,0 0 0,0 20 15,0 1-15,0 0 0,0 0 16,0 0-16,-21 21 16,0 0-16,0 21 0,0 0 15,-22 0-15,22 0 0,0 1 16,0 20-16,0-21 0,0 0 0,-1 22 16,1-22-16,21 21 0,0-21 15,-21 0-15,21 1 0,0-1 0,0 0 16,0 0-16,0 0 15,21-21-15,0 0 0,1 0 16,-1 0-16,0 0 0,0-21 16,0 21-16,0-21 0,-21 0 15,22 0-15,-1-22 0,0 22 0,0-21 16,-21 21-16,0-22 0,21 1 0,-21 21 16,21-22-16,-21 22 0,0 0 15,22 0-15,-22 42 31,0 0-31,0 0 16,0 1-16,0-1 0,-22 0 0,22 21 16,0-21-16,0 1 15,0-1-15,0 0 0,0 21 0,0-21 16,22 1-16,-1-22 0,-21 21 0,21 0 16,0-21-16,0 0 0,0 21 15,22-21-15,-22 0 0,0 0 0,0 0 16,22-21-16,-22 21 0,0-21 15,0 0-15,0-1 0,0-20 0,1 21 16,-1-21-16,-21-1 16,21 1-16,-21 0 0,21-1 0,-21-41 15,0 20-15,0 22 0,0-1 16,0 1-16,0 0 0,0-1 16,0 1-16,0 0 0,0 21 0,0-1 0,0 1 15,0 42 16,0 1-31,0 20 0,0-21 16,0 21-16,0 1 0,0-1 16,0 0-16,0 1 0,0-1 0,0 22 15,0-22-15,0 0 16,0-21-16,0 22 0,0-1 0,0 0 0,0-20 16,0 20-16,0-21 0,0 0 0,21 0 15,0 1-15,1-1 16,-1-21-16,0 0 0,0 0 15,0 0-15,0-21 16,1 21-16,-1-22 0,0 1 0,-21 0 16,21-21-16,0 21 0,0-1 0,1-20 15,-22 21-15,21-21 0,-21 20 16,21 1-16,-21 0 0,0 42 31,0 0-31,0 1 0,0-1 16,0 0-16,0 0 0,0 0 0,0 0 15,0 1-15,0-1 0,0 0 16,0 0-16,0 0 0,0 0 0,21 1 16,0-22-16,0 0 15,1 21-15,-1-21 0,0 0 0,0 0 16,0 0-16,0 0 0,1-21 16,-1 21-16,-21-22 0,21 1 15,0 0-15,0 0 0,0 0 0,1-22 16,-1 1-16,0 21 0,-21-21 15,21 20-15,0-20 0,0 21 0,22-21 16,-43 20-16,21 1 0,0 21 16,0 0-16,-21 21 15,0 1 1,0-1-16,0 0 16,0 0-1,0-42 32,0 0-47,0 0 16,0-1-16,-21 1 15,21 0 1,-21 21 0,0 0-16,0 0 15,-1 0-15,22 21 0,-21 0 16,0-21-16,21 22 0,-21-1 0,0 21 15,21-21-15,0 0 16,-21 22-16,21-22 0,-22 0 0,22 21 16,0-20-16,0-1 0,0 0 0,0 0 15,0 0-15,0 0 0,22-21 16,-1 22-16,0-22 0,0 0 16,0 0-16,0 0 15,22 0-15,-22 0 0,0-22 0,21 1 16,-20 21-16,-1-21 0,0 0 15,0 21-15,0-21 0,0 0 0,-21-1 16,22 1-16,-1 0 16,-21 0-16,0 0 0,0 0 15,0-1-15</inkml:trace>
+  <inkml:trace contextRef="#ctx0" brushRef="#br0" timeOffset="157132.28">18796 16785 0,'0'21'0,"21"-21"47,0 0-47,-21-21 0,0 0 16,-21 21 31,0 21-32,0 0-15,21 1 16,-21-22 0,21 21-16,-22-21 0,22 21 15,-21-21-15,0 21 0,0-21 0</inkml:trace>
+  <inkml:trace contextRef="#ctx0" brushRef="#br0" timeOffset="157416.81">17949 17187 0,'0'0'0,"21"0"31,1 0-31,20-21 16,-21 0-16,21 21 0,1-21 0,-1 21 15,0-21-15,22 21 0,-22 0 0,1-21 16,-22 21-16,21 0 0,-21 0 16,0 0-16,1 0 0,-44 0 31,1 0-31,0 0 16,0 0-16,-21 0 0,20 0 0,-20 0 15</inkml:trace>
+  <inkml:trace contextRef="#ctx0" brushRef="#br0" timeOffset="157707.66">16700 17103 0,'0'0'0,"22"0"15,-1 0-15,0 0 16,0 0-16,21 0 0,-20 0 0,20 0 16,0 0-16,1 0 0,-1 0 0,0-21 15,1 21-15,-1 0 0,-21 0 16,21 0-16,-20 0 0,-1 0 0,0 0 16,-42 0 15,0 0-31,-22 0 0,22 0 0,-21 0 15,-1 0-15,1 0 0</inkml:trace>
+</inkml:ink>
+</file>
+
+<file path=ppt/ink/ink15.xml><?xml version="1.0" encoding="utf-8"?>
+<inkml:ink xmlns:inkml="http://www.w3.org/2003/InkML">
+  <inkml:definitions>
+    <inkml:context xml:id="ctx0">
+      <inkml:inkSource xml:id="inkSrc0">
+        <inkml:traceFormat>
+          <inkml:channel name="X" type="integer" max="1600" units="cm"/>
+          <inkml:channel name="Y" type="integer" max="900" units="cm"/>
+          <inkml:channel name="T" type="integer" max="2.14748E9" units="dev"/>
+        </inkml:traceFormat>
+        <inkml:channelProperties>
+          <inkml:channelProperty channel="X" name="resolution" value="51.77993" units="1/cm"/>
+          <inkml:channelProperty channel="Y" name="resolution" value="51.72414" units="1/cm"/>
+          <inkml:channelProperty channel="T" name="resolution" value="1" units="1/dev"/>
+        </inkml:channelProperties>
+      </inkml:inkSource>
+      <inkml:timestamp xml:id="ts0" timeString="2021-02-03T14:28:52.073"/>
+    </inkml:context>
+    <inkml:brush xml:id="br0">
+      <inkml:brushProperty name="width" value="0.05292" units="cm"/>
+      <inkml:brushProperty name="height" value="0.05292" units="cm"/>
+      <inkml:brushProperty name="color" value="#FF0000"/>
+    </inkml:brush>
+  </inkml:definitions>
+  <inkml:trace contextRef="#ctx0" brushRef="#br0">5524 826 0,'0'-43'0,"0"86"0,0-128 15,0 64-15,0-22 0,0 22 0,0-21 16,0 21-16,0 0 0,0-1 16,0-20-16,0 21 0,0 0 15,0-22-15,-21 22 16,21 0-16,-21 0 0,21 0 16,-21 21-16,21-21 0,-21 21 15,21 21 1,-21 0-16,21 0 0,0 21 0,0 1 15,-22-1-15,22 22 0,-21-1 16,21 1-16,-21 20 0,21 22 16,0-21-16,-21-1 0,0 107 15,0-106-15,21-1 0,0 1 16,-22-22-16,22 22 0,-21-21 16,21-1-16,-21-21 0,21 1 0,0-1 15,0 0-15,0-20 0,0-1 16,0 0-16,0 0 0,0-42 47,0 0-47,0-22 0,0 22 0,21-21 15,0-22-15,1 22 0</inkml:trace>
+  <inkml:trace contextRef="#ctx0" brushRef="#br0" timeOffset="574.26">5292 974 0,'-22'-21'0,"44"42"0,-65-85 0,22 43 0,21-21 15,0 21-15,0-22 0,0 1 16,0 21-16,0-22 0,21 22 16,0-21-16,22 21 0,-22-22 0,42 22 15,-20 0-15,20-21 0,22 21 16,-22-1-16,22 22 0,-21 0 0,20 0 15,-20 0-15,20 0 0,-20 22 16,-22-1-16,22 21 0,-22-21 16,0 43-16,-20-22 0,-1 22 15,-21-1-15,0 1 0,0 20 16,-43-20-16,22 20 0,-21-20 0,0-22 16,-1 22-16,-20-1 0,20-20 15,-20-1-15,-1-21 0,1 21 0,21-20 16,-22-1-16,22 0 0,-1-21 15,1 0-15,0 0 0,21 0 0,-1 0 16,1 0-16,0 0 0,21-21 16,0 0-16,0-1 0,0 1 0,0 0 15,0 0-15,0 0 0,21 0 16,0 21-16,1 0 16,-1 0-16,0 21 0,0 0 15,0 0-15,0 43 16,1-22-16,-1 0 0,0 1 15,-21-1-15,21 0 0,0 1 0,0-1 16,1-21-16,-1 21 0,0-20 16,21 20-16,43 21 15,-64-63-15,21 0 16,-20 0-16,-1 0 0,21 0 0,-21 0 16,0 0-16,1 0 0,-1-21 15,0 21-15,0-21 0,0 0 0,0 0 16,-21-22-16,0 22 0,22 0 15</inkml:trace>
+  <inkml:trace contextRef="#ctx0" brushRef="#br0" timeOffset="968.26">6329 1566 0,'0'0'0,"0"22"16,-21-22-16,21 21 0,0 0 15,0 0 1,21-21-16,0 0 0,0 0 15,0 0-15,0 0 0,22 0 16,-22-21-16,21 21 0,1-21 0,-1 0 16,21-1-16,-20 22 15,-22-21-15,21 0 0,-21 0 0,1 0 16,-1 21-16,-21-21 0,0-1 16,0 1-16,-21 21 15,-1 0-15,-20 0 0,21 0 16,-21 0-16,-1 21 0,1 1 0,0-1 15,-1 0-15,1 0 0,21 21 16,-22 1-16,22-1 0,-21 0 0,21 1 16,21-1-16,0 0 0,0-20 15,0 20-15,0 0 0,0-21 16,0 1-16,0-1 0,42 21 16,-21-21-16,0-21 0,1 0 15,20 0-15,-21 0 0,21 0 0,1 0 16,-22 0-16,21 0 0,1-21 15,20 0-15,-21-21 0,1 20 0,-1-20 16,22 0-16</inkml:trace>
+  <inkml:trace contextRef="#ctx0" brushRef="#br0" timeOffset="1367.75">7556 720 0,'0'0'0,"0"-43"0,22 22 15,-22 0-15,0 0 0,-22 42 32,1 0-32,21 22 15,-21-1-15,0 21 0,0 1 16,0-1-16,-1 22 0,1-21 0,0 20 16,0 1-16,0 0 0,0 20 15,-1-20-15,22 21 0,0 0 0,-21 84 16,21-105-16,0 21 15,0-22-15,0 22 0,0 0 0,-21-21 16,21 21-16,-21-22 0,0 1 16,21 0-16,-21-1 0,-22 1 0,22 0 15,0-1-15,-21-20 0,20-1 16,-41 43-16,42-64 16,0 43-16,21-64 0,-22 0 15,22 1-15,0-44 31,22 1-31,-1-21 0,0 21 0,0-22 16,0 1-16,0 0 0,22-22 0,-22 1 16,0-1-16,21 1 0,-20-1 15</inkml:trace>
+  <inkml:trace contextRef="#ctx0" brushRef="#br0" timeOffset="1727.17">7345 1715 0,'0'0'0,"0"-43"0,0 22 16,0 0-16,0 0 0,0 0 0,0-1 15,0 1-15,21-21 0,0 21 16,43 0-16,-22-1 0,21 1 16,1 0-16,-1 21 0,1 0 15,-1 0-15,1 0 0,-22 0 0,22 0 16,-43 21-16,21 0 0,-21 22 15,-21-22-15,0 21 0,0-21 0,-42 22 16,21-1-16,-21-21 16,-1 22-16,1-22 0,0 21 0,-1-21 15,-20 0-15,20 1 0,1-1 16,0 0-16,-1 0 0,22 0 0,-21 0 16,21-21-16,0 22 0,-1-1 15,44-21 16,-1 0-31,0 0 0,21-21 16,-21 21-16,22-22 0,-1 1 16</inkml:trace>
+  <inkml:trace contextRef="#ctx0" brushRef="#br0" timeOffset="2185.08">8467 1461 0,'0'0'0,"0"-22"16,-22 22 0,1 0-16,0 0 0,-42 0 15,41 0-15,1 22 0,0-1 16,0 0-16,0 0 0,0 0 16,-1 22-16,1-22 0,21 21 0,0 0 15,-21-20-15,21 20 0,0 0 0,0-21 16,0 22-16,0-22 0,0 0 15,21 0-15,0 0 0,1 1 16,-1-22-16,0 0 0,21 21 0,-21-21 16,22 0-16,-22 0 0,0 0 15,21-21-15,1-1 0,-22 22 0,21-42 16,-21 21-16,22 0 0,-22-22 16,0 1-16,0 0 0,0-1 0,-21 1 15,0 0-15,0-1 0,0 1 16,0 0-16,-21 21 0,0-22 0,0 22 15,0 0-15,0 21 16,-22 0-16,22 0 0,0 0 0,0 0 16,0 0-16,-1 0 0,-20 0 15,42 21-15,-21 0 0,0 0 0,21 1 16,0-1-16,0 0 16,0 0-16,0 0 0,0 0 0,42 1 15,-21-22-15,0 0 16,1 0-16</inkml:trace>
+  <inkml:trace contextRef="#ctx0" brushRef="#br0" timeOffset="2616.94">9017 1482 0,'0'0'0,"0"-21"0,0-1 15,0 1 1,21 21-16,0-21 15,0 21-15,22 0 0,-22 0 16,0 0-16,0 0 0,0 0 0,22 0 16,-22 0-16,0 21 0,0 0 15,0 1-15,1-1 0,-1 21 16,-21-21-16,0 22 0,0-1 0,0-21 16,0 21-16,0 1 0,0-22 15,-21 21-15,-1-21 0,22 1 0,-21-1 16,0 0-16,21 0 0,-21-21 15,21 21-15,0-42 32,0 0-32,0 0 0,0 0 15,21-22-15,-21 1 0,21 0 16,0-1-16,22 1 0,-22 0 0,0-22 16,0 22-16,0-1 0,22 1 15,-22 0-15,0-1 0,0 22 16,0 0-16,-21 0 0,0 0 0,22 0 15,-1-1 1,-21 1 0,21 21-16,0 0 15</inkml:trace>
+  <inkml:trace contextRef="#ctx0" brushRef="#br0" timeOffset="3023.9">10266 656 0,'0'-21'0,"0"0"15,0 0-15,0 0 16,0 42 15,0 0-31,-21 0 0,21 0 0,-22 22 16,1-1-16,0 0 0,0 22 15,0-22-15,0 22 0,-1-1 0,-20 1 16,21-1-16,0 1 0,-22-22 16,22 21-16,0 1 0,-21 42 15,21-64-15,21 0 0,0 1 16,0-1-16,0 0 0,0 1 16,0-22-16,0 0 0,21 0 0,0 0 15,-21 1-15,42-22 0,-21 0 16,1 21-16,-1-21 0,0 0 0,21 0 15,-21 0-15,1 0 0,20-21 16,-21-1-16,0 1 0,22 21 0,-22-21 16,0 0-16,0-21 0,0 20 15,0 1-15,1-21 0,-1 21 0,0-22 16,0 22-16,-21-21 0,21 21 16</inkml:trace>
+  <inkml:trace contextRef="#ctx0" brushRef="#br0" timeOffset="3315.86">9927 1037 0,'0'-21'16,"21"0"-1,0 21-15,1 0 16,20-21-16,0 21 0,1-21 15,-1 21-15,0-22 0,22 22 0,-22-21 16,22 21-16,-22 0 0,0-21 16,1 21-16,-1 0 0,0 0 0,-21 0 15,1-21-15,-1 21 16,0 0-16,-42 0 47,0 21-47</inkml:trace>
+  <inkml:trace contextRef="#ctx0" brushRef="#br0" timeOffset="3990.99">4953 2201 0,'0'0'0,"-21"0"0,21 22 15,0-1 1,21-21 0,0 0-16,21 0 0,1 21 0,-1-21 15,22 0-15,-1 0 0,22 0 16,-1 0-16,1 0 0,21 0 0,0 0 16,21 0-16,-21 0 15,21 0-15,148 0 0,-127 0 16,0 0-16,0 0 0,22 0 15,-22 0-15,21 0 0,-21-21 0,22 21 16,-1 0-16,-21-21 0,0 21 16,-21 0-16,21-22 0,-21 22 15,0 0-15,0 0 0,0-21 0,0 21 0,-21-21 16,-21 21-16,0 0 16,-1-21-16,-20 21 0,-1 0 0,-20 0 0,-1 0 15,-21 0-15,0 0 16,0 0-16,-42 0 31,0 0-31,0 0 0,-21 0 0,20 0 16,-20 0-16,-21 0 0,20 0 0</inkml:trace>
+  <inkml:trace contextRef="#ctx0" brushRef="#br0" timeOffset="4607.64">4995 2455 0,'0'0'0,"-21"-21"0,0 21 0,21-21 15,-21 21-15,0-21 16,21 0 15,21 21-15,0 0-16,0 0 15,21 0-15,1 0 0,-1 0 0,0 0 16,22 0-16,-1 21 0,1-21 16,21 0-16,-1 0 0,22 0 0,0 0 15,21 0-15,0 0 0,0 0 16,0 0-16,21 0 0,170 0 16,-170 0-16,0 0 0,0 0 15,0 0-15,170 0 16,-170 0-16,0 0 0,-21 0 15,0 0-15,0-21 0,-21 21 0,0-21 16,0 21-16,-22-22 0,1 22 16,0 0-16,-1-21 0,-20 21 0,-1 0 15,1 0-15,-22-21 0,0 21 0,-20 0 16,-1 0-16,0 0 0,0 0 16,0 0-16,-42 0 46,0 0-46,0 0 16,0 0-16,-1 0 16</inkml:trace>
+  <inkml:trace contextRef="#ctx0" brushRef="#br0" timeOffset="10039.41">1736 3704 0,'0'0'0,"-43"-21"16,22 21 0,21 21-16,-21-21 15,21 21-15,0 1 0,0-1 16,0 0-16,0 0 16,21 0-16,-21 0 0,21-21 15,0 22-15,1-22 0,-1 21 16,0-21-16,0 0 15,0 0-15,0 0 0,22 0 0,-22 0 16,0-21-16,0 21 16,22-22-16,-22 22 0,0-21 0,21 0 15,-21 0-15,1 0 0,-1 0 16,0-1-16,0 1 0,0-21 0,0 21 16,-21 0-16,0-22 0,0 22 15,0-21-15,0 21 0,0-1 16,0 1-16,0 0 0,-21 0 0,0 0 15,0 0-15,0 21 0,0 0 16,-1 0-16,1 0 0,-21 0 0,21 0 16,-22 21-16,1 0 0,21 21 15,-21-21-15,-1 1 0,-20 20 16,20 0-16,1 1 0,0-1 16,-22 21-16,43-20 15,0-1-15,0-21 0,21 22 0,0-22 16,0 21-16,0-21 0,0 0 15,21 1-15,0-1 0,0 0 16,0 0-16,22 0 0,-22-21 0,21 0 16,1 0-16,-22 0 15,21 0-15,-21 0 0,22 0 0,-22 0 0,0 0 16,0 0-16,0 0 0,-21-21 31,-21 21-15,-21 21-1,21-21-15,-1 21 0,1 1 0,-21 20 16,21-21-16,-22 0 0,22 22 16,0-22-16,-21 21 0,21-21 0,-1 43 15,22-22-15,0-21 16,0 0-16,0 1 0,0-1 16,0 0-16,0 0 0,22-21 0,-22 21 15,21-21-15,0 0 0,0 0 16,0 0-16,0 0 0,1 0 0,-1 0 15,0 0-15,0-21 16,0 0-16,0 21 0,1-21 16,-1-22-16,0 22 0,0 0 15,0-21-15,0 21 0,1-22 16,-1 1-16,21 21 0,-21-22 0,22 1 16,-1 21-16,0 0 0,-21 0 15,22-1-15,-1 1 0,0 21 16,1 0-16,-22 0 0,21 0 0,-21 0 15,1 21-15,-1 1 0,-21-1 0,0 0 16,0 0-16,0 21 0,0-20 16,0 20-16,-21-21 0,-1 21 0,1-20 15,0 20-15,-21-21 0,21 0 16,-1 22-16,1-22 0,0 0 16,0-21-16,21 21 0,0 0 15,-21-21-15,42-21 31,0 0-31,0 0 16,0 0-16,22-1 0,-22 1 0,21-21 16,-21 21-16,22-22 0,-1 22 15,-21-21-15,22 0 0,-1 20 16,-21-20-16,0 21 0,22-21 0,-43 20 16,21-20-16,-21 21 0,21 0 0,-21 0 15,0-1-15,0 1 16,-21 21 15,0 21-31,-1 1 0,1 20 16,0-21-16,0 21 0,21-20 15,-21 20-15,0 0 0,-1 1 0,1-1 16,21-21-16,0 21 0,0 1 16,0-22-16,0 0 0,0 21 0,0-20 15,0-1-15,21 0 0,22 0 16,-22 0-16,0-21 0,21 21 0,1-21 15,-1 0-15,0 0 0,1 0 16,-1 0-16,22 0 0,-22 0 0,21-21 16,1 0-16,-22 0 15,22 0-15,-22-22 0,0 22 0,1-21 16,-1 21-16,0-22 0,-20 1 16,-1 0-16,0-1 0,0 1 0,-21-43 15,0 64-15,0 0 16,0-21-16,0 21 0,-21 21 15,0 0-15,0 0 0,-1 0 16,1 21-16,0 21 0,0-21 16,21 0-16,-21 22 0,21-1 15,-21 0-15,21-20 0,0 20 16,0 0-16,0-21 0,0 22 16,0-22-16,21 0 0,0 0 0,-21 0 15,21 1-15,0-1 0,22-21 0,-22 0 16,0 0-16,21 0 0,-21 0 15,1 0-15,41 0 0,-21 0 16,-20-21-16,-1-1 0,0 1 16,21 0-16,-21 0 0,1-21 0,-1-1 15,0 22-15,0-21 0,0-1 16,0 22-16,1-21 0,-22 21 0,21 0 16,0-1-16,0-20 15,0 42-15,0 0 16,1 21-1,-22 0-15,21 1 16,-21-1-16,0 0 16,0-42 31,0 0-47,0-1 15,0 1-15,0 0 16,0 0-16,0 0 0,-21 0 15,-1 21 1,1 0 0,0 0-16,0 21 15,21 0-15,0 0 0,-42 21 16,20 1-16,22-1 0,-21-21 16,21 22-16,0-1 0,-21-21 0,21 21 15,0-20-15,0 20 0,0-21 16,0 21-16,0-20 0,0-1 0,21 0 15,0-21-15,1 21 0,41 0 16,-42-21-16,22 0 0,-22 0 16,21 0-16,-21 0 0,22 0 0,-22 0 15,21-21-15,-21 21 16,22-21-16,-22 0 0,21 0 0,-21-1 16,22-41-16,-22 42 15,0-22-15,0 1 0,0 21 0,-21-21 16,0-1-16,21 22 0,-21-21 15,0 21-15,22-1 0,-22 1 16,0 42 0,0 1-1,0-1-15,0 21 0,-22-21 0,1 22 16,21-22-16,-21 21 0,21-21 16,0 22-16,0-22 0,0 21 0,0-21 15,0 0-15,0 1 16,0-1-16,0 0 0,0 0 0,0 0 15,21-21-15,0 0 0,1 0 16,-1 0-16,0 0 16,0 0-16,21-21 0,-20 21 0,-1-21 15,0 0-15,0 0 0,0-22 16,0 22-16,1 0 0,-22-21 0,21-1 16,0 22-16,-21-21 0,21-1 15,-21 22-15,0 0 0,21 0 0,-21 0 16,21 0-16,-21 42 31,0 0-31,0 0 0,0 0 16,0 22-16,0-22 15,0 0-15,0 21 0,0-21 0,0 22 16,0-22-16,0 0 0,0 0 0,0 0 16,0 1-16,0-1 0,0 0 15,22 0-15,-1-21 0,0 0 16,0 0-16,0 0 15,0 0-15,1 0 0,-1-21 16,0 0-16,0 0 0,-21-1 0,21 1 16,0-21-16,1 0 15,-1-1-15,-21-20 0,21 20 0,0-20 16,-21-1-16,0 1 0,21-1 16,0 1-16,-21-1 0,22 1 0,-22-1 15,21-41-15,-21 62 16,0 22-16,21-42 15,-21 84 1,-21 0-16,0 21 16,21 1-16,-22-1 0,1 0 15,0 1-15,21 20 0,0 1 0,-21-22 16,0 21-16,21 1 0,0-1 0,0-20 16,0 20-16,0-20 0,0-1 15,0 0-15,0 1 0,0-22 0,0 21 16,0-21-16,21 0 15,0 1-15,0-1 0,-21 0 0,21-21 16,1 0-16,20 0 0,-21 0 0,0 0 16,0 0-16,1 0 0,20 0 15,-21-21-15,0 0 0,0 21 0,1-22 16,20-20-16,-21 21 0,0 0 16,0-22-16,1 1 0,-1 0 0,0-1 15,0 22-15,-21-21 0,21 21 16,0-43-16,-21 43 15,0 42 1,0 22 0,0-22-16,0 0 0,0 21 15,0-21-15,0 22 0,0-1 16,0-21-16,0 22 0,0-22 0,0 0 16,0 21-16,0-21 0,0 1 0,0-1 15,22 0-15,-1-21 16,0 0-16,0 0 0,21 0 15,-20 0-15,-1 0 0,0 0 0,0 0 16,0-21-16,0 0 0,1-1 16,-1 1-16,0 0 0,0-21 15,0 21-15,0-22 0,1 22 16,-22-21-16,0 21 0,21-1 0,-21 1 16,21 0-16,-21 42 31,0 0-31,0 1 15,0-1-15,0 0 0,-21 0 16,21 21-16,0-20 0,0-1 0,0 0 16,0 0-16,0 0 0,0 0 15,0 1-15,0-1 0,21-21 16,0 0-16,0 21 0,0-21 16,1 0-16,-1 0 0,0 0 15,0-21-15,0 0 16,-21-1-16,21 1 0,-21 0 15,0-21-15,0 21 0,0-1 16,0-20-16,0 21 0,0-21 0,-21 20 16,0 1-16,0 0 0,0 0 15,21 0-15,-21 21 0,-1 0 0,1-21 16,0 21 0,21-22-1,21 22-15,0 0 16,1-21-16,20 21 0,0-21 15,-21 21-15,22-21 0,63 21 16,-64 0-16,0-21 0,1 21 16,-1 0-16,0 0 0,1 0 15,-22 0-15,0 21 0,0-21 0,0 21 16,0 0-16,-21 0 0,22 1 16,-22 20-16,0 0 0,0-21 15,0 1-15,0-1 0,0 21 16,0-21-16,0 0 0,-43 43 15,22-43-15,0 0 0,21 0 16,-21 1-16,0-22 16,-1 21-16,22-42 47,0-1-47,0 1 15,0 0-15,0 0 0,22 0 16,-1-22-16,0 22 0,0-21 0,0 0 15,0-22-15,1 22 0,20-1 16,-21-20-16,21 21 0,43-22 16,-43 43-16,43 0 0,-43 21 15,1 0-15,-22 0 16,21 21-16,-21 0 0,1 0 0,-1 22 16,0 20-16,-21-21 0,0 1 15,0-1-15,0 0 0,0 1 16,0-22-16,-21 21 0,0-21 0,21 1 15,-22 20-15,1-21 0,21 0 0,-21-21 16,21 21-16,0 1 0,0-44 47,0 1-31,0 0-16,0 0 0,0-21 0,0 20 15</inkml:trace>
+  <inkml:trace contextRef="#ctx0" brushRef="#br0" timeOffset="10273.84">7048 3535 0,'0'0'0,"-21"0"0,0 0 16,0 0 46,0 0-46,0 0-16,-1 0 0,1 0 16</inkml:trace>
+  <inkml:trace contextRef="#ctx0" brushRef="#br0" timeOffset="10526.72">5461 3852 0,'0'0'16,"-21"22"-16,0-1 0,-1-21 0,22 21 0,22-21 31,-1 0-31,21 0 0,0 0 0,1 0 16,-1 0-16,0 0 15,64 0-15,-21 0 16,-43-21-16,1 21 0,-1 0 0,-21 0 16,0 0-16,0 0 0,1 0 15,-22-21-15,21 21 0,-21-22 16,0 1 0</inkml:trace>
+  <inkml:trace contextRef="#ctx0" brushRef="#br0" timeOffset="12239.68">9356 3662 0,'0'0'0,"21"-21"15,0 0-15,0-1 0,0-20 0,0 21 16,1 0-16,-1-22 16,21 22-16,-21-21 0,0 21 0,1-22 0,-22 1 15,21 21-15,-21-21 16,0-1-16,0 22 0,0-21 0,0 21 15,-21-1-15,-1-20 0,1 21 16,0 0-16,-21 0 0,21 21 0,-22 0 16,1 0-16,0 0 0,-22 0 0,22 0 15,-22 0-15,1 42 0,-1-21 16,-63 64-16,64-22 0,-1 1 16,1-1-16,-1 1 0,22 20 15,0 1-15,-1 0 0,1-1 0,21 22 16,0-21-16,21 0 0,0-1 15,0 1-15,0-22 0,0 22 0,21-43 16,0 22-16,0-22 0,21 1 16,1-1-16,-1-21 0,0 0 15,22 0-15,-1 1 0,1-22 0,-1 0 16,1 0-16,-1 0 0,1-22 16,-1 1-16,22 0 0,-21 0 0,-1 0 15,1 0-15,-1-22 0,-21 1 16,22 21-16,-22-22 0,1 1 15,-1 0-15,-21-22 0,-21 22 0,0 0 16,0-1-16,0 1 0,0 21 0,0 0 16,0-1-16,-21 1 0,0 21 0,0 0 15,-1 0-15,1 0 0,0 21 16,-21 1-16,21 20 0,-1 0 16,1-21-16,-21 22 0,21-1 0,21 0 15,-21 1-15,21-1 0,-22 0 16,22 1-16,0-22 0,0 21 0,0-21 15,0 1-15,0-1 0,22 0 0,-1-21 16,21 21-16,-21-21 0,22 0 16,-1 0-16,0 0 0,22 0 0,-22-21 15,22 21-15,-1-21 0,-21 0 16,22-1-16,-22 1 0,1 0 16,-1-21-16,0 21 0,-21-22 0,-21 1 0,0 0 15,0-1-15,0 1 16,0 0-16,-21-1 0,-21 1 0,21 21 15,-22-22-15,1 22 0,0 21 0,-1 0 16,1 0-16,0 0 0,-1 0 16,-20 0-16,21 21 0,20 1 0,-20 20 15,0 0-15,21 1 0,-1-1 16,22-21-16,0 21 0,0 1 0,0-1 16,0-21-16,22 22 0,20-22 15,-21 0-15,21 0 0,1-21 16,-1 21-16,22-21 0,-22 0 0,21 0 0,-20 0 15,20 0-15,-20-21 0,20 0 16,-21 0-16,22 0 0,-22-1 0,1 1 16,-1 0-16,-21-21 0,21 21 15,-20-22-15,-22 22 0,21-21 16,-21-1-16,0 22 0,0 0 0,0 0 16,0 0-16,0 0 0,0 42 15,0 0 1,0 0-16,0 0 0,0 0 0,0 22 15,0-22-15,0 21 0,0-21 16,0 1-16,0 20 0,0-21 0,0 0 16,0 0-16,0 1 15,0-1-15,0 0 0,0 0 0,-21-21 16,21 21-16,0 0 0,0-42 47,0 0-47,0 0 0,0 0 0,0 0 15,0-22-15,0 22 0,0-21 16,0-1-16,0 1 0,21 0 0,0-1 16,0 1-16,21 0 15,-20-1-15,-1 22 0,21 0 0,-21 0 0,22 21 16,-1 0-16,0 0 0,-21 0 16,22 21-16,-1 0 0,-21 0 0,22 22 15,-22-22-15,0 21 0,0 1 0,-21-1 16,0-21-16,0 21 15,0-20-15,0 20 0,0-21 0,0 0 16,0 0-16,0 1 0,0-1 0,-21 0 16,0-21-16,0 21 15,-1-21-15,1 0 16,21-21-16,0 0 16,0 0-16,0-1 0,0-20 15,0 21-15,21-21 0,-21-1 0,22 1 16,20 0-16,-21-22 0,0 22 15,22-1-15,-1 1 0,0 21 16,1 0-16,20 0 0,-21 21 16,1 0-16,-1 21 0,-21 0 15,22 21-15,-22 1 0,0 20 16,-21-21-16,0 1 0,0-22 0,0 21 16,0 1-16,0-22 0,0 21 15,-21-21-15,21 0 0,-21 1 0,-1-1 16,22 0-16,-21 0 0,21 0 15,0-42 17,0 0-32</inkml:trace>
+  <inkml:trace contextRef="#ctx0" brushRef="#br0" timeOffset="12705.44">11896 3662 0,'0'-21'0,"0"42"0,-22-63 0,1 20 16,0 22 0,21 43-1,0-22-15,0 21 0,0 1 16,0 20-16,0 1 0,0-1 16,0 22-16,0-22 0,0 22 0,0 0 15,0-1-15,0 1 0,0 0 0,0-1 16,-21 1-16,21 21 0,0-22 15,-21 1-15,21 0 0,0-1 0,0 1 16,0-21-16,0 20 0,0-20 0,0-1 16,-21 1-16,21-22 15,0 22-15,0-22 0,0 0 0,0-21 16,0 1-16,0-1 0,0 0 0,21-21 16,-21-21-1,21 0-15,-21-1 16,21 1-16,-21-21 0,0 0 0,0-1 15,21 1-15,0 0 0</inkml:trace>
+  <inkml:trace contextRef="#ctx0" brushRef="#br0" timeOffset="13028.41">11874 4085 0,'0'0'0,"-21"-42"0,21 0 0,0-1 16,0 1-16,0 21 0,0-22 15,21 22-15,1 0 0,20 0 0,0 0 16,1 0-16,20-1 0,1 22 0,-1 0 16,-21 0-16,22 0 0,-1 0 15,-20 0-15,-1 0 0,0 22 0,-20 20 16,-1-21-16,0 0 0,-21 22 16,0-1-16,0-21 0,-21 21 0,-22 1 15,22-1-15,-21 0 0,0 1 16,20-22-16,-20 21 0,0-21 15,-1 1-15,22-1 0,-21 0 0,21-21 16,0 0-16,-1 0 0,22-21 31,22 21-31,-1-21 0,0-1 16,0 22-16,0-21 0,22 21 16,-22 0-16</inkml:trace>
+  <inkml:trace contextRef="#ctx0" brushRef="#br0" timeOffset="14739.76">12679 4233 0,'0'0'0,"63"0"16,-42 0-16,1 0 15,-1 0-15,0-21 0,-21 0 16,21 0-16,0 0 0,0 0 0,1-22 16,-1 1-16,0 0 0,0-1 0,0 1 15,-21 0-15,21-22 0,1 1 16,-22-1-16,21 1 0,-21-1 0,0 1 15,0-1-15,0 1 0,0 20 16,0 1-16,0 0 0,0-1 16,0 22-16,0 0 0,-21 21 15,-1 0-15,22 21 16,-21 21-16,0-20 0,0 41 0,0-21 16,0 22-16,-1-1 0,22 1 15,-21-1-15,21 1 0,-21-1 0,21-20 16,0 20-16,0 1 0,0-1 15,0-20-15,0 20 0,21-21 0,0 1 16,1-1-16,20-21 0,-21 22 0,21-22 16,1 0-16,-22-21 0,21 0 15,22 0-15,-22 0 0,0 0 0,1 0 16,-1-21-16,0 21 0,1-21 16,-1-22-16,0 22 0,-20-21 0,-1 21 15,21-22-15,-42 1 0,21 0 16,-21-1-16,21 1 0,-21 0 0,0 20 15,0 1-15,0 0 0,0 0 16,-21 21 0,0 21-16,21 0 15,0 22-15,-21-22 0,21 0 0,-21 21 16,21 1-16,0-22 0,0 21 16,0-21-16,0 22 0,0-22 0,0 21 15,0-21-15,0 0 0,21-21 16,0 22-16,0-1 0,0-21 15,1 0-15,-1 0 0,0 0 0,0 0 16,21 0-16,-20-21 0,20-1 16,0 1-16,-21 0 0,22 0 0,-1-21 15,0-1-15,-20 1 0,20 0 16,-21-22-16,21 22 0,-20-22 0,-1 1 16,0-1-16,0-20 0,-21 20 0,0 1 15,21-22-15,-21 21 0,0 1 16,0-1-16,0 22 0,0 0 0,0-1 15,0 22-15,0 0 0,-21 21 16,0 21 0,21 0-16,-21 1 0,0 20 15,21 0-15,0 22 0,0-1 0,0-20 16,-22 20-16,22 1 0,0-1 16,0 1-16,0-22 0,0 21 15,0-20-15,0 20 0,0-20 0,0-1 16,0 0-16,0 1 0,22-1 15,-1-21-15,0 0 0,0 22 0,0-43 16,22 21-16,-22 0 0,0-21 0,21 0 16,22 0-1,-43 0-15,21-21 0,-21 0 0,22-1 0,-1 1 16,-21-21-16,0 21 0,22-22 16,-22 22-16,-21-21 0,21 0 15,-21 20-15,21-20 0,-21 21 0,0-21 0,0 20 16,0 1-16,-21 21 15,0 0 1,0 21-16,0-21 16,-1 22-16,22-1 0,-21 21 0,21-21 15,-21 0-15,21 22 0,0-22 0,0 21 16,0-21-16,0 22 0,0-22 16,0 0-16,0 0 0,21 22 0,0-22 15,1 0-15,-1-21 0,0 21 16,0 0-16,21-21 0,1 0 0,-22 0 15,64 0-15,-43 0 16,21 0-16,-20 0 0,20-21 0,-20 0 16,-1 0-16,0 0 0,1-1 15,-1 1-15,0-21 0,-21 21 16,1-22-16,-1 1 0,0 21 0,-21-21 16,21 20-16,-21-20 0,0-21 15,0 41-15,-21 1 0,0 0 16,0 21-16,-1 0 0,1 0 0,0 0 15,-21 0-15,21 0 0,-22 0 16,22 21-16,-21 0 0,21 1 0,-1 20 16,1-21-16,-21 0 0,42 22 0,-21-1 15,21-21-15,-21 21 16,21-20-16,0 20 0,0-21 0,0 21 0,0-20 16,21-1-16,0 0 0,0 0 15,0-21-15,0 21 0,1-21 16,-1 0-16,0 0 0,0 0 0,0 0 15,22 0-15,-22-21 0,0 0 16,21 0-16,-21 0 0,22-22 0,-1 1 16,-21 0-16,22-1 0,-1-20 0,0-1 15,1 1-15,-1-1 16,-21-20-16,21-1 0,1 0 0,-22 1 16,21-1-16,-21 21 0,1-20 0,-1 20 15,0 1-15,-21-1 0,0 22 16,21 0-16,-21-1 0,0 1 15,0 21-15,0 0 0,-21 21 16,0 0 0,0 42-16,21-21 0,-22 21 0,1-20 15,0 41-15,0-21 0,0 22 16,0-1-16,-1 1 0,1 21 0,0-22 16,0 22-16,0-1 0,21-20 0,0-1 15,0 22-15,0-21 0,0-1 16,0-21-16,0 22 0,0-22 0,0 1 15,21-1-15,0 0 16,-21 1-16,21-22 0,0 0 0,1 0 16,20 0-16,-21-21 0,0 0 0,0 0 15,22 0-15,-22 0 0,21 0 16,1 0-16,-22-21 0,21 0 0,0 0 16,1 0-16,-22-1 0,21 1 15,1 0-15,-1-21 0,-21 21 0,21-1 16,-20 1-16,-1 0 0,-21 0 15,0 0-15,0 0 0,0-1 16,0 1-16,-21 0 0,-1 21 0,-20-42 16,0 21-1</inkml:trace>
+  <inkml:trace contextRef="#ctx0" brushRef="#br0" timeOffset="15024.23">14287 3471 0,'0'0'15,"-63"0"-15,42 0 0,0 0 0,-1 0 16,44 0 0,-1 0-16,21-21 0,0 21 15,22 0-15,-22-21 0,22 21 16,-1 0-16,1-21 0,20 21 15,-20 0-15,-1-21 0,1 21 0,-22 0 16,22 0-16,-22-21 0,0 21 0,1 0 16,-22 0-16,0 0 0,0 0 15,-42 0 1,0 0-16,0 21 0,-22 0 16</inkml:trace>
+  <inkml:trace contextRef="#ctx0" brushRef="#br0" timeOffset="15748.27">6181 5165 0,'0'-21'0,"0"42"0,0-85 0,21 22 0,-21-43 16,0 43-16,0 21 15,0 0-15,0-22 0,0 22 16,0 42-1,0 0-15,0 22 16,0 20-16,-21-20 0,21 20 16,0 1-16,0-1 0,-22 22 15,22-22-15,-21 22 0,0 0 0,0-22 16,21 22-16,0-22 0,-21 1 16,0-1-16,21 1 0,-22-22 0,22 0 15,0 1-15,0-1 0,-21-21 0,21 0 16,0 22-16,-21-22 0,21 0 15,0 0-15,-21 0 16,0-21 0,0 0-16,-1-21 0,1 0 15</inkml:trace>
+  <inkml:trace contextRef="#ctx0" brushRef="#br0" timeOffset="16064.09">5503 5779 0,'0'0'0,"-21"-22"16,42 22-1,0 0-15,1 22 16,-1-1-16,21 0 0,-21 0 0,22 0 16,-22 0-16,0 22 0,21-22 15,-21 21-15,1 1 0,-1-1 16,0 0-16,0-21 0,-21 22 0,21 20 15,-21-20-15,0-22 16,21 21-16,-21-21 0,0 0 0,0 1 16,0-1-16,0 0 0,0 0 15,22-21 1,-22-21 0,21 21-16,-21-21 15,0 0-15,21-22 0,0 22 0,-21 0 16,21-21-16,0 20 0</inkml:trace>
+  <inkml:trace contextRef="#ctx0" brushRef="#br0" timeOffset="16311.95">6710 5715 0,'-64'21'16,"22"22"-16,21-22 0,-22 21 15,1 0-15,0-20 0,21 20 16,-22 0-16,1 1 0,0-1 16,-1 0-16,1 1 0,0-1 0,-1 0 15,1-21-15,0 22 0,20-22 16,-20 0-16,21 21 0,0-42 0,21 22 16,0-1-16,-21-21 0,21-21 31</inkml:trace>
+  <inkml:trace contextRef="#ctx0" brushRef="#br0" timeOffset="16399.91">5842 6329 0,'0'0'0,"-42"21"0,-1 21 0,-20 1 0,-43 20 16</inkml:trace>
+  <inkml:trace contextRef="#ctx0" brushRef="#br0" timeOffset="17230.95">3725 6985 0,'0'0'0,"-21"0"0,0 0 0,0 0 15,0 0-15,-1 0 0,1 0 0,0 0 16,0 0-16,21-21 16,0 0-16,0 0 0,0-1 15,0 1-15,21 0 0,21 0 0,-20-21 16,20 20-16,0-20 0,22 21 16,-22 0-16,22 0 0,-1-1 0,-21 22 15,22 0-15,-1 0 0,-20 0 16,20 22-16,-20 20 0,-1 0 15,0 1-15,-21-1 0,1 0 16,-22 22-16,0-22 0,0 22 0,0-1 16,-22 1-16,1-1 0,-21 1 15,21-22-15,-22 21 0,22-20 0,-21-1 16,21-21-16,0 22 0,-1-22 0,1 0 16,0-21-16,21-21 31,0 0-31,0-1 0,21-20 15,0 0-15,1-1 0,-1 1 16,-21-21-16,42-1 0,-21 1 0,0-1 0,1 1 16,20-1-16,-21 1 15,0-1-15,22 22 0,-22-1 0,0 1 16,21 0-16,-21 21 0,-21-1 16,0 1-16,22 21 0,-22 21 31,0 1-31,0-1 0,0 0 15,0 0 1,0 0-16,21 0 16</inkml:trace>
+  <inkml:trace contextRef="#ctx0" brushRef="#br0" timeOffset="17639.71">4678 7133 0,'0'21'0,"0"-42"0,21 64 16,0-22-16,0-21 16,0 0-16,1 0 0,20 0 0,-21 0 15,21-21-15,-20 21 0,20-22 16,-21 1-16,21 0 0,1 0 16,-22 0-16,0 0 0,0-1 0,0 1 15,1 0-15,-1 0 0,-21 0 0,0 0 16,0-22-16,0 22 0,0 0 15,0 0-15,-21 21 0,-1-21 16,1 21-16,0 0 0,0 0 0,0 0 16,0 21-16,-1 0 0,1 0 0,0 0 15,0 22-15,0-22 0,0 21 16,-1 22-16,1-22 0,0 0 16,21 22-16,0-22 0,0 0 0,0 1 15,0-1-15,0 0 0,0 1 0,0-22 16,0 0-16,0 0 0,21 0 0,0 1 15,1-22-15,-1 0 0,21 0 16,-21 0-16,22 0 0,-22 0 0,21-22 16,0 22-16,1-21 15,-1-21-15,0 21 0,1 0 0,-1-22 16,22 1-16,-22 0 0</inkml:trace>
+  <inkml:trace contextRef="#ctx0" brushRef="#br0" timeOffset="19507.66">5778 6689 0,'0'0'0,"0"-21"0,0-22 16,0 22-16,0 0 0,0 0 16,-21 21-16,21-21 0,-21 21 0,0 0 15,21 21 1,0 0-16,-21 0 0,21 0 0,-21 22 16,21-1-16,0 0 0,0 1 15,-22 20-15,22-21 0,-21 22 0,0-1 16,21 1-16,-21 21 0,0-22 15,0 22-15,-1-1 0,1-20 0,0 21 16,0-1-16,0 1 0,21 0 0,-21-1 16,-1 1-16,1 0 0,21-1 15,0 1-15,-21 0 0,21-1 0,-21-20 16,21-1-16,0 1 0,0-1 0,0 1 16,0-22-16,0 22 0,0-22 15,0-21-15,0 21 0,0-20 16,21-1-16,0 0 0,0-21 15,1 0-15,-1 0 0,21 0 0,-21 0 0,22-21 16,-22 0-16,21-1 0,-21-20 16,22 21-16,-22-21 0,21 20 0,-21-20 15,0 0-15,1-1 0,-1 1 0,0 0 16,-21-1-16,0 1 0,0 0 16,0-22-16,0 1 0,-21 20 0,0-20 15,-43-43-15,22 64 0,-1-22 16,1 22-16,0 0 0,-1-1 15,1 22-15,0 0 0,-1 0 0,22 0 16,-21-1-16,21 22 0,0-21 16,-1 21-16,22-21 0,-21 21 15,21-21-15,0 0 16,21 0-16,1 21 0,-1-22 0,0 1 16,21 21-16,-21-21 0,22 0 15,-1-21-15,0 20 0,1 1 0,20-21 16,-20 21-16,-1-22 0,21 22 15,-20-21-15,-1 21 0,0-22 0,-20 22 16,-1 0-16,0 0 0,0 0 16,-21 0-16,21 21 0,-21-22 15,0 44 17,-21-22-32,21 21 0,0 0 0,0 0 15,0 21-15,0-20 0,0-1 0,0 21 16,0-21-16,0 22 0,0-22 15,0 0-15,0 0 0,21 0 0,0 0 16,-21 1-16,22-22 0,-1 21 0,0-21 16,0 0-16,0 0 0,0 0 15,1 0-15,-1 0 0,0 0 16,0 0-16,0-21 0,22 21 0,-22-22 0,21 1 16,-21-21-16,22 21 0,-22-22 15,0 22-15,0-21 0,0 0 16,0 20-16,-21-20 0,0 21 15,0 0-15,0 0 0,0-1 0,0 1 16,0 0-16,-21 21 16,0 0-1,0 0-15,0 21 0,21 0 16,-21 1-16,21-1 0,0 21 0,-22-21 16,22 0-16,0 22 0,0-22 15,0 0-15,0 0 0,0 0 0,0 22 16,22-22-16,-1 0 15,0 0-15,0-21 0,0 0 0,0 0 16,1 0-16,20 0 0,-21 0 16,21 0-16,1-21 0,-1 21 15,0-21-15,1 0 0,-1-22 0,22 22 16,-22-21-16,-21 21 0,21-22 16,1 1-16,-22 0 0,21-1 0,-21 1 15,1 21-15,-22-21 0,0-1 16,0 22-16,-22 21 15,1 0 1,0 21-16,0 0 0,0 1 16,21-1-16,0 0 0,0 0 15,0 21-15,0-20 0,0-1 0,0 21 16,0-21-16,0 0 0,21 1 16,0-1-16,-21 0 0,21 0 15,-21 0-15,21-21 0,-21 21 0,22 1 16,-22-1-1,-22-21 17,1 0-32,0-21 0,0-1 0,0 22 15,21-21-15,-21 21 16,-1 0-16,22 21 31,22 1-15,-1-1-16,0-21 0,0 21 15,0-21-15,0 0 0,1 0 0,-1 21 16,0-21-16,21 0 0,-21 0 16,22 0-16,-1 0 0,0 0 0,-20-21 15,20 21-15,0-21 0,-21 0 0,22 21 16,-22-22-16,0-20 0,0 21 16,0 0-16,1-22 0,-1 1 0,-21 0 15,0-22-15,0 22 0,0 0 16,0-22-16,0 1 0,0 20 0,0-20 15,21 20-15,-21-20 0,0 21 0,21-1 16,-21 22-16,0 0 16,0 0-16,0 0 0,0 42 15,0 0 1,0 0-16,0 21 0,0-20 16,-21 20-16,0 0 0,0 43 0,21-43 15,0 1-15,-22-1 0,22 0 16,-21 1-16,21-1 0,0 0 0,0-21 15,0 22-15,0-1 0,0-21 16,0 0-16,-21 1 0,21-1 16,0 0-16,0 0 0,0-42 31,0 0-15,0 0-16,21-1 0,-21-20 0,21 21 15,1-21-15,-1-1 0,0 22 16,21-42-16,-21 20 15,1 22-15,-1 0 0,0 21 0,42-21 16,-41 21-16,-1 0 0,0 0 16,0 0-16,-21 21 0,21 0 0,-21 0 15,21 0-15,-21 1 0,0 20 16,0-21-16,0 21 0,0-20 16,0-1-16,0 21 0,0-21 0,0 22 0,0-22 15,0 0-15,0 0 0,0 0 0,0 0 16,0 1-1,0-1 1,0-42 0,0-1-1,0 1-15,0 0 0,0 0 0,0-21 16</inkml:trace>
+  <inkml:trace contextRef="#ctx0" brushRef="#br0" timeOffset="20059.59">9948 6604 0,'0'0'0,"0"-21"0,0-43 15,0 43-15,0 0 16,0 0-16,0 42 16,-21 0-1,21 0-15,0 22 0,0 41 16,-21-41-16,21 20 15,0-20-15,0 20 0,0-21 0,0 1 16,-21 20-16,21-20 0,-21 20 0,21-21 16,0 1-16,0-1 0,0 0 0,0-20 15,0 20-15,0-21 0,0 0 16,0 0-16,0 1 0,-22-22 31,22-22-31,-21 22 0,21-21 16,-21 0-16</inkml:trace>
+  <inkml:trace contextRef="#ctx0" brushRef="#br0" timeOffset="20955.55">9419 7091 0,'0'0'16,"-21"0"-16,0 0 0,0 0 0,21-21 16,21 21-1,0 0-15,0 0 16,21 0-16,-20-21 0,20-1 0,21 22 15,1 0-15,-1-21 0,22 0 0,-21 0 16,20 0-16,1 0 0,-22-1 16,22 1-16,-21 0 0,-1-21 0,-21 21 15,22-22-15,-22 22 0,-21 0 0,22-21 16,-22-1-16,0 22 0,0-21 0,-21-22 16,0 43-16,0 0 15,0 0-15,0 0 0,-21-1 16,0 1-16,0 0 0,0 21 15,-1 0-15,1 0 0,0 0 0,-21 21 16,21 0-16,-1 1 0,1 20 0,0-21 16,21 43-16,-21-22 0,0 0 15,21 22-15,-21-22 0,-1 0 0,22 22 16,0-22-16,0 1 0,-21 20 0,21-21 16,0 1-16,0 41 15,0-62-15,0 20 0,0-21 16,0 0-16,0 0 0,0 1 0,0-1 15,0 0-15,21-42 32,-21 0-32,0-1 15,22-20-15,-1 21 0,0 0 0,-21-22 16,21 22-16,0-21 0,0 21 0,1-22 16,-1 22-16,0 0 0,0 0 0,0 0 15,22-22-15,-22 43 0,0 0 16,0 0-16,0 0 0,0 22 15,-21-1 1,22 0-16,-22 0 0,0 0 16,0 0-16,0 1 0,0-1 0,0 21 15,0-21-15,0 0 0,0 43 16,21-43-16,0 0 0,-21 0 16,21 1-16,0-22 0,-21 21 0,21-21 15,1 0-15,-1 0 0,21 0 0,-21 0 16,22 0-16,-22 0 0,21 0 15,0-21-15,1-1 0,-1 1 16,0 0-16,1 0 0,-1 0 0,-21-22 16,22 22-16,-22 0 0,0-21 0,-21 21 15,0-22-15,21 22 0,-21-21 0,0 21 16,0-1-16,0 1 0,0 0 16,-21 0-16,0 21 0,0 0 15,-1 0-15,1 0 0,0 21 0,-21 0 16,21 0-16,-1 1 0,1-1 0,0 0 15,21 0-15,-21 21 0,21-20 16,0 20-16,0-21 0,0 21 0,0-20 16,0 20-16,0-21 0,21 0 0,0 0 15,0 1-15,22-1 0,-22-21 16,21 0-16,1 21 0,-22-21 0,21 0 16,22 0-16,-22-21 0,-21 0 15,21 21-15,1-22 0,-22 1 16,21-21-16,-21 21 0,22 0 15,-22-22-15,0 22 0,0-21 0</inkml:trace>
+  <inkml:trace contextRef="#ctx0" brushRef="#br0" timeOffset="21676.13">12573 6541 0,'0'0'0,"0"-22"0,0 1 16,0 0-16,0 0 0,0 0 0,21 0 15,-21 42 17,-21 0-32,0 0 15,0 0-15,21 0 0,-22 22 0,1-1 16,0 0-16,0-20 0,0 20 15,0 0-15,-1 1 0,22-22 0,0 21 16,-21-21-16,21 43 0,0-43 16,0 0-16,0 0 0,0 0 15,0 1-15,21-22 0,1 21 0,-1-21 16,0 0-16,0 21 0,0-21 0,0 0 16,1 0-16,20 0 0,-21 0 15,0 0-15,0 0 0,1-21 16,-1 21-16,0-21 0,0 21 0,0-22 15,0 22-15,-21-21 0,0 0 16,0 0-16,22 21 0,-22-21 0,0 0 16,0-1-1,0 44 95,-22-22-63,22-22-32,-21 1-15</inkml:trace>
+  <inkml:trace contextRef="#ctx0" brushRef="#br0" timeOffset="22141.19">12636 6160 0,'0'0'0,"0"-43"0,0 22 0,0 0 0,0 0 16,0-22-16,0 22 0,0 0 0,0 0 15,0 0-15,0 0 0,-21 21 32,21 21-32,0 0 15,-21 21-15,21 1 0,0-1 16,0 21-16,0-20 0,0 41 0,0-20 15,0 21-15,0-1 0,0 1 0,-21 0 16,21-22-16,-21 22 0,21-1 16,-21-20-16,21 21 0,0-22 0,0 22 15,-22-22-15,1 1 0,0 20 0,21-20 16,-21-1-16,0 1 0,21-1 0,-21 1 16,21-22-16,0 1 0,0-1 15,0-21-15,0 21 0,0-20 0,0-1 16,0 0-16,0-42 31,0 0-31,0-1 16,0 1-16,0-21 0,0 0 0,0 20 15,0-20-15,0-21 0,0 20 0,0 1 16,21-22-16</inkml:trace>
+  <inkml:trace contextRef="#ctx0" brushRef="#br0" timeOffset="22472.01">12404 6879 0,'0'-21'0,"0"42"0,0-63 0,0 21 0,0-22 16,0 22-16,0 0 0,0 0 16,0-21-16,0 20 0,21-20 0,-21 21 15,21-21-15,0 20 0,21 1 16,-20 0-16,-1 0 0,21 0 16,-21 21-16,22 0 0,-1 0 0,0 0 15,1 0-15,-1 21 0,0 0 16,-21 21-16,1-20 0,-1 20 0,-21 0 15,0 1-15,0-1 0,0 0 0,-21 1 16,-1-1-16,1-21 0,-21 21 16,21-20-16,-22 20 0,1-21 0,0 0 15,21 0-15,-43 1 0,22-1 16,21-21-16,-1 0 0,1 0 16,21-21 15,21-1-31,1 1 15,-1 0-15,21 21 0,-21-21 16,0 0-16,22 0 0,-1 21 0</inkml:trace>
+  <inkml:trace contextRef="#ctx0" brushRef="#br0" timeOffset="22904.92">12975 6625 0,'0'0'0,"0"-21"0,0 0 16,0 0-16,0 0 0,42-1 15,-20 1 1,-1 21-16,0 0 0,0 0 16,0 0-16,0 0 0,1 0 0,20 21 15,-21 1-15,21-1 0,-20 0 16,-1 0-16,21 0 0,-21 22 0,0-1 16,1-21-16,-22 21 0,0-20 15,0 20-15,0-21 0,0 0 0,0 22 16,0-22-16,-22 0 0,1 0 0,0 0 15,0 0-15,0-21 0,0 22 16,-1-22-16,1 0 0,0 0 0,21-22 16,0 1-1,0-21 1,0 21-16,0 0 0,21-22 0,0 1 16,1 0-16,-1-1 0,0 1 0,0-22 15,0 22-15,0 21 0,1-21 16,20 20-16,-21-20 0,0 21 0,0 21 15,1-21-15,-1 21 0,0 0 16,0 0-16,0 0 16,-21 21-16,0 0 15,0 0-15,21-21 16,-21 21-16,22-21 0,-22 22 0,21-22 16,0 21-16</inkml:trace>
+  <inkml:trace contextRef="#ctx0" brushRef="#br0" timeOffset="23331.68">14076 6477 0,'0'0'0,"0"-42"15,0 21-15,0-1 16,-21 22-16,-1 0 0,1 0 16,0 0-16,0 0 0,0 0 15,0 0-15,-1 22 0,1 20 0,0-21 16,-21 21-16,21-20 0,-1 20 15,-20 0-15,21 1 0,0-22 0,21 21 16,-21 0-16,21-20 0,0-1 0,0 21 16,0-21-16,0 0 15,21-21-15,0 22 0,0-22 0,21 0 16,-20 0-16,20 0 0,0 0 0,1 0 16,-22 0-16,21 0 0,-21-22 15,22 22-15,-22-21 0,21 0 0,-21 0 16,-21 0-16,0 0 0,21-22 0,-21 22 15,0-21-15,0 21 0,0-22 16,-21 1-16,0 0 0,0-1 0,0 1 16,-22 21-16,22 0 0,0-1 15,0 1-15,0 21 0,0 0 0,-1 0 16,1 0-16,0 0 0,21 21 16,-21-21-16,21 22 15,0-1-15,0 0 0,0 0 0,0 0 16,0 0-16,21-21 0,0 22 0,0-1 15,1 0-15,20 0 0</inkml:trace>
+  <inkml:trace contextRef="#ctx0" brushRef="#br0" timeOffset="23860.37">14457 6689 0,'0'0'0,"21"0"0,0-21 15,0-1-15,-21 1 0,21 0 16,1 0-16,-22-21 0,0 20 15,21 1-15,-21-21 0,21 21 16,-21-22-16,0 22 0,0 0 0,0 0 16,21 0-16,-21 42 31,0 0-15,0 21-16,0-20 0,-21 20 15,21 0-15,-21 1 0,21-1 0,0 0 16,0 1-16,-21 20 0,21-21 0,0 1 15,-22 20-15,22-20 0,0 20 16,0-21-16,0 1 0,0 20 0,0-20 16,0 20-16,0-21 0,0 1 15,0 20-15,0-20 0,0-1 0,0 21 16,0-20-16,0-1 0,0 0 16,0 1-16,0-1 0,0 0 0,0 1 15,0-1-15,0 0 0,22-20 0,-1 20 16,-21 0-16,0-21 0,0 1 15,0 20-15,0-21 0,0 0 16,-21-21-16,-1 0 0,1 0 16,0 0-16,0 0 15,0 0-15,0 0 0,-1-21 16,1 0-16,0 0 0,0 0 0,21-1 0,-21-20 16,0 21-16,21 0 15,0 0-15,0-1 0,0 1 16,0-21-16,0 21 0,21 0 0,0-22 15,0 22-15,0-21 0,0-1 0,1 1 16,-1 0-16,0-22 0,-21 22 16,21-22-16,-21 1 0</inkml:trace>
+  <inkml:trace contextRef="#ctx0" brushRef="#br0" timeOffset="24088.24">14499 5927 0,'0'0'0,"-21"0"15,0 21 1,21 0 0,0 0-1,0 0 1,0 1-1,21-1-15,0 0 16</inkml:trace>
+  <inkml:trace contextRef="#ctx0" brushRef="#br0" timeOffset="25176.62">14901 6414 0,'0'0'0,"21"21"0,1 0 16,-1-21-16,0 0 15,0-21-15,0 21 0,-21-21 16,21-1-16,1 1 0,-22 0 16,0 0-16,21 0 0,-21 0 0,0-22 15,0 22-15,0 0 16,-21 21 0,-1 0-16,1 0 0,0 0 15,0 0-15,0 21 0,0 0 0,-1 0 16,1 22-16,0-22 0,0 21 15,21 1-15,0-1 0,0 0 0,0-21 16,0 22-16,0-22 0,21 21 16,0-21-16,0 1 0,1-1 0,-1-21 15,21 0-15,22 21 0,-22-21 16,-21 0-16,21 0 0,1-21 16,-22 0-16,21-1 0,1 1 0,-22-21 15,21 21-15,0-22 0,-20 1 16,-1 0-16,21-1 0,-21 1 15,0 0-15,1 21 0,-1-1 0,0 1 16,0 0-16,0 0 0,0 21 16,1 0-16,-1 0 15,0 0 1,0 21 0,-21 0-1,21-21 16,-21-21-15,0 0 0,0 0-16,0 0 15,-21 21 1,0 0 0,0 0-16,0 21 0,-1 0 15,1-21-15,0 42 0,21-21 16,-21 1-16,0 20 0,21-21 0,0 21 15,0 1-15,-21-22 0,21 21 16,0-21-16,0 22 0,0-22 16,21 0-16,0 0 0,0 0 0,21 22 15,1-22-15,-22-21 0,21 0 16,1 0-16,-1 0 0,0 0 16,1 0-16,-1 0 0,0-21 0,1 0 15,-1-1-15,0-20 0,1 21 16,-22-21-16,21-22 0,-21 22 0,22-1 15,-22-20-15,0-1 0,0 22 16,0-21-16,-21-1 0,0 22 0,21-22 16,-21 22-16,0-22 0,22 22 0,-22 0 15,0-1-15,0 1 0,21 0 16,0 21-16,-21-1 0,0 1 16,0 0-16,21 21 0,-21 21 15,0 0 1,0 1-16,0-1 15,0 21-15,0 0 0,-21 1 0,0-1 16,21 0-16,-21 1 0,-1-1 16,1 22-16,21-22 0,0 0 0,-21 1 15,0 20-15,21-21 0,0 1 0,0-1 16,0 22-16,0-22 0,0-21 16,0 21-16,0 1 0,0-22 0,0 0 15,0 0-15,0 0 0,0 1 16,21-1-16,0-21 0,0 0 0,1 21 15,-1-21-15,0 0 0,0 0 16,0 0-16,0 0 0,22 0 0,-22 0 16,0-21-16,0 21 0,0-21 15,1-1-15,-22 1 0,21 21 16,-21-21-16,0 0 16,0 0-16,0 0 0,0-1 15,0 1-15,0 0 0,0 0 0</inkml:trace>
+  <inkml:trace contextRef="#ctx0" brushRef="#br0" timeOffset="25523.44">16341 5990 0,'0'0'0,"21"0"31,21 0-15,-21 0-16,22 0 0,-1 0 16,21 0-16,-20 0 0,-1 0 0,22-21 15,-22 21-15,21 0 0,-20 0 16,-1-21-16,-21 21 0,22 0 0,-1 0 16,-21 0-16,0-21 0,0 21 15,1 0-15</inkml:trace>
+  <inkml:trace contextRef="#ctx0" brushRef="#br0" timeOffset="26673.96">7260 8636 0,'0'-21'16,"0"-21"-16,-21 42 16,21-43-16,0 22 0,0 0 15,0 0-15,0 0 0,0-1 16,-21 22-16,21-21 0,0 0 16,-21 21-16,21 21 31,0 0-16,0 1-15,0 20 0,0-21 16,0 21-16,0 1 0,0-1 16,0 22-16,0-1 0,0-21 0,0 22 15,0 21-15,-22-22 0,22 1 0,-21-1 16,21 1-16,0-22 0,0 21 16,-21 1-16,21-1 0,-21-20 0,21 20 15,-21-20-15,21 20 0,0-21 16,0 1-16,0-1 0,0-21 0,0 22 15,0-22-15,0 0 0,-21 0 0,21 0 16,0 0-16,0 1 16,-22-22-16,1 0 31,21-22-15,-21 1-16,0 21 0,21-21 15,0 0-15,-21 0 0</inkml:trace>
+  <inkml:trace contextRef="#ctx0" brushRef="#br0" timeOffset="27047.75">6604 9398 0,'0'0'0,"-21"-21"0,21 0 31,21 21 0,0 0-15,0 21-16,0 0 0,1 0 0,-1 0 15,21 22-15,-21-22 0,0 21 0,1 1 16,-1-22-16,21 21 16,-21 0-16,0 1 0,1-1 0,-1-21 15,-21 22-15,21-22 0,0 0 0,-21 21 16,21-21-16,-21 1 0,0-1 15,0 0-15,21-21 0,-21 21 16,0-42 31,0 0-31,0 0-16,0-1 15,22 1-15</inkml:trace>
+  <inkml:trace contextRef="#ctx0" brushRef="#br0" timeOffset="27427.53">7810 9377 0,'0'0'0,"22"-21"0,-1 0 16,-42 21-1,-1 0 1,1 21-16,-21 0 0,21-21 0,-22 21 16,1 21-16,0-20 15,-1-1-15,1 21 0,0 0 0,-1 1 0,1-1 16,0 0-16,-1 1 0,22-1 16,-21 0-16,0 1 0,20-1 15,1-21-15,0 22 0,0-22 0,0 0 16,0 0-16,21 0 0,-22-21 0,22 21 15,0 1 17,0-44 46</inkml:trace>
+  <inkml:trace contextRef="#ctx0" brushRef="#br0" timeOffset="32119.49">3387 10626 0,'-22'0'16,"1"0"-16,0 0 0,0 0 16,0 0-16,0 21 0,21 0 15,-22 0-15,22 0 0,0 1 16,0 20-16,0-21 0,0 0 16,0 0-16,0 1 15,0-1-15,0 0 0,22-21 16,-1 21-16,0-21 0,21 0 0,-21 0 15,22 0-15,-22 0 0,21 0 16,1 0-16,-1 0 0,0-21 0,22 0 16,-22 0-16,-21 21 15,22-22-15,-22 1 0,0 0 0,0 0 16,0 0-16,0 0 0,1-1 0,-1 1 16,-21 0-16,0 0 0,0 0 15,0 0-15,0-1 0,0 1 16,0 0-1,0 42 1,0 0 0,-21 22-16,-1-22 0,22 21 15,-21 1-15,21-1 0,0 0 0,0 1 16,0 20-16,0-21 0,-21 22 16,21-22-16,0 22 0,0-1 0,0 1 15,0-22-15,0 22 0,0-22 16,0 0-16,0 1 0,0-1 0,0 0 15,0 1-15,0-22 0,0 21 0,0-21 16,-21 0-16,21 1 0,0-1 16,0 0-16,-21 0 0,0-21 15,-1 21-15,1-21 16,0 0-16,0 0 0,0-21 16,0 0-16,-1 0 15,1 0-15,-21-1 0,21 1 16,0 0-16,-1 0 0,-20 0 0,21 0 15,0-1-15,0 1 0,-1 21 16,1-21-16,21 0 0,-21 21 16,21-21-16,0 42 31,0 0-31,21 0 0,0 0 16,1 1-16,-1-1 15,0 0-15,0 0 0,21 0 0,-20 0 16,-1-21-16,21 22 0,-21-1 0,0 0 15,22-21-15,-1 21 0,-21-21 16,22 0-16,-1 0 0,-21 0 0,21 0 16,1 0-16,-1 0 0,-21 0 15,22 0-15,-1-21 0,0 0 0,1 0 16,-22-1-16,21 1 0,0 0 16,-20 0-16,20 0 0,-21 0 0,43-43 15,-43 43-15,-21 0 16,0 0-16,21-1 0,-21 1 0,0 0 15,0 0-15,0 0 16,0 0 0,0-1 187,0 1-16,0 0-171,0 0 0,0 0-1,0 0 1,-21 21-16,21-22 15,-21 22-15,-1 0 16,1 0 0,0 0-1,0 22 1,0-1-16,21 0 16,-21-21-16,21 21 0,0 0 15,0 0-15,-22 1 0,22-1 0,0 0 16,0 21-16,-21-21 0,21 1 0,0-1 15,0 0-15,0 21 0,0-21 16,0 1-16,0-1 0,0 0 0,0 0 16,0 0-16,0 0 15,21-21-15,1 22 0,-1-22 16,0 21 0,0-21-16,0 0 0,0 0 15,1 0-15,-1 0 0,0 0 0,21 0 16,-21-21-16,22 21 0,-22-22 0,21 1 15,1 0-15,-1 0 0,0 0 16,1 0-16,-1-1 0,0-20 16,1 21-16,-1-21 0,-21-1 0,21 22 15,-20-21-15,-1-1 0,0 1 0,0 0 16,-21 21-16,0-22 0,0 22 0,0 0 16,0 0-16,0 0 15,-21 21 1,21 21-16,-21 0 0,0 0 15,21 0-15,0 22 0,-22-22 16,22 0-16,0 21 0,0-21 0,0 1 16,0 20-16,0-21 0,0 0 15,0 0-15,22 1 0,-1-1 0,-21 0 16,21-21-16,0 21 0,0 0 0,-21 0 16,21 1-16,1-22 15,-22 21-15,0 0 31,-22-21-15,1 0-16,0 0 0,0 0 16,0-21-1,0 21-15,-1 0 0,22-21 0,-21 21 16,0 0-16,0-22 0,21 44 47,0-1-47,21-21 0,-21 21 15,21-21-15,0 21 0,1-21 16,-1 21-16,0-21 0,0 0 16,0 0-16,0 0 15,1 0-15,-1 0 0,0 0 16,21 0-16,-21-21 0,22 21 0,-22-21 0,0 0 16,21 0-16,-20-1 15,20 1-15,-21 0 0,0-21 0,0 21 16,1-22-16,-1 1 0,-21 0 0,21-1 15,-21-20-15,21 20 0,-21-20 16,0 21-16,0-22 0,0 22 0,0-1 16,0-20-16,0 21 0,0-1 0,0 1 15,0 21-15,0-22 0,-21 22 16,21 0-16,0-21 16,-21 42-16,21 21 15,0 0-15,0 0 16,-21 0-16,21 22 0,-22-1 0,22 0 15,0 1-15,0-1 0,-21 0 16,21 22-16,-21-22 0,21 22 0,0 42 16,0-43-16,0-21 0,0 22 15,0-22-15,0 1 0,0-22 16,0 21-16,0-21 0,0 0 0,0 22 16,21-22-16,0 0 0,1-21 15,-1 0 1,0 0-16,0 0 0,0 0 15,-21-21-15,21 21 0,1-21 16,-22 0-16,0-1 0,21 22 0,-21-21 16,0 0-16,21-21 0,-21 21 15,0-1-15</inkml:trace>
+  <inkml:trace contextRef="#ctx0" brushRef="#br0" timeOffset="32363.42">5482 11134 0,'0'21'16,"21"-21"-1,0 21-15,1-21 16,-1 0-16,0 0 0,0 0 16,0 0-16,0 0 0,1 0 15,-1 0-15,0-21 0,0 21 16,0 0-16,0 0 0,1-21 0,-1 21 15,-21-21 17</inkml:trace>
+  <inkml:trace contextRef="#ctx0" brushRef="#br0" timeOffset="32603.29">5842 11282 0,'0'0'0,"0"21"0,21-21 0,0 0 16,0 0-16,1 0 15,-1 0-15,0 0 0,0 0 16,0 0-16,0 0 0,22 0 0,-22 0 16,21 0-16,-21 0 0,1 0 0,-1 0 15,0 0 1,-21-21-16</inkml:trace>
+  <inkml:trace contextRef="#ctx0" brushRef="#br0" timeOffset="34107.93">7070 11091 0,'0'-21'0,"0"42"0,0-63 0,0 21 15,0 0-15,0 0 0,-22-1 16,1 1-16,0 0 16,0 21-16,0 0 0,0 0 0,-1 0 15,1 0-15,-21 0 0,21 21 16,-22 0-16,22 1 0,-21-1 0,21 21 15,-22-21-15,22 22 0,0-1 0,0 21 16,-21-20-16,20-1 0,22 0 16,0 1-16,0-1 0,0 0 0,0 1 15,0-22-15,0 21 0,0-21 16,22 1-16,-1-1 0,0 0 0,21-21 16,1 21-16,-22-21 0,21 0 0,0 0 15,22 0-15,-22 0 0,1 0 16,-1-21-16,21 0 0,-20 0 0,-1 21 15,0-43-15,-20 22 0,20 0 16,-21 0-16,0-22 0,0 22 16,-21-21-16,0 21 0,0-22 0,0 1 15,0 0-15,-21-1 0,0 1 0,0 0 16,-21-1-16,20 1 0,-20 21 16,0-21-16,21 20 0,-22 22 0,1-21 15,0 21-15,-1 0 0,1 0 0,0 21 16,-1 1-16,22-1 0,-21 21 15,21-21-15,-22 22 0,22-1 0,21 21 16,0-20-16,0-1 0,0 0 0,0 1 16,0-1-16,0-21 0,21 22 15,0-22-15,1 0 0,20 0 16,0 0-16,1-21 0,-1 0 0,0 0 16,1 0-16,-1 0 0,0 0 15,22 0-15,-22 0 0,0-21 0,1 0 16,-1 0-16,0 0 0,1-1 0,-22 1 15,21 0-15,-21-21 0,1 21 16,-1-22-16,0 22 0,-21-21 0,0 21 16,0-22-16,21 22 0,-21 0 15,0 0-15,0 0 0,-21 42 32,0 0-32,21 0 0,0 0 15,-21 22-15,21-22 0,-22 21 0,22-21 16,-21 22-16,21-22 0,0 0 15,0 21-15,0-21 0,0 1 16,0-1-16,0 0 0,0 0 0,43 0 16,-22-21-16,21 0 15,-21 0-15,0 0 0,1 0 16,-1 0-16,21-21 0,-21 0 0,22 0 16,-22 21-16,0-21 0,0-22 0,0 22 15,0 0-15,1 0 0,-1-22 16,-21 22-16,21-21 0,-21 21 15,0-22-15,0 22 0,0 0 0,0 0 0,0 0 16,0 0-16,0 42 31,-21 0-31,21 0 16,-21 0-16,21 0 0,-22 22 16,22-22-16,0 21 0,0-21 0,0 1 15,0 20-15,0-21 0,0 0 0,0 0 16,0 1-16,22-1 0,-1 0 15,0-21-15,0 21 0,0-21 0,0 0 16,1 0-16,-1 0 0,21 0 16,-21 0-16,0-21 0,22 21 0,-22-21 15,0 0-15,21-1 0,-20 1 0,-1 0 16,0-21-16,0-1 0,0 22 16,0-21-16,-21 0 0,22-22 15,-1 22-15,0-1 0,-21-20 0,0 21 16,21-22-16,-21 1 0,21 20 0,-21-20 15,0 20-15,0-20 0,21 21 16,-21-1-16,0 1 0,0 21 0,0 0 16,22-1-16,-22 1 0,0 0 15,0 42 1,0 0-16,0 43 0,0-43 16,0 21-16,-22 22 15,22-22-15,0 1 0,-21-1 0,21 21 16,-21-20-16,21-1 0,0 22 0,0-22 15,-21 21-15,21-20 0,0-1 16,-21 0-16,21 22 0,0-43 0,0 21 16,0 1-16,0-22 0,0 21 15,0-21-15,0 1 0,0-1 16,0 0-16,21-21 16,0 0-16,0 0 0,0 0 15,1 0-15,-1-21 0,-21 0 16,21 21-16,0-22 0,0 1 0,-21 0 15,0 0-15,21 0 0,-21 0 16,0-1-16,0-20 0,0 21 16,0-21-16</inkml:trace>
+  <inkml:trace contextRef="#ctx0" brushRef="#br0" timeOffset="34318.81">8276 11028 0,'0'0'15,"0"21"1,21 0 0,0-21-16,1 0 0,-1 0 15,0 0-15,0 0 0,0 0 16,0 0-16,1 0 0,-1 0 16,0-21-16,0 21 0,0-21 0,0 21 15,1 0-15,-22-21 0,21 0 16,-21-1-16</inkml:trace>
+  <inkml:trace contextRef="#ctx0" brushRef="#br0" timeOffset="34885.99">9123 10689 0,'42'-21'0,"-84"42"0,105-84 0,-42 42 15,1-1-15,-1-20 0,0 21 0,-21-21 16,0-1-16,21 1 0,-21 21 15,0-22-15,0 22 0,0-21 0,0 21 16,0 0-16,0-1 0,-21 1 16,21 0-16,-21 21 0,0 0 15,-1 0-15,-20 0 0,21 21 16,0 0-16,0 1 0,-1 20 16,1 21-16,0-20 0,0 20 0,0 22 15,0-22-15,-1 22 0,1-21 0,21 20 16,-21 1-16,0 0 0,21-1 15,-21 22-15,21-21 0,0-1 0,-21 1 16,21 0-16,0-1 0,-22 1 16,22 0-16,0-1 0,0 1 0,0-21 15,0 20-15,-21-20 0,21-1 0,-21 1 16,21-1-16,-21 1 0,21-22 16,0 22-16,0-22 0,-21-21 0,21 21 15,-21 1-15,21-22 0,0 0 0,0 0 16,0 0-1,0-42 1,0 0-16,0 0 0,0 0 0,0 0 16,0-22-16,21 22 0,0-21 0,-21-1 15,0 1-15,21-21 0,-21 20 16</inkml:trace>
+  <inkml:trace contextRef="#ctx0" brushRef="#br0" timeOffset="36036.24">8742 11176 0,'0'-42'0,"0"84"0,0-105 0,0 41 16,0 1-16,0 0 0,0-21 0,0 21 15,21 21-15,21-22 0,-21 1 16,22 0-16,-1 0 0,0 21 0,1-21 16,-1 21-16,0 0 0,22 0 0,-22 0 15,1 0-15,-1 21 0,-21 0 16,21 0-16,-20 0 0,-1 1 0,-21-1 15,0 21-15,0-21 0,0 22 16,0-22-16,-21 21 0,-1-21 16,1 0-16,0 22 0,-21-22 0,21 0 15,-22 0-15,22 0 0,0-21 0,-21 22 16,20-22-16,1 0 0,0 0 16,0 0-16,0 0 15,42 0 16,-21 21-31,21-21 0,0 21 0,22-21 16,-22 0-16,0 21 0,21-21 0,-21 0 16,22 0-16,-22 0 0,21 0 15,-21 0-15,22 0 0,-1 0 0,-21-21 16,22 0-16,-22 21 0,21-21 16,0-1-16,-20 1 0,20 0 15,-21-21-15,0 21 0,0-22 0,1 22 16,-1-21-16,-21 21 0,21-22 0,-21 1 15,0 21-15,0 0 0,0-22 16,0 22-16,0 0 0,0 42 16,0 0-1,0 0-15,0 1 0,0-1 16,0 0-16,0 21 0,0-21 0,0 22 16,0-22-16,0 0 0,0 21 0,0-20 15,0-1-15,0 0 0,21 0 16,-21 0-16,21-21 15,0 0-15,1 0 0,-1 0 0,0 0 16,0 0-16,0 0 0,22-21 16,-22 21-16,21-21 0,-21 0 0,22 0 15,-22-22-15,0 22 0,0 0 0,0-21 16,0 20-16,1-20 0,-1 21 16,0-21-16,-21 20 0,0 1 0,21 0 15,-21 0-15,0 0 0,0 42 31,0 0-31,0 0 0,-21 0 16,0 1-16,21 20 0,0-21 16,0 21-16,-21-20 0,21 20 15,0-21-15,0 21 0,0-20 0,0-1 16,0 0-16,0 0 0,21 0 0,0-21 16,-21 21-16,21-21 15,0 0-15,0 0 0,22 0 0,-22 0 0,0 0 16,0 0-16,22-21 0,-22 0 0,21 0 15,-21 0-15,0 0 0,1-22 16,20 22-16,-21-21 0,0-1 0,0 1 16,-21 0-16,0-1 0,22 1 15,-22-21-15,21 20 0,-21-20 0,0-1 16,0 1-16,0-1 0,21-42 16,-21 43-16,21 21 0,-21-1 15,0 22-15,0 0 0,0 0 16,0 0-16,0 42 15,0 0-15,0 21 16,0 1-16,-21-1 0,21 0 16,-21 1-16,21-1 0,-21 21 0,21-20 15,0 20-15,0-20 0,-22-1 0,22 21 16,-21-20-16,21 20 0,0-20 16,-21-1-16,21 0 0,0 1 0,0-1 15,0 0-15,0 1 0,0-22 16,0 0-16,0 0 0,0 0 0,21 0 15,0-21-15,1 0 0,-1 0 16,0 0-16,0 0 0,0 0 16,0-21-16,1 21 0,20-42 15,-21 21-15,0 0 0,0-1 16,-21 1-16,0-21 0,22 21 0,-22 0 16,0-1-16,0-20 0,0 21 0</inkml:trace>
+  <inkml:trace contextRef="#ctx0" brushRef="#br0" timeOffset="36307.08">10668 10668 0,'0'0'0,"0"21"16,21-21-1,0 0-15,0 0 0,22 0 16,-22 0-16,0 0 0,21 0 15,-20-21-15,20 21 0,-21-21 0,21 21 16,-20 0-16,-1-21 0,0 21 0,0 0 16,0 0-16,0 0 0,1-21 15,-44 21 17,1 0-17,0-22-15,0 22 0,21-21 16</inkml:trace>
+  <inkml:trace contextRef="#ctx0" brushRef="#br0" timeOffset="39012.73">12361 10837 0,'0'0'16,"0"22"-16,21-22 0,1 0 0,-1 0 15,0 0-15,0 0 0,21-22 16,-20 22-16,20-21 0,0 0 0,1 0 15,-1 0-15,21-22 0,-20 22 0,-1-21 16,0 0-16,1 20 0,-1-41 16,0 21-16,1-1 0,-22 1 15,21 0-15,-21-22 0,1 22 0,-1-1 16,0 1-16,-21 0 0,0-1 16,0 1-16,0 0 0,0-1 0,0 22 15,0 0-15,-21 0 0,0 0 0,-1 0 16,-20 21-16,21 0 0,-21 0 15,20 0-15,-20 21 0,0 0 0,-1 21 16,1-21-16,21 22 0,-21 20 0,20 1 16,-20-1-16,21 22 15,0-22-15,0 22 0,-1 0 0,1-1 0,0 1 16,0 0-16,21-1 0,0 1 16,-21 21-16,0-21 0,21-1 15,-22 22-15,22-21 0,0 21 0,-21-22 16,21 1-16,-21 21 0,21-22 0,0 1 15,0 0-15,0-1 0,0 1 0,0-21 16,0 20-16,0-20 0,0-22 16,0 0-16,0 1 0,21-1 0,0 0 15,1-20-15,-1-1 0,0-21 0,21 0 16,-21 0-16,22 0 0,-22-21 16,21-1-16,1 1 0,-22 0 0,21-21 15,0 21-15,1-22 0,-1 1 16,0 0-16,-20-1 0,20-20 0,-21 20 15,0-20-15,0 21 0,-21-22 0,22 1 16,-22-1-16,0 1 0,0-1 16,-22 1-16,-20-1 0,21 1 0,-43-64 15,22 63-15,0 1 0,-1 20 16,1 1-16,21 0 0,-21-1 16,-1 22-16,22 0 0,0 0 0,0 21 15,0 0-15,-1 0 0,22-21 31,22 21-31,-1 0 16,21 0-16,-21-22 0,22 1 0,-1 21 16,0-21-16,1 0 0,20 0 15,-21 0-15,22-1 0,-1 1 16,1 0-16,-22 0 0,22-21 0,-22 20 16,-21 1-16,43-42 15,-43 42-15,0-1 0,-21 1 16,-21 21-1,0 0 1,0 21-16,-1 1 0,1-1 16,0 21-16,0-21 0,21 0 15,0 22-15,-21-22 0,21 0 0,0 21 16,0-20-16,0-1 0,0 0 0,0 0 16,21-21-16,0 21 0,0-21 15,0 0-15,1 0 0,-1 0 0,0 0 16,0 0-16,21 0 0,-20 0 0,-1 0 15,0-21-15,21 21 0,-21-21 16,1 0-16,-1 0 0,-21-1 0,21 1 16,-21-42-16,0 42 0,0-22 15,0 22-15,0-21 0,0-1 16,-21 22-16,21 0 0,-21 0 16,-1 0-16,1 21 0,-21 0 0,21 0 0,0 0 15,-43 42 1,43-21-16,0 0 0,0 1 0,-1-1 15,1 0-15,21 21 0,-21-21 0,21 1 16,0-1-16,0 0 0,21 0 16,0 0-16,1 0 0,-1-21 0,0 22 15,21-22-15,1 0 0,-22 0 0,21 0 16,0 0-16,1 0 0,-1 0 16,0-22-16,1 1 0,-1 21 0,0-21 15,22 0-15,-22-21 0,1 20 0,-1 1 16,0-21-16,-21 0 0,22-1 15,20-63-15,-42 64 0,1-21 16,-22 20-16,21 1 0,-21-22 16,21 22-16,-21 0 0,0 21 0,0-22 15,0 22-15,0 0 0,0 0 16,-21 21 0,0 21-16,-1 0 0,1 0 15,0 0-15,0 22 0,0-1 0,21 22 16,-21-22-16,-1 0 0,22 22 0,-21-22 15,21 22-15,0-22 0,0 0 16,0 1-16,0-1 0,0 0 0,0 1 16,21-22-16,1 21 0,-1-21 0,0 0 15,0 1-15,0-1 0,0 0 16,1-21-16,-1 0 0,0 0 16,21 0-16,-21 0 0,22 0 0,-1 0 15,22 0-15,-22-21 0,0 0 16,1-1-16,-1 1 0,-21 0 15,21 0-15,-20 0 0,-1-22 0,0 22 16,0-21-16,-21 21 0,0-22 16,0 1-16,0 21 0,0 0 0,0-22 15,0 22-15,0 0 0,-21 21 16,0 0-16,0 0 0,-1 0 16,1 0-16,0 21 0,-21 0 0,21 1 15,-22-1-15,22 21 0,-21-21 16,21 0-16,-22 22 0,22-22 15,0 21-15,21-21 0,0 1 0,-21-1 16,21 21-16,0-21 0,0 0 16,0 1-16,21-22 0,0 0 15,0 21-15,0-21 0,1 0 0,-1 0 16,0 0-16,0 0 0,21 0 0,-20-21 16,-1-1-16,0 22 0,0-21 15,0 0-15,0-21 0,1 21 0,-1-64 16,0 43-16,0-1 15,-21 1-15,0-22 0,0 1 16,21 21-16,-21-22 0,21 1 0,-21 20 16,0-20-16,22 20 0,-22 1 0,0 21 15,0-21-15,0 20 0,0 1 16,0 0-16,0 0 0,0 42 16,0 0-1,-22 0-15,22 22 0,-21-22 16,0 21-16,21 1 0,-21 20 0,0-21 15,21 22-15,0-22 0,-21 22 0,-1-22 16,22 22-16,-21-22 0,21 0 16,0 1-16,0-1 0,0-21 15,0 21-15,0-20 0,0-1 0,0 0 16,0 0-16,21 0 0,1 0 0,-1-21 16,0 22-16,0-22 0,0 0 15,22 0-15,-22 0 0,21 0 0,0 0 16,-20 0-16,20 0 0,0-22 15,-21 1-15,22 0 0,-22 21 0,21-21 16,-21 0-16,1-22 0,-1 22 16,21-42-16,-42 42 15,0-22-15,0 1 0,0 21 0,0 0 0,0-22 16,0 22-16,0 0 0,-21 21 16,0 0-1,0 21-15,-1-21 0,22 21 16,-21 22-16,21-22 15,-21 0-15,0 21 0,21-21 0,0 1 16,0 20-16,0-21 0,0 0 0,0 22 16,0-22-16,0 0 0,0 0 15,0 0-15,0 0 0,21 1 16,0-22-16,0 21 0,1-21 16,-1 0-16,21 0 0,-21 0 15,0 0-15,22 0 0,-22-21 0,21 21 16,-21-22-16,22 1 0,-22 0 0,21 21 15,-21-42-15,22 21 16,-22-1-16,0-20 0,0 21 0,0-64 16,-21 64-16,22-21 15,-22-1-15,0 1 0,0 21 0,0 0 16,0 0-16,0-22 0,-22 43 31,22 21-31,0 1 16,-21-22-16,21 21 0,0 0 15,0 0 1,21 0-16,1-21 16,-1 0-16,0 0 0,0 0 15,0 0-15,0-21 0,1 0 16,-22 0-16,21 21 0,0-21 0,0-1 16,0 22-16,-21-21 0,21 0 15,1 0-15,-1 21 0,0 0 16,-21-21-16,0 42 15,0 0-15,0 0 16,0 22-16,0-22 0,0 21 16,0-21-16,0 22 0,-21-22 0,21 21 15,-21 0-15,-1-20 0,22 20 0,0-21 16,0 0-16,0 22 0,0-22 16,0 0-16,0 0 0,0 0 0,22 0 15,-1-21-15,21 0 0,-21 0 16,22 0-16,-1 0 15,0 0-15,1 0 0,-1 0 0,0 0 16,1-21-16,-22 21 0,0-21 0,0 0 16,0 21-16,-21-21 0,0 0 15,0-1-15,-21 22 0,-21 0 16</inkml:trace>
+  <inkml:trace contextRef="#ctx0" brushRef="#br0" timeOffset="44085.45">6985 12213 0,'0'-21'15,"0"0"-15,0 0 16,0 0-16,0-1 15,0 1 1,0 0 0,0 0 171,0 0-140,0 0 31,-21 21-47,21 21-15,-21 0-16,21 0 0,0 0 16,0 0-16,0 1 0,0-1 15,-22 0-15,22 21 0,0-21 16,-21 22-16,21-1 0,0 0 0,-21 22 16,0-22-16,21 1 15,-21-1-15,0 0 0,21 1 0,-22-1 16,1 0-16,0 1 0,21-1 0,-21 0 15,0-21-15,21 22 0,-21-1 16,21 0-16,0 1 0,-22-22 0,22 21 16,0 22-16,0-22 0,0-21 15,0 22-15,0-22 0,0 0 16,-21 0-16,21 0 0,0 0 0,0 1 16,0-1-16,-21 0 0,21 0 15,0 0-15,0 0 16,-21-21 15,0 0-15,0-21-16,21 0 0,-22 0 15,1 21-15,21-21 0,-21 0 16,21-1-16,-21 22 0,0-21 16,0 0-16,21-21 0,0 21 0,-22-1 15,1 1-15,0-21 0,21 21 0,0 0 16,0-22-16,-21 22 0,21 0 15,-21 0-15,21 0 0,-21-1 0,21 1 16,0 0-16,0 0 16,0 0-1,0 0 1,0 42 31,0 0-47,21 0 15,0 21-15,0-20 0,0-1 0,0 21 16,1-21-16,-1 22 0,0-22 0,0 21 16,0-21-16,0 22 0,1-22 15,-1 0-15,-21 0 0,21 21 16,0-20-16,-21-1 0,0 0 0,0 0 16,21 0-16,-21 0 0,0 1 15,0-1-15,21-21 0,-21 21 0,0 0 16,0 0-1,22-21 17,-1-21-32,-21 0 15,21 0-15,0 0 0,0-1 16,0 1-16,1 0 0,20 0 0,-21 0 16,21-22-16,-20 22 0,20 0 15,0-21-15,-21 21 0,22-1 16,-22 1-16,21 0 0,-21 0 0,1 0 15,-22 0-15,21 21 0,0-22 16,-21 1-16,21 21 16,-21 21 46,-21 1-46,0-22-16,0 0 0,21 21 15,-22-21-15,1 21 0,0-21 0</inkml:trace>
+  <inkml:trace contextRef="#ctx0" brushRef="#br0" timeOffset="48202.67">4085 14139 0,'0'0'0,"0"22"0,-21-1 0,21 0 16,0 0-1,21-21 1,0 0 0,0 0-16,1 0 0,-1 0 15,0 0-15,0-21 0,0 21 0,0-21 16,1 0-16,-1-1 0,0 1 15,0 21-15,0-21 0,0 0 0,1 0 16,-1 0-16,-21-1 16,0 1-16,0 0 0,0 0 0,0 0 15,0 0-15,-21-1 0,-1 22 16,-20 0-16,21 0 0,0 0 16,-22 0-16,22 0 0,0 0 0,-21 22 15,21-1-15,-1 0 0,1 0 16,-21 0-16,0 64 15,20-64-15,1 21 0,0 22 0,0-22 0,0 1 16,0-1-16,-1 21 0,22-20 16,0-1-16,0-21 0,0 22 0,0-22 15,0 21-15,0-21 0,22-21 16,-1 21-16,0-21 0,0 22 16,0-22-16,0 0 0,1 0 0,20 0 15,-21 0-15,0-22 0,0 22 16,1 0-16,-1-21 0,0 0 0,0 21 15,-21-21-15,-21 21 32,0 0-32,-22 0 0,22 0 0,-21 0 15,21 0-15,-22 21 0,1 0 16,0 0-16,-1 1 0,1-1 0,0 21 16,21-21-16,-22 22 0,1-1 15,0 0-15,20 1 0,-20-1 0,21 0 16,0 1-16,21-1 0,0 0 15,0 1-15,0-1 0,0 0 16,21 1-16,0-22 0,0 0 0,0 0 16,22 0-16,-1 0 0,0 1 15,1-22-15,20 0 0,-20 0 0,20 0 16,-21 0-16,22 0 0,-1 0 0,-20-22 16,20 22-16,-20-21 0,-1 0 15,0 0-15,1 0 0,-1 0 0,0-22 16,1 22-16,-22 0 0,21-21 15,-21 20-15,0-20 0,1 21 0,-22-21 16,0 20-16,0 1 0,0-21 16,0 21-16,0 0 0,0-1 0,0 1 15,-22 0-15,1 21 16,21 21-16,0 0 16,-21 1-16,21-1 0,0 0 0,0 0 15,0 21-15,0-20 0,0 20 16,0-21-16,0 21 0,0-20 15,-21 20-15,21-21 0,0 0 0,0 22 0,0-22 16,0 0-16,0 0 16,0 0-16,0-42 31,0 0-31,0 0 16,0 0-16,0-1 0,0 1 15,0-21-15,0 21 0,0-22 0,21 22 16,0-21-16,0 21 0,1-22 15,-1 22-15,0 0 0,0 0 0,0 0 16,0 21-16,1 0 0,20 0 16,-21 0-16,0 0 0,0 21 0,22-21 15,-22 21-15,0 0 0,0 0 0,0 22 16,1-22-16,-1 0 0,0 21 16,-21-20-16,0 20 0,0-21 15,21 0-15,-21 22 0,0-22 0,0 0 16,0 0-16,0 0 0,21-21 31,-21-21-31,0 0 16,21-21-16,-21 20 0,22-20 15,-22 0-15,21 21 0,-21-22 0,21 1 16,0 0-16,-21-1 0,21 22 0,0 0 16,1-21-16,-1 20 0,0 22 15,0-21-15,0 21 0,0 0 16,1 0-16,-1 21 0,-21 1 0,21-1 15,0-21-15,-21 42 0,0-21 16,21 0-16,0 22 0,1-22 16,-22 21-16,21-21 0,0 22 0,-21-1 15,21-21-15,21 64 0,-20-64 16,-1 0-16,0 22 0,0-22 16,21-21-16,-20 21 0,20 0 0,-21-21 15,21 0-15,1 0 0,-1 0 0,0 0 16,1 0-16,-1-21 0,-21 21 15,22-21-15,-1 0 0,0-22 0,-21 22 16,1 0-16,20-21 0,-21 20 0,0-20 16,0 21-16,-21-21 0,0-1 15,0 1-15,0 21 0,0-22 0,0 1 16,0 21-16,0-21 0,0 20 16,0 1-16,-21 0 0,0 21 0,0 0 15,0 0-15,0 0 16,21 21-16,-22 0 0,1 1 0,0 20 15,0 21-15,0-20 0,0-1 16,21-21-16,0 22 0,0-1 16,0 0-16,0-21 0,0 22 0,0-22 15,0 0-15,0 0 0,0 0 0,21-21 16,0 0-16,0 0 0,0 0 16,0 0-16,1 0 0,-1-21 0,0 0 15,0 21-15,0-42 0,22 21 0,-22-1 16,0 1-16,0-21 0,-21 21 15,21-22-15,0 22 0,-21-21 16,0 21-16,0 0 0,22-1 0,-22 1 16,0 0-16,21 21 15,-21 21 1,0 0 0,0 1-16,0-1 0,0 21 0,0-21 15,0 0-15,0 22 0,0-22 16,0 21-16,0-21 0,21 22 0,-21-22 15,21 0-15,-21 0 0,0 0 0,21 1 16,0-1-16,1-21 0,-1 0 16,0 0-16,0 0 0,21 0 15,-20 0-15,-1 0 0,21-21 0,-21-1 16,22 1-16,-22-21 0,0 21 0,0 0 16,21-22-16,-20 22 0,-1-21 0,0-1 15,0 1-15,-21 21 0,21-21 16,0 20-16,1-41 0,-22 42 15,21 0-15,-21 42 32,0 0-32,0 0 0,0 0 15,0 0-15,0 1 0,0-1 16,0 0-16,0 21 0,0-21 0,0 1 16,0-1-16,0 0 0,0 0 15,0 21-15,0-20 0,21-1 16,0 0-16,0-21 0,0 0 15,1 0-15,-1 0 0,21 0 16,-21-21-16,0 21 0,1-21 16,-1-1-16,0 1 0,-21-21 0,21 21 15,0-22-15,0 22 0,1-21 16,-22 0-16,21-1 0,0 1 0,-21 0 16,0-1-16,0-20 0,21 20 0,-21 1 15,0-21-15,0 20 0,0 1 16,0 0-16,0 20 0,0-20 15,0 21-15,0 0 0,0-22 16,-21 65 0,21-1-1,-21 21-15,21-21 0,0 22 0,0-1 16,-21 0-16,21 1 0,0-1 0,0 64 16,0-64-16,0 0 0,0 1 15,0 20-15,0-20 0,0-1 16,21 0-16,0 1 0,0-1 0,21-21 15,-20 0-15,20 22 0,0-22 0,1 0 16,-22-21-16,21 21 0,0-21 16,1 0-16,-1 0 0,0 0 15,1 0-15,-1-21 0,-21 0 0,22 0 16,-22-1-16,21 1 0,-21 0 0,0 0 16,1 0-16,-1-22 0,-21 1 15,0 21-15,0-21 0,0-1 0,0 22 16,0-21-16,0-1 0,0 1 0,0 21 15,-21 0-15,-1 0 0,22-1 16,-21 1-16,0 21 0,0 0 16,0 0-16,0 0 0,21 21 0,-22 1 15,1-1-15,0 0 0,21 21 0,0-21 0,-21 22 16,0-1-16,21-21 16,0 22-16,0-1 0,0-21 0,0 21 15,0-20-15,0 20 0,21-21 0,0 0 16,0-21-16,-21 21 0,21-21 15,22 0-15,-22 0 0,0 0 0,0 0 16,0-21-16,1 0 0,-1 0 0,-21 0 16,21 0-16,0-1 0,-21 1 0,0 0 15,0-21-15,0 21 0,0-1 16,0-20-16,0 21 0,0 0 16,0 0-16,0-1 0,0 1 0,-21 0 15,0 21-15,21 21 31,0 0-31,21 1 16,0-1-16,0 0 0,0 21 16,1-21-16,20 1 0,-21-1 0,0 21 15,22-21-15,-22 0 0,0 22 16,0-22-16,0 0 0,0 0 0,1 0 0,-1 1 16,0-1-16,42-21 15,-41 21-15,20-21 0,0 0 16,-21 0-16,22 0 0,-1-21 0,-21 0 15,22-1-15,-1 1 0,-21 0 0,0 0 16,0-21-16,1 20 0,-1-20 16,-21 0-16,21-1 0,-21-20 0,0 21 15,0-1-15,0-20 0,0-1 0,0 22 16,-21-22-16,21 1 0,0 21 16,0-1-16,-21-20 0,21 42 15,0-1-15,0 44 16,-22-1-16,22 0 15,0 21-15,0 1 0,0-1 16,0 0-16,0 1 0,0-1 0,0 0 0,0 22 16,0-22-16,0 0 0,0 1 15,0-22-15,0 21 0,0 1 0,0-22 16,-21 0-16,21 0 0,0 0 0,0 0 16,0 1-16,-21-22 15,21-22 1,0 1-1,0 0-15,0 0 0,0 0 0,0 0 16,0-1-16,21 1 0,0 0 0,1 21 16,-22-21-16,21 0 0,0 21 15,0 0-15,0-21 0,0 21 0,1 0 16,-1 0-16,0 0 0,0 21 16,0-21-16,0 21 0,-21 0 0,22 0 15,-22 0-15,21 1 0,-21-1 0,21 21 16,-21-21-16,0 0 0,0 1 0,0-1 15,0 0-15,0 21 16,-21-21-16,0 1 0,-1-22 0,1 0 16,0 0-16,0 0 0,0 0 15,0 0-15,-1 0 0,1-22 16,0 22-16,0-21 0,0 0 0,0 0 16,-1 0-16,22 0 0,-21-1 15,21 1-15,-21 21 0,21-21 0,0 42 31,0 0-31,21-21 16,0 22-16,1-1 16,-1 0-16,-21 0 0,21 0 0,0-21 15,21 21-15,1 1 0,-22-22 16,21 21-16,-21-21 0,22 0 0,-1 0 16,-21 0-16,22 0 0,-1 0 15,0-21-15,-21 21 0,22-22 0,-1 1 16,-21 0-16,22 0 0,-22 0 15,42-43-15,-42 22 0,1 0 16,-1-1-16,0 1 0,0 0 16,0-22-16,0 22 0,-21-22 0,0 22 0,22-22 15,-22 1-15,0 21 0,0-64 16,0 63-16,0 1 16,0 0-16,0 21 0,0-1 0,0 1 15,0 0-15,-22 21 16,22 21-16,-21 0 0,21 1 15,-21 20-15,0 0 0,0 1 0,21-1 16,0 21-16,-21 1 0,-1-22 0,22 22 16,0-1-16,0-20 0,0 20 0,0-21 15,0 22-15,0-22 0,0 1 16,0-1-16,0-21 0,22 21 0,-22-20 16,21 20-16,42-21 0,-42 0 15,1-21-15,-1 0 0,0 0 16,21 0-16,-21-21 0,22 21 15,-22-21-15,21 0 0,-21 0 0,43-22 16,-43 1-16,21 0 16,-42-1-16,0 22 0,22 0 15,-22-21-15,0 20 0,0-20 0,0 21 16,0 0-16,0 0 0,-22 21 16,1 21-1,0 0-15,21 0 0,0 0 16,0 22-16,0-22 0,0 21 0,0-21 15,0 22-15,0-1 0,0-21 16,0 21-16,0-20 0,0-1 0,0 0 16,21 0-16,0 0 0,1 0 15,-1 1-15,21-22 0,-21 0 16,0 0-16,22 0 0,-22 0 0,0-22 16,21 22-16,-20-21 0,-1 0 15,0 0-15,0 0 0,0 0 0,-21-22 16,0 22-16,0 0 0,0 0 15,0-22-15</inkml:trace>
+  <inkml:trace contextRef="#ctx0" brushRef="#br0" timeOffset="48524.39">7451 14309 0,'-22'0'0,"44"0"0,-65 21 0,22-21 0,21 21 15,-21-21 1,21 21 0,0 0-1,21-21 1,0 0-16,0 22 0,1-22 0,20 0 16</inkml:trace>
+  <inkml:trace contextRef="#ctx0" brushRef="#br0" timeOffset="49119.25">11388 14880 0,'0'-21'0,"0"-21"15,21 21-15,-21-22 16,21 43-16,-21-21 0,0 0 15,21 0-15,0 0 16,0 21-16,1 0 0,-1 0 16,0 0-16,0 21 0,21 0 0,-20 21 15,-1-21-15,0 22 0,0-22 16,0 21-16,0 1 0,1-1 0,-1-21 16,-21 21-16,0 1 0,0-1 15,0-21-15,0 0 0,0 22 0,0-22 16,0 0-16,0 0 0,-21-21 15,21-21 1,0 0-16,0 0 16,0 0-16,0-1 0,0 1 15,0-21-15,21 21 0,-21-22 0,21 1 16,-21 0-16,21 21 0,0-22 0,-21 1 16,21 0-16,1 20 0,-1 1 0,-21 0 15,21 0-15,0 0 0,0 21 16,0-21-16,1 21 0,-1 0 15,0 0 1,-21 21-16,0 0 0,21-21 0,-21 21 16,0 0-16,0 0 15,0 1-15</inkml:trace>
+  <inkml:trace contextRef="#ctx0" brushRef="#br0" timeOffset="49473.05">12128 14986 0,'0'0'0,"22"21"15,-22 0-15,0 1 0,21-22 16,0 21-16,0-21 0,0 0 15,0 0-15,1-21 16,-1 21-16,21-22 0,0-20 16,-20 21-16,-1 0 0,0 0 0,0-1 15,21 1-15,-42-21 16,22 21-16,-1 0 0,-21-22 0,0 22 16,0 0-16,0 0 0,-21 21 15,-1 0 1,1 21-16,0 0 0,0 0 0,0 0 15,0 1-15,-1-1 0,1 21 0,0-21 16,21 22-16,-21-1 0,21-21 0,-21 21 16,21 1-16,0-1 0,0-21 15,0 22-15,0-1 0,0-21 0,21 0 16,0 0-16,21 1 0,-20-22 0,20 0 16,-21 0-16,21 0 0,1 0 15,-1 0-15,0 0 0,22 0 16,-22-22-16,1 1 0,62-21 15,-62 21-15,-1-22 0,0 1 0,1 0 16,-1-1-16,-21 1 0</inkml:trace>
+  <inkml:trace contextRef="#ctx0" brushRef="#br0" timeOffset="49819.85">13314 14457 0,'0'-42'16,"0"84"-16,0-127 0,0 43 0,0 0 0,0-1 0,0 22 15,0-21-15,0 21 0,21-1 16,-21 44-1,0-1-15,0 21 0,0 0 16,0 1-16,0 20 0,0 22 16,0-22-16,-21 22 0,0 0 15,21-1-15,-22 1 0,1 0 0,0-1 16,0 22-16,0-21 0,0 21 0,21-22 16,-22 22-16,1-21 0,0 21 0,21-22 15,-21 22-15,21-21 0,-21 21 16,0-22-16,21 1 0,0 0 15,-22-1-15,1 1 0,21-21 0,-21-1 0,21 1 16,0-1-16,0-21 0,0 1 16,0-22-16,-21 21 0,21-21 15,0-42 1,0 0-16,0 0 0,0 0 16,0-22-16,0 1 0,0 0 0,0-1 15,21-20-15,-21-1 0,0 1 16,0-1-16,0 1 0,0-22 0,21 1 15</inkml:trace>
+  <inkml:trace contextRef="#ctx0" brushRef="#br0" timeOffset="50155.66">13017 15113 0,'0'-42'16,"0"84"-16,22-148 0,-22 64 0,0 0 0,21 20 16,0-20-16,0 21 0,0 0 15,0-22-15,1 22 0,20 21 0,-21-21 16,21 0-16,1 21 0,-1 0 15,0-21-15,1 21 0,-1 0 16,0 0-16,1 0 0,20 21 16,-20-21-16,-22 21 0,0 0 0,-21 0 15,0 1-15,0-1 16,0 0-16,0 0 0,-21 0 0,-22 0 16,22 1-16,0-1 0,-21 0 0,-22 21 15,43-42-15,-21 21 0,-1 1 16,22-1-16,-21-21 15,21 21-15,0 0 0,-1-21 0,1 21 0,0-21 16,21 21-16,0 1 16,21-22-1,0 0-15,1 0 0,-1 0 0,21 0 16,0-22-16,-20 1 0,20 21 0,0-21 16,1 0-16,-1 0 0</inkml:trace>
+  <inkml:trace contextRef="#ctx0" brushRef="#br0" timeOffset="50544.05">14012 14732 0,'0'0'0,"0"-21"0,21 0 0,-21 0 16,0-1-16,0 1 0,-21 21 15,0 0 1,0 21-16,21 1 0,-21-1 16,0 0-16,-1 0 0,1 21 15,21-20-15,-21 20 0,0 0 0,21-21 16,0 22-16,0-22 0,0 21 0,0-21 15,0 1-15,0-1 0,0 0 16,21 0-16,0-21 0,0 0 0,1 0 16,-1 0-16,0 0 0,0 0 0,21 0 15,-20-21-15,-1 0 0,0 21 16,0-21-16,0-1 0,0 1 0,1-21 16,-22 21-16,0 0 0,0-22 0,0 1 15,0 21-15,0-22 0,0 1 16,-22 0-16,1-1 0,0 22 15,0 0-15,0 0 0,-22 21 16,22 0-16,0 0 0,0 0 0,0 21 16,0 0-16,21 0 15,-22 1-15,1-1 0,21 0 16,0 0-16,0 0 0,0 0 0,21 1 16,1-22-16,20 0 15,-21 0-15</inkml:trace>
+  <inkml:trace contextRef="#ctx0" brushRef="#br0" timeOffset="50948.82">14499 14753 0,'0'0'0,"21"-21"0,-21 0 0,0 0 16,21 0-16,-21-1 16,22 1-16,-22 0 0,0 0 15,21 21 1,0 21-1,-21 0-15,0 0 0,0 1 0,21 20 16,-21-21-16,0 0 0,0 22 16,0-22-16,0 21 0,0-21 0,0 22 15,0-22-15,0 0 0,0 21 0,0-21 16,0 1-16,0-1 0,0 0 16,0-42 15,0 0-16,0-1-15,0 1 0,21 0 16,-21-21-16,21 21 0,-21-1 16,0-20-16,22 21 0,-1 0 0,-21 0 15,21-1-15,-21 1 0,0 0 0,0 0 16,0 0 15,21 21-15,0 0-1</inkml:trace>
+  <inkml:trace contextRef="#ctx0" brushRef="#br0" timeOffset="51727.41">15557 14161 0,'0'0'0,"22"-22"15,-22 1-15,0 42 47,-22 1-47,1-1 0,0 21 0,0-21 16,-21 22-16,20-1 0,-20 0 0,21 22 16,-21-22-16,20 22 0,-20-22 15,21 21-15,0-20 0,0 20 0,-1-20 16,1-1-16,21 0 0,-21 1 0,21-22 15,0 21-15,0-21 0,0 0 16,21 1-16,0-1 0,22 0 16,-22 0-16,21-21 0,-21 0 0,22 0 15,-1 0-15,0 0 0,1 0 0,-1-21 0,22 0 16,-22 0-16,-21-1 0,21 1 16,1 0-16,-22 0 0,21 0 15,-21-22-15,1 22 0,-1 0 0,-21-21 16,0 21-16,0-1 0,0-20 15,0 21-15,0 0 0,-21 21 16,-1 0-16,1 0 16,0 21-16,0 0 0,0 0 15,0 0-15,-1 1 0,22 20 0,-21-21 16,0 21-16,21-20 0,0 20 0,0-21 16,0 0-16,0 22 0,0-22 15,0 0-15,21 21 16,0-42-16,-21 21 0,43-21 0,-22 0 0,0 0 15,0 0-15,0 0 16,22 0-16,-22 0 0,0 0 0,21-21 16,-20 0-16,20 0 0,-21 0 0,21 0 15,-20-1-15,20 1 0,0 0 0,-21-21 16,22 21-16,-22-22 0,21 22 16,-21 0-16,1 0 0,-1 0 0,0 21 15,-21 21 1,0 0-1,0 0-15,0 0 0,0 22 0,0-22 16,0 0-16,0 0 0,0 21 16,0-20-16,0-1 0,0 0 15,21 0-15,0 0 0,0-21 0,1 21 16,-1-21-16,21 0 0,0 0 16,-20 0-16,-1 0 0,21 0 0,-21-21 15,0 21-15,22-21 0,-22 0 16,0 21-16,0-21 0,-21 0 0,0-1 15,21 1-15,-21-21 16,0 0-16,0 20 0,-21 1 0,0 0 16</inkml:trace>
+  <inkml:trace contextRef="#ctx0" brushRef="#br0" timeOffset="52007.76">15452 14457 0,'0'0'16,"21"0"-16,0 0 15,0 0-15,21 0 0,1 0 16,-1-21-16,0 21 0,1-21 0,63-1 16,-43 22-16,1-21 15,-22 21-15,21 0 0,1 0 0,-22-21 16,22 21-16,20 0 15,-41 0-15,-22 0 0,0 0 0,0 0 16,0 0-16</inkml:trace>
+  <inkml:trace contextRef="#ctx0" brushRef="#br0" timeOffset="52420.53">17611 14753 0,'0'0'15,"0"21"-15,0 1 0,0-1 0,0 0 0,0 0 16,0 0-16,0 0 0,0 1 15,21-22 1,0 0 0,0 0-16,0 0 0,0-22 15,1 22 1,-22-21-16,21 0 0,-21 0 0,0 0 16,0 0-16,0-1 0,0 1 15,0 0-15,0 0 0,-21 21 16,-1 0-16,1 0 15,0 0-15,0 0 0,0 0 0,0 21 16,-1 0-16,1 0 0,0-21 16,21 22-16,0-1 0,-21 0 15,21 0-15,21-21 16,0 0-16,0 0 16,1 0-16,-1-21 0,21 21 15,-21-21-15</inkml:trace>
+  <inkml:trace contextRef="#ctx0" brushRef="#br0" timeOffset="53271.55">18373 14097 0,'0'0'16,"0"-21"-16,0 0 0,0 0 0,0-1 0,0 1 15,0 42 16,0 1-31,0-1 0,0 0 0,-22 21 16,22 1-16,0-22 0,-21 21 16,21 0-16,-21 22 0,21-22 15,0 1-15,0 20 0,-21-21 0,21 22 16,0-22-16,-21 1 0,21-1 16,0 0-16,0 43 0,0-64 15,0 21-15,0-20 0,0-1 0,-21 0 16,21 0-16,-22 0 0,22-42 47,0 0-47,0 0 0,0 0 15,0-22-15,0 22 16,0-21-16,22-1 0,-1 22 0,0-21 16,0 0-16,0-1 0,0 1 0,1 21 15,-1 0-15,0-1 0,21 1 16,-21 21-16,1 0 0,-1 0 0,0 0 15,0 0-15,0 21 0,0-21 0,-21 22 16,22 20-16,-1-21 0,-21 0 16,21 22-16,-21-22 0,21 21 0,0-21 15,-21 0-15,21 22 0,1-22 0,-22 0 16,21 0-16,0 0 0,0-21 16,0 22-16,0-22 0,1 0 15,-1 0-15,0 0 0,0 0 16,0 0-16,0 0 0,1 0 0,-22-22 15,21 1-15,0 21 0,0-42 16,0 21-16,0 0 0,-21-22 0,22 1 16,-1 0-16,-21-22 0,0 22 0,21-22 15,0 1-15,-21-1 0,0 1 16,0 20-16,0-20 0,21 21 0,-21-1 16,0 22-16,0-21 0,0 21 0,0-1 15,0 44 1,-21-1-16,0 0 15,21 0-15,0 21 0,0 1 16,0-1-16,-21 0 0,21 1 0,0 20 16,0-20-16,0 20 0,0-21 15,0 1-15,0 20 0,21-20 0,-21-1 16,0-21-16,0 21 0,21 1 16,0-22-16,-21 0 0,21 0 0,-21 0 15,0 1-15,22-22 0,-1 0 16,0 0-1,0 0-15,0 0 16,-21-22-16,21 1 0,-21 0 0,22 0 16,-1 21-16,-21-21 0,0 0 15,0-1-15,0 1 0,0 0 0,0 0 16,0 0-16,0 0 0,0-1 16</inkml:trace>
+  <inkml:trace contextRef="#ctx0" brushRef="#br0" timeOffset="53500.42">19135 14457 0,'-22'21'15,"44"-21"1,-1 21-16,0-21 16,0 0-16,0 0 0,0 0 0,1 0 15,20 0-15,-21 0 0,21 0 16,-20 0-16,20-21 0,-21 21 0,0 0 15,22 0-15,-22-21 0,0 21 16,-21-21-16,21 21 0,-21-21 16,21 21-16,-21-22 15</inkml:trace>
+  <inkml:trace contextRef="#ctx0" brushRef="#br0" timeOffset="54609.89">20129 14436 0,'0'0'0,"0"21"16,0 0-1,0 0-15,0 0 16,0 1-16,-21-1 0,0 0 16,21 0-16,-21 0 0,0 0 15,21 1-15,-21-1 0,-1 0 0,22 0 16,-21 0-16,0 0 0,0 1 15,21-1-15,-21 0 0,0 0 0,21 0 16,-22-21-16,22 21 0,-21-21 16,21 22-16,-21-22 0,21-22 31,0 1-31,0 0 16,0 0-16,0 0 15,0-22-15,21 22 0,0-21 16,1 21-16,-1-22 0,-21 1 0,21 21 15,21-43-15,-21 22 0,1 21 16,-1 21-16,0-21 0,0 21 16,0 0-16,0 0 0,1 0 0,-1 0 15,0 0-15,0 21 0,0 0 0,-21 0 16,21 0-16,1 22 0,-22-22 16,21 0-16,-21 21 0,0-20 0,0-1 15,0 0-15,0 21 16,0-21-16,0 1 0,0-1 0,0 0 15,0 0 1,-21-21 0,21-21-1,0 0 1,0 0-16,0-1 0,0 1 0,0 0 16,0 0-16,21 0 0,-21-22 15,21 22-15,0-21 0,0 0 0,22-1 16,-22 22-16,21-21 0,-21 21 0,22-1 15,-1 1-15,0 0 0,1 21 16,-22 0-16,21 0 0,-21 0 16,43 42-16,-43-20 0,0-1 15,-21 0-15,0 21 0,0-21 16,0 1-16,0 20 0,0-21 0,0 21 16,0-20-16,0-1 0,0 0 0,0 21 15,0-21-15,0 1 0,0-1 16,0 0-16,21 0 0,0-21 15,1 21-15,-1-21 0,0 0 0,0 0 16,21 0-16,-20 0 0,-1 0 16,0 0-16,21 0 0,-21 0 0,1-21 15,-1 0-15,0 0 0,0 0 16,0-22-16,-21 1 0,21 0 0,1-1 16,-1-20-16,0 20 0,0-84 15,0 64-15,-21-1 0,21 1 16,-21 21-16,22-22 0,-22 22 15,0-1-15,0 1 0,21 0 0,-21-1 16,0 22-16,0 0 0,0 0 0,0 0 16,0 0-16,-21 21 0,-1 0 15,1 0-15,-21 21 0,21 0 16,0 0-16,-1 21 0,1 1 16,0-22-16,21 21 0,-21 1 0,0-1 15,21 0-15,-21 22 0,21-22 16,0 0-16,0 22 0,0-22 0,0 1 15,0-1-15,21 43 16,0-64-16,0 21 0,-21-21 0,21 0 16,0 1-16,-21-1 0,22 0 15,-1-21-15,0 0 0,0 0 0,0 0 16,0 0-16,1 0 0,-1 0 16,0 0-16,0-21 0,21 0 15,-20-1-15,-1 22 0,0-21 16,-21 0-1,0 0-15,-21 21 32,0 0-32</inkml:trace>
+  <inkml:trace contextRef="#ctx0" brushRef="#br0" timeOffset="125927.64">10160 13441 0</inkml:trace>
+</inkml:ink>
+</file>
+
+<file path=ppt/ink/ink16.xml><?xml version="1.0" encoding="utf-8"?>
+<inkml:ink xmlns:inkml="http://www.w3.org/2003/InkML">
+  <inkml:definitions>
+    <inkml:context xml:id="ctx0">
+      <inkml:inkSource xml:id="inkSrc0">
+        <inkml:traceFormat>
+          <inkml:channel name="X" type="integer" max="1600" units="cm"/>
+          <inkml:channel name="Y" type="integer" max="900" units="cm"/>
+          <inkml:channel name="T" type="integer" max="2.14748E9" units="dev"/>
+        </inkml:traceFormat>
+        <inkml:channelProperties>
+          <inkml:channelProperty channel="X" name="resolution" value="51.77993" units="1/cm"/>
+          <inkml:channelProperty channel="Y" name="resolution" value="51.72414" units="1/cm"/>
+          <inkml:channelProperty channel="T" name="resolution" value="1" units="1/dev"/>
+        </inkml:channelProperties>
+      </inkml:inkSource>
+      <inkml:timestamp xml:id="ts0" timeString="2021-02-03T14:31:12.381"/>
+    </inkml:context>
+    <inkml:brush xml:id="br0">
+      <inkml:brushProperty name="width" value="0.05292" units="cm"/>
+      <inkml:brushProperty name="height" value="0.05292" units="cm"/>
+      <inkml:brushProperty name="color" value="#FF0000"/>
+    </inkml:brush>
+  </inkml:definitions>
+  <inkml:trace contextRef="#ctx0" brushRef="#br0">6371 508 0,'0'-21'0,"0"42"0,0-63 15,0 21-15,0-1 16,0 1-16,0 0 0,0 0 0,0 0 16,0 0-16,0 42 46,0 0-30,0 21-16,0-21 0,0 22 16,0-1-16,0 0 0,21 1 0,0-1 15,1 22-15,-22-1 0,21-21 16,0 22-16,0-1 0,0 1 16,0-1-16,1-20 0,-1 20 0,21-20 15,-21-1-15,0 0 0,1 1 16,-1-1-16,0 0 0,0-21 0,0 1 15,0 20-15,1-21 0,-1 0 16,0 0-16,-21 1 0,0-44 47,0 1-31,0 0-16,0 0 0,0 0 15,-21 0-15,21-1 0,0 1 0,0-21 16</inkml:trace>
+  <inkml:trace contextRef="#ctx0" brushRef="#br0" timeOffset="341.39">7091 635 0,'0'0'0,"0"-63"15,0 41-15,0 1 16,-21 21 15,-1 21-31,1-21 0,0 43 16,0-22-16,-21 21 0,20 1 0,-20 20 15,0 1-15,-1-1 0,-20 1 16,21-1-16,-22 1 0,1 20 0,-1-20 16,1-1-16,-1-20 0,22 20 15,-22-21-15,22 22 0,0-22 0,-1-21 16,22 22-16,-21-22 0,21 0 15,21 0-15,0 0 0,21-21 32,-21-21-17,21 0-15,0 0 0,0 0 0,22 0 16,-22-22-16,21 22 0,-21 0 16</inkml:trace>
+  <inkml:trace contextRef="#ctx0" brushRef="#br0" timeOffset="1056.5">7514 614 0,'0'0'0,"0"-21"0,0 0 16,0-1-16,0 1 15,-21 21-15,0 0 16,0 21-1,-1 1-15,22-1 0,-21 0 0,21 21 16,-21 1-16,0 20 0,0-21 16,21 22-16,-21-1 0,-1 1 15,1-1-15,21 1 0,-21-1 0,0-20 16,0 20-16,21-20 0,0-1 0,0 0 16,0 1-16,0-22 0,0 21 15,0-21-15,0 0 0,21 1 0,-21-1 16,21-21-16,21 0 0,-20 0 15,-1 0-15,21 0 0,-21-21 16,22-1-16,-1 1 0,0 0 0,1 0 16,-1-21-16,0 20 0,-21-20 15,22 21-15,-1-21 0,-21 20 0,22-20 16,-22 21-16,0 0 0,0 0 16,0 21-16,-21-22 0,0 44 31,0-1-31,-21 0 0,0 21 15,0-21-15,21 1 0,-21-1 16,-1 21-16,1-21 0,21 22 0,0-22 16,-21 0-16,21 21 0,0-21 15,0 1-15,0-1 0,0 0 16,0 0-16,21 0 0,0-21 0,22 0 16,-22 0-16,21 0 0,1 0 15,-1-21-15,-21 21 0,21-21 0,1 0 16,-22-22-16,21 22 0,-21 0 15,22 0-15,-22-21 0,0 20 0,0 1 16,0 0-16,1 0 0,-22 0 16,0 0-16,21-1 0,-21 1 15,0 42 17,-21 1-17,21 20-15,-22-21 16,1 21-16,0-20 0,21 20 0,-21 0 15,0 22-15,0-22 0,-1 22 16,1-1-16,0 1 0,0-22 0,0 43 16,21-22-16,-21 22 0</inkml:trace>
+  <inkml:trace contextRef="#ctx0" brushRef="#br0" timeOffset="1308.86">8064 3175 0,'0'0'16,"0"127"-1,0-106-15,0 22 0,0-22 16,0 0-16,0 0 0,0 0 0,-21-21 15,0 0-15,0 0 0,0-21 16,0 0-16,-1 0 0,-20-22 0,21 1 16,-21 0-16,-1-1 0,1 1 0,0-21 15,-1-1-15,1 22 0,0-22 16,20 1-16,1-1 0,21 1 0,-21-1 16,21 1-16,0-1 0,21 1 15,0 20-15,22-20 0,-1 21 0,0-1 16,1-20-16,-1 20 0,0 1 0,22 0 15,-22-1-15,22 1 16,-22 0-16,22-22 0,-22 22 0,0-22 16,22 1-16,-22 21 0,0-22 15</inkml:trace>
+  <inkml:trace contextRef="#ctx0" brushRef="#br0" timeOffset="2965.84">9207 889 0,'0'-21'0,"0"42"0,0-63 0,-21 21 16,21-1-16,0 1 0,0 0 15,21 21 17,22-21-17,-22 21-15,0 0 16,0 0-16,22 0 0,-22-21 0,21 21 16,-21-21-16,22 21 0,-1-22 15,-21 1-15,21 21 0,-20-21 0,-1 0 16,0 0-16,0 0 15,-21-1-15,0 1 0,0 0 16,0 0 0,-21 21-16,0 0 0,0 0 15,-1 21-15,22 0 0,-21 0 16,0 1-16,0 20 0,0 0 0,0 22 16,-1-1-16,1-20 0,21 20 15,-21 22-15,0-22 0,0 1 0,21-1 16,0-20-16,-21 20 0,21 1 15,-22-22-15,22 0 0,0 1 16,-21 20-16,21-42 0,0 22 0,0-1 16,-21-21-16,21 0 0,-21 0 15,0 1-15,0-22 16,-1 0-16,1 0 0,0-22 16,0 1-16,0 0 0,0 0 0,-1 0 15,1-22-15,0 22 0,0-21 16,0 0-16,0 20 0,21 1 0,0-21 15,-22 21-15,22 0 0,-21 21 16,21-22-16,0 44 16,0-1-1,0 0-15,0 0 0,0 0 16,0 0-16,0 1 0,0-1 0,21 21 0,1-21 16,-1 0-16,0 22 0,0-22 15,21 21-15,1-21 16,-22 1-16,21-22 0,-21 0 15,22 0-15,-1 0 0,0 0 0,1 0 16,-1 0-16,22-22 0,-22 1 16,0 0-16,1 0 0,-1-21 0,0 20 15,1-20-15,-22 21 0,0-21 16,21 20-16,-42-20 0,21 0 16,-21 21-16,0-1 0,0 1 0,0 0 15,-21 21 1,0 0-1,0 0-15,0 21 0,0 0 16,21 1-16,-22 20 0,1-21 0,0 21 16,21-20-16,0 20 0,-21-21 15,21 21-15,0-20 0,0 20 0,0-21 16,0 0-16,0 0 0,21 1 16,0-1-16,0 0 0,22-21 0,-22 0 15,21 0-15,-21 0 0,22 0 16,-1 0-16,0 0 0,1-21 0,-1 0 15,22-22-15,-22 22 0,0-21 0,1 21 16,-22-22-16,21 1 16,0 21-16,-20-22 0,-1 1 0,0 21 15,-21 0-15,0 0 0,0-1 16,0 44 0,-21-22-16,21 21 15,-21 21-15,-1-21 0,22 0 16,0 1-16,0 20 0,0-21 0,0 0 15,0 22-15,0-22 0,0 0 16,0 0-16,0 21 0,0-20 16,22-1-16,-22 0 0,0 0 15,-22-42 17,22 0-32,-21 21 15,0-21-15,0-1 0,0 1 0,21 0 16,-21 0-16,-1 0 0,1 0 15,0 21-15,0 0 16,21 21 0,0 0-16,0 0 0,0 0 15,21 22-15,0-22 0,0 0 16,22 0-16,-22 0 16,0 0-16,21-21 0,-20 22 0,20-1 15,0-21-15,-21 0 0,22 0 0,-1 0 16,0 0-16,-20-21 0,20-1 15,0 1-15,1 0 0,-22 0 0,21-21 16,-21-1-16,22 1 0,-1 0 16,-21-22-16,0 22 0,0-22 0,22 1 15,-22-1-15,-21 1 0,21-1 16,0-63-16,-21 64 0,0-1 16,0 22-16,0 0 0,0 20 15,0 1-15,0 0 0,0 0 0,0 42 16,-21 0-1,0 0-15,21 22 0,0-1 0,-21 0 16,0 22-16,-1-22 16,1 22-16,21-1 0,-21-20 0,0 20 15,21 1-15,0-22 0,0 0 0,0 22 16,0-22-16,0 0 0,0 1 16,0-1-16,0 0 0,0-20 0,0-1 15,21 21-15,0-21 16,0 0-16,1-21 0,20 22 0,-21-22 0,0 0 15,0 0-15,22 0 0,-22 0 16,0 0-16,21 0 0,-20-22 0,-1 1 16,0 21-16,0-21 0,0 0 0,0-21 15,1 20-15,-1 1 16,-21-21-16,21 21 0,-21-22 0,0 22 0</inkml:trace>
+  <inkml:trace contextRef="#ctx0" brushRef="#br0" timeOffset="3189.08">10943 1291 0,'0'0'0,"21"0"31,22 0-31,-22 0 0,21 0 16,0 0-16,1 0 0,20 0 15,-20-21-15,20 21 0,-21 0 0,1-21 16,-1 21-16,0 0 0,1 0 15,-22 0-15,0-21 0,-42 21 32,0 0-17,-22 21-15</inkml:trace>
+  <inkml:trace contextRef="#ctx0" brushRef="#br0" timeOffset="4092.67">8107 1905 0,'0'21'62,"0"0"-62,0 1 0,0-1 16,0 0-16,0 0 0,0 0 0,0 0 15,0 22-15,0-22 0,0 21 16,0-21-16,0 22 0,0-1 0,0 22 16,0-22-16,0 0 0,0 22 15,0-22-15,-21 22 0,21-22 0,0 21 16,0-20-16,-22 20 0,22-20 16,0 20-16,-21-21 0,-21 64 15,42-42-15,-21-22 0,0 22 16,-1-22-16,1 0 0,0 1 0,0-1 15,0 0-15,-22-21 0,22 22 16,21-22-16,-21 0 0,0 0 0,0 0 16,21-42 15,0 0-31</inkml:trace>
+  <inkml:trace contextRef="#ctx0" brushRef="#br0" timeOffset="8092.7">12890 1312 0,'0'0'0,"-21"0"16,0 0-16,21 22 0,-21-1 15,0 0 1,0 0-16,21 0 0,-22 0 16,22 1-16,-21-1 0,21 0 15,0 0-15,0 0 0,0 0 16,0 1-16,0-1 16,21-21-16,1 0 0,-22 21 0,21-21 15,0 0-15,0 0 16,0 0-16,0 0 0,-21-21 0,22 0 15,-22-1-15,21 22 0,-21-21 16,0 0-16,0-21 0,21 21 0,-21-1 16,21-20-16,0 0 0,-21-1 0,21 1 15,1-21-15,-22-1 0,21 22 16,0-22-16,0 1 0,0-1 16,22 1-16,-22 20 0,0-20 0,21 21 15,-21 20-15,1-20 0,20 21 16,21 0-16,-41 21 15,-1 0-15,21 0 0,-21 0 0,0 21 16,1 0-16,-22 0 0,0 22 16,21-22-16,-21 21 0,0-21 0,0 22 15,0-22-15,0 21 0,0-21 16,0 0-16,0 22 16,0-22-16,0-42 31,0 0-31,0-1 0,0 1 15,21-21-15,-21 21 0,0-22 0,0 22 16,0-21-16,0 0 0,0-1 16,0 22-16,0-21 0,0 21 0,-21-1 15,21 1-15,-21 0 0,-1 0 16,1 21-16,0 0 0,-21 0 16,21 21-16,-1 0 0,-20 0 15,0 22-15,21-1 0,-22 0 0,1 1 16,0 20-16,-22 1 0,22-1 15,21 1-15,-22-1 0,22 1 0,-21-1 16,42 1-16,0-22 16,0 22-16,0-22 0,0 0 0,0 1 15,21-1-15,0 0 0,0 1 16,22-1-16,-1 0 0,0-21 0,1 1 16,-1-1-16,21 0 0,1-21 0,-1 0 15,-20 0-15,20 0 0,22 0 16,-22-21-16,22 0 0,-21-1 0,20 1 15,-20-21-15,20 21 0,-20-22 16,-1 1-16,-20 0 0,-1-1 0,0 22 16,-20-21-16,-1 0 0,0-22 15,-21 22-15,0 21 16,0-1-16,0 1 0,-21 0 16,0 21-16,-22 0 0,22 0 15,-21 0-15,21 0 0,-22 21 0,1 0 16,0 1-16,-1-1 0,1 21 15,0-21-15,20 22 0,-20-1 0,0 0 16,21-21-16,-1 22 0,1-1 16,21 0-16,0-20 0,0 20 0,0-21 15,0 21-15,0-20 16,0-1-16,21-21 0,1 0 0,20 0 0,-21 0 16,21 0-16,1 0 0,-1 0 15,0-21-15,1-1 0,-1 1 0,0-21 16,-20 21-16,20-22 0,-21 22 15,0-21-15,0 0 0,1-1 16,-1 22-16,0-21 0,-21-22 16,0 43-16,0 0 0,0 0 15,0 0-15,0 42 32,-21 0-32,21 0 15,-21 0-15,-1 0 0,22 22 16,0-22-16,0 0 0,0 21 0,0-20 15,0 20-15,0-21 0,0 0 0,0 22 16,0-22-16,0 0 0,0 0 16,22 0-16,-22 0 0,21-21 0,21 0 15,-21 0-15,0 0 16,1 0-16,20 0 0,0 0 0,1-21 16,-1 0-16,0 0 0,1 0 15,-1-22-15,0 22 0,1-21 0,-1 0 16,0 20-16,1-20 0,-22 21 0,0-21 15,0 20-15,0 1 0,-21-21 16,0 21-16,0 0 0,-21 21 16,0 0-1,0 0-15,0 21 0,-1 0 0,1-21 16,21 21-16,-21 0 16,21 0-16,-21 22 0,21-22 0,0 0 15,0 0-15,0 22 0,0-22 16,0 0-16,0 21 0,0-21 0,0 1 15,21-1-15,-21 0 0,0 0 0,0 0 16,0 0-16,0-42 47,-21 21-47,0-21 0,0 0 0,-1 0 16,22 0-16,-21 21 0,21-22 15,-21 22-15,0 0 0,21-21 16,-21 21-1,21 21 1,0 1 0,0-1-16,0 0 0,0 0 15,21 0-15,0 0 0,-21 1 16,21-1-16,0-21 0,1 21 16,20-21-16,-21 0 0,21 21 0,1-21 15,-1 0-15,0 0 0,22 0 16,-1 0-16,1 0 0,-1-21 0,1 0 15,-1 21-15,1-21 0,-1-1 0,1-20 16,-22 21-16,1-21 0,20 20 16,-42-20-16,22 21 0,-1-21 15,-21-1-15,0 22 0,0-21 16,-21-1-16,0 22 0,0 0 0,0-21 16,0 21-16,0-1 15,0 1-15,-21 21 16,0 0-16,0 21 0,0 1 15,0-1-15,-1 21 0,-20-21 16,21 22-16,0-22 0,21 21 0,-21 0 0,21 1 16,-22-1-16,22 0 15,0-20-15,0 20 0,0-21 0,0 21 16,22-20-16,-1-1 0,0 0 16,0 0-16,21-21 0,1 0 0,-1 0 15,0 0-15,22 0 0,-1 0 0,-20 0 16,20 0-16,1-21 0,-1 0 15,-20 21-15,-1-21 0,0-1 0,-21 22 16,22-21-16,-22 0 0,0 21 16,-21-21-16,21 21 0,-21-21 15,0 0 1,-21 21-16,0-22 0,0 22 16</inkml:trace>
+  <inkml:trace contextRef="#ctx0" brushRef="#br0" timeOffset="9456.02">6540 2053 0,'0'0'0,"-21"21"0,0-21 16,0 0-16,0 22 0,0-22 16,21 21-1,0 0 1,21-21 0,0 21-1,0-21-15,0 0 0,0 0 0,1 21 16,20-21-16,-21 21 0,21-21 15,22 0-15,-22 0 0,1 0 16,20 22-16,1-22 0,-1 0 0,1 0 16,20 0-16,-20 0 15,20 0-15,1 0 0,0 0 0,21 0 0,-1 0 16,-20 0-16,21 0 0,0 0 16,0 0-16,-1 0 0,1 21 0,21-21 15,-21 0-15,21 0 0,-21 21 16,21-21-16,-21 0 0,0 0 0,-1 21 15,1-21-15,0 0 0,0 21 0,-21-21 16,20 0-16,1 0 0,0 21 16,-21-21-16,21 0 0,-22 0 0,1 22 15,0-22-15,-1 0 0,1 0 16,0 0-16,-1 21 0,1-21 16,21 0-16,-22 0 0,1 21 0,0-21 15,-1 0-15,1 0 0,0 21 16,-22-21-16,22 0 0,0 0 0,-1 0 15,1 21-15,0-21 0,20 0 16,-20 0-16,0 0 0,-1 0 0,1 21 16,84-21-16,-105 0 15,21 0-15,-1 0 0,1 0 0,0 0 16,-1 0-16,1 0 0,0 0 16,-1 0-16,1 0 0,-22 0 0,22 0 15,-21 0-15,-1 0 0,22 0 16,-22 0-16,1 0 0,-1 0 0,1 0 15,-1 0-15,22 0 0,-22 0 16,1 0-16,-1 0 0,1 0 0,-1 0 16,1 0-16,-22 0 0,22-21 15,-1 21-15,-20 0 0,20 0 0,-21 0 16,22 0-16,-1 0 0,-20 0 16,20 0-16,1 0 0,-1-21 0,-20 21 15,20 0-15,1 0 0,-1 0 16,1 0-16,-22 0 0,21 0 0,-20 0 15,20 0-15,-20 0 0,-1 0 16,0 0-16,1 0 0,-1 0 16,0 0-16,1 0 0,-1 0 0,0 0 15,1 0-15,20 0 16,-42 0-16,0 0 0,1 0 0,-1 0 16,0 0-16,0 0 15,0 0-15,-21-21 63,-42 21-48,21 0-15,-22-21 0,22 0 16,-42 21-16,20-22 0</inkml:trace>
+  <inkml:trace contextRef="#ctx0" brushRef="#br0" timeOffset="19939.56">2561 3577 0,'0'0'0,"0"-21"63,21 21-32,-21-21-15,0 0 15,0 0-15,0-1-1,0 1 1,0 0-1,0 42 142</inkml:trace>
+  <inkml:trace contextRef="#ctx0" brushRef="#br0" timeOffset="22097.98">2625 3514 0,'21'0'47,"0"0"-47,0 0 16,0-21-16,0 21 0,1-22 0,-1 1 15,21 21-15,-21-21 16,0 0-16,1 21 0,-1-21 0,-21 0 16,0-1-16,0 1 15,0 0-15,-21 21 16,-1 0 0,-41 0-16,21 0 15,20 21-15,-20 0 0,0 1 0,-1-1 16,22 0-16,-21 21 0,21-21 15,-22 22-15,22-22 0,0 21 0,0-21 16,21 22-16,0-1 0,0-21 16,0 22-16,0-22 0,21 21 15,0-21-15,0 22 0,1-22 16,-1 21-16,21 0 0,-21 1 0,0-22 16,1 21-16,-1 1 0,0-22 15,-21 21-15,0-21 0,0 22 0,0-22 16,0 21-16,0-21 0,-21 0 15,0 1-15,-1-1 0,-20 0 0,21-21 16,-21 21-16,-1-21 0,22 0 16,-21 0-16,-1 0 0,1 0 15,21-21-15,0 0 0,-22 0 16,22-1-16,0 1 0,0-21 0,0 0 16,21-1-16,0 22 0,-21-21 15,21-1-15,0 22 0,0-21 16,0 21-16,0 0 0,0-1 15,0 44 1,0-1 0,0 0-16,0 21 0,21 1 15,-21-22-15,21 21 0,0 0 16,-21 1-16,21-1 0,0-21 0,1 22 16,-1-22-16,0 21 0,0-21 15,0 0-15,22-21 0,-1 22 0,0-22 16,1 0-16,-1 0 15,0 0-15,1 0 0,20 0 0,-21-22 16,22 1-16,-22 0 0,1 0 16,-1 0-16,0-22 0,-21 22 0,22-21 15,-22 0-15,0-1 0,-21 1 16,0 0-16,0-1 0,0 1 0,0 0 16,0 20-16,0-20 0,0 21 15,0 0-15,-21 21 0,0 0 0,0 0 16,-1 0-16,1 0 15,21 21-15,-21 0 0,21 21 0,0-20 16,-21 20-16,21 0 0,-21 22 16,21-22-16,0 0 0,0 1 15,0-1-15,0-21 0,0 22 16,21-22-16,0 21 0,0-21 0,0 0 16,1-21-16,-1 22 0,21-22 15,-21 0-15,22 0 0,-1 0 0,0-22 16,1 1-16,-1 0 0,0 0 0,1 0 15,20-22-15,-21 1 0,1 0 16,-1-1-16,0-20 0,1-1 0,-22 22 16,21-21-16,-21-1 0,1 1 15,-22 20-15,21-20 0,-21 20 16,21-20-16,-21 21 0,0-1 0,0 1 16,0 0-16,0 20 0,0 1 15,0 0-15,0 42 16,-21 0-1,21 22-15,-21-22 0,-1 21 16,22 22-16,-21-22 0,0 22 0,0-22 16,0 21-16,0 22 0,21-21 15,0-1-15,-22 1 0,22-1 0,0-21 16,0 22-16,0-22 0,0-21 16,0 22-16,22-22 0,-1 0 0,0 0 15,21 0-15,-21-21 16,22 0-16,-22 0 0,21 0 0,1 0 15,-1-21-15,-21 0 0,21 0 16,1 0-16,-1 0 0,-21-22 0,22 22 16,-22-21-16,0-1 0,0 1 15,0 0-15,-21-1 0,0 1 0,0 0 16,0 21-16,0-1 0,0 1 16,0 0-16,-21 21 0,0 0 0,0 0 15,0 21-15,-1 0 0,22 1 16,-21-1-16,21 21 0,-21 0 15,21 22-15,0-22 0,0 1 16,0-1-16,0-21 16,0 21-16,21-20 0,0-1 0,-21 0 15,22 0-15,-1 0 0,21-21 16,-21 0-16,0 0 0,22 0 0,-22 0 16,0 0-16,21 0 0,-20-21 15,20 0-15,-21 0 0,21 0 0,-20-1 16,-1 1-16,21-21 0,-21 0 15,0 20-15,1-20 0,-1 0 0,0-1 16,0 1-16,0 21 0,0 0 0,1 0 16,-1-1-16,0 1 0,0 21 15,0 0-15,0 0 16,-21 21-16,0 1 16,0-1-16,0 0 0,0 0 15,0 0-15,22 0 0,-22 1 16,21-22-16,-21 21 15,21-21 1,-21-21 0,21-1-16,-21 1 15,0 0-15,0 0 0,0 0 16,0 0-16,0-1 0,-21 1 16,0 0-16,0 21 15,-1 0-15,1 0 16,0 0-16,0 21 15,0 0-15,0 1 0,-22 41 16,22-21-16,0 1 0,0-1 16,21-21-16,-21 22 0,21-1 15,-22 0-15,22-21 0,0 22 0,0-22 16,0 0-16,22 0 0,-1 0 16,0 1-16,0-1 0,0 0 0,22-21 15,-22 0-15,21 21 0,-21-21 16,22 0-16,-22 0 0,21 0 0,0 0 15,-20-21-15,20 0 0,-21 0 16,21 21-16,-20-43 0,-1 22 16,21 0-16,-21-21 0,0-1 0,1 1 15,-1 0-15,0-22 0,0 22 16,0-22-16,0 1 0,-21 20 16,22-20-16,-1 21 0,-21-22 0,0 22 15,0-1-15,21 1 0,-21 21 0,0-21 16,0 20-16,0 1 15,-21 21 1,0 21-16,21 1 0,-22 20 0,1-21 16,0 21-16,0 1 15,21-1-15,-21 22 0,0-22 0,21 21 16,0 1-16,-22-1 0,22 1 16,-21-22-16,21 22 0,0-22 0,0 0 0,0 1 15,0-22-15,0 21 16,21-21-16,1 1 0,-22-1 0,21-21 15,0 21-15,0-21 0,21 0 0,-20 0 16,-1 0-16,0 0 0,21 0 16,-21 0-16,22-21 0,-1 0 15,-21-1-15,0 1 0,1 0 16,-1 0-16,0-21 0,-21 20 16,0-20-16,0 21 0</inkml:trace>
+  <inkml:trace contextRef="#ctx0" brushRef="#br0" timeOffset="22297.2">5270 4128 0,'22'0'16,"-1"0"-16,0 0 15,0 0-15,21 0 0,-20 0 16,-1-22-16,21 22 0,-21-21 0,22 21 15,-22 0-15,21-21 0,-21 21 0,22-21 16,-1 21-16,0-21 0,-21 21 16</inkml:trace>
+  <inkml:trace contextRef="#ctx0" brushRef="#br0" timeOffset="23449.53">6837 4509 0,'21'-22'0,"-21"1"31,21 0-31,-21-21 0,21 21 0,0-1 15,-21 1-15,22-21 0,-22 21 0,21-22 16,-21 1-16,0 21 0,0-21 16,0-1-16,0 1 0,0 0 0,0 20 15,-21 1-15,-1 0 0,1 0 16,0 0-16,0 21 0,0 0 0,0 0 16,-22 0-16,22 21 0,-21 0 15,-1 0-15,22 22 0,-21-1 16,0 0-16,20 1 0,-20-1 0,21 21 15,0-20-15,0 20 0,-1-20 16,22-1-16,0 0 0,0 1 16,0-22-16,0 21 0,0-21 0,22 0 15,-1 1-15,0-22 0,21 21 16,-21-21-16,1 0 0,-1 0 16,21 0-16,-21-21 0,22-1 0,-22 1 15,0 0-15,21 0 0,-21 0 0,1-22 16,-1 22-16,0-21 0,0 0 15,21-43-15,-42 43 0,22-1 16,-22 1-16,0 21 0,0-22 16,0 22-16,0 0 0,0 0 15,-22 21 1,1 21-16,0 0 0,0 22 16,0-22-16,21 21 0,-21 0 0,21-20 15,-22 20-15,22 0 0,0 1 16,0-1-16,0 0 0,0-21 0,0 22 15,0-22-15,22 0 0,-1 0 0,0 0 16,0 1-16,0-22 16,22 0-16,-22 0 0,0 0 0,21 0 15,-21 0-15,1 0 0,20-22 0,-21 1 16,0 0-16,22 0 0,-22 0 16,0-22-16,0 1 0,0 0 0,22-1 15,-22 1-15,0-21 0,0-1 16,-21 22-16,21-22 0,0 22 0,1-22 15,-22 43-15,0-21 0,0 21 16,0 0-16,0-1 0,-22 44 16,1-1-1,0 21-15,0-21 0,0 22 0,0-1 16,21 21-16,-43 43 16,22-63-16,21-1 0,0 21 0,0-20 15,0-1-15,0 0 0,0-20 0,0 20 16,0-21-16,0 0 15,0 0-15,21 1 0,0-1 0,1 0 16,-1-21-16,0 0 0,0 0 0,0 0 16,0 0-16,22 0 0,-22-21 15,0 0-15,0-1 0,22 1 0,-22 0 16,0-21-16,21 21 0,-21-22 16,1 1-16,-1 0 0,21-1 0,-21-20 15,0 20-15,-21-20 0,22-1 0,-1 22 16,-21-21-16,21 20 0,-21 22 15,0-21-15,0 21 0,0-1 0,0 1 16,0 42 0,-21 1-16,0-1 15,-1 21-15,1 0 0,0 1 0,0-1 16,21 22-16,-21-22 0,0 21 16,-1 1-16,22-22 0,0 1 0,0-1 15,0 0-15,0 1 0,0-1 16,0-21-16,0 21 0,0-20 0,0-1 15,22 0-15,-1-21 0,0 21 0,0-21 16,0 0-16,0 0 16,1 0-16,-1 0 0,0 0 0,42-42 15,-41 21-15,-1-1 16</inkml:trace>
+  <inkml:trace contextRef="#ctx0" brushRef="#br0" timeOffset="23964.8">9398 3768 0,'0'0'0,"0"-43"0,21 22 0,-21-63 16,0 62 0,21 1-16,-21 0 0,0 63 31,0-20-31,0 20 0,0 0 0,0 22 16,0-22-16,-21 22 0,0-1 15,0 1-15,21 20 0,-21-41 0,-1 20 16,1 1-16,0-22 0,0 0 15,21-21-15,0 22 0,-21-22 0,21 0 16,-21 0-16,21 0 0,0 1 16,-22-22-1,1-22-15,21 1 16,-21 0-16,0 0 0</inkml:trace>
+  <inkml:trace contextRef="#ctx0" brushRef="#br0" timeOffset="24749.67">8763 4106 0,'0'22'16,"0"-1"-16,21 0 0,0 0 0,0-21 15,22 0-15,-1 21 0,0-21 16,22 0-16,-1 0 0,-20 0 0,41-21 16,-20 0-16,-1 0 0,22 0 0,0-22 15,-1 22-15,1-21 16,-21 21-16,-1-22 0,1 1 0,-1 0 0,-21 20 15,1-20-15,-1-21 16,-21 20-16,0 1 0,-21 0 0,0-1 16,0 1-16,0 21 0,-21 0 15,0-1-15,0 1 0,0 21 0,0 0 16,-22 0-16,22 21 0,0 22 0,0-22 16,0 21-16,-1 22 0,1-22 15,0 22-15,0-1 0,21 1 0,-21-1 16,0 1-16,21-1 0,0 1 15,-22-22-15,1 21 0,21-20 0,-21-1 16,21 0-16,0-20 0,0-1 16,0 0-16,0 0 0,21-21 31,0-21-15,-21 0-16,22 0 0,-1-22 0,0 1 15,0 21-15,0-22 0,0 1 16,1 0-16,-1-1 0,0 1 0,0 21 15,0 0-15,-21 0 0,21 21 0,1 0 16,-1 0 0,-21 21-16,21 0 0,-21 21 0,0-21 15,0 22-15,0-22 0,0 21 16,0-21-16,21 22 0,-21-22 16,21 0-16,0 0 0,1 0 0,-1 1 15,0-1-15,0 0 0,21-21 16,1 0-16,-22 0 0,21 0 0,1 0 15,-1 0-15,0 0 0,1-21 16,-1 0-16,0-1 0,1 1 0,-22-21 16,21 21-16,-21-22 0,0 1 0,1 21 15,-1-64-15,0 43 16,-21 0-16,0 20 0,0 1 0,0 0 16,0 0-16,-21 21 15,0 0-15,-1 21 0,22 0 16,-21 0-16,0 1 15,21 20-15,0 0 0,-21 1 0,0 20 16,21-21-16,0-20 0,0 20 16,0-21-16,0 0 0,0 0 15,21 1-15,0-1 0,-21 0 0,21-21 16,0 0-16,1 0 0,-1 0 16,21 0-16,-21 0 0,22 0 0,-1-21 15,43 0-15,-43-22 0,0 22 16</inkml:trace>
+  <inkml:trace contextRef="#ctx0" brushRef="#br0" timeOffset="26240.29">11557 4382 0,'0'0'0,"0"21"15,0 0-15,21-21 16,0 0-16,0 0 0,1 0 15,-1 0-15,21-21 0,0 0 0,-20-1 16,41 1-16,-21 0 0,1-21 16,20-1-16,-20 1 0,20-21 15,-21 20-15,1-20 0,-1 20 0,0-62 16,-20 41-16,-22 22 16,21-22-16,-21 22 0,0 0 0,0-1 15,0 1-15,-21 21 0,-1 0 16,22-1-16,-21 22 0,0 0 0,0 0 15,0 22-15,0 20 0,-1-21 16,1 21-16,0 22 0,0-22 0,0 43 16,0-22-16,-1 22 0,1 0 15,0-1-15,0 1 0,0 0 0,0 21 16,-1-22-16,1 1 0,0 0 0,0-1 16,0 1-16,0 0 0,-1-1 15,1 1-15,21-22 0,-21 22 16,0-21-16,0-1 0,0 1 0,-1-1 15,1 1-15,0-22 0,21 0 16,-21 1-16,21-1 0,-21 0 0,21-21 16,0 1-16,0-1 0,21-21 15,0 0-15,0 0 0,22-21 16,-22-1-16,21 1 0,0-21 0,1 0 16,-1-1-16,0 1 0,-20 0 15,20-22-15,0 1 0,-21 20 0,1-41 16,-1 20-16,0 1 0,-21-22 0,0-63 15,0 84-15,0 1 16,0-1-16,-21 22 0,0-22 0,-1 22 16,1 21-16,-21-21 0,21 20 15,0 1-15,-22 0 0,22 21 16,0 0-16,42 0 31,0 0-31,22 0 0,-22 0 16,21 0-16,0-21 0,22 21 0,-22-21 15,1 21-15,20-21 0,-21-1 16,22 1-16,-22 0 0,1 0 16,-22 0-16,21-22 0,-21 22 0,0 0 15,1 0-15,-22 0 0,0 0 0,0-1 16,0 1-16,0 0 16,-22 42 15,22 0-31,0 1 15,-21-1-15,21 21 0,0-21 0,0 0 16,0 22-16,0-22 0,0 0 16,0 21-16,21-20 0,1-1 0,-1 0 15,0 0-15,0-21 0,21 0 16,-20 0-16,20 0 16,-21 0-16,21-21 0,1 0 0,-1 0 15,0-1-15,1 1 0,-1-21 0,-21 0 16,22-1-16,-22 1 0,0-22 15,0 1-15,0 21 0,0-22 0,1 22 16,-22-22-16,0 22 0,0-43 16,0 43-16,0 0 0,0 20 15,0 1-15,-22 21 16,1 21 0,21 1-16,-21-1 0,0 21 15,21 0-15,-21 1 0,0-1 16,-1 0-16,22 22 0,0-22 0,-21 22 0,21-1 15,0-20-15,0-1 16,0 21-16,0-20 0,0-1 0,0-21 16,21 22-16,1-22 0,-1 0 15,0 0-15,0 0 0,21-21 0,-20 0 16,20 0-16,0 0 0,1 0 0,-1-21 16,0 0-16,1 0 0,-22-22 15,21 22-15,-21-21 0,0 0 16,1-1-16,-1 1 0,-21 21 0,0-22 15,0 22-15,0 0 0,-21 21 16,-1 21 0,22 22-16,-21-22 0,0 0 15,21 21-15,-21 1 0,21-22 16,0 21-16,0 0 0,0-20 16,0 20-16,0-21 0,21 0 0,0 0 15,0 1-15,1-1 0,-1 0 0,21-21 16,-21 0-16,0 0 0,1 0 15,20 0-15,-21 0 0,0 0 0,0-21 16,1 0-16,20-1 0,-21 1 16,0 0-16,0-21 0,1-1 0,-22 22 15,21-21-15,0-22 16,-21 43-16,0 0 0,0 0 0,0 42 16,0 0-1,0 0-15,-21 1 0,21 20 16,-21-21-16,-1 21 0,22-20 15,0-1-15,0 21 0,0-21 0,0 0 16,0 1-16,-21-22 0,21 21 16,0 0-16,-21-21 31,21-21-31,0 0 16,0-1-16,0 1 0,0 0 0,-21-21 15,21 21-15,-21-22 0</inkml:trace>
+  <inkml:trace contextRef="#ctx0" brushRef="#br0" timeOffset="26440.18">13208 3683 0,'0'0'16,"-21"0"-16,0 0 0,21 21 15,-22-21-15,1 0 31,0 0-15,0 0 0,0 21-16,0-21 15,-22 22-15</inkml:trace>
+  <inkml:trace contextRef="#ctx0" brushRef="#br0" timeOffset="27196.78">7789 5567 0,'0'0'16,"0"-42"-16,0 20 0,0-20 0,0 21 0,21-85 15,-21 64-15,0-1 16,0 22-16,0-21 16,0 0-16,0 20 0,0 1 15,0 0-15,-21 21 16,0 0-16,21 21 0,-21 0 0,0 22 16,0-1-16,21 0 0,-22 22 15,1-1-15,0 1 0,21 21 0,0-1 16,-21 1-16,0-22 0,0 22 15,-1-21-15,1-1 0,21 1 0,-21-1 16,0-21-16,0 1 0,21-1 0,0-21 16,0 22-16,-21-22 0,21 0 15,-22-21-15,1 0 32,21-21-32,0 0 0,-21-1 0,0 1 15,0 0-15,21-21 0,0 21 16,-21-22-16,-1 22 0,22 0 0,-21-21 15,21 20-15,-21 22 16,0 0-16,21 22 16,0-1-16,-21 0 0,21 21 15,0-21-15,0 1 0,0-1 16,0 0-16,0 0 0,0 0 0,21 0 16,0-21-16,0 0 0,0 22 0,1-22 15,-1 0-15,21 0 0,-21 0 16,22-22-16,-1 1 0,0 21 15,1-21-15,-1 0 0,0 0 16,1 0-16,-22-1 0,21-20 0,0 0 16,-20 42-16,-22-21 0,-22 21 15</inkml:trace>
+  <inkml:trace contextRef="#ctx0" brushRef="#br0" timeOffset="27663.51">5419 6879 0,'0'0'0,"0"-21"0,-43-64 16,22 64 0,21 0-16,-21 21 0,0-21 0,21 0 15,-21 21-15,-1 0 16,22 21-16,0 0 0,-21 21 15,21-20-15,0 20 0,0 21 16,0-20-16,0 20 0,0-20 0,0 20 16,-21 1-16,21 20 0,0-20 15,-21-1-15,21-20 0,0 20 0,0 1 16,-21-22-16,21 0 0,-21 1 0,21-1 16,-22-21-16,22 0 0,0 0 15,0 1-15,-21-22 16,0-22-1,21-20 1,0 21-16,0 0 0,0-22 0</inkml:trace>
+  <inkml:trace contextRef="#ctx0" brushRef="#br0" timeOffset="28328.28">5080 7070 0,'0'0'0,"0"-43"0,-21 22 0,21-21 15,-21 0-15,21 20 0,0-20 16,0 21-16,0-21 0,0 20 0,0-20 15,0 21-15,0-21 0,42 20 16,-21-20-16,21 21 0,-20-21 0,41 20 16,-21 1-16,22 0 15,-1 0-15,1 21 0,-1 0 0,1 0 16,-22 21-16,22 21 0,-22-20 0,0 20 16,-20 0-16,-1 22 0,-21-22 15,0 0-15,0 22 0,-64 21 16,43-43-16,-21 0 0,-1 1 15,-20-1-15,21 0 0,-1-21 16,1 1-16,0 20 0,-1-42 0,22 21 16,0 0-16,0-21 0,0 0 0,-1 0 15,22-21-15,0 0 0,0 0 16,0 0-16,0-1 16,0 1-16,22 21 31,-1 43-31,-21-22 0,21 0 15,-21 21-15,21-21 0,-21 22 16,21-1-16,-21 0 0,0-20 0,21 20 16,-21 0-16,22-21 0,-1 22 0,-21-22 15,21 0-15,0 0 0,0 0 16,0 1-16,1-1 0,20-21 0,-21 0 16,0 0-16,22 0 0,-1 0 0,0 0 15,-21-21-15,22 21 0,-1-22 16,0 1-16,-20-21 0,20 21 0,-21-22 15,0 22-15,0-21 16,1 0-16,-1-1 0,-21 22 0,21-21 16,-21 21-16,0-1 0,0 44 31,0-1-31,-21 0 0,0 0 16,21 0-16,0 0 0,-22 1 15,1 20-15,21-21 0,-21 0 0,21 0 16,0 1-16,0-1 0,0 0 15,0 0 1,0-42 0,21 21-16,0-21 0,-21 0 15,22-22-15,-1 22 16,-21-21-16</inkml:trace>
+  <inkml:trace contextRef="#ctx0" brushRef="#br0" timeOffset="28512.17">6244 7006 0,'0'0'0,"0"-21"0,0 0 16,-21 21 15,0 0-15,21 21 0,0 0-16,0 0 0,0 1 15,0-1 1,0 0-16,21 0 0,0 0 0</inkml:trace>
+  <inkml:trace contextRef="#ctx0" brushRef="#br0" timeOffset="29879.26">6816 7535 0,'0'0'0,"21"0"0,21 0 0,-21 0 15,0 0-15,43-42 16,-43 21-16,0 0 0,0 0 15,-21-1-15,0-20 0,22 21 0,-22-21 16,0-1-16,0 22 0,0-21 0,0 21 16,0-22-16,0 22 0,-22 21 15,1 0-15,-21 0 0,21 0 0,0 0 16,-22 0-16,1 21 0,0 22 16,-1-22-16,1 21 0,0-21 0,-1 22 15,1-1-15,0 0 0,20 1 0,1-1 16,0-21-16,21 21 0,0-20 15,0-1-15,0 0 0,0 0 0,21-21 16,0 0-16,1 0 0,20 0 16,0 0-16,-21 0 0,22 0 15,-1-21-15,0 21 0,1-21 16,-22 0-16,21-1 0,-21 1 0,1 0 16,-1 0-16,0-21 0,-21 20 0,0 1 15,0 0-15,0 0 0,0 42 31,-21 0-15,0 0-16,-1 1 0,22-1 0,-21 21 16,21-21-16,-21 22 15,21-1-15,0 0 0,-21 1 0,21 20 0,0-21 16,0 1-16,0 20 0,0 1 16,0-1-16,0 1 0,0-1 15,21 64-15,-21-63 0,21-1 16,-21-20-16,0 20 0,0-21 0,0 22 15,0-22-15,0 22 0,0-22 16,-21 0-16,0 1 0,0-1 0,0 0 16,-22-20-16,22-1 0,-21 21 0,21-42 15,-22 21-15,1 0 0,21-21 16,-22 0-16,-20 0 16,21-21-16,-1 0 0,22-21 0,0 21 0,0-22 15,0 1-15,-1-22 16,22 22-16,0-21 0,0-1 0,0 1 0,22-1 15,-1 1-15,0-1 0,21-21 16,1 22-16,-1-22 0,21 22 16,1-1-16,-1-20 0,1 20 0,21-21 15,-22 1-15,22 20 0,-1-20 16,-20-1-16,-1 0 0,22 22 0,-21-22 16,-22 22-16,21-1 0,-20 22 0,-1-22 15,-21 43-15,0-21 0,-21 21 16,0-1-16,0 1 0,-21 21 15,0 21-15,0 1 16,0-1-16,0 0 0,-22 0 16,22 21-16,0-20 0,21 20 0,-21 0 15,0 1-15,21 20 0,-22-21 16,22 1-16,0-1 0,0 22 0,0-22 16,0-21-16,0 21 0,0 1 0,0-22 15,-21 0-15,21 0 0,0 0 16,0-42 15,0 0-31,21 0 0,-21-21 16,22 20-16,-1-20 0,-21 0 0,21-1 15,0 1-15,-21 0 16,21 21-16,0-22 0,1 22 0,-1 0 0,0 0 16,0 0-16,0 21 15,0 21 1,-21 0-16,0 0 0,0 21 15,0-20-15,0 20 0,0-21 16,0 0-16,22 22 0,-22-22 0,21 0 16,0 21-16,-21-21 0,21-21 0,0 22 15,0-1-15,22-21 0,-22 0 16,21 0-16,22 0 16,-22 0-16,-21 0 0,22-21 0,-1-1 15,0 1-15,-21-21 0,1 21 16,20-22-16,-21 1 0,0-21 0,0 20 15,1-20-15,-1 20 0,0-20 16,-21 21-16,0-22 0,21-42 16,-21 64-16,21 21 0,-21 0 15,-21 42 1,0 0 0,0 0-16,21 21 0,0-20 15,-21 20-15,-1 0 0,22 1 0,-21 20 16,21-21-16,0 22 0,0-22 0,0 22 15,0-22-15,0 0 0,0 1 16,0-1-16,0 0 0,0-20 0,21-1 16,1 0-16,-1 0 0,0 0 15,0-21-15,0 0 16,0 0-16,1 0 0,-1 0 0,0-21 16,0 21-16,-21-21 0,21 0 0,-21-22 15,21 22-15,-21-21 0,0 0 16,0-1-16</inkml:trace>
+  <inkml:trace contextRef="#ctx0" brushRef="#br0" timeOffset="30045.68">8043 7091 0,'0'0'16,"-21"0"-16,42 0 31,22 0-31,-22 0 0,0 0 16,21 0-16,1 0 0,-1 0 15,0 0-15,22-21 0,-1 0 0,1 21 16,-1 0-16,1-22 0,-1 22 0,1 0 16</inkml:trace>
+  <inkml:trace contextRef="#ctx0" brushRef="#br0" timeOffset="30756.06">9483 6964 0,'0'0'16,"0"-21"-16,0 0 0,-22-1 16,22 1-16,-21 0 15,0 21-15,0-21 0,0 21 16,0 0-16,-1 0 0,1 0 16,21 21-16,-21 0 0,0 0 15,0 1-15,0-1 0,21 21 0,-43 43 16,43-43-16,-21 0 15,21 1-15,0-1 0,0 0 0,0 1 16,0-1-16,0-21 0,21 22 0,0-22 16,22 21-16,-22-21 0,0 0 15,43 1-15,-43-22 16,21 0-16,-21 0 0,22 0 0,-1-22 16,-21 22-16,21-21 0,1 0 15,-22-21-15,21-1 0,1 1 0,-22 0 16,21-1-16,-21-20 0,22-1 0,-22 1 15,0-1-15,21 1 0,-21-1 16,1 1-16,-22-1 0,21-41 16,0 41-16,-21 22 0,0 21 15,0-22-15,0 22 0,-21 42 16,21 22 0,-21-22-16,-1 42 15,1-20-15,21-1 0,-21 21 0,0-20 16,21 20-16,0-20 0,-21 20 0,21-21 15,-21 22-15,21-22 0,0 1 16,0-1-16,0 0 0,0 1 0,21-22 16,0 0-16,-21 0 0,21 0 0,0 0 15,0-21-15,1 0 0,-1 0 16,21 0-16,-21-21 0,0 0 0,1 0 16,-1 0-16,0 0 0,0-22 0,0 22 15,0-21-15,1 21 0,-1-1 16,-21-20-16,0 21 15,0 42 1,-21 0 0,21 22-16,-22-22 0,1 0 0,21 21 15,0-21-15,0 1 0,0-1 0,0 21 16,0-21-16,0 0 16,0 1-16,21-22 15,1-22 1,-1 1-16</inkml:trace>
+  <inkml:trace contextRef="#ctx0" brushRef="#br0" timeOffset="30937.98">10477 6858 0,'-21'0'0,"-42"0"15,42 0-15,-1 0 16,1 0-16,21 21 31,21-21-31,1 0 16,-1 21-16,0-21 15</inkml:trace>
+  <inkml:trace contextRef="#ctx0" brushRef="#br0" timeOffset="31796.42">10901 6879 0,'0'-21'0,"0"42"0,-21-42 16,-1 0-16,1 21 16,0 0-16,0 0 0,0 0 0,0 21 15,-1 0-15,1 0 0,0 1 16,0-1-16,0 21 0,0 0 16,-1-20-16,1 20 0,0 0 0,21 1 15,0-1-15,0 0 0,0 1 16,0-22-16,0 21 0,0-21 0,21 0 15,0 1-15,1-1 0,20-21 0,-21 0 16,21 0-16,1 0 0,-1 0 16,-21 0-16,22 0 0,-1-21 0,0-1 15,1 1-15,-22-21 0,21 0 0,0-43 16,1 43-16,-22-22 16,0 22-16,0-22 0,0 1 0,1-1 15,-1 1-15,0-22 0,0 22 16,-21-1-16,21 1 0,0-1 0,-21 22 15,0-1-15,0 1 0,0 21 0,0 0 16,0 42 0,0 0-1,0 21-15,-21 1 0,0 20 0,0-20 16,0 20-16,0-21 0,-1 22 16,1-1-16,0-20 0,0 20 15,0-20-15,21-1 0,-21 21 0,-1-20 16,22-22-16,0 21 0,0-21 0,-21 1 15,21-1-15,0 0 0,-21-21 0,21-21 32,0 0-32,21-1 15,0 1-15,1 0 0,-1 0 0,0-21 16,0 20-16,21-20 16,-20 21-16,20 0 0,-21 0 0,21-1 15,-20 1-15,-1 0 0,0 21 0,0 0 16,0 0-16,0 0 0,-21 21 15,0 0-15,0 1 16,0-1-16,0 0 0,-21-21 0,0 21 16,0 0-16,0 0 0,0-21 15,-22 22-15,-20-1 16,42-21-16,-22 0 0,22 21 0,0 0 16,-21-21-16,20 0 0,1 21 15,0-21-15,21 21 0,-21-21 0,21 22 16,0-1-16,0 0 0,0 0 15,0 0-15,0 22 0,0-22 16,0 0-16,21 0 0,0 21 0,0-20 16,1-1-16,-1 0 0,21-21 0,-21 21 15,22 0-15,-22-21 0,21 0 16,-21 0-16,22 0 0,-22 0 0,21 0 16,-21 0-16,0 0 0,22-21 0,-22 21 15,0-21-15,0 0 0,0 0 16,1-1-16,-1 1 0,-21 0 0,0-21 15,0 21-15,0-22 0,0 22 16,-21 0-16,-1 0 0,1 0 16</inkml:trace>
+  <inkml:trace contextRef="#ctx0" brushRef="#br0" timeOffset="32448.08">7514 7874 0,'0'0'0,"0"-21"0,0 0 15,0 0-15,0-1 0,0 1 0,0 0 16,0 0 0,0 42-16,0 0 15,0 0-15,0 1 0,0 20 0,0 0 16,0 22-16,0-1 15,0-20-15,0 20 0,0 1 0,0-1 16,-21-21-16,0 22 0,21-22 16,-21 1-16,-1-1 0,1 0 0,0 1 15,0-22-15,0 0 0,21 21 0,0-21 16,-21-21-16,21 22 0,-22-22 16,22-22-1,-21 1 1,21 0-16,0 0 0,-21 0 15,21 0-15,0-1 0,-21 1 0,0-42 16,0 63-16,-1 0 31,22 21-15,0 0-16,0 0 0,0 22 0,0-22 16,0 0-16,0 0 0,0 0 15,0 0-15,22 1 0,-1-1 16,0 0-16,0-21 0,21 0 0,-20 0 15,20 0-15,0 0 0,-21 0 16,22-21-16,-1 0 0,0-1 0,1 22 16,-1-42-16,0 21 0,-20 0 0,-1 0 15,0-1-15,0 1 16</inkml:trace>
+  <inkml:trace contextRef="#ctx0" brushRef="#br0" timeOffset="34895.23">5186 9589 0,'0'0'0,"0"-22"0,0 1 0,0-21 0,0 0 16,-21 20-16,21 1 15,-22 0-15,1 0 0,21 0 0,-21 0 16,0-1-16,0 1 0,0 21 0,-1-21 15,1 21-15,0 0 0,-21 0 16,-64 42 0,21 1-16,43-1 15,0 0-15,-1 22 0,-20-1 0,20 1 16,22-1-16,-21 22 0,0-21 0,20 20 16,1-20-16,21 20 0,0-20 15,0-1-15,0 1 0,0-1 0,21-20 16,1-1-16,20 0 0,-21 1 15,21-22-15,1 0 0,-1 0 0,0-21 16,1 0-16,20 0 0,-20 0 0,20-21 16,-21 0-16,22 0 0,-22-22 15,1 1-15,-1 21 0,0-21 0,1-1 16,-22 1-16,21 0 0,-21 20 16,0-20-16,1 0 0,-22-1 15,0 22-15,0 0 0,0 0 0,0 0 16,-22 21-1,1 0-15,21 21 0,-21 0 16,0 0-16,21 0 0,0 22 0,0-22 16,-21 21-16,21-21 0,0 22 15,0-1-15,0-21 0,0 22 0,0-1 16,0-21-16,21 0 0,0 0 16,0 1-16,43 20 15,-43-42-15,0 0 0,21 0 0,1 0 16,-22 0-16,21-21 0,1 0 15,-1-1-15,0 1 0,-21-21 0,22 21 16,-22-22-16,0 22 0,0-21 0,-21 0 16,0-1-16,0 22 0,0-64 15,-21 43-15,0 0 0,-21 21 16,20-22-16,-20 22 0,21 0 16,-21 0-16,-1 21 0,22 0 0,-21 0 15,-1 0-15,22 21 0,-21 21 0,21-21 16,0 22-16,-1-22 0,1 21 15,0 43-15,21-43 16,0 1-16,0-1 0,0-21 0,0 21 0,21 1 16,0-22-16,22 0 0,-22 0 15,21 0-15,1-21 0,-1 0 16,0 0-16,22 0 0,20-21 16,-41 21-16,-1-21 0,0 0 15,1 0-15,-1 0 0,-21-22 0,0 22 16,1 0-16,-1 0 0,0-22 15,-21 22-15,0 0 0,0 0 16,0 0-16,0 0 0,0 42 31,0 0-31,0 0 16,0 0-16,0 0 0,0 1 0,0-1 0,0 21 16,0-21-16,-21 0 15,21 22-15,0-22 0,0 0 0,0 0 16,0 0-16,-21 1 0,21-1 15,0-42 1,0-1 0,21 1-16,0-21 0,-21 21 15,0 0-15,21-22 0,-21 22 16,21-21-16,0-22 0,-21 43 16,22 0-16,-1-21 0,-21 20 15,21 1-15,0 21 0,0 0 31,-21 21-31,21 1 0,1 20 16,-22-21-16,0 21 0,0-20 16,0-1-16,0 21 0,21-21 0,-21 22 15,0-22-15,0 0 0,21 21 0,-21-21 16,21 1-16,0-1 0,0 0 16,1-21-16,-1 21 0,0-21 15,0 0-15,0 0 0,0 0 16,22-21-16,-22 0 0,0 0 0,21-22 15,-20 22-15,-1-21 16,0 21-16,0-22 0,0 22 16,0-21-16,-21-1 0,22 22 0,-1 0 15,-21 0-15,21-21 0,-21 20 16,0 44 15,0-1-31,0 0 0,0 0 0,0 0 16,0 0-16,0 1 0,0-1 15,-21 21-15,21-21 0,0 0 0,0 22 16,0-22-16,0 0 0,0 0 0,0 0 16,0 1-16,0-1 0,21-21 15,0 0-15,0 21 0,22-21 16,-22 0-16,0 0 0,21-21 0,-21 0 16,22 21-16,-22-22 15,0 1-15,21-21 0,-20 21 0,-1 0 16,0-1-16,0-20 0,0 21 0,0 0 15,-21-22-15,0 22 0,22 0 16,-22 0-16,0 0 0,0 0 0,0-1 16,-22 22 15,22 22-31,0-1 0,-21 0 0,0 0 16,21 0-16,-21 0 0,21 1 15,0-1-15,0 21 0,0-21 0,0 0 16,0 22-16,0-22 0,0 0 15,0 0-15,0 0 0,42 1 16,-21-1-16,1-21 0,-1 0 16,0 0-16,0 0 0,21 0 0,-20 0 15,20 0-15,-21-21 0,21 21 0,-20-22 16,20 1-16,-21 0 0,0 0 16,22 0-16,-22-22 0,0 22 0,0 0 15,0-21-15,-21 21 0,0-1 16,21 1-16,-21-21 0,0 21 15,0 0-15,-21 21 16,0 21 0,21 0-16,-21 0 0,0 0 15,21 22-15,0-22 0,0 0 16,-21 0-16,21 64 16,0-22-16,0-42 15,21-21-15,-21 22 0,21-22 16,0 0-16,0 0 0,0 0 15,1 0-15,-1-22 0,21 1 0,-21 0 16,0 0-16,1 21 0,-1-42 16,0 20-16,0 1 0,0 0 15,0-21-15,22-1 0,-22 22 16,0 0-16,-21 0 16,21 0-16,0 21 0,1 0 0,-1 0 15,-21 21-15,0 0 16,0 0-16,0 0 0,0 1 15,0-1-15,0 0 0,0 0 0,0 21 16,0-20-16,21-1 0,-21 0 16,0 0-16,0 0 0,21-21 0,0 21 15,0-21-15,1 0 0,-1 0 16,0 0-16,21 0 0,-21 0 16,1-21-16,-1 0 0,0 0 15,21-21-15,1-22 16,-22 22-16,0-1 0,0 1 15,0 0-15,0-22 0,-21 22 0,22-22 16,-1 1-16,0-1 0,0 1 16,-21-1-16,21 22 0,-21-21 0,21 20 15,-21 22-15,0-21 0,0 21 16,0-1-16,-21 65 16,0-22-16,0 21 15,0 1-15,21-1 0,-21 21 16,21 1-16,-22-22 0,22 22 0,0-1 15,-21-20-15,21 20 0,0-21 16,0 1-16,0-1 0,0 0 0,0 1 16,0 20-16,0-42 15,0 1-15,0-1 0,21 0 0,1 0 16,-1-21-16,0 0 16,21 0-16,-21 0 0,1 0 0,-1-21 15,0 21-15,0-21 0,0 0 0,0-1 16,1-20-16,-22 21 0,0 0 15,21-22-15</inkml:trace>
+  <inkml:trace contextRef="#ctx0" brushRef="#br0" timeOffset="35080.12">8699 9906 0,'0'0'0,"-21"0"0,0 0 0,0 21 16,0-21-16,0 21 0,-1-21 15,22 22-15,22-22 16,-1 0-16,0 0 0,21 0 15,-21 0-15,22 0 0,-1 0 16,0 0-16,1 0 0,-1 0 0,0-22 16,1 22-16,-22-21 0,21 21 0,-21-21 15,22 0-15,-22 21 0,0-21 16,0 0-16</inkml:trace>
+  <inkml:trace contextRef="#ctx0" brushRef="#br0" timeOffset="35532.41">10710 9631 0,'0'-21'0,"0"42"0,0-85 0,0 43 16,0-21-16,0 21 0,0 0 16,0-22-16,0 22 0,-21 21 0,21-21 15,-21 0-15,0 42 16,21 0-1,-21 0-15,21 22 0,-22 20 0,22-21 16,0 22-16,0-1 0,-21 22 16,21-21-16,-21-1 0,21 1 0,-21-22 15,21 21-15,0-20 0,-21 41 16,0-41-16,21-1 0,0-21 16,0 0-16,0 1 0,0-1 15,21-21 1,0-21-16,-21-1 15,21 1-15,0 0 0,0-21 16,22 21-16</inkml:trace>
+  <inkml:trace contextRef="#ctx0" brushRef="#br0" timeOffset="35872.76">10985 9843 0,'0'0'0,"22"-22"0,-22 44 16,0-1-1,0 0-15,0 0 0,-22 0 16,1 22-16,21-22 0,-21 21 15,0-21-15,0 22 0,21-22 0,0 21 16,0-21-16,0 0 0,0 1 16,0-1-16,0 0 0,0 0 0,21-21 15,0 0-15,0 0 0,22 0 16,-22 0-16,0 0 0,64-21 16,-64 0-16,21 0 0,-21-1 15,0 1-15,1 0 0,-1 0 0,-21-21 16,0 20-16,0-20 0,0 21 0,0 0 15,0-22-15,0 22 0,-21 0 16,-1 21-16,1-21 0,0 21 16,-21 0-16,21 0 0,-1 0 15,1 0-15,0 0 0,0 0 16,0 0-16,0 0 0,-1 0 0,1 0 16,0 0-16,0 0 0,0 0 15,0 0-15,-1-21 0,1 0 16</inkml:trace>
+  <inkml:trace contextRef="#ctx0" brushRef="#br0" timeOffset="36117.64">10562 9631 0,'0'0'0,"0"-21"15,21 21 1,0-21-16,1 21 15,-1 0-15,21 0 0,0-22 0,1 22 16,-1 0-16,0-21 0,1 21 0,20 0 16,-20 0-16,-1 0 0,0-21 15,1 21-15,-22 0 0,21 0 0,-21 0 16,0 0-16,22 0 0,-22-21 31</inkml:trace>
+  <inkml:trace contextRef="#ctx0" brushRef="#br0" timeOffset="37736.92">13060 9716 0,'-21'-22'15,"-22"22"-15,22 0 16,0 0-16,0 0 16,21 22-1,0-1 1,21-21-1,0 0-15,0 0 0,22-21 0,-22-1 16,21 1-16,0 0 0,1 0 16,-1 0-16,0-22 0,1 22 0,-1-21 15,-21 21-15,22-22 0,-22 22 16,0-21-16,0 0 0,0 20 16,-21-20-16,0 0 0,0 21 0,0-1 15,0 1-15,-21 21 16,0 0-16,0 21 15,0 1-15,-1 20 0,1 0 0,0 1 16,0 20-16,0-21 0,0 43 16,-1-21-16,1-1 0,21 1 0,0 20 15,0-20-15,0-1 0,0-20 0,0 20 16,0-21-16,0 1 0,0-1 16,-21 0-16,21 1 0,0-22 0,-21 21 15,21-21-15,0 1 0,-21-22 16,0 21-16,-1-21 0,1 0 15,0 0-15,0-21 0,0 21 16,0-22-16,-1 1 0,1 0 0,0 0 16,0-21-16,0 20 0,0 1 0,-22-21 15,22 21-15,0-22 0,0 22 16,0 0-16,-1 0 0,1 21 16,0 0-16,0 0 15,21 21-15,0 0 16,0 0-16,0 1 0,0 20 0,0-21 15,21 0-15,0 0 0,22 1 0,-22-1 16,21 0-16,-21 0 16,22 0-16,-1 0 0,0-21 0,1 0 15,20 0-15,22 0 0,-22 0 16,1 0-16,-22-21 0,22 21 16,-22-21-16,0 0 0,22 0 0,-22 0 15,-21-22-15,22 22 0,-22 0 0,0-21 16,0 20-16,0-20 0,-21 0 15,0 21-15,21-1 0,-21-41 16,0 42-16,-21 21 16,0 21-16,0 0 15,0 0-15,21 0 0,-21 1 0,-1 20 16,1-21-16,21 21 0,-21-20 16,21 20-16,-21-21 0,21 0 15,0 0-15,0 22 0,0-22 0,0 0 16,0 0-16,21 0 0,0-21 15,0 0-15,1 0 0,-1 0 16,21 0-16,-21 0 0,22 0 0,-22 0 16,21-21-16,0 0 0,-20 0 0,20 0 15,0-22-15,1 22 0,-22 0 16,21-21-16,-21-1 0,0 22 0,1-21 16,-1 0-16,0 20 0,-21 1 15,0 0-15,-21 21 31,0 21-31,-1 0 0,22 1 0,0-1 16,-21 0-16,21 0 0,0 0 0,-21 22 16,21-22-16,0 0 0,0 0 15,0 0-15,0 22 0,21-22 0,22 21 16,-43-21-16,21 0 0,0 1 16,0-1-16,0-21 0,-21 21 15,0-42 1,-21 0-1,0-1-15,0 1 16,0 0-16,21 0 0,-22 0 16,1 21-16,0-21 0,0 21 0,0 0 15,0 0 1,21 21 0,0 0-16,0 0 15,21-21-15,0 21 0,0 0 0,0-21 16,0 22-16,1-22 0,-1 0 15,0 0-15,21 0 0,-21 0 0,1 0 16,20 0-16,-21 0 0,21-22 0,-20 22 16,20-21-16,-21 0 0,21 0 15,1 0-15,-22 0 0,42-43 16,-20 22-16,-22-1 0,21 1 16,-21 0-16,22-22 0,-22 22 15,0-22-15,0 22 0,-21-21 16,0-1-16,21 22 0,-21-1 0,0 1 0,0 21 15,0-21-15,0 20 16,-21 44 0,0-1-16,0 21 0,0 0 15,0 1-15,21-1 0,-22 22 16,1-22-16,0 21 0,0-20 0,0 20 16,21-20-16,-21 62 0,-1-62 15,22-1-15,0 0 16,0 1-16,0-1 0,0-21 0,0 22 0,0-22 15,0 0-15,22 0 0,-1 0 16,0 0-16,0-21 0,0 0 16,0 0-16,1 0 0,-1 0 0,0 0 15,0-21-15,0 0 0,22 21 0,-43-21 16,21-21-16,0 20 0,0 1 16,-21 0-16,0-21 0,0 21 0,0-22 15,0 22-15</inkml:trace>
+  <inkml:trace contextRef="#ctx0" brushRef="#br0" timeOffset="37927.86">14668 9864 0,'0'0'0,"22"0"32,-1 0-32,0 0 0,0 0 15,0 0-15,0 0 0,22 0 16,-22 0-16,0 0 0,0 0 0,0 0 15,1 0-15,-1 0 0,21-43 16,-21 43-16,-21-21 0,21 21 16,1-21-16,-1 21 0</inkml:trace>
+  <inkml:trace contextRef="#ctx0" brushRef="#br0" timeOffset="38236.76">15854 9546 0,'-21'-21'16,"-1"21"-16,-20 0 15,21 0-15,21 21 0,-21 0 16,0 1-16,-1-1 0,1 21 16,0-21-16,0 22 0,0 20 0,-22-21 15,22 1-15,0-1 0,0 0 0,0 1 16,0-1-16,-1 0 15,22 1-15,0-22 0,-21 42 16,21-20-16,-21-22 0,21 0 0,0 0 16,0 0-16,0 1 0,0-1 15,21-21 1,-21-21-16,21 21 16,-21-22-16,0 1 0,0 0 15,22-21-15</inkml:trace>
+  <inkml:trace contextRef="#ctx0" brushRef="#br0" timeOffset="38520.19">15473 9843 0,'0'0'0,"0"-64"0,21 22 0,-21-22 16,0 22-16,0 0 0,21 20 0,-21-20 15,21 0-15,0 42 16,1 0-16,-1 0 0,-21 21 16,0 0-16,21 0 0,0 22 15,0-1-15,-21 0 0,21 22 0,1-22 16,-1 0-16,0 22 0,-21-22 0,21 1 15,0-1-15,0 0 0,1 1 16,-22-22-16,21 21 0,0-21 0,0 0 16,0 1-16,0-1 15,1-21-15,-1 0 0,0 0 0,0 0 16,0-21-16,-21-1 16,0 1-16,0 0 0,0 0 0,21-21 15,-21 20-15,0-20 0,22 0 16,-22-1-16,0 1 0,21-21 15,0 20-15,-21-20 0</inkml:trace>
+  <inkml:trace contextRef="#ctx0" brushRef="#br0" timeOffset="38785.16">16362 9271 0,'0'-21'16,"0"42"-16,0-63 0,21 21 0,-21-1 16,21 22-16,-21-21 0,-21 42 31,0 1-31,0 20 15,-1-21-15,-20 64 0,21-43 16,-21 22-16,-1-22 0,22 21 16,-21 1-16,21-1 0,-22 1 0,22-1 15,-21-20-15,21 20 0,-1-20 0,1-1 16,0 0-16,21 1 0,0 20 16,0-21-16,0-20 0,0-1 15,0 0-15,0 0 0,21-21 31,0-21-31,1 0 16,20 0-16,-21-1 0</inkml:trace>
+  <inkml:trace contextRef="#ctx0" brushRef="#br0" timeOffset="39572.51">17314 9483 0,'0'-43'0,"0"86"0,0-128 16,0 64-16,0-21 0,0 20 0,0-20 16,0 21-16,-21 0 0,0 0 0,0-1 15,0 22-15,-1 0 0,1 0 16,-21 0-16,21 22 0,-22-1 16,1 21-16,0 0 0,21 1 0,-22-1 15,1 22-15,0-1 0,-1 1 16,22-1-16,-21 1 0,21-1 0,-1 1 15,1-1-15,21-21 0,0 22 0,0-22 16,0 1-16,0-1 0,0-21 16,43 43-16,-22-22 0,0-21 15,21 0-15,-21-21 0,22 21 0,-1-21 16,-21 0-16,22 0 0,-22 0 16,21-21-16,-21 21 0,0-21 0,1 0 15,-1 0-15,21-43 16,-42 43-16,0-21 0,0 21 0,0-22 15,0 22-15,0-21 0,-21 21 16,0-1-16,0 22 0,-22 0 0,22 0 16,-21 0-16,21 0 0,-1 0 15,-20 0-15,21 0 0,-21 22 0,20-22 16,1 21-16,0-21 16,21 21-16,21-21 15,0 0 1,22 0-16,-22 0 0,0-21 15,21 21-15,-20-21 0,20 21 0,-21 0 16,0-22-16,0 22 0,1 0 16,-1 0-16,0 0 0,0 0 15,-21 22-15,0-1 16,0 0-16,0 0 0,0 0 0,0 22 16,-21-22-16,0 21 0,21-21 0,-21 22 15,-1-1-15,22 0 0,-21-21 16,0 22-16,0-1 0,21 0 0,0 1 15,-21-1-15,0 0 0,21-20 0,-22 20 16,22 0-16,0-21 0,-21 22 0,21-22 16,-21 21-16,21-21 0,0 1 15,0-1-15,0 0 0,-21 0 0,21 0 16,0 0-16,0 1 31,21-44 32,-21 1-48</inkml:trace>
+  <inkml:trace contextRef="#ctx0" brushRef="#br0" timeOffset="41236.31">8276 10795 0,'21'0'0,"0"0"0,-21-21 15,0 0-15,0 0 16,0-1-16,0 1 16,0 0-16,0 0 0,0 0 15,0 0-15,0 42 31,-21 0-31,21 0 16,-21 21-16,21-20 0,0 20 16,-21 0-16,0 1 0,21-1 0,-21 0 15,21 22-15,0-22 0,0 0 0,-22 22 16,22-22-16,0 22 0,0-22 16,-21 22-16,21-22 0,0 0 0,0 43 15,0-64-15,0 21 16,0-20-16,0 20 0,0-21 0,0 21 15,0-20-15,-21-22 47,0-22-31,0 1-16,21 0 0,-21 0 16,-1 0-16,1 0 0,21-1 0,-21-20 15,21 21-15,-21 0 0,21 0 0,0-1 16,-21 1-16,21 0 0,-21 21 15,21-21-15,0 0 0,0 42 32,0 0-17,0 0-15,0 0 0,0 1 16,21-1-16,0 0 0,-21 21 16,0-21-16,21 1 0,-21 20 0,21 0 15,-21-21-15,0 22 0,21-22 16,-21 0-16,22 0 0,-22 0 15,0 1-15,21-22 16,-21 21-16,21-21 0,0 0 16,0 0-16,0-21 15,1-1-15,20 1 0,-21 0 0,0 0 16,22 0-16,-22-22 0,21 22 0,0-21 16,-20 0-16,20 20 15,0-20-15,1 21 0,-22 0 0,21 0 0,-21-1 16,0 22-16,-21-21 15,22 21-15,-22 21 16,0 1 0,0-1-16,0 0 15,0 0-15,0 0 0,0 0 16,-22-21-16,22 22 16,-21-22-16,0 21 15,0-21-15</inkml:trace>
+  <inkml:trace contextRef="#ctx0" brushRef="#br0" timeOffset="41452.8">6202 13060 0,'-21'0'0,"42"0"0,-64 0 16,43-21-1,0 0 1</inkml:trace>
+  <inkml:trace contextRef="#ctx0" brushRef="#br0" timeOffset="46748.03">5651 12361 0,'0'0'15,"-21"0"-15,0 0 16,0 22 0,0-1-1,21 0-15,-21-21 16,21 21-16,0 0 0,0 0 15,0 1-15,21-22 16,0 21-16,0-21 0,0 0 16,0 0-16,1 0 0,20 0 0,-21 0 15,0 0-15,22 0 0,-22 0 16,21 0-16,-21 0 0,0 0 0,1 0 16,-1 0-16,0 0 0,0 0 15,-21-21-15,21 21 16,-21-22-1,0 1 1,0 0 0,21 21-1,-21-21 17,22 21-32,-1 0 31,0 0 125,-21-21-156,21 21 16,-21-21-16,0-1 15,0 1-15,21 0 16,-21 0 0,0 0-16,0 0 0,0-1 15,0 1-15,21 21 16,-21 21 15,0 1-31,0-1 0,0 21 0,-21 0 16,21 1-16,0-1 0,0 22 0,-21-22 15,21 21-15,-21 1 0,21-1 16,-21 1-16,21-1 0,0 1 0,0-1 16,0-20-16,0 20 0,0-20 15,0-1-15,0 0 0,0-21 0,0 22 16,0-22-16,-21 0 15,21 0-15,-22 0 0,22 1 0,-21-22 16,0 0-16,0 0 0,0 0 16,0 0-16,-1 0 15,1-22-15,-21 1 0,21 0 0,0-21 16,-1 21-16,1-22 0,0 1 16,0 21-16,0-22 0,0-20 15,-1 21-15,1-1 0,21 1 0,-21 21 16,21-22-16,-21 22 0,21 0 0,-21 21 15,21 21 1,0 0-16,0 22 16,21-1-16,0-21 0,21 22 15,-20-1-15,-1 0 0,0 1 16,21-22-16,-21 21 0,22-21 0,-22 0 16,21 1-16,1-1 0,-1 0 15,0 0-15,1-21 0,20 0 0,-21 0 16,1 0-16,20 0 0,1 0 15,-1-21-15,-20 21 0,20-21 0,-21 0 16,22-22-16,-22 22 0,-21 0 0,1-21 16,20-1-16,-42 1 0,0 21 15,0-22-15,0 1 0,0-43 16,-21 64-16,0 0 16,-1 0-16,1 0 0,0 21 0,0 0 15,0 0-15,0 0 0,-22 21 16,22 0-16,0 0 0,0 22 0,0-1 15,-1 0-15,1 1 0,21-1 0,0-21 16,0 21-16,0 1 0,0-1 16,0 0-16,0-20 0,21-1 0,1 21 15,-1-21-15,21 0 0,-21-21 16,22 22-16,-22-22 0,21 0 0,0 0 16,-20 0-16,20 0 0,0 0 15,1 0-15,-1-22 0,0 1 16,1 0-16,-1-21 0,0 21 0,-21-22 15,22 1-15,-22 21 0,0-22 16,0 1-16,0 0 0,-21-1 0,0 22 16,0 0-16,0 0 0,0 0 0,0 42 31,0 0-31,0 0 0,0 0 0,0 22 16,-21-22-16,21 21 0,0-21 15,-21 22-15,21-22 0,0 0 0,0 21 16,0-20-16,0-1 0,0 0 15,0 0-15,0 0 0,0 0 16,0 1-16,0-1 0,-21-42 47,21-1-47,-21 1 0,0 21 16,-1-21-16,1 21 15,21-21-15,-21 21 0,21 21 16,0 0-1,0 0-15,0 1 0,0-1 16,0 0-16,21 0 0,-21 0 16,21-21-16,22 21 0,-22-21 15,0 0-15,0 0 0,0 0 0,22 0 16,-22 0-16,21 0 16,1 0-16,-1-21 0,0 0 0,1 0 0,-1 0 15,0-22-15,1 22 0,-1-21 16,0 21-16,1-22 0,-22 1 15,0-21-15,0 20 0,0-20 0,0 20 16,-21-20-16,22-1 0,-22 22 16,0-21-16,0 20 0,0 1 0,0 0 15,0 20-15,0 1 0,0 0 0,0 42 16,-22 0 0,1 22-16,0-1 0,21 0 0,-21 1 15,0 20-15,21 1 16,0-1-16,-21-20 0,-1 20 0,22 1 0,0-22 15,0 0-15,0 1 0,0-1 16,0-21-16,0 0 0,0 22 16,0-22-16,0 0 0,22 0 15,-1-21-15,0 0 16,0 0-16,0 0 0,0-21 16,-21 0-16,22 0 0,-22-1 0,21 1 15,-21 0-15,0-21 0,0 21 16</inkml:trace>
+  <inkml:trace contextRef="#ctx0" brushRef="#br0" timeOffset="46942.25">7578 12891 0,'0'0'0,"-22"0"0,-20 0 16,63 21 15,0-21-31,1 0 0,20 0 16,-21 0-16,21 21 0,1-21 15,-1 0-15,0 0 0,1 0 0,-1 0 16,0-21-16,22 21 0,-43-21 0,21-1 16,1 22-16,-1-21 0,22 0 15,-22 0-15</inkml:trace>
+  <inkml:trace contextRef="#ctx0" brushRef="#br0" timeOffset="47212.1">8784 12637 0,'0'0'0,"0"-22"16,-21 22-16,0 0 16,0 0-16,-1 22 0,22-1 15,-21 0-15,0 21 0,0 1 16,0-1-16,0 0 0,-1 1 0,22 20 16,-21-21-16,0 1 0,0-1 15,0 0-15,21 1 0,0-1 0,-21 0 16,21-20-16,0 20 0,-22-21 0,22 0 15,0 0-15,0 1 16,22-22 0,-1 0-1,0-22-15,0 1 0,-21 0 16,21 0-16,0 0 0</inkml:trace>
+  <inkml:trace contextRef="#ctx0" brushRef="#br0" timeOffset="47452.07">8636 12806 0,'0'0'0,"0"-42"0,0-22 0,0 43 15,0-21-15,0 20 0,0 1 16,0 0-16,0 42 16,0 0-16,0 22 15,21-22-15,-21 21 0,21 22 16,0-22-16,1 0 0,-1 22 0,0-22 16,0 22-16,0-22 0,0 0 15,1 1-15,-1-1 0,0-21 0,-21 22 16,21-22-16,-21 0 0,21 0 15,-21 0-15,0 0 0,0 1 16,21-22-16,1 0 16,-22-22-16,21 22 15,0-21-15,-21 0 0,21-21 0,0 21 16</inkml:trace>
+  <inkml:trace contextRef="#ctx0" brushRef="#br0" timeOffset="47712.92">9419 12552 0,'0'-21'0,"0"42"0,0-85 16,0 43-16,-21 42 31,0 1-31,0-1 0,-1 21 16,1 0-16,0 1 0,0-1 0,0 22 16,0-22-16,-22 21 0,22 1 15,0-22-15,0 1 0,-22 20 16,22-21-16,0 1 0,0-1 0,21-21 15,-21 22-15,21-22 0,-21 0 0,21 0 16,0 0-16,0 0 0,21-21 16,0 0-16,0 0 15,0 0-15,0 0 0,22 0 0,-22-21 16,21 0-16,1 0 0</inkml:trace>
+  <inkml:trace contextRef="#ctx0" brushRef="#br0" timeOffset="48344.69">10033 12806 0,'42'-21'16,"-84"42"-16,105-63 0,-41-1 0,-1 22 0,-21 0 15,0 0-15,21-22 0,-21 22 16,0 0-16,-21 21 16,0 0-16,-1 0 0,1 21 15,-21-21-15,21 21 0,-22 22 0,1-22 16,0 21-16,-1 1 0,22-1 0,-21 0 15,0 22-15,-1-22 0,22 22 16,0-22-16,0 0 0,0 22 0,-1-22 16,22 0-16,0 1 0,0-1 15,0-21-15,0 22 0,0-22 0,22 0 16,-1 0-16,42 21 16,-42-42-16,22 0 0,-22 0 15,0 0-15,21 0 0,-20 0 0,-1 0 16,21-21-16,-21 0 0,0 0 0,1 0 15,-1 0-15,-21-1 0,0 1 16,0-21-16,21 21 0,-21-22 0,0 22 16,0 0-16,0-21 0,0 21 15,0-1-15,-21 22 0,21-21 0,-21 21 16,-1 0-16,1 0 16,21 21-1,0 1-15,0-1 0,0 0 16,21 0-16,1 0 15,-1-21-15,-21 21 16,21 1-16,0-1 0,-21 0 0,0 0 16,0 0-16,0 22 0,0-22 15,0 21-15,0 0 0,-21-20 0,0 20 16,0 0-16,-1 1 0,-20 20 0,21-21 16,0 22-16,-22-22 0,22 1 15,0 20-15,-21-21 0,21 1 0,-1-1 16,1 0-16,0 1 0,21-22 0,0 21 15,0-21-15,0 1 16,21-22 0,0-22-16,1 22 0,-1-21 15,0 0-15,21 0 0,-21-21 16,1 20-16,20-20 0,0 0 16</inkml:trace>
+  <inkml:trace contextRef="#ctx0" brushRef="#br0" timeOffset="48652.02">10710 13250 0,'0'22'16,"0"-1"0,0 0-1,21-21 1,1 0-16,-22-21 15,0 0-15,0-1 16,0 1-16,0 0 16,-22 21-16,22-21 15,-21 21-15,0 0 16,21 21-16,-21-21 16,21 21-16,-21-21 0,21 21 0,0 1 15,0-1-15,0 0 16,21-21-1,0 0-15,0 0 0,0 0 16</inkml:trace>
+  <inkml:trace contextRef="#ctx0" brushRef="#br0" timeOffset="48951.85">11388 12933 0,'0'-42'0,"0"84"0,21-106 0,-21 22 16,0 21-16,21 0 0,-21 42 31,21 0-15,-21 0-16,21 22 0,0-1 15,-21 0-15,22 1 0,-1-1 0,0 0 16,0 1-16,0-1 0,0 0 0,1 1 16,-1-1-16,0-21 0,0 0 15,0 22-15,0-22 0,-21 0 0,22 0 16,-1 0-16,-21 0 15,0-42 1,0 0 0,21 21-16,-21-21 0,21 0 0,-21-22 15,0 22-15,21 0 0,0-21 16</inkml:trace>
+  <inkml:trace contextRef="#ctx0" brushRef="#br0" timeOffset="49204.7">12150 12891 0,'0'-22'0,"0"44"0,0-65 15,21 22-15,-21 42 16,-21 0-16,-1 1 16,1-1-16,0 0 0,-21 21 0,21 1 15,-22-22-15,1 21 0,0 0 16,-43 22-16,43-22 16,-1-21-16,1 22 0,0-22 0,20 0 15,-20 0-15,0 22 0,21-22 0,-1 0 16,1 0-16,0 0 0,0 0 15,21 1-15,21-22 32,0 0-32,0 0 0,1 0 0,-1-22 15,21 1-15,-21 0 0,22 0 16,-1 0-16</inkml:trace>
+  <inkml:trace contextRef="#ctx0" brushRef="#br0" timeOffset="50021.24">12573 12954 0,'21'-21'0,"-42"42"0,42-63 0,-21 63 47,0 0-47,0 21 16,0-20-16,-21 20 0,21-21 0,-21 21 15,0-20-15,21 20 0,0 0 0,-22-21 16,22 22-16,-21-22 0,21 0 15,0 0-15,0 22 0,0-22 0,-21-21 16,21 21-16,0 0 0,0 0 0,-21-21 16,21 21-1,0-42 1,0 0-16,0 0 16,0 0-16,0 0 0,0-1 15,0 1-15,21-21 0,0 0 0,0-1 16,-21 1-16,43 0 0,-22-1 15,0-20-15,0 20 0,22 1 0,-22 0 16,0-1-16,21 22 0,-21 0 0,1-21 16,-1 42-16,0-21 0,21 21 15,1 0-15,-22 0 0,0 0 16,-21 21-16,21 0 0,-21 0 16,21 0-16,-21 22 0,0-1 0,0-21 15,0 21-15,0 1 0,0-1 0,0 0 16,0 1-16,0-22 15,0 21-15,0-21 0,0 1 0,-21-1 16,21 0-16,0 0 0,0 0 0,0 0 16,-21-21-16,21 22 15,0-44 1,0 1 0,0 0-16,0 0 0,0 0 15,21 0-15,0-22 0,0 22 0,22-64 16,-22 43-16,21 0 15,1-1-15,-1 1 0,0 0 16,1-1-16,-1 1 0,-21 21 0,21-21 16,1 20-16,-1 1 0,-21 21 0,0 0 15,22 0-15,-43 21 16,21 1-16,-21 20 0,0 0 16,0 1-16,0-1 0,-21 0 0,0 1 15,21-1-15,-22 0 0,1 1 16,0-1-16,0 0 0,0 1 0,21-22 15,-21 21-15,-1-21 0,1 0 0,21 1 16,0 20-16,-21-21 0,0-21 16,21 21-16,0 0 0,0 1 0,-21-1 15,21-42 32,0-1-47,21 22 0,0-21 16,0 0-16,0 0 0,1-21 15,20 20-15,0 1 0</inkml:trace>
+  <inkml:trace contextRef="#ctx0" brushRef="#br0" timeOffset="50352.05">14055 12848 0,'0'0'0,"42"-42"0,-21 0 16,0 20-16,22-20 0,-43 21 16,21 0-16,-42 42 31,-1 0-31,1 21 15,0-20-15,-21 20 0,21 0 0,-22 1 16,22 20-16,-21-21 0,21 1 16,-1 20-16,1-20 0,0-1 0,0 0 15,0 1-15,0-1 0,21-21 16,-22 21-16,22 1 0,0-22 0,0 0 16,0 0-16,0 0 0,22 1 0,-1-1 15,0-21-15,0 0 0,0 0 16,22 0-16,-22 0 0,21 0 0,0 0 15,-20-21-15,20 21 0,0-22 0,-21 22 16,22-21-16,-22 21 16,0 0-16,0-21 0,0 21 0,-21-21 0,22 21 15,-44 0 17,1 0-32,0 0 0,0 0 0</inkml:trace>
+  <inkml:trace contextRef="#ctx0" brushRef="#br0" timeOffset="50900.41">7768 13695 0,'0'0'0,"-21"42"16,21-21-16,21 1 16,0-22-16,22 21 0,-1 0 0,0-21 15,22 21-15,-1 0 0,22 0 16,0 1-16,20-1 0,22-21 0,0 21 16,0 0-16,43 0 0,-22 0 0,21-21 15,1 22-15,20-1 0,-21-21 16,22 21-16,-22 0 0,1-21 15,-1 0-15,0 21 0,1-21 0,-22 0 0,-21 0 16,21 0-16,-42 0 0,0 0 16,84 0-16,-105 21 15,-22-21-15,1 0 0,-22 0 0,0 0 16,1 0-16,-22 0 0,-21 22 16,-21-22-1,0 0-15,-22 0 0,22 0 0,-21 0 16,-22 0-16,22 0 0,-22 0 15,1 0-15,-1 0 0,-20-22 0</inkml:trace>
+  <inkml:trace contextRef="#ctx0" brushRef="#br0" timeOffset="51284.22">9207 14076 0,'-105'0'16,"210"0"-16,-316 0 0,105 0 0,21 0 0,1 0 15,20 21-15,1-21 0,20 21 16,1-21-16,21 0 0,0 21 0,21 1 16,21-1-1,21-21-15,22 21 0,20 0 0,1 0 16,21-21-16,0 21 0,42 1 16,-21-22-16,21 21 0,21-21 15,-21 21-15,22-21 0,-1 21 0,0-21 16,1 0-16,-22 0 0,0 0 0,0 21 0,0-21 15,-21 0-15,-21 0 16,0 0-16,-21 0 0,-1 0 0,-20 0 16,-22 0-16,1 0 0,-1 0 0,-21 0 15,0 0-15,-21 21 16,-21-21 31,0 0-47,0-21 0,21 0 15,-21 21-15,-1-21 0,1 21 16,0-21-16</inkml:trace>
 </inkml:ink>
 </file>
 
@@ -535,119 +984,34 @@
           <inkml:channelProperty channel="T" name="resolution" value="1" units="1/dev"/>
         </inkml:channelProperties>
       </inkml:inkSource>
-      <inkml:timestamp xml:id="ts0" timeString="2021-02-02T13:16:51.103"/>
+      <inkml:timestamp xml:id="ts0" timeString="2021-02-03T13:10:19.584"/>
     </inkml:context>
     <inkml:brush xml:id="br0">
       <inkml:brushProperty name="width" value="0.05292" units="cm"/>
       <inkml:brushProperty name="height" value="0.05292" units="cm"/>
       <inkml:brushProperty name="color" value="#FF0000"/>
     </inkml:brush>
-    <inkml:brush xml:id="br1">
-      <inkml:brushProperty name="width" value="0.05292" units="cm"/>
-      <inkml:brushProperty name="height" value="0.05292" units="cm"/>
-      <inkml:brushProperty name="color" value="#0070C0"/>
-    </inkml:brush>
   </inkml:definitions>
-  <inkml:trace contextRef="#ctx0" brushRef="#br0">4911 2667 0,'0'0'0,"0"21"125,0 0-109,0 1-16,-22-1 16</inkml:trace>
-  <inkml:trace contextRef="#ctx0" brushRef="#br0" timeOffset="2396">4805 677 0,'0'-21'16,"0"0"-1,21 21 1,-21-21-16,0 0 16,0 0-1,0-1-15,0 1 16,21 0-16,0 0 16,-21-21-16,0 20 15,43-105 1,-22 85-1,0 0 1,-21 21 0,0 42 31,-42 42-47,20-20 15,1-1-15,-21 64 16,-22 84-1,43-126-15,0-1 0,-64 234 16,43-170 0,0 42-1,42-106 1,0-41-16,0-1 0,0 0 16,0-42 15,0 0-16,0-1-15,0-41 0,0 42 16,21-127 0,21 42-1,1-85 1,-22 149 0,0-22-16,-21 22 0,21 0 0,21-43 15</inkml:trace>
-  <inkml:trace contextRef="#ctx0" brushRef="#br0" timeOffset="2730.81">4932 296 0,'21'-42'0,"-42"84"0,42-126 31,-21 105-15,0 0-16,0 43 16,0-22-16,0-21 15,0 106 1,0 42-1,0-63-15,0-42 16,0 63-16,0-85 0,0 22 16,0-22-16,0 85 15,21-42 1,-21-1 0,0-63-1,0-42 16,0 0-15,0 0-16,-21 0 16,21 0-16,-21 21 0,21-22 15,-43-20-15</inkml:trace>
-  <inkml:trace contextRef="#ctx0" brushRef="#br0" timeOffset="4779.72">4487 1207 0,'-21'0'16,"42"0"-16,-63 0 0,42 21 16,-21-21-1,63 21 1,43-21 0,-43 0-16,106-21 15,-21 0 1,-84-1-16,20 1 0,85-21 15,-21-22 1,-21 1 0,-85 21-1,0 20-15,-21 1 16,22 21 0,-44 21 15,22 1-31,-21-1 0,21 0 15,0 21-15,-21 43 16,0-22 0,0-41-16,21 62 15,-21 1-15,21-64 16,0 0-16,-22 22 16,22-65 15,0 1-16,22-63 1,83-107 15,-83 170-31,41-64 16,1 43 0,-43 42-16,0 0 15,0 63 1,-21 43-1,21-21 1,-21-64-16,21 43 16,22-1-1,63-21 1,-22-42 0,-63 0-16,22 0 15,20-42 1,-42 21-16,1 0 0,20-85 31,-21 21-31,-21 1 16,0 41-1,0 22-15,0 0 16,0 42 0,-21 21-1,0 1-15,21-1 16,0 0-16,0-20 15,0 41-15,-21 22 16,-1-22 0,22-42-16,0 22 15,0-22-15,0-42 47,0 0-47,0-1 0,22 1 16,-22 0-16,21 0 0,0-21 15,-21 20-15,21-20 16,0 21-16,0-43 0,43-20 16,-43 63-1,21-1 1,-42 44-16,0 62 31,0 1-15,0 0-16,0-1 15,22-63-15,-22 1 16,42 41 0,0-63-1,64 0 1,-21-21 0,-64 0-16,127-85 15,-106 42 1,1-20-1,-22 63-15,-21-43 16,0 43-16,21 0 31,-21 42-15,0 0-16,-21 21 16,21-20-16,0-1 15,-42 127 1,42-63-1,0-64-15,0 21 16,21-21 0,63 0-1,43-21 1,-84-21 0,20-63-1,1-43 16,-64 0-15,-21 63 0,-43-21-16,1 43 15,41 21-15,-126 21 32,64 42-17,20 64 1,64-42-1,0-22-15,0 148 16,21-126 0,64-22-1,0-42 1,42-21 0,-43 0-1,64-127 1,-63-22 15,-64 128-31,0-127 16,1 63-16,-1-21 15,-21 85 1,0-85 0,0 105-1,0 44 1,0-1-1,-21 106 1,21-85-16,-22 43 16,22 126-1,-21-62 1,0 41 0,21-126-1,0-22 1,0-21-1,21-21-15,0 0 0,43 0 32,21-42-32,-64 21 15,0-1-15,42-41 16,-63 42-16,0-106 31</inkml:trace>
-  <inkml:trace contextRef="#ctx0" brushRef="#br0" timeOffset="5041.58">7239 1016 0,'-21'0'0,"42"0"0,-42 21 16,42-21-1,0 0-15,64-21 16,21 0-1,-64 21-15,-21 0 16,21-21-16,1 21 0,-22 0 0,64-43 31,-64 43-31,-21-21 16,-21 21 15,-1 0-31,1 0 16,0 0-16</inkml:trace>
-  <inkml:trace contextRef="#ctx0" brushRef="#br0" timeOffset="7838.13">8064 1249 0,'22'0'16,"-1"0"-16,0-21 31,0 21-31,21-43 15,-20 22 1,-1-63 0,-21 62-16,0-20 15,0-21-15,-85-22 32,-21 106-17,43 43 1,20-43-16,22 21 15,-42 149 1,42-128 0,21 43-1,21-64 1,85-21 0,-64-42-1,21-42 1,-20 20-1,-22 22-15,42-127 16,-63 85 0,0 20-16,22-20 15,-22 42 1,0 42 15,0 21-31,0-21 0,0 85 16,0-85-1,0 43-15,0-22 0,0-21 16,0 43 0,21-1-1,0-42-15,0-21 0,0 0 16,22 0-16,-22 0 16,0-21-16,42-21 15,1-43 1,-22 1-1,-21 41-15,1-20 0,20-85 16,-21 84-16,-21-148 31,21 85-31,-21 43 16,0 63-16,0-22 16,0 1-16,0 84 31,-21 22-16,21 105 1,-21-63 0,0 190-1,0-190 1,21 42 0,0-105-16,21-1 15,-21-21-15,42 21 0,0-42 31,22 0-15,42-42-16,-64 0 16,85-106 15,-127 105-31,64-84 16,-64 85-1,0 0 1,0 84 15,0 21-15,0 22-1,-22-43-15,22-20 0,0 41 16,0 1 0,22-22-1,20-21 1,-21-21-16,0 0 0,64-42 15,-22-1 1,-20-20 0,-22 42-16,0-43 15,-21 43-15,21 0 0,0-64 32,-21 22-32,0 42 15,0 42 16,0 0-31,0 85 16,0-22 0,0 1-1,0-21 1,0-43-16,0 0 16,64 21-1,21-42 1,-22 0-1,-21-21-15,107-64 32,-107 22-32,-21-22 15,-21-21 1,0 64-16,0 21 0,-106-106 31,22 63-31,-22 43 16,63 21-1,-20 21-15,21 1 0,20-22 16,-41 127 0,63-22-1,0-20 1,0-64-16,21 85 16,0-85-16,85 43 15,-64-43-15,64-21 16,-21 0-1,21 0 1,-64-21-16,0 0 0,1-1 0,105-62 31,-127 63-31,43-64 16,-43 21-16,-21 1 16,0 42-16,0 0 15,0-1 1,0 44-1,-21 41 1,21 22 0,-43 42-1,43-106-15,0 64 16,-21-43 0,0 0-1,21-21-15,0 1 16,0-44 15,0 1-31,0-42 16,0 42-16,21-22 0,21-63 15,22 1 1,-43 62-16,0 22 16,22-42-16,20-1 15,-42 64-15,0 0 16,43 0-1,-43 21-15,21 43 16,-42 20 0,22 1-1,-22 63 1,0-105 0,0-22-16,0 42 15,0-42-15,21 1 16,0-22-16,42 21 15,1-21 1,63-43 0,-64 1-1,-41 21-15,20 0 0,85-106 32,-64 21-17,-20-21-15,-43 106 16,0-22-16,0 22 0,0 0 15,-64 21 1,22 21 0,-43 85-1,64-64-15,21 1 16,-21-22-16,21 85 16,63-43-1,22-20 1,-43-22-1,1 0 1,-22 0 0,-21 0-1,-64-21 1,1 0 0,-1 0-1,43 0-15,0 0 16,-21 0-1,21-21 1,-1-21 0,22 21-16</inkml:trace>
-  <inkml:trace contextRef="#ctx0" brushRef="#br0" timeOffset="8372.37">9800 423 0,'0'0'0,"-21"0"0,0 0 16,0 0-16,21 22 15,-22-22-15,1 21 16,21 0-1,21-21 1,1 0-16,-1 0 0,0 0 16,0 0-16,21 0 0,-20-21 15,-22-22 1,0 22-16,-22 21 16,1-21-16,0 21 15,0 0-15,-21 0 16,-22 21-1,43 0 1,21 22-16,0-22 16,21 21-1,0-42 1</inkml:trace>
-  <inkml:trace contextRef="#ctx0" brushRef="#br0" timeOffset="8696.19">8615 699 0,'0'0'0,"21"0"31,0 0-31,0 0 0,22 0 16,41 0-1,64-22 1,-63 1 0,-64 21-16,22-21 15,-65 21 16,1 21-15,-42-21-16,42 21 0</inkml:trace>
-  <inkml:trace contextRef="#ctx0" brushRef="#br0" timeOffset="9569.68">4593 1842 0,'-21'0'16,"0"0"-1,42 0 48,0 0-48,0 0-15,22 0 0,-22 0 16,21 0-16,0 0 0,1 0 0,63 0 16,-43 0-16,1 0 15,-1-22-15,1 22 0,20 0 0,1 0 16,275-21-1,-43 0 1,-84 21 0,-106 0-16,296-21 15,-274 21-15,507 0 16,-127-21 0,0 21-1,0-21 1,-381 21-16,22 0 0,422-22 15,-253 1 1,-148 0 0,-128 21-16,106-21 15,-126 21-15,-22 0 0,21 0 32,-42-21-32,-21 21 15,0 0-15,-64 0 16,43 0-16,0 0 15,-128 21 1,43-21-16</inkml:trace>
-  <inkml:trace contextRef="#ctx0" brushRef="#br0" timeOffset="10583.76">4805 1863 0,'0'0'0,"-43"0"0,22 0 15,-21 0-15,0 0 0,-1 0 0,22 0 16,-106 0-1,64 21 1,20-21 0,64 0-1,1 0 1,-1 0-16,0 0 0,21 21 16,128-21-1,-128 0-15,21 0 16,1 0-16,-1 21 0,340-21 15,-298 0 1,1 0-16,212 0 16,-212 0-16,21 0 0,0 0 15,0 0-15,169 0 16,297 0 0,-255-21-1,149 21-15,-339 0 0,170 0 16,-149-21-16,530 21 31,-445 0-15,169 0-16,-338 0 15,63 0 1,-64 0-16,-41 0 0,126 0 16,-127 0-1,-20 0-15,-1 21 31,0-21 32,-21 21-63,21-21 16,0 0-16,0 0 15,1 0-15,20 21 16,0-21-1,-21 0 1</inkml:trace>
-  <inkml:trace contextRef="#ctx0" brushRef="#br0" timeOffset="10736.67">10858 1969 0,'0'21'0,"-21"-21"15,0 0 1,21 21-16,0 0 31</inkml:trace>
-  <inkml:trace contextRef="#ctx0" brushRef="#br0" timeOffset="49142.26">2201 2646 0,'0'-21'31,"0"0"0,0-1-31,-21 1 16,21-21-1,0 21 1,0 0-16,0-85 16,0 21-1,-21 43 1,21 21 0,0-1-16,0 1 15,-21 21 1,21-21-1,-21 85 1,21-43-16,0 63 16,-43 276 15,22-127-15,0-106-1,21 0 1,0-106-16,0 85 31,0-85-15,-21-21-1,21-21 1,0-148 15</inkml:trace>
-  <inkml:trace contextRef="#ctx0" brushRef="#br0" timeOffset="49935.98">2011 2498 0,'-21'0'16,"21"-21"-16,-22-1 15,1-20 1,21 21 0,0-21-1,0 20 1,85-41 0,63-1-1,-42 43 1,-64 21-16,85 0 15,0 170 17,-127-65-17,-21-62-15,0-1 0,-85 106 16,21-63 0,43-43-16,-148 64 31,147-106-16,1 0 1,42-42 0,85-1-1,42-20 1,63 21 15,-105 42-31,169 84 31,-212 22 1,-42-21-17,0-64-15,-85 64 16,-232 105 15,190-169-15,42-21-1,-21 0 1,22-84 15,84 41-15,0 22 0,169-64 30</inkml:trace>
-  <inkml:trace contextRef="#ctx0" brushRef="#br0" timeOffset="50408.4">2921 2963 0,'0'0'0,"21"22"16,0-22-16,0 0 16,1 0-16,-1 0 15,0-22-15,21 1 16,22-21 0,42-22-1,-85 43 1,0-63 15,-85 41-15,22 43-16,-21 0 15,-86 127 17,107-42-17,21 21 1,21-85-16,0 64 15,21 42 17,21-85-17,22-42 1,-43 0-16,127-85 31,-127 64-15</inkml:trace>
-  <inkml:trace contextRef="#ctx0" brushRef="#br0" timeOffset="50987.22">3450 3048 0,'0'21'0,"0"-42"0,21 42 31,43-63-15,42-22 0,-1 1-1,-62 42-15,41-64 16,-20-21 0,-22-84 15,-42 84-16,0 64 1,-42 42 0,-43 21 15,64 42-31,-21 85 31,-22 1-31,-20 189 31,41-147-15,-20 84 0,42-148-1,-22 212 1,43-212 0,0-106-1,0 21 1,43-42-16,-22 0 15,42-63 1,1-43 15,-64 0-31,0 64 0</inkml:trace>
-  <inkml:trace contextRef="#ctx0" brushRef="#br0" timeOffset="52099.99">1376 2921 0,'0'21'16,"21"-21"15,0 0-31,21 0 16,-20-21-16,20 0 15,-42 0 1,0-64 15,-64 85-31,-20 0 16,-1 21-1,-63 85 17,106-21-17,42-43 1,0 0-1,84-42 1,1-63 0,0 21 15,-43-1-31,-21 22 16,0 0-16,0-21 15,-21 63 16,0 63-15,22-41 0,-22-22-16,0 0 15,105 0 17,-20-42-17,-43-21 1,1-22-1,-22-126 1,-42 84 0,0 64-16,-64-64 15,43 85 1,-43-43-16,21 64 0,22-21 16,-191 42-1,127 43 1,-63 63-1,127-85-15,-64 148 16,106 213 0,63-276-1,43 21 1,-42-106-16,42 0 16,232 22 15,-190-106-16,1-43 1,-86 0 0</inkml:trace>
-  <inkml:trace contextRef="#ctx0" brushRef="#br0" timeOffset="52879.54">3514 3048 0,'0'-21'16,"21"21"-1,0 0-15,-21-21 16,21 21-16,21-21 16,22-1-1,21 1 1,-22 21-1,-42 21-15,0 1 0,64 105 16,-85-22 0,0 44-1,0 62 1,-190 86 15,126-234-15,43-42-16,-64 43 15,43-64 1,21 0 0,21-21-16,0-1 15,21-147 17</inkml:trace>
-  <inkml:trace contextRef="#ctx0" brushRef="#br0" timeOffset="53498.96">3852 3090 0,'0'0'0,"-21"0"16,0-21-16,0 21 15,0 0 1,21-21-1,42 0 1,85-43 15,-85 43-31,22-21 0,84-22 16,-63 22 0,-64 42 15,-21 21-16,0 85 1,0-42-16,-21-43 16,21 21-16,0-21 0,0 64 15,0-43 1,21 1 0,0-43-16,21 0 15,-21 0-15,1 0 0,62-43 16,1-20-1,-43-43 1,-42 42 0,0 43-16,0 0 0,-42-64 31,21 64-31,-43 0 16,22 21-16,-43 0 0,64 0 15,-42 0-15,41 21 16,1 0-16,0 22 15,21-1 1,0 0 0,21-20-16,0-22 0,1 21 15,-1-21-15,106 0 16</inkml:trace>
-  <inkml:trace contextRef="#ctx0" brushRef="#br0" timeOffset="53959.6">4805 2836 0,'0'0'0,"-21"0"0,-1-21 15,1 21-15,21-21 16,21 21 0,1 0-1,41 0 1,-42 0-16,0 0 0,43 21 15,21 85 1,-85-21 0,0-43-1,-22 22 1,1-64-16,0 21 0,-21-21 16,21 0-1,-1-43 1,22 1-1,0 21-15,0 0 0,64-106 16,-43 63 0,0 22-16,0 21 15,43-43-15,-22 64 16,-42-21-16,21 21 16,1 0-1,-22 21 1,0 0-1,0 43 1</inkml:trace>
-  <inkml:trace contextRef="#ctx0" brushRef="#br0" timeOffset="54305.4">5249 2963 0,'0'0'0,"43"22"15,-1-22 1,43-22-1,-1-41 1,-63 42-16,22 0 16,-22-1-16,0 1 0,-21-63 31,0 41-31,-42 43 16,21 0-16,-1 0 15,-62 43 1,-22 84-1,85-106-15,21 63 16,0-20 0,0-1-1,42-20 1,22-43 0,-22 0-1,0-21 1,-21-1-16,1 1 0</inkml:trace>
-  <inkml:trace contextRef="#ctx0" brushRef="#br0" timeOffset="56464.69">6837 3112 0,'0'-22'47,"0"1"-47,0 0 16,21 0-16,21 0 0,-21-43 16,1 43-16,-1-21 0,0-1 15,42-84 1,-20 64-16,-1-43 15,-21 64-15,0-64 16,1 21-16,-22 64 16,0 0-16,-85 21 15,-21 42 1,43 1 0,20-1-16,22-21 0,0 64 15,21-43-15,0 0 0,0 1 16,42 63-1,64 42 1,-42-85-16,-1 22 16,-42-64-16,-21 64 31,-42-43-15,21-21-16,-43-21 15,-84 0 1,0-63-1,63-22 1,22 22 0,42-1-1,21 43-15,21 21 32,0 21-32,64 64 15,-22-22 1,-42-20-16,0-22 0,43 63 31,-43-62-31,43 20 0,41-42 16,-62 0-1,-22 0 1,85-64-16,-64 22 16,-21 21-16,43-106 15,-64 106 1,21-22-16,-21 22 15,21-106 1,-21 148 15,0 22-31,0-1 16,0 85 0,0-63-1,21-1 1,22-21-1,-22-42-15,0 0 0,64 0 32,-43-21-32,43-42 15,-64-1 1,0 43-16,-21 0 16,0-85-1,0 64-15,0 21 16,0-1-16,0 1 15,0 42 17,0 1-32,0-1 0,0 21 15,0 43 1,0-64-16,0 42 16,0-41-16,0-1 0,21 63 15,21-62 1,43-22-1,-43-22 1,-20 22-16,20-21 0,64-85 31,-64 43-31,0-64 32,-20 85-32,-22-22 31,0 85-16,0 0 1,0 43 0,0-43-16,0 21 0,0 22 15,0-1 1,0-41-16,0 20 16,21-21-1,0 0-15,0-21 0,21 0 16,22-21-1,21-42 1,-64 41-16,21-41 16,-42 42-16,21-22 15,64-105 1,-43 0 0,1-42-1,-43 105-15,21-42 31,-42 148 1,21 0-32,-22 0 0,1 22 15,21-22-15,0 21 0,-42 106 16,21-63 0,21 42-1,0-85-15,0 43 16,0-64-16,0 22 0,0-22 15,0 42 1,0-42-16,42 22 0,0-22 16,64-21-1,-85 0-15,128-64 32,-65 1-17,1-22 1,-64 22-16,0-107 31,-42 149 0,-42 21-15,41 43-16,1 20 16,21-21-16,-21 107 31,21-65-16,42-41 1,-42-22-16,64 0 16,-43-21-16,0 0 15,0 0-15,22 0 0,-22 0 16,106-42 0,-42-43-1,-43 43 1,21-1-1,-63 22-15,0-64 16,-21 43 0</inkml:trace>
-  <inkml:trace contextRef="#ctx0" brushRef="#br0" timeOffset="56754.53">8594 2625 0,'21'-21'16,"0"21"-16,21-22 16,1 1-16,62-21 31,1 0-31,-63 20 15,-22 22-15,106-42 16,-106 21 0,-21 0-1,-21 21 1,-22 0-16,22 0 16</inkml:trace>
-  <inkml:trace contextRef="#ctx0" brushRef="#br0" timeOffset="57139.59">8297 2434 0,'0'0'0,"-21"0"0,21 21 15,-21 1-15,21-1 16,0 0-1,0 0-15,21-21 32,0-21-32,-21 0 15,21 21-15,-21-21 16,0-1-16,0 1 0,0-21 16,0 21-1,-42 21 1,21 0-16,0 0 15,21 21 1,0 0 0,0 0-1,0 0-15,21 1 16,-21-1-16,21 0 16</inkml:trace>
-  <inkml:trace contextRef="#ctx0" brushRef="#br0" timeOffset="58271.04">5651 4466 0,'0'0'0,"22"0"16,20 0 0,-21-21-1,0-42 1,-21 41-16,0-20 15,0-21 1,-63 20 0,42 22-16,-1 0 0,-105 21 31,43 42-31,-1 22 16,43 42-1,42-85-15,-21 21 16,21 64-1,0-64 1,42 1 0,-21-43-16,0 0 15,22 0-15,-1-22 0,0 1 16,-21 0-16,43-42 16,-22-22-1,-21 0 1,-21 64-16,0-64 15,0 107 17,0-1-32,0 42 15,0-42 1,0 64 0,0-21-16,22-43 0,-22 0 15,42 21-15,-21-42 16,21 0-16,-20 0 0,20 0 15,-21 0-15,85-42 16,0-22 0,-22-63-1,-84 64 1,0 21-16,0-1 0,-21-147 16,-42 105-1,-64-63 1,63 127-16,22 0 0,0 21 15,-22 0-15,1 0 0,-191 42 32,190-21-32,-21 21 0,-147 191 15,105-21 1,105-127-16,1 274 31,42-295-31,85 42 16,85-22-1,-85-84 1,169-42 0,-148-21-1,-21-1 1,-43-21 0,-63 64-16</inkml:trace>
-  <inkml:trace contextRef="#ctx0" brushRef="#br0" timeOffset="58746.76">7091 4170 0,'0'-42'0,"0"84"0,0-106 0,0 22 15,0 21-15,0 0 0,0 0 16,0-22-16,0 64 31,0 22-31,0-22 16,0 21-16,0 1 0,0 20 0,-21 128 31,-22-43-31,1-42 31,42-85-31,-21 42 0,21-42 16,0 1 0,0-44-1,0 1 1,21 0-16,-21 0 0,0 0 16</inkml:trace>
-  <inkml:trace contextRef="#ctx0" brushRef="#br0" timeOffset="59319.43">6964 4170 0,'0'0'0,"-21"-21"0,-1 0 16,1-64-1,21 21-15,21 22 16,1 21 0,62-21-16,149 42 31,-85 63-16,-105 1 1,-43 41 0,-85 65-1,21-128 1,-41 22 0,83-64-16,1 0 15,21-22 1,0-20-1,21 42-15,1-21 0,-1 0 16,42 0-16,-42 21 0,64 0 16,-64 0-16,22 0 0,62 42 31,-83-42-31,41 63 0,-42-41 0,0 41 31,-21 22-31,-21-43 16,0-21-16,-148 85 15,-1-21 1,22-64 0,106-21-1,-106-42 1,127-1 0,21 22-16,0 0 15,0 0-15,21 0 0,0-1 16,0 22-16,0-21 0,85-21 31</inkml:trace>
-  <inkml:trace contextRef="#ctx0" brushRef="#br0" timeOffset="59753.94">7810 4487 0,'0'0'0,"0"22"16,22-22 0,-1 0-1,0 0 1,0 0-16,-21-22 0,106-62 31,-85 41-15,0-20-16,-21 21 15,-63 42 1,-85 105 15,84-20-15,43-64-16,0 85 16,21-42-1,21-1 1,85-21 15,0-42-15,-85 0-16,63-42 15,-20 21 1,-43 0-16,0 0 0,22-1 0,-22 1 0</inkml:trace>
-  <inkml:trace contextRef="#ctx0" brushRef="#br0" timeOffset="61080.7">8530 4043 0,'0'0'0,"0"-42"0,0-22 16,0-21-1,-21 22 1,0 42-16,-43 63 31,43 64-15,0 42-1,21 43-15,-42-1 16,42-126-16,-22-1 16,1 106-16,0-105 15,0 21-15,21-22 0,-42 106 16,42-20 0,-22-86-16,22 1 0,-21 232 15,21-254-15,0 43 16,43-22-1,41-41 1,-63-22-16,85-127 31,-63 84-31,-22 1 0,106-149 16,-106 149-16,0-127 16,-21 105-1,-63-211 1,-22 148-1,21 64 1,-41-1 0,83 43-16,1 21 0,0 0 15,21-21 1,42 0 0,22-22-1,-22 22-15,106-42 16,-42-22-1,-63 64-15,20-43 16,-42 43-16,22 0 16,-22-21-16,-21 20 0,21 22 15,-21-21 1,0 0-16,-42 42 16,42 0-1,-22 1-15,22 20 16,-21-21-16,21 85 15,0-64 1,0-21-16,21 43 16,22-22-1,-22-42-15,0 0 0,43 0 16,-43 0-16,42-21 16,1-21-1,-43 21-15,21-43 16,-42 22-16,0-106 15,-21 84 1,-42 22 0,41 42-16,1 0 0,-42 0 15,42 0-15,-85 63 32,63 22-17,43-43-15,0-21 16,22 22-16,-1-22 0,-21 0 15,127 0 17,-21-63-17,-43 0 1,1-43 0,-43 64-16,21-43 0,85-20 31,-85 84-16,22 84 1,-22 22 0,-42-42-1,0-43-15,-21 106 32,-21-64-32,42-42 15,-21-21 1,-1-21-1,22 0 1,0-21-16,0 21 16,0-1-16,0 1 0,43-85 15,-22 43 1,0 42-16,-21 0 0,85-85 16,-43 106-1,-21 0 1,0 0-1,-21 21 1,0 0-16,22-21 0</inkml:trace>
-  <inkml:trace contextRef="#ctx0" brushRef="#br0" timeOffset="61473.47">9821 4403 0,'0'21'15,"0"-42"-15,21 42 16,22-21-1,20 0 1,43-21 0,-42-43-1,-22-20 1,-42 41 0,0 22-16,0 0 0,-21-43 15,-22 64 1,-20 0-1,21 22-15,-1 20 16,22-21-16,0 0 0,-43 106 31,43-42-31,21-22 16,0-41-16,21-1 16,1 0-16,-1 0 0,0-21 15,106 21 1,-85-21-16,43 0 15,-22-21 1,-41 21-16,41-63 0,-42 41 16,0-20-16</inkml:trace>
-  <inkml:trace contextRef="#ctx0" brushRef="#br0" timeOffset="64089.9">11197 3662 0,'0'21'15,"0"0"1,0 0-1,0 1-15,0-1 0,0 42 16,0-42 0,21 1-1,0-22-15,1 0 0,-1 0 16,21 0 0,0 0-16,22-43 0,-22 1 15,-21 42 1,22-42-16,-22 20 0,-21 1 0,21 0 15,-21-64 1,0 43 0,0 21-16,-21 21 15,0 21 1,21 0-16,-43 149 16,43-128-16,0 43 15,-21 63 1,21-85-16,-21 22 15,21-43-15,0-21 0,0 106 32,0-105-32,0 20 15,-21-21-15,-21-21 16,-43-42 15,43-22-15,-43-42-1,43 64-15,42 21 16,0 0-16,-43 21 31,22 42-15,21 43-16,21-22 16,43 1-1,42-1 1,42-42 15,-64-21-31,1-42 16,-43 42-16,-20-21 15,20 0-15,-21 0 0,21-1 0,43-105 32,-85 22-17,0 62-15,0 22 16,0-21-16,-21 42 15,-21 0 1,-1 63 0,22-20-16,21-1 15,0-21-15,-21 85 16,21-85-16,0 21 0,0 22 16,0-43-16,85 21 15,-22-42 1,1 0-1,-43 0-15,21 0 0,106-84 32,-84 41-32,84-84 15,-85 22 1,-41 83 0,-22-62-1,-22 84 1,1 0-16,0 0 0,21 21 15,-42 21-15,21-21 16,21 1-16,0 83 16,21-20-1,21-43 1,-21 1 0,0-22-16,1 0 15,-44-21 32,22-21-47,-21 21 0,0-21 16,-21 21-1,21-21-15,-1 21 0,-20 0 16,42 21 0,0 0-1,0 21 1,64-21-1,-1 1 1,-42-1-16,22-21 0,-22 0 16,0 0-16,21 0 0,64-21 15,0-43 1,-43 22 0,22-106-1,21-85 16,-64 21-31,1 127 16,-43-20 0,0 83-16,0 1 0,0 0 31,0 42-31,-43 43 16,22-22-16,-21 85 15,21-85-15,21 22 16,-64 169-1,43-85 1,21-85 0,0-20-16,0 41 0,21-84 15,-21 22-15,85-1 16,-1-21 0,-62 0-16,20 0 15,-21 0-15,43-43 16,20-105 15,-84 42-15,0 64-16</inkml:trace>
-  <inkml:trace contextRef="#ctx0" brushRef="#br0" timeOffset="64357.81">12763 3916 0,'0'0'0,"0"21"16,22-21-16,-1 0 16,169 0-1,-169 0 1,64-21-16,63-21 16,-21 20-1,-63 22 16,-85 22 1,-1-22-32,-41 42 15</inkml:trace>
-  <inkml:trace contextRef="#ctx0" brushRef="#br0" timeOffset="65551.31">7408 6392 0,'0'22'0,"0"-1"0,0 0 16,21-21-1,1 0-15,-1 0 16,0-21-16,0 0 15,21-43 1,-20 43-16,-22 0 0,0 0 16,0-1-16,0 1 0,-43-63 31,-20 41-15,42 43-16,-64 0 15,0 21 1,-21 106-1,64-21 1,42 0 0,0-85-16,21-21 15,0 21-15,64-42 16,-21 0 0,63-85-1,-64 22 1,-42 62-16,0 1 0,22-85 15,-43 43 1,-21 63 15,21 21-31,-22-21 0,22 127 32,0-63-17,0-43-15,0 21 16,22 22-16,-1-43 15,21-21-15,0 0 16,43 0 0,-64-21-16,106-64 15,-63 0 1,-22-190 15,-84 148-15,-64-63-1,21 105 1,-105 0-16,-128 170 31,149 63-15,-64 148 0,191-211-1,-22 381 1,85-360-1,64 42 1,106-64 0,-1-62-1,-21-22 1,22-64 0,-149 64-16,43-42 15,-64 21-15,43-64 31</inkml:trace>
-  <inkml:trace contextRef="#ctx0" brushRef="#br0" timeOffset="66115.98">8657 5906 0,'0'0'0,"0"-22"0,-21 22 0,21-21 15,-21 0-15,0 21 16,-1 0-16,1 0 0,0 0 16,0 21-16,0 43 15,0 63 1,-1 84 0,22-105-1,0-63-15,0 20 0,0 106 16,0-147-1,0-1-15,0 0 16,22-21-16,-1-21 31,0-43-31,-21 22 16</inkml:trace>
-  <inkml:trace contextRef="#ctx0" brushRef="#br0" timeOffset="66704.66">8572 5969 0,'0'0'0,"-21"-85"0,0 22 15,63-43 1,1 85 0,-1 0-16,64 21 15,42 21 1,-84 42-1,-43 149 17,-127-85-17,21-63 1,22-22 0,20-42-1,65-42 1,232-22 31,-191 64-47,85 64 15,-127-43-15,43 42 16,-64 64 15,-21-21-31,-22-42 16,-126 20-1,-21-41 17,84-43-17,42-22-15,22-41 16,21 42 0,21 0-16,0-22 15,21 22-15,0 21 0,0-21 16,0 21-16,1 0 15,62-42-15,-41 20 0,-22 22 16</inkml:trace>
-  <inkml:trace contextRef="#ctx0" brushRef="#br0" timeOffset="67102.42">9377 6350 0,'0'0'0,"21"0"15,0 0-15,0 0 16,0 0-16,22-21 31,41-21-31,-20-1 16,-22 1 0,-42 21-16,0 0 15,0-1-15,-42 22 31,-22 22-15,-20 62-16,63-41 16,-1 84-1,22-22 1,0-41 0,22-1-1,-1-63-15,0 22 0,42-22 16,-20 0-1,-1-22-15,64-62 16,0-1 0,-85 64-16</inkml:trace>
-  <inkml:trace contextRef="#ctx0" brushRef="#br0" timeOffset="68035.2">10266 6011 0,'21'-63'0,"-21"42"0,-21 105 0,42-189 0,-21 62 15,0-41 1,0 20 0,-21 43-1,-22 42 1,22 21-16,-42 107 16,42-86-16,-1 1 15,22-1-15,-21 22 0,0-22 0,-42 128 16,41-85-16,-41 84 15,42-84-15,-22 127 16,-41 211 0,63-169-1,-1-190-15,22 63 16,0 22-16,64-43 31,-1-127-15,-41 0-16,62-64 15,1-42 1,84-232 0,-148 105-1,-21 21 1,-84-84 0,20 232-1,-63-42 1,106 85-16,0 21 0,21-42 31,63 0-15,-41 20-16,62-20 15,22-21 1,212-149 0,-255 148-1,-42 22-15,43-21 16,-64 41-1,0 1-15,0 0 0,-21 21 32,-1 0-32,-20 64 15,21-43 1,21 21-16,-21 43 16,0-43-16,21-21 0,0 85 15,42-64 1,-21-20-16,21-22 15,43 0 1,-64 0-16,0-22 0,85-62 31,-63-22-31,-43 42 16,0 43-16,0-63 16,-22 41-16,1 22 15,-85 0 1,43 21-1,42 0-15,-64 21 16,22 43-16,63-43 16,0 42-1,21-20 1,63-22 0,22-21-1,-63 0-15,-22 0 0</inkml:trace>
-  <inkml:trace contextRef="#ctx0" brushRef="#br0" timeOffset="68436.49">10985 6350 0,'0'-21'0,"0"-21"16,22 20 0,20 1-16,0-21 15,85 63 16,-63 21-15,-22 22 0,-42-1-16,0-20 0,0-22 15,0 0-15,0 85 16,-21-64 0,-21-42-1,42-21 1,0 0-16,0-64 15,0 64 1,0-21-16,21-43 16,21 0-1,-21 64-15,0 0 0,22-42 32,-1 41-32,-21 22 15,0 0 1,-21 22-16,22-22 15,-22 21-15,0 0 0</inkml:trace>
-  <inkml:trace contextRef="#ctx0" brushRef="#br0" timeOffset="68808.3">11620 6477 0,'0'0'0,"22"0"0,-1 0 31,0 0-31,42-85 16,1 43 0,-1-21-1,-41-1 1,-22 43-16,0 0 16,-43 0-1,1 63 1,-43 21-1,85 1 1,-21-22-16,21 64 16,0-21-1,0-64 1,21 0-16,106 0 16,-84-21-1,20-21 1,1-42-1</inkml:trace>
-  <inkml:trace contextRef="#ctx0" brushRef="#br0" timeOffset="70807.03">12658 6244 0,'21'0'0,"-42"0"0,63-21 16,-42 0-16,0 0 15,21 21-15,0-43 0,-21 1 16,0 21 0,0 0-1,-42 21-15,21 0 16,-22 42-1,1 0-15,21-20 16,-43 105 0,43-85-16,21 0 0,0 1 15,-21-22-15,21 148 16,42-127 0,22-20-1,-22-22-15,-21 0 0,64 0 16,-43-22-16,1 1 0,105-63 15,0-22 1,21-64 0,-147 128-16,20 0 0,-21-22 15,0 22-15,0-22 16,1-126 0,-22 105-16,0-21 15,0 85-15,0 0 16,-22 42-1,1 22 1,0-22-16,0 106 16,0-43-1,0-41-15,21 63 0,-22-64 0,1 0 16,21 1-16,-21 84 16,21 0-1,64-22 1,-43-83-16,21-1 15,-21-21-15,22 0 0,62 0 16,-20-21 0,0-43-1,-1-21 1,-84 43-16,22 21 0,-1-85 31,-21 21-31,-43 64 16,22 0-1,0 21-15,0 0 16,0 0-16,-106 85 16,84-1-1,22-20 1,21-43-16,0 64 16,0-64-16,0 21 0,21 1 15,1-43-15,20 21 16,85-21 15,-64-85-15,-20 0-1,-43 64-15,0-42 16,0-22-16,0 0 16,0 64-16,0 0 15,0 42 16,-21 22-31,21-22 16,-22 21-16,22-21 16,0 22-16,0 62 15,0-41 1,43-22 0,-22-42-16,21 21 15,106-42 1,-42-21-1,-85 21-15,85-64 16,-63 64-16,-22 0 16,21-22-16,-21 22 0,22-85 31,-43 64-15,-43 63-1,22 0-15,21 64 31,0-64-31,0 22 16,0 62 0,0-62-16,21-1 15,0 0-15,-21 1 16,22-43 0,-44 0 15,22-21-16,-21-1-15,0 22 16,21-21-16,-42-42 16,-1 42-1,1 42 17,42 21-32,0 22 15,21-22 1,0-42-16,1 21 15,83 0 1,-41-21 0,63-21-1,-42-21 1,-64 21-16,21-1 0,64-83 16,-43 41-1,22-63 1,-64 64-1,-21 41-15,0 1 0,0-21 16,-21 42 0,-64 63-1,43 1 1,21-22-16,21-21 0,0 64 31,0-43-31,21 22 0,0-43 0,43 43 16,-43-43-1,0 0-15,-21 0 16,21-21-16,-21 21 16,-63-21-1,20 0 1,22 21-16,-63-21 16,62 0-16,-20 0 15,21 0 1</inkml:trace>
-  <inkml:trace contextRef="#ctx0" brushRef="#br0" timeOffset="72199.36">7916 8615 0,'21'0'0,"-21"-21"0,0 0 16,0-1 0,22 1-16,-22 0 15,0 0-15,0-21 16,-22-22 0,1 43-16,0 0 0,-42-43 15,20 64-15,-41 0 16,-22 85-1,63-22 1,22-20-16,21-1 0,-21 43 16,21-43-16,0-21 0,0 85 15,42-42 1,64-43 0,-42-42-1,-43-1-15,21 1 16,64-63-1,-85 41-15,0 22 16,22-106 0,-43 42-16,0 64 15,0 0-15,0 0 16,0 42 0,-21 21-1,21-20-15,0-1 0,0 42 16,0-20-16,0-22 0,21 85 15,21-43 1,22-42 0,-1-21-1,-42 0-15,0 0 0,106-63 32,-84-1-32,20-63 15,-63 21 1,0 64-16,0-21 15,-21-149 1,-21 106 0,-22-21-1,22 106-15,-64-64 0,64 64 16,-64 21-16,-85 42 16,128 1-1,-191 168 1,127 22-1,21-21-15,85 21 16,106 84 15,126-232-15,-105-64 0,85-21-1,41-21 1,-105-21-16,-105 20 15,62-83 1,-63 83-16</inkml:trace>
-  <inkml:trace contextRef="#ctx0" brushRef="#br0" timeOffset="72746.59">9271 8086 0,'0'-21'0,"0"42"0,0-64 15,0 65 17,0-1-32,0 0 0,0 21 15,0 1-15,0-1 0,0 43 16,0-22-16,-21 64 16,21-85-16,0 1 0,0-1 15,-21 64 1,-1-21-1,22-64 1,0-42 0,0-1-1,0 1-15,0-21 0,0 21 16,0-64 0</inkml:trace>
-  <inkml:trace contextRef="#ctx0" brushRef="#br0" timeOffset="73329.25">9207 8022 0,'0'0'0,"0"-21"0,0 0 15,0 0 1,0 0-16,43-1 16,-22 1-16,0 21 15,21-21-15,1 21 0,-22 0 16,127 0-1,-63 42 1,-43-20-16,43 83 16,-64-83-16,-21 62 15,0-63-15,0 22 0,-127 84 16,21-64 0,0-20-1,64-22 1,21-21-16,21-43 15,0 1 1,42 0 0,0 21-16,-20 21 0,41-22 15,-21 22-15,1 0 0,168 43 32,-84 63-17,-127-22 1,-42-20-1,-212 105 17,148-148-17,64-21-15,-22 0 16,22 0 0,21 0-16,21-42 15,0 21-15,0-22 31,21 22-31,21 0 0,22-21 16</inkml:trace>
-  <inkml:trace contextRef="#ctx0" brushRef="#br0" timeOffset="73728.03">10160 8594 0,'42'21'0,"-84"-42"0,105 42 16,-41 0 0,-1-21-16,0 0 0,0 0 15,0-21-15,0 21 16,1-21-16,20-22 16,0-20-1,-21 21 1,-21 20-16,0 1 0,0 0 0,0-42 15,-42 41 1,21 22 0,0 0-16,0 0 0,-1 22 0,-20 20 15,21-21-15,0 0 0,-64 127 32,64-42-17,21-21-15,21-64 16,106 21 15,-85-42-31,22-21 16,42-42-1,0-1-15</inkml:trace>
-  <inkml:trace contextRef="#ctx0" brushRef="#br0" timeOffset="75192.87">11091 7916 0,'0'0'0,"0"-42"0,-21-21 16,0 41-16,-21-20 16,-22 42-1,1 85 1,41-43-16,22 0 16,-63 191-1,21-42-15,20-43 16,1-85-16,0 86 15,0-65-15,21 1 0,-21 0 16,-43 232 0,22-84-1,0 0 1,42-170-16,0 85 16,0-105-16,0-1 0,21 43 15,42-85 1,22-64-1,0-42 1,-43 64-16,85-233 31,-127 169-31,0 43 0,0-128 16,-64 22 0,-126-85 15,169 233-16,0-1 1,42 1 0,169-85 15,-147 85-31,105-63 16,-42-1-1,-22 21 1,-63 43-16,1-42 31,-22 84-15,-22 64-1,22-1 1,22 107 15,-1-170-31,0 0 16,42-21-1,1 0 1,-1-42-16,-41 21 16,-1-43-16,-21 43 15,0 0-15,0-43 0,0 22 16,0 21-16,-64-106 16,43 84-1,-64 22-15,1 42 16,20 43-1,1 148 17,63-128-17,63-20 1,1-64 0,84-21 15,-42-64-16,-43 21 1,22-20-16,-85 63 16,21-1-16,0-62 15,-42 84 17,0 63-17,63 22 16,22 0-15,-43-43 0,21 21-1,-21 1 17,-21-22-17,43-21 1,-1-21-1,64-42 1,0-21 0,-85 41-16,21-20 15,43-85 1,-64-21 15,-42 127-15,-64 84-1,1 22 1,41 127 15,43-149-15,43-21 0,62-42-1,-41 0 1,63-127 15,-127 106-31</inkml:trace>
-  <inkml:trace contextRef="#ctx0" brushRef="#br0" timeOffset="78055.91">13187 8403 0,'0'-21'16,"0"42"-16,0-63 0,0 21 0,0 0 15,0-22 1,0 64-1,0 22 1,-21-1-16,21 22 16,0-22-16,0 0 0,-43 64 15,43-64-15,-42 85 32,42-105-17,0-44 1,0 1-1,85-106 1,-85 85 0,63-64-1,22-21-15,-43 85 16,85 21 15,-106 84-15,0 43-1,-21 0 1,22-22 15,-1-84 1,0-21-32,0 0 15,0 0-15,0 0 0,85-191 47,-42 127-47,-43 85 16,0 0-1,0 170 17,-21-86-17,21 1 1,1-43-1,-1-20-15,0-1 0,85 0 32,-22-21-32,1-42 15,0-22 1,42-84 15,-106 42-15,-21 43-1,-42 63 1,-85 84 15,84-41-15,43 126 0,0-106-1,0-41-15,106 41 31,-21-42-31,-43-21 16,43-21 0,-1-21-16,149-212 47,-127 63-32,0 1 1,-85 105-1,-21-21-15,-42 127 32,21 1-32,-85 147 31,42-21-15,64-106-16,0 1 0,0 41 15,0 128 16,0-191-31,43 22 0,41-1 16,1-42 0,84-64 15,-63-63-15,-64 64-1,1-128 1,-1 43-1,-42 0 1,21 42 0,-21 85-16,0 42 15,-42 22 1,-22 274 15,43-253-31,0 20 16,0 64-16,0-63 15,0 0 17,63-106-1,0-43-15,64-105 15,-64 126-16,1 65 1,-43 20 0,0 85 15,0-106-31,21 0 16,0 0-16,21 1 15,43-22 1,42-64 15,-21 1-15,-64-1-1,1 1 1,-43 41-16,-22 22 31,22 22-31,-42 20 16,0 43-1,21-22 1,21 43 0,84-85 15,-41-21-15,41 0-16,43-106 31,-106 43-16,-21-43 1,-21 64-16,-21-22 16,-64 1 15,64 63-15,42 42-1,63 0 1,191-21 15,-63-21-15,-107 0-1,-20-21 1,-1 0 15,-105 21-15,21 21-1,0 0-15,-85 22 0,-42 84 32,148-106-32,-43 64 15,43-22 1,0-21 0,127 1-1,-42-43 1,-21-64-1,41-20 1,65-213 15,-64 64-15,-22 64 0,1-43-1,-43 128 1,-42 84 15,-84 63-15,-22 64-1,21 43-15,-42 84 16,85-64 0,42-105-1,0-43-15,0-21 16,106 106-1,-22-106 1,86-42 0,-43-21-1,84-127 32,-190 84-31,-21 21-1,-84 1-15</inkml:trace>
-  <inkml:trace contextRef="#ctx0" brushRef="#br0" timeOffset="78402.75">14478 8192 0,'42'0'16,"1"0"-16,-22 0 15,190-64 1,22 22-1,21 21 17,-211 21-32,20 0 15,-84 21 1,-64 21 0,-84 22-1</inkml:trace>
-  <inkml:trace contextRef="#ctx0" brushRef="#br0" timeOffset="79614.28">8276 10816 0,'0'0'0,"-42"21"0,21 1 16,-1-22-16,-41 42 15,63-21 1,0-42 15,21 21-31,0-21 0,0 0 16,1-1-16,20-41 16,-42 42-16,0-85 31,-64 85-16,-41 63 1,62 0 0,-126 255 15,169-213-15,0 1-1,42-64 1,1-21-1,-22 0-15,106-127 32,-106 106-32,0-21 15,0-43 1,-21 0 0,0 43-16,-21 148 46,21-21-30,0-1 0,0-41-16,42 84 31,22-106-15,42-42-1,-64-22 1,0 22-16,107-169 31,-128 168-31,0-62 16,0-128-1,-63 43-15,21 105 16,-128-147 0,-20 84-1,21 127 1,-21 0-1,-170 127 1,127 105 15,85-41-31,64 21 16,84 169 15,42-233-15,-20-106-16,63 64 15,-64-85-15,85 21 16,148-63 15,-148-21-15,-42-22-16</inkml:trace>
-  <inkml:trace contextRef="#ctx0" brushRef="#br0" timeOffset="79956.14">9059 10647 0,'-21'-21'16,"42"0"-1,43 21 1,-22 0-16,-21 0 0,106-22 16,-63 1-1,190 0 17,-212 21-17,-63 0 16,0 0-15,0 0-16,-128 21 16</inkml:trace>
-  <inkml:trace contextRef="#ctx0" brushRef="#br0" timeOffset="80208">9313 10562 0,'-21'0'0,"42"0"0,-63 0 15,-22 106 16,64 0-15,-21 21 0,21-85-16,-21 22 0,0 20 15,21-41-15,-21 63 16,0-64-16,21-21 0,-22 85 16,22-85-1,0 0-15,0 0 0,0-42 31,43-42-15,-1 20 0</inkml:trace>
-  <inkml:trace contextRef="#ctx0" brushRef="#br0" timeOffset="81326.42">9461 11070 0,'22'0'16,"-1"0"-16,42-21 31,1-21-31,-43 21 16,64-43 0,-64 43-1,-21-106 1,-64 127 15,-20 0-15,-22 169-1,85-126-15,-1 105 32,22-21-32,0-64 15,127-20 16,0-43-15,64-85 0,-43-21-1,-106 85-15,170-191 32,-191 128-17,-21 62 1,-21 22-1,0 0-15,-85 127 16,106-84 0,0 41-1,42 1 1,85 21 15,-84-85-15,-43 0-1,-127-21 17,106 0-32,-85-21 15,63 21 1,22 0 0,21 21-1,21 22 1,43-22-1,-43 0-15,106-21 16,-21 0 0,84-85-1,-41 1 1,-44-22 0,-20-21-1,0-212 16,-43 191-15,-42 42 0,0 64-1,-42 169 17,-22 63-17,43-42-15,0 22 31,21-43-31,0-106 16,0 21-16,0 1 0,85 41 31,-1-84-15,-41 0 0,62-84-1,-62 20 1,-1-42-1,-42 43 1,-21 20 0</inkml:trace>
-  <inkml:trace contextRef="#ctx0" brushRef="#br0" timeOffset="81587.37">10880 10795 0,'-22'0'0,"1"0"0,64 0 0,-107 0 16,85 0-1,106 0 1,64-63 0,-43 41-1,0-20 1,64 0 0,-191 42-16,21-21 31,-63 42-16,-64 21 17,43-42-32</inkml:trace>
-  <inkml:trace contextRef="#ctx0" brushRef="#br0" timeOffset="82763.72">5863 12954 0,'21'0'0,"-21"21"0,21-21 15,1 0 1,-1-21-16,-21 0 16,21 0-16,0-22 15,0-20 1,-21-1-1,0 43-15,0 0 0,0 0 16,-63-21-16,-1 20 16,43 22-1,0 0-15,0 0 0,-22 43 16,22-22-16,0 21 0,0 85 31,21-21-31,0-21 16,21-85-1,0 0-15,0 0 16,85 0 0,-63-43-16,-1-20 31,-21 42-31,0-22 0,22-41 16,-43 63-16,21-22 0,-21-41 15,0 41 16,-21 64-15,21 1-16,0 189 31,42-63-15,-21-105-16,43 20 16,-1-20-1,-21-43-15,170-43 31,-106-20-15,-21-43 0,-43 0-16,-42 64 15,0-128 1,-21 22 0,-43 0-1,-20 0 1,41 127-16,-41-43 0,-65 64 15,-20 43 1,-21 84 0,126-85-16,-42 64 15,43-43-15,-1 22 0,-105 211 32,148-84-32,42-43 15,0-126-15,85 41 16,-64-63-16,1 1 15,147-1 1,-63-21 0,0-43-1,-63 22-15,-22 0 16,-21 0-16,85-64 16</inkml:trace>
-  <inkml:trace contextRef="#ctx0" brushRef="#br0" timeOffset="83511.97">8064 12700 0,'0'0'0,"22"-21"0,-22 0 16,0 0-16,0-1 15,21 22-15,-21 22 32,-21-1-32,-1 21 0,1-21 15,0 22-15,-42 105 16,-22 21-1,0-42 1,1-21-16,-1-21 31,85-107-15,0 1 0,42-42-16,-21 42 15,1-22-15,147-211 16,-106 127-1,-41 64-15,62-43 16,-63 42-16,1 22 0,20-21 16,-21 41-16,0 1 0,0 42 31,-21 85-31,22 42 16,-22 22-1,0-128-15,0 191 31,0-148-15,0-64 0,-43-64 15,1 22-15</inkml:trace>
-  <inkml:trace contextRef="#ctx0" brushRef="#br0" timeOffset="84867.2">7662 13018 0,'0'21'16,"43"0"-1,-1-21-15,-21 0 0,21 0 0,149 0 32,-85 0-32,-64-21 0,212-43 15,-21-20 1,-170 62-1,213-105 1,-107 22 0,-84-22-16,-64 84 15,0-20 1,-21 42-16,-21-64 16,-22 106-1,-84 170 1,64-86-1,42-20-15,0-21 0,-106 232 16,42-63 0,0 0-1,22-1 1,42-147-16,21 0 0,0 232 31,0-211-31,84 0 16,22-85-1,85-190 17,-43-22-17,-85 22 1,-63-43 0,-169-148 15,0 255-16,20 20-15,22 64 16,85 21 15,106 0-15,20 0-16,64-43 16,-84 22-16,253-85 31,-253 64-31,-1 21 15,1-21-15,105-85 16,-21 21-16,-105 63 16,20-126-1,-63 127 1,-42-1 0,-22 43-1,43 0-15,-21 43 0,-22 41 16,43 43-1,0 43 1,21-128-16,0 64 16,64 127 15,-1-212-15,-21 0-1,43-42-15,42-85 31,-63 21-15,-43-20 0,0 41-16,-21 43 15,0-21 1,0 63 0,0 0-16,0 64 15,0-1 1,0-63-16,21 85 31,-21-85-31,64 22 16,20-43-1,-41 0 1,41-64-16,1-42 31,-43-42-15,-42 127-1,0 85 17,0 84-17,21-106 1,22 22 0,-1-64-1,85 0 1,-42-64-1,-43 43-15,43-43 16,-64 1 0,-21 42-16,0 0 0,-42-106 31</inkml:trace>
-  <inkml:trace contextRef="#ctx0" brushRef="#br0" timeOffset="85138.15">9525 12637 0,'-42'0'15,"84"0"-15,-63 0 16,42 0 0,0 0-16,0 0 0,64-22 15,42 1 1,-85 0-16,64 0 0,42 0 15,-63 0 1,42-1 0,-42 22-1</inkml:trace>
-  <inkml:trace contextRef="#ctx0" brushRef="#br0" timeOffset="88039.76">11917 12552 0,'0'0'0,"21"-21"15,-21-22-15,0 22 0,0 0 16,0-42-16,0 41 15,0-20-15,-21 21 16,0 21-16,-1 0 16,-41 42-1,21 64 1,42-64-16,-22 85 16,1-63-16,0 42 15,21-43-15,-21-20 0,-21 126 16,42-84-1,0-43 1,0-21 0,0-42-1,0 0-15,21-43 16,-21 43-16,0-21 0,21-22 16,-21-42-1,0 64-15,0 0 16,0-149-1,0 149-15,0-85 16,0 42 0,21 85-1,0 21 1,0 1-16,128 147 31,-44 0-31,-20-21 31,-64-84-31,22-43 16,20 0 15,-42-63-31,0 42 16,22-64-16,-22 43 0,42-85 16,-41 64-16,62-127 31,-41 84-31,-1-21 15,-42 85 1,0 42 0,0 85-1,0-42 1,0 105 0,-21-21-1,21-106-15,0 22 16,0-22-16,0-21 0,63 64 15,-20-85 1,62 0 0,-62 0-16,20-21 15,22-21-15,-43 20 0,64-83 32,-85 83-32,43-62 0,-43-43 15,-21 63 1,0 43-16,0 0 15,-64 0 1,22 42 0,-21 64-16,41-64 15,1 21-15,-21 43 0,42-43 16,0-21-16,0 85 16,21-21-1,85-22 1,-85-63-16,21 0 15,-20 0-15,20 0 0,148-63 16,-105 20 0,63-84-1,-63 0 1,-64 85-16,0 0 0,64-170 31,-85 106-31,0 64 16,0 0-16,0 84 31,-21-21-31,0 21 0,21-20 16,-22 62-1,22-20-15,-21 105 16,21-63-16,0-64 0,0 1 16,21 84-1,22-85 1,-1-21-1,-21-21-15,0 0 0,43 0 16,-22-21-16,85-64 16,-21-42-1,-42 0 1,-43 85-16,21-64 16,-42 64-16,0-1 15,0-126 1,0 148-1,-42 42 1,21 85-16,-1-85 16,-20 148-1,0-42 1,-1 22 0,22-65-1,21-63-15,0 1 0,0 20 31,21-42-31,22-21 16,41-64 0,-41 22-1,20-22 1,-63 64-16,21 21 16,-21 21 15,0 0-31,0 64 15,0-22 1,0-20 0,0-1-16,22-21 0,-1-21 15,42 0 1,-20 0 0,-22 0-16,63-42 15,-62 42-15,62-64 16,-63 22-16,64-64 15,-64 43 1,-21 41-16,21 22 16,-21 43 15,-21 20-15,-21 22-16,42-22 15,0 22 1,0-64 15,21 0-31,43-21 16,-22 0-16,0-21 15,-21 0 1,1 0-16,-1-43 16,-21 22-16,0 0 15,0-43 1,-64 0-1,43 64-15,0 0 0,-21 21 16,63 0 15,0 21-15,21-21-16,-21 21 0,276-21 31,-128 0-15,-105 0-16,41-21 15,44-21 1,-86 21 0,-105 21 15,21 0-31,-1 0 16,-189 127-1,126-43 1,0 1-1,43 0 1,42-43-16,0 22 16,21-43-1,0-21-15,22 0 16,-22 0-16,21 0 0,-21-21 16,1-1-16,-1 22 0,127-127 31,-85 0-16,-41 85-15,-1 0 0,63-128 16,-62 128-16,-1-21 16,85-170-1,-64 169-15,0-42 16,-21 1 0,1 62-1,-22 64-15,-64 43 16,1 63-1,20-21 1,43-43-16,-21 1 0,-42 105 16,41 43-1,22-22 1,0-105 0,43-22-1,-22-63-15,0 22 16,127-1-1,-21-42 1,-21-43 0,0 1-1,-43-1 1,-20 1 0,-43 41-16,0 1 0,0-42 15,-64-1-15</inkml:trace>
-  <inkml:trace contextRef="#ctx0" brushRef="#br0" timeOffset="88391.57">13631 12488 0,'0'0'0,"21"0"15,1 0-15,-1 0 0,42-21 16,22 21-1,105-21 1,-126 21-16,-22-21 0,22 21 16,-43 0-16,0 0 0,0 0 15,-42 0 1,0 0 0,0 0-16,0 0 0,-22 21 15</inkml:trace>
-  <inkml:trace contextRef="#ctx0" brushRef="#br0" timeOffset="89677.83">5397 14923 0,'22'0'31,"-1"0"-16,-21-22-15,21 1 16,-21 0-16,0 0 16,0-64-1,0 64-15,-21-21 16,-64-1 0,0 22-1,64 21-15,-127 64 16,85-1-1,20 22 1,22 0 0,21-22-1,0-42-15,21 0 16,106-63 15,-42-21-15,-43-22-1,1 0 1,-43-21 15,0 128-15,0-1 0,-22 0-16,22 0 0,0 0 15,0 0-15,0 1 0,0 105 16,0-64-1,43 1 1,-22-64-16,21 0 16,-21 0-16,1 0 0,83-22 15,-41-20 1,63-64 0,-85 64-16,1-22 15,-43 22-15,-22-233 31,-20 233-31,-21-43 16,-107-21 0,107 64-16,-128-22 15,64 64-15,64 0 16,-170 64 0,-21 63-1,190-64-15,1 1 0,-64 105 16,85-105-16,-1 20 0,22 1 15,-21 0-15,42 63 16,0-64-16,0 107 16,127-43-1,84-63 1,-105-85-16,148-21 31,-127-22-15,0-20-1,-21-22-15</inkml:trace>
-  <inkml:trace contextRef="#ctx0" brushRef="#br0" timeOffset="90416.61">6985 14753 0,'21'-21'0,"-42"42"0,42-84 0,0 20 16,-21 22-16,0-63 16,0 41-1,0 86 1,0-22-1,-21 63 1,-21 22-16,21-63 0,-1 20 0,-20 43 16,-148 169 15,126-190-15,64-43-16,0-63 31,42-127-16,64-64 1,-63 149-16,20-86 16,64-147-1,-21 148 1,-43 63 0,22 191 15,-64 42-16,-21 43-15,0-85 16,0-22 0,0-41-16,-21 126 15,21-148 1,-21 21 0,0-42-16,-22 0 15,22 0-15,0-21 16,0 0-16</inkml:trace>
-  <inkml:trace contextRef="#ctx0" brushRef="#br0" timeOffset="91772">6583 14965 0,'-21'21'16,"42"-42"-16,-21 63 16,84-42-1,65 0 1,126-63-1,0-43 1,-212 85 0,22-22-16,106-62 15,-149 62-15,127-168 32,-169 105-32,0 63 15,-21 43 1,0 22-16,-64 126 31,64-85-31,0-20 0,-64 211 31,64-191-31,-21 128 16,21-107-16,-85 297 16,42-84-1,64-213 1,-42 191-1,63-63 1,21-170 0,22-42-1,-43-21-15,0 0 0,22 0 16,-22 0-16,0-22 0,127-211 31,-127 191-31,0 21 0,1-191 16,-65 42-1,22 149-15,-106-149 32,85 149-32,-43-21 15,22 41 1,84 22 15,21 0-15,-21-21-16,127-42 15,-63 42 1,-43-22-16,22 22 0,169-127 16,-191 106-1,0 20-15,43-147 16,-64 106 0,-21 20-16,0 1 15,0 21-15,0 0 16,-21 21-1,-21 42-15,21-21 16,-1 106-16,1-85 16,0 149-1,21-43 1,0-42 0,0-64-16,0 1 0,21-43 15,0 21-15,43 0 16,-22-21-1,-21 0-15,85-85 16,-42 22 0,20-22-1,-41-21 17,-43 85-17,0 63 16,-21 64-15,21-63-16,0 62 31,21-83-15,42-22 0,1-43-16,-43 43 15,0-21-15,64-64 16,21-20-1,-85 83-15,0 1 16,0 0-16,-21 0 0,0 42 31,0 21-15,0-20-16,0 62 16,0-63-16,21 64 15,0-64-15,-21 0 16,64 22-1,-1-43-15,22 0 16,0-21 0,-64-1-16,0 1 15,21 0-15,-20-42 16,-1 20 0,-21 22-16,0 0 0,-64-64 15</inkml:trace>
-  <inkml:trace contextRef="#ctx0" brushRef="#br0" timeOffset="92012.38">8213 14732 0,'-22'0'0,"44"0"0,-22 0 31,21 0-16,21-21-15,127-43 16,-20 22 0,-107 42-16,21-21 15,107 0 1,-107 0 0,-42 21-1</inkml:trace>
-  <inkml:trace contextRef="#ctx0" brushRef="#br0" timeOffset="93779.87">10520 14838 0,'0'-21'0,"42"-43"16,-42 43-16,21 0 15,0 0-15,22-85 16,-22 42-1,-21 43 1,-21 21-16,-43 0 16,43 0-16,-21 21 0,-43 64 15,22 42 1,41 0 0,22 0-1,0-85-15,0 1 0,43 84 31,41-85-31,65-42 16,-1-42 0,-106 21-1,106-64 1,85-169 0,-148 21-1,-43 21 1,-42 85-1,0 64 1,0 84 0,-63 127-1,20 22 1,43-1 0,0-21-1,0-106-15,0 22 0,43 42 31,-22-85-31,42 21 0,107 1 16,-43-43 0,-85-22-1,106-62 1,-42-22 0,-85 85-16,-21-43 15,0 22-15,0-22 16,-21 22-16,0 21 0,-64-64 15,-21 85 1,43 64 0,20-1-1,22-20-15,0-22 0,21 148 32,0-127-32,0 1 15,21-22-15,43-21 16,-43 0-16,0 0 15,64-21 1,21-64 0,-64 43-16,-21-1 0,0-20 15,-21 42-15,21-22 16,-21-62 0,-21 105-1,0 0 1,0 21-16,0 42 15,0-20-15,21 62 16,0-41 0,84-1-1,22-41 1,-64-22-16,1 0 0,147-22 31,-147 1-31,62-42 16,-41 20-16,-1-20 15,-41 21-15,-1 20 16,-21-83 0,-21 105-1,-1 21 1,-20 42-16,42-42 16,-21 1-16,21 83 15,0-41 1,63-1-1,-41-41 1,-22-1-16,21-21 16,-21-21-1,0-1 1,0 1 0,-21 21-16,-1-21 0,1 21 0,-42-21 31,20 21-16,43 42-15,0-21 16,0 1 0,64-1-1,-43-21-15,64 0 16,-22 0 0,-20 0-16,41 0 0,-63-21 15,22 21-15,84-85 16,-106 64-1,-21 0-15,63-85 16,-20-21 0,-1 21 15,-42 127-15,-42 64-1,-22 21 1,22-22-1,21 1 1,-64 63 0,64-127-1,0 0 1,-22-21-16,22 0 16,-106 0-1</inkml:trace>
-  <inkml:trace contextRef="#ctx0" brushRef="#br0" timeOffset="94894.27">4403 16679 0,'0'0'0,"0"22"16,0-44 46,0 1-62,0 0 0,0 0 16,-22 21-16,22-21 0,0 0 16,-21-1-16,-42-62 15,42 84 1,-43 42 0,64-21-16,-21 43 15,0 190 16,21-106-15,21-85 0,21-41-1,-21-22-15,1 0 0,20-22 16,21-41 0,-41 21-16,20-43 15,0-63 1,-42 21-1,-21 106 17,0 42-17,21 190 17,0-189-32,42 105 15,22-64 1,42-63-1,-22-21 1,86-233 15,-170 127-15,-43-85 0,-20 106-1,-128-63 1,1 84-1,-276 234 17,149 210-17,190-83 1,105-22 0,22-191-16,22 64 15,105 21 1,-85-105-16,318 62 31,-170-105-15,128-105-1,-212 62 1,-64 1-16,0 21 0,1-22 16</inkml:trace>
-  <inkml:trace contextRef="#ctx0" brushRef="#br0" timeOffset="96853.61">6540 16637 0,'0'-42'0,"0"84"0,0-127 0,0 64 16,0-21-16,0 21 0,0 0 0,-21-22 15,21 1 1,-21 42-16,21 169 31,-21 1-15,-21 105-1,-22-127 1,43-85-16,-43 43 16,1-42-1,21-107 16,42 22-31,0-148 16,21 63 0,-21 43-16,63-149 15,-42 127 1,43-84 0,63 42-1,-64 148 1,64 297 15,-105-86-15,-1-62-1,-21-149-15,21 42 16,-21-41-16,0-1 47,-106-64-32,-84-41 1,41 20 0,-126-20 15,254 84 0,63 21-31,43 0 16,148-21-1,402-191 17,-402 64-17,0-21 1,-128 21 0,-83 106-16,-22-85 15,-85 64 16,21 190 1,-41 148-17,41-84 1,-42 338 15,85-296 0,63-42-15,22-127 0,21-85-1,105-233 17,-169 21-17,-21 1 1,-84 62-1,-43 1 1,21 85 0,63 63-1,43 21 17,22-21-17,105 0 1,169-106-1,-127 21 1,64-63 0,-64 0 15,-105-106 0,-85 233-15,-43 63-1,22 64 1,0 254 15,42-212-15,42-63 15,43-64-15,42-85 15,-43-41-15,-63 20-1,1 0 1,-22 64 0,21 85 15,-21 63-16,42-43 1,0-41 0,43-22-1,106-106 17,-86-21-1,-20 0-16,-64 64 1,-21 169 15,21-21-15,22-43 0,20-41-1,107-65 16,-128-20-15,-42-64 15,-21 63-31</inkml:trace>
-  <inkml:trace contextRef="#ctx0" brushRef="#br0" timeOffset="97136.06">8043 16531 0,'0'0'0,"-21"0"0,21 21 0,21-21 32,85-42-17,63 0 1,64 21-1,-42-1 1,126 22 15,-274-21 1</inkml:trace>
-  <inkml:trace contextRef="#ctx0" brushRef="#br0" timeOffset="98565.03">10520 16976 0,'0'21'0,"0"-42"0,0 63 16,-21-42-16,21-21 31,0-21-15,0 20-16,63-83 15,-21 62-15,1-20 16,-1 20-16,43-105 15,-1 21 1,-41-63 0,-43 84 15,-106 169-15,21 43-1,1 85 1,84 147 15,84-168 0,43-128-15,-42-42 0,190-127-1,-190 42 1,-43-63 15,-42 85-31,0 42 16,-63-43-1,20 85 1,22 43 0,0-43-16,0 85 15,21 42 1,63-63-1,22-85 1,0 0 0,84-106 15,-63-21-15,-64 21-1,-21 64 1,-42-1-1,-42 64 1,20 64 0,43 0-1,21 84 1,22-105 0,-22-43-1,0-21 1,-21-21 15,0-1-15,0 1-16,-21 0 0,0 0 15,0 21-15,-1-21 0,1 21 16,21 42 0,0-21-1,0 0-15,0 1 16,0-1-16,21 0 0,1 0 0,41-21 31,-42 0-31,43 0 16,-22 0-16,64-21 0,-64 0 15,43-22-15,-43 22 16,1 0-16,84-106 16,-43 0-1,-20-21 1,-43-21-1,-21 105-15,21-105 16,-21 126 0,0 65-1,-21 20-15,-21 21 16,20-20-16,1-1 0,21 0 0,-63 170 31,42-64-31,21-21 16,0-106-1,0 22-15,0-22 0,0 0 0,42 43 16,21-64 0,-41 0-1,83-64 1,-41-21 0,-43-20-1,-21 62 1,-21 1-1</inkml:trace>
-  <inkml:trace contextRef="#ctx0" brushRef="#br0" timeOffset="98822.33">11980 16425 0,'0'0'0,"-21"0"16,21-21-16,42 21 15,43-21 1,-64 21-16,22 0 16,126-42-1,-42-1 1,-21 22 0,-64 0-16,0 21 0,-20-21 15,20 0 1,-84 21-1,-64 0 1,63 0-16</inkml:trace>
-  <inkml:trace contextRef="#ctx0" brushRef="#br0" timeOffset="99077.18">10626 16383 0,'-43'21'0,"86"-42"0,-128 42 15,64 0-15,0-21 0,-1 0 16,44 0 0,-1 0-16,0 0 15,21 0-15,85-21 16,-21 0-16,63-21 16,-126 21-1,-1 21-15,43-22 16,-64 22-16,-42 0 15,-85 0 1,0 43 0</inkml:trace>
-  <inkml:trace contextRef="#ctx0" brushRef="#br0" timeOffset="100351.39">2095 17822 0,'0'0'0,"0"22"16,0-44 15,0 1-15,0-21-16,0-43 16,0 64-16,-21-42 15,0 20-15,-42-20 16,-22 20-1,0 43 1,43 43 0,-22 63-1,43-64-15,0 170 16,21-170 0,21 43-1,22-43 1,41-42-1,-63-21-15,22 0 16,-22-1-16,21-41 16,-21 42-16,43-85 15,-43 64-15,0-64 32,-21 85-32,0 42 15,0 21 1,21-21-16,-21 0 0,0 106 31,22-84-31,-22-22 0,63 42 16,-21-63-1,-20 0-15,-1 0 16,63 0 0,22-84-1,-63 63-15,-22-22 0,21 1 16,22-85-16,-43 85 15,-21-1-15,-21-168 16,-22 126 0,-41-42-1,41 85-15,-20-1 0,-43 1 16,42 42-16,1 0 16,-170 42-1,-127 106-15,191-42 16,21 42-1,105-84-15,-20 21 16,-43 232 0,106-105-1,21-85-15,0-64 16,43 43-16,-22-85 16,1 22-16,105 20 15,42-63 1,-147 0-16,84-42 15,-22-1-15,-41 22 16,-22 0-16,233-127 31,-211 106-31,-1 20 0</inkml:trace>
-  <inkml:trace contextRef="#ctx0" brushRef="#br0" timeOffset="100936.06">3662 17822 0,'0'0'0,"-21"0"0,-1-21 0,1 0 16,-63 0-1,41 21 1,22 0-16,0 0 0,-21 85 16,20-22-1,22-21-15,0 1 0,-21 63 16,21-64-16,-21 43 16,0-43-16,0 0 0,21 1 15,-43 62 1,22-83-16,21-1 15,0-42 1,0-1-16,21-189 31,22 84-15,-1-21 0,22 21-1,84 84 16,-85 128-15,-42-43-16,22 22 16,-43 84-1,21-85-15,-21 22 16,0-43 0,-42-20-1,-1-22 1,1 0-16,-22-22 15,43 22-15</inkml:trace>
-  <inkml:trace contextRef="#ctx0" brushRef="#br0" timeOffset="102202.85">3090 18203 0,'0'0'16,"43"0"-1,-22 0-15,21 0 16,149 0-1,-64-21 1,-43 0-16,191-85 16,-105 0-1,-43 22 1,-43-22 0,-84 85-16,0 0 0,-21-85 31,-21 106-16,21 42-15,-22 43 16,1 211 15,0-105-15,21-128-16,21 64 16,-43 42-1,43 43 1,0-170-16,0 43 15,0-64 1,21-21-16,22 0 16,-22-21-16,0 0 15,43-43-15,-43-20 16,-21-22 0,0 64-16,0-22 15,0 22-15,-21-1 0,-43-41 16,1 20-1,41 43-15,-20 21 16,21-21-16,0 21 16,21-21 15,21 21-31,0 0 16,127-64-1,-105 43-15,-1 0 0,21-21 16,-20 20-16,211-105 15,-148 43 1,-64 41-16,0 22 0,43-106 16,-64 64-1,0 42-15,-21-1 0,-21-20 16,-21 42 0,-22 42-1,43 1-15,0-1 0,0 43 16,0-43-16,21 22 0,-22 105 31,22-42-15,22-42-1,41-22-15,-42-42 16,64-21 0,-22-21-1,-41 21-15,62-63 16,-20-1-1,-43 43-15,0 0 0,43-106 16,-43 63 0,-21 43-16,21 0 15,-21 127 32,0-64-47,0 0 16,0 43-1,0-43 1,21-42 0,21 0-1,43-42 1,-43 21-16,-20 0 0,-1 0 16,63-85-1,-41 106 1,-43 21 15,0 21-31,0 64 31,0-85-31,0 0 0,0 22 16,0-22-16,0 0 16,0-63 15,21-1-16,-21 1-15,-21 0 0,0-1 16</inkml:trace>
-  <inkml:trace contextRef="#ctx0" brushRef="#br0" timeOffset="102485.69">4762 17738 0,'-21'0'0,"42"0"0,-63 0 0,63 0 47,0 0-47,22-21 0,-22 21 16,0-22-16,106-20 16,-85 42-16,43-42 15,-43 42-15,1-21 0,147-22 31,-105 43-15,-64 0-16,0 0 16,-42 0-1</inkml:trace>
-  <inkml:trace contextRef="#ctx0" brushRef="#br0" timeOffset="104477.33">6752 17907 0,'0'0'0,"0"-21"31,0 0-31,21 0 16,22-22 0,20-41-1,-21 62-15,43-126 16,-85 64-1,0 62-15,-21 1 16,-43 21 0,-126 148 15,148-21-15,42 22-1,21-86 1,127 106-1,-63-105 1,-64-1 0,-21 1-1,-148 42 17,-43-106-17,106 0 1,43-21-16,-64-43 15,0-21 1,85 43-16,0 21 0,0-64 16,21 1-1,63 105 17,-20 21-17,-1-21-15,43 64 16,-22-22-16,64 64 31,-21-63-31,85-22 31,-149-42-31,43-63 16,63-43 0,-42-63 15,-106 84-16,21 64 1,-42 105 31,21-41-47,0 41 16,0 22-1,21-21 1,63-64 15,-41-21-15,20-63-16,-20 41 15,-1-20-15,-21 21 16,0-21-16,64-85 16,-64 63-1,0 64 1,-21 127 31,0-63-32,0 41 1,21-83 0,85-22-1,-42-64 1,20-21-1,-41 22 1,-1-64 15,-21 127 1,-21 63-17,0-41-15,21 83 31,-21-83-31,22 20 16,20-21-16,0-21 16,22 0-1,84-127 17,-85-21-17,-20 63 1,-22-126-1,-21-43 17,0 211-32,0 22 0,-21 42 31,21 22-31,0-22 16,-43 190-1,43 1 1,0-170-1,0 43-15,0 21 16,85 0 15,-21-85-15,-1-21 0,22-21-16,-1-43 31,-20-20-31,21-107 31,-85 128-15,0 41-1,-43 22 1,22 43 0,0 63-1,21-43 1,0 43-1,85 0 17,-22-85-17,22-21 1,21-85 0,84-63-1,-105 63 16,-43-42-15,-42 64 0,0 42-16</inkml:trace>
-  <inkml:trace contextRef="#ctx0" brushRef="#br0" timeOffset="104744.69">8594 17653 0,'-43'0'0,"86"0"0,-65 0 31,65-42-15,63 21-1,84-43 1,-42 22-1,-42 21 1,-42-22 0,-128 43-1,43 0 1,0 0-16</inkml:trace>
-  <inkml:trace contextRef="#ctx0" brushRef="#br0" timeOffset="105130.15">8234 17420 0,'-21'0'0,"-1"0"16,1 0-16,0 21 0,-21 22 15,42 20 1,0-42-16,63 43 47,-42-64-47,22-21 15,20-43 1,-63 22 0,-21-43 15,-21 85-16,21 21 1,21 1 0,-22-1-16,22 0 0,0 21 31,0-21-31,0 1 16</inkml:trace>
-  <inkml:trace contextRef="#ctx0" brushRef="#br1" timeOffset="128568.44">11705 2371 0,'-21'0'32,"0"0"-1,0 0-15,-1 0-16,1 0 15,0 0-15,0 21 16,0-21-1,0 0 1,-1 0 0,22 21 124,22-21-108,-1 0-32,0 0 15,0 0-15,0 0 16,0 0-16,43 0 15,-43 0-15,0 0 16,0 0-16,22 0 0,63 0 31,-1 0-31,1 0 16,-85 0-16,22 0 16,-1 0-16,-21 0 0,22 0 15,62-21 1,-62 21-16,20 0 15,-20 0-15,105 0 16,-106 0-16,22-21 0,-22 21 0,21 0 16,-20 0-16,168 0 15,-126 0 1,84-21 0,-147 21-16,41 0 15,-21 0-15,107-22 31,-128 22-31,0 0 0,64 0 16,-64 0 0,0 0-1,-42 0 204,0 0-203,-1 0-16,1 0 15,0 0-15,0 0 0,0 0 0,0 0 16,-85 0 0,21 0-16,43 0 0,-128 22 15,107-22 1,-64 21-16,63-21 0,1 0 15,-191 21 1,63 0 0,107-21-1,63 0-15,-43 21 16,43-21-16,-85 0 16,64 0-1,21 0-15,-43 0 16,22 0-1,21 0 17,42 0 46,0 0-63,0 0-15,0 0 0,85-21 16</inkml:trace>
-  <inkml:trace contextRef="#ctx0" brushRef="#br1" timeOffset="129496.11">13631 2117 0,'0'0'0,"0"-21"16,-21 21-16,21-22 16,-21 22-1,0-21-15,0 21 16,21-21-1,0 42 64,0 0-79,21 1 15,0-22 1,0 21-16,0 0 0,0 0 15,22-21 1,-22 21-16,42 0 16,-41-21-16,41 22 15,-21-22 1,-20 0-16,-1 0 0,21 21 16,-21-21-1,-21 21 32,-21-21-47,0 0 0,-21 21 16,-22 21-1,-21 1 1,43-1-16,-43 22 16,1 20 15,-1-20-16,64-43-15,0 21 16,-22-21 0,1 22 15,63-43 63,-21-21-79,21 21-15,-21-22 16,22 1-16,-22 0 16</inkml:trace>
-  <inkml:trace contextRef="#ctx0" brushRef="#br1" timeOffset="132656.47">15917 1799 0,'21'-42'16,"-21"21"-1,0-22 1,0-20 15,0 42-31,0 0 16,-21-1-16,-21 22 31,-22 0-15,43 0-1,-21 64 1,-64 169 15,64-106-15,42-85-16,-21 64 15,-1 0 1,22 63 15,64-84-15,-1-1 0,-20-41-1,84-22 16,-106-21-31,64 0 16,20-42 0,1-22-1,64-84 1,-65 21 0,-83 21-1,-1 0 1,-21-127 15,-85 128-15,0 20-1,-42 43 1,-63 42 0,84 21-1,21 42 1,1 64-1,63 85 17,21-85-17,42-21 1,0-43 0,22 1-1,20-22 1,149-42 15,-85-21-15,-21-21-1,-42-1 1,0-41 0,-43 20-1,-21 1 1,0 41 15,-21 44 0,0-1-15,-21 0-16,0 64 31,-21-1-15,42-41-1,0 41 1,0-20 15,0-107 16,0 1-31,0-43-1,21 1 1,0 63-16,21-43 16,-20 43-16,62-43 31,-41 64-15,-1 0-1,-42 22 1,0 83 15,0-83-31,0 41 16,0 22-1,0-43 1,0-21-16,63 43 31,-20-64-15,20 0-1,1-43 1,63-84 0,-64 43-1,1-64 1,-43-1 0,21-41-1,-42 169 1,0-85-1,0 0 1,-21 85 15,-21 63-15,21 85 0,-1-42-1,1-43-15,-21 191 31,42-106-15,-21-21 0,21-85-16,0 21 15,0 43 17,42-43-32,0-42 31,-20 0-31,20 0 0,-21-21 15,64-63 1,-64 62-16,42-20 16,-20-21-1,-22 20 1,0 43-16,-21-21 31,0 42 0,0 22-15,-42 62 15,42-41-15,0-22 0,0-21-1,21-21-15,21 0 16,1 0-16,-22 0 15,0 0-15,42-21 16,1-42 0,21-1-1,-64 43-15,21-64 32,-21 64-32,0 0 15,-21 0 1,-21 63 31,0 1-32,-42 20 1,41 22 0,1-1-16,-21 86 31,42-149-31,0 127 15,0-42 1,21 63 0,0 85 15,-42-127-15,-42-42-1,20-64 1,-20-21-1,42 0-15,-22-42 16,22 21-16,0-191 31,21 170-31,0-64 16,0 63-16,21-105 16,64-42-1,42-64 16,-64 169-15,22 22 0,-64 41-1,21 22 17</inkml:trace>
-  <inkml:trace contextRef="#ctx0" brushRef="#br1" timeOffset="135119.71">19516 1778 0,'0'0'16,"21"-21"-16,-21-43 15,0 43 1,0 0-16,0 0 15,-64 0 1,22 21 0,-85 63 15,63 1-15,43-22-16,-42 64 15,42-43 1,-22 170 15,43-106-31,21-42 16,22-22-1,41 1 1,22-64 15,-85 0-31,64 0 16,42-42-1,-85 20-15,-20 1 0,147-85 16,-42 1 0,-64-1-1,-41 0 1,-1-63 0,-85-107 30,-63 192-46,43 41 16,-128 22 0,-127 64 15,255 41 0,41 64-15,43-21-1,85 170 17,0-213-17,20 1 1,22-64 0,43 0 15,-64-21-16,-1-21 1,22-21 0,0-43-1,-63 22 1,-43-1 0,-21 43-16,21-21 15,-21-22 16,0 85-15,0 1 0,0-1-16,-21 0 15,21 0-15,-42 106 16,-1-63 0,43-1-1,0-21 1,0 1 15,0-64 16,22 21-47,-22-43 16,21 1-1,21-43 1,22 22-1,-1-1 1,-21 64 0,1 0-1,-22 43 1,42 62 15,-41-41-15,41-22-1,1-21 1,20 1 0,-63-22-1,22-43 1,-1-20 0,0-1-16,107-126 31,-86 147-16,-21 22 1,-20 21 0,-1 21-1,0 43 1,-21-22 0,0-21-1,0 1 16,0-44 1,0 1-32,0 0 15,0 0-15,0 0 0,0-43 32,-21 43-17,-22 21 1,1 0-16,0 42 15,42-20 1,-64 83 0,43-41-1,0-1 1,21 43 15,0-21-15,63-43-16,1-21 15,84-21 17,-127 0-32,85-63 15,42-1 1,-105 22 0,84-85-1,-64 64 1,-21-22-1,-20 43 1,-22-1 15,-43 43-15,22 21 0,-64 85-1,64-85-15,-42 85 16,42-42-1,21 20 1,0-62 0,127-1 15,-106-21-31,63 0 16,-62 0-16,41 0 15,-21 0-15,-20-21 16,20-1-1,-42 1 32,-21 21-31</inkml:trace>
-  <inkml:trace contextRef="#ctx0" brushRef="#br1" timeOffset="145147.16">14372 4128 0,'0'21'15,"-21"-21"-15,0 0 16,0 0 15,-1 0-31,-41 0 16,63 21-1,-21-21-15,-22 0 0,-20 0 32,42 0-17,0 0 1,-1 0 0,1 0 77,42 0-15,1 0-78,-1 0 0,0 0 16,0 0-16,0 0 16,43 0-16,-43 0 15,21 0-15,-21 0 0,85 0 16,-42 0 0,-43 0-16,21 0 0,22 0 15,-22 0-15,22-21 16,-43 21-16,21 0 0,170 0 31,-170 0-31,0 0 0,64 0 16,-63 0-16,-1 0 0,21 0 15,43-21 17,-21 21-17,-64 0-15,0 0 0,0-22 16,-21 1 31,0 0-16,-21 0-15,0 21-16,0-21 15,0 21-15,-22-21 16,22-1-16,0 22 15,0 0-15,0-21 0,-43 0 16,22 0 0,21 21-1,-22-21 1,22 21 0,42 0 93,1 21-93,-1 0-16,0-21 15,0 0-15,-21 21 0,21-21 16,0 0-16,1 21 0,-1-21 0,21 0 15,22 22 1,20-22 0,-41 21-1,-22-21-15,0 0 16,0 0 0,-21 21 30,0 0-46,-21-21 16,0 21-16,-22 0 16,-41 43-1,-1-1 1,64-41-16,-106 83 16,42-41-1,43-43 1,21 0-16,-43 22 15,64-22-15,-42 0 32,42-42 30,21 0-62,0 21 16,0-22-16,1 1 0,-1 21 0,0-21 15,0 0-15,85-64 16,0 22 0,0-1-1,-64 43 1,64-64 0,-85 85-1,-21-21 1,0 0 93,-21 21-93,0-21-16,-1 21 15,1 0-15,-21-21 16,21 0-16,-22-1 16,-20 1-1,42 0-15,-22 21 0,1-21 16,0 21-16,21 0 0,-43-21 16,43 21-16,0 0 15,0 0 1,42 0 62,0 0-78,0 21 0,0-21 16,22 21-16,41 0 15,-63-21-15,22 0 16,20 21-16,-42-21 0,1 0 15,62 22 1,-41-22 0,-22 0-16,0 0 15,0 0-15,-21 21 32,0 0-17,0 0-15,-21-21 16,-43 42-1,64-20-15,-21-1 0,-85 63 16,22-20 0,-43 42-1,84-64 1,22-21-16,-21 0 0,-43 43 31,64-43-31,0 0 16,21-42 93</inkml:trace>
-  <inkml:trace contextRef="#ctx0" brushRef="#br1" timeOffset="164824.54">16637 3725 0,'0'0'0,"0"-21"0,0 0 16,0 0 15,-21 21 0,0 21-31,21 0 16,0 0-16,0 1 0,-22-1 16,22 0-16,0 0 0,0 0 15,0 0-15,0 1 16,43-1-1,-1-21 1,-21 0-16,0 0 0,22 0 16,-22 0-16,0 0 0,64-64 15,21 1 1,-64 20 0,-21 22-16,0-42 15,22-1 16,-43 43-15,0 42 0,-43 106 15,43-63-15,0-43-16,-21 42 15,21-20-15,-21 41 16,21-41-16,0 20 0,0 85 15,-21-21 1,0-84 0,-1 41-1,1-62 1,0-22 0,0 0-16,-21 0 15,20-22-15,1 1 16,0 0-16,0 0 0,0 0 15,-22-43 1,22-20-16,0 41 16,21 64 31,0 1-47,0-1 0,0 0 0,0 0 15,0 21-15,0-20 0,0-1 16,0 0-16,21 21 0,0 1 15,85 41 1,-42-84 0,42 0-1,-85 0-15,21 0 16,0-21-16,-20 21 0,20-21 0,106-85 31,-84 43-31,-43 41 0,42-126 16,-63 106-1,0 21-15,21-22 0,-21-62 32,-42 105-1,0 0-31,21 21 16,21 42-16,-43 22 15,22-22 1,21 64-1,0-105-15,0 20 16,0-21-16,0 0 0,0 0 0,64 22 16,-1-43-1,1 0 1,-43 0-16,42-21 16,-42-1-16,1 1 0,83-85 31,-41 22-16,-22-22 1,-21 42 0,-21 86 15,-21-1-31,21 0 0,0 64 16,0-64-16,-21 0 15,21 21-15,0 22 16,0 20-1,0-41 1,21-22 0,-21-42 15,-21 0-15,21-1-16,-42-41 15,-1-1 16,1 64-15,21 22 0,21 20-16,21 43 31,21-43-15,22-21-1,-43-21-15,0 0 16,0 0-16,1 0 0,83-21 15,-83 0 1,-1 0-16,85-64 16,-43-21-1,-42 64-15,43-128 16,-64 128 0,21-43-16,0-20 15,-21 62-15,0-20 16,0 42-1,0-1 1,0 44 0,-21-1-16,21 0 15,0 0-15,-21 64 0,21-43 16,-43 191 0,43-127-1,0 21 1,0-43-1,0-20 1,0-43 0,22-21-16,-1 0 15,42 0 1,-42-21-16,22-21 31,-22 42-31,-21-43 0,0 22 0,21-21 16,-21-1-1,0 22-15,0 0 16,-42-21-16</inkml:trace>
-  <inkml:trace contextRef="#ctx0" brushRef="#br1" timeOffset="165111.37">17928 4191 0,'0'0'0,"21"0"47,43-21-32,42-21 1,-64 42-16,64-43 0,-43 43 16,22-21-1,-64 0-15,21 21 31,-20-21-31</inkml:trace>
-  <inkml:trace contextRef="#ctx0" brushRef="#br1" timeOffset="168260.28">19389 4233 0,'0'-63'16,"0"42"-16,0-22 15,0 22-15,0-21 16,0 21-16,-22 42 47,22 0-47,-21 0 0,0 85 15,21-64-15,-42 149 32,21-64-17,-1-85 1,22-21 0,0-63 15,22 21-31,-1-43 15,21-20 1,22-107 15,-22 85-15,-42 64-16,21 42 16,21 85 15,1-22-31,-43-42 0,21 85 15,0 0 1,0-85 0,0 0-16,1 43 15,20-64 1,0 0 0,-21 0-16,1-21 15,-1 21-15,42-127 16,-63 63-1,43-42 1,-22 64-16,-21-21 16,0 41-16,21 1 0,0-21 15,-21 63 17,0 0-32,0 64 15,0-43-15,0 85 31,21-63-31,0-1 16,22-20 0,-22-43-16,0 0 15,0 0-15,22 0 16,41-22 0,22-41-1,-64 21-15,-20 20 0,20 1 16,21-148-1,-63 84 1,0 1 0,0 62-16,0 1 15,-21 21-15,0 0 16,0 0 0,0 21-16,-22 43 0,1 21 15,42-64-15,-21 106 16,0-43-1,21 1 1,84-43 0,1-42-1,0 0 1,-1-21 0,-41 21-16,20-63 15,1-22 1,-43 43-16,0-1 0,21-41 15,-20-64 1,-1 105-16,0-126 16,-21 105-1,0 43-15,0 0 32,-21 63-1,0 43-31,21-43 15,-22 149 1,1-43 0,21-42-16,0-43 15,0-41-15,0 20 16,64 21 0,-22-63-1,0 0 1,-20 0-16,62-21 0,-63 0 15,1 0-15,83-85 16,-41-42 0,-1 0-1,-41 0 1,-22 105-16,0 1 0,0-43 31,0 64-31,0 0 0,-22 21 16,1 0-1,21 21-15,-21 21 0,-21 107 32,21-1-17,-1-42 1,22-64-16,0 0 0,0 1 0,-21 20 16,21-21-16,0 22 15,0-43-15,0 21 16,0-63 15,21 21-31,1-42 16,41-64-1,-21 21 1,-42 43 0,22 21-16,-1 0 0,-21 0 31,21 21-31,0 63 15,-21-42-15,0 64 16,42 84 15,-20-148-15,41 1 0,1-22-1,-1 0 1,-42 0-16,127-149 31,-84 65-15,-22-22-1,-42 85 1,0 0-16,0 63 16,-42 85 15,21-21-16,21-43 1,0-20 0,63-22 15,1-42-15,-43 21-16,0-43 15,21-20 1,-20 42-16,-22-128 31,0 128-31,-43-63 16,1 84-1,-22 0 1,64 21 0,22 0-1,-1 0-15,63-21 16,86 0 15,-22-42-31,-106 42 16,170-43-1,-191 43-15,0-21 16,0 21 0,-63 0-1,-43 43 1,22-1-1,-22 21 1,1 107 15,41-86-15,43-20 0,21-64-1,43 21-15,84-42 31,-42-64-15,-64 22 0,22-43-1,42-190 17,-85 211-32,21-84 15,-42 105 1,0-42-1,-21 127 17,0 22-17,21-22-15,-43 212 32,22-149-17,0 65-15,-21-22 16,42-85-16,-21 0 15,-1 85 1,22-42 0,0-43-1,64-21-15,63 1 32,-85-22-17,-21 0-15,43-22 0,-43 1 16,0 21-16,43-42 15,-43 42-15,0-21 0,43-43 16,-64 22 0,0 21-1,0-22 1,-22 22-16</inkml:trace>
-  <inkml:trace contextRef="#ctx0" brushRef="#br1" timeOffset="168798.97">21061 3979 0,'0'0'0,"-21"0"16,42 0 31,0 0-47,21-21 15,1 21 1,-22 0-16,42-21 15,1 0 1,-22 21 0,-21-21 15,-42 21 16</inkml:trace>
-  <inkml:trace contextRef="#ctx0" brushRef="#br1" timeOffset="171315.32">15960 6287 0,'-22'0'0,"1"0"32,0 0-17,0 0-15,0 0 16,0 0-16,-1 0 15,1 0-15,0 0 0,0 0 16,0 0-16,-64 0 16,64 0-1,0 0-15,0 0 16,-1 0 0,1 0-16,42 0 46,1 0-46,-1 0 16,0 0-16,0 0 0,21 0 16,-20 0-16,83 0 15,1 0 1,106 0-16,-170 0 16,22 0-16,-22 0 0,0 0 0,22 0 15,126-22 1,-84 22-1,-21-21 1,-43 21 0,-42-21-1,-21 0 1,0 21 0,0 0-16,-22-21 15,22 21-15,-21-21 16,-64-1-1,64 1 1,-22 21-16,43 0 0,-42 0 16,41 0-1,1 0 1,0 0 0,42 0 30,0 0-46,1 21 0,-1-21 16,85 22 0,-64-1-1,85 0 1,-106-21-16,43 0 16,20 0-1,-41 0 1,-43 21-1,0 0 1,-22 22 0,-20-22-1,-148 85 1,147-85 0,-147 106-1,84-64 1,21-20-1,85-22 1,21-21 31,1-21-47,-1 21 0,0-22 16,0 22-1,-21-21 16</inkml:trace>
-  <inkml:trace contextRef="#ctx0" brushRef="#br1" timeOffset="175793.39">17949 5906 0,'0'-22'16,"0"1"0,0 0-1,0 42 32,0 0-47,0 1 16,0-1-16,0 106 15,0-85 1,0 0-16,0 1 0,0 84 16,0-43-1,0-41-15,0-1 0,0 85 16,0-63 0,0-43-16,0 0 15,0-42 16,0 0-31,0-1 0,0 1 16,0-63 0,0-1-16,0 43 0,0-1 15,0-20-15,0-85 32,0 21-32,21 105 15,-21-20-15,0-21 16,43-22-16,-22 43 15,0 42-15,21-43 16,-20 43-16,41 0 16,-21 0-1,-20 21-15,62 43 16,-63-43-16,1 0 0,20 85 31,-42 0-31,-64-21 16,1-22-1,42-42-15,0 0 16,-43 1 0,43-22-1,21-22 17,0 1-32,0 0 15,21 21-15,21-21 16,-20 21-16,20 0 15,-21-21-15,0 21 0,22 0 16,126 42 0,-127-21-1,-21 43 1,-21 20 0,0-62-16,-127 126 31,43-106-16,20-42 1,43 0-16,-42 0 16,41-21-16,1 0 15,-42-85 17,63 127 14,63 43-30,1-22 0,-22 0-1,-21-21-15,22 1 16,-22-22-16,42 21 16,1-21-1,-1 0 1,-20-21-16,-22 21 15,21 0-15,-21-22 0,0 22 16,22-21 0,-22 21-1,0 0-15,-21-21 172,-21 21-172,0-21 0,0 21 16,-1-21-16</inkml:trace>
-  <inkml:trace contextRef="#ctx0" brushRef="#br1" timeOffset="177917.91">18521 6604 0,'0'42'15,"0"-20"-15,21-1 32,0-21-32,0 0 15,0 0-15,1 0 0,62-21 16,-63-1-16,1 22 15,41-42-15,-21 0 16,-20 42-16,-1-43 0,21 22 16,0-42-1,1-22-15,-43 0 32,21 22-32,-21 42 0,0 0 15,0-1 1,-21 22-1,0 0 1,-1 22-16,1-1 16,21 0-16,-21 0 0,-21 170 15,21-128 1,21 43 0,0-85-16,0 43 15,0-43-15,63 0 31,1-21-15,20-21-16,22-43 16,-85 43-1,106-106 1,-42 21 0,-22 0-1,-41 22-15,-22 63 16,21-22-16,-21-41 15,0 20 1,-21 64 15,-1 85-15,-62 148 15,20-1-15,43-126-1,-42 85 1,63-149-16,0 85 16,-22-42-1,22 126 1,0-126 0,0-64-16,22 43 15,-22-43-15,21 42 0,-21-41 16,63-22-1,-20-22 1,41-83 0,-63 83-16,43-83 15,-22-107 1,-42 43 0,-42 105-1,-22-21 1,43 64-16,0 0 0,-21 0 31,21 0-15,21 0 15,21 21-31,0 0 0,64-22 16,-1-20-1,-20 0 1,-22 21-16,-21-1 0,64-41 15,-43 21-15,1-43 16,-22 64-16,0-43 16,-21 22-1,0 21 1,-21 21 15,0 21-31,-1 64 16,1-22-1,21-42-15,21 149 32,-21-149-17,22 0-15,20 21 16,0-42-16,-21 0 16,22 0-1,-22 0-15,21-63 16,1 20-1,-22-20-15,0 21 0,-21 20 16,0-20-16,0-21 16,0-1-1,-64 22 1,43 21-16,0 21 16,0 0-16,0 0 0,-106 84 31,127-63-31,-21 1 0,-1 62 15,22 1 1,43-22 15,20-63-15,1 0 0,-22-42-16,-21 42 0,22-21 15,41-64 1,-20 43-1,-43 21-15,42-22 16,-41 43 0,-1 0-1,-21 22 1,0-1-16,0 42 16,0 1-1,0-43-15,0 0 0,0 64 31,42-43-31,0-21 16,22-21 0,42-21-1,42-85 17,-127 85-32,21-64 15,-20 1 1,-22 20-1,0 43 1,-64 21 15,43 42-15,0-20-16,0 62 16,21 1-1,0-22 1,0-41-16,21-1 15,21-21 17,22 0-17,-43-21 1,0-22-16,-21 22 16,0-21-1,0 21 1</inkml:trace>
-  <inkml:trace contextRef="#ctx0" brushRef="#br1" timeOffset="180711.51">21950 6519 0,'0'22'0,"0"-1"16,0 0-1,0 0 1,0 0-1,0-42 32,0 0-47,0 0 16,0 0-16,0-1 16,21 1-16,0-21 0,-21 0 15,21-22-15,22-42 16,-1 64-1,0-64 1,-21 106-16,1 0 0,-1-21 16,0 21-16,21 21 15,-42 0 1,21 0 0,-21 1-1,22-22 16,-22-22-15,0 1 0,0 0-16,0 0 15,0 0-15,0 0 16,-22 21 0,1-22-16,0 22 15,0 0-15,0 0 16,21 22-16,-64 41 15,43-21-15,0 22 16,0 21 0,0 42-1,21-106-15,42 106 16,0-64 0,43-63-1,42 0 1,0-42-1,127-170 17,-148 43-17,-22-22 1,-84 107 0,0-43-1,0 84-15,0-62 16,0 62-1,-21 86 17,0-22-32,0 85 15,0-64-15,21 0 0,-21 149 32,-1-64-32,22-43 15,22 22 1,-1-85-16,63 85 31,-62-85-31,-1-21 0,85 0 16,-64-21-1,-21 0-15,0 0 16,0 0-16,64-106 16,-43 84-1,43-62 1,-21 41-1,41 1 1,-41 63 0,-22 21-1,1 42 1,-43-42-16,21-21 0,-21 64 31,0-43-31,0 0 16,0-42 31,0 0-32,0 0-15,-21 0 0,21-22 16,-22 22-16,1 0 16,0 0-16,-21-22 15,-22 43 1,22 0-1,-22 43-15,43-22 16,-21 42-16,-22 22 16,43 21-1,0 0 1,21-85-16,0 0 0,0 0 16,0 0-16,0 1 0,64 20 31,-43-42-31,0 0 15,42-21-15,1-43 16,-64 43-16,21 0 16,43-64-1,-22-42 1,-21 64 0,0-1-16,-21 43 15,0 0-15,0 42 31,0 0-31,0 0 16,-21 1-16,21-1 16,-21 21-16,21-21 0,0 127 15,0-105 1,0 20 0,0-42-16,0 22 15,21-43-15,85 21 31,-85-21-31,64-21 16,-1-22 0,22-62-1,-21-1 1,-22-21 0,-41 84-1,-22 22-15,-22 42 31,1 1-31,-21 41 16,21 1 0,0 20-1,21 22 17,42-64-17,-21 1 1,0-43-1,-21-21 17,-21 21-17,-21-43-15,-1 22 16,1 0 0,-21 21-1,41 0 1,22 42-1,0-21-15,0 1 16,0-1-16,0 0 0,43-21 16,20 21-1,1-21 1,-22 0-16,0 0 16,-20 0-16,-1-21 0,127-64 31,-106 43-16,1 21-15,62-85 16,-62 42-16,20-41 31,-63 62-15,-42 43 0,0 43-1,20-22 1,1 63-1,21-20 1,0-43-16,0 21 16,0 85 15,21-105-15,-21-1-16,0 0 15,-63 0 16,-1-21-31,1 0 16,42 0 15,0 0-31,21 21 78,-22-21-62,22 21-16,-21-21 16</inkml:trace>
-  <inkml:trace contextRef="#ctx0" brushRef="#br1" timeOffset="189320.47">18648 8467 0,'-21'0'140,"-1"0"-124,1 0-16,0 0 0,0 0 16,0 0-16,0 0 15,-1 0-15,1 0 0,0 0 16,-21 0 0,21 0-16,-22 0 0,22 0 15,0 0 1,0 0-16,42 0 94,0 0-94,0 0 15,0 0-15,1 0 0,-1 0 0,42 0 16,-42 0-16,43-21 15,21 21 1,-1 0 0,-63 0-16,1 0 0,41 0 31,1 0-31,20-22 31,-63 22-31,1 0 16,-22-21-1,21 0 1,-21 0 0,0 0-1,-21 21 1,-1-21-16,1-1 16,0 22-16,-21-42 15,-1 21 1,43 0-16,-21 0 0,-21-22 15,21 22 1,-22-21 0,1 21-1,42-1-15,21 44 78,0-22-62,1 21-16,-1-21 16,0 21-16,0-21 0,0 21 15,0 0-15,1-21 0,-1 21 0,63 1 16,-20 20 0,-1-21-1,-41 0 1,20 0 15,-42 22-15,0-22-1,-21-21-15,-64 63 16,22-20 0,-22-1-1,0 0 1,1 22-1,62-43-15,1-21 0,0 21 0,0 0 16,-85 85 15,64-85-15,21 1 0,-1-22-16,22 21 31,0-42-16,64-22 1,21-20 0,84-64-1,-63 42 1,0 22 0,-22 20-16,1 1 31,-85 21 125</inkml:trace>
-  <inkml:trace contextRef="#ctx0" brushRef="#br1" timeOffset="196954.94">20341 8192 0,'-21'0'31,"21"-22"0,-21 22-31,21-21 16,0 0 0,0 0-1,0 0-15,0 0 16,0-1-16,0 1 0,0 0 15,0 0-15,0-21 16,0-1 0,0 22-16,0 0 15,0 0 1,0 42 15,0 0-31,0 0 0,0 43 16,0-22-16,0 0 0,-21 64 15,21-42-15,-22-1 0,1 149 32,-21-64-32,21-21 15,0-63 1,21-43-16,0 0 16,0-42 15,0 0-16,0-1-15,0-20 0,0 0 16,0 21-16,0-43 16</inkml:trace>
-  <inkml:trace contextRef="#ctx0" brushRef="#br1" timeOffset="197627.57">20151 8128 0,'0'-21'0,"-22"21"0,44 21 0,-44-63 0,22-22 31,0 22-31,43-22 16,-22 64 0,21-42-16,-21 42 0,1 0 15,105-21 1,-85 21-16,-21 0 15,106 85 1,-85 42 0,-42-85-16,-63 106 15,-43-63 1,85-64-16,-64 21 16,1 1-1,41-43 1,43-43-1,43 1 1,20 21 0,-42 21-16,127 0 31,-42 0-31,-63 21 16,62 21-1,-41 22-15,-64-43 16,-21 106-1,-43-85 1,-84 64 0,42-64-1,64-20-15,0-22 0,-64 0 16,85 0-16,-22 0 16,22 0-16,-42-22 15,63 1-15,0 0 16,0 0-1,0 0-15,0 0 16,21 21 0,42-22-1,-42 1-15,22 21 16</inkml:trace>
-  <inkml:trace contextRef="#ctx0" brushRef="#br1" timeOffset="198029.34">20680 8573 0,'21'0'0,"0"0"15,0 0 1,0 0 0,1 0-16,-1-22 15,0 22-15,0-21 0,64-21 16,-1-43-1,-62 85-15,20-63 16,-42 42-16,0-1 16,0 1-16,-21 21 31,0 0-31,-1 0 0,1 0 0,0 0 16,-64 85-1,22 0 1,63 42-1,0-22 1,0 1 0,63-63-1,-63-22-15,22-21 0,20 0 16,0 0 0,-21 0-16,1-21 0,83-85 15</inkml:trace>
-  <inkml:trace contextRef="#ctx0" brushRef="#br1" timeOffset="199520.49">21569 7916 0,'0'0'0,"0"-63"0,0 42 0,0 0 0,0-1 0,0 1 15,-21 21 1,-1 0-16,1 21 0,0 1 15,21 20 1,-42 127 0,21-126-16,21-1 0,0 64 15,-22-43-15,22 1 0,-21 126 16,-21 22 0,21-149-16,-22 170 15,-20 0 1,42-148-16,-43 317 31,64-233-15,0-84-16,21-22 15,64-41 17,42-107-17,-42-21-15,-1-42 16,-62 106-1,-1-22-15,0-169 16,-21 170-16,0-107 16,-42 65-1,-43-44 1,64 128-16,0-21 0,-106-22 16,127 43-1,-22 21 1,44 0-1,-1 0 1,21-21 0,0 0-16,64-21 15,-85 20-15,106-62 0,-63 41 16,-22 22-16,64-106 31,-85 64-15,-21 20-16,0 22 0,0 0 15,0 42 17,0 0-17,-21 22-15,0 63 16,21-22 0,0-20-1,42-1 1,-21-63-16,22 0 15,63 0 17,-43-84-17,-42 20 1,-21 1 0,0-64-1,-63 84 1,20 22-1,-20 21-15,42 0 16,21 21-16,-64 43 16,64-1-1,0 22 1,0-64-16,0 0 16,0 0-16,21-21 0,43 22 15,-1-22 1,1-43-1,-22 22 1,1 0-16,-22 0 0,0 21 0,85-106 31,-85 64-31,0-1 16,-21 64 31,0 1-47,0-1 0,0 0 15,0 0-15,0 0 0,0 22 16,0-1-16,0-21 0,21 0 16,43 22-1,20-43 1,-20 0 0,-1-43-1,22 1 1,-64 21-16,64-127 31,-85 63-15,-42 85-1,20 0 1,-62 106 0,63 0-1,21-64 1,0 21-1,0 1-15,42-43 16,0-21 0,22 0-1,-22 0 1,-21-21-16,22 21 0,-1-42 16,-21 20-16,-21 1 0,21 21 0</inkml:trace>
-  <inkml:trace contextRef="#ctx0" brushRef="#br1" timeOffset="202492.62">23939 8297 0,'-21'0'0,"42"0"0,-42-21 0,21 0 0,-21 21 16,-64-106 0,22 64-1,42 0 1,0 42-1,-1 0 1,1 105 0,-21 44-1,0 105 1,42-233-16,-22 85 16,22-43-1,0-42 1,0-42-1,0 0 1,0 0-16,64-106 16,-64 106-16,42-43 15,-42 22-15,21 21 0,-21-22 16,64-147 0,-22 84-16,-21 0 15,1 106 1,-1 0-1,-21 42-15,21 1 16,0-1-16,-21 22 16,21 84-1,0-127-15,1 64 16,-22-64-16,0 0 0,42 42 16,21-63-1,-20-42 1,20-21-1,1-22 1,-43 43-16,0 20 0,43-105 31,-43 0-31,0 43 16,-21 63 0,0 42-1,0 0 1,0 21-16,0 43 15,0 63-15,0-106 16,-21-20-16,21 62 16,0-63-16,0 106 15,21-63 1,42-43 0,-41-21-16,-1 0 15,0 0-15,0 0 0,85-63 16,-43 20-1,1-41 1,-64 20 0,0 43-16,0 0 0,0-85 31,-21 106-15,-22 21-16,22 0 0,0 43 15,0-43-15,0 42 16,21 22-1,0-64-15,0 43 16,21-1 0,42-42-1,-41 1-15,105-22 16,-64-22 0,43-41-1,-85 42-15,0 0 0,43-43 16,-43 22-16,42-149 15,-41 85 1,-1-21 0,-21 85-16,0-21 15,0 41-15,0-20 32,0 63-32,0 127 15,0-21 1,0-84-16,0-1 15,-21 170 1,21-106 0,0-64-1,21-21-15,-21 0 0,21-21 16,148-21 15,-84-42-15,0-43-1,-43 0 1,-21 85-16,0-191 16,0 85-1,-21 42 1,0 64 0,0 85-1,0 105 1,-21-105-1,0 126 1,21-169-16,-42 106 16,42-84-1,0-1 1,0-84 31,21 42-47,21-85 15,1-42 1,-22 127-16,0-42 16,21 20-1,-21 44 1,-21-1 0,0 85-1,0-43 1,0 1-16,22-43 15,-1 0-15,0 0 16,21-21 0,22 0-1,-1-42 1,-20-22 0,-22 64-16,-21-21 0,84-106 15,-62 64 1,-1 41-1,-21 44 17,0-1-32,0 0 0,-21 0 15,21 0-15,-22 43 16,1-1-16,21-42 16,0 1-16,0-1 0,0 0 0,0 0 31,64-21-16,-22 0 1,-21-42 0,22-64-1,-43 21 1,0 43 0,-22 21-16,1-22 15,0 43 1,-21 0 15,42 22-31,0-1 16,84-21-1,-62 0-15,105 0 32,-106 0-32,63 0 0,107 0 31,-170-21-31,0 21 15,-63 0 17,-22 42-17,-20 0-15,63-21 16,-22 22-16,-20 20 16,63-20-1,-21 20 1,21-42-16,0 0 15,21-21 1,0 0-16,21 0 16,22-42-1,-22 0 1,-21 21-16,85-170 31,-85 43-15,22 0-1,-43 127-15,42-85 16,-42 21 0,21 0-1,-21 64 1,0 85 0,-21 20-1,0 22 1,-22 64-1,43-128-15,-42 170 32,42-149-17,0-21-15,0-20 0,0 20 16,0-21 0,21-21-16,43 21 15,-1-21 1,22 0-1,-22-42-15,-41 42 16,-1-21-16,21-43 16,0 22-1,-42 0 1</inkml:trace>
-  <inkml:trace contextRef="#ctx0" brushRef="#br1" timeOffset="202937.37">25061 8213 0,'0'0'0,"-21"0"16,0 0-16,-43 0 16,43 21-16,42-21 31,22 0-16,-22 0-15,0 0 0,0 0 0,22 0 0,105 0 32,-85-21-32,1 21 15,-85 0 48,21 21-63,-22 0 0,1-21 0,0 0 15,21 21-15,-42-21 0</inkml:trace>
-  <inkml:trace contextRef="#ctx0" brushRef="#br1" timeOffset="212019.71">17632 12742 0,'-21'0'94,"-1"0"-63,1 0-15,0 0-16,0 0 31,-21 0-16,-1 0 1,22 0 0,0 0-16,-21 0 31,20 0-15,1-21-16,0 21 46,0 0 329</inkml:trace>
-  <inkml:trace contextRef="#ctx0" brushRef="#br1" timeOffset="-212009.67">23558 5038 0,'0'0'0,"-21"0"0,0 0 16,0 21-16,21 0 15,-21 0-15,21 0 16,0 1-16</inkml:trace>
-  <inkml:trace contextRef="#ctx0" brushRef="#br1" timeOffset="-210249.92">24892 6308 0,'0'-21'79,"21"21"30,-21 21-109,21-21 0,-21 21 0,21 0 16,-21 0-16,0 0 0,22 1 15,-1 20 1,0 21-16,0 1 15,21-22 1,-42-21 0,0 1-16,22-1 15,-1 0 1,0-21 46,0 0-62,-21-21 16,21 21 0,0-21-16,1 21 0,-1-22 0,63-41 31,22-22-31,106-63 16,-106 85-1,-43 20-15,1 1 16,232-127-1,-190 84 1,0 0 0,-85 85-16,0-21 15,-21 0 1,21 21 0,-21 21 687,0 0-688,-21-21-15,0 0 0,-21 21 16,-1 1-16</inkml:trace>
-  <inkml:trace contextRef="#ctx0" brushRef="#br1" timeOffset="-208288.16">18711 12869 0,'-21'0'15,"0"0"1,0 0-1,0 0-15,-1 0 16,-20 0 0,-21 0-16</inkml:trace>
-  <inkml:trace contextRef="#ctx0" brushRef="#br1" timeOffset="-206692.82">16912 12404 0,'0'0'16,"0"-21"-16,-21-1 16,0 1-1,21 0-15,0 0 31,0 42 48,21 0-64,0 0-15,0 1 0,-21 20 16,43 0-1,-1 64 1,-21-64-16,0 1 16,0-1-16,1 22 15,20-1 1,0 1 0,-42-43-16,21-21 15,1 0-15,-1 0 31,0 0-31,0-21 16,0-1-16,43-20 16,-43 21-16,21-21 0,128-85 31,41 0-15,-84 42-16,106-21 15,-169 85-15,20-21 16,191-64-1,-126 42 1,-128 43-16,63-21 16,-41 21-1,-22-1 1,-42 22 750,21 22-766,-21-22 15,-1 21-15,1 0 16,0-21-16</inkml:trace>
+  <inkml:trace contextRef="#ctx0" brushRef="#br0">3852 699 0,'0'-22'15,"0"1"1,0 0-16,0 0 16,0 42 30,0 0-46,0 0 16,0 1-16,0-1 0,0 0 16,0 0-16,0 0 0,0 0 15,0 1-15,0-1 16,21 0-16,1 0 16,-1-21-16,0 0 0,0 0 15,0 0-15,0 0 16,1-21-16,-1 0 0,0 0 15,21-1-15,-21 1 0,1-21 0,41-22 16,-42 43-16,0-21 16,1 0-16,-22 20 0,21-20 0,-21 21 15,0-21-15,21 20 16,-21 1-16,0 0 0,0 0 0,0 0 16,-21 21-1,0 0-15,21 21 16,-22 0-16,22 0 15,0 0-15,-21 22 0,21-22 16,0 21-16,0 1 0,0-1 0,0 0 16,-21 22-16,21-22 0,-21 22 15,21-22-15,-21 21 0,21-20 0,0 20 16,0-20-16,0-1 0,-21 0 16,21 1-16,0-1 0,0-21 0,0 21 15,0-20-15,0-1 16,-22 0-16,22 0 0,0 0 15,-21-21-15,0 0 16,0 0-16,0 0 0,0 0 16,-1 0-16,1-21 15,0 0-15,0 0 0,0 0 16,21-1-16,-21 1 0,21-21 0,-22 21 16,22 0-16,0-1 0,0 1 15,0 0-15,0 0 0,0 42 47,0 0-47,22 0 16,-22 1-16,21-1 0,0 0 0,-21 0 0,0 0 15,21 0-15,0 1 16,0-1-16,1 0 0,-1 0 16,0-21-16,0 0 0,0 0 15,22 0-15,-22 0 0,21 0 0,-21 0 16,22 0-16,-1-21 0,0 0 15,22 0-15,-22-1 0,0 1 16,1-21-16,-1 21 0,0-22 0,-20 1 16,20 0-16,-21-1 0,0 1 15,-21-21-15,0 20 0,0 1 0,0 0 16,0-1-16,0 1 16,0 0-16,0 20 0,0-20 0,0 0 15,0 21-15,0-1 0,0 1 16,0 0-16,-21 0 0,0 21 15,21 21 1,0 21-16,-21-20 16,21 20-16,-21 0 0,21 1 15,-22 20-15,22 1 0,-21-22 0,0 21 16,21 1-16,-21-1 0,0 1 16,21-1-16,-21 1 0,-1-1 15,1-20-15,21 20 0,-21 1 16,0-1-16,21 22 0,-21-22 0,0 1 15,21-1-15,0 1 0,-22-1 16,22 1-16,-21-1 0,21 1 0,0-22 16,0 1-16,0-1 0,0-21 15,0 0-15,21 0 0,1 1 0,-1-22 16,0 0-16,21 0 0,-21-22 16,64-20-16,-43 21 0,1 0 15,-1-22-15,0 22 0,-20-21 16,20 21-16,-21-22 0,21 1 0,-20 0 15,-1-1-15,-21-20 0,0 21 16,0-1-16,0 1 0,0 0 16,-43-1-16,-20-41 15,21 62-15,-1-20 0,1 21 0,-22 0 16,22 21-16,0-21 0,-1 21 0,1 0 16,21 0-16,0-22 0,0 22 15,-1 0-15,44 0 31,-1 0-31,0-21 0,21 21 16,1-21-16,-1 21 0,0-21 0,1 21 16,-1-21-16,0 0 0,1-1 15,-1 1-15,0 0 0,1-21 16</inkml:trace>
+  <inkml:trace contextRef="#ctx0" brushRef="#br0" timeOffset="1179.42">6054 381 0,'0'0'0,"21"0"15,0-21-15,0 0 0,-21 0 16,21-1-16,-21-20 0,21 21 0,-21 0 16,0 0-16,0-1 0,0 1 15,0 0-15,-21 42 32,0 22-32,0-1 15,-21 0-15,20 1 0,-20 20 0,21 22 16,-21-22-16,-1 22 0,1 21 15,21-22-15,-22 1 0,22 0 0,-21-22 16,21 22-16,21-22 0,0-20 16,0 20-16,0-20 0,0-1 0,21 0 15,0-21-15,0 22 0,22-22 16,-1-21-16,0 21 0,1-21 0,-1 0 16,0 0-16,1 0 0,-1 0 15,0-21-15,1 21 0,-1-21 0,0 0 16,-21-1-16,22-20 0</inkml:trace>
+  <inkml:trace contextRef="#ctx0" brushRef="#br0" timeOffset="1499.26">7048 1037 0,'0'0'0,"-21"0"0,42 0 62,1 0-62,20 0 0,-21 0 0,21 0 16,1 0-16,-22 0 0,21 0 15,1 0-15,20 0 0,-21 0 0,22-21 16,-1 21-16,1-21 0,-1 21 16,1-21-16,-1 21 0,1-21 0,-1 21 15,1 0-15,-1 0 16</inkml:trace>
+  <inkml:trace contextRef="#ctx0" brushRef="#br0" timeOffset="1663.16">8594 974 0,'0'0'0,"21"21"15,21-21 1,-21 0-16,0 0 0,1 0 16,-1 0-16,0 0 15,0 0-15,0 0 0,0-21 16,1 21-16,-1 0 0,0 0 16,0-21-16,21 21 0,-20 0 15,20-22-15,0 1 0</inkml:trace>
+  <inkml:trace contextRef="#ctx0" brushRef="#br0" timeOffset="2015.34">9948 233 0,'0'0'0,"-21"-21"0,0 0 0,0-1 0,0 22 15,21-21-15,0 0 16,21 0-16,21 21 16,0 0-16,1 0 0,-1 0 15,22 21-15,-22 0 0,21 22 0,-20-22 16,-1 21-16,0 0 0,1 22 16,-22-1-16,0-20 0,-21 41 0,0-20 15,0 21-15,0-22 0,0 22 16,-21-1-16,-21-20 0,20-1 15,-20 1-15,21-1 0,-21-20 0,-1 20 16,22-20-16,0-22 0,-21 21 16,20-21-16,1 0 0,0 1 0,21-1 0,-21-21 15,0 0 1</inkml:trace>
+  <inkml:trace contextRef="#ctx0" brushRef="#br0" timeOffset="3011.77">6202 2096 0,'0'0'0,"21"-22"0,0 1 0,0 21 0,0-21 15,-21 0-15,22 0 16,-22 0-16,21-1 0,-21-20 15,0 21-15,-21 21 16,-1 0 0,1 0-16,-21 21 0,21 0 15,0 0-15,-22 1 0,22 20 0,0-21 16,0 0-16,0 0 0,21 1 16,0-1-16,0 0 0,0 0 0,0 0 15,21 0-15,0 1 16,0-22-16,0 0 0,22 21 0,-22-21 15,21 21-15,-21-21 0,22 21 0,-22 0 16,0-21-16,0 21 16,0 1-16,-21-1 0,0 21 0,0-21 15,0 0-15,-21 22 0,0-22 16,0 0-16,-22 0 0,1 0 0,0 1 16,-1-1-16,22 0 0,-21-21 15,21 21-15,0-21 0,-1 0 16,1 0-16,42 0 31,1 0-31,-1 0 0,0 21 0,0-21 16,21 21-16,-20 1 0,-1-22 15,0 21-15,0 0 0,0 0 0,0 0 16,-21 22-16,22-22 16</inkml:trace>
+  <inkml:trace contextRef="#ctx0" brushRef="#br0" timeOffset="3429.53">6011 3937 0,'0'0'16,"-21"0"-16,21 21 46,21-21-30,0 21-16,1 1 0,-1-1 16,-21 0-16,21 21 15,0-21-15,-21 1 0,0 20 0,21-21 16,0 21-16,-21-20 0,22 20 16,-22-21-16,21 21 0,0-20 0,-21 20 15,0-21-15,0 0 0,21 0 0,-21 22 16,0-22-16,21 0 0,-21 0 15,0 0-15,0 1 0,0-1 16,-21 0-16,0-21 0,0 21 16,0-21-16,-22 21 0,22-21 15,0 0-15,-21 21 0,20-21 16,1 0-16,0 0 0,21-21 16,0 0-16,0 0 0,0-21 15,21-1-15,0 1 0,22 0 16,-22-22-16,21 1 0</inkml:trace>
+  <inkml:trace contextRef="#ctx0" brushRef="#br0" timeOffset="3711.36">6646 3090 0,'-21'0'0,"42"0"0,-63 0 0,21 0 15,42-21 1,0 21 0,21 0-16,1 0 0,-1 0 15,22 0-15,-22 0 0,21 0 0,1 0 16,-22 0-16,22 0 0,-22 0 0,0 0 16,22 0-16,-43 0 0,21 0 15,1 0-15,-22 0 0,0 0 16,-21 21-16,-21 1 15,-21-22-15,20 0 16,-20 21-16,-21 0 0</inkml:trace>
+  <inkml:trace contextRef="#ctx0" brushRef="#br0" timeOffset="3910.25">6625 3344 0,'0'0'16,"-21"22"-16,0-22 0,0 21 0,21 0 15,0 0-15,21-21 16,0 21-16,0-21 0,21 0 0,1 0 15,20 0-15,-20 0 0,20 0 16,1 0-16,-22 0 0,21 0 16,1 0-16,-1 0 0,-20 0 0,-1 0 15,0-21-15,1 21 0,-1 0 16,-21 0-16,0 0 0,1 0 0,-1-21 16</inkml:trace>
+  <inkml:trace contextRef="#ctx0" brushRef="#br0" timeOffset="4518.89">3598 5630 0,'0'0'0,"-21"0"16,42-21 15,0 0-31,1 21 0,-1-21 0,21 0 16,-21 0-16,22-22 0,-22 22 15,21 0-15,-21-21 0,0 20 0,1 1 16,-1-21-16,-21 21 16,0 0-16,0-1 0,0 1 0,-21 21 15,-1 0-15,-20 0 0,21 0 0,-21 0 16,20 0-16,-20 21 0,0 22 16,-1-1-16,1 0 0,0 1 0,21-1 15,-22 22-15,22-1 0,0 1 16,0-1-16,0-21 0,21 22 0,0-22 15,0 1-15,0-1 0,0 0 16,21-21-16,0 1 0,0-1 0,21 0 16,-20-21-16,20 0 0,0 0 15,1 0-15,20 0 0,-21 0 16,1-21-16,-1 0 0,0-1 0,1-20 16,-22 21-16</inkml:trace>
+  <inkml:trace contextRef="#ctx0" brushRef="#br0" timeOffset="4773.76">4635 4953 0,'0'0'0,"22"-21"0,-22 42 16,0 0-16,0 0 16,0 22-16,-22-22 0,1 42 15,0-20-15,0-1 0,21 22 0,-21-1 16,0 1-16,-1-22 0,1 21 15,0 1-15,0-1 0,0-20 0,0 20 16,-1-20-16,22-1 0,-21 0 16,21-21-16,0 22 0,0-22 0,0 0 15,0 0-15,21-21 16,1 0-16,-1-21 16,0 0-16,21 0 0</inkml:trace>
+  <inkml:trace contextRef="#ctx0" brushRef="#br0" timeOffset="5165.53">5101 5546 0,'0'0'0,"21"-21"15,0-1-15,-21 1 0,0 0 16,0 0-16,-21 21 16,0 0-16,0 0 15,0 21-15,-22 0 0,1 0 0,21 1 16,-21-1-16,20 0 0,-20 21 15,21-21-15,21 1 0,0 41 16,0-42-16,0 0 0,21 1 16,0-1-16,22-21 0,-22 21 15,21-21-15,-21 0 0,22 21 0,-1-21 16,-21 21-16,21-21 16,1 21-16,-22 1 0,0-22 15,-21 21-15,21-21 0,-21 21 0,0 0 16,-21-21-16,0 21 15,0-21-15,-22 21 0,22-21 0,-21 0 16,0 0-16,-22 22 0,22-22 16,21 0-16,-22 0 0,22 0 15,21-22 1,0 1-16,21 0 16,0 0-16,1 0 0,-1 0 15,21-1-15,-21 1 0</inkml:trace>
+  <inkml:trace contextRef="#ctx0" brushRef="#br0" timeOffset="5512.34">5524 5736 0,'22'0'16,"-44"0"-16,65 0 0,-22 0 16,0 0-16,0-21 0,0 21 15,1-21-15,-1 0 16,0 0-16,0-1 0,0 1 0,0 0 15,1 0-15,-1-21 0,0 20 16,-21 1-16,21-21 0,-21 21 0,0 0 16,0-1-16,0 1 0,-21 21 15,0 0-15,-22 0 16,22 0-16,-21 21 0,-22 22 16,43-1-16,-21-21 0,0 22 0,20-1 15,1 0-15,0 1 0,0-1 16,0-21-16,21 21 0,0 1 0,0-22 15,0 0-15,0 0 0,21 0 16,0 1-16,0-22 0,85 21 16,-85-21-16,22 0 0,20 0 15,-21 0-15,1-21 0,-1-1 16,0 1-16,1 0 0,-1 0 16</inkml:trace>
+  <inkml:trace contextRef="#ctx0" brushRef="#br0" timeOffset="6051.54">6964 5419 0,'0'0'0,"21"-21"16,-21-1 0,-21 22-1,0 0-15,-1 0 16,-20 0-16,0 22 0,-1-1 15,1-21-15,0 21 0,-1 0 0,1 0 16,0 0-16,-1 1 0,22-1 16,0-21-16,0 21 0,21 0 15,21-21 1,0 0-16,22 0 0,-22 0 16,21 0-16,0 0 0,1 0 0,-1 0 15,-21 21-15,22 0 0,-1-21 16,-21 22-16,21-22 0,-20 21 0,-1 0 15,-21 0-15,0 0 0,0 0 16,0 1-16,0 20 0,-21-21 16,-22 0-16,22 0 0,-21 1 15,21-1-15,-22 0 0,22-21 0,-21 21 16,21 0-16,-1-21 0,1 0 16,42 0 15,1 0-31,-1 0 15,-21 21-15,21 1 0,0-1 16,-21 0-16,0 0 0,0 0 16,0 0-16,0 22 0,0-22 15,0 0-15,0 21 0,0-20 0,0 20 16,-21-21-16,21 0 0,-21 0 16,21 1-16,0-1 0,0 0 15,21-21 1</inkml:trace>
+  <inkml:trace contextRef="#ctx0" brushRef="#br0" timeOffset="6694.42">6773 7726 0,'0'0'0,"0"-21"0,0 0 0,0-1 15,0 1-15,21 0 16,-21 0-16,22 0 0,20 0 0,-21-1 16,-21 1-16,21 21 0,0 0 15,-21 21 1,0 1-16,0-1 0,-21 0 0,0 21 15,0 1-15,-21-1 0,-1 0 16,22 1-16,-21-1 0,-85 106 16,106-106-16,-1 1 0,1-22 15,21 21-15,0-21 0,0 1 16,0-1-16,21 0 0,1 0 16,20-21-16,0 21 0,1-21 0,-1 21 15,0 1-15,22-22 0,-22 21 16,0 0-16,22 0 0,-22 0 0,1-21 15,-22 21-15,21 1 0,-21-1 0,0 0 16,-21 42-16,-21-20 16,0-22-16,0 0 0,-21 0 15,-1 0-15,1 1 0,0-1 0,-22 0 16,22-21-16,-1 21 0,-20-21 0,21 0 16,-1 0-16,1 0 0,21 0 15,-22-21-15,22 21 0,-21-64 16,42 22-16,0 0 0,0-1 15,0-20-15,0-1 0</inkml:trace>
+  <inkml:trace contextRef="#ctx0" brushRef="#br0" timeOffset="7096.71">7387 6731 0,'0'0'0,"-21"0"0,0 0 0,0 0 16,-1 0-16,1 0 0,0 0 0,21-21 16,21 0-1,0 21 1,22-21-16,-1 21 0,22-22 0,-1 1 15,22 0-15,-1 0 0,1 21 16,0-21-16,-1 0 0,1 21 0,0 0 16,-22 0-16,1 0 0,42 0 15,-85 0-15,21 0 16,-21 0-16,0 0 0,1 21 0,-22 0 16,0 0-1,-22-21-15,1 0 0,0 21 16,-21-21-16,21 0 0,-1 0 15,-41 21-15,-85-21 16,105 22-16,-20-1 16</inkml:trace>
+  <inkml:trace contextRef="#ctx0" brushRef="#br0" timeOffset="7361.56">7302 6964 0,'0'0'0,"0"21"0,0 0 0,0 0 0,0 1 16,0-1-16,22-21 15,20 0-15,-21 0 0,21 0 16,1 0-16,20 0 0,-20 0 16,20 0-16,1-21 0,-1 21 0,1-22 15,20 22-15,-20-21 0,-1 0 16,-20 21-16,20-21 0,-21 0 0,22 21 16,-22 0-16,-21-21 0,22 21 0,-22 0 15,0 0-15,-63 21 31,21-21-31,-1 21 16,-20 0-16,0-21 16,-1 21-16,1 0 0,-21 1 0,20-1 15,-41 0-15</inkml:trace>
+  <inkml:trace contextRef="#ctx0" brushRef="#br0" timeOffset="7594.43">7218 7387 0,'-21'0'0,"42"0"0,-64 21 16,65-21-1,-1 0-15,21 0 16,0 0-16,1 0 0,-1 0 0,64-21 16,-43 0-16,1 21 15,-22-21-15,22 21 0,-1-21 0,1 0 16,-1 21-16,-20-22 0,20 22 0,-21-21 16,1 21-16,-22 0 15,0-21-15,0 21 0,0-21 0,1 21 16,-22-21-1,0 0-15,0-1 16,-22 22-16,1-21 16</inkml:trace>
+  <inkml:trace contextRef="#ctx0" brushRef="#br0" timeOffset="71102.5">10943 1122 0,'-21'0'16,"21"-21"-16,-21 21 16,21-21-1,-21 21-15,21-22 0,-22 22 16,22-21-16,-21 21 0,21-21 15,0 0-15,-21 21 0,21-21 16,-21 21 0,0 0 31,21 21-32,0 0-15,0 0 0,0 0 16,0 1-16,0-1 0,0 0 0,21 0 15,0 0-15,-21 0 16,21 22-16,0-22 0,-21 0 0,22 21 16,-22-20-16,21 20 0,0-21 0,-21 21 15,21 1-15,0-1 0,-21 22 16,21-22-16,1 21 0,-1 1 16,-21-22-16,21 22 0,0-1 0,-21 1 15,21-1-15,0 1 0,-21-1 0,22 1 16,-1-1-16,0 22 0,-21-22 15,21 22-15,0 0 0,22 63 16,-1-63-16,-21-22 0,0 22 16,0-1-16,22 1 0,-22 0 15,21-1-15,-21 1 0,22 0 0,-22-1 16,21 1-16,-21 0 0,22-1 16,41 107-16,-62-106 0,20 20 15,0-20-15,1 0 0,-1-1 16,-21 1-16,21 0 0,1-1 0,-22 1 15,21 0-15,-21-1 0,22-20 0,-22-1 16,21 1-16,-21-1 0,1 1 16,-1-22-16,0 1 0,0-1 0,0-21 15,0 21-15,-21-20 0,0-1 16,0 0-16,22-21 0,-44-21 47,22 0-47,-21-1 0,0-20 0,21 21 15,-21-21-15,21-1 0,0-20 0,-21 20 16,21-41-16,0 20 0,0-20 16,0-1-16,0 0 0</inkml:trace>
+  <inkml:trace contextRef="#ctx0" brushRef="#br0" timeOffset="71760.13">12954 1355 0,'0'0'0,"0"-21"0,21-1 15,0 22 1,-42 22 31,0-1-47,-21 0 16,20 0-16,1 0 0,-21 0 0,21 1 15,-22 20-15,1 0 0,0 1 16,-1-1-16,1 0 0,0 22 0,-1-1 15,1 1-15,0-1 0,-1 1 16,-20 20-16,21-20 0,-22 21 0,1-1 16,-1 22-16,1-21 15,-1 21-15,1-1 0,-22-20 0,21 21 16,1 0-16,-1 0 0,1 21 0,-1-22 16,22 1-16,-21-21 0,20 21 15,-20 0-15,20-1 0,-20 1 0,21 0 16,-22 0-16,22 0 0,-22-22 15,1 22-15,20 0 0,-20-21 0,-43 126 16,64-126-16,-22 21 0,22-21 16,0-1-16,-22 1 0,22 0 15,-1-1-15,1-20 0,0 20 0,-22-20 16,22 21-16,21-22 0,-22-21 16,1 22-16,21-22 0,0 1 15,-22 20-15,22-42 0,21 0 16,-21 1-16,21-1 0,-21 0 0,21 0 15,0-42 32,21 0-31,0 21-16,0-21 0,1-1 0</inkml:trace>
 </inkml:ink>
 </file>
 
@@ -667,7 +1031,7 @@
           <inkml:channelProperty channel="T" name="resolution" value="1" units="1/dev"/>
         </inkml:channelProperties>
       </inkml:inkSource>
-      <inkml:timestamp xml:id="ts0" timeString="2021-02-02T13:33:53.354"/>
+      <inkml:timestamp xml:id="ts0" timeString="2021-02-03T13:11:33.803"/>
     </inkml:context>
     <inkml:brush xml:id="br0">
       <inkml:brushProperty name="width" value="0.05292" units="cm"/>
@@ -675,32 +1039,38 @@
       <inkml:brushProperty name="color" value="#FF0000"/>
     </inkml:brush>
   </inkml:definitions>
-  <inkml:trace contextRef="#ctx0" brushRef="#br0">7451 3556 0,'-22'0'31,"22"-21"-15,-21 21-1,0 0-15,0 0 16,-21 0 0,20 0-16,1 0 0,-63 0 15,62 0-15,-20 0 16,21 0 0,-21 0-16,42 21 15,-22-21 1,44 0 15,-1 0-31,0 0 0,42 0 16,22 0-16,-43 0 0,1 0 15,253-21 1,-63 0 0,-148 0-16,-1-1 0,1 22 15,-22-21-15,149 0 16,63 0-1,-127 21 1,-105 0 0,-22 0-1,-42 0 63,0 0-62,-1 0-16,1 0 0,0 0 16,-42 0-1,20 0-15,1 0 16,0 0-16,20 0 0</inkml:trace>
-  <inkml:trace contextRef="#ctx0" brushRef="#br0" timeOffset="345.8">7705 3620 0,'-43'21'0,"86"-42"0,-107 63 0,22-42 15,-1 21-15,22-21 0,-21 21 32,127-21-17,84 0 1,127-42-1,233-43 17,-402 64-17,22 0 1,-107 0-16,-21 21 0,43 0 16,-43 0-16,0 0 0,-21 21 15,0 0 1,0 21-1,0-20 1,0-1-16,-21-21 16,0 21-16</inkml:trace>
-  <inkml:trace contextRef="#ctx0" brushRef="#br0" timeOffset="2484.1">7154 18711 0,'0'0'0,"-21"22"16,0-22-16,0 21 15,0-21 1,21 21-16,-22-21 0,-20 21 16,21-21-1,-21 0 1,20 21 0,1-21-16,0 0 15,0 0 1,-21 0-1,42-21 17,21 21-17,0-21-15,21 0 0,64 0 16,106-43 0,-43 22-1,254-1 16,-126 1-15,-107 42 0,-126 0-16,42 0 15,21 0 1,-85 0 0,-63 0 30,0 0-30,-1 0-16,-62 0 16,-1 21-1</inkml:trace>
-  <inkml:trace contextRef="#ctx0" brushRef="#br0" timeOffset="2918.67">7112 18944 0,'-64'21'0,"22"1"0,0-22 0,-1 21 16,1 0-16,0-21 0,21 0 16,-22 0-16,1 0 0,21 0 15,-43 0-15,107 0 31,41 0-15,-41 0-16,147 0 16,1 0-1,359-148 17,-275 84-17,-63 1 1,-43 42-16,-105-1 31,-64 1 16,-22 0-31,1 21-16,-21-21 15,-22-43 1</inkml:trace>
-  <inkml:trace contextRef="#ctx0" brushRef="#br0" timeOffset="18654.36">7472 5292 0,'-21'0'0,"-1"0"16,1 0 0,0 0-1,0 0-15,0 0 16,0 0-1,-1 0-15,-20 0 0,21 0 16,0 0-16,-85 0 16,21 0-1,1 0 1,41 0-16,1 0 16,21 0-16,0 0 0,-1 0 31,44 0-16,-1 0-15,21 0 0,0-21 16,1 21-16,20 0 0,-20-22 16,316-41-1,-210 42 1,83 0 0,-83-1-16,-86 22 0,1-21 15,126 0 1,-148 21-1,-63 0 32,0 0-47,21 21 16,-21-21-16,-21 0 0,20 0 0,-41 0 16,-64 0-1,85 0-15</inkml:trace>
-  <inkml:trace contextRef="#ctx0" brushRef="#br0" timeOffset="18936.16">7070 5313 0,'-22'21'0,"44"-42"0,-44 63 16,44-42-1,-1 0-15,63 0 16,149 0-1,233-63 17,-85-1-17,-233 43 1,-42-21 0,-85 42-1,-21 21 16,0 0-31</inkml:trace>
-  <inkml:trace contextRef="#ctx0" brushRef="#br0" timeOffset="20762.47">23516 14944 0,'0'-21'32,"-21"21"-32,21-22 0,0 1 15,0 0-15,-21-21 16,0 42-16,-1-43 16,22 22-1,0 0-15,-21 21 16,0-21-1,21 42 17,0 0-32,0 0 15,0 1-15,0-1 16,0 21-16,0 0 16,0 1-16,0-1 15,0 0-15,0 1 0,0 84 16,0-85-16,64 170 15,-22 21 1,-21-64 0,-21-42-1,0-64-15,21-20 0,-21 232 16,0-169 0,0-64-16,0 43 15,0-64-15,0 64 16,0-64-16,0 21 31,0-63-15,-21 0-1,0-22-15,21 1 0,0 21 16,0-148 0,0 105-1</inkml:trace>
-  <inkml:trace contextRef="#ctx0" brushRef="#br0" timeOffset="21598.37">23283 14901 0,'0'0'0,"-21"0"0,0 0 0,0 0 15,42 0 32,0 0-47,0 0 0,22-21 0,-1 21 16,297-42 0,-22 0 15,-232 42-31,190-43 15,0 22-15,64 0 32,-64 0-32,-169 21 15,0 0 1,-1 21 15,-105 0-31,43 21 16,-43 22-1,0-43 1,0 64 0,0-1-1,0-41-15,0 84 16,0-85-16,0 85 0,0-63 16,0 126-1,21-42 1,0 43-1,0-107-15,0-20 16,-21-22-16,22 149 16,-1-64-1,-21-64 1,-43 1 0,22-43-16,-21 0 15,-43 21-15,1-42 16,41 22-16,-147-22 15,126 21-15,-190-21 16,170 21 0,-22-21-16,-254 21 15,85-21 1,42 21 0,148-21-16,22 0 15,-22 0-15,-42 0 0,-42 0 16,126 0-1,22 0 1,42 0-16,22-21 16,-22 0-16,212-85 15</inkml:trace>
-  <inkml:trace contextRef="#ctx0" brushRef="#br0" timeOffset="22131">26204 14965 0,'0'-21'0,"0"42"0,-21-63 0,0 20 15,21 1-15,-21 0 16,0 0-16,-1 0 16,-20 0-1,42 42 17,0 0-32,0 0 15,0 43-15,0 84 16,21-85-16,-21-20 15,21 84-15,-21-43 16,0 43-16,0-63 0,0 20 16,-42 276-1,0-148 1,-1-85 0,22 63-1,21-147-15,0-1 0,0 64 16,0-85-1,0-42 1,0-43 0,21-126 15,43 21-31,-43 20 16</inkml:trace>
-  <inkml:trace contextRef="#ctx0" brushRef="#br0" timeOffset="22868.57">26204 15007 0,'0'0'0,"-21"-21"0,-64-64 15,43 64 1,42 0 0,64-21-1,20 21 1,255-22 15,-254 43-31,105-21 0,106-21 16,-20 21-1,210-1 17,-380 22-32,21 0 15,-84 0 1,-22 0-16,0 43 31,-21-22-31,21 21 0,-21-21 0,0 43 16,0-22-1,0 1-15,0-1 0,0-21 16,0 127 0,0 0-1,-21-21 1,21-63-16,-21-22 0,21 22 15,0-22-15,0 22 0,0 147 16,0-105 0,0-64-16,0 1 0,21 105 15,0-21 1,-21-106-16,0 21 0,21 64 16,-21-42-1,0-43-15,-21 42 16,-64-20-1,64-43-15,-85 21 16,-63 21 0,21-21-16,63-21 15,-190 22-15,169-22 16,0 0-16,-105 21 0,105-21 16,0 0-16,-211 0 15,-43 0 1,106-21-1,190 21-15,22 0 16,-22 0-16,43 0 0,-42-22 16,63 1-16,21 0 15,169-85 1,-41 43 0</inkml:trace>
-  <inkml:trace contextRef="#ctx0" brushRef="#br0" timeOffset="23407.89">28702 14901 0,'0'0'0,"-21"-21"0,0 21 16,-43-42 0,43 21-16,0 21 0,0 0 15,21-21-15,-22 21 0,1 0 16,21 21 15,0 0-31,0 0 0,0 43 16,0-22-16,0 21 15,0 128-15,0-128 16,21 170 0,-21-63-16,0-86 0,0 1 15,0 148-15,0-170 16,0 212 0,0-84-1,-21-64 1,21-21-1,0-85 1,0-42 15,0-106-15,43-21 0,-1-43-16,-21 128 15</inkml:trace>
-  <inkml:trace contextRef="#ctx0" brushRef="#br0" timeOffset="24118.32">28660 15219 0,'0'0'0,"-43"-21"0,22 0 16,-21-22 0,21 22-1,21 0 1,21 21-16,0-21 0,233 0 15,-42-22 1,-43 22 0,-84 0-16,169 0 15,-170 0-15,1 21 0,148-22 16,-22 22 0,-147 0-16,84 0 15,-63 0 1,-64 0-16,0 22 15,21 20 1,-20 0 0,-1 43-1,0-64-15,-21 0 0,21 0 16,0 149 0,0-86-1,1 22-15,-22-63 16,0-1-16,0 43 15,0-43-15,0 0 0,0 128 16,0-1 0,0-106-16,0 43 15,0-42-15,0 84 16,0-106-16,42 149 16,-42-128-1,0-20-15,21-22 0,-21 63 16,0-41-1,-21-43-15,0 21 0,-170 21 32,43-42-17,-106 0-15,148 21 16,0-21-16,-105 0 0,105 0 16,0 0-16,-296 0 15,148 0 1,169-21-16,-105-21 15,63 21 1,-85-106 0,149 63-1,41 43-15,1-21 16,21-22 0</inkml:trace>
-  <inkml:trace contextRef="#ctx0" brushRef="#br0" timeOffset="25290.2">23368 15642 0,'0'21'0,"21"-21"31,0 0-31,0 0 0,1 0 15,-1 0-15,63-42 16,-20 0 0,-64 21-16,0-43 31,0 43-31,-64 21 31,1 0-31,-1 21 16,64 0-1,-42 85 1,42-85-16,0 64 16,85-22-1,-22-41 1,1-22 0,42-22-1,-43-20 1,-42-21-1,-21-1 1,-21-63 0,-21 85-1,42 21-15,-21 21 16,-22 0 0,43 21-16,0 0 15,0 85 1,0-22-1,0-62-15,43 20 0,-1 21 16,-21-63 0,106 22-1,-63-22 1,-22-22 0,0-41-16,-21 42 15,-21 0-15,0-85 16,-21 0-1,-85-21 1,1 42 0,62 64-16,1 0 15,-191 0 1,64 105 0,84 22-1,64 42 1,21-21-16,0-84 15,42 126 1,43-63 0,42-21-1,-42-64-15,-43-21 16,127-21 0,-63-22-1,0-63 1</inkml:trace>
-  <inkml:trace contextRef="#ctx0" brushRef="#br0" timeOffset="25531.07">24151 15388 0,'0'0'0,"0"-21"16,21 0 15,0 21-31,1 0 15,-1 0-15,85-21 16,21 21-16,-43 0 16,-41 0-1,-65 0 17,1 0-17,0 0-15,0 0 16</inkml:trace>
-  <inkml:trace contextRef="#ctx0" brushRef="#br0" timeOffset="25739.97">24426 15367 0,'-21'0'0,"0"21"16,106-84-16,-191 169 16,169-170-16,-126 233 31,63-147-31,21 62 16,-21 22-1,0-64 1,21 22-1,0-43-15,22-42 47,-22-21-31</inkml:trace>
-  <inkml:trace contextRef="#ctx0" brushRef="#br0" timeOffset="26231.69">24680 15663 0,'21'-21'0,"-42"42"0,64-42 15,-1 0 1,-42-21-16,0-1 31,-42 43 1,20 0-32,-20 43 0,21-22 15,-21 85 1,42-64-1,0 22 1,0-43-16,42 21 16,85-21-1,-21-21 1,21-21 0,-43-21-1,-41-43 1,-43 22-1,0 41 1,0 44 15,0 20-31,0 43 16,0-64 0,-21 42-1,-1-42-15,22 1 0,-21 41 31,21-84 1,0 0-32,0 0 0,0-1 0,0 1 15</inkml:trace>
-  <inkml:trace contextRef="#ctx0" brushRef="#br0" timeOffset="26474.55">25273 15346 0,'0'-21'15,"0"42"-15,0-63 16,0 63 0,0 21-16,0 43 15,0-22 1,0-42-16,0 64 16,0 42-1,0-42 1,0-43-16,0-21 0,0 22 15,21-43 1,0 0 0,-21-22-1,0 1-15,0-21 0</inkml:trace>
-  <inkml:trace contextRef="#ctx0" brushRef="#br0" timeOffset="26670.44">25167 15621 0,'21'0'31,"0"0"-15,1 0-16,20 0 0,-21 0 0,85-42 16,0-1-1,-64 43-15,0-21 0,149-21 31</inkml:trace>
-  <inkml:trace contextRef="#ctx0" brushRef="#br0" timeOffset="27528.41">26733 15558 0,'0'0'0,"0"21"0,22-21 31,-1 0-15,-21-21-16,21-1 0,21-41 15,-42 42 1,0 0-16,0-1 0,0-41 31,-42 63-31,-43 42 16,1 43-1,84-64 1,-22 0-16,1 64 16,21-22-1,0-20 1,21-43-16,1 0 0,-1 0 15,0 0-15,0 0 0,21-43 16,1 1 0,-22-43-1,-21 43 1,0 21-16,0 0 0,0 42 47,0 0-47,0 0 15,0 0-15,0 1 0,0-1 16,42 42 0,22-42-1,-43-21-15,64 0 16,42 0 0,-64-42-1,43 0 1,-85 21-16,0-1 0,0-62 15,-63-107 17,-64 85-32,-21 43 15,64 63-15,-43 0 16,-212 127 15,149 63-15,148-147-16,-43 168 15,64-168-15,0-1 16,64 106 0,21-84-1,42-43 1,21-21-16,-85 0 16,-20-21-16,168-85 15,-105 21 1</inkml:trace>
-  <inkml:trace contextRef="#ctx0" brushRef="#br0" timeOffset="28285.03">27517 15092 0,'-64'0'0,"128"0"0,-149 0 0,64 21 31,21 0-31,63 0 15,1-21 1,20 0 0,-41 0-16,20 0 15,-20 0-15,-43-21 16,-22 0 0,1 21-1,0 0-15,-42 0 16,20 0-1,-20 42 1,42 43 0,21 63 15,0-127-31,0 43 16,0-1-1,0 1 1,0-22-16,63-42 47,1-63-32,-22 20 1,0-41 0,-21 20-1,-42 85 16,21 22-15,-21-22-16,21 21 16,0 1 15,21-43-15,22 0-1,-1-22 1,21-62-1,-41 84 1,-1 0 0,-42 84 31,-22-62-32</inkml:trace>
-  <inkml:trace contextRef="#ctx0" brushRef="#br0" timeOffset="29203.33">29019 15240 0,'-21'21'0,"0"0"16,21 1 0,-21-22-1,0 0 48,21-22-63,-21 22 15,-1 0 1,1 43-16,0 20 16,0 43 15,21-85-16,63 0 1,-20-21 0,41-84 15,-62 20-15,-22 43-16,0 0 15,0 0-15,0 0 16,0 42-1,0 0-15,0 42 16,0-41 0,0 41-16,0-21 15,127 22 17,-43-64-17,1-21 1,0-149 15,-85 86-15,-43-22-1,-41 21 1,-22 22 0,-21 42-1,-64 42 1,64 63-1,0 86 1,85-128-16,42 0 0,-21 170 31,63-106-15,106-43 0,-63-41-1,105-22 1,64-85-1,-127 0 1,-105 43 0</inkml:trace>
-  <inkml:trace contextRef="#ctx0" brushRef="#br0" timeOffset="29444.23">29591 15113 0,'-21'0'0,"42"0"0,-21 0 31,42 0-15,1 0-1,84 0-15,-85-21 16,64 21-16,21 0 31,-127-21 0,-64 21-31,22 0 16</inkml:trace>
-  <inkml:trace contextRef="#ctx0" brushRef="#br0" timeOffset="30064.55">29803 15092 0,'-43'63'16,"22"1"-1,85-191-15,-128 339 0,64-128 16,0-41-16,-21 62 31,0-41-15,21-22-1,21-42 17,21-42-17,-21 21-15,43-43 16,21-20-1,-43 41 1,-21-20 15,-42 84 1,0 0-17,-22 64-15,43-64 16,0 21-1,22-42 1,20 0 0,21 0-1,22-84 17,-64 62-32,22-20 15,-43 21-15,21 21 16,0 0-1,-21 85 17,0-43-17,-21-42 1,21 21 0,84-84 15,-41-1-16,-22 1 1</inkml:trace>
-  <inkml:trace contextRef="#ctx0" brushRef="#br0" timeOffset="30304.49">30353 15261 0,'21'-106'15,"0"-42"1,-21 106 0,-42 338-16,84-571 31,-42 339-31,0 41 15,-42 65 17,42-149-32,0 42 15,0-41 1,0-44 31,0 1-32,0 0-15</inkml:trace>
-  <inkml:trace contextRef="#ctx0" brushRef="#br0" timeOffset="30483.94">30353 15282 0,'0'22'16,"42"-22"30,-21 0-46,-21-22 0,22-20 16,-22-21 0,0 41-16,0 1 0</inkml:trace>
-  <inkml:trace contextRef="#ctx0" brushRef="#br0" timeOffset="35018.24">4932 5482 0,'0'-21'16,"21"21"-16,0-21 16,0 0-16,0 0 15,-21-1-15,22 22 16,-22-21-16,21 0 15,0 0 1,-21 0-16,0 0 16,0-1-1,-21 22-15,0 0 16,-1-21-16,-20 21 0,-106-42 31,42 42-15,43 0-1,-86 21 1,44 43 0,-1-1-1,-21 64 1,84-85-16,-41 64 16,63-85-16,-106 233 31,105-127-16,22-42 1,22 21 0,41-64-1,-21-21 1,-20 1-16,83-1 16,22 0-1,85 21 1,-21-21-1,-43 22 1,212 105 15,-170-63-15,22 63 15,-85-64-31,63 65 31,1 41-15,-107 1 15,-84-43-15,0-42 0,-21 42-1,-148 127 16,63-127-15,0-63 0,-42 21-1,106-85-15,-106 42 16,63-20 0,-42-1 15,106-42-16,21-21 17,42 0-32,127-22 47,-147 22-47,41 21 15,1 0-15,41 0 31,-20 21-31,63 85 32,-63-21-1,-22 21-15,-20 63-1,-43 106 16,0-127-15,0-105-16,-64 105 16,22-21-1,0 0 1,-107 169 15,86-105-15,-22 63-1,85-127 1,-63 84 0,20 1-1,43-149-15,0 86 16,0-86-16,0 85 16,64-21-1,232 233 16,-84-212-15,-85-105 0,106 41-1,63-41 1,-105-43 0</inkml:trace>
+  <inkml:trace contextRef="#ctx0" brushRef="#br0">2984 889 0,'0'0'15,"-21"-21"-15,0 21 32,0-21-32,0 21 0,0 21 15,21 0-15,-22 0 0,22 0 16,-21 22-16,21-1 0,0 0 0,-21 22 15,0-1-15,0-20 0,21 20 16,-21 22-16,-1-22 0,22 22 16,-21-21-16,0 20 0,0 1 0,21 0 15,-21-22-15,0 1 0,-1 20 16,1-41-16,21 20 0,-21-21 0,21 22 16,-21-22-16,21-21 0,0 22 15,-21-22-15,21 0 0,0 0 16,-21 0-16,21 1 0,-22-22 15,22-22 1,0 1-16,0-21 0,0 21 16,0-22-16</inkml:trace>
+  <inkml:trace contextRef="#ctx0" brushRef="#br0" timeOffset="387.77">2942 931 0,'0'0'0,"21"-21"0,-21 0 15,0 0-15,0 0 0,0 0 0,0 42 32,0 0-32,0 0 15,0 21-15,0 1 0,0-1 0,0 0 16,21 22-16,-21-22 0,22 22 15,-22-1-15,0 22 0,0-22 16,21 22-16,-21 0 0,0-1 0,0-20 16,0 21-16,0-22 0,0 22 15,0-22-15,0-20 0,0 20 0,0-21 16,0 22-16,0-43 0,0 21 16,-21 1-16,21-22 0,0 0 15,0 0-15,0 0 0,0 1 16,-22-22-16,1-22 31,21 1-31,0 0 0,0 0 0,0-21 16,-21 20-16,0 1 0,0-21 15</inkml:trace>
+  <inkml:trace contextRef="#ctx0" brushRef="#br0" timeOffset="616.96">2582 1969 0,'0'0'0,"-21"0"15,0 0-15,21-22 0,0 1 32,21 21-32,21 0 15,-20-21-15,20 21 0,-21 0 0,21 0 16,1-21-16,-1 21 0,0 0 16,1 0-16,-1-21 0,-21 21 0,22 0 15,-22 0-15,0 0 0,0 0 16,0 0-16,-21 21 31,0 0-31</inkml:trace>
+  <inkml:trace contextRef="#ctx0" brushRef="#br0" timeOffset="4084.96">3260 2455 0,'0'0'0,"0"22"15,-22-22 1,44-22 15,-1 1-31,-21 0 0,42 0 0,-21 0 16,0 0-16,22-22 0,-22 1 15,21 21-15,1-22 0,-1 1 0,0 0 16,1-1-16,20 1 0,-21 0 16,-20 21-16,20-22 0,0 22 0,-21 0 15,1 0-15,-1 0 0,-21-1 16,-21 22 0,-1 22-1,1-1-15,-21 0 0,21 0 0,0 0 16,-1 0-16,1 1 0,21-1 0,0 0 15,0 21-15,0-21 16,0 1-16,0-1 0,0 0 16,21 0-16,-21 0 0,22 0 0,-1 1 15,0-1-15,0-21 0,0 21 16,0 0-16,1 0 0,-1 0 16,0-21-16,-21 22 0,0-1 15,0 0-15,-21-21 31,0 0-31,-1 0 16,1-21-16,0 21 0,0-21 16,0-1-16,0 22 0,-1-21 15,22 0-15,-21 0 16,21 0-16,-21 21 0,21 21 47,0 0-47,0 0 15,0 0-15,21 1 0,-21-1 0,21-21 16,-21 21-16,0 0 0,0 0 16,22 0-16,-22 1 0,21-22 0,-21 21 15,0 0-15,21-21 0,0 0 16,0 0-16,0 0 0,1 0 0,-1 0 16,0 0-16,21-21 0,1 0 15,-22-1-15,21 1 0,0 0 16,1-21-16,20 21 0,-20-22 0,20 1 15,-21 0-15,1-1 0,20 1 16,-20 21-16,-1-22 0,-21 1 0,0 21 16,0 0-16,1 0 0,-22-1 15,0 1-15,-22 21 16,1 0 0,0 21-16,0 1 0,21-1 0,-21 0 15,0 0-15,21 0 16,0 0-16,0 1 0,0-1 0,0 0 0,0 0 15,0 0-15,0 0 16,0 1-16,21-1 0,0 0 0,0 0 16,0 0-16,0 0 0,-21 1 15,22-22-15,-1 21 0,0-21 0,-21 21 16,21 0 0,-42-21 15,0 0-31,0-21 0,-1 21 0,22-21 15,-21 21-15,0-21 0,0 21 16,0-22-16,0 22 16,-1 0-1,1 0 1,21 22-16,-21-1 16,21 0-16,0 0 15,0 0-15,0 0 0,0 1 16,21-22-16,0 21 0,1-21 15,-1 21-15,21-21 0,-21 0 0,22 0 16,-1 0-16,-21 0 0,21 0 16,22 0-16,-22 0 0,1 0 0,-1-21 15,0 0-15,1 21 0,-22-22 16,21 1-16,0 0 0,-20 0 0,-1 0 16,0-22-16,0 22 15,0 0-15,0-21 0,1 21 0,-22-22 16,0 22-16,0 0 0,0-21 15,0 20-15,0 1 0,0 0 16,-22 21-16,1 0 16,0 0-16,0 0 0,0 0 15,0 21-15,21 0 16,0 1-16,-22-1 0,22 0 0,-21 0 16,21 21-16,-21-20 0,21-1 15,0 0-15,0 0 0,0 0 0,0 0 16,0 1-16,0-1 0,0 0 0,21-21 15,0 21-15,1-21 16,-1 0-16,0 0 0,0 0 0,0 0 16,0 0-16,22 0 0,-22-21 15,0 0-15,21 21 0,-20-21 0,20-22 16,-21 22-16,21 0 0,-20 0 16,-1-22-16,0 22 0,0 0 0,0 0 15,0-21-15,1 20 0,-22 1 16,21 0-16,0 21 15,-21 21 1,0 0 0,0 1-16,0-1 0,0 0 0,0 0 15,0 0-15,0 0 16,0 1-16,0-1 0,0 0 0,21 0 16,0 0-16,0 0 0,-21 1 15,22-1-15,-1-21 0,21 0 0,-21 21 16,0-21-16,22 0 0,-22 0 15,0 0-15,21 0 0,-20 0 0,-1 0 16,0-21-16,21 0 0,-21-1 16,1 1-16,-1 0 0,0 0 0,0-21 15,0-1-15,0 1 0,1 0 16,-1-22-16,21 1 0,-42-1 16,21-21-16,0 22 0,-21-1 0,22 1 15,-22-1-15,0 1 0,0-1 16,0 22-16,0-21 0,0 20 0,0 1 15,0 0-15,0 20 0,0-20 16,0 21-16,-22 0 0,1 21 16,0 21-16,21 21 15,-21-21-15,21 22 0,0 20 16,0-20-16,0 20 0,0 1 16,0-1-16,0 1 0,-21 20 0,21-20 15,0 20-15,0-20 0,0-1 16,0 1-16,0-1 0,0 1 0,0-22 15,0 1-15,0-1 16,0 0-16,0 1 0,0-22 0,0 0 16,21 0-16,0 0 0,0-21 15,0 0-15,1 0 0,-1 0 0,21 0 16,-21-21-16,22 21 0,-22-21 16,21 0-16,0 0 0,-20-22 0,20 22 15,-21 0-15,21-21 0,-20 20 0,-1-20 16,0 21-16,21-43 15,-21 43-15,-21 0 0,0 0 16,0 42 15,-21 0-15,21 0-16,-21 1 0,21-1 0,-21 0 16,0 0-16,21 21 0,0-20 0,0-1 15,0 0-15,0 0 16,0 0-16,0 0 0,0 1 15,21-22-15,0 0 0,0 0 16,0 0-16,1 0 0,-1 0 0,0 0 16,21 0-16,-21 0 0,1-22 15,20 22-15,-21-21 0,0-21 16,0 21-16,1 0 0,-1-1 0,0-20 16,0 21-16,21-43 15,-42 43-15,0 0 0,22 0 0,-22 0 16,0 0-16,21-1 0,-42 44 47,21-1-47,-22 0 0,22 0 15,0 21-15,-21-20 0,21-1 16,0 0-16,0 21 0,0-21 0,0 1 16,0-1-16,0 0 0,0 0 15,0 0-15,21 0 16,1-21-16,-1 22 0,0-22 15,0 0-15,0 0 0,22 0 16,-22 0-16,0 0 0,0-22 0,0 1 16,0 21-16,1-21 0,-1-21 15,0 21-15,0-1 0,0-20 0,0 0 16,-21 21-16,0-22 0,0 1 16,0 0-16,0 20 0,0-20 15,0 21-15,-21 0 0,0 0 0,-21 21 0,21-22 16,-1 22-16,-20 0 15,21 0-15,0 0 0,0 0 0,-1 0 0,1 22 16,21-1 0,-21-21-16,21 21 15,21-21 1,0 0-16,1 0 0,-1 0 16,0 0-16,0 0 0,21 0 15,-20 0-15,-1-21 0,21 21 0,-21 0 16,22 0-16,-1-21 0,-21 21 15,21-22-15,-20 22 0,-1 0 0,21 0 16,-21 0-16,0 0 0,1 0 16,20 0-16,-42 22 0,21-1 15,-21 0-15,0 0 16,0 64 0,0-64-16,0 21 15,-21 1-15,21-22 0,0 0 16,-21 0-16,0 0 0,21 0 0,0 1 15,0-1-15,0 0 0,-22 0 16,22 0-16,0-42 47,0 0-47,0 0 16,0 0-16,0-1 0,22-20 15,-1 21-15,-21-21 0,21 20 0,21-20 16,-21 0-16,1-1 0,20 1 15,21-43-15,-41 43 16,20 21-16,0-21 0,-21 20 16,22 1-16,-1 21 0,0 0 0,-20 0 15,20 0-15,-21 0 0,0 21 0,0 1 16,1 20-16,-22-21 0,0 21 16,0-20-16,0 20 0,0 0 0,0 1 15,0-1-15,0-21 0,0 21 16,0 1-16,-22-22 0,1 0 15,21 21-15,0-20 0,0-1 0,0 0 16,0 0-16,0 0 0,0 0 0,0 1 16,21-22-16,1 21 15,-1-21-15,0 0 0,0 0 16,0 0-16,0 0 0,22-21 0,-22 21 16,42-43-16,-20 22 0,-1 0 15,-21 0-15,22 0 0,-1-22 16,0 1-16,1 21 0,-22-22 15,21 1-15,-21 0 0,22-1 16,-22 1-16,0 0 0,0-1 0,-21 1 16,0 21-16,0 0 0,0 0 15,0-1-15,-21 22 16,0 0-16,0 22 0,-1-22 16,1 21-16,0 0 0,0 21 15,0-21-15,21 1 0,0 20 0,0-21 16,0 0-16,0 0 0,0 1 15,0 20-15,0-21 0,0 0 0,21 0 16,0 1-16,-21-1 16,21 0-16,0-21 0,-21 21 15,22-21-15,-1 21 0,0 0 16,0-21-16,-21 22 16,0-1-16,0 0 15,-21-21 1,0 21-16,0-21 15,-1 21-15,1-21 0,0 0 16,0 0-16,0 21 0,0-21 16,-1 22-16,1-22 31,21-22-15,0 1-1,0 0-15,-21 0 0,21 0 16,0 0-16,0-1 0</inkml:trace>
+  <inkml:trace contextRef="#ctx0" brushRef="#br0" timeOffset="4581.59">7768 1207 0,'0'0'0,"-21"0"0,0 21 0,0-21 16,21 21-16,-22-21 0,22 21 16,22-21-1,-1 0 1,0 0-16,0 0 16,0 0-16,0 0 0,-21-21 15,0 0 1,-21 21-1,0 0-15,0 0 16,0 0-16,0 0 0,-1 0 16,1 0-1,21 21 1,0 0 0</inkml:trace>
+  <inkml:trace contextRef="#ctx0" brushRef="#br0" timeOffset="4924.49">6202 1566 0,'0'0'0,"21"0"31,0 0-31,0 0 16,0 0-16,1 0 15,20 0-15,-21 0 0,21 0 0,-20 0 16,20 0-16,-21 0 0,21 0 15,-20 0-15,20 0 0,-21 0 0,0 0 16,0 0-16,1 0 16,-1 0-16,0-21 31</inkml:trace>
+  <inkml:trace contextRef="#ctx0" brushRef="#br0" timeOffset="5651.6">10922 1842 0,'0'0'16,"-21"0"-16,0 0 0,-1 0 0,1 0 15,0 0-15,0 21 0,0-21 0,0 0 16,-1 0-16,22 21 16,43-21-1,-22 0 1,0 0-16,21 0 0,22 0 15,-22 0-15,1 0 0,20 0 16,1 0-16,-1 0 0,-21 0 0,22 0 16,-1 0-16,-20 0 0,-1 0 15,0 0-15,1 0 0,-1 0 0,-21 0 16,0 0-16,1 0 0,-1 0 16,0 0-16,-42 0 46,0 0-46,-1 0 0,1 0 16,0 0-16,0 0 0,0 0 16,0 0-16,-22 0 0,22 0 0,-21 21 15,-1-21-15,1 0 16</inkml:trace>
+  <inkml:trace contextRef="#ctx0" brushRef="#br0" timeOffset="5932.75">10731 2011 0,'-21'0'0,"42"0"0,-63 0 0,21 0 16,21 21-16,21-21 16,0 0-16,0 0 15,22 0-15,-22 0 0,21 0 16,22 0-16,-22 0 0,22 0 0,-1 0 16,1 0-16,-22 0 15,21 0-15,1 0 0,-22 0 0,22 0 16,-22 0-16,-21 0 0,22 0 15,-22 0-15,0 0 0,-21-21 16,0 0 15,-21 0-15,21-1 0,0 1-16</inkml:trace>
+  <inkml:trace contextRef="#ctx0" brushRef="#br0" timeOffset="6407.48">11536 1545 0,'0'0'16,"0"-21"-16,-21 21 0,-1 0 16,22 21 15,0 0-31,22 1 15,-1-22-15,0 21 0,0 0 16,0-21-16,0 0 0,22 21 16,-22-21-16,21 0 0,1 0 0,-22 0 15,21 21-15,-21-21 16,22 0-16,-22 0 0,0 0 0,0 0 16,0 21-16,0-21 0,-21 22 15,0-1-15,0 0 16,0 0-16,-21 0 0,0 0 15,0 1-15,-21-1 0,-1 21 16,22-21-16,-21 22 0,-1-22 0,1 21 16,21-21-16,-21 22 0,-1-22 15,22 21-15,-21-21 0,21 0 0,-22 22 16,22-22-16,0 21 16,0-21-16,0 1 0,21-1 15,-22-21-15,22 21 0,0 0 16,0-42 46,0 0-62,22 0 16,-1-1-16</inkml:trace>
+  <inkml:trace contextRef="#ctx0" brushRef="#br0" timeOffset="8130.84">13039 1376 0,'0'0'0,"0"-21"16,0 0-16,0-1 15,0 1 1,21 0-16,0 0 0,0 0 15,0 0-15,-21-1 0,21 22 16,1-21-16,-1 21 0,21 0 16,-21 0-16,22 0 15,-22 0-15,0 21 0,0 1 16,0 20-16,0-21 0,1 21 0,-1 1 16,0-1-16,0 22 0,0-1 15,-21-21-15,21 22 0,-21-1 16,0 1-16,0-1 0,0 1 0,0-1 15,0 1-15,0-22 0,0 1 16,0-1-16,0 21 0,0-41 16,0-1-16,0 0 15,0-42 1,0 0 0,0-22-16,0 22 15,0-21-15,0-22 0,0 22 0,22-22 0,-1 1 16,0-22-16,-21 1 0,21 20 15,0-21-15,0 1 0,1 20 16,-1-20-16,-21 20 0,21 1 0,0-1 16,0 22-16,-21-1 0,0 1 15,0 21-15,0 0 0,0 42 16,0 21 0,0-21-16,0 43 0,0-22 15,-21 64-15,0-42 0,21-1 16,-21 1-16,0 20 0,-1-20 15,22-1-15,-21 22 0,0-22 0,0 1 16,0-1-16,21-20 0,0 20 16,0-20-16,0-1 0,0-21 0,0 21 15,21-20-15,0-1 0,0 0 0,0 0 16,1-21-16,20 0 0,0 0 16,-21 0-16,22 0 0,-1 0 15,22-21-15,-22 0 0,0 0 16,1-1-16,-1 1 0,21-21 0,-20 21 15,-22-22-15,21 1 0,1 21 0,-22-21 16,0-1-16,0 1 0,0 0 16,-21-1-16,0 1 0,0 21 0,0 0 15,0-22-15,0 22 16,-21 21 0,0 21-16,0 0 15,0 1-15,-1 20 0,-20-21 0,21 21 16,0 1-16,0-1 0,-1 0 15,22 1-15,-21-1 0,0 0 16,21-20-16,-21 20 0,21 0 0,0-21 16,0 1-16,0-1 0,0 0 0,0 0 15,21-21-15,0 21 0,0-21 16,22 0-16,-22 0 0,21 0 0,-21 0 16,22-21-16,-1 0 0,0 0 15,1 0-15,-1-1 0,0 1 16,-20 0-16,20-21 0,0 21 0,-21-22 15,22 1-15,-22 0 0,0 20 0,-21-20 16,0 21-16,0-21 0,0-1 16,0 22-16,0 0 15,-21 21-15,0 0 16,0 0-16,-1 0 16,22 21-1,22-21 1,-1 0-16,0 0 0,21 0 15,-21 0-15,1 0 0,-1 0 0,21 0 16,-21 0-16,0 0 0,1 0 16,-1 0-16,-21 21 0,0 0 15,0 1-15,0 20 0,0-21 16,0 0-16,0 22 0,-21-22 0,-1 21 16,1-21-16,0 22 0,0-22 15,0 21-15,0-21 0,21 0 16,0 1-16,0-1 0,0 0 0,0 0 15,0 0-15,21-21 0,0 21 16,21-21-16,-21 0 0,22 0 16,-1 0-16,0-21 0,1 21 0,-1-21 15,0 0-15,1 0 0,-1 0 16,-21-22-16,22 22 0,-22 0 0,21-21 16,-21-1-16,0 22 0,-21-21 15,22 21-15,-22-1 0,0-20 0,21 42 16,-21-21-16,0 0 0,-21 42 31,-1 0-31,22 0 0,-21 0 16,21 1-16,0 20 0,-21-21 0,21 0 15,-21 0-15,21 22 16,0-22-16,0 0 0,0 0 0,0 0 0,0 1 16,0-1-16,0 0 15,21-21 1,0 0-1,-21-21-15,21 0 16,-21-1-16,0 1 0,0 0 0,22-21 16,-22 21-16</inkml:trace>
+  <inkml:trace contextRef="#ctx0" brushRef="#br0" timeOffset="8319.73">15515 1545 0,'0'0'15,"-21"0"-15,21-21 0,-21 21 0,0 0 16,-1 0-16,1 0 16,0 0-1,0 21-15,21 0 16,0 1-16,0-1 16,0 0-16,0 0 15,0 0-15,21 0 0</inkml:trace>
+  <inkml:trace contextRef="#ctx0" brushRef="#br0" timeOffset="11920.01">15621 2307 0,'0'0'0,"21"0"16,0-21-16,0 21 15,22-21-15,-22 0 0,21 0 16,1-22-16,-1 22 0,0-21 16,1-1-16,-1 1 0,0 0 0,1-1 15,-1-20-15,-21-1 0,21 22 16,-20-21-16,-1-1 0,0 22 0,0-1 16,-21 1-16,0 0 0,0 21 15,0-22-15,0 22 0,0-21 16,-21 21-16,0-1 15,0 22-15,-1 0 16,1 22-16,0 20 16,21-21-16,0 0 0,-21 22 0,0 20 15,0-21-15,21 22 0,-22-1 16,1 1-16,21-1 0,-21 1 16,0-1-16,0 22 0,0-21 0,-22 20 15,22 1-15,0 0 0,0-1 16,-22 22-16,22 0 0,-21-21 0,0 20 15,20 22-15,-20-21 0,0 0 0,21 0 16,-22 21-16,22-42 0,-21 20 16,21 1-16,-1-21 0,1 0 0,0-22 15,21 1-15,0-1 0,0 1 16,0-22-16,0 0 0,21-21 0,0 22 16,1-43-16,-1 21 0,21 0 15,-21-21-15,0 0 0,22 0 0,-22 0 16,0-21-16,21 0 0,-20 0 0,20-1 15,0-20-15,1 21 0,-1-21 16,0-1-16,1 1 0,-22-22 0,21 22 16,0-21-16,-20-1 0,-1 22 0,0-43 15,-21 22-15,0-22 0,0 21 16,0-20-16,-21-1 0,0 0 0,-22 1 16,1-1-16,0 0 0,-22 22 15,22-1-15,-1 1 0,-20-1 16,21 22-16,-1 0 0,22-1 0,-21 22 15,42 0-15,-21 0 0,21 0 16,21 21 0,21-21-1,-21 21-15,0 0 0,22-22 0,-1 22 16,0-21-16,1 0 0,-1 21 16,0-21-16,22 0 0,-22-22 15,1 22-15,20 0 0,-21-21 0,1 21 0,-1-22 16,0 1-16,-20 0 15,20-1-15,-21 22 0,0-21 0,0-1 16,-21 22-16,22-21 0,-22 21 16,0 0-16,0-1 0,0 1 0,0 0 15,0 42 1,0 0 0,0 1-16,-22-1 0,22 21 15,0-21-15,-21 0 0,21 22 0,0-22 16,0 0-16,0 0 0,0 0 0,0 1 15,0-1-15,0 0 0,21 0 16,1-21-16,-1 21 0,0-21 16,0 0-16,0 0 0,0 0 15,1 0-15,-1-21 0,0 0 16,0 21-16,0-21 0,0-22 0,1 22 16,-1 0-16,0-21 0,0 21 15,0-22-15,0 22 0,1 0 0,-22-21 16,21 20-16,0 1 0,0 0 15,0 21 1,0 0 0,-21 21-16,0 0 15,0 1-15,0-1 16,0 0 0,22-21-1,-22-21 1,0 0-16,0-1 15,0 1-15,0 0 16,0 0-16,0 0 16,0 0-16,-22 21 15,1 0-15,0 0 16,0 0-16,0 21 0,21 0 16,-21 0-16,-1 0 0,1 22 0,0-22 15,0 21-15,21-21 0,0 22 16,-21-22-16,21 21 0,0-21 0,0 22 15,0-22-15,21 0 0,-21 0 16,21 0-16,0 0 0,0 1 0,1-22 16,20 21-16,-21-21 0,0 0 15,0 0-15,22 0 0,-22 0 16,0 0-16,0-21 0,22-1 0,-22 22 16,0-42-16,0 21 0,0 0 15,0-22-15,1 22 0,-1-21 0,0 0 16,0-1-16,0 22 0,0-21 0,1-1 15,-1 22-15,0 0 0,0 0 16,0 0-16,0 0 0,1 21 0,-1 0 16,0 0-16,0 0 15,0 0-15,0 0 0,-21 21 0,0 0 0,22 0 16,-22 0-16,21 22 16,-21-22-16,0 0 0,0 0 0,0 21 15,0-20-15,21-1 16,-21 0-16,0 0 15,21-21 1,-21-21 0,0 0-16,0 0 0,0-1 15,0 1-15,0 0 0,0 0 16,0-21-16,0 20 0,0 1 0,0 0 16,0 0-16,-21 0 0,0 21 15,21-21-15,-21 21 0,-1-22 0,1 22 16,0 0-16,0 0 0,0 0 15,-22 22-15,22-1 0,-21 0 16,21 21-16,0-21 0,-22 22 0,22-1 16,0 0-16,0-20 0,0 20 15,21 0-15,-22 1 0,22-22 0,0 0 16,0 21-16,0-21 16,0 1-16,22-22 0,-1 21 0,0-21 0,0 0 15,0 0-15,0 0 0,1 0 16,20 0-16,-21 0 0,21 0 0,-20-21 15,20-1-15,-21 1 0,21 0 16,-20-21-16,-1 21 0,0-22 16,0 1-16,0 0 0,0-1 0,1 22 15,-1-21-15,-21 21 0,0-22 16,0 22-16,0 0 0,0 42 31,0 0-31,0 0 0,-21 1 0,-1-1 16,1 21-16,21-21 0,0 22 0,0-1 15,0-21-15,0 21 0,0-20 16,0-1-16,0 0 0,0 0 0,0 0 16,0 0-16,21 1 0,1-22 15,-1 0-15,0 21 0,0-21 16,0 0-16,0 0 0,1 0 0,20-21 16,-21-1-16,0 22 0,22-42 15,-22 21-15,21-21 0,22-43 16,-43 43-16,0-22 0,21 22 15,-21-22-15,1 1 0,-1-1 0,0 1 16,-21-1-16,0 1 0,21-1 16,-21 22-16,0-22 0,21 22 0,-21 0 15,0-1-15,0 22 0,0-42 16,0 84 0,0 0-1,0 0-15,-21 22 0,21-1 16,-21 0-16,21 22 0,0-22 15,-21 22-15,0-1 0,-1 1 0,22-1 16,0 1-16,-21-1 0,21 1 16,-21-1-16,21-21 0,0 1 0,0-1 15,0 0-15,0 1 0,0-22 0,0 21 16,21-21-16,0-21 0,1 22 16,-1-1-16,0-21 0,0 0 0,0 0 15,22 0-15,-22 0 0,21 0 16,-21-21-16,0-1 0,22 1 0,-22 0 15,0 0-15,0-21 0,0 20 16,22-20-16,-43 0 0,21-1 0,0 22 16,0-21-16,-21 0 0,0 20 15,0 1-15,0 0 0,0 0 16,0 42 0,0 0-1,-21 22-15,21-22 0,-21 0 0,21 21 16,-21-21-16,21 22 0,0-22 15,0 21-15,0-21 0,0 1 0,0-1 16,0 0-16,21 0 16,0 0-16,0-21 0,0 0 0,1 0 15,-1 0-15,21 0 0,-21 0 0,0 0 16,1 0-16,-1-21 16,21 0-16,-21 0 0,0 0 0,1-22 15,-1 22-15,0-21 0,0 21 16,-21-22-16,21 22 0,-21-21 0,21 21 15,-21-1-15,0 1 0,0 42 32,-21 1-32,0-1 15,21 0-15,0 0 0,-21 21 16,0-20-16,21-1 0,0 21 16,-21-21-16,21 0 0,0 1 0,0-1 15,0 0-15,0 0 0,0 0 16,21 0-16,0-21 0,0 0 15,0 0-15,0 0 16,1 0-16,-1 0 0,0 0 16,0-21-16,0 0 0,-21 0 15,0 0-15,21 0 0,-21-1 0,22-20 16,-22 21-16,0-21 0,0 20 16,0-20-16,0 21 0,0 0 0,-22 0 15,1-1-15,0 1 16,0 21-16,0 0 15,0 0-15,42 0 47,0 0-47,0 0 16,0-21-16,22 21 0,-22 0 0,0-21 16,0 21-16,0 0 0,0 0 15,1 0-15,-1-21 0,0 21 0,0 0 16,0 0-16,-21 21 15,0 0-15,0 0 0,0 0 16,0 22-16,0-22 16,0 0-16,0 0 0,0 0 0,0 22 15,0-22-15,0 0 0,0 0 0,0 0 16,0 1 0,0-1-16,0 0 0,0 0 15,0-42 32,0 0-47,0 0 16,21-22-16,1 22 0,-1 0 15,0 0-15,0 0 0,0-22 16,0 22-16,1 0 0,-1 0 16,42-43-16,-20 43 0,-22 0 15,0 0-15,21 0 0,-21 21 0,1 0 16,-1 0-1,-21 21-15,0 0 16,0 0-16,0 43 0,0-43 16,-21 21-16,21-21 0,0 0 15,-22 22-15,22-22 0,0 0 0,0 0 16,0 22-16,0-22 0,0 0 16,22 0-1,-1 0-15,0-21 0,0 0 0,0 0 0,0 0 16,1 0-16,-1 0 15,21 0-15,-21-21 0,22 21 0,-22-21 16,0 0-16,21 0 0,-21-22 16,22 22-16,-22-21 0,0-1 0,0 1 0,0 21 15,1-21-15,-1-1 16,-21 22-16,0 0 0,0-21 0,0 20 16,-21 22-1,-1 0-15,1 0 0,0 0 0,0 22 16,0 20-16,0 0 15,21-21-15,-22 22 0,22-22 0,0 0 16,0 21-16,0-20 0,0-1 0,0 21 16,0-21-16,0 0 0,0 1 15,43 41-15,-43-42 16,0 0 0,0 1-16,0-1 0,0 0 15,-21-21 1,-1 0-16,1 0 15,0 0 1,0 0-16,0 0 16,21-21-16,-21 21 0,21-21 15,-22 21-15,1-22 0,21 1 0,0 0 16,-21 0-16,21 0 0,-21 0 16</inkml:trace>
+  <inkml:trace contextRef="#ctx0" brushRef="#br0" timeOffset="12207.91">19283 1143 0,'-21'0'15,"42"0"-15,-64 0 0,43-21 16,-21 21 0,0 0 31,0 21-32,0-21 1</inkml:trace>
+  <inkml:trace contextRef="#ctx0" brushRef="#br0" timeOffset="12499.74">17907 1503 0,'0'0'0,"21"0"16,21 0-16,-20 0 16,20-21-16,0 21 0,1-21 15,-1 21-15,0-22 0,22 22 0,-22 0 16,0 0-16,22-21 0,-22 21 16,1 0-16,-1 0 0,0 0 0,1 0 15,-22 0-15,0 0 0,0 0 16,0-21-16,-42 21 31,0 0-31,0 0 0,0-21 16,-1 21-16</inkml:trace>
+  <inkml:trace contextRef="#ctx0" brushRef="#br0" timeOffset="12916.51">17293 1249 0,'0'0'0,"0"21"0,-21 0 16,21 0-16,0 1 15,0-1 1,21-21 0,0 0-16,0 0 0,1 0 15,-1-21-15,0 21 0,-21-22 16,21 22-16,-21-21 0,0 0 16,21 0-16,-21 0 0,0 0 15,0-1 1,-21 22-1,0 0-15,21 22 16,0-1-16,-21 0 16,21 0-16,0 0 0,-21-21 0,-1 43 15,1-22 1,0 0-16,0 0 0</inkml:trace>
+  <inkml:trace contextRef="#ctx0" brushRef="#br0" timeOffset="28783.76">5736 3154 0,'0'0'0,"42"-21"16,1 0-16,-1-1 0,0-20 0,1 21 15,-22 0-15,21 0 0,1-1 16,-22 1-16,21 0 0,-21 21 16,0-21-16,1 21 0,-22-21 0,-22 21 31,-20 21-31,21 0 0,-21 0 15,-1 22-15,-20-22 0,20 21 0,-20 22 16,-1-22-16,-20 21 0,20 1 16,-20 21-16,20-22 0,-21 22 0,-20-22 15,20 22-15,0-22 0,-21 22 16,1 0-16,-1-1 0,0-20 16,21 21-16,-21-22 0,22 1 0,20-1 15,-20 1-15,20-1 0,1-21 16,20 1-16,-20-22 0,20 21 15,1-21-15,21 1 0,0-1 0,0-21 16,-1 0-16,1 0 0,21-21 16,0-1-16,0 1 15,0 0-15,21 0 0,1 0 0,-1 0 16,0-22-16,0 1 0,0 21 16,0-22-16,22 1 0,-22 0 15,0-1-15,21 1 0,-20 0 0,20-1 16,-21 1-16,0 0 0,22 21 15,20-64-15,-42 64 0,0 0 16,1-1-16,-22 1 0,0 0 16,0 42-1,-22 0-15,1 1 16,-21-1-16,21 21 0,-22-21 0,22 22 16,-21-1-16,0 0 0,20 1 15,-20-1-15,0 0 0,-1-21 0,22 22 16,-21-1-16,21-21 0,0 0 15,-1 1-15,1-22 0,21 21 16,21-21 15,1 0-31,-1 0 16,21 0-16,-21 21 0,22-21 0,-1 21 16,-21-21-16,21 21 0,22 0 15,-22-21-15,1 22 0,-1-1 0,43 0 16,-64 0-16,21-21 15,-21 21-15,0 0 0,1-21 0,-1 22 16,0-22-16,0 21 0,0-21 16,0 0-16,1 0 0,-1 0 15,0 0-15,21-21 0,-21-1 0,22-20 16,-1 21-16</inkml:trace>
+  <inkml:trace contextRef="#ctx0" brushRef="#br0" timeOffset="29596.63">7112 2879 0,'0'0'0,"-21"-21"0,21-1 16,0 1-16,-21 0 0,42 42 31,0 0-15,0 1-16,0-1 0,22 21 16,-22 0-16,63 43 0,-20-21 15,-22-1-15,22 1 0,-1-22 16,1 21-16,20 1 0,-20-1 0,-1 1 15,22-1-15,-21 1 0,20-1 16,-20-20-16,-1 20 0,1 1 16,-1-1-16,-20-20 0,20 20 0,-21-21 15,1 1-15,-1-1 0,-21 0 0,22 1 16,-22-22-16,21 21 0,-21-21 16,0 1-16,1-1 0,-1 0 0,0-21 15,0 21-15,0-21 16,0 0-1,-21-21-15,22 0 0,-22 0 16,0-22-16,0 22 16,0 0-16,0-21 0,-22 20 0,1-20 15,0 0-15,0-1 0,0 22 16,0-21-16,-1 0 0,1 20 0,0 1 16,0 0-16,0 0 0,0 21 15,21-21-15,-22 21 0,1 0 16,21 21-1,0 0-15,0 0 16,0 0-16,21 1 0,1-1 16,-1 0-16,21 0 0,-21 0 15,22 0-15,-22 1 0,21-1 0,0-21 16,-20 21-16,20 0 0,-21 0 16,0-21-16,0 21 0,1 1 0,-22-1 15,0 0-15,0 0 0,0 0 16,-22 0-16,1 1 0,-21-1 15,21 0-15,-22 0 0,1 0 16,0 0-16,-1 1 0,1-1 0,21 0 16,-21 0-16,-1 0 0,22 0 15,-21 1-15,21-1 0,-1-21 0,1 21 16,0-21-16,0 0 16,0 0-1,0-21 1,-1 21-16,22-21 0,-21 21 15,0 0-15</inkml:trace>
+  <inkml:trace contextRef="#ctx0" brushRef="#br0" timeOffset="30251.37">1058 5334 0,'0'0'16,"-21"-21"-16,0-21 16,0 20-16,21 1 0,-21 21 0,-1 0 15,1 0 1,21 21-16,-21 1 0,21 20 15,-21 0-15,21 1 0,0 20 16,0 1-16,0-1 0,-21 22 16,21-1-16,-21-20 0,-1 21 0,1-22 15,0 22-15,21-22 0,-21 1 16,0-1-16,0 1 0,-1-22 16,1 0-16,21 1 0,0-1 0,0-21 15,0 0-15,0 1 0,0-44 31,0-20-31,0 21 16,0-21-16,0-1 0,21 1 16,-21 0-16</inkml:trace>
+  <inkml:trace contextRef="#ctx0" brushRef="#br0" timeOffset="30538.2">1122 5376 0,'42'-42'16,"0"-21"-1,-20 41-15,-22 44 16,0-1-16,0 0 0,0 21 16,-22 22-16,22-22 0,0 22 15,0-1-15,-21 22 0,21-22 0,-21 1 16,21 20-16,-21-20 16,0-1-16,21 1 0,-21-22 0,-1 22 15,22-22-15,0 0 0,-21 1 16,0-1-16,21-21 0,-21 0 0,21 22 15,0-22-15,0 0 16,-21-21-16,0-21 16,21 0-16,-22 0 15,1-1-15,0 1 0,21 0 16,-21 0-16,0-21 0</inkml:trace>
+  <inkml:trace contextRef="#ctx0" brushRef="#br0" timeOffset="30733.09">614 6181 0,'0'0'16,"21"0"0,0 0-1,0 0-15,0 0 0,64-21 16,-43 21-16,1-22 16,-1 22-16,0-21 0,1 0 0,-1 21 15,0-21-15,-20 21 0,-1 0 16,21-21-16,-21 21 0,0 0 15,-21-21-15,22 21 0,-1 0 16</inkml:trace>
+  <inkml:trace contextRef="#ctx0" brushRef="#br0" timeOffset="32167.27">1630 6265 0,'21'0'0,"-42"0"0,63 0 0,-21 0 16,0 0-16,-21-21 0,0 0 16,0 0-16,0 0 15,0 0-15,0-22 0,0 22 0,0 0 16,0-21-16,0 20 0,-21-20 16,0 21-16,0 0 0,0-22 0,0 22 15,-1 21-15,1-21 0,0 21 16,0 0-16,0 0 0,0 21 15,-1 0-15,1 1 0,0-1 16,0 21-16,0 0 0,0 1 0,-1-1 16,22 0-16,-21 22 0,0-22 15,0 1-15,21 20 0,0-21 16,0 1-16,0-1 0,0-21 0,0 22 16,0-22-16,0 0 0,21 0 15,0-21-15,0 0 0,1 0 0,-1 0 16,0 0-16,21-21 0,-21 0 15,1 0-15,20-1 0,-21-20 16,0 21-16,22-21 0,-22-1 0,0 22 16,0-21-16,0-1 0,0 1 15,1 21-15,-22-21 0,21-1 16,-21 22-16,21 0 0,-21 0 0,0 0 16,0 42 15,0 0-31,0 0 15,0 21-15,0-20 0,-21 20 16,21-21-16,-21 0 0,21 22 0,0-22 16,0 0-16,0 21 15,0-21-15,0 1 0,21-1 0,0-21 16,0 0-16,0 0 16,0 0-16,22 0 0,-22 0 15,0-21-15,21-1 0,-20 1 16,-1-21-16,21 21 0,0-43 15,-20 43-15,-1 0 0,0-21 16,0 20-16,-21 1 0,0 0 0,0 0 16,-21 21-1,0 0-15,0 0 0,-1 0 16,1 0-16,0 21 0,0 0 16,0-21-16,21 21 0,0 1 0,0-1 15,0 0 1,21 0-16,0 0 0,21-21 15,-20 21-15,-1 1 0,0-22 16,21 21-16,-21 0 0,1 0 0,-1 0 16,0-21-16,0 21 0,-21 1 15,0-1-15,21 0 0,-21 0 0,0 0 16,0 0-16,0 1 0,21-1 16,-21 0-16,0 21 15,22-42-15,-1 21 0,0-21 0,0 0 16,0 0-16,0 0 0,22 0 15,-22 0-15,21 0 0,1 0 0,-22-21 16,21 21-16,0-21 16,1 0-16,20-21 0,-20 20 0,-1 1 15,0 0-15,1-21 0,-22 21 16,21-22-16,-21 22 0,0-21 0,1 21 16,-1-1-16,-21 1 0,21 0 0,-21 0 15,0 0-15,0 0 0,0-1 16,-21 22-16,0-21 0,-1 21 15,1 0-15,0 0 0,-21 0 16,21 21-16,-1 1 0,1-1 0,-21 0 16,21 0-16,0 0 0,-22 0 15,22 22-15,0-22 0,0 21 16,0-21-16,21 22 0,0-22 16,0 0-16,0 21 0,0-20 15,0-1-15,21 0 16,0-21-16,0 0 0,0 0 15,0 0-15,1-21 0,-1 0 0,21 21 16,-21-22-16,0-20 0,22 21 16,-22 0-16,0-22 0,21 1 0,-20 0 15,20-1-15,-21-20 0,21 21 16,-20-22-16,-1 1 0,21-1 0,-21 22 16,0-22-16,1 1 0,-1-1 15,0 22-15,0-22 0,-21 22 16,21 21-16,-21-21 0,21 20 0,-21 1 15,0 0-15,0 42 32,-21 0-32,21 22 15,-21-1-15,0 0 0,21 1 0,-21 20 16,21 1-16,-21-22 0,-1 22 16,22-1-16,-21 43 0,21-64 15,0 1-15,0-1 0,0 0 0,0-21 16,0 22-16,0-22 0,0 0 15,0 0-15,0 0 0,21 1 16,1-22-16,-1 0 16,0 0-16,0 0 0,0 0 15,0-22-15,-21 1 16,22 0-16,-1 0 0,-21 0 16</inkml:trace>
+  <inkml:trace contextRef="#ctx0" brushRef="#br0" timeOffset="34300.97">4254 6181 0,'0'0'0,"22"-85"16,-22 43-16,0 21 16,0-22-16,0 1 0,0 21 0,0-22 15,-22 22-15,1-21 0,0 21 16,0 0-16,0 21 0,0-22 0,-1 22 16,1 0-16,0 0 0,-21 22 15,21-1-15,-1 0 0,1 21 16,-21 1-16,21-1 0,0 0 0,-1 1 15,1-1-15,-21 0 0,21 1 16,0-1-16,21 0 0,0 1 0,-22-22 16,22 21-16,0-21 0,0 0 15,22 1-15,-1-1 0,0-21 16,0 0-16,0 0 0,0 0 16,22-21-16,-22-1 0,0 1 0,0 0 15,22 0-15,-22 0 0,0 0 0,21-22 16,-21 22-16,1-21 0,-1-1 15,21 1-15,-21 0 0,0-1 16,1 1-16,-1 0 0,-21 21 0,0-22 16,21 22-16,-21 0 0,0 0 15,0 42 1,-21 0 0,0 21-16,21-20 0,0-1 0,-22 21 15,1 0-15,21-20 0,-21 20 16,21 0-16,0-21 0,0 22 0,0-22 15,0 21-15,0-21 0,0 1 0,0-1 16,0 0-16,21 0 0,0-21 16,1 0-16,-1 21 0,0-21 0,0 0 15,0 0-15,0 0 0,22-21 16,-22 0-16,21 0 0,1 0 16,-22-1-16,21 1 0,0 0 0,-20-21 15,20-1-15,-21 22 0,21-21 16,-20 0-16,-1-1 0,0 22 0,0-21 15,0 21-15,-21-1 0,0 1 0,-21 42 32,0-21-32,0 22 0,0 20 15,-1-21-15,22 0 0,0 22 16,-21-22-16,21 0 0,0 21 0,0-21 16,0 1-16,0-1 0,21 0 0,1 0 15,-22 0-15,21 0 0,0 1 16,0-1-16,-21 0 0,-21-21 47,0 0-32,0 0-15,21-21 0,-22 0 16,1 21-16,0-22 0,0 22 0,0-21 16,0 21-16,-1 21 31,22 1-31,-21-1 0,21 0 15,0 0-15,0 0 0,0 0 16,0 1-16,21-22 0,1 21 16,-1-21-16,0 0 15,21 0-15,-21 0 0,1 0 16,20 0-16,0 0 0,-21 0 0,22-21 16,-1-1-16,0 22 0,-20-42 0,20 21 15,0 0-15,1 0 0,-22-22 16,21 22-16,-21-21 0,22-1 0,-22 1 15,0 21-15,0-21 0,0-1 0,-21 1 16,0 21-16,0 0 0,0-1 16,-21 22-1,0 0-15,-21 64 16,42-43 0,-22 0-16,22 0 0,0 22 0,0-22 15,0 0-15,0 0 0,0 22 16,0-22-16,0 0 0,22 0 0,-1 0 15,-21 0-15,21-21 0,-21 22 16,21-1-16,0 0 0,-21 0 16,-21-21 31,0 0-47,0 0 0,0 0 0,-1 0 15,1 0 1,0 0-16,0 0 15,0 0-15,21 21 16,0 0-16,0 1 16,0-1-1,21-21-15,0 21 16,0-21-16,0 0 0,22 0 0,-22 0 16,0 0-16,21 0 0,-20 0 0,20 0 15,-21 0-15,21 0 0,-20-21 16,20 21-16,-21-21 0,0-1 15,0 22-15,22-21 0,-22 0 0,-21 0 0,21 0 16,0-22-16,0 22 16,-21 0-16,0 0 0,0-21 0,22 20 15,-22 1-15,0 0 0,0 42 32,0 0-17,-22-21-15,1 22 0,21 20 0,-21-21 16,21 0-16,-21 0 0,21 1 15,0-1-15,0 0 0,0 0 16,0 0-16,0 0 16,21-21-16,0 0 15,0 0-15,1 0 0,-1-21 16,0 21-16,0-21 0,0 0 16,0 21-16,1-21 0,-1 0 15,0-1-15,0 1 0,21-21 16,-20 21-16,-22 0 0,21 21 15,-21-22-15,0 44 16,0-1 0,0 0-16,0 0 15,0 0-15,-21 0 0,21 1 0,0-1 16,0 0-16,0 0 0,0 0 0,0 0 16,0 1-16,21-1 15,0-21-15,0 0 0,0 0 0,0 0 16,1 0-16,-1 0 0,0 0 15,0-21-15,21-1 0,-20 22 16,-1-21-16,21 0 0,-21-21 0,0 21 16,22-22-16,-22 22 0,0-21 0,0-22 15,0 22-15,1-22 0,-1 1 16,21-1-16,-21 1 0,0-22 0,1 22 16,-1-1-16,0 1 0,0-1 0,-21 1 15,21-22-15,-21 64 16,0 0-16,0 0 0,-21 42 15,0 0 1,0 0-16,0 21 0,-1 1 16,1 20-16,0-20 0,0 41 0,0-20 15,0-1-15,21 1 0,-22-1 16,1 1-16,21-1 0,0 1 0,-21-22 16,21 22-16,-21-22 0,21 0 15,0 1-15,0-22 0,0 0 0,0 21 16,21-21-16,0 1 0,0-22 15,1 0-15,-1 0 0,0 0 16,21 0-16,-21 0 0,1-22 16,20 22-16,-21-21 0,21 0 15,-20 0-15,41-21 0,-42 20 16,0 1-16,1 0 0,-1 0 16,-21 0-16,0-22 0</inkml:trace>
+  <inkml:trace contextRef="#ctx0" brushRef="#br0" timeOffset="34555.8">6350 5821 0,'0'0'0,"-64"0"16,86 21 0,20-21-16,-21 0 15,21 0-15,-20 0 0,20 0 0,0 0 16,1 0-16,20 0 0,-21 0 15,1 0-15,-1-21 0,22 21 16,-22 0-16,0 0 0,-21-21 0,22 21 16,-1 0-16,-21 0 0,0 0 0,1 0 15,-22-21-15,21 21 0,0 0 16,-21-22-16,21 22 16,0-21-16</inkml:trace>
+  <inkml:trace contextRef="#ctx0" brushRef="#br0" timeOffset="40748.3">9483 5313 0,'0'21'0,"21"-42"109,0 21-109,0-21 0,0 21 16,0-21-16,22-1 16,-22 1-16,0 21 0,0-21 0,0 0 15,1 0-15,-1 0 0,0-1 16,-21 1-16,0 0 0,0-21 15,-21 21-15,0 21 0,-22 0 0,22-22 16,-21 22-16,-1 0 0,1 0 16,21 0-16,-21 0 0,-1 22 0,1-1 15,21 0-15,-22 0 0,22 0 16,-21 0-16,21 1 0,-22 41 16,22-21-16,21-20 0,-21-1 15,21 21-15,0-21 0,0 0 0,0 1 16,0 20-16,21-21 0,0 0 15,1 0-15,-1 1 0,0-1 16,0 0-16,0-21 0,0 21 0,22 0 16,-22 0-16,0 1 0,0-1 15,43 21-15,-43-21 0,21 0 16,-21 1-16,1-1 0,-1 0 16,0-21-16,0 21 0,0 0 0,-21 0 15,0 1-15,0-1 0,0 0 0,-21 0 16,0-21-16,-43 42 0,22-20 15,0-1-15,-1-21 0,1 21 16,-21-21-16,20 0 0,1 21 16,0-21-16,-22 0 0,22 0 0,21 0 15,-22 0-15,1-21 0,0 21 16,20-21-16,-20 0 0,21-1 0,-21 1 16,20 0-16,1 0 15,0 21-15,21-21 0,21 0 31,0 21-31,22 0 0,-22 0 16,64 0-16,-64-22 0,21 22 16</inkml:trace>
+  <inkml:trace contextRef="#ctx0" brushRef="#br0" timeOffset="42025.11">10181 5461 0,'0'-21'0,"0"42"0,0-63 0,0 21 16,0-1-1,0 44 1,-21-22-16,21 21 16,0 0-16,-21 0 0,0 21 15,21-20-15,-22 20 0,1-21 0,21 21 16,0 1-16,-21-22 0,21 21 0,-21 22 15,21-43-15,0 0 16,0 0-16,0 0 0,21-21 0,0 22 16,0-22-16,22 0 15,-22 0-15,0 0 0,21 0 0,-20 0 16,20-22-16,-21 22 0,0-21 0,22 0 16,-22 0-16,0 0 0,0-22 15,21 22-15,-42-21 0,22 21 0,-22-22 16,0 1-16,0 0 0,0-1 15,0 22-15,-22-21 0,1 0 0,-21 20 16,21 1-16,-43 0 16,22 21-16,0 0 0,-1 0 15,22 0-15,-21 0 0,21 0 0,-22 21 16,22 0-16,21 1 0,0-1 16,0 0-16,0 0 0,42 0 15,-20-21-15,20 0 0,0 0 0,22 0 16,-22 0-16,0 0 0,22 0 15,-1 0-15,-20-21 0,20 21 0,1-21 16,-22 0-16,22 0 0,-1-22 0,1 22 16,-22 0-16,0-21 0,1 20 15,-22-20-15,0 0 0,0 21 0,-21-22 16,0-41-16,0 62 16,0-20-16,0 21 0,0 0 15,0 0-15,0-1 0,-21 22 0,0 0 16,0 0-16,-1 22 15,1 20-15,21-21 0,-21 21 16,0 1-16,0 20 0,0-20 16,-1 20-16,1 1 0,21-1 15,-42 1-15,42-1 0,-21 1 0,0-1 0,-1 22 16,1-22-16,0 22 0,0-22 16,0 22-16,0 0 0,-1-22 15,22 22-15,-21 0 0,0-1 0,0-20 16,21 20-16,0 1 0,-21-21 15,21-1-15,-21 1 0,21-22 0,0 21 16,0-20-16,0-1 0,0-21 0,0 22 16,21-1-16,0-42 0,0 0 15,0 0-15,0 0 0,22 0 16,-1 0-16,-21-21 0,22 0 0,-1-1 16,21 1-16,-20 0 0,-1-21 15,-21-1-15,22 22 0,-1-21 0,-21 0 16,0-22-16,0-42 0,-21 64 15,0-22-15,0 1 0,0-1 0,-21 1 16,0 21-16,-21-22 0,21 22 16,-22-22-16,1 22 0,0 0 15,-1 20-15,22-20 0,-21 21 0,21 0 16,-1 0-16,1-1 16,0 22-16,21-21 0,0-21 15,21 42-15,22-42 16,-1 20-16,-21 1 0,21 0 15,22 0-15,-22-21 0,22 20 16,-22-20-16,85-43 0,-63 43 16,-22 0-16,21-1 0,-20 1 15,-1 0-15,22-43 0,-43 43 16,0 21-16,-21-22 0,0 1 16,0 0-16,0 20 0,0-20 0,0 21 15,0 0-15,-21 0 0,21-1 16,-21 22-16,-1 0 15,1 22-15,21-1 0,-21 21 16,21-21-16,0 43 0,-21-22 0,21 0 16,-21 22-16,21-1 0,-21 43 15,21-63-15,0 20 0,0-21 16,0 1-16,0-1 0,0 0 0,0 1 16,0-22-16,0 0 0,21 21 15,0-20-15,0-22 16,0 0-16,0 0 0,1 0 15,-1-22-15,-21 1 0,0 0 16,21 0-16,-21 0 0,0 0 16,0-1-16,0-20 0,0 21 0,0-21 15,0 20-15</inkml:trace>
+  <inkml:trace contextRef="#ctx0" brushRef="#br0" timeOffset="42212.05">11282 5334 0,'0'0'0,"21"0"31,0 0-15,0 0-16,0 0 0,1 0 0,-1 0 15,21 0-15,-21 0 0,0 0 16,22 0-16,-22 0 0,21-21 16,-21 21-16,1 0 0,-1 0 15,0 0-15,0-21 0,0 0 0,22 21 16,-22-22-16</inkml:trace>
+  <inkml:trace contextRef="#ctx0" brushRef="#br0" timeOffset="42815.42">12531 5017 0,'0'-43'0,"0"86"0,0-107 0,0 43 15,0-21-15,0 20 0,0 1 16,0 0-16,0 0 16,0 42-1,-22 0-15,22 0 0,-21 22 0,0-1 16,21 0-16,-21 22 0,0-22 0,0 22 16,-1-1-16,-20 1 0,21-1 15,-21 1-15,20-1 0,-20 1 0,21-1 16,-21-20-16,20 20 0,1-21 15,-21 1-15,42-1 0,0-21 16,-21 0-16,21 1 0,0-1 0,0 0 16,21-21-1,0 0-15,0-21 0,0 0 16,1-1-16,-1-20 0,0 21 0,21-21 16,-21-22-16,22 22 0,-22-22 15,0 22-15,21-22 0,-20 1 0,20-22 16,0-42-16,-21 64 0,1-1 15,-1 22-15,-21-22 0,0 43 16,21-21-16,-21 21 0,21 21 16,-21 21-1,0 0-15,0 21 0,0 1 16,0 20-16,0-20 0,0 20 0,0-21 16,0 22-16,0-1 0,0 43 15,0-63-15,0 20 0,0-21 16,0 1-16,0-1 0,0-21 15,0 22-15,0-22 0,0 0 0,21 0 16,-21 0-16,21-21 16,-21-21-1,0 0 1,0 0-16,0 0 0,0-1 16,0 1-16,-21 0 0,0 0 0,0 0 15,0 0-15</inkml:trace>
+  <inkml:trace contextRef="#ctx0" brushRef="#br0" timeOffset="43009.92">12234 5482 0,'0'0'16,"-42"-21"-1,42 0-15,21 21 16,0 0-16,0 0 0,1-21 16,-1 21-16,0 0 0,21 0 0,-21 0 15,22-21-15,-22 21 0,21 0 16,-21 0-16,22-22 0,-22 22 15,0-21-15,0 21 0,0 0 0,1 0 16,-1 0-16,0 0 0,0 0 16</inkml:trace>
+  <inkml:trace contextRef="#ctx0" brushRef="#br0" timeOffset="44693.69">12742 5736 0,'0'0'0,"-21"43"15,21-22-15,21-21 32,-21-21-17,21 21-15,22-22 0,-22 1 0,0-21 16,21 21-16,1-22 0,41-41 16,-41 41-16,-1 1 0,0-21 15,1 20-15,-1 1 0,-21 0 0,22-1 16,-22 1-16,0 21 0,-21 0 15,0-1-15,-21 22 16,21 22-16,-21-1 16,-22 0-16,22 0 0,21 21 15,-21-20-15,21-1 0,-21 21 0,21-21 16,0 0-16,0 22 0,0-22 16,21 0-16,0 0 0,-21 0 15,21 1-15,0-1 0,1 0 0,-1 0 16,0 0-16,0 0 0,-21 1 15,21-1-15,-21 0 0,21-21 0,-21 21 16,0 0-16,-21-21 31,0 0-31,0 0 0,0-21 0,0 0 16,-1 21-16,1-21 0,0 0 16,0-1-16,0 1 0,0 0 0,21 0 15,-22 21-15,22-21 16,-21 21-16,0 0 15,21 21-15,0 0 16,0 0-16,0 0 0,0 1 16,0-1-16,0 0 15,0 0-15,21 0 0,0 0 16,1-21-16,20 0 0,-21 0 16,0 0-16,22 0 0,-1 0 0,-21 0 15,21 0-15,1 0 0,-1-21 0,0 0 16,22 0-16,-22 0 0,1 0 15,-1-22-15,0 1 0,-21 21 0,22-22 16,-22 1-16,0 0 0,0-1 16,0 1-16,1 0 0,-22 21 15,0-1-15,0 1 0,0 0 0,0 0 16,-22 21-16,1 0 16,0 21-16,0 0 0,21 0 15,-21 1-15,21-1 0,0 0 0,0 21 16,0-21-16,0 1 0,0 20 15,0-21-15,21 21 0,0-20 0,-21-1 16,21 0-16,0 0 0,-21 21 0,22-20 16,-1-1-16,-21 0 15,21 0-15,-42-21 47,0 0-47,21-21 0,-22 21 0,1 0 16,0 0-16,21-21 0,-21 21 15,0 0-15,0 0 0,-1 0 16,22 21 0,0 0-1,0 0-15,22-21 16,-1 21-16,0-21 0,0 0 16,21 0-16,-20 0 0,20 0 0,-21 0 15,21 0-15,-20 0 0,20 0 16,0 0-16,1-21 0,-22 21 0,21-21 15,-21 0-15,22 0 0,-22 0 16,21-1-16,-21-20 0,0 0 0,1 21 16,-22-22-16,0 22 0,21-21 15,-21 21-15,0-1 0,0 1 0,0 0 16,0 0-16,-21 21 16,-1 0-16,1 0 15,0 21-15,21 0 0,-21 0 0,0 1 16,0-1-16,-1 21 0,1-21 15,21 0-15,0 22 0,0-22 0,0 21 16,0-21-16,0 22 16,0-22-16,0 0 0,21 0 15,1-21-15,-1 0 0,0 21 0,0-21 16,0 0-16,0 0 0,22 0 0,-22-21 16,0 0-16,21 0 0,-20 0 15,-1 0-15,21-1 0,-21-20 0,22 0 16,-22-1-16,0 22 15,0 0-15,-21 0 0,0 0 0,21 21 16,0 0 0,-21 21-1,0 0-15,0 0 0,0 0 16,0 22-16,0-1 16,0-21-16,0 0 0,0 1 15,0-1-15,0 0 0,22 0 16,-22 0-16,21-21 0,0 0 15,0 0-15,0 0 0,22 0 0,-22 0 16,0 0-16,21 0 0,-21-21 0,1 0 16,20 0-16,-21 0 0,21-22 15,-20 22-15,20-21 0,0-22 0,-21 22 16,22-22-16,-22 22 0,21-21 16,-21-22-16,1 21 0,20 1 15,-21-1-15,-21 1 0,21 21 0,-21-1 16,21 1-16,-21 21 0,0-22 15,0 22-15,0 0 0,-21 21 16,0 0-16,0 21 16,0 0-16,0 22 0,-1-1 0,1 0 15,21 1-15,-21 20 0,0 1 0,21-22 16,-21 22-16,21-1 0,0 1 16,0-22-16,0 21 0,0-20 0,0-1 15,0 0-15,0 1 0,21-22 16,-21 21-16,21-21 0,0 1 15,-21-1-15,21-21 0,1 21 0,-1-21 0,0 0 16,0 0 0,0 0-16,0 0 0,22-21 0,-22 0 15,0 21-15,0-22 0,0 1 0,1 0 16,-1 0-16,0 0 0,0 21 16,-21-21-16,0-1 0,0 1 0,0-21 15,0 21-15</inkml:trace>
+  <inkml:trace contextRef="#ctx0" brushRef="#br0" timeOffset="44987.66">15155 5122 0,'0'0'16,"-42"0"-16,21 0 0,0 0 0,42 0 31,21 0-31,0 0 0,-20 0 16,41 0-16,-21 0 0,22 0 0,-1 0 15,-20 0-15,20-21 0,1 21 16,-22 0-16,0 0 0,22 0 0,-43 0 16,21 0-16,1 0 0,-22 0 0,0-21 15,0 21-15,0 0 0,1 0 16,-44 0 62</inkml:trace>
+  <inkml:trace contextRef="#ctx0" brushRef="#br0" timeOffset="87063.82">2053 7197 0,'0'0'0,"-21"0"16,21-21-1,21 21 48,0 0-63,22 0 0,-1 0 15,0 0-15,1 0 0,20 0 0,22 0 16,-22 0-16,22 0 16,0 0-16,-1 0 0,1 0 0,21 0 15,-22 0-15,22 0 0,-21 0 0,21 0 16,0-22-16,21 22 0,-22 0 15,22 0-15,-21 0 0,0-21 0,21 21 16,-21 0-16,0 0 0,-22-21 16,22 21-16,-21 0 0,0 0 0,-1 0 15,1 0-15,-22-21 0,1 21 0,-1 0 16,-20 0-16,-1 0 0,0 0 16,1 0-16,-1-21 0,0 21 0,-20 0 15,-1 0-15,21 0 0,-21 0 0,0 0 16,1 0-16,-1 0 15,0 0-15,0-21 79,-21-1-79,21 1 15</inkml:trace>
+  <inkml:trace contextRef="#ctx0" brushRef="#br0" timeOffset="88147.44">10372 6625 0,'-43'0'0,"86"0"0,-107 0 16,22 0-16,-1 0 0,22 0 0,-21 0 15,0-21-15,-1 21 0,1 0 16,-22 0-16,22 0 0,0 0 0,-1 0 15,1 0-15,0 0 0,-1 0 0,1 0 16,0 0-16,21 0 0,-22 0 16,22 0-16,0 0 0,0 0 0,0 0 31,42 0-15,0 0-16,21 0 0,1 21 0,84-21 15,-43 0 1,1 0-16,0 0 0,20 0 0,1 0 15,0 0-15,0 0 0,21 0 0,21 0 16,-21 0-16,21 0 0,0 0 16,1 0-16,-1 0 0,0 0 0,0 0 15,0 0-15,0 0 0,1 0 16,-1 0-16,0 0 0,0 0 0,-21 0 16,0 21-16,0-21 0,0 0 0,0 22 15,-21-22-15,0 0 0,-22 21 16,1-21-16,0 0 0,-1 0 0,1 0 15,-21 0-15,-1 0 0,1 0 16,-1 0-16,-21 0 0,22 0 16,-22 0-16,1 0 0,-1 0 0,0 0 15,-21 0-15,22 0 0,-22 0 16,0 0-16,0 0 0,0 0 16,-42 0 46,0 0-62,0 0 16,0 0-16,0 0 15</inkml:trace>
 </inkml:ink>
 </file>
 
@@ -720,55 +1090,85 @@
           <inkml:channelProperty channel="T" name="resolution" value="1" units="1/dev"/>
         </inkml:channelProperties>
       </inkml:inkSource>
-      <inkml:timestamp xml:id="ts0" timeString="2021-02-02T13:31:37.666"/>
+      <inkml:timestamp xml:id="ts0" timeString="2021-02-03T13:18:33.702"/>
     </inkml:context>
     <inkml:brush xml:id="br0">
       <inkml:brushProperty name="width" value="0.05292" units="cm"/>
       <inkml:brushProperty name="height" value="0.05292" units="cm"/>
       <inkml:brushProperty name="color" value="#FF0000"/>
     </inkml:brush>
+    <inkml:brush xml:id="br1">
+      <inkml:brushProperty name="width" value="0.05292" units="cm"/>
+      <inkml:brushProperty name="height" value="0.05292" units="cm"/>
+      <inkml:brushProperty name="color" value="#00B050"/>
+    </inkml:brush>
   </inkml:definitions>
-  <inkml:trace contextRef="#ctx0" brushRef="#br0">3768 5144 0,'0'0'0,"0"-381"16,0-43-16,0 64 0,0 64 15,0 42-15,0 64 0,0-64 16,0 63 0,0 149-16,0 21 0,0-1 15,0-20 1,0 21-16,21 0 0,0-22 15,0-20 1</inkml:trace>
-  <inkml:trace contextRef="#ctx0" brushRef="#br0" timeOffset="1216.96">4381 1609 0,'0'-21'16,"0"-1"-1,64-41 17,-22-1-17,-21 1 1,-21 21-1,-42 42-15,21 0 16,-85 0 0,-42 42-16,-106 106 31,148-21-15,85-42-1,21-43-15,42 43 16,149 84 15,-128-127-31,-20-20 16,-22-1-16,42 63 15,-63-20 1,0-43-16,-127 64 16,0-64-1,-42-21 1,84 0-1,-126-127 17,189 127-17,44 0 1,41 21 0,-21 0-16,-20 0 0,126 106 31,-85-84-16,-42-43-15,106 42 16,-63-42 0,148-63 15,-85-22-15,21-42-1,21-106 1,-63 43-16,-43-43 31,-63 190-31,0 1 16,0 63-1,0 43 1,-21-43-16,0 42 0,0 22 16,0-21-16,-22 232 31,22-169-16,21-85 1,0-21-16,21 1 16,22-22-1,41-22 17,-62-62-17,-22 63 1</inkml:trace>
-  <inkml:trace contextRef="#ctx0" brushRef="#br0" timeOffset="1416.18">4551 2074 0,'-43'0'0,"86"0"0,-107 0 0,85 0 31,1 0-31,-1 0 0,85 0 16,-1-21-1,-62 21 1,126-42 0,-127 42-1,1-21-15</inkml:trace>
-  <inkml:trace contextRef="#ctx0" brushRef="#br0" timeOffset="2921.53">5461 2244 0,'21'21'0,"-42"-42"0,63 42 15,-21-21-15,43 0 16,-1-85 0,-20 22-1,-64-85 16,-22 105-15,22 22-16,-64 0 16,-20 42-1,62 0-15,-41 64 16,20 21 0,43-64-16,-21 85 15,42-85-15,0 1 16,42-1-1,-21-42-15,64 0 16,63-63 15,-63-43-15,-64 85-16,0-22 0,0-41 16,-21 62-16,0 1 15,0-42 1,0 84-1,0 0-15,0 43 16,0-22-16,0-21 16,0 21-16,0 43 15,0-64-15,0 22 16,64 41 0,-1-63-1,-42-21-15,85-21 16,-85 0-16,43-21 15,42-128 1,-22 1 0,-63 106-16,64-234 31,-85 234-31,0-43 0,0 0 16,0 85-16,0-21 15,0 63 1,-21 0-1,0 85 1,0 0-16,-1-43 16,22 1-16,0-1 0,-21 1 0,0-1 15,21 1-15,0 84 16,0-64 0,0-62-16,42 62 15,22-63 1,-43-21-16,64 0 15,-1-42 1,-20-43 0,-43 64-16,0-85 15,-21 64-15,0-64 32,0 85-32,0 42 15,0 0-15,0 1 16,0 62-16,0-41 15,0-22-15,0 106 16,43-43 0,-22-62-16,21 20 15,64-21 1,-64-21 0,170-169 15,-85 21-16,-64 21 1,22 42 0,-43 43-1,-42 84 1,0-21-16,0 43 16,0-43-16,0 21 15,0-21-15,0 0 16,22-21-1,-1-21 1,-21 0 0,0-42-1,-21-86 17,-1 107-17,1 42-15,0 0 0,-21 64 16,-1 20-1,1 43 1,0 0 0,63 0 15,42-63-15,22-64-1,0 0 1,21-64-1,-64 22 1,0 0 0,-42 20-16,0-41 0,0 42 15,0 0-15</inkml:trace>
-  <inkml:trace contextRef="#ctx0" brushRef="#br0" timeOffset="3066.45">7006 1228 0,'0'0'0,"-21"21"0,0 0 0,0-21 0,-1 21 16</inkml:trace>
-  <inkml:trace contextRef="#ctx0" brushRef="#br0" timeOffset="3182.39">7112 1249 0,'0'-21'16,"-64"-43"-1,43 43 1,-21 0 0</inkml:trace>
-  <inkml:trace contextRef="#ctx0" brushRef="#br0" timeOffset="3261.34">6921 1207 0,'0'21'16,"0"0"-16,0 0 0,0 0 15,-21 22 1,21-22 0</inkml:trace>
-  <inkml:trace contextRef="#ctx0" brushRef="#br0" timeOffset="3412.25">6138 1672 0,'0'0'16,"-21"0"-16,-21 43 15</inkml:trace>
-  <inkml:trace contextRef="#ctx0" brushRef="#br0" timeOffset="3497.21">6308 4466 0,'0'0'16,"63"0"-16,43 0 15,21-21 1,-42 21-1</inkml:trace>
-  <inkml:trace contextRef="#ctx0" brushRef="#br0" timeOffset="4591.08">6075 1651 0,'0'0'0,"-21"0"15,-1 21-15,1-21 16,21 21-16,0 1 16,21-22-1,1 0-15,41 21 16,-21-21-16,-20 0 0,147 0 15,64-21 1,-127 21 0,21-22-1,-106 22-15,0 0 32,21 0-17</inkml:trace>
-  <inkml:trace contextRef="#ctx0" brushRef="#br0" timeOffset="5229.37">8721 1312 0,'0'0'0,"21"-42"16,-21 21-16,0-21 16,0 20-1,-21 22-15,-1 0 0,1 0 16,0 0-16,-21 0 0,-106 43 31,63 20-15,21 1-16,64 20 15,85 1 17,21-64-17,21 22 1,-64 20 15,-63-42-31,0 43 0,-148 126 31,42-126-15,1-1 0,41-42-1,43-21-15,42 0 32,0 0-17,0 0-15,22 22 16,-22 20-1,0 21 1,-21 107 15,-21-86-15,-21 1 0,42-43-1,-22 1 1</inkml:trace>
-  <inkml:trace contextRef="#ctx0" brushRef="#br0" timeOffset="5813.11">8382 4043 0,'0'-21'16,"0"42"-16,0-63 0,0 20 0,0 1 15,0 0-15,106-42 32,-64 63-17,-42 63 1,-212 191 15,107-127-15,20 0-1,64-106-15,21 64 16,127-22 0,0-20-1,-64-22 1,22 21 0,-85 43-1,0-64-15,-169 127 31,84-63-15,21-43 0,1 1-16,-43-22 31,64-21-15</inkml:trace>
-  <inkml:trace contextRef="#ctx0" brushRef="#br0" timeOffset="6432.68">4657 7874 0,'0'0'0,"0"-21"15,0 0-15,0-22 16,0 1-1,0 21-15,0 0 0,-22-22 32,22 65-17,0 83-15,0 86 16,-21 211 15,-21-190-15,21-106-1,0-22 1,21-63 15,-43-105-15,43 41-16</inkml:trace>
-  <inkml:trace contextRef="#ctx0" brushRef="#br0" timeOffset="6751.5">4339 7874 0,'-42'-127'16,"42"0"-1,42 381-15,127-656 32,-105 402-32,105 0 15,22 106 1,-128 0-1,-232 232 17,63-253-17,-148 84 1,212-148-16,-22 22 16,43-43 15,63 0-16,107-85-15</inkml:trace>
-  <inkml:trace contextRef="#ctx0" brushRef="#br0" timeOffset="7282.95">5948 7916 0,'0'-21'0,"0"42"0,21-42 0,-21 0 16,21 0-16,-21 0 16,0 0-1,0-1-15,0 1 0,0 0 16,-148 0 0,21 63-1,85-21-15,-85 64 16,42 0-1,85 126 32,127-168-31,0 20 0,-21-20-1,-43-1 1,-84 85-1,-169-42 1,105-43 0,-63-21-1,0 0 1,42-21 15,85 0-15,21-21-1,84-21 1,43-22 0,-84 43-16,-1 0 15</inkml:trace>
-  <inkml:trace contextRef="#ctx0" brushRef="#br0" timeOffset="7618.77">6244 7874 0,'0'0'0,"21"-21"0,0-43 32,1 43-17,-1 42-15,-21 1 16,0-1-16,21 148 16,0-21-1,0-63 1,0-43-16,1 85 15,20 21 1,-21-84 0,-21-43-16,21 85 31,-21-127 0,0-43-15,64-105-1</inkml:trace>
-  <inkml:trace contextRef="#ctx0" brushRef="#br0" timeOffset="7901.11">6921 7874 0,'22'-21'0,"-22"0"0,-22 42 31,1 0-31,-85 170 32,43-64-32,-43 105 31,43-126-15,20-21-1,43-64 1,-21 0-16,42-42 31,0 0-15,1 0-16,-1 0 0</inkml:trace>
-  <inkml:trace contextRef="#ctx0" brushRef="#br0" timeOffset="8755.62">7324 7895 0,'0'0'0,"0"-21"0,0 0 0,0 42 47,0 0-47,0 64 16,-22 127 15,22-64-16,-21-85 1,21-20-16,0 62 16,-42 1 15,42-85-15,0-42-1,0 0 1,0 0-16,42-212 31,-42 170-31,64-128 16,-1 64-1,-20 106-15,20-43 16,85 107 15,-127-22-31,1 64 16,20 20-1,-42 44 1,0-44 0,0-62-16,0 20 15,0 1 1,0-43-16,0 0 16,0-42-1,21-43 1,-21 43-16,64-85 15,-22 1 1,170-213 15,-107 233-15,44 43 0,-86 106-1,-63 168 16,0-105-31,0-84 16,0 105 0,-42-42-1,42-85-15,-21 85 16,21-85-16,0-42 47,0-22-47,0 1 15</inkml:trace>
-  <inkml:trace contextRef="#ctx0" brushRef="#br0" timeOffset="9507.45">9864 8446 0,'0'-22'0,"0"1"0,0 0 15,0 0-15,0-64 16,21-42 15,-21 106-31,-21-64 16,-85 85-1,42 43 1,22-22-16,0 0 0,-149 170 31,149-149-15,21-21-16,-1 21 15,22 1 1,64 20 0,42-20-1,-43 20 1,1-21 0,-64 128 15,-85-64-31,0-43 31,-20 22-31,41-85 31,64-64 1,85 1-17,21 42 1,-43 63-1,-63-21 1,0 43-16,0-43 16,0 85-16,-21-85 15,0 21-15,-64 106 16,64-84 0,0-1-1,21-20 1</inkml:trace>
-  <inkml:trace contextRef="#ctx0" brushRef="#br0" timeOffset="10120.11">9186 11367 0,'0'-22'15,"0"1"-15,0 0 0,21-21 16,1-22 0,-22 43-16,21 0 0,0-21 15,-21 20-15,-21 22 32,0 22-17,-22 20-15,-20 64 16,42-64-16,-1 0 15,-41 128 1,63-128-16,0 106 16,63-63-1,22 0 1,106 20 0,-64-20-1,-106 21 1,-64-21-1,-253 84 17,106-84-17,-1-43 1,43-21 0,0-63-1,127-43 1,42-63-1</inkml:trace>
-  <inkml:trace contextRef="#ctx0" brushRef="#br0" timeOffset="10559.9">9398 10118 0,'0'0'16,"-21"0"-16,42 0 31,0 0-31,21 0 15,-20 0-15,147 0 16,-21 0 0,-63 0-16,190 0 0,233 0 31,-233 0-15,-169 21-1,-43-21 1,-84 21 15,-85 0-15,-21 22-16,0-22 15,-169 42 1</inkml:trace>
-  <inkml:trace contextRef="#ctx0" brushRef="#br0" timeOffset="10857.91">9440 10562 0,'-63'21'16,"126"-42"-16,-126 64 15,147-43 1,-41 0-16,147 0 16,64 0-1,-148 0-15,190-43 16,-190 43-16,85-21 15,-85 21-15,126-21 16,-168 21-16,-1 0 0,43 0 16,-63 0-1,-65 0 1,1 21-16,-148 21 31,127-42-31,-128 43 16,128-22-1</inkml:trace>
-  <inkml:trace contextRef="#ctx0" brushRef="#br0" timeOffset="11118.35">9631 11113 0,'21'-22'0,"-42"44"0,42-22 15,0 0 1,85 0-16,0 0 15,-43-22-15,234-20 16,-86 21 0,128-43 15,-191 22-15,-127 0-1,-21-22 1,0 43-16,-21-42 15</inkml:trace>
-  <inkml:trace contextRef="#ctx0" brushRef="#br0" timeOffset="11992.5">7959 3154 0,'21'0'31,"0"0"-31,21 0 16,-21 0-16,22 0 0,274-42 31,-84 20-15,63 1-1,-84 21 1,-127 0 0,-64 0-16,21 0 31,-105 21 0,-43 22-15,64-43-16</inkml:trace>
-  <inkml:trace contextRef="#ctx0" brushRef="#br0" timeOffset="12289.68">7853 3556 0,'0'0'0,"-21"0"0,21 21 16,84-21 15,128 0-15,211-42-1,-105 21 1,-170 21 0,64 0-1,-107 0 16,-147 21-15,-21 0 0,20-21-16,-190 42 15</inkml:trace>
-  <inkml:trace contextRef="#ctx0" brushRef="#br0" timeOffset="12543.11">7810 3810 0,'-42'21'16,"84"-42"-16,-63 42 15,42-21-15,22 0 16,-1 0-16,22 0 0,63 0 16,84 0-1,107 0 1,-234 0-16,255-21 15,-127 21 1,-170 0 0,0 0-1,-42-21 1</inkml:trace>
-  <inkml:trace contextRef="#ctx0" brushRef="#br0" timeOffset="12629.06">9779 3366 0,'63'-22'16</inkml:trace>
-  <inkml:trace contextRef="#ctx0" brushRef="#br0" timeOffset="13745.09">11155 2582 0,'0'0'0,"0"-21"15,0 0 1,0 0-16,0 0 15,0 0-15,0-1 0,0 1 0,0 0 16,0-21 0,0 21-1,0 42 32,0 0-47,21 0 0,0 21 0,0 22 16,-21-22-16,21 22 15,22 105 1,-22-42 0,-21-106-16,63 212 31,-20-106-15,20-63-1,1-1 1,126-105 15,22-64-15,211-148-1,-42 21-15,-233 148 16,22 1-16,465-213 16,-170 128-1,65 0 1,-340 105-1,-84 43-15,169-64 16,-254 64 0,0 21-16,1 0 78,-1 0-47,0 0 0,0 0 63,-21 21 78,0 1-156,0-1-1,0 0 1,-42-21-16,21 0 0,-43 0 15,22 21-15</inkml:trace>
-  <inkml:trace contextRef="#ctx0" brushRef="#br0" timeOffset="15068.33">17314 1693 0,'0'-21'0,"21"-21"15,-21 21-15,0-22 0,0-20 16,0 42-1,0 42 17,0 21-17,0 1-15,-21 84 16,0 148 0,0-127-1,21-21 1,0-42-1,0-64-15,0 42 16,0-84 15,0 0-31,0 0 16,0-22-16,0 22 0,0-21 0,63-64 16</inkml:trace>
-  <inkml:trace contextRef="#ctx0" brushRef="#br0" timeOffset="15215.24">17738 1122 0,'0'0'0,"-22"-21"0,1-22 15,-21 1-15</inkml:trace>
-  <inkml:trace contextRef="#ctx0" brushRef="#br0" timeOffset="15811.41">16785 1080 0,'-21'21'0,"-64"63"16,43-41-16,0-1 16,20 0-16,-41 64 0,-1 148 15,43-127 1,21-63-16,64 274 31,-22-232-15,64 21-1,42 43 1,85-22 0,0-85-1,-106-63 1,63 0-1,-126-21-15,-1 0 0,149-64 16,-43-63 0,-105 42-1,-22 64-15,0-64 16,-20 64-16,-22-255 31,0 192-31,-64-128 16,43 190-16,-64-84 15,64 85 1,-64-127 0,22 84-16,-64-42 31,42 85-31,43 21 16,-85-1-16,-85 22 15,22 64 1,20-1-1,107-20-15,21-1 0,-1-21 16,1 22-16,0-22 0,-85 106 16,63-64-1,1 22 1,63-43-16,-22-21 0</inkml:trace>
-  <inkml:trace contextRef="#ctx0" brushRef="#br0" timeOffset="17376.33">12827 10139 0,'-21'0'0,"0"-21"31,21 0 48,0 42-33,0 0-46,0 0 16,0 0-16,0 0 16,21 22-16,0 63 15,-21-64-15,0 0 0,0 149 16,0-128 0,0-20-16,0-1 0,21 43 15,0-85-15,-21 21 16,0 0-16,21-21 0,43 0 31,-43 0-31,85-21 16,42-64-1,43-42-15,-128 85 16,85-64-16,43-21 16,-85 63-16,232-105 15,-20 21 1,-212 106-16,-1-1 0,1 1 15,-21 0-15,0-1 0,211-63 32,-233 85-32,-41 21 31,-44 0 16,1 0-32,0 0 1</inkml:trace>
-  <inkml:trace contextRef="#ctx0" brushRef="#br0" timeOffset="18120.9">17949 9271 0,'0'0'16,"-21"-21"-16,21 0 0,-21 21 0,0-21 16,0-1-16,-22-62 15,22 20 1,21-63 0,42 43-16,-20 62 15,20 1-15,43-21 16,-22 63-1,-21 0-15,43 85 16,-43 63 0,-42-126-16,0 20 0,0 149 15,-84-64 1,-86 43 0,22-86-1,-148 1 16,190-106-15,64 0-16,21 0 16,-85-106-16,85 85 15,-22-127 1,43 85 0,0 41-16,64-41 15,-22 63-15,-21 0 0,64 21 16,-43 0-16,128 64 15,-107-43-15,43 43 16,-21-22 0,-43-41-16,43 41 15,-43-42-15,-21-21 0,127 21 32,-63-42-17,-43-42 1,22-22-1,-22-63-15</inkml:trace>
-  <inkml:trace contextRef="#ctx0" brushRef="#br0" timeOffset="18831.97">18521 8530 0,'-21'-21'0,"42"42"0,-64-84 0,22 20 0,0 1 15,-21 21-15,21-21 0,-85-43 16,63 64-16,-105-22 16,0 43-1,-85 43 1,106-1 0,43 0-16,-467 297 31,424-191-16,-106 170 1,149-1 0,84 64 15,42-317-31,0 63 0,-20-85 16,20 22-16,-21-1 0,64 22 15,63 63 1,-106-106-16,255 106 15,-234-126-15,128 20 16,-128-42 0,128 0-16,-1 0 15,-126-21-15,84-22 16,360-232 15,-424 191-15,65-128-1,-86-21 1,-63 21 0,-42-190-1,-22 148 1,43 191-16,-21-22 16,-85-84-1,84 126-15,-211-126 31,43 148-31,41 21 32,107 0-32,21 21 0,-107 43 31,86-22-15,42-21-1</inkml:trace>
-  <inkml:trace contextRef="#ctx0" brushRef="#br0" timeOffset="22986.13">8826 3196 0,'0'0'0,"-21"0"16,0 0 15,0 0-15,0 0-1,0 0-15,-1 0 16,1 0-16,0 0 0,-42 0 16,20 0-1,1 0-15,21 0 0,0 0 16,-22 0-16,22 0 0,-106 0 31,85 0-31,21 0 0,-1 0 0,-62 0 16,63 0-1,-22 0-15,22 0 16,0 0-16,0 0 16,0 0-16,-1 0 15,44 0 32,20 0-47,-21 0 0,21 0 16,22 0-16,-22 0 0,85 0 15,-42-21-15,63 0 16,-42 21-16,-21-21 0,232 0 31,-169 21-31,-105 0 0,147-22 16,-126 22-1,-43 0-15,0 0 16,0 0-16,-21 22 31,-21-22-15,-43 0 0,22 21-1,-21-21 1</inkml:trace>
-  <inkml:trace contextRef="#ctx0" brushRef="#br0" timeOffset="23478.72">8318 3429 0,'-21'0'0,"42"0"0,-63 0 0,21 0 0,0 0 16,0 0-16,-1 0 16,-41 21-1,42-21 1,42 0-1,0 0 1,0 0-16,22 0 0,-22 0 0,127 0 16,-21 0-1,127-21 1,-191 21-16,1 0 0,-22 0 16,22 0-16,126-21 31,-147 21-31,-22 0 15,0 0-15,-42 0 47,0 0-47,-1 0 16,-41 0 0,-1 21-16,43-21 0,0 0 15,-85 0 1,85 21-16</inkml:trace>
-  <inkml:trace contextRef="#ctx0" brushRef="#br0" timeOffset="23827.52">8107 3768 0,'-21'21'0,"42"-42"0,-64 42 0,43 0 16,0 0 0,64-21-1,105 0 1,-42 0 0,106 0-16,-148-21 15,-1 21-15,213-21 16,-64 0-1,-128 0 1,-62 21 0,-43 21 15,0 0-31,-21-21 16,-1 0-16,1 21 15,0-21-15</inkml:trace>
-  <inkml:trace contextRef="#ctx0" brushRef="#br0" timeOffset="25285.38">9525 10287 0,'0'-21'0,"-21"21"62,0 0-62,-1 0 0,1 0 16,-21 0 0,21 0-16,0 0 0,-22 21 15,43 0-15,-21-21 16,21 21-16,42 1 31,85-22-31,64 0 16,-106 0-16,84 0 15,-84 0-15,-1 0 0,213 0 32,-128 21-17,-127-21-15,43 0 16,21 0 0,-85 21 15,-63 0 0,20 0-31,-83-21 16,83 21-1</inkml:trace>
-  <inkml:trace contextRef="#ctx0" brushRef="#br0" timeOffset="25653.17">9610 10710 0,'-43'0'0,"86"0"0,-107 22 0,43-22 0,0 0 15,0 0 1,21 21 0,105-21-1,44 0 1,147-21-1,-148 21 1,-84 0-16,20-22 0,149 22 16,-64-21-1,-126 21-15,41 0 16,-41 0-16,20 0 16,-42 0-16,-42 0 46,0 21-46,-21-21 16,21 0-16,-170 22 31</inkml:trace>
-  <inkml:trace contextRef="#ctx0" brushRef="#br0" timeOffset="26034.95">9864 11113 0,'0'0'0,"-22"21"15,1-21-15,0 21 0,21 0 0,0 0 32,21-21-32,22 0 0,126 0 31,21-42-31,43 0 15,-42 20 1,-128 22 0,149-42-1,-170 42-15,43-21 16,21 21 0,-85 0-16,0 0 15,0 0 16,0 0-15,-21-21 0,22 0-16,-1 21 15</inkml:trace>
-  <inkml:trace contextRef="#ctx0" brushRef="#br0" timeOffset="41987.79">5101 9419 0,'-21'0'0,"0"0"0,0 0 16,-1 0-16,1 0 0,0 0 16,0 21-1,-43-21-15,1 22 16,42-22 0,0 0-16,21 21 31,0 0 16,21-21-47,0 0 15,0 0-15,0 0 0,22 21 16,41-21 0,-41 0-16,-1 0 0,106 21 15,-106-21 1,64 0-16,127 21 15,-42-21 1,-107 0-16,255 0 31,-191 0-31,127 0 32,-211 0-32,63 0 0,-64-21 0,64 21 15,43-21 1,-22 0-1,0 0 1,-106 0-16,106-1 16,-105 22-16,-1 0 0,106-63 15,0 21 17,-63-22-32,-21 22 15,20-85 16,-41 21-15,-43 42 0,21-41-1,-21 20 1,0 43-16,0 20 16,0 1-16,0-42 15,-64-22 1,1-21-1,20 22 1,22 62-16,0-20 0,-64-85 16,1 21 15,41 85-31,1-42 16,-43-1-16,-105-42 31,148 85-31,-128-42 31,43-1-31,-106 22 31,85-1-31,-21 22 16,105 21-16,22-21 16,-64 21-1,43 0-15,-191-21 16,106 21-1,42-21 1,-85 21 0,149 0-16,-191 0 15,85 21 1,63-21 0,43 21-16,21-21 0,-22 0 15,-105 64 16,85-22-31,-1 0 16,-20 1 0,62-22-16,-20 0 15,-43 42 1,1 1-16,-1 42 16,64-64-1,0-21-15,0 22 0,-1-1 16,1 0-16,-63 106 15,84-105-15,0-1 16,-43 149 0,43-64-1,0-64-15,0-21 0,21 149 16,43 21 0,-22-128-1,106 107 1,128 84 15,-107-148-15,0-42-16,128-1 15,126-63 17,-148-21-17,21 0 1,1-21-16,-191 21 15,-1-21-15,276-21 16,-21-43 0,-190 22-1,-107 41-15,22-20 0,-22 21 16,22-21-16,-22 20 0,213-147 31,-149 21-31,-43 21 16,-20 0-1,-22-169 17,-42 147-17,-63 22 1,-22 0-16,-84-84 31,63 126-31,63 43 16,-168-128-1,-43 43 1,-170 0 15,361 106-31,-255-21 16,64 21 0,-21 21-1,-85 21 1,106 0-1,-105 85 1,253-64 0,85-42-16,-1 21 15,-20 1-15,21-1 16,42-21 46,21-21-62</inkml:trace>
+  <inkml:trace contextRef="#ctx0" brushRef="#br0">1228 677 0,'21'-42'0,"-42"84"0,42-126 15,-21 63-15,0-1 0,0 1 16,0 0-16,0 0 0,0-21 0,0 20 16,0 1-16,0 0 15,0 0-15,-21 42 32,21 0-17,-22 0-15,22 22 0,-21-1 16,21 22-16,0-22 0,-21 43 0,0-22 15,0 22-15,21-22 0,-21 22 16,-1 0-16,1-22 0,0 22 16,21-22-16,-21 1 0,0-22 0,0 22 15,21-22-15,0 0 0,-22 1 16,22-1-16,-21-21 0,21 0 16,0 0-16,0 1 0,-21-22 15,21-22 1,0 1-16,0 0 15,0-21-15,21 21 0,-21-22 16,21 1-16,1 0 0,-22-1 16,21 1-16,0 0 0,0-1 0,0-20 15,0 20-15</inkml:trace>
+  <inkml:trace contextRef="#ctx0" brushRef="#br0" timeOffset="316.81">1291 614 0,'0'0'0,"0"-21"0,0 0 0,0-1 16,0 1-16,21 42 31,-21 1-15,0 20-16,21 0 0,-21 1 16,0-1-16,0 21 0,0 1 0,0-1 15,0 22-15,0-21 0,0-1 16,0 1-16,0-1 0,0 1 15,0-1-15,-21 1 0,21-22 0,0 21 16,-21-20-16,21-1 0,0 0 16,0-20-16,0 20 0,0-21 15,0 0-15,0-42 47,0 0-47,0 0 0,0-22 0,0 22 16,0-21-16,0 21 0</inkml:trace>
+  <inkml:trace contextRef="#ctx0" brushRef="#br0" timeOffset="540.73">974 1376 0,'21'0'31,"0"0"-16,0 0-15,21 0 0,-20 0 16,20 0-16,0 0 0,1-21 0,-22 21 16,21-21-16,-21 21 0,0 0 15,1 0-15,-22 21 32,0 0-17</inkml:trace>
+  <inkml:trace contextRef="#ctx0" brushRef="#br0" timeOffset="2324.21">1503 1799 0,'0'0'0,"0"21"0,21-42 31,0 21-31,0-21 0,0-21 0,1 21 16,20-22-16,-21 22 0,21-21 16,-20-1-16,20 1 0,0 0 15,1-22-15,-22 22 0,21 0 16,-21-1-16,22 1 0,-22 21 16,-21-22-16,0 22 0,0 0 0,-21 42 31,-1 0-16,1 1-15,0-1 0,0 0 0,0 0 16,0 21-16,21-20 0,0-1 16,0 0-16,0 21 0,0-21 0,0 1 15,0-1-15,0 0 0,21-21 16,0 21-16,0 0 0,-21 0 16,21 1-16,0-22 0,1 21 15,-22 0-15,21-21 0,-21 21 16,21-21-16,-21 21 0,0 0 15,-21-21 17,0 0-32,-1 0 15,1 0-15,0-21 16,0 21-16,0-21 0,0 21 16,21-21-16,-22 21 0,22-21 15,0 42 16,0 0-31,0 0 0,0 0 16,0 1-16,0-1 0,0 0 16,0 0-16,0 0 15,22-21-15,-1 0 0,-21 21 0,21-21 16,0 0-16,0 0 16,0 0-16,1-21 0,20 21 15,-21-21-15,0 0 0,64-43 16,-43 43-16,-21-21 0,22 21 15,-1-22-15,0 1 0,-20 0 0,20-1 16,-21 22-16,21-21 0,-20 0 16,-22 20-16,0 1 0,0-21 15,0 21-15,0 0 0,-22 21 32,22 21-32,0 0 0,-21 0 15,21 0-15,0 0 0,0 1 16,0-1-16,0 0 0,0 0 0,0 0 15,0 0-15,21 1 0,-21-1 16,22 0-16,-1 0 0,0 0 0,0 0 16,-21 1-16,21-1 0,0 0 15,-21 0-15,0 0 0,0 0 16,-21-21 15,0 0-31,0 0 0,0 0 16,0 0-16,-1 0 0,1 0 15,0 0-15,0 0 0,0-21 0,0 21 16,-1 0-16,22 21 31,0 1-15,22-1-16,-1 0 16,0-21-16,0 21 0,0-21 15,0 0-15,22 0 0,-22 21 16,21-21-16,-21 0 0,22 0 15,-1 0-15,0 0 0,1 0 16,-1-21-16,0 0 0,-20 21 0,20-21 16,-21 0-16,21-1 0,-20 1 15,20 0-15,-21 0 0,0-21 0,0 20 16,-21 1-16,22-21 0,-1 0 16,-21 20-16,0-20 0,0 21 15,0 0-15,0 0 0,0-1 0,0 1 16,0 0-16,-21 21 15,-1 0 1,22 21-16,-21 0 16,0 1-16,21-1 0,-21 0 15,21 0-15,0 0 0,-21 0 16,21 22-16,0-22 0,0 0 0,0 0 16,0 0-16,0 1 0,0-1 15,0 0-15,0 0 0,21 0 0,0-21 16,-21 21-16,21-21 0,0 0 15,22 0-15,-22 0 0,0 0 0,21 0 16,-20 0-16,20-21 0,-21 21 16,0-21-16,22 0 0,-22 0 0,0 0 15,0-1-15,21 1 0,-42 0 16,22-21-16,-22 21 0,21-1 16,-21-20-16,0 21 0,0 0 15,0 0-15,0-1 0,-21 1 16,-1 21-16,1 0 15,-21 0 1,42 21 0,21-21-16,0 0 0,0 0 15,1 0-15,-1 0 16,0 0-16,0 0 0,0 22 16,0-22-16,1 0 0,-1 0 0,-21 21 15,21-21-15,-21 21 16,0 0-16,0 0 0,0 0 15,0 1-15,0-1 16,0 0-16,-21 0 0,21 0 16,0 0-16,0 1 0,0-1 15,0 0-15,0 0 0,0 0 16,0 0-16,21 1 0,0-1 16,0-21-16,0 0 0,64 0 15,-43 0-15,-20 0 0,-1 0 16,-21-21-16,317-1017 125</inkml:trace>
+  <inkml:trace contextRef="#ctx0" brushRef="#br0" timeOffset="2452.15">4170 974 0,'0'21'0,"0"0"0,0 0 0,0 0 16,0 64 0,0-43-16,0 1 0,0 20 15,0-20-15,0-1 0,0-21 16,0 21-16,0-20 0,0 20 0,0-21 15,-43 21-15,22-20 0</inkml:trace>
+  <inkml:trace contextRef="#ctx0" brushRef="#br0" timeOffset="2600.57">4381 1651 0,'22'0'16,"-1"0"-16,-21-21 16,21 21-16,0-21 0,0 21 15,-21-21-15,0-1 0,21 22 16,-21-21-16,22 21 0,-22-21 0,21 21 15,-21-21-15,0 0 0,0 0 16,0-1-16,0 1 16</inkml:trace>
+  <inkml:trace contextRef="#ctx0" brushRef="#br0" timeOffset="2766.47">4000 1101 0,'0'-21'0,"0"42"0</inkml:trace>
+  <inkml:trace contextRef="#ctx0" brushRef="#br0" timeOffset="2952.37">4043 1080 0,'21'0'0,"0"0"0,0 0 16,22-22-16,-22 22 0,21-21 15,0 21-15,-20 0 0,20-21 0,0 21 16,-21 0-16,1 0 0,-1-21 16,0 21-16,0 0 0,0 0 0,0 0 15,1 0 32</inkml:trace>
+  <inkml:trace contextRef="#ctx0" brushRef="#br0" timeOffset="4652.41">4022 1249 0,'0'-21'62,"0"0"-46,0-1-16,0 1 0,0 0 15,0 0-15,0 0 0,0 0 16,0-22-16,0 22 0,0 0 0,0-21 16,0 20-16,0 1 0,0-21 15,0 21-15,0 0 0,0-1 16,0 1-16,0 0 0,0 0 15,0 0-15,0 0 16,0 42 31,0 0-31,0 0-16,0 0 0,0 0 15,0 1-15,0 20 0,0-21 16,0 21-16,0-20 0,0 20 0,0 0 15,0-21-15,0 22 0,0-1 16,0 0-16,0-20 0,0 20 16,0 0-16,-22 1 0,22-22 15,0 21-15,0-21 0,0 22 0,0-22 16,0 0-16,0 21 0,0-21 16,0 1-16,0-1 0,0 0 0,0 0 15,0 0-15,0 0 16,0 1-1,22-22 1,-1 0-16,0 0 16,0 0-16,0-22 15,0 22 1,-21-21-16,22 21 0,-1-21 0,0 0 16,0 21-16,0-21 0,0 0 15,1 21-15,-1-22 0,0 22 0,0-21 16,0 21-16,0 0 0,1-21 15,-44 21 64,1 21-79,0-21 0,0 21 15,0-21-15,0 22 0,-1-22 16,1 21-16,-21 0 0,21-21 15,0 21-15,-1-21 0,1 0 0,21 21 16,-21-21-16,42-21 47,0 0-31,1 21-16,-1-21 0,0 21 0,0 0 15,0 0 1,-21 21 15,-21-21-31,0 21 0,0-21 16,21 21-16,-21-21 0,-1 0 15,22-21 1,0 0 0,0 0-16,0 0 0</inkml:trace>
+  <inkml:trace contextRef="#ctx0" brushRef="#br0" timeOffset="5284.04">4000 1016 0,'0'0'0,"-21"0"16,21 21-1,-21-21-15,0 21 0,0-21 0,0 0 16,21 22-16,-22-22 0,1 0 16,-21 21-16,21-21 0,0 0 15,-1 0-15,22 21 0,-21-21 0,0 0 16,0 0-1,21 21 1,21-21 0,0 0-16,0 0 0,22 0 15,-22 0-15,21 0 0,1-21 16,-1 0-16,21 21 0,-20-21 0,-1 21 16,22-22-16,-22 22 0,21-21 15,-20 0-15,-1 21 0,0 0 16,-20-21-16,20 21 0,-21 0 15,-42 0 1,0 0 0,-22 0-16,22 0 0,-21 0 15,0 21-15,-1-21 0,-20 21 0,20-21 16,1 21-16,0-21 0,-1 22 16,1-22-16,21 21 0,-21-21 0,20 0 15,1 0-15,21 21 0,21-21 31,1 0-31,20 0 16,-21 0-16,21-21 0,-20 0 16,20 21-16,-21-22 0,21 1 15,-20 21-15,-1-21 0,21 0 16,-42 0-16,21 21 0,-21-21 16,0-1-16,0 1 15</inkml:trace>
+  <inkml:trace contextRef="#ctx0" brushRef="#br0" timeOffset="6681.72">4212 868 0,'0'-21'15,"0"0"-15,0-1 16,0 1-16,0 0 0,0 0 0,0 0 16,0 0-16,0-1 0,0 1 15,0 0-15,0 0 0,-21 21 47,0 21-47,21 0 0,-21 0 16,-1 22-16,22-22 0,0 21 15,-21 1-15,0-1 0,0 0 16,21 1-16,-21-1 0,0 0 16,21 1-16,-22-22 0,22 0 0,0 21 15,0-21-15,-21-21 0,21 22 16,21-22 15,1-22-31,-22 1 0,21 0 16,-21-21-16,21 21 0,-21-1 15,21-20-15,-21 0 0,0-1 16,0 1-16,0 0 0,21 21 0,-21-22 16,0 1-16,0 21 0,0 0 15,21-1-15,-21 1 0,0 0 16,0 0-16,0 0 16,0 42 15,0 0-31,0 0 0,0 22 15,0-22-15,0 21 0,0 0 16,-21 1-16,21-1 0,-21 0 16,21 1-16,0-22 0,-21 21 0,21-21 15,0 1-15,0-1 0,0 0 16,0 0-16,0-42 31,0 0-15,21 0-16,0-1 0,-21-20 15,21 0-15,-21 21 0,0-22 0,0 1 16,0 21-16,0-22 0,0 22 16,0-21-16,0 21 0,0 0 15,0-1-15,0 44 32,0-1-32,0 0 15,0 21-15,0-21 0,0 22 16,0-1-16,0 0 0,0 1 15,0-1-15,0 0 0,0 1 16,0-1-16,0 0 0,0 1 0,0-22 16,-21 21-16,21 1 0,0-22 15,0 0-15,0 21 0,0-21 0,0 1 16,0-1-16,0 0 0,0 0 16,0 0-16,0 0 0,0 1 15,0-1-15,21-21 31,1 0-31,-1 0 16,0-21-16,0-1 16,0 1-16,0 21 15,1-21-15,-1 0 0,0 0 0,21 21 16,-21-21-16,1-1 0,20 1 16,-21 21-16,0-21 0,22 21 15,-22 0-15,0-21 0,0 21 0,0 0 16,-42 0 15,0 21-15,0-21-16,0 21 0,-22-21 0,22 21 15,-21 1-15,-1-22 0,22 21 16,-21 0-16,21-21 0,-22 21 0,22-21 16,0 21-16,0-21 15,0 0-15,0 0 0,21 21 0,-22-21 16,44 0 15,-1 0-31,0 0 0,0-21 16,0 21-16,0-21 0,22 21 15,-22-21-15,0 21 0,0 0 0,0-21 16,1 21-16,-1-21 0,-42 21 31,-1 21-15,-20 0-16,21 0 0,0 0 0,-22-21 15,22 21-15,0 1 16,0-1-16,0-21 0,21 21 0,0 0 16,21-21 31,0 0-47,-21-21 0,21 21 0,-21-21 15,21 21-15,1-21 16</inkml:trace>
+  <inkml:trace contextRef="#ctx0" brushRef="#br0" timeOffset="7931.08">5842 1291 0,'0'21'31,"-21"-21"-16,0 0 1,-1 0-16,1 0 0,0 22 16,0-22-16,0 0 15,0 0-15,-1 21 16,44-21 31,-1 0-47,0 0 0,21 0 15,-21 21-15,22-21 0,20 0 0,-20 0 16,20 0-16,1 0 0,-1 0 16,1 0-16,-1 0 0,22 0 15,-1 0-15,1 0 0,-21-21 0,20 21 16,1-21-16,-22 21 0,22 0 16,-21 0-16,-22-22 0,0 22 15,1 0-15,-1 0 0,-21 0 0,0 0 16,0 0-16,-42 0 62,0 0-46,0 0-16,0 0 16,0 0-16,-1 0 0,1 0 15,0 0-15,0 0 0,0 0 0,-22 0 16</inkml:trace>
+  <inkml:trace contextRef="#ctx0" brushRef="#br0" timeOffset="8381.87">5948 1397 0,'-21'0'15,"42"0"-15,-64 0 0,22 0 0,0 0 16,0 0-16,42 21 63,0-21-63,0 0 15,22 0-15,-1 0 0,0 0 16,1 0-16,20 0 0,-20 0 15,20 0-15,1-21 0,20 21 0,-20 0 16,20 0-16,1-21 0,-21 21 0,20 0 16,-20 0-16,-1 0 0,-20 0 15,-1 0-15,0 0 0,22 0 16,-43 0-16,0 0 16,-21-21 46,0 0-46,0-1-1,-21 1-15</inkml:trace>
+  <inkml:trace contextRef="#ctx0" brushRef="#br0" timeOffset="8931.08">6879 995 0,'-21'-21'0,"42"42"0,-63-42 15,21 21 1,21 21 15,0 0-15,21 0-16,0-21 0,0 21 15,0 1-15,0-22 16,1 21-16,-1 0 0,21 0 0,-21-21 16,0 21-16,22 0 0,-22-21 15,0 22-15,21-22 0,-20 0 0,-1 21 16,0-21-16,0 0 0,0 0 16,0 21-16,1-21 0,-1 0 15,-21 21 16,0 0-31,0 0 16,-21-21-16,-1 22 0,1-1 16,-21-21-16,21 21 0,-22 0 15,22 0-15,-21 0 0,0 1 16,-1 20-16,1-21 0,-22 21 0,22-20 16,0 20-16,-22-21 0,22 21 15,21 1-15,-22-22 0,22 21 16,0-21-16,0 1 0,0-1 0,21 0 15,0 0-15,0 0 16,21-42 47,0 21-48,0-21-15,-21 0 0,43 21 16,-22-21-16</inkml:trace>
+  <inkml:trace contextRef="#ctx0" brushRef="#br0" timeOffset="11481.32">9969 1969 0,'22'21'0,"-1"-21"47,0 0-31,-21-21-1,0-1-15,0 1 0,0 0 16,0 0-16,0 0 16,0 0-16,0-22 0,0 22 0,0 0 15,-21 0-15,0 0 0,21-1 16,-43 22-16,22 0 0,0 0 15,0 0-15,0 0 0,-1 22 16,1-1-16,-21 0 0,21 21 0,0-21 16,-1 22-16,1-1 0,0-21 15,0 22-15,0-1 0,21 0 0,0-21 16,0 1-16,0-1 0,0 0 16,0 0-16,0 0 0,21-21 15,0 0-15,21 0 16,-20 0-16,20 0 0,-21 0 0,21-21 15,-20 0-15,20 0 0,0 0 16,-21-1-16,1 1 0,20 0 0,-21 0 16,-21 0-16,21-22 0,-21 22 0,0 0 15,0 0-15,0 0 0,0 0 16,0 42 15,0 0-31,0 0 0,-21 21 16,21-20-16,0-1 0,0 0 15,0 21-15,0-21 0,0 1 16,0-1-16,0 0 0,0 0 16,0 0-16,21-21 0,0 0 15,1 0-15,-1 0 0,0 0 16,0 0-16,0 0 0,22-21 0,-22 0 16,0 21-16,0-21 0,21 0 0,-20-22 15,-1 22-15,-21-21 0,21-1 16,-21 1-16,21 0 0,-21-1 0,0 1 15,0-21-15,0 20 0,-21-20 16,0 20-16,-22 1 0,22 0 0,-21-1 16,0 1-16,-1 0 0,-20 21 15,-1-1-15,22 1 0,-43 0 16,22 21-16,-1 0 0,1 0 16,-1 0-16,1 21 0,-1 0 0,1 22 15,-1-1-15,22 0 0,-22 22 16,22-1-16,0 1 0,21-1 0,-22 22 15,22-21-15,21 20 0,0-20 16,0-1-16,0 22 0,0-22 0,21-20 16,0 20-16,1 1 0,20-22 15,-21 0-15,21 1 0,1-1 16,-1-21-16,22 22 0,-22-22 0,21-21 16,-20 21-16,20-21 0,1 0 0,-22 0 15,0 0-15,22 0 0,-22-21 16,1 21-16,-1-21 0,0-1 15,1 1-15,-22 0 0,0 0 0,0 0 16,21-22-16,-42 22 0,22 0 16,-1 0-16</inkml:trace>
+  <inkml:trace contextRef="#ctx0" brushRef="#br0" timeOffset="11768.16">10964 1524 0,'0'0'0,"-21"0"0,0 0 15,0 21-15,0 0 16,21 22-16,-22-22 0,22 42 16,0-20-16,0-1 0,-21 0 0,21 22 15,0-22-15,-21 1 0,21 20 16,0-21-16,0-20 0,0 20 15,-21 0-15,21-21 0,0 1 0,0-1 16,0 0-16,21-21 31,-21-21-15,0 0-16,21-1 0,0-20 0,1 21 16</inkml:trace>
+  <inkml:trace contextRef="#ctx0" brushRef="#br0" timeOffset="12297.87">10837 1609 0,'-21'-21'0,"42"42"0,-42-64 0,0 43 16,21-21-16,0 0 15,0 0-15,21 0 0,0 21 16,0 0-16,22-21 0,-22 21 16,21 0-16,1 0 0,-22 0 15,21 0-15,0 0 0,1 0 16,-22 21-16,0 0 0,0 0 0,0 0 15,-21 22-15,0-1 0,0-21 0,0 21 16,0 1-16,-21-22 0,-21 21 16,21 1-16,-22-22 0,1 0 0,21 0 15,-21 0-15,20 0 0,-20-21 16,21 0-16,21-21 16,0 0-1,0 0-15,21 0 0,0 21 0,0-21 16,22-1-16,-22 22 0,21-21 15,1 21-15,-1 0 0,0 0 16,1 0-16,-1 0 0,-21 0 16,21 0-16,-20 0 0,20 21 0,-21 1 15,21-1-15,-20 0 0,-1 21 0,-21-21 16,0 1-16,0 20 0,0 0 16,0-21-16,0 22 0,-21-22 0,-1 0 15,-20 21-15,0-20 0,-1 20 16,1-21-16,-21 0 0,-1 0 0,22 1 15,-22-22-15,22 21 0,-22-21 16,22 0-16,0 0 0,-1 0 0,22 0 16,0 0-16,0-21 0,0 21 0,21-22 15,0 1 1,0 0-16,21 21 0,-21-21 16,21 21-16,21-21 0,-20 0 15,-1 21-15,21-22 0,0 1 0</inkml:trace>
+  <inkml:trace contextRef="#ctx0" brushRef="#br0" timeOffset="13092.75">11853 1566 0,'-21'0'0,"0"0"15,21 22-15,0-1 16,0 0-16,0 0 0,0 0 16,0 22-16,0-22 0,0 21 0,0 0 15,0 1-15,0-1 0,0 0 16,0 1-16,0-22 0,0 21 0,0 1 16,0-22-16,-21 0 0,21 21 0,-21-21 15,21 1-15,0-1 16,0-42 15,0-1-15,0 1-16,-22 0 0,22-21 15,0 21-15,0-22 0,0 1 16,0 0-16,0-22 0,0 22 0,22-1 16,-1 1-16,-21 0 0,21-1 15,0 1-15,0 21 0,22-21 16,-22 20-16,21 1 0,-21 0 0,22 0 15,-22 21-15,21 0 0,0 0 0,-20 0 16,-1 0-16,21 21 0,-21 0 16,0 22-16,1-22 0,-1 21 15,0 0-15,0 1 0,-21-1 16,0 0-16,0 1 0,0-1 0,0 22 16,0-22-16,0-21 0,0 0 15,0 0-15,0 1 0,-21-1 16,0-21-1,0 0 1,21-21-16,0-22 16,0 22-16,0 0 0,0-21 0,0 20 15,0-20-15,21 0 0,0-1 16,0-20-16,0 21 0,0-1 16,1 1-16,-1 0 0,0 20 0,21 1 15,-21 0-15,22 0 0,-1 0 0,-21 21 16,22 0-16,-1 0 15,0 21-15,1 0 0,-1 0 0,-21 0 16,0 22-16,0-1 0,1 0 16,-1 1-16,-21-1 0,0 22 0,0-22 15,0 0-15,0 22 0,0-22 0,-21 0 16,-1 1-16,22-1 0,-42 43 16,21-64-16,0 21 0,21-21 15,-21 1-15,21-1 0,-22 0 16,22 0-16</inkml:trace>
+  <inkml:trace contextRef="#ctx0" brushRef="#br0" timeOffset="13614.5">9631 3090 0,'0'0'0,"-21"22"0,-1-22 16,1 0-16,0 0 0,0 0 16,42 0 31,0 0-47,22 0 0,20 0 15,22 0-15,-1 0 0,22 0 16,21-22-16,0 1 0,0 21 0,21-21 15,22 0-15,-22 21 0,21-21 16,-21 0-16,22 21 0,-22-22 0,0 22 16,0-21-16,-21 21 0,0-21 15,0 21-15,-21-21 0,0 21 0,-21 0 16,-1-21-16,-20 21 0,-1 0 16,1 0-16,-22-21 0,-21 21 0,43 0 15,-85 0 16,-1 0-31,-20 0 0,21 0 16,-21 0-16,-1 21 0,-20-21 0,20 0 16,-20 21-16,-22-21 0,22 21 15</inkml:trace>
+  <inkml:trace contextRef="#ctx0" brushRef="#br0" timeOffset="13965.81">10245 3450 0,'0'0'0,"-85"21"0,0 1 16,22-22-16,-1 21 0,1-21 0,20 0 15,1 0-15,21 0 0,0 0 16,42 0 0,21 0-16,22 0 0,-1 0 0,1 0 15,20 0-15,22 0 0,0-21 16,0 21-16,0-22 0,21 22 0,0 0 15,0-21-15,21 21 0,-21 0 16,0-21-16,0 0 0,21 21 0,-42 0 16,21 0-16,-21-21 0,0 21 0,-1 0 15,-20 0-15,-21 0 0,-1 0 16,-21-21-16,1 21 0,-1 0 0,-21 0 16,0 0-16,-42 0 31,-21 0-31,21 21 0,-22-21 0,-20 21 15,-1 0-15,1-21 0,-22 21 16,1 0-16,-1 1 0</inkml:trace>
+  <inkml:trace contextRef="#ctx0" brushRef="#br0" timeOffset="14340.59">10054 4255 0,'0'0'0,"-63"21"0,-1 0 15,22-21-15,-1 21 0,1-21 0,0 0 16,21 21-16,-1-21 16,1 0-16,0 0 0,21 21 15,42-21 1,-20 0-16,41 0 0,1 0 16,-1 0-16,22-21 0,21 0 0,-1 21 15,22-21-15,-21 21 0,21-21 16,0 0-16,0 21 0,0 0 0,0-22 15,0 22-15,-21 0 0,21 0 16,-21-21-16,0 21 0,-22 0 0,22 0 16,-42-21-16,20 21 0,-20 0 0,-22 0 15,22 0-15,-43-21 0,21 21 16,-21 0-16,1 0 0,-44 0 31,1 0-31,0 0 0,-21 0 16,-1 0-16,-20 21 0,21-21 15,-22 0-15,1 21 0,-1-21 0,1 21 16,-1-21-16,-21 22 0</inkml:trace>
+  <inkml:trace contextRef="#ctx0" brushRef="#br0" timeOffset="14672.84">9885 4868 0,'-43'22'0,"86"-44"0,-107 65 0,22-22 0,42 0 15,0 0 1,21-21-16,21 0 0,1 0 0,20 0 16,22 0-16,0-21 0,-1 21 0,22-21 15,0 0-15,0 21 0,21-21 16,0 21-16,0 0 0,-21-22 0,21 22 16,0 0-16,-22-21 0,22 0 0,-21 21 15,0-21-15,169 0 16,-190 21-16,-22-21 15,1 21-15,-22 0 0,1-22 0,-1 22 16,-21 0-16,21 0 0,-20 0 16,-1 0-16,0 0 15,-42 0 17,0 0-32,-1 0 15</inkml:trace>
+  <inkml:trace contextRef="#ctx0" brushRef="#br0" timeOffset="16065.12">10075 7197 0,'-21'0'0,"21"21"15,0-42 17,0 0-32,0-1 0,0 1 15,0 0-15,0 0 0,21 0 16,-21 0-16,0-22 0,0 22 0,0 0 15,0-21-15,0 20 0,0 1 0,-21-21 16,0 21-16,0 0 0,0-1 16,-1 1-16,-20 0 0,21 21 15,-21 0-15,20 0 0,-20 0 0,0 0 16,21 0-16,-22 21 0,1 0 0,21 22 16,-22-22-16,22 21 0,0 1 0,0-1 15,0 0-15,0 1 16,-1-1-16,22 0 0,0 1 0,0-1 15,0-21-15,0 21 0,0-20 0,0-1 16,0 0-16,22 0 0,-1-21 16,0 0-16,0 0 0,0 0 0,0 0 15,22-21-15,-1 0 0,-21 0 0,22-1 16,-22 1-16,21-21 0,22-22 16,-43 43-16,0-21 0,0 21 15,0-22-15,-21 1 0,21 21 16,-21-21-16,0 20 0,0 1 15,0 0-15,0 0 0,0 0 0,0 0 16,-21 21-16,0 0 16,21 21-16,-21 0 0,21 0 15,-42 85-15,42-64 16,0 1-16,0-1 0,0 0 16,0 1-16,0-22 0,0 21 0,0 0 15,21-20-15,0-1 0,0 0 0,0 0 16,0 0-16,1-21 15,20 0-15,-21 0 0,21 0 0,-20 0 0,20-21 16,-21 0-16,43-21 16,-22-1-16,-21 22 0,0-21 15,22-1-15,-22 1 0,-21 21 0,21-21 16,-21-1-16,0 1 0,0 0 0,0-22 16,0 22-16,-21-1 0,0 1 15,-1 0-15,1-22 0,-21 22 0,0 0 16,-1-1-16,1 1 0,0 0 15,-22 20-15,1 1 0,-1 0 0,1 0 16,-1 21-16,1 0 0,-1 0 0,1 0 16,-1 21-16,1 0 0,-1 0 15,1 22-15,-1-1 0,1 0 0,20 1 16,-20 20-16,20 1 0,1-1 16,21 1-16,-21-1 0,20 22 0,1-22 15,21 22-15,0 0 0,0-22 16,0 22-16,43 42 15,-22-64-15,21 1 0,0-22 0,-20 1 16,20-1-16,0 0 0,1-21 0,20 1 16,-21-1-16,1 0 0,-1-21 15,0 0-15,22 0 0,-22 0 0,1 0 16,20 0-16,-21 0 0,22-21 0,-22 0 16,1-1-16,20 1 0,22-42 15,-43 42-15,0-1 16,1-20-16,-22 0 0,21 21 0</inkml:trace>
+  <inkml:trace contextRef="#ctx0" brushRef="#br0" timeOffset="16373.51">10583 6604 0,'-21'0'32,"42"0"-32,-21 0 15,21 0-15,1 0 0,20-21 0,0 21 16,22-21-16,-22 0 0,22 21 0,-22-22 16,21 1-16,1 21 0,-1-21 15,-20 0-15,-1 21 0,0 0 0,1-21 16,-22 21-16,0 0 0,0 0 15,-42 21 1,0-21-16,0 21 16,0 0-16,-22-21 0,22 21 15,0-21-15,-21 0 0</inkml:trace>
+  <inkml:trace contextRef="#ctx0" brushRef="#br0" timeOffset="16639.97">11049 6541 0,'-21'0'16,"0"0"-16,-1 0 15,1 0 1,21 21-16,-21 0 0,21 0 16,-21 0-16,21 0 0,-21 22 15,21-22-15,0 21 0,0 1 0,0-1 16,0 0-16,0 1 0,0-1 0,0 0 16,0 22-16,0 84 15,-21-63 1,21-64-16,0 21 0,0-21 0,0 0 0,0 1 15,0-1-15,21-21 16,0 0 0,0 0-16,0-21 0,-21-1 15,21 1-15,1 0 0,-1 0 16,0-21-16,0-1 0,0 22 0</inkml:trace>
+  <inkml:trace contextRef="#ctx0" brushRef="#br0" timeOffset="17697.39">11324 7027 0,'0'0'0,"21"0"15,0 0-15,1 0 16,-1 0-16,0 0 16,0 0-16,-21-21 0,21 21 0,0-21 15,1 0-15,-1 0 0,-21 0 16,0-1-16,0 1 0,0 0 15,0 0-15,0 0 0,0 0 16,-21 21-16,-1 0 0,1 0 16,0 0-16,0 0 0,21 21 15,-21-21-15,0 21 0,-1 21 0,1-21 16,0 1-16,21 20 0,0-21 16,-21 21-16,21 1 0,0-1 15,0-21-15,0 22 0,0-1 0,0-21 0,0 0 16,21 22-16,0-22 15,-21 0-15,21-21 0,22 21 0,-22-21 16,0 0-16,21 0 0,-20 0 0,20-21 16,0 21-16,-21-21 0,22 0 15,-1-22-15,0 22 0,1-21 0,-1 21 16,0-22-16,-20 1 0,20 21 0,-21-22 16,43-84-1,-43 85-15,-21 21 16,-21 21-1,-1 21 1,22 0-16,-21 0 0,21 1 0,-21-1 16,21 0-16,0 0 0,0 21 0,0-20 15,0-1-15,0 0 0,0 0 16,21 0-16,0 0 0,-21 1 0,22-1 16,-1 0-16,0-21 0,-21 21 0,21-21 15,-42 0 16,0 0-15,0 0-16,-1 0 0,1-21 16,0 21-16,0 0 0,0 0 15,0 0-15,-1 0 0,1 0 0,0 0 0,0 21 32,21 0-32,0 0 0,0 1 15,0-1-15,21-21 0,0 21 16,0-21-16,1 0 0,-1 21 15,21-21-15,-21 0 0,22 0 0,-1 0 16,0 0-16,1 0 0,-1-21 0,0 21 16,1-21-16,-1 0 0,-21-1 15,21 1-15,1-21 0,-22 21 0,0-22 16,0 1-16,0 0 0,1-1 16,-1 1-16,-21 0 0,21-22 15,-21 22-15,0-22 0,0 1 0,0-1 0,0 1 16,0 21-16,0-22 0,0 22 15,0-1-15,0 22 0,0-21 16,0 21-16,0 0 0,0 42 16,-21 0-1,0 21 1,21 1-16,0-1 0,-22 0 0,22 22 0,0-22 16,0 22-16,0-22 0,0 0 15,0 22-15,0-22 0,0 0 0,0 1 16,0-1-16,0 0 0,0 1 15,0-1-15,0 0 0,0-20 0,22 20 16,-22-21-16,21 0 0,-21 0 16,0 1-16,21-1 0,0 0 0,0-21 15,0 0-15,1 0 0,-1 0 16,0 0-16,0-21 16,0 0-16,0 21 0,1-22 0,-22 1 15,21 0-15,0 0 0,-21 0 0,21-22 16,-21-20-1,0 42-15,0-22 0</inkml:trace>
+  <inkml:trace contextRef="#ctx0" brushRef="#br0" timeOffset="17948.36">12488 6731 0,'-21'0'0,"42"0"0,-63 0 0,42 21 15,21-21 1,0 0-16,0 0 15,22 0-15,-1 0 0,0 0 16,1 0-16,-1 0 0,0-21 0,1 21 16,41-21-16,-41 21 0,-1-21 15,0 21-15,-20 0 0,-1 0 16,0-21-16,0 21 0,0 0 16,0 0-16,-42 0 46,0 21-46,0 0 0</inkml:trace>
+  <inkml:trace contextRef="#ctx0" brushRef="#br0" timeOffset="18705.21">9927 8424 0,'0'0'0,"-42"0"0,21 22 16,-22-22-16,1 0 0,0 0 0,-1 0 0,22 0 16,-21 0-16,-1 0 0,22 0 15,0 0-15,-21 0 0,21 0 16,-1 0-16,44 0 31,-1 0-31,0 0 16,21 0-16,22 0 0,-1 0 15,22 0-15,0 0 0,20-22 0,1 22 16,0-21-16,21 21 0,21-21 0,191 0 16,-170 0-16,1 21 15,-1-21-15,0 21 0,1-22 0,-1 22 16,-21-21-16,0 21 0,-21 0 0,-21-21 15,0 21-15,0 0 16,-22-21-16,-20 21 0,-1 0 0,-20 0 16,-22 0-16,0 0 0,0 0 0,0 0 15,-21-21 1,-21 21-16,0 0 16,0 0-16,0 0 0,0 0 0,-22 0 15,22 0-15,0 0 0,-21 0 16,20 0-16,-20 0 0,0 21 15,-1 0-15,1-21 0,-21 21 0,-1 0 0</inkml:trace>
+  <inkml:trace contextRef="#ctx0" brushRef="#br0" timeOffset="19152.13">10075 8911 0,'-42'0'16,"84"0"-16,-126 0 0,41 0 0,1 0 0,0 0 0,20 0 15,-20 0-15,21 0 0,42 0 32,0-21-32,43 21 15,-22 0-15,22-21 0,20 21 16,1-21-16,0 21 0,20-21 0,22 21 15,0-22-15,22 1 0,-1 21 0,0-21 16,0 21-16,21-21 0,-20 0 16,-1 21-16,0-21 0,0 21 0,-21 0 15,-21-22-15,21 22 0,-42 0 16,-1 0-16,1-21 0,-22 21 0,1 0 16,-22 0-16,1 0 0,-1-21 0,-21 21 15,0 0-15,0 0 0,-42 0 31,0 0-31,0 0 0,0 0 16,0 0-16,-43 0 0,43 0 16,0 0-16,-22 21 0,22 0 15,-21-21-15,0 22 0,-1-22 0,-20 21 16,20 0-16,-20 0 0,-1 0 0,1 0 16</inkml:trace>
+  <inkml:trace contextRef="#ctx0" brushRef="#br0" timeOffset="19583.03">10012 9631 0,'0'0'0,"-43"21"0,1-21 16,0 0-16,-1 0 0,1 21 15,21-21-15,0 0 0,0 0 0,63 0 31,-21 0-31,43-21 16,-22 0-16,21 0 0,22 0 0,0-1 16,126-20-16,-84 21 0,0 0 15,22 0-15,-22-1 0,21 1 16,0 0-16,-21 0 0,-21 0 0,21 21 16,-21-21-16,-1 21 0,1 0 0,0 0 15,-21-22-15,21 22 0,-1 0 16,-20 0-16,0 0 0,-22-21 15,1 21-15,-1 0 0,-20 0 0,-1 0 16,0-21-16,-21 21 0,22 0 16,-22 0-16,-42 0 31,0 0-31,-1 0 0,1 0 16,0 0-16,0 0 0,0 0 15,-22 0-15,22 0 0,0 0 0,-64 0 16,64 21-16,-21-21 15,-22 21-15,22-21 0,-21 22 0</inkml:trace>
+  <inkml:trace contextRef="#ctx0" brushRef="#br0" timeOffset="19984.98">10096 10012 0,'0'0'0,"-63"21"0,21-21 16,-22 21-16,22-21 0,-22 0 0,22 21 16,21-21-16,0 0 0,-1 0 15,44 0 1,20 0-16,0 0 0,22 0 16,-1 0-16,22-21 0,0 0 0,20 21 15,1-21-15,21 21 0,0-21 16,0 0-16,0 21 0,21-22 0,1 1 15,-22 0-15,21 21 0,-21-21 0,0 21 16,-21-21-16,21 0 0,-22 21 16,1 0-16,-21-22 0,21 22 0,-43 0 15,22-21-15,-22 21 0,-20 0 0,20 0 16,-20 0-16,-1-21 0,-21 21 0,21 0 16,-20 0-16,-1 0 15,-42 0 16,-1 0-31,-20 0 0,0 0 0,-1 0 16,1 0-16,0 0 0,-22 0 16,1 21-16,-1-21 0,-20 21 0</inkml:trace>
+  <inkml:trace contextRef="#ctx0" brushRef="#br0" timeOffset="20397.45">10435 10456 0,'-85'22'0,"170"-44"0,-233 65 16,84-22-16,1 0 0,21 0 0,-1 0 16,1 1-16,0-22 0,20 21 0,1-21 15,0 0-15,21 21 16,21-21 0,22 0-16,-1 0 0,0 0 15,22 0-15,-1-21 0,1 0 0,20-1 16,1 1-16,21 0 0,0 21 15,21-21-15,0 0 0,0 0 0,0-1 16,0 1-16,0 0 0,0 21 16,0-21-16,-21 0 0,-1 0 0,1 21 0,0-22 15,-21 22-15,-1 0 16,-20-21-16,-1 21 0,1 0 0,-1 0 16,-20-21-16,-1 21 0,0-21 0,-20 21 15,20 0-15,-21 0 16,-21-21-1,-21 21 1,0 0-16,0 0 0,-22 0 16,22 0-16,-21 0 0,-22 21 0,22-21 15,-85 21-15,-21 21 16,63-20-16,0-1 0</inkml:trace>
+  <inkml:trace contextRef="#ctx0" brushRef="#br0" timeOffset="20739.9">10287 10986 0,'-42'21'0,"84"-42"0,-127 63 0,43-21 0,21-21 15,0 0-15,-1 21 0,44-21 32,20 0-32,-21-21 0,43 21 0,-22-21 15,21 21-15,1-21 0,21 0 0,-1 21 16,22-22-16,-21 22 15,21-21-15,-1 0 0,1 21 0,0 0 16,0-21-16,0 21 0,0 0 0,-1-21 16,1 21-16,0 0 0,0 0 0,0 0 15,-22-21-15,1 21 0,0 0 16,-22 0-16,22 0 0,-43 0 0,22 0 16,-22 0-16,43 0 15,-43 0-15,-21 0 0,0 0 0,1 0 0,-1 0 16,0 0-16,0 21 15,-21 0 1,-21-21 0,0 21-16,0-21 0</inkml:trace>
+  <inkml:trace contextRef="#ctx0" brushRef="#br0" timeOffset="22098.4">10541 13610 0,'0'0'0,"0"21"16,21-21-16,0 0 15,-21-21-15,21 0 0,1 0 16,-1 0-16,0 0 0,21-1 0,-42 1 16,21-42-16,1 42 15,-22-1-15,0-20 0,0 21 0,0 0 16,-22 0-16,1-1 0,0 1 0,-21 0 16,21 0-16,-22 0 0,1 21 15,0 0-15,20 0 0,-20 0 16,0 0-16,-22 21 0,22 0 0,0 0 15,-22 22-15,22-22 16,21 21-16,-1 0 0,1-20 0,0 20 16,21 0-16,0 64 15,21-42 1,-21-43-16,21 0 0,22-21 0,-22 0 16,0 0-16,0 0 0,22 0 0,-22 0 15,21 0-15,-21-21 0,22 0 0,-22-22 16,21 22-16,-21 0 0,0 0 15,22-22-15,-43 22 0,21 0 16,-21-21-16,21 21 0,-21-1 16,0 1-16,0 0 0,0 0 0,0 0 15,0 0-15,-21 42 32,21 0-32,0 0 0,0 0 15,0 22-15,0-22 0,0 21 16,0 0-16,0-20 0,0 20 0,0 0 15,0-21-15,0 1 0,21 20 16,0-21-16,0-21 0,1 21 16,-1-21-16,0 0 0,0 0 0,0 0 15,22 0-15,-22-21 0,21 21 0,-21-21 16,22-21-16,-1 20 0,21-62 16,-41 41-16,20 22 0,-21-21 15,0-22-15,-21 22 0,0 0 16,0-1-16,0 1 0,0 0 0,-21-22 15,0 22-15,0-22 0,-22 22 16,1-21-16,0 20 0,-22 1 0,22 0 16,-85-22-16,63 22 15,1 21-15,21 21 0,-22 0 0,1 0 16,-1 0-16,-21 0 0,22 21 0,-1 0 16,1 0-16,-1 21 15,1 1-15,-1-1 0,22 22 0,0-1 16,-1-21-16,1 85 0,21-63 15,21-1-15,0 1 0,0-1 16,0 1-16,0-1 0,42 64 16,22-21-16,-43-63 15,21-1-15,1-21 0,-1 21 16,0-20-16,22-1 0,-22 0 0,0-21 16,1 0-16,-1 0 0,0 0 15,1 0-15,-1 0 0,0 0 0,1 0 0,-22-21 16,21 21-16,-21-21 0,22-1 15,-22 1-15,0 0 0,21 0 16,22-43-16,-43 43 0,21-21 16</inkml:trace>
+  <inkml:trace contextRef="#ctx0" brushRef="#br0" timeOffset="22684.28">11557 12996 0,'0'-21'0,"0"42"0,0-63 0,0 21 16,-21 21-16,0 0 15,-1 21 1,22 0-16,-21 0 0,21 22 16,-21-22-16,21 21 0,0 1 15,-21-1-15,0 0 0,21 1 0,-21-1 16,21 0-16,-22 1 0,1-1 15,0 0-15,21 1 0,-21-22 0,21 21 16,-21 0-16,21-20 0,0-1 0,0 0 16,0 0-16,0 0 0,0-42 31,21 0-31,-21-21 16,0 20-16,21-20 0,-21 0 15,21 21-15,-21-22 0,0 1 16,21-22-16,1 22 0,-22 0 15,21-22-15,-21 22 0,21-22 0,-21 22 16,0 0-16,21-1 0,0 22 0,0 0 16,-21 0-16,22 0 0,-1 21 15,0 0-15,0 0 0,0 21 16,0 0-16,1 0 0,-22 22 16,21-22-16,-21 21 0,21 0 0,-21 1 15,0-1-15,0 0 0,0 1 0,0-22 16,0 21-16,0 1 0,0 41 15,0-41-15,0-22 16,0 21-16,0-21 0,0 0 0,0 1 0,0-1 16,0 0-16,0 0 15,0 0-15,0-42 32,0 0-17,0 0-15,0 0 0,-21-1 16,0 1-16,21 0 0</inkml:trace>
+  <inkml:trace contextRef="#ctx0" brushRef="#br0" timeOffset="22896.4">11261 13483 0,'0'0'0,"-22"0"0,22 21 16,-21-21-16,42 0 31,1 0-31,-1 0 0,0 0 15,21 0-15,-21-21 0,1 21 0,-1 0 16,21-21-16,-21 0 0,0 21 16,22-21-16,-22 21 0,0-21 0,0 21 15,22-22-15,-22 22 0,0-21 0,0 21 16,21-21-16,-20 0 0,-1 21 16</inkml:trace>
+  <inkml:trace contextRef="#ctx0" brushRef="#br0" timeOffset="23765.27">12213 13081 0,'0'0'0,"0"-42"16,0 21-16,-21 21 16,0 0-16,0 0 15,-1 0 1,22 21-16,0 0 0,0 0 15,-21 0-15,21 0 0,0 1 0,0 20 16,0-21-16,0 21 0,0-20 16,0 20-16,0-21 0,0 21 15,0-20-15,0 20 0,0-21 0,21 21 16,-21-20-16,0-1 0,0 0 16,0 0-16,0 0 0,0 0 15,0-42 16,0 0-31,0 0 0,0 0 16,0-22-16,0 22 0,0-21 0,0 21 16,0-22-16,0 1 0,0 0 15,0-1-15,0 1 0,0 0 16,22 21-16,-22-22 0,21 22 0,0 0 16,-21 0-16,21 0 0,0-1 15,0 22-15,1 0 0,-1 0 16,0 0-16,0 22 15,0-1-15,0 0 0,-21 0 0,0 0 16,22 22-16,-1-22 0,-21 21 0,0-21 16,0 22-16,0-22 0,21 21 15,-21-21-15,0 0 0,0 22 0,0-22 16,0 0-16,0 0 0,0 0 16,0 1-16,-21-22 46,21-22-46,0 1 16,0 0-16,0 0 0,0 0 0,0 0 16,0-22-16,0 22 0,0-21 0,0-1 15,0 1-15,0 0 0,0-1 16,0 1-16,21 0 0,0 21 0,0-22 16,0 1-16,1 21 0,-1-22 15,-21 22-15,21 21 0,0-21 0,0 21 16,0 0-16,1 0 0,-1 0 0,0 21 15,0 0-15,0 1 0,-21 20 16,21-21-16,1 21 0,-22 1 0,0-1 16,0 0-16,21 1 0,-21-1 15,0 22-15,0-22 0,0-21 16,0 21-16,0 1 0,0-1 0,0 0 16,0-20-16,0-1 0,0 21 0,0-21 15,0 0-15,0 1 16,0-1-1,0-42 17,0-1-17,0 1-15,0 0 0,21 0 16</inkml:trace>
+  <inkml:trace contextRef="#ctx0" brushRef="#br0" timeOffset="25255.99">11155 14923 0,'0'0'0,"-21"0"0,-1 0 15,1 0-15,0 0 16,0 0-16,0 0 0,0 0 0,-1 0 16,1 0-16,-21-22 0,21 22 15,0 0-15,-1 0 0,1 0 16,0 0-16,0 0 0,21-21 0,-21 21 15,0 0-15,-1 0 0,1 0 32,42 0-17,1 0 1,-1 0-16,21 0 0,0 0 16,22 0-16,-22 0 0,43 0 0,-22-21 15,22 21-15,-21-21 0,41 21 0,-20 0 16,21-21-16,0 21 0,148-21 15,-127 21-15,0-22 16,0 1-16,0 21 0,0 0 16,0 0-16,-21-21 0,-1 21 0,1 0 15,0 0-15,-21 0 0,-22-21 16,1 21-16,-1 0 0,-20 0 0,-1 0 16,-21 0-16,0 0 0,0 0 0,-21-21 15,-21 21 32,0 0-47,0 0 16,-21 0-16,20 0 0,-20 21 15,21-21-15,-21 21 0,-1-21 16</inkml:trace>
+  <inkml:trace contextRef="#ctx0" brushRef="#br0" timeOffset="25768.91">11091 15282 0,'0'0'0,"-21"22"0,0-22 15,0 0-15,42 0 63,21 0-63,1 0 0,-1 0 16,21 0-16,-20 0 0,41 0 0,-20 0 15,21 0-15,-1 0 0,22 0 16,0-22-16,21 22 0,0-21 0,-21 21 15,148-21-15,-127 0 16,0 21-16,-21 0 0,-1 0 16,1-21-16,-21 21 0,0 0 0,-1 0 15,-20 0-15,-22-21 0,22 21 16,-43 0-16,21 0 0,-21 0 0,0 0 16,1 0-16,-44 0 62,1 0-46,0 0-16,0 21 0,-21-21 0,20 21 15,-20-21-15,21 21 16,-21-21-16,-1 21 0,22 0 0,-21-21 16</inkml:trace>
+  <inkml:trace contextRef="#ctx0" brushRef="#br0" timeOffset="26250.64">10985 15917 0,'-42'0'0,"84"0"0,-126 22 16,63-22-16,-1 0 0,1 0 15,42 0 1,1 0 0,-1 0-16,21-22 0,0 22 15,1 0-15,20 0 0,1-21 0,-1 21 16,22-21-16,-22 21 0,22-21 0,21 21 16,-21-21-16,20 0 0,1 21 15,0-22-15,21 22 0,-21-21 0,0 21 16,0 0-16,-1-21 0,1 21 0,-21 0 15,0 0-15,-1-21 0,-20 21 16,-1-21-16,1 21 0,-1 0 16,1 0-16,-22 0 0,0 0 0,1 0 15,-22 0-15,21 0 0,-21 0 16,1 0-16,-1 0 0,0 0 0,-42 0 47,0 0-32,-1 0-15,-20 0 0,21 21 16,-21 0-16,20-21 0,-20 21 16,0-21-16,-1 21 0,1-21 15,0 22-15,-1-1 0</inkml:trace>
+  <inkml:trace contextRef="#ctx0" brushRef="#br0" timeOffset="26655.61">11028 16425 0,'0'0'0,"-21"22"0,-1-22 16,1 21-16,0-21 0,42 0 31,0 0-31,22 0 15,-1 0-15,0 0 0,22 0 16,-1 0-16,22 0 0,0-21 0,-1 21 16,1-22-16,21 1 0,0 21 0,0-21 15,21 0-15,-22 0 0,1 0 16,0-1-16,0 22 0,-21-21 0,20 0 16,-20 21-16,-21 0 0,20-21 0,-20 21 15,-1 0-15,-20 0 0,-1 0 16,0-21-16,1 21 0,-22 0 0,0 0 15,-42 0 32,0 0-31,-1 0-16,1 0 0,-21 0 16,21 0-16,-22 0 0</inkml:trace>
+  <inkml:trace contextRef="#ctx0" brushRef="#br1" timeOffset="33996.33">13060 9038 0,'0'-21'32,"0"0"-1,0 0-15,0 0-1,0-1 1,0 1-1,0 0 1,0 0 15,-21 21-31,-1-21 16,1 21 0,0 0-1,0 0-15,0 0 0,0 0 0,-1 0 16,1 0-16,0 0 15,0 21-15,0-21 0,0 21 16,-1 0-16,1-21 0,0 21 16,21 1-16,0-1 0,-21-21 0,21 21 15,-21 0-15,21 0 0,0 0 16,0 1-16,0-1 0,0 0 16,0 0-16,0 0 15,0 0-15,0 1 16,21-1-16,0-21 0,0 21 15,0-21-15,1 0 16,-1 21-16,0-21 0,0 0 16,0 0-16,0 0 0,1 0 15,-1 0-15,0 0 0,0 0 0,0 0 16,0-21-16,1 21 0,-1 0 0,0-21 16,0 21-16,0-21 0,0-1 15,1 1-15,-22 0 16,21 0-16,-21 0 15,21 21-15,-21-21 0,0-1 0,0 1 16,0-21-16,0 21 0,0 0 16,0-1-16,0 1 0,0 0 15,-21 0-15,0 0 0,-1 0 0,1 21 16,0-22-16,0 1 0,0 21 16,0 0-16,-22 0 0,22 0 0,0 0 15,-21 0-15,20 0 0,1 0 16,-21 0-16,21 21 0,0 1 0,-22-1 15,22-21-15,0 21 0,0 0 16,-22 0-16,43 0 0,-21 1 16,0-1-16,21 0 0,-21 0 15,21 0-15,0 0 0,0 1 16,21-22 0,0 0-1,0 0-15,22 0 0,-22 0 16,0 0-16,0 0 0,22 0 15,-22-22-15,21 22 0,-21-21 0,22 21 16,-22-21-16,21 0 0,-21 21 16,22-21-16,-22 0 0,0 21 0,0-22 15,0 1-15,-21 0 16,-21 21 15,0 0-31,0 0 0,0 0 16,-1 0-16,1 0 0,-21 0 0,21 21 15,0 0-15,-22-21 0,22 22 16,0-22-16,0 21 0,-22 0 16,22 0-16,0-21 0,0 0 15,21 21-15,0 0 0,21-21 32,0 0-17,0-21-15,22 21 0,-22-21 16,0 0-16,21 21 0,-20-21 15,20 0-15,-21 21 0,21-22 16,-20 1-16,-1 0 0,0 21 16,0-21-16,-21 0 0,21 21 0,-63 0 31,21 0-31,0 0 0,-1 0 16,-20 0-16,21 21 0,0-21 0,-22 21 15,22 0-15,0-21 0,0 21 16,0 1-16,0-22 0,-1 21 0,1 0 15,0-21-15,21 21 16,-21 0-16,21 0 0,21-21 31,0 0-31,0 0 16,1 0-16,-1 0 0,21 0 0,-21-21 16,22 21-16,-22-21 0,21 21 15,-21-21-15,0 21 0,22-21 0,-22 21 16,0 0-16,-21-21 0,21-1 15,-42 22 1,0 0 0,0 0-16,0 0 0,-1 0 0,-20 22 15,21-1-15,0 0 0,0-21 16,-22 21-16,22 0 0,0 0 0,0-21 16,0 22-16,21-1 0,0 0 15,21-21 16,0 0-31,0 0 16,21 0-16,-20-21 0,20 21 0,-21-21 16,0-1-16,22 22 0,-22-21 0,0 21 15,0-21-15,21 21 16,-20-21-16,-44 21 31,1 0-15,-21 0-16,21 21 0,0 0 15,-1-21-15,1 21 0,-21 1 16,21-1-16,0 0 0,-1 0 0,1-21 16,0 21-16,21 0 0,0 1 15,21-22 17,0 0-32,1 0 0,-1 0 0,21-22 15,-21 1-15,22 21 0,-22-21 0,21 0 16,-21 21-16,22-21 0,-22 21 15,0-21-15,0 21 0,0 0 0,-21-22 16,-21 22 15,0 22-31,-21-22 16,20 21-16,1 0 0,0 0 16,0-21-16,0 21 0,21 0 0,0 1 15,-21-22-15,21 21 0,0 0 16,21-21-1,0 0-15,0 0 16,0-21-16,0 21 16,1-21-16,20 21 0,-21-22 15,0 1-15,0 21 0,-21-21 16,22 21-16,-22-21 16,-22 21 15,1 0-31,0 0 15,0 21-15,0-21 16,21-21 0,0 0-1</inkml:trace>
+  <inkml:trace contextRef="#ctx0" brushRef="#br1" timeOffset="35036.73">14266 8573 0,'21'0'0,"-21"-22"15,0 1-15,0 0 0,0 0 16,-21 21-16,0-21 16,0 21-16,0 0 15,0 0-15,-1 0 0,1 0 0,0 0 16,0 0-16,0 0 0,0 0 15,-22 21-15,22 0 0,0 0 0,21 0 16,-21 1-16,0-1 0,-1 21 16,1 0-16,0 1 0,0-1 0,21 0 15,-21 22-15,-22 21 16,22-22-16,0-21 0,0 1 0,21-1 16,0 0-16,0-20 0,0 20 15,0-21-15,0 0 0,0 0 0,21 1 16,0-22-16,22 21 0,-22-21 0,21 0 15,0 0-15,-20 21 16,20-21-16,0 0 0,1 0 0,-1 0 16,0 0-16,1-21 0,-22 0 0,21 21 15,0-22-15,-20 1 0,20 0 16,-21 0-16,21 0 0,-20 0 0,-1-22 16,0 22-16,0 0 0,0-21 15,0 20-15,-21-41 0,0 42 16,0 0-16,22-1 0,-22 1 0,0 0 15,0 0-15,-22 21 32,22 21-32,-21-21 15,0 21-15,0 22 0,21-22 16,-21 0-16,0 0 0,21 21 0,0-20 16,0-1-16,-22 0 0,22 21 15,0-21-15,0 1 0,0-1 16,0 0-16,22-21 15,-1 0-15,0 0 0,0 0 16,0 0-16,0 0 0,1-21 0,-1 0 16,0 21-16,0-22 0,21 1 15,-42-21-15,22 21 0,-1 0 0,-21-1 16,21 1-16,-21-21 0,0 21 16,0 0-16,0-1 0,0 1 0,-21 21 15,0-21-15,-1 21 16,1 0-16,-21 0 0,21 0 15,0 0-15,-1 21 0,1 0 0,0-21 16,0 22-16,0-1 0,0 0 16,21 0-16,0 0 0,0 0 15,0 1-15,0-1 16,21-21-16,0 0 0,0 0 16,21 0-16,-20-21 0,-1 21 0,21-22 15</inkml:trace>
+  <inkml:trace contextRef="#ctx0" brushRef="#br1" timeOffset="35736.62">15049 8848 0,'0'0'0,"-21"0"31,0 21-15,0 0-16,21 0 0,-21-21 15,0 21-15,21 1 0,0-1 16,0 0-16,-22 0 0,22 0 0,-21 0 15,21 1-15,0-1 0,0 0 16,-21-21-16,21 21 0,0 0 0,-21 0 16,21 1-16,0-44 62,0 1-62,0 0 0,0 0 0,0 0 16,0 0-16,0-1 0,0 1 0,0 0 15,21-21-15,0 21 0,0-1 16,-21 1-16,22-21 0,-1 42 0,0-21 16,21 0-16,-21 21 0,1 0 15,-1 0-15,0 0 0,0 0 0,0 0 16,0 0-16,1 21 0,-1 0 16,-21 0-16,0 0 0,0 0 0,21 1 15,-21-1-15,0 0 0,0 21 16,0-21-16,0 1 0,0-1 15,0 0-15,0 0 0,0 0 16,0-42 15,0 0-15,0 0-16,0 0 16,0-1-16,0 1 0,21 0 0,-21 0 15,21-21-15,0 20 0,1-20 16,-1 21-16,0 0 0,0 0 15,21-1-15,-20 22 0,-1 0 0,0 0 0,0 0 16,21 0-16,-20 0 16,-1 22-16,0-1 0,-21 21 15,21-21-15,-21 0 0,0 1 16,0-1-16,0 0 0,0 0 0,0 0 16,0 0-16,0 1 0,-21-1 0,0 0 15,21 0-15,0 0 16,-21-21-16,-1 21 0,44-42 47,-1 21-47,-21-21 0</inkml:trace>
+  <inkml:trace contextRef="#ctx0" brushRef="#br1" timeOffset="36082.42">15811 8827 0,'0'-43'16,"0"22"-16,0 0 0,-21 21 31,21 21-31,0 0 16,0 0-16,0 1 0,0 20 0,0-21 16,0 21-16,0 1 0,-21-1 15,21 22-15,0-22 0,0 0 16,0 22-16,-21-22 0,21 0 0,-21 22 15,21-1-15,0-20 0,-21 20 16,-1 1-16,1-22 0,21 22 0,0-22 16,0 0-16,-21 1 0,21-1 0,0-21 15,0 0-15,0 0 0,0 1 16,0-1-16,0-42 31,0-1-31,0 1 0,21 0 0,-21 0 16,0 0-16,0-22 0,21 1 0,-21 0 15,22-1-15</inkml:trace>
+  <inkml:trace contextRef="#ctx0" brushRef="#br1" timeOffset="36384.76">15769 8996 0,'0'0'0,"-21"-42"0,21 20 15,-21-62-15,0 63 0,21-1 16,0-20-16,0 21 0,0 0 0,0 0 15,0-1-15,21 1 0,0 21 16,0-21-16,0 21 0,0 0 0,1 0 16,20 0-16,-21 0 0,0 21 15,22 0-15,-43 1 0,21-1 16,-21 21-16,0-21 0,0 22 0,0-22 16,0 21-16,0-21 0,-21 0 15,-1 22-15,-20-22 0,21 0 0,0 0 16,0 0-16,-1 1 0,1-22 15,0 21-15,42-42 47,0-1-47,1 22 0,-1-21 0,0 0 16</inkml:trace>
+  <inkml:trace contextRef="#ctx0" brushRef="#br1" timeOffset="38495.28">16446 8784 0,'0'0'16,"0"-21"-16,0 0 0,0-21 0,0 20 15,-21 1-15,0 21 16,0-21-16,0 21 0,0 0 16,-1 0-16,1 0 0,0 0 0,0 21 15,0 0-15,0-21 0,21 43 16,-22-22-16,1 0 0,0 21 0,0 1 15,21-22-15,0 21 0,0-21 16,0 22-16,0-22 0,0 0 16,0 0-16,0 0 0,0 1 0,0-1 15,21-21-15,0 0 16,0 0-16,1 0 0,-1 0 16,0-21-16,0-1 0,0 1 15,0 0-15,1 0 0,-1 0 0,-21 0 16,0-22-16,0 22 0,21-21 15,-21 21-15,0-22 0,21 22 0,-21 0 16,0 0-16,0 0 0,0-1 16,21 44-1,-21-1 1,0 0-16,0 0 16,0 21-16,0-20 0,0-1 0,0 21 15,0-21-15,0 22 0,0-22 0,0 0 16,21 0-16,-21 0 0,0 0 15,22 1-15,-1-1 0,0-21 16,0 0-16,0 0 16,0 0-16,1 0 0,-22-21 0,21 21 15,0-22-15,0 1 0,0 0 16,-21 0-16,21-21 0,1 20 0,-1 1 16,-21-42-16,0 20 15,21 22-15,-21 0 0,21 0 16,-21 0-16,0 0 0,0-1 0,0 44 31,0-1-31,0 0 16,0 0-16,0 0 0,0 0 0,0 1 15,0 20-15,0-21 0,0 0 16,0 0-16,0 22 0,0-22 0,0 0 16,0 0-16,21 0 15,0-21-15,1 0 16,-1 0-16,21 0 15,-21-21-15,0 21 0,1-21 16,-1 0-16,21 0 0,-21 0 0,0-1 16,1-20-16,20 21 0,-21-21 0,0 20 15,22 1-15,-22-21 0,0 21 16,-21 0-16,0-1 0,-21 22 31,0 0-31,-1 22 0,1-1 16,21 0-16,-21 0 0,21 0 15,-21 0-15,21 22 0,0-22 0,0 0 16,0 0-16,0 0 0,0 1 0,0-1 16,21 0-16,0 0 0,0 0 15,1 0-15,-1-21 16,-21 22-16,21-22 16,-21-22 15,-21 22-31,0-21 15,-1 21-15,1-21 0,0 21 16,0 0 0,0 0-16,21 21 15,0 0 1,0 1-16,21-22 16,0 21-16,0-21 0,0 0 15,1 0-15,-1 0 0,0 0 16,0 0-16,0 0 0,22 0 15,-22 0-15,0-21 0,21-1 0,-21 22 16,22-21-16,-22 0 0,0 0 16,0-21-16,0 20 0,1-20 15,-1 21-15,-21-21 0,0 20 0,21-20 0,-21 21 16,21 0-16,-21 0 0,0-1 16,0 1-16,21 21 0,-21 21 31,0 1-31,0-1 15,-21 0-15,21 0 0,0 21 0,0-20 16,-21-1-16,21 0 16,0 21-16,0-21 0,0 1 0,0-1 15,0 0-15,21-21 0,0 0 16,0 0-16,1 0 16,-1 0-16,0 0 0,0 0 0,0-21 15,0 0-15,1-1 16,-1 1-16,-21 0 0,21 0 0,0 0 15,-21 0-15,21-22 0,-21 22 0,0 0 16,21 0-16,-21 0 16,0-1-16,0 44 31,0-1-31,0 0 16,0 0-16,-21 0 0,21 0 0,0 1 15,0-1-15,0 0 0,0 0 16,0 0-16,0 0 0,0 1 0,21-1 15,1-21 1,-1 21-16,0-21 0,0 0 16,0 0-16,0 0 0,1-21 15,-22 0-15,21-1 0,-21 1 16,0 0-16,0-21 0,0 21 16,0-1-16,0 1 0,0-21 15,-21 21-15,21 0 0,-22 21 16,1-22-16,0 22 0,0 0 15,0 0-15,0 0 16,42 0 15,0 0-15,0 0-16,0 0 0,0-21 0,1 21 16,20 0-16,-21 0 0,0-21 15,0 21-15,1 0 0,20 0 0,-21 0 16,0 0-16,0 0 0,1 0 15,-22 21-15,0 0 16,21 1-16,-21-1 0,0 0 16,21 0-16,-21 0 0,0 0 15,0 1-15,0-1 0,0 0 16,0 0-16,0 0 0,0 0 16,0 1-16,0-1 15,-21-21-15,0 21 0,-1-21 16,1 0 15,21-21-31,0 0 16,0-1-16,0 1 0,0 0 15,0 0-15,0 0 0,21 0 16,1-22-16,-22 22 0,21-21 0,21 21 16,-21-1-16,0 1 0,22-21 15,-22 21-15,21 21 0,-21-21 0,22-1 16,-22 22-16,0 0 0,0 0 0,22 0 15,-22 22-15,-21-1 0,21 0 16,0 0-16,-21 0 0,21 0 0,-21 1 16,0 20-16,0-21 0,0 0 15,0 22-15,0-22 0,0 0 0,0 0 16,0 0-16,-21 0 0,0 1 16,21-1-16,0 0 15,-21-21 1,0 0-1,21-21 1,0 0-16,-22-1 16,1 1-16,0 0 15,0 0-15</inkml:trace>
+  <inkml:trace contextRef="#ctx0" brushRef="#br1" timeOffset="38720.15">17843 8255 0,'-42'-21'15,"21"21"-15,0-21 16</inkml:trace>
+  <inkml:trace contextRef="#ctx0" brushRef="#br1" timeOffset="41716.87">19452 8678 0,'21'0'15,"0"0"1,1-21-16,-1 21 0,0-21 0,0 21 15,21-21-15,-20 0 0,-1 0 16,21-1-16,-21 1 0,0 0 0,1 0 16,-1 0-16,0-22 0,0 1 15,21-21-15,-20 20 16,-22 1-16,21 0 0,-21-1 0,0 1 16,0 21-16,0-22 0,0 22 15,0 0-15,0 0 0,0 0 0,-21 21 16,-1 0-16,1 0 0,0 0 15,0 0-15,21 42 0,-21-21 16,0 0-16,-1 22 0,22-1 0,-21 22 16,21-22-16,-21 21 0,21-20 15,0 20-15,-21 1 0,21-1 0,-21 1 16,21 20-16,-21 65 16,21-65-16,0-20 0,0 20 15,-22 1-15,22 0 0,0-1 0,-21-20 16,21 21-16,0-1 0,0-20 0,0 20 15,0-20-15,0-1 0,0 22 16,0-43-16,0 22 0,21-1 0,1-20 16,-1-1-16,-21 0 0,21-20 0,0-1 15,0 0-15,22-21 0,-22 0 16,0 0-16,21 0 0,-21 0 0,22-42 16,-1 20-16,-21 1 0,22-21 0,-1 0 15,-21-1-15,21 1 16,-20 0-16,20-22 0,-21 1 0,-21-1 15,0 1-15,0-22 0,0 21 0,0 1 16,0-1-16,-21 1 0,-21-1 16,20 1-16,1 21 0,-21-1 15,0-20-15,-1 42 0,1-22 0,0 22 16,-1-21-16,1 21 0,0-1 0,-1 1 16,22 21-16,-21 0 0,21-21 0,-1 21 15,44 0 16,-1 0-31,0 0 0,21-21 0,-21 21 16,22-21-16,-1 0 0,0 21 16,22-22-16,-22 1 0,22-21 0,-1 21 15,1 0-15,-1-1 0,-20 1 16,20-21-16,-21 21 0,1 0 0,-1-22 16,-21 22-16,0 0 0,-21 0 15,0 0-15,0-1 0,0 1 0,0 0 16,-21 0-16,-21 21 0,21 0 15,0 0-15,-1 0 0,1 0 16,-21 21-16,21-21 0,0 21 0,-22 0 16,22 22-16,-21-22 15,21 0-15,-1 21 0,1-20 0,0 20 16,0-21-16,21 0 0,0 0 0,0 1 16,0-1-16,0 0 0,0 0 15,21-21-15,0 0 0,0 0 16,1 0-16,-1 0 0,21 0 15,-21-21-15,22 0 0,-22 0 0,21 21 16,-21-22-16,22-20 0,-22 21 0,0 0 16,0 0-16,-21-1 0,21 1 15,-21 0-15,21 0 0,-21 0 16,0 42 15,0 0-15,0 0-16,0 0 15,-21 1-15,21-1 0,0 0 0,0 0 16,0 0-16,0 0 16,0 1-16,21-22 0,1 0 15,-1 0-15,0 0 0,0 0 16,0 0-16,0 0 0,22 0 16,-22-22-16,0 22 0,0-21 0,0 0 15,-21 0-15,22 0 0,-1 0 16,-21-1-16,0 1 0,21 0 15,-21 0-15,21 0 0,-21 0 16,0-1-16,0 44 47,0-1-47,0 0 0,0 0 16,0 0-16,0 0 0,0 1 15,0-1-15,0 0 0,0 0 16,21 0-16,0-21 15,1 0-15,-1 0 16,0 0-16,0 0 0,0 0 16,0-21-16,1 21 0,-1-21 15,-21 0-15,21 0 16,0-1-16,-21-20 0,0 21 0,0-21 16,21 20-16,-21-20 0,21 0 0,-21-1 15,22 22-15,-22-21 0,0 0 16,0 20-16,0 1 0,0-21 0,0 21 15,21 0-15,-21-1 16,0 1-16,0 0 0,0 0 16,0 0-1,0 0 1,0-1 31,0 1-32,-21 21 95,21 21-95,0 1-15,0-1 0,0 0 16,0 0-16,0 21 0,0-20 16,0 20-16,0-21 0,-22 21 15,22 1-15,0-22 0,0 21 0,0-21 16,0 22-16,0-22 0,0 21 16,0-21-16,0 1 0,0 20 0,0-21 15,0 0-15,0 0 0,22 1 16,-22-1-16,21 0 0,0-21 0,-21 21 15,21-21-15,0 0 0,-21 21 0,21-21 16,1 0-16,-1 0 16,0 0-16,0 0 0,0-21 15,0 21-15,1-21 0,-1 0 0,0 0 0,0-1 16,0 1-16,0 0 16,-21 0-16,0 0 0,22-64 15,-22 64-15,0 0 16,0 0-16,0-1 0,0 1 15,-22 21 1,22 21 0,0 1-16,0-1 0,-21 0 0,21 0 15,0 0-15,-21 0 0,21 1 16,0-1-16,0 0 0,0 0 0,0 0 16,0 0-16,0 1 0,0-1 15,21-21-15,0 21 16,1-21-16,-1 0 15,0 0-15,0 0 0,0-21 16,0 0-16,1 21 0,-1-22 16,-21 1-16,0 0 0,21 0 0,-21-21 15,21 20-15,-21 1 0,0 0 16,0 0-16,0 0 0,0 0 0,0-1 16,21 22-16,-21-21 15,0 42 1,0 1-16,0-1 15,0 0-15,0 0 0,-21 0 16,21 0-16,0 1 0,0-1 0,0 0 16,0 0-16,0 0 0,0 0 15,0 1-15,21-1 16,0-21-16,-21 21 0,22-21 16,-1 0-16,0 0 15,0 0-15,0 0 0,0 0 0,1-21 16,-1 0-16,0 21 0,0-22 0,0 1 15,-21 0-15,0 0 0,21 0 16,1-22-16,-22 22 0,21 0 0,-21-21 16,0 21-16,0-1 15,21 22-15,-21-21 0,0 0 0,0 42 32,0 0-32,0 1 15,0-1-15,0 0 0,0 0 0,0 21 16,0-20-16,0-1 0,0 0 15,0 0-15,21-21 0,-21 21 16,0 0-16,21 1 0,0-22 0,-21 21 16,22 0-16,-1-21 0,0 21 15,0-21-15,0 0 0,0 0 16,1 0-16,-1 0 0,0 0 16,0-21-16,0 0 15,0 21-15,1-21 0,-1-1 0,0 1 16,0 0-16,0-21 0,0 21 0,1-22 15,-1 22-15,0-21 0,0-64 16,-21 85-16,0 0 16,0-1-16,-21 22 15,0 0 1,0 22-16,-1-1 0,1 0 16,0 0-16,0 0 0,0 0 15,21 22-15,0-22 0,0 21 16,0 1-16,0-22 0,0 0 0,21 0 15,0 0-15,0 0 0,0-21 16,1 22-16,-1-22 0,0 0 0,0 21 16,0-21-16,0 0 0,1 0 15,20 0-15,-21 0 0,0-21 16,0 21-16,1-22 0,-1 1 0,0 0 16,0 0-16,-21 0 0,0 0 15,21-1-15,0 1 0,-21 0 16,0 0-16,0 0 15,0 0-15,0-1 0,-21 1 16,0 21-16</inkml:trace>
+  <inkml:trace contextRef="#ctx0" brushRef="#br1" timeOffset="42372.5">20849 8001 0,'0'21'31,"0"0"-31,-21-21 0,0 22 0,21-1 15,-21 0-15,21 0 16,0 0-16,0 0 16,21-21-1,0 0-15,0 0 0,0 0 0,0 0 16,1 0-16,-1 0 0,0-21 16,0 21-16,-21-21 0,21 21 15,-21-21-15,0 0 0,0 0 16,0-1-1,-21 22-15,0 0 0,0 0 16,21 22 0,-21-22-16,21 21 0,-22 0 0,22 0 15,0 0-15,0 0 16,0 1 0</inkml:trace>
+  <inkml:trace contextRef="#ctx0" brushRef="#br1" timeOffset="47304.34">9356 9906 0,'0'0'0,"0"-21"78,0 0-31,-22 21-16,1 0-16,0 0-15,0 0 16,0 0-16,0 0 16,21 21-16,-22-21 15,22 21-15,-21-21 0,0 21 16,21 0-16,-21-21 16,21 22-16,-21-22 0,21 21 15,-21-21-15,21 21 0,0 0 16,-22 0-1,22 0 1,0 1-16,0-1 16,22 0-1,-1 0 1,0-21 0,0 0-16,0 0 15,0 0 1,1 21-16,-1-21 31,-21 21-31,21-21 16,-21 22-16,0-1 15,21-21 1,-21 21-16,0 0 31,0 0-31,0 0 16,0 1-1,-21-1-15,0-21 16,21 21-16,-21 0 0,-1 0 0,1 0 16,0-21-1,21 22-15,-21-22 16,0 0 15,42 0 32,0-22-63,0 22 15,0 0 1,1 0 0,-1 0-16,-21 22 15,21-1-15,-21 0 16,0 0-16,0 0 15,0 0-15,0 1 16,0-1-16,0 0 0,0 0 16,0 0-16,0 0 0,0 1 15,0-1-15,0 0 0,-21 0 16,21 0-16,-21 0 0,21 1 0,0-1 16,0 0-1,0 0-15,-22 0 0,22 0 16,-21 1-16,21-1 0,0 0 15,0 0-15,-21 0 16,21 0-16,0 1 16,0-1-16,0 0 15,0 0-15,0 0 16,0 0-16,0 1 16,0-1-16,0 0 15,0 0-15,0 0 16,21-21-1,-21 21-15,21-21 16,1 0 0,-1 0-16,0 0 15,0 0-15,0 0 16,0 0-16,1-21 0,-1 21 16,0-21-16,0 21 0,0-21 0,0 0 15,1 21-15,-1-21 0,0-1 16,0 1-16,0 21 0,-21-21 0,21 0 15,1 21-15,-22-21 0,0 42 79,0 0-64,-22 0-15,1-21 16,21 21-16,-21-21 0,21 22 0,-21-22 15,0 21-15,0 0 0,-1-21 16,1 21-16,0-21 16,0 21-16,0-21 0,0 0 15,-1 0-15,1 0 16,0 0 0,0 0-16,0 0 15,0 0-15,-1 0 0,1 0 16,0 0-1,0-21 1,21 0-16,0 0 16,0 0-16,0-1 15,0 1-15,0 0 0,0 0 16,0 0-16,0 0 0,0-1 0,0 1 16,0 0-16,0 0 0,0 0 15,0 0-15,0-1 0,0 1 16,21 0-16,-21 0 0,21 0 0,-21 0 15,0-1-15,21 1 0,1 0 16,-1 21-16,-21-21 0,0 0 16,21 0-16,0-1 15,-21 1-15,0 0 0,0 0 16,0 0-16,0 0 16,0-1-16,0 1 15,0 0-15,0 0 16,0 0-1,-21 21 1,0-21 0,0 21-1,-1 0-15,1 0 16,0 0 0,0 0-16,0 0 15,0 0-15,-1 0 31,1 0-31,0-22 63,21 1-47,0 0 15,0 0-16,21 0 1,0 0 0,1-1-1,-1 22-15,0-21 16,0 21 0,-21-21-1,21 21-15,0 0 16,1-21-16,-22 0 31,0 0 0,0-1 1,0 1-32,-22 0 15,22 0 16,-21 21-31,21-21 16,-21 21-16,21-21 16,0-1-16,0 1 15,0 0-15,0 0 16,0 0-16,0 0 16,0-1-16,21 22 15,-21-21-15,21 21 16,1 0-16,-22-21 0,21 21 0,0-21 15,0 21-15,-21-21 16,21 21-16,-42 21 125,21 0-125,-21-21 0,0 21 16,21 0-16,-21-21 15,-1 22-15,1-1 0,0 0 16,21 0-16,0 0 0,-21 0 16,0 1-16,21-1 0,0 0 15,-21 0-15,21 0 0,0 0 16,0 1-1,0-1-15,0 0 16,0 0-16,0 0 16,21-21-1,-21 21-15,21-21 0,0 22 16,0-22 0,0 0-16,22 0 15,-22 0-15,0 0 16,0 0-1,0 0 1,-21 21 0,0 0-1,-21 0 1,0-21-16,21 21 16,-21-21-16,21 21 0,-21 1 0,-22-1 15,43 0 1,-21 0-16,0-21 0,42 0 78,0 0-62,1 0-16,-1 0 15,0 0 1,-21 21-1,21 0-15,-21 1 16,0-1-16,0 0 16,0 0-16,0 0 0,0 0 15,0 1-15,0-1 0,0 0 0,0 0 16,0 0-16,0 0 0,0 1 0,0-1 16,0 0-16,0 0 0,0 0 15,0 0-15,0 1 0,0-1 16,0 0-16,0 0 0,0 0 15,0 0-15,0 1 16,0-1-16,0 0 16,21 0-1,0-21-15,1 0 16,-1 0 0,0 0-1,0 0-15,0-21 16,0 21-1,-21-21-15,22 21 0,-22-21 16,21 21 0,-21-22 46,0 1-62</inkml:trace>
+  <inkml:trace contextRef="#ctx0" brushRef="#br1" timeOffset="48505.59">7620 10351 0,'0'-43'16,"-21"43"-1,0-21-15,21 0 32,-22 21-17,1 0 1,21 21 46,0 0-62,21-21 16,1 21-16,-1 1 0,0-1 0,0 0 16,0 0-16,0 0 0,1 0 0,-1 1 15,21-1-15,-21 0 0,22 0 16,-22 21-16,0-20 0,21-1 15,-21 0-15,1 21 0,-1-21 0,42 22 16,-42-22-16,1 0 0,-1 0 16,-21 0-16,21 1 0,0-1 0,0 0 15,-21 0-15,21-21 16,1 21-16,-22-42 78,0 0-62,0 0-16,0 0 15,0-1-15,0 1 0,0 0 16</inkml:trace>
+  <inkml:trace contextRef="#ctx0" brushRef="#br1" timeOffset="49804.36">8191 10224 0,'0'0'15,"0"-22"-15,0 1 16,0 0-1,0 0-15,-21 21 63,21 21-63,-21-21 16,21 21-16,-21-21 0,0 21 15,0 1-15,21-1 0,-22-21 0,1 42 16,0-21-16,0 0 0,0 1 15,-22 20-15,22-21 0,0 21 0,-42 22 16,41-22-16,1-21 0,-21 22 16,21-22-16,0 21 0,-22 22 15,22-43-15,0 21 16,-21 1-16,20-22 0,22 0 16,0 0-16,-21 0 0,0 0 15,21 1-15,0-1 16,0-42 31,0-1-32,21 22-15,0-21 0,1 0 0,-1 0 16,0 0-16,42-43 0,-41 43 16,20-21-16,0 21 15,-21-22-15,22 1 0,-22 0 0,21-1 0,1 1 16,-22 0-16,0-1 0,21 1 15,-21 21-15,1-22 0,-1 22 16,0 0-16,0 0 0,-21 0 0,0 0 16,21 21-16,-21-22 0,0 1 15,0 42 32,0 1-31,-21-1-16,0-21 15,0 21-15,21 0 0,-21 0 0,-22 22 16,22-22-16,0 0 0,0 21 0,-22 1 16,22-22-16,-21 21 0,21 0 15,-22-20-15,22 20 0,-21-21 16,0 21-16,20-20 0,1 20 0,-21-21 16,21 0-16,-22 22 15,22-22-15,0 0 0,0 0 0,21 0 16,0-42 46,21 21-62,0 0 16,0-21-16,-21 0 0,22 21 16,-22-21-16,21 21 0,0-22 0,0 1 15,0 21-15,0-21 0,1 0 16,20 0-16,-21 0 0,0-22 15,22 22-15,-22 0 0,0-21 0,0-1 16,21 22-16,-20-21 0,-22 21 16,21-22-16,0 22 0,0-21 0,-21 21 15,21-1-15,0 1 0,-21 0 0,0 0 16,22 0-16,-1 0 0,-21-1 16,0 1-16,21 21 0,-21 21 46,0 1-46,-21-1 16,0 0-16,-1 0 0,1 21 16,0-20-16,0 20 0,0-21 15,0 21-15,-22 1 0,22-1 0,0-21 16,-21 22-16,20-1 0,-20 0 16,21-21-16,0 22 0,0-22 15,-22 21-15,22-21 0,21 1 0,-21-1 0,0 21 16,0-42-1,21 21-15,21-42 63,0 21-63,0-21 0,-21 0 16,21 0-1,0 21-15,-21-22 0,0 1 0,22 21 16,-22-21-16</inkml:trace>
+  <inkml:trace contextRef="#ctx0" brushRef="#br1" timeOffset="50926.38">7472 10329 0,'0'0'0,"0"-21"15,-21 21 1,21-21-16,-22 21 0,22-21 31,22 21 1,-1 21-32,0 0 0,0 0 15,0-21-15,0 22 0,1 20 0,-1-21 16,21 0-16,-21 0 0,22 22 15,-1-22-15,-21 0 0,21 21 0,1-20 16,-1 20-16,0-21 0,1 21 16,-22-20-16,21-1 0,1 21 15,-22-21-15,21 0 0,-21 1 0,0-1 16,1-21-16,-1 21 0,0 0 0,-21 0 16,21-21-16,0 0 15,-21-21 32,0 0-47,-21 21 0,0-21 0,-21-22 16,20 22-16,-20 0 15,21 0-15,-21-21 0,20 20 0,-20 1 16,-21 0-16,20-21 0,1 21 0,0-1 16,-22 1-16,22-21 0,-1 21 15,1 0-15,0-1 0,21 1 16,-22 0-16,22 0 0,-21 0 15,21 21-15,21-21 0,-22-1 16,65 22 0,-43 22-1,21-1-15,0 0 0,0 0 0,22 0 16,-22 0-16,21 22 0,-21-22 16,22 0-16,-1 21 0,0-20 15,1-1-15,-1 21 0,-21-21 0,21 0 16,1 1-16,-22-1 0,21 21 15,-21-21-15,1 0 0,-1 1 0,0-1 0,0-21 16,0 21-16,-21 0 16,21-21-16,-21 21 0,0-42 47,-21 21-47,0-21 0,0 0 15,-21-22-15,20 22 0,-20-21 16,21 21-16,-21-22 0,-1 1 0,1-21 15,0 20-15,-1 1 0,22 0 16,-21-1-16,21 22 0,-1 0 16,1-21-16,0 42 0,21-22 0,-21 1 0,0 21 15,42 0 1,-21 21-16,21 1 16,0-1-16,-21 21 0,21-21 15,22 22-15,-22-22 0,0 21 0,21 0 16,-20-20-16,20 20 0,0-21 15,-21 21-15,22-20 0,-22 20 0,0-21 16,21 0-16,-20 0 0,-1-21 16,0 22-16,0-1 0,0 0 15,0-21-15,-21-21 47,0 0-47,0-1 0</inkml:trace>
+  <inkml:trace contextRef="#ctx0" brushRef="#br1" timeOffset="52319.15">15727 9652 0,'0'0'16,"-21"0"-16,-1 0 0,1-21 16,0 21-16,0 0 15,0 0-15,0-21 0,-1 21 0,1 0 16,0 0-16,0 0 15,0 0-15,0 0 0,-1-21 0,1 21 16,0 0-16,-21 0 0,21 0 16,-22 0-16,22 0 0,0 0 0,0 0 15,0 0-15,-1 0 0,1 0 16,42 0 31,1 0-47,-1 0 0,0 0 0,21 0 15,1 0-15,-22 0 0,42 0 16,-20 0-16,-1 0 0,21 0 16,1-22-16,-1 1 0,22 21 0,0-21 15,21 0-15,-1 0 0,1 21 16,0-21-16,21-1 0,-21 22 0,0-21 16,0 21-16,-22-21 0,1 21 0,0 0 15,-1-21-15,-20 0 0,-1 21 16,1 0-16,-22 0 0,0-21 0,1 21 15,-1 0-15,-21 0 0,0 0 0,1 0 16,-22-22-16,21 22 16,0 0-16,-21-21 62,0 0-46,21 21-16,0-21 0,0 0 0,1 21 15</inkml:trace>
+  <inkml:trace contextRef="#ctx0" brushRef="#br1" timeOffset="53048.63">19219 8975 0,'0'0'16,"0"21"-16,-21-21 0,0 0 0,0 21 15,0-21-15,-1 0 0,22 21 0,-21-21 16,0 0-16,0 21 0,0-21 15,0 22-15,-1-22 16,22 21-16,-21-21 16,42 0 15,1 0-31,20 0 0,0 0 16,1 0-16,20 0 0,1 0 15,20 0-15,1 0 0,21 0 0,0 0 16,-22 0-16,22 0 0,0-21 15,0 21-15,0 0 0,-1-22 0,-20 22 16,21-21-16,-21 0 0,20 21 16,-20-21-16,0 21 0,-22-21 0,64 0 15,-63 21-15,-22 0 0,0-22 16,1 22-16,-22 0 0,21 0 16,-21 0-16,1 0 0,-1 0 15,-42 0 95,-1 0-95,1 0-15,0 0 0</inkml:trace>
+  <inkml:trace contextRef="#ctx0" brushRef="#br1" timeOffset="54581.97">7429 10520 0,'0'-21'15,"-21"0"-15,0 21 16,21-22-16,21 22 78,0 22-78,22-22 0,-22 21 16,21 0-16,-21 0 0,22 0 15,-1 0-15,0 1 0,22-1 0,-22 0 16,1 0-16,-1 0 0,0 0 15,1 22-15,-1-22 0,0 0 0,1 0 16,-22 0-16,21 1 0,-21-1 16,0 0-16,1 0 0,-1-21 0,-21 21 15,21-21-15,0 21 16,-21-42 31,0 0-47,-21 0 15,21 0-15,-21 0 16</inkml:trace>
+  <inkml:trace contextRef="#ctx0" brushRef="#br1" timeOffset="55846.01">8128 10245 0,'0'0'0,"0"-21"16,-21 21 46,21 21-62,-21-21 16,-1 21-16,22 0 0,-21 21 0,21-20 15,-21 20-15,0 0 0,21 1 0,0-1 16,-21 0-16,0 1 0,-1 20 16,1-21-16,0 1 0,0-1 15,21-21-15,-21 22 16,0-22-16,-1 0 0,1 0 0,21 0 15,0 0-15,-21-21 0,0 22 0,0-22 16,21 21-16,-21-21 16,-1 0-1,22-21 17,0-1-17,0 1-15,0 0 0,0 0 0,0 0 16,0 0-16,0-1 0,22-20 15,-1 0-15,0 21 0,-21-22 0,42 1 16,-21 0-16,1-1 0,20 1 16,0 0-16,1-1 0,-22 1 15,21 21-15,-21 0 0,22-22 0,-22 22 16,0 21-16,-21-21 0,21 0 16,0 21-16,-21-21 15,-21 21 16,0 21-31,0 0 0,0-21 16,-1 42-16,1-21 0,0 1 16,0 20-16,0 0 0,-22 1 15,22-1-15,0 0 0,0 1 16,-21-1-16,20 0 0,1 1 0,0-1 16,0 0-16,-21-21 0,42 1 15,-22 20-15,1-21 0,0 0 16,21 0-16,0 1 15,0-44 32,0 1-31,21 0-16,0 21 0,-21-21 16,22-21-16,-1 20 0,0-20 0,0 21 15,0-21-15,0-1 0,1-20 0,-1 20 16,21 1-16,-21 0 15,22-1-15,-22 1 0,0 21 0,0 0 16,0 0-16,0-1 0,-21 1 16,22 21-16,-22 21 15,0 1-15,0-1 16,-22 0-16,1 0 0,0 21 0,0 1 16,0-1-16,0 0 0,-1 1 0,1-1 15,-21 0-15,21 1 0,-22-1 16,22 0-16,-21 1 0,21-22 15,0 21-15,-1-21 0,-20 22 16,21-22-16,21 0 16,0-42 15,0 0-31,21 21 16,0-21-16,-21-1 0,21 1 15,1 0-15,-22 0 0,0 0 0,21 0 16,0-1-16,-21 1 0,0 0 15,0 0-15,21 21 0,-21 21 47,0 0-47,0 0 16,0 1-16,-21-1 16,21 0-16,-21-21 15,21 21-15,21-42 47</inkml:trace>
+  <inkml:trace contextRef="#ctx0" brushRef="#br1" timeOffset="58334.41">13314 10795 0,'0'-21'78,"0"0"-63,21 21-15,-21-21 0,21-1 16,0 22-16,0-21 0,1 21 16,-1 0-16,0-21 15,0 21-15,0-21 0,0 21 0,1 0 16,-1-21 0,21 21-16,-21 0 0,0 0 0,1 0 0,-1 0 15,21 0-15,-21-21 0,22 21 16,-1 0-16,-21 0 0,21 0 15,1 0-15,-1 0 0,0 0 0,-20 0 16,20 0-16,0 0 0,1 21 16,-22-21-16,21 21 0,-21-21 0,22 0 15,-22 21-15,21-21 0,0 21 16,-20-21-16,20 21 0,-21-21 0,21 22 16,1-22-16,-1 21 0,0-21 0,1 21 15,-1-21-15,0 21 0,1-21 16,20 21-16,-20 0 0,62 1 15,-41-1-15,-22-21 16,22 21-16,-22 0 0,22 0 0,-22-21 16,21 21-16,-20 1 0,-1-1 0,0 0 15,1 0-15,-1 0 0,0 0 16,1 1-16,-1 20 0,0-21 0,22 0 16,-22 22-16,-21-22 0,22 21 15,-1-21-15,0 0 0,1 22 0,-22-22 16,21 21-16,-21-21 0,22 22 15,20-1-15,-42 0 16,1-20-16,-1 20 0,0-21 0,0 0 16,0 22-16,-21-22 0,0 21 15,0 0-15,0-20 0,0 20 0,21 0 16,-21 1-16,0-1 0,22 0 16,-22 1-16,21 20 0,-21-21 0,21 1 15,0-1-15,0 43 0,0-43 16,1 22-16,-1-22 0,-21 0 15,0 1-15,21-1 0,-21 21 0,0-20 16,0-1-16,0 0 0,0 43 16,0-43-16,0 1 0,0-1 15,0 0-15,0 1 0,-21-1 0,21 0 16,-21 1-16,21-1 0,0 0 16,0 1-16,-22-1 0,22 0 15,-21 22-15,0-22 0,21 1 0,0 20 16,-21-21-16,0 1 0,0-1 15,-1 0-15,22 1 0,-21-1 0,0 0 16,-21 1-16,21-1 0,-1-21 16,1 22-16,-21-1 0,21 0 0,-22-21 15,22 22-15,-21-1 16,21-21-16,-22 22 0,22-22 0,-21 21 0,21-21 16,-43 43-16,22-43 15,21 0-15,0 21 0,-22-20 0,22-1 16,0 0-16,0-21 0,-22 42 15,22-21-15,0 1 0,0-22 16,0 21-16,-22 0 0,22-21 16,0 21-16,0 0 0,-21-21 0,20 21 15,1-21-15,0 22 0,0-22 16,0 21-16,0-21 0,-22 0 0,22 21 16,0-21-16,0 21 0,0-21 15,21 21-15,-22-21 16,1 21-16,0-21 0,21 22 15,-21-22-15,0 21 16,0-21-16,21-21 63,0-1-63,0 1 0,0 0 15,21 0-15,-21-21 0,21 20 16,-21 1-16,21-21 0,0 21 0,0 0 15,1-22-15,-1 1 0,0 21 16,0-22-16,0 22 0,-21 0 0,21-21 16,1 21-16,-1-1 0,0 22 15,-21-21-15,0 0 0,21 21 16,-21 21 15,0 0-31,0 1 0,0-1 16,-21 0-16,0 0 0,21 0 15,-21 0-15,-22 43 0,22-43 16,0 21-16,0-20 0,0-1 16,-1 0-16,1 21 0,0-21 0,0 1 15,0-1-15,0 0 0,21 0 0,-22 0 16,1 0-16,0 1 0,0-22 16,21 21-16,-21 21 15,0-42-15,21-21 63,21 21-63,0 0 15,0 0-15,0 0 0,0 0 16,22 0-16,-22 0 0,0 0 0,21 0 16,1 0-16,-22 0 0,21 0 0,1 0 15,-22 21-15,21-21 0,0 0 16,-20 21-16,20-21 0,0 0 15,-21 21-15,22 1 0,-22-22 0,0 21 16,0-21-16,0 21 0,1-21 0,-1 21 16,0 0-16,-21 0 15,21-21 1,-21-21 31,0 0-32,0 0-15,0 0 0,21 0 0,-21-1 16</inkml:trace>
+  <inkml:trace contextRef="#ctx0" brushRef="#br1" timeOffset="63641.5">16827 14923 0,'0'0'0,"0"21"0,-21-21 16,0 21-16,21 0 15,-21-21-15,21-21 47,21 0-31,0 0-16,0-1 0,1 1 15,-1 0-15,0 0 0,0-21 0,0 20 16,0-20-16,1 0 0,-1-1 16,0 1-16,-21 21 0,0-21 0,0 20 15,0-20-15,0 21 0,0 0 16,0 0-16,-21 21 0,0-22 16,-1 22-16,1 0 0,0 0 15,0 22-15,0-1 0,0-21 16,21 42-16,-22-21 0,1 0 15,21 22-15,0-22 0,0 21 0,0 1 16,0-22-16,0 21 0,0-21 0,0 0 16,21 22-16,-21-22 0,43 0 15,-22-21-15,0 21 0,0 0 0,22-21 16,-22 0-16,21 0 0,-21 0 16,0 0-16,22 0 0,-22 0 0,0 0 15,0 0-15,0-21 0,-21 0 16,22 0-16,-22 0 0,0 0 15,0-1-15,0 1 0,0-21 16,0 21-16,21 0 0,-21-22 16,21 22-16,0 0 0,-21 0 0,21-22 15,0 22-15,1 21 0,-1-21 0,0 0 16,21 21-16,-21 0 0,1 0 16,-1 0-16,0 21 0,0 0 0,0 0 15,-21 1-15,0-1 0,21 0 16,-21 0-16,0 21 0,0-20 0,0-1 15,0 21-15,0-21 0,0 0 0,-21 1 16,21-1-16,-21 0 0,21 0 16,0 0-1,0-42 17,21 0-32,0 0 0,1 0 15,-1-22-15,-21 22 16,0 0-16,21-21 0,0 20 0,-21-20 15,21 0-15,-21 21 0,0-22 16,0 22-16,21 0 0,-21 0 0,0 0 16,0-1-16,-21 22 15,0 0 1,21 22-16,-21-1 0,0 0 0,0 0 16,21 0-16,-22 22 0,22-22 15,-21 0-15,21 21 0,0-21 16,0 22-16,0-22 0,0 0 0,0 0 15,0 0-15,21 1 0,1-1 16,-1 0-16,0-21 0,0 0 0,21 21 16,-20-21-16,20 0 0,-21 0 15,0 0-15,22 0 0,-22 0 0,21-21 16,-21 0-16,0 21 0,22-21 0,-22-1 16,0-20-16,0 21 0,-21 0 15,0-22-15,21 1 0,-21 21 16,0-21-16,0-1 0,0 22 0,0-21 15,0 21-15,-21-1 0,0 1 16,0 21-16,0 0 16,0 0-16,-1 21 15,22 1-15,-21-1 0,21 0 0,-21 21 16,21-21-16,0 1 0,0 20 16,0-21-16,0 21 0,0-20 0,21-1 15,22 21-15,-22-21 0,0 0 16,21 1-16,-21-22 0,1 21 15,20-21-15,-21 0 0,21 0 0,-20 0 16,20 0-16,-21 0 0,0 0 16,22-21-16,-22-1 0,0 1 0,0 0 15,-21 0-15,21 0 0,0 0 0,-21-22 16,0 1-16,22 21 16,-1-22-16,-21 1 0,21 21 0,-21-21 15,0 20-15,0 1 0,21 0 16,-21 0-16,21 0 0,0 21 15,1 21 1,-1 0-16,-21 0 16,0 0-16,21 1 0,0-1 15,-21 0 1,21-21 0,-21-21-1,0 0-15,0-1 16,0 1-16,0 0 15,0 0-15,0 0 16,-21 21-16,0 0 16,21-21-16,-21 21 0,0 0 15,-1 21-15,1 0 16,0 0-16,0 21 0,21-20 16,-21-1-16,21 21 15,-21-21-15,21 22 0,0-1 0,0-21 0,0 21 16,0-20-16,0-1 0,0 21 15,21-21-15,0 0 0,0 1 16,0-1-16,0 0 0,1-21 0,20 21 16,-21-21-16,0 0 0,22 0 15,-22 0-15,21 0 0,-21 0 0,0 0 16,1-21-16,20 21 0,-21-21 0,0 0 16,0-1-16,1-20 0,-22 21 15,21-21-15,0-1 0,0 1 0,0 21 16,-21-64-16,0 64 15,21-21-15,-21 20 0,0 1 16,-21 42 0,0 1-1,21-1-15,0 0 0,0 0 16,-21 21-16,21-20 0,-21-1 0,21 21 16,0-21-16,0 0 0,0 1 15,0 20-15,0-21 0,21 0 16,0 0-16,0-21 15,0 0-15,1 0 0,-1 0 0,0 0 16,21 0-16,-21 0 0,1-21 0,-1 0 16,0 0-16,0 0 0,0 0 15,0-22-15,1 22 0,-22-21 16,21-43-16,0 64 0,-21-21 16,0 20-16,0 1 0,0 0 15,-21 42 16,21 0-31,-21 1 0,21-1 0,-22 0 16,22 0-16,0 21 0,0-20 0,0 20 16,0-21-16,0 0 0,0 22 15,0-22-15,22 0 0,-1 0 0,0 0 16,0 0-16,0-21 0,0 22 16,1-22-16,20 0 0,-21 0 0,21 0 15,-20 0-15,-1 0 0,21-22 0,-21 22 16,0-21-16,1 0 15,-1-21-15,0 21 0,0-22 0,0 22 16,0-42-16,-21 20 0,22 1 0,-22-22 16,21-41-16,0 62 15,-21 1-15,0 0 0,0-1 0,0 22 16,0-21-16,0 21 0,0-1 16,0 1-16,-21 21 15,0 21 1,-1 1-16,22-1 0,-21 0 0,0 0 15,21 21-15,0 1 0,-21-1 0,21 0 16,0 1-16,-21-1 0,21 0 16,0 1-16,0 20 0,0-20 15,0-22-15,0 21 0,21 0 0,0-20 16,-21-1-16,21 0 0,0 0 16,22 0-16,-22-21 0,0 0 0,0 0 15,22 0-15,-22 0 0,0 0 16,21 0-16,-21 0 0,22-21 0,-22 21 15,0-21-15,0 0 0,22-22 16,-22 22-16,0-21 0,-21 21 16,0-22-16,21 1 0,-21 21 0,0-21 15,0 20-15,0-20 0,0 21 16,0 0-16,-21 21 16,0 0-16,0 0 15,21 21-15,-22 0 0,22 0 16,0 0-16,-21 22 0,21-22 0,0 0 15,0 21-15,0-20 0,0 20 0,0-21 16,0 0-16,21 0 0,1 1 16,-1-1-16,21 21 0,0-42 15,-20 21-15,20-21 0,0 0 16,1 0-16,-1 0 0,21 0 0,-20 0 16,-1 0-16,0 0 0,22-21 0,-22 0 15,1 0-15,-1 0 0,-21-1 16,21 1-16,-20-21 0,20 21 15,-21-22-15,-21 22 0,0-21 16,21 21-16,-21-22 0,0 22 0,0 0 16,0 0-16,-21 0 0,0 0 0,0 21 15,0 0-15,-1 0 16,1 0-16,0 0 0,0 0 0,0 21 16,0-21-16,-1 42 0,1-21 0,0 0 15,0 1-15,21 20 0,-21-21 16,21 43-16,0-43 15,0 0-15,0 0 0,0 0 0,0 0 0,21 1 16,0-1-16,0-21 0,0 0 16,1 0-16,-1 0 0,0 0 15,0 0-15,0 0 16,0-21-16,1 21 0,-1-22 0,-21 1 16,21 0-16,0-21 0,0-22 15,0 22-15,1 0 0,-22-22 16,21 22-16,-21-1 0,21-20 0,0 21 15,-21-22-15,0 22 0,0-1 0,21-20 16,-21 21-16,0-1 0,0 22 16,0-21-16,0 21 0,0-1 0,0 1 15,-21 21 1,0 21 0,0 1-16,21-1 0,-21 21 15,21-21-15,0 22 0,0-1 16,-22 0-16,22 1 0,0-1 0,0 0 15,0 22-15,0-22 0,0 0 16,22 22-16,-22-22 0,21 1 0,-21-1 16,21 0-16,0 1 0,-21-1 0,21-21 15,0 0-15,-21 0 0,22 1 16,-1-1-16,0-21 0,0 21 16,0-21-16,0 0 0,1 0 0,20 0 15,-21 0-15,0-21 16,0 0-16,22 21 0,-22-22 0,21 1 0,-21 0 15,22 0-15,-22 0 0,0 21 16,0-21-16,0-22 0,1 22 16,-1 0-16,-21 0 0,0 0 0,0-22 15,0 22-15,0 0 16,-21 0-16,-1 21 0,1-21 0</inkml:trace>
+  <inkml:trace contextRef="#ctx0" brushRef="#br1" timeOffset="63980.3">19833 14118 0,'0'0'15,"0"21"-15,42-21 16,-20 0-16,-1 0 15,0 0-15,21 0 0,-21 0 0,22 0 16,-1 0-16,-21 0 0,22 0 16,-22 0-16,0 0 0,0-21 0,0 21 15,0 0-15,1 0 16,-44 0 62,1 21-78,0-21 0,0 22 16,0-22-16</inkml:trace>
+  <inkml:trace contextRef="#ctx0" brushRef="#br1" timeOffset="72144.42">12912 9017 0,'21'0'16,"-21"-21"31,0 0-47,0 0 15,0-1-15,0 1 16,0 0-16,0 0 15,0 0-15,-21 0 32,-1 21-32,1 0 0,0 21 15,0 0 1,0 0-16,21 0 0,0 0 0,-21 1 16,-1 20-16,22-21 0,-21 0 0,21 22 15,0-22-15,0 0 0,0 0 16,0 0-16,0 0 0,0 1 0,0-1 15,21 0-15,1-21 16,-1 0-16,0 0 0,21 0 0,-21 0 16,1 0-16,20 0 0,-21 0 0,21 0 15,-20-21-15,-1 0 16,0 21-16,0-22 0,0 1 0,0 0 16,1 0-16,-22 0 0,0-22 0,0 22 15,0 0-15,0-21 0,0 21 16,0-1-16,0-20 0,0 21 0,0 0 15,-22 0-15,1 21 0,0-22 16,0 1-16,-21 21 0,20 0 0,1 0 16,-21 0-16,21 0 0,0 0 15,-22 0-15,22 0 0,0 21 0,-21 1 16,20-1-16,1 0 0,0 0 16,0 0-16,21 0 0,-21 1 0,21 41 15,-21-42-15,21 22 16,0-22-16,0 0 0,0 0 15,0 0-15,0 0 0,0 1 0,21-22 16,0 21-16,0-21 0,0 0 0,0 21 16,1-21-16,-1 0 0,21 0 15,-21 0-15,0 0 0,22 0 0,-22 0 16,0-21-16,0 0 0,22 21 16,-22-22-16,0 1 0,0 0 0,0 0 15,-21 0-15,0 0 0,21-22 16,-21 22-16,0 0 0,0-21 0,0 20 15,0-20-15,0 21 0,-21 0 0,0-22 16,21 22-16,-21 0 16,0 21-16,0-21 0,-1 0 0,1 21 15,0 0-15,0 0 0,0 0 0,-22 0 16,22 0-16,0 0 0,0 21 16,0 0-16,0 0 0,-22 0 0,22 1 15,0-1-15,21 21 0,-21-21 16,21 22-16,-21-1 0,21-21 0,-22 21 15,22-20-15,0 20 0,0-21 0,0 21 16,0-20-16,0-1 0,0 0 16,43 0-16,-22 0 15,0-21-15,0 0 0,0 21 0,1-21 16,20 0-16,-21 0 0,21 0 16,-20 0-16,20 0 0,-21-21 0,0 21 15,22-21-15,-22 0 0,21 0 16,-21 21-16,0-21 0,1-1 0,-22 1 15,0-21-15,0 21 0,0 0 0,0-1 16,0-20-16,0 21 0,0 0 16,-22 0-16,1-22 0,0 22 15,0 0-15,0 21 0,-22 0 16,22 0-16,0 0 0,0 0 16,-21 0-16,20 21 0,1 0 0,0 0 15,0 1-15,0 20 16,0-21-16,-1 0 0,1 22 0,21-22 15,0 0-15,0 0 0,0 21 16,0 1-16,0-22 16,0 0-16,21 0 0,1-21 15,-1 0-15,0 0 0,0 0 16,0 0-16,43 0 16,-43 0-16,21 0 0,-21 0 0,1-21 0,20 0 15,-21 0-15,0 21 0,-21-21 16,21-1-16,-21 1 0,22-21 15,-22 21-15,0 0 0,0-1 0,0 1 16,0-21-16,0 21 0,-22 0 16,1 21-16,0-22 0,0 22 0,0 0 15,0 0-15,-1 0 0,1 0 16,0 0-16,0 0 0,0 0 0,0 22 16,-22-1-16,22-21 0,0 21 15,21 0-15,-21 0 0,0 0 0,21 1 16,0-1-16,-22 0 0,22 0 0,0 0 15,0 0-15,0 1 0,22-1 16,-1 0-16,0-21 0,21 21 0,-21-21 16,1 0-16,20 21 0,-21-21 15,0 0-15,22 0 0,-22 0 16,0 0-16,21 0 0,-21-21 0,1 21 0,-1-21 16,0 0-16,0 21 0,0-21 15,0-1-15,-21 1 0,0 0 16,0 0-16,0 0 0,0 0 0,0-1 15,-21 1-15,0 0 0,-21 0 16,21 0-16,-1 0 0,1-1 0,0 22 16,-21 0-16,21 0 0,-1 0 0,1 0 15,0 0-15,0 0 0,0 0 16,0 22-16,21-1 0,0 0 16,-22 0-16,22 0 0,0 0 15,0 1-15,0-1 0,0 0 0,0 0 16,0 0-16,22-21 0,-1 21 0,0-21 15,0 0 1,0 0-16,0 0 0,1 0 0,-1 0 16,0 0-16,-21-21 0,21 0 15,-21 0-15,0 0 16,0 0 0,0 42 62,0 0-31</inkml:trace>
+  <inkml:trace contextRef="#ctx0" brushRef="#br1" timeOffset="75073.69">13187 10118 0,'0'-21'32,"0"42"30,0 0-62,0 0 16,0 0-16,0 0 15,0 1 1,0-1-16,0 0 0,21-21 0,-21 21 16,21 0-16,-21 0 15,0 1-15,21-1 0,-21 0 16,21-21-16,-21 21 16,0 0-1,22-21-15,-22 21 16,21-21 46,0 0-62,-21-21 16,21 0 0,0 21-16,0-21 0,1 0 15,-1 0-15,0-1 0,0 1 16,0 0-16,0 0 0,1 0 0,-1 0 15,0-1-15,21 1 0,-21 0 16,1 0-16,20 0 0,-21 0 0,0 21 16,22-22-16,-22 1 0,0 21 15,0-21-15,0 21 0,0 0 0,1-21 16,-1 21 0,0 0-16,0-21 0,0 21 31,-21 21 172,-21-21-203,0 21 16,0 0-16,0-21 15,-1 21-15,1 1 0,0-22 0,0 21 16,0 0-16,-22 0 0,22-21 15,0 21-15,-21 0 0,21 1 0,-1-1 16,-20 0-16,21 0 0,0 0 16,0 0-16,-1-21 0,22 22 15,-21-1-15,0-21 16,21 21-16,-21-21 0,21 21 16,-21-21-1,0 0 1,21 21-1,-22-21 1,1 0 187,21-21-203,-21 0 16,0 21-16,0 0 0,0-21 15,-1 21-15</inkml:trace>
+  <inkml:trace contextRef="#ctx0" brushRef="#br1" timeOffset="80009.03">14986 9567 0,'-42'0'15,"84"0"-15,-106 22 0,22-22 0,21 0 16,0 0-16,-22 0 0,22 0 0,0 0 15,0 0-15,0 0 0,0 0 16,-1 0 0,22 21 15,22-21-15,-1 0-16,0 0 0,21 0 15,-21 0-15,22 0 0,-22 0 16,21 0-16,1 0 0,-1 0 15,21 0-15,-20-21 0,-1 21 16,64 0-16,-43-22 0,-20 22 16,20 0-16,-20 0 0,20-21 0,-21 21 15,1-21-15,-1 21 0,22 0 16,-22-21-16,0 21 0,1 0 0,20 0 16,-21-21-16,1 21 0,20 0 15,-20-21-15,-1 21 0,21 0 0,-20 0 16,-1-22-16,127 1 15,-126 21-15,20 0 16,-20-21-16,-1 21 0,21 0 0,-20 0 16,-1 0-16,0-21 0,-20 21 0,20 0 15,0 0-15,1 0 0,-22 0 16,21-21-16,-21 21 0,22 0 0,20 0 16,-42 0-16,22 0 15,-22-21-15,0 21 0,21 0 0,-21 0 16,22 0-16,-1-22 0,-21 22 0,22 0 15,-1 0-15,-21-21 0,21 21 16,1 0-16,-1 0 0,-21-21 0,22 21 16,-22 0-16,21 0 0,-21 0 0,22 0 15,-22-21-15,0 21 0,21 0 16,-21 0-16,1 0 0,20-21 16,-21 21-16,0 0 0,22-21 0,-22 21 15,0 0-15,21 0 0,-21 0 16,22 0-16,-22-22 0,21 22 0,-21 0 15,22 0-15,-22 0 0,21 0 0,1 0 16,-22-21-16,21 21 0,0 0 16,22 0-1,-22 0-15,-21-21 0,1 21 16,-1 0-16,21 0 0,-21 0 0,0-21 0,1 21 16,-1 0-16,0 0 0,21-21 0,-21 21 15,1 0-15,-1 0 16,0-21-16,0 21 0,21 0 0,-20 0 15,-1 0-15,0-22 0,21 22 0,-21 0 16,1 0-16,20 0 0,-21 0 16,0 0-16,22 0 0,-22-21 0,21 21 15,-21 0-15,0 0 0,22 0 16,-22-21-16,0 21 0,0 0 0,22 0 16,-22 0-16,0-21 0,0 21 0,21 0 15,-20 0-15,-1 0 16,0-21-16,21 21 0,-21 0 0,1 0 0,20 0 15,-21 0-15,0 0 16,22 0-16,-22 0 0,0-21 0,0 21 16,0 0-16,0 0 0,1 0 0,-1 0 15,0 0-15,0-22 0,0 22 16,0 0-16,1 0 0,-1-21 16,0 21-16,0 0 0,0 0 15,0-21-15,1 21 0,20 0 0,-21 0 16,0 0-16,0-21 0,1 21 0,-1 0 15,0 0-15,0 0 16,0 0-16,0 0 0,1-21 16,-1 21-16,0 0 15,0 0-15,0 0 16,0 0-16,1-21 0,-1 21 0,0 0 16,0 0-16,0 0 0,0 0 15,1-22-15,-1 22 0,0 0 0,0 0 16,0 0-16,0-21 0,1 21 15,-1 0-15,0 0 0,0 0 16,-21-21 0,21 21 46,0 0-46,-21-21-1,22 21 1,-22-21-16,0 0 16,-22 21-1,1-22-15,-21 22 0,0 0 0,-1 0 16</inkml:trace>
+  <inkml:trace contextRef="#ctx0" brushRef="#br1" timeOffset="83232.37">17589 15558 0,'-42'0'0,"84"0"15,-105 0-15,21 0 0,20 21 0,-20-21 16,21 0-16,0 0 0,0 0 0,-1 0 16,1 0-16,0 0 15,0 0 1,42 0 15,0 0-31,22 0 0,-1 0 0,0 0 16,1 0-16,20 0 0,-21 0 15,43 0-15,-21 0 0,-1 0 0,22 0 16,-22 0-16,22 0 0,0 0 0,-1-21 16,22-1-16,-21 22 0,-1 0 15,1-21-15,0 21 0,-1 0 0,1-21 16,-21 21-16,-1 0 0,1-21 0,-1 21 15,1-21-15,-22 21 0,0 0 16,1 0-16,-1-21 0,0 21 16,1 0-16,-22 0 0,0-22 0,21 22 15,-21 0-15,1 0 0,-1 0 16,-21-21-16,21 21 16,-42 0-1,0 0 1,-1 0-16,1 0 0,-21 21 15,21-21-15,0 22 0,-22-22 0,1 21 16,0-21-16,20 21 0,-20-21 16,0 21-16,21-21 0,-22 21 0</inkml:trace>
+  <inkml:trace contextRef="#ctx0" brushRef="#br1" timeOffset="83689.11">17611 15812 0,'0'0'0,"-22"0"16,-20 0-16,21 0 0,-43 0 16,43 0-16,0 0 0,0 0 0,0 0 15,42 21 32,0-21-47,21 0 0,1 0 0,-1 0 16,22 0-16,-1 0 0,22 0 15,-1 0-15,1-21 0,21-1 0,0 22 16,0-21-16,-1 0 0,1 21 0,0-21 16,-21 0-16,21 0 0,-22-1 15,-20 22-15,-1-21 0,1 21 0,-1-21 16,-20 21-16,-22 0 0,21 0 15,-21-21-15,0 21 0,1 0 0,-1 0 16,0 0-16,0 0 0,0 0 16,0 0-16,1 0 15,-22-21 1,-22 0 15,1-1-31,0 22 0,0-21 16,-21 21-16,-1-21 0</inkml:trace>
 </inkml:ink>
 </file>
 
@@ -788,56 +1188,88 @@
           <inkml:channelProperty channel="T" name="resolution" value="1" units="1/dev"/>
         </inkml:channelProperties>
       </inkml:inkSource>
-      <inkml:timestamp xml:id="ts0" timeString="2021-02-02T13:32:27.824"/>
+      <inkml:timestamp xml:id="ts0" timeString="2021-02-03T13:21:48.314"/>
     </inkml:context>
     <inkml:brush xml:id="br0">
       <inkml:brushProperty name="width" value="0.05292" units="cm"/>
       <inkml:brushProperty name="height" value="0.05292" units="cm"/>
       <inkml:brushProperty name="color" value="#FF0000"/>
     </inkml:brush>
+    <inkml:brush xml:id="br1">
+      <inkml:brushProperty name="width" value="0.05292" units="cm"/>
+      <inkml:brushProperty name="height" value="0.05292" units="cm"/>
+      <inkml:brushProperty name="color" value="#00B050"/>
+    </inkml:brush>
   </inkml:definitions>
-  <inkml:trace contextRef="#ctx0" brushRef="#br0">4741 931 0,'0'0'0,"0"-21"15,0 0 1,0 0 0,21-21-16,1-43 31,-1 0-15,-21 64-16,0 0 31,0 63 0,0 1-31,-64 274 31,1-63-15,-22 0 0,0-63-1,64-107 16,0-20-15,21-128 0</inkml:trace>
-  <inkml:trace contextRef="#ctx0" brushRef="#br0" timeOffset="190.89">4635 1185 0,'0'-21'0,"43"-127"16,-1-21-1,0 42-15,-20 84 16,-1-41 0,0 84-1,0 42 1,0 85 0,-21-85-16,21 234 15,-42-234 1</inkml:trace>
-  <inkml:trace contextRef="#ctx0" brushRef="#br0" timeOffset="355.4">4868 1757 0,'0'-21'0,"0"0"0,0-1 16,-21 1-16,0 0 15,-21-21-15,20 21 0,1-1 16,0 1-16,0 21 0</inkml:trace>
-  <inkml:trace contextRef="#ctx0" brushRef="#br0" timeOffset="422.36">4339 1461 0,'-42'21'0,"-22"21"15</inkml:trace>
-  <inkml:trace contextRef="#ctx0" brushRef="#br0" timeOffset="638.24">5016 1630 0,'22'-21'0,"20"0"16,0-1-16,64-83 15,-64 41 1,-20-21-1,-22 64 1,0 0 0</inkml:trace>
-  <inkml:trace contextRef="#ctx0" brushRef="#br0" timeOffset="736.18">5249 1376 0,'0'21'16,"0"21"0,0-105-16,0 148 0,0-22 15,-21 43 1,-21-21-1,21-43 17</inkml:trace>
-  <inkml:trace contextRef="#ctx0" brushRef="#br0" timeOffset="766.16">5165 1799 0,'0'-21'0</inkml:trace>
-  <inkml:trace contextRef="#ctx0" brushRef="#br0" timeOffset="910.08">5334 1355 0,'0'0'15,"0"-21"-15,42 21 16,-21 0-16,1 0 16,-1 21-1,-21 0-15,42 42 16,-42 22 0</inkml:trace>
-  <inkml:trace contextRef="#ctx0" brushRef="#br0" timeOffset="1909.73">5588 1757 0,'0'0'16,"42"0"-1,22 0-15,20-21 16,65-106 15,-107 42-15,-21 43-16,-21-43 16,0 64-16,0 0 15,0-22 1,-21 43-1,0 0 1,21 64 0,-21-43-16,21 0 0,-43 43 15,43 20 1,0 1 0,0-64-16,0 0 0,0 22 15,0-22-15,0 0 16,0-42 15,0 0-31,0 0 0,21-22 16,-21 22-16,0 0 15,43-64 1,-43 64-16,42-42 0,-21 41 16,0-20-16,1 21 0,-1 21 15,0 0 1,0 42-1,-21 1 1,21 62 0,0-20-1,1-64-15,62 64 16,-63-85 0,43 0-1,-43 0-15,0 0 0,0 0 0,22-42 16,-22 20-16,85-83 15,-85 41 1,21-42 0,-21 43-1,1 63 17,-22 21-17,-43 64 1,22-43-16,21-21 0,0 0 15,0 85 1,0-42 0,42-22-1,43-21 1,-64-21-16,22 0 16,41-21-1,-20-21 1,-22-64-1,-21 21 1,-21 43-16,0-22 16,-63-63-16,20 85 15,-189 0 17,126 63-17,-21 63 1,84-20-1,22 105 1,21-84 0,127-64-1,-106 0 1</inkml:trace>
-  <inkml:trace contextRef="#ctx0" brushRef="#br0" timeOffset="1993.68">6985 910 0,'0'-42'0</inkml:trace>
-  <inkml:trace contextRef="#ctx0" brushRef="#br0" timeOffset="4196.6">5038 1080 0,'0'0'0,"21"-64"16,-21 43-16,0 0 0,0 0 16,0-43-16,0 43 15,0 0-15,0 0 0,-21-1 16,-1 22 0,1 22-16,0-1 15,-42 212 1,-1-64-1,43-106-15,-43 149 16,1-43 0,21-20-1,-1-44 17,43-126-17,0-21 1,64-106-1,20-127 17,-41 63-32,-1 0 15,-21 43 1,-21 127-16,21-1 16,-21-20-1,22 84 1,-1 42-16,-21-20 15,42 84-15,-42-64 0,0 1 16,21 20-16,22 170 16,-43-84-1,21-86 1,0-41-16,-21 41 16,0-62-16,21-1 15,0-21 1,-21-43-1,0-41 1,0 63-16,0-22 0,-63-63 31,-1 43-31,43 63 0,-42-21 16,20 21-16,22 0 16,-42 0-16,20 21 0,1 127 31,42-42-16,0-43 1,0-41-16,63 41 16,-41-63-16,105 0 15,21-42 1,-85-1 0,64-62-1,-84 83-15,-22-20 0,63-43 16,-62 1-1,-22 63-15,0-22 16,0 22 0,0 42-1,0 0-15,0 1 16,0 20-16,-22-21 0,22 21 16,-21 22-16,0 42 15,21-85-15,0 21 16,-21 22-1,21-43 1,-21-21 0,21-21-1,0 0-15,21-106 16,21 42 0,1 0-1,-1 22 1,-21 63-16,0 0 15,22 0 1,-1 42 0,-21 0-16,-21 43 15,0-43-15,0-20 0,0-1 16,21 63 0,0-41-1,1-43-15,20 0 16,-21 0-16,-21-21 15,64-43 1,20-42 0,-41 0-1,-43 85-15,21 0 0,-21 0 16,0 0-16,0 0 0,0-1 16,-21 22-1,-22 22 1,43 41-1,-42 43 1,42-21 0,0-43 15,0-63-15,0 0-1,21-64 1,0-21-16,0 85 15,1-21-15,-1-22 16,21 43 0,-21 42-1,0 0-15,-21 0 16,0 1-16,0 20 0,0 85 16,0-85-1,0-21-15,0 43 16,22-64-16</inkml:trace>
-  <inkml:trace contextRef="#ctx0" brushRef="#br0" timeOffset="7031.1">7027 1630 0,'0'0'16,"0"21"-1,0 0-15,0 0 16,0 1 0,0-1-16,21-21 15,1 0 1,-1 0-16,21-43 15,0 1-15,-20 21 16,62-127 0,-20 0-1,42-106 1,-64 63 0,0-63-1,-42 169 1,-21 128 15,0-22-31,21 21 0,-21 1 0,21-1 16,-43 85-16,22 85 15,21-149-15,-21 22 16,21-22-16,-21-20 16,21 126-16,0-127 0,0 1 15,21 41 1,0-63-16,22 1 15,41-22 1,-41-22 0,-1 1-16,-21 0 0,106-106 15,-42 42 1,-64 43-16,21 0 16,-42-1-16,0 1 15,0 21-15,0 0 0,-42-22 16,-22 43-1,43 0-15,-21 22 16,21-1-16,-22 21 16,22 0-16,0-20 0,-42 126 31,63-85-15,0-42-16,0 43 15,21-43 1,148-63-1,-84-22 17,-1-20-17,-62-1 1,-1 21-16,-21 22 16,0 84 30,-21 43-30,-1 0 0,22-22-1,0-20-15,64 20 32,-1-63-32,22-42 15,21-43 1,0-63 15,-64 21-15,-21 63-16,0-105 15,-21 63-15,0 43 16,0-1-16,0-84 16,0 127-16,0-21 15,-21 42 1,0 21-1,0 0-15,21 21 0,-21 233 32,0-84-17,21-22 1,0-126-16,0 84 16,42 21-1,0-85 1,43-42-1,-22-21-15,-41 0 16,105-84 0,-106 41-16,42 1 15,1-43 1,20-20 0,-84 83-16,22 1 15,-22 42 16,0 64-15,0 21 15,0-43-15,21-41-16,-21-1 0,21 0 0,0 0 16,0-21-16,0 0 0,1 0 15,41 0 1,22-42-1,21-43 1,-64 22-16,-21 41 16,21-41-16,1-22 15,-22 64 1,-21 42 15,0 0-31,0 64 16,0-21-1,0-43-15,0 21 16,0 22 0,21-43-1,0-21 1,64 0 0,-43-43-16,22 1 15,-43 21-15,0 0 16,0-85-1,-21 64 1,0 20-16,-63-62 16,42 84-16,-1 0 0,1 0 15,0 0-15,-106 21 16,106-21 0,21 42-1,21-42 16,0 0-31,106-42 16,-21 0 0,42-1-1,-63 43 1,-22 0 0,-20 43-1,-43-22-15,21 21 16,-21 106-1,-21-63 1,0-43 0,-1 22-1,22-43 1,0-42 15,22-43-15,41-42-1,-42 64-15,22-21 16,-22 41-16,63-62 16,-62 63-16,-1-1 15,0 22-15,0 0 0,21 0 32,-42 43-17,0 20 1,0-42-16,0 43 0,0-43 15,0 106 1,22-63 0,41-1-1,1-42 1,-22-21-16,-21 0 0,127 0 16,-42-63-1,-64 42-15,64-43 16,-63 1-1,-1 20-15,-21 22 0,43-148 32,-64 126-17,0 22-15,0 0 0,-64 21 16,43 21 0,-43 64-1,22-22-15,42-20 16,0-22-16,0 0 15,21 21-15,0-42 0,1 22 16,62-1 0,-41 0-1,-22-21-15,0 42 16,0-21 0,-21 1-16,0-1 0,-42 21 15,21-42-15,-22 42 16,-20 1-1,-1-22 1,43-21-16,0 0 0,0 0 31,-43-42-15,64-1-16,-21-20 16</inkml:trace>
-  <inkml:trace contextRef="#ctx0" brushRef="#br0" timeOffset="7412.39">9758 614 0,'0'0'0,"-21"0"16,21-21-16,-22 21 16,22-21-16,0-1 15,0 1 1,0 42 15,0 1-15,0-1-16,-21-21 0,-21 84 31,42-62-15</inkml:trace>
-  <inkml:trace contextRef="#ctx0" brushRef="#br0" timeOffset="7706.22">8615 974 0,'-43'0'16,"86"0"-16,-128 21 0,64 0 0,-21-21 0,20 0 15,44 0 16,20 0-31,64 0 16,-22-21 0,-41 0-16,41 0 0,-41 21 15,-1-22-15,64-20 16,-85 42 0,-21-21-1,-42 0 1,21 21-16,-1 0 0,-20 0 15</inkml:trace>
-  <inkml:trace contextRef="#ctx0" brushRef="#br0" timeOffset="7974.07">7556 1016 0,'0'0'0,"-21"0"0,42 0 31,64 0 0,-64 0-31,64-21 0,-64 21 16,43-21-16,20 0 16,-63 21-1,-42 0 1,0 0-1,0 0-15,-64 42 16</inkml:trace>
-  <inkml:trace contextRef="#ctx0" brushRef="#br0" timeOffset="8652.9">5016 2371 0,'-21'0'0,"0"0"16,0 0 0,0 0-16,42 0 46,0 0-46,21 0 16,1 0-16,-1 0 0,0 0 16,22 0-16,275 0 15,-128-21 1,149 21 0,-233 0-16,191-22 15,-170 22-15,21 0 0,-21-21 0,551-21 31,-530 42-31,339-21 16,-169 0-16,253-43 16,-211 43-1,22 0 1,-128 0 15,-254 21-15,-106-22-1,-63 22 1,-360-21 15,191 21-15,211 0 0</inkml:trace>
-  <inkml:trace contextRef="#ctx0" brushRef="#br0" timeOffset="9161.61">5101 2286 0,'-42'0'0,"84"0"0,-105 0 0,41 0 0,1 0 0,0 0 15,21 21-15,21-21 16,0 0-16,22 0 16,-1 0-16,106 0 15,64 0 1,169 0 0,-169 0-1,-107 0-15,149 0 0,149-21 16,-255 21-16,127 0 15,148-21 1,106 0 0,-402 21-16,466-21 31,-254-1-15,-149 22-1,-42 0 1,-126 0 15,-44 0-15,1 0-1,-21 0-15,21 22 0,-64-22 16,22 21-16</inkml:trace>
-  <inkml:trace contextRef="#ctx0" brushRef="#br0" timeOffset="14997.7">5948 3916 0,'21'0'0,"0"0"15,0 0 63,-21-21-62,21 21-16,-21-21 0,0-1 16,0-20 15,0 0-16,0 21-15,-21 21 16,-21-22-16,-85 22 31,42 22-15,64-1-16,0 21 16,-43 64-1,43 127 16,21-170-15,0 1 0,43-64-1,84-64 17,-43-20-17,-41-1 1,-1-42-1,0 21 17,-42 85-17,0 42 1,0 106 15,0-21-15,0-85-16,21 43 15,1-43 1,105-21 15,-43-64-15,-63 43-16,43-42 16,-1-22-1,-63-127 16,-42 85-31,-43 0 32,43 85-32,-43-43 0,-147 1 31,83 126-15,-62 85-1,41 21 1,-62 212 15,210-170-15,22-20-1,106-1 1,-85-148-16,191 64 31,-170-85-31,85 0 0,-21 0 31,-21-42-31,0-64 32,-43 42-17</inkml:trace>
-  <inkml:trace contextRef="#ctx0" brushRef="#br0" timeOffset="19858.41">7070 3620 0,'0'-22'16,"0"1"0,0 0-16,0 0 15,0 0-15,0 0 16,-22-1-1,1 1 1,21 0-16,-21 21 0,21-21 16,-21 21 31,21 42-47,-21 1 0,21-22 15,0 21-15,0 149 31,-21-86-15,-1 86 0,22-64-1,-21 21 1,0-106 0,21-20-16,0-44 31,0 1-16,0-42 1,0-1-16,0 22 16</inkml:trace>
-  <inkml:trace contextRef="#ctx0" brushRef="#br0" timeOffset="20640.48">6858 3704 0,'-21'-21'16,"21"0"0,0 0-1,0 0-15,0-1 16,0 1-16,21 0 15,0-21-15,0 21 0,0 21 16,64-64-16,-64 64 16,85-21-1,-21 21 1,-22 21 0,-42 64-1,-21-64-15,0 127 16,-42-84-1,-21 20 1,-1-20 0,43-43-16,0 0 0,0 0 15,-1-21 1,1 0-16,0 0 16,21-21-1,0 0 1,85-43-1,-43 43 1,-21 0-16,85 21 16,-64 0-1,85 21 1,-84 0 0,-1 64-1,-42-43 1,0 1-16,-63 84 15,20-64 1,-63 22 0,85-64-16,0-21 0,-21 21 15,21-21-15,-22 0 16,-63 21 0,43-21-1,21 0-15,20 0 0,-20 0 16,42-21-1,0 0 1,0 0 0,0-21-1,21 20 1</inkml:trace>
-  <inkml:trace contextRef="#ctx0" brushRef="#br0" timeOffset="21049.55">7832 3514 0,'0'-21'16,"0"-1"-1,0 44 17,-22-1-32,22 0 0,0 42 15,0-41-15,0 83 16,0 22 0,0-84-1,-21 168 1,21-147-1,0-1 1,0-41 0,0-1-16,0-42 31,0-1-15,0 1-16,0-21 0,0 0 15</inkml:trace>
-  <inkml:trace contextRef="#ctx0" brushRef="#br0" timeOffset="21405.34">7683 3620 0,'-21'-64'16,"21"43"-16,0 0 15,21 0 1,43 21-1,21 21 1,-1 42 0,-63-42-16,22 1 15,-22-1-15,0 21 0,0-21 0,22 64 32,-22-22-32,0 1 15,-21-43 1,0-42 46,0 0-46,0 0-16,0-1 0,42-41 16</inkml:trace>
-  <inkml:trace contextRef="#ctx0" brushRef="#br0" timeOffset="22061.89">8509 3408 0,'0'0'0,"0"-21"0,-21 21 32,0 0-32,-1 0 15,1 21-15,0 0 16,0 0-16,0 0 0,0 22 15,-1-22-15,1 0 0,21 21 16,-21-20-16,-21 41 16,-1 1-1,43-22 1,0-21-16,0 0 16,43-42 30,-43 0-46,21 0 0,0 21 0,21-64 16,-20 43-16,105-127 31,-106 106-31,42-43 16,-42 43 0,1-1-1,-22 22 1,21 42-1,0 43 1,-21 20 0,0-20-1,0 232 1,0-211 0,0-43-16,-21 85 15,21-21 1,0 63 15,0-147 0,0-44 1,0 1-17,0 0 1</inkml:trace>
-  <inkml:trace contextRef="#ctx0" brushRef="#br0" timeOffset="24624.64">15600 3937 0,'0'0'0,"21"0"0,0 0 16,0 0-16,0 0 16,1 0-16,-1 0 15,0 0-15,0 0 16,0 0 0,-21-21-1,0 0 1,0 0-16,21 21 0,-21-22 15,0 1-15,0-21 16,-42 21 0,21 0-1,0-1-15,0 1 0,-1 21 0,1-21 0,-42 0 16,-22 0 0,0 42-1,43 21 1,21-21-16,0 1 0,21-1 15,-21 63 1,21-20-16,0-22 16,0-21-16,0 64 15,21-21-15,0-64 16,0 21-16,64 0 16,-64-21-16,0 0 15,85-42 1,-85 20-16,64-41 15,-1-22 1,-84 64-16,22 0 0,20-85 31,-42 64-15,0 21 0,0 42-1,0 0 1,0 0-16,-21 43 15,21 20 1,0 1 0,0 0-1,106-43 1,-43-63 0,43-22-1,21-62 1,0-44 15,-85 44-31,-42-22 16,0 42-1,-148-84 17,0 42-32,0 84 15,0 22 1,105 21-16,-253 21 31,42 106-15,127-63-1,-21 84 1,-43 148 0,128-105-1,20 84 1,43-148-1,0-64-15,22 22 0,83 42 16,1-21 0,64-43-1,-1-41 1,-106-22-16,1 0 0,169-22 31,-43-41-15,-126 21-1,-43 20-15,42-41 0,-63 42 16,0-43-16,22 43 16,-1 0-16</inkml:trace>
-  <inkml:trace contextRef="#ctx0" brushRef="#br0" timeOffset="25347.23">16722 3535 0,'-22'0'15,"44"0"-15,-86 0 0,43 0 16,0 0-16,42 0 31,21 0-31,-21 0 16,1 0-16,20-21 0,85 21 16,-21 0-1,-43-21-15,-20 21 0,84 0 16,-64-22-16,22 22 15,-43 0-15,64-21 16,-127 21 15,0 0-31,-1 0 0,1 21 16,-21-21-16,-127 43 31,105-22-15,43-21-1,0 21 48,21 0-63,-21-21 16,21 21-16,0 43 15,0 42 1,0 0-1,-22 63 1,1-42 0,21-85-16,0 128 31,0-128-15,0-63 15,0 0-16,21-64 1</inkml:trace>
-  <inkml:trace contextRef="#ctx0" brushRef="#br0" timeOffset="26604.02">17505 3979 0,'0'22'15,"0"-1"1,21-21 0,0 0-1,0 0-15,0 0 16,1-21-16,41-43 31,-42 22-31,0-1 16,-21 22-1,0 0-15,0 0 16,-42 21 0,0 0-1,-1 21-15,22-21 0,0 21 16,-21 22 0,-22 147-1,64-148-15,0 22 16,0 21-1,21-43-15,1-21 16,-1 0-16,85-21 16,-22 0-1,-20-21 1,-43 0-16,21 0 0,22-22 16,-43 22-16,0 0 0,106-127 31,-63 63-16,-43 1 1,-21 41-16,-21 43 31,21 21-15,-22-21-16,22 22 0,-21 20 16,21 0-16,0-21 15,0 1-15,0 83 16,21-62-1,1-1-15,-1-21 16,-21 0-16,21 1 0,0-1 16,-21 0 15,-21-21-15,0 0-16,-43-21 15,-20 21 16,62 0-15,22 21 0,0 21-1,64 1 17,21-43-17,-1 0 1,43-64-1,64-84 17,-85-21-17,-64 84-15,0-42 16,-21-106 15,-21 85-15,0 106-1,0 20 1,0 44 0,-84 147-1,63-21 1,21-21 0,-22-42-1,22-1 1,-21-41-16,21-1 0,0 0 0,0 43 15,0-43 1,0-20-16,0 20 16,21-42-16,1 0 0,-1 0 0,-21 21 15,21-21-15,0 0 0,43 0 16,-43-21 0,0 0-16,0 21 0,21-43 15,-20 22-15,20-42 16,-42 42-1,42-64 1,-42 64-16,0-22 0</inkml:trace>
-  <inkml:trace contextRef="#ctx0" brushRef="#br0" timeOffset="26943.82">18521 3747 0,'-21'0'0,"42"0"0,-64 0 0,43 21 16,22-21 15,-1 0-31,21 0 0,-21 0 16,22 0-16,41 0 15,-41 0-15,20-21 0,43 21 16,-21-22-1,-64 22-15,0 0 16,21-21 0,-63 21 46,0-21-62,0 21 0,0 0 16,-1 0-16</inkml:trace>
-  <inkml:trace contextRef="#ctx0" brushRef="#br0" timeOffset="28144.31">14097 4614 0,'21'0'16,"-42"0"-16,42 22 15,-42-22 16,0 0-15,0 0-16,-1 0 0,1 0 16,0 0-16,0 0 0,0 0 0,0 0 15,-128-43 1,65 22 0,-22-21-1,64 42-15,-85-43 16,-106-41 15,21 20-15,43 1-1,63 20-15,42 43 0,-253-63 32,84 21-17,21 20-15,22 1 16,-43 0 15,64 0-31,-43 21 31,43 0-31,105 0 16,1 0-16,-107 0 16,-20 42-1,126-42-15,-168 43 16,83-22-1,86 0-15,-1-21 0,-168 42 16,105-21 0,21 1-1,21-1 1,64-21-16,0 21 0,0-21 31,-1 0 47,22-21-78,0 0 0,0-1 16</inkml:trace>
-  <inkml:trace contextRef="#ctx0" brushRef="#br0" timeOffset="28737.87">9758 3704 0,'0'-21'16,"-21"21"31,-1 21-47,1-21 15,21 21-15,-21 1 0,0-1 16,-106 127 0,85-63-1,-64 20 1,63-41-1,1-43-15,-64 64 16,43-43 0,20-42-1,22 21-15,0-21 16,21 21 15,21 1-15,22-1-1,62 21 1,65 43 0,-64-22-1,-22-20 1,-41-43-16,-1 42 16,21 0-1,-41-21 1,-22 1-16,0-1 15,-43 21 1,1-42-16,21 21 16,-64-21-16</inkml:trace>
-  <inkml:trace contextRef="#ctx0" brushRef="#br0" timeOffset="29430.5">5694 5503 0,'0'0'0,"-21"0"0,-1 0 0,1 0 16,-42 0-16,-1 0 31,43 0-15,42 22 15,0-22-31,1 0 0,20 0 15,-21 0-15,43 0 0,-22 0 16,21 0-16,1 0 0,169 0 16,-149-22-16,1 22 0,211-21 31,1 21-31,63-42 16,-212 21-1,-64 21-15,-20-21 0,211-1 31,-233 22-31,-20 0 16,41 0-16,-42 0 16,-42 0 15,-42 0-31,41 0 0,-20 0 16,0 22-16,-43-22 15,43 21-15,-64 0 16,64 0-16</inkml:trace>
-  <inkml:trace contextRef="#ctx0" brushRef="#br0" timeOffset="29857.27">5694 5906 0,'-21'21'15,"42"-42"-15,-85 42 0,43-21 0,0 0 0,0 0 16,42 0 15,0 0-31,106 0 16,0 0 0,-42 0-16,296-43 15,190 1 1,-84-21 15,-402 63-31,211-22 16,-148 22-1,-84 0 1,-85 0 31,-1 0-47,1 0 0,0 22 15,0-22-15,-43 0 0,43 21 0,-63 0 16,41-21 0</inkml:trace>
-  <inkml:trace contextRef="#ctx0" brushRef="#br0" timeOffset="30315">5842 6308 0,'0'0'0,"-21"21"16,0-21-16,-1 21 16,44-21 15,20 0-31,0 0 0,1 0 15,-1 0-15,21 0 0,86 0 16,-65 0-16,1-21 0,0 21 16,338-42-1,-211 20 1,-128 22-16,191-42 16,22 21-16,-255 21 15,127-21 1,-126 21-16,-22 0 15,0 0 1,0 0 0,-63 0 31,-43 0-32,22 21-15,-1 0 16</inkml:trace>
-  <inkml:trace contextRef="#ctx0" brushRef="#br0" timeOffset="63788.65">6921 4911 0,'-21'0'78,"21"21"-62,21-21 46,1 0-62,-1 0 16,0 0-16,21 0 16,1 0-16,189-21 31,-83-22-15,-1 22 15,-42 21-31,84-21 31,-105 21-15,-1 0-1,-41 0 1,-22 0 0,-42 0 77,0 0-93,-1 0 16,1 0-16,0 0 0,-21-21 16</inkml:trace>
-  <inkml:trace contextRef="#ctx0" brushRef="#br0" timeOffset="64457.77">6964 5080 0,'0'0'0,"-21"0"31,21 21-31,0 0 47,21-21-47,21 0 16,-21 0-16,85 0 31,21-42-15,-21 21-1,127-21 1,-127 20-1,-1 1 1,-41 0 0,-1 21 15,-41 0 0,-44 0 94,1 0-109,-63 0-1</inkml:trace>
-  <inkml:trace contextRef="#ctx0" brushRef="#br0" timeOffset="71153.5">8001 3090 0,'0'-21'0,"-21"21"0,0-21 16,-1 21-16,1-21 16,0 21-16,0 0 0,-43-21 15,1 0 1,-1 21 0,43 0-16,-85 0 15,85 0-15,0 0 0,-64 21 16,1 0-1,-1 21 1,64-21-16,0-21 16,-43 22-16,43-1 0,-21 0 15,-43 21 1,22 22 0,-1-22-16,43-21 15,0 0-15,0 1 0,-1-1 0,1 0 16,-63 106-1,62-85 1,1-21-16,-21 22 16,21 20-1,0-42-15,-1 1 0,-20 83 16,21-83 0,21 83-1,-21-83-15,21 41 16,0-42-16,0 127 15,0-105 1,21 41 0,-21-62-16,0-1 0,0 0 15,21 0-15,0 0 0,43 64 32,-43-43-17,21 22-15,-21-43 16,1 0-16,-22 0 15,21 0-15,63 106 16,-20-63 0,-22-1-1,-21-41-15,22-1 16,105 127 15,-85-106-15,-41-42-16,41 43 15,-21-22 1,128 21 15,-107-42-15,64 0 0,-21 0-1,42-21 1,-42-21-1,-64 20 1,1 1 0,84-42-1,-85 20 1,0 1 0,1-21-1,-22 41-15,0 1 0,0 0 0,43-42 31,-43 20-31,21-20 16,1 20 0,-22 22-16,42-63 31,-42 20-15,1 43-16,-1-21 15,0-1 1,21-41-1,-42 20 1,0 1 0,0-22-16,0 64 15,0 0-15,0-43 16,0 43-16,0-43 16,0 43-16,-21-21 15,0 42-15,21-64 16,-21 64-16,21-21 0,-21 0 0,-1-21 31,1-1-31,-21-20 16,42 42-1,0 0-15,-21-1 16,0-41 0,-1-22-1,22 64-15,-21-42 16,0-1-16,21 43 15,-21 0-15,0-22 16,0-20 0,-22 21-1,-20-22 1,-43 1 0,42 20-1,1 1 1,-43 0-1,-84 20 17,105 1-17,-21 21 1,21 0 0,-126 43 15,126-1-16,64-21-15,-43 0 16,-20 22 0,63-43-16,-106 63 31,21-21-31,42-20 16,-63 41-1,0 64 16,85-85-15,0 22 0,-1-1-1,1 1-15,21-1 16,21-20 0,0 20-1,0 1-15,0-43 16,0 85-1,0-22 1,0-20 0,0-22-16,0 22 15,0-22 1,42 43 0,0 21 15,-20-64-16,20 0-15,-21 1 16,64 20 15,-43-21-15,0 1-16,22-22 16,-43-21-1,0 21-15,43 0 16,-1 22-1,-20-22 1,-22 0-16,0-21 0,21 21 16,64 43-1,-42-43 1,-1 0 0,-42-21-1,0 0-15,1 0 0,41 0 31,1 0-31,-43 0 16,63 0-16,-41 0 16,-1 0-16,85-42 31,-106 42-31,0-22 0,85 1 16,-21-21-1,-22 21 1,1-22-1,-22 22 1,-21 21-16,22-21 16,-43 0-16,42 0 15,-42 0-15,64-43 16,-43 43 0,0-21-16,21-22 15,-21 22 1,1-43 15,-1 43-31,0-22 16,0-20-1,0-65 17,-21 65-17,0 20 1,0 22-16,0 21 15,0-85 1,-42 42 0,21 22-16,-22-43 15,22 64 1,-21-42-16,42 42 0,-42-106 31,-22 42-15,43 43-16,-21-1 15,-22-41 17,22 62-17,-22 1 1,1 0-16,-64 0 31,21 21-31,0 0 16,64 0-1,-64 0-15,85 0 16,0 0-16,-64 0 16,21 21-1,-20 0 1,63-21-16,-64 43 16,-84 20 15,63 1-16,21-43 1,0 42 0,43-20-1,-43 20-15,43 1 16,-64 63 15,106-106-31,-21 21 16,0-21-16,21 43 15,-21-22 1,21-21-16,-21 64 16,21-22-1,0-20 1,0-22-16,0 42 16,0-41-16,0 105 15,0-106-15,0 21 16,42 64-1,0-43 1,43 64 15,-43-84-15,-21-43-16,1 42 16,20 0-1,85 43 16,-64-43-15,1 1 0,-1-22-1,1 0 1,-43 0-16,0-21 0,85 43 31,-42-43-15,41 0-1,-20 0-15,0 0 16,-1 0 0,107 21 15,-149-21-31,85 0 16,-42 0-1,21-21 1,63-64 15,-105 43-15,20-22-1,-20 22 1,42-64 15,-64 42-15,-21 22-16,21-21 15,-20-43 1,20-106 0,-42 106-1,0 43 1,0 20-16,0 22 0,0-63 16,0 62-16,0 1 15,-21-21-15,0 21 16,-1 0-16,-41-64 15,21 0 1,20 43-16,-20 0 16,-43-64-1,-20 0 17,20 64-17,21 42 1,22-22-16,-21 1 31,41 21-31,1 0 16,-42 43-1,63-22 1</inkml:trace>
-  <inkml:trace contextRef="#ctx0" brushRef="#br0" timeOffset="72378.33">16298 4360 0,'0'0'0,"-21"0"0,21 22 15,0-1 1,-21 0-16,0-21 0,21 21 16,-21-21-1,21 21 16,21-21-31,0 0 16,0 0-16,0 0 0,22 0 16,62 0-1,-41 0-15,-1 0 0,-20 0 0,168-21 16,-126 21-16,63-21 16,-63 21-16,0-21 0,232 0 31,-105-22-16,-43 22 1,-42 0-16,-85 0 16,-20 21-16,20 0 0,21-21 15,-41 21 1,-1 0 0,-42 0 15,-22 0-16,-20 0 1,20 0-16,22 0 16,-63 0-16,-1 0 15</inkml:trace>
-  <inkml:trace contextRef="#ctx0" brushRef="#br0" timeOffset="72857.06">16616 4487 0,'-21'22'0,"-43"-1"16,85-21 31,0 0-47,1 0 0,20 0 0,170 0 31,-149 0-31,149-21 16,42 21-1,-21-43 1,169 22-1,-296 21 1,21 0 0,-106 0-16,21 0 15,-21 0-15,0 0 0,1 0 16,-1 0 0,-21 21-1,-21-21 16,-1-21-15,22 0-16,0 0 16</inkml:trace>
-  <inkml:trace contextRef="#ctx0" brushRef="#br0" timeOffset="75307.09">5376 6011 0,'0'0'0,"-42"0"0,21 0 0,0 0 0,-22 0 16,1 0-1,-43 0 1,106-21 15,22 21-15,-22 0-16,21-21 0,22 21 15,126-42-15,64-1 16,0 1 0,0 21-1,-169 21-15,-22-21 0,255-22 32,-22 22-17,-148 21-15,-84-21 16,42 21-16,-64 0 15,127 0 1,-147 0 0,-1 0-16,-21 21 15,-21-21 1,-1 21-16,1-21 0,0 22 16,0-22-16,-21 0 15,-1 21-15,-41-21 16</inkml:trace>
-  <inkml:trace contextRef="#ctx0" brushRef="#br0" timeOffset="75786.81">5376 5800 0,'0'0'0,"0"-21"0,21-1 16,1 22 0,-1 0-16,21-21 0,22 21 15,-1 0-15,1-21 0,190-21 16,42 21-1,-190-1-15,296-20 16,-317 42 0,-1-21-16,1 21 0,-22 0 0,213 0 31,-192 0-15,22 0-1,-64 0 1,-42 42 15,-63 1-15,-22 20-1,-63-21 1,106-20-16,-1-1 0,-62 0 16</inkml:trace>
-  <inkml:trace contextRef="#ctx0" brushRef="#br0" timeOffset="76156.6">5863 6371 0,'0'0'0,"-21"21"0,0 1 15,21 20-15,0-21 16,63 0-1,43-21-15,-64 0 16,22 0-16,317-42 16,-148 21-1,-22-22 1,-20 22 0,-149 21-16,22-21 0,84 0 15,-63 0 1,-64 21-1,0 0 1,0 0 0,-21 21-1,0 0-15,0 0 0,-42 0 32</inkml:trace>
-  <inkml:trace contextRef="#ctx0" brushRef="#br0" timeOffset="80265.81">7048 8128 0,'0'0'0,"0"21"0,0 0 15,0 1 32,22-22 0,-1 0-47,-21 21 16,42-21-1,-21 0 16,0 0 16</inkml:trace>
-  <inkml:trace contextRef="#ctx0" brushRef="#br0" timeOffset="80465.69">7175 8192 0,'0'-22'0,"0"1"16,0 0 15,0 0-15,22 21 30,-1-21-46</inkml:trace>
+  <inkml:trace contextRef="#ctx0" brushRef="#br0">26077 804 0,'0'0'0,"21"0"31,1-21-31,-1 21 16,-21-21-16,21 0 0,0 0 15,0 0-15,0-1 0,1 1 16,-22 0-16,0 0 0,0 0 16,0 0-16,0-1 0,0 1 0,0 0 15,0 0-15,-22 21 0,1 0 16,0-21-16,-21 21 0,-1 0 16,1 0-16,0 21 0,-1-21 15,1 21-15,0 0 0,-22 0 0,22 1 16,0 20-16,20-21 0,-20 21 15,21-20-15,-21 20 0,42 0 0,-22-21 16,22 22-16,0-1 0,0 0 16,0-20-16,22 20 0,-22-21 0,42 21 15,-21-20-15,0-1 0,22 21 16,-1-21-16,-21 0 0,21 22 0,1-22 16,-1 0-16,-21 0 0,22 0 15,-22 1-15,0-1 0,0 0 16,0 0-16,-21 0 0,0 0 15,0 1-15,-42 20 0,0-21 16,20-21-16,-41 21 0,21 0 16,-22-21-16,1 22 0,20-22 0,-20 0 15,20 0-15,1 0 0,0 0 16,-1 0-16,22-22 0,0 22 0,-21-21 16,21 0-16,-1 0 15,22 0-15,-21 0 0,21-1 16,0 1-16,0 0 15,21 0-15,1 21 16,-1 0-16,0-21 16,21 21-16,-21-21 0,22 21 0,-1-22 15</inkml:trace>
+  <inkml:trace contextRef="#ctx0" brushRef="#br0" timeOffset="1232.1">26331 1037 0,'0'-21'15,"-21"21"-15,0 21 16,0 0-16,21 1 16,-21-1-16,-1 0 0,1 0 0,0 21 15,0-20-15,0 20 0,0-21 16,21 21-16,-22-20 0,22 20 0,0-21 15,0 0-15,0 0 0,0 1 16,0-1-16,22 0 0,-1 0 0,0-21 16,21 0-16,-21 0 0,1 0 15,20 0-15,-21 0 0,21 0 0,-20 0 16,20-21-16,-21 21 0,21-21 16,-20 0-16,-1-1 0,0 1 15,-21 0-15,0 0 0,0-21 0,0 20 16,0-20-16,-21 21 0,0-21 15,-22 20-15,22 1 0,-21 0 16,21 0-16,-64 0 0,64 21 16,-22 0-16,22 0 0,-21 0 15,21 21-15,0 0 0,-1-21 0,22 21 16,0 0-16,0 1 16,22-22-16,-1 21 0,0-21 15,21 0-15,-21 0 0,22 0 16,-1 0-16,22-21 0,-22-1 15,21 1-15,-20 0 0,84-42 16,-85 20-16,22 22 0,-22-21 16,0-1-16,-21 1 0,22 21 15,-22-21-15,0-1 0,-21 22 16,0-21-16,0 21 0,21-22 0,-21 22 16,0 0-16,0 0 15,-21 42 1,21 0-16,-21 0 15,21 22-15,0-22 0,-21 42 0,0-20 16,-1 20-16,22-21 0,-21 22 16,0-1-16,0 1 0,0-1 15,0 1-15,-1-1 0,22 22 0,-21-21 16,0 20-16,0 1 16,0 0-16,21-1 0,-21 1 0,-1 21 0,22-22 15,0 1-15,0 0 0,-21-1 16,21-20-16,0-1 0,0 64 15,0-84-15,0-1 0,0 0 16,21-20-16,1-1 0,-1 0 16,0-21-16,0 0 0,21 0 0,-20 0 0,20-21 15,0 0-15,-21-1 0,22-20 16,-1 21-16,0-21 0,1-1 0,-22 1 16,0 0-16,0-22 0,-21 22 15,0-22-15,0 22 0,0-22 16,0 1-16,-21-1 0,-21 22 15,-1-21-15,1 20 0,0-20 0,-22 20 16,22 1-16,-22 21 0,22-21 0,0 20 16,-1 1-16,1 0 0,0 21 15,21-21-15,-1 21 0,1-21 16,21 0-16,21 21 16,22-22-16,-22 1 15,42 21-15,-20-21 0,-1 0 16,22 0-16,-1 0 0,1-1 0,-1-20 15,1 21-15,-1-21 0,1-1 0,-22 1 16,21-22-16,-20 22 0,-1-21 16,-21 20-16,0-20 0,1-1 15,-22 22-15,0-22 0,0 22 16,0-21-16,0 20 0,0 22 0,0-21 16,0 21-16,0-1 0,-22 1 15,1 21-15,0 21 16,0 1-16,21 20 15,-21 0-15,21 22 0,0-22 0,0 22 16,0-1-16,-21 1 0,21-1 16,0 1-16,0-1 0,0 1 0,0-22 15,0 43 1,0-64-16,0 21 0,0-21 0,0 0 16,0 1-16,21-22 15,-21 21-15,21-21 0,0 0 16,0-21-16,-21-1 15,0 1-15,21 0 0,-21 0 0,22 0 16,-22-22-16,0 22 0</inkml:trace>
+  <inkml:trace contextRef="#ctx0" brushRef="#br0" timeOffset="1419">27241 1101 0,'22'0'47,"-22"-21"-31,42 21-16,-21 0 0,0-22 15,0 1-15,1 21 0,20-21 0,-21 21 16,0-21-16,0 0 0,22 21 16,-22-21-16,21-1 0</inkml:trace>
+  <inkml:trace contextRef="#ctx0" brushRef="#br0" timeOffset="1979.92">28300 614 0,'0'0'0,"-21"0"0,-1-21 16,1 21-16,0 0 0,0 0 15,0 0-15,0 0 0,-1 21 16,1 0-16,0 0 0,21 0 15,-21 22-15,0-1 0,0 0 0,21 22 16,-22-22-16,1 22 0,21-22 16,-21 22-16,0-22 0,21 0 0,0 1 15,-21-1-15,21 0 0,0 1 16,-21-22-16,21 0 0,0 0 16,0 0-16,0 0 0,21-21 31,0-21-31,-21 0 0,0 0 15,0-21-15,21 20 0,0-20 0,-21-21 16,21 20-16,-21-20 0,22-1 16,-22 1-16,21-1 0,0 1 0,-21-1 15,21 1-15,-21 20 0,21 1 16,0 0-16,-21 21 0,22-1 0,-1 1 16,0 21-16,0 21 15,0 1-15,-21-1 0,21 21 16,-21 0-16,22 1 0,-22 20 15,21 1-15,-21-22 0,0 22 16,0-1-16,0 1 0,0-22 0,0 21 16,0-20-16,0-22 0,0 21 15,0-21-15,0 22 0,0-22 0,0 0 16,0 0-16,0 0 16,0-42 15,0 0-31,0 0 15,0 0-15,0 0 0,0-1 0,-21 22 16,-1-21-16</inkml:trace>
+  <inkml:trace contextRef="#ctx0" brushRef="#br0" timeOffset="2162.81">27961 1207 0,'0'0'0,"-21"-22"15,21 1 1,21 0-1,0 21-15,0-21 0,1 21 0,-1-21 16,21 21-16,-21-21 0,0 21 16,22 0-16,-22-22 0,0 22 0,0-21 15,0 21-15,1 0 0,-1 0 16,0 0-16,0 0 0</inkml:trace>
+  <inkml:trace contextRef="#ctx0" brushRef="#br0" timeOffset="4213.99">28406 1376 0,'0'0'0,"0"21"0,0 0 0,0 0 15,-22-21-15,44 0 32,-1-21-17,0 0-15,0 0 0,0 0 16,22 0-16,-22-1 0,21-20 0,-21 21 15,22-21-15,-22-1 0,21 1 16,-21 21-16,0-22 0,-21 22 0,0 0 16,0 0-16,0 0 0,-21 21 31,0 21-31,0 0 0,0 0 16,0 0-16,21 1 0,-22 20 15,22-21-15,-21 0 0,21 0 0,0 22 16,0-22-16,0 0 0,0 0 15,0 0-15,21 1 0,22 20 16,-43-21-16,21-21 0,0 21 16,-21 0-16,21-21 15,-21 22-15,0-1 16,-21-21 0,0 0-1,0-21-15,21-1 0,-21 22 16,-1-21-16,1 0 15,0 21 1,21 21 15,0 0-15,21-21-16,0 22 0,1-22 16,-1 0-16,0 0 0,0 0 15,0 0-15,22 0 0,-1 0 16,-21 0-16,21-22 0,1 1 0,20 0 15,-42 0-15,22 0 0,-1 0 16,0-22-16,-20 1 0,-1 21 0,0-22 16,0 1-16,0 0 0,-21 21 15,0-22-15,0 22 0,0 0 0,0 0 16,0 0-16,0 42 31,-21 0-31,21 0 0,-21 0 16,21 0-16,0 1 0,-21 20 0,21-21 15,0 0-15,0 0 0,0 22 16,0-22-16,0 0 0,0 0 0,0 0 16,0 1-16,21-1 0,-21 0 15,0 0-15,21-21 0,-21 21 16,-21-21 15,0 0-15,0 0-16,-1-21 0,1 21 15,0 0-15,0-21 16,0 21-16,0 0 16,21 21-1,0 0 1,0 0 0,21-21-16,0 0 0,0 0 0,0 0 15,0 0-15,1 0 0,-1 0 16,0 0-16,21 0 0,-21 0 0,22 0 15,-22 0-15,21-21 0,-21 21 16,22-21-16,-22 0 0,0 0 0,0 0 16,0-22-16,1 22 15,-1 0-15,-21 0 0,0-22 0,0 22 16,0 0-16,0 0 0,0 0 16,-21 42 15,-1 0-31,1 0 0,21 0 0,0 1 15,-21-1-15,21 0 0,-21 21 16,21-21-16,0 1 0,0-1 0,0 0 16,0 0-16,0 0 15,21 0-15,0-21 16,0 0-16,1 0 16,-1 0-16,0 0 0,0-21 0,0 21 15,0-21-15,1 0 0,-1 0 16,0 0-16,0-1 0,-21 1 15,21 0-15,0-21 0,-21 21 16,0-1-16,22 1 0,-22 0 0,21 0 16,-21 0-1,0 0 79,0-1-78,0 1-1,-21 21 17,-1 0-17,1 21-15,21 1 16,-21-22-16,0 21 0,21 0 15,-21-21-15,21 21 0,0 0 16,21-21 0,0 0-1,0 0-15,0 0 16,1 0-16,-1 0 0,0 0 16,-21 21-16,21-21 15,-21 22-15,0-1 0,0 0 16,0 0-16,0 0 15,0 0-15,0 1 0,0-1 16,-21 0-16,21 0 16,0 0-16,0 0 0,0 1 15,21-22 1,0 0-16,0 0 0,1 0 16,20 0-16,-21 0 15,0 0-15,22 0 0,-22-22 0,0 22 16,21-21-16,-21 0 0,1 0 15,-1 0-15,0-22 0,0 1 0,0 0 16,0-1-16,1-20 0,-1 21 16,-21-22-16,21 1 0,0-1 0,-21 22 15,0-22-15,21 22 0,-21 0 16,21 20-16,-21-20 0,0 21 0,0 0 16,0 0-16,0-1 0,-21 44 31,0-1-16,0 0-15,21 21 0,-21-21 0,0 22 16,21 20-16,-22-20 16,1-1-16,21 21 0,0-20 0,-21 20 15,0-20-15,21-1 0,-21 0 16,21 1-16,0-1 0,0 0 0,0 1 16,0-22-16,0 0 0,0 21 15,0-21-15,21 1 0,0-22 0,0 21 16,0-21-16,1 0 0,-1 0 15,42 0-15,-20 0 0,-22 0 16,21 0-16,-21 0 0,0-21 16,22 21-16,-22-22 0,0 1 0,0 0 15,0 21 1,-21-21-16,22 0 0,-22 0 0,0-1 16,0 1-16,0 0 15,0 0-15,0 0 0,0-22 16,0 22-16,0 0 15,0 0-15</inkml:trace>
+  <inkml:trace contextRef="#ctx0" brushRef="#br0" timeOffset="4513.49">30099 910 0,'0'0'16,"-21"0"-16,21-21 15,21 21 1,0-21-16,21 0 0,1 21 16,41-43-16,-41 22 0,-1 21 15,0-21-15,1 0 16,-1 21-16,0-21 0,1 21 0,-22 0 0,0 0 16,0-21-16,0 21 0,1 0 15,-1 0-15,-42 21 47,-1-21-31,1 21-16,0 0 0,-21-21 0,-1 21 15,1 0-15</inkml:trace>
+  <inkml:trace contextRef="#ctx0" brushRef="#br0" timeOffset="5233.75">26098 2032 0,'-21'21'0,"42"-42"0,-63 42 16,0-21-16,21 0 0,-1 21 15,1-21-15,0 0 0,0 0 16,21 22 15,21-22-31,21 0 16,-20 0-16,20 0 0,0 0 15,1 0-15,20 0 0,1 0 0,20 0 0,1-22 16,21 1-16,0 21 16,-1 0-16,22-21 0,0 21 0,149 0 15,-128-21-15,0 21 16,0 0-16,0 0 0,0-21 0,-21 21 16,22 0-16,-22 0 0,0-21 15,0 21-15,-22 0 0,22 0 0,-21-22 16,0 1-16,-21 21 0,-1 0 15,1-21-15,0 21 0,-1 0 0,1 0 16,-21-21-16,-1 21 0,64 0 16,-63-21-16,-1 21 15,-21 0-15,1 0 0,-1 0 0,-21-21 0,22 21 16,-22 0-16,0 0 16,-21-22-16,-21 22 31,0 0-16,-22 0-15,1 0 0,0 0 16,-1 0-16,-20 0 0,-1 0 0</inkml:trace>
+  <inkml:trace contextRef="#ctx0" brushRef="#br0" timeOffset="5981.04">26628 2096 0,'-22'0'0,"44"0"0,-86 21 0,43-21 0,-21 0 15,20 0-15,-20 21 16,21-21-16,0 0 0,0 0 15,-1 21-15,1-21 0,0 0 0,0 0 16,0 21-16,0-21 0,-1 0 16,1 0-16,0 0 0,0 0 15,0 0-15,21 21 0,-21-21 16,-1 0-16,1 0 16,21 22 46,21-22-62,1 0 0,-1 0 16,0 0-16,0 0 0,21 0 15,1 0-15,-1 0 0,22 0 16,-1 0-16,22 0 0,-1 0 0,1 0 0,21 0 16,21-22-16,-21 22 15,21 0-15,0 0 0,0 0 0,21-21 16,-21 21-16,21-21 0,0 21 15,-21-21-15,21 0 0,-21 21 0,0-21 16,0 21-16,0-22 0,-21 1 16,0 21-16,0 0 0,0-21 0,0 21 15,-22 0-15,1-21 0,0 21 16,-1 0-16,-20-21 0,20 21 0,-20 0 16,-1-21-16,1 21 0,-22 0 15,22 0-15,-22 0 0,0-22 0,-20 22 16,-1 0-16,0 0 0,0 0 15,0 0-15,-21-21 125,0 0-109</inkml:trace>
+  <inkml:trace contextRef="#ctx0" brushRef="#br0" timeOffset="12884.53">25971 3598 0,'0'22'16,"22"-22"0,-1 0-1,0 0-15,-21-22 16,21 22-16,-21-21 0,21 0 16,0 0-16,-21 0 15,0 0-15,22-1 0,-22 1 0,0 0 16,0 0-16,0 0 0,0 0 15,-22-1-15,22 1 0,-21 21 0,0-21 16,0 0-16,0 21 0,0 0 16,-22 0-16,22 0 0,0 21 15,0 0-15,-22 0 0,22 22 0,0-22 16,0 21-16,0 1 0,0-1 0,-1-21 16,1 21-16,21 1 0,0-22 15,0 0-15,0 0 0,0 0 16,0 1-16,0-1 0,21-21 15,1 0-15,-1 0 0,0 0 0,21 0 16,-21 0-16,22 0 0,-1-21 0,-21-1 16,22 22-16,-1-21 0,-21 0 15,0 0-15,22-43 0,-22 43 16,0 0-16,-21 0 0,21-21 16,-21 20-16,0 1 0,0 0 0,0 0 15,0 0-15,0 0 0,0-1 16,0 44-1,0-1 1,0 0-16,0 0 0,0 21 16,0-20-16,0 20 0,0-21 0,0 21 15,0-20-15,0-1 0,0 0 16,0 21-16,0-21 0,0 1 0,0-1 16,21 0-16,0-21 15,1 0-15,-1 0 0,0 0 0,0 0 16,0 0-16,0 0 0,1-21 15,20 21-15,-21-21 0,0-1 16,22 1-16,-22-21 0,0 21 0,-21-22 0,0 22 16,21-21-16,-21 0 15,0-1-15,0 1 0,0 0 0,-21-1 0,0 1 16,0 0-16,-1-1 16,1 22-16,-21-21 0,21-1 0,-22 22 15,1 0-15,0 0 0,-1 21 16,-20 0-16,21 0 0,-22 0 0,1 0 15,-1 21-15,-21 0 0,22 0 16,-22 22-16,22 20 0,-1 1 0,1-1 16,-1 1-16,22 20 0,0-20 15,20 21-15,1-22 0,21 1 0,0-1 16,0 1-16,21-1 0,1-21 16,-1 1-16,21-1 0,0 0 15,22 1-15,-22-22 0,22 0 0,-1 0 0,1-21 16,-22 21-16,22-21 15,-22 0-15,21 0 0,-20 0 0,-1 0 16,0-21-16,-20 0 0,20 21 0,-21-21 16,21 0-16,-20-22 0,-1 22 15,21 0-15,-21-21 0</inkml:trace>
+  <inkml:trace contextRef="#ctx0" brushRef="#br0" timeOffset="13610.62">27241 3260 0,'0'-21'0,"-42"-1"16,42 44 0,0 20-16,-21-21 0,21 21 0,-21-20 15,21 20-15,-21 0 0,21 1 16,-22 20-16,22-21 0,0-20 0,0 20 15,0 0-15,-21 1 0,21-22 0,0 0 16,0 0-16,0 0 0,0 0 16,0 1-16,21-22 31,1-22-31,-22 1 16,21-21-16,-21 21 0,0 0 15,21-22-15,-21 22 0,0-21 16,0-1-16,0-20 0,0 21 0,0-22 15,0 22-15,21-1 0,-21 1 16,21 0-16,-21-1 0,21 22 0,1 0 16,-22 0-16,21 0 0,0 0 15,0 21-15,0 0 0,0 0 16,-21 21-16,22 0 0,-1 0 16,0 0-16,-21 22 0,0-22 0,0 21 15,0 0-15,0 1 16,0-1-16,-42-21 0,20 22 0,1-22 15,-21 21-15,21-21 0,0 0 0,-1 1 16,1-22-16,0 0 0,21 21 16,0-42-1,21-1-15,0 1 16,22 21-16,-22-21 0,0 0 0,21 21 16,-20 0-16,20 0 0,-21 0 15,21 0-15,-20 0 0,-1 0 0,0 21 16,0-21-16,0 21 0,0 0 15,-21 1-15,0-1 0,0 21 0,0-21 16,0 0-16,-21 1 0,0-1 16,0 0-16,0 0 0,0 0 15,-22 0-15,22 1 0,0-1 0,-21-21 16,20 21-16,1-21 0,0 0 16,0 0-16,0 0 0,0 0 0,-1 0 15,1 0-15,21-21 16,0 0-1,0-1-15,0 1 0,21 0 16,1 0-16</inkml:trace>
+  <inkml:trace contextRef="#ctx0" brushRef="#br0" timeOffset="14315.98">27898 3239 0,'0'0'0,"0"-22"0,0 44 31,0-1-15,0 0-16,0 21 0,0 1 15,0-22-15,0 21 0,-22 0 0,22 1 16,0-1-16,0 0 0,-21 1 16,21-22-16,-21 21 0,21-21 15,0 22-15,-21-22 0,21 0 0,0 0 16,0 0-16,0-42 31,0 0-15,0 0-16,0-21 0,0 20 0,0-20 15,0 0-15,0-1 0,0 1 16,0 0-16,21-22 0,0 22 0,0-22 16,1 22-16,-1 0 0,-21 21 15,21-22-15,0 22 0,0 21 0,0 0 16,1 0-16,-1 0 0,0 21 15,0 0-15,0 22 0,0-1 16,-21 0-16,0 1 0,22-1 0,-22 0 16,0 1-16,0-1 0,0 43 15,0-43-15,0-21 0,0 0 16,0 22-16,0-22 16,0 0-16,-22-21 0,22-21 31,0 0-31,0 0 0,0-1 15,22-20-15,-1 0 0,0-1 16,0 1-16,0 0 0,0-22 0,1 1 16,-1 20-16,0-20 0,21 21 15,-21-1-15,1 22 0,-1 0 16,0 0-16,0 21 0,0 0 0,0 0 16,1 42-16,-1-21 15,-21 22-15,0-1 0,0 0 0,0 22 16,0-22-16,0 22 0,0-22 15,0 0-15,0 1 0,0-1 0,0 0 16,0 1-16,0-1 0,0-21 16,0 21-16,0-20 0,0-1 0,0 0 15,0 0-15,0 0 0,0 0 16,0 1-16,-21-22 16,-1 0-1,1 0 1</inkml:trace>
+  <inkml:trace contextRef="#ctx0" brushRef="#br0" timeOffset="14662.3">26733 4403 0,'-63'21'0,"126"-42"0,-190 63 0,64-42 15,21 21-15,20 0 0,1-21 16,42 0 0,22 0-16,20 0 0,1 0 0,20 0 15,1-21-15,21 0 0,21 21 16,0-21-16,0 21 0,0 0 0,0-21 16,21 21-16,-21 0 0,0-21 15,0 21-15,0-22 0,-21 22 0,-21 0 16,20 0-16,-41 0 0,63-21 15,-85 21-15,-21 0 0,1 0 16,-65 0 0,22 0-16,-21 21 0,-1-21 15,1 0-15,-21 22 0,-1-22 16,1 21-16,-22 0 0,0-21 16,-21 21-16</inkml:trace>
+  <inkml:trace contextRef="#ctx0" brushRef="#br0" timeOffset="14928.14">26501 4805 0,'0'0'0,"-149"63"16,107-63-16,21 0 15,21 22-15,21-22 16,0 0-16,43 0 0,-1 0 16,1-22-16,20 22 0,22-21 0,0 21 15,21-21-15,0 0 0,0 0 16,0 21-16,0-21 0,0-1 15,0 1-15,0 0 0,-21 21 0,0-21 16,0 0-16,-22 21 0,-20-21 16,-1 21-16,1 0 0,-43 0 0,21-22 15,-21 22-15,-42 0 16,-21 0-16,0 0 16,-1 0-16,-20 0 0,-1 22 0,1-1 15,-22 0-15</inkml:trace>
+  <inkml:trace contextRef="#ctx0" brushRef="#br0" timeOffset="15216.98">26628 5101 0,'0'0'0,"-64"21"0,43 1 0,-21-1 0,42 0 16,21-21 0,0 0-16,21 0 0,22 0 15,20 0-15,-20 0 0,42-21 0,-22 21 16,22-21-16,0 21 0,0-22 0,0 1 15,21 21-15,-21-21 0,-1 21 16,107 0-16,-106-21 16,-21 21-16,-1-21 0,-20 21 0,-22 0 15,22 0-15,-43 0 0,0 0 0,0 0 16,-42 0 0,0 0-16,0 0 15,-22 0-15,1 21 0,-64 0 16,43 0-16,-22-21 0,0 21 0,1 1 15,-22-1-15,21-21 0</inkml:trace>
+  <inkml:trace contextRef="#ctx0" brushRef="#br0" timeOffset="15499.81">26712 5376 0,'0'0'0,"-63"22"0,-1-1 16,1-21-16,-1 21 0,22 0 16,21 0-16,-22-21 0,43 21 0,22-21 15,20 0 1,0 0-16,22 0 0,-1 0 15,22 0-15,0-21 0,20 21 0,1-21 16,0 0-16,21 0 0,-21 0 16,21-1-16,-21 22 0,21-21 0,-21 0 15,-1 0-15,-20 0 0,0 21 16,-1-21-16,43-1 16,-63 1-16,-22 21 0,1 0 0,-22-21 0,0 21 15,0 0-15,0-21 0,0 21 16,-21-21 15,22 21-15,-22-21-16,21 21 15</inkml:trace>
+  <inkml:trace contextRef="#ctx0" brushRef="#br0" timeOffset="16772.65">26903 7345 0,'21'-21'47,"0"0"-47,0-1 0,0 1 16,1 0-16,-1-21 0,-21 21 15,0-22-15,21 22 0,-21-21 0,0-1 16,0-20-16,0 42 0,0 0 16,-21-1-16,0 1 0,-1 0 15,-20 0-15,0 21 0,21 0 16,-22 0-16,1 0 0,0 21 16,-1 0-16,1 0 0,0 22 0,-1-22 15,1 21-15,0 1 0,20-1 16,-20 0-16,21 1 0,0 41 15,21-41-15,0-22 0,0 0 0,0 0 16,0 0-16,63-21 16,-42 0-16,1 0 0,62 0 15,-41-21-15,-1 0 0,0 0 16,1 0-16,-1-22 0,0 22 0,-21-21 16,22-1-16,-22 22 0,0-21 0,0 0 15,0 20-15,-21-20 0,0 21 16,0 0-16,0 0 0,0-22 15,-21 43 1,0 0-16,0 21 0,0 1 16,0-1-16,-1 0 0,22 21 0,-21-21 15,21 22-15,-21-1 0,21 0 16,0 1-16,0 20 0,0-20 16,21-22-16,0 0 15,1 0-15,41 0 0,-21-21 16,-20 0-16,20 0 0,0 0 0,1 0 15,-1 0-15,-21-21 0,21 0 0,1-21 16,-22 20-16,0-20 0,21 0 16,-20 21-16,-22-22 0,0 1 15,0-22-15,0 22 0,0 0 0,0-1 16,-22-20-16,1 21 0,0-22 16,-21 22-16,-1-1 0,1 1 0,0 0 15,-22-1-15,1 22 0,-1 0 16,1 0-16,-22 21 0,22 0 0,-1 21 15,1 0-15,-22 22 0,21-1 0,1 0 16,21 22-16,-22-1 0,1-20 16,20 41-16,1-20 0,0 20 15,20-20-15,1 21 0,21-1 0,0 1 16,0-22-16,21 22 0,22-43 16,-22 22-16,21-22 0,1 1 0,20-1 15,-21 0-15,22-21 0,-1 1 16,1-1-16,-1-21 0,1 0 0,-1 0 15,-20 0-15,20 0 0,1 0 16,-22 0-16,22-21 0,-22 21 0,0-22 16,1 1-16,-1 0 0,-21-21 0,21 21 15,-20-22-15,20 22 0,-21-21 16,21-1-16</inkml:trace>
+  <inkml:trace contextRef="#ctx0" brushRef="#br0" timeOffset="17049.72">27771 6837 0,'0'0'16,"-22"0"-16,22-21 0,22 21 31,-1-21-31,21 21 0,22 0 16,41-22-16,-41 22 15,-22 0-15,64-21 16,-64 21-16,1-21 0,-1 21 0,-21 0 16,0 0-16,1 0 0,-22 21 15,-22 0 1,1-21-16,0 0 16,0 0-16,-21 0 0,20 22 0,1-22 15</inkml:trace>
+  <inkml:trace contextRef="#ctx0" brushRef="#br0" timeOffset="17283.5">28088 6795 0,'0'0'0,"-21"0"16,0 0 0,21 21-1,0 21-15,0-21 0,0 0 16,0 1-16,0 20 0,0 0 16,0 1-16,0-1 0,0 21 0,0-20 15,0 63-15,0-43 16,0-21-16,0 1 0,0-1 0,0 0 15,0-20-15,0 20 0,0-21 16,0 0-16,0 0 0,0 1 0,0-1 16,21-21-1,0 0-15,0-21 16,-21-1-16,21 1 0,1 0 0,-1 0 16</inkml:trace>
+  <inkml:trace contextRef="#ctx0" brushRef="#br0" timeOffset="18294.83">28363 7303 0,'0'-22'16,"21"22"-16,1 0 0,-1 0 15,-21-21-15,21 0 16,0 21-16,0-21 0,-21 0 16,21 21-16,1-21 0,-22-1 15,21 1-15,-21 0 0,0 0 0,0 0 16,0 0-16,0-1 0,0 1 0,0 0 15,0 0 1,-21 21 0,-1 21-16,1 0 0,0 0 15,0 1-15,0 20 0,21-21 0,-21 21 16,-1 1-16,22-1 0,-21 0 0,21 1 16,0-1-16,0-21 0,0 22 15,0-22-15,0 0 0,21 0 0,22 0 16,-22-21-1,0 0-15,0 0 0,22 0 0,-22 0 16,0-21-16,0 0 0,0 0 16,22 0-16,-22-1 0,0-20 15,0 21-15,21-21 0,-20-1 0,20-20 16,-42 20-16,0 22 16,0-21-16,0 21 0,0 0 15,0 42 1,0 0-16,0 0 15,0 21-15,0-20 0,0 20 0,0-21 16,21 21-16,-21-20 0,21 20 16,-21-21-16,0 0 0,0 0 0,21 1 15,-21-1-15,0 0 0,0 0 16,0 0-16,-21-21 31,0-21-15,21 0-16,-21 21 0,0-21 0,0 0 15,21-1-15,-22 1 0,1 21 16,21 21 15,0 1-15,0-1-16,0 0 0,0 0 0,0 0 16,21-21-16,-21 21 0,22-21 0,-1 0 15,21 22-15,-21-22 0,0 0 16,22 0-16,-22 0 0,21 0 0,1 0 15,-1 0-15,0-22 0,-21 22 16,22-21-16,-1 0 0,0-21 16,-20-1-16,20 1 0,-21 0 15,0-1-15,0 1 0,1 0 16,-22-22-16,21 22 0,-21 0 0,21-22 16,-21 22-16,0-22 0,21 22 15,-21 0-15,21-1 0,-21 1 0,0 21 16,21 0-16,-21-1 0,0 44 15,0-1 1,0 0-16,-21 0 0,21 21 16,-21 1-16,21-1 0,-21 0 0,21 1 15,0-1-15,0 22 0,-21-22 16,21 0-16,0 22 0,-21-22 16,21 0-16,0 1 0,0-22 0,0 21 15,0-21-15,0 1 0,0-1 16,21 0-16,0 0 0,0-21 15,0 0-15,0 0 0,1 0 16,-1 0-16,0-21 16,0 0-16,-21 0 15,0-1-15,0 1 0,0 0 16,0 0-16,0 0 0,0-22 0,0 22 16,0 0-16,-21-21 0</inkml:trace>
+  <inkml:trace contextRef="#ctx0" brushRef="#br0" timeOffset="18603.79">29104 7112 0,'21'0'16,"0"0"-16,1 0 0,20 0 0,0 0 16,1 0-16,-1 0 0,0-21 15,1 21-15,20-21 0,-21 0 0,1-1 16,20 22-16,-20-21 0,20 0 15,-21 0-15,1 21 0,-1-21 16,0 21-16,1 0 0,-22-21 16,0 21-16,0 0 0,-42 0 47,0 21-32,0-21 1,0 21-16,-1-21 15,1 21 1,0-21-16</inkml:trace>
+  <inkml:trace contextRef="#ctx0" brushRef="#br0" timeOffset="19420.02">27559 8319 0,'0'0'16,"-42"0"-16,-22 0 0,1 0 0,-43 0 15,21 0 1,43 0-16,21 0 0,-1 0 0,44 0 16,41 0-16,-21 0 15,22 0-15,21 0 0,20 0 16,22 0-16,-21 0 0,21-22 0,21 1 16,-21 21-16,0-21 0,0 21 15,0 0-15,0-21 0,-21 21 0,0 0 16,0 0-16,-21 0 0,-22-21 15,1 21-15,-43 0 0,21 0 0,-84 0 32,21 0-32,-43 0 0,22 0 15,-22 0-15,-20 0 0,20 0 0,-21 21 16,1 0-16,-22-21 16,0 21-16,0 0 0,0 1 0,-21 20 15,22-21-15,-22 0 0,0 22 16,21-22-16,0 21 0,0-21 0,0 22 15,22-22-15,-1 21 0,21-21 0,22 0 16,0 1-16,21-1 0,21 0 16,0 0-16,21-21 0,0 0 0,21 21 15,22-21-15,-1 0 0,85 0 16,-63-21-16,21 21 0,21-21 16,-21 0-16,0 0 0,21 21 0,-22-22 15,1 1-15,21 0 0,-42 21 16,21-21-16,0 0 0,-22 21 15,-20-21-15,-1 21 0,1 0 0,-43 0 16,21 0-16,-21-22 0,-63 22 16,21 0-1,-21 22-15,-1-22 0,-20 21 0,-1 0 16,1 0-16,-22 0 0,0 0 16,1 1-16,-22-1 0,0 21 0</inkml:trace>
+  <inkml:trace contextRef="#ctx0" brushRef="#br0" timeOffset="19663.39">27771 8890 0,'0'0'16,"-106"42"-16,0-20 0,21 20 0,1-21 15,20 21-15,-42 1 16,85-22-16,21 0 0,42 0 16,-20-21-16,41 0 0,-21 0 15,43 0-15,-21 0 0,41 0 0,-20 0 16,21-21-16,21 21 0,-21-21 0,0 0 16,-1 0-16,1 21 0,0-22 15,0 1-15,-21 0 0,-1 0 0,-20 21 16,20-21-16,-41 21 0,20 0 15,-42-21-15,22 21 0,-22-22 0,0 22 16,-63 0 0,21 0-16,-22 22 15,1-1-15,0-21 0,-22 21 16,1 0-16,-22 0 0,0 0 0,-21 1 16</inkml:trace>
+  <inkml:trace contextRef="#ctx0" brushRef="#br0" timeOffset="19920.25">27453 9440 0,'-42'43'0,"84"-86"0,-127 107 0,64-43 16,0-21-16,21 21 0,0 0 16,21-21-16,0 0 15,1 0-15,20 0 0,0 0 0,22 0 16,-1 0-16,22 0 0,-22-21 16,22 21-16,21-21 0,-21 0 0,-1 21 15,1-21-15,0 0 0,-1 21 16,-20-22-16,-1 1 0,1 21 15,-22 0-15,0 0 0,-20 0 0,-1-21 16,0 21-16,-42 0 31,-22 21-31,22 0 0,-21-21 16,21 22-16,-43-1 0,22 0 0,-22 0 16,22 0-16,-21 0 0,-22 1 0</inkml:trace>
+  <inkml:trace contextRef="#ctx0" brushRef="#br0" timeOffset="20172.62">27728 9758 0,'-84'21'0,"168"-42"0,-232 84 15,85-41-15,-1 20 0,1-21 16,-1 0-16,22 0 0,-1 1 16,22-1-16,0-21 0,21 21 0,21-21 15,0 0-15,22 0 16,-1 0-16,22 0 0,-1 0 16,1-21-16,20 0 0,22-1 0,-21 1 15,21 0-15,-1 0 0,1 0 0,0 0 16,-21-1-16,21 1 0,-22 0 15,1 0-15,-22 0 0,1 0 0,-1 21 16,22-22-16,-64 22 0,0 0 16,-42 0-1,0 0-15,-21 0 16,-1 22-16,1-1 0,-21 0 16,-1 0-16,1 0 0,-22 0 0,0 1 15</inkml:trace>
+  <inkml:trace contextRef="#ctx0" brushRef="#br0" timeOffset="20426.47">27432 10202 0,'-21'22'0,"42"-44"0,-63 65 16,42-22-16,21-21 15,21 0-15,0 0 16,1 0-16,20 0 0,1-21 0,20 21 16,-20-21-16,21-1 0,-1 1 15,22 0-15,-21 0 0,-1 0 16,1 0-16,-21-1 0,20 1 0,-20 0 15,-1 0-15,1 0 0,-22 21 0,0-21 16,1 21-16,-22 0 0,21-22 16,-21 1-16,1 21 15,-22-21-15,-22 21 32,1 0-17</inkml:trace>
+  <inkml:trace contextRef="#ctx0" brushRef="#br0" timeOffset="21581.1">26839 12996 0,'21'22'0,"-42"-44"0,64 65 16,-43-22-16,21 0 0,0-21 0,0 0 15,0 0-15,0 0 0,1 0 0,-1 0 16,0 0-16,0-21 0,0 0 16,0 21-16,-21-43 0,22 1 15,-22 21-15,0 0 0,0-22 16,0 22-16,0 0 0,-22-21 0,1 21 15,0-22-15,0 22 0,0 0 16,-22 0-16,1 0 0,0 21 16,-1 0-16,1 0 0,0 0 0,-1 21 15,1 0-15,21 0 0,-21 0 16,-1 22-16,22-1 0,0-21 0,0 21 16,0 1-16,21-1 0,-22-21 0,22 22 15,0-22-15,0 0 0,0 0 16,0 0-16,22-21 0,-1 0 0,0 0 15,21 0-15,-21 0 0,1 0 16,20-21-16,-21 0 0,21 0 0,1 0 16,-22-1-16,21 1 0,-21 0 0,22-21 15,-22 21-15,0-22 16,0 22-16,0 0 0,-21 0 0,0 0 16,0 42-1,0 0 1,0 0-16,0 0 0,0 22 0,0-22 15,0 21-15,0 0 0,0-20 16,0 20-16,0-21 0,0 21 16,0-20-16,0-1 0,22 0 0,-1 0 0,0 0 15,0-21-15,21 0 16,-20 0-16,-1 0 0,21 0 0,-21 0 0,22-21 16,-22 0-16,21 0 0,0 0 15,-20-1-15,20-20 0,-21 21 16,0-21-16,0-1 0,1 1 0,-22 0 15,0-1-15,0-20 0,0 20 16,-22 1-16,1 0 0,0-1 0,0 1 16,-21 0-16,-1-1 0,1 1 0,-22 0 15,1 21-15,-1-22 0,1 43 16,-22-21-16,1 21 0,20 0 0,-21 21 16,1 0-16,20 1 0,1 20 15,-1 0-15,22 22 0,-22-1 0,43 1 16,-21-1-16,21 22 0,21-22 0,0 22 15,0-21-15,0-1 0,0 1 16,21-22-16,0 21 0,0-20 16,22-1-16,-22 0 0,21-20 0,0 20 15,-20-21-15,20 0 0,0 0 16,1 1-16,-1-1 0,0 0 16,1-21-16,-1 0 0,-21 0 0,21 0 15,-20 0-15,20 0 0,-21-21 0,0 21 16,22-43-16,-22 22 0,0 0 0,21-21 15</inkml:trace>
+  <inkml:trace contextRef="#ctx0" brushRef="#br0" timeOffset="22080.35">27940 12637 0,'0'0'15,"0"-22"-15,0 1 0,0 0 16,0 42 15,0 0-31,0 1 0,0-1 0,-21 21 16,21 0-16,0 1 0,-21-1 0,-1 0 15,1 1-15,21-1 0,-21 22 16,0-22-16,21-21 0,-21 21 0,21 1 16,-21-22-16,21 0 0,0 0 15,0 0-15,0-42 31,0 0-31,0 0 16,0 0-16,0-22 0,0 22 16,21-21-16,-21 0 0,21-1 0,-21-20 15,21 20-15,0-20 0,-21 21 16,21-1-16,-21 1 0,22 0 0,-1-1 16,-21 22-16,0-21 0,21 42 0,0-21 15,0 21-15,0 0 0,-21 21 16,22 0-16,-1 0 0,0 0 0,0 22 15,-21-1-15,21 0 0,0 1 16,-21-1-16,0 21 0,22 22 16,-1-43-16,-21-20 0,21 20 15,-21-21-15,0 0 0,0 22 0,0-22 16,0 0-16,0 0 16,0 0-1,-21-21-15,0 0 16,-1 0-16,1-21 0,0 0 0,-21 0 15</inkml:trace>
+  <inkml:trace contextRef="#ctx0" brushRef="#br0" timeOffset="22263.77">27749 12996 0,'22'0'15,"20"0"-15,-21 0 0,0 0 16,22 0-16,-1 0 0,0 0 15,1-21-15,-1 21 0,0-21 0,1 0 16,-1 21-16,0-21 0,1 0 0,-1-1 16,0 22-16,1-21 0,-22 0 15,21 0-15,-21-21 0,22 20 0</inkml:trace>
+  <inkml:trace contextRef="#ctx0" brushRef="#br0" timeOffset="22900.4">28723 12573 0,'0'0'0,"21"0"0,-21 21 31,0 0-31,0 1 16,0-1-16,0 21 0,0-21 0,0 22 16,0-1-16,0-21 0,-21 21 15,21 1-15,-21-22 0,21 21 0,0 1 16,0-22-16,0 21 0,0-21 16,0 0-16,0 1 0,0-1 0,0 0 15,0 0-15,0 0 0,0-42 31,0 0-15,0 0-16,0 0 0,0-43 16,0 22-16,0-1 15,0 1-15,0-21 0,0 20 0,0 1 16,0-22-16,0 22 0,21 0 0,0-1 16,0 1-16,-21 21 0,22 0 15,-22 0-15,21 21 0,0 0 0,0 0 16,0 21-16,-21 0 0,21 0 15,1 0-15,-1 22 0,0-1 0,-21 0 16,21-21-16,-21 22 0,21-1 0,-21 0 16,0 1-16,0-22 0,0 21 15,0-21-15,0 1 0,21-1 0,-21 0 16,0 0-16,0-42 31,0 0-15,22 0-16,-22-22 0,21 22 15,-21-21-15,0-1 0,21 1 0,0 0 16,0-1-16,-21-20 0,21 21 0,1-1 16,-1-20-16,0 20 0,0 1 15,0 0-15,22 21 0,-22-1 0,0 1 16,0 21-16,0 0 0,0 21 16,1 1-16,-1 20 0,0 0 0,0 1 15,0-1-15,0 0 0,-21 22 16,22-22-16,-1 22 0,-21-22 15,21 0-15,-21 1 0,0-1 0,0 0 16,0-21-16,0 22 0,0-22 16,0 0-16,0 0 0,0 0 0,-21 1 15,0-22 1,-1 0-16</inkml:trace>
+  <inkml:trace contextRef="#ctx0" brushRef="#br0" timeOffset="23315.18">27136 14076 0,'-64'21'0,"128"-42"0,-191 42 0,63-21 16,22 0-16,-22 0 0,22 0 15,0 0-15,-1 0 0,22 0 16,42 0-16,22 0 16,20 0-16,22 0 0,-1 0 15,22 0-15,0-21 0,0 21 0,42-21 16,-21 21-16,21 0 0,0-21 0,1 21 15,-1-22-15,0 1 0,21 21 16,-21-21-16,1 21 0,-22-21 0,0 21 16,-22 0-16,1-21 0,-21 21 15,-22 0-15,1 0 0,-22 0 0,-21-21 16,1 21-16,-44 0 16,-20 0-16,0 0 15,-22 0-15,1 0 0,-22 0 16,0 21-16</inkml:trace>
+  <inkml:trace contextRef="#ctx0" brushRef="#br0" timeOffset="23584.02">26966 14499 0,'0'0'0,"-63"21"0,-1 22 0,22-22 16,21 0-16,0 0 0,21 0 0,21-21 15,0 0-15,21 22 0,22-22 16,20 0-16,1 0 0,21 0 0,0 0 15,0 0-15,21 0 0,0-22 16,0 22-16,21 0 0,-21-21 16,0 0-16,0 21 0,-21-21 0,-1 0 15,1 21-15,-21-21 0,-22 21 16,1-22-16,-22 22 0,1-21 0,-22 21 16,0 0-16,-21-21 0,-21 21 15,-22 0-15,1 0 16,0 0-16,-22 0 0,1 21 0,-1 0 15,1 1-15</inkml:trace>
+  <inkml:trace contextRef="#ctx0" brushRef="#br0" timeOffset="24303.61">27199 14965 0,'0'0'0,"-127"21"0,42 21 16,1 1-16,20-22 16,1 0-16,42 0 0,-1 0 0,44-21 15,20 22-15,21-22 0,22 0 16,0 0-16,-1 0 0,22 0 15,0 0-15,0 0 0,21 0 0,0 0 16,0-22-16,-21 1 0,21 0 16,0 21-16,-21-21 0,-1 0 0,1 0 15,-21 21-15,0-22 0,-22 22 16,1 0-16,-22-21 0,0 21 16,-84 0-1,0 21-15,-22 1 0,1-1 0,-1 0 16,-21 0-16,-20 0 15,-1 22-15,0-22 0,-21 21 0,0-21 16,0 22-16,0-1 0,-21-21 0,21 21 16,-21-20-16,21 20 0,0-21 15,21 21-15,0-20 0,0-1 0,43 0 16,20 0-16,1 0 0,21 0 0,21 1 16,21-1-16,21-21 0,22 21 15,-1-21-15,22 0 0,21 21 0,0-21 16,21 0-16,-22 0 0,22 0 0,0 0 15,0 0-15,0 0 16,0-21-16,-21 21 0,21-21 0,-21 0 16,0 21-16,0 0 0,0 0 0,-22-22 15,1 22-15,0 0 0,-22 0 16,-21 0-16,1 0 0,-22 0 0,-21 22 16,-42-22-1,-1 21-15,-20 0 0,-1 0 0,1 0 16,-22 22-16,0-22 0,-20 0 15,-1 21-15,0-21 0,-21 22 0,0-22 16,0 0-16,0 0 0,21 0 0,-21 1 16,21-1-16,22 0 0,-1-21 0,21 0 15,1 21-15,42-21 16,42 0-16,21 0 0,22 0 16,-1 0-16,22-21 0,0 0 15,20 21-15,22-21 0,0-1 16,0 1-16,0 0 0,127-21 15,-127 21-15,-21-1 0,21 1 16,-21 0-16,0 21 0,-21-21 0,-1 21 16,1-21-16,-22 0 0,-20 21 15,-1 0-15,-21-22 0,0 22 0,1 0 16,-22-21-16,-22 21 16,1-21-16,-21 21 0,0-21 15,-1 21-15,-20-21 0</inkml:trace>
+  <inkml:trace contextRef="#ctx0" brushRef="#br1" timeOffset="32351.77">29337 8022 0,'0'0'0,"0"-21"15,0 0 1,0 0 0,0 0-1,-21 21 17,0 0-17,21 21-15,0 0 16,0 0-16,0 0 0,-22 0 15,22 1-15,0-1 0,0 0 16,0 0-16,0 0 0,0 0 16,0 1-16,0-1 0,0 0 15,22-21-15,-1 0 16,0 0-16,0 0 16,0 0-16,0 0 15,1-21-15,-1 21 0,-21-21 16,0-1-16,21 22 0,0-21 15,-21 0-15,0 0 0,0 0 0,0 0 16,0-1-16,0 1 0,0 0 16,0 0-16,0 0 0,0 0 15,0-1-15,0 1 0,-21 21 16,0 0-16,0 0 0,-1 0 16,1 0-16,0 0 0,0 0 15,0 0-15,0 21 16,-1 1-16,1-1 0,21 0 0,0 0 15,-21 0-15,21 0 0,0 1 16,0-1-16,0 0 0,0 0 16,0 0-16,0 0 0,21 1 15,0-22-15,1 21 16,-1-21-16,0 0 16,0 0-16,0 0 0,0 0 15,1-21-15,-1-1 16,-21 1-16,21 0 0,-21 0 15,0 0-15,0 0 0,0-1 16,0 1-16,0 0 16,0 0-16,-21 0 15,0 21-15,-1 0 0,1 0 16,0 0 0,21 21-16,-21-21 0,0 21 0,21 0 15,0 0-15,0 1 0,-21-22 0,21 21 16,0 0-16,0 0 0,0 0 15,0 0-15,0 1 16,21-22-16,0 0 16,0 0-16,0 0 0,0 0 31,1-22-31,-22 1 0,21 21 0,-21-21 16,0 0-16,0 0 15,0 0-15,0-1 0,0 1 16,-21 0-16,-1 21 15,1 0-15,0 0 16,0 0-16,21 21 0,-21 0 16,0 1-16,21-1 15,0 0-15,0 0 0,0 0 16,0 0-16,0 1 16,21-22-1,0 0-15,0 0 0,0 0 16,0 0-16,-21-22 15,22 1-15,-1 0 16,-21 0-16,0 0 0,0 0 16,0-1-16,0 1 15,0 0 1,-21 21-16,-1 0 0,1 0 16,21 21-16,0 0 15,0 1-15,0-1 0,0 0 16,0 0-16,0 0 15,0 0-15,0 1 0,21-22 32,1 0-32,-1 0 15,0-22 1,0 22-16,-21-21 0,0 0 0,0 0 16,21 21-16,-21-21 0,0 0 15,0-1-15,0 1 16,-21 21-16,0 0 0,0 0 15,0 0-15,-1 21 16,22 1-16,0-1 16,0 0-16,0 0 0,0 0 15,0 0-15,0 1 16,22-22 0,-1 0-16,0 0 15,0 0-15,-21-22 16,21 22-16,-21-21 0,0 0 15,0 0-15,0 0 16,0 0-16,-21-1 16,0 22-16,0 0 15,0 0-15,-1 0 0,1 0 16,21 22-16,-21-22 16,21 21-16,-21 0 15,21 0-15,0 0 0,0 0 0,0 1 16,21-22 15,0 0-31</inkml:trace>
+  <inkml:trace contextRef="#ctx0" brushRef="#br1" timeOffset="33015.39">31009 7578 0,'0'0'0,"0"-21"16,0-1-1,0 1 1,0 42 31,0 1-47,0-1 16,0 0-16,0 21 0,0-21 15,21 1-15,0-1 0,1 0 0,20 0 16,-21 0-16,21 0 0,-20 22 15,20-22-15,0 0 0,1 0 16,-1 0-16,0 1 0,-21 20 0,22-21 16,-1 21-16,-21-42 15,0 22-15,1-1 0,-22 0 0,0 0 16,0 0 15,0-42 16,0 0-31,0 0-16,-22 0 15,22-1-15,-21 1 0,21 0 0</inkml:trace>
+  <inkml:trace contextRef="#ctx0" brushRef="#br1" timeOffset="33958.75">31559 7514 0,'22'-42'15,"-22"21"-15,0 0 0,0-1 16,0 1-1,-22 42 17,1 1-17,0-1-15,0 0 0,0 0 0,0 21 16,-1-20-16,1 20 0,0-21 16,0 21-16,0-20 0,-22 20 0,22 0 15,-21 1-15,0-1 16,-1-21-16,1 21 0,21 1 0,-22-22 15,1 21-15,21 1 0,0-22 16,0 0-16,-1 0 0,1 0 0,0 0 16,0 22-16,21-22 15,0 0-15,0-42 47,21 0-47,0 0 0,0-1 0,1 1 16,20 0-16,-21-21 0,21-1 15,1 22-15,41-63 16,-41 41-16,-1 1 0,0 0 16,1-1-16,-22 1 0,21 0 0,1 20 15,-22-20-15,0 21 0,0 0 16,-21 0-16,21 21 0,-21-22 16,0 44 15,-21-1-31,0 0 0,0 0 15,0 0-15,-22 0 0,22 22 0,-21-22 16,-1 0-16,1 21 0,0-20 16,-1 20-16,1-21 0,0 0 0,-1 22 15,22-22-15,-21 0 16,21 0-16,21 0 0,-21-21 0,21 21 16,-22-21-16,22 22 0,22-22 31,-1-22-16,0 1-15,21 0 0,-21 0 0,22 0 16,-22 0-16,21-22 0,1 22 16,-22-21-16,21 21 0,0-22 15,1 22-15,-1-21 0,-21-1 0,0 22 16,1-21-16,-1 21 0,0 0 0,-21-1 16,0 1-1,0 42 1,-21 1-16,0-1 15,-1 0-15,1 0 0,0 0 0,0 0 16,0 1-16,0 20 0,-1-21 16,1 0-16,21 0 0,-21-21 0,0 22 15,0-1-15,0-21 16,21 21-16,0-42 31,0 0-31,0-1 16</inkml:trace>
+  <inkml:trace contextRef="#ctx0" brushRef="#br1" timeOffset="35959.44">26437 8657 0,'21'-21'16,"0"21"0,1 0-1,-22-21 1,0 0 0,0 0-1,21 21 1,-21-22-16,0 1 15,-21 21 17,-1 0-17,1 0-15,0 0 0,0 0 16,0 0-16,0 21 16,-1 1-16,1-22 0,0 21 15,0-21-15,0 21 0,0 0 16,-1-21-16,-20 42 0,21-20 15,21-1-15,0 0 16,0 0 0,0 0-16,0 0 0,0 1 15,21-1 1,0-21-16,0 21 16,1 0-16,-1-21 15,0 0-15,0 21 0,0 0 0,0-21 16,1 22-16,-1-22 0,0 21 15,0-21-15,0 0 0,0 21 16,1-21-16,-22 21 0,21 0 16,0 0-16,-21 1 15,0-1-15,0 0 16,0 0 0,0 0-16,0 0 15,0 1-15,-21-1 0,0 0 16,21 0-16,-22-21 15,1 21-15,0 0 0,0-21 16,21 22-16,-21-22 16,21 21-16,-21-21 0,-1 0 15,22 21 1,-21-21 15,21-21 16,0 0-31,21 21-16,1 0 15,-1 0 1,0 0-16,0 0 16,0 0-16,0 0 15,1 0-15,-22 21 0,21-21 16,0 21-16,0 0 0,-21 0 15,0 0 1,21-21-16,-21 22 0,0-1 0,0 0 16,0 0-16,0 0 15,0 0-15,0 1 0,0-1 16,0 0-16,0 0 0,0 0 0,0 0 16,0 1-16,0-1 0,0 0 15,0 0-15,0 0 0,0 0 16,0 1-16,0-1 0,-21 0 15,21 0-15,0 0 0,0 0 16,0 1-16,0-1 16,0 0-16,-21 0 0,21 0 15,0 0 1,-21 1-16,21-1 16,0 0-16,0 0 15,0 0-15,0 0 16,0 1-1,0-1-15,0 0 16,0 0-16,0 0 16,0 0-16,21 1 15,0-22 1,0 0-16,0 0 16,1 0-16,-1 0 15,0 0-15,0 0 0,0 0 16,0 0-16,1 0 0,-1 0 0,0-22 0,0 22 15,0-21-15,0 21 0,1 0 16,-1-21-16,0 21 0,0 0 0,0-21 16,0 21-1,-21-21 1,0 0 15,0-1-31,0 1 16,0 0-16,0 0 0,0 0 15</inkml:trace>
+  <inkml:trace contextRef="#ctx0" brushRef="#br1" timeOffset="36899.43">23961 9673 0,'0'-21'15,"0"0"16,21 21 1,0 0-17,-21 21 1,0 0-16,0 0 0,0 1 16,21-1-16,-21 0 0,0 0 0,21 0 15,-21 0-15,0 22 0,0-22 16,0 0-16,21 0 0,-21 0 0,22 1 15,-22-1-15,0 0 0,0 0 16,0 0-16,21 0 0,0 1 16,-21-1-16,0 0 15,21-21-15,0 0 16,-21 21-16,21-21 16,1 0-1,-22-21-15,21 21 16,0-21-16,-21 0 0,21-1 15,0 22-15,-21-21 0,21 0 0,1 0 16,-22-21-16,21 20 0,0 1 0,0-21 16,0 21-16,0-22 0,1 1 15,20 21-15,-21-21 0,0-1 0,22 1 16,-1 0-16,0-1 0,1 1 16,-1 0-16,0-1 0,22-20 15,-22 20-15,22 1 0,-22 0 0,0 21 16,1-22-16,-1 22 0,0-21 15,-21 21-15,1 21 0,-22-22 0,0 1 16,21 21-16,-21-21 0,0 0 16,0 42 62,0 0-63,0 0 48,21-21-63</inkml:trace>
+  <inkml:trace contextRef="#ctx0" brushRef="#br1" timeOffset="40380.57">29739 9546 0,'0'0'16,"0"21"-16,0 1 0,0-1 15,0 0-15,0 0 16,0 0-16,21-21 31,0 0-15,1 0-16,20 0 15,-21-21-15,0 0 0,22 21 16,-22-21-16,0 0 0,21-1 0,-21 1 16,1 0-16,-1-21 0,0 21 15,0-1-15,0-20 0,-21 21 0,0-21 16,0 20-16,0-20 0,0 21 15,0 0-15,0 0 0,0-1 0,0 1 16,-21 21-16,0 0 0,0 0 16,0 0-16,-1 0 15,1 21-15,21 1 0,-21-1 0,21 0 16,0 0-16,-21 21 16,21-20-16,0-1 0,0 21 0,0-21 15,0 0-15,0 22 0,0-22 0,0 0 16,21 0-16,0 0 0,0 1 15,1-1-15,-1 0 0,0-21 0,0 0 16,0 21-16,0-21 0,22 0 16,-22 0-16,0 0 0,0 0 0,0-21 15,1 0-15,-1 0 16,-21-1-16,21 1 0,-21 0 16,0 0-16,21-21 0,0 20 15,0-20-15,1 21 0,-22 0 0,21-22 16,0 22-16,0 0 0,21 0 15,-20 0-15,-1 0 0,0-1 16,21 22-16,-21 0 0,1 0 0,-1 0 16,0 0-16,0 0 0,0 22 15,0-1-15,1 0 0,-22 0 0,0 0 16,0 0-16,0 1 0,0-1 16,0 21-16,-22-21 0,1 0 0,21 22 15,-21-22-15,0 0 0,0 21 0,0-20 16,-1-22-16,1 21 0,21 0 15,21-42 32,1 0-47,-1-1 0,-21 1 16,21 0-16,0 0 0,0 0 0,0-22 16,1 22-16,-1 0 0,0-21 0,0 21 15,-21-1-15,21 1 0,-21 0 16,0 0-16,0 0 0,0 0 0,0-1 15,-21 44 17,0-1-17,0 0-15,0 0 0,21 0 16,0 0-16,0 1 0,0 20 0,-22-21 16,22 0-16,0 0 0,0 22 15,0-22-15,0 0 0,0 0 0,0 22 16,22-22-16,-1 0 0,0-21 15,0 21-15,0-21 0,0 0 0,22 0 16,-22 0-16,21 0 16,-21 0-16,22 0 0,20-21 0,-42 0 15,22 0-15,-22-1 0,0 1 16,0 0-16,0 0 0,-21-21 16,0 20-16,22 1 0,-22-21 0,0 21 15,0 0-15,0-22 0,0 22 0,0 0 16,-22 21-16,22-21 0,-21 21 15,0 0-15,0 0 16,0 0-16,0 21 0,-1 0 0,1 0 16,21 0-16,-21 1 0,21-1 15,-21 0-15,21 0 0,0 21 0,0-20 16,0-1-16,0 0 0,21 0 16,0 0-16,0 0 0,-21 1 0,22-1 15,-1-21-15,0 0 0,0 21 16,0-21-16,0 0 0,1 0 0,20 0 15,-21 0-15,0-21 0,0 21 0,1-21 16,-1-1-16,0 1 16,0 0-16,0 0 0,0 0 0,1 0 15,-1-1-15,21-41 16,-42 42-16,21-22 0,0 22 0,1 0 16,-1 0-16,0 21 15,0-21-15,0 21 0,0 0 0,1 0 16,-22 21-16,21-21 15,-21 21-15,21 0 0,-21 0 16,0 1-16,0-1 16,0-42 46,0-1-62,0 1 0,0 0 16,0 0-16,0 0 15,0 0 1,-21 21-16,0 0 16,-1 0-16,1 0 0,21 21 15,-21 0-15,0-21 0,0 21 16,21 0-16,-21 22 0,21-22 16,-22 0-16,22 0 0,0 0 15,0 22-15,0-22 0,0 0 16,0 0-16,0 0 0,0 0 0,22 1 15,-1-1-15,0 0 0,0 0 16,0-21-16,0 0 0,1 0 16,-1 0-16,0 0 0,21 0 15,-21 0-15,1 0 0,-1-21 0,0 0 16,0 0-16,0-1 0,0 1 16,1 0-16,-1 0 0,0-21 15,0 20-15,0-20 0,0 21 0,1 0 16,-22-22-16,0 22 0,21 0 0,0 0 15,-21 0-15,0 42 32,0 0-17,0 0-15,0 0 0,0 22 16,0-22-16,0 0 0,0 0 16,0 22-16,0-22 0,0 0 0,0 21 15,0-21-15,0 1 0,0-1 16,21 0-16,0-21 0,0 0 15,1 0-15,-1 0 16,0 0-16,0-21 0,0 0 0,0 21 16,-21-22-16,22 1 0,-1-21 15,0 21-15,-21 0 0,0-22 16,0 22-16,21 0 0,-21-21 16,21 20-16,-21-20 0,0 21 15,0 42 16,0 0-31,0 0 16,0 1-16,0-1 0,0 0 16,0 0-16,0 0 0,0 0 0,0 1 15,21-1-15,-21 0 0,22 0 16,-22 0-16,21 0 0,0-21 16,0 0-16,0 0 0,0 0 15,1 0-15,-22-21 16,21 21-16,0-21 15,-21 0-15,21 0 0,0 0 0,-21-22 16,0 22-16,0-21 0,21-1 16,-21 1-16,0 0 0,0-1 0,0 1 15,0-21-15,0 20 0,0 1 16,0 0-16,0-1 0,0 22 16,0-21-16,-21 42 15,0 0-15,21 21 16,0 0-16,0 0 0,-21 22 0,21-1 15,0 0-15,-21 1 0,21-1 16,0 0-16,0 43 16,0-64-16,0 21 0,0 1 15,21-1-15,0-21 0,-21 0 0,21 22 16,0-22-16,1 0 0,-1 0 16,0-21-16,0 21 0,0-21 15,0 0-15,22 0 0,-22 0 0,21 0 16,-21 0-16,22 0 0,-22-21 15,21 0-15,-21 21 0,1-21 0,-1 0 16,0 0-16,0-22 0,21 1 16,-42 21-16,0 0 15,0-1-15,0 1 0,0 0 16,0 0-16,-21 21 16,0 0-16,0 0 15,0 21-15,21 0 0,-21 0 16,21 1-16,-22-1 0,22 0 15,0 0-15,0 0 0,0 0 16,0 1-16,0-1 0,0 0 0,22-21 16,-1 21-16,0 0 0,0-21 15,0 0-15,0 0 0,1 0 16,20 0-16,-21 0 0,0 0 16,22 0-16,-22 0 0,21-21 0,-21 21 15,22-21-15,-22 21 0,0-21 16,0 0-16,0-1 0,0 1 15,1 21-15,-1-21 0,0 0 16,-21 0-16,21 0 0,-21-1 16,0 1-16,-21 21 31,0 0-31,0 0 0,-1 0 0,1 21 16,0-21-16,0 22 0,0-1 15,21 0-15,-21-21 0,21 21 0,-22 0 16,22 0-16,0 1 0,0-1 15,0 0 1,0 0-16,22-21 16,-1 0-16,0 0 15,0 0-15,0 0 16,0 0-16,-21-21 16,0 0-16,22 0 0,-1-1 0,-21 1 15,0 0-15,0-21 0,21 21 16,-21-22-16,0 1 0,0 0 0,0-43 15,0 21-15,0 22 16,0 0-16,0-22 0,0 22 16,0 21-16,0-22 0,0 22 15,0 0-15,0 0 0,0 0 0,-21 21 32,21 21-32,0 0 0,0 21 15,0-20-15,0 20 0,0 21 0,0-20 16,0-1-16,0 0 0,0 22 15,0-22-15,0 1 0,0-1 16,0 0-16,0-21 0,21 22 0,0-22 16,-21 21-16,21-21 0,-21 1 0,21-1 15,-21 0-15,0 0 16,0-42 31,0 0-47,0 0 15,0-1-15,0 1 16,0 0-16,0 0 0,0 0 0,0 0 16,0-1-16,0 1 0,0 0 15,0 0-15</inkml:trace>
+  <inkml:trace contextRef="#ctx0" brushRef="#br1" timeOffset="40683.39">32448 9059 0,'0'0'0,"43"0"32,-22 0-32,21 0 0,-21 0 15,22 0-15,-1 0 0,0 0 16,1 0-16,-22 0 0,21 0 0,-21-21 15,22 21-15,-22 0 0,0-21 16,0 21-16,-21-21 16,0 0-1,-21 21 17,0 0-32,0 0 0,0 0 0,-22 0 15,22 0-15,-21 0 0</inkml:trace>
+  <inkml:trace contextRef="#ctx0" brushRef="#br1" timeOffset="42016.15">26818 8340 0,'0'0'16,"0"-21"31,-21 21-16,0 0-31,0 0 16,-1 0-16,1 0 15,0 0-15,0 0 16,0 0 0,42 0 31,0 0-47,0 0 15,0 0-15,1 0 0,20 0 16,-21 0-16,21 0 0,1 0 0,-1-22 15,0 1-15,22 21 0,-1 0 0,1-21 16,21 21-16,-22-21 0,22 21 16,-1-21-16,22 0 0,-21 21 0,0-22 15,20 22-15,-20-21 0,0 21 16,-1-21-16,1 0 0,-21 21 0,20-21 16,-20 21-16,-22 0 0,22-21 15,-1 21-15,-21 0 0,1-22 16,20 22-16,-20 0 0,-1 0 0,0 0 15,1-21-15,-22 21 0,21 0 16,0 0-16,-20 0 0,20 0 0,-21 0 16,21 0-16,-20 0 0,-1 0 0,21 0 15,-21 0-15,0 0 0,1 0 16,-1 0-16,0 0 31,-42 0 32,0 0-63,21-21 15,-22 0-15,1 21 0,21-21 16</inkml:trace>
+  <inkml:trace contextRef="#ctx0" brushRef="#br1" timeOffset="43692.19">29337 7789 0,'-21'0'16,"0"0"-16,21-21 16,-22 21-16,1 0 0,0 0 15,0 0-15,0 0 0,0 21 16,-1-21-16,1 22 0,0-1 15,0 0-15,0 21 0,0-21 0,21 22 16,0-22-16,0 21 0,0-21 16,0 22-16,0-22 0,0 21 15,0-21-15,0 1 0,21 20 0,0-21 0,0 0 16,0-21-16,0 21 0,1 1 16,-1-22-16,0 0 0,0 0 0,0 0 15,22 0-15,-22 0 0,0 0 16,0 0-16,0-22 0,0 1 15,1 21-15,-1-21 0,0 0 0,0-21 16,0 20-16,-21-20 0,0 21 16,0-21-16,21 20 0,-21-20 0,0-21 15,0 41-15,0-20 16,-21 21-16,0 21 0,0-21 0,0 0 16,0 21-16,-1 0 0,1 0 0,0 0 15,0 0-15,0 0 0,0 0 16,-1 0-16,1 21 0,0 0 0,0 0 15,0 21-15,0-20 16,-1-1-16,1 21 0,21-21 0,0 22 0,0-22 16,0 21-16,0 0 15,0 1-15,0-22 0,21 0 16,1-21-16,-1 21 0,0 0 0,0-21 16,21 0-16,-20 0 0,-1 0 15,0 0-15,21 0 0,-21 0 0,1 0 16,-1-21-16,21 0 0,-21 0 0,-21 0 15,21 0-15,1-22 0,-22 22 16,21-21-16,-21 21 0,0-22 0,0 1 16,0 0-16,0 20 0,-21 1 15,-1-21-15,1 21 0,0 21 0,0-21 16,0 21-16,0 0 0,-1 0 16,-20 0-16,21 0 0,0 21 15,-22-21-15,1 21 0,21 21 0,0-21 16,-22 1-16,43 20 0,-21-21 15,21 21-15,0-20 0,0 20 0,0-21 16,0 0-16,21 0 0,1 1 16,-1-1-16,0 0 0,0 0 0,0 0 15,22-21-15,-22 0 0,0 0 0,0 0 16,0 0-16,0 0 0,1 0 16,-1-21-16,0 0 0,0 0 15,-21 0-15,21-22 0,-21 22 0,0-21 16,21 21-16,-21-22 0,0 1 15,0 21-15,0-22 0,0 22 0,-21 0 16,0 0-16,0 0 0,0 0 16,0 21-16,-1 0 0,1 0 0,0 21 15,0 0-15,0 0 0,0 0 16,-1 0-16,1 1 0,0 20 0,21-21 16,-21 0-16,21 22 0,0-22 15,0 21-15,0-21 0,21 0 0,0 1 16,0-1-16,1 0 0,-1 0 15,0-21-15,0 0 0,0 21 16,0-21-16,1 0 0,-1 0 0,0 0 16,0-21-16,0 21 0,-21-21 0,21 0 15,-21 0-15,22-1 0,-22 1 16,0-21-16,0 0 0,0 20 0,0-20 16,0 0-16,0 21 0,0-22 15,-22 22-15,1 0 0,0 0 0,0 0 16,0 21-16,0 0 0,-1 0 15,1 0-15,0 0 0,0 0 0,-43 42 16,43-21-16,0 21 0,0-20 16,0-1-16,21 21 0,0-21 15,0 22-15,0-22 0,0 0 16,0 21-16,21-21 0,0 1 16,0-1-16,22 0 0,-22 0 0,0 0 15,21-21-15,1 21 0,-22-21 16,0 0-16,0 0 0,0 0 15,0 0-15,-21-21 0,22 0 0,-22 0 16,21 0-16,-21 0 0,0-1 16,0-20-16,0 0 0,0 21 15,0-22-15,0 1 0,0 0 0,0-1 16,-21 22-16,-1 0 0,1 0 0,0 0 16,0-1-16,0 22 0,0 0 0,-1 0 15,1 22-15,-21-1 16,21 0-16,0 0 0,-22 21 0,22-20 15,0 20-15,21 0 0,0 1 16,0-22-16,0 21 0,0-21 0,0 22 16,0-22-16,21 0 0,0 0 0,22 21 15,-22-20-15,21-22 16,-21 0-16,0 0 0,1 0 0,-1 0 16,0 0-16,0 0 0,0 0 15,0-22-15,1 1 0,-1 0 0,-21 0 16,0 0-16,21 0 0,-21-22 15,0 1-15,0 0 0,0-1 0,0 22 16,-21-64-16,21 64 16,-21 0-16,-1 0 0,1 0 15,0 21-15,-21 0 0,21 0 0,-1 0 16,-20 0-16,21 21 0,0 0 16,0 21-16,-1-20 0,22 20 0,-21-21 15,21 21-15,0-20 0,0 20 16,0-21-16,21 21 0,1-20 0,-1-1 15,0 0-15,0 0 0,0-21 0,22 21 16,-22 0-16,0-21 16,0 0-16,0 0 0,0 0 0,1 0 0,-1 0 15,0 0-15,0 0 16,-21-21 0,0 0-16,0 0 0,0 0 15,0 0 1,0-1-16</inkml:trace>
+  <inkml:trace contextRef="#ctx0" brushRef="#br1" timeOffset="45479.59">31030 6646 0,'0'-21'0,"0"42"0,0-63 15,0 0-15,0 21 0,0-22 0,0 22 16,0-21-16,-21 21 0,21-1 15,-21 1-15,21 0 0,-21 21 0,0 0 16,-1 0-16,-20 0 0,21 21 16,0 22-16,0-22 0,-1 21 0,1 22 15,0-22-15,21 21 0,-21-20 16,21 20-16,0-20 0,0-1 0,0 0 16,0 1-16,0-22 0,0 21 15,21-21-15,0 0 0,0 1 16,1-22-16,20 21 0,-21-21 15,21 0-15,1 0 0,-22 0 0,21 0 16,1-21-16,-1-1 0,0 1 16,1 0-16,-22 0 0,21 0 0,-21 0 15,0-22-15,1 22 0,-22-21 16,0 21-16,0-1 0,0 1 0,0 0 16,0 0-16,-22 21 15,1 0-15,21 21 0,-21 0 16,0 0-16,21 22 0,-21-22 15,21 0-15,0 0 0,0 0 16,0 1-16,0-1 0,0 0 0,0 0 16,42-21-16,-21 0 0,0 21 15,1-21-15,-1 0 0,0 0 0,21 0 16,-21 0-16,22 0 0,-22-21 16,0 0-16,0 0 0,0 21 0,-21-21 15,0-1-15,0 1 0,0 0 16,0 0-16,-42 0 0,21 0 0,0-1 15,0 22-15,-22-21 0,22 21 16,0 0-16,0 0 0,0 0 16,-1 0-16,1 0 0,42 0 31,1-21-31,-1 21 16,21 0-16,-21 0 0,22-21 0,-1 21 15,-21 0-15,21 0 0,-20 0 16,-1 0-16,0 0 0,0 21 0,0-21 15,0 21-15,-21 0 0,0 1 16,0-1-16,0 0 0,0 0 16,0 0-16,0 0 0,0 1 15,0-1-15,0 0 16,0-42 15,0 0-15,0-1-16,0 1 15,0 0-15,0 0 0,0-21 16,0 20-16,0 1 0,22 0 0,-1 0 16,0 0-16,-21 0 0,21-1 15,0 22-15,0 0 16,1 0-16,-1 22 0,0-22 0,0 21 16,0 0-16,0 0 0,-21 21 15,0-20-15,22-1 0,-22 0 0,0 0 16,0 0-16,0 0 0,0 1 15,0-1-15,0 0 16,0-42 15,0 0-31,0-1 16,21 1-16,0 0 0,-21 0 0,21-21 16,0 20-16,-21-20 0,21 0 15,1 21-15,-1-22 0,0 22 0,0 0 16,0 21-16,0 0 0,1 0 15,-1 0-15,0 0 0,0 21 0,-21 0 16,0 0-16,21 1 0,-21 20 16,21-21-16,-21 0 0,0 22 15,0-22-15,0 0 0,0 0 0,0 0 16,0 0-16,0 1 0,0-1 16,22-21 15,-1 0-31,0 0 15,0-21-15,-21-1 0,21 1 16,0 0-16,1 0 0,-1 0 0,-21-22 16,0 22-16,21 0 0,-21-21 15,21 21-15,-21-1 0,0 1 0,0 0 16,0 0-16,0 63 31,0-21-31,0 1 16,0 20-16,0-21 15,0 21-15,0 1 0,0-1 0,0 0 16,-21 22-16,21-22 0,0 22 16,0-22-16,0 22 0,0-1 0,0 1 15,0-22-15,0 0 0,0 22 16,0-43-16,0 21 0,0-21 0,0 1 16,0-1-16,0 0 0,21-21 15,0 0-15,-21-21 16,0 0-16,0-1 15,0-20-15,0 0 0,0-1 16,0 1-16,0 0 0</inkml:trace>
+  <inkml:trace contextRef="#ctx0" brushRef="#br1" timeOffset="45759.95">32512 6773 0,'0'0'16,"-21"-42"-16,21 0 0,0-1 0,-21 1 0,21 21 15,0-21 1,0 20-16,0 1 0,0 0 0,21 0 0,0 21 15,0 0-15,0 0 16,0 0-16,1 0 0,-1 21 0,0 0 16,0 22-16,-21 20 15,0-42-15,0 0 16,0 1-16,-21 20 0,21-21 0,-42-21 16,20 21-16,1 0 0,0 1 15,-21-1-15,21-21 0,-1 21 16,22 0-1,22-21-15,-1 0 0,0 0 16,0 0-16,0 0 0,22 0 16,-22 0-16,0-21 0,21 0 15,-21 21-15,1-21 0</inkml:trace>
+  <inkml:trace contextRef="#ctx0" brushRef="#br1" timeOffset="46531.44">32808 6731 0,'21'-21'0,"-84"84"0,105-105 0,-21 0 0,-21 21 0,0-1 0,0 1 15,0 0-15,0 0 0,-21 21 31,0 21-15,21 0-16,-21 0 0,0 1 16,21 20-16,-21-21 0,21 0 0,0 0 15,0 1-15,-22-1 0,22 0 16,0 0-16,0 0 0,22-21 31,-1 0-15,0-21-16,-21 0 0,21 0 15,0 0-15,-21-22 0,0 22 16,21 0-16,-21-21 0,22 20 0,-22 1 16,0 0-16,0 0 15,21 21-15,-21 21 16,0 0 0,21 0-16,-21 1 0,0-1 0,0 0 15,0 0-15,0 21 0,0-20 16,21-1-16,-21 0 15,21 0-15,0-21 0,1 0 16,-1 0 0,0 0-16,0 0 15,-21-21-15,21 21 0,0-21 0,-21 0 16,0-1-16,22 1 0,-1 0 0,-21-21 16,21 21-16,-21-1 15,0 1-15,0 0 0,21 0 0,0 21 16,-21 21-1,0 0 1,0 0-16,0 1 0,0-1 16,21 0-16,-21 0 0,22 0 15,-1-21 1,-21 21-16,21-21 0,0 0 0,0 0 16,0 0-16,1-21 15,20 0-15,-21 21 0,0-21 16,22 0-16,-22 0 15,0-22-15,0 22 0,0 0 0,-21 0 16,0 0-16,21-1 0,-21 44 31,0-1-31,0 0 0,0 0 16,-21 0-16,0 22 0,21-22 16,0 0-16,0 0 0,0 0 0,0 0 15,0 1-15,0-1 16,0 0-16,0-42 47,0 0-32,0-1-15,0 1 16,0 0-16,0 0 0,21 0 0</inkml:trace>
+  <inkml:trace contextRef="#ctx0" brushRef="#br1" timeOffset="46739.32">33591 6329 0,'-21'-21'0,"42"42"0,-63-63 0,42 20 15,-21 1-15,0 21 16,0 0-16,21 21 31,0 1-15,0-1-1,0 0 1,21 0-16,-21 0 16</inkml:trace>
+  <inkml:trace contextRef="#ctx0" brushRef="#br1" timeOffset="51679.38">21230 16870 0,'0'21'16,"-21"-21"-1,21 21 1,21-21 15,0-21-15,0 0-16,22 0 15,-22 0-15,0-22 0,21 22 0,-20-21 16,-1 21-16,21-22 0,-21 22 16,-21-21-16,0 21 0,0-22 0,0 22 15,0 0-15,0 0 0,-21 0 16,0 21-16,0 0 0,0 0 15,-1 0-15,1 0 16,0 21-16,-21 0 0,21 0 0,21 0 0,-22 22 16,22-22-16,-21 21 0,21 0 15,0-20-15,0 20 0,0 0 16,21 1-16,1-22 0,-1 0 16,0 21-16,21-42 0,1 21 0,-22 1 15,21-22-15,22 0 0,-22 0 16,0 0-16,1 0 0,-1-22 0,0 1 15,1 0-15,-1 0 0,0 0 16,22-22-16,-64 1 0,21 21 16,-21 0-16,0-22 0,0 22 0,0 0 15,0 0-15,0 0 0,0 0 16,-21 21 0,21 21-1,-21-21-15,21 21 16,0 0-16,-22 0 0,22 22 0,0-22 15,0 0-15,0 0 0,0 21 16,0-20-16,0-1 0,0 0 0,0 0 16,0 0-16,22-42 31,-1 0-15,-21 0-16,0 0 15,0-22-15,21 22 0,-21 0 0,0-21 16,21 20-16,-21-20 0,0 21 15,21 0-15,-21 0 0,0-1 0,21 22 32,1 22-17,-1-1-15,-21 0 0,21 0 16,0 21-16,-21-20 0,21-1 0,0 21 16,1-21-16,-1 0 0,0 1 15,0-1-15,21 0 0,-20 0 16,-1 0-16,0-21 0,0 0 0,0 0 15,0 0-15,1 0 0,-1-21 16,0 0-16,0 21 0,0-21 16,-21-22-16,21 22 0,1 0 15,-1 0-15,-21-21 0,21 20 0,0-20 16,0 21-16,0-21 0,1 20 16,-1-20-16,0 21 0,0 0 0,21 0 15,-20-1-15,-1 22 0,0 0 0,0 0 16,0 0-16,0 22 15,-21-1-15,0 0 0,0 0 16,22 0-16,-22 0 16,0 1-16,21-1 0,-21 0 0,0 0 15,0 0 1,0-42 15,0 0-31,0 0 16,0 0-16,0-1 0,0 1 15,-21 0-15,-1 0 0,22 0 16,-21 21-16,0-21 0,0-1 0,0 22 16,0 0-16,-1 0 0,1 0 0,0 0 15,0 22-15,0-22 16,0 21-16,-1 0 0,22 21 16,-21-21-16,21 22 0,-21-22 15,21 21-15,0 1 0,0-22 0,0 21 16,0 0-16,0-20 0,0 20 0,0-21 15,21 0-15,0 0 0,1-21 16,-1 22-16,0-22 0,0 0 0,0 0 16,0 0-16,1 0 0,-22-22 15,21 1-15,0 0 0,0 0 0,0-21 16,-21 20-16,0-20 0,21 0 16,-21-1-16,0 1 0,22-21 0,-22 20 15,21-20-15,-21 20 0,0-20 16,0-1-16,0 1 0,0-1 0,0-20 15,0 41-15,0-20 0,0 21 16,0-1-16,0-20 16,0 20-16,0 65 15,0-1 1,0 21-16,0 22 0,0-22 0,0 21 16,0 1-16,0-1 0,0 1 15,0-1-15,0 1 0,0-1 0,0 1 16,0-1-16,21 1 0,0-22 0,0 1 15,0-1-15,1-21 16,-1 21-16,0-20 0,0-1 0,21-21 16,-20 0-16,-1 0 0,0 0 0,0 0 15,0 0-15,0 0 0,1-21 16,-1-1-16,0 1 0,-21 0 16,0-21-16,0 21 0,21-1 0,-21 1 15,0 0-15,0 0 0</inkml:trace>
+  <inkml:trace contextRef="#ctx0" brushRef="#br1" timeOffset="52244.06">23601 16637 0,'0'0'0,"0"-21"0,0-21 15,0 20-15,0 1 0,0 0 0,0 0 16,0 0-16,0 0 16,0-1-16,21 22 15,-21 22 1,21-1-16,-21 0 0,0 21 16,0 1-16,0-1 0,21 21 0,-21 1 15,0-1-15,0 22 0,0-21 16,0 20-16,0 1 0,0 0 0,0 20 15,0-20-15,0 21 0,0-21 16,21 20-16,-21-20 0,0 0 0,0-1 16,0 1-16,0-21 0,0 20 15,0-20-15,0-1 0,0 1 16,0-1-16,0-20 0,0-1 16,0 0-16,0-21 0,0 1 0,0-44 31,0 1-31,0 0 15,0-21-15,0-1 0,0 1 0,0-21 16,0-1-16,0 1 0,0-1 16,0 1-16,0-22 0</inkml:trace>
+  <inkml:trace contextRef="#ctx0" brushRef="#br1" timeOffset="53173.3">24024 16637 0,'0'-21'15,"0"42"-15,0-63 0,0-1 0,0 22 16,0 0-16,-21 0 0,21 0 16,0 0-1,21 21 1,0 0-16,0 0 0,1 0 16,-1 0-16,21 0 0,0 0 15,22 0-15,21-22 0,-22 22 0,43 0 16,0 0-16,0-21 0,-1 21 15,22-21-15,0 21 0,0-21 16,22 0-16,20 21 0,-21-21 16,21-1-16,1 22 0,-22 0 0,21-21 15,1 21-15,-1 0 0,-21 0 16,0 0-16,-21 0 0,0 0 0,0 0 16,-21 0-16,-21 0 0,-1 0 15,1 0-15,-21 0 0,-22 21 0,0-21 16,1 0-16,-22 0 0,0 0 15,0 0-15,0 0 0,-21 22 16,0-1-16,0 0 16,0 0-16,0 0 0,0 0 15,0 1-15,0 20 0,0-21 16,0 21-16,0 1 0,0-1 0,0 0 16,0 1-16,0 20 15,0-20-15,0 20 0,0 1 0,0-22 16,0 21-16,0 1 0,0-22 15,0 22-15,0-1 0,0 1 0,0-1 16,0 1-16,0-1 0,21 1 16,1-1-16,-22 1 0,21-1 0,0 1 15,0-22-15,0 22 0,0-22 16,1 21-16,-1 1 0,0-22 16,0 1-16,0 20 0,0-21 15,1 1-15,-1-22 0,-21 21 0,0-21 16,21 1-16,-21-1 0,0 0 15,0 0 1,-21-21-16,0 0 0,-1 0 16,1 0-16,0 0 0,-21 0 15,21 0-15,-1 21 0,-20-21 16,21 0-16,-21 0 0,-1 0 0,-20 21 16,20-21-16,-20 0 0,-1 22 15,1-1-15,-22-21 0,22 21 0,-22-21 16,-21 21-16,0 0 0,1-21 15,-1 21-15,-21-21 0,0 22 16,0-1-16,-21-21 0,-1 21 0,1-21 16,0 21-16,0-21 15,-21 21-15,-1-21 0,1 0 0,0 21 16,-1 1-16,1-22 0,0 21 16,20-21-16,1 21 0,0 0 0,21-21 15,0 21-15,21-21 0,22 0 16,20 0-16,1 21 0,-1-21 15,22 0-15,21 0 0,-1 0 0,1 0 16,0 0-16,0 0 16,21-21-1,21 0 1,0 0-16,-21-21 16,21-1-16,1 1 0,-1 0 0</inkml:trace>
+  <inkml:trace contextRef="#ctx0" brushRef="#br1" timeOffset="55289.53">24151 15833 0,'0'21'16,"21"-21"31,0-21-47,1 0 15,-1 21-15,0-22 0,21 1 16,-21 0-16,1 0 0,20 0 15,-21 0-15,0-1 0,-21 1 0,0 0 16,0 0-16,0 0 16,-21 21-1,0 0-15,0 0 0,0 0 0,-1 21 0,-20 0 16,21 21-16,0-20 0,0 20 16,-1 0-16,1 1 0,0-1 15,21 0-15,-21 1 0,21-1 16,0-21-16,0 21 0,0-20 0,21-1 15,0 0-15,0 0 0,1 0 0,20-21 16,-21 0-16,21 0 0,1 0 16,-1 0-16,-21 0 0,22 0 0,-1-21 15,0 0-15,-21 0 0,1 0 16,20-1-16,-42 1 0,21 0 0,0 0 16,-21-21-16</inkml:trace>
+  <inkml:trace contextRef="#ctx0" brushRef="#br1" timeOffset="55679.31">24765 15600 0,'21'0'32,"0"21"-32,-21 0 15,21 0-15,1-21 0,-1 22 0,0-1 16,0 0-16,0 0 0,0 21 0,-21-20 15,22-1-15,-1 0 16,-21 0-16,21 21 0,-21-20 0,0-1 16,0 0-16,0 0 0,0 0 15,0 0-15,0 1 0,0-44 32,0 1-17,0 0-15,0 0 0,0 0 0,0-22 16,0 22-16,0 0 0,0-21 15,0 21-15,0-22 0,0 22 0,0 0 16,0 0-16,0 0 0,0-1 0,0 1 16,0 0-16,21 21 15,0 0 1,0 0 0,1 0-16,-22 21 15</inkml:trace>
+  <inkml:trace contextRef="#ctx0" brushRef="#br1" timeOffset="56071.59">25209 15685 0,'-21'0'16,"21"-22"-16,0 1 16,0 0 15,21 21-16,1 0-15,-1 21 16,0 0-16,0 1 0,-21-1 16,21-21-16,-21 21 0,0 0 0,21 0 15,-21 22-15,0-22 0,0 0 16,0 0-16,0 0 0,0 0 0,0 1 16,0-1-16,0 0 15,0-42 1,0 0-1,0-1-15,0 1 16,0 0-16,0-21 0,0 21 16,0-1-16,0 1 0,0 0 15,0 0-15,0 0 0,0 0 16,0-1-16,0 1 0,22 21 31,-1 0-15</inkml:trace>
+  <inkml:trace contextRef="#ctx0" brushRef="#br1" timeOffset="56448.08">25675 15558 0,'0'0'0,"-21"0"15,0 21 1,0 0-16,21 0 15,0 0-15,-22 0 0,22 22 0,-21-22 16,21 0-16,0 0 0,0 0 16,0 22-16,0-22 0,0 0 0,0 0 15,0 0-15,0 1 0,21-1 16,1-21-16,-1 0 0,0 0 16,0 0-16,0 0 0,0 0 0,1-21 15,-1-1-15,0 1 16,0 0-16,-21 0 0,0 0 0,0 0 15,0-1-15,0-20 0,0 21 0,0 0 16,-21-22-16,0 22 0,0 0 16,21 0-16,-22 21 0,1-21 0,0 21 15,0 0-15,0 0 16,0 0-16,21 21 0,-22-21 16,22 21-16,0 0 0,-21-21 0,21 21 15,0 1 1,21-22-16,1 0 0</inkml:trace>
+  <inkml:trace contextRef="#ctx0" brushRef="#br1" timeOffset="56871.35">25908 15621 0,'0'-21'16,"0"0"-1,0 42 32,21-21-47,-21 21 0,0 0 0,21 0 16,-21 1-16,21-22 0,-21 42 15,0-21-15,0 0 16,22 22-16,-22-22 0,0 0 0,0 0 16,0 0-16,0 0 0,0 1 15,0-1-15,0 0 0,0 0 16,0-42 15,0 0-31,0 0 16,0-1-16,0 1 0,0 0 15,0-21-15,21 21 0,-21-1 0,0-20 16,0 21-16,0-21 0,0 20 16,21-20-16,-21 21 0,21 0 0,-21 0 15,0-1-15,0 1 0,21 21 16,-21-21-16,21 0 15,-21 0 1,22 21-16</inkml:trace>
+  <inkml:trace contextRef="#ctx0" brushRef="#br1" timeOffset="59859.55">29612 7916 0,'0'-21'16,"0"0"-1,0 0 16,0 0-15,0 0 0,-21 21-1,21-22-15,-21 22 0,0-21 16,-1 21 0,1 0-16,0 0 0,0 0 31,0 0-31,0 0 15,-1 0 1,1 21-16,0 1 16,0-1-16,21 0 15,-21 0-15,0 0 0,-1 0 16,1 22-16,21-22 0,-21 0 16,21 0-16,-21 0 0,21 1 15,0-1-15,0 0 0,0 0 16,0 0-16,0 0 0,0 1 15,0-1-15,0 0 16,0 0-16,21 0 16,0-21-16,0 21 15,1-21-15,-1 0 0,0 0 16,-21 22-16,21-22 0,0 0 16,0 0-16,1 0 0,-1 0 0,0 0 15,0 0-15,0 0 16,0-22-16,1 22 0,-22-21 0,21 21 15,0-21-15,-21 0 0,21 21 0,-21-21 16,0 0-16,0-1 16,21 1-16,-21 0 0,21 0 0,-21 0 0,0 0 15,22-1-15,-22 1 0,0-21 16,0 21-16,0 0 0,0-43 16,0 43-16,0 0 15,0-22-15,0 22 0,0 0 0,-22 0 16,1 0-16,0 0 15,0-1-15,0 22 0,0-21 16,-1 21-16,1 0 0,0 0 0,0 0 16,0 0-16,0 0 0,-22 0 15,22 21-15,0 1 0,0-22 0,0 21 16,-1 0-16,1 0 16,0 0-16,0 22 0,0-22 0,0 0 0,-1 21 15,1-21-15,0 22 0,21-22 16,0 0-16,-21 21 0,21-20 15,-21-1-15,21 0 0,0 21 0,0-21 16,0 1-16,0-1 0,0 0 16,0 0-16,0 0 0,21 0 0,0-21 15,0 22-15,-21-1 0,21-21 16,22 21-16,-22-21 0,0 0 0,0 21 16,0-21-16,1 0 0,20 0 15,-21 0-15,0 0 0,22 0 0,-22 0 16,42 0-16,-42 0 0,1 0 15,20-21-15,-21 0 0,0 21 16,0-21-16,1-1 0,-1 1 0,0 0 16,0 0-16,-21 0 15,21 0-15,-21-1 0,21 1 0,-21-21 16,0 21-16,0-22 0,0 1 16,0 21-16,0 0 0,0 0 15,0-1-15,0 1 0,0 0 0,-21 0 16,21 0-16,-21 0 15,0 21-15,0-22 0,0 22 0,-1 0 16,1 0-16,0-21 0,0 21 16,0 0-16,-22 0 0,22 0 0,-42 0 15,42 0-15,-1 21 16,-20-21-16,21 22 0,0-1 16,0 0-16,-1 0 0,22 0 0,-21 0 15,21 1-15,-21-1 0,21 21 16,0-21-16,0 0 0,0 1 0,0 20 15,0-21-15,0 0 0,0 0 16,0 1-16,0-1 0,0 0 0,0 0 16,21 0-16,-21 0 0,21-21 0,1 22 15,-1-22-15,-21 21 0,21-21 16,0 0-16,0 0 0,0 0 0,1 0 16,-1 0-16,0 0 0,0 0 15,0 0-15,0 0 0,1 0 16,-1-21-16,0 21 0,0-22 15,0 22-15,-21-21 0,21 0 16,-21 0-16,22 0 0,-22 0 0,0-1 16,0 1-16,0-21 0,0 0 15,0 20-15,0-20 0,0 21 16,0 0-16,0 0 0,-22-1 16,1 1-16,0 0 0,0 0 15,0 0-15,0 21 0,-1 0 16,1 0-16,0 0 0,0 0 15,0 0-15,0 0 0,-1 0 0,1 21 0,0 0 16,0 0-16,0 0 16,0 1-16,-1-1 0,1 0 15,0 0-15,21 21 0,0-20 0,0-1 16,0 0-16,0 21 0,0-21 0,0 1 16,0-1-16,0 0 0,0 0 0,0 0 15,21 0-15,0-21 16,1 0-16,-1 22 0,0-22 0,0 0 15,0 0-15,0 0 16,1 0-16,-1 0 0,0 0 0,0 0 16,21-22-16,-20 1 0,-1 21 0,0-21 15,0 0-15,0 0 0,0 0 16,1-1-16,-22 1 0,0-21 16,0 21-16,0 0 0,0-22 15,0 22-15,0 0 0,0 0 0,0 0 16,0-1-16,-22 1 0,1 21 15,0 0-15,0-21 0,0 21 16,0 0-16,-1 0 0,1 0 0,0 0 16,0 21-16,0 0 15,21 1-15,-21-22 0,21 21 16,-22 0-16,22 0 16,0 0-16,0 0 15,0 1-15,0-1 16</inkml:trace>
+  <inkml:trace contextRef="#ctx0" brushRef="#br1" timeOffset="65708.1">22352 17293 0,'-21'0'0,"0"0"0,-1 0 16,-20 0-1,21 0-15,0 0 0,0 0 16,-1 0-16,1 0 0,0 0 0,0 0 15,0 0-15,0 0 0,-43 21 16,43-21-16,-21 0 0,20 0 16,1 0-16,0 0 0,-21 0 15,21 0-15,-1 0 16,44 0 15,20 0-31,-21 0 0,21 0 16,1 0-16,-1 0 0,0 0 15,1-21-15,20 21 0,-20 0 0,20-21 16,1 21-16,20 0 0,-20-21 16,20 21-16,-20-21 0,21 21 15,-22 0-15,22-21 0,-22 21 16,1 0-16,-22 0 0,0 0 0,1-22 16,-22 22-16,0 0 0,0 0 15,0 0-15,1 0 31,-44 0 32,1 0-47,0 0-16,0 0 15,0 0-15,0 0 0,-1 22 16,-20-22-16,21 21 0,0-21 15,0 0-15</inkml:trace>
+  <inkml:trace contextRef="#ctx0" brushRef="#br1" timeOffset="66171.38">21992 17441 0,'0'0'0,"-42"22"0,21-22 0,-1 0 16,44 0 31,-1 0-47,21 0 0,-21-22 0,22 22 16,-22 0-16,21 0 0,22 0 15,41-21-15,-41 21 0,21-21 16,-1 21-16,1-21 0,0 21 15,-1 0-15,-20-21 0,20 21 16,-20 0-16,21 0 0,-43-21 16,21 21-16,-20 0 0,-1 0 0,0 0 15,-20 0-15,-1 0 16,0-22-16,0 22 0,-42 0 125,0 0-109,21-21-16,0 0 15</inkml:trace>
+  <inkml:trace contextRef="#ctx0" brushRef="#br1" timeOffset="66424.23">24469 16955 0,'0'0'0,"-22"0"0,22-22 16,-21 22-16,42 0 47,1 0-47,-1 0 15</inkml:trace>
+  <inkml:trace contextRef="#ctx0" brushRef="#br1" timeOffset="66828.5">24469 16891 0,'0'0'0,"-22"0"15,1 0-15,-42 0 0,42 0 16,-1 0-16,1 0 0,0-21 16,0 21-16,0 0 0,0 0 15,42 0 16,0 0-15,21 0-16,1 0 0,-1 0 0,21 0 16,1 0-16,-1 0 0,22-21 15,0 21-15,-1-21 0,22 21 16,-21-22-16,0 22 0,-1-21 16,-20 21-16,-1 0 0,22-21 15,-43 21-15,22-21 0,-22 21 0,-21 0 16,0 0-16,1 0 0,-1 0 15,0-21-15,-42 21 47,0 21-31,-1 0-16,1-21 0,0 0 0,0 21 16,0-21-16,0 21 0,-1-21 15,-20 22-15,21-22 0,-21 0 16,20 21-16,-20-21 0,21 21 15</inkml:trace>
+  <inkml:trace contextRef="#ctx0" brushRef="#br1" timeOffset="67207.33">24447 17187 0,'0'0'0,"-21"22"0,-21-22 16,21 0-16,0 0 0,-1 21 15,1-21-15,42 0 32,1 0-32,-1 0 15,21 0-15,0 0 0,22-21 16,-1 21-16,22-22 0,-21 22 0,20-21 16,22 21-16,-21 0 0,-1-21 15,-20 21-15,21 0 0,-22 0 0,1-21 16,-1 21-16,1 0 0,-22 0 15,-21 0-15,21 0 0,-20 0 0,-1 0 16,-42 0 31,-1 0-31,1 0-16,21 21 0,-21-21 15,0 0-15,0 21 0,0-21 0,-1 0 16,1 21-16,0-21 0,-21 22 15,21-22-15</inkml:trace>
+  <inkml:trace contextRef="#ctx0" brushRef="#br1" timeOffset="67592.64">24617 17568 0,'-43'22'0,"86"-44"0,-107 44 0,43-22 15,0 21-15,0-21 0,42 0 32,21 0-17,1-21-15,-22 21 0,42 0 0,-20-22 16,20 22-16,1-21 0,20 21 16,-20-21-16,-1 21 0,22-21 0,-22 21 15,1-21-15,-1 21 0,22-21 16,-21 21-16,-1 0 0,1 0 15,-22 0-15,0-22 0,1 22 0,-1 0 16,-21 0-16,0 0 0,0 0 16,1 0-16,-44 0 47,1 0-47,0 22 15,0-22-15,0 21 0,0-21 0,-22 21 16,22-21-16,-21 21 0,21 0 15,-22-21-15,1 21 0,21 1 0</inkml:trace>
+  <inkml:trace contextRef="#ctx0" brushRef="#br1" timeOffset="67987.91">24871 18013 0,'-21'21'0,"42"-42"0,-64 42 16,22 0-16,0-21 0,0 0 15,42 0 17,0 0-32,0 0 15,22 0-15,-1-21 0,0 0 16,1 21-16,20-21 0,-20 21 16,20-21-16,1-1 0,-1 22 15,-21-21-15,22 21 0,-1-21 0,1 21 16,-22 0-16,22 0 0,20-21 15,-41 21-15,-1 0 16,-21 0-16,0 0 0,1 0 0,-1 0 31,-42 0 1,-1 0-17,1 0-15,0 0 0,0 21 16,0-21-16,0 0 0,-1 0 15,1 21-15,-21-21 0,21 0 0,0 21 16,-1-21-16,1 22 0,-21-1 16</inkml:trace>
+  <inkml:trace contextRef="#ctx0" brushRef="#br1" timeOffset="68427.66">24744 18521 0,'0'0'0,"-43"21"0,22-21 0,0 21 16,0-21-16,0 0 15,21 21-15,21-21 32,0 0-32,21 0 0,1-21 15,-1 21-15,0-21 0,22 0 16,-22 21-16,22-21 0,-1 0 0,1-1 15,-22 22-15,22-21 0,-22 0 16,21 0-16,-20 21 0,-1-21 0,0 21 16,1-21-16,-22 21 0,21-22 15,-21 22-15,1 0 16,-22-21 0,-22 21 77,1 0-77,0 0-16,0 0 16,0 0-16,0 0 0,-1 0 15,1 0-15</inkml:trace>
+  <inkml:trace contextRef="#ctx0" brushRef="#br1" timeOffset="80487.69">1143 2477 0,'-21'-43'0,"42"86"0,-63-107 0,20 43 15,22 0-15,-21-22 0,21 22 0,-21 0 16,0 0-16,21 0 15,0 42 1,0 0-16,0 0 0,0 22 16,0-1-16,0 0 0,0 22 15,0-22-15,0 22 0,21-1 16,-21 1-16,0-1 0,0 1 16,0-1-16,0 1 0,0-1 15,0 1-15,0-22 0,0 21 16,0-20-16,0-1 0,0-21 0,0 0 15,0 1-15,0-1 0,0-42 32,0-1-32,0 1 15,0-21-15,0 21 0,21-22 16,-21 1-16,0 0 0,21-1 0,1 1 16,-22 0-16,21-1 0,0 1 15,0 21-15,0-21 0,22 20 16,-22 1-16,21 0 0,0 0 15,1 21-15,-1 0 0,-21 0 16,22 21-16,-1 0 0,-21 22 0,0-22 16,0 21-16,-21-21 0,0 22 15,0-1-15,0 0 0,0-21 16,0 22-16,-21-1 0,0-21 0,0 22 16,21-22-16,-21 0 0,21 0 15,-21 0-15,21-42 31,0 0-15,21-21-16,0 20 0,0 1 0,0-21 16</inkml:trace>
+  <inkml:trace contextRef="#ctx0" brushRef="#br1" timeOffset="81812.45">2032 2900 0,'0'0'0,"21"-21"0,-21 0 15,0-1-15,0 1 16,0 0-16,0 0 0,0 0 0,0 0 16,0-1-16,-21 22 15,0 0-15,0 0 16,-1 22-16,1-1 0,0 21 16,0-21-16,21 0 0,-21 22 15,0-1-15,-1 0 0,1-20 16,21 20-16,-21 21 0,0-41 15,21 20-15,-21 0 0,21 1 0,0-22 16,0 21-16,0-21 0,0 0 16,0 1-16,21-22 0,0 0 0,0 0 15,0 0-15,1 0 0,-1-22 16,21 1-16,-21 0 0,0 0 16,1-21-16,20-22 15,-21 22-15,0 21 0,-21-22 16,21 1-16,-21 0 0,0 20 0,0-20 15,0 0-15,0 21 0,0-1 16,0 1-16,0 0 0,0 42 31,0 0-31,0 1 16,0-1-16,0 21 0,0-21 0,0 22 16,0-22-16,0 21 0,0 0 15,0-20-15,0 20 0,0-21 0,0 21 16,0-20-16,22-1 15,-1 0-15,0 0 0,-21 0 0,21-21 16,0 0-16,0 0 0,22 0 16,-22 0-16,0-21 0,21 0 15,-20 0-15,20 0 0,-21-1 0,21-20 16,-20 0-16,-1-1 0,0 22 16,0-21-16,-21 0 0,0-1 0,0 22 15,0 0-15,0 0 0,0 0 16,0-1-16,-21 22 0,0 0 15,0 0-15,-1 0 0,1 22 0,21-1 16,0 0-16,0 0 0,0 0 0,0 0 16,0 1-16,0-1 0,21 0 15,1 0-15,20 0 0,-21-21 16,0 21-16,0 1 0,22-1 0,-22 0 16,0 0-16,0-21 0,0 21 15,1 0-15,-1 1 0,-21-1 16,0 0-16,21 0 15,-21 0-15,0 0 16,21-21-16,-21 22 0,21-22 16,0 0-1,1 0-15,-1 0 16,0-22-16,0 22 0,0-21 0,0 0 16,1 0-16,-1 0 0,21 0 15,-21-1-15,0-20 0,22 21 16,-22 0-16,21-22 0,-21 22 0,1 0 15,-1 0-15,0-43 16,-21 43-16,0 0 0,0 0 16,0 0-16,-21 21 0,0-21 0,-1-1 15,-20 22-15,21 0 0,0 0 16,-22 0-16,22 0 0,-21 22 0,21-1 16,-22 0-16,22 0 0,0 0 15,0 22-15,0-22 0,0 0 16,21 21-16,0-21 0,0 22 0,0-22 15,0 0-15,0 21 0,0-20 0,42-1 16,-21 0 0,0 0-16,0-21 0,1 0 0,-1 0 15,0 0-15,0 0 0,0-21 16,0 0-16,22 0 0,-22-1 0,0-20 16,0 21-16,0-21 0,1-1 15,-1-20-15,0 20 0,-21-20 16,21-1-16,-21 1 0,21-1 0,-21 1 15,0-22-15,0 43 0,21-22 0,-21 22 16,0 0-16,0-1 0,0 22 16,0 0-16,0 0 0,0 0 0,0 42 31,0 0-31,0 21 0,0 22 0,0-22 16,0 22-16,0-1 15,0 22-15,0-22 0,0 1 0,0-1 16,0 1-16,0-22 0,0 22 15,0-22-15,22 0 0,-22 1 0,21-1 16,-21 0-16,0-20 0,21-1 16,0 0-16,0-21 0,0 0 15,1 0-15,-1 0 0,0 0 16,0 0-16,0-21 0,0 0 0,22-1 16,-22 1-16,0 0 15,21-21-15,-20 21 0,41-43 16</inkml:trace>
+  <inkml:trace contextRef="#ctx0" brushRef="#br1" timeOffset="82381.12">4403 2434 0,'0'0'15,"0"-21"-15,0 0 0,0 0 16,0 0-16,-22 21 31,1 21-31,0 0 0,21 21 16,-21 1-16,0-1 0,0 0 15,-1 22-15,1-22 0,0 22 0,0-22 16,0 21-16,0-20 16,-1 20-16,-20-20 0,21-1 0,0 0 0,0 1 15,-1-1-15,1 0 0,21-21 16,0 1-16,0-1 0,0 0 0,21-42 31,1 0-31,-1-1 16,0-20-16,0 21 0,0-21 0,0-1 15,1 1-15,-1-22 16,0 1-16,0-1 0,0 1 0,0-1 16,1 1-16,-1-1 0,0 1 15,-21-22-15,21 43 0,-21 21 16,21 21-16,-21 42 15,0-21-15,0 22 16,0 20-16,0 1 0,0-1 16,0-21-16,0 22 0,0-1 15,0-20-15,0 20 0,0-20 0,21-1 16,-21 0-16,0-21 0,22 22 0,-22-1 16,0-21-16,0 0 0,0 1 15,21-1-15,-21 0 0,21-21 16,-21-21 15,0 0-31,0-1 0,0 1 0,0 0 16,-21-21-16,-22 21 0,22-1 15,-21 1-15</inkml:trace>
+  <inkml:trace contextRef="#ctx0" brushRef="#br1" timeOffset="82544.03">4043 2942 0,'0'0'0,"-21"-21"0,42 0 31,0 21-31,0 0 0,0-21 0,0 21 16,22-21-16,-1 21 16,-21-22-16,22 22 0,20-21 0,-21 0 15,-20 21-15,20-21 0,0 21 0,-21 0 16,22 0-16,-22-21 0,0 21 16</inkml:trace>
+  <inkml:trace contextRef="#ctx0" brushRef="#br1" timeOffset="84179.13">4593 3112 0,'0'0'0,"21"0"32,-21-22-32,21 22 0,1-21 15,20 0-15,-21 0 0,0 0 16,0-22-16,22 22 0,-22-21 0,21 0 15,-21-1-15,1 1 0,-1 0 16,0-1-16,0 22 0,0 0 0,-21 0 16,0 0-16,-21 21 15,0 21 1,0 0-16,0 21 0,21-21 16,0 1-16,0 20 0,0-21 0,0 0 15,0 22-15,0-22 0,0 0 16,21 0-16,0 0 0,0 0 15,0 1-15,0-1 0,1 0 0,-1-21 16,-21 21-16,21 0 0,0 0 16,-21 1-1,-21-22 1,0 0-16,0 0 16,-1 0-16,1 0 0,0 0 0,0-22 15,0 1-15,0 21 0,21-21 16,-22 21-16,1 0 0,0 0 15,21 21 1,0 0 0,0 1-16,0-1 0,0 0 15,21 0-15,0 0 16,1-21-16,-1 21 0,0-21 0,21 0 16,-21 0-16,1 0 0,20 0 15,-21 0-15,21 0 0,1 0 0,-22-21 16,21 0-16,1 0 0,-1 0 15,-21 0-15,21-1 0,43-41 16,-43 21-16,1-1 0,-22 1 16,21 21-16,1-22 0,-22 1 15,0 0-15,0 21 0,-21-22 0,0 22 16,0 0-16,-21 21 16,0 21-16,0 0 15,-22 22-15,43-22 16,0 21-16,0-21 0,0 0 0,0 22 15,0-22-15,0 0 0,21 0 0,1 0 16,-1 1-16,0-1 0,0 0 0,0-21 16,-21 21-16,21 0 0,1-21 15,-22 21-15,21-21 0,-21 22 16,-21-22 0,-1 0-1,1 0-15,0 0 0,0 0 16,0 0-16,0 0 0,-1-22 15,1 22-15,0 0 0,0 0 16,21-21-16,-21 21 0,21 21 31,21 1-31,0-22 16,0 0-16,0 21 0,1-21 0,-1 0 16,0 0-16,0 0 0,21 0 15,-20 0-15,-1 0 0,21 0 0,-21 0 16,22 0-16,-22 0 0,21-21 0,-21 21 15,0-22-15,22 1 0,-22 0 16,0 0-16,43-21 16,-43 20-16,0 1 0,0-21 0,-21 21 15,0 0-15,21-22 0,-21 22 16,0 0-16,0 0 0,-21 21 16,0 0-1,0 0-15,0 21 0,-1 0 16,1 0-16,0 22 0,0-22 15,0 0-15,21 0 0,0 21 0,0-20 16,0-1-16,0 0 0,0 0 0,0 21 16,21-20-16,0-22 15,0 21-15,0-21 16,1 0-16,-1 0 0,0 0 0,0 0 16,0-21-16,0 21 0,-21-22 15,22 1-15,-1 21 0,0-21 0,0 0 16,0 0-16,0 0 0,1-22 0,-1 22 15,0 0-15,0 0 0,-21 0 16,21 21-16,-21 21 31,0 0-31,0 0 0,0 0 0,0 0 16,0 1-16,0-1 0,0 0 16,0 0-16,0 0 0,0 0 15,0 1-15,21-22 0,-21 21 16,22-21-16,-1 0 0,0 0 0,0 0 15,0 0-15,0 0 0,1 0 16,-1 0-16,0-21 0,42-1 0,-41 1 16,-1 0-16,0 0 0,21 0 0,-21 0 15,1-22-15,20 1 0,43 0 16,-43-1-16,-21 1 0,-21-22 0,0-41 16,0 41-16,0 1 0,0 20 15,0 1-15,0 0 0,0 20 16,0 1-16,0 0 0,0 0 0,-21 21 15,21 21-15,-21 0 16,0 22-16,-1-1 16,1 0-16,0 1 0,21 20 0,0-21 15,-21 22-15,21-1 0,0-20 16,0 20-16,0-20 0,0-1 0,0 0 16,0 1-16,21-1 0,0-21 15,0 21-15,-21-20 0,22-1 0,-1 0 16,0 0-16,0 0 0,0-21 0,0 0 15,1 0-15,-1 0 16,0 0-16,0-21 0,0 21 0,0-21 16,-21 0-16,22 0 15,-22-1-15,0 1 0,0 0 0,0 0 0,0-21 16,0 20-16,0 1 0,-22-21 16,1 21-16,0 0 0,0-22 15,0 22-15</inkml:trace>
+  <inkml:trace contextRef="#ctx0" brushRef="#br1" timeOffset="84403.52">6837 2646 0,'0'21'0,"0"0"0,21-21 15,0 21-15,0-21 0,22 0 16,-1 0-16,-21 0 0,21 0 16,1 0-16,-1 0 0,0 0 15,1 0-15,-1 0 0,-21-21 16,0 21-16,22 0 0,-22-21 0,0 21 15,0 0-15,0 0 0,1 0 16,-22-21-16,21 21 0,0 0 16,0 0 15,0 0-31</inkml:trace>
 </inkml:ink>
 </file>
 
@@ -857,60 +1289,167 @@
           <inkml:channelProperty channel="T" name="resolution" value="1" units="1/dev"/>
         </inkml:channelProperties>
       </inkml:inkSource>
-      <inkml:timestamp xml:id="ts0" timeString="2021-02-02T13:35:10.928"/>
+      <inkml:timestamp xml:id="ts0" timeString="2021-02-03T13:26:13.870"/>
     </inkml:context>
     <inkml:brush xml:id="br0">
       <inkml:brushProperty name="width" value="0.05292" units="cm"/>
       <inkml:brushProperty name="height" value="0.05292" units="cm"/>
       <inkml:brushProperty name="color" value="#FF0000"/>
     </inkml:brush>
+    <inkml:brush xml:id="br1">
+      <inkml:brushProperty name="width" value="0.05292" units="cm"/>
+      <inkml:brushProperty name="height" value="0.05292" units="cm"/>
+      <inkml:brushProperty name="color" value="#00B050"/>
+    </inkml:brush>
   </inkml:definitions>
-  <inkml:trace contextRef="#ctx0" brushRef="#br0">6921 1693 0,'0'0'0,"0"-21"15,0 0-15,0 0 0,0 0 16,0 0-16,0-1 0,0 1 0,0-42 31,0 42-15,0-1-16,-21 22 15,0 22 17,21 20-32,0 21 0,0-20 15,0 147 1,0-126-16,0-1 0,0 1 15,0 20-15,0-20 0,0 190 16,0-85 0,0-84-1,0-43-15,0-21 0,0 43 16,0-43-16,0 0 0,0 0 31,0-42-15,0 0-16,-21 0 15,21 0-15,0-22 0,-21 1 0,21 21 16,0-64-16</inkml:trace>
-  <inkml:trace contextRef="#ctx0" brushRef="#br0" timeOffset="835.59">6540 1990 0,'0'0'0,"-21"-21"0,-42-43 16,42 22-16,-22-43 16,43-42-1,0 21 1,64 22 0,-43 41-16,0 22 15,148-64 1,-84 43-1,-43 21-15,85 21 16,-42 0-16,-43 21 16,128 127-1,-128-63 1,22 127 0,-43-107-1,-21-41-15,21-1 0,0 128 16,0-64-1,0 0 1,-21-85 0,0-21-16,0 1 15,0-44 17,0-20-32,0 21 15,22-21-15,-22-1 0,0 22 16,21-106-1,42-106 1,22 64-16,-64 105 16,21 22-16,1-21 0,-1 20 15,127-105 1,-126 106-16,41-1 16,1 43-1,21 22 1,-43 62-1,-20 297 17,-43-211-17,0-22 1,0-106-16,-21 64 16,-1 42-1,22-21 1,0-63-1,0-43 1,0-42 47,-21-1-63,21 1 15,0 0-15,0 0 0</inkml:trace>
-  <inkml:trace contextRef="#ctx0" brushRef="#br0" timeOffset="1416.26">11832 1418 0,'-21'-21'0,"42"42"0,-84-42 15,41 21-15,1 0 0,0 0 16,42 0 15,64-21-31,-22 21 16,1 0-16,-1 0 0,22 0 15,360-21 1,-382 21 0,170 0-1,-191 0-15,43 0 16,-64 0-16,43 0 15,-64 21 1,-127 42 0,21-41-1,63-22-15,1 0 16</inkml:trace>
-  <inkml:trace contextRef="#ctx0" brushRef="#br0" timeOffset="1827.03">12636 1461 0,'-42'0'0,"21"0"31,0 0-15,21 63-16,0 1 16,0-22-1,0 43-15,0-43 0,0 0 16,21 191 0,21-85-1,1 0 1,-22-21-1,0 43 1,-21-128 0,0-21-16,-64 43 15,-41-43 1,62-21-16,-63 0 16,-42 0-1,-42-64 1,63-20-1,106 63-15,-1-1 16,1-41 15,21 42-15,64 0 0,63-43-1</inkml:trace>
-  <inkml:trace contextRef="#ctx0" brushRef="#br0" timeOffset="3449.69">16023 1545 0,'0'0'16,"42"-21"-1,-20 0-15,41-85 16,-42 64-1,0-22 1,1 22-16,-22 21 0,0 0 16,0-1-16,-22 1 0,-105 0 15,22 21 1,-22 42 0,84-20-16,-41 41 15,41-42-15,1 22 0,-106 126 31,105-127-31,1 43 0,0 84 32,42-84-32,0-64 15,0 0-15,84 43 16,-20-43 0,42-21-1,-85 0-15,106 0 16,-85 0-16,64 0 0,-21-21 15,-43 21-15,64 0 16,0 0 0,-64 21-1,-21-21-15,22 106 32,-43-43-17,-64 1-15,-42 20 16,64-62-16,0 20 15,-107 21 1,107-41-16,-106 41 16,21-21-1,63-20-15,43-22 0,0 0 16,-85 0 0,85 0-1,0 0 16,0 0 1,0 0 15,42 0 62,0 0-93,0 0-1,0 0 1,0 0-1,1-22 17,-1 22-32,-21-21 453,0 0-391,0 0-62,21 21 16,0 0-16,-21-21 0,21 21 16,0-21-16,-21-1 15,0-20-15</inkml:trace>
-  <inkml:trace contextRef="#ctx0" brushRef="#br0" timeOffset="5136.37">8424 1270 0,'0'0'0,"0"-21"0,-42-21 15,42-1-15,-21 22 0,-22-42 16,-62-64 0,83 105-16,-168-126 31,-1 64-15,22 41-1,-64 22 1,-190 21 15,211 64-15,1-1-16,20 43 31,-63 169-15,212-211-16,-85 147 31,63-63-31,22 106 15,63 127 17,64-148-17,-22-63 1,-20-107-16,41 85 16,170 106 15,-106-148-16,22-42 1,63-22 0,105-21 15,-147-63-15,84-22-1,-42-20 1,42-86 15,-148 86-15,-42-22-16,-1-64 15,1-41 17,-43-1-17,-42 43 1,0-43-1,-106-127 1,-21 191 0,43 85-1,-170-43 1,-191 21 15,276 85-15,63 0-1,64 21-15,21 43 16,21 21 0,0-43-16</inkml:trace>
-  <inkml:trace contextRef="#ctx0" brushRef="#br0" timeOffset="6159.84">5757 4657 0,'0'-21'0,"0"-1"15,0 1-15,0-21 16,0-22 0,-21 43-1,-42 0 1,-43 42 15,63 0-31,22 1 16,0 62-1,0-20 1,42-22 0,0-42-1,22-85 16,-22 43-31,0-106 32,0 127-17,21 21 1,-42 21 0,106 106 15,-42-85-16,-22-21 1,0-42 0,22-42-1,-22-107 17,-126-41-17,20 126 1,1 43-16,-86-64 15,-147 42 17,233 64-32,-107 106 15,86 64 1,62 41 0,86 149-1,42-169 1,42-86-1,-42-105 1,105-63 15,-126-43-15</inkml:trace>
-  <inkml:trace contextRef="#ctx0" brushRef="#br0" timeOffset="6426.69">6350 3916 0,'0'0'0,"0"-21"0,-21 21 15,0 0 1,-1 21-16,22 0 0,-21 148 31,21-42-31,0 22 31,0-65-31,21-20 16,-21-43 0,0-106 15,0 43-15</inkml:trace>
-  <inkml:trace contextRef="#ctx0" brushRef="#br0" timeOffset="6925.22">6223 4043 0,'0'-148'16,"0"296"-16,21-317 15,0 169-15,43-22 16,-1 22 0,22 43-1,-64 105 16,-42-42-15,-64 0 0,43-43-1,42-84 17,21 0-32,0 0 15,22-1-15,-1 1 16,21 21-16,86 21 31,-128 22-15,-21 41-1,-21 1 1,-128 42 15,65-106-31,20-21 16,43 0-1,0-21 17,21-42-17,63 20 1</inkml:trace>
-  <inkml:trace contextRef="#ctx0" brushRef="#br0" timeOffset="7733.2">6964 3895 0,'-21'0'16,"-1"0"-16,1 21 16,21 21-1,0 22 1,0 42-1,0-85-15,0 21 0,0 106 32,0-84-32,0-1 31,0-42-31,-21-42 47,21-63-32,0 41-15,0-63 16,0-148 15,42 170-15,1 84 0,20 21-1,1 106 16,-43-85-31,0 64 0,-21 0 32,0-64-32,0 22 15,0-43 1,21-169 31,0 42-32,22-63 1,-1 84 0,0 43-1,22 63 17,-22 127-17,-42-106-15,0 85 16,0 43-1,0-43 1,0 0 15,0-149 16,0 1-47,-21-42 31</inkml:trace>
-  <inkml:trace contextRef="#ctx0" brushRef="#br0" timeOffset="9890.9">12488 868 0,'0'-21'0,"0"0"16,-21 21 0,-42-22-16,41 22 15,-62 0 1,-191 64 15,148 21-15,-43 20-1,64 1 1,-42 127 0,85-106-1,-1 42 1,22-20-1,42-86-15,-21-21 16,21 22-16,-21-22 0,21 1 16,0 168-1,0-105-15,0-42 16,0 84 0,21-85-16,106 170 31,-43-106-16,43-21 1,0-43 0,85 22-1,21-43 1,-43-42 0,-105-21-1,211-127 16,-211 85-15,63-43 0,-63 0-1,63-169 1,-106 63 0,-20 43-1,-22-1 1,-64-189 15,1 168-15,-22-63-1,43 127 1,-149-169 0,43 190-1,0 85 1,-64 21-1,149 0 1,-213 84 0,65 1-1,20 42 1,-20 64 0,-22 41-1,169-62 1,43-1-1,21-105-15,0 105 16,127 170 15,-63-170-15,41-21 0,22 21-1,64 22 1,-1-64-1,-105-85 1,-43-21 0,1-21-16,105 22 0,148-22 31,-126-64-15,-65 22-1,1-43 1,85-127 15,-149 128-15,-42 41-16,21-126 15,-21 0 1,0 63-16,-21-85 16,-42-84-1,-1 64 1,43 126-16,-21 21 15,-43-105-15,-21 42 16,64 85 0,-1-1-16,-84-20 15,85 63-15,-85-21 16,42 21 0,-42 21-1,106-21-15,-63 21 16,-1 64-1,64-64-15,21 21 16,0 1-16,0-22 0,0 42 16,0-42-16</inkml:trace>
-  <inkml:trace contextRef="#ctx0" brushRef="#br0" timeOffset="10526.6">9567 2244 0,'-21'0'15,"42"0"-15,-63-21 0,21 21 0,0 0 16,-1 0-1,1 0-15,21-22 0,21 22 16,170-21 0,63 0-1,21 0 1,-169 0-16,338 21 31,-232 0-15,-170 0-1,-63 21 1,-233 42 15</inkml:trace>
-  <inkml:trace contextRef="#ctx0" brushRef="#br0" timeOffset="10752.02">9377 2540 0,'-43'0'0,"86"0"0,-64 0 16,42 0-1,127-21-15,233-43 32,-296 43-32,84 0 15,-84 21-15,-22-21 0,106 21 16,-63-21-1,-85 21-15,85-43 32</inkml:trace>
-  <inkml:trace contextRef="#ctx0" brushRef="#br0" timeOffset="11238.82">13758 1905 0,'0'0'0,"-21"0"0,21-21 16,21 21-1,0-21-15,1 21 16,232-21-1,-22 21 1,-126 0 0,-63 0-16,20 0 15,43 0 17,-85 0-17,-42 0 1,0 0-16,-22 0 15,-105 21 1</inkml:trace>
-  <inkml:trace contextRef="#ctx0" brushRef="#br0" timeOffset="11440.7">13504 2159 0,'0'0'0,"21"21"31,106-21-16,127-21 1,-21 0 0,-169 0-16,190 0 15,-170-1 1,-62 22-16,-1 0 0,0-21 16,-21 0-1,21 0-15</inkml:trace>
-  <inkml:trace contextRef="#ctx0" brushRef="#br0" timeOffset="12431.14">16256 572 0,'0'0'0,"-42"0"0,20-22 16,-20 22 0,0-21-16,-43 21 0,43 0 15,-128 0 1,22 43-1,-42 41 1,-85 64 0,211-105-16,22-1 0,-128 127 15,65 1 1,-1 63 0,85-170-16,-43 191 15,64-85 1,0-84-16,0 0 0,42 402 31,22-360-15,-43-64-16,127 128 15,-21-43 1,0-21 0,275 42 15,-232-169-16,41-42 1,-147 21-16,21-1 0,126-83 16,1-22-1,-149 84-15,213-168 16,-149 41 0,-43 64-1,-63 43-15,22-1 0,-1-84 16,-21 85-16,22-22 0,-1-232 31,-42 41-15,-21 22-16,0 170 15,-22-107-15,22 128 16,-21-22-16,-85-105 16,-64 20-1,64 128 1,43 21-16,-192 21 15,-147 63 1,106 22 0,41 42-1,213-21 1,63-64-16,0 0 0,0 43 16</inkml:trace>
-  <inkml:trace contextRef="#ctx0" brushRef="#br0" timeOffset="13447.68">17272 3598 0,'0'0'0,"63"0"16,-41 0 0,-1 0-1,-21-63 1,0 21-1,-21-1 1,-106 22 0,84 63-1,-41 43 1,62-43 0,22 22 15,22-85 0,-1 0-31,63-43 31,-62 43-15,20 21 0,-42 21-1,63 64 16,-20-43-31,20 0 16,1-42 0,-1 0-1,22-42 1,21-64 15,-106 64-31,0-64 16,0-21-1,-127-21 1,-170 21 15,43 169-15,85 64 0,21 63-1,127-105-15,-64 232 16,85-232-16,42 63 15,85 0 1,0-85 0,22-42-1,147-63 17,-190-1-17,-64 22-15</inkml:trace>
-  <inkml:trace contextRef="#ctx0" brushRef="#br0" timeOffset="13986.88">18373 3239 0,'0'0'0,"0"-43"0,-22 43 0,1 0 15,-42 21 1,42 1-16,-1 20 15,1 0-15,-21 64 16,-22 127 15,43-127-31,21-22 16,0-62 0,0-1 15,21-64-16,22-20 1,-1-43-16,64-169 31,-21 127-15,-64 105 0,0 43-1,21 127 16,-42 43-15,21-22-16,1-106 16,-22-21-16,42 85 31,-21-85-15,-21-42 15,0 0-31,-21 21 0,21-21 15,-21 0-15</inkml:trace>
-  <inkml:trace contextRef="#ctx0" brushRef="#br0" timeOffset="14191.83">18224 3704 0,'-63'0'0,"126"0"0,-147 0 31,84-21-16,63 21-15,22-21 16,105-43 15,-126 64-15,-22-21 0,-21 0-16</inkml:trace>
-  <inkml:trace contextRef="#ctx0" brushRef="#br0" timeOffset="14954.73">18838 3344 0,'0'0'16,"0"-21"-16,-21 21 31,21 21-31,0 1 16,0-1-16,0 0 15,0 64 1,0-64-16,0 0 0,0 64 16,0-1-1,0 22 17,0-127 14,0 0-46,0 0 16,0-170 15,21 43-31,0 63 32,-21 64-32,43-21 15,-22 63 1,0 42-1,-21-41-15,0-1 0,0 85 16,21-22 0,-21 1-1,0-64-15,21 21 16,1-42 0,-22-21 15,42-21-16,0-106 1,64-64 15,-85 170-31,43-43 16,-22 64 0,-21 21-16,0 42 15,-21 43 1,0 84-1,0-126-15,-21 84 16,21 0 0,0-106-16,0 21 0,-21 85 31,0-106-31,-21-21 16,-22 0-1,22-21 1</inkml:trace>
-  <inkml:trace contextRef="#ctx0" brushRef="#br0" timeOffset="15661.19">11599 3704 0,'0'0'16,"-21"-21"-16,-42 0 0,41 21 15,1 0-15,21-21 0,43 21 32,-1 0-32,85-21 15,169 21 17,-126 0-17,-65 0 1,-62 0-16,41 21 31,-126 0-15,21-21-16,-64 21 15,43-21 1</inkml:trace>
-  <inkml:trace contextRef="#ctx0" brushRef="#br0" timeOffset="15931.16">11917 3683 0,'-21'0'16,"42"0"-16,-64 0 16,22 0-16,21 42 15,-21-20-15,21 41 16,0 43 0,0 190 15,0-190-16,0-64 1,0-20 0,0-44-1,21-41 1</inkml:trace>
-  <inkml:trace contextRef="#ctx0" brushRef="#br0" timeOffset="17001.86">12150 4106 0,'0'22'0,"0"-44"0,63 44 31,1-44-15,-1-41 15,-42 42-31,0-85 15,-42 21 17,-63 85-17,-1 64 1,21 42 0,64-64-16,-21 127 31,21-148-31,64 43 31,20-64-15,43-42-1,-21-85 17,-85 105-32,-21-41 15,0 21 16,0 63-15,0 21 0,22 22-1,-22-43-15,63 106 32,-42-85-17,-21-21 1,-42 0 15,0-21-15,-22 0 15,64 22 0,21-22-15,106 0 15,-42-43-15,42-41-1,-21-22 1,-85 21 0,0 43-16,0-233 31,-21 169-16,0 21 1,-21 85 0,-21 148 15,21 64 0,-1-22-15,22-126-1,64 105 17,-22-169-17,43-42 1,-43-22 0,-21 1 15,-21-22-16,0 43 1</inkml:trace>
-  <inkml:trace contextRef="#ctx0" brushRef="#br0" timeOffset="17275.95">12806 3916 0,'-21'0'0,"42"0"0,148-85 47,-21 22-32,-42 42 17,-85-1-17,-42 22 32,-42 0-31,41 0-16,1 0 15</inkml:trace>
-  <inkml:trace contextRef="#ctx0" brushRef="#br0" timeOffset="18154.46">5990 5271 0,'-21'0'0,"0"0"15,0 0-15,-22 0 16,-20 21-1,-1 42 32,22-42-31,63-21 0,85-21-1,402-169 16,-423 169-31,296-128 16,-85 44 0,-127 41 15,-84 43 0,-106 63 0,-22-21-15,22 1-16,-63 20 16,-43 21-1</inkml:trace>
-  <inkml:trace contextRef="#ctx0" brushRef="#br0" timeOffset="18556.75">5757 5546 0,'0'0'0,"-21"21"0,0 0 15,0-21-15,42 0 16,0 0-1,0 0-15,254-85 16,-190 64-16,84-21 16,212-85-1,-105 42 1,62-42 15,-190 64-15,-105 42-1,-22-1 64,0 22-79</inkml:trace>
-  <inkml:trace contextRef="#ctx0" brushRef="#br0" timeOffset="23193.05">17145 4360 0,'0'0'0,"-21"0"0,0 0 16,-1-21-16,1 0 15,0 21-15,21-21 0,-21 21 0,0-21 16,0 0-16,-64-22 15,43 22 1,-43 0 0,64 21-16,-43 0 15,43 0-15,0 0 16,42 21 0,127-21-1,43 0 1,253 0 15,-169 0-15,-148-21-1,106 0-15,-21 21 32,-127 0-17,-43 0 1,-84 0 15,20-21-31,1 21 0,-21-22 16,21 22-16,-22 0 0,-20-42 15,21 42-15,-43-21 16,43 21-16,-107-21 16,128 21-1</inkml:trace>
-  <inkml:trace contextRef="#ctx0" brushRef="#br0" timeOffset="23539.36">17357 4149 0,'-127'63'0,"0"1"15,381-191-15,-593 317 16,318-190-16,0 21 16,42 1-1,190-22 1,-41-22-1,-107 22-15,85-42 16,22 21 0,-107 0-16,191-43 15,-106 43 1,-84 21 0,-43-21-16,0 21 0,22 0 15,-43-21 32,0 0-31,-22-1-1,22-41 1</inkml:trace>
-  <inkml:trace contextRef="#ctx0" brushRef="#br0" timeOffset="27137.06">6075 5271 0,'-21'0'16,"21"21"-16,-22-21 0,1 0 15,0 21-15,0-21 16,-64 21-1,22 0 1,42-21-16,-1 21 16,22-42-1,43 0 1,20-21-16,1 21 16,126-85-16,1 21 15,486-232 16,-486 232-31,147-42 16,-168 63 0,-128 43-1,64 0 1,-106 42 15,0 0 0,-21 1-15,-1-22-16,1 0 0,0 21 16,0-21-16,-21 0 15</inkml:trace>
-  <inkml:trace contextRef="#ctx0" brushRef="#br0" timeOffset="27540.84">6138 5419 0,'0'0'0,"-21"21"0,-21 0 0,21 0 16,-22 0-16,22 1 15,0-22-15,0 21 16,148-64-1,63-20 1,1-1 0,232-105-1,-127 42 1,234-85 15,-403 149-15,-64 42-1,-63 0 17,-42-1-17,21 1 1</inkml:trace>
-  <inkml:trace contextRef="#ctx0" brushRef="#br0" timeOffset="28948.34">6181 3112 0,'0'0'0,"-64"0"0,22 0 15,-1 0-15,-62 0 16,62 21-16,-253 42 15,190-20 1,-63 41 0,21 22-1,105-64-15,-168 191 16,105-21 0,0 127-1,85-170 1,21-63-16,42 444 31,0-465-31,85 148 16,64-43-1,63-21 1,42-63 0,276-21-1,-212-85 1,-128 0-1,192-106 1,-318 64-16,253-106 16,-147-1-1,-148 86-15,84-85 16,-85 42 0,-42 42-16,1 22 0,-1-254 15,-21 169 1,0 84-16,-43-147 15,-41-1 1,63 128-16,-233-233 31,84 147-15,107 107-16,-64-43 16,-64-20-16,128 83 15,-212-41 1,190 42-16,-63 21 15,-170 0 1,170 0 0,85 21-16,-22 0 0,-233 64 15,107 21 1,-86 63 0,107 0-1,-128 297 16,213-233-15,105 42-16,21-127 16,275 360 15,-84-339-15,-128-105-16,192 63 15,-1-42 1,148-1-1,0-84 1,-105-21 0,-128-21-1,-105 21-15,0-1 0,317-168 16,-233 63 0,-42-21-1,-63 42 1,-43 42-16,-21 22 0,0-360 31,-64 190-15,-105-63-1,21 42 1,-275-148 15,317 318-31,42 42 16,1-1-16,-128 1 15,-20 42 1,126 1-16,-211 126 16,232-85-1,1 22 1,63-43-16,21-21 16,21-21-16</inkml:trace>
-  <inkml:trace contextRef="#ctx0" brushRef="#br0" timeOffset="29632.33">10541 2244 0,'0'0'16,"-21"0"-16,0 21 0,-1-21 15,22 21 1,-21-21-16,42 0 16,64-21-1,-21 0-15,190-43 16,-170 43-16,128-64 15,-106 43-15,0 0 0,338-128 32,-148 43-32,-20 22 15,-213 83 1,-21 22-16,-20-21 31,-44 21-15,-62 43-1,41-43-15,22 21 0,-21 0 0,0 0 16,-22-21-16,22 21 0,-1 0 0</inkml:trace>
-  <inkml:trace contextRef="#ctx0" brushRef="#br0" timeOffset="29951.38">10774 2667 0,'0'0'0,"-21"21"0,21 0 16,0 1-16,21-22 16,21-22-16,64-20 15,84-43 1,-41 22-16,105-43 16,-149 64-16,-20 21 15,360-128 1,-255 86-1,-42 21 1,-105 20 0,-65 44 15,-41 20-15,-64 0-1,63-21-15,-41 22 16</inkml:trace>
-  <inkml:trace contextRef="#ctx0" brushRef="#br0" timeOffset="30279.2">10964 3090 0,'0'0'0,"0"43"0,0-22 15,43-21-15,-1 0 16,0-21-16,85 0 0,-42-22 15,0 22-15,211-64 16,-190 43-16,127-21 16,169-64-1,-42 21 1,-43 0 15,-253 106-15,-43-21-1,-85 42 17,43 0-32,-21 0 15,-1 0-15</inkml:trace>
-  <inkml:trace contextRef="#ctx0" brushRef="#br0" timeOffset="34700.18">4403 7154 0,'0'0'0,"0"22"0,-22-22 0,22 21 0,-21-21 15,21 21-15,0 0 16,21 0 15,1 0-31</inkml:trace>
-  <inkml:trace contextRef="#ctx0" brushRef="#br0" timeOffset="35306.33">4445 7408 0,'0'22'16,"-21"-22"-16,21-22 31,0 1-15,0 0-16,0-21 0,0-43 31,0-21-15,0 43-1,-43 20-15,-105 86 31,106-22-31,-43 64 16,1 20 0,20 22-1,106 106 17,43-190-17,-43-43-15,107 21 16,-22 21-1,42 43 17,-211 21-17,-85 21 1,-22-43 0,-105-41 15,149-43-16,105-43 1,0-41 15,127-107 1</inkml:trace>
-  <inkml:trace contextRef="#ctx0" brushRef="#br0" timeOffset="35615.56">4530 7091 0,'0'-85'16,"0"22"-1,0 211-15,-22-296 16,22 169 0,0 21-1,0-21-15,85 233 31,-43-63-15,-20-128-16,20 64 16,-21-42-1,21 21 17,1-106-17,20-42 1,-20-43-1,-22 64-15</inkml:trace>
-  <inkml:trace contextRef="#ctx0" brushRef="#br0" timeOffset="36972.08">5059 7472 0,'42'-64'0,"-21"1"16,-84 190-16,126-275 0,-42 105 16,-21-20-1,-127 42 16,64 84-15,63 22 0,-21 63-1,42 21 17,-21-147-32,42 41 15,-21-42 1,43-21-1,-64-21-15,42-85 16,-21 22 0,-21-22-1,0 21 1,0 0 15,0 107-15,0-1-16,22 21 15,83 106 17,-83-127-32,41 22 15,1-22 1,-22-21 0,64-148-1,-64 21 1,-42-43-1,-21 43 1,-85-105 15,21 126-15,64 85-16,0-22 16,21 64 15,0 22-31,64 63 15,-1 21 1,22 21 0,21 42-1,21-20 1,-106-149-16,21 0 16,22-21-1,-43-42 1,42-107 15,-42 44-31,-21 20 16,0 43-1,22 42 17,-1 21-17,0 21 1,0 0-16,21 1 31,1-43-15,-1-43-1,0-20 1,-42-1 0,43-105 15,-1 106-31,-42 41 15,0 1 1,21 0-16,0 21 16,-21-21 62,-21 21-63,0 0 1,0 0 0,21 42-1,0 22 1,0 126 15,42-105-31,-42-64 16,21 0-16,22 22 15,-1-22 1,-21-21-16,22 0 16,-22-21-16,0 21 0,21-85 31,-21 0-15,-21 22-1,0 20-15,-21 1 16,0 21-16,0 0 0</inkml:trace>
-  <inkml:trace contextRef="#ctx0" brushRef="#br0" timeOffset="37198.56">6159 6308 0,'-42'0'0,"84"0"0,-105 0 0,42 21 0,0-21 15,-1 0-15,22 21 79,0 0-64</inkml:trace>
-  <inkml:trace contextRef="#ctx0" brushRef="#br0" timeOffset="37429.98">5482 6879 0,'0'0'0,"-21"21"0,0 1 16,0-22-1,42-22 1,21 1 0,-21 0-16,22 21 0,62-63 31</inkml:trace>
-  <inkml:trace contextRef="#ctx0" brushRef="#br0" timeOffset="37674.99">4699 7430 0,'0'0'0,"-21"21"0,0 0 0,-1-21 15,44-21 1,-1 0-1,0-1-15,169-105 16,-84 64 0,21-1-1,-63 64 1</inkml:trace>
-  <inkml:trace contextRef="#ctx0" brushRef="#br0" timeOffset="38129.96">4297 8573 0,'0'0'15,"-21"21"-15,-1 0 0,22 0 0,-21 0 0,0 0 16,21 1 0,21-22-1,43 0 1,126-64 0,128-105-1,-128 42-15,107-43 16,20 1-1,43-21 1,-127 63 0,-127 63-1,-43 43 1,-84 21 15,0 21-15,-22 0-16,-20 22 15,42-43-15,-127 63 16,105-21 0</inkml:trace>
-  <inkml:trace contextRef="#ctx0" brushRef="#br0" timeOffset="38507.29">4254 8869 0,'0'21'15,"22"-21"1,-1 0-16,21 0 0,0-42 16,22 21-16,232-106 15,-42-22 1,85-41-1,-85 21 1,106-43 15,-339 170-31,64-1 16,-64 43 0,-21-21-1,0 0 16,0-21-15,-21 42 0</inkml:trace>
-  <inkml:trace contextRef="#ctx0" brushRef="#br0" timeOffset="40261.49">5228 6054 0,'0'-21'0,"0"-1"31,-21 22-31,0 0 0,0 0 16,-22-21-16,-41 21 16,41 0-16,22 0 15,-106 0 1,64 0-16,-43 0 15,-64 21 1,43 22 0,64-22-16,-1 21 0,-147 64 15,63 0 1,84-64-16,-21 43 16,-63 42-1,106-85-15,0 1 0,-85 126 16,105-106-16,-41 64 15,21-63-15,-1 84 16,22-63-16,21 63 16,0-63-16,85 296 31,42-149-15,21-20-1,42-43-15,213 64 31,-65-106-15,-84-42 0,-190-64-1,147 0-15,1-21 16,233-42 15,-276-22-15,43-63-1,-64-21 1,-64 64 0,-62 62-16,20-20 0,106-191 31,-127 127-15,-21 64-16,21-170 15,-21 43 1,0-21-1,-127-234 17,22 276-17,-22 0-15,-85-64 16,43 64 0,63 85-1,-106-22 16,64 85-15,21 21 0,0 21-16</inkml:trace>
-  <inkml:trace contextRef="#ctx0" brushRef="#br0" timeOffset="40812.35">3154 6625 0,'0'0'0,"-21"0"0,-22 0 15,22 0 1,42 21 15,0 1-31,1-22 16,20 42-16,21-21 0,1 0 16,-1 22-16,22-22 15,211 85-15,-190-64 0,169 21 16,-148-20-1,22-1-15,528 149 16,-275-64 0,-84-22-1,-43 1 1,42 106 0,-190-127-1,-106-64 1,22 0-1,-22-21 1,-21-21 0,0-22-1,-21 22-15,-22-42 16,22 42 0,-85-85-1</inkml:trace>
-  <inkml:trace contextRef="#ctx0" brushRef="#br0" timeOffset="41268.6">6159 6350 0,'0'-21'0,"0"42"0,0-63 0,-21 42 15,0-21-15,0 21 16,-21 0 0,20 0-16,1 21 0,0-21 15,-106 148 1,64-42 0,20-43-16,-41 64 15,20-42-15,-211 402 16,42-22-1,43-147 1,41-22 0,-41 22 15,148-255-31,20 43 16,1-64-16,21-20 0,0 20 15,0 0 1</inkml:trace>
+  <inkml:trace contextRef="#ctx0" brushRef="#br0">2646 2413 0,'21'0'63,"0"0"-47,-21-21-16</inkml:trace>
+  <inkml:trace contextRef="#ctx0" brushRef="#br0" timeOffset="1528.31">2857 550 0,'0'0'0,"22"-21"0,-1 0 0,0 21 16,-21-21-16,0 0 0,21 0 0,0-1 15,0 1-15,-21 0 16,0 0-16,0 0 16,-21 42 46,21 0-62,-21 0 0,0 0 0,0 22 16,0-22-16,-1 21 0,1 1 15,-21 20-15,-22 43 16,22-43-16,21 1 0,-21-1 16,-1 1-16,22-1 0,-21 1 0,21-22 15,-22 22-15,22-22 0,0 0 16,0 1-16,21-22 0,-21 0 15,21 21-15,0-20 0,-22-22 0,22 21 16,22-42 15,-1-1-31,0-20 0,0 21 16,0-21-16,0-1 0,22-20 16,-22-1-16,21 1 0,-21-22 15,22 22-15,-1-22 0,-21 21 16,22-20-16,-1 20 0,-21 1 0,0 20 15,22 1-15,-22 0 0,0-1 16,0 22-16,0-42 0,0 42 16,1 21-1,-1 21-15,-21 0 16,0 0-16,0 0 0,0 22 0,0-1 16,0 0-16,0 1 0,0 20 15,0 1-15,0-22 0,0 21 0,0 1 16,-21-1-16,21 1 0,-22-1 15,22-20-15,-21 20 0,21-20 16,0-1-16,0 0 0,0-21 16,0 43-16,0-43 15,0 0-15,0 0 0,0 1 16,0-44 15,0 1-31,0 0 16,0 0-16,0 0 0,0 0 0,-21-1 15,0 1-15</inkml:trace>
+  <inkml:trace contextRef="#ctx0" brushRef="#br0" timeOffset="1759.18">2540 1122 0,'0'0'0,"21"0"31,0 0-31,0 0 16,1 0-16,20 0 0,-21-21 0,21 21 16,-20 0-16,20-21 0,-21 21 15,21-22-15,-20 22 0,-1 0 16,21 0-16,-21 0 0,0 0 16,1 0-16,-1 0 15</inkml:trace>
+  <inkml:trace contextRef="#ctx0" brushRef="#br0" timeOffset="3607.11">3133 1439 0,'0'22'16,"21"-44"15,0 1-31,0 0 16,0 0-16,0 0 0,1 0 15,-1-22-15,0 1 0,21 0 16,-21-1-16,22 1 0,-1 0 0,-21-1 16,22 1-16,-22 0 0,0 20 15,21 1-15,-42 0 0,21 21 16,-42 21 15,0 0-31,0 22 0,0-22 0,0 0 16,-22 21-1,43-20-15,0-1 0,0 0 0,0 0 0,0 0 16,0 0-16,0 1 16,0-1-16,21-21 0,1 0 15,-1 21-15,0-21 0,0 21 16,0-21-16,0 21 0,1 0 15,-1 1-15,-21-1 16,0 0-16,-21-21 16,-1 0-16,1 21 0,0-21 15,0 0-15,0 0 16,0 0-16,-1 0 0,1 0 0,0 0 16,0-21-16,0 21 15,21-21-15,-21 21 0,-1 0 16,22 21 31,0 0-32,0 0-15,22-21 16,-1 21-16,0-21 0,-21 22 16,21-22-16,0 0 0,0 0 15,1 0-15,-1 0 0,0 0 0,0 0 16,0 0-16,22 0 0,-1 0 15,-21-22-15,21 1 0,1 0 16,-1 0-16,0 0 0,1 0 0,-1-1 16,0-20-16,-20 21 0,20-21 15,-21-1-15,0 1 0,0 21 16,1 0-16,-22-22 0,21 22 0,-21 0 16,-21 21 15,-1 21-31,1 0 0,0 0 0,21 1 15,-21 20-15,21-21 16,0 0-16,0 0 0,0 1 16,0-1-16,0 0 0,0 0 15,21-21-15,-21 21 0,21 0 16,0-21-16,-21 22 0,0-1 0,22-21 16,-1 21-16,-21 0 0,0 0 31,-21-21-16,-1 0 1,1 0-16,0-21 0,0 21 16,0 0-16,0-21 15,-1 0-15,1 21 32,21 21-17,0 0-15,0 0 16,0 0-1,21-21-15,1 22 0,-1-1 16,0-21-16,0 0 0,0 21 16,0-21-16,1 0 0,-1 0 15,21 0-15,-21 0 0,22 0 0,-22 0 16,21 0-16,0 0 0,1 0 16,-1-21-16,-21 21 0,22-21 15,-1-1-15,-21 22 0,0-21 0,0 0 16,1 0-16,-1 0 0,0-22 15,-21 22-15,0 0 0,0 0 0,0 0 16,0 0-16,0-1 0,0 1 0,-21 21 31,0 0-31,-1 0 0,1 21 16,21 1-16,-21-22 0,0 21 16,0 0-16,21 0 0,0 21 0,-21-20 15,21-1-15,-22 0 0,22 0 16,0 0-16,0 0 0,0 1 15,0-1-15,22-21 16,-1 0-16,0 0 0,0 0 0,0 0 16,22 0-16,-22 0 0,0 0 15,21 0-15,-21 0 0,1-21 0,20-1 16,-21 22-16,0-21 0,22 0 0,-22 0 16,0 0-16,0 0 15,0-1-15,-21 1 0,21 21 0,-21-21 16,22 21-16,-22 21 31,0 0-15,0 1-16,0-1 0,0 0 0,-22 0 15,22 0-15,0 0 0,0 1 16,0-1-16,0 0 0,0 0 16,22-21-16,-22 21 15,21-21-15,0 0 0,0 0 0,0 0 16,0 0-16,22 0 0,-22-21 15,21 0-15,-21 0 0,1 0 16,20-1-16,-21-20 0,21 21 0,-20-21 16,-1-1-16,0-20 0,0 20 15,0-20-15,0-1 0,1 1 0,-1-1 16,-21 22-16,0-21 0,0 20 16,0 1-16,0 0 0,0 20 15,0 1-15,0 0 0,0 0 0,0 42 31,0 0-31,0 0 16,-21 22-16,21-22 0,-22 21 0,22 22 16,-21-22-16,21 22 15,-21-22-15,21 0 0,0 22 0,0-22 16,-21 0-16,21 1 0,0-1 16,0-21-16,0 22 0,0-22 0,0 0 15,0 0-15,0 0 0,0 0 16,0 1-16,0-1 0,21-21 15,0 0-15,0 0 16,1 0-16,-1 0 0,0 0 0,0 0 16,0-21-16,0 21 0,1-22 15,-1 22-15,0-21 0,0 0 0,-21 0 16,0 0-16,0 0 0,0-1 16,0 1-16</inkml:trace>
+  <inkml:trace contextRef="#ctx0" brushRef="#br0" timeOffset="3808">5228 1122 0,'0'0'15,"-21"0"-15,42 0 16,0 0 0,0 0-16,1 0 0,20-21 0,-21 21 0,21-21 15,1 21-15,-1-22 0,0 22 16,1 0-16,-1-21 0,0 0 15,1 21-15,-22-21 16,0 21-16,0 0 0,-21-21 0,21 21 16</inkml:trace>
+  <inkml:trace contextRef="#ctx0" brushRef="#br0" timeOffset="4191.3">6794 381 0,'0'0'0,"0"-21"0,0 0 16,0 0-16,0 42 31,-21 0-31,21 0 16,-21 21-16,0 1 0,0-1 0,0 0 15,-1 22-15,-20-1 0,21 1 16,0-1-16,-22 1 0,1 21 0,21-22 16,-21 1-16,20 20 0,-20-20 15,0-1-15,21 1 0,-22-1 0,22 1 16,-21-22-16,21 22 16,-1-22-16,1 21 0,0-20 0,0-22 15,0 21-15,21-21 0,0 1 0,0-1 16,0 0-16,-21-21 0,21-21 31,0 0-15,0-22-16,0 22 0,0 0 0</inkml:trace>
+  <inkml:trace contextRef="#ctx0" brushRef="#br0" timeOffset="4767.53">7239 656 0,'0'-21'16,"0"42"-16,0-63 0,0 21 0,21 0 0,-21-1 15,0 44 1,0-1 0,0 0-16,0 21 0,0 1 15,-21-1-15,21 0 0,-21 22 16,0-22-16,-1 22 0,1-1 15,21-21-15,-21 22 0,0-22 0,0 1 16,0-1-16,21 0 0,-22 1 16,22-22-16,-21 0 0,21 0 0,-21 0 15,21 0-15,0 1 16,21-44 15,0 1-31,1 0 0,-1 0 0,-21 0 16,21 0-16,0-22 0</inkml:trace>
+  <inkml:trace contextRef="#ctx0" brushRef="#br0" timeOffset="5059.37">7599 677 0,'0'0'0,"0"-42"0,0 21 16,21 0-16,-21 0 0,0 42 31,0 0-31,0 0 15,0 21-15,0 1 0,0-1 16,-21 22-16,21-22 0,-21 21 16,-1 1-16,22-22 0,-21 22 0,0-22 15,21 22-15,-21-22 0,21 0 16,-21-21-16,21 22 0,-21-22 0,21 0 16,0 0-16,0 0 0,0 1 15,0-1-15,0-42 31,0-1-31,-22 1 16,22 0-16,-21 0 16</inkml:trace>
+  <inkml:trace contextRef="#ctx0" brushRef="#br0" timeOffset="5268.4">7133 1185 0,'-21'0'15,"42"0"1,0 0 0,0 0-16,1 0 0,-1 0 0,0 0 15,0 0-15,21 0 0,-20 0 16,-1 0-16,21 0 0,-21 0 0,0 0 16,22 0-16,-22 0 0,0-21 15,0 21-15,0 0 0,1 0 16,-1 0-16,0 0 0</inkml:trace>
+  <inkml:trace contextRef="#ctx0" brushRef="#br0" timeOffset="6783.87">8170 1185 0,'0'0'0,"21"0"16,-21-21-16,0 0 0,0 0 15,0 0-15,0 0 0,0-1 16,0 1-16,0 0 0,0 0 16,-21 0-16,0 0 0,21-1 15,-21 1-15,0 21 0,0 0 16,-1 0-16,1 0 0,0 0 16,0 21-16,0 1 0,21-1 15,-43 42-15,22-20 0,0-22 16,0 21-16,0 0 0,0 1 15,21-22-15,0 21 0,0-21 0,0 22 16,0-22-16,0 0 0,0 0 16,21 0-16,0-21 0,0 0 15,0 0-15,0 0 16,1 0-16,-1 0 0,0 0 0,0 0 0,0-21 16,0 0-16,1 0 0,20 0 15,-21 0-15,0-1 0,-21-20 16,21 21-16,1-21 0,-22-22 15,0 22-15,0 21 0,0-22 16,0 22-16,0 0 0,0 0 0,0 0 16,0 42-1,0 0 1,0 0-16,0 21 16,0-20-16,0-1 0,0 21 0,0-21 15,0 22-15,0-22 16,0 0-16,0 21 0,0-21 0,0 1 15,0-1-15,0 0 0,0 0 16,21-21-16,0 0 0,0 0 16,0 0-16,0 0 0,22 0 15,-22 0-15,0-21 0,21 0 16,-20 0-16,-1-1 0,21 1 0,-21-21 16,0 21-16,22-22 0,-22 22 15,0-21-15,-21 0 0,0 20 16,0 1-16,0 0 0,0 0 0,0 0 15,-21 21-15,0 0 16,0 0-16,-1 0 0,1 21 16,0-21-16,21 21 0,0 0 0,0 0 15,0 1-15,0-1 0,0 0 0,0 0 16,0 0-16,21 0 0,-21 1 16,21-1-16,1 0 0,-1 0 0,0-21 15,0 21-15,0 0 0,0-21 16,1 22-16,-1-22 0,-21 21 15,21-21-15,0 0 16,0 0-16,0 0 0,1 0 16,-1 0-16,0 0 15,0 0-15,0-21 0,0-1 0,22 22 16,-22-42-16,0 21 0,0 0 16,0 0-16,22-22 0,-22 22 15,0 0-15,0 0 0,22 0 0,-22-22 16,0 43-16,0-21 0,21 0 15,-20 21-15,-1 0 0,0 0 0,0 0 16,0 0-16,0 21 16,-21 0-16,0 0 0,0 22 15,0-22-15,0 0 16,0 0-16,0 0 0,0 1 16,0-1-1,0-42 32,0-1-47,0 1 0,0 0 16,0 0-16,0-21 15,0 20-15,-21 1 0,21 0 16,-21 21-16,0 0 0,0-21 16,0 21-16,-1 0 0,1 0 0,0 21 15,0-21-15,-21 21 0,20 0 16,1 22-16,-21-22 0,21 0 0,0 21 15,-1-20-15,1-1 0,0 21 0,0-21 16,21 0-16,-21 22 0,21-22 16,0 0-16,0 0 15,0 0-15,21 1 16,0-22-16,0 0 0,0 0 0,1 0 16,20 0-16,-21 0 0,0 0 0,22 0 15,-22-22-15,21 1 0,-21 0 16,0 0-16,22 0 0,-22-22 15,21 22-15,-21-21 0,1 0 0,-1-22 16,0 22-16,0-22 0,0 1 0,-21-1 16,0 1-16,0 20 0,0-20 15,21 21-15,-21-43 0,0 64 16,0-22-16,0 22 16,-21 42-1,0 22 1,21-22-16,-21 21 0,0 22 0,21-22 15,0 22-15,-21-1 0,-1 1 16,22-22-16,0 21 0,0 1 0,0-22 16,0 1-16,0-1 0,0 0 0,0-21 15,0 1-15,0-1 0,0 0 16,22 0-16,-1 0 0,0-21 16,0 0-16,0 0 0,0 0 15,1 0-15,-1 0 0,0 0 0,0-21 16,0 21-16,0-21 0,22 0 15,-22 0-15,0-1 0</inkml:trace>
+  <inkml:trace contextRef="#ctx0" brushRef="#br0" timeOffset="7548.07">10689 699 0,'21'-43'0,"-42"86"0,42-107 0,-21 43 0,21 0 16,-21 0-16,0-22 16,0 22-16,0 0 0,0 0 15,-21 42 1,21 0-16,-21 0 15,21 22-15,-21-22 0,0 42 16,21-20-16,-21 20 0,-1 1 0,1-1 16,21 1-16,-21-1 0,0 1 15,0-1-15,0-21 0,-1 22 0,1-22 16,21 1-16,0-22 0,-21 21 0,21-21 16,0 0-16,0 1 15,0-44 1,21 22-16,-21-21 15,21-21-15,1 21 0,-1-22 16,0 1-16,0-21 0,0 20 0,0-20 16,1-22-16,-1 22 0,0-22 15,21 21-15,-21 1 0,1-1 0,20 1 16,0-22 0,-21 43-16,-21 21 0,22 0 0,-1 21 15,0 21-15,-21 0 16,0 21-16,0-21 0,0 43 0,0-22 15,0 22-15,21-1 0,-21 1 16,0-1-16,0-20 0,0 20 0,21 1 16,-21-22-16,0 21 15,0-20-15,0-1 0,0-21 0,0 22 16,0-22-16,0 0 0,0 0 0,0 0 16,0 0-16,0 1 15,0-44 16,0 1-31,-21 0 16,0 0-16</inkml:trace>
+  <inkml:trace contextRef="#ctx0" brushRef="#br0" timeOffset="7740.96">10435 1122 0,'-21'-21'0,"42"42"0,-42-63 16,21 20-16,0 1 15,21 21 1,21 0-16,-20-21 0,20 21 0,0 0 16,-21 0-16,22 0 0,-1 0 15,22 0-15,-22 0 0,-21 0 0,21 0 16,1 0-16,-22 0 0,21 0 16,-21 0-16,1 0 0,-1 0 0</inkml:trace>
+  <inkml:trace contextRef="#ctx0" brushRef="#br0" timeOffset="9516.65">11070 1355 0,'0'21'16,"0"-42"-16,0 63 0,21-42 31,0-21-15,1 0-16,-1 21 0,21-21 0,0-22 15,-20 22-15,20 0 0,0-21 0,-21-1 16,22 1-16,-1 21 0,-21-22 16,0 1-16,1 0 0,-1 21 15,-21-1-15,21 1 0,-42 21 32,0 0-32,-1 21 0,1 1 15,0-1-15,21 0 0,-21 0 0,21 0 16,-21 22-16,21-22 0,0 0 15,0 21-15,0-21 0,21 1 0,0-1 16,-21 0-16,21 0 0,0 0 16,1 0-16,-1 1 0,0-22 0,-21 21 15,21 0-15,0-21 0,-21 21 16,-21-21 15,0 0-15,0 0-16,0 0 0,-1-21 15,1 0-15,0 21 0,0-21 16,0 21-16,0 0 31,-1 0-31,22 21 16,0 0-16,0 0 16,0 0-16,0 0 15,22-21-15,-1 0 0,-21 22 16,21-22-16,0 0 0,0 0 0,0 0 15,1 0-15,-1 0 16,0 0-16,0 0 0,21 0 0,-20-22 16,20 22-16,-21-21 0,21 0 15,1 0-15,-1 0 0,-21 0 0,22-22 16,-1 1-16,0 0 0,1-1 0,-22 1 16,21 0-16,-21-1 0,22 1 15,-43 0-15,21-22 16,-21 43-16,-21 21 15,-1 21-15,1 0 0,0 0 16,0 1-16,0-1 16,21 21-16,0-21 0,-21 22 0,21-22 15,0 21-15,0-21 0,0 22 16,0-22-16,0 0 0,0 0 0,0 0 16,0 0-16,21 1 0,-21-1 0,0 0 15,21-21-15,-21 21 0,-21-21 63,0 0-63,-1-21 0,1 21 0,21-21 15,-21 21-15,0 0 0,0 0 16,0 0 0,-1 0-16,22 21 15,0 0-15,0 0 16,0 0-16,0 1 15,22-22-15,-1 0 16,0 21-16,0-21 0,21 0 0,-20 0 16,20 0-16,0 0 0,1 0 15,-22 0-15,21 0 0,0-21 0,1 21 16,-1-22-16,0 22 0,1-21 0,-1 0 16,-21 0-16,22 0 0,-22 0 15,0-1-15,0 1 0,0 0 16,0 0-16,-21-21 0,22 20 0,-22 1 15,0-21-15,0 21 16,0 0-16,-22 21 16,1 0-16,0 21 15,21 0-15,-21 0 0,0 0 0,0 0 16,-1 22-16,22-22 0,-21 0 16,21 0-16,-21 0 0,21 1 0,0-1 15,0 0-15,0 0 0,0 0 16,21 0-1,0-21-15,1 0 0,-1 0 16,21 0-16,-21 0 16,0 0-16,1 0 0,-1-21 0,0 21 0,0-21 15,21 21-15,-20-21 0,-1 0 16,0 0-16,0-1 0,0 1 16,0-21-16,1 21 0,-22 0 0,21-1 15,0 1-15,-21 42 47,0 1-47,0-1 0,0 0 0,0 0 16,0 0-16,-21 0 0,21 1 15,-21-22-15,21 21 0,0 0 0,0 0 16,0 0-16,21-21 16,0 0-16,0 0 15,0 0-15,0 0 0,1 0 16,20 0-16,-21 0 0,0-21 0,22 0 15,-1 0-15,-21 0 0,21-1 16,1-20-16,-1 0 0,-21-1 0,22-20 16,-1-1-16,-21 1 0,0-1 15,0 1-15,1-22 0,-1 22 0,-21-1 16,21 1-16,-21-1 0,0 22 16,0-22-16,0 43 0,0-21 0,0 21 15,0 0-15,0-1 0,-21 44 31,21-1-31,-21 21 0,-1-21 16,22 22-16,0-1 0,-21 21 16,0-20-16,0 84 0,0-85 15,21 22-15,-21-1 0,21 1 16,-22-22-16,22 21 0,0-20 0,0-1 16,0 0-16,-21 1 0,21-22 0,0 21 15,0-21-15,0 1 16,0-1-16,0 0 0,0 0 0,0 0 15,21-21 1,1 0-16,-1 0 0,0 0 16,0 0-16,0-21 0,0 21 15,1-21-15,-1 0 16,0 21-16,-21-21 0,21 21 0,-21-22 16,21 1-16,0 21 0,-21-21 15,0 0-15,0 0 0,0 0 0,0-1 16,0 1-16,0-21 0</inkml:trace>
+  <inkml:trace contextRef="#ctx0" brushRef="#br0" timeOffset="9757.51">13187 804 0,'0'0'16,"-21"0"-16,42 0 15,21 0 1,-21 0-16,22 0 0,-1 0 0,0 0 15,1 0-15,-1 0 0,21 0 16,-20 0-16,-1-21 0,0 21 0,1 0 16,-22 0-16,21-21 0,-21 21 0,22 0 15,-22 0-15,-42 0 32,0 0-17,-22 0-15,1 0 0,-22 21 16</inkml:trace>
+  <inkml:trace contextRef="#ctx0" brushRef="#br0" timeOffset="11139.36">2730 1736 0,'0'0'0,"-42"0"0,21 21 0,-21-21 0,-1 0 15,22 0-15,-21 0 0,21 21 16,-1-21-16,1 0 0,0 0 0,0 0 16,0 0-16,21 21 15,21 0 16,0-21-31,0 0 0,0 0 0,22 22 16,-22-22-16,21 21 16,1-21-16,-1 0 0,0 0 0,1 0 15,20 0-15,-21 0 0,22 0 16,-1 0-16,1 21 0,-1-21 0,22 0 16,0 0-16,-1 0 0,1 0 15,0 0-15,-1 0 0,22 0 0,-21 0 16,21 0-16,0 0 0,21 0 15,0 0-15,0 0 0,0 0 0,21 0 16,-21 0-16,21 0 0,0 0 16,0 0-16,0 0 0,1 0 15,-1 0-15,-21 0 0,21 0 0,0 0 16,0 0-16,0 0 0,1 0 16,-22 0-16,21 0 0,-21 0 15,21 0-15,-21 0 0,0 0 0,0 0 16,21 0-16,-21 0 0,0 0 0,21 0 15,-21 0-15,0 0 0,0 21 16,0-21-16,21 0 0,-21 0 0,0 0 16,0 0-16,0 0 0,-21 0 15,21 0-15,0 0 0,0 0 0,106 21 16,-106-21-16,-21 0 16,0 0-16,0 0 0,21 0 15,-22 0-15,1 0 0,0 0 0,21 0 16,-21 0-16,0 0 0,0 0 15,-1 0-15,-20 0 0,21 0 0,-21 0 0,105 0 16,-84 0 0,-21-21-16,-1 21 0,1 0 0,0 0 15,-1 0-15,-20 0 0,20 0 0,-41 0 16,20 0-16,1 0 0,-22 0 16,22 0-16,-22 0 0,-21 0 0,21 0 15,-20 0-15,20 0 0,-21 0 16,0 0-16,0 0 15,1 0-15,-1 0 16,0 0 0,0 0-16,0 0 15,0 0-15,1 0 16,-1 0 0,0 0 46,0 0-31,-21-21-31,21 21 0,-42 0 47,0 0-31,0 0-16</inkml:trace>
+  <inkml:trace contextRef="#ctx0" brushRef="#br1" timeOffset="17764.43">4932 3662 0,'0'0'0,"0"21"16,21-21 15,0 0-31,0 0 15,0-21-15,-21 0 0,22 21 16,-22-21-16,21-1 0,-21 1 16,21 0-16,-21 0 0,0 0 0,0 0 15,0-1-15,0 1 0,0 0 16,-21 21-16,0-21 0,-1 0 0,-20 21 16,21 0-16,-21 0 0,-1 0 15,22 0-15,-21 21 0,-1 0 16,22 0-16,-21 22 0,21-22 0,0 21 15,-1-21-15,1 22 0,0-22 16,21 21-16,-21-21 0,21 0 0,0 1 16,0-1-16,0 0 0,0 0 15,21-21-15,0 0 0,0 21 0,1-21 16,-1 0-16,0 0 0,0 0 16,21 0-16,-20-21 0,-1 0 0,21 0 15,-21 0-15,0-1 0,1 1 16,-1 0-16,0 0 0,-21-21 0,0 20 15,21 1-15,-21 0 16,0-21-16,0-1 0,0 22 16,0 42-1,0 1-15,0-1 16,0 0-16,0 0 0,0 0 16,0 22-16,0-22 0,0 0 0,0 21 15,0-21-15,0 1 0,0-1 16,21 0-16,-21 0 0,21-21 0,1 21 15,-1-21-15,0 0 0,0 0 0,0 0 16,0 0-16,1 0 0,-1 0 16,0-21-16,0 0 0,21 0 15,-20 21-15,-1-43 0,0 22 16,0 0-16,0-21 0,0-1 0,1 1 16,-1 0-16,-21-22 0,21 22 15,-21-22-15,0 1 0,0-1 0,0 22 16,0-21-16,-21 20 0,0-20 15,-1 20-15,-20 1 0,21 0 0,-21-1 16,-1 22-16,-20 0 0,20 0 16,-20 21-16,-1 0 0,1 0 15,-1 21-15,1 0 0,-22 0 16,1 22-16,20-1 0,1 0 0,-1 22 16,1-1-16,20 1 0,1-1 0,0 22 15,-1-21-15,22 20 16,0-20-16,21-1 0,0 1 0,0-1 15,0 1-15,0-22 0,0 22 0,42-22 16,-21 0-16,1 22 0,20-43 16,-21 21-16,21 1 0,1-22 0,-1 0 15,0 0-15,1-21 0,-1 0 16,0 0-16,22 0 0,-22 0 16,1 0-16,-1-21 0,0 0 0,1 0 15,-1-1-15,0-20 0,-21 21 16,22-21-16,-22 20 0</inkml:trace>
+  <inkml:trace contextRef="#ctx0" brushRef="#br1" timeOffset="18048.28">6096 3090 0,'0'0'0,"0"-21"0,0 0 0,0 0 0,-21 21 31,0 0-31,-1 0 0,1 21 0,0 21 16,0-20-16,21 20 16,-21 0-16,0 1 0,-1 20 0,22-21 15,-21 22-15,0-22 0,21 1 16,0-1-16,0 0 0,-21 1 0,21-1 16,-21-21-16,21 0 0,0 22 15,0-22-15,0 0 0,21-21 31,0-21-31,-21 0 0,21-1 16,0 1-16,1 0 0</inkml:trace>
+  <inkml:trace contextRef="#ctx0" brushRef="#br1" timeOffset="18581.5">5990 3133 0,'0'0'0,"0"-21"0,0-1 0,0 1 16,0 0-16,0 0 15,0 0-15,21 0 0,0 21 0,1-22 16,20 1-16,-21 21 0,21 0 16,1 0-16,-1 0 0,0 0 0,1 0 15,-1 0-15,0 21 0,-20 1 16,20-1-16,-21 0 0,-21 0 0,0 0 16,0 22-16,0-22 0,-21 21 15,0 0-15,0-20 0,-22 20 0,1-21 16,0 21-16,-1-20 15,1-1-15,0 0 0,20 0 0,-20-21 16,21 0-16,0 0 0,0 0 16,21-21-1,0 0-15,21 0 16,0-1-16,0 22 0,21-21 0,-20 21 16,20 0-16,0 0 0,1 0 15,-1 0-15,0 0 0,-21 0 16,22 21-16,-1 1 0,-21-1 0,0 0 15,1 0-15,-1 0 0,-21 22 16,0-22-16,0 21 0,0-21 0,0 22 16,-21-22-16,-1 0 0,-20 21 15,21-21-15,-21 1 0,-1-1 16,1 0-16,0 0 0,-1-21 0,1 21 16,0-21-16,20 0 0,-20 0 0,21 0 15,0 0-15,-22 0 0,22 0 16,0 0-16,21-21 0,-21 21 15,21-21-15,0 0 16,0 0-16,0-1 16,21 1-16,0 21 0,0-21 15,1 0-15,20 0 0</inkml:trace>
+  <inkml:trace contextRef="#ctx0" brushRef="#br1" timeOffset="19332.04">7048 3048 0,'0'21'32,"0"0"-32,0 1 0,-21 20 15,21-21-15,0 21 0,-21 1 16,0-1-16,21-21 0,-21 22 15,0-1-15,21 0 0,-22-21 0,1 22 16,0-22-16,21 21 0,0-21 0,-21-21 16,21 22-16,-21-1 0,21-42 47,0-1-47,0 1 0,0 0 15,0 0-15,0-21 0,21 20 16,0-20-16,-21 0 0,21-1 15,0-20-15,1 21 0,-1-1 0,0 22 16,0-21-16,0 21 0,0-22 16,1 22-16,20 0 0,-21 21 15,0 0-15,22 0 0,-22 0 0,0 0 16,0 0-16,0 21 0,0 0 16,1 22-16,-1-22 0,-21 21 0,0 106 15,0-105 1,0-1-16,0 0 0,0-21 15,-21 22-15,21-22 0,-22 0 0,1 0 16,21 0-16,0 1 0,-21-22 16,21 21-16,-21-21 0,21-21 31,0-1-31,0 1 16,0-21-16,0 21 0,21-22 15,0 1-15,0 0 0,1-1 0,-1 1 16,0 0-16,0-1 0,21 1 15,-20 21-15,20-21 0,-21 20 0,21 1 16,-20 0-16,20 21 0,-21 0 0,21 0 16,-20 0-16,-1 21 0,0 0 15,0 22-15,0-1 0,-21-21 0,0 22 16,0-1-16,0 21 0,0-20 16,0-1-16,0 0 0,0 1 0,0-22 15,-21 21-15,0-21 0,0 22 16,21-22-16,-21 0 0,21 0 15,0 0-15,-22-21 0,22 22 0,-21-22 16,0 0 15,0 0-31</inkml:trace>
+  <inkml:trace contextRef="#ctx0" brushRef="#br1" timeOffset="19780.78">5334 4339 0,'-64'0'15,"128"0"-15,-170 0 0,85 21 0,-21-21 0,-1 0 16,1 0-16,21 0 15,0 0-15,-1 0 0,65 0 47,-22 0-47,21 0 0,1 0 0,20 0 16,1 0-16,20 0 0,1 0 16,0-21-16,20 21 0,1 0 15,0-21-15,0 21 0,0-21 16,0 21-16,-1 0 0,128-21 15,-127 21-15,-21 0 0,21 0 0,-22 0 16,1 0-16,-22 0 0,1 0 16,-1 0-16,-20-21 0,-22 21 0,0 0 15,0 0-15,0 0 16,-42 0 0,0 0-16,-21 0 0,21 0 15,-22 21-15,-20-21 0,20 21 0,-20-21 16,-1 0-16,-20 21 0,20-21 15,1 0-15</inkml:trace>
+  <inkml:trace contextRef="#ctx0" brushRef="#br1" timeOffset="20107.59">5249 4530 0,'-42'0'0,"84"0"0,-126 21 0,62-21 16,1 0-16,0 0 0,21 21 15,21-21 1,0 0-16,1 0 0,20 0 16,0 0-16,22 0 0,-1 0 0,22 0 15,0 0-15,-1 0 0,1 0 16,21 0-16,0 0 0,-22 0 16,22 0-16,-21 0 0,21 0 0,-22 0 15,86 0-15,-86 0 0,1 0 16,-22 0-16,1 0 0,-1 0 15,-20 0-15,-1 0 0,-21 0 0,22 0 16,-65 0 15,1 0-31,-21 0 0,0 0 16,-1 0-16,-20 0 0,-1 0 0,1 0 16,-1 0-16</inkml:trace>
+  <inkml:trace contextRef="#ctx0" brushRef="#br1" timeOffset="20423.41">4953 4805 0,'0'0'0,"-42"0"0,-1 21 0,22-21 16,0 0-16,0 0 0,21 21 0,42-21 31,0 0-31,1 0 0,20 0 16,1 0-16,-1 0 0,22 0 0,21 0 15,-22 0-15,22-21 0,0 21 16,0 0-16,0 0 0,0 0 0,-22 0 16,22 0-16,-21-21 0,-1 21 15,1 0-15,0 0 0,-22 0 0,1 0 16,-22 0-16,22 0 0,-43 0 0,21 0 16,-21 0-16,0 0 0,-21 21 15,-21 0 1,0-21-16,-21 0 15,21 0-15,-22 0 0,-20 0 0,20 0 16,-20 21-16,21-21 0</inkml:trace>
+  <inkml:trace contextRef="#ctx0" brushRef="#br1" timeOffset="20755.75">5080 5122 0,'0'0'0,"-85"0"0,22 22 16,-1-22-16,-63 21 15,106-21-15,0 0 0,21 21 16,42-21 0,-21 0-16,22 0 15,20 0-15,1 0 0,-1 0 0,1 0 16,20 0-16,22 0 0,-21 0 16,21 0-16,0 0 0,-1 0 15,1 0-15,0 0 0,0 0 0,-21 0 16,20 0-16,-20 0 0,-21 0 15,20 0-15,-20 0 0,-22 0 0,22 21 16,-22-21-16,0 0 0,-21 0 0,1 0 16,20 0-16,-21 0 15,-42 0 1,0 0 0,-22 0-16,22 0 0,-21 0 15,0 0-15,-22 0 0,22 0 16</inkml:trace>
+  <inkml:trace contextRef="#ctx0" brushRef="#br1" timeOffset="21075.56">5228 5376 0,'0'0'0,"-42"22"0,-22-22 0,22 0 0,0 21 16,20-21-16,-41 0 0,63 21 15,21-21 1,21 0-16,1 0 0,-1 0 15,22 0-15,20 0 0,1 0 16,0 0-16,-1 0 0,22-21 16,0 21-16,-21 0 0,20 0 0,-20-21 15,0 21-15,-1 0 0,-20 0 16,-1-22-16,1 22 0,-1 0 0,1 0 16,-22 0-16,1 0 0,-1 0 0,-21 0 15,21 0-15,-20 0 0,-1 0 16,-42 0 31,-1 22-47,1-22 0,0 0 0,0 21 15,0-21-15</inkml:trace>
+  <inkml:trace contextRef="#ctx0" brushRef="#br1" timeOffset="22122.17">4318 7430 0,'0'21'0,"0"-42"31,0-1-31,0 1 16,21 0-16,-21 0 0,0 0 0,0 0 16,0-1-16,0-20 15,0 21-15,0 0 0,-21 0 0,21-1 16,-21 1-16,0 0 0,-1 21 16,1 0-16,0 0 0,0 0 0,-21 0 15,20 21-15,1 0 0,0 1 0,0-1 16,-21 21-16,20 0 0,1-20 15,21 20-15,-21 0 0,21 1 0,-21-1 16,21-21-16,0 21 0,0-20 16,0-1-16,0 0 0,21-21 15,0 0-15,0 0 16,1 0-16,-1-21 0,0 0 16,0-1-16,0-20 0,0 21 0,1-21 15,-1 20-15,-21-20 0,0 21 16,21-21-16,-21 20 0,0-20 0,0 21 15,0 0-15,0 0 0,0-1 16,0 1-16,0 42 16,0 1-1,0-1-15,0 21 0,0-21 16,21 22-16,-21-22 0,21 21 0,0 22 16,1-43-16,-1 0 15,-21 0-15,21 0 0,21 0 16,-21 1-16,1-22 0,20 0 0,-21 0 15,21 0-15,1 0 0,-1-22 16,0 1-16,1 0 0,-1 0 0,0 0 16,1-22-16,-22 1 0,21 21 15,1-21-15,-22-22 0,0 22 0,-21-1 16,0 1-16,0 0 0,0-1 0,0 1 16,0-21-16,-21 20 0,0 1 15,-64-43-15,43 43 0,-22 0 16,1-1-16,-1 22 0,1 0 15,-1 0-15,-21 0 0,22 21 16,-22 0-16,1 21 0,-1 0 0,0 0 16,1 21-16,-1 22 0,-21-22 15,21 22-15,22-1 0,-22 22 0,22-22 16,20 22-16,1 21 0,0-21 16,-1-1-16,22 1 0,21-22 0,0 22 15,0-21-15,21-22 0,1 21 16,20-20-16,0-1 0,1-21 0,-1 0 15,21 1-15,-20-1 0,20 0 16,1-21-16,-1 0 0,1 0 0,-1 0 16,-20 0-16,20-21 0,-21 0 15,64-1-15,-63 1 0,-1 0 16,0 0-16,1 0 0,-22 0 16,21-1-16,-21 1 0,22-21 15,-1 21-15</inkml:trace>
+  <inkml:trace contextRef="#ctx0" brushRef="#br1" timeOffset="24078.93">4381 8192 0,'0'0'0,"-42"0"0,0 0 0,21 0 15,-22 0-15,1 0 0,0 0 16,-1 0-16,22 0 0,0 0 0,-21 0 16,42 21-16,21-21 15,21 0 1,22 0-16,20 0 0,107 0 15,-64 0-15,21 0 0,-21 0 16,21 0-16,21 0 0,1 0 16,-1 0-16,0 0 0,1 0 0,-22 0 15,21 0-15,-21 0 0,1 0 16,-1 0-16,-21 0 0,-21 0 0,-1 0 16,-20 0-16,0 0 0,-22 0 15,-20 0-15,-1 0 0,0 0 0,-21 0 16,-63 0-1,21 21-15,-21-21 16,-1 0-16,-20 21 0,-1-21 0,1 0 16,-1 21-16,-20-21 0,-1 0 0,0 21 15</inkml:trace>
+  <inkml:trace contextRef="#ctx0" brushRef="#br1" timeOffset="24396.38">4678 8573 0,'-106'21'0,"212"-42"0,-297 63 0,128-21 0,-1-21 16,1 21-16,20-21 0,-20 21 16,63 1-1,21-22-15,21 0 0,1 0 0,41 0 16,1 0-16,0 0 0,42 0 16,-21 0-16,42-22 0,0 22 0,169-21 15,-168 21-15,20-21 16,-21 21-16,21 0 0,-20 0 15,-1-21-15,0 21 0,0 0 0,-21 0 16,-21 0-16,0-21 0,-22 21 0,1 0 16,-21 0-16,-22 0 0,0 0 15,1 0-15,-22 0 0,-64 0 32,22 0-32,-21 21 0,0-21 15,-1 0-15,-20 0 0,-1 21 16,1-21-16,-22 0 0,0 21 0,-20-21 0</inkml:trace>
+  <inkml:trace contextRef="#ctx0" brushRef="#br1" timeOffset="24725.19">4212 9144 0,'0'0'0,"-63"21"0,20 0 0,1-21 0,21 22 16,21-1-1,21-21-15,21 0 0,1 0 0,20 0 16,1 0-16,20 21 0,22-21 0,0 0 16,21 0-16,-21 0 0,21 0 15,21-21-15,-21 21 0,21 0 0,0-21 16,0 21-16,1 0 0,-1 0 16,-21 0-16,21-22 0,0 22 15,-21 0-15,0 0 0,-21 0 0,0 0 16,-22 0-16,1 0 0,-21 0 0,-22 0 15,0 0-15,-21 0 0,1 0 16,-1 0-16,-42 0 16,-1 0-16,-20 0 15,21 0-15,-43 0 0,1 0 0,-1 22 16,-20-22-16,20 0 0,-42 21 0</inkml:trace>
+  <inkml:trace contextRef="#ctx0" brushRef="#br1" timeOffset="25070.93">4212 9716 0,'0'0'0,"-42"21"16,21-21-16,-1 0 0,22 21 0,22-21 16,20 0-1,21 0-15,1 0 0,-1 0 16,43 0-16,-21 0 0,21 0 0,21-21 15,-21 21-15,21-21 0,0-1 16,0 22-16,0-21 0,148 21 16,-148-21-16,0 21 0,0 0 15,-21 0-15,21-21 0,-22 21 16,1 0-16,-21 0 0,21 0 0,-43 0 16,22 0-16,-43 0 0,22 0 0,-22 0 15,-21 0-15,0 0 0,1 0 16,-1 0-16,-42 0 15,-1 0-15,1 0 16,-21 0-16,0 0 0,-1 0 16,1 0-16,-22 0 0,1 0 0</inkml:trace>
+  <inkml:trace contextRef="#ctx0" brushRef="#br1" timeOffset="25405.74">4233 10097 0,'0'0'0,"-63"21"0,20-21 0,1 21 15,0-21-15,21 0 0,21 21 0,21-21 16,21 21 0,0-21-16,22 0 0,21 0 0,-1 0 15,22 0-15,0 0 0,21 0 0,0 0 16,0 0-16,0 0 0,0 0 15,0 0-15,0 0 0,0 0 16,0-21-16,0 21 0,-21 0 0,-22 0 16,22-21-16,-42 21 0,20 0 15,-20 0-15,-22 0 0,1 0 0,-1 0 16,-21 0-16,0 0 0,-42 0 16,-21 0-1,21 0-15,-22 0 0,-20 0 16,20 21-16,-20-21 0,-1 21 0,-20-21 15</inkml:trace>
+  <inkml:trace contextRef="#ctx0" brushRef="#br1" timeOffset="25741.49">4127 10605 0,'-63'21'0,"126"-42"0,-168 63 0,41-21 16,22-21-16,21 21 0,-1 0 15,1-21-15,21 22 0,21-22 16,22 0-16,-1 0 0,22 0 16,-1 0-16,22 0 0,21 0 15,-1 0-15,1-22 0,21 22 0,0 0 16,-21-21-16,21 21 0,0-21 16,0 21-16,-21 0 0,21 0 15,0-21-15,-21 21 0,0 0 0,-1 0 16,-20 0-16,0 0 0,-1 0 0,-20 0 15,-1 0-15,-20 0 0,20 0 16,-42 0-16,22 0 0,-22 0 0,0 0 16,-42 0-1,0 0-15,-22 0 16,1 0-16,0 0 0,-22 21 16,22-21-16,-22 0 0,-20 0 0</inkml:trace>
+  <inkml:trace contextRef="#ctx0" brushRef="#br1" timeOffset="26059.91">4022 11091 0,'0'0'0,"-43"22"0,1-1 0,21 0 0,0 0 16,21 0-16,42-21 15,0 0-15,22 0 0,-1 0 16,22 0-16,0 0 0,20 0 0,22 0 15,0 0-15,0 0 16,0-21-16,0 21 0,0 0 0,0-21 0,0 21 16,0-21-16,0 21 0,0 0 15,-21 0-15,0 0 0,-21 0 16,21-21-16,-22 21 0,-20 0 0,20 0 16,-20 0-16,-1 0 0,-20 0 0,-1 0 15,0 0-15,-20 0 0,20 0 0,-21 0 16,0 21-1,-42-21 1</inkml:trace>
+  <inkml:trace contextRef="#ctx0" brushRef="#br1" timeOffset="27127.35">4127 13420 0,'0'0'0,"0"21"0,22-21 15,-1 0 1,0 0 0,0 0-16,43-42 15,-43 20-15,0 1 0,0 0 16,-21 0-16,0 0 0,0-22 16,0 22-16,0-21 15,-21 21-15,0 21 0,-22-21 16,22 21-16,-21 0 0,21 0 0,-106 42 15,106-21-15,-22 0 16,1 22-16,21-22 0,-22 21 16,22 0-16,0 1 0,0-1 0,0 0 15,21-20-15,0 20 0,0-21 16,0 0-16,21 22 16,21-43-16,-21 0 15,1 0-15,-1 0 0,21-22 0,-21 1 16,22 0-16,-22 0 0,0-21 0,21 20 15,-21 1-15,1-21 0,-1 21 16,0 0-16,0-22 0,0 1 16,-21 21-16,0 0 0,0-1 15,0 44 17,0-1-32,0 0 0,0 0 0,0 43 15,0-22-15,0 0 16,0-21-16,0 22 0,0-1 15,0-21-15,0 22 0,0-22 0,21 0 16,1 0-16,-1-21 0,0 0 16,0 0-16,21 0 0,-20 0 0,20 0 15,-21-21-15,21 0 0,1 0 16,-1-22-16,0 22 0,1-21 0,-22-1 16,21 22-16,1-21 0,-22 0 0,0-22 15,0 22-15,-21-1 0,0 1 16,0 0-16,0-1 0,-21 1 0,0 0 15,0-22-15,-22 22 0,1 21 16,0-22-16,-22 1 0,-63 0 16,64 42-16,-1 0 0,-21 0 15,22 21-15,-22 0 0,22 21 16,-22 1-16,0-1 0,1 22 0,-1-1 16,0 22-16,22-22 0,-1 22 15,1 0-15,21-1 0,-1 1 16,22 0-16,21-1 0,0-20 0,21-1 15,22-20-15,-22-1 0,42 0 0,1 1 16,-1-22-16,1 0 0,-1-21 16,1 0-16,20 0 0,-20 0 0,21 0 15,-22 0-15,22-21 0,-22 0 0,1 21 16,-1-22-16,-20 1 16,20 0-16,-21 0 0,1 0 0,-1 0 15,0-1-15,-20 1 0</inkml:trace>
+  <inkml:trace contextRef="#ctx0" brushRef="#br1" timeOffset="27621.26">5376 13187 0,'0'0'0,"0"-64"15,0 86 1,0-1-1,0 0-15,-21 0 0,21 21 16,0-20-16,0 20 0,0 0 0,-21 1 16,21-1-16,-21 0 0,21-21 15,0 22-15,-21-1 0,21 0 0,-22 1 16,22-22-16,-21 0 0,21 0 16,0 0-16,0 1 0,0-44 31,0 1-31,0 0 0,0-21 15,0 21-15,0-22 0,0 1 0,0 0 16,21-64-16,1 63 16,-1-20-16,0 21 0,-21-1 15,21 1-15,0 0 0,0 20 0,22 1 16,-22 0-16,0 0 0,0 21 16,0 0-16,1 0 0,-1 21 0,0 0 15,0 0-15,0 1 0,-21-1 0,21 21 16,-21 0-16,22-20 0,-22 20 15,21 0-15,-21 1 0,0-1 0,0 0 16,0 1-16,0-1 0,0-21 16,-21 64-16,-1-64 15,1 21-15,0-21 0,0-21 0,21 22 16,-21-22-16,0 0 0,-1 0 16,1 0-16,0 0 0,-21 0 15,21-22-15</inkml:trace>
+  <inkml:trace contextRef="#ctx0" brushRef="#br1" timeOffset="27779.17">5143 13653 0,'22'0'31,"-1"0"-31,0-22 0,21 1 16,1 21-16,-1-21 0,0 21 0,1-21 16,20 0-16,1 0 0,-1 21 15,-21-22-15,22-20 0,-1 21 0,64-21 16,-84 20-16,20 1 15,-20 0-15,-1-21 0</inkml:trace>
+  <inkml:trace contextRef="#ctx0" brushRef="#br1" timeOffset="28695.19">6329 13123 0,'-21'0'16,"-1"0"-16,22 22 16,-21-22-16,21 21 0,-21 0 0,0 0 15,21 0-15,0 0 0,0 22 16,0-22-16,0 0 0,-21 21 0,21-20 15,0 20-15,0-21 0,0 0 16,0 22-16,0-22 0,0 0 0,0 0 16,0 0-16,0 0 0,0 1 15,-21-22 17,21-22-32,0 1 15,-22 0-15,22 0 0,0-21 0,-21 20 16,21 1-16,0-21 0,0 0 15,0-1-15,0 22 0,0-21 0,21-1 16,1 22-16,-22-21 0,21 21 16,0 0-16,0 21 0,21-22 0,-20 22 15,-1 0-15,0 0 0,21 0 16,-21 0-16,1 22 0,20-1 16,-21 0-16,0 0 0,0 21 0,-21-20 0,22-1 15,-22 21-15,0-21 16,0 22-16,0-22 0,0 0 0,0 0 15,0 0-15,0 0 0,0 1 0,0-1 16,0 0-16,21-21 63,-21-21 358,-21 21-405,21-21-16,0-1 16,-22 22-16,22-21 0</inkml:trace>
+  <inkml:trace contextRef="#ctx0" brushRef="#br1" timeOffset="41645.82">5440 6837 0,'0'0'0,"-21"-21"16,-1 21-16,1 0 0,0 0 16,0 0-1,0-21-15,42 21 32,0 0-32,21-22 15,1 22-15,-1 0 0,0 0 0,22-21 16,-22 21-16,22 0 0,-1-21 15,-20 21-15,20 0 0,-21 0 0,1-21 16,-1 21-16,0 0 0,1 0 0,-1 0 16,-21 0-16,0 0 0,1 0 15,-44 0 17,1 21-32,-21-21 0,21 21 15,0-21-15,-22 0 0,22 0 16,0 21-16,-21-21 0,20 0 0</inkml:trace>
+  <inkml:trace contextRef="#ctx0" brushRef="#br1" timeOffset="41887.68">5842 6773 0,'-21'0'15,"0"0"1,21 22 0,0-1-16,0 0 15,0 0-15,0 21 0,0-20 0,0 20 16,0 0-16,0-21 0,0 43 15,0-22-15,0 1 0,-22-1 16,1 21-16,21-20 0,-21-1 0,0-21 16,0 22-16,21-22 0,0 21 15,0-21-15,-21 0 0,21 1 16,-22-22-16,22 21 0,22-42 31,-1-1-15</inkml:trace>
+  <inkml:trace contextRef="#ctx0" brushRef="#br1" timeOffset="42936.09">6032 7303 0,'0'0'0,"22"0"0,-1 0 16,0 0-1,0 0-15,0 0 0,-21-22 16,21 22-16,1-21 0,-1 0 0,0 0 15,0 0-15,0 0 0,0-1 16,22-20-16,-22 21 0,0 0 0,-21 0 16,0-22-16,21 22 0,-21 0 15,0 0-15,0 0 0,0-1 0,-21 1 16,0 21-16,0 0 0,0 0 16,-1 0-16,1 0 0,0 21 15,0 1-15,0-1 0,0 0 16,21 0-16,-22 0 0,22 22 15,-21-1-15,21-21 0,0 21 0,0 1 16,0-1-16,0-21 0,0 22 0,0-22 16,0 21-16,0-21 0,21 0 15,1 1-15,-1-1 0,0-21 16,0 0-16,21 0 0,-20 0 16,-1 0-16,21-21 0,0 21 0,-20-22 15,20-20-15,0 21 0,1 0 16,-1-22-16,0 1 0,1 0 15,-22 21-15,21-22 0,-21 1 0,0 21 0,-21-22 16,0 22 0,0 0-16,0 0 0,0 42 31,0 0-31,0 0 16,0 1-16,0-1 0,22 21 0,-22-21 15,21 0-15,0 1 0,-21-1 16,0 21-16,0-21 0,21 0 0,-21 1 15,21-1-15,-21 0 0,0 0 16,0 0-16,-21 0 16,0-21-1,0 0-15,0 0 0,-1-21 16,1 0-16,0 21 16,21-21-16,-21 21 0,0 0 15,0 0 1,21 21-1,0 0 1,0 0-16,0 1 0,21-1 16,0-21-16,0 0 0,0 0 15,0 0-15,1 0 0,-1 0 16,21 0-16,-21 0 0,22 0 16,-1 0-16,0-21 0,1-1 0,-1 1 15,0 0-15,-21 0 0,22 0 16,-1-22-16,0 1 0,-20 0 15,20-1-15,-21 1 0,0 0 0,0-1 16,22 1-16,-43-21 0,21 20 0,-21-20 16,0 20-16,0 1 0,0 0 15,0-1-15,0 22 0,0-21 16,0 21-16,0 42 16,0 0-16,0 0 15,-21 22-15,21-1 0,0 0 16,0 1-16,-21-1 0,21 21 15,-22-20-15,22-1 0,0 0 0,0 22 16,0-22-16,0 1 0,0-1 16,0 0-16,0-21 0,0 22 0,0-22 15,0 0-15,0 0 0,22 0 16,-22 1-16,21-1 0,0-21 0,0 0 16,0 0-16,0 0 0,1 0 15,-1 0-15,0-21 0,0-1 0,0 1 16,0 0-16,1 0 0,-1 0 0,0-22 15,0 22-15,-21 0 0,0-21 16,0 21-16,0-1 0,0 1 0,0 0 16,-21 21-16</inkml:trace>
+  <inkml:trace contextRef="#ctx0" brushRef="#br1" timeOffset="43183.94">7408 7006 0,'0'0'16,"-21"0"-16,21-21 15,21 21 1,0 0-16,1-21 0,-1 21 16,0 0-16,21-21 0,1 0 15,-1 21-15,0-22 0,1 22 0,-1-21 16,0 21-16,1 0 0,-1-21 16,0 21-16,-21 0 0,1 0 15,-1 0-15,0 0 0,0-21 0,0 21 16,-42 0 31</inkml:trace>
+  <inkml:trace contextRef="#ctx0" brushRef="#br1" timeOffset="44439.18">6689 13420 0,'0'0'0,"-22"0"0,22 21 16,0-42 15,0 0-16,0-1-15,0 1 16,22 21-16,-22-42 0,21 21 0,0 0 16,0-22-16,0 1 0,0 21 0,1-22 15,-22 1-15,21 0 0,0-1 16,0 22-16,0-21 0,0 21 0,1 0 16,-1-1-16,0 22 0,-21-21 15,21 21-15,0 0 16,-21 21-16,21 1 0,-21 20 15,0-21-15,0 21 0,0 43 16,0-43-16,0 22 0,0-22 16,0 1-16,0-1 0,-21 0 15,21 1-15,-21-1 0,0 0 0,21 1 16,0-1-16,0-21 0,-21 21 0,21-20 16,0-1-16,-21 0 15,21 0-15,0-42 31,0 0-31,0 0 16,0-1-16,0 1 16</inkml:trace>
+  <inkml:trace contextRef="#ctx0" brushRef="#br1" timeOffset="45001.86">5165 14436 0,'0'0'0,"-22"0"0,1 0 15,-21 0-15,21 0 0,0 0 16,-1 0-16,1 0 0,0 0 15,0 0-15,63 0 47,-21 0-47,43 0 0,-22 0 0,22 0 16,20 0-16,1 0 0,21 0 0,-21 0 16,20 0-16,1 0 0,0-21 15,0 21-15,0 0 0,0 0 0,-1 0 16,-20-22-16,21 22 15,-21 0-15,-1 0 0,1 0 0,-22-21 16,1 21-16,-22 0 0,1 0 0,-1 0 16,-21 0-16,0 0 0,0 0 15,-42 0 1,0 0-16,-21 0 16,-1 0-16,1 0 0,-21 0 0,20 0 15,-20 0-15,-1 21 0</inkml:trace>
+  <inkml:trace contextRef="#ctx0" brushRef="#br1" timeOffset="45307.68">5122 14774 0,'0'0'0,"-127"43"16,85-22-16,21-21 0,21 21 16,42-21-1,-21 0-15,22 0 16,20 0-16,1 0 0,20 0 0,1 0 15,21 0-15,0 0 0,-1-21 16,1 21-16,0-21 0,21 21 0,-21-21 16,-21 21-16,20 0 0,-20-22 15,21 22-15,-21 0 0,-22 0 16,1 0-16,-1 0 0,1 0 0,-22 0 0,-21 0 16,21 0-16,-20 0 15,-22 22 1,-22-1-16,1-21 0,0 0 15,-21 21-15,-1-21 0,-20 0 16,21 21-16,-22-21 0,-21 21 0,22 0 16,-22 1-16</inkml:trace>
+  <inkml:trace contextRef="#ctx0" brushRef="#br1" timeOffset="45612.46">5292 15261 0,'0'0'0,"-64"21"0,22 1 0,-1-1 16,1 0-16,0 21 0,21-42 15,21 21-15,21 1 16,21-22-16,0 0 0,1 0 16,20 0-16,22 0 0,0 0 15,-1-22-15,22 1 0,0 21 16,0-21-16,-22 21 0,22-21 0,-21 21 16,0-21-16,-1 21 0,1-21 15,-22 21-15,1 0 0,-1 0 0,1 0 16,-22 0-16,1 0 0,-22 0 15,0 0-15,0 0 0,0 0 0,-42 0 32,0 0-32,0 0 15,0 0-15,-22 21 0,1 0 0,0-21 16,-64 21-16,63 0 0,-20 0 16,-1-21-16,1 22 0</inkml:trace>
+  <inkml:trace contextRef="#ctx0" brushRef="#br1" timeOffset="45907.29">5228 15812 0,'-21'21'0,"42"-42"0,-63 63 0,-1-21 0,22 0 15,42-21 1,22 0 0,-1 0-16,0 0 0,22 0 15,21 0-15,-1-21 0,1 21 16,0-21-16,20 21 0,-20-21 15,0 21-15,-1 0 0,1-21 0,0 21 16,-1 0-16,-20-22 0,21 22 0,-22-21 16,1 21-16,-22 0 0,21 0 15,-20 0-15,-1 0 0,-21 0 0,0 0 16,1 0-16,-1 0 0,-42 21 31,-1-21-31,1 22 0,-21-22 0,0 21 16,-1 0-16,-20 0 0,-1 0 15,22 0-15,-22 1 0</inkml:trace>
+  <inkml:trace contextRef="#ctx0" brushRef="#br1" timeOffset="46203.12">5101 16510 0,'-42'21'15,"84"-42"-15,-127 63 0,64-42 0,0 22 16,-21-1-16,42 0 15,42-21-15,-21 0 16,22 0-16,20 0 0,1 0 0,20 0 16,1-21-16,21 0 0,0 21 15,21-22-15,-22 1 0,1 0 0,-21 21 16,21-21-16,-22 0 0,-20 21 16,21-21-16,-22 21 0,1 0 15,-22-22-15,0 1 0,1 21 0,-22 0 16,21 0-16,-21 0 0,-21-21 15,21 21-15,-21-21 16,0 0-16,0 0 16,0-1-16,0 1 0,0-21 15,0 0-15,0-1 0</inkml:trace>
+  <inkml:trace contextRef="#ctx0" brushRef="#br0" timeOffset="55355.59">7387 8382 0,'21'0'0,"0"0"31,1 0-15,-22-21-16,0 0 16,0 0-1,-22 21 32,1 0-47,0 21 0,0 0 16,21 0-16,-21-21 15,0 21-15,21 0 0,-22 1 16,22-1-16,0 0 0,-21 0 0,21 0 16,0 0-16,0 1 0,0-1 0,0 0 15,0 0-15,0 0 16,0 0-16,21-21 0,1 0 16,-22 22-16,21-22 0,0 0 0,0 0 15,0 0-15,0 0 16,1 0-16,-1 0 0,0 0 0,0-22 15,0 22-15,0-21 0,1 0 16,-1 21-16,-21-21 0,0 0 16,0 0-16,21-1 0,-21 1 15,0 0-15,0 0 0,0 0 16,0 0-16,0-1 0,-21 1 16,21 0-16,-21 0 0,-1 21 0,1-21 15,0 21-15,0 0 16,0 0-16,0 0 0,-1 0 15,1 0-15,0 0 0,0 21 0,0 0 16,21 0-16,-21 0 16,21 1-16,0-1 0,0 0 15,0 0-15,0 0 0,0 0 16,0 1-16,0-1 0,0 0 16,0 0-16,21 0 0,-21 0 0,21-21 15,0 0-15,0 0 16,0 0-16,1 0 0,-1 0 15,0 0-15,0 0 0,-21-21 16,21 21-16,0-21 0,-21 0 0,22 0 16,-22 0-16,0-1 15,0 1-15,0 0 0,0 0 0,0 0 16,0 0-16,-22-1 16,22 1-16,-21 21 0,0 0 0,0-21 15,0 21-15,0 0 16,-1 0-16,1 0 15,0 21-15,0 0 0,21 1 16,-21-1-16,21 0 0,-21 0 16,21 0-16,0 0 0,0 1 15,0-1-15,0 0 0,0 0 16,0 0-16,21-21 0,0 0 16,-21 21-16,21-21 0,0 0 15,0 0-15,1 0 0,-1 0 16,0 0-16,0 0 15,-21-21-15,21 0 0,0 21 16,-21-21-16,0 0 0,0 0 16,0-1-16,0 1 15,0 0-15,0 0 16,-21 0-16,0 21 0,21-21 16,-21 21-16,0 0 0,0 0 15,-1 0-15,1 21 16,21 0-16,-21-21 0,0 21 15,21 0-15,0 0 16,0 1-16,0-1 0,0 0 16,0 0-16,0 0 15,21-21-15,0 0 16,0 0-16,1 0 16,-1 0-16,0 0 15,-21-21-15,21 21 0,0-21 16,-21 0-16,0 0 0,0-1 15,0 1-15,0 0 16,-21 0 0,0 21-1,0 0-15,0 0 16,-1 0-16,1 21 16,21 0-16,-21 0 0,0 1 15,21-1 1,-21 0-16,21 0 0,0 0 15,21-21 1,0 0-16,0 0 16,0 0-16,1 0 0,-1 0 15,0 0-15,0-21 0,-21 0 16,21 0 0,-21 0-16,0-1 15,0 1-15,-21 21 16,0 0-16,0 0 15,0 0-15,-1 0 16,1 0-16,21 21 16,-21 1-16,21-1 15,0 0-15,0 0 16,0 0-16,0 0 16,21-21-1,0 0 1,1 0-16,-1 0 15,0-21-15,-21 0 16,21 21-16,-21-21 0,0 0 16,0 0-16,0-1 15,0 1-15,-21 0 16,0 21-16,21-21 0,-21 21 16,-1 0-16,1 0 15,0 0 1,0 21-16,21 0 0,-21-21 15,21 21-15,0 1 0,0-1 16,0 0-16,0 0 0,0 0 16,0 0-16,0 1 0,21-1 15,0 0 1,0-21-16,0 0 0,1 0 16,-1 0-16,0-21 15,0 0-15,0-1 0,0 22 16,-21-21-16,0 0 0,22 0 15,-22 0-15,0 0 0,0-1 16,0 1-16,0 0 16,-22 0-16,22 0 0,-21 21 0,0-21 15,21-1-15,-21 22 0,0 0 16,0 0-16,-1 0 0,1 0 16,0 0-16,0 0 15,0 22-15,21-1 0,-21 0 16,21 0-16,-22 0 0,22 0 15,0 1-15,-21-1 0,21 0 0,0 0 16,0 0-16,0 0 16,21-21-16,1 0 15,-1 0-15,-21 22 0,42-22 16,-21 0-16,0 0 16,1 0-16,-1 0 0,0 0 0,-21-22 15,21 22-15,0-21 0,0 21 0,-21-21 16,0 0-1,22 21-15,-22-21 0,0 0 0,0-1 16,0 1-16,0 0 0,-22 0 0,1 0 16,21 0-16,-21 21 0,0-22 15,0 1-15,0 21 0,-1 0 16,1 0-16,0 0 0,0 0 0,0 0 16,0 0-16,-1 0 0,22 21 15,-21 1-15,21-1 16,-21 0-16,21 0 0,0 0 15,0 0-15,0 1 0,0-1 16,0 0-16,0 0 0,0 0 16,21 0-16,0-21 0,1 22 0,-1-22 15,0 21 1,0-21-16,0 0 0,0 0 0,1 0 16,-1 0-16,0 0 15,0-21-15,-21-1 0,21 22 0,-21-21 16,21 0-16,1 0 15,-22 0-15,0 0 0,0-1 16,0 1-16,0 0 0,0 0 16,-22 0-16,1 0 0,0 21 0,0-22 15,0 1-15,0 21 0,-1 0 16,1 0-16,0 0 0,0 0 0,0 0 16,-22 0-16,22 0 0,21 21 15,-21 1-15,0-1 16,0 0-16,21 0 0,0 21 15,0-20-15,0-1 0,0 0 0,0 0 16,0 0-16,21 0 0,0-21 16,0 22-16,0-22 15,1 21-15,-1-21 0,0 0 0,0 0 16,0 0-16,0 0 16,1 0-16,-1-21 0,0-1 15,0 1-15,0 0 16,-21 0-16,0 0 15,0 0-15,0-1 0,0 1 0,0 0 16,0 0-16,-21 0 0,0 0 0,0 21 16,21-22-16,-21 1 0,-1 21 15,1 0-15,0 0 0,0 0 16,0 0-16,0 0 16,21 21-16,-22 1 0,22-1 15,0 0-15,0 0 0,0 0 16,0 0-16,0 1 0,0-1 15,0 0-15,0 0 0,0 0 0,22 0 16,-1-21-16,0 22 16,0-22-16,0 0 15,0 0-15,1 0 0,-1 0 16,0 0-16,0 0 0,0-22 16,0 1-16,-21 0 0,0 0 15,0 0 1,0 0-16,0-1 0,-21 1 15,0 0-15,0 21 16,0-21-16,0 21 0,-1 0 16,1 0-16,0 0 15,0 0-15,21 21 16,-21 0-16,21 0 0,0 1 16,0-1-16,0 0 0,0 0 15,0 0-15,21-21 16,0 21-16,0-21 0,0 0 15,1 0-15,-1 0 16,0 0 0,0 0-16,-21-21 15,0 0 1,0 0 0,0 0-16,-21 0 15,0 21-15,0-22 16,-1 22-16,1 0 15,0 22 1,21-1-16,0 0 0,0 0 16,0 0-16,0 0 15,21-21 1,0 0 0,1 0-1,-1 0-15,-21-21 16,21 0-1,-21 0-15,0 0 16,0 0-16,-21 21 16,0 0-1,-1 0 1,1 0-16,21 21 16,-21 0-16,21 0 15,0 0 1,21-21 62,0 0-62</inkml:trace>
+  <inkml:trace contextRef="#ctx0" brushRef="#br0" timeOffset="57143.49">7535 9165 0,'-21'0'16,"0"0"-1,0 0-15,0 0 32,21-21 30,21 21-62,0-21 16,-21 0-16,21 21 15,0 0-15,0 0 0,-21-21 16,22 21-16,-1 0 0,0-22 16,0 22-16,0 0 0,0 0 15,1 0-15,-1 0 0,0 0 16,0 0-16,0 0 0,0 0 16,1 0-16,-1 0 15,-21 22-15,21-1 16,-21 0-16,0 0 15,0 0-15,0 0 16,0 1-16,0-1 0,0 0 16,0 0-16,0 0 15,0 0-15,-21 1 0,21-1 16,-21 0-16,21 0 0,-22 0 0,1 0 16,0 1-16,0-1 15,21 0-15,0 0 0,-21 21 0,0-20 16,21-1-16,-22 0 0,22 0 0,0 0 15,-21 0-15,21 1 0,-21-1 16,21 0-16,0 0 0,0 0 0,0 0 16,0 1-16,0-1 0,0 0 15,0 0-15,0 0 16,0 0-16,0 1 0,0-1 16,0 0-16,0 0 15,21-21-15,0 21 0,1-21 16,-1 21-16,0-21 15,0 0-15,0 0 16,0 0-16,1 0 0,-1 0 16,0 0-16,0 0 0,0 0 15,0-21-15,-21 0 16,22 21-16,-22-21 16,0 0 15,0 42 16,-22-21-47,1 21 0,0 0 15,0-21-15,21 21 0,-21-21 16,0 22-16,21-1 0,-22-21 0,22 21 16,0 0-16,-21 0 0,0 0 15,21 1-15,0-1 0,-21 0 16,21 0-16,0 0 0,0 0 15,0 1-15,0-1 0,0 0 16,0 0-16,0 0 0,0 0 0,0 1 16,0-1-16,0 0 0,0 0 15,0 0-15,0 0 0,0 1 0,0-1 16,21 21-16,-21-21 16,0 0-16,21 1 0,-21-1 0,21 0 15,1 0-15,-22 0 0,0 0 0,21 1 16,-21-1-16,21-21 0,-21 21 0,0 0 15,21-21-15,-21 21 0,21 0 16,-21 22 0,0-22-16,0 0 0,0 0 15,0 0 1,0 1-16,-21-22 0,0 21 0,0-21 16,0 21-16,-1-21 0,1 0 0,-21 21 15,0-21-15,20 0 0,-20 0 16,0 0-16,-1 0 0,22 0 15,-21 0-15,21 0 0,0 0 0,-1 0 0,1 0 16,0 0-16,0 0 0,0 0 16,21-21-1,-21 21 1,21-21-16,0 0 16,0-1-1,21 22-15,-21-21 16,21 0-16,0 0 0,0 0 0</inkml:trace>
+  <inkml:trace contextRef="#ctx0" brushRef="#br0" timeOffset="58491.7">8382 9779 0,'-21'0'16,"21"-21"0,-21 0-16,21 0 15,0 42 32,0 0-31,0 0-16,0 0 15,0 0-15,0 1 0,0-1 0,0 0 16,21 0-16,-21 0 0,0 0 16,0 1-16,21 20 0,-21-21 0,0 0 15,0 0-15,0 1 0,0-1 0,0 21 16,0-21-16,0 0 16,0 1-16,0-1 0,0 0 15,0 0-15,0 0 0,0 0 16,21 1-1,-21-1 1,21-21 47,0 0-48,1 0 1,-1 0-16,0 0 15,-21-21-15,21 21 16,0-22-16,0 1 0,1 0 16,-1 21-16,0-21 0,0 0 15,0 21-15,0-21 16,1-1-16,-1 22 0,0-21 0,21 0 16,-21 21-16,1-21 0,20 0 0,0 0 15,1-1-15,-1 1 0,0 0 16,-21 0-16,22 0 0,-1 0 15,0-1-15,1 1 0,-1 0 0,-21 0 0,22 0 16,-1 0-16,-21-1 0,21 1 16,1 21-16,-22-21 0,0 0 15,21 0-15,-20 21 0,-1-21 0,0 21 16,0 0-16,-21-22 0,21 22 16,0 0-16,1 0 15,-22-21 1,-22 21 437</inkml:trace>
+  <inkml:trace contextRef="#ctx0" brushRef="#br0" timeOffset="59784.04">10456 9440 0,'-21'0'0,"21"-21"16,0 0 0,0 0-16,0 0 15,0 0-15,0-1 16,0 1-16,0 0 16,21 21-16,0 0 0,1-21 15,-1 21-15,0 0 0,0 0 16,0 21-16,-21 0 0,21 0 15,1 1-15,-1-1 0,-21 0 0,0 21 16,21-21-16,-21 22 0,0-22 16,0 21-16,0 1 0,0-1 15,0-21-15,0 21 0,0-20 0,0-1 16,-21 21-16,21-21 0,0 0 16,-21-21-16,21-21 31,0 0-16,0 0-15,0-21 0,0 20 16,0 1-16,0-21 0,0 21 16,0-22-16,21 22 0,-21-21 0,21 0 15,0 20-15,0-20 0,-21 21 16,43 0-16,-22 0 0,0-1 16,0 1-16,0 21 0,22 0 0,-22 0 15,0 0-15,21 0 0,-21 0 0,1 0 16,20 43-16,-21-43 15,0 42-15,-21-21 0,0 0 0,0 0 16,0 1-16,0 20 0,0-21 0,0 21 16,0-20-16,0-1 0,0 0 0,0 0 15,-21 0-15,21 0 16,0 1-16,-21-22 0,21 21 16,0-42-1,21-1 1,0 1-16,0 0 0,1 0 15,-22 0-15,21 0 0,0-1 0</inkml:trace>
+  <inkml:trace contextRef="#ctx0" brushRef="#br0" timeOffset="60209.79">11430 9250 0,'0'0'0,"0"-21"15,0 0-15,-21 21 16,21 21-1,0 0-15,-21 0 0,21 0 16,0 0-16,-22 1 0,22-1 16,0 21-16,0 0 15,0 1-15,0-22 0,-21 21 0,21-21 16,0 1-16,0 20 0,0-21 16,0 0-16,0 0 0,0 1 15,0-1-15,21-21 0,1 0 16,-1 0-16,0 0 15,0-21-15,0-1 0,0 22 16,-21-21-16,22 0 0,-22 0 0,21 0 16,-21-22-16,0 22 0,0 0 0,0 0 15,0-21-15,0 20 0,0 1 16,0-21-16,0 21 0,0 0 0,-21-1 16,-1 1-16,1 0 0,0 0 15,0 21-15,0 0 16,0 0-16,-1 0 0,22 21 15,-21-21-15,21 21 0,-21 0 16,21 1-16,0-1 0,21-21 16,0 0-1,1 0-15,-1 0 0,0 0 0</inkml:trace>
+  <inkml:trace contextRef="#ctx0" brushRef="#br0" timeOffset="60551.6">12023 8975 0,'0'0'0,"-22"0"0,22-21 0,-21 21 0,-21-22 15,21 22 1,0 0-16,-1 22 16,22-1-16,-21 0 0,21 0 0,0 0 15,0 22-15,0-22 0,0 21 16,0-21-16,0 22 0,-21-22 0,21 21 15,0 0-15,0-20 0,0 20 0,-21-21 16,21 0-16,0 22 0,0-22 16,0 0-16,0 0 0,0 0 15,0 0-15,0 1 0,0-1 0,0 0 16,0 0-16,21-21 31,0 0-31,0-21 0,-21 0 16,22 0-16,-1-1 0,0 1 15,-21 0-15,0 0 0,21 0 16,-21-22-16,21 22 0,-21 0 0</inkml:trace>
+  <inkml:trace contextRef="#ctx0" brushRef="#br0" timeOffset="60783.47">11747 9250 0,'-21'0'0,"0"0"16,21-21-1,21 21 1,0 0-16,1 0 0,-1-21 16,21 21-16,-21 0 0,0 0 0,1-22 15,20 22-15,-21 0 0,0 0 0,0 0 16,1-21-16,-1 21 16,0 0-16</inkml:trace>
+  <inkml:trace contextRef="#ctx0" brushRef="#br0" timeOffset="63367.47">12255 9567 0,'0'0'0,"-21"0"0,21 22 0,-21-22 15,0 21-15,21-42 32,21 21-32,0-22 15,0 1-15,22 0 0,-22 0 16,0 0-16,21 0 0,-20-1 0,-1-20 15,0 21-15,0 0 0,0-22 0,0 22 16,-21 0-16,0 0 0,0-21 16,0 20-16,0 1 0,-21 0 15,0 21-15,0 0 0,0 0 16,0 0-16,-1 21 0,1 0 16,21 1-16,0-1 0,-21 0 0,21 0 15,0 21-15,0-20 0,0-1 16,0 21-16,0 0 0,0-20 15,0 20-15,0-21 0,21 0 0,-21 0 16,21 22-16,1-43 0,-1 21 0,0 0 16,0-21-16,0 0 15,0 0-15,1 0 0,-1 0 0,0 0 16,0-21-16,-21 0 16,21 0-16,-21-1 15,21 1-15,-21 0 0,0-21 0,22 21 16,-1-1-16,-21 1 0,21-21 0,0 21 15,0 0-15,0-1 0,1 1 16,-1 0-16,0 0 0,21 21 0,-21 0 16,1 0-16,41 0 15,-42 0-15,0 21 0,1-21 16,-22 21-16,21 0 0,-21 1 0,0-1 16,0 0-16,0 21 0,0-21 0,0 1 15,0-1-15,-21 0 0,21 0 16,-22 0-16,1 0 0,21 1 0,0-1 15,-21-21-15,0 0 16,21-21 0,21-1-16,0 1 15,0 0-15,1-21 0,-1 21 16,0-1-16,-21 1 0,21 0 16,0 0-16,-21 0 0,21-22 15,1 22-15,-22 0 0,21 0 0,-21 0 16,21 0-16,-21-1 0,0 44 47,-21-22-47,21 21 0,-21 0 0,21 0 15,0 0-15,0 0 0,0 1 16,-22-1-16,22 0 0,0 21 0,0-21 16,0 1-16,0-1 0,0 21 15,0-21-15,0 0 0,22 1 0,-1-1 16,0 0-16,0-21 0,0 0 15,0 0-15,1 0 0,20 0 16,-21 0-16,21 0 0,-20 0 16,-1-21-16,21 0 0,-21-1 15,0 1-15,22 0 0,-22-21 0,0 21 16,21-22-16,-20 22 0,-1-21 0,0-1 16,0 1-16,-21 21 0,0-21 15,0-22-15,0 43 0,0 0 16,0 0-16,0-1 0,-21 22 15,0 0-15,0 0 0,-1 0 16,1 0-16,0 22 0,21-1 16,-21 21-16,21-21 0,-21 22 15,21-22-15,0 21 0,0 0 16,0-20-16,0 20 0,0-21 0,0 21 16,0-20-16,0 20 0,0-21 0,21 0 15,0 0-15,0 1 0,0-22 16,1 0-16,-1 21 0,0-21 0,0 0 15,0 0-15,22 0 0,-22 0 0,0-21 16,21-1-16,-21 1 0,1 0 16,-1 0-16,0 0 0,21 0 0,1-22 15,-22 1-15,0 21 16,0-22-16,0 22 0,0-21 0,1 21 16,-22 0-16,21-1 0,0 1 15,-21 0-15,21 21 16,0 0-1,-21 21-15,0 0 0,0 1 16,0-1-16,0 0 16,0 0-16,21-21 15,1 0-15,-1 0 16,0 0 0,-21-21-16,0 0 15,0 0 1,0-1-16,0 1 15,-21 0-15,0 21 16,-1 0-16,1 0 16,0 0-16,0 0 0,21 21 15,-21-21-15,0 21 0,21 1 0,-22-1 16,1 0-16,21 21 16,-21-21-16,21 1 0,-21-1 0,21 0 15,0 0-15,0 0 0,0 0 0,0 1 16,0-1-16,0 0 0,0 0 0,0 0 15,21 0-15,0 1 0,0-1 16,22-21-16,-22 0 0,0 0 16,0 0-16,22 0 0,-22 0 15,21 0-15,-21-21 0,22 21 16,-22-22-16,0 1 0,21 0 0,-21 0 16,1 0-16,-1 0 0,0-1 0,0 1 15,-21 0-15,21 0 0,-21 0 16,21 0-16,-21-1 0,0 1 0,0 0 15,0 0-15,0 42 32,0 0-17,0 0-15,0 1 0,0-1 0,0 0 16,0 0-16,-21 0 0,21 0 16,0 1-16,0-1 0,0 0 15,0 0-15,0 0 0,0 0 0,0 1 16,21-22-16,1 0 15,-1 0-15,0 0 16,0 0-16,0 0 0,-21-22 16,21 22-16,1-21 0,-22 0 0,0 0 15,21 0-15,-21 0 16,21-1-16,-21 1 0,0 0 0,0 0 16,0 0-16,0 0 0,0-1 15,0 44 16,0-1-31,0 0 16,0 0-16,0 0 0,0 0 16,0 1-16,0-1 0,0 0 15,0 0-15,0 0 0,0 0 16,21-21-16,0 22 0,0-22 0,1 0 16,-1 21-16,0-21 15,0 0-15,0 0 0,0 0 0,1-21 16,-1 21-16,0-22 0,21 1 0,-21 0 15,1 0-15,-1 0 0,0-22 16,0 22-16,0-21 0,0 21 0,22-22 16,-22 1-16,21-43 15,-21 43-15,1 0 0,-1-1 0,0 1 16,0 0-16,-21 21 0,0-22 16,0 22-16,0 0 0,-21 21 31,0 0-31,0 21 0,-1 0 15,22 0-15,-21 22 0,0-22 0,21 21 0,-21 1 16,21-1-16,0 0 0,0-21 16,-21 22-16,21-1 0,0-21 0,0 43 15,0-22-15,0-21 0,0 22 16,0-22-16,0 0 0,21 0 16,0 0-16,0 0 0,0-21 0,1 22 15,20-22-15,-21 0 0,21 0 16,1 0-16,-22 0 0,21-22 0,1 22 15,-22-21-15,21 0 0,0 0 16,-20 0-16,20 0 0,-21-1 0,0 1 16,0-21-16,1 21 0,-22 0 0,0-1 15,0 1-15,0 0 16,0 0-16,0 0 0,-22 21 16,1 0-16,0 0 0,0 0 15,21 21-15,0 0 0,-21 0 16,21 0-16,-21 1 0,21 20 15,0-21-15,0 0 0,0 0 16,0 1-16,0-1 16,21 0-16,0-21 15,0 0-15,0 0 0,0 0 16,1 0-16,-1 0 0,0 0 0,21 0 16,-21-21-16,1 21 0,20 0 15</inkml:trace>
+  <inkml:trace contextRef="#ctx0" brushRef="#br0" timeOffset="64017.06">16743 9250 0,'0'-21'0,"0"42"0,0-63 16,0 20-16,0 1 0,-21 0 16,-1 21-16,1-21 0,0 21 15,0 0-15,0 0 0,-22 0 16,22 0-16,0 0 0,0 0 0,0 21 15,0 0-15,-1 0 0,1 1 16,21-1-16,-21 0 0,0 0 16,21 0-16,-21 0 0,21 1 0,0-1 0,0 0 15,0 0-15,0 0 0,0 0 16,0 1-16,0-1 0,21-21 16,0 21-16,0-21 0,0 0 15,1 0-15,-1 0 16,0 0-16,0 0 0,0-21 15,0 21-15,1-21 0,-1-1 0,-21 1 16,21 0-16,0 0 0,0-21 0,0 20 16,1-20-16,-1 0 0,0-1 15,-21 1-15,21-21 0,0 20 0,-21-20 16,21-1-16,-21 22 0,22-64 16,-22 43-16,21 20 0,-21 22 15,0-21-15,21 21 0,-21-1 0,0 1 16,0 0-16,0 42 31,0 0-31,-21 1 0,0-1 16,21 0-16,-22 21 0,22 1 0,-21-1 15,0 0-15,0 22 0,21-22 16,-21 22-16,0-22 0,21 0 0,-22 22 16,22-22-16,0 0 0,0 22 0,0-43 15,0 21-15,0 1 0,0-1 16,0-21-16,0 0 0,0 22 0,0-22 15,22 0-15,-1 0 0,0-21 16,0 0-16,0 0 0,0 0 16,1 0-1,-1 0-15,0 0 0,0-21 16,0 0-16,0 21 0,1-21 0,-22 0 0,21-1 16,0 22-16,0-21 0,0 0 15,-21 0-15,0 0 0,0 0 0,0-1 16,0 1-16</inkml:trace>
+  <inkml:trace contextRef="#ctx0" brushRef="#br0" timeOffset="64381.85">14838 8996 0,'0'0'0,"-21"0"0,-1 0 0,44 0 31,-1 0-31,21-21 16,-21 21-16,22 0 0,20-21 15,-21 21-15,22 0 0,-22-22 0,22 1 16,-22 21-16,22-21 0,-22 21 0,0-21 15,1 21-15,-1-21 16,-21 21-16,21 0 0,-20-21 16,-1 21-16,-21 21 47,0 0-32,0 0-15</inkml:trace>
+  <inkml:trace contextRef="#ctx0" brushRef="#br0" timeOffset="66172.63">7916 14139 0,'-21'0'31,"0"0"16,21 22-31,0-1-1,0 0-15,0 0 0,0 0 16,0 0-16,21 1 0,-21-1 0,21 0 16,-21 0-16,0 21 0,0-20 15,21 20-15,-21-21 0,0 0 16,0 22-16,22-22 0,-22 0 0,0 21 16,0-21-16,0 1 0,0-1 15,0 0-15,21-21 0,-21 21 0,0 0 0,0 0 16,21-21-1,0 0 1,0 0 0,0 0-16,1 0 15,-1 0-15,21-21 0,-21 0 16,22 0-16,-1 0 0,0-22 16,22 22-16,-1-21 0,22 0 0,0-1 15,-1-20-15,1 20 0,0 1 0,-1-21 16,1 20-16,0 1 0,-1 0 15,-20-1-15,-1 1 0,22 0 0,-22-1 16,1 22-16,-22-21 0,22 21 0,-22-1 16,22 1-16,-22 0 0,0 0 15,-21 21-15,1 0 0,20-21 16,-21 21-16,0 0 16,0 0-16,-42 0 171,21 21-171,-21 0 16,0-21-16,21 21 0</inkml:trace>
+  <inkml:trace contextRef="#ctx0" brushRef="#br0" timeOffset="75783.92">24701 593 0,'0'0'0,"22"-21"16,-1-1-16,-21 1 15,0 0-15,21 0 0,-21 0 16,0 0-16,0-1 0,0 1 0,0 0 16,0 0-16,0 0 0,0 0 15,-21-1-15,0 1 0,-1 0 0,-20 0 16,21 21-16,-21 0 0,-1 0 16,1 0-16,0 21 0,-1 0 15,1 0-15,0 1 0,-1-1 16,1 21-16,0 0 0,-1 1 0,22-1 15,-21 0-15,21 1 0,-1-1 0,22 22 16,0-22-16,0 0 0,0 1 16,0 20-16,0-21 0,0 1 15,22-1-15,-1 0 0,0 1 0,21-22 16,-21 21-16,22 1 0,-22-22 16,21 21-16,-21-21 0,1 0 0,20 1 15,-42-1-15,0 0 0,0 0 16,0 0-16,0 0 0,0 1 0,-42-1 15,20-21-15,-20 0 0,0 0 16,-1 0-16,1 0 0,0 0 16,-1-21-16,1 21 0,0-22 0,-1 1 15,1 0-15,21-21 0,-21 21 0,20-1 16,1-20-16,0 21 16,21 0-16,-21 0 0,21-22 15,21 43 1,0 0-16,0 21 0,22 1 0,-22-1 15,0 0-15,0 0 0,0 21 16,1-20-16,-1 20 0,0-21 0,0 0 16,0 22-16,22-22 0,-22 0 15,0 0-15,0-21 0,21 21 0,-20-21 16,20 0-16,-21 0 16,21 0-16,1 0 0,-1 0 0,0-21 15,1 0-15,-1 0 0,22 0 0,-22-1 16,0 1-16,1 0 0,-1-21 15,0 21-15,1-22 0,-22 1 0,21 21 16,-21-22-16,0 1 0,-21 0 16,22 21-16,-22-22 0,21 22 0,-21 0 15,0 42 1,0 0 0,0 22-16,-21-22 0,-1 21 15,22 0-15,-21-20 0,21 20 0,0 0 16,0-21-16,0 22 15,0-22-15,0 0 0,0 0 0,21 0 0,1-21 16,-1 22-16,0-22 16,21 0-16,-21 0 0,22 0 0,-22 0 15,21 0-15,1-22 0,-1 1 16,-21 0-16,21 0 0,1 0 0,-1 0 16,0-22-16,-20 22 0,-1-21 15,0-1-15,-21-20 0,0 21 16,0-1-16,-21 1 0,0 0 15,-22 20-15,1-20 0,21 21 0,-22 21 16,1 0-16,0 0 16,-1 0-16,1 0 0,0 21 0,-1 0 15,22 0-15,0 22 0,-21-22 16,42 21-16,0 1 0,0-1 0,0-21 16,0 21-16,0-20 0,21-1 15,0 0-15,0 0 0,22 0 0,-1-21 16,-21 0-16,21 0 0,1 0 15,20 0-15,-20-21 0,20 21 0,1-42 16,-1 21-16,1-1 0,-1-20 16,22 0-16,-43-1 0,22 1 15,-1-21-15,-21 20 0,-20-20 0,41-22 16,-42 22-16,0 20 16,-21 1-16,22 0 0,-22 20 15,0-20-15,0 21 0,0 0 0,0 42 31,0 21-31,-22-21 0,22 22 16,0-1-16,-21 0 0,21 22 16,-21-22-16,0 22 0,0-1 0,21 1 15,-21-1-15,-1 22 0,1-22 16,0 22-16,0-21 0,0 20 0,0 1 16,-1 0-16,1 20 0,0-20 15,0 0-15,0-1 0,0 1 16,-1 0-16,1-1 0,21-20 0,0-1 15,0 1-15,0-22 0,0 1 16,0-1-16,0 0 0,0-21 0,21 1 16,1-22-16,-1 0 0,0 0 0,21 0 15,-21-22-15,22 1 0,-1 0 16,0-21-16,22 21 0,-22-22 0,1-20 16,-1 20-16,0-20 0,1 21 15,-22-22-15,0 1 0,0-1 16,-21-21-16,0 22 0,0-1 15,0-20-15,-21 20 0,-21 22 0,20 0 16,-20-1-16,-21 1 0,20 0 0,1 20 16,-22 1-16,22 0 0,0 21 15,-1 0-15,1-21 0,21 21 0,0 0 16,21-21 0,42 0-16,-21 21 15,22-22-15,-1 1 0,0 0 16,1 0-16,20 0 0,43-43 15,-64 22-15,22 0 0,-22-1 16,22 1-16,-22-22 0,0 22 16,1 0-16,-1-1 0,-21-20 0,0 21 15,0-1-15,-21 1 0,0-22 0,0 22 16,0 21-16,0-21 0,0 20 16,0 1-16,0 0 0,-21 21 15,21 21-15,-21 0 16,0 22-16,0-1 0,21 0 0,0 22 15,-21-1-15,21 1 0,-22-1 16,22 1-16,0-1 0,0-20 0,-21 20 16,21-20-16,0-1 0,0 0 15,0 1-15,0-22 0,0 0 0,0 0 16,0 0-16,21-21 16,1-21-1,-1 0-15,-21 0 16,0 0-16,0-22 0,0 22 15,0 0-15,0-21 0</inkml:trace>
+  <inkml:trace contextRef="#ctx0" brushRef="#br0" timeOffset="75951.83">26352 931 0,'0'0'0,"0"-21"16,22 0 15,-1 0-31,21 21 15,-21-21-15,22 21 0,-1-21 16,0 21-16,1-22 0,-1 1 0,21 21 16,-20-21-16,-1 0 0,22 0 0,-22 21 15</inkml:trace>
+  <inkml:trace contextRef="#ctx0" brushRef="#br0" timeOffset="76416.07">27411 466 0,'0'0'0,"-21"0"31,-1 0-31,1 0 0,21 21 0,-21 0 16,0 0-16,0 0 15,21 22-15,-21-22 0,21 21 0,-22 1 0,22 20 16,-21-21-16,0 1 16,21-1-16,-21 0 0,0 22 0,21-43 15,-21 21-15,21 1 0,-22-22 16,22 0-16,-21 0 0,21 0 15,0-42 1,0 0-16,0 0 16,0 0-16,21-22 0,-21 1 15,22 0-15,-1-22 0,0 22 0,0-22 16,0 1-16,0 21 0,1-22 16,-1 1-16,0 20 0,-21 1 0,21 21 15,0 0-15,0-1 0,1 22 16,-1 22-1,-21-1-15,0 21 0,21 0 16,-21 1-16,21-1 0,-21 22 0,0-22 16,0 0-16,0 22 0,0-22 15,0 0-15,0 1 0,0-1 0,0 0 16,0-20-16,0 20 0,0-21 16,0 0-16,0 0 0,0 1 15,-21-22 1,0 0-16,0 0 0,-1 0 0,1-22 15,0 1-15,0 0 0</inkml:trace>
+  <inkml:trace contextRef="#ctx0" brushRef="#br0" timeOffset="76555.99">27030 1016 0,'-21'0'0,"42"0"0,-64 0 0,65-21 31,-1 21-31,21 0 16,-21-21-16,22 21 0,-1-21 15,21-1-15,22 1 16,-21 0-16,-1 0 0,-21 21 0,22-21 16</inkml:trace>
+  <inkml:trace contextRef="#ctx0" brushRef="#br0" timeOffset="76931.78">27982 783 0,'0'0'0,"21"-21"15,-21 0-15,22 0 16,-22 0-16,0-1 15,21 1-15,-21 0 0,0 0 16,-21 21 0,-1 0-16,1 21 0,0 0 15,-21 0-15,21 1 0,-22-1 16,22 0-16,0 21 0,0-21 0,0 1 16,-1-1-16,22 0 0,0 0 15,0 0-15,0 0 0,22 1 16,-1-22-16,21 21 0,-21 0 15,0-21-15,22 21 0,-22-21 16,0 21-16,0 0 0,0-21 16,-21 22-16,0-1 0,0 0 15,0 0-15,-21-21 16,0 21-16,-21-21 0,21 0 0,-22 0 16,1 21-16,21-21 0,-22 0 15,1 0-15,21 0 0,0 0 0,0 0 16,-1 0-16,22-21 15,22 0 1,-1 0-16,0 0 0,0 0 16</inkml:trace>
+  <inkml:trace contextRef="#ctx0" brushRef="#br0" timeOffset="77323.55">28511 741 0,'0'-21'0,"0"42"0,0-63 32,-21 42-17,0 0-15,-21 0 0,21 21 0,-1 0 16,-20-21-16,21 21 0,0 0 16,0 0-16,-1-21 0,1 22 0,21-1 15,0 0-15,0 0 16,0 0-16,21 0 0,1 1 15,-1-1-15,0 0 0,0-21 16,0 21-16,0 0 0,1 0 16,-1 1-16,-21-1 15,0 0-15,-21-21 16,-22 21-16,22-21 16,-21 0-16,-1 21 0,1-21 0,21 21 15,-21-21-15,-1 0 0,1 0 16,21 0-16,0 0 0,-1 0 15,44 0 1,-1-21 0,0 21-16,21-21 0,-21 21 15,22-21-15</inkml:trace>
+  <inkml:trace contextRef="#ctx0" brushRef="#br0" timeOffset="77651.36">28596 1058 0,'21'-21'16,"0"21"-16,-21-21 16,22 21-16,-1-21 0,-21 0 0,21 21 15,-21-21-15,0-1 16,21 1-16,-21 0 0,0 0 0,0 0 16,0 0-16,0-1 0,-21 22 31,0 0-31,21 22 15,-21-1-15,-1 21 0,1-21 0,0 22 16,21-22-16,-21 0 0,21 21 16,-21-21-16,21 1 0,0-1 15,0 0-15,0 0 0,0 0 0,21 0 16,0-21-16,0 0 16,22 0-16,-22 0 15,0 0-15,0-21 0,21 21 0,-20-21 16,20 21-16,-21-21 0,0 0 15,0 21-15</inkml:trace>
+  <inkml:trace contextRef="#ctx0" brushRef="#br0" timeOffset="77992.17">28935 931 0,'-21'-21'16,"21"0"-16,21 21 31,0 21-16,0-21-15,0 21 0,-21 1 0,43 20 16,-43-21-16,0 21 16,0-20-16,0-1 0,0 21 0,0-21 15,0 0-15,0 1 0,0-1 16,0 0-16,0 0 0,0 0 0,-22-21 31,22-21-15,0 0-16,0 0 15,0 0-15,22-22 0,-1 22 0,0-21 16,0-1-16,0 22 0,0-21 16,1 21-16,-1-22 0,0 22 15,0 0-15,0 0 0,-21 0 16,21 21-16,1-21 0,-1 21 16,0-22-16,0 22 15</inkml:trace>
+  <inkml:trace contextRef="#ctx0" brushRef="#br0" timeOffset="78292">29676 487 0,'0'0'0,"-22"-21"16,1 21 0,0 0-1,0 21-15,21 0 0,0 21 16,0-20-16,-21 20 0,0 0 15,21 1-15,-22-1 0,1 0 0,21 1 16,0 20-16,-21-21 0,0 1 16,21-1-16,0 0 0,0-20 0,0 20 15,0-21-15,0 0 16,-21 0-16,21 1 0,0-1 0,0 0 16,21-21-1,0 0-15,0 0 16,0-21-16,1 0 15,-1-1-15,0 1 0,0 0 0,0 0 16,0-21-16</inkml:trace>
+  <inkml:trace contextRef="#ctx0" brushRef="#br0" timeOffset="78531.94">29464 804 0,'0'0'0,"-21"0"15,-22 0 1,65 0-1,-1 0-15,21 0 0,-21 0 16,22 0-16,-1 0 0,-21-21 16,21 21-16,1 0 0,-1 0 15,-21-21-15,0 21 0,22 0 16,-22 0-16,0 0 0,-42 0 31,0 0-15,-22 0-16,1 21 0,0 0 15,-22 1-15</inkml:trace>
+  <inkml:trace contextRef="#ctx0" brushRef="#br0" timeOffset="79248.56">24638 1884 0,'-42'0'0,"84"0"0,-106 0 0,22 0 0,21 0 16,0 0-16,0 0 0,-22 0 16,22 0-16,0 0 0,-21 0 15,20 0-15,1 0 0,0 0 16,0 0-16,-21 0 0,20 0 0,1 0 16,0 0-1,42 21 1,0-21-1,1 0-15,20 0 0,0 0 0,22 0 16,-1 0-16,1 0 0,20 0 0,22 0 16,0 0-16,21 0 15,-21 0-15,42-21 0,0 21 0,0 0 16,22-21-16,20 21 0,1-21 16,-1 21-16,22 0 0,0-22 0,-1 22 15,1 0-15,21-21 0,-22 21 16,1 0-16,0 0 0,-22-21 0,1 21 15,-1 0-15,-20 0 0,-1 0 16,0 0-16,-42-21 0,0 21 0,-21-21 16,0 21-16,-21 0 15,-22-21-15,1 21 0,-22 0 0,0 0 16,-21-22-16,1 22 0,20 0 0,-21 0 16,0-21-16,0 21 93,1 0-93,-22 21 16,21-21 0,-21 22-16</inkml:trace>
+  <inkml:trace contextRef="#ctx0" brushRef="#br1" timeOffset="85292.14">25379 3133 0,'0'21'15,"21"-21"17,0 0-17,0-21-15,0 0 0,1-1 16,-22 1-16,21 0 16,-21 0-16,0 0 0,0-22 15,0 22-15,0 0 0,0 0 16,-21 0-16,-1 0 0,1 21 0,0 0 15,0-22-15,-21 22 0,20 0 16,1 0-16,0 22 0,0-1 0,-21 0 16,20 0-16,1 0 0,0 22 15,21-22-15,-21 21 0,0 0 0,21 1 16,0-1-16,0-21 0,0 22 16,0-22-16,0 21 0,0-21 15,0 0-15,0 1 0,21-22 16,0 0-16,0 0 0,22 0 15,-22 0-15,0-22 0,0 1 0,21 0 16,-20-21-16,-1 21 0,21-1 16,-21-20-16,0 21 0,-21 0 0,22 0 15,-22-22-15,21 22 0,-21 0 16,0 0-16,0 0 0,0 42 31,0 0-15,0 0-16,0 0 0,0 0 15,-21 22-15,21-22 0,0 21 0,0-21 16,0 22-16,0-22 0,0 0 16,21 0-16,0 0 0,0 1 15,0-1-15,0-21 0,22 0 16,-22 0-16,21 0 0,-21-21 0,22-1 16,-1 22-16,0-42 0,-20 21 15,20 0-15,-21-22 0,21 22 0,-20-21 16,-1 21-16,-21-22 0,0 1 15,0 0-15,0-1 0,0 1 0,0 0 16,-43-1-16,22 1 0,-21-21 16,0 20-16,-1-20 0,1 20 15,-22 1-15,1 0 0,-1-1 0,1 22 16,-1 0-16,1 0 0,-1 21 0,1 21 16,-1 0-16,1 22 15,-1-1-15,1 0 0,-22 22 0,22-1 16,-1 22-16,1-22 0,20 22 15,-41 84-15,63-84 0,21-21 16,0 20-16,0-20 0,0-1 16,42 1-16,-21-22 0,21 22 0,22-43 15,-22 21-15,22-21 0,-22 0 0,22 1 16,-1-1-16,1-21 0,-22 0 16,21 0-16,43 0 15,-63 0-15,20-21 0,-21-1 16,1 1-16,-1 0 0,22 0 0,-22-21 0,0 20 15,1-20-15,20 0 16,-21-1-16</inkml:trace>
+  <inkml:trace contextRef="#ctx0" brushRef="#br1" timeOffset="85983.97">26437 2709 0,'0'0'0,"0"-21"0,0 42 31,0 1-31,0-1 0,0 0 16,0 21-16,0-21 0,0 22 16,-21 41-16,0-62 0,21 20 15,0 0-15,-21 1 16,21-1-16,-22-21 0,22 21 0,0-20 16,-21 20-16,21-21 0,0 0 15,0-42 1,21 0-1,-21-21-15,0 20 0,0-20 16,0 21-16,22-21 16,-22-1-16,0 22 0,21-21 0,-21-1 15,0 1-15,0 0 0,0-1 16,21 1-16,-21 21 0,21 0 0,-21-22 16,21 22-16,0 21 0,1-21 15,20 21-15,-21 0 0,0 21 16,0 0-16,1 1 15,-1 20-15,-21-21 0,0 21 0,0-20 16,0-1-16,0 21 0,0-21 0,-21 22 16,-1-22-16,1 0 0,-21 0 15,21 0-15,0 0 0,-1-21 16,1 0-16,21-21 31,21 0-31,1 0 16,-1 0-16,21 21 0,-21-21 15,22 21-15,-1 0 0,-21 0 16,21 0-16,1 0 0,-22 0 0,21 0 16,-21 21-16,1 0 0,-1 0 15,0 0-15,-21 0 0,0 1 0,0 41 16,0-21-16,-21-20 16,0 20-16,-22-21 0,22 21 0,-21-20 15,-1-1-15,-20 0 0,21 0 0,-1 0 16,1 0-16,0-21 0,-1 0 15,22 0-15,-21 0 0,21 0 0,-1 0 16,1 0-16,21-21 16,0 0-1,0 0 1,21 0-16,1 21 0,-1-21 0,0-1 16,21 1-16,1 0 0</inkml:trace>
+  <inkml:trace contextRef="#ctx0" brushRef="#br1" timeOffset="86663.86">27368 2773 0,'0'0'0,"0"-21"0,-21 42 32,0 0-32,21 0 15,-21 0-15,21 1 0,0-1 0,0 21 16,0-21-16,0 22 0,0-22 15,0 21-15,0-21 0,-21 22 0,21-22 16,0 21-16,0-21 0,0 0 16,0 22-16,0-22 0,0 0 15,-21-21-15,21-21 32,0 0-32,0 0 15,0-1-15,0-20 0,0 21 0,0-21 16,0 20-16,0-20 0,0 0 15,0-1-15,21 1 0,0 0 16,0-1-16,21 1 0,-20 0 0,-1-1 16,21 22-16,-21 0 0,43 21 15,-43 0-15,21 21 0,-21 0 16,1 1-16,-1 20 0,0 0 16,-21 1-16,21-1 0,-21 0 0,0 1 15,0-1-15,0 21 0,0-20 16,-21-22-16,0 21 0,0 1 0,21-22 15,0 0-15,-22 0 0,1-21 16,21-21 0,0 0-1,0 0-15,0-22 0,0 22 16,0-21-16,21-1 0,1 1 16,20 0-16,-21-1 0,21-20 0,1 21 15,-1-1-15,0 1 0,1 0 16,-1 20-16,-21 1 0,22 21 15,-1 0-15,-21 0 0,0 21 0,0 1 16,1 20-16,-22-21 0,0 21 0,0 1 16,0-1-16,0 0 0,0 1 15,0-1-15,-22 0 0,1 1 0,21-1 16,-21 0-16,0-20 0,0 20 16,21-21-16,-21 0 0,21 0 15,-22 1-15,1-1 0,21 0 0,-21-21 16,0 0-16,0 0 15,0 0-15,-1 0 0,1 0 0</inkml:trace>
+  <inkml:trace contextRef="#ctx0" brushRef="#br1" timeOffset="86971.69">25739 3810 0,'0'0'0,"-64"0"0,-21 0 0,64 21 16,-21-21-16,0 0 0,63 0 16,21 0-1,43 0-15,-1 0 0,22 0 0,0 0 16,21 0-16,0 0 0,169 0 16,-147 0-16,-22-21 0,21 21 15,-21 0-15,0 0 0,-21 0 16,-1-21-16,-20 21 0,-21 0 0,-1 0 15,-21 0-15,-20 0 0,-1 0 0,-21-21 16,-21 21 0,-43 0-16,1 0 0,-1 0 0,1 0 15,-22 0-15,0 21 16,-21-21-16,1 21 0,-1 0 0</inkml:trace>
+  <inkml:trace contextRef="#ctx0" brushRef="#br1" timeOffset="87207.5">25421 4085 0,'0'0'0,"-63"21"0,-1-21 0,22 0 16,21 0-16,63 0 16,0 0-16,22 0 15,-1 0-15,22 0 0,21 0 16,0 0-16,21 0 0,0 0 0,-22 0 16,22 0-16,0-21 0,0 21 15,0 0-15,0 0 0,-21-21 16,0 21-16,0 0 0,-21 0 0,-22 0 15,1 0-15,-22 0 0,0 0 16,-21-21-16,-42 21 16,-21 0-16,0 0 15,-22 0-15,1 21 0,-22-21 0</inkml:trace>
+  <inkml:trace contextRef="#ctx0" brushRef="#br1" timeOffset="87464.35">25527 4360 0,'0'0'0,"-85"22"15,22-1-15,-43 21 16,106-21-16,21-21 16,21 21-16,1-21 0,20 0 0,22 0 15,0 0-15,20 0 0,1 0 16,0 0-16,21-21 0,-21 0 0,21 21 16,-21 0-16,21-21 0,-21 21 0,-1 0 15,1-21-15,-21 0 16,0 21-16,-1 0 0,-41 0 0,-1 0 0,0-22 15,-63 22 1,-21 0-16,-1 0 16,-20 0-16,-1 22 0,-20-22 0,-1 21 15,0 0-15,-20-21 0,-22 21 16</inkml:trace>
+  <inkml:trace contextRef="#ctx0" brushRef="#br1" timeOffset="87531.31">25675 4614 0,'212'-63'15,"-509"148"-15,382-107 0,-233 65 0,84-22 0,22 0 16,0-21-16,42 21 0</inkml:trace>
+  <inkml:trace contextRef="#ctx0" brushRef="#br1" timeOffset="87671.23">27347 4636 0,'0'0'0,"21"0"0,22 0 0,-1 0 16,0 0-16,1-22 0,-1 22 0,0-21 15,-20 21-15,-1 0 0,-42 0 31,-1 0-31,1 0 0,-21 0 0,21 0 16,0 0-16,-22 0 0</inkml:trace>
+  <inkml:trace contextRef="#ctx0" brushRef="#br1" timeOffset="88731.99">25760 6138 0,'0'0'0,"21"0"0,-21 22 16,21-22-1,0 0-15,0-22 0,1 1 16,-1 0-16,0 0 0,0 0 16,21 0-16,-20-1 0,20-41 15,-21 42-15,-21-22 16,0 22-16,0-21 0,0 0 0,0 20 16,-21-20-16,-21 21 0,20 21 15,-20-21-15,0 21 0,-22 0 0,22 21 16,-64 0-16,64 21 0,-22-20 15,22 20-15,0-21 0,20 21 16,-20 1-16,21-1 0,0-21 0,0 22 16,21-22-16,0 0 0,0 21 15,21-42-15,0 21 0,0 1 0,0-22 16,22 0-16,-1 0 0,0 0 16,1 0-16,-1-22 0,21 1 15,-20 0-15,-1 0 0,0-21 0,1 20 0,-1 1 16,0-42-1,-20 42-15,-22-22 0,0 22 0,0 0 16,0-21-16,0 20 0,0 1 16,0 0-16,0 0 15,-22 21-15,1 0 0,21 21 16,-21 0-16,0 0 0,21 22 0,0-22 16,-21 21-16,0 1 0,21-1 0,0-21 15,-22 21-15,22 1 0,0-22 16,0 21-16,0-21 0,22 1 15,-1-1-15,0-21 0,21 21 0,-21-21 16,1 0-16,20 0 0,0 0 0,1-21 16,-1 0-16,0 21 0,1-43 15,-22 22-15,21 0 0,0-21 16,1-1-16,-22 1 0,21 0 0,-21-1 16,-21-20-16,0 20 0,0-20 15,0 21-15,0-1 0,-21-20 0,-21 20 16,21 1-16,-22 0 0,1-1 15,-21 1-15,-1 21 0,1-21 16,-1 42-16,-21 0 0,1 0 0,-1 0 16,0 21-16,1 0 0,-1 0 0,0 43 15,22-22-15,-22 21 0,22 22 0,-1-21 16,1 20-16,20 1 0,22-22 16,0 22-16,21-21 0,0-1 15,0 1-15,0-22 0,21 21 16,22-20-16,-1-1 0,0 0 0,1-20 15,62 41-15,-41-42 0,-1 0 16,1-21-16,21 0 0,-22 22 16,1-22-16,-1 0 0,1 0 0,-1-22 15,-21 1-15,22 21 0,-22-21 16,22-21-16,-22 21 0,0-22 0,1 22 16</inkml:trace>
+  <inkml:trace contextRef="#ctx0" brushRef="#br1" timeOffset="88955.86">26776 5567 0,'0'0'0,"0"-21"15,21 21 1,0 0-16,0 0 0,0 0 0,1-21 16,20 21-16,-21 0 0,21 0 15,1 0-15,-1 0 0,0 0 0,1-22 16,-1 22-16,0 0 0,1 0 15,-1 0-15,-21 0 0,-42 0 32,0 0-17,0 22-15,-22-22 0,22 0 0</inkml:trace>
+  <inkml:trace contextRef="#ctx0" brushRef="#br1" timeOffset="89172.23">27030 5525 0,'0'0'0,"-21"0"0,-1 21 16,1 0-16,0 0 15,21 0-15,0 0 0,0 1 0,-21-1 16,21 21-16,0-21 0,0 22 16,0-1-16,-21 0 0,21 1 0,0-1 15,0 0-15,0-21 0,0 22 16,0-1-16,0-21 0,0 22 16,-21-22-16,21 0 0,0 0 0,0 0 15,0 0-15,0 1 0,21-22 16,0-22-1,0 1-15,21 0 16,-20 0-16,-1 0 0</inkml:trace>
+  <inkml:trace contextRef="#ctx0" brushRef="#br1" timeOffset="90096.7">27220 5969 0,'21'0'46,"1"0"-46,-22-21 0,21 21 16,0-21-16,0 0 0,0 21 0,0-22 16,-21 1-16,22-21 0,-1 21 15,-21 0-15,21-1 0,-21 1 0,0 0 16,-21 21 0,0 0-16,-1 21 15,1 0-15,0 22 0,0-22 0,0 21 16,0-21-16,-1 22 0,1-1 15,0-21-15,0 22 0,21-22 0,0 0 16,0 0-16,0 0 0,0 0 16,21-21-16,0 0 15,0 0-15,1 0 0,-1 0 0,0 0 16,21 0-16,1-21 0,-1 0 16,-21 0-16,21 0 0,1 0 0,-1-22 15,0 22-15,-20 0 0,20 0 16,-21 0-16,-21-1 0,21 1 15,-21 42 1,0 1 0,0-1-16,0 0 0,0 0 15,0 0-15,0 0 0,0 1 16,0-1-16,0 0 0,0 0 0,0 0 16,0 0-16,0 1 0,0-1 15,-21-21 16,0-21-15,21-1-16,-21 1 0,0 21 0,21-21 16,-22 0-16,1 0 0,0 21 15,0 0-15,0 0 16,0 0 0,21 21-16,0 0 0,0 0 15,0 0-15,0 1 0,0-1 16,21 0-16,0 0 0,0-21 15,0 21-15,22-21 0,-22 0 16,21 0-16,0 0 0,1 0 0,-1 0 16,22 0-16,-22 0 0,0-21 15,22 0-15,-22 0 0,0-22 0,1 22 16,-1-21-16,-21 0 0,22-1 16,-22 1-16,0 0 0,0-22 0,0 1 15,0-1-15,1 1 0,-1 20 0,0-20 16,-21 20-16,0 1 0,0 0 15,0 21-15,0-1 0,0 1 0,0 0 16,0 42 0,-21 0-16,0 1 0,21-1 0,0 21 15,-22 0-15,1 1 16,21 20-16,0-20 0,0 20 0,0-21 16,0 22-16,0-22 0,0 1 0,0-1 15,0-21-15,0 21 0,0 1 16,21-22-16,-21 0 0,22 0 0,-1 0 15,0-21-15,0 0 16,0 0-16,0 0 0,1 0 0,-1 0 16,0-21-16,0 0 15,0-21-15,0 21 0,-21-1 0,22-20 16,-22 0-16,0 21 0</inkml:trace>
+  <inkml:trace contextRef="#ctx0" brushRef="#br1" timeOffset="90299.58">28257 5694 0,'-21'0'0,"42"0"0,-63 0 16,42-21 0,21 21-16,0 0 15,1 0-15,20 0 0,0 0 16,-21 0-16,22-21 0,-1 21 0,22 0 16,-22 0-16,0-22 0,22 22 15,-22 0-15,0-21 0,22 21 16,-22-21-16,1 21 0,-22 0 0,0 0 15,0 0-15,-42 21 16</inkml:trace>
+  <inkml:trace contextRef="#ctx0" brushRef="#br1" timeOffset="90700.37">25612 6837 0,'0'0'0,"-43"21"0,22-21 15,0 21-15,42-21 16,0 0-16,22 0 15,-1 0-15,21 0 0,1 0 16,21 0-16,20 0 0,1 0 0,0 0 16,0 0-16,42 0 0,-21 0 0,21 0 15,0 0-15,1 0 0,-22 0 16,21 0-16,0-21 0,-21 21 16,0 0-16,0-21 0,0 21 15,-42 0-15,20-21 0,-20 21 0,-21 0 16,-22 0-16,0-21 0,1 21 0,-22-22 15,-42 22 1,-1 0-16,-20 0 0,-21 0 16,-1 0-16,1 0 0,-43 0 15,21 0-15</inkml:trace>
+  <inkml:trace contextRef="#ctx0" brushRef="#br1" timeOffset="90999.19">25696 7303 0,'-21'21'0,"-21"0"16,63-21-1,0 0-15,21 0 16,1 0-16,20 0 0,22 0 0,0 0 16,20-21-16,1 21 0,0 0 15,21 0-15,0 0 0,0 0 0,21-21 16,0 21-16,1 0 0,-1 0 15,0 0-15,-21 0 0,0 0 0,0-22 16,0 22-16,-42 0 0,20 0 16,-41 0-16,-1 0 0,-20 0 15,-1 0-15,0-21 0,-20 21 0,-44 0 32,1 0-32,-42 0 0,20 0 0,-20 0 15,-22 0-15,-21 0 0</inkml:trace>
+  <inkml:trace contextRef="#ctx0" brushRef="#br1" timeOffset="91296.52">25844 7726 0,'0'0'0,"-42"21"0,21-21 0,0 21 16,42-21-16,0 0 15,21 0-15,22 0 0,-1 0 16,22 0-16,0 0 0,21 0 15,-1 0-15,1 0 0,0-21 0,0 21 16,21 0-16,-21 0 0,0-21 0,-1 21 16,-20 0-16,21 0 0,-21-21 15,-22 21-15,22 0 0,-22-21 0,1 21 16,-22-22-16,0 22 0,1 0 16,-22 0-16,0 0 0,-42 0 15,-21 0 1,-22 0-16,1 0 15,-1 22-15,1-22 0,-22 21 0,0-21 16,-21 21-16</inkml:trace>
+  <inkml:trace contextRef="#ctx0" brushRef="#br1" timeOffset="91579.36">25739 8170 0,'0'0'16,"42"22"-1,-21-22-15,21 0 0,22 0 0,-1 0 16,1 0-16,21 0 0,-1 0 0,22 0 16,0 0-16,0-22 15,0 22-15,21-21 0,0 21 0,0-21 0,-22 21 16,22-21-16,-21 21 0,0-21 16,0 21-16,0 0 0,-22-21 15,1 21-15,-21-22 0,-1 22 0,1-21 16,-22 21-16,0 0 0,-21 0 15,-63 0 1,21 0-16,-43 0 0,22 0 0,-43 0 16,22 0-16,-43 0 0,21 0 15,-20 21-15</inkml:trace>
+  <inkml:trace contextRef="#ctx0" brushRef="#br1" timeOffset="91832.23">25463 8488 0,'0'0'0,"-42"42"0,0-21 0,21 1 0,-1-1 16,22 0-16,22-21 0,-1 0 16,42 0-16,1 0 0,20 0 15,22 0-15,0 0 0,21 0 0,-21-21 16,42 21-16,-21 0 0,0-21 16,21-1-16,-21 22 0,0 0 0,0-21 15,0 21-15,-21-21 0,0 21 16,0 0-16,-22-21 0,1 0 0,-21 21 15,-1 0-15,1-21 0,-43 21 16,21 0-16,-84 0 16,21 0-16,-43 0 15,1 0-15,-1 0 0,-21 0 0</inkml:trace>
+  <inkml:trace contextRef="#ctx0" brushRef="#br1" timeOffset="92108.06">25633 8975 0,'-21'21'0,"42"-42"0,-42 63 0,21-21 16,84 0-16,-41-21 15,20 0-15,22 0 0,-1 0 16,1 0-16,21 0 0,0 0 0,21 0 16,-21-21-16,21 21 0,0 0 0,0-21 15,-22 21-15,22-21 0,-21 21 16,-21 0-16,21-21 0,-22 21 0,-20-21 15,21 21-15,-22 0 0,-21 0 0,1 0 16,-1-22-16,-21 22 16,-63 0-16,21 0 15,-43 0-15,22 0 0,-43 0 16,22 0-16,-22 0 0,-21 0 0,0 22 16,1-22-16</inkml:trace>
+  <inkml:trace contextRef="#ctx0" brushRef="#br1" timeOffset="92383.91">25442 9356 0,'0'0'0,"-21"21"0,0 0 0,21 0 15,0 0-15,42-21 0,-21 0 16,43 22-16,-22-22 0,43 0 0,0 0 16,-1 0-16,22 0 0,0 0 0,0-22 15,0 22-15,21-21 0,-22 21 16,22-21-16,-21 21 0,21-21 0,-21 21 15,0 0-15,-21-21 0,20 21 16,-41-21-16,21 21 0,-22-22 0,1 22 16,-22 0-16,0 0 15,-21 0-15,1 0 0,-44 0 16,1 0-16,-21 0 0,0 0 0,-1 0 16,-20 0-16,-1 0 0,-20 0 15,20 22-15,-21-22 0,-20 21 0,20-21 16</inkml:trace>
+  <inkml:trace contextRef="#ctx0" brushRef="#br1" timeOffset="92639.54">25675 9843 0,'0'0'0,"42"0"0,1 0 0,190 0 15,-149 0 1,1 0-16,21-22 0,-22 1 0,22 21 15,0-21-15,0 21 0,0 0 0,-22-21 16,22 21-16,-21 0 0,0-21 0,-1 21 16,-20 0-16,-1 0 0,1-21 15,-22 21-15,22 0 0,-43 0 0,0 0 16,0 0-16,-42 0 16,0 0-1,-22 0-15,1 0 0,-21 0 0,-1 0 16,1 0-16,-22 21 0</inkml:trace>
+  <inkml:trace contextRef="#ctx0" brushRef="#br1" timeOffset="92915.89">25739 9948 0,'-85'22'0,"170"-44"0,-234 86 0,65-43 0,41 0 16,22 43-16,0-43 0,21 0 0,0 0 16,42-21-1,1 0-15,20 21 0,1-21 0,20 0 0,22 0 16,0 0-16,0 0 0,21 0 15,0-21-15,21 0 0,-21 0 16,21 21-16,0-21 0,128 0 16,-149-1-16,0 1 0,0 21 15,-22-21-15,1 0 0,0 21 0,-21-21 16,-1 0-16,-20 21 0,-1 0 0,-20 0 16,-1-22-16,-21 22 0,22 0 0,-22 0 15,-42 0 1,-1 0-1,1 0-15,0 0 0,-21 0 0,-1 0 16</inkml:trace>
+  <inkml:trace contextRef="#ctx0" brushRef="#br1" timeOffset="93915.35">25929 11536 0,'0'0'15,"0"21"-15,21-21 47,0 0-31,-21-21-16,22 0 0,-1 0 0,-21-1 15,21 1-15,-21 0 16,0 0-16,0 0 0,0 0 0,0-22 16,-21 43-16,0 0 0,-1 0 15,1 0-15,0 0 0,0 0 16,-21 21-16,20 22 0,-20-22 0,21 21 15,0 1-15,0-22 0,-22 21 16,43 0-16,-21-20 0,0 20 0,21-21 16,0 0-16,0 0 0,0 1 15,21-22-15,0 0 16,0 0-16,1 0 0,-1-22 16,0 1-16,21 0 0,-21 0 0,1 0 15,20-22-15,-21 22 0,0-21 16,0 21-16,1 0 0,-22-1 0,0 1 15,0 0-15,21 21 0,-21 21 32,0 0-32,0 22 0,0-22 15,0 21-15,0-21 0,0 22 0,0-22 16,0 21-16,0-21 0,0 1 0,0-1 16,21 0-16,0 0 15,0-21-15,0 0 0,1 0 16,-1 0-16,21 0 0,-21-21 0,0 0 15,43-22-15,-22 22 0,-21 0 16,1-21-16,20 21 0,-42-22 16,21 1-16,-21 0 0,0-1 0,0 1 15,0 0-15,0-1 0,-21 1 16,-43-64-16,43 64 0,-21 21 16,-22-22-16,22 22 0,-21 0 0,-1 21 15,-63 0-15,64 0 16,-1 21-16,1 21 0,-1-20 0,1 20 15,-1 21-15,22 1 0,-1-1 16,1 1-16,21-1 0,0 1 16,0-1-16,21 1 0,0-1 0,0 1 15,0-22-15,0 1 0,21-1 0,0 0 16,21 1-16,1-22 0,-1 0 16,0-21-16,1 0 0,-1 0 0,21 0 15,1 0-15,-22 0 0,22-21 0,-1 0 16,1-1-16,-22-20 0,22 21 0,-22-21 15,21 20-15,-20-20 0,-1 0 16</inkml:trace>
+  <inkml:trace contextRef="#ctx0" brushRef="#br1" timeOffset="94364.11">26987 11134 0,'0'0'0,"0"-21"0,-21 21 16,0 0-1,0 21-15,0 0 0,21 21 16,-21 1-16,-1-22 0,1 42 16,21-20-16,-21-1 0,0 0 0,0 1 15,0-1-15,21 0 0,0 1 16,-22-1-16,22-21 0,-21 0 16,21 22-16,0-22 0,0 0 15,0-42 1,21 0-1,1-1-15,-22 1 0,21 0 0,-21-21 16,21 21-16,0-22 0,-21 1 0,21 0 16,0-1-16,1 1 0,-22 0 15,21-22-15,0 22 0,0-1 0,21 22 16,-20 0-16,-1 0 0,0 0 16,0 21-16,21 0 0,-20 21 0,-1 0 15,0 0-15,0 0 0,0 22 0,0-1 16,-21 0-16,0 1 0,0-1 15,0 0-15,0 1 0,0-1 16,0 0-16,0-20 0,0 41 16,0-42-16,0 0 0,0 1 0,-21-1 15,0-21-15,0 0 16,0 0 0,0 0-16,-1 0 0,1-21 0</inkml:trace>
+  <inkml:trace contextRef="#ctx0" brushRef="#br1" timeOffset="94536.01">26733 11578 0,'22'0'31,"-1"0"-31,0-21 0,21 21 16,-21-21-16,22 21 0,-1-21 0,0 21 15,1-21-15,20-1 0,-20 22 16,20-21-16,-21 0 0,22 0 0,-22-21 15,22 20-15,-22 1 0,22-21 0</inkml:trace>
+  <inkml:trace contextRef="#ctx0" brushRef="#br1" timeOffset="95139.67">27749 11113 0,'0'21'32,"-21"0"-32,21 0 0,0 0 15,-21 22-15,21-22 0,-21 21 0,21 0 16,-21 1-16,21-22 0,0 21 15,0-21-15,0 22 0,0-22 0,0 0 16,-21 21-16,21-20 0,-22-1 16,22 0-1,0-42 1,0 0 0,0-1-16,0 1 0,0-21 15,0 21-15,0-22 0,0 1 0,0 0 16,0-1-16,22 1 0,-22 0 0,21 21 15,0-22-15,0 22 0,0 0 16,-21 0-16,21 21 0,1 0 16,-1 0-16,0 0 0,0 21 15,-21 0-15,21 0 0,0 0 0,-21 1 16,0 20-16,0 0 0,22-21 0,-22 22 16,0-1-16,0-21 0,0 22 0,0-22 15,0 21-15,0-21 0,0 0 16,-22 1-16,22-1 0,0-42 31,0-1-31,0 1 16,0 0-16,0 0 0,22-21 0,-1-1 15,0 22-15,21-42 0,-21 20 16,22 1-16,-22 0 0,21-1 0,1 1 16,-22 0-16,21 20 0,0 22 15,-20 0-15,41 0 16,-42 22-16,0-1 0,1 21 0,-22 0 15,0-20-15,0 41 0,0-21 0,0 1 16,0 20-16,0-20 0,0-1 0,0 0 16,0 22-16,-22-43 0,22 21 15,0 1-15,-21-22 0,0 0 0,21 0 16,-21 0-16,0 0 16,0-21-16,-1 0 15,1-21 1,0 21-16,0 0 0</inkml:trace>
+  <inkml:trace contextRef="#ctx0" brushRef="#br1" timeOffset="95517.45">26183 12531 0,'0'0'0,"-42"0"0,21 0 16,-1 0-16,44 0 15,20 0-15,0 0 16,1 0-16,20 0 0,22 0 0,-1 0 16,1 0-16,21 0 0,0 0 15,0 0-15,-1 0 0,1 0 0,0 0 16,0 0-16,0 0 0,-22 0 0,22 0 15,-42 0-15,20 0 16,-20-21-16,-22 21 0,1 0 0,-1 0 0,0 0 16,-63 0-1,0 0 1,-21 0-16,-1 0 0,1 0 0,-22 0 16,22 21-16,-43-21 0,22 21 0,-22 0 15,1-21-15,-22 21 0,21 0 16,-21 1-16,0-1 0</inkml:trace>
+  <inkml:trace contextRef="#ctx0" brushRef="#br1" timeOffset="95752.32">25844 12996 0,'-63'43'15,"126"-86"-15,-168 107 0,62-43 0,22 0 0,21 0 16,0 1-16,21-22 0,22 21 16,-1-21-16,21 0 15,22 0-15,0 0 0,-1 0 0,22 0 16,0-21-16,21 21 0,-21-22 0,21 22 15,0-21-15,0 21 0,-21-21 16,21 21-16,-21-21 0,-22 21 0,22-21 16,-21 21-16,-1 0 0,-20 0 0,-1-21 15,-20 21-15,-1 0 0,0 0 16,-20 0-16,-65 0 16,1 0-16,0 0 0,-22 0 15,1 0-15,-22 0 0</inkml:trace>
+  <inkml:trace contextRef="#ctx0" brushRef="#br1" timeOffset="96039.16">25781 13589 0,'-42'21'16,"84"-42"-16,-106 63 0,43-20 0,42-22 16,1 0-16,20 0 15,21 0-15,22 0 0,-21 0 0,41 0 16,-20 0-16,21-22 0,0 22 0,0-21 15,-1 0-15,1 21 0,0-21 16,0 0-16,0 0 0,-22 21 16,1-22-16,0 22 0,-1-21 0,-20 21 15,-22 0-15,22 0 0,-43 0 16,21-21-16,-21 21 0,1 0 0,-1 0 16,-42 0-1,-1 0-15,1 21 0,-21-21 0,0 21 16,-22 1-16,22-22 0,-22 21 15,-20 0-15,20 0 0,-21 0 0,1 0 16</inkml:trace>
+  <inkml:trace contextRef="#ctx0" brushRef="#br1" timeOffset="96296.03">25633 14055 0,'0'0'0,"-21"21"15,-1 0-15,22 0 0,22 0 16,20-21-16,0 0 0,22 0 15,20 0-15,1 0 0,21 0 16,0 0-16,0 0 0,21 0 0,0 0 16,0 0-16,0 0 0,0 0 0,-22 0 15,107 0-15,-127 0 16,-1 0-16,-20 0 0,-1 0 0,-20 22 16,-1-22-16,0 0 0,1 0 15,-22 0-15,0 0 0,0 0 0,0 0 0,-42 0 47,0 0-47,0-22 0</inkml:trace>
+  <inkml:trace contextRef="#ctx0" brushRef="#br0" timeOffset="102919.94">28384 7112 0,'22'0'47,"-22"-21"-16,-22 21 32,1 0-63,21 21 15,-21 0-15,0 0 16,21 1-16,-21-1 0,21 0 0,0 0 16,-21 0-16,21 0 0,-22 1 0,22-1 15,0 0-15,0 0 0,0 0 16,0 0-16,0 1 0,0-1 0,0 0 15,22-21-15,-1 21 16,0-21-16,0 0 0,0 0 16,0 0-16,1 0 0,-1 0 15,0-21-15,0 0 0,0 21 0,-21-21 16,21 21-16,1-22 0,-22 1 16,0 0-16,0 0 0,0 0 15,21 0-15,-21-1 0,0-20 0,0 21 16,0 0-16,0 0 0,0-1 15,-21 1-15,21 0 0,-22 21 16,1 0-16,0 0 16,0 0-16,0 0 0,0 0 15,-1 0-15,1 21 0,21 0 16,-21-21-16,0 22 0,21-1 0,0 0 16,0 0-16,-21 21 0,21-20 15,0-1-15,0 0 0,0 0 0,0 0 16,0 0-16,0 1 0,21-1 15,0-21 1,0 0-16,0 0 16,1 0-16,-1 0 15,0 0-15,0-21 0,-21-1 16,21 22-16,-21-21 0,0 0 16,0 0-16,0 0 0,0 0 0,0-1 15,0 1-15,0 0 0,0 0 16,0 0-16,0 0 0,0-1 15,-21 1-15,0 21 0,0 0 16,0 0 0,-1 0-16,22 21 0,0 1 15,-21-1-15,0 0 0,21 0 16,-21 0-16,21 0 0,0 1 0,0-1 16,0 0-16,0 0 0,0 0 15,0 0-15,0 1 16,21-22-16,0 0 0,0 0 15,1 0-15,-1 0 16,-21-22-16,21 1 0,-21 0 16,0 0-16,0 0 15,0 0-15,0-1 0,0 1 0,0 0 16,0 0 0,0 0-16,0 0 15,-21 21 1,0 0-16,21 21 0,0 0 15,0 0-15,-22 0 0,22 0 16,0 1-16,0-1 0,0 0 16,0 0-16,0 0 0,0 0 15,22-21 1,-1 0-16,0 0 16,0 0-16,-21-21 15,21 21-15,-21-21 16,0 0-16,0 0 15,0 0-15,0-1 0,0 1 16,0 0-16,-21 21 31,0 0-31,21 21 16,-21 0-16,21 1 16,-21-1-16,21 0 0,0 0 15,0 0-15,0 0 16,21-21-1,0 0-15,0 0 16,0 0-16,0 0 16,-21-21-16,0 0 0,22 0 15,-22 0 1,0 0-16,0-1 0,0 1 16,0 0-16,0 0 0,-22 0 15,1 21-15,0 0 16,0 0-16,0 0 15,0 0-15,21 21 0,-22 0 16,1 0-16,21 0 0,0 1 16,0-1-16,0 0 0,0 0 0,0 0 15,0 0-15,0 1 16,0-1-16,0 0 16,21-21-16,1 0 0,-1 0 15,0 0-15,0 0 16,-21-21-16,21 0 0,-21-1 15,21 1-15,-21 0 16,22 0-16,-22 0 0,0 0 16,0-43-16,0 43 15,0 0-15,0 0 0,0-1 0,0 1 16,-22 21-16,1 0 16,0 0-16,21 21 15,0 1-15,-21-1 0,0 0 0,21 0 16,-21 0-16,21 0 15,0 1-15,0 20 0,0-21 16,0 0-16,0 0 0,0 1 16,21-22-1,0 0-15,0 0 16,-21-22-16,21 22 0,0-21 16,-21 0-1,0 0-15,-21 21 16,0 0-1</inkml:trace>
+  <inkml:trace contextRef="#ctx0" brushRef="#br0" timeOffset="103878.77">29527 6837 0,'0'0'0,"0"-21"16,0-43-1,0 43-15,0 0 0,0 0 16,-21 21-16,21-21 0,-42 21 0,21 0 16,0 0-16,-1 0 0,-20 21 15,21 0-15,-21 0 0,20 0 0,-20 0 16,21 22-16,-21-1 0,20 0 15,1 1-15,0-1 0,-21 22 0,42-22 16,-21 0-16,21 22 0,0-22 0,0 0 16,0-20-16,0 20 15,21-21-15,0 0 0,0 0 0,0-21 16,22 0-16,-22 0 0,21 0 16,-21 0-16,64 0 0,-64-21 15,21 0-15,1 0 0,-22 0 16,21-22-16,-21 22 0,1 0 0,-1-21 15,21 21-15,-21-1 0,0 1 16,-21 0-16,22 0 0,-1 0 0,-21 0 16,21 21-16,-21-22 0,0 44 31,0-1-31,-21 0 16,0 0-16,-1 0 15,22 22-15,-21-22 0,0 0 0,21 0 16,0 0-16,0 0 0,0 1 15,0-1-15,0 0 0,21-21 16,0 0 0,1 0-16,-1 0 0,0 0 0,0-21 15,0 0-15,22 21 0,-22-22 16,0 1-16,-21 0 0,0 0 0,21 0 16,-21 0-16,0-22 0,0 22 15,-21 0-15,0 21 16,0-21-16,-1 21 0,1 0 15,0 0-15,0 0 0,0 0 16,21 21-16,-21-21 0,21 21 16,0 0-16,21-21 15,0 0 1,0 0-16,0 0 0,22 0 16,-1 0-16,-21-21 0,21 0 15,1 21-15,-22-21 0</inkml:trace>
+  <inkml:trace contextRef="#ctx0" brushRef="#br0" timeOffset="104468.46">30141 7027 0,'0'0'16,"0"22"0,0-1-16,0 0 15,-21 0-15,21 0 0,-21 0 16,21 1-16,0-1 0,0 0 0,0 0 16,-21 0-16,21 0 0,0 1 15,0-1-15,0 0 0,0-42 47,0 0-31,0-1-16,0 1 0,0 0 15,0 0-15,21 0 0,-21-22 16,0 22-16,21 0 16,0 0-16,0 0 0,1 0 15,-1 21-15,0 0 0,0 0 16,0 0-16,0 0 15,1 0-15,-22 21 0,21 0 0,0 0 16,-21 0-16,0 0 0,0 1 16,0-1-16,0 0 0,0 0 15,0 0-15,0 0 0,0 1 0,0-1 16,0-42 15,0-1-15,0 1-16,0 0 15,0 0-15,21-21 0,0 20 0,0 1 16,-21 0-16,22 0 0,-1 21 16,0-21-16,0 0 0,0 21 15,0 0-15,1 0 0,-1 0 0,0 21 16,0 0 0,-21 0-16,0 0 0,0 22 0,0-22 15,0 0-15,0 0 0,0 0 16,0 0-16,-21 1 0,21-1 0,-21 0 15,21 0-15,-21-21 0,21 21 16,21-42 15,0 0-31,0 21 0,0-21 16,-21 0-16</inkml:trace>
+  <inkml:trace contextRef="#ctx0" brushRef="#br0" timeOffset="104766.36">30882 7006 0,'0'0'16,"-21"0"0,0 0-16,0 21 15,-1-21-15,22 43 0,0-22 16,-21 0-16,21 21 0,-21 1 0,21-1 16,0 0-16,-21 22 0,21-22 15,-21 22-15,21-22 0,-21 22 16,21-1-16,-22 1 0,1 20 0,21-20 15,-21 20-15,0-20 0,21 21 16,0-22-16,-21-21 0,0 22 0,21-22 16,-22 22-16,22-43 15,0 0-15,0 0 0,0-42 16,0 0-16,0 0 16,0 0-16,0-22 0,0 22 15,22-42-15,-1 20 0,0-20 0,-21-1 16,21 1-16</inkml:trace>
+  <inkml:trace contextRef="#ctx0" brushRef="#br0" timeOffset="105044.79">30692 7345 0,'0'0'15,"0"-42"-15,0-1 0,0 1 0,0 21 0,0-22 16,0 22-16,0 0 0,0 0 16,21 0-16,0 0 0,0-1 0,0 1 15,22 21-15,-22 0 0,21 0 16,-21 0-16,22 0 0,-1 0 0,-21 0 15,0 21-15,0 1 0,1-1 16,-22 0-16,0 0 0,0 0 16,-22 0-16,1 1 0,0-1 0,0 0 15,0 0-15,-22 0 0,22 0 16,-21-21-16,21 0 0,0 22 16,-1-22-16,44 0 31,-1 0-31,0 0 0,0 0 15,21 0-15,-20-22 0,20 1 16</inkml:trace>
+  <inkml:trace contextRef="#ctx0" brushRef="#br0" timeOffset="105427.62">31348 7049 0,'0'0'0,"0"-22"0,-21 22 15,-1 0-15,1 0 16,0 0-16,0 0 0,0 0 15,0 0-15,-1 22 0,1-1 0,-21 0 16,42 0-16,-21 0 0,0 0 16,21 1-16,-22-1 0,22 0 0,0 0 15,0 0-15,22-21 16,-1 0-16,0 0 0,0 0 16,0 0-16,0 0 0,1 0 15,-1-21-15,0 0 0,0 0 0,0 0 16,0-1-16,-21 1 15,0 0-15,22 21 0,-22-42 16,0 63 15,-22 0-31,1 0 16,21 22-16,0-22 0,0 21 16,0-21-1,0 0-15,0 1 0,21-22 16,1 21-16,-1-21 0,0 0 15,0 0-15,0 0 0,0-21 16,1-1-16</inkml:trace>
+  <inkml:trace contextRef="#ctx0" brushRef="#br0" timeOffset="105768.43">31517 7070 0,'0'0'0,"0"-21"0,0-1 16,21 22 15,0 0-31,1 22 16,-22-1-16,21 0 15,-21 0-15,0 0 0,0 0 16,0 1-16,0-1 0,0 0 16,0 0-16,0 0 0,0 0 0,0 1 15,-21-22-15,-1 0 31,22-22-31,0 1 16,0 0-16,0 0 0,0 0 0,0 0 16,22-22-16,-22 22 0,0 0 15,21 0-15,-21 0 0,21-1 0,0 22 16,-21-21-16,21 21 16,0 0-1,1 0 1,-1 0-16</inkml:trace>
+  <inkml:trace contextRef="#ctx0" brushRef="#br0" timeOffset="106178.19">31983 7091 0,'0'0'0,"21"0"0,0-21 16,0 0-16,0-1 0,1 1 15,-22 0-15,0 0 16,0 0-16,-22 21 15,1 0 1,0 0-16,0 0 0,0 0 16,-22 21-16,22-21 0,0 21 15,0 0-15,21 0 0,0 1 0,0-1 16,0 0-16,0 0 16,0 0-16,21-21 0,0 21 15,0-21-15,1 22 0,-1-22 16,0 0-16,21 21 0,-21-21 15,1 21-15,-1 0 16,-21 0 0,-21 0-16,-1-21 0,-20 22 15,21-22-15,0 0 0,-22 0 16,22 0-16,0 0 0,0 0 16,0 0-16,0 0 0,-1 0 15,1 0-15,42 0 31,1 0-31,-1-22 0,0 1 16,0 21-16,21-21 0</inkml:trace>
+  <inkml:trace contextRef="#ctx0" brushRef="#br0" timeOffset="106394.07">32364 7091 0,'0'0'0,"21"0"15,-21 21 16,-21-21-15,21 21-16,-21 0 0,21 1 16,0-1-16,0 0 0,0 0 0,0 0 15,0 0-15,0 1 16,0-44 15,0 1-15,0 0-16,0 0 0</inkml:trace>
+  <inkml:trace contextRef="#ctx0" brushRef="#br0" timeOffset="106546.98">32385 7006 0,'0'-21'0,"-42"0"16,42 0-16,-22 21 0,1 0 16,21 21 15,0 0-31,21-21 15,-21 21-15,22-21 0,-1 0 16</inkml:trace>
+  <inkml:trace contextRef="#ctx0" brushRef="#br0" timeOffset="107143.18">32618 7049 0,'-21'0'15,"-1"21"1,22 0-1,-21-21-15,21 21 0,0 0 0,-21-21 16,21 21-16,0 1 0,0-1 16,0 0-16,0 0 0,0 0 15,21-21-15,-21 21 16,21-21-16,-21-21 31,0 0-15,0 0-16,0 0 0,0 0 15,0-1-15,0 1 0,0 0 16,0 0-16,0 0 16,0 0-16,22 21 0,-1-22 0,0 22 15,0 0-15,0 0 16,0 0-16,1 0 0,-1 22 16,-21-1-16,0 0 15,0 0-15,0 0 16,0 0-16,0 1 0,0-1 0,0 0 15,0 0 1,0-42 15,0 0-15,0 0-16,0-1 0,0 1 16,0 0-16,21 0 0,0 0 15,0 21-15,-21-21 0,21-1 0,1 22 16,-1 0-16,0 0 15,0 0 1,-21 22-16,0-1 0,0 0 0,0 0 16,0 0-16,0 0 15,0 1-15,0-1 0,0 0 16,-21-21 31</inkml:trace>
+  <inkml:trace contextRef="#ctx0" brushRef="#br0" timeOffset="108347.86">32110 7874 0,'0'0'0,"0"-21"0,0 0 15,0 0-15,0-1 16,0 1-16,21-21 0,-21 21 0,21-22 16,-21 22-16,0-21 0,21 21 15,-21-22-15,0 22 0,0-21 16,0 21-16,0 0 0,0-1 0,-21 22 31,0 22-31,21-1 0,-21 0 16,0 0-16,-1 21 15,22 1-15,-21-1 0,0 0 0,0 1 16,0-1-16,0 22 0,-1-22 16,1 21-16,0 1 0,0-1 0,0 1 15,0-1-15,21 1 0,-22-1 16,22 1-16,-21-1 0,21-20 0,0-1 15,0 0-15,0 1 0,0-1 16,0 0-16,0-20 0,21-1 0,1 0 16,-22 0-16,21-21 0,0 0 15,0 0-15,0 0 0,0 0 0,1-21 16,20 0-16,-21 0 0,0-1 0,0 1 16,22-42-1,-22 20-15,-21 1 0,0 0 0,0-1 16,0-20-16,0 21 0,-21-1 15,-43-63-15,43 64 0,-21 21 16,21-21-16,-1 20 0,-20 1 16,21 0-16,0 0 15,42 21 1,0 0 0,0 0-16,0-21 0,22 21 15,-22 0-15,21-21 0,1-1 16,-1 22-16,0-21 0,1 21 0,-1-21 15,-21 21-15,21-21 0,-20 0 16,20 21-16,-21-21 0,0-1 16,0 22-16,-21-21 0,0 0 15,22 0-15,-22 0 0,0 0 16,0-1 0,-22 22-16,1 0 0,0 0 15,0 0-15,0 22 0,0-1 16,-1 0-16,1 0 0,0 0 15,0 0-15,21 1 0,0-1 16,0 0-16,0 0 0,0 0 16,21-21-1,0 0-15,0 0 16,1 0-16,-1 0 0,0 0 16,0-21-16,0 0 0,0 21 15,1-21-15,-22 0 0,21 21 0,-21-22 16,21 1-16,-21 0 15,0 42 17,0 0-17,0 1-15,0-1 16,0 0-16,0 0 0,0 0 16,0 0-16,0 1 15,21-1-15,0-21 16,0 0-16,1 0 0,-1 0 15,0-21-15,0-1 16,0 22-16,0-21 0,-21 0 0,0 0 16,22 0-16,-22 0 0,21-1 15,-21 1-15,0 42 32,0 1-17,0-1-15,0 0 0,-21-21 0,21 21 16,0 0-16,-22 0 15,22 1-15,0-1 16,0-42 15,22-1-15,-1 1-16</inkml:trace>
+  <inkml:trace contextRef="#ctx0" brushRef="#br0" timeOffset="108519.76">32787 7641 0,'0'0'16,"0"-21"-16,-21 21 0,0 0 16,0 0-1,-1 0 1,22 21 0,22-21-1,-1 0-15,0 0 16,0 0-16,0 0 0</inkml:trace>
+  <inkml:trace contextRef="#ctx0" brushRef="#br0" timeOffset="109519.96">33126 7472 0,'0'0'0,"0"-21"0,0 0 16,-21 21-1,-1 21 1,22 0-1,-21 0-15,21 0 0,-21 0 0,21 22 16,0-22-16,0 21 0,0-21 16,-21 22-16,21-22 0,-21 21 15,21-21-15,0 22 0,0-22 0,0 21 16,0-21-16,0 1 0,0-1 16,0 0-16,0 0 0,0 0 0,21-21 15,0 0 1,0 0-16,0 0 15,1 0-15,-1-21 0,0 0 16,0 0-16,0 0 0,-21-1 16,21 1-16,-21 0 0,22 0 0,-22 0 15,0 0-15,0-1 0,0 1 16,0 0-16,0 42 31,0 0-31,0 1 16,0-1-16,0 0 15,0 0-15,0 0 0,0 0 16,0 1-16,0-1 16,21-21-1,0 0-15,0 0 16,0 0-16,0 0 16,1 0-16,-22-21 0,0-1 15,21 22-15,0-21 0,-21 0 0,0 0 16,0 0-16,21 0 0,-21-1 15,21 1-15,-21 42 32,0 1-17,0-1-15,0 0 0,0 0 16,0 0-16,0 0 16,0 1-16,0-1 15,21-21 1,1 0-16,-1 0 15,0 0-15,0-21 0,0 21 16,-21-22-16,21 1 0,1 21 16,-22-21-16,21 0 0,-21 0 0,0 0 15,0-1-15,21 1 16,-21 42 15,0 1-31,0-1 16,0 0-16,0 0 0,0 0 15,0 0-15,0 1 16,21-22 0,0 0-1,0 0-15,1 0 0,-1 0 16,0-22-16,-21 1 16,21 0-16,-21 0 15,0 42 32,-21-21-47,21 21 0,-21-21 0,21 21 16,-21 1-1,-1-22 1,22 21-16,-21 0 16,0-21-1,0 21-15,0-21 16</inkml:trace>
+  <inkml:trace contextRef="#ctx0" brushRef="#br0" timeOffset="112105.11">25336 7662 0,'22'0'47,"-44"0"16,1 0-63,0 0 0,0 0 15,21-21-15,-21 21 0,0 0 16,-1 0-16,1 0 0,0 0 15,0 0-15,0 0 16,0 0-16,-1 0 0,1 0 16,0 0-16,0 0 0,0 21 0,0-21 0,-1 22 15,1-22-15,0 21 16,0-21-16,0 21 0,0 0 16,-1-21-16,1 21 0,21 0 15,-21 1-15,21-1 0,-21 0 16,21 0-16,0 0 15,0 0-15,0 1 0,0-1 16,0 0-16,0 0 16,0 0-16,0 0 15,0 1 1,21-22-16,-21 21 0,21 0 16,0 0-1,1 0-15,-1 0 16,-21 1-16,21-22 0,0 21 15,-21 0-15,21-21 0,0 21 16,1-21-16,-22 21 0,21 0 16,0 1-16,-21-1 15,0 0-15,21 0 16,-21 0-16,0 0 0,21-21 16,-21 43-16,0-22 15,0 0-15,0 0 16,0 0-16,0 1 0,0-1 15,0 0 1,0 0-16,-21-21 16,21 21-16,-21-21 0,0 21 0,21 1 15,-21-22-15,-1 21 16,1-21-16,0 21 0,21 0 0,-21-21 16,0 21-16,0-21 0,-1 21 0,1-21 15,0 22-15,0-22 16,0 0-1,0 0 1,21-22 15,21 22-15,-21-21 0,21 21-16,0 0 0,0 0 15,0 0-15,1 0 0,-1 0 16,0 0-16,0 0 15,0 0-15,-21 21 16,21-21-16,-21 22 16,22-1-16,-22 0 0,0 0 15,0 0-15,21-21 16,-21 21-16,0 1 0,0-1 16,0 0-16,0 0 0,0 0 15,0 0-15,0 1 16,0-1-16,0 0 0,0 0 15,0 0-15,0 0 0,0 1 0,0-1 16,0 0-16,0 0 16,0 0-16,0 0 0,0 1 0,0-1 15,-21 0-15,21 0 0,0 0 16,0 0-16,0 1 0,0-1 16,0 0-16,0 0 0,-22 0 15,22 0-15,0 1 0,0 20 0,-21-21 0,21 0 16,0 0-16,0 1 15,0-1-15,0 21 0,0-21 0,0 0 16,0 1-16,0-1 0,0 0 0,0 0 16,0 0-16,0 0 0,0 1 15,0-1-15,0 0 0,0 0 0,0 0 16,0 0-16,0 1 0,0-1 0,0 0 16,0 0-16,0 0 15,0 0-15,21 1 0,1-22 16,-22 21-16,21 0 0,0-21 15,-21 21-15,21-21 16,0 21-16,0-21 16,1 21-1,-1-21-15,0 0 0,0 0 16,0 0-16,0 0 0,1 0 16,-1 0-16,0 0 0,0 0 15,0 0-15,0-21 0,1 21 0,-1-21 16,0 21-16,0-21 0,0 21 15,0 0-15,1-21 0,-1 21 16,0-21-16,-21-1 0,21 22 16,-21-21-16,0 0 0,0 0 15,0 0-15,0 0 16,0-1-16,0 1 0,21 0 16</inkml:trace>
+  <inkml:trace contextRef="#ctx0" brushRef="#br0" timeOffset="112860.73">23537 8573 0,'-21'0'32,"0"0"-17,0 0 16,21 21-15,0 0 0,0 0-16,0 0 0,0 0 15,0 1-15,0 20 0,0-21 0,0 21 16,0 1-16,0-22 16,0 21-16,0-21 0,21 22 0,-21-22 0,0 0 15,0 0-15,0 0 0,0 1 16,0-1-16,21-21 0,-21 21 15,21-21-15,0 0 16,1-21-16,-1 0 16,21-1-16,-21 1 0,22-21 15,-22 21-15,21-22 0,0 22 0,22-21 16,-22 0-16,1-1 16,20 22-16,-21-21 0,1 21 0,-1-1 15,0 1-15,1 0 0,-22 0 0,0 21 0,0 0 16,0-21-16,-42 21 94,0 0-94</inkml:trace>
+  <inkml:trace contextRef="#ctx0" brushRef="#br0" timeOffset="116059.21">21907 9737 0,'0'0'0,"0"21"0,-21-21 0,0 0 16,21-21 15,0 0-31,0-1 0,0 1 0,0 0 15,0 0-15,21 0 0,-21 0 16,21-1-16,-21-20 0,0 21 0,22 0 16,-22-22-16,0 22 0,21 0 15,-21 0-15,0 0 0,0 0 16,0 42 15,-21-21-31,-1 21 0,22 21 0,-21-21 16,21 1-16,0 20 0,-21 0 15,21 1-15,-21-1 0,21 0 0,0 1 16,0-1-16,0-21 0,0 21 16,0-20-16,0-1 0,0 0 0,21 0 15,0 0-15,0-21 0,1 0 16,-1 0-16,0 0 16,-21-21-16,21 21 0,0-21 15,0 0-15,-21 0 0,22-22 0,-1 22 16,-21 0-16,21-21 0,0 20 0,0-20 15,-21 21-15,21 0 0,1-22 16,-1 22-16,0 0 0,0 21 0,-21-21 16,21 21-16,0 0 0,1 0 15,-22 21-15,21 0 0,-21 0 16,0 22-16,0-22 16,0 0-16,0 21 0,0-20 0,0 20 15,0-21-15,0 21 0,0-20 0,-21-1 16,21 0-16,0 0 0,-22 0 15,22-42 17,22 0-17,-1-21-15,-21 20 0,21 1 0,0 0 16,0-21-16,-21 21 0,21-22 0,1 22 16,-22-21-16,0 21 0,0-1 15,0 1-15,21 21 0,-21-21 16,-21 21-1,-1 21 1,22 0-16,-21 1 0,21-1 0,-21 0 16,0 0-16,21 21 0,0-20 15,0 20-15,0-21 0,0 0 16,0 22-16,0-22 0,0 0 0,0 0 16,0 0-16,0 0 15,21-21-15,0 0 0,0 0 0,1 0 16,-1 0-16,21 0 0,-21 0 15,0-21-15,1 21 0,20-21 16,-21 0-16,0 0 0,0 0 16,1-1-16,-1 1 0,-21 0 0,0 0 15,21-21-15,-21 20 0,0-20 16,0 21-16,0 0 0,0 0 16,-21 21-16,0 0 15,21 21-15,-22 0 16,1 0-16,21 0 0,-21 0 15,21 22-15,0-22 0,0 0 16,0 21-16,0-20 0,0-1 0,0 0 16,0 0-16,0 0 0,21 0 0,0 1 15,1-22-15,-1 0 0,0 0 16,0 0-16,0 0 0,0 0 0,22 0 16,-1 0-16,-21-22 15,0 1-15,22 0 0,-22 0 16,0 0-16,0 0 0,-21-1 0,21 1 0,1 0 15,-22 0-15,21 0 0,-21 0 16,0-1-16,0 1 0,21 21 16,0 0-16,-21 21 31,0 1-15,0-1-16,0-42 62,0-1-62,0 1 16,0 0-16,0 0 15,0 0-15,-21 21 32,21 21-17,-21 0-15,0-21 0,21 21 16,0 0-16,0 1 0,-22 20 0,22-21 15,-21 0-15,21 0 0,0 22 0,-21-22 16,21 0-16,0 0 0,0 0 16,0 1-16,0-1 0,0 0 15,21 0-15,0-21 0,1 0 16,-1 0-16,0 0 16,0 0-16,21 0 0,-20 0 0,-1-21 15,0 0-15,0 0 0,0 21 0,0-22 16,1 1-16,-22 0 0,21 0 15,-21 0-15,21 0 0,-21-1 0,0-20 16,0 21-16,0 0 0,0 0 16,0-1-1,0 44 1,0-1 0,0 0-16,0 0 0,0 0 0,0 0 15,0 1-15,0-1 0,0 0 0,0 0 16,0 0-1,0 0-15,21-21 16,0 0-16,0 0 16,1-21-1,-1 0-15,0 0 0,-21 0 16,21 0-16,-21-1 0,0 1 0,21 0 16,-21 0-16,21 0 0,-21 0 15,0-1-15,0 44 31,0-1-31,0 0 16,0 0-16,0 0 0,0 0 16,0 1-16,0-1 0,0 0 15,0 0-15,0 0 0,0 0 16,0 1-16,0-1 0,22-21 16,-1 0-1,0 0-15,0 0 0,0-21 16,0-1-16,1 22 0,-1-21 0,0 0 15,0 0-15,0 0 0,-21 0 0,21-22 16,1 22-16,-22-21 16,21 21-16,-21-22 0,0 1 0,21 0 0,-21 20 15,0-20-15,0 21 0,0-21 0,0 20 16,0 1-16,0 0 16,0 42-1,-21 0 1,21 1-16,-21 20 15,21-21-15,-22 21 0,22-20 0,0 20 16,0-21-16,-21 21 0,21-20 0,0 20 16,0-21-16,0 0 0,0 22 15,0-22-15,0 0 0,0 0 16,0 0-16,21-21 0,1 0 16,-1 0-16,0 0 0,0 0 0,0 0 15,0 0-15,1 0 0,-1 0 16,0 0-16,21-21 0,-21 0 15,1 0-15,-1 21 0,-21-21 0,0-1 16,21 1-16,-21 0 0,21 0 16,-21 0-16,0 0 0,0-1 15,-21 22 17,21 22-17,-21-1-15,21 0 0,0 0 0,0 0 16,-21 0-16,21 1 0,-22-1 0,22 21 15,0-21-15,0 0 16,0 1-16,0-1 16,22-21-16,-1 21 0,0-21 15,0 0-15,0 0 0,0 0 0,1 0 16,-1 0-16,0 0 0,0 0 16,0-21-16,0 21 0,1-21 0,-1-1 15,0 22-15,0-21 0,0 0 0,-21 0 16,21 21-16,-21-21 0,0 0 15,0-1-15,0 1 0,0 0 0,0 0 16,0 0 0,-21 21 15,0 0-31,0 21 0,0 0 16,0 0-16,21 0 15,-22 1-15,1-1 0,21 0 16,-21 0-16,21 0 0,0 0 0,0 1 15,0-1-15,0 0 16,21-21 0,0 0-16,1 0 15,-1 0-15,0-21 16,-21 0-16,21 21 0,0-22 0,-21 1 16,21 0-16,1 0 0,-22 0 0,21 0 15,0-22-15,-21 22 0,21-21 16,-21-1-16,21 1 0,0 0 15,-21-1-15,22 1 0,-22 0 0,0-1 16,21 1-16,0 21 16,-21 0-16,0 0 0,0-1 0,0 1 15,0 42 17,0 1-32,0-1 0,0 0 15,0 0-15,0 0 0,-21 22 0,21-22 16,-21 21-16,-1-21 15,22 22-15,0-22 0,0 21 0,0 0 0,-21-20 16,21-1-16,0 21 0,0-21 16,0 0-16,0 1 0,0-1 15,0 0-15,0 0 0,21-21 32,1 0-32,-1 0 15,0 0-15,0 0 0,-21-21 16,21 21-16,0-42 0,-21 20 15,22 1-15,-1 0 0,-21 0 16,0 0-16,0 0 16</inkml:trace>
+  <inkml:trace contextRef="#ctx0" brushRef="#br0" timeOffset="116395.02">23812 9462 0,'-21'0'0,"42"0"0,-63 0 16,21 0-16,63 0 16,-21 0-1,1 0-15,20 0 0,-21 0 16,21 0-16,-20 0 0,20 0 15,-21-22-15,21 22 0,-20 0 0,20 0 16,-21 0-16,0 0 16,0 0-16,-21-21 15,22 21 32,-22 21-47,0 1 16</inkml:trace>
+  <inkml:trace contextRef="#ctx0" brushRef="#br0" timeOffset="134957.35">28448 7112 0,'0'-21'16,"0"0"-1,0 0 1,-21 21 15,0 0-15,-1 0-16,1 0 16,21 21-16,-21-21 0,0 21 0,0 0 15,21 0-15,-21 0 0,-1 1 16,22-1-16,-21 0 0,0 21 0,21-21 15,0 1-15,0-1 0,-21 0 16,21 0-16,0 0 0,0 0 0,0 1 16,0-1-16,21-21 15,0 0-15,0 0 16,1 0-16,20 0 0,-21 0 0,0 0 16,0 0-16,1-21 15,-1-1-15,0 22 0,0-21 0,0 21 16,-21-21-16,21 0 0,-21 0 15,0 0-15,0-1 0,0 1 16,0 0-16,0 0 0,0 0 16,0 0-16,0-1 0,0 1 15,-21 0-15,0 21 0,21-21 16,-21 21-16,0 0 16,0 0-16,-1 0 0,1 0 15,0 0-15,21 21 16,-21-21-16,0 21 0,21 0 0,-21 1 15,21 20-15,0-21 16,-22 0-16,22 22 0,-21-22 0,21 0 16,0 0-16,0 0 0,0 0 15,0 1-15,0-1 0,0 0 16,21-21-16,1 0 16,-1 0-16,0 0 15,0 0-15,0 0 0,0 0 16,1 0-16,-1-21 0,0 21 15,0-21-15,-21-1 0,21 22 0,0-21 16,1 0-16,-22 0 16,0 0-16,0 0 0,21 21 0,-21-22 15,0 1-15,0 0 16,0 0-16,-21 0 0,21 0 0,-22-1 16,1 1-16,0 21 0,21-21 0,-21 0 15,0 21-15,0 0 16,-1 0-16,1 0 0,0 0 15,0 0-15,0 21 16,21 0-16,-21 0 0,-1 1 0,22 20 16,-21-21-16,21 0 0,0 22 15,0-22-15,-21 21 16,21-21-16,0 0 0,0 1 16,0-1-16,0 0 0,21-21 0,-21 21 15,21-21-15,1 0 0,-1 0 0,0 0 16,0 0-16,21 0 0,1 0 15,-22 0-15,0 0 0,0-21 16,22 21-16,-43-21 0,21 21 16,0-21-16,-21-1 0,0 1 15,0 0-15,0 0 16,0 0-16,0 0 0,-21-22 0,0 22 16,21 0-16,-22 0 0,1 0 15,0-1-15,0 22 0,0 0 0,0 0 16,-1 0-16,1 0 0,0 0 15,0 0-15,0 22 0,0-1 16,21 0-16,0 0 0,-22 0 16,1 22-16,21-22 0,0 0 15,0 0-15,0 0 0,0 0 0,-21 1 16,21-1-16,0 0 16,0 0-16,21-21 15,0 0-15,1 0 16,-1 0-16,0 0 15,0-21 1,-21 0 0,0 0-16</inkml:trace>
+  <inkml:trace contextRef="#ctx0" brushRef="#br0" timeOffset="142235.7">28384 7154 0,'0'-21'16,"0"0"0,-21 21 46,0 21-62,0 0 16,21 1-16,-21-1 0,21 0 15,-21 0-15,21 21 0,-22-20 16,22-1-16,0 0 0,0 21 0,0-21 16,0 1-16,0-1 0,0 0 15,0 0-15,0 0 0,0 0 0,0 1 16,22-22-16,-1 0 16,0 0-16,0 0 0,0 0 15,0 0-15,1 0 0,-1 0 0,0 0 16,0 0-16,0-22 0,0 22 15,1-21-15,20-21 16,-21 42-16,-21-21 0,0 0 16,21-1-16,-21-20 0,0 21 0,0 0 0,0 0 15,0-22-15,0 22 0,0 0 16,0 0-16,-21-22 0,0 22 0,21 0 16,-21 21-16,0-21 0,-1 0 15,1 21-15,0 0 0,0 0 16,0 0-16,0 0 15,-1 0-15,-20 21 0,21 0 16,0 0-16,0 0 0,-1 1 16,1-1-16,0 21 0,0-21 0,0 22 15,21-22-15,0 21 0,-21-21 16,21 22-16,0-1 16,0-21-16,0 0 0,0 0 0,0 1 15,0-1-15,21-21 0,-21 21 0,21-21 16,0 0-16,0 0 0,22 0 15,-22 0-15,0 0 0,21 0 0,-21 0 16,1-21-16,20 0 0,-21 21 0,21-22 16,-20 1-16,-1 0 15,0 0-15,0-21 0,0 20 0,0 1 16,-21 0-16,0-21 0,0 21 16,0-1-16,0-20 0,0 21 0,0 0 15,-21-22-15,0 22 0,0 0 16,21 0-16,-21 21 0,0-21 0,-1 21 15,1 0-15,0 0 0,0 0 16,0 0-16,0 0 0,-1 0 0,1 21 16,-21 21-16,21-21 15,21 22-15,0-22 0,-21 0 0,21 21 16,-22 1-16,22-22 0,0 0 16,0 21-16,0-20 0,0-1 15,0 0-15,0 0 0,22 0 16,-1 0-16,0 1 0,0-22 15,0 0-15,0 0 0,1 0 16,-1 0-16,0 0 0,0-22 16,0 1-16,0 21 0,1-21 0,-1 0 15,0 0-15,0 0 0,0-22 16,-21 22-16,0 0 0,0-21 0,0 20 16,0-20-16,0 21 0,0 0 15,-21 0-15,0-22 0,0 43 0,0-21 16,-1 0-16,1 21 15,-21 0-15,21 0 0,0 0 0,-22 0 0,22 21 16,0 0-16,0 0 16,0 1-16,-1 20 0,22-21 0,0 0 15,0 22-15,0-22 0,0 0 16,0 21-16,0-21 0,0 1 16,22-22-16,-1 21 0,0 0 0,0-21 15,0 0-15,0 0 0,22 0 0,-22 0 16,0 0-16,0 0 0,0 0 15,1-21-15,-1 0 0,0-1 0,0 1 16,0-21-16,-21 21 0,0-22 16,0 22-16,0-21 0,0 21 15,0-22-15,-21 22 0,0 0 16,0 0-16,0 21 0,-1 0 0,1 0 16,-21 0-16,21 0 0,0 0 0,-1 0 15,-20 21-15,21 0 0,0 0 16,21 22-16,-21-1 0,21-21 15,0 0-15,0 1 0,0-1 16,0 0-16,0 0 0,0 0 0,21-21 16,-21 21-16,21-21 0,0 0 15,0 0-15,0 0 0,1 0 16,-1 0-16,21-21 16,-21 0-16,0 21 0,1-21 0,-22 0 15,0 0-15,21-1 0,-21 1 16,0 0-16,0 0 0,0 0 0,0 0 15,-21-1-15,-1 1 0,1 0 16,0 0-16,0 21 0,0 0 16,0 0-16,-22 0 0,22 0 0,0 0 15,0 0-15,0 0 0,-1 21 0,1 0 16,0 0-16,21 1 0,0 20 16,0-21-16,0 21 0,0-20 15,0-1-15,21 0 0,0-21 16,1 21-16,-1 0 0,-21 0 0,21-21 15,0 0-15,0 22 0,0-22 16,1 0-16,-1 0 0,0 0 16,0 0-16,0-22 0,-21 1 0,21 0 15,1 21-15,-22-21 0,21-21 16,-21 20-16,0 1 0,0-21 0,0 21 16,0-43-16,0 43 15,-21 0-15,-1 0 0,1 0 0,0-1 16,0 22-16,-21 0 15,20 0-15,1 0 0,0 0 0,0 22 16,0 20-16,21-21 0,0 0 16,-21 22-16,21-1 0,0 0 15,-22-21-15,22 22 0,0-22 16,0 21-16,0-21 0,0 1 0,22-1 16,-1 0-16,0 0 0,0-21 15,0 0-15,0 0 0,1 0 0,-1 0 16,21 0-16,-21 0 0,0-21 15,1 0-15,-1 0 0,0-22 0,0 22 16,-21-42-16,0 20 16,0 1-16,0 21 0,0-22 0,0 22 15,-21-21-15,21 21 0,-21 21 16,0-21-16,-1 21 0,1 0 0,0 0 16,0 21-16,0 0 15,0 0-15,21 0 0,0 0 16,0 1-16,0-1 0,0 21 0,0-21 15,0 0-15,0 1 0,0-1 16,0 0-16,0 0 0</inkml:trace>
+  <inkml:trace contextRef="#ctx0" brushRef="#br0" timeOffset="147743.56">26014 15409 0,'0'-21'62,"0"0"-62,21 21 16,-21-21-16,0 0 15,0 0-15,21-1 0,-21 1 16,0 0-16,0 0 0,0-21 16,0 20-16,-21 1 0,0 0 0,0-21 15,-1 21-15,1-1 0,0 22 16,-21-21-16,21 0 0,-1 21 0,-20 0 16,21 0-16,-21 0 0,20 0 15,1 0-15,0 0 0,-21 21 0,21 0 16,-1 1-16,1-1 15,-21 21-15,21 0 0,0 1 0,-1-1 16,22 22-16,-21-22 0,0 21 16,0 22-16,21-21 0,0-22 15,0-21-15,0 21 0,0 1 16,0-22-16,0 0 0,0 0 0,0 0 16,0 1-16,21-1 0,0-21 15,0 0-15,1 0 0,-1 0 0,0 0 16,0 0-16,21-21 0,-20 21 15,20-22-15,-21 1 0,21-21 0,-20 21 16,20 0-16,-21-22 0,21 22 16,-20-21-16,-1-1 0,0 1 15,0 0-15,-21-1 0,21 22 16,-21-21-16,0 0 0,0 20 0,0-20 16,0 21-16,0 42 31,0 0-16,0 0-15,0 22 0,0-22 0,0 21 16,0-21-16,0 22 0,0-1 16,0-21-16,-21 22 0,21-22 0,0 21 15,0-21-15,0 0 0,0 1 16,0-1-16,21-21 0,-21 21 16,21-21-16,1 0 0,-1 0 0,0 0 15,21-21-15,-21 0 16,1-1-16,20 1 0,-21 0 0,21 0 15,-20-21-15,20 20 0,-21-20 16,21 0-16,-20-1 0,-1 1 0,0 0 16,0 21-16,0-22 0,-21 22 15,21 0-15,-21 0 0,0 0 0,-21 21 32,0 21-32,21 0 0,0 0 0,-21 0 15,21 0-15,-21 22 0,21-22 16,0 0-16,0 21 0,0-20 15,0-1-15,0 0 0,21 0 16,0 0-16,0 22 0,0-22 16,-21 0-16,22-21 0,-22 21 15,21 0-15,0-21 0,-21 21 16,-21-21 0,0 0-1,-1 0-15,1 0 0,0 0 16,0-21-16,0 21 0,0-21 0,-1 0 15,1 0-15,0 21 16,21 21 31,0 0-47,0 0 0,0 0 16,0 1-16,21-22 15,0 21-15,1 0 0,-1-21 0,0 0 16,0 21-16,0-21 0,0 0 15,1 0-15,20 0 0,-21 0 0,21 0 16,1-21-16,-1 0 0,0 0 16,22-1-16,-22 1 0,1 0 0,-1 0 15,0-21-15,1 20 0,-22-20 16,21 0-16,-21-1 0,0 22 16,-21-21-16,0 0 0,22-1 0,-22 22 15,0-21-15,0 21 0,0-1 16,0 44 15,-22-1-31,22 0 0,0 21 16,0-21-16,0 22 0,0-22 0,0 21 15,0-21-15,22 22 0,-1-22 16,-21 0-16,21 21 0,-21-20 0,0-1 16,0 0-16,21 0 0,-21 0 15,21-21-15,-21 21 0,0 1 0,0-1 16,-21-21 15,0 0-31,0 0 0,0 0 16,-1-21-16,1 21 0,0-22 15,0 1-15,0 21 0,0 0 0,21-21 16,-22 21-16,22 21 31,0 0-15,0 1-16,22-1 0,-1-21 15,0 21-15,0 0 0,0-21 16,0 21-16,1-21 0,-1 0 16,21 21-16,-21-21 0,22 0 0,-22 0 15,21 0-15,0 0 0,-20 0 16,20-21-16,0 21 0,-21-21 0,22 0 16,-22 21-16,0-21 0,0 0 15,0-1-15,1 1 0,-1-21 16,-21 21-16,0-22 0,0 22 0,0-21 15,0 21-15,0-22 0,0 22 0,0-21 16,0 21-16,0 0 0,0-1 16,-21 22-1,-1 0-15,1 22 16,21 20-16,-21-21 0,21 0 0,-21 22 16,0-1-16,21-21 15,0 21-15,0 1 0,0-22 0,0 21 16,0-21-16,0 1 0,0-1 15,21 21-15,0-42 0,0 21 0,0 0 16,1-21-16,-1 0 0,0 0 0,0 0 16,0 0-16,0 0 0,1 0 15,20 0-15,-21-21 0,0 21 16,0-21-16,-21 0 0,43-21 16,-22-1-16,0 22 0,0-21 0,0 21 15,-21-1-15,22-20 0,-1 21 16,0 0-16,-21 0 0,0-1 15,21 22-15,0 22 16,-21-1 0,0 0-16,0 0 15,0 0-15,0 0 0,0 22 0,21-22 16,-21 0-16,22 0 0,-22 0 0,21 1 16,0-1-16,-21 0 0,21 0 15,0-21-15,0 21 0,1-21 16,-1 0-16,0 0 0,0 0 0,0 0 15,22 0-15,20-21 16,-42 0-16,0 0 0,1 0 16,-1-1-16,-21-20 0,21 21 0,0-21 15,-21-1-15,0 1 16,0-22-16,21 22 0,-21-21 0,21 20 16,-21-20-16,0 20 0,0 1 15,0-43-15,0 64 0,0 0 16,0 0-16,0 0 0,0 0 15,-21 21-15,0 0 16,21 21-16,0 0 0,0 0 16,0 0-16,-21 22 0,21-1 0,0 0 15,0 1-15,0 20 0,0-21 16,0 1-16,0 20 0,0-20 16,0-1-16,0 0 0,21 1 0,-21-22 15,21 21-15,0-21 0,-21 0 16,22 1-16,-1-1 0,0 0 0,0-21 15,0 0-15,0 0 0,1 0 16,-1 0-16,0 0 0,21 0 0,-21 0 16,1 0-16,-1-21 0,0 0 15,0 21-15,0-22 0,0 1 16,1-21-16,-22 21 16,0 0-16,0-1 0</inkml:trace>
+  <inkml:trace contextRef="#ctx0" brushRef="#br0" timeOffset="147942.7">28681 15325 0,'0'0'0,"-21"0"0,42 0 32,0-21-32,0-1 0,0 22 15,22-21-15,-22 21 0,0-21 16,0 21-16,0 0 0,0-21 0,1 21 15,-1-21-15,0 0 16,0 21 0,0-22-16,0 22 0</inkml:trace>
+  <inkml:trace contextRef="#ctx0" brushRef="#br0" timeOffset="149356.89">29718 14880 0,'0'0'0,"0"-21"0,-21 21 15,0-21-15,-1 21 16,1 0 0,0 21-16,21 0 0,0 0 15,-21 22-15,21-22 0,-21 21 16,21 1-16,0-1 0,-21 21 15,-1-20-15,1 20 0,0-20 16,21 20-16,-21-21 0,0 1 0,0-1 16,-1 0-16,1 1 0,21-22 0,0 0 15,0 0-15,-21 0 0,21 1 16,21-22 15,-21-22-31,21 1 0,-21 0 16,22-21-16,-1 21 0,-21-22 15,21 1-15,-21 0 0,21-22 0,-21 1 16,21 20-16,0-20 16,-21-1-16,22 22 0,-22 0 0,0-1 15,21 1-15,-21 21 0,0-22 16,0 22-16,0 0 0,0 42 31,0 0-31,21 22 0,-21-22 16,0 21-16,0 1 0,21-1 15,-21 0-15,0 22 0,0-22 16,0 0-16,21 1 0,-21-1 0,0 0 16,21 1-16,-21-1 0,0-21 15,0 0-15,0 1 0,0-1 0,0 0 16,0 0-16,0 0 16,22-21-1,-1 0-15,-21-21 16,21 0-1,-21 0-15,0-22 0,0 22 16,0 0-16,0 0 0,0-21 16,-21 20-16,0 1 0,-1 0 0,1 0 15,0 21-15,0-21 0,0 21 16,-22 0-16,22 0 0,0 0 16,-21 21-16,21-21 0,-1 21 0,1 0 15,0 0-15,21 22 16,0-22-16,0 0 0,0 0 0,0 0 15,0 1-15,0-1 0,21-21 16,0 21-16,1 0 0,20-21 0,-21 0 16,0 0-16,22 0 0,-22 0 15,21 0-15,0 0 0,1-21 0,-22 21 16,21-21-16,1 0 0,-1-1 16,-21 1-16,0 0 0,22-21 0,-1-22 15,-21 22-15,0 0 16,0-22-16,1 22 0,-1-22 15,0 22-15,0 0 0,0-22 16,0 22-16,1 21 0,-22-22 0,0 1 16,21 0-16,0 20 15,-21 44 1,0-1 0,-21 0-16,21 21 0,-21-21 15,21 22-15,0-22 0,0 21 16,-22 1-16,22-1 0,0 0 0,0 22 15,0-22-15,0 0 0,0 1 16,0-1-16,0-21 0,0 22 0,0-1 16,0-21-16,0 0 0,0 0 15,0 1-15,0-1 0,0 0 16,22-21-16,-1 0 0,0 0 16,0 0-16,0 0 15,0 0-15,1-21 0,-1 0 16,0 21-16,0-43 0,0 22 15,0 0-15,1-21 0,-1-1 0,0 1 16,0 0-16,0-22 0,0 22 16,-21-22-16,22 22 0,-1 0 15,-21-1-15,0 1 0,0 21 0,0-22 16,21 22-16,-21 0 0,0 0 0,0 0 16,0 0-1,-21 21 1,21 21-1,-21 0-15,21 0 0,-22 0 0,22 22 16,0-1-16,0 0 0,0 1 16,-21 20-16,21-21 0,0 1 15,0 20-15,0-20 0,0-1 0,0 0 16,0 1-16,0-22 0,0 0 0,0 21 16,21-21-16,1 1 15,-1-1-15,0-21 16,0 0-16,0 0 0,0 0 0,1 0 15,-1 0-15,0 0 0,0 0 16,0 0-16,0-21 16,1 21-16,-1-22 0,0 22 0,-21-21 15,21 21-15,-21-21 0,21 0 16,-21 0-16,21 0 0,1-1 16</inkml:trace>
+  <inkml:trace contextRef="#ctx0" brushRef="#br0" timeOffset="149749.66">31538 14774 0,'0'-21'0,"0"42"0,0-63 16,0 21-16,0 0 15,-21 21 1,0 0 0,21 21-16,-21-21 0,21 21 0,-21 0 15,-1 22-15,22-22 0,-21 21 16,0 0-16,0 1 0,21-1 0,-21 0 16,0 22-16,21-22 15,0 1-15,-22 20 0,22-21 0,-21 1 16,21-1-16,0 0 0,0 1 15,0-22-15,0 0 0,0 43 16,0-43-16,0 0 16,21 0-16,1-21 0,20 0 15,-21 0-15,0 0 0,0 0 16,1 0-16,-1 0 0,0 0 0,21 0 16,-21-21-16,1 21 0,-1-21 15,0 21-15</inkml:trace>
+  <inkml:trace contextRef="#ctx0" brushRef="#br0" timeOffset="150241.39">32025 14732 0,'0'0'0,"-21"-21"15,42 21 17,0 21-32,0 0 15,22 0-15,-1 1 0,0-1 16,-20 0-16,20 0 0,0 21 16,1 1-16,-22-22 0,0 21 0,0 1 15,0-1-15,-21 0 0,0 1 16,0-1-16,0 0 0,0 1 15,-21 41-15,0-63 0,0 22 16,-22-22-16,22 21 0,-21-21 16,21 1-16,-22-1 0,1 0 15,21 0-15,0 0 0,-22 0 0,22 1 16,0-22-16,0 21 0,0-21 16,21 21-16,-21-21 0,21 21 15,-22-21-15,22 21 31,0-42 48</inkml:trace>
+  <inkml:trace contextRef="#ctx0" brushRef="#br0" timeOffset="152922.84">28469 7154 0,'-21'0'16,"21"-21"-1,-21 0 1,0 21-1,-1 0 1,1 0 0,0 0-16,21 21 15,0 0-15,-21-21 0,21 22 0,-21-1 16,21 0-16,-21 21 0,21-21 16,0 1-16,0-1 0,0 0 0,0 0 15,0 0-15,0 0 0,0 1 16,0-1-16,0 0 0,0 0 15,21-21-15,0 0 16,-21 21-16,21-21 0,0 0 0,-21 21 16,21-21-16,1 0 0,-1 0 15,0 0-15,0 0 0,0 0 0,0-21 16,1 0-16,-1 21 0,-21-21 16,21 0-16,0 0 0,0-1 0,-21 1 15,21 0-15,-21 0 0,0-21 16,0 20-16,0 1 0,0-21 0,0 21 15,0 0-15,0-1 0,0 1 16,-21 0-16,0 0 0,0 0 0,0 0 16,0 21-1,-1 0-15,1-22 0,0 22 16,-21 0-16,21 0 0,-1 0 16,1 0-16,0 0 0,0 0 0,0 22 15,0-1-15,-1 0 0,1 0 16,0 0-16,0 0 0,0 22 0,21-1 15,0-21-15,0 22 0,0-1 16,0-21-16,0 21 0,0-20 0,0-1 16,0 0-16,0 0 0,21 0 15,0 0-15,0 1 0,0-1 0,1-21 16,-1 0-16,0 0 0,0 0 16,0 0-16,0 0 0,1 0 15,-1 0-15,21 0 0,-21-21 16,0 21-16,1-22 0,20 1 0,-21 0 15,0 0-15,0 0 0,1-22 16,-22 22-16,0 0 0,0-21 0,0 21 16,0-22-16,0 1 0,0 21 15,0-22-15,-22 22 0,1 0 0,0 0 16,0 0-16,0 0 0,0-1 16,-1 22-16,1 0 0,0-21 0,-21 21 15,21 0-15,-1 0 0,1 21 16,0-21-16,0 22 0,0-1 0,0 21 15,21-21-15,0 22 16,0-1-16,0-21 0,-22 21 0,22-20 16,0 20-16,0-21 0,0 0 15,0 0-15,22 1 0,-22-1 0,21-21 16,0 21-16,0-21 0,0 0 16,0 0-16,1 0 0,-1 0 15,0 0 1,-21-21-1,0 0-15,0-1 16</inkml:trace>
+  <inkml:trace contextRef="#ctx0" brushRef="#br0" timeOffset="200317.32">23876 15388 0,'0'0'0,"-21"0"15,0 0-15,-1 21 0,1-21 16,0 0-16,-21 0 0,21 0 0,-22 0 16,22 22-16,0-22 0,-21 0 15,20 0-15,1 0 0,0 0 0,0 21 16,0-21-16,0 0 0,21 21 31,21-21-15,21 0-16,22 0 15,-22 0-15,21 0 0,1 0 16,-1 0-16,1 0 0,-1 0 16,22 0-16,-21-21 0,20 21 0,-20 0 15,20-21-15,-20 21 0,21 0 0,-22 0 16,1-22-16,-22 22 0,21-21 16,-20 21-16,-1 0 0,-21 0 0,0 0 15,1 0-15,-1-21 0,0 21 16,0 0-16,-21-21 15,0 0 1,0 0-16,-21-1 16,0 22-16,-22-21 15,1 0-15,21 0 0,0 0 16,-22 21-16,22-21 0,-21-1 0,21 22 16,-22-21-16,22 21 0,-21 0 15,21 0-15,0 0 0,-1 0 16,1 0-16,21 21 31,21-21-15,1 0-16,-1 0 0,0 0 15,0 0-15,21 0 0,-20 0 0,20 0 16,0 0-16,-21 22 0,22-22 16,-22 0-16,21 0 0,-21 21 0,1-21 15,-22 21-15,21 0 16,-21 0-16,0 0 15,0 1-15,-21-1 0,-1 21 0,1-21 16,0 0-16,0 1 0,-21 20 16,20-21-16,-20 0 0,21 22 0,0-22 15,-22 0-15,22 0 0,0 0 0,0 0 16,0 1-16,0-1 16,-1-21-16,22 21 0,-21-21 0,21 21 15,0 0 1,21-42 31,-21 0-47,22 21 0,-1-21 0</inkml:trace>
+  <inkml:trace contextRef="#ctx0" brushRef="#br0" timeOffset="202851.49">6900 17378 0,'0'0'0,"-21"0"0,0 0 0,0-21 16,0 21-16,-1 0 0,-20 0 15,21 0-15,-43 0 0,22 0 16,21 0-16,-21 0 0,20 0 16,1 0-16,-21 0 0,21 0 0,0 0 15,-1 0 1,44 0 15,-1 21-31,0-21 0,0 0 16,21 0-16,1 21 0,-1-21 0,0 0 15,22 0-15,-22 0 0,43 0 16,-22 0-16,1 0 0,21 0 16,-1 0-16,-20 0 0,20 0 15,22 0-15,-21 0 0,0-21 0,-1 21 16,-20-21-16,20 21 0,-20 0 16,-1 0-16,-20 0 0,-1 0 0,0 0 15,1 0-15,-22 0 0,21 0 16,-21 0-16,1 0 0,-22-21 15,21 21-15,-21-22 16,0 1 0,-21 21-16,-1-21 0,1 21 15,21-21-15,-21 21 0,0-21 16,0 21-16,0-21 0,-22-1 16,22 22-16,0-21 0,0 21 0,0 0 15,-1-21-15,-20 21 0,21 0 16,0-21-16,0 21 0,-1 0 15,1 0 1,42 0 15,1 0-31,-1 21 16,0-21-16,0 0 0,0 21 16,22-21-16,-22 0 0,0 0 0,21 21 15,-21-21-15,1 0 16,20 0-16,0 22 0,-21-22 15,1 21-15,-1-21 0,0 0 16,0 21-16,-21 0 0,0 0 16,0 0-16,0 1 15,0-1-15,-21 0 0,0 0 0,0 0 16,-1 0-16,1 1 0,-21 20 16,21-21-16,0 0 0,-22 0 0,22 1 15,0-1-15,0 0 16,0 0-16,-1 0 0,1-21 0,21 21 15,0 1-15,-21-22 0,0 21 16,21-42 31,0-22-47,21 22 0,0-21 16</inkml:trace>
+  <inkml:trace contextRef="#ctx0" brushRef="#br0" timeOffset="203366.76">9144 16616 0,'0'0'0,"-21"-21"0,21 0 0,-21 21 16,-1-22-16,1 1 0,21 0 0,-21 0 15,0 0-15,0 21 0,21-21 16,0-1-16,-21 22 0,21-21 16,21 42 15,0 1-31,0-1 0,21 0 15,-20 21-15,20-21 0,0 22 16,1-22-16,-1 21 0,-21 1 0,21-1 16,1 0-16,-1 1 0,0-1 15,1 0-15,-22 1 0,21-1 0,-21 0 16,22 1-16,-22-22 0,0 21 16,0 0-16,0-20 0,1-1 15,-1 21-15,-21-21 0,0 0 0,21 1 16,0-1-16,-21 0 15,0-42 32,0 0-47,0-1 16,-21 1-16,0 0 16,0 0-16,21 0 0,0 0 0</inkml:trace>
+  <inkml:trace contextRef="#ctx0" brushRef="#br0" timeOffset="203803.5">9885 16320 0,'21'-22'0,"-42"44"0,42-65 16,0 43-16,-21-21 15,-21 21 1,0 0 0,0 21-16,-1 0 0,1 1 0,0-1 15,0 0-15,0 21 0,0-21 16,-22 22-16,22-1 0,0 0 16,0 1-16,-22 20 0,22 1 0,-21-22 15,21 22-15,-22-1 0,22 1 16,-21-1-16,0-21 0,20 22 0,-20-1 15,0-20-15,21-1 0,-22 0 16,1 1-16,21-1 0,0-21 0,-22 22 16,22-22-16,0 0 0,0 0 15,21 0-15,0 0 0,-21-21 0,21 22 16,0-44 31,0 1-47,0 0 15,21 0-15,-21 0 16,0 0-16,21-1 0,0 1 16</inkml:trace>
+  <inkml:trace contextRef="#ctx0" brushRef="#br0" timeOffset="207115.44">10604 16870 0,'22'0'0,"-1"0"16,0 0-16,-21-21 15,21 21-15,-21-21 16,21-1-16,-21 1 16,0 0-16,0 0 15,0 0-15,0 0 0,0-1 16,-21 22-16,0-21 16,0 21-16,0-21 0,-1 21 0,-20-21 15,21 21-15,0 0 0,0 0 16,-1 0-16,1 0 0,0 21 15,0 0-15,0 0 0,0 1 0,21-1 16,0 21-16,-22 0 0,22 1 16,0-1-16,0 0 0,0 1 15,0-1-15,0 0 0,0-20 0,0 20 16,0-21-16,0 21 0,0-20 16,22-1-16,-1-21 15,0 0-15,0 0 16,0 0-16,0 0 15,1-21-15,-1-1 0,0 1 0,0 0 16,0-21-16,0 21 0,1-22 16,-1 22-16,0-21 0,0-1 15,0 1-15,-21 21 0,0-21 16,21 20-16,-21 1 0,22 0 0,-22 0 16,0 42-1,0 0-15,0 0 16,0 1-16,0 20 0,0-21 15,0 21-15,0 1 0,0-1 16,0-21-16,0 22 0,0-22 0,0 21 16,0-21-16,21-21 15,0 21-15,0-21 0,0 0 16,0 0-16,1-21 0,20 21 16,-21-21-16,21 0 0,1 0 15,-22-22-15,21 22 0,1-21 0,-22 0 16,21-1-16,-21 1 0,0 21 15,1-22-15,-1 1 0,0 0 16,-21 21-16,0-1 0,0 1 0,0 0 16,0 42-1,0 22 1,0-22-16,0 21 16,0-21-16,0 22 0,0-1 0,0-21 15,0 21-15,21-20 0,-21 20 16,21-21-16,0 0 0,-21 22 15,22-43-15,-1 21 16,-21 0-16,21 0 16,-42-21 15,21-21-31,-21 21 16,-22-21-16,22 0 0,0 21 0,0-22 15,0 22-15,-22 0 0,22-21 16,0 21-16,0 0 0,0 0 15,21 21 1,0 1 0,21-22-16,0 21 15,0-21-15,0 21 0,0 0 0,1-21 16,-1 0-16,0 0 0,21 21 16,-21-21-16,1 0 0,20 0 0,-21 0 15,0 0-15,22 0 0,-22 0 16,0 0-16,21-21 0,-21 0 0,1 21 15,20-21-15,-21 0 0,21-22 16,-20 22-16,-1 0 0,0-21 0,-21 20 16,0-20-16,21 21 0,-21-21 15,0 20-15,0 1 0,0 0 16,0 0-16,0 0 0,0 42 31,0 0-31,0 0 16,0 0-16,0 1 0,0 20 0,0-21 15,0 0-15,0 0 0,0 22 16,21-22-16,-21 0 0,0 0 0,21 0 16,1 1-16,-22-1 15,21-21-15,-21 21 0,-21-21 47,-1 0-31,1-21-16,0 21 0,0-21 0,-21 21 15,20-22-15,1 22 16,0 0-16,0 0 16,21 22 15,0-1-31,21 0 16,0-21-16,0 21 0,1 0 0,-1-21 15,0 21-15,0 1 0,0-22 16,22 0-16,-22 0 0,21 0 0,-21 0 15,22 0-15,-22 0 0,21 0 16,0 0-16,-20 0 0,20 0 0,0-22 16,-21 1-16,1 0 0,-1 0 15,0 0-15,0 0 0,0-1 16,-21 1-16,0 0 16,0-21-16,0 21 0,0-1 0,0 1 0,0 0 15,0 0-15,0 0 0,-21 21 31,21 21-31,0 0 0,0 21 16,0-20-16,0-1 0,0 0 16,0 21-16,0-21 0,0 1 15,0-1-15,0 0 0,0 0 0,0 0 16,0 0-16,21 1 16,0-22-16,1 0 15,-1 0-15,0 0 16,0-22-16,-21 1 0,21 0 0,0 0 15,1 0-15,-22 0 0,21-1 16,-21 1-16,21 0 0,-21 0 0,21 0 16,-21 0-16,0-1 15,21 22 1,-21 22-16,0-1 16,0 0-16,0 0 0,0 0 0,0 0 15,0 1-15,21 20 0,1-21 16,-22 0-16,21 0 0,0 1 15,0-22-15,-21 21 0,21-21 0,0 0 16,22 0-16,-22 0 0,0 0 16,0 0-16,0 0 0,1 0 0,20-21 15,-21-1-15,0 1 0,22 0 16,-22-21-16,0 21 0,21-22 0,-21 1 16,1 0-16,-1-1 15,0-20-15,0 20 0,0-20 0,-21 21 16,21-1-16,1-41 0,-22 41 15,0 1-15,0 21 0,0 0 0,0-1 16,-22 22-16,1 0 16,0 0-16,0 22 0,21 20 15,-21-21-15,21 21 16,0 1-16,-21-1 0,21 0 0,0 22 16,-22-22-16,22 22 0,0-22 0,0 22 15,0-22-15,0 0 0,0 1 16,0-22-16,0 21 0,0-21 0,0 0 15,22 1-15,-1-22 0,-21 21 16,21-21-16,0 0 0,0 0 16,0 0-16,1 0 0,-1-21 15,0-1-15,0 22 0,-21-21 0,21 0 16,0 0-16,-21-21 0,0 20 16,0 1-16,0 0 0,0-21 15</inkml:trace>
+  <inkml:trace contextRef="#ctx0" brushRef="#br0" timeOffset="207319.32">13017 16870 0,'0'0'0,"0"21"0,22-21 16,-1 0 0,0 0-16,21 0 0,1 0 15,-1-21-15,0 0 0,1 21 16,-1-21-16,0-1 0,1 1 0,-22 0 15,0 21-15,21-21 0,-42 0 0,21 21 16,-21-21-16,0-1 16,22 22-1</inkml:trace>
+  <inkml:trace contextRef="#ctx0" brushRef="#br0" timeOffset="208767.58">13864 16595 0,'0'0'16,"0"-43"-16,0 22 0,0 0 0,0 0 0,0 0 15,0 0-15,0-1 16,0 44 0,0-1-1,0 0-15,-21 0 0,21 21 16,-21-20-16,21 20 0,-21 21 15,21-20-15,0-1 0,-22 22 0,1-22 16,21 0-16,0 22 0,0-22 16,-21 0-16,21-20 0,0 20 0,-21-21 15,21 0-15,0 0 16,0-42 0,0 0-1,21 0-15,-21-21 0,21-1 0,-21 1 16,0 0-16,0-1 15,21-20-15,1-1 0,-22 22 0,21-22 16,-21 22-16,21 0 0,-21-1 16,21 1-16,-21 0 0,0 21 0,21-1 15,0 1-15,1 21 0,-22 21 16,21 1-16,0-1 16,-21 42-16,0-20 0,21 20 15,-21-21-15,0 22 0,0 42 16,0-64-16,0 0 0,0 1 15,21-1-15,-21 0 0,0-20 16,21-1-16,-21 0 0,0 0 0,0 0 16,22-21-16,-1 0 15,-21-21 1,21 0-16,-21 0 16,0 0-16,0-22 0,-21 22 15,0-21-15,-1 21 0,1-1 16,-21 1-16,21 0 0,0 0 0,-22 21 15,1 0-15,21 0 0,0 0 16,-1 0-16,1 0 0,0 21 16,0-21-16,21 21 0,-21 0 0,21 1 15,0-1-15,0 21 0,0-21 0,0 0 16,0 1-16,21-1 0,0 0 16,-21 0-16,42-21 0,-20 21 15,-1-21-15,21 0 0,-21 0 16,22 0-16,-1 0 0,0 0 0,1 0 15,-1 0-15,0-21 0,1 0 16,-1 0-16,0 0 0,-21-1 0,22 1 16,20-63-16,-42 62 15,1-20-15,-1 0 0,0-1 0,0 1 16,0 0-16,-21 21 0,0-22 0,0 1 16,21 21-16,-21 0 0,0-1 15,0 1-15,0 0 0,0 42 47,0 22-47,0-22 0,0 21 16,0 0-16,0 1 0,-21-1 0,21 0 15,0 1-15,0-22 0,0 106 16,0-106-16,0 21 16,0-20-16,21-1 0,-21 0 15,22 0-15,-1-21 0,-21 21 0,21-21 16,0 0-16,0 0 15,0 0-15,1 0 0,-1 0 0,-21-21 16,21 21-16,0-21 0,0 0 16,0 0-16,1-1 0,-1-20 0,0 21 15,-21-21-15,21-1 0,0 1 16,-21 0-16,0-1 0,21 1 16,-21-22-16,22 22 0,-22 0 0,0-1 15,0 22-15,0-21 0,0 21 16,0 0-16,0-1 0,0 1 0,0 0 15,0 42 17,0 22-32,-22-22 0,22 21 15,-21 0-15,21 1 0,0-1 16,0 22-16,0-22 0,0 0 0,0 22 16,0-22-16,0 0 0,0-20 0,0 20 15,0 0-15,0-21 16,0 1-16,21-1 0,1 0 0,-22 0 15,21 0-15,0-21 0,0 21 16,0-21-16,0 0 16,1 0-16,-1 0 0,0 0 0,0-21 15,0 21-15,0 0 16,-21-21-16,22 0 0,-1 0 16,-21 0-16,0-1 15,21 1-15,-21 0 16</inkml:trace>
+  <inkml:trace contextRef="#ctx0" brushRef="#br0" timeOffset="209263.46">15557 16743 0,'0'0'0,"0"-21"16,-21 21-16,21 21 16,0 0-1,0 0-15,0 0 0,0 1 16,0-1-16,0 0 0,0 0 16,-21 0-16,21 0 0,0 22 0,0-22 15,0 0-15,0 0 0,0 0 16,0 1-16,0-1 0,0 0 15,21-21-15,0 0 16,1 0-16,-1 0 0,0 0 16,21 0-16,-21-21 0,22 0 15,20-1-15,-20 1 0,20-21 0,43-22 16,-43 43-16,1 0 16,-1-21-16,-20 21 0,-1-22 0,22 22 15,-43 0-15,21 21 0,-21-21 16,0 0-16,1 21 0,-1 0 15,-42 0 79,-1-22-94</inkml:trace>
+  <inkml:trace contextRef="#ctx0" brushRef="#br0" timeOffset="-205516.11">7662 18309 0,'0'0'0,"-21"0"16,-21 0-16,21 0 16,-1 0-16,1 0 0,0 0 0,-21 0 15,21 0-15,-1 0 0,1 21 16,-21-21-16,21 22 0,0-22 16,-1 0-16,1 21 0,0-21 0,0 0 31,21 21-31,21-21 47,0 0-47,0 0 15,22 0-15,-22 0 0,21 0 16,1 0-16,-1 0 0,21 0 16,-20 0-16,20 0 0,1-21 0,-22 21 15,22 0-15,-1-21 0,-21-1 0,22 22 16,-1-21-16,-20 21 0,-1 0 15,0-21-15,1 21 0,-1 0 0,0-21 16,1 21-16,-22 0 0,21-21 16,-21 21-16,1-21 0,-1 21 0,0 0 15,0 0-15,0-22 16,-21 1 15,-21 21-31,0 0 16,0-21-16,0 21 0,-1 0 0,-20 0 15,21-21-15,0 21 0,0 0 16,-1 0-16,-20 0 0,21 0 0,0 0 16,0 0-16,-1 0 15,44 0 32,-1-21-47,0 21 0,0 0 0,0-21 16,0 21-16,1 0 0,-1 0 15,0 0-15,0 0 0,0 0 16,0 0-16,1 0 0,-1 0 16,0 0-16,-21 21 0,0 0 0,21-21 15,-21 21-15,0 0 0,0 0 16,0 22-16,0-22 0,0 0 0,0 21 16,0-20-16,-21-1 0,0 21 15,21-21-15,0 0 0,0 1 16,-21-1-16,21 0 0,-22 0 0,22 0 15,-21-21-15,21 21 16,0-42 31,0 0-47,21 0 16</inkml:trace>
+  <inkml:trace contextRef="#ctx0" brushRef="#br0" timeOffset="-204366.2">9567 18394 0,'0'0'0,"0"21"15,-21-21-15,0 0 16,21 21-1,0-42 17,0 0-32,0 0 15,0 0-15,0-1 0,0 1 0,0-21 16,0 21-16,21-22 0,0 1 16,-21 0-16,21 21 0,1-22 0,-22 1 15,21 0-15,0 20 0,-21-20 16,0 21-16,21 0 0,-21 0 15,21 21-15,-42 21 32,21 0-32,-21 0 0,21 0 15,0 0-15,0 1 0,0-1 16,0 0-16,0 0 0,0 0 16,0 0-16,0 1 0,21-22 15,0 21-15,0 0 0,1-21 0,-1 21 16,0-21-16,21 21 0,-21-21 15,1 21-15,20 1 0,-21-22 0,0 21 16,0 0-16,1 0 0,-22 0 16,0 0-16,0 1 0,0-1 15,0 0-15,0 0 0,0 0 16,-22-21-16,1 0 0,0 0 16,0 0-16,0 0 0,0 0 0,-22-21 15,22 21-15,0-21 16,0 0-16,0 0 0,-1-1 15,1 1-15,0 0 0,0 0 16,21 0-16,0 0 0,0-1 16,-21 22-16,21 22 31,21-1-31,-21 0 0,21 0 16,0 0-16,-21 0 0,21 1 15,1 20-15,-1-21 0,0 0 0,0 0 16,0 1-16,0-1 0,1 0 15,-1-21-15,0 0 0,21 0 16,-21 0-16,1 0 0,20 0 16,-21 0-16,0-21 0,22 0 0,-22-1 15,0-20-15,0 21 0,21-21 16,-20 20-16,-1-20 0,0 0 0,0-1 16,0 22-16,-21-21 0,21 0 15,-21-1-15,22 1 0,-22 0 0,0-1 16,0 22-16,0-21 0,0 21 15,0-1-15,0 1 0,0 0 16,0 42 0,0 0-1,0 1-15,0 20 0,0-21 16,0 21-16,0 1 0,0-1 16,0 0-16,0 1 0,0-1 0,0 0 15,0 1-15,0-1 0,0-21 16,0 22-16,21-22 0,0 21 15,-21-21-15,0 0 0,21-21 16,-21 22-16,21-22 0,-21-22 47,0 1-47,0 0 0,0 0 16,0 0-16,0 0 15,0-1-15,0 1 0,0 0 0</inkml:trace>
+  <inkml:trace contextRef="#ctx0" brushRef="#br0" timeOffset="-204129.33">10245 18182 0,'127'0'15,"-254"0"-15,105 0 16,44 0 15,-1-21-31,0 0 16,0 21-16,0-21 0,0 0 15,1 21-15,-1-22 0,0 1 0,0 21 16,0-21-16,0 21 16,-21-21-1,22 21-15</inkml:trace>
+  <inkml:trace contextRef="#ctx0" brushRef="#br0" timeOffset="-202533.07">11112 18500 0,'0'-21'0,"0"42"0,0-64 16,0 1-16,0 21 16,0 0-16,0 0 0,0-22 0,0 22 15,0 0-15,0-21 0,0 20 0,0 1 16,0 0-16,0 0 15,0 0-15,-21 21 0,0 0 16,0 0-16,0 0 0,0 0 16,-1 0-16,1 21 0,0 0 0,-21 0 15,21 22-15,-1-22 0,1 21 16,0 0-16,0 1 0,21-1 0,0 0 16,-21 1-16,21-1 0,0 0 15,0-20-15,0-1 0,0 0 0,0 0 16,21 0-16,0-21 15,0 0-15,0 0 0,1 0 16,-1-21-16,0 21 0,0-21 16,0 0-16,0-22 0,1 22 15,-1-21-15,0 21 0,0 0 0,21-43 16,-42 22-16,0-1 16,0 22-16,0 0 0,0-21 0,0 21 15,0-1-15,0 1 16,22 21-1,-22 21-15,21 1 16,-21-1-16,0 0 0,0 0 0,0 0 16,21 22-16,-21-1 0,0-21 15,0 21-15,0 1 0,0-22 0,21 21 16,-21-21-16,21 1 16,0-1-16,-21 0 0,22-21 15,-1 0-15,0 0 16,0 0-16,-21-21 0,21 21 15,0-21-15,1-1 0,-22-20 0,21 21 16,-21-21-16,0-1 0,21 1 16,0 0-16,-21-1 0,21 1 0,-21 0 15,21-22-15,-21 22 0,0-1 16,0 1-16,0 0 0,22-1 16,-22 1-16,0 0 0,0-1 15,0 22-15,0 42 31,0 1-15,0 20-16,0-21 0,0 21 16,0 1-16,-22-1 0,22 0 0,0 1 15,0-1-15,0 0 0,0 22 16,0-22-16,0 1 0,0-1 16,0 0-16,0 1 0,0-22 0,22 0 15,-1 0-15,0 0 0,0 0 16,0-21-16,0 0 15,1 0-15,-1 0 0,21 0 16,-21-21-16,0 0 0,-21 0 0,22 0 16,-1 0-16,0-1 0,0 1 15,-21 0-15,0-21 0,21 21 0,-21-1 16,0 1-16,0-21 0,0 21 16,0 0-16,0-1 0,21 22 31,-21 22-31,0-1 15,0 0-15,22 0 16,-22 21-16,21-20 0,-21-1 0,21 0 16,-21 0-16,21 0 15,0 0-15,-21 1 0,21-1 0,1 0 16,-1-21-16,0 0 16,0 0-16,0 0 15,0 0-15,-21-21 0,22 21 16,-1-21-16,0-1 0,-21 1 15,21-21-15,0 21 0,-21 0 0,21-22 16,1 22-16,-22-21 0,21 21 0,0-1 16,0-20-16,0 21 0,-21 0 15,21 0-15,1-1 0,-1 22 0,0 0 16,0 0-16,0 0 16,-21 22-1,0-1 16,0-42 1,0-1-17,0 1 1,-21 21 0,0 0-16,0 0 15,0 0-15,-1 0 16,1 21-1,21 1-15,0-1 0,0 0 16,-21 0-16,21 21 0,0-20 16,0 20-16,0 0 0,0-21 0,0 22 15,0-22-15,0 0 0,0 21 16,0-20-16,0-1 0,21 0 0,0-21 16,-21 21-16,22-21 0,-1 0 15,0 0-15,0 0 0,0 0 16,0 0-16,1-21 15,-1 0-15,0 21 0,-21-21 0,21-1 16,0 1-16,-21 0 0,21 0 16,-21-21-16,0 20 0,0 1 0,0 0 15,0 0-15,0-21 16,0 20-16</inkml:trace>
+  <inkml:trace contextRef="#ctx0" brushRef="#br0" timeOffset="-202185.09">12298 17759 0,'0'21'0,"0"-42"0,0 63 0,0-21 15,0 1-15,-21-1 0,21 0 16,0 0-16,0 0 15,21-21 1,-21-21-16,21 0 16,0 0-16,-21 0 15,0-1-15,-21 1 16,0 21 0,0 0-16,-1 0 15,22 21-15,-21-21 0,0 22 16,21-1-16,0 0 15,-21-21-15,0 21 16,21 0-16,-21-21 16,-1 21-16</inkml:trace>
+  <inkml:trace contextRef="#ctx0" brushRef="#br0" timeOffset="-201916.24">11451 18267 0,'21'0'15,"0"0"-15,1 0 16,-1-21-16,0 21 16,21-21-16,-21-1 0,1 22 0,-1-21 15,21 21-15,-21-21 0,0 21 16,1 0-16,-1 0 0,0 0 15,0-21-15,0 21 0,0 0 32,1 0-17</inkml:trace>
+  <inkml:trace contextRef="#ctx0" brushRef="#br0" timeOffset="-199063.2">13420 18076 0,'0'0'0,"0"-21"0,-22 21 16,22-21-16,-21 0 15,21 0-15,-21 21 0,21 21 32,0 0-17,0 0-15,0 0 0,0 1 16,0 20-16,0-21 0,0 21 15,0 1-15,0-1 0,0-21 0,0 22 16,0-22-16,0 21 0,0-21 16,0 0-16,0 1 0,0-1 15,0-42 1,0-1 0,0 1-16,0-21 15,0 21-15,0 0 0,0-22 0,0 22 16,0-21-16,21 21 0,-21-22 15,21 22-15,-21 0 0,0 0 0,0 0 16,22-1-16,-1 1 0,0 21 16,0 0-16,0 0 15,0 21-15,1 1 0,-1-1 16,-21 0-16,21 0 0,-21 21 16,21 1-16,-21-22 0,0 21 0,0-21 15,0 22-15,0-22 0,21 21 16,-21-21-16,0 1 0,0-1 15,21-21-15,1 0 32,-22-21-32,21-1 0,-21 1 0,21 0 15,0-21-15,0-1 0,-21 22 16,21-21-16,1 0 0,-1 20 0,-21-20 16,21 0-16,0 21 0,0-22 15,-21 22-15,21 0 0,1 21 0,-22-21 16,21 21-16,0 0 0,0 0 15,0 0-15,-21 21 16,0 0-16,21-21 0,-21 42 0,22-20 16,-22-1-16,0 21 15,0-21-15,0 22 0,21-22 0,-21 21 16,21 0-16,-21-20 0,21-1 16,-21 21-16,21-21 0,0-21 0,1 21 15,-1-21-15,0 0 0,0 0 16,0 0-16,0 0 0,1-21 0,-1 21 15,21-21-15,0-21 16,1-1-16,-22 22 0,0 0 0,0-21 16,0 21-16,-21-1 15,0-20-15,22 21 0,-22 0 0,0 0 0,0-1 16,0 1-16,0 0 16,-22 21-16,1 0 0,0 0 15,0 0-15,0 0 16,21 21-16,-21 0 0,-1 1 0,22-1 15,0 21-15,0-21 0,0 0 16,0 22-16,0-22 0,0 21 0,0-21 16,0 22-16,0-22 0,0 0 15,0 0-15,22 0 0,-1 1 0,0-1 16,0-21-16,0 0 0,0 0 16,1 0-16,-1 0 0,0 0 15,0-21-15,21-1 0,-20 1 0,-1 0 16,0 0-16,0 0 15,21-22-15,-20 22 0,-1-21 0,0 0 0,0 20 16,0-20-16,0 0 16,1-1-16,-22 1 0,0 0 0,0-1 15,0 1-15,0 0 0,0-1 16,0 1-16,0 21 0,0 0 0,0-22 16,0 65 15,0-1-31,0 0 0,0 21 15,0 1-15,0-22 0,0 21 0,0 0 16,0 1-16,0-1 0,0 0 16,0 22-16,0-22 0,0 1 0,0-1 15,0 0-15,0 1 0,0-22 16,0 21-16,21-21 0,0 0 16,0 1-16,0-22 0,0 0 15,1 0-15,20 0 0,-21 0 0,21-22 16,-20 1-16,20 0 0,-21 0 15,21-21-15,1 20 0,-22-20 16,0 0-16,0 21 0,0-22 0,1 1 16,-1 0-16,-21-1 0,0 1 0,0 0 15,0-1-15,0 22 0,0-21 16,0-1-16,0 22 0,0 0 0,0 0 16,0 0-16,-21 21 15,-1 0-15,22 21 16,0 21-16,0-21 15,0 1-15,0 20 0,0 0 0,0-21 16,0 22-16,0-1 0,0 0 16,0 1-16,0-22 0,0 21 0,0 1 15,0-1-15,0-21 0,0 21 16,0-20-16,0-1 0,0 0 16,0-42 15,22 0-16,-22-1-15,21-20 0,0 21 0,-21 0 16,0 0-16,0-1 0,21 1 16,-21 0-16,21 0 0,-21 0 0,21 21 31,1 21-31,-22 0 16,0 0-16,0 0 15,0 1-15,0-1 0,21 0 16,-21 0-16,21 0 0,0 0 0,-21 1 15,21-22-15,0 21 0,1-21 16,-1 0-16,0 0 0,0 0 0,0 0 16,0 0-16,1 0 15,-1-21-15,0-1 0,0 22 0,0-21 16,0 0-16,1 0 0,-1 0 16,0 0-16,0-22 0,0 22 0,-21 0 15,0 0-15,0 0 0,21-1 16,-21 1-16,22 0 0,-22 0 0,0 42 31,0 0-15,0 0-16,0 1 0,0-1 15,0 0-15,0 21 0,0-21 0,0 1 16,0 20-16,0-21 0,0 0 16,0 0-16,0 1 0,0-1 15,21 0-15,0-21 0,0 0 16,0 0-16,0 0 0,1-21 15,-1 21-15,0-21 16,0-1-16,0 1 0,-21-21 16,21 21-16,1 0 0,-22-1 0,0 1 15,0 0-15,0 0 0,0-21 0,0 20 16,0 1-16,0 0 0,-22 0 16,22 0-16,-21 21 0,0 0 0,0-21 15,0 21-15,0 0 16,-1 21-16,1 0 15,21 0 1,21 0 0,1-21-16,-1 0 0,0 0 15,21 0-15,-21 0 0,22 0 0,-1-21 16,0 21-16,1 0 0,-1-21 16,0 0-16,1 21 0,-1-21 0,0 21 15,-20 0-15,20-22 0,-21 22 16,0 0-16,0-21 0,1 21 0,-1 0 15,-21-21-15,-21 21 32,-1 0-32,1 0 0,0 21 15,0 0-15,0 1 16,21-1-16,-21 0 0,-1 0 16,22 0-16,0 22 0,-21-22 0,0 0 15,21 21-15,-21-21 0,21 1 16,0-1-16,0 21 0,0-21 0,0 0 15,0 1-15,0-1 16,21-21 0,0 0-16,0 0 0,1 0 15,-1-21-15,0-1 0,-21 1 16,21 0-16,0 0 0,0 0 16,-21 0-16,22-22 0,-1 22 0,0-64 15,-21 64 1,0-21-16,21 0 0,-21-1 0,0-20 15,0 20-15,0 1 0,0 0 0,0-1 16,0 1-16,0 21 0,0 0 16,0-22-16,0 22 0,0 0 15,0 42 1,0 0 0,0 1-16,0-1 0,0 0 15,0 21-15,0 1 0,0-1 0,0-21 16,0 21-16,0 1 15,0-1-15,0 0 0,0 1 0,0-1 16,0-21-16,0 22 0,0-22 16,0 0-16,0 21 0,0-21 0,0 1 15,0-1-15,0 0 0,0 0 16,0 0-16,21-21 0,0 21 16,1-21-16,-1 0 0,0 0 15,0 0-15,0 0 0,0-21 16,1 0-16,-1 0 15,0 0-15,0 0 16,0-1-16,-21 1 0,0-21 0,21 21 16</inkml:trace>
+  <inkml:trace contextRef="#ctx0" brushRef="#br0" timeOffset="-198593.53">14901 18140 0,'0'0'0,"0"21"15,21-21 1,1 0-16,20 0 15,-21 0-15,21 0 0,1 0 16,-1-21-16,-21 0 0,22 21 16,-1-21-16,0 21 0,-21 0 0,22 0 15,-22-22-15,0 22 0,0 0 16,0 0 0,-21-21 15</inkml:trace>
+  <inkml:trace contextRef="#ctx0" brushRef="#br0" timeOffset="-197509.27">24024 17230 0,'0'0'0,"-42"0"0,21 21 16,-22 0-16,-20-21 0,20 0 15,1 0-15,0 21 0,-1-21 0,22 0 16,-21 0-16,0 0 0,20 0 16,1 0-16,0 0 0,0 0 0,21 21 15,21-21 1,21 0 0,-20 0-16,41 0 0,-21 0 15,22 0-15,-22-21 0,22 21 0,20-21 16,-20 21-16,-1-21 0,1 21 15,-1-21-15,1 21 0,-1 0 0,1-21 16,-1 21-16,1-22 0,-22 22 0,1 0 16,-1-21-16,0 21 0,1 0 15,-22 0-15,-21-21 0,-21 21 32,-1 0-32,1 0 0,-21 0 15,21 0-15,-22 0 0,1 0 16,21 0-16,-21 0 0,20 21 0,-20-21 15,21 0-15,0 0 16,0 0 0,42 0-1,0 0-15,0 0 0,0 0 16,0 0-16,22 0 0,-22 0 16,0 0-16,21 0 0,-20 21 0,-1 1 15,-21-1-15,0 0 0,0 0 0,0 21 16,0-20-16,0 20 0,-21-21 15,-1 21-15,1-20 0,0 20 16,0-21-16,-21 21 0,20-20 0,1-1 16,0 0-16,21 0 0,0 0 0,-21-21 15,42-21 1,0-21 0,0 21-16,22-22 0</inkml:trace>
+  <inkml:trace contextRef="#ctx0" brushRef="#br0" timeOffset="-196691.72">26331 16637 0,'0'0'0,"-21"-21"0,0 0 0,0 0 16,0-22-16,21 22 0,-22 0 16,22 0-16,0 0 0,0-22 0,0 22 15,0 0-15,0 42 31,0 0-31,0 0 0,0 22 0,0-22 16,0 21-16,0 22 0,0-22 16,22 22-16,-1-1 0,-21-21 0,0 22 15,0-1-15,0 1 0,21-22 16,-21 22-16,0-22 0,0 0 16,0-20-16,21 20 0,-21-21 0,0 0 15,0 0-15,0-42 31,0 0-31,0 0 0,0 0 16,0 0-16,-21-22 0,21 1 16,-21 21-16,0-43 0,21 22 0,0 0 15,-22-22-15,22 1 16,-21 20-16,21-20 0,0-1 0,0 22 16,0 0-16,0-1 0,0 1 0,0 21 15,0 0-15,21-1 0,1 22 16,-1 0-16,0 0 0,21 22 0,-21-1 15,22 0-15,-1 21 0,0 1 16,1-1-16,-1 0 0,22 22 0,-22-22 16,0 22-16,43 20 15,-64-20-15,21-22 0,1-21 0,-22 22 16,0-22-16,0 0 16,0 0-16,1 0 0,-1-21 0,0 0 31,-21-21-31,21-21 0,-21 21 15,0-1-15,0-20 0,0 0 0,0-1 16,0-20-16,0 21 0,0-22 16,0 1-16,0 20 0,0-20 0,0-1 15,0 22-15,0-22 0,0 22 16,0 0-16,0-1 0,0 22 0,0 0 16,0 0-16,0 0 0,0 42 15,0 0 1,0 0-16,21 22 15,0-22-15,1 0 0,-1 21 0,-21-21 16,21 22-16,0-22 0,0 21 0,0-21 16</inkml:trace>
+  <inkml:trace contextRef="#ctx0" brushRef="#br0" timeOffset="-195958.97">27749 16658 0,'0'0'0,"-21"0"0,0 0 0,0 21 16,-21 1-16,20-1 0,1 0 16,-21 0-16,21 0 0,0 22 15,-22-22-15,22 21 0,0 0 16,0 1-16,0-22 0,-1 21 0,22 1 16,0-22-16,0 21 0,0-21 15,0 0-15,0 1 0,0-1 0,22-21 16,-1 0-1,0 0-15,0 0 0,0 0 0,22-21 16,-22-1-16,0 1 0,0 0 16,0 0-16,-21-21 0,0 20 15,0 1-15,0 0 0,0-21 16,0 21-16,0-22 0,0 1 0,0 21 16,0-22-16,0 22 0,0-21 15,0 21-15,0 0 0,0-1 16,0 1-16,21 0 0,1 21 0,-1 0 15,0-21-15,0 21 0,0 0 16,22 0-16,-22 21 0,0 0 0,21 0 16,-21 1-16,1-1 0,-1 0 15,0 21-15,-21-21 0,21 22 0,-21-22 16,21 21-16,-21-21 0,0 22 16,0-22-16,0 0 0,0 21 0,0-20 15,0-1-15,0 0 16,0 0-16,0-42 31,0 0-15,0 0-16,0-1 0,0 1 0,0-21 15,0 0-15,0 20 0,0-20 16,0 0-16,21-1 0,1 1 0,-22 0 16,21-1-16,0 22 0,0 0 15,-21 0-15,21 0 0,0 21 0,1 0 16,-1 0-16,0 21 0,-21 0 0,21 0 15,-21 0-15,21 1 0,-21 41 16,0-21-16,0 1 0,0-22 16,0 21-16,0 1 0,0-22 15,0 0-15,0 21 0,0-21 16,0 1-16,0-1 0,0 0 16,0 0-16,21-21 15,1 0-15,-1 0 16,0-21-16,0 0 0,0 0 15,22-1-15,-1-20 0</inkml:trace>
+  <inkml:trace contextRef="#ctx0" brushRef="#br0" timeOffset="-193713.82">29422 17060 0,'-22'0'0,"44"0"0,-65 0 0,22 0 0,21-21 31,0 0-31,0 0 15,0-21-15,0 20 16,0-20-16,21 21 0,0-21 0,1-1 16,-22 1-16,21 0 0,0-1 15,0 1-15,0 0 0,-21-1 0,0 1 16,0 21-16,0 0 0,0-1 16,0 1-16,-21 21 0,0 21 15,-21 1-15,20-1 16,1 0-16,0 21 0,0 1 0,0-1 15,21 0-15,0 1 0,0-1 16,0 0-16,0 1 0,0-1 16,21 0-16,0 1 0,0-22 0,-21 0 15,21 21-15,1-21 0,-1 1 16,0-1-16,-21 0 0,21-21 16,-42 0 15,0 0-31,0-21 0,-22 21 15,22-21-15,-21-1 0,21 1 16,-22 0-16,1 0 0,21 0 0,-22 0 16,1-1-16,21 1 0,0 0 0,0 21 15,-1 0-15,22 21 16,0 0-16,0 1 0,0-1 16,0 0-16,22 0 0,-1 21 15,0-20-15,0-1 0,0 0 16,0 0-16,22 0 0,-22 0 15,0 1-15,21-1 0,-20-21 0,20 0 16,-21 0-16,21 0 0,1 0 16,-22 0-16,21-21 0,1-1 0,-1 1 15,0 0-15,1 0 0,-1-21 0,0-1 16,1 1-16,-1 0 0,0-22 16,43-105-16,-64 126 15,-21-20-15,21-1 0,-21 22 16,0-21-16,0 20 0,0 1 15,0 0-15,0-1 0,0 22 0,0 0 16,0 63 0,0-21-1,0 22-15,-21-1 0,21 0 0,0 1 16,0 20-16,0-20 0,0 20 16,0-21-16,0 22 0,0-1 0,0 22 15,0-43-15,0 1 16,21-1-16,0-21 0,1 0 0,-1 1 15,0-1-15,0 0 0,0-21 16,22 0-16,-22 0 0,21 0 0,0 0 16,22-42-16,-22 20 15,1 1-15,-1 0 0,0 0 0,-21 0 16,22 0-16,-22-22 0,0 22 16,21-42-16,-42 41 15,0-20-15,0 21 0,0 0 0,0 0 16,0-1-16,0 1 0,-21 0 15,0 21-15,0 0 0,0 21 16,0 0-16,-1 1 0,1-1 16,0 21-16,0-21 0,0 22 0,0-22 15,-1 21-15,1 0 16,0-20-16,21-1 0,-21 21 0,21-21 16,0 0-16,0 1 0,21-22 15,0 0-15,0 0 16,1 0-16,-1 0 0,0-22 15,0 1-15,0 0 0,0 0 0,1-21 16,20 20-16,-21-20 0,0 21 16,0-21-16,1 20 0,-22-20 0,0 21 15,21-21-15,-21 20 0,0 1 16,0 0-16,0 42 31,0 0-31,0 1 0,0-1 16,0 0-16,0 21 15,0-21-15,0 1 0,0 20 0,0-21 16,0 0-16,0 0 0,21 22 16,-21-22-16,21 0 0,0-21 0,0 21 15,22-21-15,-22 0 0,21 0 16,-21 0-16,1 0 0,20 0 0,-21 0 16,21 0-16,-20-21 0,20-21 15,-21 21-15,21-1 0,-20-20 0,-1 0 16,0 21-16,0-22 0,21-63 15,-42 64-15,0 0 16,22-22-16,-22 22 0,0 0 0,0-22 16,21 22-16,-21-1 0,0 22 15,0-21-15,0 21 0,0 0 16,-21 42 0,21 0-1,0 0-15,0 21 0,-22 1 0,22-22 16,0 42-16,0-20 0,0-1 15,0 0-15,0 1 0,0 20 16,-21-20-16,21-1 0,0 0 0,0 1 16,0-1-16,0 0 0,0-21 0,0 1 15,0-1-15,21 0 0,1 0 16,-1 0-16,0-21 0,0 0 0,0 0 16,0 0-16,1 0 15,-1-21-15,0 0 0,21 0 0,-21 0 16,1-22-16,-1 22 0,0 0 15,0-21-15,0 20 0,-21-20 0,0 21 16,21 0-16,-21 0 0,0-1 16,0 44 15,-21-1-31,21 0 16,-21 0-16,21 0 0,0 0 15,0 1-15,0 20 0,0-21 0,0 0 16,0 0-16,0 1 0,21-1 0,0-21 15,1 21-15,-1-21 16,0 0-16,0 0 0,0 0 0,22 0 16,-22 0-16,21 0 0,-21-21 15,22 0-15,-22-1 0,21 1 0,-21 0 16,0-21-16,22 21 0,-1-43 16,-21 22-16,0 21 15,-21-22-15,22 22 0,-1 0 16,-21 0-16,21 0 0,-21-1 0,21 22 15,-21 22 17,0-1-32,21-21 15,-21 21-15,0 0 16,21-21 0,1 0-1,-1-21 1,-21 0-16,0 0 15,0-1-15,0 1 16,0 0-16,-21 21 16,-1 0-16,1 0 15,0 21-15,0-21 16,0 21-16,0 1 0,-1-1 0,1 21 16,21-21-16,-21 22 0,0-22 15,0 21-15,21-21 0,0 22 16,0-22-16,0 0 0,0 21 15,0-21-15,0 1 0,21-1 16,0-21-16,0 21 0,0-21 16,1 0-16,20 0 0,-21 0 0,21-21 15,-20 0-15,-1-1 0,21 1 16,-21 0-16,0 0 0,1 0 16,-1 0-16,0-1 0,0 1 0,-21 0 15,21 0-15,-21 0 16,21 0-16,-21-22 0,0 22 0,0 0 0,0 0 15,0 0-15</inkml:trace>
+  <inkml:trace contextRef="#ctx0" brushRef="#br0" timeOffset="-193497.94">32173 16214 0,'-21'0'15,"42"0"-15,-63 0 0,21 0 0,0-21 16,-1 21-16</inkml:trace>
+  <inkml:trace contextRef="#ctx0" brushRef="#br0" timeOffset="-193269.07">31178 16510 0,'0'0'15,"-21"0"-15,21 21 0,21-21 16,1 0-16,-1 0 15,0 0-15,21 0 0,-21-21 16,22 21-16,-1 0 0,-21-21 0,22 21 16,-22-21-16,21 21 0,-21 0 15,0-21-15,1 21 0,-1 0 16,-21-22-16</inkml:trace>
+  <inkml:trace contextRef="#ctx0" brushRef="#br0" timeOffset="-192967.25">29887 16679 0,'0'0'0,"21"-21"16,1 21-16,-1 0 16,0-21-16,21 21 0,1 0 15,-1-21-15,0 21 0,1-21 16,-1 21-16,21 0 0,-20-21 0,-1 21 16,0 0-16,-20 0 0,20 0 15,-21-22-15,0 22 0,0 0 0</inkml:trace>
+  <inkml:trace contextRef="#ctx0" brushRef="#br0" timeOffset="-191993.41">24215 16764 0,'0'0'0,"-22"0"15,22-21 1,-21 21 0,42 21 15,-21 0-16,22-21-15,-1 21 0,0 1 16,21-1-16,1 0 0,-22 0 16,21 0-16,0 0 0,1 1 0,-1-1 15,0 0-15,1 0 0,-1 0 16,0 0-16,-20 1 0,-1-1 0,21-21 16,-42 21-16,21 0 0,0-21 15,-21 21-15,0 0 16,0 1-1,-21-1-15,0-21 0,0 21 16,0 0-16,0-21 16,-1 21-16,1 0 0,0-21 15,0 22-15,0-1 0,0 0 0,-1-21 16,1 42-16,0-42 16,0 0-16,21 21 0,-21-21 15</inkml:trace>
 </inkml:ink>
 </file>
 
@@ -930,7 +1469,7 @@
           <inkml:channelProperty channel="T" name="resolution" value="1" units="1/dev"/>
         </inkml:channelProperties>
       </inkml:inkSource>
-      <inkml:timestamp xml:id="ts0" timeString="2021-02-02T13:58:59.406"/>
+      <inkml:timestamp xml:id="ts0" timeString="2021-02-03T13:35:54.661"/>
     </inkml:context>
     <inkml:brush xml:id="br0">
       <inkml:brushProperty name="width" value="0.05292" units="cm"/>
@@ -938,58 +1477,138 @@
       <inkml:brushProperty name="color" value="#FF0000"/>
     </inkml:brush>
   </inkml:definitions>
-  <inkml:trace contextRef="#ctx0" brushRef="#br0">1841 2688 0,'0'-21'63,"-21"21"-48,21-21-15,-21 21 16,21-21-16,0 0 15</inkml:trace>
-  <inkml:trace contextRef="#ctx0" brushRef="#br0" timeOffset="921.47">1820 1905 0,'0'-21'15,"0"0"1,0 0-16,0-22 16,0 22-16,0 0 15,0-21-15,0-22 16,0 43 0,0 42 46,0 21-62,0-20 0,0-1 16,0 127-1,0-106-15,0 1 16,0 126 0,0-127-16,0 1 0,0 105 15,0 21 1,0-127-16,0 234 31,0-107-15,0-127-16,0 149 15,0-85 1,21 169 0,-21-169-1,0 126 1,0-168-1,0-1-15,0 1 0,0 190 16,0-127 0,0-64-16,0 1 0,0 63 15,22 63 1,-22-147-16,21-1 0,-21 85 16,0-106-1,0 0-15,0 1 0,0-1 16,0-42-1,0-22 1,0 22-16,0-85 16,0-105-16,0 20 15</inkml:trace>
-  <inkml:trace contextRef="#ctx0" brushRef="#br0" timeOffset="2255.71">1693 1926 0,'0'-21'0,"0"0"16,0 0-1,0 0-15,0-1 16,0 1-1,21 0 1,1 21 0,-1 0-1,21-21-15,0 21 16,22 0 0,-22 0-16,1 0 0,-1 0 15,21 0-15,1-21 0,21 21 16,190-21-1,-169 21-15,-1 0 0,361-22 16,-339 22 0,0 0-16,0 0 0,0 0 15,381 0 1,-254 0 0,-127 0-16,85 0 15,-106 0-15,148 0 0,-191 0 16,1 0-16,105 0 15,-84 0 1,-22 43 0,-42-22-1,-21 64 17,0 20-17,0 1 1,-21 0-1,21-64-15,-21 43 16,-43 190 0,43-148-1,0 254 17,21-169-32,0-149 15,0 22-15,0 106 16,21-1-1,-21-126-15,43 253 16,-43-169 0,0 0-1,0-42 1,0-63-16,0-1 0,0 148 31,0-105-31,-22 84 16,22-147-16,-21 20 15,21-21-15,-21 0 0,21 22 16,-21 20 0,0-42-16,0 0 15,-1-21 1,-20 22-16,-64-1 31,85-21-31,-64 0 16,-42 21-1,85-21-15,0 0 0,-64 0 16,42 0-16,-211 21 16,21-21-1,85 0 1,63 0-16,0 21 0,-232-21 16,232 21-16,-275 1 31,190-22-31,-169 21 15,276-21-15,20 21 16,-20-21-16,20 0 0,-190 42 31,148-42-15,43 0 0,63-21 15,21 0-31,21 0 0,-21-22 15,22 1-15,-1 0 0,43-22 0</inkml:trace>
-  <inkml:trace contextRef="#ctx0" brushRef="#br0" timeOffset="3040.13">6752 2265 0,'0'0'0,"0"-21"0,0 0 15,0-1-15,0-20 0,0 21 0,0-21 16,0-22-16,0 22 16,0-64-1,-21 85 1,0 21 0,-22 0-1,-20 84 1,21 276 15,20-190-15,22-86-16,-42 276 15,42-169 1,-63 401 0,63-317-1,0-169-15,0 148 16,0-84-1,0-86-15,0-20 0,0 232 32,0-169-32,0-85 0,0 1 15,0 63 1,0-64-16,0-21 0,0 0 16,0-42 15,0-85-16,0 64-15,0-106 16,0 84-16,0-20 0,84-319 16</inkml:trace>
-  <inkml:trace contextRef="#ctx0" brushRef="#br0" timeOffset="4034.95">6689 1990 0,'0'-21'0,"0"42"0,0-64 16,0 22-16,21-21 15,0 42 1,21-21 0,64 21-1,-64 0-15,1 0 0,126-43 16,0 43 0,255-63-1,-297 42-15,-21 0 16,42-1-16,-21 1 0,0 21 15,317-63 1,-20 42-16,-43-1 16,-254 22-16,-22 0 15,86 0-15,-128 0 16,1 0-16,84 22 16,-42 20-1,-64 0 1,-21 1-16,-21-22 0,43 42 15,-43-42-15,0 22 0,0 63 16,0 63 0,0-63-1,0-43-15,-21 128 16,-1-128-16,1 22 0,-21 127 16,-22 20-1,43 22 1,21-42-1,0-127-15,0-22 0,0 212 32,0-126-32,0-86 15,0 170 1,0-127-16,-21-64 16,0 64-16,-21 42 15,42-106-15,-22 22 16,22 42-1,-42-22 1,21-62-16,-43 20 16,-41-21-1,-1 0 1,-42-21 0,84 0-16,-126 21 15,-509-21 16,149 0-15,126 22 0,86-1-1,-22 0 1,233-21 0,-127 0-1,190 0 1,22 0-16,42-21 31,21 0-31,0-1 0,1 1 16,105-85-16</inkml:trace>
-  <inkml:trace contextRef="#ctx0" brushRef="#br0" timeOffset="4747.5">11536 2180 0,'0'0'0,"0"-21"0,42-21 16,-42-1-16,21 22 15,-21-42-15,21 42 0,1-43 16,-22 43-16,21 0 16,0-64-1,-21 64-15,0 0 0,0 0 16,0-22-16,0 22 16,0 42 15,0 22-31,0 84 15,-21 63 1,21 85 0,0-169-16,0 0 0,0 0 15,0 402 1,-21-254-16,21-127 0,0 127 16,0-127-16,-22 106 15,22-106-15,-21-22 0,0 319 31,0-149-15,21-212-16,-21 64 0,21 22 16,0-107 15,0-84-15,0-1-1,0 1-15,0-64 0,0 43 16,21-1-16,21-105 0</inkml:trace>
-  <inkml:trace contextRef="#ctx0" brushRef="#br0" timeOffset="5729.97">11642 1969 0,'0'-22'0,"-22"22"0,22-21 0,0 0 15,0 0 16,22 21-31,20 0 16,0 0-16,1-21 0,20 21 16,1 0-16,168-21 15,-126 21-15,360-43 32,-318 22-32,191 0 0,169 0 15,-318 0-15,149-1 16,-170 1-16,466-21 31,-487 42-31,-21 0 0,0-21 0,64 21 16,-106 0-16,-22 0 15,43 0-15,-64 0 16,1 0-16,20 21 16,-21 21-1,-20 22 1,-22 84-1,0-106-15,0 1 0,-22 105 16,1 21 0,21 43-1,0-64 1,0-63-16,0-1 0,0 1 0,0 169 31,-21 42-31,0-211 0,0 190 16,-22 21-1,43-211-15,-21 0 16,-21 253 0,21-189-16,-43 126 15,43-169 1,0-43-16,0-21 16,21 1-16,-64 84 15,1-64 1,-1-42-1,43 1-15,-85-1 16,64-21-16,0 0 0,-212 0 16,-127 0-1,105-21 1,128 21-16,-360-22 16,-487 22 15,403 0-31,126 22 15,149-1 1,232-21-16,21 21 16,-84-21-1,148-21 1,85-43 0,84-20-16,-105 62 15,-1-41-15</inkml:trace>
-  <inkml:trace contextRef="#ctx0" brushRef="#br0" timeOffset="6364.1">16976 2371 0,'0'-21'0,"0"42"0,0-64 16,0 22-16,0 0 0,0 0 0,0-21 15,0 20-15,0-41 16,0 42-16,0-106 31,0 148 0,0 64-15,0 550 15,-64-254-15,22 21 0,-22 0-16,43-275 15,-21 339 1,-1-149-1,43-63 1,0-190-16,0-1 0,0 43 16,0-64-16,0 1 0,0 20 15,0-42 1,0-42 0,0-21-16,0-64 15,22 64-15,-1-1 16,-21-105-16</inkml:trace>
-  <inkml:trace contextRef="#ctx0" brushRef="#br0" timeOffset="7338.06">16679 2625 0,'0'-64'15,"0"128"-15,0-170 0,0 64 16,0-1-16,0 1 0,21 21 0,-21-22 16,22 22-16,-1 0 15,0 0-15,42-43 0,64 22 16,85-21 0,63 20-1,254-63 16,-275 64-31,297-43 16,-424 64 0,169-21-16,-169 42 0,21-21 15,191-22 1,21 22 0,-212 21-1,-21 0-15,-106 0 16,21 0-16,22 64 15,-43-1 1,-21-42-16,0 106 16,0-21-1,0-63-15,0 20 0,0 212 16,0-105 0,-42 168-1,21-253-15,21 0 16,0-1-16,0 22 0,0-21 15,0 275 1,0-255-16,21-20 0,21 190 16,-21-190-16,-21-22 15,21 22-15,-21-21 0,0 20 16,43 234 0,-43-212-1,0 42 1,0-85-16,0 43 15,0-85-15,-43 85 16,1-64 0,-21 1-1,41-22-15,-41 21 16,21-42-16,-1 21 0,-105-21 16,-148 22-1,-22-22 1,64 0-1,148 0-15,-42 0 0,-550-22 32,423 22-17,-255-42 1,86 0 0,126 21 15,255-1-31,63 1 31,0 0 0,63 0-15,-41 0-16,105-22 16</inkml:trace>
-  <inkml:trace contextRef="#ctx0" brushRef="#br0" timeOffset="7697.22">20383 4784 0,'0'0'0,"0"-21"31,0-1 63</inkml:trace>
-  <inkml:trace contextRef="#ctx0" brushRef="#br0" timeOffset="7898.1">21040 4741 0,'0'0'0,"21"0"0,0 0 16,21 0-16,-21 0 16,22 0-1,-22 0 1,0 0-1,0 0 1,0 0-16,1-21 16</inkml:trace>
-  <inkml:trace contextRef="#ctx0" brushRef="#br0" timeOffset="8103.98">21992 4720 0,'0'0'15,"42"0"1,-20 0 0,-1 0-1,0 0 1,0 0 0,-21-21-16,42 21 0,22-21 15</inkml:trace>
-  <inkml:trace contextRef="#ctx0" brushRef="#br0" timeOffset="8278.67">22669 4657 0,'64'0'0,"-43"0"15,-106 0-15,191 0 0,-85 0 0,1 0 47,-1 0-31,0 0-1,0 0 1,0 0 0</inkml:trace>
-  <inkml:trace contextRef="#ctx0" brushRef="#br0" timeOffset="8456.12">23177 4657 0,'43'0'15,"-86"0"-15,107 0 16,-22 0-1,1 0 1,-22 0 0,0 0-16,-21-21 62</inkml:trace>
-  <inkml:trace contextRef="#ctx0" brushRef="#br0" timeOffset="9153.87">23939 3810 0,'0'0'0,"43"-63"16,-43 41-16,0 1 0,0 0 0,0 0 15,0-21 1,0 20 0,0 44-1,0-1-15,0 21 0,0-21 16,0 22-16,0-1 0,0 64 15,0 21 1,0-85-16,-21 127 16,21-20-1,0-107-15,0-21 0,0 21 0,0 22 16,0-43 0,0 0-16,21-42 46,-21 0-30,0 0-16,21 0 0,0-1 16</inkml:trace>
-  <inkml:trace contextRef="#ctx0" brushRef="#br0" timeOffset="10023.54">24490 3937 0,'0'0'15,"0"-21"-15,21 21 0,-21-42 16,-21 42 15,0 0-31,-1 21 0,1 0 0,0 0 16,0 0-16,0 22 0,-22 84 16,22-85-1,0 21-15,0-20 0,21 63 16,0-85-16,0 42 15,0-42-15,85 43 32,20-64-17,1-42 1,-42 20-16,-1-232 47,-147 43-32,20 147 1,-21 1 0,43 42-1,63 21 17,0 0-32,43 0 0,63 0 15,190-22 16,-168 22-15,-86 0 0,-42 0-16,-21 22 15,0 41 1,-21 1 0,-64 63-1,43-64-15,21-21 16,0 107-1,21-86 1,42 1 0,22-43-1,-43-21-15,21 0 0,85-21 16,-85-1-16,-20 1 16,62-106-1,-84 64-15,21-43 16,-21 64-16,-63-170 31,21 170-31,-1-1 16,22 43-16,0 0 15,-21 0-15,20 0 16,-20 21 0,21 1-1,21-1 1,21-21-16,21 0 15,-20 0-15,-1 0 16,21 0-16,-21 0 16</inkml:trace>
-  <inkml:trace contextRef="#ctx0" brushRef="#br0" timeOffset="10318.12">25612 3831 0,'0'0'0,"-22"0"15,1 0-15,21-21 16,21 21 0,1 0-16,126-21 15,-64 21 1,-41 0-16,20-21 16,-20 21-16,105 0 15,-85 0 1,-42 0-1,-42 0 1,0 0 0,0 0-16,0 0 15,0 0-15,-22 0 16,22 0-16</inkml:trace>
-  <inkml:trace contextRef="#ctx0" brushRef="#br0" timeOffset="10653.44">25971 3810 0,'-21'0'16,"0"21"-1,21 0 1,-21-21 0,21 22-16,-42-1 0,42 0 15,-43 64 1,22-1-1,-21-20 1,42-43-16,-21 64 16,-1-43-16,22-21 0,-42 85 31,42-85-31,0 0 16,21-42 30,0 0-46,1 0 16,-1 0-16,0 21 0,0-22 16</inkml:trace>
-  <inkml:trace contextRef="#ctx0" brushRef="#br0" timeOffset="11118.57">26352 3979 0,'22'-21'16,"-22"0"0,0 0-1,-22 21 16,-20 0-15,0 21-16,21-21 16,-1 21-16,-83 43 15,20 20 1,21 22 0,64-63-16,0-22 15,22 63 1,20-84-1,64 22 1,-43-22 0,-42 0-16,1 0 0,41 0 15,-63-22-15,21 22 16,0-21 0,-21 0-16,0 0 15</inkml:trace>
-  <inkml:trace contextRef="#ctx0" brushRef="#br0" timeOffset="18256.38">3789 1016 0,'0'-21'31,"0"0"-16,0-22-15,0 22 16,0 0-16,0-64 16,0-84 15,0 106-15,-43-43-1,43 85 1,0-1-16,-21 22 15,0 43 1,0 41 0,21 43-1,0 212 17,0-170-17,0 1 1,0-86-1,0 43 1,21-105 0,-21-65 31,0 22-47,0-42 15,0-43 1,21 21 15</inkml:trace>
-  <inkml:trace contextRef="#ctx0" brushRef="#br0" timeOffset="18835.68">3704 487 0,'0'-21'0,"-21"21"16,21-21-16,21 21 31,21 0-15,-20 0-16,-1 21 16,85 21-1,-1 0-15,-62-20 16,84 20-1,169 85 1,-169-85 15,-85-21-31,22 1 16,-43-1-16,43 21 0,-64 0 31,-64 1-15,-63 20-1,0 22 1,-106 84 15,22-42-15,62-42 0,65-43-1,-1 22 1,64-64 15,21-21 0,21-22-15,43-41 0,-64 41-16</inkml:trace>
-  <inkml:trace contextRef="#ctx0" brushRef="#br0" timeOffset="20053.45">3789 762 0,'-21'-21'0,"21"0"15,0 42 16,0 0-31,0 0 16,0 0-16,0 106 16,0-84-16,0 126 15,0-127-15,0 43 16,0-43-16,0 43 16,-22-43-1,22-20-15,0-1 31,0-64-15,22 1 0,-1-43-1,42-190 17,-63 212-32,21-22 15,1-63 1,-1 84-1,0 107 1,-21-1-16,0 85 31,0 21-31,-21 0 16,-22 1 0,43-65 15,0-105 0,0 0-31,0-21 16,64-234 15,-22 171-15,-21 20-1,1 64 1,-22 105 15,0 65-15,0-65-1,0-63-15,0 106 16,0-105-16,0-1 16,0 0-16,0-42 31,0-22-16,21 22-15,-21 0 0,0 0 16,42-64-16,0-169 31,-20 148-15,-22 85 0,0 64-1,0 147 16,0-42-15,0-84 0,0-22-1,0-21 1,42-63 15,-21 21-31,21-64 16,22-21-1,21-84 17,-85 296-1,0-22-15,0-41-16,-22 147 31,22-148-16,-21 1 1,0-43 0,0 0-16,21 21 0,-42-21 15</inkml:trace>
-  <inkml:trace contextRef="#ctx0" brushRef="#br0" timeOffset="21338.26">7705 720 0,'0'0'0,"0"-43"0,0 22 16,0 0-16,0-21 0,-22 21 0,22-43 31,-21 43-31,21 42 32,0 43-32,0-22 15,21 21-15,1 213 16,-22-128-1,0-85-15,-43 107 16,22-65 0,0-41-16,21-43 15,0 0-15,0-42 16,0 0 0,0 0-16,0 0 0,0-22 15</inkml:trace>
-  <inkml:trace contextRef="#ctx0" brushRef="#br0" timeOffset="22256.68">7514 635 0,'0'-85'0,"0"170"0,-21-212 0,21 64 16,42 63 15,85 42-15,148 85-1,-211-106-15,84 43 16,-84-43-16,274 148 31,-253-105-15,-85 20-16,-42-20 16,-64 20-1,-148 107 16,84-85-15,86-64 0,-43-21-1,106-42 17,21-21-32,0-1 15,63-41 1,-42 41-16,43-105 15,42-106 1,-106 233 15,-22 63-31,1 1 0,-63 105 16,-43 85 15,127-191-15,0 0-1,21-42 1,42-42 0,-20-43-1,-22 64-15,42-212 32,-63 128-17,-21 83 1,0 22-16,0 22 15,-64 210 17,85-105-17,0-84 1,0-22 0,127-63 15,-42-43-16,-22-21 1,-20 0 0,20 64-1,-63 84 1,0 1-16,0 84 16,0-22-1,-21 107 16,21-191-31</inkml:trace>
-  <inkml:trace contextRef="#ctx0" brushRef="#br0" timeOffset="22854.89">13102 445 0,'0'0'0,"0"-22"0,-21 1 0,21 0 15,-21 0-15,-43 106 32,64 63-17,0 148 1,21-105-1,43 20 1,-43-126 15,0-85-15,-21-42-16,0 20 0,0-189 31</inkml:trace>
-  <inkml:trace contextRef="#ctx0" brushRef="#br0" timeOffset="23237.29">13123 402 0,'0'0'0,"0"-63"0,0-64 31,0 148-15,127 106 0,21 0-1,-84-106-15,-1 21 16,276 85-1,-275-105 1,63-1-16,0 0 16,-85 0-1,-42 43 1,-148 63 15,-64 42-15,85-106-1,-127 86 1,42-22 0,107-85-1,83-42 1,44-106 15,-22 64-31,42-43 16,-21-21-16</inkml:trace>
-  <inkml:trace contextRef="#ctx0" brushRef="#br0" timeOffset="23770.98">13314 656 0,'0'-42'0,"0"21"0,0 84 0,0-147 0,-21 62 15,-43 65 1,1 84 0,20 84-1,22-62 1,21-44-1,0-83-15,0 20 16,0-21-16,21-21 31,0-21-31,1 0 0,41-106 16,1-21 0,-64 105-1,63-147 1,-42 169-16,-21-1 15,21 22-15,1 0 16,-1 43-16,-21-1 16,0 0-16,0 149 15,0-106 1,0-64-16,0 21 16,21-42-1,64 0 16,-1-85-31,-20-20 16,20-1 0,-62 63-16,-1 22 15,21-21 1,-42 105 0,0 1-16,0-1 15,0-20-15,-42 41 0,21-20 16,-1-22-16,-20 64 15,42-42 1</inkml:trace>
-  <inkml:trace contextRef="#ctx0" brushRef="#br0" timeOffset="24355.68">18182 487 0,'0'0'0,"0"-21"0,0 0 0,-21-1 0,0-41 15,21 42 17,-21 63-32,-1 0 15,1 64-15,21-42 16,-21 20-16,0 65 0,0-65 15,-22 191 1,22-105 0,21-86-1,0-62-15,0 41 0,0-42 16,0-42 15,0 0-31,0 0 0,21-64 16</inkml:trace>
-  <inkml:trace contextRef="#ctx0" brushRef="#br0" timeOffset="25295.15">18076 677 0,'21'-63'0,"-42"126"0,64-295 15,-43 168 1,0 43-16,0 0 0,21 42 16,-21 0-1,63 64 1,43 21-1,-64-64-15,85 43 0,-63-64 16,-1 21-16,191 64 16,-148-64-1,-42-21-15,63 1 16,-85 20 0,-169 106 15,-85-42-16,128-64-15,-22 1 0,-233 105 16,128-42 15,126-64-31,64-21 32,21-42-17,21 0-15,21-64 16,43-21-1,21-63 1,-22 42 0,-62 63-16,20 1 0,0-149 15,-42 149 1,-42 63 0,21 21-16,0 0 0,-1 21 15,1 1-15,0 20 0,21-20 0,-21 126 16,21-42-1,0-106-15,0 43 16,42-22 0,-21-42-16,1 21 15,41-21 1,-42-21-16,0 0 16,1 0-16,62-64 15,-41 21-15,-22 22 16,63-127-1,-41 148 1,-43 63 0,0 43-1,0-43-15,0-21 0,0 43 16,0-22 0,0-21-1,21-42 1,0 21-1,0-42 1,43-43-16,20-42 31,-41 63-31,-22 43 32,-21 148-17,0-21 1,0 21-1,42 0 17,1-127-17</inkml:trace>
-  <inkml:trace contextRef="#ctx0" brushRef="#br0" timeOffset="26506.3">22500 7387 0,'0'0'0,"-21"-21"0,0 21 0,0-21 16,-22 21-16,22 0 0,0 0 15,-21 0-15,20 0 0,-232 127 32,106 0-17,-85 148 1,22 148 15,190-359-31,-1 211 16,65-106-1,105 22 1,191-1 15,-64-168-15,21-44-1,-63-41 1,254-276 15,-339 128-15,-42-128 15,-106 106-31,-64 21 16,-253-190 15,63 296-15,0 85-1,42 42 17,85 43-17,42-1 1,1 43-1,63-63 1</inkml:trace>
-  <inkml:trace contextRef="#ctx0" brushRef="#br0" timeOffset="26929.83">22161 7895 0,'0'21'16,"0"-42"-16,-21 64 0,0-22 0,0 0 15,21 0-15,0 0 16,21-21-1,0 0 1,64-106 15,-85 64-15,-21 42 0,0 0-1,-22 64 32,43-22-47,0-21 31,21-21-15</inkml:trace>
-  <inkml:trace contextRef="#ctx0" brushRef="#br0" timeOffset="27280.18">22691 7895 0,'0'21'15,"-22"-21"1,1 43 0,21-1-1,64-42 1,-1 0-1,-42-21-15,22-85 32,-43 64-1,-43 42-15,22 0-16,0 0 15,-85 84 16,106-20-15,-21-64-16</inkml:trace>
-  <inkml:trace contextRef="#ctx0" brushRef="#br0" timeOffset="27646.99">22225 8361 0,'0'0'15,"-21"0"-15,21 21 0,-21 0 16,-1-21-16,22 43 16,22-22 15,62-21-16,64-21 1,128-85 15,-213 85-15,-42-1 0,-21 44 30,0-1-30,21 0 0</inkml:trace>
-  <inkml:trace contextRef="#ctx0" brushRef="#br0" timeOffset="28204.96">22691 9567 0,'0'-21'16,"0"42"-16,0-63 0,-22 21 0,22 0 15,0-43 1,0 85 15,0 64-15,22 21-1,-22-64-15,63 297 32,-63-233-17,0 63 17,0-84-17,0-1 16,-63-84 1,41-63-17,1-22 1</inkml:trace>
-  <inkml:trace contextRef="#ctx0" brushRef="#br0" timeOffset="28698.72">22669 9864 0,'0'21'0,"0"-42"0,-21 21 0,-21 0 16,21 21-16,-64 64 15,-21 84 17,22-21-1,41-106-16,43-20 1,21-65 15,43-41-15,42-22 0,0-21-1,42 21 16,-85 85-15,1 42 0,42 42-1,-1 22 1,1 0 0,0-1 30,-85-62-30,-42-86 15,-42 22-15</inkml:trace>
-  <inkml:trace contextRef="#ctx0" brushRef="#br0" timeOffset="31135">24257 5017 0,'0'0'0,"-21"0"0,0 0 15,21 21-15,-22-21 16,44 0 0,-1 0-16,0 0 15,0 0-15,318 0 32,-170 0-17,-105 0-15,190-21 0,-43-1 16,64 22 15,-190-21-15,-43 21-1,-20 0-15,-44 0 32,1 0-17,0 0-15,0 0 0,-21 0 16,-43 0-1,0 21 1</inkml:trace>
-  <inkml:trace contextRef="#ctx0" brushRef="#br0" timeOffset="31532.77">23812 5398 0,'-21'0'16,"42"0"0,22 0-16,-1 0 0,43 0 15,-43 0-15,170 0 16,-149-22-16,107 22 15,-86 0-15,1-21 0,84 0 16,64 21 0,-148-21-16,-43 21 0,149 0 31,-128-21-31,-42 21 0,0 0 16,1 0-16,-44 0 78,1 0-78,0 0 0</inkml:trace>
-  <inkml:trace contextRef="#ctx0" brushRef="#br0" timeOffset="63584.63">9652 7049 0,'0'0'0,"0"-22"0,-21 1 16,0 0-16,21-42 15,-43 41 1,43-20-1,0 84 48,0 1-63,0-22 16,21 21-16,1 1 0,-22-1 15,0 21-15,42 149 16,-42-106-1,0-43-15,0 86 16,0-107-16,0 0 16,0 1-16,0-1 0,0 170 15,0-191 1,0 21-16,0 43 16,0-64-16,21 21 15,-21-21 1,0-42 31,0 0-47,0 0 0,0 0 15,-21 0-15,21-43 16,0-21 0,0 43-16</inkml:trace>
-  <inkml:trace contextRef="#ctx0" brushRef="#br0" timeOffset="64529.08">9525 6858 0,'0'-21'15,"0"0"-15,0 0 32,21 21-17,0 0 1,0 0-16,1 0 15,-1 0-15,42 42 16,-42-21 0,1 0-16,62 22 15,-63-22-15,22 0 0,84 42 16,-21-20 0,-64-22-16,0 0 15,1 0-15,-1 0 16,43 1-16,-43-1 0,0-21 15,149 63 1,-85-42 0,21 22-1,-43-22-15,-63-21 16,22 0-16,20 21 16,-20 0-1,-22-21-15,0 21 16,-21 1-1,0-1 1,0 0-16,-42 0 16,-43 21-1,-42 22 1,85-64-16,-1 21 0,-147 64 31,105-43-31,43-21 0,-43 22 16,43-22-16,-85 63 15,84-62-15,-168 105 32,105-64-17,64-42-15,-22 22 16,1-1 0,41-21-1,1-21 16,21-21 110,0 0-125</inkml:trace>
-  <inkml:trace contextRef="#ctx0" brushRef="#br0" timeOffset="67578.19">9440 7154 0,'0'0'0,"0"-21"0,0 0 16,0 0-1,0 0-15,0 0 31,0-1 1,21 22-1,1 22-31,-22-1 16,63 63-1,-42-20 1,0-22-16,1 85 15,20 21 1,-21 128 0,-21-255-1,0 21-15,0 22 0,0-22 16,0-21-16,0 43 16,0-1-1,0-42 1,21-21-1,-21-21-15,0 0 16,0 0-16,21-85 16,-21 0-1,0-21 1,0 21 0,0 43-16,0 20 0,22-62 15,-22-22 1,0 84-16,0-41 0,0-22 15,0 85-15,0-64 16,0 64-16,21 0 16,-21-1-1,0 44 17,0-1-32,0 0 15,0 21-15,21 85 16,-21-21-1,0-42-15,21-22 0,-21 127 16,0-21 0,0-105-16,0-1 0,21 85 31,-21-106-31,0 64 16,21-22-1,-21-41 1,22-22-1,-22-85 17,21-42-17,-21 63-15,0 22 16,-21-106-16,21 84 16,-22 1-16,1-106 15,-42-22 1,63 128-1,0-43 1,-21 21 15,21 106-15,0 0 0,0 1-16,21 20 0,0 85 15,21 42 1,-42-105-16,0-1 15,21 43-15,-21 42 16,0-105-16,0-1 16,0 106-1,0-106 1,0 22 0,0-43-16,0 0 15,22-42 1,-22 0-1,0 0-15,0-64 16,21-21 0,-21 64-16,0 0 0,0-191 15,21 42 1,-21 107 0,0 41-16,21-63 15,-21 85-15,0 0 0,0-21 31,0 21-15,0 42 0,0 0-16,0 0 0,0 0 15,21 22-15,-21 105 16,0-21 0,0-64-16,0 107 15,0-43-15,0-106 16,0 21-16,0 43 15,0-64 1,0 0-16,0-42 31,0 0-31,21 0 16,-21-64-16,22-21 16,-22 64-1,0-43-15,21-63 16,-21 106-16,0-22 15,21-84 1,0 84-16,-21 22 16,0 21-16,0 0 15,21 21 1,-21 21 0,21 21-1,-21 43 1,0-43-16,0 64 0,0-42 15,0-22-15,0 21 0,0 86 16,0-1 0,0-42-1,0-85 1,0 0-16,0-42 47,0 0-47,22-1 0,-22 1 15,21-21-15,-21 21 0,0-22 16,63-147 0,-20-1-1,-22 107 1,21-22 0,-42 64-1,21 42-15,-21 21 16,0 21-1,0 85 1,0-85-16,0 1 0,0 41 16,0-41-16,0-1 0,-21 64 15,0-64-15,21 1 16,0 20 0,0-42-1,0-42 16,0 0-31,0 0 16,0 0-16,21-1 0,-21-20 0,21 21 16,-21-64-16,0 43 15,43-127 1,-43 126 0,21 22-1,-21 42 1,21 85-1,-21-21 1,0 21 0,0-64-16,0 21 15,0-41-15,0-1 0,0 0 16,0-42 15,0 0-15,0-1-16,21 1 0,-21 0 15,21-85 1,0-21-16,1 21 16,-22 64-1,21 21-15,0 42 16,0 43 0,-21-22-16,0 21 15,0 43 1,0-21-1,0-64-15,0 0 0,0 22 16,21-43 15,0 0-31,-21-22 0,22-20 16,41-106 0,-42 127-1,0-43-15,1-20 16,-1 84-16,-21 21 31,21 21-15,-21-21-16,0 0 0,0 1 15,0-1-15,0 0 0,0 0 16,0 21-16,0-20 16,0-1-16,21-21 15,0 0 1,22-21-1,-43-1 1,21 22-16,0-21 0,-21-21 0,63-43 16,-41 43-1,-1 21 1,0 42 0,-21 0-16,0 21 15,0 22 1,0-43-16,0 0 0,0 0 15,0 1-15,0-1 16,-21-21 15,0 0-31,-1-21 16,1 21-16,0-22 16,0 1-16</inkml:trace>
-  <inkml:trace contextRef="#ctx0" brushRef="#br0" timeOffset="69814.11">9715 6943 0,'-21'0'0,"42"0"0,-42-21 0,0 21 16,42 0 15,0 0-31,1 0 15,20 21-15,21 0 16,-41 0-16,105 21 16,84 43-1,-147-64-15,169 64 32,-43-43-17,-126-21-15,63 22 0,-64-22 0,85 21 16,-21 1 15,-106-22-31,1-21 0,-1 21 16,-21 0-1,0 0-15,-21-21 16,-1 21-16,-62 1 16,20-1-1,22 0-15,0-21 0,-1 21 0,-63 0 16,1 22-1,41-22-15,22 0 0,-233 106 16,169-64 0,-64 22-1,128-64-15,0 0 0,-43 43 16,43-43-16,21-21 0,-43 42 16,22-42-1,42-21 16,0 0-31,0 0 0,0 0 16,21 0-16,21-22 16,22 1-16,-43 0 0,21 20 15,85-83 1,-42 20-16,-43 43 16,22 20-16,105-126 15,-105 106 1,-22 21-16,64-22 15,-85 43 1,-21 22 0,0-1-16,-21 0 0,0 0 15,-128 85 1,107-64-16,-85 43 16,64-43-16,-86 64 31,65-64-31,63-42 15,21-21 17,0 0-32,21 0 15,21-21-15,0 20 0,-20-20 16,20 21-16,85-85 16,-42 43-16,-43 41 15,0-20-15,106-43 16,-105 64-16,-22 21 15,0 0-15,21 0 16,-42 21 0,0 1-16,-21-1 15,-85 63-15,-21 22 16,-42 0 0,-21 21-1,63-42 16,127-106 1,63-1-32,-42 1 0,22-21 15,62-43 1,44 1 0,-107 41-16,0 1 0,64-22 15,42-20 1,-84 63-16,-43-1 0,85 1 15,-85 0 1,-42 21 0,-64 64-1,43-43-15,-64 42 16,42-42-16,-84 64 16,-21 0-1,42-22-15,0-20 31,148-43 1,21 0-32,1 0 15,-22-22-15,106-41 16,21-1 0,-63 1-1,-22 42-15,22-43 0,-43 43 0,1-21 16,-22 21-16,42-64 15,-63 43 1,0 20-16,-127-20 16,43 42-1,41 0-15,-63 0 16,-63 0-16,84 21 16,-42-21-1,106 0-15,0 0 0,0 0 31,42 0-15,0 0-16,0 0 0,128 21 16,-107-21-1,43 22-15,-22-22 16,-21 0-16,170 21 16,-106-21-1,0 21 1,-64-21-16,-21 0 0,0 0 15,-21 21-15,-21-21 16,-63 0 0,-43 0-1,-43 0 1,107 0-16,-1 0 0,-147-21 16,105 21-1,63 0 1,65 21 15,-1-21-31,42 21 16,1 0-1,-22-21-15,85 22 0,-85-22 16,1 0-16,-1 21 0,0-21 16,107 0-1,-192 0 16,22 0-15,0 0-16,-21 0 0,-1 21 0,-84 0 16,0 0-1,43 0 1,41 1 0,43-1-16,0 0 0,21-21 31,22 0-31,-1 0 0,-21 0 15,64 0-15,-22 0 16,-41 0-16,20 0 16,64-21-1,-106 0 1</inkml:trace>
-  <inkml:trace contextRef="#ctx0" brushRef="#br0" timeOffset="77523.02">11557 8911 0,'0'0'0,"0"21"16,21-21 30,-21-21-30,21 0-16,0 21 0,43-85 16,-22 22-1,1 42-15,-1-22 16,64-126 15,-106 127-15,-64 42 15,-84 42-15,106 0-1,-1 22 1,22-22 0,21-21-16,0 43 15,0 21 1,0-43-1,0-21-15,43 21 16,20 64 15,1-21-31,-43-43 16,-21 43 0,0 0 15,-64-22-16,43-42-15,-85 22 16,64-43 0,-85-22 15,85-20-31,20 21 16,1-64-1,-21 22 1,42 42-16,0-22 15,0 22-15,21 42 47,0 0-47,-21 1 0,21-1 16,-21 0-16,0 0 0,43 43 16,-1-1-1,-21-42-15,85 64 31,-42-85-15,41 0 0,-20 0-1,-64-21-15,170-64 32,-64-21-17,-64 22 1,-42 62-16,1 1 0,-22-21 15,0-43 1,-43 64 0,1 42-1,0 43 1,-22 84 15,43-63-15,21-64-16,0 63 15,0-62-15,127 41 32,-106-63-32,64 0 15,21 0 1,-1-21 0,107-85 15,-64 21-16,-63 43 1,-64 21-16,0 0 0,64-43 16,-64-20 15,-63 20-31,21 64 16,-85 0-1,-85 106 16,85 0-15,85-43 0,0 22-1,21-22 17,42-63-17,22 0-15,21-21 16,84-106 15,-84 43-15,-64 41-1,0 22-15,-21 0 0,0 0 16,0 42 31,0 0-32,0 21-15,0 149 32,-21-1-17,-22 1 1,22-64 0,-42 444-1,42-295 1,21-44-1,-22-20 1,1 127 15,21-233-31,0-64 16,0-63 0,43-212 15,62-212-16,-62 234 1,41-107 0,1 1-1,21-64 1,-85 211-16,0 107 16,-21-22-16,43-275 15,-43 255 1,0-44-1,0 86 1,0 21 0,21 20 15,-21 44-15,0 20-1,0 0-15,0 128 31,0-86-15,0 1 0,21 0-1,85-43 17,-43-63-17,22-22 1,0-62-1,-22-22 1,-42 0 0,-21 63-1,0 43 1,-21 42 15,21 0-15,0 22-16,0 41 15,0 1 1,0 63 15,42-106-15,64-20 0,-42-22-16,-22 0 15,170-106 1,-170 63-1,0-62 1,-42 20 0,0 0 15,-42 64-15,0 42-1,21 0-15,-43 43 16,43 84-1,21-21 1,42-106 0,-21 0-16,106 1 31,-63-22-15,-43 0-16,85-64 15,-43 1 1,1-64 15,-64 63-15,0 43-16,0 63 47,-21 43-32,0 0 1,21-64-1,0 63 1,0-105 47,0 0-63,21-21 0,0-43 15,21 0 1,-21 43-1,1 0 1,-1 42 0,0 21-16,21 64 31,1-1-15,-1-41-1,0 20 1,22-42-1,-43-21-15,21 0 0,22 0 16,-22-21 0,-21 0-16,64-85 15,0-63 17,-64 84-1,0 85-16,-21 42 17,0-20-32,0-1 15,0 0 1,0-42 31,0 0-47,0-1 15,-21 1 1,21 0 0,-64 21-1,43 21 1,-21 43 0,42-43-16,-21 0 15,-22 148 1,43-84-1,0-21 1,43-22 0,41-21-1,1-21 1,-64 0-16,0-21 0,64-21 16,-22-22-1,-41 43-15,-1-21 0,0-1 16,42-168-1,-41 105 1,-1-85-16,0 128 0,-21-64 16,0 84-16,0-20 15,0-64 1,0 106-16,-42 21 31,20 21-31,1 42 0,0-20 16,21-1-16,-42 233 15,21-105 1,21-65 0,0 44-1,0-107-15,0 0 0,63 64 16,-21-42 0,-20-64-16,41 0 15,-21 0 1,-20 0-16,105-127 31,-43 0-15,-20-22-16,-1-105 15,-63 191 1,0-1-16,21-84 16,-21 85-16,0-22 15,0 43 1,-21 63-1,-21 148 17,21 43-17,21-106-15,0 105 16,0-62 0,0-107-16,21 21 15,0-41-15,0 41 16,0-42-16,1-21 15,-1 0-15,0 0 16,21 0-16,-21-21 16,22-21-16,-22 42 15,0-21-15,0-1 0,0 1 0,-21 0 16,43-42 0,-43 84 15,0 21-16,0-21-15,0 22 16,0-1 0,0-21-16,84 21 15,-20-42 1,-22 0-16,43-21 16,-64 21-16,43-42 15,-43 21-15,42-106 31,-63 84-15,0 1 0,0 63 15,0 0-15,-42 64-1,21-21 1,0-22-16,-22 275 31,43-126-15,0-128-16,0 213 15,43 147 17,-22-211-17,0 42-15,-21-43 16,0-20 15,0-170-31,-42 42 16,20-41-16,-41-22 15,21 0 1,20-22-16,-105-168 16,64-43-1,63 64 1,0-106-1,42-170 1,1 297 0,41-64-1,1 106 1,-43 64-16,-21 21 0,85-85 31,-21 43-31,-43-22 16,-42 64-1,0 0-15</inkml:trace>
-  <inkml:trace contextRef="#ctx0" brushRef="#br0" timeOffset="77863.83">15240 8700 0,'0'0'0,"42"0"0,-21 0 0,22-22 0,41 22 15,43-42 1,-63 21-16,-22 21 0,170-42 31,-106 42-15,-22-22 0,-84 1 15</inkml:trace>
-  <inkml:trace contextRef="#ctx0" brushRef="#br0" timeOffset="80017.67">11261 10160 0,'-22'0'0,"44"0"62,-1 0-62,0 0 0,0 0 16,0 0-16,0 0 0,149 0 15,-1 0 1,64 0 0,42 0-1,-190 0-15,21 0 0,486-21 31,-338 21-31,254-21 16,-106 0 0,-275 21-16,0 0 15,508-22 1,-402 1 0,-127 21-16,190 0 15,-147-21 1,168 21-1,-232 0 1,-64 0 0,-42 0 15,0 0-31,-1 0 16,1 0-16,-21 0 0,0 0 15,-1 0-15,1 0 0,-64 0 16,64 0-16,-106 0 31,105 0-31,1 0 0</inkml:trace>
-  <inkml:trace contextRef="#ctx0" brushRef="#br0" timeOffset="80621.85">15198 10647 0,'-22'0'0,"44"0"0,-65 0 0,22 21 16,0-21-16,42 0 31,127 0 0,106-21-15,106-21-1,-148 20-15,465-41 32,-275 21-17,-317 42-15,84-43 16,-84 43-16,42-21 15,-85 21-15,22-21 0,-1 21 16,-20-21 0,-22 0-16,-21-1 31,-21 22-31,-1 0 16,22 22 30</inkml:trace>
-  <inkml:trace contextRef="#ctx0" brushRef="#br0" timeOffset="81109.57">17695 10922 0,'-21'0'0,"42"0"0,-42 21 0,-42 0 16,41 1-16,1-1 15,42-21 17,1 0-32,41 0 15,85 0 1,-84 0-16,63 0 15,-43-21-15,86-1 0,-64 1 16,-1 21-16,1-21 0,339 0 16,-212 0-1,211 0 1,-338 21-16,169 0 16,-211 0-16,211-22 31,-169 22-16,-85 0-15,0 0 16,0 0 0,0 0-1,0 0 17,-21 22-17,22-1 1</inkml:trace>
-  <inkml:trace contextRef="#ctx0" brushRef="#br0" timeOffset="81480.36">20574 11345 0,'0'0'0,"-21"0"0,0 22 0,-1-22 0,22 21 15,-42-21-15,21 21 0,21 0 16,21-21 0,275 0 15,-147 0-16,-65-21-15,64 0 16,170 21 0,-233-21-16,-22 21 0,255 0 15,-234 0 1,-41 0-16,20 21 16,-63 0 15</inkml:trace>
-  <inkml:trace contextRef="#ctx0" brushRef="#br0" timeOffset="82254.42">20468 11705 0,'0'0'0,"0"-42"16,0 21-16,0 42 47,0 0-47,0 0 0,0 0 15,0 1-15,0 20 0,0-21 16,0 127-1,0 64 1,0-43-16,21 22 16,-21-107-1,64 276 1,-22-127 0,0 63-1,-42-232-15,0-1 0,0 22 16,22-21-16,-1 211 15,0-169 1,21-1 0,-42-62-16,0-22 0,43 21 15,-43-21-15,21-21 16,0 0-16,21-63 16,-21-22-1,-21 43-15,0 0 0,43-85 16,-22 42-16,-21 0 0</inkml:trace>
-  <inkml:trace contextRef="#ctx0" brushRef="#br0" timeOffset="83167.91">21230 11642 0,'0'0'0,"-21"-21"15,21-1 1,-21 22-16,0 0 16,21-21-1,21 21 1,85 0 15,42 0-15,21 21-16,85 1 15,-169-22-15,-1 0 16,361 0 0,-360 0-16,169 0 15,-43-22 1,1-20-1,-106 21 1,0 21 0,-22 0-1,-41 0 1,-22 0-16,0 63 16,-21 43-1,0 85 1,0-64-1,0-64-15,0 22 0,21 254 32,-21-276-32,0 85 0,0 85 31,-21-21-31,21-149 16,0 339-1,0-338-15,0-22 16,42 191-1,1-106 1,-1 106 0,-42-127-1,-21-43 1,-43 1 0,43-43-16,0 0 0,-170 43 15,86-43 1,-86 0-1,128-21-15,-170 42 16,148-42-16,-21 0 16,-254 21-1,276 1-15,-191-22 16,84 21-16,-126-21 16,253 0-1,-232-21 1,211-1-1,-21-62 1,64-1 0,42 43-16,0 21 0,0-22 0</inkml:trace>
-  <inkml:trace contextRef="#ctx0" brushRef="#br0" timeOffset="83634.64">21188 12425 0,'-21'-21'0,"-1"21"0,22-21 0,-21 21 16,-21-22 0,63 22 15,21 0-31,-20 0 0,-1 0 0,21 0 16,149 0-1,-1 0 1,-105 0-16,-22-21 0,234 21 31,-22 0-15,-148 0-16,-64 0 0,-20 0 15,-1 0-15,0 0 0,1 0 16,-1 0-16,21 21 16,-63 1-1,-42-22 1,-21 21-16,20-21 0,1 21 15,-22-21-15</inkml:trace>
-  <inkml:trace contextRef="#ctx0" brushRef="#br0" timeOffset="83979.8">21421 12848 0,'0'0'16,"-22"0"-16,44 0 31,-1 0-31,0 0 0,21 0 16,22 0-16,-22 0 16,22 0-16,-22-21 0,21 21 15,1-21-15,126 21 16,-126-21-16,84 21 0,-84-21 15,-1 21-15,149 0 16,-128-22 0,-20 22-1,-85 0 1,0 0 0,-1 22-16,-20-22 0,21 0 0,-64 21 15,64-21-15,-21 21 16</inkml:trace>
-  <inkml:trace contextRef="#ctx0" brushRef="#br0" timeOffset="84262.64">21251 13356 0,'0'0'0,"21"0"16,1 0-16,20 0 16,21 0-1,-20 0-15,-22 0 0,191 0 16,-43-21 0,-106 21-16,86 0 15,-44 0 1,-62 0-16,-22 0 0,0 0 31</inkml:trace>
+  <inkml:trace contextRef="#ctx0" brushRef="#br0">1778 339 0,'0'0'0,"0"21"15,0 0 1,21-21 62,-21-21-62,0 0-1,21 0 1,0-1-16,1 1 15,-22 0-15</inkml:trace>
+  <inkml:trace contextRef="#ctx0" brushRef="#br0" timeOffset="1462.56">3662 339 0,'0'-43'15,"0"22"-15,0 0 0,0 0 16,0 0-16,0 0 0,0-1 16,21-20-16,-21 21 15,0 0-15,0 0 0,0-1 0,0 1 16,0 0-16,0 42 62,0 0-46,0 1-16,0 20 0,0 0 0,21 1 16,-21-1-16,0 0 0,0 1 0,0 20 15,0 1-15,0-22 16,0 21-16,0 1 0,0-1 0,0 1 15,0-1-15,0 1 0,-21-1 16,0 1-16,21-1 0,-21 1 0,21-1 16,0-20-16,0-1 0,-22 22 15,22-22-15,-21 0 0,21-21 0,0 22 16,0-1-16,0-21 0,0 22 16,0-22-16,-21 21 0,21-21 0,0 0 15,0 1-15,0-1 16,0 0-1,-21-42 17,21 0-32,0-1 15,0 1-15,0 0 0,0 0 16,0 0-16,0 0 0,0-1 16,0 1-16,-21 0 0,21-21 0,0 21 15,0-22-15,0 22 0</inkml:trace>
+  <inkml:trace contextRef="#ctx0" brushRef="#br0" timeOffset="2016.76">3281 445 0,'0'0'0,"-21"0"0,21-22 16,0 1-16,0 0 16,0 0-16,0 0 0,0 0 0,0-1 15,0 1-15,0-21 0,21 21 16,0 0-16,0-22 0,21 22 15,-20-21-15,20 21 0,0-22 0,1 22 16,20 21-16,-21 0 0,1 0 16,20 0-16,-20 0 0,-1 0 0,0 0 15,22 0-15,-22 0 0,0 0 0,1 0 16,-1 0-16,0 0 0,1 0 16,-22 0-16,21 0 0,-21 42 0,1 1 15,-1 20-15,-21-20 16,0-1-16,0 21 0,0 1 0,0-22 15,-43 22-15,22-22 0,-21 0 16,21 22-16,-22-22 0,1 1 0,0-1 16,21 0-16,-22 1 0,1-22 15,21 21-15,-22-21 0,22 22 16,0-22-16,0 0 0,0 0 0,0-21 16,21 21-16,-22-21 0,22-21 62</inkml:trace>
+  <inkml:trace contextRef="#ctx0" brushRef="#br0" timeOffset="5128.22">4106 1672 0,'0'0'0,"-21"0"0,21 21 0,-21-21 15,0 0-15,0 0 16,21-21 0,0 0-1,0 0-15,0 0 0,0 0 0,0-1 16,0 1-16,21-21 0,0 21 16,0-22-16,0 1 0,0 21 0,1-21 15,-1-1-15,21 1 0,-21 21 16,22-22-16,-1 22 0,21-21 15,-20 21-15,-22 0 0,21 21 16,-21 0-16,22 0 0,-22 0 16,0 21-16,0 0 0,0 0 15,1 0-15,-1 0 0,-21 1 0,21-1 16,-21 0-16,0 0 0,0 0 16,0 0-16,0 1 0,0-1 15,0 0 1,0-42 15,-21 0-31,21-1 16,0 1-16,-21 0 15,21 0-15,0 0 0,0 0 16,-22-1-16,1 1 16,0 0-16,0 21 0,0-21 15,0 21-15,-1 0 0,-20 0 16,21 0-16,0 21 0,0-21 15,-1 21-15,1 0 0,0 1 16,0-1-16,0 0 0,0 21 0,-1-21 16,1 1-16,0 20 0,21-21 15,-21 43-15,0-22 0,21-21 16,-21 21-16,21 1 16,0-22-16,0 0 0,0 21 0,0-20 0,0-1 15,0 0-15,0 0 0,21-21 16,21 42-16,-21-42 15,0 0-15,1 0 16,-1 0-16,0 0 0,0-21 0,0 0 16,-21 0-16,21 0 0,1 0 15,-1-1-15,0 1 0,0 0 0,0-21 16,0 21-16,1-22 0,-1 22 16,-21-21-16,21 21 0,0-1 15,-21-20-15,0 21 0,0 0 0,21 0 16,-21-1-16,0 1 0,21 0 0,-21 0 15,0 0 1,0 42 15,0 0-15,0 0-16,0 0 0,0 1 16,0-1-16,0 0 0,0 0 0,0 21 15,0-20-15,0-1 0,0 21 16,0-21-16,0 0 0,0 22 0,0-22 15,0 0-15,0 0 0,0 0 16,0 1-16,0-1 0,22-21 16,-1 0-16,0 0 15,0 0-15,0 0 0,0 0 0,1 0 16,-1 0-16,0-21 0,0-1 16,0 1-16,0 0 0,1 0 15,-1-21-15,21 20 0,-21 1 0,0-21 16,1 0-16,-1 20 0,0 1 15,-21-21-15,0 21 0,21 0 0,-21-1 16,0 1-16,0 0 16,-21 21 15,21 21-31,0 0 0,-21-21 16,0 22-16,21-1 15,-22 0-15,22 0 16,22-21 15,-1 0-31,0 0 0,-21-21 16,21 21-16,0-21 0,0 21 15,-21-21-15,22 21 0,-1 0 0,0-22 16,0 22 0,0 0-16,-21 22 31,0-1-31,0 0 15,0 0-15,0 0 16,0 0-16,0 1 0,0-1 16,0 0-16,0 21 0,21-21 15,-21 1-15,0-1 0,22 0 0,-22 0 16,0 0-16,0 0 0,21-21 16,-21 22-16,21-1 0,0 0 15,0-21-15,0 0 16,1 0-16,-1 0 0,0 0 15,0-21-15,0 0 0,0-1 16,1 1-16,-1 0 0,0 0 16,0 0-16,-21 0 0,0-1 15,21 1-15,0 0 0,-21 0 16,22 0-16,-22 0 0,21-1 0,0 1 16,-21 0-16,21 0 0,0 0 15,-21 0-15,21-1 0,1 1 0,-1 0 16,0 21-16,0-21 0,0 21 15,0 0-15,1 0 0,-1 0 16,0 0-16,0 0 0,0 0 16,-21 21-16,21-21 0,-21 21 0,0 0 15,0 1-15,0-1 0,0 0 16,0 0-16,0 0 16,0 0-16,0-42 62,0 0-62,0 0 0,0 0 16,0 0-16,0-1 15,0 1-15,-21 0 16,0 0-16,0 21 16,0 0-16,21-21 15,-21 21-15,-1 0 0,1 0 16,0 0-16,0 0 0,0 0 15,0 21-15,-1 0 0,1-21 16,21 21-16,-21 0 16,0 1-16,0-1 0,21 0 0,0 0 15,-21 21-15,21-20 16,-22-1-16,22 21 0,-21-21 0,21 0 16,0 1-16,0-1 0,0 0 0,0 21 15,0-21-15,0 1 16,0-1-16,0 0 0,21-21 0,-21 21 15,22-21-15,-1 0 0,0 0 16,0 0-16,0 0 0,0 0 16,1 0-16,-1-21 0,0 21 15,0-21-15,0 0 0,0-1 16,1 1-16,-1 0 0,-21 0 0,21-21 16,0 20-16,0 1 0,-21-21 15,21 21-15,-21 0 0,22-1 0,-22-20 16,0 21-16,21 21 0,-21-21 15,0 0-15,21-1 0,-21 1 16,0 42 15,0 1-31,0-1 16,0 0-16,0 0 0,0 0 16,0 0-16,0 1 0,-21-1 0,21 21 15,0-21-15,0 0 0,0 1 16,0-1-16,0 0 0,0 0 15,0 0-15,0 0 0,0 1 16,21-1-16,0-21 16,0 0-16,-21 21 0,21-21 15,1 0-15,-1 0 0,0 0 16,0-21-16,-21 0 0,21-1 0,0 22 16,1-21-16,-1-21 0,0 21 15,0 0-15,0-22 0,0 1 0,1 0 16,-22-1-16,21 1 0,0 0 15,-21-22-15,0 1 0,21 20 16,0-20-16,-21-1 0,21 1 0,-21 20 16,0-20-16,0 21 0,22-1 15,-22 22-15,0-21 0,0 21 16,0-22-16,0 22 0,0 0 16,0 0-16,0 42 15,0 0 1,0 0-16,0 0 0,0 22 15,0-22-15,0 21 0,0 22 0,0-22 16,-22 0-16,22 22 0,0-22 16,0 22-16,-21-22 0,21 22 15,0-22-15,-21 0 0,21 1 0,0-1 16,0 0-16,0-21 0,0 22 16,0-22-16,0 21 0,0-21 0,0 1 15,0-1-15,21 0 0,22 21 16,-22-21-16,0-21 15,0 0-15,0 0 0,0 0 16,1 0-16,-1 0 0,0 0 0,21-21 16,-21 0-16,1 0 0,-1 0 0,21 0 15,-21-1-15,0-20 0,22 0 16,-22-1-16,21 1 0,-21 0 16,1-1-16,-1-20 0,0-1 15,0 22-15,0-21 0,0-1 0,1 1 16,-22 20-16,0 1 0,0-22 15,21 22-15,-21 0 0,0 21 0,0-22 16,0 1-16,0 21 0,0-22 16,0 22-16,0 0 0,0 0 15,0 42 1,0 0-16,0 22 16,0-22-16,0 21 0,0 0 15,-21 1-15,21-1 0,-22 22 0,22-22 16,0 21-16,0-20 0,-21 20 15,21-20-15,-21-1 0,21 0 16,0 1-16,0-1 0,0 0 0,0 1 16,0-1-16,0-21 0,0 21 0,0-20 15,0 20-15,0-21 0,0 0 16,0 0-16,0 22 0,21-22 16,0 0-16,1 0 0,-1 0 0,0 1 15,0-22-15,0 0 0,0 21 0,1-21 16,-1 0-16,0 0 0,21 0 15,1 0-15,-1-43 0</inkml:trace>
+  <inkml:trace contextRef="#ctx0" brushRef="#br0" timeOffset="5728.4">7853 1376 0,'0'-42'16,"0"20"0,0 1-16,0 0 0,0 0 0,0 0 15,-21 0 1,-1-1-16,1 22 15,0 0-15,0 0 16,0 22-16,0-1 16,21 0-16,-22 0 0,1 0 0,21 0 15,0 1-15,-21-1 0,21 0 16,-21 21-16,0-21 0,21 1 0,0-1 16,0 21-16,0-21 0,0 0 15,0 1-15,0-1 0,0 0 16,0 0-16,0 0 0,21 0 15,0 1-15,0-22 0,0 0 16,1 0-16,20 0 0,-21 0 16,0 0-16,22 0 0,-22 0 0,21-22 15,0 22-15,-20-21 0,-1 0 16,21 0-16,-21 0 0,22 0 0,-22-1 16,21-20-16,-21 21 0,0-21 0,22-1 15,-22 1-15,0 0 0,0-1 16,0 1-16,1 0 0,-1-22 15,-21 22-15,21-1 0,-21-20 0,21 21 16,-21-1-16,0 1 0,0 0 0,0-1 16,0 1-16,0 0 15,0-1-15,0 22 0,0 0 0,0-21 16,0 20-16,0 1 16,0 0-16,-21 42 31,21 0-31,-21 1 0,21 20 15,0 0-15,0-21 0,-21 22 16,21-1-16,-22 22 0,22-22 0,-21 21 16,21-20-16,0 20 0,-21 1 15,21-22-15,-21 0 0,0 22 16,21-22-16,-21 1 0,-1-1 0,22 0 0,0 1 16,0-22-16,0 21 15,0-21-15,0 22 0,0-22 0,0 0 16,0 21-16</inkml:trace>
+  <inkml:trace contextRef="#ctx0" brushRef="#br0" timeOffset="5836.34">8340 1778 0,'21'0'16,"0"-21"-16,0 21 0,0-21 0,0 21 15,1-21-15,-1-1 0,0 22 0,0-21 16,0 0-16,0 0 0,1 0 16,-22 0-16,0-1 0,21 1 15,-21 0-15,0 0 0,21 0 0</inkml:trace>
+  <inkml:trace contextRef="#ctx0" brushRef="#br0" timeOffset="6443.82">7705 1291 0,'21'0'15,"0"0"-15,0 0 32,0 0-17,-21 21-15,0 1 16,0-1-16,0 0 0,0 0 16,0 0-16,-21 0 15,0 1-15,21-1 16,-21 0-16,0-21 0,-1 21 0,1 0 15,0 0-15,0 1 16,0-1-16,0-21 0,21 21 16,-22-21-16,1 0 0,0 0 15,0 0 1</inkml:trace>
+  <inkml:trace contextRef="#ctx0" brushRef="#br0" timeOffset="9030.21">9229 1651 0,'0'21'0,"0"0"16,21-21 31,0-21-31,0 0-16,0 0 0,0 0 0,1 0 15,-1-1-15,0 1 0,21 0 16,-21-21-16,1 21 0,-1-22 0,21 22 15,-21-21-15,0-1 0,1 22 16,-22-21-16,0 21 0,0 0 16,0-1-16,0 1 0,0 0 0,0 0 15,-22 21 1,1 0-16,0 0 0,0 0 0,0 0 16,0 21-16,-1-21 0,22 21 15,-21 0-15,21 1 0,-21 20 0,21-21 16,0 0-16,0 0 0,0 22 15,0-22-15,0 21 0,0-21 0,0 1 16,0 20-16,0-21 0,0 0 16,0 0-16,21 22 0,0-22 0,1-21 15,-1 21-15,0 0 0,0 0 16,0-21-16,0 0 0,1 0 16,-1 22-16,0-22 0,21 0 15,-21 0-15,1 0 0,-1 0 16,0-22-16,-21 1 0,21 0 15,0 0-15,-21 0 0,0 0 0,21-1 16,1 1-16,-22-21 16,21 21-16,0 0 0,0-22 0,0 22 0,22 0 15,-22-21-15,0 20 0,21 1 16,1 0-16,-22-21 0,21 42 0,-21-21 16,22-1-16,-22 1 0,21 21 15,-21 0-15,22 0 0,-22 0 16,0 0-16,0 21 0,-21 1 0,21-1 15,-21 0-15,21 0 0,-21 0 16,0 22-16,0-22 0,0 21 0,-21-21 16,0 22-16,21-22 0,-21 21 15,0-21-15,0 22 0,-1-22 0,1 0 16,0 0-16,21 0 0,-21 0 16,0 1-16,21-44 31,21 1-16,0 0-15,0 0 0,0 0 0,1 0 16,-1-1-16,0-20 0,0 21 16,0-21-16,0 20 0,1-20 15,-1 0-15,0-1 0,0 22 0,21-21 16,-20 0-16,-22 20 0,21-20 16,0 21-16,-21 0 0,0 0 0,0-1 15,0 1 1,-21 21-1,0 21-15,21 1 0,-22-22 16,1 21-16,21 0 0,-21 21 16,0-21-16,0 22 0,21-22 0,0 21 15,-21-21-15,21 22 0,-22-1 0,22-21 16,0 22-16,0-22 0,0 0 16,0 21-16,0-21 0,0 1 15,0-1-15,0 0 0,22 0 0,-1-21 16,21 21-16,-21-21 0,0 0 0,22 0 15,-22 0-15,21 0 0,-21 0 16,22 0-16,-1 0 0,0 0 0,1-21 16,-1 0-16,-21 0 0,22 0 15,-1-1-15,0 1 0,-21-21 0,22 21 16,-22 0-16,0-22 0,0 22 0,0-21 16,1-1-16,-22 22 0,0-21 15,0 0-15,0 20 0,0 1 0,0-21 16,0 21-16,-22 0 15,1 21-15,0 0 16,0 0-16,0 0 0,21 21 0,-21-21 16,-1 21-16,22 21 0,-21-21 15,21 1-15,-21 20 0,0 21 16,21-20-16,0-22 0,0 21 16,0 1-16,0-22 0,0 21 0,0-21 15,0 0-15,0 1 0,21 20 16,0-42-16,-21 21 0,21 0 0,1 0 15,-1-21-15,0 0 0,21 0 0,1 0 16,-22 0-16,0 0 16,0 0-16,21-21 0,-20 0 15,-1 21-15,0-21 0,21-21 0,-21 20 16,1 1-16,-1-21 0,21 0 16,-21 20-16,0-20 0,1 0 15,20-1-15,-21 22 0,0-21 0,0 21 16,-21 0-16,0-1 0,22 1 0,-1 21 15,0 21 17,-21 1-32,0-1 0,0 0 15,0 0-15,0 0 16,0 0-16,0 1 16,21-44 30,-21 1-46,21 0 16,-21 0-16,0 0 0,0 0 0,0-1 16,0 1-16,0 0 0,0 0 0,0 0 15,-21 21 17,0 21-32,21 0 0,-21-21 15,21 21-15,-21 22 0,-1-22 16,1 0-16,21 0 0,-21 21 0,21-20 15,-21-1-15,0 21 0,21-21 16,0 0-16,0 22 0,-21-22 0,21 0 16,0 0-16,0 0 0,0 22 15,0-22-15,21 0 0,0 0 16,0 0-16,0-21 0,0 0 0,22 0 16,-22 0-16,21 0 0,1 0 15,-22 0-15,21 0 0,0 0 0,-20-21 16,20 0-16,0 21 0,-21-21 15,1 0-15,-1 0 0,0-22 16,0 22-16,0 0 0,0-21 0,1-22 16,-22 43-16,0-21 15,0 20-15,0 1 0,0-21 0,0 21 16,0 0-16,0-1 0,0 1 16,0 42 15,0 1-16,0-1-15,0 0 0,0 0 0,0 21 16,0-20-16,0-1 0,0 0 0,0 0 16,0 21-16,0-20 0,0-1 15,0 0-15,0 0 0,0 0 16,0 0-16,0 1 0,0-1 16,21-21-1,0 0-15,0 0 0,0 0 16,0-21-16,1 21 15,-1-22-15,-21 1 0,21 0 0,0 0 16,0 0-16,0 0 0,1-1 0,-1-20 16,-21 21-16,21 0 0,0-22 15,-21 22-15,0 0 0,21 0 0,-21 0 16,0 0-16,0 42 47,0 0-47,-21 0 0,21 0 15,0 0-15,0 1 0,-21 20 0,21-21 16,0 0-16,-21 0 0,21 1 16,0-1-16,0 0 0,0 0 0,0 0 15,0 0-15,0 1 0,21-22 16,0 21-16,0-21 16,0 0-16,22 0 0,-22 21 15,0-21-15,0 0 0,22 0 16,-22 0-16,0 0 0,0-21 15,0 21-15,0-21 0,-21-1 16,0 1 0,0 0-16</inkml:trace>
+  <inkml:trace contextRef="#ctx0" brushRef="#br0" timeOffset="11177.03">12996 1588 0,'-21'21'16,"21"0"15,0-42 0,21 21-31,-21-21 0,21 21 16,1-22-16,-1 1 0,0 0 15,0 0-15,0-21 0,22 20 16,-22-20-16,21 0 0,-21-1 16,0-20-16,22-1 0,-22 22 0,21-43 15,-21 22-15,1-1 0,-1 1 0,0-22 16,0 22-16,-21-1 0,0 1 16,0 20-16,0-20 0,0 21 0,0-1 15,0 1-15,0 0 0,-21 20 16,0 1-16,0 0 0,-1 21 0,1 0 15,0 0-15,0 21 0,0 0 16,0 22-16,21-1 0,-22 22 16,1-22-16,21 21 0,-21 1 0,21-1 15,0 22-15,0-21 0,0 20 0,-21-20 16,21-1-16,0 1 16,0-1-16,0 1 0,0-1 0,0-20 15,0-1-15,0 0 0,0 1 0,0-1 16,0 0-16,0 1 0,21-22 15,0 0-15,-21 21 0,21-21 0,1 1 16,-1-22-16,0 21 0,0-21 16,21 21-16,-20-21 0,-1 0 0,21 0 15,-21 0-15,22-21 0,-22 0 0,21-1 16,-21 1-16,22 0 0,-22 0 16,42-21-16,-42-1 15,1 22-15,20-21 0,-21 21 0,-21-22 16,21 22-16,-21-21 0,21 21 15,-21-1-15,0 1 0,0 0 0,0 0 16,0 42 15,0 0-15,0 0-16,0 1 0,-21-1 0,21 0 16,0 21-16,-21-21 0,21 1 0,0 20 15,0-21-15,0 0 0,0 0 16,0 22-16,0-22 0,0 0 0,0 0 15,0 0-15,21 1 16,0-22-16,1 0 0,20 0 0,-21 0 16,0 0-16,22 0 0,-1 0 15,-21-22-15,21 1 0,1 0 16,-1 21-16,-21-21 0,22 0 0,-22-22 16,21 22-16,-21 0 0,0 0 0,22-21 15,-22 20-15,0 1 0,0-21 16,-21 21-16,43-22 0,-43 22 15,0 0 1,0 42 0,0 0-1,0 1-15,0-1 0,0 0 16,0 0-16,-22 0 0,22 0 0,0 1 16,-21-1-16,21 0 0,0 0 15,0 0-15,0 0 0,0 1 16,0-1-16,0 0 0,0 0 0,0 0 15,21-21-15,1 21 0,-1-21 16,0 0-16,0 0 0,0 0 16,0 0-16,1 0 0,-1 0 0,21-21 15,-21 21-15,0-21 0,22 0 16,-22 0-16,0 0 0,0-1 0,22 1 16,-22 0-16,0-21 0,0 21 15,-21-22-15,0 1 0,0 21 16,0-22-16,0 1 0,0 0 0,0-1 15,-21 22-15,0 0 0,0-21 16,-1 21-16,-20 21 0,21-22 0,-21 22 16,20 0-16,-20 0 0,0 0 15,21 22-15,-1-1 0,-20 0 16,21 0-16,0 0 0,-22 22 0,43-22 0,-21 21 16,0-21-16,21 22 0,0-1 15,0-21-15,0 21 0,0-20 16,0-1-16,0 21 0,21-21 0,-21 0 15,21 1-15,22-1 0,-22 0 0,0 0 16,21-21-16,1 0 0,-1 21 16,0-21-16,1 0 0,-1 0 15,0 0-15,1 0 0,20-21 0,-20 21 16,-1-21-16,0 21 0,1-21 0,-1 0 16,-21-1-16,21 1 0,-20 0 15,20-21-15,-21 21 0,0-1 16,0-20-16,1 21 0,-1 0 0,0-22 15,0 22-15,-21 0 0,21 0 16,-21 42 15,0 0-31,0 0 16,-21 1-16,0-1 0,21 0 16,-21 0-16,0 0 0,21 0 15,-22 22-15,1-22 0,21 0 0,-21 0 16,21 22-16,-21-22 0,21 21 15,0-21-15,0 0 0,0 1 16,0-1-16,0 0 16,0-42 31,0 0-47,0-1 15,0 1-15,0 0 0,0 0 0,21-21 16,0 20-16,0-41 0,1 21 15,-1-1-15,0 22 0,0-21 16,0 21-16,0-22 0,1 22 0,-1-21 16,21 21-16,-21-1 0,0 1 15,22 0-15,-22 21 0,42 0 16,-20 0-16,-22 0 0,0 0 16,21 0-16,-20 21 0,-22 0 0,21 1 15,0-1-15,-21 21 0,21-21 16,-21 22-16,0-22 0,0 21 15,0-21-15,0 22 0,0-22 0,0 21 16,0 22-16,0-43 0,0 0 16,0 0-16,0 0 0,0 0 15,0 1-15,21-22 0,0 21 16,1-21-16,-1 0 0,0 0 0,21 0 16,-21 0-16,1 0 0,20-21 15,-21 21-15,0-22 0,22 1 0,-22 0 16,21 21-16,-21-42 0,0 21 15,1-1-15,-1 1 0,0 0 0,0-21 16,0 21-16,-21-1 0,0-20 0,0 21 16,0 0-16,0 0 0,0-1 15,-21 1-15,0 0 0,0-21 16,-22 21-16,22-1 0</inkml:trace>
+  <inkml:trace contextRef="#ctx0" brushRef="#br0" timeOffset="11644.76">14838 318 0,'0'0'0,"-21"0"0,-1 21 16,22 0-16,-21 0 0,21 0 0,-21 0 16,21 1-16,-21-1 0,21 0 15,0 0-15,0 21 0,0-20 16,0-1-16,21 0 0,0-21 16,0 0-16,1 0 0,-1 0 15,0 0-15,0 0 0,0 0 0,0-21 16,1 0-16,-1 21 0,0-22 15,-21 1-15,0 0 0,0 0 0,0 0 16,0 0-16,0-1 16,0 1-16,-21 0 0,0 0 0,-1 21 15,1 0-15,0 0 0,0 0 16,0 0-16,0 0 0,-1 0 16,1 21-16,0 0 15,21 0-15,0 1 16,0-1-16,0 0 15,0 0 1,-21-21 0</inkml:trace>
+  <inkml:trace contextRef="#ctx0" brushRef="#br0" timeOffset="11952.53">13271 953 0,'0'0'0,"-21"0"0,0 0 0,0 0 16,42 0 0,0 0-1,0 0-15,1 0 0,20 0 0,-21 0 16,0 0-16,0 0 0,22 0 15,-22 0-15,0 0 0,0 0 16,0-22-16,1 22 0,-1 0 16,0 0-16,-21-21 15,-21 21 32</inkml:trace>
+  <inkml:trace contextRef="#ctx0" brushRef="#br0" timeOffset="12842.09">4106 2244 0,'-42'0'15,"84"0"-15,-105 0 0,20 0 0,1 0 16,21 0-16,-21 21 0,20-21 0,-20 0 16,0 0-16,21 0 0,-1 21 15,-20-21-15,21 0 0,0 0 16,21 21 0,21-21-1,0 0-15,21 0 0,1 0 0,-1 0 16,22 0-16,-1 0 0,1 0 15,20 0-15,1 0 0,0 0 0,20 0 16,1 0-16,21 0 0,0 0 16,0 0-16,0 0 0,21 0 0,-21 0 15,0 0-15,22 0 0,-22 0 16,0-21-16,0 21 0,-22 0 16,22 0-16,-21 0 0,0 0 0,0 0 15,-21 0-15,20 0 0,-41 0 16,21 0-16,-43 0 0,21 0 0,-41 0 15,20 0-15,-21 0 0,-42 0 63,0 0-63,0 0 16</inkml:trace>
+  <inkml:trace contextRef="#ctx0" brushRef="#br0" timeOffset="13785.01">9377 2265 0,'0'0'0,"-43"0"15,22 0-15,0 0 0,0 0 0,0 0 16,-22 0-16,22 0 0,0 0 0,0 0 16,0 0-16,0 0 0,-1 0 15,1 0-15,0 0 0,0 0 16,0 0-1,21 21 17,21-21-32,0 0 0,0 0 15,0 21-15,22-21 0,-1 0 16,0 0-16,1 0 0,84 0 0,-43 0 16,1 0-16,21 0 0,0 0 15,0 0-15,-1 0 0,22 0 0,0 0 16,0 0-16,22 0 0,-1-21 15,0 21-15,21 0 0,1-21 0,-1 21 16,21 0-16,1-21 0,-1 21 16,1-21-16,-1 21 0,22 0 15,-21 0-15,20-22 0,22 22 0,-21 0 16,21 0-16,-1-21 0,1 21 16,0 0-16,0 0 0,0 0 0,0-21 15,-1 21-15,-20 0 0,0 0 0,-22 0 16,1 0-16,-1 0 0,-20 0 15,-22 0-15,-21 0 0,0 0 0,-21 0 16,-1 0-16,-41 0 0,-1 0 16,-20 0-16,-1 0 0,-21 0 0,0 0 15,1 0-15,-1 0 16,-21-21 0,-21 0 62,-1 21-63,1 0-15</inkml:trace>
+  <inkml:trace contextRef="#ctx0" brushRef="#br0" timeOffset="13945.1">17124 2201 0,'0'0'0,"-21"0"16,21 22 15,-22-22-15,1 0-16,0 0 16</inkml:trace>
+  <inkml:trace contextRef="#ctx0" brushRef="#br0" timeOffset="100409.02">6265 4424 0,'0'-21'46</inkml:trace>
+  <inkml:trace contextRef="#ctx0" brushRef="#br0" timeOffset="102449.56">4974 3662 0,'21'-21'31,"-21"0"-15,0-1 0,0 1-16,21 21 0,-21-21 0,0 0 15,0 0-15,0 0 16,0-1-16,22 1 31,-22 42 16,0 1-47,0-1 0,0 0 16,0 0-16,0 0 0,0 0 0,0 1 15,0-1-15,0 0 16,0 0-16,0 21 0,0-20 0,0-1 16,-22 21-16,22 0 0,0-20 15,0 20-15,0 0 0,0 1 0,0-1 16,0 0-16,0 1 0,0 20 15,0-21-15,0 1 0,0-1 0,0 0 16,0 1-16,0-1 0,0 0 16,0 1-16,0-1 0,0 0 15,0 1-15,0 20 0,0-20 0,0 20 16,0-21-16,0 22 0,0-22 16,0 22-16,0-22 0,0 22 0,0-22 0,0 21 15,0-20-15,0 20 16,0-20-16,0-1 0,0 21 0,0-20 15,0 20-15,0 1 0,0-22 16,0 22-16,0-22 0,0 21 0,0 1 16,0-22-16,0 22 0,0-22 15,0 22-15,0-22 0,0 21 0,0-20 16,0 20-16,0 1 0,0-22 0,0 22 16,0-22-16,0 0 0,0 1 15,0-1-15,0-21 0,0 0 16,0 22-16,0-22 0,0 0 15,0-42 32,0 0-47,0-22 0,0 22 16,0-21-16,0-1 0,0-20 16,0-1-16,0 1 0,22-1 0</inkml:trace>
+  <inkml:trace contextRef="#ctx0" brushRef="#br0" timeOffset="104133.09">5186 3641 0,'-21'0'15,"-1"0"1,1-21-16,0 21 0,0 0 31,0 0-31,21-22 16,21 22 31,0 0-47,0 0 0,0 0 15,1 0-15,-1 0 0,21 0 16,-21 0-16,22-21 0,-1 21 0,0 0 15,22 0-15,-22 0 16,22 0-16,-1-21 0,1 21 0,-22 0 16,21 0-16,1 0 0,-1 0 15,1 0-15,-1 0 0,22 0 0,-21 0 16,20 0-16,1 0 0,0 0 16,20 0-16,-20 0 0,21 0 0,0 0 15,0 0-15,-22 0 0,22 0 16,-21 0-16,21-21 0,-1 21 15,1 0-15,0 0 0,106 0 16,-128 0-16,22-21 0,-21 21 16,21 0-16,-22 0 0,1 0 0,0 0 15,21 0-15,-22-21 0,1 21 16,-22 0-16,22 0 0,-21 0 16,-22 0-16,21 0 0,-20 0 0,-22 0 0,21 0 15,-21 0-15,1 0 16,-1 0-1,-21 21 17,0 0-32,0 0 15,0 0-15,0 0 0,0 1 16,0-1-16,0 21 16,0-21-16,0 0 0,0 1 15,0 20-15,0-21 0,0 21 0,0-20 16,0 20-16,0 0 0,0 1 15,0-1-15,0 0 0,-21 22 0,21-22 16,-22 0-16,22 22 0,0-22 16,0 1-16,0 20 0,0-21 0,-21 64 15,21-63-15,0 20 16,0-21-16,0 22 0,0-1 0,0 1 16,0-1-16,0-20 0,0 20 15,0 1-15,0-22 0,0 22 16,0-22-16,0 21 0,0-20 0,0-1 15,0 22-15,0-22 0,0 21 0,0-20 16,0 41-16,-21-41 16,21-1-16,0 0 0,0 1 0,0-1 15,0 0-15,0-20 0,-21 20 16,21-21-16,-21 21 0,21-20 0,0-1 16,0 0-16,0 0 0,-21 0 0,21 0 15,-22 1 1,22-1-1,0 0 17,-21 0-1,21 0-31,-21-21 16,21 21-16,0 1 31,-21-22-31,0 21 15,0-21-15,-1 0 16,1 0-16,0 0 16,0 0-16,0 0 0,-22 0 0,22 0 15,0 0-15,-21 0 0,21 0 16,-22 0-16,1 0 0,0 0 16,-22 0-16,22 0 0,-22 0 0,1 0 0,-1 0 15,-20 0-15,20 0 16,-21 0-16,1 21 0,-1-21 0,22 0 15,-22 0-15,0 0 0,1 0 16,-1 0-16,21 0 0,-20 0 0,-1 0 16,0 0-16,1 21 0,-1-21 0,0 0 15,-20 0-15,20 0 0,-21 21 16,21-21-16,1 0 0,-1 0 0,-63 0 16,84 0-16,1 0 15,21 0-15,-22 0 0,1 0 0,20 0 16,-20 0-16,-1 0 0,1 0 15,20 0-15,-20 0 0,-1 0 16,1 0-16,-1 0 0,1 0 0,-1 0 0,22 0 16,0 0-16,-1 0 15,1 0-15,0 0 0,21 0 0,-1 0 16,1 0-16,0 0 0,0 0 16,21-21 15,0 0-31,21 0 15,0 0-15,0-1 0,22-20 0,-22 21 16,21-21-16</inkml:trace>
+  <inkml:trace contextRef="#ctx0" brushRef="#br0" timeOffset="104777.75">6032 3916 0,'-21'0'0,"42"0"0,-63 0 16,21 0-16,0 0 0,0 0 15,-22 21-15,1-21 16,0 21-16,-1-21 0,22 21 0,-21-21 15,21 0-15,-22 22 0,22-22 0,0 0 16,0 0-16,21 21 16,21-21-1,21 0-15,1 0 0,-1 0 16,21 0-16,1 0 0,21 0 0,-22 0 16,22 0-16,21 0 0,-22 0 15,43 0-15,-21 0 0,21-21 0,0 21 16,-21 0-16,21 0 0,0 0 15,0 0-15,0-22 0,0 22 0,-21 0 16,0 0-16,-1 0 0,1 0 16,-21 0-16,-22 0 0,1-21 0,-22 21 15,1 0-15,-22 0 16,0 0-16,0 0 0,-42 0 47,0 0-47,0 0 0,-1 0 0,1 21 15,0 1-15,-21-22 0,21 21 16,-22 0-16,22-21 0,-21 21 0,-1 0 16,1-21-16,0 21 0</inkml:trace>
+  <inkml:trace contextRef="#ctx0" brushRef="#br0" timeOffset="105140.54">6138 4572 0,'-84'21'0,"168"-42"0,-232 63 16,85-42-16,-1 22 0,22-22 16,-22 0-16,22 0 0,21 21 0,-22-21 15,22 0-15,42 0 16,1 21 0,20-21-16,0 0 0,22 0 15,-22 0-15,43 0 0,-22 0 0,22 0 16,105 0-16,-84-21 15,0 21-15,21 0 0,0-21 0,0 21 16,-21 0-16,21 0 0,0-22 16,-21 22-16,21-21 0,-21 21 15,-1 0-15,1 0 0,-21 0 0,0 0 16,-22 0-16,1 0 16,-22 0-16,-21 0 0,21 0 0,-20 0 0,-44 0 31,1 0-31,-21 0 15,-22 21-15,22-21 0,-21 22 0,-1-22 16,-21 21-16,22-21 0,-22 21 16</inkml:trace>
+  <inkml:trace contextRef="#ctx0" brushRef="#br0" timeOffset="105488.34">6181 5165 0,'-43'21'0,"86"-42"0,-128 63 15,43-21-15,-1-21 0,22 21 16,0-21-16,0 0 0,21 22 16,21-22-16,21 0 15,-21 0-15,43 0 0,-22 0 16,22 0-16,-1 0 0,22 0 0,0 0 16,20 0-16,1-22 15,0 22-15,0 0 0,0-21 0,0 21 0,-1 0 16,1 0-16,0-21 0,0 21 0,0 0 15,-22 0-15,1 0 16,0 0-16,-22 0 0,-20 0 0,20 0 16,-42 0-16,22 0 0,-22 0 15,-42 0 1,-1 21-16,-20-21 16,21 21-16,-21-21 15,-1 22-15,-20-22 0,20 0 0,1 21 16,-21-21-16,20 21 0,-20-21 0,-1 21 15,1-21-15</inkml:trace>
+  <inkml:trace contextRef="#ctx0" brushRef="#br0" timeOffset="105809.15">6054 5821 0,'0'0'0,"-43"0"0,1 21 0,21-21 0,21 21 16,21-21-1,0 0-15,21 0 16,1 0-16,-1 0 0,22 0 0,-22 0 16,43 0-16,-22 0 0,22-21 15,-1 21-15,22-21 0,0 21 16,-21-21-16,21 21 0,-1 0 0,1-21 16,-21 21-16,0 0 0,-1-22 15,1 22-15,0 0 0,-22 0 0,1 0 16,-22 0-16,0 0 0,1 0 15,-22 0-15,-21 22 32,-21-22-32,-22 21 0,22-21 15,0 21-15,-21-21 0,-1 21 0,1-21 16,0 21-16,-1 0 0</inkml:trace>
+  <inkml:trace contextRef="#ctx0" brushRef="#br0" timeOffset="106065.99">6329 6541 0,'0'0'0,"-21"0"0,-1 21 16,44-21 0,-1 0-16,21 0 15,0 0-15,1 0 0,20-21 0,1 21 16,-1-22-16,1 1 0,-1 0 15,1 21-15,-1-21 0,1 0 16,-1 0-16,-20 21 0,20-22 0,-21 1 16,-20 21-16,20-21 0,-21 21 15,0 0-15,0 0 0,-21-21 0,0 0 16,0 0-16,0-1 16,0 1-16</inkml:trace>
+  <inkml:trace contextRef="#ctx0" brushRef="#br0" timeOffset="106976.02">7302 2921 0,'0'-21'16,"0"0"-16,0 0 16,0-1-16,0 1 15,0 0 1,0 42 15,0 0-31,0 1 16,0-1-16,0 0 0,0 0 0,0 0 15,0 22-15,0-22 0,0 0 16,0 0-16,0 21 0,0-20 0,0-1 16,0 0-16,0 0 0,0 0 15,0 0-15,0 1 0,0-44 47,22 22-31,-1-21-16,-21 0 0</inkml:trace>
+  <inkml:trace contextRef="#ctx0" brushRef="#br0" timeOffset="107768.57">7662 2794 0,'0'0'0,"0"21"46,-21-21-46,0 21 16,21 1-16,-21-1 0,21 21 0,0-21 16,-21 0-16,21 1 0,-22-1 15,22 0-15,0 21 0,0-21 0,0 1 16,0-1-16,0 0 0,0 0 16,0 0-16,0 0 15,22-21-15,-1 0 0,-21 22 0,21-22 16,0 0-16,0 0 0,0 0 15,1 0-15,-1-22 0,0 22 16,0-21-16,0 21 0,-21-21 16,21 0-16,-21 0 0,22 0 0,-22-1 15,0 1-15,0 0 0,0 0 16,0 0-16,0 0 0,-22-1 16,1 22-16,21-21 0,0 0 15,-21 21-15,21-21 0,-21 21 0,21-21 16,0 0-1,21-1 1,0 1-16,22 21 16,-22-21-16,0 21 0,0 0 15,0 0-15,0 0 0,22 0 0,-22 0 16,0 0-16,0 0 0,0 0 0,-21 21 16,0 0-16,22 1 0,-22-1 15,0 0-15,0 0 0,0 0 0,0 0 16,0 1-16,-22 20 15,22-21-15,-21 0 0,21 0 0,0 1 16,0-1-16,0 0 0,0 0 16,0 0-16,21-21 15,1 0-15,-1 0 0,0 0 16,0 0-16,0 0 0,0-21 16,1 21-16,-1-21 0,0 0 0,0 21 15,0-21-15,-21-1 0,21 1 16,-21 0-16,22 0 0,-22-21 15,0 20-15,0 1 0,0 0 16,-22 0-16,1 0 0,0 0 16,0 21-16,0-22 0,0 1 0,-1 21 15,1 0-15,0 0 0,0 0 16,0 0-16,0 0 0,-1 0 31,44 0 0,-1 0-31,0 0 16,0 0-16,0-21 0,0 21 16</inkml:trace>
+  <inkml:trace contextRef="#ctx0" brushRef="#br0" timeOffset="108036.41">8424 2667 0,'-21'0'16,"42"0"0,0 0-1,1 0-15,-1 0 0,21 0 0,0 0 16,1 0-16,-1 0 0,0 0 0,1 0 16,-1 0-16,0-21 0,-20 21 15,-1 0-15,0 0 0,0 0 0,-42 0 47,0 0-47,0 0 16,-1 0-16,1 0 15,0 0-15</inkml:trace>
+  <inkml:trace contextRef="#ctx0" brushRef="#br0" timeOffset="108320.26">8721 2667 0,'-22'0'0,"22"21"31,-21-21-31,21 21 0,-21 1 16,21-1-1,0 0-15,0 0 0,0 0 0,0 22 16,0-22-16,0 0 0,0 0 16,-21 0-16,21 22 0,0-22 15,-21 0-15,21 0 0,0 0 0,-21 0 16,21 1-16,0-1 0,0 0 15,0 0-15,-22 0 0,22 0 32,0-42-1,22 0-31,-1 21 0,0-21 16,0 0-16,0 21 0</inkml:trace>
+  <inkml:trace contextRef="#ctx0" brushRef="#br0" timeOffset="108740.54">9271 2752 0,'0'0'16,"0"-21"-16,0-1 15,0 1-15,-21 21 16,0-21-16,-1 21 15,1 0-15,0 0 16,0 0-16,21 21 0,-21 0 16,0-21-16,-1 22 0,1 20 0,0-21 15,21 0-15,-21 0 0,0 22 16,21-22-16,-21 0 0,21 0 16,0 22-16,0-22 0,0 0 0,0 0 15,21 0-15,0 0 0,0-21 16,0 0-16,0 0 0,1 0 15,20 0-15,-21 0 0,0 0 0,0 0 16,22 0-16,-22 0 0,0 0 16,0 0-16,0 0 0,1 0 15,-22-21-15,21 21 0,-21-21 0,21 21 16,-21-21 46</inkml:trace>
+  <inkml:trace contextRef="#ctx0" brushRef="#br0" timeOffset="109372.18">9821 4128 0,'-21'0'0,"42"0"0,-63 0 0,21 0 0,0 0 16,21 21-16,-22-21 0,1 0 16,21 21-16,21-21 31,22 0-31,-22 0 16,85 0-16,-43 0 0,1 0 15,-1 0-15,1 0 0,20 0 16,1 0-16,-21 0 0,20-21 0,-20 21 15,20 0-15,-20 0 0,-22-21 16,22 21-16,-22 0 0,0 0 0,-20 0 16,20 0-16,-21 0 15,-42 0 17,0 0-17,0 21-15,-1-21 0,1 0 0,-21 0 0,21 21 16,-22-21-16,1 0 0,0 0 15,-1 0-15,1 21 0,0-21 16</inkml:trace>
+  <inkml:trace contextRef="#ctx0" brushRef="#br0" timeOffset="109676.01">10139 4255 0,'0'0'0,"-21"0"0,-22 0 16,1 0-16,21 21 0,0-21 0,-22 0 16,22 0-16,0 0 0,21 21 15,42-21 16,-21 0-31,43 0 0,-22 0 16,22 0-16,-1 0 0,1 0 0,-1 0 0,1 0 16,-22 0-16,22 0 0,-1 0 15,1 0-15,-22-21 0,0 21 16,22 0-16,-22 0 0,-21-21 16,22 21-16,-1 0 0,-21 0 0,21 0 15,-20-22-15,-1 22 0,0 0 0,0 0 16,-21-21-1,0 0 17,0 0-32,0 0 15,0 0 1,0-1-16</inkml:trace>
+  <inkml:trace contextRef="#ctx0" brushRef="#br0" timeOffset="110119.75">10901 3895 0,'0'0'0,"-21"0"0,-1 0 0,1 0 31,21 21-15,0 0 0,0 0-16,21-21 0,1 21 15,-1-21-15,0 22 0,0-22 16,0 21-16,22-21 0,-22 0 15,0 0-15,21 21 0,-21-21 0,1 0 16,20 0-16,-21 0 0,0 0 0,0 0 16,1 0-16,-1 0 0,0 0 15,0 0-15,-21 21 16,0 0 0,0 0-16,-21-21 0,0 22 15,0-1-15,-1-21 0,-20 21 0,0 0 16,-1 21-16,1-20 15,0-1-15,-1 21 0,1-21 0,0 22 16,-1-22-16,1 21 0,0-21 16,21 0-16,-43 22 0,43-22 15,0-21-15,0 21 0,-1-21 16,22 21-16,0-42 47,0 0-47,0 0 15,22 0-15,-1-22 0</inkml:trace>
+  <inkml:trace contextRef="#ctx0" brushRef="#br0" timeOffset="110652.45">10710 2604 0,'0'0'0,"0"-22"0,0 1 15,0 0-15,-21 21 16,0-21-16,0 21 15,0 0-15,-1 0 0,1 21 16,0 0-16,0 0 0,0 1 16,0-1-16,21 21 0,-22-21 0,1 22 15,0-1-15,21 0 0,0-21 16,-21 22-16,21-1 0,-21-21 0,21 22 16,0-22-16,0 0 0,0 21 15,0-21-15,21 1 0,0-1 16,0-21-16,0 0 0,22 21 0,-22-21 15,21 0-15,-21 0 0,22 0 16,-1 0-16,-21-21 0,22 0 0,-22-1 16,21 1-16,0 0 0</inkml:trace>
+  <inkml:trace contextRef="#ctx0" brushRef="#br0" timeOffset="111147.67">11261 2477 0,'-22'-22'16,"1"22"-16,0 0 0,0 22 16,0-1-16,21 0 0,-21 0 15,21 21-15,0-20 0,0 20 16,0-21-16,0 21 0,0 1 0,0-22 16,-22 21-16,22 1 0,0-22 15,0 21-15,-21-21 0,21 0 0,0 22 16,0-22-16,0 0 0,0 0 15,0 0-15,0 1 16,-21-22 0,0 0-1,21-22-15,0 1 16,0 0-16,0 0 0,0 0 16,0-22-16,0 22 0,21 0 15,0 0-15,0-21 0,1 20 0,-1 1 16,21 0-16,-21 0 0,22 0 15,-22 0-15,0 21 0,21 0 16,-21 0-16,1 0 0,-1 0 0,0 21 16,0-21-16,0 21 0,-21 0 0,21 0 15,-21 0-15,0 1 0,0-1 16,0 0-16,0 0 0,0 0 16,0 0-16,0 1 0,0-1 0,-21-21 15,21 21-15,-21-21 0,21 21 16,0-42 15,0 0-31,21 21 16,0-21-16</inkml:trace>
+  <inkml:trace contextRef="#ctx0" brushRef="#br0" timeOffset="111531.45">11663 2709 0,'0'-21'15,"21"0"1,0 21-16,0 0 16,0 0-16,1 0 0,-1 0 15,0 0-15,0 0 0,0 21 0,0-21 16,1 21-16,-22 1 0,21-1 16,0 0-16,-21 0 0,21 0 0,-21 0 15,0 1-15,0 20 16,0-21-16,-21 0 15,0-21-15,21 21 0,-21-21 0,21-21 47,0 0-47,0 0 0,0 0 0,21 0 16,-21-1-16,21 1 0,-21 0 16,0 0-16,21-21 0,0 20 0,0 1 15,-21 0-15,22 0 0,-22 0 0,21 0 16,-21-1-1,21 22-15,0 0 32,-21 22-32</inkml:trace>
+  <inkml:trace contextRef="#ctx0" brushRef="#br0" timeOffset="112901.67">12382 2625 0,'0'-21'0,"-42"21"31,21 0-31,0 0 16,21 21-16,-21 0 0,21 0 16,0 0-16,-22 0 15,1 1-15,0-1 0,0 21 0,21-21 16,-21 22-16,21-22 0,-21 21 15,21-21-15,0 0 0,0 1 0,0-1 16,21 0-16,0 0 0,0-21 0,0 0 16,0 0-16,1 0 0,-1 0 15,0 0-15,0 0 0,0 0 0,0 0 16,43-42-16,-43 42 16,0-21-16,0-1 0,1 1 15,-22-21-15,21 21 0,-21 0 0,0-22 16,0 22-16,0-21 0,0-1 0,0 22 15,0 0-15,-21 0 0,-1 0 16,22 0-16,-21 21 0,0 0 16,0 0-16,-21 0 0,20 0 0,1 0 15,0 21-15,0 0 0,-21-21 0,20 42 16,1-21-16,21 1 0,-21-1 16,21 0-16,0 0 0,0 21 0,0-20 15,0-1-15,21 0 16,0-21-16,22 0 0,-22 21 0,21-21 15,-21 0-15,22 0 0,-1 0 0,-21 0 16,22 0-16,-1-21 0,-21 21 16,21-21-16,-20 0 0,20 21 0,-21-22 15,21 1-15,-20 0 16,20 0-16,-21 0 0,0 0 0,0 21 16,-21-22-16,0 1 0,22 21 0,-22 21 31,0 1-16,0-1-15,-22 0 16,22 0-16,0 0 0,0 0 0,-21 1 16,21-1-16,-21 0 0,21 0 15,-21 0-15,21 0 0,0 1 16,-21-22-16,21 21 0,0-42 47,0-1-32,0 1-15,0 0 0,0 0 16,21 0-16,-21 0 0,0-1 0,0 1 16,21 0-16,0 0 0,-21 0 0,0 0 15,21 21-15,-21-22 0,22 22 16,-1 0-16,0 22 16,-21-1-1,21-21-15,-21 21 0,0 0 16,21 0-16,-21 0 0,0 1 0,0-1 15,0 0-15,0 0 0,0 0 16,0 0-16,0 1 16,21-22 31,1 0-47,-1-22 0,0 1 15,0 0-15,0 0 0,-21 0 16,21 0-16,1-1 0,-1 1 0,-21 0 15,21 0-15,0 21 16,0-21-16,0 0 0,1-1 0,-1 22 16,0 0-16,-21 22 31,0-1-31,0 0 16,0 0-16,0 0 0,0 0 15,0 1-15,0-1 0,0 0 16,0 0-16,0 0 15,21-21-15,0 21 0,0-21 16,1 0-16,-1 0 0,0 0 16,0 0-16,0 0 0,0 0 15,22 0-15,-22 0 0,0-21 0,0 21 16,0-21-16,1 0 0,-1 0 16,0-22-16,-21 22 15,0 0-15,0 0 0,0-21 0,0 20 16,0 1-16,0 0 15,-21 42 1,0 0-16,-1 1 16,22-1-16,-21 0 0,21 0 0,-21 0 15,21 0-15,0 1 0,0-1 0,0 0 16,0 0-16,0 0 0,0 0 16,21 1-16,0-22 15,1 0-15,-22 21 0,21-21 0,0 0 0,0 0 16,0 0-16,0 0 15,1 0-15,-1 0 0,0 0 16,-21-21-16,21-1 0,0 22 16,0-21-16,1 0 0</inkml:trace>
+  <inkml:trace contextRef="#ctx0" brushRef="#br0" timeOffset="113415.88">12467 3874 0,'21'-22'0,"-42"44"0,42-65 0,0 22 15,-21 0-15,22 21 16,-22 21 0,0 0-16,0 0 15,0 1-15,0 20 0,0 0 16,0-21-16,0 22 0,-22-1 0,1 0 16,21 1-16,0-22 0,0 21 15,-21 1-15,21-22 0,-21 0 16,21 21-16,-21-21 0,21 1 15,0-1-15,0-42 32,21 21-17,0-22-15,-21 1 0,21 0 0</inkml:trace>
+  <inkml:trace contextRef="#ctx0" brushRef="#br0" timeOffset="113882.01">12890 3937 0,'0'0'0,"0"-21"0,0 0 16,-21 21 15,21 21-31,0 0 16,-21 0-16,21 0 0,-21 1 16,21 20-16,0-21 0,0 0 0,0 22 15,0-22-15,-21 21 0,21-21 16,0 22-16,0-22 0,0 42 15,0-42-15,0 1 0,21-1 16,-21 0-16,21-21 0,0 21 0,22-21 16,-22 0-16,0 0 15,0 0-15,21 0 0,-20-21 16,20 21-16,-21-21 0,21 0 0,-20-1 16,-1 1-16,0 0 0,0 0 0,0-21 15,-21 20-15,0-20 0,0 21 16,0-21-16,0 20 0,0-20 0,-21 0 15,21 21-15,-21-1 0,0 1 16,0 0-16,-22 0 0,22 21 0,0 0 16,0 0-16,0-21 0,-1 21 0,1 0 15,0 0-15,0 0 0,21 21 16,-21 0-16,21 0 16,0 0-16,0 1 0,0-1 15,0 0-15,21 0 16,-21 0-16,21 0 0,0-21 0,0 22 15,1-22-15,-1 0 0,0 0 16,21 21-16</inkml:trace>
+  <inkml:trace contextRef="#ctx0" brushRef="#br0" timeOffset="115401.58">13504 4064 0,'-21'21'31,"21"0"-16,0 1-15,0-1 16,0 21-16,0-21 0,0 0 16,0 1-16,0 20 0,0-21 15,0 0-15,0 0 0,0 1 16,0-1-16,0 0 16,-21-21 15,21-21-16,0 0-15,0-1 0,0 1 16,0-21-16,0 21 0,0 0 16,0-22-16,0 22 0,0-21 15,21 21-15,0-22 0,0 22 0,-21 0 16,22 0-16,-1 0 0,0-1 16,0 22-16,0 0 0,0 0 15,1 0-15,-1 0 0,0 22 16,0-22-16,0 21 0,-21 0 15,0 21-15,21-21 0,-21 1 0,22-1 16,-22 21-16,0-21 0,0 0 0,0 1 16,0 20-16,0-21 0,0 0 15,0 0-15,0 1 0,0-1 16,0-42 31,0-1-47,0 1 0,0 0 15,21 0-15,0 0 0,0 0 16,-21-1-16,21-20 0,0 21 0,1 0 16,-22-22-16,21 22 0,0 0 15,0 0-15,0 0 0,0 0 0,1-1 16,-1 22-16,0 0 16,-21 22-1,0-1-15,0 0 0,0 0 16,0 21-16,0-20 0,0-1 15,0 21-15,0-21 0,0 22 16,0-22-16,0 0 0,0 0 16,0 0-16,0 0 0,21 1 0,0-1 15,-21 0-15,21-21 0,-21 21 0,22-21 16,-1 0-16,0 0 0,0 0 16,0 0-16,0 0 0,1 0 0,-1 0 15,0 0-15,0-21 0,0 0 0,0 0 16,1-1-16,-1 1 15,0 0-15,-21 0 0,21-43 16,-21 43-16,21-21 0,-21 21 16,0 0-16,0-1 0,0 1 15,21 0-15,-21 42 32,0 0-17,0 1-15,-21-1 0,21 0 0,0 0 16,0 0-16,-21 0 0,21 22 15,0-22-15,0 0 0,0 0 0,0 0 16,0 1-16,0-1 16,21-21-16,0 0 0,-21 21 0,22-21 15,-1 0-15,0 0 0,0 0 0,0 0 16,0 0-16,1 0 0,-1 0 16,0-21-16,0 21 0,0-21 0,-21-1 15,21 22-15,1-21 0,-1 0 16,-21 0-16,0 0 0,21-22 15,0 22-15,-21 0 0,0 0 0,0 0 16,0 0-16,21-1 0,-21 1 16,0 42 15,0 1-15,0-1-16,0 0 0,0 0 15,0 0-15,0 0 0,0 1 16,0-1-16,0 0 0,0 0 0,0 0 15,0 0-15,0 1 0,0-1 16,0 0 0,0 0-1,-21-21 1,21-21 15,0 0-31,0 0 0,0-1 16,0 1-16,0 0 0,0 0 15,0 0-15,0 0 0,0-22 0,21 22 16,0 0-16,1 0 0,-1-22 16,0 22-16,0 0 0,0 0 15,0 0-15,1 0 0,20-1 0,-21 22 16,0 0-16,0 0 0,43 0 16,-43 0-16,0 0 0,0 22 15,1-1-15,-1 0 0,-21 0 0,0 0 16,0 0-16,0 1 0,0-1 15,0 21-15,0-21 0,0 0 0,0 1 16,0-1-16,0 0 0,0 0 16,-21 0-16,-1 0 0,22 1 15,-21-22-15,21 21 0,0 0 32,-21-21-32,21-21 46,-21 21-46,21-21 16,-21 21-16,21-22 0,-21 1 0,-1 0 16,1 0-16</inkml:trace>
+  <inkml:trace contextRef="#ctx0" brushRef="#br0" timeOffset="115620.46">14584 3831 0,'0'0'16,"0"-21"-16,-21 21 0,-1 0 0,22-21 15,-21 21 1</inkml:trace>
+  <inkml:trace contextRef="#ctx0" brushRef="#br0" timeOffset="116373.33">17166 3344 0,'0'-21'16,"0"42"-16,0-63 0,0 21 0,0 0 15,0 0-15,0-1 0,0 1 16,0 0-16,-21 21 16,21-21-16,-21 21 15,0 0 1,-1 0-16,22 21 16,0 0-16,-21 22 0,21-22 0,-21 21 15,21 0-15,0 1 0,0 20 16,0-20-16,-21 20 0,21-21 0,0 22 15,-21-1-15,21 1 0,0-1 16,0 1-16,0 21 0,0-1 0,0-20 16,-21 20-16,21 1 0,-22 0 15,22 21-15,-21-22 0,21 1 16,-21 21-16,0-22 0,0 22 0,0 0 0,-1 0 16,22-21-16,-21 20 15,0 1-15,-21 0 0,21 0 0,-1 0 16,1-22-16,0 22 0,0-21 15,-21 105-15,20-105 0,1-21 16,21 20-16,0-20 0,-21-22 0,21 22 16,-21-43-16,21 21 0,0-21 0,0 0 15,0-42 17,21 0-32,-21 0 0,21-21 0,0 20 15,1-20-15,-22 0 16,21-22-16,0 22 0,0-22 0,21-63 15,1-21-15</inkml:trace>
+  <inkml:trace contextRef="#ctx0" brushRef="#br0" timeOffset="117587.66">17399 3323 0,'0'-21'15,"0"42"-15,0-63 0,-21 21 0,21 0 0,0-22 16,-21 22-16,-1 0 0,22 0 16,-21 0-16,21-1 0,-21 1 15,0 21-15,21-21 0,-21 0 16,0 21 15,63 0 0,-21 0-15,0 0-16,22 0 0,-1 0 16,21 0-16,-20 0 0,41 0 0,-20 0 15,21-21-15,20 21 0,1-21 16,21 21-16,0 0 0,0-22 0,21 22 16,1 0-16,-1 0 0,0 0 15,0 0-15,0 0 0,0 0 16,1 0-16,-22 0 0,0 0 15,0 0-15,-22 0 0,22 0 0,0 0 16,0 22-16,-21-22 0,21 0 16,-21 21-16,-21 0 0,21-21 0,-22 0 15,-20 21-15,-1-21 0,1 21 16,-22-21-16,0 0 0,-20 0 0,-1 21 16,0-21-16,-21 22 15,0-1-15,0 0 16,0 0-16,-21 0 15,21 0-15,-21 22 0,21-1 0,0-21 16,-22 22-16,22-1 0,-21 0 16,21 22-16,0-22 0,0 0 15,-21 22-15,21-22 0,-21 1 0,21 20 16,-21 1-16,21-1 0,0 1 16,0-1-16,0 22 0,-21-22 0,21 1 15,0 20-15,-22 65 16,22-1-16,0-64 0,-21 1 15,21 0-15,-21-1 0,0 1 16,21 0-16,-21-1 0,21 1 0,-21 0 16,-1-1-16,22 1 0,-21 0 0,21-1 15,-21 1-15,0-21 0,21 20 16,-21-20-16,21-1 0,-21 1 16,21 20-16,-22-20 0,1-1 0,21 1 15,0-1-15,0-20 0,-21 20 16,21-20-16,-21-1 0,21 0 0,0 1 15,-21-1-15,21-21 0,0 0 16,0 0-16,0 1 0,0-1 16,-21-21-16,-1 0 15,1 0 1,0 0-16,0 0 0,-21 0 16,20 0-16,1 0 0,-21 0 15,0 21-15,-22-21 0,22 0 16,-22 0-16,1 0 0,-1 0 0,-20 0 15,-1 21-15,0-21 0,1 0 0,-22 0 16,0 0-16,-21 21 0,0-21 16,0 0-16,-21 0 0,21 21 0,-21-21 15,-1 0-15,-20 0 0,21 0 0,0 22 16,21-22-16,-21 0 0,21 0 16,0 0-16,21 0 0,0 0 0,0-22 15,0 22-15,22-21 0,20 21 0,1 0 16,-1-21-16,22 0 0,-1 21 15,22 0-15,0 0 0,0-21 0,21 0 16,0-1 15,21 1-31,0 0 16,0 0-16,1 0 0,20 0 0,-21-1 16,21-20-16,22-21 15,-22 20-15</inkml:trace>
+  <inkml:trace contextRef="#ctx0" brushRef="#br0" timeOffset="121408.07">17632 3493 0,'0'0'0,"-21"0"0,-43 21 16,22-21-16,21 0 16,-1 0-16,-20 21 0,21-21 15,0 0-15,0 0 0,-1 0 16,1 0-16,0 0 0,42 0 16,22 0-1,-1 0-15,0 0 0,22 0 16,20 0-16,1 0 0,0 0 15,21 0-15,21 0 0,0 0 0,21 0 16,0-21-16,0 21 0,0 0 16,22 0-16,-22-21 0,0 21 0,0 0 15,0 0-15,-21 0 0,-21 0 16,0 0-16,-21 0 0,-22 0 0,22 0 16,-43 0-16,22 0 0,-43 0 15,21 0-15,-21 0 0,-42 0 31,0 0-31,0 0 16,0 0-16,-22 21 0,1-21 16,0 21-16,-22-21 0,22 21 0,-43 0 15,22-21-15</inkml:trace>
+  <inkml:trace contextRef="#ctx0" brushRef="#br0" timeOffset="121747.88">17462 4106 0,'0'0'0,"-84"22"16,-1-22-16,22 21 0,-1 0 0,22-21 15,-1 21-15,22-21 0,42 0 16,22 0-16,-1 0 16,22 0-16,20 0 0,1 0 15,21 0-15,21 0 0,-21-21 0,42 21 16,-21 0-16,21-21 0,21 21 15,-21 0-15,1-21 0,20 21 0,-21 0 16,0 0-16,-21 0 0,21 0 0,-42 0 16,21 0-16,-42 0 0,21 0 15,-43 0-15,22 0 0,-43 0 0,1 0 16,-1 0-16,-21 0 16,0 0-16,-42 0 15,0 0-15,-21 0 0,-1 0 16,-20 0-16,-1 0 0,-20 21 0,-1-21 15,-21 0-15,0 21 0,0-21 0,-21 21 16</inkml:trace>
+  <inkml:trace contextRef="#ctx0" brushRef="#br0" timeOffset="122056.7">17039 4805 0,'0'0'15,"-63"21"-15,-1 0 0,22 0 0,-1-21 0,22 0 16,42 0-1,1 0-15,20 0 16,21 0-16,1 0 0,21 0 0,20 0 16,1-21-16,0 21 0,0-21 15,21 21-15,0-21 0,-21 21 0,42 0 16,-21-21-16,0 21 0,0 0 16,21 0-16,-21-21 0,0 21 15,-21 0-15,21 0 0,-21 0 0,-22 0 16,22 0-16,-42 0 0,-1 0 0,1 0 15,-22 0-15,-21 0 0,0 0 16,1 0-16,-65 0 16,22 0-1,-21 0-15,-22 0 0,1 0 0,-1 21 16,1-21-16,-22 21 0</inkml:trace>
+  <inkml:trace contextRef="#ctx0" brushRef="#br0" timeOffset="122353.53">17039 5355 0,'0'0'0,"-42"21"0,21-21 0,-1 0 15,44 0-15,-1 0 16,21 0-16,43 0 0,-22-21 16,43 21-16,0 0 0,21-21 15,0 21-15,0 0 0,21-21 0,-21 0 16,21 21-16,0 0 0,1 0 0,-1-21 15,0 21-15,-21 0 0,21 0 16,-21 0-16,-21 0 0,21 0 0,-21 0 16,-22 0-16,1 0 0,-21-22 15,-1 22-15,-21 0 0,-20 0 0,-1 0 16,0 0-16,-42 0 16,-22 0-1,1 0-15,-21 0 0,-1 0 0,-21 0 16,1 0-16,-1 22 0</inkml:trace>
+  <inkml:trace contextRef="#ctx0" brushRef="#br0" timeOffset="122649.36">17759 5715 0,'0'0'0,"-43"21"0,22-21 16,0 21-16,42 1 15,22-22-15,-1 0 16,21 0-16,1 0 0,-1 0 0,1 0 15,21 0-15,-1 0 0,1 0 16,0 0-16,-1 0 0,22 0 0,-21-22 16,-1 22-16,1 0 0,0-21 15,-22 21-15,22 0 0,-22-21 16,1 21-16,-1 0 0,1-21 0,-22 0 16,1 21-16,20 0 0,-42 0 0,22 0 15,-22-21-15,0 21 0,0 0 16,-42 0-1,-21 21-15,-1 0 16,1-21-16,0 21 0,-22-21 16,1 21-16,-1 0 0</inkml:trace>
+  <inkml:trace contextRef="#ctx0" brushRef="#br0" timeOffset="122924.21">17568 6181 0,'0'0'0,"-63"21"0,-1 0 0,22 0 0,0 0 15,20-21-15,1 22 0,21-1 16,43-21 0,-1 0-16,0 0 0,22 0 0,-1 0 15,1 0-15,20 0 0,1-21 16,0 21-16,-1 0 0,1-22 0,21 22 16,-21 0-16,20-21 0,-20 21 0,21 0 15,-21 0-15,20 0 16,-20 0-16,0-21 0,-1 21 0,-20 0 0,-1 0 15,1 0-15,-22-21 0,1 21 16,-1-21-16,0 21 0,-21 0 16,1 0-16,-1-21 0,0 21 0,-21-22 15,0 1-15,0 0 0,0-21 16,0 21-16</inkml:trace>
+  <inkml:trace contextRef="#ctx0" brushRef="#br0" timeOffset="123697.76">18076 2201 0,'-21'-42'16,"21"21"-16,-21 0 0,0 0 15,21-1-15,-21 22 0,21-21 16,0 42 15,0 1-31,0-1 0,0 0 16,-22 0-16,22 21 0,0-20 16,0 20-16,0-21 0,0 21 0,0 1 15,0-1-15,0 0 0,0 1 16,-21-1-16,21-21 0,0 0 0,0 22 15,0-22-15,0 0 16,0 0-16,21-21 47,-21-21-47,0 0 0,22 0 16,-22 0-16</inkml:trace>
+  <inkml:trace contextRef="#ctx0" brushRef="#br0" timeOffset="124487.82">18478 2201 0,'0'0'0,"-21"0"31,0 0-15,0 22-16,21-1 15,-21-21-15,0 21 0,-1 0 0,22 0 16,-21 22-16,21-22 0,-21 0 16,21 0-16,-21 21 0,21 1 15,0-1-15,0-21 0,0 0 16,0 1-16,0-1 0,21 0 16,0-21-16,0 0 15,1 0-15,-1 0 0,0 0 16,0 0-16,0 0 0,0-21 15,-21 0-15,22 21 0,-22-22 16,0 1-16,0 0 0,0 0 16,0 0-16,0 0 15,-22-1-15,1 1 0,0 0 0,21 0 16,-21 0-16,0 0 0,0 21 16,21-22-16,0 1 0,0 0 0,0 0 15,0 0-15,21 0 16,0-1-16,0 22 0,0-21 15,22 0-15,-22 21 0,21 0 16,22 0-16,-22 0 0,-21 0 16,0 0-16,22 0 0,-22 21 0,-21 0 15,0 1-15,21-1 0,-21 0 16,0 0-16,0 21 0,0 22 16,-21-22-16,0-21 0,21 22 15,0-22-15,0 21 0,0-21 16,-22 1-16,22-1 0,0 0 0,0 0 15,0 0-15,22-21 0,-1 0 16,0 0-16,0 0 0,21 0 16,-20-21-16,-1 0 0,0 21 15,0-21-15,0 0 0,0-1 0,1 1 16,-1 0-16,0 0 0,0-21 16,-21 20-16,0 1 0,0-21 15,0 21-15,0 0 0,0-1 0,0 1 16,-21-21-16,0 21 0,0 21 15,-1-21-15,1-1 0,0 22 0,0 0 16,0 0-16,0 0 0,-1 0 16,1 0-16,0 0 15,0 0 1,21 22-16,0-1 31,21-21-31,0 0 0,0 0 0,1 0 16,-1 0-16,0 0 0,0 0 0,0-21 15</inkml:trace>
+  <inkml:trace contextRef="#ctx0" brushRef="#br0" timeOffset="124800.23">19389 2117 0,'0'0'0,"-22"0"15,1 0-15,42-21 32,1 21-32,20 0 0,0 0 0,1 0 15,-1-22-15,0 22 0,1 0 16,-1 0-16,0 0 0,1 0 16,-1-21-16,-21 21 0,21 0 0,-20 0 15,-1 0-15,0 0 0,-42 21 47,0-21-47,-1 0 16,1 22-16,0-22 15,0 0-15</inkml:trace>
+  <inkml:trace contextRef="#ctx0" brushRef="#br0" timeOffset="125048.09">19791 2096 0,'-21'0'15,"-1"21"17,1 0-32,21 0 0,0 0 15,0 0-15,0 1 0,0-1 16,-21 21-16,21-21 0,-21 22 0,21-22 16,-21 21-16,21 0 0,0-20 15,0 20-15,-21-21 0,21 0 0,-22 0 16,22 1-16,0-1 0,0 0 15,22-42 32,-1 21-47,0-21 0,-21-1 0,21 1 16,21 0-16</inkml:trace>
+  <inkml:trace contextRef="#ctx0" brushRef="#br0" timeOffset="125439.86">20172 2223 0,'0'-22'0,"0"44"0,0-65 16,0 22-16,0 0 15,0 0-15,0 0 16,0-1 0,-21 22-1,-1 0-15,1 22 0,0-1 16,0 0-16,0 0 0,0 0 15,-22 43-15,22-43 0,21 21 16,-21 1-16,21-22 0,-21 42 16,21-20-16,0-22 0,0 0 15,0 0-15,21 0 0,0 0 16,0-21-16,0 22 0,1-22 16,-1 0-16,0 0 0,0 0 0,0 0 15,0 0-15,1 0 16,-1-22-16,0 1 0,0 21 15,-21-21-15,21 21 16,-21-21-16,0 0 31,0 0-15,0-1 0</inkml:trace>
+  <inkml:trace contextRef="#ctx0" brushRef="#br0" timeOffset="126447.15">21082 2413 0,'0'0'0,"42"-42"16,-21 42-16,22-43 15,-22 22-15,0 0 0,0 0 16,22 0-16,-22 0 0,0-22 15,0 22-15,21-21 0,-20 21 0,-1-22 16,0 1-16,0 0 0,0-1 16,0 1-16,-21 0 0,0-1 0,0 22 15,0-21-15,0 21 0,0-1 16,0 1-16,-21 0 0,0 21 0,0 0 16,0 0-16,0 21 15,-1 0-15,22 1 0,0 20 16,-21 0-16,0 1 15,21-1-15,-21 21 0,21-20 0,0 20 16,0 1-16,-21-1 0,21 1 16,-21 20-16,21 1 0,0-21 0,-22 20 15,22-20-15,0 20 0,0-20 0,0 21 16,0-22-16,0 1 0,0-1 16,0 1-16,0-22 0,0 21 0,0-20 15,0-1-15,0 0 0,22-20 16,-1-1-16,-21 0 0,21 0 0,0-21 15,0 0-15,0 0 0,1-21 16,-1 0-16,0 0 0,0-1 16,0 1-16,-21-21 0,21 21 15,1-22-15,-1 1 0,0 0 0,0-1 16,-21 1-16,0-21 0,21 20 16,-21-20-16,0 20 0,0 1 0,0-21 15,-21 20-15,0 1 0,0 21 16,0-22-16,-22 22 0,22 0 0,0 0 15,0 21-15,-22-21 0,22 21 0,0 0 16,0 0 0,21-21-1,21 21 1,0-22-16,0 1 0,1 21 16,-1-21-16,21 0 15,0 0-15,-20 21 0,20-21 0,0-1 16,1 1-16,-1 0 0,-21 0 0,21 0 15,1 0-15,-22-1 0,21 1 16,-21 0-16,1 0 0,-1 21 16,-21 21 31,0 0-47,0 0 0,-21 1 15,21-1-15,0 0 0,0 0 0,0 21 0,0-20 16,0-1-16,0 0 15,0 0-15,0 0 16,21-21 0,-21-21 15,0 0-31,0 0 0,0-22 16,0 22-16,0 0 0</inkml:trace>
+  <inkml:trace contextRef="#ctx0" brushRef="#br0" timeOffset="126646.38">22077 1884 0,'0'0'0,"-21"-21"15,-1 21-15,1 0 16,0 0-16,21-21 16,-21 21-16,21 21 46,21-21-46,0 0 0,-21 21 16,21-21-16,-21 21 0,22-21 16,-22 21-16</inkml:trace>
+  <inkml:trace contextRef="#ctx0" brushRef="#br0" timeOffset="127112.64">22204 2180 0,'0'0'16,"-21"0"-16,-1 0 16,22-21-16,0 0 15,0 0 1,22 21-16,-1 0 0,0-21 16,0 21-16,0 0 0,0 0 15,1 0-15,20 0 0,-21 21 0,0-21 16,0 21-16,1 0 0,-1 0 15,-21 0-15,0 1 0,21-1 16,-21 0-16,0 0 0,0 0 0,0 0 16,0 1-16,0-1 0,0 0 15,-21 0-15,0 0 0,-1 0 16,1-21 0,21-21-1,0 0-15,0 0 16,0 0-16,0 0 0,0-1 15,0 1-15,21-21 0,1 21 0,-1 0 16,-21-1-16,0 1 16,21 0-16,0 0 0,-21 0 15,21 21-15,0 0 16,1 0 15,-22 21-15,21-21-16</inkml:trace>
+  <inkml:trace contextRef="#ctx0" brushRef="#br0" timeOffset="127495.66">22691 2286 0,'0'0'0,"0"21"16,21-21 15,0 0-31,0 0 15,0-21-15,0 21 0,1-21 16,-1 0-16,0 21 0,0-21 0,0-1 16,0 22-16,1-21 0,-1 0 15,-21 0-15,0 0 0,-21 21 32,-1 0-32,1 0 0,-21 0 15,21 21-15,0-21 0,-1 21 16,1 0-16,0 0 0,21 1 15,0-1-15,-21 0 0,21 0 0,0 0 16,0 0-16,0 1 0,0-1 16,0 0-16,0 0 0,21 0 0,0-21 15,-21 21-15,21-21 0,1 0 16,-1 0-16,0 0 0,0 0 16,0 0-16,0 0 15,1 0-15,-1-21 0,0 0 0,0 21 16,0-21-16,0 0 0,-21 0 15,22-1-15,-1 1 0</inkml:trace>
+  <inkml:trace contextRef="#ctx0" brushRef="#br0" timeOffset="128917">23347 2244 0,'0'-21'31,"0"-1"-31,0 1 16,21 0-16,0 0 0,0 0 16,0 0-16,1-22 0,-1 1 0,21 0 15,-21-1-15,0 1 0,1 0 16,-1-1-16,0-20 0,0 20 0,-21 22 16,0-21-16,0 21 15,0 0-15,0-1 0,-21 22 16,0 0-16,0 0 15,-1 22-15,1-1 0,0 0 0,21 0 16,-21 21-16,0 1 0,0-1 16,21 0-16,-22 22 0,1-22 0,21 22 15,0-22-15,-21 22 0,21-1 16,-21-21-16,21 22 0,-21-1 0,0 1 16,21-1-16,0 1 0,-22-1 15,1 1-15,0-1 0,0 1 0,21-1 16,-21 1-16,21-22 0,-21 22 15,-1-22-15,22 0 0,0 1 16,0-22-16,0 21 0,0-21 0,0 1 16,0-1-16,0 0 0,22-21 15,-1 0-15,0 0 16,0-21-16,0 21 0,0-21 0,22-1 16,-22 1-16,0 0 0,0 0 15,0-21-15,1 20 0,-1-20 0,0 21 16,-21-21-16,0-1 0,0 1 0,0 0 15,0-1-15,-21-20 0,0 20 16,-1 1-16,1 0 0,-21 21 16,21-22-16,0 22 0,-22 0 15,1 0-15,21 0 0,0-1 0,-1 1 16,1 21-16,0 0 0,21-21 0,-21 21 16,21-21-1,21 0-15,0 21 16,0-21-16,22-1 0,-22 22 15,21-21-15,1 0 0,-1 0 0,0 0 16,1 0-16,-1-1 0,0 1 16,1 0-16,-1 0 0,0 0 0,-21 0 15,1 21-15,-1-22 0,0 22 16,-21-21-16,21 21 0,-42 21 31,0 1-31,0-22 16,21 21-16,-22 0 0,22 0 0,-21 0 15,21 0-15,0 1 0,0-1 16,0 21-16,0-21 0,0 0 0,0 1 16,0-1-16,0 0 0,21 0 15,1-21-15,-1 21 16,0-21-16,0 0 0,0 0 16,0 0-16,1 0 0,-1-21 15,0 0-15,0 0 16,-21 0-16,0-1 0,21-20 0,-21 21 15,0 0-15,0 0 0,0-1 0,-21 1 16,0 0-16,0 0 16,21 0-16,-21 21 0,-1 0 0,1-21 15,0 21-15,0 0 16,21-22 0,21 1-1,21 21-15,-20-21 0,-1 21 16,21-21-16,0 21 0,43-21 15,-64 21-15,22 0 0,-1 0 16,-21 0-16,0 0 0,22 0 0,-22 21 16,0 0-16,-21 0 15,0 0-15,0 1 0,0-1 0,0 0 16,0 21-16,0-21 0,0 1 0,0-1 16,-21 0-16,21 0 0,-21 0 15,21 0-15,-22 1 0,22-1 0,-21 0 16,21 0-16,21-21 47,1-21-47,-1 0 15,-21 0-15,21-1 0,0 1 16,0 0-16,0 0 0,1 0 16,-22-22-16,21 22 0,0-21 0,0 21 15,-21-22-15,0 22 0,0-21 16,0 21-16,21 0 0,-21-1 0,0 1 15,-21 21 1,0 21-16,21 1 16,-21-1-16,0 0 0,21 21 15,0-21-15,0 22 0,-22-22 0,22 21 16,0-21-16,0 22 0,0-22 16,0 0-16,0 0 0,0 0 0,22 1 15,-22-1-15,21 0 0,0-21 16,-21 21-16,21-21 0,0 0 15,0 0-15,1 0 0,-1 0 0,0 0 16,0 0-16,0-21 16,0 0-16,1 0 0,-22-1 15,21 1-15,-21 0 0,21 0 0</inkml:trace>
+  <inkml:trace contextRef="#ctx0" brushRef="#br0" timeOffset="129778.5">21865 3789 0,'-42'21'16,"84"-42"-16,-127 42 0,64-21 0,0 0 15,0 0-15,0 21 0,0-21 16,-1 0-16,44 0 31,20 0-31,-21 0 16,21 0-16,1 0 0,-1 0 15,0 0-15,1 0 0,-1 0 0,0 0 16,22-21-16,-22 21 0,1 0 16,20 0-16,-21-21 0,22 21 0,-22 0 15,1 0-15,-22 0 0,21 0 16,-21 0-16,0-21 16,-42 21 15,0 0-16,0 0-15,0 0 0,0 0 0,-1-21 16,1 21-16,0 0 0,0 0 16,-21 0-16,20 0 0,1 0 0</inkml:trace>
+  <inkml:trace contextRef="#ctx0" brushRef="#br0" timeOffset="130080.85">21738 3874 0,'0'0'0,"21"0"32,0 0-17,1 0-15,-1 0 0,0 0 16,21 0-16,-21 0 0,1 0 0,20 0 16,-21 0-16,21 0 0,1 0 0,-22 0 15,21-22-15,1 22 0,20 0 16,-21 0-16,1-21 0,-22 21 15,21 0-15,1 0 0,-22 0 16,0 0-16,0 0 0,-21-21 16,-21 21 15,0 0-31,0-21 16,-1 0-1</inkml:trace>
+  <inkml:trace contextRef="#ctx0" brushRef="#br0" timeOffset="130552.62">22415 3556 0,'0'-21'16,"-21"21"0,0 0-1,21 21 1,0 0-16,0 0 15,0 1-15,21-22 16,0 21-16,1 0 0,20-21 0,-21 21 16,0-21-16,22 0 0,-22 21 15,21-21-15,22 0 16,-22 0-16,-21 0 0,21 0 0,-20 0 16,20 0-16,-21 0 0,0 0 0,0 0 15,-21 21 16,-21-21-31,0 0 0,0 22 16,0-22-16,-22 21 0,22-21 16,-21 21-16,0 0 0,-1 0 0,22 0 15,-21 1-15,-1-1 0,1 21 16,0-21-16,-1 22 0,1-22 0,0 21 16,21-21-16,-1 0 0,1 1 0,0-1 15,0 0-15,21 0 0,-21-21 16,21 21-16,-21-21 0,42 0 47,0-21-32,0 0-15,0 0 0,0 21 16,1-21-16,-1-1 0</inkml:trace>
+  <inkml:trace contextRef="#ctx0" brushRef="#br0" timeOffset="130897.97">23389 3641 0,'0'0'16,"0"-21"-1,-21 21-15,0 0 16,21 21-1,0 0-15,0 0 0,-21 0 16,21 0-16,0 1 0,0-1 0,0 21 16,-22 0-16,22 1 15,0-22-15,-21 0 0,21 0 0,0 43 16,0-43-16,-21 0 16,21 0-16,0 0 0,-21 1 15,21-44 32,0 1-47,0 0 16</inkml:trace>
+  <inkml:trace contextRef="#ctx0" brushRef="#br0" timeOffset="131372.49">23643 3725 0,'0'0'0,"0"-21"0,0 0 32,-21 21-17,0 21 1,0 0-16,21 1 0,0-1 16,-22 0-16,22 0 15,-21 0-15,0 22 0,21-22 0,0 21 16,0 0-16,0-20 15,0-1-15,0 0 0,0 0 0,0 0 16,21-21-16,-21 21 0,21-21 0,1 0 16,-1 0-16,0 0 0,0 0 15,0 0-15,22 0 0,-22-21 16,0 0-16,0 21 0,0-21 0,0 0 16,1 0-16,-1-1 0,0-20 15,0 21-15,-21 0 0,0-22 0,21 22 16,-21-21-16,0 0 0,0 20 15,0-20-15,0 21 0,0 0 0,-21-22 16,0 22-16,0 21 16,0 0-16,-1 0 0,1 0 0,0 0 15,0 0-15,-21 0 0,20 21 0,1 1 16,0-22-16,0 21 0,21 0 16,-21 21-16,21-21 15,0 1-15,0-1 16,21 0-1,0-21-15,0 0 0,0 0 16</inkml:trace>
+  <inkml:trace contextRef="#ctx0" brushRef="#br0" timeOffset="132937.41">24257 3747 0,'0'21'47,"0"0"-47,-21-21 16,21 21-16,0 0 0,-21 0 0,21 1 16,0-1-16,0 0 0,0 0 15,-22 0-15,22 0 0,0 1 16,-21-1-16,21 0 0,0 0 15,-21-21-15,21 21 16,0-42 15,0 0-31,0 0 16,0 0-16,0-1 0,0 1 16,0 0-16,0 0 15,0 0-15,0 0 0,21-1 0,0 1 16,-21 0-16,22 0 0,-22 0 0,21 0 15,0-1-15,-21 1 0,21 0 16,0 21-16,0 0 0,1-21 16,-1 21-16,0 21 15,0 0-15,0 0 16,-21 1-16,0-1 0,0 21 16,0 0-16,0-20 0,0-1 15,0 0-15,0 0 0,0 0 0,0 0 16,0 1-16,0-1 15,0 0-15,0 0 0,0-42 63,0 0-47,0 0-16,0-1 0,0 1 0,21 0 15,1 0-15,-1 0 0,-21 0 0,21-1 16,0 1-16,0 0 0,0 0 15,22 0-15,-22 0 0,0-1 0,0 1 16,22 21-16,-22 0 0,0 0 16,0 0-16,0 0 15,-21 21-15,0 1 0,0-1 16,0 0-16,0 0 0,0 0 16,0 0-16,0 1 0,0 20 0,0-21 15,0 0-15,0 0 0,0 1 16,0-1-16,0 0 0,0 0 0,0 0 15,21-21-15,1 21 0,-1 1 16,0-22-16,0 0 0,0 0 16,0 0-16,1 0 0,-1 0 15,0-22-15,0 1 0,21 21 16,-20-21-16,-1 0 0,0 21 0,0-21 16,-21 0-16,21-1 0,0 1 15,-21 0-15,0 0 0,0 0 16,0 0-16,0-1 0,0 1 0,0 0 15,-21 21 17,21 21-17,-21 0-15,21 1 0,0-1 16,0 0-16,-21 0 0,21 0 16,0 0-16,0 1 0,0-1 15,0 0-15,0 0 16,21 0-16,0-21 15,0 0-15,1 0 0,-1 0 16,0 0-16,0 0 0,0 0 16,0-21-16,1 21 0,-1-21 0,-21 0 15,21 0-15,0 21 0,-21-22 16,0 1-16,21 0 0,0 0 0,-21 0 16,0 0-16,0-1 0,0 1 0,22 21 15,-22-21-15,0 0 0,0 42 47,-22 0-47,22 0 16,0 1-16,-21-1 0,21 0 15,-21 0-15,21 0 0,0 0 16,0 1-16,-21 20 16,21 0-16,0-21 15,-21-21-15,21 22 16,0-44 31,0 1-32,0 0-15,0 0 16,0 0-16,21 0 0,0-1 0,0 1 16,-21 0-16,21 0 0,1 0 0,-1 0 15,0-1-15,0 1 0,0 0 16,0 0-16,22 0 0,-22 0 0,21 21 15,1 0-15,-22 0 0,0 0 16,21 0-16,-21 0 0,1 21 16,-22 0-16,21 21 0,-21-21 0,0 1 15,0-1-15,0 21 0,0-21 16,0 0-16,0 1 0,0 20 0,0-21 16,-21 0-16,-1 0 15,22 1-15,0-1 0,0 0 16,0-42 46,0 0-46,0-1-16,0 1 16</inkml:trace>
+  <inkml:trace contextRef="#ctx0" brushRef="#br0" timeOffset="133736.82">25273 3281 0,'0'-21'16,"-21"21"15,0 0-16,-1 0-15,1 21 16,21 0-16,0 0 0,0 0 16,-21-21-16,21 22 0,0-1 15,0 0-15,0 0 16,21-21 0,0 0-1,1 0-15,-1 0 16,0 0-16,-21-21 0,0 0 15,0 0-15,0-1 16,0 1-16,0 0 16,-21 21-1,0 0 1,-1 21-16,22 0 16,-21 1-1,21-1-15,-21-21 31,21 21-31,0 0 94,0 0-78,-21-21-1,0 21-15</inkml:trace>
+  <inkml:trace contextRef="#ctx0" brushRef="#br0" timeOffset="139847.98">9165 9144 0,'0'-21'0,"0"0"16,0 0 0,0-1-1,0 1-15,0 0 16,0 0-16,0 0 16,0 0-16,0-1 15,21 22-15,-21-21 0,0 0 16,0 0-1,0 42 48,0 0-63,0 0 16,0 1-16,0-1 0,-21 0 15,21 0-15,0 0 0,0 0 16,0 1-16,0-1 0,-21 21 15,21-21-15,0 0 0,0 22 16,0-22-16,0 0 0,0 21 0,0-20 16,0-1-16,0 21 0,0-21 0,0 22 15,0-1-15,0-21 0,0 21 16,0-20-16,0 20 0,0 0 0,0 1 16,0-22-16,0 21 0,0 0 15,0-20-15,0 20 0,0 0 0,0-21 16,0 22-16,0-1 0,0-21 15,0 22-15,0-22 0,0 21 16,0 0-16,-21-20 0,21 20 0,0 0 16,-21-21-16,21 22 0,0-1 0,0 0 15,-22 1-15,22-1 0,0 0 16,0 1-16,0-1 0,-21 0 0,21 1 16,-21-1-16,21 0 0,-21 1 0,21-1 15,0-21-15,0 22 0,0-1 16,-21 0-16,21 1 0,0-1 0,0 0 15,-21 1-15,21 41 16,0-41-16,0-1 0,0 0 0,-22 1 16,22 20-16,0-21 0,-21 1 0,21-1 15,0 22-15,0-22 0,0 21 0,0-20 16,0 20-16,0 1 16,0-22-16,0 22 0,0-22 0,0 21 15,0-20-15,0-1 0,-21 64 16,21-64-16,0 1 0,0-1 15,-21 0-15,21 1 0,0-1 0,0 0 16,0-21-16,0 22 0,0-22 0,0 0 16,0 0-16,-21 0 0,21 1 15,-21-22 1,21-22-16,0 1 0,-22 0 16,22 0-16,0-21 15,0 20-15,0-20 0,0 21 16,0-21-16,0-1 0</inkml:trace>
+  <inkml:trace contextRef="#ctx0" brushRef="#br0" timeOffset="142062.5">9356 8996 0,'-22'0'15,"1"0"1,21-21 0,-21 21-16,0 0 31,0 0 63,0 0-32,-1 0-31,1 0 1,0 0-17,0 0 1,0 0-1,42 0 79,0 0-94,0 0 16,0 0-16,1 0 0,-1 0 15,0 0-15,0 0 0,21 0 16,-20 0-16,-1 0 0,0 0 16,21 0-16,1 0 0,-22 0 0,21 0 15,22 0-15,-22 0 0,21-21 16,1 21-16,-22 0 0,22 0 0,-1 0 16,1 0-16,-1-22 0,-20 22 0,20 0 15,-21 0-15,1 0 0,-1 0 16,0 0-16,1 0 0,-1 0 0,0 0 15,1 0-15,-1 0 0,43 0 16,-43 0-16,0 0 0,1 0 16,-1 0-16,22 0 0,-22 0 15,21 0-15,-20 0 0,20 0 16,1 0-16,-22 0 0,0 0 16,22 0-16,-22 0 0,1 22 0,-1-22 15,-21 0-15,21 0 0,1 0 16,-22 0-16,0 0 0,21 0 0,-20 0 15,-1 0-15,0 0 0,0 0 0,0 0 16,0 0-16,1 21 16,-1-21-1,-21 21-15,0 0 16,0 0-16,0 0 16,0 1-16,0-1 15,0 0-15,0 0 0,0 0 16,0 0-16,0 1 0,0-1 15,0 0-15,0 0 0,0 0 16,0 0-16,0 1 0,0-1 0,0 21 16,0-21-16,0 22 0,0-22 15,0 21-15,0 0 0,0 1 0,0 20 16,0-20-16,0-1 0,0 21 16,0-20-16,0-1 0,0 22 0,0-22 15,0 0-15,0 22 0,0-22 0,0 0 16,0 22-16,0-22 0,0 22 15,0-1-15,0 1 0,0-22 16,0 22-16,0-1 0,0 1 16,0-22-16,0 21 0,0-20 0,0 20 15,0 1-15,0-22 0,0 22 0,0-1 16,0-21-16,0 22 0,0-1 16,0-20-16,0 20 0,0-20 0,0-1 15,0 0-15,0 1 0,0-1 0,0 0 16,0 1-16,0-1 0,0 0 15,0 1-15,0-22 0,0 21 0,0 0 16,0-20-16,0 20 0,0-21 16,0 21-16,-21-20 0,21-1 15,-22 21-15,22-21 0,-21 0 0,21 1 16,-21-1-16,21 0 0,0 0 16,-21 0-16,21 0 0,-21 1 15,21-1-15,0 0 0,-21-21 16,21 21-16,-22 0 0,22 0 15,-21 1-15,21-1 0,0 0 16,-21 0-16,21 0 16,-21-21-16,21 21 0,0 1 15,-21-22 1,21 21-16,-21-21 0,21 21 31,-22-21-31,1 0 0,0 21 16,0-21-1,0 0-15,0 0 0,-1 0 16,1 21-16,0-21 0,0 0 16,0 0-16,0 0 0,-1 0 0,-20 0 15,21 0-15,-21 0 0,-1 0 16,1 0-16,0 0 0,-22 0 0,22 0 16,-1 0-16,-20 0 0,21 0 0,-22 0 15,22 0-15,-22 0 16,22 0-16,-22 0 0,1 0 0,-1 0 0,22 0 15,-43 0-15,22 0 16,-1 0-16,1 0 0,-1 0 0,-20 0 16,20 0-16,1 0 0,-1 0 0,22 0 15,-22 0-15,22 0 0,0 0 16,-1 0-16,1 0 0,21 0 0,0 0 16,0 0-16,-1-21 0,1 21 15,0 0-15,0 0 16,0 0-16,0 0 31,-1 0-31,22-21 47,0 0-47,0-22 0</inkml:trace>
+  <inkml:trace contextRef="#ctx0" brushRef="#br0" timeOffset="144359.91">14690 8996 0,'0'-21'0,"0"42"0,0-63 0,21 20 15,-21 1-15,0 0 16,0 0-16,21 0 0,-21 0 16,0-1-16,0 1 15,0 0-15,0 42 47,0 0-31,0 1-16,0-1 0,0 0 15,0 21-15,0 1 0,0-1 16,0 0-16,0 1 0,0-1 0,-21 0 16,21 22-16,0-22 0,0 22 0,0-22 15,0 21-15,0 1 0,-21-1 16,21 1-16,0-1 0,0 1 16,0 21-16,0-22 0,0 1 0,-22-1 15,22 22-15,-21-22 0,0 22 16,21-22-16,-21 107 0,0-107 15,0 22-15,21-22 0,-22 22 0,1-21 16,21-1-16,-21 1 0,21-1 16,-21 1-16,21-1 0,-21 1 0,21-22 15,0 0-15,0 22 0,0-22 16,0-21-16,-21 22 0,21 41 16,0-63-16,0 22 0,0-22 15,0 0-15,0 21 0,0-20 0,0-1 16,0 0-16,0 21 0,0-21 15,0 1-15,0-1 0,0 0 0,0 0 16,0 0-16,0 0 0,0 1 0,0-1 16,0 0-16,0 0 15,0-42 17,0 0-32,0 0 15,0-22-15,0 1 0,21 0 16,0-1-16,-21-20 0,21-1 0,0 1 15</inkml:trace>
+  <inkml:trace contextRef="#ctx0" brushRef="#br0" timeOffset="145645.54">14817 8954 0,'0'0'16,"-22"-22"-16,1 1 16,21 0-1,21 0 17,1 21-32,-1 0 0,21-21 15,0 21-15,1 0 0,20-21 16,1-1-16,-1 22 0,1 0 0,20-21 15,-20 21-15,21 0 0,-1-21 16,-20 0-16,20 21 0,22 0 0,-21 0 16,21-21-16,21 21 0,-21 0 15,-1 0-15,1 0 0,0-21 0,-21 21 16,21 0-16,-22 0 0,1 0 16,0 0-16,-1 0 0,1-22 0,-22 22 15,1 0-15,-1 0 0,1 0 16,-1 0-16,-20 0 0,-1 0 15,0 0-15,1 0 0,-22 0 16,0 0-16,21 22 0,-20-22 0,-1 21 16,0 0-16,0 0 15,0 0-15,-21 0 0,0 1 0,0 20 16,0-21-16,21 0 0,-21 22 16,0-22-16,0 21 0,0 0 0,0-20 15,0 20-15,0 0 0,0 1 16,0-1-16,0 0 0,0 22 0,0-22 15,0 22-15,0-1 0,0 1 0,0-1 16,0 1-16,0-1 0,0 1 16,0-1-16,0 1 0,0-1 15,0-21-15,0 22 0,0-1 0,0 1 16,0-1-16,0 1 0,-21-1 16,21 1-16,0-1 0,0 1 0,-21-22 15,0 22-15,0-1 0,21 1 16,0-22-16,-21 22 0,-1-1 0,1 1 15,21-1-15,0 1 0,-21 20 0,21-20 16,-21-1-16,21 1 0,0-1 16,0 1-16,0-1 0,-21-20 0,21 20 15,-21 1-15,-1 63 16,22-64-16,0-21 0,0 22 16,-21-22-16,0 22 0,21-22 0,-21 0 15,21-20-15,0-1 0,-21 21 0,0-21 16,-1 0-16,1 1 15,0-22-15,0 0 0,0 0 16,0 0-16,-1 0 0,1 0 0,-21 0 16,21 0-16,0 0 0,-22 0 15,1 0-15,21 0 0,-22 0 0,1 0 16,0 0-16,-1 0 0,22 0 16,-21 0-16,0 0 0,20 0 0,-20 0 15,0 0-15,-1 0 0,1 0 0,0 21 16,-1-21-16,1 0 0,0 0 15,-22 0-15,1 0 0,-1 0 16,1 0-16,-1 0 0,1 0 0,-1 0 16,1 0-16,-1 0 0,1 0 15,20 0-15,1 0 0,-64-21 16,64 21-16,0 0 0,-1-22 0,1 22 16,-22 0-16,22 0 0,0 0 15,-1 0-15,-20-21 0,21 21 0,-1 0 16,1 0-16,-22 0 0,22-21 0,21 21 15,-21 0-15,-1-21 0,1 0 16,21 0-16,0 21 16,-1-22-16,1 1 0,21 0 15,-21-21-15,21 21 0,0-22 0,0 1 16,0 0-16,0-1 0,0 1 0,0 0 16,0-1-16,0 22 0,0-21 15,0-1-15,0 22 0,0-21 0,0 21 16,0-22-16,0 1 0,0 21 15,0-21-15,0-1 0,0 22 0,0-21 16,0-1-16,-21 1 0,0 0 0,0-1 16</inkml:trace>
+  <inkml:trace contextRef="#ctx0" brushRef="#br0" timeOffset="146337.18">9631 9737 0,'0'0'0,"0"-21"47,21 21-47,0 0 16,21 0-16,1 0 0,-1-22 16,22 22-16,-1-21 0,22 21 15,-1-21-15,22 0 0,-21 21 16,21-21-16,21 21 0,-21-21 0,21-1 15,0 22-15,-22 0 0,1 0 16,-21 0-16,0 0 0,-22 0 0,-21 0 16,1 0-16,-22 0 0,0 0 0,-21 22 15,0-1 1,-21-21-16,0 21 0,-22 0 0,1-21 16,-21 21-16,-1 0 0,1 1 15,-22-1-15,0 0 0</inkml:trace>
+  <inkml:trace contextRef="#ctx0" brushRef="#br0" timeOffset="146612.03">9356 10456 0,'21'0'31,"21"0"-31,0 0 0,1 0 0,20-21 16,22 21-16,0-21 0,-1 0 0,1 21 15,0-21-15,20 21 0,-20-21 16,0-1-16,21 22 0,-22-21 0,107 21 16,-107 0-16,1-21 15,0 21-15,-22 0 0,1 0 16,-22 0-16,0 0 0,-20 0 0,-1 0 16,-21 21-1,-21-21-15,-22 21 0,-20 1 0,-1-1 16,1 0-16,-22 0 0,0 0 0,1 0 15</inkml:trace>
+  <inkml:trace contextRef="#ctx0" brushRef="#br0" timeOffset="146878.87">9398 11028 0,'0'0'0,"0"63"16,21-41-1,0-22-15,22 0 0,-1 0 0,0 0 16,22 0-16,-1 0 0,1 0 15,20-22-15,-20 22 0,21-21 0,-1 0 16,1 21-16,21-21 0,-22 21 0,1-21 16,0 21-16,-1-21 0,65-1 15,-86 22-15,1 0 0,-22 0 16,0 0-16,1 0 0,-22 0 0,0 0 16,-21 22-1,0-1-15,-21-21 0,0 21 16,-1 0-16,-20 0 0,0 0 0,-1 1 15,-20-1-15,-1 0 0,1 21 16,-22 1-16</inkml:trace>
+  <inkml:trace contextRef="#ctx0" brushRef="#br0" timeOffset="147085.75">9250 11896 0,'-43'21'0,"86"-42"0,-107 63 0,43-21 15,21 0-15,21-21 16,22 0-16,-1 0 0,21 0 15,-20-21-15,20 21 16,22-21-16,0 0 0,20 0 0,-20 0 16,21 21-16,0-22 0,0 1 0,-1 0 15,1 0-15,-21 21 0,21-21 16,-22 0-16,-20 21 0,-1 0 0,-20-22 16,-1 22-16,0-21 0,-20 21 0,-22-21 15</inkml:trace>
+  <inkml:trace contextRef="#ctx0" brushRef="#br0" timeOffset="147736.92">14944 9927 0,'0'0'0,"-43"0"16,22-21-16,0 21 0,0 0 15,0-21-15,-1 21 0,1-21 16,21 0 0,0-1-16,43 1 15,-1 0-15,21 21 0,1-21 16,21 0-16,20 0 0,1-1 0,21 1 15,0 21-15,0-21 0,0 0 16,21 0-16,-21 21 0,22 0 0,-22-21 16,-22 21-16,22 0 0,-42 0 15,0 0-15,-1 0 0,-20 0 0,-1 0 16,-20 0-16,20 21 16,-42-21-16,-21 21 15,0 0-15,-21-21 0,0 21 0,-21-21 16,-1 21-16,1-21 0,-21 22 15,-1-1-15</inkml:trace>
+  <inkml:trace contextRef="#ctx0" brushRef="#br0" timeOffset="147975.78">14795 10499 0,'43'0'16,"-1"0"-16,0 0 15,43-21-15,0-1 0,-1 22 0,22-21 16,0 0-16,0 21 0,21-21 16,0 21-16,0 0 0,0 0 0,21 0 15,-21 0-15,-21 0 0,21 0 16,-42 0-16,20 0 0,-41 0 0,-1 0 16,1 0-16,-43 0 0,21 21 15,-42 0-15,0 0 0,-42 1 16,21-22-16,-43 42 0</inkml:trace>
+  <inkml:trace contextRef="#ctx0" brushRef="#br0" timeOffset="148260.14">15092 11155 0,'-85'21'0,"170"-42"0,-212 84 16,84-63-16,1 22 0,21-1 15,42-21-15,21 0 16,22 0-16,-22 0 0,43-21 15,0-1-15,-1 22 0,1-21 0,21 0 16,-22 21-16,128-42 0,-106 42 16,0-21-16,0-1 15,-22 22-15,1-21 0,0 21 0,-1-21 0,-20 21 16,-1-21-16,1 21 0,-22 0 16,0-21-16,-20 21 0,20 0 15,-63 0 1,-22 0-1,1 0-15,0 21 0,-1 0 0,-20-21 16,-1 21-16,-20 0 0</inkml:trace>
+  <inkml:trace contextRef="#ctx0" brushRef="#br0" timeOffset="148477.01">15176 11811 0,'-21'21'0,"42"-42"0,-42 63 0,21-20 15,43-22 1,-22 0-16,42 0 0,1 0 0,-1 0 16,1-22-16,20 22 0,22-21 0,-21 0 15,0 0-15,20 0 0,-20 0 16,21 21-16,-43-22 0,86-20 16,-86 21-16,-21 21 0,1-21 0,-1 0 15,-21-1-15,0 1 0,1 0 16,-22 0-16</inkml:trace>
+  <inkml:trace contextRef="#ctx0" brushRef="#br0" timeOffset="149227.88">9250 7747 0,'0'-21'0,"0"0"16,0 0 0,0-1-16,0 1 0,0 0 0,0 0 15,0 0-15,0 0 0,0-1 0,-21 1 16,-1 21-16,1-21 0,0 0 16,-21 21-16,-1 0 0,1 0 0,0 0 15,-1 21-15,-20 0 0,21 0 16,-1 1-16,1 20 0,-22 0 0,43 1 15,-21-1-15,21 21 0,0-20 16,21 20-16,0 1 0,0-1 16,0 1-16,0-22 0,21 22 0,0-22 15,21 0-15,1-21 0,-1 22 16,0-22-16,1-21 0,-1 0 0,21 0 16,-20 0-16,-1 0 0,22-21 15,-22 0-15,0-1 0,1 1 0,-1-21 16,0 0-16,1-1 0,-1 1 0</inkml:trace>
+  <inkml:trace contextRef="#ctx0" brushRef="#br0" timeOffset="151128.29">9567 7408 0,'0'0'0,"-21"22"15,21-1-15,0 0 16,-21 42-16,21-20 15,0-1-15,0 0 0,0 1 0,-21-1 16,21 0-16,-21 1 0,21-1 16,0 0-16,0 22 0,-22-22 15,22-21-15,-21 22 0,21-1 0,0-21 16,-21 0-16,21 1 0,0-1 16,0-42 15,0-1-31,0-20 0,0 21 15,0 0-15,21-22 0,-21 22 16,21-21-16,1 21 0,20 0 16,-21-1-16,0 1 0,22 0 0,-22 0 15,21 21-15,-21 0 0,0 0 16,1 0-16,-1 0 0,0 21 0,0 0 16,-21 0-16,0 1 0,0 20 0,0-21 15,0 21-15,0-20 0,0 20 16,0-21-16,0 0 0,0 0 0,0 1 15,0-1-15,0 0 0,21-21 16,0 0 0,1 0-16,-1 0 0,0-21 15,21 0-15,-21-1 0,1 1 0,20-21 16,-21 21-16,0-22 0,22 22 16,-22-21-16,0 0 0,0 20 0,0-20 15,-21 21-15,0 0 0,0 0 16,0-1-16,-21 22 15,0 22 1,0-1-16,0-21 0,-1 21 0,1 0 16,21 0-16,0 0 0,0 1 0,0-1 15,0 21-15,0-21 0,0 0 16,0 1-16,21-1 0,1 0 16,-22 0-16,21 0 0,0 0 0,-21 1 15,21-1-15,0 0 16,0 0-16,1 0 15,-1-21 1,0 0-16,0 0 16,0 0-16,0-21 0,1 21 15,-1-21-15,0 0 0,0 0 0,0-1 16,0-20-16,1 21 0,-1 0 16,0-22-16,0 22 0,0 0 0,0 0 15,-21 0-15,0 0 0,0-1 16,0 44 15,-21-1-31,21 0 0,0 0 16,0 0-16,-21 22 0,21-22 15,-21 21-15,0-21 0,21 0 16,0 1-16,0-1 0,0 0 16,0 0-16,21-21 15,0 0-15,0 0 0,0 0 16,1 0-16,-1-21 0,0 0 15,0 21-15,0-21 0,0-1 0,1 1 16,-1-21-16,0 21 0,0 0 16,0-1-16,-21 1 0,0 0 0,0 0 15,0 0-15,0 0 0,-21 21 16,0 0-16,0 0 0,0 0 16,-1 0-16,1 0 0,0 0 15,0-22 1,21 1-1,0 0-15,21 21 0,0 0 16,0-21-16,1 21 0,-1 0 0,0 0 16,0 0-16,0 0 0,0 0 15,1 0-15,-1 0 0,0 0 16,0 0-16,0 21 0,0 0 0,-21 0 0,22-21 16,-1 22-16,0-1 0,-21 21 15,0-21-15,0 0 0,21 1 0,-21-1 16,0 0-16,0 0 0,21 0 15,-21 0-15,0 1 0,0-1 16,0 0-16,0 0 0,0-42 47,0 0-31,0 0-16,0-1 0,0 1 0,0-21 15,21 21-15,-21-22 0,22 22 16,-1 0-16,-21-21 0,21 21 0,0-1 15,0 22-15,0-21 0,1 21 16,-1 0-16,0 0 0,0 0 16,0 0-16,0 0 0,-21 21 15,22 1-15,-22-1 16,21 0-16,-21 0 0,0 0 16,0 0-16,0 1 0,0-1 0,0 0 15,0 21-15,0-21 0,0 1 16,0-1-16,21-21 47,0 0-47,-21-21 0,21 21 15,0-22-15,-21 1 0,22 0 16,-1 0-16,-21 0 0,21-22 0,0 22 16,0 0-16,0-21 0,1 21 15,-1-43-15,0 43 0,0 0 16,0 0-16,0-1 0,1 1 15,-1 21-15,-21 21 32,0 1-32,0-1 0,0 0 15,0 0-15,0 0 0,0 0 16,0 22-16,0-22 0,0 0 0,0 21 16,0-20-16,0-1 0,0 0 0,0 0 15,0 0-15,21 0 16,-21 1-16,21-22 0,0 21 0,0-21 0,1 0 15,-1 0-15,0 0 0,21 0 16,-21 0-16,1 0 0,20-21 16,-21-1-16,21 22 0,1-21 0,-22 0 15,21 0-15,-21 0 0,1-22 16,-1 22-16,0 0 0,0 0 0,0-21 16,-21 20-16,0-20 15,0 21-15,0 0 0,0 0 0,-21 21 16,0 0-16,0 0 15,0 0-15,-1 21 0,1 0 16,0 0-16,0 0 0,21 22 0,-21-22 16,0 0-16,21 21 0,-22-21 15,22 1-15,0 20 0,0-21 0,0 0 16,0 0-16,0 1 0,22-22 16,-1 0-16,0 21 0,0-21 15,0 0-15,0 0 0,1 0 0,20 0 16,-21 0-16,0-21 0,0-1 0,1 1 15,-1 0-15,0 0 16</inkml:trace>
+  <inkml:trace contextRef="#ctx0" brushRef="#br0" timeOffset="152104.75">15282 7684 0,'0'0'0,"21"-22"0,-21 1 16,22 0-16,-22 0 16,0 42 15,0 0-31,0 0 0,0 1 15,0 20-15,0 0 0,0 1 0,0 62 16,0-62-16,0 20 16,-22-20-16,22-1 0,-21 0 15,21 1-15,0-1 0,0-21 0,0 0 16,0 0-16,0 1 0,0-1 16,0-42-1,21-1 1,-21 1-16,22 0 0</inkml:trace>
+  <inkml:trace contextRef="#ctx0" brushRef="#br0" timeOffset="152343.6">15198 7789 0,'0'0'0,"0"-21"0,0 0 15,0 0-15,0 0 16,0 0-16,21-1 15,0 1-15,0 21 0,0-21 0,22 0 16,-1 0-16,0 21 0,1-21 16,-1 21-16,-21-22 0,21 22 0,1-21 15,-22 21-15,0 0 0,0 0 16,-21 21 0,0 1-16,0-1 0,0 0 15,-21 0-15,-21 0 0,21 0 0</inkml:trace>
+  <inkml:trace contextRef="#ctx0" brushRef="#br0" timeOffset="152519.51">15240 8022 0,'0'21'0,"0"1"16,21-22 0,0 0-16,0 0 15,22 0-15,-22 0 0,0 0 16,21-22-16,-20 22 0,-1 0 15,21-21-15,-21 21 0,0 0 0,1-21 16,-1 0-16,0 21 0,0 0 0,0-21 16</inkml:trace>
+  <inkml:trace contextRef="#ctx0" brushRef="#br0" timeOffset="152735.9">15790 7980 0,'0'21'15,"0"0"-15,0 0 16,0 1-16,0-1 0,-21 0 16,21 0-16,0 0 0,0 0 15,-21 1-15,21 20 0,0-21 0,0 0 16,0 0-16,0 1 0,0-1 16,21-42 15</inkml:trace>
+  <inkml:trace contextRef="#ctx0" brushRef="#br0" timeOffset="152916.79">15896 7895 0,'0'-21'0,"0"42"0,0-63 15,-21 21-15,21 0 0,0-1 16,21 22 31,0 0-47,-21 22 0,21-22 0,1 21 15,-22 0-15,21 0 0</inkml:trace>
+  <inkml:trace contextRef="#ctx0" brushRef="#br0" timeOffset="153295.57">16108 8086 0,'0'-21'16,"0"-1"-1,0 1 1,21 0-16,0 21 16,0-21-16,0 21 0,1 0 15,-1 0-15,0 0 0,0 0 0,0 21 16,0 0-16,1 0 0,-1 1 0,-21-1 15,0 0-15,0 0 0,0 0 16,0 22-16,0-22 0,0 0 0,-21 0 16,-1 0-16,1-21 0,21 21 15,-21-21-15,0 0 0,0 0 16,21-21 0,0 0-1,0 0-15,0 0 0,0 0 0,21-1 16,0-20-16,0 21 0,0 0 15,-21 0-15,22-22 0,-1 22 0,0 21 16,-21-21-16,21 0 0,0 21 0,0 0 16,1 0-1,-1 0-15</inkml:trace>
+  <inkml:trace contextRef="#ctx0" brushRef="#br0" timeOffset="153644.19">16573 8213 0,'0'0'0,"0"21"16,22-21-1,-1 0 1,0-21-16,0 0 0,0-1 0,0 22 16,1-42-16,-1 21 0,0 0 15,0 0-15,0-22 0,0 22 0,1 0 16,-22-21-16,0 20 0,0 1 0,0 0 15,0 0 1,-22 21-16,1 21 16,0 0-16,0 0 0,0 1 15,0 20-15,-1-21 0,1 21 16,0 1-16,0-22 0,21 21 0,-21 1 16,21-22-16,0 21 0,0-21 15,0 0-15,0 1 0,0-1 0,21 0 16,0-21-16,0 0 0,0 0 15,1 0-15,-1 0 0,0 0 16,0 0-16,0-21 0,0 0 0,22-1 16,-22 1-16</inkml:trace>
+  <inkml:trace contextRef="#ctx0" brushRef="#br0" timeOffset="154710.76">17357 7705 0,'0'0'0,"-22"0"0,1 21 0,0-21 16,0 21-16,21 21 0,-21-20 15,0 20-15,-1 0 0,1 1 0,0 20 16,0-21-16,0 22 0,0-1 16,-1 1-16,1-1 0,0 1 0,0-1 15,-21 1-15,42-1 0,-22-20 16,1 20-16,21 1 0,-21-22 0,21 0 15,0 1-15,0-22 0,0 21 0,0-21 16,21 1-16,0-22 0,1 0 16,-1 0-16,0 0 0,0 0 0,0-22 15,0 1-15,1 0 0,-1 0 16,0 0-16,0-22 0,0 22 0,0-21 16,-21 0-16,0 20 0,0-20 15,0 0-15,0 21 0,0-22 0,-21 1 16,0 21-16,-21-22 0,21 22 0,-1 0 15,1 0-15,0 0 0,0 21 16,-21-21-16,20 21 16,1-22-16,21 1 15,0 0-15,21 21 16,1-21-16,-1 0 0,0 0 0,21-1 16,1 1-16,-22 0 0,21 0 15,0 0-15,1 0 0,-1-1 0,0 1 16,1 0-16,-1 0 0,-21 21 15,22 0-15,-22 0 0,0 0 0,-21 21 16,0 0-16,0 0 16,0 1-16,-21-1 15,21 0-15,-21 21 0,-1-21 16,1 1-16,21-1 0,0 0 0,-21 0 16,21 0-16,0 0 0,0 1 15,0-1 1,21-21-16,0 0 15,1 0-15,-1 0 0,0-21 16,0 21-16,0-22 0,-21 1 16,21 0-16,-21 0 15,0 0-15,0 0 0,0-1 16,0 1-16,-21 0 0,21 0 16,-21 0-16,21 0 0,0-1 15,0 1-15,0 0 16,21 0-1,0 21-15,1 0 16,-1 0-16,0 0 0,0 0 0,-21 21 16,21 0-16,0 0 0,-21 1 15,22-1-15,-22 0 0,0 0 16,0 0-16,0 0 0,0 1 0,0-1 0,0 0 16,0 0-16,0 21 15,0-20-15,21-22 31,0-22-15,-21 1-16,21 0 0,0 0 16,0 0-16,1 0 0,-1-22 15,-21 22-15,21 0 0,-21-21 0,21 20 16,-21-20-16,0 21 0,0 0 0,-21 21 31,21 21-31,-21 21 16,0-21-16,21 1 0,-22 20 15,22 0-15,0-21 0,0 22 0,0-22 16,0 0-16,0 0 0,0 0 0,0 1 16,0-1-16,22 0 0,-1-21 15,0 21-15,21-21 0,-21 0 16,1 0-16,-1 0 0,0 0 16,21 0-16,-21 0 0,1-21 15,-1 21-15,0 0 0</inkml:trace>
+  <inkml:trace contextRef="#ctx0" brushRef="#br0" timeOffset="155464.82">11663 10393 0,'0'0'16,"-21"-21"-16,-1 21 16,22 21 15,0 21-31,0 1 0,43 41 15,-22 1-15,0-22 0,0 1 16,22 21-16,-22 20 0,21-20 16,0 21-16,1-21 0,-1 20 0,22 1 15,-22 0-15,0 0 0,22 0 0,42 105 16,-43-126-16,-21 21 16,22-21-16,-1 20 0,-20-20 15,20 0-15,-20-22 0,20 22 0,-21-22 16,1 1-16,-1-1 0,0 1 0,-20-1 15,20 22-15,-21-43 16,-21-20-16,0 20 0,0-21 0,0 0 16,0 0-16,0 1 0,0-1 15,-21-21 1,21-21-16,0-1 0,0 1 16,0 0-16,21-21 0,0-22 0,22 1 15,-22-1-15,21 1 0</inkml:trace>
+  <inkml:trace contextRef="#ctx0" brushRef="#br0" timeOffset="155812.64">14774 10753 0,'0'0'16,"0"-43"-16,0 1 0,0 21 0,0 0 0,0 0 15,-21 21-15,0 0 16,0 21-16,0 21 0,-1 0 16,-20 1-16,-21 84 15,20-64-15,1 22 0,0 0 0,-1 20 16,1-20-16,-22 21 0,1-21 16,21 20-16,-22 1 0,-21 0 0,22 0 15,-1 0-15,-20 0 0,20-22 16,-20 22-16,20-21 0,-21 21 0,22-22 15,-1-20-15,22 20 0,0-20 0,-43 21 16,64-43-16,0 0 16,21-21-16,0 1 0,21-65 31,0 22-31,0 0 0,-21 0 0,21 0 16</inkml:trace>
+  <inkml:trace contextRef="#ctx0" brushRef="#br0" timeOffset="156352.32">11515 13991 0,'0'0'16,"0"-42"-16,0 21 0,0-22 15,0 22-15,0 0 0,0-21 0,-22 21 0,22-1 16,-21 22-16,0 0 16,21 22-16,-21-1 15,21 21-15,-21 0 0,21 1 0,0-1 16,0 22-16,0-1 0,-21 1 15,21-1-15,0 22 0,0-1 0,0-20 16,0 21-16,0-22 0,-22 1 16,22-1-16,0 1 0,0-1 0,0-21 15,0 1-15,0-22 0,0 0 0,0 0 16,0 0-16,0 1 0,0-44 31,0 1-31,0 0 0,0-21 16,-21-1-16</inkml:trace>
+  <inkml:trace contextRef="#ctx0" brushRef="#br0" timeOffset="156664.15">11176 14076 0,'0'-42'0,"0"84"0,-21-127 0,21 64 16,0-21-16,0-1 0,0 1 15,0 21-15,0-21 0,0-1 0,21 1 16,21 21-16,-21-22 0,22 22 15,-1-21-15,22 21 0,-22 0 16,21-1-16,1 1 0,-1 21 0,64 21 16,-84 1-16,20-1 15,-20 21-15,-1 0 0,0 1 0,-42 63 16,0-64-16,0 21 0,0-20 16,-21 20-16,0-20 0,-21-1 15,-22 43-15,22-64 0,21 21 16,-22-21-16,22 0 0,0 1 15,0-1-15,0 0 0,-1 0 16,22 0-16,22-21 31,-1 0-31</inkml:trace>
+  <inkml:trace contextRef="#ctx0" brushRef="#br0" timeOffset="158853.23">12171 14457 0,'21'0'0,"-42"0"0,63 0 0,-21 0 16,0-21-16,-21 0 0,22-1 15,-22 1-15,21 0 0,-21 0 16,0 0-16,0 0 0,0-1 0,0 1 16,0-21-16,0 21 0,-21 0 0,-1 21 15,1-22-15,21 1 16,-21 21-16,0 0 0,0 0 0,0 0 15,-1 21-15,1 1 0,-21-1 0,21 0 16,0 21-16,-1 1 0,1-1 16,0 0-16,21 22 0,-21-22 0,0 0 15,21 22-15,-21-22 0,21 1 16,0-22-16,0 21 0,0 0 16,21-20-16,0-22 0,0 0 0,21 0 15,-20 0-15,-1 0 0,21-22 16,-21 1-16,0 0 0,22 0 0,-22 0 15,21-22-15,-21 1 0,1 0 16,-1 21-16,0-22 0,0 1 16,0 21-16,-21-22 0,0 22 0,0 0 15,0 0-15,0 42 32,0 0-32,0 0 0,0 1 15,0 20-15,0-21 0,0 21 16,0-20-16,0 20 0,0 0 0,0-21 15,0 22-15,0-22 0,0 0 16,0 0-16,21 0 0,1 1 0,-1-22 16,0 0-16,21 0 15,-21 0-15,22 0 0,-22 0 0,0-22 16,21 1-16,1 0 0,-22 0 16,21 0-16,1-22 0,-22 22 0,0-21 15,21 0-15,-21 20 0,-21-20 16,0 21-16,0-21 0,0-1 15,0 22-15,0 0 0,-21 21 16,0 0-16,0 0 0,0 21 16,0 0-16,-1 0 0,22 1 0,0 20 15,-21-21-15,21 0 0,0 0 16,0 22-16,0-22 0,0 0 0,0 0 16,0 0-16,21 22 0,1-22 15,-1 0-15,0 0 0,0 0 16,0-21-16,0 22 0,22-1 0,-22 0 15,0-21-15,21 0 0,-20 21 16,-1-21-16,21 0 0,-21 0 0,0 0 16,22 0-16,-22-21 0,21 0 0,-21 0 15,22 21-15,-22-22 0,21-20 16,-21 21-16,22 0 0,-22 0 0,0-22 16,-21 22-16,0 0 0,21-21 0,-21 20 15,0 1-15,0-42 16,0 42-16,-21 21 0,0-22 0,0 22 15,0 0-15,-22 0 16,22 22-16,0-1 0,0 0 16,-22 0-16,22 0 0,0 22 0,-21-22 15,21 21-15,-1 0 0,1-20 16,-21 41-16,42-42 0,0 22 16,0-22-16,0 0 0,0 0 15,21-21 1,0 0-16,0 0 0,1 0 15,-1-21-15,42-21 0,-42 20 16,1 1-16,-1-21 0,0 21 16,0 0-16,0-1 0,0-20 0,-21 21 15,0 0-15,22 0 0,-22-1 0,0 1 16,21 21-16,-21 21 31,0 1-31,0-1 0,0 0 0,0 0 16,0 21-16,0-20 0,0-1 15,0 21-15,0-21 0,0 0 0,0 22 16,0-22-16,0 0 0,0 0 16,0 0-16,0 1 0,21-22 15,0 21-15,0-21 0,0 0 0,1 0 16,-1 0-16,0 0 0,0-21 16,0-1-16,0 1 0,1 0 0,-1 0 15,0 0-15,0 0 0,0-22 0,0 1 16,1 21-16,-22-22 15,0 1-15,21 0 0,-21-1 0,21 1 16,-21 0-16,0-43 0,0 64 16,0-21-16,0 20 0,0 44 31,-21-1-31,21 0 16,0 21-16,0-21 0,0 22 15,-21-1-15,21 0 0,0 22 16,0-22-16,0 1 0,0-1 15,0-21-15,0 21 0,0-20 0,0-1 16,0 0-16,0 0 0,21 0 16,0 0-16,0-21 0,0 22 15,22-22-15,-22 0 0,0 0 16,42-22-16,-41 1 0,20 0 16,-21 0-16,21 0 0,-20-22 15,20 22-15,-21-21 0,0 0 0,22-1 16,-22 1-16,0-22 0,0 22 15,-21 0-15,21-22 0,-21 22 0,21 0 16,-21-43-16,0 64 0,0-22 16,0 1-16,0 63 31,0 22-15,0-22-16,0 0 0,-21 21 0,21 1 15,0-1-15,-21 0 0,21 1 16,0-1-16,0 0 0,0 1 0,0-22 15,0 21-15,0 0 0,0-20 16,0-1-16,0 21 0,0-21 0,0 0 16,0 1-16,21-1 0,0-21 15,1 0-15,-1 0 16,0 0-16,21 0 0,-21-21 0,1 21 16,20-22-16,0 22 0,-21-21 15,22 0-15,-1 0 0,-21 0 0,0 0 16,1-1-16,-1 1 0,0 0 15,-21 0-15,0 0 0,0 0 0,0-1 16,0 1-16,0 0 16,0 0-16,-21 21 0,0 0 15,-1 21-15,1 0 0,0 0 16,0 1-16,21-1 0,0 0 16,-21 21-16,21-21 0,-21 1 0,21 20 15,0-21-15,0 0 0,0 43 16,0-43-16,0 0 0,0 0 15,0 0-15,0 1 16,21-22-16,-21 21 0,21-21 0,0 0 0,0 0 16,0 0-1,22 0-15,-22 0 0,21 0 0,-21 0 16,22 0-16,-1 0 0,0-21 0,1 21 16,-22-22-16,21 1 0,1 0 0,-1 0 15,0-21-15,-21 20 16,22-20-16,-22 0 0,21-1 0,-21 1 0,1 0 15,20-64-15,-21 42 16,-21 22-16,21-64 0,-21 64 16,0 0-16,0-1 0,0 22 15,0 0-15,0 0 0,0 0 0,0 42 32,0 0-32,0 0 0,0 21 15,-21-20-15,21 20 0,-21 0 16,21 1-16,-21-1 0,21 0 0,0 1 15,-21-22-15,21 21 0,-22 0 0,22 22 16,0-43-16,0 21 16,-21-20-16,21-1 0,0 0 15,0 0-15,21-21 16,1 0 0,-1 0-16,0 0 0,-21-21 0,21 0 15,0 0-15,0-1 0,-21 1 16,22 0-16,-1 0 0</inkml:trace>
+  <inkml:trace contextRef="#ctx0" brushRef="#br0" timeOffset="159254">16404 14542 0,'-63'0'16,"126"0"-16,-148 0 0,43 0 0,21 0 0,0 0 15,21 21-15,21-21 16,0 0-16,21 0 15,1 0-15,-1 0 0,22 0 0,-1 0 16,1-21-16,-1 21 0,22 0 0,-22 0 16,22-22-16,-22 22 0,22 0 15,-21 0-15,20 0 0,-20 0 16,-1 0-16,-20 0 0,-1 0 16,0 0-16,1 0 0,-65 0 31,-20 0-31,21 22 0,-21-22 15,-1 0-15,-20 21 0,-1-21 0,1 21 16</inkml:trace>
+  <inkml:trace contextRef="#ctx0" brushRef="#br0" timeOffset="159761.7">16616 14647 0,'-148'22'0,"105"-1"16,382-85-16,-741 128 0,656-107 0,-551 86 0,276-22 0,-21-21 0,21 0 16,21 21-16,0 0 15,21-21-15,0 0 16,0 0-16,22 0 0,-1 0 0,21 0 15,-20 0-15,20 0 0,1 0 16,-1 0-16,1 0 0,20 0 0,-20-21 16,-1 0-16,1 21 0,-1-21 0,1 0 15,-1 21-15,1-22 0,-22 1 16,1 0-16,-1 21 0,-21-21 0,0 21 16,0-21-16,-21 0 0,0-1 15,0 1-15,0 0 0,0 0 16,0 0-16,-21 21 0,-21-21 0,21-1 15,0 1-15,-1 0 0,1 0 16,0 0-16,0 21 0,0 0 16,0-21-16,-1 21 0,1 0 15,21 21 1,0 0-16,0 0 16,21 0-16,1 0 0,-1-21 15,0 22-15,0-22 0,21 0 16,-20 0-16,20 0 0,0 0 0,1 21 15,-22-21-15,21 0 0,0 0 0,-20 21 16,-1-21-16,0 21 0,0-21 16,-21 21-16,0 0 0,0 1 0,0-1 15,-42 21-15,21-21 0,-1 22 0,-20-22 16,0 21-16,-1-21 16,-20 22-16,21-22 0,-1 21 0,-20 0 15,20-20-15,1-1 0,0 21 0,-1-21 16,1 0-16,21-21 0,0 22 15,0-22-15,21 21 0,-22-21 0,22-21 16,0-1-16</inkml:trace>
+  <inkml:trace contextRef="#ctx0" brushRef="#br0" timeOffset="160226.12">18521 14499 0,'0'0'0,"0"-21"0,0-21 0,0 21 15,0-1-15,0-20 0,-21 21 16,21 0-16,-22 0 0,22-1 0,-21 1 16,0 21-1,0 0-15,0 21 16,21 22-16,0-22 0,0 42 15,-21-20-15,21-1 0,-22 22 0,22-22 16,0 21-16,0-20 0,-21-1 0,21 0 16,-21 1-16,21-1 0,0-21 15,0 22-15,0-22 0,0 0 0,0 0 16,0 0 0,21-21-1,0-21-15,-21 0 0,22 21 0,20-64 16,0 43-16</inkml:trace>
+  <inkml:trace contextRef="#ctx0" brushRef="#br0" timeOffset="160613.57">18817 14457 0,'0'0'15,"21"-21"-15,0 0 0,1-1 0,-1 22 16,-21 22 0,0-1-1,0 0-15,0 21 0,0 1 0,0-1 16,-21 0-16,-1 1 0,1-1 15,21 0-15,0 1 0,0-22 16,-21 21-16,21 0 0,0-20 0,0-1 16,0 0-16,21 0 15,0-21-15,1 0 0,-1 0 16,21 0-16,-21-21 0,0 0 0,1 0 16,20-1-16,-21 1 0,0-21 15,22 0-15,-22-1 0,-21-41 16,0 41-16,0 1 0,0 0 15,0-1-15,0 1 0,-21 0 0,-1 20 16,1 1-16,0 0 0,0 21 16,-21 0-16,20 0 0,1 0 15,0 21-15,0 0 0,0 22 0,0-22 16,-1 21-16,22 1 0,-21-1 0,21 0 16,0-21-16,0 22 0,0-1 15,0-21-15,21 22 0,1-22 0,-1 0 16,0 0-16,0-21 0,0 0 15,22 0-15</inkml:trace>
+  <inkml:trace contextRef="#ctx0" brushRef="#br0" timeOffset="161902.29">19770 14605 0,'21'-21'0,"-21"42"31,0 0-31,0 0 0,0 22 15,-21-22-15,21 0 0,0 0 0,-22 0 16,22 22-16,-21-22 16,0 0-16,21 0 0,0 0 0,-21 1 0,21-1 15,-21 0-15,21 0 0,0-42 47,0 0-31,0 0-16,21-1 0,0-20 0,0 21 15,-21-21-15,21 20 0,1-20 0,-22 21 16,21 0-16,0-22 0,-21 22 16,21 21-16,0 0 15,-21 21-15,0 1 16,21 20-16,-21-21 0,0 0 16,0 0-16,0 22 0,0-22 0,0 0 15,0 21-15,0-20 0,0-1 16,0 0-16,0 0 0,0 0 0,22 0 15,-22 1-15,21-22 16,0 0-16,0 0 16,0 0-16,0-22 0,1 22 15,-1-21-15,0 0 0,0 0 0,0 0 16,0 0-16,1-1 0,-1-20 16,21 0-16,-42 21 0,0-1 15,21 1-15,-21 0 0,21 21 16,-21 21-1,0 0 1,0 1-16,0-1 0,-21 21 16,0-21-16,0 22 0,21-22 15,0 0-15,0 21 0,0-21 16,0 1-16,0-1 0,0 0 0,0 0 16,21-21-16,0 0 15,0 0-15,1 0 0,20 0 16,-21 0-16,21 0 0,-20-21 0,20 0 15,0 0-15,-21 21 0,22-22 0,-22 1 16,0 0-16,21-21 0,-42 21 16,22-1-16,-1 1 0,0 0 0,-21 0 15,0-21-15,0 63 32,0 0-17,0 0-15,-21 0 16,0 0-16,21 1 0,-22-1 0,22 0 15,0 0-15,0 0 0,0 0 0,0 1 16,0-1-16,22 0 16,-1-21-16,0 0 0,0 21 0,21-21 15,-20 0-15,-1 0 0,0 0 0,21 0 16,-21-21-16,22 0 0,-22 21 16,0-21-16,0-1 0,0 1 0,1 21 15,-1-21-15,0 0 0,0 0 0,0 0 16,-21-1-16,0-41 15,21 63-15,-21-21 0,0 0 16,0 42 15,0 0-31,0 0 16,-21 0-16,21 0 0,0 1 0,0-1 16,-21 0-16,21 0 0,-21-21 15,21 21-15,0 0 0,0 1 0,-21-1 16,21 0-16,-21-21 15,21-21 17,0 0-17,0-1-15,21 1 0,0 0 16,-21 0-16,21 0 0,0-22 16,0 22-16,1-21 0,-1 21 15,0-22-15,0 22 0,21-21 0,-20 21 16,20 21-16,-21-21 0,43 21 15,-43 0-15,0 21 0,0-21 16,0 21-16,-21 0 0,0 0 0,0 22 16,0-1-16,0-21 0,0 0 15,0 0-15,0 1 0,-21-1 16,21 0-16,0 0 0,-21 0 0,0 0 16,21 1-16,-21-22 46,21-22-30,-22 22-16,22-21 16,0 0-16,0 0 0,0 0 0</inkml:trace>
+  <inkml:trace contextRef="#ctx0" brushRef="#br0" timeOffset="162248.6">20934 14245 0,'-21'21'0,"42"-42"0,-85 64 16,22-22-16,21 21 0,-22-21 0,22 22 15,0-22-15,0 21 0,21 0 16,0-20-16,0-1 0,0 0 16,21-21-1,0 0-15,0 0 0,1-21 0,-1 0 16,0-1-16,0 1 0,0 0 0,0-21 15,1 21-15,-22-22 0,0 22 16,0-21-16,0 21 0,0-22 0,0 22 16,-22 21-16,1-21 0,0 21 15,0 0-15,0 0 0,0 21 16,-1 0-16,1 0 0,0 1 16,0 20-16,0-21 0,0 21 15,-1-20-15,22-1 0,0 0 0,0 0 16,0 0-16,0 0 0,22-21 31</inkml:trace>
+  <inkml:trace contextRef="#ctx0" brushRef="#br0" timeOffset="166453.06">1355 15896 0,'0'-21'15,"0"0"-15,0 0 16,0 0 0,0-1-16,-22 22 0,22-21 15,0 0 1,-21 21-1,0 21 1,21 0-16,-21-21 0,21 22 16,0-1-16,0 0 15,0 0-15,0 0 16,0 0 0,21-21 15,0 0-31,-21-21 15,0 0-15,0 0 0,21 21 16,-21-21-16,0 0 0,0-1 16,-21 1-1,0 21-15,0 0 16,0 0-16,21 21 16,-21-21-16,21 22 0,0-1 15,0 0-15,0 21 0,0-21 16,0 1-16,0 20 0,0-21 0,0 0 15,0 0-15,0 22 16,0-22-16,0 0 0,0 0 0,0 0 16,0 1-16,21-22 31,0 0-31,0-22 0,0 1 16,0 0-16,1 0 15</inkml:trace>
+  <inkml:trace contextRef="#ctx0" brushRef="#br0" timeOffset="166860.82">1545 15854 0,'21'0'16,"-42"0"-16,63 0 0,-42 21 47,22-21-32,-1 0 16,0 0-31,0 0 16,-21-21-16,0 0 16,0 0-16,0-1 0,0 1 15,0 0-15,-21 21 16,0 0 0,0 0-16,-1 21 15,22 0 1,-21-21-16,21 22 0,0-1 0,0 0 15,0 0-15,0 0 0,0 0 16,0 1-16,0-1 16,0 0-16,21-21 15,1 0-15,-22 21 16</inkml:trace>
+  <inkml:trace contextRef="#ctx0" brushRef="#br0" timeOffset="176123.45">2328 15579 0,'0'-21'16,"0"-1"-16,-21 22 31,21 22-15,0-1-16,0 0 0,0 0 15,0 0-15,0 0 0,0 1 0,0-1 16,0 0-16,21 0 0,-21 0 16,21-21-16,1 21 0,-1 1 15,0-22-15,0 0 0,0 0 0,22 0 16,-22 0-16,21 0 0,-21-22 16,22 1-16,-1 0 0,0-21 0,1 21 15,-22-1-15,21-20 0,-21 21 16,0 0-16,1-22 0,-1 22 0,-21 0 15,0 0-15,0 0 16,0 0-16,0-1 0,0 1 0,-43 21 16,22 0-1,21 21-15,0 1 0,0 20 16,0-21-16,-21 21 0,21 1 16,0-1-16,0 0 0,-21 1 0,21 20 15,0-20-15,0 20 0,-21 1 16,21-1-16,-21 1 0,21-1 0,0 1 15,-22-22-15,22 0 0,0 1 16,0-1-16,0 0 0,0-21 16,0 1-16,0-1 0,0 0 0,-21-21 31,0 0-15,0-21-16,0 0 0,0-1 15,-1-20-15,22 21 0,-21 0 16,0 0-16,21-1 0,-21 1 15,21 0-15,0 0 0,0 42 32,0 0-17,21 0-15,0 1 0,-21-1 16,21 0-16,1 0 0,-22 0 16,21 22-16,0-22 0,0-21 0,0 21 15,0 0-15,22-21 0,-22 0 16,0 0-16,21 0 0,-20 0 15,-1 0-15,21 0 0,-21 0 0,22-21 16,-22 0-16,21 0 0,-21-22 16,22 22-16,-22-21 0,21-1 0,-21 22 15,22-21-15,-22 0 0,0-1 16,-21 1-16,21 21 0,-21-22 0,0 22 16,21 0-16,-21 0 0,0 42 31,0 0-31,0 22 15,0-22-15,-21 63 0,0-41 16,21-1-16,0-21 0,0 22 16,0-1-16,0-21 0,0 0 0,0 0 15,21 1-15,0-1 0,0-21 16,1 0-16,-1 0 0,21 0 0,-21 0 16,0-21-16,22-1 0,-22 1 15,21 0-15,-21-21 0,1 21 16,20-22-16,-21 1 0,0 0 0,-21 20 15,0-20-15,0 0 0,0-1 16,0 1-16,-21 0 0,0-1 0,0 22 16,-22-21-16,1 21 0,21 0 15,-21 21-15,-1 0 0,1 0 0,0 0 16,20 0-16,-20 0 0,21 21 16,0 0-16,0 0 0,-1 21 15,22-20-15,-21-1 0,21 0 0,0 0 16,0 0-16,0 0 0,21 1 15,1-22-15,-1 0 0,0 21 0</inkml:trace>
+  <inkml:trace contextRef="#ctx0" brushRef="#br0" timeOffset="177540.86">4445 16552 0,'21'0'15,"0"0"-15,0 0 16,1-21-16,-1 21 15,-21-21-15,0 0 16,21 0-16,0 0 0,0 21 16,-21-43-16,21 22 0,1 0 0,-1 0 15,-21-22-15,21 22 0,0-21 16,-21 21-16,0-22 0,0 1 0,0 21 16,0-21-16,0 20 0,0-20 15,-21 21-15,21 0 0,-21 21 0,0-21 16,-1 21-16,1 0 0,0 0 15,0 0-15,0 0 0,0 42 16,-1-21-16,22 0 0,0 0 16,0 1-16,0 20 0,22-21 15,-1 0-15,0 0 0,0 1 0,0 20 16,0-21-16,1 0 0,-1 0 16,0 1-16,0-1 0,0 0 0,0 0 15,1 0-15,-1 0 0,0 1 16,0-1-16,0-21 0,0 0 15,-21 21-15,22-21 0,-1 0 16,0 0-16,0 0 0,0-21 16,0 0-16,1-1 15,-1 22-15,-21-21 0,21-21 0,0 21 16,-21 0-16,0-22 0,21 22 0,-21-21 16,21 21-16,-21-22 15,0 22-15,0-21 0,0 21 0,0-1 16,0 1-16,0 0 0,0 42 47,0 22-47,0-22 0,0 0 0,0 21 15,0-21-15,22 1 0,-22 20 0,0-21 16,21 0-16,-21 22 0,21-22 16,-21 0-16,21-21 0,0 21 0,0-21 15,1 0 1,-1 0-16,0 0 0,0 0 0,0 0 15,0 0-15,1-21 0,20 0 16,-21 0-16,0-1 0,0 1 0,1-21 16,-1 21-16,-21 0 0,21-22 0,-21 1 15,21 21-15,-21-22 0,0 1 16,0 21-16,0-21 0,0 20 0,0 1 16,21 0-16,-21 42 31,0 0-31,0 1 0,0-1 15,0 85 1,-21-64-16,21 0 0,0 1 0,0-22 0,0 21 16,0-21-16,21 0 15,0 1-15,-21-1 0,22 0 0,-1-21 16,0 0-16,0 0 0,0 0 0,22 0 16,-22 0-16,21-21 0,-21 21 15,22-21-15,-22-1 0,21 1 0,-21 0 16,22 0-16,-22-21 0,0 20 15,0 1-15,-21-21 0,0 0 0,21 20 16,-21-20-16,0 21 0,21 0 0,-21-22 16,0 22-16,0 0 15,0 42 1,0 0 0,0 22-16,0-22 0,0 0 15,-21 21-15,0 1 0,21-22 0,-21 21 16,21-21-16,0 22 0,-21-22 15,21 0-15,-21 0 0,21 0 0,0 1 16,0-1-16,0 0 0,0 0 16,0-42 15,0 0-31,0 0 0,0-1 16,0 1-16,0 0 0,0-21 0,21 21 15,0-22-15,0 1 0,0 0 16,22-43-16,20 0 15,-21 64-15,1 0 0,-1 0 16,0 21-16,1 0 0,-22 0 16,21 0-16,1 0 0,-22 21 0,21 0 15,-21 0-15,0 0 0,-21 22 0,0-22 16,0 21-16,0 1 0,0-22 16,0 21-16,0 0 0,0-20 0,0-1 15,0 21-15,0-21 0,0 0 16,0 1-16,0-1 0,0-42 47,0-1-47,0 1 15,0 0-15,22 0 0,-1-21 0</inkml:trace>
+  <inkml:trace contextRef="#ctx0" brushRef="#br0" timeOffset="179526.6">8107 16214 0,'0'21'15,"0"-42"17,21 0-17,0-1-15,-21 1 0,21 0 16,0 0-16,-21 0 0,22-22 15,-1 22-15,0-21 0,0-22 0,21 22 16,-20-21-16,-1-1 0,21 1 16,0-1-16,1-21 0,-22 1 0,21-1 15,1 0-15,-1 22 0,-21-1 16,0 1-16,0-1 0,1 22 16,-22 21-16,0 0 0,0 0 0,0-1 15,-22 22-15,1 22 0,0 20 16,0-21-16,-21 21 0,20 22 15,1-1-15,0 1 0,0-1 0,21 1 16,-21-1-16,21 1 0,0-1 16,0-20-16,21 20 0,0 1 15,0-22-15,0 0 0,22 1 0,-22 20 16,0-42-16,0 22 0,0-1 16,1-21-16,-1 0 0,-21 1 0,0-1 15,0 0-15,0 0 0,-21-21 31,-1 0-31,1-21 0,-21 0 0,21 0 16,0-1-16,-22-20 0,-20 0 16,42-1-16,-1 22 0,1 0 15,0 0-15,0 0 16,0 0-16,21 42 16,0 0-1,21 0-15,0 0 0,0 0 16,22 1-16,20 41 0,-21-42 15,1 22-15,41-1 16,-41-21-16,63 0 0,-64-21 16,0 0-16,22 0 0,-22 0 15,22 0-15,-22-21 0,106-42 16,-106 20-16,1 22 16,-22-21-16,21-1 0,-21 22 15,1-21-15,-1 0 0,-21 20 0,0-20 16,0 0-16,0 21 0,0-22 15,0 22-15,-21-21 0,-1 21 0,1-1 16,0 1-16,0 21 0,0 0 0,0 0 16,-22 21-16,22 1 15,21 20-15,-21-21 0,0 21 0,21 22 16,-21-22-16,21 1 0,0 20 16,0-21-16,0 22 0,0-22 0,0-21 15,0 22-15,21-22 0,0 21 0,0-21 16,0-21-16,0 0 15,1 0-15,-1 0 0,0 0 0,42-21 16,-41 0-16,-1 0 0,0 0 16,0-22-16,0 22 0,0-21 15,1-22-15,-22 22 16,0 21-16,0-21 0,0 20 0,0-20 16,0 21-16,0 0 0,0 42 31,0 0-31,0 0 15,0 0-15,0 22 0,0-22 0,0 21 16,0 1-16,0-22 0,0 0 16,21 21-16,0-21 0,0 1 0,-21-1 15,21-21-15,0 21 16,22-21-16,-22 0 0,21 0 16,-21-21-16,22 21 0,-1-21 0,-21-1 15,22 1-15,-22-21 0,21 21 16,-21-22-16,0 22 0,1-21 0,-1-22 15,-21 43-15,21-21 16,-21 0 0,0 63-1,0 0-15,0 21 16,0-21-16,-21 1 0,21 20 0,0-21 16,0 21-16,-21-20 0,21 20 15,-22-21-15,22 21 0,0-20 16,0-1-16,0 21 0,0-21 15,0 0-15,0-42 32,0 0-32,22 0 15,-1-21-15,-21 20 0,21-20 16,-21 21-16,21-21 0,0 20 0,-21-20 16,21 21-16,1-21 0,-1 20 15,-21 1-15,21 0 0,0 21 0,0 0 16,0 0-16,1 21 15,-22 0 1,0 1-16,0-1 0,0 21 0,0-21 16,0 0-16,0 22 0,0-22 15,0 0-15,0 21 0,21-20 16,-21-1-16,0 0 0,0 0 0,21-21 16,-21 21-16,21-21 0,0 0 15,0 0-15,1-21 16,-1 0-16,0 0 0,0 0 15,0-1-15,0 1 0,22-42 16,-1 20-16,-21 22 0,0-21 16,22 0-16,-22 20 15,0 1-15,0 21 0,0 0 16,-21 21 0,0 1-16,0-1 15,0 0-15,0 0 0,0 0 0,0 0 16,0 22-16,0-22 0,0 0 15,0 21-15,0-20 0,22-1 0,-1 0 16,0 0-16,0 0 0,21 22 16,1-43-16,-22 0 0,21 0 15,1 0-15,-1 0 0,0 0 0,1 0 16,-1-22-16,0 1 0,-21 0 0,22 0 16,-1 0-16,0 0 0,1-43 15,-22 22-15,21-22 16,-42 22-16,21 21 15,-21 0-15,0-22 0,0 22 16,-21 21-16,0 0 0,0 0 16,0 21-16,0 0 0,-1 1 15,1-1-15,0 21 0,0-21 0,0 22 16,21-1-16,-21 0 0,21-21 0,-22 22 16,22-1-16,0-21 0,0 0 15,0 22-15,22-1 16,-1-21-16,0-21 0,0 0 15,0 0-15,0 0 0,1 0 16,-1-21-16,0 0 0,21-21 16,-21 20-16,1 1 0,20-21 0</inkml:trace>
+  <inkml:trace contextRef="#ctx0" brushRef="#br0" timeOffset="181264.48">13949 16383 0,'0'21'0,"0"0"16,0-42 31,0 0-47,0 0 0,0 0 16,0-22-16,0 1 0,21 0 15,0-22-15,0 1 0,0-1 0,1 1 16,-1-1-16,0 1 0,21-1 0,-21-20 15,22 20-15,-22 22 0,0-22 16,0 22-16,0 0 0,-21 20 16,0 1-16,0 0 0,-21 42 15,-21 0-15,21 1 16,-22 20-16,22 0 0,0 1 0,-21-1 16,21 0-16,-1 22 0,1-22 15,21 22-15,0-22 0,0 21 0,0-20 16,0-1-16,21 0 0,1 1 15,20-1-15,-21 0 0,0-20 0,0-1 16,1 0-16,-1 0 0,0-21 16,0 21-16,-21 0 0,0 1 15,-21-22 1,0 0-16,0 0 16,-22 0-16,22 0 0,0 0 0,-21-22 15,20 22-15,-20-21 0,21 21 16,0 0-16,0 0 0,21 21 31,0 1-31,21-1 16,0 0-16,0 0 0,0 0 15,0 0-15,22 1 0,-22-1 16,21 0-16,-21-21 0,1 0 16,20 0-16,-21 0 0,21 0 0,43-21 15,-43 0 1,1-1-16,-22 1 15,0-21-15,0 21 0,22-22 0,-22 22 16,-21-21-16,21 0 0,0-1 16,0 1-16,0 0 0,1-1 0,-22 1 15,42-22 1,-42 43-16,21 0 0,-21 0 0,21 21 16,0 0-16,1 0 15,-1 21 1,-21 0-1,21 0 1,0-21 0,-21-21-1,0 0 1,0 0-16,0 0 16,-21 21-16,0-21 15,0 21 1,-1 0-16,1 0 15,0 0-15,0 21 16,0 0-16,21 0 0,-21 0 0,21 22 16,0-22-16,-22 21 0,22 0 15,0-20-15,0 20 0,0 0 0,0 1 16,0-22-16,0 21 0,0-21 0,22 0 16,-1 22-16,21-22 15,-21 0-15,0-21 0,22 0 16,-1 0-16,-21 0 0,22 0 15,-1 0-15,0-21 0,1 21 0,-1-21 16,21-22-16,-20 22 0,-1 0 16,0-21-16,1 21 0,-22-22 0,21 1 15,-21 0-15,1 20 0,-1-20 0,-21 0 16,0 21-16,0-22 0,0 22 16,0 0-16,0 0 0,-21 0 15,-1 21-15,1 0 0,0 0 0,-21 0 16,21 0-16,-1 21 0,22 0 15,0 21-15,-21-21 0,21 1 16,0-1-16,0 0 0,0 0 16,21 0-16,1 0 0,-1-21 15,0 0-15,21 0 0,-21 0 16,1 0-16,-1 0 0,-21 22 0,21-22 16,0 0-16,0 0 0,-21 21 15,0 0-15,0 0 0,21 0 16,-21 0-16,0 1 0,0-1 15,0 0-15,22 0 0,-22 0 16,21-21 0,0 21-16,0-21 0,0 0 15,0 0-15,1 0 16,-1-21-16,0 0 0,0 0 16,0 0-16,0 0 0,1-1 15,-1 1-15,0 0 0,0 0 0,0-21 16,0 20-16,1 1 0,-1-42 15,-21 84 17,0 0-17,0 0-15,-21 22 0,21-22 16,0 0-16,0 0 0,0 21 0,0-20 16,0-1-16,0 0 0,0 0 15,0 0-15,21-21 31,-21-21-15,21 0-16,-21-21 16</inkml:trace>
+  <inkml:trace contextRef="#ctx0" brushRef="#br0" timeOffset="181556.32">16171 15685 0,'0'0'16,"-21"0"-16,21 21 31,21-21 0,0-21-31,-21-1 16,0 1 0,0 0-16,-21 0 15,0 21-15,0 0 16,0 0-16,0 0 0,-1 0 0,1 0 15,0 21-15,0-21 0,21 21 16,0 0-16,0 1 0,0-1 16,0 0-16,0 0 0,0 0 15,0 0-15,21 1 16,0-1-16,0-21 0,-21 21 0</inkml:trace>
+  <inkml:trace contextRef="#ctx0" brushRef="#br0" timeOffset="181896.14">16531 15833 0,'0'0'15,"-21"21"1,21 0 0,0 0-16,0 0 15,0 22-15,0-22 0,0 21 0,0 1 16,0-1-16,0 21 0,0-20 15,0 20-15,0-20 0,-21 20 0,21 1 16,-21-1-16,-1 22 0,1-1 0,0-20 16,21 21-16,-21-1 0,0-20 15,0-1-15,-1 1 0,1-1 0,21-20 16,0-1-16,-21 0 0,21 1 16,-21-22-16,21 21 0,0-21 0,0 0 15,0-42 16,0 0-31,0 0 0,21 0 16,0-22-16,-21 1 0,21 0 0,1-22 16,-1 22-16</inkml:trace>
+  <inkml:trace contextRef="#ctx0" brushRef="#br0" timeOffset="182175.98">16489 16425 0,'0'-84'0,"0"168"0,0-232 0,0 64 0,0 20 15,0 1-15,0-1 0,0 1 0,0 20 16,0-20-16,21 20 0,0 22 15,0-21-15,0 21 0,43-22 16,-43 22-16,21 21 0,-20 0 16,20 0-16,0 0 0,1 0 15,-1 21-15,-21 1 0,21-1 0,-20 21 16,-1-21-16,-21 22 0,0-22 16,0 21-16,0 0 0,-21 1 0,-1-1 15,1-21-15,0 22 0,0-22 16,-21 21-16,20-21 0,-20 0 0,21 1 15,0-1-15,0-21 0,-1 21 0,22-42 47,0 0-47,0-1 0,22 1 16,-1 0-16</inkml:trace>
+  <inkml:trace contextRef="#ctx0" brushRef="#br0" timeOffset="182457.82">17378 15346 0,'0'0'0,"21"-42"0,-21-1 0,21 22 16,0-21-16,-21 21 0,21-1 0,-21 1 15,22 21-15,-22 21 16,0 1-16,0 20 16,0-21-16,0 21 0,0 22 15,0-22-15,0 22 0,0-22 16,0 22-16,-22-22 0,22 21 0,-21-20 15,0 20-15,0-20 0,21 20 16,0-21-16,-21 1 0,21-22 0,0 21 16,0-21-16,0 1 0,21-22 15,0 0-15,0 0 0,0 0 16,1-22-16,41-20 0,-21 21 16,1 0-16,-1-22 0,0 22 15,1-21-15</inkml:trace>
+  <inkml:trace contextRef="#ctx0" brushRef="#br0" timeOffset="182764.64">17865 15748 0,'63'-63'0,"1"-22"31,-191 233-31,254-317 0,-149 190 16,1-21-1,0 21-15,0 0 0,0 0 0,0 1 16,21-1-16,0 0 0,-22 0 0,22 0 16,0 0-16,0 1 0,0-1 15,22-21-15,-1 0 0,0 21 16,0-21-16,0 0 0,22 0 0,-22 0 15,0 21-15,0-21 0,0 0 16,22 21-16,-43 0 16,0 1-16,0-1 15,-22 0-15,1 0 0,0 0 16,-21 0-16,21 1 0,-22-22 16,22 21-16,-21 0 0,21 0 15,-22 0-15,22-21 0,0 0 0,0 0 16,0 0-16,-1 0 15,22-21-15,0 0 0,-21 0 16,21 0-16,0-1 0,0-20 0,0 0 16</inkml:trace>
+  <inkml:trace contextRef="#ctx0" brushRef="#br0" timeOffset="182996.53">17462 15409 0,'43'0'31,"-22"-21"-31,21 21 16,1 0-16,20 0 0,-21-21 15,22 21-15,42 0 0,-43-21 16,1 21-16,-22 0 0,0 0 16,1 0-16,-22 0 0,21 0 0,-21 0 15,1 0-15,-22-21 31</inkml:trace>
+  <inkml:trace contextRef="#ctx0" brushRef="#br0" timeOffset="184149.27">20426 15706 0,'0'-21'16,"0"42"-16,-21-64 0,21 22 0,-22-21 0,22 0 16,0 20-16,0-20 0,-21 0 15,21-22-15,-21 22 0,0 0 0,21-1 16,-21 1-16,0 21 0,21-22 16,-22 22-16,1 0 0,0 0 0,0 21 15,0 0-15,-22 0 0,22 21 16,0 0-16,-21 22 0,21-1 0,-22 0 15,22 22-15,-21-1 16,-1 1-16,22-1 0,-21 1 0,21 20 16,-43 43-16,64-63 0,0-1 15,0 1-15,0-22 0,0 22 16,21-22-16,1-21 0,20 22 0,-21-22 16,21 0-16,1 0 0,-1-21 15,0 0-15,22 0 0,-22 0 16,22 0-16,-1-21 0,1 0 0,-1 0 15,-20-1-15,20-20 0,1 0 16,-22-1-16,21 1 0,-20 0 0,-1-1 16,0-20-16,-20 21 0,-1-85 15,-21 63-15,0 1 0,0-1 16,0 1-16,-43-22 0,22 21 16,-21 1-16,0 21 0,-22-1 0,22 22 15,-22-21-15,1 42 0,-1 0 0,1 0 16,-1 21-16,1 0 0,-1 21 15,-42 43-15,64-21 0,21-1 16,-21 1-16,20-1 0,22 1 16,0-1-16,0-21 0,0 22 0,0-1 15,43-20-15,-22 20 0,21-20 16,-21-1-16,43 0 0,-22-21 16,22 1-16,-1-1 0,-20 0 0,41-21 15,-20 0-15,-1 0 0,22-21 16,-22 21-16,1-21 0,-1-22 0,1 22 15,-1-21-15,-20 21 0,-1-22 16,-21 22-16,22-21 0,-22-1 0,0 22 16,-21-21-16,0 21 0,0 0 0,0-1 15,0 44 17,0-1-32,0 0 0,0 21 15,0-21-15,0 1 0,0 20 0,0-21 16,0 21-16,0-20 0,0-1 0,0 0 15,0 0-15,0 0 16,0 0-16,0 1 0,0-44 47,0 1-47,0-21 0,21 21 16,-21 0-16,21-22 0,0 22 15,-21-21-15,22-1 0,-1 1 0,0 21 16,21-21-16,-21 20 0,1 1 15,20 0-15,-21 21 0,0 0 16,22 0-16,-22 0 0,0 21 0,0 0 0,0 1 16,0-1-16,-21 0 0,0 0 15,0 21-15,0-20 0,0 20 16,0-21-16,0 21 0,0 1 0,0-22 16,-21 21-16,21-21 0,-21 1 15,21-1-15,-21 0 0,21 0 0,0 21 16,0-20-1,0-44 1,0 1-16,0 0 16,0 0-16</inkml:trace>
+  <inkml:trace contextRef="#ctx0" brushRef="#br0" timeOffset="186160.24">23093 15621 0,'-21'-21'0,"42"42"0,-42-63 16,21 21-16,0-1 0,0 1 16,0-21-16,0 21 0,0-22 0,0 22 15,0 0-15,0 0 0,0 0 16,21 42 0,-21 0-16,0 21 15,0 1-15,0-1 0,0 0 16,0 1-16,0-1 0,0 22 0,0-22 15,0 0-15,0 1 0,0-1 16,0 0-16,0 1 0,0-22 16,0 21-16,0-21 0,0 0 15,0-42 1,0 0 0,0 0-16,0 0 0,0-22 15,0 22-15,0-21 0,0 0 0,0-1 16,0 1-16,0 0 0,0-1 0,21-20 15,0 20-15,0 1 0,0 21 16,1-21-16,-1 20 0,0 1 16,21 0-16,-21 21 0,22 0 0,-22 0 15,21 0-15,-21 21 0,22 0 16,-22 1-16,21 20 0,-21-21 0,22 21 16,-22 1-16,21 20 15,-42-20-15,0-1 0,0 0 0,0 1 16,0-22-16,0 21 0,0-21 15,0 22-15,-21-22 0,0 0 16,21-42 15,0 0-31,21-22 0,0 22 0,0 0 16,1-21-16,-1-1 0,21 1 16,-21 0-16,22-1 0,-1 1 15,-21 0-15,21-22 0,1 22 0,-22 21 16,21-22-16,-21 22 0,22 0 15,-22 21-15,0 0 0,0 21 16,-21 0-16,21 0 0,-21 1 16,0 41-16,0-21 0,0 1 15,0-1-15,0 0 0,0-20 0,0 20 16,0 0-16,0 1 0,22-22 16,-1 21-16,-21-21 0,21 0 0,0 1 15,0-1-15,0-21 0,22 0 16,-22 0-16,0 0 0,0 0 15,22 0-15,-22-21 0,0-1 0,21 1 0,-21 0 16,1-21-16,-1 21 16,0-1-16,0-20 0,0 0 0,0-22 15,-21 43-15,22-21 16,-22 21-16,21-1 0,-21 1 0,0 0 16,0 0-16,0 42 31,0 0-31,-21 0 0,21 1 0,-22 20 15,22-21-15,0 0 0,-21 22 0,21-22 16,0 0-16,0 21 0,0-21 16,0 1-16,0-1 0,0 0 0,21 0 15,1-21-15,-1 0 16,0 0-16,0 0 16,21 0-16,-20-21 0,-1 21 0,0-21 15,0 0-15,21-1 0,-20 1 16,-1 0-16,0 0 0,0 0 0,-21 0 15,21-22-15,-21 22 0,21-21 0,-21 21 16,0-1-16,0-20 0,0 21 16,0 0-16,0 0 0,0 42 31,0 0-31,0 0 0,0 0 16,0 0-16,0 22 0,0-22 0,0 21 15,0-21-15,0 1 0,0 20 16,0-21-16,0 0 0,0 0 15,0 1-15,0-1 0,0 0 16,22 0-16,-1-21 0,0 0 0,0 0 16,0 0-16,22 0 0,-22 0 0,21 0 15,-21 0-15,22-21 0,-1 0 16,-21 0-16,21-1 0,-20 1 0,20 0 16,-21-21-16,43-22 0,-43 22 15,0-22-15,21 22 0,-21-21 16,1 20-16,20-20 0,-21-1 15,0 1-15,0 20 0,1-20 16,-1 21-16,0-1 0,0 22 0,0-21 16,-21 21-16,0 42 31,-21-21-31,0 42 0,0-21 0,0 22 16,-1-1-16,1 21 0,0-20 15,0 20-15,21 1 0,-21-22 0,0 22 16,-1-22-16,22 21 0,-21-20 0,21-1 15,0 0-15,0 1 0,0-1 16,0-21-16,0 22 0,0-22 0,0 0 16,43 21-16,-22-42 15,0 0-15,21 0 0,-21 0 0,22 0 16,-1 0-16,0-21 0,-20 21 0,20-21 16,0 0-16,1 0 0,-22-22 15,21 22-15,-21 0 0,22-21 16,-22-1-16,0 1 0,0 0 15,0-22-15,0 22 0,1-22 0,-1 1 16,0 20-16,-21-20 0,0 21 0,0-1 16,0 1-16,0 21 0,0 0 0,0-1 15,0 1-15,0 42 16,-21 1-16,0-1 16,-1 0-16,22 21 15,-21 1-15,0 20 0,21-21 0,-21 1 0,21 20 16,-21-20-16,21-1 0,-21 21 15,21-20-15,0-1 0,0-21 16,0 22-16,0-22 0,0 21 0,0-21 16,0 0-16,21 1 0,0-22 15,0 0-15,0 0 0,0 0 16,1 0-16,-1 0 0,0 0 0,21-22 16,-21 22-16,1-21 0,-1 0 15,21 0-15,-21 0 0,0 0 16,1-1-16,20 1 0,-21 0 0,0 0 15,0 0-15,1 0 16,-22 42 0,0 0-16,0 0 15,0 0-15,0 0 16,-22 1-16,22-1 0,0 0 16,0 0-16,0 0 15,22-21 16,-22-21 16</inkml:trace>
+  <inkml:trace contextRef="#ctx0" brushRef="#br0" timeOffset="186332.23">26839 15325 0,'0'0'15,"0"-43"-15,0 22 0,0-21 0,0 21 16,0 0-16,21 21 0,-21-22 16,0 44 31,-21-22-32,0 21-15</inkml:trace>
+  <inkml:trace contextRef="#ctx0" brushRef="#br0" timeOffset="186516.2">26289 15409 0,'0'0'16,"-21"0"-16,21 22 0,21-22 31,0 0-31,0 0 16,0 0-16,22 0 0,-22 0 15,21 0-15,1 0 0,-22 0 0,21 0 16,-21-22-16,22 1 0,-22 21 16,0-21-16</inkml:trace>
+  <inkml:trace contextRef="#ctx0" brushRef="#br0" timeOffset="187055.4">27580 15642 0,'0'-21'0,"0"42"0,0-63 15,0 21-15,0 0 0,0-1 0,0-20 16,0 21-16,0 0 16,21 0-16,-21-1 0,0 1 0,0 0 15,0 0-15,0 42 16,0 0-1,0 0-15,0 22 0,0-1 0,-21 0 16,21 22-16,0-1 0,-21 1 16,0-1-16,0 22 0,-1 0 0,1-1 15,21 1-15,-21 21 0,-21-21 16,21-1-16,-1 22 0,1-21 0,0 21 16,-21-22-16,21 1 0,-1 0 15,-41 63-15,42-85 0,21-20 16,-21-1-16,-1 0 0,22 1 0,0-22 15,-21-21-15,21 21 0,0-42 32,0 0-32,0-1 15,0 1-15,21-21 0,-21-22 0,22 22 16,-1-21-16,-21-1 0</inkml:trace>
+  <inkml:trace contextRef="#ctx0" brushRef="#br0" timeOffset="187364.26">27368 15875 0,'0'0'0,"22"-63"0,-22-1 16,21 22-16,-21-1 0,21 1 0,-21 0 16,21-1-16,0 1 0,22 21 0,-22-21 15,0 20-15,21 1 0,1 0 16,-1 0-16,0 0 0,1 0 16,-1 21-16,21 0 0,-20 21 15,-1 0-15,-21 0 0,22 0 0,-22 22 16,-21-1-16,0 0 0,0 1 15,0-1-15,-21 0 0,-1 1 0,-20-1 16,0-21-16,-1 21 0,1 1 0,0-22 16,-1 21-16,1-21 0,0 1 15,21-22-15,-22 21 0,22-21 16,0 0-16,0 0 16,21-21-16,0-1 15,0 1-15,0 0 0,0 0 0,0 0 16,21 0-16,0-22 0,0 22 15,0 0-15</inkml:trace>
+  <inkml:trace contextRef="#ctx0" brushRef="#br0" timeOffset="187648.87">28427 14965 0,'0'-21'15,"0"42"-15,21-42 0,-21 0 0,21 21 16,-21-22-16,0 44 15,0-1 1,0 21-16,0-21 0,0 22 16,0 20-16,-21-21 0,-21 64 15,42-42-15,-22-22 16,1 22-16,0-22 0,0 0 0,0 22 16,21-22-16,0-21 0,-21 22 0,21-1 15,0-21-15,-22 0 0,22 0 16,0 1-16,0-1 0,22-21 15,-1 0 1,0 0-16,0-21 0,0-1 0,0 1 16,1 0-16,-1 0 0</inkml:trace>
+  <inkml:trace contextRef="#ctx0" brushRef="#br0" timeOffset="188005.26">28511 15558 0,'0'0'0,"22"0"62,-1 0-62,0 0 0,0 0 0,21-22 16,-20 22-16,20-21 0,-21 21 15,21-21-15,-20 21 0,20-21 0,-21 0 16,0 21-16,0-21 0,1-1 0,-22 1 16,0 0-16,-22 21 15,-20 0 1,21 0-16,0 0 0,-22 0 15,1 21-15,21 0 0,-21 22 0,-22-1 16,43 0-16,-21-20 0,20 20 16,22 0-16,-21-21 0,21 22 15,-21-22-15,21 42 0,0-41 16,0-1-16,21 21 0,0-42 16,-21 21-16,43 0 0,-22 1 0,0-22 15,21 0-15,-20 0 0,-1 0 0,21 0 16,-21 0-16,22-22 0,-22 1 15,21 0-15,-21 0 0,22 0 16,-1-22-16</inkml:trace>
+  <inkml:trace contextRef="#ctx0" brushRef="#br0" timeOffset="188660.46">30522 14669 0,'0'0'0,"-42"-43"16,21 22-16,0 21 15,21-21-15,0 42 31,0 0-31,0 0 0,0 22 16,0-1-16,0 0 0,0 1 16,0-1-16,0 22 0,0-22 0,-22 21 15,22 1-15,0-1 0,0 1 16,-21-1-16,21-20 0,-21 20 0,0 22 16,21-43-16,-21 1 15,0-1-15,21-21 0,0 21 16,-43-20-16,43-1 0,-21-21 15,0 0 1,21-21 0,0-1-16,0-20 0,0 21 15,0-21-15,0 20 0,21-20 0,0 0 16,22-1-16,-22 1 0,21 0 16,-21-1-16,22 1 0,-1 0 0,0 21 15,22-22-15,-22 43 0,0-21 16,1 21-16,-1 0 0,0 0 15,1 21-15,-22 0 0,21 1 0,-21-1 16,1 0-16,-22 21 0,0-21 16,0 22-16,0-22 0,-22 21 0,1-21 15,-21 22-15,21-22 0,-22 21 16,1-21-16,0 1 0,-1-1 0,1 0 16,0 0-16,21 0 0,-64 0 15,64-21-15,-22 0 0,22 0 16,0 0-16,21-21 15,0 0 1,0 0-16,21 21 0,0-21 16,1 0-16,-1-1 0,21 1 15,-21 0-15</inkml:trace>
+  <inkml:trace contextRef="#ctx0" brushRef="#br0" timeOffset="189059.75">31094 15092 0,'0'0'16,"0"-21"0,0 0-16,21 21 15,0 0 1,0 21-16,22-21 0,-22 21 0,21 0 16,0 21-16,-20-20 0,20 20 15,0-21-15,-21 21 0,1-20 16,-1 20-16,0 0 0,-21-21 15,0 1-15,0 20 0,0-21 0,0 0 16,-21 0-16,0 1 0,-1-1 16,1-21-16,0 21 0,-21-21 0,21 0 15,-1 21-15,1-21 0,0 0 16,0 0-16,21-21 16,0 0-16,0 0 0,0-1 0,21 1 15,-21-21-15,42 0 0,-20-1 16,-1 1-16,21 0 0,0-1 0,1-20 15,-22 20-15,21 1 16,1 21-16,-1-21 0,-21 20 0,21 1 16,-20 21-16,-1-21 0,0 21 15,-21 21 1</inkml:trace>
+  <inkml:trace contextRef="#ctx0" brushRef="#br0" timeOffset="189495.01">31835 15155 0,'-22'22'47,"22"-1"-47,-21-21 15,21 42-15,-21-21 0,0 0 0,0 22 16,21-22-16,-21 21 0,21-21 15,-22 22-15,22-22 0,0 21 0,0-21 16,0 22-16,0-22 0,0 0 16,0 0-16,22 0 0,-1-21 0,0 22 15,0-22-15,0 0 0,0 0 16,22 0-16,-22 0 0,0 0 0,21 0 16,-20-22-16,20 1 0,-21 0 15,0 0-15,0 0 0,1 0 0,-1-1 16,-21-20-16,0 0 15,0-1-15,0 1 0,0 0 0,0-1 16,0 1-16,0 21 0,-21-21 16,21 20-16,-22 22 0,1 0 0,0 0 15,-21 0-15,21 0 0,-1 0 16,1 0-16,0 22 0,0-1 0,21 0 16,0 0-16,-21 0 0,21 0 15,0 1-15,0-1 0,0 0 0,0 0 16,21 0-1,0-21-15,0 0 0,0 0 0</inkml:trace>
+  <inkml:trace contextRef="#ctx0" brushRef="#br0" timeOffset="190040.21">32343 15346 0,'21'0'0,"-42"0"0,63-21 0,-42 0 16,0 42 15,0 0-31,-21 0 15,0 0-15,21 0 0,-22 22 16,22-22-16,0 0 0,0 0 0,0 0 16,-21 1-16,21-1 0,0 0 15,0 0-15,21-21 32,1 0-32,-1 0 0,0 0 15,0 0-15,0-21 16,0 0-16,1 0 0,-1 21 0,-21-22 15,21 1-15,0 0 0,-21 0 16,0 0-16,21 21 16,-21 21-1,0 0 1,-21 0-16,0 0 0,21 1 16,0-1-16,-21 0 15,21 0-15,21-21 31,0 0-31,0 0 0,0 0 16,1 0-16,-1 0 0,0 0 16,0-21-16,0 21 0,0-21 15,1 0-15,-22-22 0,21 1 16,-21 21-16,0 0 0,21-22 16,-21 22-16,0-21 0,0 21 0,0-1 15,0 1-15,-21 21 16,0 0-1,-1 21 1,22 1-16,0-1 16,22-21-1,-1 0-15,0 0 0</inkml:trace>
+  <inkml:trace contextRef="#ctx0" brushRef="#br0" timeOffset="190371.02">32956 15325 0,'22'0'0,"-107"0"0,148 0 0,-20 0 0,-22 0 16,0 0-16,0 0 0,-21-21 15,-21 21 1,0 0-16,0 0 16,0 0-16,-1 0 0,1 0 15,0 21-15,0-21 0,21 21 0,0 0 16,0 0-16,0 0 16,0 1-16,0-1 0,0 0 15,21 0-15,0 0 16,0 0-1,-21 1-15,0-1 0,0 0 16,0 0 0,-21 0-16,0-21 0,0 0 15,-21 21-15,20-21 0,1 0 16,0 0-16,0 0 0,0 0 0,0 0 16,-1 0-16,22-21 31,0 0-31,0 0 15,22 21-15,20-21 0</inkml:trace>
+  <inkml:trace contextRef="#ctx0" brushRef="#br0" timeOffset="190996.66">33083 15452 0,'-148'63'0,"296"-126"0,-126 63 0,-22-21 16,21 21-16,0 0 0,-21-22 0,21 22 15,0-21-15,0 0 16,1 0-16,-1 21 0,0-21 15,-21 0-15,21-1 0,-21 1 16,-21 21 15,0 0-31,0 21 0,-1 1 16,1-1-16,0 21 0,21-21 0,-42 43 16,42-22-1,0-21-15,0 0 0,0 1 0,0-1 16,0 0-16,0 0 15,0 0 1,21-21-16,0 0 16,0 0-16,0 0 0,1 0 0,-1 0 15,0 0-15,0 0 0,0 0 0,-21-21 16,21 21-16,1-21 16,-1 0-16,-21 0 0,0-1 15,21 1-15,-21 0 16,0 0-16,0 0 0,0 0 15,21 21 17,0 0-17,0 21-15,1 0 16,-22 0-16,21 0 0,-21 0 16,21 1-16,-21-1 0,0 0 15,0 0-15,0 0 16,0 0-1,0-42 32,0 0-47,21 0 16,0 21-16,-21-21 0,21 0 16,-21-1-16,0 1 0,22 0 15,-22 0-15,21 0 0,-21 0 0,0-1 16,0 1-16,0 0 15,0 0-15,0 0 16</inkml:trace>
+  <inkml:trace contextRef="#ctx0" brushRef="#br0" timeOffset="191280.5">33655 14584 0,'-21'0'0,"42"0"0,-63-21 0,20 21 0,22-21 16,-21 21-16,0 0 15,0 0-15,21 21 0,0 0 16,-21 0-16,21 0 0,-21 0 16,21 22-16,-22-22 0,22 0 15,0 0-15,0 0 0,0 1 0,0-1 16,0 0-16,0 0 15,0 0-15,22-21 16,-1 0 0,0 0-16,0-21 15</inkml:trace>
+  <inkml:trace contextRef="#ctx0" brushRef="#br0" timeOffset="191448.4">33803 14626 0,'0'0'16,"0"21"-1,0 1 1,-21-1-16,21 0 0,-21 0 16,21 0-16,0 0 0,0 1 15,0-1-15,-21 0 0,21 0 0,0 0 16,0 0-16,-22 1 0,22-1 16,0 0-16</inkml:trace>
+  <inkml:trace contextRef="#ctx0" brushRef="#br0" timeOffset="-200924.05">3387 9102 0,'0'0'16,"-22"0"-16,44 0 31,-1 21-31,-21 0 16</inkml:trace>
+  <inkml:trace contextRef="#ctx0" brushRef="#br0" timeOffset="-198768.39">1376 8869 0,'21'0'31,"0"0"-15,0 0-1,-21-21-15,21 21 16,-21-21-16,22-1 16,-1 1-16,-21 0 0,21 21 0,-21-21 15,0 0-15,0 0 0,0-1 16,0 1-16,0 0 0,0 0 16,0 0-16,-21 0 15,0 21 1,-1 0-16,1 0 0,0 0 0,0 0 15,0 21-15,0 0 16,-1-21-16,-20 21 0,21 0 0,0 0 16,0 22-16,-1-22 0,1 21 15,0 1-15,0-22 0,0 21 16,0 0-16,-1-20 0,22 20 0,0 0 16,0-21-16,0 1 0,0-1 15,0 0-15,0 0 0,0 0 0,22-21 16,-1 21-16,0-21 15,0 0-15,0 0 0,0 0 16,1 0-16,-1 0 0,21-21 0,-21 21 16,0-21-16,1 0 0,-1 0 15,0 0-15,0-1 0,0 1 16,0-21-16,1 21 0,-1-22 16,-21 22-16,0-21 0,21 21 0,-21-22 15,21 22-15,-21 0 0,21 0 16,-21 0-16,0 0 15,0 42 17,0 0-32,0 0 0,0 0 15,0 0-15,0 1 0,0-1 16,-21 0-16,21 21 0,0-21 16,0 1-16,0-1 0,0 0 15,0 0-15,0 0 0,0 0 16,21-21-16,0 22 0,1-22 15,-1 0-15,0 0 0,0 0 16,0 0-16,0 0 0,1-22 0,20 1 16,-21 0-16,0 0 0,0 0 15,1 0-15,-1-22 0,-21 22 0,21-21 16,0 21-16,-21-22 16,21 1-16,-21 0 0,0-1 0,0 1 0,0 0 15,0-1-15,0-20 0,0 20 16,0 1-16,0 0 0,0-1 15,-21 1-15,21 0 0,-21 21 16,0-1-16,0-20 0,-1 21 0,-20 0 16,21 21-16,-21 0 0,-1 0 15,1 0-15,0 0 0,-1 0 16,1 0-16,-22 21 0,22 0 0,-64 43 16,43-43-16,20 21 15,-20 0-15,21 1 0,-22-1 16,22 0-16,-1 1 0,1-1 0,0 0 15,-1 22-15,1-22 0,21 22 16,-21-22-16,20 22 0,-20-1 16,21-21-16,0 22 0,0-22 15,-1 22-15,22-22 0,0 0 0,0 22 16,0-43-16,0 21 0,22 1 16,-1-1-16,0-21 0,0 0 15,21 1-15,1-1 0,41 21 16,-41-42-16,-1 0 0,0 21 15,22-21-15,-22 0 0,22 0 0,-1 0 16,1 0-16,-1-21 0,1 21 16,-22-21-16,22 21 0,-22-21 15,0 0-15,1 21 0,-22-22 0,0 22 16,0-21-16,0 21 0,0-21 16,1 21-16,-22-21 0,0 0 15,21 0-15,-21-1 0,21 1 16,0 0-16,-21 0 0</inkml:trace>
+  <inkml:trace contextRef="#ctx0" brushRef="#br0" timeOffset="-198379.61">2625 8255 0,'-22'-21'0,"44"42"0,-65-42 16,22 0-16,0 21 0,0 0 16,0-21-16,-1 21 0,1 0 0,0 0 15,0 0-15,0 21 0,0 0 16,21 0-16,-22 21 0,22 1 16,0-22-16,0 21 0,0 1 15,0-1-15,0 21 0,0-20 0,0 20 16,0-20-16,0 20 0,0-21 15,0 22-15,0-22 0,0 1 0,-21-1 16,21 0-16,0 1 0,0-22 16,-21 21-16,21-21 0,-21 0 0,21 1 15,-21-1-15,21 0 16,0-42 15,0 0-31,0-1 0,0 1 16,0 0-16,0-21 0,0 21 15,0-22-15</inkml:trace>
+  <inkml:trace contextRef="#ctx0" brushRef="#br0" timeOffset="-198004.83">2371 8234 0,'0'0'0,"0"-64"16,0 43-1,0 0-15,0 0 0,0 0 16,21 0-16,0-1 0,0 1 0,21 0 16,1 0-16,-1 0 0,0 0 15,1 21-15,-1 0 0,22 0 16,-22 0-16,0 0 0,1 0 0,-1 21 16,-21 21-16,0-21 0,0 22 0,-21-1 15,0 0-15,0 1 16,0-1-16,-21 0 0,0 1 0,-21-1 0,21 0 15,-22-21-15,1 22 16,0-22-16,-1 21 0,1-21 0,0 1 16,-1-1-16,22 0 0,0 0 15,0 0-15,0-21 0,-1 21 0,1 1 16,21-1 0,0 0-16,21-21 31,1 0-31,-1 0 15,0 0-15</inkml:trace>
+  <inkml:trace contextRef="#ctx0" brushRef="#br0" timeOffset="-194804.19">3111 9017 0,'22'0'16,"-1"0"-16,-21-21 16,21 0-16,-21 0 0,21-1 15,-21 1-15,21-21 0,-21 21 0,0-22 16,0 1-16,0 21 0,0-21 16,0 20-16,-21 1 0,0 0 15,0 0-15,0 21 0,-1 0 16,-20 0-16,21 0 0,0 21 15,0 0-15,-22 0 0,22 1 0,0 20 16,0 0-16,-22 1 0,22-1 16,0 0-16,0 1 0,0-1 0,0 0 15,-1 1-15,22-22 0,0 21 16,0-21-16,0 0 0,0 1 0,0-1 16,0 0-16,22-21 0,-1 0 15,21 0-15,-21 0 0,0 0 0,1 0 16,20 0-16,-21-21 15,21 0-15,-20-1 0,-1 1 0,21 0 16,-21-21-16,0 21 0,-21-22 16,22 22-16,-1-21 0,-21-1 0,0-41 15,0 63-15,21-22 16,-21 22-16,0 0 0,0 0 0,0 0 16,0 42 15,0 0-31,0 21 15,0-21-15,0 1 0,-21 20 0,21-21 16,0 21-16,0-20 0,0 20 16,0-21-16,0 0 0,0 22 15,0-22-15,0 0 0,0 0 0,0 0 16,21-21 0,0 0-16,0 0 0,0 0 15,22 0-15,-22 0 0,0-21 16,21 0-16,1 0 0,-22 0 0,21-22 15,-21 22-15,22-21 0,-1-1 16,-21 22-16,0-21 0,1 0 0,-1 20 16,-21 1-16,0 0 0,0 0 15,-21 21 1,-1 0-16,1 0 0,0 0 16,0 0-16,0 21 0,0 0 15,21 0-15,0 1 0,-22-1 0,22 0 16,0 0-16,0 0 0,0 0 15,0 22-15,0-22 0,22 0 0,-22 0 16,0 0-16,21 1 0,0-1 16,-21 0-16,21 0 0,-21 0 0,21 0 15,-21 1-15,21-22 16,-21 21-16,22-21 0,-1 0 0,0 0 16,0 0-16,0 0 0,0 0 15,1 0-15,20 0 0,-21 0 16,0 0-16,22 0 0,-22-21 0,21-1 0,-21 1 15,0 21-15,1-21 0,20-21 16,-21 21-16,-21-1 0,21 1 16,-21 0-16,21-21 0,-21 21 0,0-1 15,0-20-15,0 21 0,0 0 16,0 0-16,-21-1 0,0 1 16,0 21-16,0 0 0,0 0 15,-1 0-15,1 0 0,-21 0 0,21 21 16,0 1-16,-1-1 0,1 0 15,-21 42-15,21-41 0,0 20 16,-1-21-16,22 21 0,-21-20 16,21-1-16,0 21 0,0-21 0,0 0 15,0 1-15,0-1 0,21 0 16,1-21-16,-1 0 16,0 0-16,0 0 0,0 0 15,0 0-15,1 0 0,-1-21 0,0 0 16,0-1-16,21-20 15,-20 21-15,-1-21 0,-21 20 16,0-20-16,21 21 0,-21 0 0,21-22 16,-21 22-16,0 0 0,0 0 15,0 42 17,-21 0-17,21 0-15,0 22 0,-21-22 16,21 0-16,0 0 0,0 0 0,0 1 15,0 20-15,0-21 0,0 0 16,21 0-16,0-21 0,0 22 16,0-22-16,1 0 0,-1 0 15,0 0-15,21 0 0,-21-22 16,1 1-16,20 0 0,-21 0 16,21 0-16,-20 0 0,-1-22 0,0 22 15,0-21-15,0 21 0,0-43 16,-21 43-16,0-21 0,0 20 15,0 1-15,-21 21 32,21 21-32,-21-21 0,21 22 15,0-1-15,-21 21 0,21-21 0,0 0 16,-21 1-16,21-1 0,0 0 0,0 21 16,0-21-16,0 1 0,0-1 15,-21 0-15,21 0 0,0 0 16,-22-21-16,22 21 15,0-42 1,0 0 0,0 0-16,0-21 15,0 20-15,0 1 0,0 0 16,0-21-16,0 21 0,22-1 16,-1-20-16,-21 21 0,21 0 0,0 0 15,0-1-15,0 1 0,1 21 0,-1 0 16,0 0-16,42 0 15,-41 0-15,-1 0 0,0 21 0,0-21 16,0 22-16,0-1 0,1 0 16,-22 21-16,21-21 0,-21 1 0,0-1 15,0 0-15,0 21 0,0-21 16,0 1-16,0-1 0,-21 0 0,21 0 16,-22-21-16,1 21 0,21 0 15,-21-21 1,21-21-1,0 0 1,0 0-16,0 0 0,0 0 16,0-1-16,21 1 0,0-21 0,-21 21 15,22-22-15,-1 22 0,0-21 16,0 21-16,0 0 0,0-22 16,1 22-16,-1 21 0,21-21 0,-21 21 15,0 0-15,1 0 0,-1 0 16,0 0-16,0 0 0,0 21 0,-21 0 15,0 0-15,0 1 0,0-1 0,0 0 16,0 21-16,0-21 0,0 1 16,0-1-16,0 0 0,0 0 0,0 0 15,0 0-15,0 1 0,0-1 16,0 0-16,0 0 0,0 0 16,21-21-16,1 21 0,-1-21 15,21 0-15,-21 0 16,0 0-16,22 0 0,-22 0 0,21 0 15,1-21-15,-22 0 0,21 0 0,0 21 16,-20-21-16,20-22 16,-21 22-16,0 0 0,0-21 0,1 21 15,-1-22-15,0-20 0,-21 42 16,0-22-16,0 22 0,0 0 16,0 0-16,-21 21 15,0 0 1,-1 21-16,1 0 0,0 0 0,0 22 15,0-22-15,0 0 0,-1 42 16,22-41-16,-21 20 0,21-21 16,0 0-16,0 0 0,0 1 0,0-1 15,0 0-15,0 0 16,21-21-16,1 0 0,-1 0 0,0 0 16,0 0-16,0 0 0,0 0 15,1 0-15,20-21 0,-21 21 0,0-21 16,22 0-16,-22-1 0,0 1 15,21-21-15,-21 0 0,22 20 16,-22-20-16,0-21 0,43-43 0,-43 63 16,0-20-16,0-1 15,0 22-15,0-21 0,-21-1 0,0 22 16,22-1-16,-22-20 0,21 42 0,-21-22 16,0 22-16,0-21 0,0 21 15,0 0-15,0 42 16,-21 0-1,-1 0-15,22 0 0,0 22 0,-21-22 0,0 21 16,21 0-16,-21 22 16,21-22-16,0 1 0,-21-1 0,21 0 15,-21 22-15,21-22 0,0 0 0,0 1 16,0-1-16,0 0 0,0 1 16,0-1-16,0 0 0,0-20 0,0 20 15,0 0-15,0-21 0,0 1 16,21-1-16,0 0 0,0 0 15,0-21-15,0 0 0,1 0 16,-1 0-16,0 0 0,0 0 0,0 0 16,22 0-16,-22 0 15,0-21-15,21 0 0,1-22 16,-1 22-16,-21 0 0,0 0 0,0 0 16,1 0-16,-1-22 0,0 22 15,-21 0-15,21 0 0,-21 0 0,0-1 16,0 1-16,0 0 0,-21 21 15,0 0 1,0 21-16,-1 0 0,1-21 16,21 22-16,-21-1 0,0 0 15,0 0-15,21 0 0,0 0 16,-21 1-16,21-1 0,-22 21 0,22-21 16,0 0-16,0 1 15,0-1-15,0 0 0,0 0 0,0 0 16,22-21-16,-1 0 15,0 21-15,0-21 16,0 0-16,0 0 0,1 0 0,-1 0 16,0 0-16,0 0 0,0-21 0,0 0 15,1 21-15,-1-21 0,0 21 16,21-21-16,1-22 16,-22 22-16,0 0 0,0-21 0,-21 21 15,21-1-15,0-20 0,-21 21 16,0 0-16,0 0 0,0-1 0,0 1 15,-21 21 17,0 21-32,21 1 0,0-1 15,-21-21-15,21 21 16,21 0 0,0-21-16,0 0 15,-21 21-15,22-21 0,-22 21 16,0 1-16,0-1 15,0 0-15,0 0 0,0 0 16,0 0-16,0 1 0,-22-1 16,22 0-1,0 0-15,0 0 0,0 0 16,0 1-16,22-1 16,-1-21-16,0 0 15,0 0-15,0 0 0,22 0 16,-22 0-16,0 0 0,21 0 0,-21 0 15,1-21-15,-1 21 0,0-22 16,0 1-16,0 21 0,0-21 0,-21 0 16,22 0-16,-22 0 15,0-1-15,0 1 16,0 0-16,0 0 0,-22 0 16,1 0-16</inkml:trace>
+  <inkml:trace contextRef="#ctx0" brushRef="#br0" timeOffset="-194454.39">6181 8530 0,'0'0'0,"-43"0"0,22 0 15,0 0-15,-21 0 0,20 0 16,44 0 15,-1 0-31,0 0 0,21 0 16,1 0-16,-1-21 0,0 21 0,1-21 15,20 21-15,-21 0 0,1-21 16,-1 21-16,0-21 0,1 21 0,-1 0 16,-21 0-16,0-22 0,1 22 0,-1 0 15,0 0-15,-42 0 47,0 0-31,-1 0-16,1 22 0,0-22 15,-21 21-15,21-21 0,-22 21 0</inkml:trace>
+  <inkml:trace contextRef="#ctx0" brushRef="#br0" timeOffset="-193790.75">2476 9779 0,'0'0'0,"-21"0"0,0 0 15,0 0-15,21 21 0,0 0 32,21-21-1,0 0-31,0 0 0,22 0 0,-22 0 16,21 0-16,22 0 0,-1 0 15,1 0-15,-1 0 0,43 0 0,-21 0 16,42 0-16,0 0 0,0 0 15,21 0-15,0 0 0,0 0 0,0 0 16,1 0-16,-1-21 0,-21 21 0,21-21 16,-21 21-16,0 0 15,-21 0-15,0-21 0,-1 21 16,-20-21-16,21 21 0,-21 0 0,-1-21 0,-20-1 16,20 22-16,-20 0 0,-1 0 15,-20-21-15,20 21 0,-20 0 0,-22 0 16,21 0-16,-21 0 0,0 0 0,-21-21 15,-21 21 17,0 0-32,0 0 15,0 0-15,-22 0 0,1 0 16,0 0-16,-1 0 0,1 0 0,-64 21 16,43-21-16,-1 21 15,1-21-15</inkml:trace>
+  <inkml:trace contextRef="#ctx0" brushRef="#br0" timeOffset="-193246.4">2794 9906 0,'0'0'0,"-42"0"0,-1 0 15,1 0-15,0 21 0,-1-21 16,22 0-16,0 0 0,21 21 16,21-21 15,0 22-31,22-22 0,-1 0 0,0 0 16,1 0-16,20 0 0,22 0 15,-22 0-15,22 0 0,0 0 0,20 0 16,1 0-16,21 0 0,-21 0 0,0 0 15,21 0-15,0 0 0,-21 0 16,21 0-16,0 0 0,-21-22 0,21 1 16,-22 21-16,22 0 0,-21-21 15,0 21-15,-21 0 0,21-21 16,-22 21-16,1 0 0,0 0 0,-1-21 16,1 21-16,-22 0 0,1 0 0,-1 0 15,1-21-15,-22 21 0,1 0 16,-1 0-16,-21 0 0,0 0 0,0 0 15,1 0-15,-1 0 0,0 0 16,0 0 0,0 0 31,-42 0-1,21-22-46,-21 1 0,0 21 16</inkml:trace>
 </inkml:ink>
 </file>
 
@@ -1009,7 +1628,7 @@
           <inkml:channelProperty channel="T" name="resolution" value="1" units="1/dev"/>
         </inkml:channelProperties>
       </inkml:inkSource>
-      <inkml:timestamp xml:id="ts0" timeString="2021-02-02T14:06:51.683"/>
+      <inkml:timestamp xml:id="ts0" timeString="2021-02-03T14:10:06.263"/>
     </inkml:context>
     <inkml:brush xml:id="br0">
       <inkml:brushProperty name="width" value="0.05292" units="cm"/>
@@ -1017,59 +1636,42 @@
       <inkml:brushProperty name="color" value="#FF0000"/>
     </inkml:brush>
   </inkml:definitions>
-  <inkml:trace contextRef="#ctx0" brushRef="#br0">2646 2244 0,'0'21'31,"21"-42"48,-21 0-64,0-1-15,0 1 16,0 0-1,-21 0-15,-22 21 16,22 0-16,0 0 16,-42 0-1,20 63 1,1 86 15,42-107-15,21 0-1,0-42 1,64-21 0,-22-21-1,1-22 1,-64 22 0,21 21-16,-21-43 15,0 43 1,0 42 15,0 0-31,0 1 0,0-1 16,0 42-16,0-20 15,21-1 1,0-21-16,1 0 16,-1-21-16,42 0 31,-20-21-31,20-21 15,-63 21-15,21-1 16,-21 1-16,21 0 0,-21-21 16,-21-106-1,-63 21 1,-22 42 0,0 43-16,64 20 15,-1 22-15,-105 0 16,85 22-16,-22 41 15,0 64 1,64-63-16,21 41 16,0-41-16,0-1 0,21 107 15,0-128-15,43 22 16,42 20 0,21-63-1,-85-21-15,0 0 0,107 0 31,-65-42-31,1-43 16,-22 22 0</inkml:trace>
-  <inkml:trace contextRef="#ctx0" brushRef="#br0" timeOffset="651.62">3387 1990 0,'0'0'0,"0"-21"0,0-1 15,-22 1 1,1 42 0,0 1-16,21-1 0,-21 42 15,21-42-15,-21 128 32,21-65-17,0 1 1,0-64-1,21-63 17,-21-22-17,0-63 1,0 21 0,0 1-1,21 83 1,0 22-16,0 0 15,1 0-15,-1 22 16,-21-1-16,0 85 16,0-85-1,-64 63 1,43-62 0,0-22-16,21 21 31,21-21-31,43 0 15,-43 0-15,42 0 16,-42 0 0,43 63-1,-64-20 1,0-1 0,0-21-16,-85 21 15,-42 22 16,106-64-15,0 0-16,21-21 31,0 0-15,21-1-16</inkml:trace>
-  <inkml:trace contextRef="#ctx0" brushRef="#br0" timeOffset="1304.76">3810 2096 0,'0'21'31,"0"0"-15,-21 21-16,21-21 0,0 1 15,-21-1-15,21 42 16,0 1-16,0-22 15,0-21-15,0 0 0,-22 22 16,22-22 0,0-42 31,0 0-47,0-1 0,0-20 15,0-64 1,0 85-16,22-64 15,-22 22-15,42 42 32,0 63-17,-21 0 1,-21 43-16,0-43 16,22 22-1,-22-43 1,0 0-1,21-42 1,-21 0 0,21 0-16,0-22 15,0-41 1,0 41-16,1-20 0,-1 21 0,-21 20 16,21 1-16,21 42 31,-42 43-31,0 63 15,0-64 1,0 107 15,0-149-31,0 0 16,21-21 0</inkml:trace>
-  <inkml:trace contextRef="#ctx0" brushRef="#br0" timeOffset="1902.46">3027 2921 0,'-21'0'0,"42"0"0,-64 0 0,22 21 16,0-21-16,0 0 15,42 0 17,0 0-32,22 0 15,84-42 1,63 21-1,-42 21-15,254-43 32,-275 43-17,-42 0 1,-64 0-16,-42 0 62,21 22-62,-21-22 16,0 0-16,-22 21 16,1-21-1</inkml:trace>
-  <inkml:trace contextRef="#ctx0" brushRef="#br0" timeOffset="2675.73">3048 3112 0,'0'0'0,"-21"21"0,0-21 15,-1 0-15,1 21 32,42 0-1,43-21-31,211 0 31,-190 0-31,42 0 16,127-21-1,-148 21 1,-22 0 0,-63 0 15,-42 0 16,0 0-32,0 0-15,0 0 16,0 0-16,-1 0 0,1 0 16</inkml:trace>
-  <inkml:trace contextRef="#ctx0" brushRef="#br0" timeOffset="3284.38">2984 3471 0,'0'22'0,"0"-44"0,-21 44 16,0-22-16,0 0 15,21 21 1,21-21 15,0 0-31,0 0 16,64 0-16,-43 0 0,22 0 15,275-43 1,-64 1 0,-106 21-1,-84 21-15,105-21 0,-126 21 16,-22 0-16,43 0 15,-43 0 1,-21 0 0,0 0 31,-42 21 62,0 0-109</inkml:trace>
-  <inkml:trace contextRef="#ctx0" brushRef="#br0" timeOffset="4404.55">2455 4763 0,'0'0'0,"21"0"16,-21-22-16,0 1 15,22 0-15,-22 0 16,0-21-16,0 20 16,0 1-16,-22 0 15,1 21 1,-42 0-1,-1 42 1,43-20-16,-21 83 31,42-41-31,0-43 16,42-21 0,-21 0-1,0 0-15,1-21 0,-1 21 16,42-64-1,-20 1-15,-43 42 16,21-22-16,-21 1 16,0 21-16,21 21 15,-21-21 1,0 42 0,0 0-16,0 0 15,0 0-15,0 1 0,0-1 16,0 0-16,0 0 0,0 43 15,21-22 1,21-42 0,-20 0-16,41-21 15,-21 0 1,-20-1-16,41-105 31,-42 64-31,-42-85 16,-85 63-1,-148 64 17,64 106-17,105-1 1,22 43-16,63-63 16,-22-22-16,22 85 15,0-85-15,43 43 16,41-21-1,22-43 1,-85-21-16,22 0 0,126-64 16,-84 1-1,-43 20-15,0 22 16</inkml:trace>
-  <inkml:trace contextRef="#ctx0" brushRef="#br0" timeOffset="4872.28">3281 4360 0,'0'0'0,"-21"0"16,21 22-1,-22 20-15,-20 43 32,21-1-32,21-63 15,-21 22-15,21-1 16,-21 0-1,21-20 1,0-44 0,0-41 15,21 42-31,-21-64 16,21 0-16,0 22 15,-21 42-15,42 21 31,-20 42-15,-1 43 0,0-1-1,-21-20 1,0 21 0,0-64-1,-21-42 16</inkml:trace>
-  <inkml:trace contextRef="#ctx0" brushRef="#br0" timeOffset="5012.74">3111 4699 0,'22'-21'31,"41"0"-16,22 0 1,42-43 0,-64 43-1</inkml:trace>
-  <inkml:trace contextRef="#ctx0" brushRef="#br0" timeOffset="5602.2">3641 4445 0,'21'0'0,"-42"0"31,-1 64-15,22-22 0,0-21-16,-21 0 0,21 64 31,0-43-15,0-21-1,-21-42 16,21 0-15,-21-64 0,21 43-16,0-43 15,0 43 1,21 42 0,0 0-16,0 0 15,1 21-15,-22 0 16,42 43-1,-42-43-15,21 0 0,0 22 16,-21-22 0,21-21 15,1-21-31,-1-43 31,21-21-15,22 1-1,-22 41-15,0 43 16,-21 22 0,1 83-1,-22-83-15,0 62 16,0 1 0,0-22-1,0 22 16</inkml:trace>
-  <inkml:trace contextRef="#ctx0" brushRef="#br0" timeOffset="6016.63">3196 5228 0,'-42'21'0,"-22"1"0,170-65 0,-254 86 0,106-22 16,-1-21-16,22 0 0,21 21 15,21-21 1,43 0-16,-1 0 16,318-21-1,-63-43 1,42-20-1,-297 84-15,149-64 32,-191 64-17,0 0 17,-42 0 14,0 21-46,0-21 16,-1 0-16</inkml:trace>
-  <inkml:trace contextRef="#ctx0" brushRef="#br0" timeOffset="7256.97">7726 2519 0,'21'0'16,"-21"-21"-1,0 0 1,42-43-16,-42 43 16,0-43-1,-42 22 1,-106 63 15,127 0-31,-1 43 16,22 21-1,0-22 1,22-21 0,83-63 15,-20-63-16,-21-1 1,-43 21 0,0 22-1,-42 84 17,-43 64-17,64-21 1,-21-22-16,85-20 31,-43-43-31,106-21 16,-64-22-1,22-84 1,-85-148 15,-85 169-15,-42 43-1,-106 63 1,-42 211 15,191-41-15,84-107-16,0 85 16,42-21-1,191-21 16,-170-106-31,85-21 16,1-42 0,-107 41-16,0 1 0</inkml:trace>
-  <inkml:trace contextRef="#ctx0" brushRef="#br0" timeOffset="7880.92">8340 2117 0,'0'42'0,"0"-84"16,0 21-1,0 42 1,-22 63-16,1 149 31,21-106-15,0-42 0,0-64-1,-21-42 16,21 0-31,0-85 16,0-63 0,0 84-1,64-84 17,-1 169-17,-63 63 1,0 1-1,-63 105 17,-1-127-17,85-63 17,0 0-32,22-21 15,105 20 16,-106 44-15,-42 62 0,-21-20-1,-106 42 17,42-43-17,64-63-15,42-21 47,-21 0-47,22 21 0</inkml:trace>
-  <inkml:trace contextRef="#ctx0" brushRef="#br0" timeOffset="8518.78">8721 2223 0,'21'-22'16,"-42"44"-16,42-1 31,-21 0-31,-21 106 16,-1 42 15,1-105-15,0-64 15,21-21-16,0-64 1,0 64-16,0-85 16,42-42-1,1 84 1,41 128 31,-62 20-32,-22 22 1,0-63 0,21 20-16,21-105 47,43-85-32,-1 0 1,1-21-1,-21 105 1,-64 64-16,21 64 31,-21-64-31,0 106 16,-21 0 0,21-21-16,-22 0 15,1-64 1,21-21-1,-63-42 17</inkml:trace>
-  <inkml:trace contextRef="#ctx0" brushRef="#br0" timeOffset="8911.62">8043 2815 0,'0'0'0,"-127"21"0,43 1 15,62-22-15,1 21 16,64-21 0,62 0-1,-41 0-15,359-21 31,-253-1-15,-86 22-16,213-42 16,-170 42-1,-64 0 17,-84 0 14,0 0-30,0 0 0,-1 0-16,-41 21 15,-43 0 1,85-21-16</inkml:trace>
-  <inkml:trace contextRef="#ctx0" brushRef="#br0" timeOffset="9322.68">7937 3090 0,'-63'22'0,"126"-44"0,-274 65 15,168-43 1,22 0-16,0 21 16,21 0-1,148-21 16,-84 0-31,190 0 16,-21-21 0,42 0-1,-64 21 1,-20-21 0,-106 21 15,-85 21 31,-22-21-46,-41 0 0,42 0-16,-64 0 15,64 21 1</inkml:trace>
-  <inkml:trace contextRef="#ctx0" brushRef="#br0" timeOffset="9971.9">7726 3408 0,'-43'21'0,"86"-42"0,-107 42 0,22-21 15,-43 21 1,43 0-1,42 1-15,0-1 16,63 0 0,-20-21-16,-1 0 15,593-21 17,-190-22-17,-64 22 1,-149 0-1,-105 21 32,-105 0-31,-1 0 62,-21 21 0,21-21 32,0 0-79,-21-21-16</inkml:trace>
-  <inkml:trace contextRef="#ctx0" brushRef="#br0" timeOffset="11032.16">7408 4784 0,'0'-21'15,"0"-1"-15,0 1 16,0 0-16,0-21 16,0-43 15,-63 64-31,-22 21 15,43 0 1,21 21 0,-22 64-1,43-43 1,0 22 0,21-43-1,106-42 1,-63-22-1,21-20 1,-43-1 0,-42 1 15,0 84-15,0 64-1,-21-22 1,21-42-16,21 127 15,21-126 1,43-22 0,0-43-1,42-63 1,-127 85 0,21-148-1,-106 42 1,43 106-16,-43-22 15,-21 43 1,64 0-16,-233 127 31,211-63-31,22 105 16,42-42 0,63-21-1,-20-85-15,168 43 31,-126-85-15,127-64 0,-85 0-1,-85 43-15</inkml:trace>
-  <inkml:trace contextRef="#ctx0" brushRef="#br0" timeOffset="11433.09">8234 4487 0,'21'-21'0,"-42"42"0,63-63 0,-42 0 16,0 63 15,0 64-15,-21-1-1,0 22 1,0-85-16,21 0 0,0 85 31,0-85-15,0-42-1,0 0-15,21 0 16,21-170 0,-21 86-1,0-1 1,1 254 31,-1-42-32,-21-64 1,0 0-16,0 22 16,0-22-1,0-21-15,-43-21 32,22 0-17</inkml:trace>
-  <inkml:trace contextRef="#ctx0" brushRef="#br0" timeOffset="12110.15">8149 4784 0,'0'0'0,"-21"-21"32,42-1-32,0 22 0,43-21 31,-43 0-31,42 0 0,-20 21 0,63-42 16,21-1-1,0 1 1,-85 42-1,-42 21 1,-21 191 15,0-149-15,-1 1 0,22-85 15,0-1-16,0 1-15,43-63 16,-22 20 0,0 1-1,0 41-15,22 1 32,-22 64-32,-21-22 15,0 0-15,0 42 16,0 22-1,0 21 17,42-127-17,0-43 1,107-126 15,-22 42-15,-64 126-1,-21 22 1,-42 149 15,0-1-15,-42 0 0,21-106-1,21 43 1,0-127-1</inkml:trace>
-  <inkml:trace contextRef="#ctx0" brushRef="#br0" timeOffset="13260.58">12615 2752 0,'0'0'0,"43"0"16,-22-21-16,0-1 16,0 1-16,43-42 15,-64-22 1,0-21 0,-22 85-16,1 0 15,0 21-15,0 0 0,-85 21 16,64 21-1,21-20-15,-1 62 16,1-20 0,21-43-16,0 0 0,0 43 31,43-64-31,-22 0 16,21-22-1,22-20-15,-22 21 16,-21 0-16,43-64 15,-43 22 1,-21 41-16,0-20 16,0 21-1,0 42 1,0 64 0,0-64-16,0 85 15,0-22 1,42-62-1,-21-22-15,85-22 16,-21-41 0,-64 42-16,85-85 15,-64-21 1,-42 85 0,0-43-16,-85-42 15,-42 0 1,-42 85-1,106 42-15,-43 21 16,63 0-16,-147 191 16,169 42-1,21-85 1,63-42 0,128 0 15,-107-127-31,65 0 15,20-85 1,-63-21 0</inkml:trace>
-  <inkml:trace contextRef="#ctx0" brushRef="#br0" timeOffset="13870.74">13652 2159 0,'0'-21'16,"0"42"-1,0-21 1,0 64 0,0 41-1,-42 22 1,42-63 0,0-22-1,-21-21 1,21-42-1,0 0-15,0 0 16,0-43-16,21-20 16,0 41-16,0 22 15,-21-21-15,22 0 16,20-1 0,0 43-1,-21 21 1,-21 85 15,-84-42-15,-1-22-1,43-42 1,84 0 15,-21 21-31,0-21 0,106 43 16,0-1 15,-105 21-15,-22-41-16,-85 20 15,64-42 1,0 0-16,-64 21 16,64 0-16,-22-21 15,22 0 1,21-42-1,0 21-15,21 21 0,106-127 16</inkml:trace>
-  <inkml:trace contextRef="#ctx0" brushRef="#br0" timeOffset="14463.82">14097 2244 0,'42'0'0,"-84"0"0,105 0 15,-63 42 1,-63 64-1,63-85-15,-21 21 16,-43 85 0,43-63-1,21-43 1,0-42 15,0-21-15,42-43-1,-20 64-15,-22-22 0,42-84 16,0 64 0,-21 21-16,-21 20 0,22 1 0,-1 0 31,0 85-15,0 63-1,-21-64-15,0 64 31,0-85-31,0-20 16,0-44 0,0 1-1,85-85 1,-22-21 0,43 22-1,-64 62-15,-20 22 16,-1 0-16,21 42 15,-42 21 1,0 1-16,0 63 16,0-1-1,0-62-15,0-22 0,0 21 0,-42 43 16,42-22 0,-21-20-1,-1-43 1,1 0-1</inkml:trace>
-  <inkml:trace contextRef="#ctx0" brushRef="#br0" timeOffset="14849.85">12763 2963 0,'0'0'0,"-63"22"0,-1-22 15,-105 42 1,211-42 0,43 0-1,211-21 1,445-43 15,-275 22-15,-233 42-1,-170 0-15,22 0 16,-22 0 0,-105 21 15,21-21-31,0 0 16,0 0-16,-43 21 15,-84 0-15,84-21 16,1 22-16,-1-22 0</inkml:trace>
-  <inkml:trace contextRef="#ctx0" brushRef="#br0" timeOffset="15170.81">12785 3217 0,'-233'64'16,"466"-128"-16,-509 128 15,213-43-15,63 0 31,85-21-31,359 21 32,1-84-17,-22 42 1,-254 0 0,85 21-1,-148 0 1,-85 0 15,-84 21-15,20-21-16,-105 21 15,0-21 1</inkml:trace>
-  <inkml:trace contextRef="#ctx0" brushRef="#br0" timeOffset="15635.21">12700 3535 0,'-64'21'0,"128"-42"0,-191 63 0,42-21 16,276-21 15,-107 0-31,107 0 16,148-21-16,-212 0 15,317-21 1,1-1-1,-340 43 1,-83 0 0,-1-21-16,-21 42 62,0 1-46,-21-22 31,-1 0 62,1 0-93,0 0-16,0 0 15</inkml:trace>
-  <inkml:trace contextRef="#ctx0" brushRef="#br0" timeOffset="17820.65">12636 5101 0,'43'-42'15,"-22"21"1,-21 0-16,21-43 16,-21-42-1,0 85-15,-21 0 16,0 0-16,21 0 0,-85-43 16,64 64-1,0 0-15,-43 42 16,22 64-1,21-85-15,21 22 16,0 41 0,0-62-16,0 41 15,21-42 1,64-21 0,42-84-1,-64 20 1,-42-21-1,0 1 1,-21 63 0,0 42-1,0 0 1,-21 85 0,0-43-1,21-42-15,0 1 0,0 62 31,64-84-15,-1 0 0,1-63-1,-43 42-15,63-128 16,-84 44 0,-21 83-16,-42-83 15,-22 41 1,-211-21 15,211 85-31,43 22 16,21 20-16,-43 21 15,43-20-15,21-1 0,-21 64 16,21-64-16,0 22 0,42 84 16,22-63-1,20-22 1,1-63-1,-64 0-15,21 0 0,22 0 0,105-63 32,-126 41-32,62-20 0,1-21 15,-63 20-15,-1 22 16,64-106-16,-22 0 31,-84 106-31,0 42 31,-21 0-15,0 0-16,-21 85 16,21-42-1,-1-22-15,22-21 0,-21 0 0,0 43 16,0-22 0,21-63 15,21 0-31,0 0 15,0-22 1,1 1-16,20-64 0,0-84 31,-21 147-15,1 86 0,-22 20-1,21 149 16,-21-106-15,0-85-16,0 0 0,0 64 16,0-64-1,-64-21 1,1-21 0,-22-64-1,43 43 1,21 21-16,-1-1 0,1-41 31,21 42-31,43 0 0,41-1 16,22 1-1,-85 21-15,22-21 16,147-21 0,-21 21-1,-126 21 1,-43 169 31,-21-127-47,-1 1 15,1 20 1,0-42-16,21-105 47,42-1-32,-42 43-15,43-85 16,-1 84 0,0 64 15,-42 43-15,0 42-1,0-22 1,0-62-16,0 20 15,22-42 17,-22-21-17,21 0-15,63-106 16,1 0 0,-43 105-16,-20-20 15,20 21-15,-21 0 0,64 0 16,-64 21-16,0 105 31,-21-41-31,0 105 16,-21-126-16,21 20 15,-21-42-15,21 0 16,-21 1-16,21-1 16,0-64-1</inkml:trace>
-  <inkml:trace contextRef="#ctx0" brushRef="#br0" timeOffset="18734.14">17441 2667 0,'0'-21'15,"0"0"-15,0 0 16,0-1-16,0-20 16,0 21-16,0 0 0,0 0 15,0-1-15,0 1 0,-21 0 16,-42 0-1,20 21-15,-20 106 16,42-43 0,21-20-16,0-22 15,0 85 1,42-85 0,43-21-1,-22-43-15,-21 22 16,-20 0-16,20-64 15,-21 64-15,0-42 16,-21 42 0,0 42-1,-21 0 1,0 42-16,21 22 16,21 0-1,21-22 1,-20-63-16,-1 0 0,63 21 31,22-42-31,42-63 16,-105 62-1,-22-41-15,-21 21 0,0 20 16,-85-210 0,-21 126-1,85 85-15,-106-22 16,-21 86-1,-64 232 17,170-106-17,42-105-15,0-22 0,0 43 16,21-64-16,85 63 16,-85-84-16,233 0 31,-42-84-16,-106 20-15</inkml:trace>
-  <inkml:trace contextRef="#ctx0" brushRef="#br0" timeOffset="19287.05">18478 2307 0,'22'-84'0,"-44"168"0,44-190 0,-22 85 0,0 0 16,-43 63-1,22-20-15,0-1 16,21 21-16,-64 85 15,43 21 1,0-105-16,0 62 16,21-83-16,0 20 15,0-63 17,21 0-32,-21-1 15,21-41-15,-21 21 0,21-43 16,1-21-1,20-42 1,-21 106 0,43 20-1,-43 65-15,-21 105 32,-64-63-17,-63-22 1,85-42-1,0-21 17,63 0-32,42 0 15,85-21-15,22 42 16,-107 22 0,-42 105 15,-84-106-16,-85 43 1,42-64 0,85-63 15,42-1-31</inkml:trace>
-  <inkml:trace contextRef="#ctx0" brushRef="#br0" timeOffset="19909.04">19156 2328 0,'0'22'0,"0"-1"0,0-64 0,0 128 15,-85 63 1,43-84 0,21-1-1,21-42-15,-22 1 0,22-1 16,0 0-16,-21-21 15,21-21 17,0 0-32,0-1 0,21-41 15,1 21-15,-1-1 16,42-105 0,-42 85-16,43-1 15,-43 64 1,-21 21-1,0 0-15,0 106 16,0-21 0,-21-42-1,0-22-15,-22 22 0,43-43 16,0 0-16,0 0 0,-21 21 31,21-63-15,43-42-1,-1-22 1,0 43-16,22-85 16,-1 63-16,22 1 31,-64 63-31,0 127 31,-21-21-31,0-64 16,0 21-16,-21 1 15,-21 21 1,21-22 0,-1-42-1,1-21-15,-63 0 16</inkml:trace>
-  <inkml:trace contextRef="#ctx0" brushRef="#br0" timeOffset="20230.86">17695 3239 0,'0'0'0,"-42"21"0,21-21 16,0 0-16,-1 0 16,86 0-1,105 0 1,64-21-16,-127-1 15,0 22-15,317-42 16,-338 42-16,126-21 16,-105 0-1,-63 21 1,-65 0 0,-41 0-1,-106 0 1,-43 21-1,127 0-15</inkml:trace>
-  <inkml:trace contextRef="#ctx0" brushRef="#br0" timeOffset="20467.87">17653 3366 0,'-148'21'0,"84"0"16,-42 21 0,128-42-1,210 0 1,1 0-1,127 0 1,-85-21 0,-63 0-16,-43 0 31,-148 21-15,-63 0-1,-85 0-15,64 0 16</inkml:trace>
-  <inkml:trace contextRef="#ctx0" brushRef="#br0" timeOffset="20715.89">17335 3683 0,'-105'42'0,"210"-84"0,-253 106 16,191-64-1,126 0 1,85 0-16,-148-22 0,0 22 15,338-42 1,-148 21 0,-84 0-1,-170 21-15,22 0 0,-43-21 16,21 21-16,-20 0 0,20 0 16,-63 0 15,0 0-31,-22 0 15</inkml:trace>
-  <inkml:trace contextRef="#ctx0" brushRef="#br0" timeOffset="22285.38">17653 4995 0,'0'-21'0,"0"0"16,0 0-1,0 0-15,0 0 16,0-1-16,0 1 0,0 0 16,21-21-16,-21 21 15,0-43 1,-42 43-1,-1 42 1,-41 85 0,63-43-1,-1-20-15,1-22 0,0 85 32,21-85-32,85-21 15,-22-42 1,1-43-1,-1-42 17,-63 85-17,0 63 1,-21 21-16,-42 106 31,41-105-15,22 20-1,0-42-15,22-21 16,-1 0-16,63 0 16,1-42-1,0-22 1,-85 22-16,21-64 16,-21-21-1,-64 21 1,-63 43-1,22 63 1,20 42-16,-63 170 31,148-85-15,0-64-16,21-20 16,64 41-16,-64-62 15,21-1-15,85 0 16,0-21-1,-85 0-15,128-42 16,-22-22 0,-106 22-16,170-191 31,-191 127-15,-21 85-16,-21 42 31,-106 191-16,106-85 1,0-106-16,-1 64 16,22-64-16,0 21 15,0-21-15,0-42 32,0-21-17,22 21-15,-1-1 16,0-20-16,0-21 15,0 20-15,0 1 0,64-106 16,-64 84 0,0 107-1,-21-1 1,0 43 0,0-43-16,0 64 15,0-85-15,0 21 16,0 1-1,0-22 1,-21-21 0,-21-21-1,21 21-15,-43-43 16</inkml:trace>
-  <inkml:trace contextRef="#ctx0" brushRef="#br0" timeOffset="22997.96">18224 5017 0,'0'21'0,"0"-42"0,0-1 16,22 1-1,62-21 1,-41 21-16,20 0 16,170-85 15,-127 85-15,-64 21-16,-21 21 15,-21 63 1,-21 1-1,-21 0 1,42-64-16,0 0 16,0 0-16,-21-21 0,21 21 31,0-42-15,0-21-1,21-43 1,63-126 15,-41 147-15,-22 64-16,0 21 15,-21 85 17,0-21-32,-21 21 15,0-85-15,21 0 16,0 42 15,0-84-15,0-21-1,0 21-15,0 0 0,0-1 16,0 1-16,63-106 16,22 0-1,63 21 1,-84 85-16,-43 21 15,0 0-15,-21 148 16,0-63 0,-85 106-1,43-128 1,21-21-16,0-20 0,-85 83 31,85-83-31,-1-22 16,1 0-16,0-22 31,21 1-31,-42 0 0</inkml:trace>
-  <inkml:trace contextRef="#ctx0" brushRef="#br0" timeOffset="24949.89">4466 2328 0,'0'-21'62,"21"0"-46,0 21-16,1-21 0,83-43 16,-41 43-16,42-21 15,84-43 1,-42 22 0,-84 42-16,84-1 15</inkml:trace>
-  <inkml:trace contextRef="#ctx0" brushRef="#br0" timeOffset="25284.69">4635 2815 0,'22'0'46,"-1"0"-46,0-21 0,0 0 16,85-21 0,21-22-1,-21 1 1,-64 41-16</inkml:trace>
-  <inkml:trace contextRef="#ctx0" brushRef="#br0" timeOffset="25680.47">4614 3175 0,'21'0'15,"-21"-21"-15,22 0 16,-1 21-16,21-21 16,-21-1-16,0 1 0,64 0 15,-21 0 1,-43 21-16,0 0 16,0 0-1</inkml:trace>
-  <inkml:trace contextRef="#ctx0" brushRef="#br0" timeOffset="26057.26">4720 3620 0,'21'0'31,"-21"-22"-31,21 22 0,1-21 0,20-21 16,-21 42-16,64-85 15,42 1 17,-106 62-32,0 22 15</inkml:trace>
-  <inkml:trace contextRef="#ctx0" brushRef="#br0" timeOffset="26433.39">4466 4382 0,'21'0'0,"0"0"0,1-22 0,-1 22 16,0-21-16,0 21 0,0-21 15,64-21 1,-64 42-16,0 0 0,22-21 16,-43-1-16,21 22 15</inkml:trace>
-  <inkml:trace contextRef="#ctx0" brushRef="#br0" timeOffset="26786.19">4487 5165 0,'21'0'16,"1"0"-16,-1-21 0,21-22 15,0 22-15,-20-21 16,62-1-16,22-41 16,-85 63-16,22-1 15,-22 22-15,21-21 16</inkml:trace>
-  <inkml:trace contextRef="#ctx0" brushRef="#br0" timeOffset="27750.09">3365 9102 0,'0'-21'0,"0"42"0,0-64 0,0 22 16,0 0-16,0 0 15,-63 0 1,42 21-16,-22 0 0,-253 127 31,169-21-15,-21 126-1,127 1 1,42 21 15,106-127-15,-21-106 0,0-21-1,21-63 1,0-85-1,-127 63 1,-64 22 0,43 41-16,-106-41 15,85 63-15,-149 0 16,43 63 0,63 22-1,64-43 1,21-20-16,0-1 0,64 0 15,41-21 1</inkml:trace>
-  <inkml:trace contextRef="#ctx0" brushRef="#br0" timeOffset="28051.93">3937 9208 0,'0'-22'16,"0"44"-16,0-65 16,0 64-1,0 1-15,21-1 16,-21 0-16,21 21 0,64 64 16,0 0-1,42 21 1,0-21-1,-106-85-15,21 0 0,85 64 32,-85-64-32,-42 0 15,0-42 1,-21-43 0</inkml:trace>
-  <inkml:trace contextRef="#ctx0" brushRef="#br0" timeOffset="28318.78">4720 9165 0,'0'-42'0,"-21"42"16,0 0-16,0 0 16,-1 21-16,-83 64 15,-22 42 1,84-64-16,-84 107 15,21-1 1,43-63 0,-1 21-16,43-106 0,21 21 15,0 1-15,21-43 32,22-64-32,-1 43 15,-21-21-15</inkml:trace>
-  <inkml:trace contextRef="#ctx0" brushRef="#br0" timeOffset="29156.38">5736 9229 0,'0'0'0,"0"-21"0,0-1 16,0 1 0,-21 21-16,0 0 15,0 0 1,-1 21-16,1 1 31,0-22-15,21 21-16,0-42 140,21 21-124,0 0 0,1 0-16,-22-22 15,21 22 1,-21-21 0,0 0-1,0 0 16,0 42-15,0 0 0,0 0-16,0 85 15,0 42 1,-21 64 0,-1-85-1,1 0 1,0-42-1,21-64 1,42-85 0,22-41-1,-22 83-15</inkml:trace>
-  <inkml:trace contextRef="#ctx0" brushRef="#br0" timeOffset="29863.73">6371 9165 0,'0'0'0,"0"21"15,-42 43 1,-1-1-16,-62 86 31,83-107-31,-41 85 0,63-85 16,0 1-16,0 41 15,21-41 1,85-43 0,-43 0-1,-20 0-15,63-43 0,-22-41 32,-84 41-32,0-20 15,-84-43 1,-43-21 15,105 63-15,22 22-16,0 21 0,22 0 15,-1 0-15,169-1 32,-63 22-17,-42 43-15,-43-22 16,22 42-16,-43-41 0,0-1 15,0 21-15,-21-21 0,0 85 16,-21-21 0,-21 63-1,42-85 1,0-41-16,127-1 31,-21-21-15,-85-21-16,85-22 15,-1-84 1,-105-42 0,-21 105-1,-21 22-15,21 0 0,-22 21 16,-62-43-16,41 43 16,43 21-16,-21 0 15,20 0-15,-41 0 16,63 21-1,0 0 1,21-21-16</inkml:trace>
-  <inkml:trace contextRef="#ctx0" brushRef="#br0" timeOffset="30598.79">4445 11832 0,'42'-42'0,"-84"84"0,105-126 16,-63 62-16,22-20 0,-22 0 15,0-22 1,-22 64-16,1 0 16,-21 21-16,21 1 0,-127 126 31,42 42-31,0 22 16,85-127-1,0-22-15,-1 64 0,44 191 31,105-234-15,0-84 0,42-42-1,-106 0 1,1-43 0,-149-106-1,1 149 1,-128-43-1,64 85 1,84 0-16,-105 85 31,127-64-31,-22 43 0,64-1 32,21-42-32,0-21 0,1 0 15,83 0 1,44-63-1,-86 42-15</inkml:trace>
-  <inkml:trace contextRef="#ctx0" brushRef="#br0" timeOffset="31384.85">5313 11959 0,'-21'0'15,"-1"21"-15,-62 64 32,63-64-32,-43 106 15,-21 0 1,64 0-16,0 0 16,148-42 15,42-85-16,-20-42 1,-22-1 0,-85 22-16,0-64 31,-63 43-31,-64-64 16,22 22-1,-1-1 16,64 21-31,64-20 16,42 41 0,169 1 15,-190 84-31,20 64 31,-105 21-31,0-84 0,-63 126 31,42-127-31,0 64 16,-1 0 0,22-85-16,22 43 15,147-43 1,-63-64 0,-22-20-1,-41 42-15,41-85 16,-62 64-16,-1-149 31,-64 1-15,-41 84-16,-22 63 15,85 43 1,-106 22 0,42 41-16,85-42 15,-21 43 1,0-1-16,21-42 15,0 1-15,106-1 16,-22-42 0,-41-1-16</inkml:trace>
-  <inkml:trace contextRef="#ctx0" brushRef="#br0" timeOffset="31733.17">6964 12023 0,'-64'0'16,"128"0"-16,-149 0 0,64 0 16,21-21-16,0-1 0,21 1 15,64 0 1,-22 21-1,64-21-15,-84 21 16,20 0-16,22 0 16,-43 0-16,22 0 0,20 0 15,-63 0 1,-21 21 0,-21-21-1,0 0-15,0 21 0,-85 0 16,21-21-1,64 0-15,0 0 16</inkml:trace>
-  <inkml:trace contextRef="#ctx0" brushRef="#br0" timeOffset="31972.03">7154 11980 0,'0'0'0,"0"22"32,0 20-17,0-21-15,-21 64 16,0 126-1,0-84 1,0 0 0,21-42-1,0-43-15,0 43 32,21-106-17,63-43 1,-41 43-16,-1 0 15</inkml:trace>
-  <inkml:trace contextRef="#ctx0" brushRef="#br0" timeOffset="32349.81">8424 12150 0,'0'0'0,"21"-21"0,22-64 16,-43 21-1,-21 1 1,-128-1 15,22 128-31,22 42 16,-1 42 0,-21 85-1,127-149 1,0-20-1,0-43-15,21 0 0,85 22 16,127-43 15,-106-22-31,21 1 16,-127 21-16,21-21 16,1 21-16,-22 0 0,-21-21 15,-21 21 1,-1 0-1,-20 0-15,21 0 0</inkml:trace>
-  <inkml:trace contextRef="#ctx0" brushRef="#br0" timeOffset="32836.05">3133 13356 0,'0'0'0,"21"0"15,0 0 1,21 0-16,85 0 0,148 0 31,-148 0-31,297 0 0,295-21 16,-295 0 0,655-43-1,-423 22 1,-253 21-1,-192 21-15,-41-21 0,189 21 16,573-43 15,-784 43-15,0 0-16,-127 0 16,-42 0-1,-21 0-15,-170 0 16,22 22-16</inkml:trace>
-  <inkml:trace contextRef="#ctx0" brushRef="#br0" timeOffset="33182.85">3746 13589 0,'64'0'0,"-128"0"0,191 0 0,-63 0 16,126 21-16,-105-21 0,42 0 15,466 0 1,-424 0-16,424 0 15,-149-21 1,530 0 0,571-64-1,-804 43 1,-21 0 0,-509 42-1</inkml:trace>
+  <inkml:trace contextRef="#ctx0" brushRef="#br0">2519 2265 0,'0'-21'78,"0"0"-62,0-1-16</inkml:trace>
+  <inkml:trace contextRef="#ctx0" brushRef="#br0" timeOffset="2428.64">2963 423 0,'0'-21'31,"0"42"1,0 1-17,0-1-15,-21 0 0,21 0 16,0 0-16,0 0 0,0 1 16,0-1-16,0 0 0,0 0 15,0 0-15,21-21 16,-21 21-16,21-21 0,1 0 0,-1 0 15,0 0-15,0 0 16,0 0-16,0 0 0,1 0 16,-1-21-16,21 0 0,-21 0 0,0 0 15,22 0-15,-22-22 0,0 22 16,0-21-16,0 21 0,1-22 16,-1 22-16,0-21 0,0 21 15,-21-1-15,0 1 0,0 0 0,0 0 16,0 42 15,-21 0-15,21 0-16,0 1 0,0-1 15,-21 21-15,21-21 0,-21 22 0,21-1 16,-22 0-16,22 1 0,0-1 16,0 21-16,-21-20 0,21-1 15,-21 22-15,21-22 0,0 0 0,0 22 16,0-22-16,0 0 15,0 1-15,0-1 0,0-21 0,0 22 16,0-1-16,0 0 0,0-21 16,0 22-16,0-22 0,0 21 0,0-21 15,0 22-15,0-22 0,0 0 16,0 0-16,-21-21 0,0 21 16,0-21-16,-1 0 0,1 0 15,21-21-15,-21 21 0,0-21 16,0 0-16,21 0 0,-21-22 0,-1 22 15,22 0-15,-21-21 0,0 21 16,21-1-16,-21 1 0,21-21 16,0 21-16,-21 0 0,0-1 15,-1 22 1,22 22 0,0-1-16,0 0 15,0 0-15,0 0 0,0 0 0,0 1 16,0 20-16,0-21 0,0 0 15,0 0-15,22 1 0,-1-1 0,-21 0 16,21 0-16,21 0 0,-21 0 16,1-21-16,20 0 0,-21 0 15,21 0-15,1 0 0,-1 0 0,22 0 16,-22-21-16,0 21 0,1-21 16,-1 0-16,21 0 0,-20 0 15,-1-1-15,0 1 0,-20 0 16,20-21-16,-21 21 0,21-22 0,-20 22 15,-1-21-15,0 21 0,0-22 16,-21 22-16,0-21 0,0 21 0,0-1 16,0 1-16,0 0 0,0 0 15,0 0 1,-21 21 0,0 21-16,21 0 0,-21 0 15,21 0-15,-22 1 0,22 20 16,-21-21-16,0 0 0,21 22 0,0-22 15,0 0-15,-21 21 0,21-21 16,0 1-16,0-1 0,0 0 16,0 0-16,0 0 0,0 0 0,21 1 15,0-1-15,0-21 16,1 0-16,-1 0 0,0 0 16,0 0-16,21 0 0,-20 0 0,-1 0 15,21 0-15,-21-21 0,22-1 0,-1 1 16,-21 0-16,21 0 0,1 0 15,-1 0-15,0-1 0,-20-20 0,20 21 16,-21-21-16,0 20 0,0 1 16,1 0-16,-22 0 0,21 0 15,-21 0-15,-21 21 32,-1 0-32,1 0 0,0 21 0,0 0 15,0 0-15,21 0 16,-21 0-16,21 1 0,0-1 0,0 0 15,0 0-15,0 0 0,0 0 16,0 1-16,21-1 0,0 0 0,0 0 16,0 0-16,0 0 0,-21 1 15,0-1-15,22-21 0,-22 21 0,21-21 16,-21 21-16,-21-21 31,-1 0-31,1 0 0,0 0 16,0 0-16,21-21 0,-21 21 0,0-21 15,-1 21-15,1 0 0,0-21 16,0 21-16,21-22 0,-21 22 16,0 0-16,21 22 15,0-1 1,0 0-16,0 0 16,21-21-16,0 21 0,0-21 15,0 0-15,0 21 0,1-21 16,-1 0-16,0 0 0,21 0 0,-21 0 15,22 0-15,-22 0 0,21 0 16,-21-21-16,22 21 0,-22-21 16,21 0-16,-21 0 0,22 0 15,-22-1-15,0-20 0,21 21 0,-20-21 16,-1-1-16,0-20 0,0 20 16,0-20-16,0 21 0,1-22 0,-22 1 15,0-1-15,21 22 0,-21-1 16,21 1-16,-21 0 0,0 21 0,0-1 15,0 1-15,0 0 0,0 0 16,-21 21 15,0 21-15,21 0-16,0 22 0,0-22 16,-22 21-16,22 0 0,-21 1 15,21 41-15,-21-41 0,21 20 16,-21-20-16,21-1 0,0 0 15,0 1-15,0-22 0,0 21 0,0 0 16,0-20-16,0 20 0,0-21 16,0 0-16,0 0 0,0 1 0,0-1 15,0 0-15,0 0 0,21 0 16,0-21-16,0 0 16,1 0-16,-1 0 15,0 0-15,0 0 0,0 0 0,-21-21 16,21 21-16,1-21 0,-1 0 15,0 21-15,0-21 0,-21-1 16,21 1-16,0 0 0,-21 0 0,22 0 16,-22 0-16,0-1 15</inkml:trace>
+  <inkml:trace contextRef="#ctx0" brushRef="#br0" timeOffset="2708.17">4932 1101 0,'-21'0'15,"-1"0"-15,44 0 32,-1 0-32,0 0 0,0 0 15,0 0-15,0 0 0,1 0 16,20 0-16,-21-21 0,0 21 0,0 0 15,1 0-15,-1-22 0,0 22 16,-21-21 15,21 21-31,-21-21 16,21 21-16,0-21 16</inkml:trace>
+  <inkml:trace contextRef="#ctx0" brushRef="#br0" timeOffset="3148.43">6138 550 0,'0'-21'0,"-21"-21"16,0 42 0,21 21 15,0 0-31,0 0 16,0 1-16,-21 20 0,21-21 15,-21 21-15,21 1 0,0-1 0,-22 22 16,1-22-16,0 21 0,0-20 15,21-1-15,-21 22 0,21-22 0,-21 0 16,-1 1-16,22-1 16,0 0-16,0-21 0,0 22 0,-21-22 15,21 0-15,0 0 0,0 0 0,0 1 16,0-1 0,0-42 15,0-1-31,0 1 0,0 0 15,0 0-15,21-21 0,-21 20 16</inkml:trace>
+  <inkml:trace contextRef="#ctx0" brushRef="#br0" timeOffset="3541.4">6011 550 0,'0'0'0,"0"-21"0,0 0 16,21 21 0,1 21-1,-22 0-15,21 1 16,0-1-16,-21 21 0,21-21 16,0 22-16,0-1 0,-21 0 15,22 1-15,-1-1 0,0 0 0,0 1 16,0-22-16,0 21 0,1 0 15,-1-20-15,0 20 0,0-21 0,0 0 16,-21 22-16,0-22 0,21 0 16,-21 0-16,22 0 0,-22 0 15,0-42 32,21 0-31,0 0-16,-21 0 15,21 0-15,0-1 0,-21-20 0,21 21 16,-21-21-16,22-1 0,-1 22 16</inkml:trace>
+  <inkml:trace contextRef="#ctx0" brushRef="#br0" timeOffset="3906.19">6667 360 0,'0'-21'0,"0"42"47,0 0-47,0 0 0,0 22 15,0-22-15,0 21 0,-21 0 0,0 22 16,21-22-16,-21 22 0,0-22 15,0 22-15,-1-1 0,1-21 0,0 22 16,0-22-16,0 1 0,0-1 16,21 0-16,0 1 0,0-22 0,0 0 15,-22 21-15,22-21 0,0 1 16,0-1-16,0 0 0,0 0 31,22-21-15,-1 0-1,0 0-15,0-21 0,0 0 0,0 0 16,1-1-16,20 1 0</inkml:trace>
+  <inkml:trace contextRef="#ctx0" brushRef="#br0" timeOffset="4932.09">7662 593 0,'0'0'0,"21"-64"16,-21 43-16,0 0 15,0 0-15,0 0 16,0-1-16,0 1 0,-21 21 16,0 0-16,21-21 15,-21 21-15,0 0 0,0 0 0,-1 0 16,1 0-16,0 21 0,-21-21 16,21 21-16,-22 1 0,1 20 0,21-21 15,-22 21-15,22-20 0,-21 20 16,21 0-16,-22 1 0,22-1 0,0 0 15,0 1-15,0-1 0,0 21 16,21-20-16,-22-1 0,22 0 16,0-20-16,0 20 0,0 0 0,0-21 15,0 22-15,22-22 0,-1 0 0,-21 0 16,21 0-16,0 1 0,0-22 16,22 21-16,-22-21 0,0 0 15,0 0-15,0 0 0,22 0 16,-22 0-16,21 0 0,-21 0 0,0 0 15,22-21-15,-22 21 0,0-22 16,21 1-16,-20 0 0,-22 0 0,21 0 16,-21-22-16,21 22 0,-21 0 15,0 0-15,0 0 0,0 0 0,0-1 16,-21 1-16,0 0 0,-1 0 16,1 21-16,0 0 0,0 0 15,0 0-15,0 0 0,-1 0 0,1 0 16,0 0-16,21 21 31,21-21 0,0 0-31,1 0 0,-1 0 16,0-21-16,0 21 16,0 0-16,0-21 0,1 21 15,-22-21-15,21 21 0,-21 21 47,0 0-47,0 0 16,0 0-1,0 0-15,0 1 0,-21-1 0,-1 21 16,22-21-16,-21 0 0,21 22 16,0-22-16,-21 21 0,21-21 0,-21 22 15,21-1-15,0 0 0,0-20 0,0 20 16,0 21-16,0-20 0,0-1 15,0 0-15,0 1 0,21-1 0,-21 0 16,0 1-16,0-1 0,0 0 16,21 1-16,-21-22 0,0 21 0,0-21 15,0 1-15,0-1 0,0 0 16,0 0-16,-21-42 78,21 0-78,0 0 0,-21-1 16,0 22-16,21-21 0,-21 0 15</inkml:trace>
+  <inkml:trace contextRef="#ctx0" brushRef="#br0" timeOffset="5889.6">3789 1799 0,'0'0'0,"-21"0"0,-1 0 0,1 0 15,-21 0-15,21 0 16,0 0-16,-1 0 0,1 0 0,0 0 16,0 0-16,0 0 0,0 21 15,-1-21-15,1 0 0,0 22 16,0-22-16,0 0 0,0 21 16,-1-21-16,1 0 0,0 21 0,0-21 15,0 21-15,0-21 16,-1 0-16,1 0 0,21 21 15,21-21 17,1 0-17,-1 0-15,0 0 0,0 0 0,21 21 16,-20-21-16,20 0 0,0 0 16,1 0-16,20 0 0,-21 0 0,22 0 15,-1 0-15,-20 0 0,20 0 16,22-21-16,-22 21 0,1-21 0,21 21 15,-1-21-15,1 21 0,0 0 16,-1-21-16,1 21 0,21 0 16,-22 0-16,1-21 0,0 21 15,-1-22-15,1 22 0,0 0 0,-1 0 16,1-21-16,0 21 0,-1 0 16,1 0-16,21 0 0,-21-21 0,-1 21 15,1 0-15,0 0 0,-1 0 0,1 0 16,21 0-16,-22 0 0,1 0 15,0 0-15,-1 0 0,1 0 0,0-21 16,-1 21-16,1 0 0,-21 0 16,-1 0-16,1 0 0,-1 0 15,1 0-15,-22 0 0,0 0 0,22-21 16,-22 21-16,0 0 0,-20 0 16,20 0-16,-21 0 0,21 0 15,-20 0-15,-1-21 0,0 21 16,-42 21 93,0-21-93,-1 0-16,1 0 15,0 0-15</inkml:trace>
+  <inkml:trace contextRef="#ctx0" brushRef="#br0" timeOffset="13795.67">593 2201 0,'0'-21'31,"0"0"-15,-22 21 31,1 21-32,0-21-15,21 21 0,-21-21 16,21 22-16,0-1 16,-21-21-16,0 21 0,21 0 0,-22 0 15,22 0-15,0 1 16,-21-1-16,21 0 15,0 0-15,0 0 16,21-21-16,1 0 16,-1 0-16</inkml:trace>
+  <inkml:trace contextRef="#ctx0" brushRef="#br0" timeOffset="14187.46">847 2223 0,'0'-22'31,"21"22"31,-21-21-62,21 0 16,-21 0 0,0 0-1,0 42 32,-21-21-47,21 21 0,-21 0 16,21 0-16,0 1 15,0-1 1,0 0 0,0 0-1</inkml:trace>
+  <inkml:trace contextRef="#ctx0" brushRef="#br0" timeOffset="16232.01">1270 2477 0,'0'-22'0,"0"44"0,21-44 0,-21 1 16,0 0-16,0 0 0,0 0 16,0 0-16,0-1 15,0 1-15,-21 21 16,21-21-16,-21 21 16,0 21-1,21 0-15,0 1 0,0 20 16,-22-21-16,22 21 0,-21 1 15,0-1-15,21 0 0,0 22 16,-21-22-16,21 1 0,-21-1 0,21 0 16,0 1-16,0-1 0,0 0 15,0-21-15,0 22 0,0-22 16,0 21-16,0-21 0,0 1 16,21-1-16,0 0 0,0-21 15,0 21-15,1-21 0,-1 0 0,0 0 16,21 0-16,-21 0 0,22-21 15,-22 0-15,21 0 0,-21-1 16,22 1-16,-1-21 0,-21 21 0,22-22 16,-22 1-16,0 0 0,21-1 15,-21-20-15,1 21 0,-1-22 0,0 1 16,-21 20-16,21-20 0,0 20 16,-21 1-16,0 0 15,21-1-15,-21 22 0,0-21 0,22 21 16,-22 0-16,0-1 0,0 1 15,0 42 17,0 1-32,0-1 0,0 21 0,-22 0 15,22-20-15,-21 41 0,21-21 16,-21 1-16,0 20 0,0-20 16,21 20-16,-21-21 0,-1 1 0,1 20 15,21-20-15,0-1 0,0 0 16,0-21-16,0 22 0,0-22 0,0 21 15,0-21-15,0 1 0,21-1 16,22 21-16,-1-21 16,-21-21-16,0 0 0,1 0 15,41 0-15,-42 0 0,22-21 16,-22 21-16,21-21 0,-21 0 16,22 0-16,-22-1 15,0-20-15,21 21 0,-21-21 0,1 20 0,-1-20 16,0 21-16,-21-21 0,21-1 15,-21 22-15,21 0 0,-21 0 0,0 0 16,0-1-16,0 1 16,0 42 15,0 1-31,-21-1 16,21 0-16,0 0 0,0 21 15,-21-20-15,21-1 0,-21 0 16,21 21-16,-21-21 0,21 1 0,0-1 15,0 0-15,0 0 0,-22 0 16,22 0-16,0 1 0,-21-22 16,21-22 31,0 1-47,21 0 15,1 0-15,-22 0 0,21 0 16,0-22-16,0 22 0,0 0 0,0-21 15,1 20-15,-1 1 0,0-21 16,0 21-16,21 0 0,-20 21 16,-1-22-16,0 1 0,21 21 0,-21 0 15,1 0-15,-1 0 16,-21 21-16,0 1 0,0-1 0,0 0 16,0 0-16,0 21 0,0-20 15,0-1-15,0 21 0,0-21 0,0 0 16,0 22-16,0-22 15,0 0-15,0 0 0,0 0 0,0 1 16,0-1-16,21-21 0,-21 21 16,21-21-16,0 21 0,0-21 0,1 0 15,-1 0-15,0 0 16,0 0-16,0 0 0,0 0 0,1-21 16,-1 0-16,0 21 0,0-21 15,0-1-15,0 1 0,1 0 0,-1-21 16,0 21-16,0-1 0,0 1 15,-21-21-15,21 21 0,-21 0 0,22-1 16,-22 1-16,0 0 0,0 0 16,0 0-1,0 42 17,0 0-32,0 0 0,0 0 15,0 1-15,0-1 0,-22 21 16,22 0-16,-21-20 0,21-1 15,0 0-15,0 0 0,0 0 16,0 0-16,0 1 0,0-1 0,0 0 16,21-21-1,1 0-15,-1 0 16,0 0-16,0 0 0,0 0 0,22 0 16,-22-21-16,0 0 0,0-1 15,0 1-15,0 0 0,1 0 16,-1-21-16,0 20 0,0-20 0,0 0 15,0-22-15,1 22 0,-1 0 16,0-22-16,0 1 0,0 20 0,0-20 16,1 20-16,-22 1 0,0 0 15,21 21-15,-21-22 0,0 22 0,0 0 16,0 0-16,0 0 16,-21 42 15,21 0-31,0 0 0,-22 21 0,22 1 15,-21-1-15,21 0 16,0 22-16,0-22 0,-21 1 0,21 20 16,0-21-16,-21 1 0,21-1 15,0 0-15,0 1 0,0-1 0,0 0 16,0-20-16,0 20 0,0-21 16,0 0-16,0 0 0,0 1 0,21-1 15,0 0-15,0-21 16,1 21-16,-1-21 0,21 0 15,-21 0-15,0 0 0,1-21 16,20 21-16,-21-21 0,0 0 0,22 21 16,-22-22-16,0 1 0,0 0 0,0 21 15,0-21-15,1 0 16,-1 0-16,-21-1 0,0 1 0,21 21 16,-21-21-16,0 0 0,0 0 15,0 0-15,0-1 0</inkml:trace>
+  <inkml:trace contextRef="#ctx0" brushRef="#br0" timeOffset="16488.86">3577 2540 0,'21'0'31,"0"0"-31,1 0 0,20 0 0,-21 0 15,0 0-15,22 0 0,-1 0 16,-21 0-16,21-21 0,-20 21 0,20 0 16,-21 0-16,0-21 0,0 21 15,1 0-15,-22-21 0,0-1 16,0 1 0,0 0-16,-22 0 15,-20 21-15</inkml:trace>
+  <inkml:trace contextRef="#ctx0" brushRef="#br0" timeOffset="16803.64">3344 2286 0,'-21'0'0,"42"0"0,-63 0 0,21 0 15,0 0-15,21 21 16,-22-21-16,22 21 0,0 1 15,22-22 1,-1 0 0,0 0-16,0 0 15,0-22 1,0 22-16,-21-21 0,0 0 16,0 0-1,-21 21 1,0 0-1,21 21 1,0 0 0</inkml:trace>
+  <inkml:trace contextRef="#ctx0" brushRef="#br0" timeOffset="20321.79">5355 2477 0,'0'0'0,"-21"0"0,0 0 15,0 0 1,21 21 0,0 0-1,21-21 1,0 0-16,0 0 0,0 0 0,0 0 16,22-21-16,-1 21 0,-21-21 15,22-1-15,-1 1 0,0 0 0,1 0 16,-1 0-16,0 0 0,1-1 15,-22 22-15,0-21 0,0 0 0,0 0 16,-21 0-16,0 0 16,0-1-16,0 44 31,-21-22-31,0 21 16,21 0-16,-21 21 0,21 1 15,0-1-15,-21 0 0,-1 22 16,1-1-16,0 1 0,21-1 15,-21-20-15,21 20 0,-21 1 0,21-22 16,0 0-16,0 22 0,-21-22 16,21 0-16,0 1 0,0-22 0,0 21 15,0-21-15,0 1 0,0-1 0,0 0 16,-22-21 0,1-21-1,21 0-15,-21-1 16,0 1-16,21-21 0,-21 21 15,0 0-15,-1-1 0,22-20 16,-21 21-16,0 0 0,0 0 0,0 21 16,21-22-16,-21 22 0,-1 0 15,1 0 1,21 22-16,0-1 0,0 0 16,0 0-16,0 0 15,0 0-15,0 1 0,21-1 0,1 0 16,-1 0-16,0-21 0,21 21 15,-21 0-15,22-21 0,-1 0 0,0 0 16,1 0-16,-1 0 16,0 0-16,1 0 0,-1 0 0,22-21 15,-22 0-15,0 0 0,1 0 16,-1 0-16,-21-1 0,21 1 0,-20 0 16,20-21-16,-21 21 0,0-1 0,0-41 15,-21 21-15,22 20 16,-22 1-16,0 0 0,21 0 0,-21 0 15,-21 21 17,-1 0-32,22 21 0,-21 0 15,0 0-15,21 0 0,-21 1 0,0-1 16,21 21-16,0-21 0,0 22 16,-21-22-16,21 0 15,0 21-15,-22-21 0,22 1 0,0-1 16,0 0-16,0 0 0,0 0 0,0 0 15,22-21-15,-1 0 0,0 0 0,0 0 16,0 0-16,0 0 0,22 0 16,-1 0-16,0-21 0,1 0 0,-1 0 15,0 0-15,1 0 0,-1-1 16,0 1-16,1-21 0,-1 21 0,0-22 16,-20 22-16,-1 0 0,21-21 15,-42 21-15,0-1 16,-21 22-1,0 0 1,0 22-16,-1-1 0,22 0 0,0 0 16,0 0-16,-21-21 0,21 21 15,0 1-15,0-1 0,0 0 0,0 0 16,21 0-16,1 0 0,-22 1 16,21-1-16,0 0 0,-21 0 15,21-21-15,-21 21 16,-21-42 15,0 0-31,0 21 16,-1 0-16,1-21 0,0 21 0,21-21 15,-21 21 1,0 0-16,21 21 16,0 0-1,0 0-15,21 0 16,0-21-16,0 0 15,22 0-15,-22 0 0,21 0 16,-21 0-16,22 0 0,-22 0 0,21 0 16,-21 0-16,22 0 0,-22-21 15,0 0-15,0 0 0,21 0 0,-20-1 16,-1 1-16,0 0 0,0-21 16,0-1-16,22-41 0,-22 41 15,-21-20-15,21-1 0,0 1 16,0-1-16,0 22 0,1-21 15,-1-1-15,-21 22 0,21-1 0,-21 1 16,21 0-16,-21 21 0,0-1 16,0 1-16,0 0 0,0 0 0,0 0 15,-21 42 1,0 0 0,21 21-16,0-20 0,-21 20 15,-1 0-15,1 22 0,0-1 16,21 1-16,-21-1 0,0 1 15,0-1-15,-1 1 0,1-1 0,21-20 16,0 20-16,-21-21 0,21 22 0,0-22 16,0 1-16,0-1 0,0-21 15,21 21-15,22 1 0,-22-22 16,0-21-16,0 0 0,21 0 16,-20 0-16,20 0 0,0 0 0,1 0 15,-22-21-15,21 0 0,0-1 16,1 1-16,-1 0 0,-21-21 15,22 21-15,-1-22 0,-21 22 0,0-21 16,0 21-16,1-22 0,-1 22 16,-21 0-16,0 0 0,0 0 0,0-1 0,0 1 15,0 42 17,-21-21-32,-1 22 0,22-1 15,-21 0-15,21 0 0,-21 0 0,21 0 16,0 1-16,0 20 0,0-21 0,0 0 15,0 0-15,0 1 0,21-1 16,0 0-16,1-21 0,-1 0 16,0 0-16,0 0 0,0 0 15,22 0-15,-22 0 0,21 0 0,-21-21 16,0 21-16,1-21 0,20-1 16,-21 1-16,0 0 0,0 0 15,1-21-15,-22 20 0,21 1 0,0-21 16,-21 21-16,0 0 0,0-1 15,21 1-15,-21 0 0,0 0 16,0 42 0,0 0-1,0 0-15,-21 1 0,21 20 16,-21-21-16,21 0 0,0 22 0,-21-1 16,21-21-16,-22 21 0,22-20 15,0-1-15,0 0 0,0 0 16,0 0-16,0 0 31,0-42-15,0 0-16,0 0 15,0 0-15,0-22 0,22 22 16,-1 0-16,-21-21 0,21 21 0,0-22 16,-21 22-16,21-21 15,0 21-15,-21-22 0,22 22 0,-1 21 16,0-21-16,0 21 15,0 21-15,-21 0 16,0 0-16,21 1 0,1-1 16,-22 0-16,21 0 0,0 21 15,-21-20-15,21-1 0,-21 0 0,21 0 16,0 0-16,-21 0 0,22 1 16,-1-22-16,0 21 0,-21 0 0,21-21 15,0 0-15,0 0 0,1 0 16,-1 0-16,0-21 15,0 0-15,0-1 0,0 1 16,1 0-16,-1-21 0,0 21 16,0-22-16,0 22 0,0-21 0,1-1 15,20 1-15,-21 21 0,21-21 16,-20-1-16,20 1 0,0 21 16,-21 0-16,43-22 0,-43 43 15,0 0-15,0 0 0,1 0 16,-1 0-16,0 21 0,-21 1 0,21-1 15,-21 0-15,0 0 0,0 21 16,0-20-16,0 20 0,0-21 0,0 0 16,0 22-16,0-22 0,0 0 15,0 0-15,0 0 0,0 0 16,0-42 31,0 0-47,0 0 15,0 0-15,0 0 0,0-1 16,0 1-16,0-21 0,0 21 0,0 0 16,0-1-16,-21 1 0,0 0 15,0 0-15,-1 0 0,22 0 0,-21 21 16,0 0-16,0 0 0,0 0 16,0 0-16,-1 0 0,1 0 0,0 21 15,-21 0-15,21 0 0,-1 0 16,1 22-16,0-22 0,21 0 0,-21 21 15,21-21-15,-21 22 0,21-22 0,0 21 16,0-21-16,0 1 0,0-1 16,0 0-16,0 0 0,21 0 15,0 0-15,-21 1 0,21-22 0,0 0 16,1 0-16,-1 0 0,0 0 16,0 0-16,0 0 0,0 0 0,1 0 15,-1-22-15,0 1 0,-21 0 16,21 0-16,0 0 0,0 0 0,-21-1 15,22-20-15,-1 0 16,-21 21-16,0-1 0,0 1 0,21 0 16,-21 0-16,21 0 0,-21 0 15,0 42 48,0 0-63,0 0 0,0 0 0,0 0 15,0 1-15,0 20 0,0-21 16,0 21-16,0-20 0,-21 20 0,21 0 16,0 22-16,0-22 0,0 22 15,0-1-15,0-21 0,0 22 0,0-1 16,0 1-16,0-1 0,0 1 0,0-1 16,0 22-16,0-21 0,0-1 15,21 22-15,-21-1 0,0-20 0,0 21 16,0-22-16,0 1 0,0 20 15,0-20-15,0-1 0,0-20 16,0 20-16,0 1 0,0-22 0,0 0 16,0 1-16,0-1 0,0-21 0,-21 0 15,0 0-15,0 1 0,-1-22 0,1 0 16,-21 0-16,21 0 16,0-22-16,-1 1 0,1 0 15,0-21-15,21 21 0,-21-22 0,0-20 16,21 20-16,0-20 0,0-1 15,-21 1-15,21-1 0,-22-105 16,22 84-16,0 1 0,0-1 0,0 0 16,0 22-16,0-22 15,0 1-15,22 20 0,-1 1 0,0-22 16,0 21-16,-21 22 0,42-21 16,-20 20-16,-1-20 0,-21 20 0,21 22 15,0-21-15,0 0 0,0 20 0,1 1 16,-1 0-16,0 0 0,0 0 15,0 0-15,-21-1 0,21 22 16,-21-21-16,-21 0 16,0 21-1,0 0-15,0-21 0,0 0 0,-22 21 16</inkml:trace>
+  <inkml:trace contextRef="#ctx0" brushRef="#br0" timeOffset="20623.14">8551 2244 0,'21'0'15,"-21"-21"-15,-21 21 63,0 0-47,0 0-1,0 0-15,0 21 16,-1-21-16,1 21 0</inkml:trace>
+  <inkml:trace contextRef="#ctx0" brushRef="#br0" timeOffset="20921">7493 2561 0,'0'0'0,"-21"0"0,0 0 0,21 21 15,21-21 17,0 0-32,0 0 15,0 0-15,22 0 0,-22 0 0,21 0 16,-21 0-16,22 0 0,-1 0 0,-21 0 16,21 0-16,-20 0 0,-1 0 15,0 0-15,0 0 0,0 0 16,0 0-16,1 0 15,-1 0-15,0 0 16,-21-21-16,21 21 16,0 0-16</inkml:trace>
+  <inkml:trace contextRef="#ctx0" brushRef="#br0" timeOffset="22833.67">11176 5906 0,'0'21'16,"21"-42"15,0-1-15,0 22-16,-21-21 0,22 0 0,-1-21 15,21-43-15,0-169 0,-20-169 16,-1-22-16,0 43 0,0 63 0,-21 43 16,21 63-16,0 43 0,1 20 15,-22 22-15,0 42 0,0 1 16,21 20-16,-21 0 0,0-21 15,0 22-15,0 63 16,0-22-16,0 22 0,-21 0 16,-1 21-16,1 0 15,0 0-15,0 21 0,0 0 0,21 0 16,-21 1-16,-1 20 0,1 0 16,0 1-16,21 20 0,-21 43 15,21-64-15,-21 22 0,21-1 16,0-20-16,0 20 0,0-21 0,0 1 15,0-1-15,0 0 0,0 1 16,21 20-16,0-42 16,-21 1-16,21-1 0,0-21 0,1 21 15,-1-21-15,0 0 0,0 0 0,0 0 16,43-21-16,-43 0 16,0-1-16,0 1 0,22 0 0,-22 0 15,0 0-15,0 0 0,0-1 16,0-20-16,1 21 0,-1-21 15,0 20-15,-21-20 0,0 21 0,21 0 0,-21 0 16,0-1-16,0 1 16,0 42 15,0 1-31,-21-1 0,21 0 0,0 0 16,0 0-16,-21 22 0,21-22 0,-21 21 15,21-21-15,0 22 0,0-22 16,0 0-16,0 0 0,0 0 0,0 0 15,0 1-15,0-1 0,21 0 16,0-21-16,0 0 0,0 0 0,0 0 16,1 0-16,-1 0 0,0 0 15,21 0-15,-21 0 0,1-21 0,-1 0 16,63-22 0,-84 22-16,22 21 0,-22-21 15,21 0-15,-21-22 0,0 22 0,0 0 16,0 0-16,0 0 0,0-22 0,0 22 15,-21 0-15,-1 0 0,1 21 16,0-21-16,0 21 0,0 0 0,0 0 16,-1 0-16,1 0 0,0 0 15,-21 0-15,21 0 0,-1 0 0,1 21 16,0-21-16,0 21 0,0 0 16,0-21-16,21 21 15,0 1-15,21-22 31,0 21-31,0-21 0,21 0 0,-20 0 16,20 0-16,0 0 0,-21 0 16,22 0-16,-1 0 0,0 0 0,1 0 15,-1-21-15,0 21 0,1-22 0,-1 22 16,-21-21-16,22 21 0,-22-21 16,0 21-16,0-21 0,0 21 0,0 0 15,-21 21 16,0 0-31,0 0 16,0 1-16,0-1 0,-21 21 16,0-21-16,21 0 0,-21 1 15,21 20-15,0-21 0,0 0 16,0 0-16,0 1 0,0 20 16,0-21-16,0 0 15,21-21-15,0 0 0,0 0 16,1 0-16,-1 0 0,0 0 15,0-21-15,0 21 0,22-63 16,-22 41 0,-21-20-16,0 21 0,0 0 15,0 0-15,0-22 0,0 22 0,0-21 16,0 21-16,-21-1 0,-1 1 16,22 0-16,-21 0 0,0 0 0,0 21 15,-21 0 1,20 0-16,22 21 15,0 0-15,0 0 16,0 0-16,22-21 16,-1 0-16,0 0 0,0 0 15,21 0-15,-20 0 0,-1 0 16,0 0-16,21 0 0,-21-21 0,22 21 16,-1-21-16,0 0 0,-20-21 0,20 20 15,0 1-15,-21-21 0,22 21 16,-22-22-16,0 1 0,0 21 15,-21-21-15,0-1 0,0 1 0,0 21 16,0-22-16,0 22 0,0 0 16,0 0-16,0 0 0,-21 21 31,0 0-31,21 21 16,-21 0-16,21 0 0,0 0 15,-21 22-15,-1-1 0,22 0 0,-21 22 16,21-22-16,0 22 0,-21-22 0,0 0 15,21 22-15,0-22 0,0 1 16,-21-1-16,21 0 0,0 1 0,-21-1 16,21 0-16,0 1 0,0-22 15,0 0-15,0 21 0,21-21 16,0 1-16,0-1 0,0-21 16,0 21-16,1-21 0,-1 0 15,0 0-15,21 0 0,-21-21 0,22 0 16,-22 21-16,0-22 0,21 1 0,-20 0 15,-1 0-15,0 0 0,0 0 16,0-1-16,0 1 0,-21 0 16,0 0-16,0 0 0,0 0 0,0-1 15,0-20 1,-42 0-16,21 21 16</inkml:trace>
+  <inkml:trace contextRef="#ctx0" brushRef="#br0" timeOffset="23123.5">11557 2667 0,'0'0'0,"-21"21"0,0-21 0,42-21 46,0 21-46,0 0 0,0-21 0,0 0 16,22 21-16,-1 0 16,0 0-16,-20-21 0,20-1 0,0 22 15,-21 0-15,22 0 0,-22-21 0,0 21 16,0 0-16</inkml:trace>
+  <inkml:trace contextRef="#ctx0" brushRef="#br0" timeOffset="25137.45">14690 2582 0,'0'0'15,"21"-42"1,-21 21-16,0 0 0,0 0 0,0-1 16,0 1-16,0 0 0,0 0 15,0 0-15,0 0 0,0-1 16,0 44-1,0-1 1,0 0-16,0 21 0,0-21 16,0 22-16,0 20 0,0-20 15,0 105-15,-21-85 16,21-20-16,0-1 0,0 21 16,0-20-16,0-1 0,0 0 0,0 22 15,0-43-15,0 21 0,0 1 0,0-22 16,0 0-16,21 0 0,0 0 15,0-21-15,0 0 0,0 0 16,22 0-16,-22-21 0,0 21 16,0-42-16,22 21 0,-22 0 15,21-22-15,-21 22 0,0-21 0,1-1 16,20 1-16,-21 0 0,0-22 16,0 22-16,1-22 0,-1 22 0,21-85 15,-42 85-15,21-22 16,0 22-16,1 0 0,-1-1 0,-21 1 15,0 21-15,0 0 0,0-1 0,0 44 47,0-1-47,-21 0 0,21 21 0,-22 1 16,1-1-16,21 0 0,0 1 0,0 20 16,-21-21-16,21 22 15,-21-22-15,21 1 0,0-1 0,0 0 16,0 1-16,0-22 0,0 21 0,0-21 15,0 0-15,21 1 0,0-1 16,0-21-16,1 21 0,-1-21 0,0 0 16,21 0-16,-21 0 0,43-21 15,-22 0-15,-21 21 0,22-22 16,-1-20-16,-21 21 0,22 0 16,-22 0-16,21-22 0,-21 22 0,0-64 15,-21 64 1,0 0-16,-21 21 31,0 0-31,21 21 16,-21-21-16,21 21 0,0 1 0,0 20 15,0-21-15,0 0 0,0 0 0,0 22 16,0-22-16,0 0 0,21 0 16,0 22-16,0-1 15,-21-21-15,22 0 0,-22 0 16,-22-21 15,1-21-31,0 21 16,0-21-16,0 0 0,0 0 15,-1 21-15,22-21 0,-21 21 16,0-22-16,21 44 31,0-1-31,0 0 16,0 0-16,21 0 0,0 0 15,1 1-15,-1-22 16,0 0-16,0 21 0,0-21 0,0 0 16,22 0-16,-22 0 0,21-21 15,1 21-15,-1-22 0,0 1 0,22 21 16,-22-21-16,22 0 16,-22 0-16,0-22 0,1 22 0,-1 0 15,0 0-15,43-64 16,-85 43-16,0 21 0,0 0 15,0-1-15,0 1 0,0 0 0,0 0 16,-21 21-16,0 0 16,-1 0-16,1 0 0,0 21 15,0 0-15,-21 22 16,20-22-16,22 21 0,0-21 16,-21 0-16,21 22 0,0-22 0,0 0 15,0 0-15,0 22 0,0-22 16,21 0-16,1-21 0,-1 21 0,0 0 15,21-21-15,-21 21 0,22-21 16,-1 0-16,0 0 0,22 0 16,-22 0-16,1 0 0,20 0 0,-21 0 15,22-21-15,-22 0 0,22 21 16,-22-21-16,0 0 0,1 0 0,-22-1 16,21 1-16,-21 0 0,22-21 15,-22 21-15,-21-1 0,0-20 0,21 21 16,-21 0-16,0 0 0,0-1 0,0 1 15,0 0-15,-21 21 0,0 0 16,0 0-16,-1 0 0,1 0 16,0 0-16,0 0 15,0 21-15,0 0 0,-1 1 0,1-1 16,0 0-16,0 0 0,0 0 0,21 0 16,0 1-16,-21 20 0,21-21 15,0 0-15,0 0 0,0 1 16,0-1-16,0 0 0,21-21 15,0 21-15,0-21 0,0 0 0,0 0 16,1 0-16,-1 0 0,0 0 16,0 0-16,0 0 0,0-21 0,1 0 15,-1 0-15,0 21 0,0-22 0,0-20 16,0 21-16,1 0 16,-22-22-16,21 1 0,-21 0 0,21-1 0,-21 1 15,0-21-15,21 20 16,-21-20-16,21 20 0,-21-20 0,0 21 15,0-22-15,0 22 0,0 21 16,0-22-16,0 22 0,0 0 0,0 0 16,0 42-1,0 0 1,0 0-16,0 22 0,-21-1 0,0 21 16,21 1-16,-21-22 0,21 85 15,0-63-15,0-22 0,0 22 16,0-22-16,0 0 15,0-21-15,0 22 0,0-22 0,0 21 16,0-21-16,21 1 0,0-1 16,0-21-16,-21 21 15,21-21-15,1 0 16,-1 0 0,-21-21-16,0 0 0,21 21 15,-21-22-15,21 22 0,0-21 0,-21 0 16,21 21-16,1-21 0,-1 0 15</inkml:trace>
+  <inkml:trace contextRef="#ctx0" brushRef="#br0" timeOffset="26611.92">18775 2223 0,'0'0'0,"0"-22"0,-21 22 16,-1 0-16,1 0 15,0 0-15,21 22 0,0-1 16,-21 0-16,0 0 0,21 21 16,-21 1-16,21-1 0,-22 0 15,22 22-15,0-1 0,0-20 16,0 20-16,0-20 0,0 20 0,0-21 15,0 1-15,0 20 0,0-20 0,0-22 16,0 21-16,0 0 0,0-20 16,0-1-16,0 0 0,0 0 0,0 0 15,-21-21-15,21 21 16,-21-21-16,21-21 16,0 0-1,0 0-15,0 0 0,0 0 0,0-1 16,0 1-16,0-21 0,21 21 0,0-22 15,1 22-15,-1-21 16,-21 21-16,21-22 0,0 22 0,21-21 16,-20 21-16,-1 0 0,21-1 15,-21 22-15,0-21 0,22 21 0,-22 0 16,0 0-16,21 0 0,-20 0 16,-1 21-16,0 1 0,0-1 0,0 21 15,0-21-15,1 22 0,-22-22 16,0 0-16,0 21 0,0-21 0,0 1 15,0-1-15,-22 0 0,1 0 16,0 0-16,-21 0 0,21-21 0,-1 22 16,-20-22-16,21 0 0,0 0 0,-22 0 15,22 0-15,0 0 16,0 0-16,0 0 0,42 21 62,0-21-46,0 21-16,0-21 0,1 0 0,-1 0 16,21 0-16,-21 0 0,22 0 15,-22 0-15,21 0 0,0 0 0,1-21 16,-1 0-16,0-1 0,1 1 16,-1 0-16,22-21 0,-22-1 15,0 22-15,1-21 0,-22 0 16,21 20-16,-21-20 0,0 21 15,-21 0-15,0 0 0,22 21 0,-22-22 16,0 44 0,0-1-16,-22 0 15,22 21-15,0-21 0,-21 1 16,21 20-16,-21-21 0,21 0 0,0 43 16,0-43-16,0 0 15,0 0-15,21 0 0,0 1 0,1-22 16,-1 0-16,21 21 0,-21-21 0,0 0 15,22 0-15,-22 0 16,0 0-16,21-21 0,-20-1 0,-1 22 16,21-21-16,-21 0 0,0 0 15,1-21-15,-1 20 0,21 1 0,-21-21 16,0 21-16,-21-22 0,22 22 16,-22 0-16,21-21 0,-21 21 15,0 42 16,0 0-31,-21 0 0,21 0 16,-22 0-16,1 1 0,21 20 16,0-21-16,-21 21 0,0 1 0,21-22 15,-21 21-15,21 1 16,0-1-16,0 0 0,0 1 0,0 20 16,0-21-16,0 1 0,0 20 0,0-20 15,0 20-15,0-21 0,0 22 16,0-22-16,0 22 0,0-1 0,0 1 15,21-1-15,0 1 0,0-1 16,-21 1-16,0-1 0,0 1 0,21-1 16,1 22-16,-22-43 0,0 1 15,0-1-15,0-21 0,0 21 16,0-20-16,0-1 0,-22-21 16,1 0-16,0 0 15,0-21-15,-21 21 16,20-22-16,1 1 0,0-21 15,-21 21-15,21-22 0,-22 1 0,22-21 16,-21-1-16,21 1 0,-1-1 16,1-21-16,0 22 0,0-22 0,0 22 15,21-1-15,0 1 0,0-1 0,0 1 16,0 20-16,21-20 0,0 21 16,0-1-16,0 1 0,22 0 0,-22-1 15,0 22-15,21 0 16,-20-21-16,20 20 0,-21 1 0,21 0 15,-20 0-15,-1 0 0,0 0 0,21 21 16,-21-22-16,1 22 0,-1 0 16,-21-21-16,-21 42 31,-1-21-15,-20 22-16,0-1 0,-1-21 15,1 21-15,0 0 0,-22-21 0</inkml:trace>
+  <inkml:trace contextRef="#ctx0" brushRef="#br0" timeOffset="29587.77">1460 4847 0,'-21'-21'0,"42"42"0,-42-21 31,21 21-16,0 1 1,21-22 0,1 0-1,-1 0-15,-21-22 16,0 1-16,0 0 16,0 0-16,0 0 0,0 0 15,0-1-15,-21 1 0,-22-21 16,22 21-16,0 0 15,-21 21-15,-1-22 0,22 22 0,-21 0 16,-1 0-16,1 0 16,21 22-16,-21-1 0,-1 0 0,22 0 15,-21 21-15,-1 1 0,22-1 16,0 0-16,0 22 0,-21-22 16,42 22-16,-22-22 0,22 0 0,0 1 15,0-1-15,0 0 0,0-20 16,22 20-16,-1-21 0,0-21 0,21 21 15,-21-21-15,22 0 0,-22 0 16,21 0-16,1-21 0,-1 0 16,0 0-16,1 0 0,20-22 0,-21 22 15,1-21-15,-1-1 0,0-20 16,1 21-16,-22-22 0,21 1 16,-21 20-16,1-20 0,20-64 15,-21 63-15,0 1 0,-21-1 16,0 1-16,0-1 0,0 1 15,0-1-15,0 1 0,0 20 16,0 1-16,0 21 0,0-21 0,0 20 16,0 44-1,0-1-15,0 0 0,0 21 16,-21 22-16,21-22 0,-21 22 16,0-22-16,0 21 0,21 1 15,-22-1-15,1 1 0,0-1 16,0 1-16,0-1 0,0 1 15,21-1-15,0 1 0,0-1 0,0-20 16,0-1-16,0 0 0,0 1 16,21-22-16,0 0 0,0 0 0,0-21 15,0 0-15,22 0 0,-1 0 16,-21 0-16,22 0 0,-1 0 16,0-21-16,1 0 0,-1 0 0,-21 0 15,21-1-15,-20-20 0,20 21 16,-21-21-16,0-1 0,0 1 15,-21 0-15,0-1 0,0 1 16,0 21-16,0-22 0,0 22 0,0 0 16,0 0-16,-21 0 0,0 21 15,0 0-15,0 21 16,0 0-16,-1 0 0,1 22 16,0-22-16,21 21 0,-21 0 0,0 1 15,0-1-15,21 0 0,0-20 16,0 20-16,0 0 0,0 1 0,0-22 15,0 0-15,21 21 16,0-21-16,0-21 0,0 22 0,22-22 16,-22 0-16,21 0 0,-21 0 15,22 0-15,-1 0 0,21-22 0,-20 1 16,-1 0-16,0 0 0,1 0 16,-1 0-16,-21-22 0,22 22 0,-22-21 15,0-1-15,0 22 0,0-21 16,-21 0-16,0 20 0,21 1 15,-21 0-15,0 0 0,22 0 0,-22 42 32,0 0-17,0 21-15,0-20 0,0-1 16,0 21-16,-22 0 0,22-20 0,0 20 16,0 0-16,0-21 0,0 22 15,0-22-15,0 0 0,0 0 16,0 0-16,0 1 0,22-1 15,-1-21-15,0 0 0,0 0 0,0 0 16,0 0-16,1 0 0,20 0 0,-21-21 16,21-1-16,-20 1 0,20 0 15,-21 0-15,0 0 0,0 0 0,1-22 16,-1 22-16,0-21 0,0-1 16,-21 1-16,21 21 0,-21-21 0,21 20 15,-21 1-15,0 0 0,0 0 16,0 0-16,0 0 15,0 42 1,0 0 0,0 0-16,0 0 0,0 22 15,0-22-15,-21 0 0,21 21 0,0-21 16,0 22-16,0-22 0,0 0 16,0 0-16,0 0 0,0 1 0,0-1 15,0 0-15,21 0 16,1-21-16,-1 0 0,0 0 15,0 0-15,0 0 0,22-21 16,-22 0-16,21 21 0,-21-21 0,22-1 16,-22 1-16,21 0 0,-21-21 15,0 21-15,1-22 0,-22 22 16,0-21-16,21 21 0,-21-22 0,0 22 16,0-21-16,0 21 0,0-1 15,0 1-15,-21 0 0,-1 21 0,1 0 16,0 0-16,0 0 15,0 0-15,0 0 0,-1 0 0,1 42 16,0-20-16,0-1 0,0 21 16,0-21-16,21 22 0,0-1 0,0 0 15,0 22-15,0-22 16,0-21-16,0 22 0,21-22 0,0 0 16,0 0-16,0 0 0,0 0 15,1 1-15,20-22 0,-21 0 16,21 0-16,1 0 0,-1 0 0,-21 0 15,22-22-15,-1 1 0,0 0 16,1 0-16,-22 0 0,21-22 0,0 1 16,1 0-16,-22-1 0,21 1 15,-21-21-15,1-1 0,-1 1 0,21 20 16,-21-20-16,-21-1 0,21 1 16,1-1-16,-1 1 0,-21-1 0,0 1 15,0 20-15,0-20 0,0 21 0,0 20 16,0 1-16,0-21 0,-21 63 31,21 0-15,-22 22-16,1-1 0,21 0 0,-21 1 15,0 20-15,21-21 0,0 22 16,-21-1-16,0-20 0,21 20 0,-22-20 16,22 20-16,0 1 0,0-22 15,0 0-15,0 22 0,0-22 16,0 0-16,0 1 0,0-22 0,22 21 15,-1-21-15,0 1 0,0-1 16,0 0-16,0-21 0,1 0 0,-1 0 16,0 0-16,0 0 15,21 0-15,-20 0 0,-1-21 0,0 0 16,21-1-16,-21-20 0,1 21 16,-1-21-16,0 20 0,0-20 0,0 0 15,0 21-15,-21-22 0,22 1 0,-22 21 16,0 0-16,0-1 0,0 1 15,-22 42 1,22 1 0,-21-1-16,21 0 0,-21 21 0,21-21 15,0 22-15,0-22 0,0 21 0,0-21 16,0 1-16,0 20 0,0-21 16,21 0-16,0 0 0,-21 1 0,22-22 15,-1 21-15,0-21 16,0 0-16,0 0 0,22 0 0,-22 0 15,0 0-15,21-21 0,1-1 0,-22 1 16,21 0-16,0-21 16,-20-1-16,-1 22 0,0-21 0,0 0 15,-21 20-15,0-20 0,0 0 16,0 21-16,0-22 0,-21 22 0,0 0 16,0 0-16,-1 0 0,-20 21 15,21 0-15,-21-22 0,20 22 16,1 0-16,0 0 0,-21 0 0,21 22 0,-1-1 15,1 0-15,0-21 16,21 21-16,0 0 0,0 0 16,0 1-16,0-1 0,0 0 15,21-21 1,0 0-16,1 0 16</inkml:trace>
+  <inkml:trace contextRef="#ctx0" brushRef="#br0" timeOffset="30120.45">5122 4678 0,'21'0'0,"-42"0"0,64-21 0,-43 0 16,21 21-16,0-22 0,-21 1 15,21 21-15,-21-21 0,21 21 16,-21-21-16,21 21 31,-21 21-31,0 0 0,0 0 16,0 1-16,0 20 0,0 0 15,0 1-15,0-1 0,0 0 16,0 22-16,-21-22 0,21 22 0,-21-1 16,21 1-16,-21-1 0,21 1 15,0-1-15,0 1 0,-21-1 0,21 22 16,-21-22-16,-1 1 0,22 20 0,-21-20 16,0-1-16,21 1 0,-21-1 15,0 1-15,0-22 0,-1 22 0,22-22 16,-21 0-16,0-20 0,21 20 15,-21-21-15,21 0 0,0 0 0,0 1 16,0-44 15,0 1-31,0 0 0,0-21 16,0 21-16,0-1 0,21-20 16,0 0-16,-21-1 0,21 1 0,1 0 15,-1-22-15,0 22 0,0-22 0,0-20 16</inkml:trace>
+  <inkml:trace contextRef="#ctx0" brushRef="#br0" timeOffset="30492.36">5249 4784 0,'-21'-21'0,"42"42"0,-42-64 0,21 1 16,0 21-16,0 0 0,0-22 15,0 22-15,0 0 16,0 0-16,0 0 0,21 21 15,-21-21-15,21 21 0,1 0 0,20 0 16,0 0-16,-21 0 0,1 0 16,20 0-16,-21 0 0,0 21 15,0 0-15,1 0 0,-1 0 0,0 0 16,0 22-16,-21-22 0,0 21 16,0-21-16,0 22 0,0-22 15,-21 21-15,0-21 0,0 22 0,-1-22 16,-20 0-16,21 0 0,-21 0 15,-1-21-15,22 22 0,-21-22 0,21 0 16,-22 21-16,22-21 0,0 0 16,0 0-16,42 0 47,0 0-47,0 0 0,0 0 15,1 0-15,-1-21 0,0-1 16</inkml:trace>
+  <inkml:trace contextRef="#ctx0" brushRef="#br0" timeOffset="30895.13">5842 4847 0,'21'0'0,"-42"0"0,42-21 0,0 21 15,0-21-15,1 0 16,-1 21-16,-21-21 0,21 21 15,0-22-15,0 1 0,0 21 16,-21-21-16,22 0 0,-1 21 0,-21-21 16,0 0-16,0-1 0,0 1 15,0 0-15,0 0 16,0 0-16,-21 21 16,-1 0-16,1 0 15,0 0-15,0 0 0,0 21 16,0 0-16,-1 0 0,22 22 0,0-22 15,-21 0-15,21 21 0,-21-21 16,21 22-16,0-22 0,0 0 0,0 0 16,0 0-16,0 1 0,0-1 15,0 0-15,21 0 0,0-21 0,1 21 16,-1-21-16,0 0 0,0 0 0,0 0 16,0 0-16,1 0 15,-1 0-15,0 0 0,0 0 0,0 0 16,0 0-16,1 0 0,-1-21 15,0 21-15,-21-21 0,21 21 16</inkml:trace>
+  <inkml:trace contextRef="#ctx0" brushRef="#br0" timeOffset="31371.37">6392 4699 0,'0'0'0,"0"-21"0,-21 0 16,21 0-16,0-1 0,0 1 15,0 0-15,0 0 16,0 0-16,21 21 0,0-21 16,1 21-16,-1 0 0,0 0 15,0 0-15,0 0 0,0 0 16,1 0-16,-1 0 0,0 0 0,0 21 16,0 0-16,0 0 0,1 0 0,-22 22 15,0-22-15,21 0 0,-21 21 16,0-21-16,0 22 0,0-22 0,0 0 15,-21 21-15,-1 1 0,1-22 16,0 0-16,21 0 16,-21-21-16,0 0 15,21-21 1,0 0 0,0 0-16,0 0 0,0-1 0,21 1 15,0 0-15,-21-21 0,21 21 16,0-22-16,1 22 0,-1-21 0,0-1 15,21 22-15,-21-21 0,1 21 0,20 0 16,-21-1-16,0 1 0,-21 0 16,21 21-16,1 0 15,-22 21 1,0 0 0,0 1-16,0-1 15,0 0-15,0 0 16,0 0-16</inkml:trace>
+  <inkml:trace contextRef="#ctx0" brushRef="#br0" timeOffset="31903.58">7260 4636 0,'21'0'0,"-42"0"0,63-22 0,1 22 15,-22-21-15,0 0 0,0 0 16,0 0-16,-21 0 0,0-1 15,0 1 1,0 0-16,0 0 16,-21 21-16,0 0 0,0 0 15,0 0-15,0 21 0,-1 0 16,1 0-16,0 1 0,0-22 0,0 21 16,0 0-16,-1 0 0,22 0 15,0 0-15,0 22 0,0-22 16,0 0-16,22-21 15,-1 0-15,0 21 16,0-21-16,0 21 0,0-21 0,1 0 16,-1 22-16,0-22 0,0 21 15,0-21-15,-21 21 0,21 0 16,-21 0-16,0 0 16,0 1-16,0-1 15,-21-21-15,0 21 0,21 0 0,-21-21 16,0 21-16,-22-21 0,22 0 0,0 21 15,0-21-15,0 0 0,0 0 16,-1 0-16,1 0 0,0 0 16,0 0-16,0 0 15,0 0 1,21 22 0</inkml:trace>
+  <inkml:trace contextRef="#ctx0" brushRef="#br0" timeOffset="40462.3">10033 4212 0,'0'-21'16,"0"42"-16,0-63 0,0 21 0,0 0 0,0-1 15,0 1-15,0 0 0,21 0 16,-21 0-16,0 0 0,0-1 0,21 22 15,0-21-15,-21 0 0,0 0 32,22 21-32,-22 21 15,0 21-15,0-20 0,0 20 16,0 21-16,0-20 0,0 20 16,-22 1-16,1-1 0,0 1 15,21-1-15,-21 1 0,0-1 0,0 22 16,-1-22-16,1-20 0,0 20 15,0 1-15,0-22 0,0 0 16,-1 1-16,22-22 0,-21 0 0,21 0 16,0 0-16,0 1 0,0-44 31,0 1-31,0 0 0,0-21 16,0 21-16,0-22 0,0 22 0,0-21 15,21-1-15,1 1 0,-1 21 16,0-21-16,0 20 0,21-20 0,-20 21 15,20 0-15,-21 21 0,21 0 16,1 0-16,-1 0 0,-21 0 16,22 0-16,-22 21 0,21 0 0,-21 0 15,22 0-15,-22 22 0,0-22 16,0 21-16,0 1 0,-21-22 0,0 21 16,0-21-16,0 22 0,-21-22 15,0 0-15,0 0 0,-22 0 0,1 0 16,21 1-16,-64-1 0,43-21 15,0 0-15,20 0 0,-20 0 16,21 0-16,0 0 0,0 0 16,21 21-1,21-21 1,0 21-16,0-21 16,0 0-16,0 21 15,22-21-15,-22 0 0,0 0 0,21 0 16,-20 0-16,20 0 0,0 0 15,1 0-15,-1 0 0,0-21 0,1 21 16,-1-21-16,0 0 0,1 0 16,-22-1-16,21-20 0,-21 21 0,0-21 15,1 20-15,-1-20 0,0 0 16,0 21-16,0-1 0,-21 1 0,0 0 16,21 0-16,-21 0 0,22 0 0,-22 42 46,0 0-46,0 0 0,0 0 0,-22 22 16,22-22-16,-21 21 0,21 0 16,0-20-16,0 20 0,0-21 0,0 21 15,0-20-15,0 20 0,0-21 16,0 0-16,0 0 0,21 1 0,1-1 16,-1-21-16,0 0 0,21 21 0,-21-21 15,22 0-15,-22 0 0,21 0 16,-21 0-16,22-21 0,-22 0 15,21-1-15,-21 1 0,1 0 16,-1 0-16,0-21 0,0 20 0,0-20 0,0 21 16,-21-21-16,0-1 0,22 22 15,-22-21-15,0 21 0,0-1 16,0 1-16,0 0 0,0 0 0,0 42 31,0 0-31,0 0 0,0 1 16,0 20-16,0 0 0,0 1 15,-22-1-15,22 21 0,-21-20 0,21-1 16,0 22-16,0-1 0,0 1 0,0-1 16,0 1-16,0-1 0,0 22 15,0-22-15,0 1 0,0 20 16,0-20-16,0-1 0,0 22 0,0-21 16,-21-1-16,0 1 0,21-22 15,-21 21-15,0 1 0,-1-22 0,1 22 16,0-22-16,0-21 0,0 22 0,-22-1 15,22-21-15,0-21 16,0 0-16,0 0 16,21-21-16,-21 0 0,21 0 0,0-22 15,0 1-15,0 0 0,0-1 16,0-20-16,0-1 0,0 1 0,0-1 16,0 1-16,0-22 0,0 22 15,21-22-15,0 21 0,-21-20 16,21 20-16,0 1 0,0 20 0,1-20 15,-1 21-15,21-1 0,-21 22 0,22-21 16,-22 21-16,21-1 0,0-20 16,22 0-16,-43 21 15,21-1-15,-20 1 0,-1 0 0,21-21 16,-21 21-16,0-1 0,1 1 0</inkml:trace>
+  <inkml:trace contextRef="#ctx0" brushRef="#br0" timeOffset="43017.63">13123 5122 0,'0'22'0,"-21"-22"0,21-22 31,0 1-15,21 0-16,-21 0 0,21 0 0,1 0 15,-22-1-15,0-20 0,0 0 16,21 21-16,-21-22 0,0 1 0,0 21 16,0-22-16,0 22 0,-21 0 15,-1 0-15,1 0 0,0 0 0,0 21 16,-21 0-16,20 0 0,1 0 16,0 21-16,-21 0 0,21 0 15,-1 0-15,1 22 0,0-22 0,0 21 16,0 0-16,21 1 0,-21-1 15,21 0-15,0-20 0,0 20 0,0-21 16,0 0-16,0 22 0,21-43 0,0 21 16,0 0-16,0-21 0,0 0 15,22 0-15,-22 0 0,21 0 16,-21 0-16,22-21 0,-1 0 0,-21-1 16,22 1-16,-1 0 0,0 0 15,-21-21-15,22-1 0,-22 1 0,0 0 16,21-1-16,-20 1 0,-1-22 0,0 22 15,0-21-15,-21 20 0,21-20 16,-21 20-16,21-20 0,-21 21 16,22-1-16,-22-20 0,0 20 0,0 22 15,0-21-15,0 21 0,0 0 16,0 42 0,0 0-16,0 0 0,-22 21 15,1 1-15,21-1 0,-21 0 16,21 22-16,-21-22 0,21 22 0,0-22 15,0 22-15,0-22 0,0 21 16,0-20-16,0-1 0,0 0 16,0 1-16,21-1 0,0-21 0,-21 22 15,21-22-15,1 0 0,-1 0 16,0-21-16,0 0 0,0 0 16,0 0-16,1 0 0,-1-21 15,21 0-15,-21 0 0,0-1 0,1 1 16,-1 0-16,0 0 0,0-21 15,0 20-15,-21-20 0,0 21 0,21-43 16,-21 43-16,22 0 0,-22 42 31,0 0-15,-22 1-16,22 20 0,-21-21 16,21 21-16,0-20 0,0 20 0,0-21 15,0 21-15,0-20 0,0-1 16,0 0-16,0 0 0,0 0 15,21 0-15,1 1 0,-1-22 0,-21 21 16,21-21-16,0 0 0,0 0 16,0 0-16,1 0 0,-1 0 0,0-21 15,21 21-15,-21-22 0,1 1 0,20 0 16,-21 0-16,0-21 16,0 20-16,1-20 0,-22 0 0,0 21 0,0-22 15,0 1-15,0 0 0,0-1 16,0 1-16,0 0 0,-22 20 15,1 1-15,0 0 0,0 0 0,0 0 16,0 21-16,-22 0 0,22 0 16,0 0-16,0 0 0,0 21 0,-22 0 15,22 0-15,0 0 0,0 22 16,0-1-16,21-21 0,0 22 0,0-1 16,0 0-16,0 1 0,0-22 15,0 21-15,0 0 0,21-20 0,0-1 16,21 0-16,-21 0 0,22 0 15,-22-21-15,21 0 0,-21 21 0,22-21 16,-1 0-16,0 0 0,1 0 0,-1-21 16,0 0-16,1 21 0,-1-21 15,-21 0-15,22-22 0,-22 22 16,0 0-16,0-21 0,0-1 0,0 22 16,1-21-16,-22 21 0,0-22 15,0 22-15,0 0 0,21 21 16,-42 21-1,21 22 1,0-22-16,-22 0 0,22 21 0,-21-21 16,21 22-16,0-1 0,0-21 15,0 0-15,0 22 0,0-22 0,0 0 16,0 0-16,0 0 0,21 1 16,1-22-16,-1 21 0,0-21 15,0 0-15,21 0 0,-20 0 0,20 0 16,-21 0-16,21 0 0,-20-21 15,20-1-15,0 1 0,-21 0 0,1 0 16,20 0-16,-21 0 0,0-22 16,0 1-16,1 21 0,-1-22 0,-21 22 15,0-21-15,0 21 0,21 21 0,-21-21 16,-21 42 0,0 0-1,21 0-15,-22 21 0,1-20 16,21-1-16,0 21 0,-21-21 0,0 22 15,21-22-15,0 0 0,0 0 16,-21 0-16,21 0 0,-21 1 16,21-1-16,-22-21 0,22 21 15,0-42 17,0 0-32,0-1 15,0 1-15,0-21 16,22 21-16,-1 0 0,0-22 0,-21 22 15,21-21-15,0 21 16,22-22-16,-22 22 0,0 0 0,21 0 0,-21 0 16,22 21-16,-22 0 0,21 0 15,-21 0-15,22 0 0,-22 0 16,21 21-16,-21 0 0,1 0 0,-22 0 16,0 22-16,0-22 0,0 0 15,0 21-15,0-21 0,0 22 0,0-22 16,0 0-16,0 0 0,0 0 15,21 1-15,-21-1 0,21 0 0,0 0 16,0-21-16,0 21 0,1-21 16,-1 0-16,0 0 0,0 0 15,21 0-15,1 0 0,-22-21 0,21 0 16,1 21-16,-1-21 0,0 0 16,1-1-16,-22-20 0,21 21 15,22-64-15,-43 43 0,21 0 16,-21-1-16,0 1 0,-21 0 15,0 20-15,0-20 0,0 21 0,0 0 16,-21 21-16,0 0 16,0 0-16,0 0 0,0 0 0,-1 21 15,-20 0-15,21 0 0,0 0 16,0 1-16,-1 20 0,1-21 0,0 0 16,21 22-16,-21-22 0,21 0 15,0 0-15,0 0 0,0 22 16,0-22-16,21-21 0,0 21 15,0-21-15,1 0 0,-1 0 16,0 0-16,0 0 0,0 0 16,-21-21-16,21 21 0,1-21 0,-1-1 15,0 1-15,0 0 0,0 0 16,0 0-16,-21 0 0,22-1 0,-1-20 16,-21 21-16,0 0 15,0 0-15,0 42 31,0 0-31,-21 0 16,-1 21-16,22-20 0,-21-1 0,21 21 16,0 0-16,-21 1 15,21-1-15,-21 22 0,21-22 0,0 0 16,0 22-16,-21-22 0,0 22 0,21-1 16,-22-21-16,22 22 0,0-1 15,0 1-15,0-1 0,0 1 0,0 63 16,0-64-16,0 1 0,-21-22 15,21 22-15,0-1 0,0 1 16,0-1-16,0 1 0,-21-1 16,21 43-16,0-64 0,0 1 0,-21-1 15,0-21-15,0 0 0,21 1 16,-22-22-16,1 0 0,0 21 0,0-21 16,0-21-16,0 21 15,21-22-15,0 1 0,0 0 16,0-21-16,0 21 0,0-22 15,0 1-15,0-22 0,21 22 16,21-64-16,-21 64 0,0-22 0,22 22 16,-22 0-16,21-1 0,1 1 15,-22 0-15,21 21 0,0-22 0,-20 22 16,20-21-16,-21 21 0,21-1 16,-20-20-16,-1 21 0,0 0 15,0-22-15,0 22 0,-21-42 0,21 20 16,-21 1-16,0 0 0,0-1 15,0 22-15,0-21 0</inkml:trace>
+  <inkml:trace contextRef="#ctx0" brushRef="#br0" timeOffset="43259.48">15261 4339 0,'0'0'16,"-21"-21"-1,42 21 32,-21 21-31,21-21-16,0 21 15</inkml:trace>
+  <inkml:trace contextRef="#ctx0" brushRef="#br0" timeOffset="44084.52">17949 4636 0,'0'0'0,"0"-22"0,0 1 15,21 0-15,-21 0 0,22 0 16,-22 0-16,0-1 0,21 22 0,-21-21 16,21 21-16,-21 21 15,0 1 1,0-1-16,0 21 0,0 0 16,0 1-16,0-1 0,0 0 0,-21 22 15,21-22-15,0 1 0,-21 20 0,-1-21 16,1 1-16,0-1 0,21-21 15,0 22-15,-21-22 0,21 0 0,-21-21 16,21 21-16,0-42 31,21 0-15,0 0-16,0-22 0,0 22 16,1-21-16,-22 21 0,21-22 0,0 1 15,0 0-15,0-1 0,0 1 16,1 21-16,-22 0 0,0-1 0,21 22 15,0 0-15,-21 22 16,0-1-16,0 0 0,0 21 0,0 1 16,0-22-16,0 21 0,0 0 0,21 1 15,-21-22-15,21 21 0,-21-21 16,0 1-16,21-1 0,1 0 0,-1 0 16,0-21-16,0 0 15,21 0-15,-20 0 0,-1 0 16,0 0-16,21 0 0,-21 0 0,1-21 15,-1 0-15,0 0 0,0-1 16,0-20-16,0 21 0,-21-21 0,0-1 16,22 1-16,-22 0 0,0-1 15,0-20-15,0 20 0,0 1 0,0 21 16,0-21-16,0 20 0,-22 1 16,22 0-16,-21 21 15,0 0 1,0 0-16,21 21 0,0 0 0,0 1 15,0-1 1,0 0-16,0 0 16,0 0-16,21-21 15,0 21-15,0-21 0,1 0 16,-1 0-16,0 0 0,0 0 0</inkml:trace>
+  <inkml:trace contextRef="#ctx0" brushRef="#br0" timeOffset="44884.89">19177 4593 0,'0'0'0,"0"-21"0,0 0 16,0 0-1,-21 21 1,0 21-16,21 0 16,-22 0-16,1 0 0,21 22 15,-21-22-15,21 21 0,-21-21 0,21 22 16,0-1-16,0 0 0,0-20 15,0 20-15,-21 0 0,21-21 0,0 22 16,-21-22-16,21 0 0,0 0 16,0 0-16,0 1 0,-22-1 15,22-42 17,0-1-32,0 1 0,0 0 15,0 0-15,0 0 0,0-22 16,0 1-16,22 21 0,-22-21 0,21-1 15,0-20-15,-21 20 0,21 1 16,0 0-16,0-1 0,1 22 0,20-21 16,-21 21-16,0 0 0,0-1 15,22 1-15,-22 21 0,0 0 0,0 0 16,0 21-16,1 1 16,-22-1-16,0 0 0,0 0 15,0 21-15,0-20 0,0-1 0,-22 0 16,1 0-16,0 21 15,0-20-15,0-1 0,0 0 0,-1 0 16,-20 0-16,21-21 16,0 0-16,0 0 15,21-21 1,0 0 0,21 21-16,0-21 0,0 21 0,0 0 15,0-21-15,22 21 0,-22 0 16,0 0-16,21 0 0,-20 0 0,20 0 15,-21 21-15,0 0 0,0-21 16,22 21-16,-22 0 0,0 0 0,0 22 16,0-22-16,-21 0 0,0 21 15,0-20-15,0-1 0,0 21 16,0-21-16,0 22 0,-21-22 0,0 0 16,0 0-16,-21 0 0,20 0 15,-20 1-15,0-1 0,-1-21 0,-41 21 16,41-21-16,1 0 0,0 21 15,21-21-15,-22 0 0,22 0 16,0 0-16,0 0 0,0 0 0,-1 0 16,22-21-1,0 0 17,22 21-32,-1-21 15,0-1-15,21 1 0,-21 0 16,1 21-16,-1-21 0,21 0 15</inkml:trace>
+  <inkml:trace contextRef="#ctx0" brushRef="#br0" timeOffset="45240.32">20087 4741 0,'0'0'0,"-21"-21"16,0 21-16,0-21 16,21 0-1,21 21-15,0 0 16,0 0-16,0 0 0,22 0 16,-22 0-16,42 0 0,22 0 15,-43 0-15,22-21 16,-22 21-16,0 0 0,-20 0 0,20 0 15,0 0-15,-21 0 0,1 0 0,-1 0 16,0 0-16,-42 0 47,0 0-47,-1 0 0,1 0 0,0 0 16,0 0-16,0 0 0,0 0 0,-1 0 15,1 0-15,0 0 0,0 0 16</inkml:trace>
+  <inkml:trace contextRef="#ctx0" brushRef="#br0" timeOffset="45555.27">20383 4678 0,'0'21'16,"0"0"15,0 0-15,0 1-16,0-1 0,0 0 0,0 0 15,0 21-15,0-20 0,-21 20 16,0-21-16,0 21 0,21 1 0,0-1 16,-21-21-16,0 22 0,-1-22 15,22 21-15,-21-21 0,21 0 0,0 1 16,-21-1-16,21 0 0,0 0 16,-21-21-16,21 21 15,21-21 16,0 0-31,0-21 0,1 0 16,-1 0-16,0 0 16,0-1-16,0 1 0,0 0 15,1 0-15</inkml:trace>
+  <inkml:trace contextRef="#ctx0" brushRef="#br0" timeOffset="45968.7">21463 4149 0,'0'0'0,"0"-21"16,21 21 0,-21 21 15,0 0-15,0 0-1,0 0 1,0 0-16,0 1 0,0-1 15,-21-21-15,21 21 16,0 0-16,-21-21 16,21 21-16,-21-21 15</inkml:trace>
+  <inkml:trace contextRef="#ctx0" brushRef="#br0" timeOffset="46324.15">21738 4128 0,'0'0'0,"21"0"15,-21 21 48,0 0-63,0 0 16,0 0-16,0 0 0,0 1 15,0-1 1,0 0-16,-21-21 0,21 21 15,0 0 1,-21-21 31</inkml:trace>
+  <inkml:trace contextRef="#ctx0" brushRef="#br0" timeOffset="62949.12">2582 6752 0,'0'0'0,"-21"0"15,0-42 1,21 21-16,0 0 0,0-1 16,0 1-1,21 0 1,-21 0-1,21 21-15,0-21 0,-21 0 16,22-1-16,-22 1 16,21 0-16,-21 0 0,0 0 0,21 0 15,-21-1-15,21 1 0,-21 0 16,0 0-16,21-21 16,-21 20-16,0 1 0,0 0 15,0 42 1,-21-21-1,0 21-15,21 1 0,-21 20 0,0 0 16,-1 1-16,22-1 16,-21 0-16,0 22 0,-21-1 0,21-20 15,-1 20-15,1 1 0,-63 105 16,41-106-16,22-20 16,0 20-16,-21-20 0,20-1 15,1 0-15,0 1 0,21-22 16,-21 0-16,21 21 0,-21-42 0,21 21 15,0-42 17,0 0-32,21-21 15,0 21-15,0-22 0,-21 1 0,21 0 16,1-1-16,20 1 0,-21 0 16,0-1-16,0-20 0,22-1 0,-22 22 15,0-22-15,21 1 0,-20-1 16,-1 1-16,0-1 0,0 1 0,0 21 15,0-1-15,1 1 0,-1 0 16,-21 20-16,0 1 0,21 0 0,0 0 16,-21 0-16,0 0 0,21 21 15,-21-22-15,21 22 0,1 0 47,-22 22-31,0-1-1,0 0-15,0 0 16,0 0 0,0 0-1,-22-21 1</inkml:trace>
 </inkml:ink>
 </file>
 
@@ -1089,7 +1691,7 @@
           <inkml:channelProperty channel="T" name="resolution" value="1" units="1/dev"/>
         </inkml:channelProperties>
       </inkml:inkSource>
-      <inkml:timestamp xml:id="ts0" timeString="2021-02-02T14:20:06.937"/>
+      <inkml:timestamp xml:id="ts0" timeString="2021-02-03T14:11:10.230"/>
     </inkml:context>
     <inkml:brush xml:id="br0">
       <inkml:brushProperty name="width" value="0.05292" units="cm"/>
@@ -1097,69 +1699,106 @@
       <inkml:brushProperty name="color" value="#FF0000"/>
     </inkml:brush>
   </inkml:definitions>
-  <inkml:trace contextRef="#ctx0" brushRef="#br0">4339 1185 0,'21'-21'0,"-21"0"16,0 0-16,0 0 15,0-22 1,0 1-16,0 21 31,0 42 0,0 0-15,0 0-16,0 1 0,0 41 16,0 85-1,21-63 1,-21-43-16,22 106 15,-22 22 1,21 126 15,0-211-15,-21-1 0,21-62-16,-21-1 15,-21-42 32,21-1-31,0 1-16,0 0 0</inkml:trace>
-  <inkml:trace contextRef="#ctx0" brushRef="#br0" timeOffset="1266.85">5186 1418 0,'0'-21'16,"-21"0"-1,-1 21 17,1 21-17,21 0-15,0 0 0,0 1 16,-21-1-16,21 21 0,0 0 16,-21 1-16,21-1 0,0 149 15,0-86 1,0 1-1,0-63-15,0 20 16,0-42-16,21 0 0,64 22 16,-43-22-1,64-21 1,-64 0 0,-21 0-16,1 0 15,41-64 1,-42 43-16,-21 0 0,21-106 31,-21 42-31,0 43 0,0 0 16,-63-64-1,42 64-15,-22-1 16,22 22-16,0 0 0,-21-21 16,-22 20-16,43 22 15,0 0-15,0 0 16,0 0-1,21-21 1,21 21 15,0-21-31,21 0 16,1 21-16,41-42 16,-20 20-1,-22 1-15,0 21 16,128-63-1,-128 63-15,0 0 0,64-21 32,-85 21-32,22 0 0,-22 21 15,0 21 1,-21 22 0,0 20-1,-21 64 1,-21-21-1,42-84-15,-22 126 32,22-84-17,0-1-15,0-62 16,0 20-16,43 0 16,20-21-1,-42-21-15,22 0 16,-22 0-16,42-21 15,-20 0-15,-22 0 16,0 0-16,0 0 0,0-1 16,64-41-1,42-233 1,-127 211 0,-21-106-1,-21 107 1,20 63-16,-105-106 31,64 105-15,21 22-1,20 0 1,1 0-16,-42 64 31,42-22-15,21 1-1,0-22 1,21-21 0,0 0-16</inkml:trace>
-  <inkml:trace contextRef="#ctx0" brushRef="#br0" timeOffset="1776.08">7197 1461 0,'0'0'0,"-43"0"15,43-22-15,-21 22 0,0 0 16,0 0 0,42 0 30,0 0-46,0 0 0,0-21 16,22 21-16,-22 0 0,21 0 16,64 0-16,42-42 31,22 21-31,-22 0 16,42-1 15,-147 22-31,-22 0 15,21 0-15,-63 0 63,0 0-63</inkml:trace>
-  <inkml:trace contextRef="#ctx0" brushRef="#br0" timeOffset="2238.81">7726 1503 0,'-21'0'0,"-1"0"31,22-21-15,-21 21-16,21 21 47,0 0-47,0 0 0,0 0 16,0 1-16,0 41 15,0-21-15,0 85 16,0-84-16,0 20 0,0 107 15,-21-65 1,-21-20 0,42 0-1,-21-64-15,-1 42 32,22-84 14,22 21-46,41-63 16,-42 42-16</inkml:trace>
-  <inkml:trace contextRef="#ctx0" brushRef="#br0" timeOffset="3592.62">9080 1609 0,'0'0'16,"0"-21"-16,0-1 0,0 1 15,0 0 1,0 0-16,-21 21 0,0 0 16,-42-21-1,-1 21 1,-42 0 0,22 42-1,41-21-15,-63 85 16,43-42-1,-22 105 1,64-42 0,21-106-16,0 21 0,0 64 15,21-63 1,43-1 0,-43-42-16,0 0 0,43 21 15,-22-21-15,0 0 0,43 0 31,21-42-31,0 21 16,-85-1 0,0 22-16,42-21 0,-41 21 15,-22-21-15,42 21 16,-42 21 15,0 0-15,-21 1-16,0-22 15,-1 0-15,1 21 16,0-21-16,0 21 0,-43 0 16,22-21-16,21 0 15,-21 0-15,-22 21 16,-84-21 0,84 0-1,-20-42 1,41 21-16,-20-85 31,63 64-31,-21-1 16,21-63-16,0 85 15,21-63-15,0 41 16,106-105 0,-106 106-16,22 21 15,-1-22-15,64-20 16,-64 42-16,0 21 0,-20-22 15,-1 22-15,21 0 0,64 0 16,-64 22 0,-42-1-1,21 0 1,-21 0-16,-21-21 47,0 0-32,0 0 1,0 0-16,0 0 0,-43 0 16,1 0-1,-1 0 1,1 0 0,-64 0 15,105 21-31,-62 64 15,20 0 1,43 20 0,-21 149 15,42-169-15,21 0-1,42-64-15,-20-21 16,-1 0-16,0 0 0,22 0 15,-22 0-15,1 0 0,-1 0 16,43-42 0,-22 20-16,-42 22 0,0 0 15,1-21 1,-1 21-16,-21-21 0,0 0 47,0 0-32</inkml:trace>
-  <inkml:trace contextRef="#ctx0" brushRef="#br0" timeOffset="8125.8">5778 3874 0,'22'0'0,"-1"0"16,-42 0 46,-1 0-62,1 0 16,21-22-16,0 1 16,0 0-16,0 0 15,0 0 1,0-22-16,21 1 15,-21 21-15,22 0 0,-1 21 16,42-21 0,-42 21-16,1 0 15,-1 0-15,85 84 16,-85 1-16,0-43 16,0 64-16,-63 212 15,-43-128 16,-84 1-15,126-149-16,-41 21 16,-43 1-1,0-128 1,106 22 0,-1-127-1,22 42 1,64 21-1,-43 85-15,0 21 16,22 0-16,-22 0 16,190 127-1,-168-64 1,41 22 0,-62-64-16,20 64 15,-42-64-15,63 42 16,-41-63-1,-1 0 1,21-21 0,-21 0-16</inkml:trace>
-  <inkml:trace contextRef="#ctx0" brushRef="#br0" timeOffset="8583.06">6858 4001 0,'0'0'0,"0"-22"0,0 1 16,0 0 0,-21 21-16,0 0 15,-1 0-15,1 42 16,-42 64 0,20 42-1,22-84-15,21 84 16,-21-106-16,21 1 0,0 41 15,0-62-15,0 41 16,21-42-16,64 0 16,-43-21-16,22 0 15,-22-21-15,0 21 0,128-127 16,-86 0 0,-41-21-1,-64-85 1,-64 106-1,64 85-15,-22 21 16,-126-22 0,148 43-16,-21 0 15,20 64 1,22-1 0,22 22-1,62-21 1</inkml:trace>
-  <inkml:trace contextRef="#ctx0" brushRef="#br0" timeOffset="9439.39">8128 4530 0,'0'21'15,"21"-21"1,0-42-1,0 42-15,1-22 0,83-126 32,-62 106-32,-1-43 15,64-148 1,-43 85-16,-63 0 16,-42-42 15,-21 168-16,20 44 1,1 41 0,0 149-1,-43 275 17,43-149-17,-1-41 1,43-22-1,-21-191-15,0 1 0,0 84 16,21 64 0,0-169-16,0 63 15,0-85-15,0 0 0,0 1 0,0 41 16,42-62 0,-21-22-16,0 0 0,64-85 31,0-21-16,21-127 1,-22-42 0,-84 127-1,0 84-15,-148-295 32,127 316-32,-64-20 0,-21-1 15,22 43 1,84 0-1,21 21 17,21-21-17,-21 21-15,1-21 0,147-43 32,-42 1-17</inkml:trace>
-  <inkml:trace contextRef="#ctx0" brushRef="#br0" timeOffset="10612.98">9207 4106 0,'0'0'0,"0"-42"0,0 21 0,-42-21 16,0 42 0,-1 0-16,-105 84 31,64 43-16,-1 43 1,85-65 0,0-62-16,42 84 31,22-106-15,20-21-1,-62-21-15,41-22 0,106-126 31,-126 42-15,-22 21 0,-21 43-1,0 63 1,0 21 0,0 42-1,-21-20-15,21-22 0,0 42 16,0-20-16,0-22 0,0 85 15,21-43 1,0-42 0,0-21-16,22 0 15,-22 0-15,0 0 0,42-63 16,22-22 0,-21-21-1,-43 64-15,21-21 16,-42 41-16,0-20 31,0 63-15,0 0-16,0 1 0,0 20 15,-21 43-15,21-43 16,0 0-16,0 43 16,0-22-1,21-63-15,0 43 16,43-43-1,-43 0-15,21 0 0,64-43 16,-64 22-16,22-42 16,21-43-1,-1-42 1,-41 84-16,-22-20 0,42-170 16,-42 148-1,-21 42-15,22 22 0,-22-22 16,21 1-1,-21 84 1,0 43 0,-64 105-1,1 64 1,42-64 0,-1 43-1,22-149 1,0-20-16,43 41 15,84-63 17,0-84-17,-21-1 1,-85 22-16,42-21 16,-42 20-16,1 1 0,-1-106 31,-21 105-31,-21 43 15,-1 22 1,-20 20-16,42-21 16,-42 106-1,42-21 1,0-21 0,0-64-16,0 0 0,0 0 0,21 0 15,0-21-15,21 21 16,22-21-1,-43 0-15,21 0 0,43-42 16,21 0 0</inkml:trace>
-  <inkml:trace contextRef="#ctx0" brushRef="#br0" timeOffset="11291.6">11578 4170 0,'0'0'0,"0"-21"0,0 0 0,0-1 0,0 1 16,0-21-16,-21 0 16,0 20-16,0 22 15,-1 0-15,-20 0 16,0 43-16,21-22 16,-1 0-16,-41 85 15,-1 0-15,43-64 16,0-21-16,-21 85 15,42-64-15,-21 1 16,21 20 0,0-42-1,21-21-15,0 0 0,85 0 32,-22-84-17,1-1 1,-64 43-16,22-64 0,62-296 31,-83 211-15,-1 64-1,0-42-15,-21 84 32,-21 128-17,0-22 1,-1 21-16,1 85 15,0-63-15,0-1 0,-21 170 16,20-85 0,1 85-1,21-191-15,0 85 16,0-84-16,21 62 31,43-83-15,-43-22-16,64 0 15,21-22 1,105-83 0,-105-22-1,-106 42 1,0 43 0</inkml:trace>
-  <inkml:trace contextRef="#ctx0" brushRef="#br0" timeOffset="11763.32">9588 3641 0,'0'0'0,"-21"0"0,21 21 0,0 0 16,0 0-16,0 0 15,21-21 1,1 0-16,-1 0 0,21-21 16,0 0-1,-20 21-15,-22-21 0,0-21 16,0 20 0,-22 22-16,1 0 0,-42 0 31,42 0-31,-1 0 0,1 22 15,0-1 1,0 0-16,21 0 16</inkml:trace>
-  <inkml:trace contextRef="#ctx0" brushRef="#br0" timeOffset="12647.16">11832 1820 0,'0'0'0,"-21"0"0,0 0 15,0 0 1,-1 0 0,44 0 31,-1 0-47,21 0 0,0-21 15,64 21-15,106-21 16,-149 21-16,22 0 15,63-21-15,22 0 16,-86 21-16,1 0 0,21 0 16,232-21-1,-168 21 1,-22 0 0,-127 0-16,0 0 15,-42 21 32,-21-21-16,21 0-31,-22 0 16</inkml:trace>
-  <inkml:trace contextRef="#ctx0" brushRef="#br0" timeOffset="13210.84">11938 1969 0,'-21'0'0,"21"21"32,21-21-1,0 0-15,21 0-16,-20 0 0,20 0 15,-21 0-15,21 0 0,276-43 31,-43 1-15,-42 21 0,0 0-1,84 0 1,-190-1 15,-63 22-31,-43 0 16,-42 0 78,0 0-79,21-21-15,-22 21 16,22-21-16</inkml:trace>
-  <inkml:trace contextRef="#ctx0" brushRef="#br0" timeOffset="13913.39">13420 1291 0,'0'0'0,"-22"-21"15,22 42 32,0 0-47,0 1 16,22-22-16,-22 21 0,21 0 0,0 0 15,21 0 1,43 43-16,-43-43 0,43 42 16,21-20-1,-64-22-15,-21-21 16,85 21 0,0 0-1,-85-21 1,0 0-1,-21 21 1,-42-21-16,21 0 16,0 0-16,-85 64 15,21-22 1,43-21-16,-149 128 31,85-44-15,1-20-1,-1 21 1,63-64 0,1 22-1,21-64-15,21 21 16,0 0 15,-21-21 32,21-21-63,-21 21 31,21-21-31</inkml:trace>
-  <inkml:trace contextRef="#ctx0" brushRef="#br0" timeOffset="16586.63">16235 1524 0,'-21'-21'0,"-1"0"15,22 0 1,0-1-16,0 1 16,-21 21-16,21-21 0,0-21 15,0 21-15,0-1 16,0 1-16,0 0 0,43-21 16,-22 21-16,21 21 15,22 0 1,-1 84-1,-42-63-15,0 1 0,22 105 32,-43-85-32,0 43 15,-21-22-15,-43 22 16,43-43-16,-64 43 0,22-43 0,20 0 16,-147 64-1,84-42 1,43-64-1,20 0-15,22 0 0,-21 0 16,21-21-16,21-22 0,-22-41 16,22-22-1,0 42 1,22 22-16,41-43 16,-42 64-16,0 0 0,64 21 31,-43 21-31,22 64 15,-1 21 1,-41-85-16,-22 0 16,42 42-1,-42-41-15,21 20 16,-21 0-16,21-42 0,0 21 16,1 1-16,-1-22 15,63 0 1,-62-22-1</inkml:trace>
-  <inkml:trace contextRef="#ctx0" brushRef="#br0" timeOffset="17031.37">16954 1651 0,'0'0'0,"0"-21"0,0-21 15,0 20-15,0 1 31,-21 21-31,-21 21 16,-22 64 0,1 21-1,-1 42 1,43 0 0,42-127-1,22-21 1,63 0-1,42-127 17,-106 43-17,-21-64 1,-42 63 0,-127 0 15,106 106-16,-1 22 1,43-22-16,-21 0 16,21 64-1,0-64-15,21 0 16</inkml:trace>
-  <inkml:trace contextRef="#ctx0" brushRef="#br0" timeOffset="18523.11">17399 1566 0,'0'0'0,"-21"22"62,21-1-62,-21-21 0,-1 21 16,22 0-16,-21 64 15,-21-1 1,-22 65 15,43-107-15,21-63 15,0-64-15,21 22-1,1-43 1,-1 63-16,0 22 16,0 0-16,0 0 0,-21 0 0,85-22 31,-22 86-16,-41 20 1,-1 22 0,-21 21-1,0-43 1,0-42 0,-21-21 15,21-21-16,0-21 1,42-43 0,43-63 15,-64 106-31,42-1 16,-20 22-1,-22 42-15,21 106 31,-42-21-15,0-42 0,21-22-1,43 0 17,20-42-17,1-42 1,21-21-1,-64 41-15,43-105 16,-85 85 0,21 21-1,-42 21 1,-43 85 15,22-1-15,42 1-1,0-43 1,85-21 15,21-21-15,-22-42 0,1-21-1,-64 41-15,43-105 31,-43 85-15,-21 84 15,-64 64-15,64-85-16,-21 22 16,0 20-1,0-20 1,42-107 46,-21 43-62,21 0 16,0 0-16,22-85 16,41 0-1,1 21 1,21 22-1,-85 63-15,0 0 0,43 0 16,-64 21-16,21 0 0,0 0 16,-21 0-16,0 22 0,0-1 15,0 106 1,-21-127-16,0 1 0,-1 41 16,-41 22-1,42-43 1,0-42-16,21 21 15,-22-21 1,1 0 0,0-63-1,21 42-15,0-43 16</inkml:trace>
-  <inkml:trace contextRef="#ctx0" brushRef="#br0" timeOffset="18948.07">18224 1164 0,'0'0'0,"-21"0"16,0 0-16,0 21 15,-21 43 1,42-22-1,0 1 1,42-43 0,21 0-1,-41 0-15,-1 0 16,0-85 15,-21 43-31,0 20 0,-85-20 31,43 21-31,-43 63 32,43 1-17,21-1 1,21 21 0,0-41-16,0 20 15,0-21 1</inkml:trace>
-  <inkml:trace contextRef="#ctx0" brushRef="#br0" timeOffset="32587.08">3958 7091 0,'0'0'0,"0"-21"0,0 0 15,0-1-15,0 1 16,0-21-1,0 21-15,0 42 32,0 21-17,0 1-15,0-1 0,0 106 16,0 21 0,0-84-16,0 21 0,-42 423 31,21-338-31,-22 126 15,22-126 1,21-149-16,0 0 0,0 85 31,0-106-31,0-42 32,0-42-32,0 20 0,0-41 15,0-43 1,0 63-1</inkml:trace>
-  <inkml:trace contextRef="#ctx0" brushRef="#br0" timeOffset="33277.22">3958 7176 0,'0'0'0,"0"-22"16,21 1-16,-21 0 0,43-21 15,-22 42-15,-21-21 16,21 21-16,64-22 16,-43 1-16,21 21 15,128-42 1,126-43 0,-147 43-16,-86 42 15,149-64-15,-148 43 16,-22 21-16,149-21 15,-21 21 1,-86 21 0,-62 0-16,-22 1 15,0-1-15,0 21 0,22 85 32,-43-63-32,0 105 0,0 43 15,0-22 1,0-126-16,0 253 31,0-126-31,0-22 16,0-21-1,0-84-15,0-22 16,0 127 0,0-105-1,-22 63 1,-41-64-16,42-42 15,0 1-15,-106 20 16,63-21-16,-148 0 16,-63 0-1,169-21-15,-126 22 16,105-22-16,-381 0 16,317 0-1,43 0 1,84 0-1,43 0-15,21-22 0,0 1 16,64-85 0,84-63-1,-85 127-15</inkml:trace>
-  <inkml:trace contextRef="#ctx0" brushRef="#br0" timeOffset="34646.43">4572 7366 0,'-21'0'0,"0"0"15,-1 0-15,1 0 16,-21 0 0,21 0-16,-22 21 31,22 0-15,42-21 30,1 0-30,-1 0-16,0 0 0,21 0 16,22 0-1,-22 0-15,64-21 16,21 0 0,127 0-1,-169 21 1,-43 0-16,64-21 15,-64 21-15,127 0 16,-42-21 0,-84 21-1,-22 0 1,0 0 0,-42 0 46,0 0-62,0 0 16,-22 0-16,1 0 15,21 0-15</inkml:trace>
-  <inkml:trace contextRef="#ctx0" brushRef="#br0" timeOffset="35141.83">4318 7641 0,'0'0'0,"21"0"16,21 0-1,-20 0-15,20 0 0,0 0 0,149 0 32,20 0-32,-147-21 15,359-64 1,-232 43-1,-43 21 1,-127 21 0</inkml:trace>
-  <inkml:trace contextRef="#ctx0" brushRef="#br0" timeOffset="35665.87">4403 8022 0,'0'21'0,"21"-21"31,-21 22-31,42-22 0,-21 0 16,149 0 0,-65 0-1,65-43-15,-107 22 16,297-85-1,-233 64 1,85 0 15</inkml:trace>
-  <inkml:trace contextRef="#ctx0" brushRef="#br0" timeOffset="36374.5">7429 7345 0,'0'0'0,"0"-21"0,0 0 0,0-1 15,0 1-15,-21-21 16,0 21-16,21-43 15,-21 43-15,0-42 16,0 20 0,21 64 15,0 22-31,-22 84 16,22 21-1,0-85-15,-21 170 16,21-169-16,0 20 0,-42 234 31,21-1-15,0-168-16,21-65 0,0 43 15,-22-63-15,22-1 16,-21 128 0,21-149-16,0 22 15,0-22 1,21-42-16,1 0 0,-22-21 15,63-106 1,-42 21 0,0 42-16,1 1 0</inkml:trace>
-  <inkml:trace contextRef="#ctx0" brushRef="#br0" timeOffset="37152.06">7324 7176 0,'-22'-43'15,"44"86"-15,-44-107 0,22 43 0,0 0 16,22 0 0,-1-1-1,21 22-15,0-21 0,64 0 16,42 0-16,-63 0 15,0 0-15,317-43 16,-190 22 0,-107 42-16,1-21 0,191-1 15,-65 1 1,-168 21-16,190 0 31,-212 0-31,43 43 16,-43-1-16,1 43 15,-43 105 17,0-21-17,0-20 1,0 41 0,0-105-1,0-22-15,0 85 16,21-84-16,42 84 15,-20-42 1,-22-64-16,63 191 16,-62-212-16,-22 64 15,0-22 1,-43 22 0,1-64-16,-127 127 31,42-84-16,84-22-15,-105 22 16,-64-22-16,-317 0 31,212-42-15,-107 0 0,255 0-1,-148-21 1,253 0-1,22 21 1,21 0-16,21-21 16,0 0-16,21-64 15,0 43 1</inkml:trace>
-  <inkml:trace contextRef="#ctx0" brushRef="#br0" timeOffset="37684.76">7959 7535 0,'0'0'0,"-22"0"0,1 0 16,21-21-16,-21 21 0,0 0 16,0 0-1,42 0 1,0-21-1,21 21-15,1 0 0,380-85 32,-359 64-17,20 21-15,128-42 16,-64 0-16,-106 42 16,43-22-1,-64 22 1,-42 0 15,0 0-31,0 0 16,0 0-16,-1 0 15,1 0 1,0 0-16,-21-21 16,21 21-16</inkml:trace>
-  <inkml:trace contextRef="#ctx0" brushRef="#br0" timeOffset="38065.79">7874 7620 0,'0'0'0,"-21"21"15,21 0 1,0 1-1,21-22-15,0 21 0,0-21 16,127 0 0,212-21 15,-317 21-31,168-43 16,-126 22-1,-64 21-15,43 0 16,-64-21-1,-22 21 17,-20 0-32,21 0 0,-85 0 31,43 21-15,-43 0-1,63 0-15</inkml:trace>
-  <inkml:trace contextRef="#ctx0" brushRef="#br0" timeOffset="38381.12">7747 8022 0,'-21'21'16,"42"-42"-16,-85 85 0,43-43 0,0 0 16,21 0-1,64-21 1,-22 0-16,0 0 0,170-63 31,-43 20-31,1-20 16,-128 42-16,0 0 15,43-1-15,-43 1 16,106 0 0,-105 21-1,-22-21 1,0 21-1,43 0 1,-22-21 0,-21 21-1</inkml:trace>
-  <inkml:trace contextRef="#ctx0" brushRef="#br0" timeOffset="38970.15">11155 7133 0,'0'0'0,"-21"-21"15,-1 0-15,22 0 0,-21-43 16,0 43-16,21 0 0,-21 0 15,0 0-15,21 42 32,0 21-32,0 0 15,0 64-15,0-42 0,0 84 16,0-63-16,0 105 16,0 85-1,0 22 1,0-213-16,-21 149 0,21-169 15,-22 63-15,22-64 16,0-21-16,0 107 16,0-86-1,0-42-15,0-42 32,0 0-32,0 0 0,0-170 31,-21 22-31,21 42 15</inkml:trace>
-  <inkml:trace contextRef="#ctx0" brushRef="#br0" timeOffset="39773.19">11155 7027 0,'-21'-21'0,"42"42"0,-42-63 0,-1 42 0,22-21 16,0 0-16,0 0 31,22-1-31,20 1 0,-21 21 0,64-21 15,-43 0-15,22 0 0,-1 21 16,1-21-16,-1 21 0,22-22 16,190-20-16,-85 0 15,-84 42-15,-21-21 16,190-1-16,-42 1 16,-170 21-16,1 0 15,105 43 1,-63 20-1,-42 43 1,-22 84 0,-42-147-16,21 20 0,0 128 15,-21-85 1,21-43-16,1 43 16,-22-43-16,0-20 0,63 168 15,-21-20 1,-42-149-16,0 85 15,0 0 1,0-106-16,0 64 16,0-64-16,0 0 0,-42 106 31,-21-42-15,41-64-16,1 0 15,-63 22-15,62-43 16,-20 21-16,-275 21 15,147-42 1,-126 0 0,-22 0-16,213 0 15,20 0-15,-21 0 0,-169 0 16,169 0 0,43 0-16,-43 0 15,21 0 1,64 0-16,0 0 15,21-21 1,0-21 0,21 21-1,21-22-15,1 22 0</inkml:trace>
-  <inkml:trace contextRef="#ctx0" brushRef="#br0" timeOffset="40420.97">11705 7366 0,'21'0'47,"0"0"-31,1 0-16,-1 0 0,21-21 0,43 21 15,380-106 17,-338 85-17,-21 0 1,-85 21 0,-42 0 46,0 0-62,0 0 16,0 0-16,-22 0 15,1 21-15,-64 21 16,22-21-16</inkml:trace>
-  <inkml:trace contextRef="#ctx0" brushRef="#br0" timeOffset="40738.87">11684 7641 0,'0'21'0,"0"-42"0,-21 42 0,21 1 0,0-1 15,21-21 1,21 0 0,43 0-1,42-43 1,42 22-16,-126 0 15,105 0 1,-106 21-16,85-21 16,-148 21 31,0 0-32,0 0-15,-1 21 0,-20 0 16,-21 0-1,20 0-15,1 1 0,-64 20 16</inkml:trace>
-  <inkml:trace contextRef="#ctx0" brushRef="#br0" timeOffset="40991.73">11515 8170 0,'0'0'0,"0"22"0,21-22 32,0 0-32,0 0 0,21 0 15,43-22-15,63-20 16,-84 42-16,42-21 16,-64 0-16,191-22 31,-170 22-31</inkml:trace>
-  <inkml:trace contextRef="#ctx0" brushRef="#br0" timeOffset="45145.01">5630 5355 0,'0'0'0,"-42"0"15,21 0 1,0 0-16,-1 0 0,1 0 16,0 0-16,0 0 15,0 0 1,0 0 0,42 0 30,21 0-46,64 0 32,21 0-17,85 0 1,-64 0-16,-106 0 16,127 0-1,-126 0-15,41 0 16,-41 0-16,84 0 15,-43 0 1,-62 0-16,83 0 31,-83 0-31,-1 21 16,-42-21 62,-1 0-78,1 0 16,0 0-16,-21 0 0,21 0 15,-1 0-15,-41 0 16</inkml:trace>
-  <inkml:trace contextRef="#ctx0" brushRef="#br0" timeOffset="46165.43">5524 5525 0,'0'0'0,"-21"0"16,0 0-1,0 0 1,0 0-1,21 21 1,-21-21-16,21 21 78,21-21-62,0 0-16,0 0 0,0 0 15,0 0-15,22 0 0,20 0 16,128 0 0,-128 0-16,85 0 15,-42 0 1,42 0 0,-84 0-16,-22 0 0,1 0 0,62 0 15,22 0 1,-84-21-1,-22 21 1,-42 0 359,0 0-359,-1 0-16,1 0 15,21-21-15,-21-1 16,0 22 0</inkml:trace>
-  <inkml:trace contextRef="#ctx0" brushRef="#br0" timeOffset="47203.03">4805 2604 0,'0'0'0,"-21"0"0,-1 0 16,-83-22-1,83 1 1,1 21-16,42 0 31,212 0 0,-148 0-31,190-21 16,127 21 0,-317-21-16,84 21 15,212-21 17,-233 21-17,-105 0 1,-22 0-1,-85 0 32,22 0-31,21 0-16,-85 21 16,-21 0-1</inkml:trace>
-  <inkml:trace contextRef="#ctx0" brushRef="#br0" timeOffset="47620.16">4487 2773 0,'0'0'0,"-21"0"0,21 21 16,21-21 0,22 0-16,84 0 15,84-21 1,318-43 15,-190 43-15,-127 21-1,-22-21 1,-84 21 0,-85 0 15,-21-21 16,21 21-47,1 0 31,-1 0-31</inkml:trace>
-  <inkml:trace contextRef="#ctx0" brushRef="#br0" timeOffset="50076.15">1418 1778 0,'0'0'0,"21"0"0,-21-21 0,0 0 16,0 0-16,-63-43 31,-22 64-15,43 21-1,-1 0-15,-62 43 16,-86 169 15,128-85-15,20 0-16,43 21 31,0-42-31,106 0 31,0-105-15,-43-22 0,43-43-1,0-20 1</inkml:trace>
-  <inkml:trace contextRef="#ctx0" brushRef="#br0" timeOffset="51088.89">1566 2307 0,'0'-42'0,"-84"21"32,168 84-32,-232-126 0,63 105 31,22 22-31,21 105 31,42-127-31,0-21 16,0 85-1,42-85 1,21-21 0,-20-42-1,20-43 1,-42 43-1,1 0-15,-22-43 32,0 64-17,0 42-15,0 43 16,0 63 15,0-64-15,0-42-1,21 0-15,85-63 32,-64 0-17,43-85 1,-43 63 0,21-20-1,-20 84 1,-22 63-1,21 43 1,-42-64 0,0 43-1,0-43 1,-42-42 0,0 0-1,-43-63 16,64 42-15,0-1 0,21 86 15,42-22-15,0-42-1,-21 0-15,1 0 16,20 0-16,85-42 31,-64-22-15,1 1-1,-64-22 1,0 43-16,0-64 31,-21 106-15,0 42-16,21 43 15,-22 106 17,22-107-17,0-41 1,0-22 0,106-21-1,0-64 1,-42 1-1</inkml:trace>
-  <inkml:trace contextRef="#ctx0" brushRef="#br0" timeOffset="51628.36">2857 2223 0,'0'-22'0,"22"1"0,-1-21 31,-21-22-31,21 1 16,-21 21 0,0 20 15,0 65-15,0 63-1,0-43-15,0-21 0,0 149 31,0-64-15,0-64 0,-42-20-1,-43-22 17,0 0-17,43-21 1,-22 0-1,128 0 17,-1 0-17,1-21 1,84-21 15,-127 20-15,0 1-16,22-21 15,-1 0 1</inkml:trace>
-  <inkml:trace contextRef="#ctx0" brushRef="#br0" timeOffset="51838.84">3365 2265 0,'0'-21'15,"0"-22"1,-21 22 0,21 42 31,0 1-32,0-1-15,0 21 16,0-21-1</inkml:trace>
-  <inkml:trace contextRef="#ctx0" brushRef="#br0" timeOffset="52015.81">3323 2582 0,'21'0'0,"-42"0"0,0 22 0,0 20 16,0-42-1,21 21 63</inkml:trace>
-  <inkml:trace contextRef="#ctx0" brushRef="#br0" timeOffset="52635.2">995 4276 0,'0'0'16,"0"-21"-16,0-43 16,0 43-16,0 0 0,0 0 15,0-1-15,0 1 0,-21 0 16,-1 21 0,1 0-16,0 0 0,0 0 15,0 0-15,0 0 0,-43 42 16,-42 107-1,-21 126 17,127-64-17,0-126 1,0-43-16,43 64 16,62 21-1,-20-106 1,21-21-1,-43-21 1,22-21 0</inkml:trace>
-  <inkml:trace contextRef="#ctx0" brushRef="#br0" timeOffset="53752.08">1397 4678 0,'0'0'0,"0"-21"0,-21-22 16,-85 1 15,42 42-15,22 21-1,21 64 1,0 105 0,21-63-1,0-42 1,0-64-1,42 0 1,0-42 0,22-63-1,-1-22 1,-41-42 0,-1 84-1,-21 22 1,21 42-16,-21 21 15,0 21 1,0 64 0,0-85-16,21 170 31,0-170-31,0 21 16,85-42-1,-85 0-15,43 0 16,126-148 15,-105 0-15,-43 42-1,-20 64 1,-22 21 0,0 42-16,0 0 15,0 0-15,0 106 31,0-63-31,0-1 16,21-21 0,-21-20-16,0-1 0,0 0 31,0 0-15,-21-21-1,21-21-15,-22 21 0,-41-64 31,42 43-15,0 21 0,21 85 15,0-43-15,0-21-1,21-21-15,0 0 0,21 22 16,-21-22-16,1 0 0,83-22 15,1-41 1,0-1 0,-85 43-16,43-42 15,-43 20-15,0 1 0,21-64 32,-42 64-32,0-43 15,0 64 1,-42 21-16,21 0 15,-21 85 1,20-1 0,22 22-1,0 0 1,0-85-16,0 0 0,64 64 16,-22-64-1,1-21 1,-1 0-1,-21-21-15,0 21 16,22-85 0,20 1-16</inkml:trace>
-  <inkml:trace contextRef="#ctx0" brushRef="#br0" timeOffset="54413.71">3111 4551 0,'0'0'0,"0"-21"16,-21 0 0,21-1-16,0 1 0,0 0 15,0-21 1,0 21-16,43-22 15,-22 43-15,85 0 32,-85 0-32,42 85 15,-63-64-15,21 43 16,-21 126 15,-42-126-15,21-22-16,0 21 15,0-41-15,-43 62 0,43-41 16,-64 41 0,43-84-1,21 0-15,-22 0 16,22-42 0,21-43-1,0 1 1,0-1-1,43 85 1,-22 0-16,21 0 16,43 127 15,-43-64-15,0-20-16,1 20 15,-22-42-15,21 22 31,-42-22-15,21-21 15,-21-21-31,22-43 16,-22 43 0</inkml:trace>
-  <inkml:trace contextRef="#ctx0" brushRef="#br0" timeOffset="54691.56">3852 4636 0,'0'-22'31,"0"1"-31,21 0 16,1 21 31,-1 0-32,-21 21 1,0 0 0,0 1-16,0-1 15,0 0-15</inkml:trace>
-  <inkml:trace contextRef="#ctx0" brushRef="#br0" timeOffset="54887.44">3873 5059 0,'0'21'16,"0"0"-16,0 0 47,-21-21-47,21-21 31,0 0-15,0 0-1</inkml:trace>
-  <inkml:trace contextRef="#ctx0" brushRef="#br0" timeOffset="79140.56">6900 5461 0,'-21'0'0,"0"0"0,0 0 16,0 0-16,-22 0 15</inkml:trace>
-  <inkml:trace contextRef="#ctx0" brushRef="#br0" timeOffset="79815.03">6477 5440 0,'0'0'0,"-21"0"0,0 0 16,-1 0-16,1 0 15,0 0-15,0 0 16,0 0-16,0 0 16,-1-21-1,1 21 1,21-21 15,21 21 0,1-22-31,-1 22 16,85 0-16,148-42 31,42 0-15,-148 21-1,-63 21-15,550-64 32,-254 43-17,0 0 1,-85 21 0,-211 0-16,21 0 15,190 0-15,466-21 31,-360-1-15,-127 22 15,170-21-15,-212 0 0,275-21 15,-318 21-16,-105 21 1,-106 0 31,-128 0-16,-20 0-31</inkml:trace>
-  <inkml:trace contextRef="#ctx0" brushRef="#br0" timeOffset="80882.6">6794 5525 0,'-21'0'0,"42"0"0,-63 0 16,21 0-16,-21 0 15,20-22 1,1 1-1,0 21 1,0 0-16,-85 0 47,85 0-47,-21 0 16,-22 0-1,22 0 1,21 0-1,42 0 64,0 0-79,106 0 15,63-21 16,297-21 1,-169 21-17,105-1 1,-84 1 0,-22 0-1,234 21 16,-234 0-15,-63 0 15,127-21-15,64 21 0,147-42 15,-359 20-16,63 1 1,-126 21 0,168-63 15,-295 63-31,20-21 16,1 21-1,-43-22 1,0 22-1,-21-21 64,-21 21-79,-64-42 31,22 0-16,-85-22 17,126 64-17</inkml:trace>
-  <inkml:trace contextRef="#ctx0" brushRef="#br0" timeOffset="86908.85">6159 5525 0,'-21'0'47,"0"21"-47,0-21 15,0 21-15,0-21 16,-22 21-16,22 0 0,0-21 16,0 0-16,0 21 0,-1-21 15,-83 22 1,20-1 0,21-21-1,-41 0 1,83 0-16,-20 0 0,-64 0 15,22-21 1,-1-22 0,21 1-1,43 21-15,0 0 0,0 21 0,-43-43 16,1-20 0,-22-1-1,43 22 1,21 21-16,0 0 0,-43-85 31,22 63-31,21 1 16,-1 21-16,1-43 0,0 22 15,21-43-15,-21 64 16,-21-127 0,42 127-16,-22-64 15,1-21 1,21 1-1,0 62-15,0-126 16,0 127-16,0-85 16,0 42-1,43-42 1,-22 0 0,21 21-1,0 43 1,-20 20-16,41-41 15,-42 62-15,22 1 16,62-63 0,-20 20-1,-43 43-15,149-43 16,-106 22 0,-43 42-16,275-85 15,-211 64 1,127-21-1,-127 21 1,106-22 0,-22 1-1,64 0 1,-190 42-16,274-43 31,-190 22-15,-84 21-16,105-21 15,-21 21 1,1-21-16,-86 21 16,212-21-1,-63 21 1,-85-21 0,-42 21-16,-22 0 0,106 0 0,-84 0 15,317 0 1,-169 0-1,-85 0 1,149 0 0,-213 0-16,-20 0 0,190 0 31,-127 0-31,-64 21 16,107-21-16,-1 0 15,148 21 16,-211-21-15,21 0 0,-84 0-16,20 21 0,-21-21 15,149 21 1,-106 0 0,42 1-1,-64-1-15,-21-21 16,-20 21-16,83 0 15,-41 21 1,-43-42-16,64 43 16,21 20-1,-85-42-15,85 64 32,-64-43-32,21 22 15,-41-43-15,20 43 16,64 105 15,-85-106-15,0 1-1,21-1 1,-42-41-16,22 62 16,-1 22-1,-21-64 1,0 1-16,0 41 15,0-62-15,21 126 16,-21-42 0,0-43-1,0-21 1,-42 43 0,20-64-1,1 0-15,21 1 16,-21-1-16,0 0 0,0 0 15,-43 43 17,1-22-17,20-21-15,1 21 16,42-20 0,-21-22-16,-64 63 15,43-42 1,-43 43-1,22-1 1,20-63-16,22 21 0,-63 22 16,62-22-16,-41 0 15,42 0-15,-64 22 16,0-1 0,64-21-16,-21-21 0,-64 64 31,-42-22-16,0-21 1,84-21 0,-63 21-1,43-21 1</inkml:trace>
-  <inkml:trace contextRef="#ctx0" brushRef="#br0" timeOffset="87673.07">15303 4276 0,'0'0'0,"0"-21"0,0-1 0,0 1 16,-21 0-16,21 0 0,-21 0 15,21 0-15,-21 21 0,21-22 16,-21 1-1,0 42 1,21 1-16,0 41 16,0-42-16,0 233 15,0-63 1,-22 20 0,-20-20-1,21-149-15,-64 191 31,64-127-15,21-85-16,0 0 16,0-42 15,0 0-31,0 0 16,0 0-16,0-43 0</inkml:trace>
-  <inkml:trace contextRef="#ctx0" brushRef="#br0" timeOffset="88366.9">14944 4530 0,'0'0'0,"0"-21"15,-22 21-15,1-22 0,0 1 0,21 0 16,-42-42-1,42 41-15,0-62 16,0 63-16,21-22 16,0 22-16,0 0 15,191-106 1,-149 106-16,1 0 16,-1-1-16,107 22 15,-86 0-15,-20 0 16,84 212-1,-148-127 1,0-22-16,-42 128 16,-22-85-1,-126 84 1,147-148-16,-105 64 16,42-42-1,64-43-15,0 0 0,-106 21 31,126-63-15,22-63 0,0 41-1,22-20-15,62 63 16,-63 0 0,22 21-16,-22 0 15,21 0-15,22 64 16,-22-22-1,-21-41-15,106 168 32,-84-148-32,-22 22 15,21-43 1,-42 0 15,21-21-31,-21-21 16,21 21-16,1-42 15,20-22-15,-21 43 16</inkml:trace>
-  <inkml:trace contextRef="#ctx0" brushRef="#br0" timeOffset="88831.29">15790 5165 0,'0'0'0,"0"21"0,0 21 15,0-21 1,0 1 0,43-22-1,-22 0-15,0 0 16,0-22-16,43-20 16,-22 42-16,-21-21 0,64-43 31,-85 22-31,0 21 15,0-21-15,-21 20 16,-1 22 0,-83 22-1,83-1-15,1 0 16,-21 64-16,21-64 16,21 21-16,0 22 15,0-43-15,0 85 16,0-43-1,0-42 1,0 0-16,0 1 16,21-22-16,0 21 15,21-21 1,-20 0-16,-1 0 16,0-21-16,0 21 0,0-22 0,-21 1 15,21 21-15,1-21 0,20-21 16</inkml:trace>
-  <inkml:trace contextRef="#ctx0" brushRef="#br0" timeOffset="89101.13">16468 5228 0,'0'21'31,"21"-21"-31,0 0 15,42 0 1,1 0 0,-22 0-1,-21 0-15,1 0 0,-1 0 16,0 0-16,-21-21 62,0 0-62,21 21 16</inkml:trace>
-  <inkml:trace contextRef="#ctx0" brushRef="#br0" timeOffset="89655.82">16870 5122 0,'0'0'0,"0"-21"0,0 0 15,0 0 1,0 0-16,0 0 16,0-1-16,0 1 15,84 0 1,1 21-1,-64 0-15,85 64 32,-42 20-17,-43 1-15,-21-64 16,0 0-16,0 43 0,0-43 16,0 0-16,-43 64 15,22-85-15,0 42 16,-42 0-1,41-42 1,1 0 0,21-21-16,0-21 15,21-43 1,22-21 0,-43 85-16,21-21 15,21-43-15,-42 64 16,21-21-16,1 21 0,-1-22 15,-21 22 1,21 21 0,0 0-1,21 0 1,-20 0-16</inkml:trace>
-  <inkml:trace contextRef="#ctx0" brushRef="#br0" timeOffset="90967.7">17568 5080 0,'0'0'0,"0"-21"16,0 0-16,0 0 15,0-1-15,0 1 16,0 42 31,0 1-47,0-1 15,0 0-15,-21 64 16,21-43-16,-21 64 16,21-22-1,0-62-15,0 20 16,0-21-1,21-21-15,-21 21 0,21-21 0,43 0 32,-22 0-17,-21 0-15,22-21 0,-22 0 16,21-21-16,-21 20 16,0 1-16,1-42 15,-1-22 1,-21 43-1,0 21-15,0-22 0,0 22 16,0 0-16,0 0 16,0 42 15,0 0-15,0 0-16,0 0 0,0 106 15,0-84 1,0-22-16,0 0 15,0 21-15,0 22 16,0-43-16,21 0 31,21-21-31,1 0 16,-22 0-16,21-21 16,22-21-1,-1-43 1,-63 22-1,42-43 1,-42 85-16,0-43 31,0 85 1,0 0-32,-42 85 31,42-85-31,0 22 0,0-1 15,0-21-15,-21 0 16,21 1-16,-21-1 0,21 42 31,-21-63-15,21 21-16,0-42 31,0 0-15,0-21-16,0-22 15,42 1 1,21-64 0,-20 63-1,168-63 17,-126 127-17,-21 21 1,-43 43-16,0 84 31,-21-63-15,-42-22-16,20-42 15,22 22-15,-21-22 16,21 0 0,0-42 15,0 0-31,0 0 15</inkml:trace>
-  <inkml:trace contextRef="#ctx0" brushRef="#br0" timeOffset="93809.26">19579 5122 0,'0'0'16,"0"22"-16,0-1 15,21-21 17,0 0-32,43 0 15,63-85 1,0 0 0,-21-20-1,42-192 16,-148 149-15,0 106-16,0-106 16,-42 42-1,-85-42 17,21 148-17,42 63 1,43-21-16,-21 1 0,-1 63 15,-62 338 17,62-105-17,22-255-15,0 234 16,0-128 0,0 64-16,-85 339 31,63-360-16,22-170-15,21 128 16,-21-128-16,21 64 16,0-105-16,0 20 15,0 0-15,64-42 16,-43 0-16,0 0 16,64-42-1,42-64 1,-106 85-16,42-43 15,-42 22-15,64-85 16,-64 64-16,0 20 0,22-147 16,-43-191 15,-127 169-15,0 127-1,-64 1 1,-42 41 15,191 43-15,63-21-16,0 0 0,43 0 31,169-64-15,-127 43-1,42-22 1,-85 22-16,-20 21 0,84-64 15,-85 64-15,64-127 32,-106 42-17,-21 85-15,-22 21 16,-84 21 15,64 64-31,-1 42 16,43-85-1,21 85 17,0-106-17,21-21-15,64 0 16,-64-21 0,43-42-1,-22-22 1,-21 64-16,0-64 15,-21 43 1,21 42-16,-21 63 47,0-42-47,0 64 16,22-64-16,-1 64 15,21-43 1,0-42-1,-20 0-15,41 0 16,-42 0-16,0 0 16,64-42-1,-43-22 1,1 1-16,-43 42 16,0-22-16,0 22 15,0 0-15,0 0 16,0 42-1,0 0 1,0 0-16,-21 22 16,21-22-16,0 0 0,0 85 31,0-43-31,0-41 16,21-1-1,0-21-15,0 0 0,64 0 31,-43-21-31,43-43 16,-64 43-16,21-21 16,-21 20-16,1-20 0,-22 0 15,63-85 1,-63-21-16,42-85 16,-42 190-1,0 1-15,0 0 16,0 21-16,0-22 0,22 1 15,-22 63 17,0 0-32,-22 106 15,-62 191 17,63-170-17,-1 0 1,22-21-1,43-63 17,20-64-17,-20 0 1,-22-22-16,42-20 16,1-43-16,-43 64 15,0-21-15,21-64 16,-20 43-1,-44 63 1,1 0 0,0 0-16,0 21 0,0 0 15,0 0-15,-1 0 0,1 43 16,0-1 0,21 22-1,21-64 1,-21 0-16,21 0 0,1-21 15,83 22 1,-20-22-16,21 0 16,0-43-1,-64 22-15,0 21 0,1-21 16,41-43 0,-20 1-1,-43-22 1,-21 64-16,0 0 0,0 0 0,0 0 15,-21 21 1,0 0-16,-64 0 16,22 63-1,41-42-15,-20 22 16,21-1-16,0-21 0,0 106 31,21-85-15,0 1-16,42-22 15,64-42 17,-43-43-17,-20 22-15,-22 21 16,63-85-16,-62 64 16,-1-22-16,106-232 15,-85 84 1,0 43-1,1 21 1,-22 63 0,-21 64-16,0 42 31,-21 64-15,-22-22-16,1 85 15,-21 43 1,63-128-16,-22 1 15,1-22-15,21 22 0,-42 84 16,42-106-16,-21 0 16,21 85-1,0-21 1,21-63 0,0-43-1,127 0 16,-63-64-15,21 1 0,-22-1-16,-41-42 31,-64 43-15</inkml:trace>
-  <inkml:trace contextRef="#ctx0" brushRef="#br0" timeOffset="94296.03">20426 4805 0,'0'0'0,"0"21"0,21-21 47,0 0-32,-21-21-15,21 0 0,0 21 16,-21-21-16,0-1 16,-21 22-1,-42 0 1,42 0-1,-1 0-15,1 22 16,21 20 15,64-21-15,-43 0 0</inkml:trace>
-  <inkml:trace contextRef="#ctx0" brushRef="#br0" timeOffset="95059.28">20637 6308 0,'0'0'0,"-42"0"16,63-21 15,22 21-31,-22 0 16,21 0-16,191-22 16,-43 1-1,107 0 1,-234 0-16,64 21 15,64 0 17,-234 0-17,-41 0 1,63 0-16,-170 21 31</inkml:trace>
-  <inkml:trace contextRef="#ctx0" brushRef="#br0" timeOffset="95384.58">21209 6308 0,'0'0'0,"0"21"47,0 0-47,0 0 0,0 0 16,0 64-1,0 63 1,-42-42 0,42-64-16,-22 1 0,1 84 15,0-43 1,21 1 0,0-43-1,0 1 1,0-64 15,0-1-31,0 1 16,21 0-16,0 0 0</inkml:trace>
-  <inkml:trace contextRef="#ctx0" brushRef="#br0" timeOffset="97809.23">21399 6922 0,'22'0'0,"-1"0"16,0 0-1,0-22 1,21 1 0,-42 0-16,22 0 15,-1-43 1,-21 1-1,0 42-15,0-22 16,-85 107 15,43-1-15,-1 43 0,22-21-1,21 21 16,21-85-15,43-21 0,21-21-16,84-85 31,-84 21-15,-1-21-1,-63 85-15,-21 0 16,0 0-16,0 42 31,0 0-15,0 64-1,0-22 1,0 22 0,0-64-1,0 0 1,0 1-1,-21-44 17,0 22-17,0 0 1,0 0-16,0 22 31,21-1-15,21 0-1,0-21-15,21 0 16,-21 0-16,85-42 31,-21-1-15,21-41 0,-43-22-1,1-127 1,-43 85-1,-21 21 1,0 106 0,0-1-16,0 86 31,-64 84-15,64-42-1,0-64-15,-42 128 16,42-43-1,0-64 1,21-42 0,64 0-1,-43-42 1,1-21 0,20-22-1,-42 22-15,64-64 31,-22 64-15,-63 21-16,22 21 16,-1 0-1,-21 21-15,0 0 32,0 0-17,21-21 1,-21-21-1,0 0 1,0-21 0,0 20-1,-21 22 1,0 22-16,-43 41 16,43 1 15,-21-1-31,42 22 15,42-22 17,64-63-17,21 0 1,-21-21 0,63-85 15,-127 22-16,-42 62-15,0-41 16,0 21 0,-63 63-1,42-21-15,-43 63 16,22 43 0,21-42-1,21 20 16,21-84-31,21 0 16,0-21 0,1-21-1,41-64 17,-62 64-17,-22 63 16,0 63-15,0-62-16,0-1 16,0 21-1,42-21 1,21-21 15,1-42-15,-22 0-1,-21 20-15,22 1 16,-43 0-16,84-21 16,-62 42-1,-1 0 1,-21 21 0,0 0-16,0 0 0,-21 0 15,21 1 1,-22-22-1,1 0 1,0 0-16,0 0 31,21-22-15,0 44 31,0-1-32,21 0 1,0-21 0,43 0-1,20 0 1,-20 0-16,84-85 31,-106 1-15,-42 20-1,0 22 1,-21 42 15,21 21-31,0 0 16,-63 85 0,63-64-1,0 1 1,21-43-1,42 0 17,22-22-17,0-20 1,-64-21 0,-21-22-1</inkml:trace>
-  <inkml:trace contextRef="#ctx0" brushRef="#br0" timeOffset="98164.66">21992 6329 0,'0'0'0,"21"0"15,22 0 1,-22 0-16,63-21 16,-41 21-16,20 0 0,1 0 0,211-21 31,-106-1-16,-126 22 1,-22 0-16,0 0 0,-21-21 31</inkml:trace>
+  <inkml:trace contextRef="#ctx0" brushRef="#br0">5969 2625 0,'-21'-21'0,"42"42"0,-85-42 16,43-1-16,0 22 0,0 0 16,0 0-16</inkml:trace>
+  <inkml:trace contextRef="#ctx0" brushRef="#br0" timeOffset="1215.29">3704 339 0,'0'0'0,"21"-85"15,0 64-15,-21 0 0,22 0 16,-22-1-16,0 1 0,0 0 15,0 0-15,-22 42 47,1 0-47,21 22 0,-21-1 16,0 0-16,0 22 0,0-1 16,-1 1-16,-20-1 0,21 1 0,-21-1 15,20 22-15,-20 0 0,0-22 16,-1 22-16,1-1 0,0-20 0,-1 21 15,1-22-15,0 1 0,21-1 16,-22 1-16,22-22 0,0 21 16,-21-20-16,20-1 0,22 0 0,-21 1 15,21-22-15,-21 0 0,21 0 16,0 0-16,0-42 31,0 0-31,0-21 0,21 21 0,0-22 16,1-20-16,20 20 0,-21-20 15,21-1-15,1-20 0,20-1 0,-20 0 16,20-20-16,1-1 0,-1 21 16,1-21-16,-22 22 0,21-1 0,-20 0 15,-1 22-15,-21-22 0,22 43 16,-22-22-16,0 22 0,-21 21 16,0 0-16,0-1 0,0 1 0,21 21 15,-21 21 1,0 1-16,0 20 0,0-21 0,0 43 15,0-22-15,0 21 16,0 1-16,0-1 0,0 22 0,0-21 16,-21 20-16,0 1 0,21 0 15,0-22-15,-21 22 0,21-22 0,-22 1 16,22-1-16,-21-20 0,21 20 16,0-21-16,0 1 0,0-1 15,0 0-15,0-20 0,0-1 0,0 0 16,0 0-16,0 0 0,0-42 31,0 0-15,0 0-16,-21 0 0,21-1 0,-21 1 15,0 0-15</inkml:trace>
+  <inkml:trace contextRef="#ctx0" brushRef="#br0" timeOffset="1420.2">3238 1439 0,'0'0'15,"-42"-21"1,42 0 0,21 21-16,22 0 15,-22 0-15,0-21 0,21 21 16,1 0-16,-22-21 0,21 21 0,0 0 16,-20 0-16,20-21 15,0 21-15,-21-22 0,1 22 0,-1 0 16,0 0-16,0-21 0,0 21 15,0 0-15,1 0 0</inkml:trace>
+  <inkml:trace contextRef="#ctx0" brushRef="#br0" timeOffset="5423.55">4212 1545 0,'0'0'0,"21"0"0,0 0 0,1 0 0,-1-21 16,0 0-16,0 0 0,21 0 16,-20-1-16,-1 1 0,0 0 15,0 0-15,0 0 0,0-22 16,-21 22-16,0 0 0,0-21 0,0 21 16,0-1-16,0 1 0,-21 0 15,0 21-15,0-21 0,0 21 0,0 0 16,-1 0-16,-20 0 0,21 21 15,-21-21-15,20 21 0,-20 22 0,0-22 16,21 21-16,-22-21 0,1 22 16,21-1-16,-22-21 0,22 21 0,0 1 15,0-1-15,0 0 0,21-20 16,0 20-16,0 0 0,0-21 16,0 1-16,0-1 0,42 0 15,-21-21-15,0 0 0,22 0 0,-22 0 16,21 0-16,1 0 0,-1-21 15,21 0-15,-20-1 0,-1-20 0,0 21 16,22-21-16,-22-1 0,1 1 16,20 0-16,-21-1 0,1-20 0,-1-1 15,-21 1-15,22-22 0,-1 22 16,-21-22-16,0 21 0,0-20 16,1 20-16,-1-20 0,0 20 0,-21 1 15,21-1-15,-21 22 0,0-1 16,0 1-16,0 0 0,0 21 15,-21 21 1,0 0-16,0 21 0,-1 21 16,1 0-16,0 1 0,0-1 15,0 22-15,0-1 0,-1 22 0,1-22 16,0 22-16,-21 0 16,21-22-16,-1 22 0,1-22 0,0 1 0,0-1 15,0 1-15,21-22 0,-21 22 16,21-22-16,0 21 0,0-20 15,0-1-15,0 0 0,0-20 0,21 20 16,0-21-16,0 0 0,0-21 16,0 0-16,22 0 0,-22 0 15,21 0-15,1 0 0,-22-21 0,21 0 16,0-21-16,-20 20 0,20 1 16,-21-21-16,21 0 0,-20 20 0,-1-20 15,0 21-15,0 0 0,0-22 16,0 22-16,1 0 0,-22 0 15,0 42 17,0 0-17,-22 0-15,22 1 0,-21-1 0,21 21 0,0-21 16,-21 0-16,21 1 16,0 20-16,0-21 0,0 0 0,0 0 15,0 1-15,0-1 0,0 0 16,21 0-16,0-21 0,1 0 15,-1 0-15,0 0 0,0 0 16,0 0-16,0-21 0,22 0 0,-22 0 16,0-1-16,0 1 0,0-21 15,22 21-15,-22-22 0,0 22 16,0-21-16,0 21 0,1 0 0,-1-22 16,0 22-16,-21 0 15,0 0-15,0 42 31,0 0-31,0 0 0,-21 0 16,0 1-16,21-1 0,-22 21 16,22-21-16,0 22 0,0-22 0,0 21 15,0-21-15,0 22 0,0-22 16,0 0-16,0 0 0,22 0 0,20 0 16,-21-21-16,0 0 15,22 0-15,-1 0 0,-21 0 0,21 0 16,1-21-16,-1 0 0,0 0 15,1 0-15,-1 0 0,0-1 16,-20 1-16,-1-21 0,0 21 16,0-22-16,0 22 0,-21-21 0,0 21 15,0-43-15,0 43 16,0-21-16,-21 21 0,0 21 0,0-22 16,-22 1-16,22 21 0,0 0 15,-21 0-15,-1 0 0,22 0 0,-21 21 16,21 1-16,-22-1 0,1 0 15,21 21-15,0-21 0,-22 22 16,22-1-16,21-21 0,-21 22 0,21-1 16,0 0-16,0-21 0,0 22 15,0-22-15,0 0 0,0 0 0,21 0 16,0 1-16,1-1 0,-1-21 16,0 0-16,21 0 0,-21 0 0,22 0 15,-1-21-15,-21-1 0,22 1 16,-22 0-16,21 0 0,-21 0 15,0-22-15,1 22 0,-1-21 0,0 21 16,0-22-16,0 22 0,-21-21 16,0 21-16,0 0 0,0-1 15,0 1-15,-21 42 32,21 1-32,0-1 0,0 0 15,-21 21-15,21-21 0,-21 1 16,21 20-16,0-21 0,0 0 15,0 0-15,0 43 0,0-43 16,21 0-16,0 0 16,0-21-16,0 0 0,22 0 0,-22 0 15,21 0-15,-21 0 0,22-21 16,-22 21-16,21-21 0,-21 0 0,22-21 16,-22 20-16,0 1 0,21-21 15,-20 21-15,-1-22 0,0-20 16,-21 42-16,0 0 0,0-1 15,0 1-15,0 0 0,-21 21 32,21 21-32,-21 0 15,-1 1-15,22-1 0,-21 0 0,21 21 16,0-21-16,-21 22 0,0-22 16,21 0-16,-21 21 0,21-20 0,-21-1 15,21 0-15,0 0 0,0 0 16,0 0-16,0-42 31,0 0-31,0 0 16,0 0-16,21 0 15,0-1-15,0-20 0,0 21 0,0-21 16,22 20-16,-22-20 0,0 21 0,21-21 16,-20 20-16,20 1 0,-21 0 15,0 21-15,22 0 0,-1-21 16,-21 21-16,-21 21 15,21 0-15,-21 0 0,0 1 0,0-1 16,0 0-16,0 0 0,0 21 16,0-20-16,0-1 0,0 21 0,0 0 15,0-20-15,0-1 16,0 0-16,21-21 0,1 21 0,-1-21 16,21 0-16,-21 0 15,22 0-15,-22 0 0,21 0 0,-21 0 16,22 0-16,-22-21 0,21 0 0,-21 0 15,0-1-15,22-20 0,-22 0 16,0 21-16,0-22 0,0-20 16,1 20-16,20-105 15,-21 85-15,0-22 0,0 0 0,-21 22 0,0-22 16,0 1-16,0 20 0,0 1 16,0 20-16,0 1 0,0 0 15,0-1-15,0 22 0,-21 21 0,0 21 31,21 22-31,-21-22 16,21 21-16,0 22 0,0-22 16,0 21-16,-21 1 0,0-1 0,21 1 15,-22-1-15,22 1 0,0-1 16,-21 1-16,21-1 0,-21 1 0,21-22 16,0 22-16,-21-22 0,21 0 15,0 22-15,0-22 0,0 1 0,21-22 16,0 21-16,0-21 0,1 0 0,-1 1 15,21-1-15,-21-21 0,22 0 16,-1 0-16,0 0 0,1 0 16,20 0-16,-21-21 0,1-1 15,-1 1-15,0 0 0,1 0 0,-1-21 16,0 20-16,-20-20 0,20 0 16,-21-1-16,21 22 0,-20-21 0,-22 0 15,0 20-15,0-20 0,0 21 16,0 0-16,0 0 0,0-1 0,0 1 15,-22 21-15,1 0 16,-21 0-16,21 0 0,0 21 0,-1 1 16,-20-1-16,21 0 0,0 0 15,-22 0-15,22 0 0,-21 22 16,21-22-16,0 21 0,-1-21 0,1 22 16,21-22-16,0 21 0,-21-21 0,21 1 15,0-1-15,0 0 0,0 0 16,21 0-16,22-21 15,-22 0-15,0 0 0,0 0 16,21-21-16,-20 21 0,20-21 16,-21 0-16,21 0 0,-20-1 0,20-20 15,-21 21-15,0-21 0,22 20 0,-22 1 16,-21-21-16,21 21 0,0 0 16,-21-1-16,0 1 0,0 0 0,0 0 15,0 42 16,-21 0-15,0-21-16,21 21 0,0 1 0,0-1 16,-21 21-16,21-21 0,0 0 15,0 1-15,0 20 0,0-21 0,0 0 16,0 0-16,0 1 0,21-1 16,-21 0-16,42 0 0,-21 0 0,22-21 15,20 21-15,-21-21 0,22 0 0,-1 0 16,1 0-16,-1 0 0,-20 0 15,20-21-15,-20 21 0,-1-21 0,0 0 16,1-21-16,-1 20 0,0-20 16,-21 0-16,1 21 0,20-22 0,-42 1 15,21 21-15,-21-22 16,0 22-16,0-21 0,0 21 0,0 0 16,0-1-16,-21 1 15,0 21-15,-22 0 0,22 0 0,-21 0 16,0 21-16,20 1 0,-20-22 0,0 42 15,21-21-15,-22 0 0,22 0 16,-21 22-16,21-22 0,-1 0 0,1 21 16,21-20-16,0 20 0,0 0 15,0-21-15,0 1 0,0-1 16,0 0-16,21-21 16,1 21-16,-1-21 0,0 0 0,21 0 15,-21 0-15,1 0 0,20-21 16,-21 0-16,0 0 0,22-1 15,-22 1-15,0 0 0,0 0 0,0 0 16,0-22-16,1 22 0,-1 0 16,0-21-16,0-1 0,-21 22 15,21 21-15,-21-21 16,21 0-16,-21 42 31,-21 0-15,0 0-16,21 1 0,-21-1 15,0 0-15,21 21 0,0-21 0,-21 22 16,21-1-16,-22 0 0,22 22 16,0-22-16,0 22 0,0 42 15,0-43-15,22 1 0,-1-22 16,-21 21-16,21 1 0,-21-1 16,21 22-16,-21-21 0,0-1 0,0 1 15,21 20-15,-21-20 0,0-1 0,21 1 16,-21-22-16,0 22 0,0-1 15,0-21-15,0 22 0,0-22 16,0 1-16,0-1 0,0 0 0,0-21 0,0 1 16,0-1-16,0 0 0,-21-21 15,0 0-15,0 0 16,0 0-16,-22-42 16,22 20-16,0 1 0,0 0 15,0-21-15,-22-1 0,22 1 0,0 0 16,0-1-16,0-20 0,21 21 15,0-22-15,0 1 0,0-86 16,21 86-16,0-1 0,0 1 16,22-1-16,-22 1 0,42-64 15,-20 63-15,-1 1 0,-21 21 0,21-22 16,1 1-16,-1-1 16,0 1-16,-20-1 0,20 22 0,0-22 15,-21 22-15,22-22 0,-22 22 16,0 21-16,-21-43 0,21 22 15,-21 21-15,0 0 0,-21 21 32,0 0-17,0 21-15,0 0 0,21 0 16,0 0-16,-22 1 0,22-1 0,-21 0 16,21 0-16,-21 0 0,21 0 15,0 22-15,0-22 0,0 21 16,0-21-16,0 1 15,0-1-15,0 0 0,21-21 16,0 21-16,1-21 16,-1 0-16,21 0 0,-21 0 15,0 0-15,22 0 0,-1 0 16,0-21-16,-20 0 0,20 0 0,21-1 16,-20 1-16,-1 0 0,43-42 15,-64 41-15,21-20 0,-21 21 16,43-43-16,-64 43 15,0 0-15,0 0 0,0 0 0,0 0 16,-21-1-16,0 22 16,-1 0-16,1 0 0,0 0 15,0 22-15,0-22 0,21 21 16,0 0-16,-21 0 0,21 0 16,0 0-16,0 1 0,0-1 15,21 0-15,0 0 0,0 0 16,0 0-16,0 1 0,1 20 0,-22-21 15,21 0-15,-21 0 16,21 1-16,-21 20 0,0-21 0,0 0 16,-21 0-16,0-21 15,21 22-15,-22-22 0,1 0 0,0 0 16,0 0-16,0 0 0,0 0 16,-1-22-1,22 1 1,-21 21-16,21-21 0,0 0 15,-42 0-15,42 0 0,-21-22 0</inkml:trace>
+  <inkml:trace contextRef="#ctx0" brushRef="#br0" timeOffset="5764.41">7747 1016 0,'0'-21'16,"21"21"0,21-21-16,-20 0 0,20 21 0,0-22 15,-21 22-15,22-21 0,-1 21 16,0 0-16,1-21 0,-1 21 15,0 0-15,-20 0 0,20-21 0,-21 21 16,0-21-16,0 21 0,1 0 16,-1 0-16,0 0 0,-21 21 31,-21 0-15,-22 0-16,22 0 0,-42 1 15,20-1-15</inkml:trace>
+  <inkml:trace contextRef="#ctx0" brushRef="#br0" timeOffset="6729.85">2709 2519 0,'0'0'0,"-21"0"0,0 0 0,0 0 16,0 0-16,-1 0 15,1-21-15,42 21 47,1 0-31,-1 0-16,0 0 0,0 0 15,0 0-15,22 0 0,-22 0 16,21 0-16,0 0 0,1 0 16,-1 0-16,22 0 0,-1 0 0,-21 0 15,43 0-15,-21 0 0,20 0 16,1 0-16,21 0 0,-22 0 0,22 0 15,0 0-15,21 0 0,-21 0 16,21 0-16,0 0 0,0 0 16,0 0-16,0 0 0,0 0 0,0 0 15,0 0-15,-21 0 0,21 0 0,0 0 16,-21 0-16,-1 0 0,22 0 16,-21 0-16,-21 0 0,21 0 0,-22 0 15,22 0-15,-21 0 16,0 0-16,20 0 0,-20 0 0,21 0 15,-21 0-15,-1 0 0,22 0 16,-21 0-16,-1 0 0,1 0 0,0 0 16,21 0-16,-22 0 0,1 0 0,21 0 15,-22 0-15,1 0 0,21 0 16,-21 0-16,-1 0 0,1 0 0,-22 0 16,22 0-16,0 0 15,-1 0-15,1 0 0,0 0 0,-1 0 0,1 0 16,21 0-16,-21 0 0,-1-21 15,1 21-15,0 0 0,-22 0 0,22 0 16,-22 0-16,22 0 0,-22 0 16,-20 0-16,20-22 0,-20 22 15,-1 0-15,-21 0 0,21 0 0,-20 0 16,-1 0-16,0 0 0,0-21 16,0 21-16,0 0 15,-21 21 63,-21 1-62</inkml:trace>
+  <inkml:trace contextRef="#ctx0" brushRef="#br0" timeOffset="7700.51">1397 3895 0,'0'-43'16,"0"22"-16,0 0 0,0 0 15,0 0 1,0 0-16,0-1 0,0 1 15,0 0-15,0 0 0,0 0 16,0 0 0,0 42 15,0 0-31,0 0 0,0 21 16,0-20-16,0 20 0,0 0 15,0 1-15,-21-1 0,21 21 16,0-20-16,-21 20 0,-1 43 15,1-64-15,21 1 16,-21-1-16,21 0 0,0 1 0,0-22 16,0 21-16,0-21 0,0 22 15,0-22-15,0 0 0,0 0 16,0 0-16,0 1 16,-21-22-1,21-22 16,0 1-15,21 0-16,0 0 16,0 0-16</inkml:trace>
+  <inkml:trace contextRef="#ctx0" brushRef="#br0" timeOffset="8264.71">1693 4339 0,'21'0'78,"1"0"-78,-22-21 15,0 0-15,0 0 0,0 0 16,0-1 0,-22 22-1,1 0 1,0 22-16,0-22 15,21 21-15,0 0 16,0 0-16,0 0 16,21-21-1,0 0-15,0 0 16,1 0-16,-1 0 0,0 0 16,-21-21-1,-21 21 1,0-21-16,-1 21 0,1 0 15,0 0-15,0 0 0,0 0 32,21 21-1,21 0-15,0-21-1,0 0-15</inkml:trace>
+  <inkml:trace contextRef="#ctx0" brushRef="#br0" timeOffset="11479.56">3133 3408 0,'0'0'0,"0"-21"0,21 21 16,-21-21-16,0-1 0,0 1 16,0 0-16,0 0 15,0 0-15,0 0 0,0-1 16,0 1-16,0 0 16,0 0-16,-21 21 31,21 21-31,0 0 0,-22 22 15,22-1-15,0 0 0,0 1 16,0 20-16,0 1 0,0-1 0,0 1 16,0-1-16,0 22 0,0-1 15,-21-20-15,21 21 0,-21-1 16,21-20-16,0 20 0,0-20 0,-21-1 16,21-20-16,-21-1 0,21 0 15,0 1-15,0-22 0,0 21 16,0-21-16,0 1 0,0-44 31,0 1-31,0 0 0,0 0 16,0 0-16,0-22 0,0 22 15,0-21-15,21 0 0,-21-22 0,21 22 16</inkml:trace>
+  <inkml:trace contextRef="#ctx0" brushRef="#br0" timeOffset="11882.33">3027 3408 0,'0'0'0,"-21"-42"0,-1 20 15,1 1-15,21 0 0,0 0 16,-21 0-16,21 0 0,0-1 0,0 1 16,0 0-16,0 0 0,0 0 15,42-22-15,-20 22 0,-1 0 16,0 21-16,21 0 15,1-21-15,-1 21 0,21 0 0,-20 0 0,20 21 16,-20-21-16,20 42 0,-21-20 16,1 20-16,-1 0 0,-21 1 0,0-1 15,-21 21-15,0-20 16,0 20-16,0-20 0,-42-1 0,21 21 16,-21-20-16,-1-1 0,1 0 15,0 1-15,-1-22 0,1 21 0,0-21 16,-1 1-16,22-1 0,0 0 15,0-21-15,0 21 0,-1 0 16,22 0 15,22-21-31,-1 0 0,0 0 16,0 0-16,0 0 16,0 0-16</inkml:trace>
+  <inkml:trace contextRef="#ctx0" brushRef="#br0" timeOffset="12816.08">3471 4382 0,'0'21'16,"21"-42"31,-21-1-47,22 22 15,-1-21-15,0 0 16,-21 0-16,21 0 0,0 0 0,-21-1 15,21 1-15,1 0 0,-1-21 16,-21 21-16,0-22 0,21 22 0,-21-21 16,0 21-16,0-1 0,0 1 15,0-21 1,-21 42 0,21 21-16,-21 0 15,21 0-15,-22 1 0,1 41 16,21-21-16,0-20 0,-21 20 15,21 0-15,-21 1 0,21-22 0,0 21 16,0-21-16,0 22 0,0-22 16,0 0-16,0 0 0,0 0 15,21 0-15,0 1 0,0-22 0,43 0 16,-43 0-16,21 0 0,-20 0 16,20 0-16,-21-22 0,21 22 15,1-21-15,-22 0 0,21-21 16,-21 21-16,1-1 0,-1-20 0,0 0 15,0 21-15,0-22 0,0 1 16,-21 21-16,0-22 0,22 22 0,-22 0 16,0-21-16,21 42 0,-21-21 15,0-1-15,0 44 32,0-1-32,0 0 0,-21 0 0,21 0 15,-22 22-15,22-1 0,0-21 16,0 21-16,0 1 0,0-22 0,0 21 15,0-21-15,0 1 0,0-1 16,0 0-16,0 0 0,0 0 16,22-21-16,-1 0 0,0 21 0,0-21 15,0 0-15,22 0 0,-22 0 16,21-21-16,-21 0 0,22 21 0,-22-21 16,21-21-16,0 20 0,-20 1 15,20-63-15,-21 41 0,0 1 16,-21 0-16,0-1 0,0 1 0,0 0 15,0-1-15,-21 22 0,0 0 16,0 0-16,0 0 0,-22-1 0,22 22 16,-21 0-16,21 0 15,-22 0-15,22 0 0,-21 22 0,21-22 16,-1 21-16,-20 0 0,21 21 16,21-21-16,-21 1 0,21 20 0,-21-21 15,21 21-15,0-20 0,0-1 16,0 0-16,0 21 0,0-21 0,21 1 15,0-22-15,0 21 0,0 0 16,0-21-16,22 21 0,-1 0 0</inkml:trace>
+  <inkml:trace contextRef="#ctx0" brushRef="#br0" timeOffset="14546.63">4657 4487 0,'21'0'16,"0"0"-1,0-21 1,0 21-16,22-42 0,-22 21 16,0 0-16,21-1 0,-21-20 15,22 0-15,-22 21 0,21-22 0,1 1 16,-22 0-16,0-1 0,0 22 0,0-21 16,-21 21-16,21-22 0,-21 22 15,0 0-15,-21 21 0,0 0 16,0 0-16,0 0 0,0 0 15,-1 21-15,1-21 0,0 21 16,0 0-16,21 1 0,0-1 16,0 0-16,0 0 0,0 0 0,21 22 15,0-1-15,-21-21 0,21 0 16,1 0-16,-1 1 0,0-1 16,0 0-16,0 21 0,-21-21 15,0 1-15,21-1 0,-21 0 16,0 0-16,22 0 0,-22 0 15,21 1-15,0-22 16,0 0-16,0 0 16,0 0-16,1 0 0,-1 0 15,0-22-15,0 1 0,21 21 0,-20-21 16,-1 0-16,0 0 0,21 0 16,-21-1-16,1-20 0,41-21 15,-42 41-15,0-20 0,22 21 16,-22-21-16,0 20 0,0-20 0,-21 21 15,21 0-15,-21 0 0,22 21 16,-22-22-16,0 44 16,0-1-1,-22-21-15,1 42 0,0-21 16,0 0-16,21 22 0,-21-22 0,0 21 16,-1-21-16,22 22 15,0-22-15,-21 21 0,21-21 0,0 22 16,0-22-16,0 0 0,0 0 0,21 0 15,1 1-15,-1-22 16,21 0-16,-21 0 0,22 0 0,-22 0 16,21 0-16,0 0 0,1-22 15,-1 1-15,-21 0 0,22 0 0,-1 0 16,-21 0-16,21-22 0,-20 1 16,20 0-16,0-22 0,-21 22 0,22-22 15,-22 1-15,21-1 0,1 1 0,-22-1 16,0 1-16,21-1 15,-21 1-15,1-22 0,-22 22 0,0-1 16,21 22-16,-21-22 0,0 22 16,0 0-16,0 20 0,0-20 0,0 21 15,-21 0-15,21 0 0,-22 21 16,1 0-16,0 0 16,0 42-16,21-21 0,-21 21 0,0 1 15,-1-1-15,1 22 0,0-1 16,21 1-16,-21-1 0,0-21 0,0 22 15,-1-1-15,22 1 0,0-1 16,-21 1-16,21-1 0,0-20 0,0 20 16,0-20-16,0 20 0,0-21 15,0 1-15,0-1 0,0-21 16,0 22-16,21-22 0,-21 0 0,22 0 16,-1 0-16,0-21 0,0 0 15,0 0-15,0 0 0,43 0 16,-43 0-16,0 0 0,22-21 15,-22 0-15,21 0 0,-21 0 0,22-1 16,-22 1-16,0-21 0,21 21 0,-21-22 16,1 22-16,-1 0 0,0 0 15,0 0-15,0 0 0,-21-22 16,0 64 15,0 1-31,0-1 16,0 0-16,-21 0 0,21 0 15,-21 0-15,21 1 0,0-1 0,0 0 16,0 0-16,0 0 0,0 0 0,0 1 16,21-1-16,0 0 15,0-21-15,22 0 0,-22 0 0,21 0 16,-21 0-16,22 0 0,-1 0 16,-21 0-16,22-21 0,-22 21 0,0-21 15,21-1-15,-21 1 0,1 0 0,-1-21 16,0 21-16,0-22 0,-21 22 15,21-21-15,-21 21 0,21-22 16,-21 22-16,22 0 0,-22 0 0,0 0 16,0-1-16,0 1 15,0 42 17,0 1-32,0-1 0,0 0 15,-22 42-15,22-41 0,-21 20 16,0 0-16,21 1 0,0-1 15,0 0-15,0 22 0,0-22 0,0 22 16,0-22-16,0 21 0,0 1 16,21-1-16,0 1 0,-21-1 0,22 1 15,-1-1-15,0 22 0,-21-21 16,21-1-16,-21 1 0,0-22 0,0 21 16,0 128-1,0-149-15,0 22 0,0-22 0,0 0 16,0 1-16,0-1 0,-21-21 0,21 0 15,-21 1-15,21-1 0,-21-21 16,-1 0-16,1 0 16,21-21-16,0-1 0,0 1 0,-21 0 15,21-21-15,-21-1 0,21 1 16,-21-21-16,0 20 0,21-20 0,-22-1 16,1 1-16,0-22 0,21 22 15,0-22-15,0 21 0,0-20 16,0 20-16,42-20 0,-20 20 0,-1 1 15,0-1-15,21 1 0,-21 20 16,22 1-16,-22 0 0,21-1 0,1 1 16,-22 21-16,63-43 0,-62 43 15,20 0-15,-21 0 0,0 0 16,22 21-16,-22-22 0,0 22 16,-21-21-16,21 21 0,-21-21 15,0 0-15,0 0 0,-21 0 16,0-1-16,0 22 0,-1-21 15,1 0-15</inkml:trace>
+  <inkml:trace contextRef="#ctx0" brushRef="#br0" timeOffset="14857.45">6181 3641 0,'21'-21'31,"0"21"-31,64-22 16,-43 22-16,0 0 0,1-21 0,-1 21 16,21-21-16,-20 21 0,20 0 15,-20-21-15,20 21 0,22-21 16,-43 21-16,0-21 0,1 21 15,-22-22-15,0 22 0,-21-21 16,-21 21 0,0 0-16,0 0 0,-22 0 15,1 0-15,-22 0 0,22 0 0,-21 0 0,-1 0 16</inkml:trace>
+  <inkml:trace contextRef="#ctx0" brushRef="#br0" timeOffset="15167.79">5800 3514 0,'0'-21'31,"0"-1"-16,0 1 17,-22 21-32,1 0 15,21 21 32,0 1-31,-21-22-16,0 0 15,21 21-15</inkml:trace>
+  <inkml:trace contextRef="#ctx0" brushRef="#br0" timeOffset="16716.9">1164 5757 0,'-42'0'16,"21"0"-16,-1 0 15,1-21-15,21 0 16,-21 0 0,21 0-16,0 0 0,0-1 15,0 1-15,0 0 16,0 0-16,21 21 0,0-21 15,1 21-15,-1 0 0,0 0 16,0 0-16,0 21 16,0 0-16,22 0 0,-22 0 0,0 22 15,0-1-15,0-21 0,1 22 0,-1-1 16,-21 21-16,0-20 16,0-1-16,0 0 0,0 1 0,0-1 0,0 0 15,-21 1-15,-1-22 16,-20 21-16,0 1 0,21-1 0,-22-21 15,1 21-15,0-20 0,-1-1 16,1 0-16,0 0 0,20 0 16,-20-21-16,21 0 0,-21 0 0,20 0 15,1 0-15,0-21 0,0 0 16,0 0-16,21 0 0,0-22 16,-21 22-16,21-21 0,0 21 0,0-22 15,0 22-15,0-21 0,0 21 16,0-1-16,0-20 0,21 21 0,0 0 15,0 0 1,0 21-16,0 0 0,1 0 0,-1 0 16,21 0-16,-21 0 0,0 0 15,1 21-15,-1 0 0,0 21 16,21-21-16,-42 1 0,21-1 0,1 21 16,-1-21-16,-21 0 0,0 22 15,0-22-15,0 0 0,0 0 16,0 0-16,0 1 0,0-1 0,0 0 15,0 0-15,0 0 16,0-42 15,21 0-31,0 21 0</inkml:trace>
+  <inkml:trace contextRef="#ctx0" brushRef="#br0" timeOffset="16962.77">1651 6181 0,'21'0'0,"0"0"15,0 0 17,1 0-17,-1 0 32,0-21-31,0-1-1</inkml:trace>
+  <inkml:trace contextRef="#ctx0" brushRef="#br0" timeOffset="19168.87">3069 5652 0,'-21'0'47,"21"21"-31,-21-21-16,21 21 16,21-21 15,0 0-31,0 0 0,0 0 15,1-21-15,-1 21 0,0-21 0,21-1 16,-21 1-16,22 0 0,-22 0 16,0-21-16,43-1 0,-64 1 15,21 21-15,-21 0 0,0-22 16,0 22-16,0 0 0,0 0 0,0 0 16,0-1-16,-21 22 0,-1 0 15,1 0-15,0 22 16,21-1-16,0 0 15,-21 21-15,21 1 0,0-1 16,-21 0-16,21 22 0,0-1 16,0 1-16,0-1 0,0 1 0,0-22 15,0 22-15,0-1 0,0 1 16,0-22-16,0 21 0,0-20 0,0-1 16,0 22-16,21-22 0,-21 0 15,0 1-15,0-22 0,0 21 0,0-21 16,0 0-16,0 22 0,0-22 15,-21-21-15,0 0 16,-1 0-16,1 0 16,0-21-16,0 0 0,0-1 15,-22 1-15,22 0 0,0 0 16,0-21-16,0 20 0,0 1 0,-1 0 16,22 0-16,-21 0 0,0 21 15,0-21-15,0 21 16,21 21-1,0 0-15,0 0 0,0 0 16,0 0-16,0 1 0,21 20 16,-21-21-16,21 0 0,0 22 0,0-22 15,1 0-15,20 0 16,-21-21-16,21 21 0,-20-21 0,20 0 0,0 0 16,1 0-16,-1 0 15,43-21-15,-43 0 0,0 0 16,1 0-16,20-1 0,-42 1 15,22-21-15,-1 21 0,-21-22 0,21 22 16,-20-21-16,-22 21 0,21-22 0,-21 22 16,21-21-16,-21 21 0,0 0 15,0-1-15,0 1 0,0 0 16,0 42 0,-21 0-1,0 1-15,21 20 16,-22-21-16,1 0 0,21 0 0,0 1 15,-21 20-15,0-21 16,21 0-16,-21 22 0,21-22 0,-21 0 16,21 0-16,0 0 0,0 0 15,0-42 17,0 0-32,0 0 15,0 0-15,0-22 0,21 22 16,0 0-16,0-21 0,-21 21 15,42-43-15,-20 43 16,-1 0-16,0 0 0,0-1 0,0 1 16,0 21-16,1 0 0,-1 0 15,0 0-15,0 21 16,-21 1-16,0-1 0,0 0 16,0 0-16,21 0 0,-21 0 15,0 1-15,0-1 0,0 21 0,21-21 16,-21 0-16,0 1 0,22-1 15,-1 0-15,0 0 0,0-21 16,0 0-16,0 0 0,1 0 0,20 0 16,-21 0-16,43-21 15,-22 0-15,0 0 0,-21-1 0,22 1 16,-22 0-16,0-21 0,0 21 16,0-1-16,-21 1 0,0-21 15,0 21-15,0-22 0,0 22 0,0 0 16,0 0-16,0 0 0,0 0 15,-21 42 17,21 0-32,-21 0 0,21 0 0,-21 0 15,21 1-15,0 20 0,0-21 16,-21 0-16,21 22 0,-21-22 0,21 0 16,0 21-16,0-21 0,0 1 0,-22-1 15,22 0-15,0-42 47,0 0-47,22 21 16,-1-43-16,-21 22 0,21 0 0,0 0 15,0-22-15,0 22 0,1 0 16,-1-21-16,0 21 0,0-1 0,0-20 16,0 21-16,1 21 0,-1-21 15,0 21-15,0 0 0,0 0 16,-21 21-16,0 0 15,0 0-15,0 22 0,0-22 16,0 0-16,0 0 0,0 0 0,0 22 16,21-22-16,-21 0 0,0 0 15,0 21-15,22-20 16,-1-1-16,0-21 0,-21 21 16,21-21-16,0 0 0,0 0 0,1 0 15,-1 0-15,21 0 0,-21-21 0,0 0 16,22-1-16,-22 1 0,21 0 15,-21 21-15,1-42 0,-1 21 0,0-1 16,0 1-16,0 0 0,0 0 16,-21 0-16,0 0 0,22 21 15,-22-22-15,0 1 0,0 42 32,-22 1-32,1-1 0,21 0 0,-21 0 15,0 0-15,21 0 16,0 22-16,-21-22 0,21 0 0,0 21 15,0-20-15,0-1 0,0 0 0,0 0 16,0 0-16,0 0 0,21-21 16,0 0-16,0 0 0,0 0 0,1 0 15,20 0-15,-21 0 0,21-21 16,-20 0-16,20 0 0,-21 0 0,21 0 16,-20-22-16,-1 22 0,0-21 0,0-1 15,0 22-15,-21-21 16,0 0-16,0-1 0,0 1 0,0 0 15,-21-1-15,0 22 0,0-21 16,0 21-16,-22 21 0,22-22 0,0 22 16,0 0-16,-22 0 0,22 0 15,0 22-15,0-1 0,0 0 0,0 0 16,-1 0-16,1 0 0,0 1 0,21-1 16,0 0-16,0 0 0,0 0 15,0 0-15,0 1 0,21-22 16,0 0-1,1 0-15</inkml:trace>
+  <inkml:trace contextRef="#ctx0" brushRef="#br0" timeOffset="20979.89">5969 5736 0,'0'21'16,"-21"-21"0,21 22 15,0-1-16,0 0-15,21 0 0,-21 0 16,21 22-16,0-22 0,-21 0 16,21 21-16,1-21 0,-22 22 0,0-22 15,21 21-15,0-21 0,0 22 16,-21-22-16,0 0 0,0 0 16,21 22-16,-21-22 0,0 0 0,21 0 15,-21 0-15,0 0 16,0-42 15,0 0-31,0 0 16,0 0-16,22-22 0,-22 22 0,21 0 15,-21 0-15,0-21 0,0 20 16,21-20-16,0 0 0,-21 21 16,21-22-16,-21 22 0,0 0 15,21-21-15,-21 20 0,22 1 0,-22 0 16,0 42 15,21-21-31,-21 21 16,21 1-16,0-1 0,0 0 15,0 0-15,-21 0 0,22 0 16</inkml:trace>
+  <inkml:trace contextRef="#ctx0" brushRef="#br0" timeOffset="22836.01">6816 6181 0,'0'0'0,"21"0"15,0 0-15,0-21 16,-21-1-16,0 1 0,0 0 16,0 0-16,0 0 0,0 0 15,0-1-15,0 1 0,-21 0 0,0 0 16,21 0-16,-21 21 0,-1-21 15,1 21-15,0-22 0,0 22 16,0 0-16,0 22 0,-1-1 0,1 0 16,-21 0-16,21 0 15,0 22-15,-1-22 0,1 21 0,0-21 0,0 22 16,0-22-16,0 21 16,21-21-16,0 22 0,0-22 0,0 0 15,0 0-15,0 0 0,0 0 16,21 1-16,0-22 0,21 21 15,-21-21-15,1 0 0,20 0 0,-21 0 16,0-21-16,22 21 0,-22-22 16,21 1-16,-21 0 0,0 21 0,22-21 15,-22 0-15,0 0 0,-21-1 16,21-20-16,0 21 0,-21 0 0,22 0 16,-22-1-16,0 1 0,0-21 15,0 21-15,0 0 0,0-1 16,0 44-1,0-1 1,0 0-16,-22 0 0,22 21 0,0-20 16,0-1-16,0 21 0,0-21 15,0 0-15,0 43 0,0-43 16,0 0-16,22 0 0,-1-21 0,0 22 16,0-1-16,0-21 0,22 0 15,-22 0-15,0 0 0,21 0 0,-21 0 16,1-21-16,20-1 0,-21 1 15,0 0-15,22 0 0,-22 0 16,0 0-16,0-22 0,0 22 0,0-21 16,1-1-16,-1 1 0,-21-21 15,21 20-15,-21-20 0,21-1 0,-21 1 16,0-1-16,21 1 0,-21 20 16,21-20-16,-21-1 0,0 22 0,0 0 15,0-1-15,22 1 0,-22 21 16,0 0-16,0 0 0,0 42 15,0 0 1,0 21-16,0-21 0,0 22 0,0 20 16,0-20-16,0 20 0,-22 1 15,22-1-15,0 1 0,-21-1 16,0 1-16,0 41 0,21-62 16,0-1-16,0 0 0,0-20 15,0 20-15,0-21 0,21 0 0,0 0 16,0-21-16,-21 22 0,22-22 15,-1 0-15,0 0 0,0 0 0,0 0 16,0 0-16,1 0 0,20-22 0,-21 1 16,0 0-16,0 21 0,22-21 15,-22 0-15,0-22 0,0 22 16,22 0-16,-22 0 0,0-21 0,0 20 16,-21 1-16,21 0 0,-21 0 0,21 0 15,-21 42 16,0 0-31,-21 0 0,21 0 16,-21 22-16,0-22 0,21 0 16,0 0-16,0 22 0,-21-22 0,21 0 15,0 0-15,0 0 0,0 0 0,0 1 16,21-22 0,0 21-16,0-21 0,0 0 0,1 0 15,-1 0-15,21 0 0,-21 0 16,0-21-16,22 21 0,-22-22 0,0 22 15,0-21-15,0 0 0,1 0 0,-1 21 16,0-21-16,0 0 0,-21-22 16,0 22-16,0 0 0,0 0 15,0 0-15,21-1 0,-21 1 0,-21 42 32,21 1-17,-21-1-15,21 0 0,0 0 0,-21 0 16,21 0-16,-21 1 0,21-1 15,0 0-15,0 0 0,0 0 16,0 0 0,21-21-16,0 0 0,0 0 15,0 0-15,0 0 0,1 0 16,-1-21-16,0 0 0,0 21 16,-21-21-16,21 0 0,-21 0 0,21 21 15,-21-22-15,0 1 0,0 0 0,0 0 16,-21 0-16,0 0 0,0-1 15,0 1-15,0 0 0,-1 0 16,1 21-16,0 0 0,0-21 0,0 21 16,0 0-16,21-21 15,21-1 1,0 22-16,0 0 16,0-21-16,22 21 0,-22-21 0,21 21 15,0 0-15,1 0 16,-22 0-16,21 0 0,1 0 0,-22 0 15,0 0-15,21 21 0,-21 0 0,1 1 16,-22-1-16,21 0 0,-21 0 16,21 0-16,-21 0 0,0 22 0,0-22 15,0 0-15,0 0 0,0 0 16,0 1-16,0 20 0,0-21 16,0 0-16,0 0 0,0 1 0,0-1 15,0 0-15,0 0 16,-21-21-16,0 0 15,21-21 17,0 0-32,0 0 15,0-1-15,21-20 0,0 21 16,0 0-16,0-22 0,0 1 16,1 21-16,20-21 0,-21-1 0,21 1 15,1 0-15,-22 20 0,21 1 16,1 0-16,-22 0 0,21 21 0,-21 0 15,22 0-15,-22 21 0,0 0 0,0 0 16,-21 22-16,0-22 0,0 21 16,0-21-16,0 22 0,0-22 0,0 21 15,0-21-15,0 22 0,0-22 16,0 0-16,0 0 0,0 0 16,-21 1-16,21-1 0,-21 0 0,21 0 15,0 0-15,-21-21 47,21-21-31,0 0-16,-22 21 0,22-21 0,0 0 15</inkml:trace>
+  <inkml:trace contextRef="#ctx0" brushRef="#br0" timeOffset="23083.03">8805 5398 0,'0'0'0,"-21"0"0,0 0 0,0 0 0,0 0 16,-1 0-16,1 0 0,0 0 31,0 0 32,0 0-63</inkml:trace>
+  <inkml:trace contextRef="#ctx0" brushRef="#br0" timeOffset="23311.9">7578 5736 0,'0'0'0,"-22"0"0,22 21 0,22-21 31,-1 22-31,21-22 0,-21 0 16,22 0-16,-22 0 0,21 0 0,0 0 15,1 0-15,-1 0 0,0 0 16,1 0-16,-1 0 0,-21 0 0,22 0 15,-22-22-15,0 22 0,0 0 16,0-21-16,0 21 0</inkml:trace>
+  <inkml:trace contextRef="#ctx0" brushRef="#br0" timeOffset="25843.44">10858 5313 0,'0'0'0,"22"-21"16,-22 0-16,0-1 15,0 1-15,0 0 0,0 0 16,0 0-16,-22 0 0,1 21 15,0-22-15,0 22 0,0 0 0,-22 0 16,22 0-16,-21 0 0,21 0 16,-22 0-16,22 22 0,-21-1 0,0 0 15,20 21-15,-20 1 16,0-1-16,21 0 0,-22 22 0,1-1 16,21 1-16,-22-1 0,22 1 15,0-1-15,0 22 0,0-22 0,0 1 0,21 42 16,0-43-16,0-20 15,0-1-15,21 0 0,21 1 16,-21-22-16,0 0 0,22 21 0,-22-42 16,21 21-16,1 1 0,-22-22 0,21 0 15,0 0-15,-20 0 0,20-22 16,0 1-16,43-21 0,-43 21 16,-21 0-16,22-1 0,-1 1 15,-21 0-15,22-21 0,-22 21 0,0-1 16,0-20-16,0 21 0,0-21 15,-21 20-15,0-20 0,0 21 16,0 0-16,0 0 0,0-1 16,-21 44-1,0-1-15,21 0 16,-21 0-16,0 0 0,21 22 0,0-22 16,-21 0-16,-1 21 0,22-21 15,0 1-15,0 20 0,0-21 0,0 0 16,0 0-16,0 1 0,22-22 0,-1 21 15,0-21-15,0 0 0,0 0 16,43 0-16,-22 0 0,0 0 16,1 0-16,-1-21 0,0-1 15,-20 1-15,20 0 0,0 0 16,-21 0-16,22 0 0,-22-1 0,0 1 16,-21 0-16,0-21 0,0 21 15,0-22-15,0 1 0,0 0 16,0 20-16,-21-20 0,-21-43 0,20 43 15,-20 21-15,21-21 0,0 20 16,-22 22-16,22 0 0,-21 0 0,21 0 16,-22 0-16,22 22 0,-21-1 15,21 0-15,0 21 0,-1 1 0,1-1 16,21 0-16,0 1 0,-21-1 16,21 0-16,0 1 0,0-22 0,0 21 15,21-21-15,0 0 0,22 1 16,-22-1-16,21 0 0,-21 0 15,22-21-15,-1 0 0,0 0 0,1 0 16,-1 0-16,-21 0 0,22 0 0,-1 0 16,0-21-16,1 0 0,-22 21 15,21-21-15,0-1 0,-20 1 0,20 0 16,-21 0-16,0-21 0,0 20 16,1-20-16,-1 21 0,0-21 0,-21-1 15,0 22-15,21-21 0,-21 21 16,0-1-16,0 1 0,0 0 0,0 42 47,-21 0-47,21 1 0,-21-1 0,21 42 15,-21-20-15,21-22 0,-22 21 16,22-21-16,0 22 0,0-22 16,0 0-16,0 0 0,0 21 0,0-20 15,22-1-15,-1 0 0,0-21 16,0 21-16,21-21 0,-20 0 0,-1 21 15,21-21-15,-21 0 0,22 0 0,-22 0 16,42 0-16,-20 0 16,-22-21-16,21 21 0,-21-21 15,0 0-15,1 0 0,-1 21 0,0-22 16,0 1-16,0 0 0,-21-21 16,0 21-16,0-1 0,21 1 0,-21-21 15,0 21-15,0 0 0,0-1 0,0 1 16,0 0-16,0 0 0,0 42 31,0 0-31,0 0 0,0 1 16,-21-1-16,21 21 0,0-21 15,0 0-15,0 22 0,-21-22 0,21 0 16,0 0-16,0 22 0,0-22 16,0 0-16,0 0 0,21 0 15,0-21-15,1 0 16,-1 0-16,0 0 0,0 0 15,0 0-15,0 0 0,1 0 0,-1 0 16,0-21-16,0 0 0,0 0 0,0 21 16,1-21-16,-1-1 0,-21-20 15,21 21-15,0 0 0,-21 0 0,0-22 16,0 22-16,21-21 0,-21 21 0,0-22 16,0 22-16,0 0 0,0 0 15,0 42 16,0 0-31,0 0 0,0 0 16,0 1-16,-21 20 0,21-21 0,0 0 16,0 22-16,-21-22 0,21 0 15,-21 0-15,21 0 0,0 0 0,0 22 16,0-22-16,-21-21 0,21 21 16,-22-21-1,22-21 32,0 0-47,0 0 0,0-1 16,22-20-16,-1 21 0,0 0 15,0 0-15,0-22 0,0 22 16,43-42-16,-43 20 0,0 22 16,22 0-16,-1 0 0,-21 21 15,21 0-15,-20 0 0,-1 0 0,0 0 16,0 21-16,0 0 0,0 0 0,-21 0 15,0 1-15,0 20 0,0-21 16,0 0-16,0 22 0,0-22 16,0 0-16,0 0 0,0 0 0,0 0 15,0 1-15,0-1 0,0 0 16,0 0-16,22-21 0,-1 0 16,0 0-16,0 0 15,0 0-15,0 0 0,1 0 16,-1 0-16,0 0 0,0-21 0,-21 0 15,21 21-15,0-21 0,1-1 16,-1 1-16,0-21 0,0 21 0,0-22 16,0 1-16,1 21 0,-1-43 15,0 22-15,0 0 0,0-22 0,0 22 16,1-22-16,20-41 0,-21 41 16,-21 22-16,0-1 0,21 1 15,-21 0-15,21 21 0,-21-22 16,0 22-16,0 0 0,0 0 0,0 42 31,0 0-31,0 0 0,-21 22 16,0-1-16,21 0 0,-21 1 15,21-1-15,-21 21 0,21-20 0,-21 20 16,-1-20-16,22 20 0,-21-21 16,21 1-16,-21-1 0,0 0 0,21 22 15,0-22-15,-21-21 0,21 22 16,0-22-16,0 0 0,0 0 15,0 0-15,0 1 0,0-1 16,21-21 0,0 0-16,0 0 15,0 0-15,1 0 0,-1 0 16,0 0-16,0 0 16,0-21-16,0 21 0,22-22 15,-1 1-15,-21 0 0,0 21 16,1 0-16,-22-21 0,21 0 15,0 0 1,-21-1-16,0 1 16,0 0-16,0 0 15,0 0-15</inkml:trace>
+  <inkml:trace contextRef="#ctx0" brushRef="#br0" timeOffset="26184">13462 5630 0,'0'0'15,"-21"0"-15,42 0 32,0 0-32,0 0 15,0 0-15,1 0 0,20-21 16,-21 21-16,0 0 0,0 0 15,1 0-15,20 0 0,-21-21 0,0 21 16,0-21-16,1 21 16,-1 0-16,0 0 31,-42 0 31,0 0-46,-1 0-16</inkml:trace>
+  <inkml:trace contextRef="#ctx0" brushRef="#br0" timeOffset="28903.76">931 7768 0,'0'0'0,"-21"21"16,0-21-16,0 0 16,0 0-1,21-21 17,0 0-17,0 0-15,21 21 16,0 0-16,0-21 0,0 21 15,-21-21-15,21 21 0,22 0 0,-22 0 16,0 0-16,0 0 0,0 21 16,1 0-16,-1 0 0,-21 0 0,0 0 15,0 1-15,0 20 0,0-21 16,0 21-16,0 1 0,-21-1 16,-1-21-16,1 22 0,0-1 0,-21-21 15,21 21-15,-1-20 0,1-1 16,0 0-16,0-21 0,21 21 15,-21 0-15,21-42 32,0 0-17,21 0-15,0 0 16,0 21-16,0-22 0,1 1 0,20 21 16,-21-21-16,0 21 0,22-21 15,-1 21-15,-21 0 0,21 0 16,-20 0-16,20 21 0,-21 0 0,21 0 15,-20 1-15,-1-1 0,-21 0 16,0 21-16,0-21 0,0 1 0,0 20 16,-21-21-16,-1 21 15,1-20-15,-21-1 0,21 0 0,-22 0 0,1 21 16,0-42-16,21 22 16,-22-1-16,1-21 0,0 0 15,20 0-15,-20 0 0,21 0 0,-21 0 16,20 0-16,1 0 0,0 0 15,0-21-15,0-1 0,0 22 0,21-21 16,-22 0-16,22 0 0,-21 0 16,21 0-16,0-1 0,0 1 15,0 0 1,0 0 0,21 21-16,1 0 15,-1 0-15,0 0 0,0-21 16,0 21-16</inkml:trace>
+  <inkml:trace contextRef="#ctx0" brushRef="#br0" timeOffset="29284.47">1863 8065 0,'0'21'16,"0"0"-1,0-42 17,0 0-17,0-1 1,-22 22 15,1 0-15,0 0-16,21 22 15,-21-22 1,21 21-16,0 0 16,21-21 15</inkml:trace>
+  <inkml:trace contextRef="#ctx0" brushRef="#br0" timeOffset="31981.53">3535 7578 0,'0'-21'16,"21"-1"-16,-21 1 15,21 0 1,0 0-16,0 0 16,1 21-16,-22-21 15,21 21-15,-21-22 0,21 1 16,0 21-16,-21-21 0,0 0 15,21 0-15,0 0 16,-21-1-16,0 1 16,0 0-16,0 0 15,0 0 1,-21 21 0,0 0-1,0 0-15,0 0 31,0 0-15,-1 21 0,1 0-16,0-21 15,21 21-15,-21-21 16,21 21 0,-21-21-16,21 22 15,0-1 1,-21-21-16,21 21 0,-22 0 15,22 0-15,0 0 16,0 1-16,0-1 0,0 0 16,0 0-16,0 0 0,0 0 0,0 1 15,22-1-15,-22 0 0,21 0 16,0 0-16,0 22 0,0-22 16,-21 0-16,43 0 0,-22 21 15,0-20-15,0 20 0,0 0 0,0-21 16,1 22-16,-1-1 0,0-21 15,-21 22-15,0-1 0,0-21 0,0 21 16,0 1-16,0-22 0,0 0 0,-21 21 16,0-20-16,-1-1 0,1 0 15,-21 0-15,21-21 0,0 21 0,-22-21 16,22 0-16,0 0 0,-21 0 16,20 0-16,1-21 0,-21 0 0,21 0 15,0 0-15,-1-1 0,1-20 16,0 21-16,0-21 0,0-1 15,0 1-15,-1 0 0,22 20 16,-21-20-16,21 0 0,-21 21 0,21-1 16,0 1-16,0 0 0,0 42 31,0 0-31,21 22 16,0-22-16,1 21 0,-1-21 0,0 22 15,0-1-15,0-21 0,0 22 16,1-1-16,20-21 0,-21 21 0,0 1 15,22-22-15,-1 0 0,-21 0 16,21 0-16,-20 1 0,20-1 0,43 0 16,-64-21-1,21 0-15,0 0 0,1 0 0,-22 0 16,21-21-16,-21 0 0,22-1 0,-1 1 16,-21-21-16,22 21 0,-22-22 15,21 22-15,-21-21 0,0 0 0,1-22 16,-1 22-16,0-1 0,0-20 15,-21 21-15,21-64 0,-21 42 16,0 22-16,0-22 0,0 22 16,0 0-16,0-22 0,0 22 0,0 0 15,0 20-15,0 1 0,0 0 16,0 0-16,0 42 16,0 0-16,0 22 0,0-22 15,0 21-15,-21 22 0,21-22 0,0 0 16,0 22-16,0-1 15,0 1-15,0-1 0,0-20 0,0 20 16,0 1-16,0-1 0,0-21 0,0 22 16,0-22-16,0 1 0,-21-22 15,21 21-15,0-21 0,0 0 0,-21 1 16,21-1-16,0-42 31,0-1-15,0-20-16,0 21 15,0 0-15,0-22 0,21 1 0,0 0 16,-21-1-16,21 1 0,0 0 16,1-1-16,-1 22 0,0-21 0,0 21 15,21-22-15,-20 22 0,-1 0 16,0 21-16,21 0 0,-21 0 0,1 0 16,-1 0-16,0 0 0,0 21 15,-21 0-15,0 1 16,0-1-16,0 21 0,-21-21 15,21 0-15,-21 1 0,0-22 0,-1 21 16,1 0-16,0 0 0,0-21 0,0 0 16,0 21-16,-1-21 15,1 0-15,0 0 16,0 0-16,21 21 47,0 1-47,0-1 15,0 0-15,0 0 0,0 21 16,0-20-16,0-1 0,21 0 0,-21 0 16,21 0-16,0 0 0,1 1 15,-1-1-15,0-21 0,0 21 0,0-21 16,22 0-16,-22 0 0,21 0 0,-21 0 16,22 0-16,-1 0 0,-21-21 15,21 0-15,1-1 0,-1 22 16,-21-42-16,22 21 0,-22 0 0,21 0 15,-21-22-15,0 22 0,1-21 0,-1 21 16,-21-22-16,0 1 0,21 0 16,-21 20-16,0-20 0,0 21 0,0 0 15,0 0-15,0-1 0,0 44 47,0 20-47,0-21 0,0 21 0,0-20 16,0 20-16,0 0 0,0-21 15,0 22-15,0-1 0,0-21 0,0 22 16,0-22-16,21 0 0,21 21 16,-42-21-16,22 1 0,-1-22 15,0 0-15,21 0 0,-21 0 16,22 0-16,-1 0 0,-21 0 0,22-22 16,-1 1-16,0 0 0,1 0 15,-1 0-15,-21-22 0,21 22 0,1-42 16,-22 20-16,0 1 15,0 21-15,-21-21 0,0-1 0,0 22 16,0-21-16,0 21 0,0-1 0,0 1 16,0 0-16,-21 21 31,0 0-31,21 21 0,-21 0 16,21 1-16,0 20 0,0 0 15,0 1-15,-21-1 0,21 0 0,-22 1 16,22 20-16,-21 1 0,21-22 15,0 21-15,-21 1 0,21-1 0,-21 1 16,21 21-16,0-22 0,0 22 0,-21-1 16,21-20-16,0 21 0,-21-22 15,21 1-15,0-1 0,0 1 0,0-1 16,0 1-16,0-22 0,0 0 16,0-21-16,0 22 0,0-22 0,0 0 15,0-42 16,0 0-31,0 0 0,0-1 16,0-20-16,21 21 0,0-21 16,-21-1-16,0 1 0,21 0 0,-21-1 15,21 1-15,-21-22 0,0 1 0,21-1 16,-21 1-16</inkml:trace>
+  <inkml:trace contextRef="#ctx0" brushRef="#br0" timeOffset="32294.36">5863 8192 0,'0'0'0,"0"-127"16,0 84-16,0-20 16,0 42-16,0-22 0,0 22 0,21 0 15,-21 0-15,21 21 0,1-21 16,-1-1-16,0 22 0,0-21 0,43 0 16,-22 21-16,-21 0 15,0 0-15,22 0 0,-22 21 0,0 0 16,0 1-16,0-1 0,0 0 0,-21 21 15,0-21-15,0 22 0,0-22 16,0 21-16,0-21 0,-21 22 16,0-22-16,0 0 0,0 21 0,0-42 15,-1 22-15,1-1 0,0 0 16,0-21-16,0 0 0,0 21 0,-1-21 16,1 0-16,0 0 15,0 0-15,0 0 0,0-21 16,-1 21-16,1-21 0,0 0 0,0-1 15,21 1-15</inkml:trace>
+  <inkml:trace contextRef="#ctx0" brushRef="#br0" timeOffset="32519.23">5101 7641 0,'0'0'15,"-42"0"1,21 0-16,-1 0 16,22-21-16,-21 21 0,0 0 15,0 0 1</inkml:trace>
+  <inkml:trace contextRef="#ctx0" brushRef="#br0" timeOffset="33128.87">7133 7451 0,'21'-21'0,"-42"42"15,63-85-15,-20 43 0,-1-21 0,0-1 16,0 22-16,0-21 0,0 21 15,-21 0-15,0-22 0,22 43 0,-22-21 16,0 42 0,-22 0-16,22 1 15,-21 20-15,0 21 0,0-20 0,0 20 16,0 1-16,-1-1 0,1 22 16,0-22-16,0 22 0,0 0 0,0-1 15,-1-20-15,1 21 0,0-1 16,-21-20-16,21-1 0,-1 1 15,1-1-15,0-20 0,21-1 0,0 0 0,0-21 16,0 1-16,0-1 16,0 0-16,21-21 15,0-21-15,1 0 0,-1-1 16,0 1-16,0-21 0,21 0 16,-20-1-16,20 1 0</inkml:trace>
+  <inkml:trace contextRef="#ctx0" brushRef="#br0" timeOffset="35324.08">7726 7662 0,'0'22'16,"0"-1"-16,0 0 16,0 0-16,0 0 15,21-21 1,0 0-1,0 0-15,0 0 0,1-21 16,20 0-16,-21 0 0,21 0 0,-20-1 16,20 1-16,-21 0 0,21-21 15,-20 21-15,-1-22 0,0 22 0,-21-21 16,0-1-16,0 22 0,0-21 16,0 21-16,0 0 0,0-1 0,-21 22 31,0 22-31,-1 20 15,22 0-15,0 1 0,0-1 16,-21 0-16,21 1 0,-21 20 0,21-21 16,-21 22-16,21-22 0,0 22 15,0-1-15,-21-20 0,21 20 0,0-21 16,0 22-16,0-22 0,-21 1 0,21-1 16,0-21-16,0 21 0,0-20 15,0-1-15,0 21 16,0-21-16,-22-21 15,1 0-15,0 0 16,0 0-16,0 0 0,21-21 16,-21 0-16,-1 0 0,1 0 15,0-1-15,0 1 0,0 0 0,0 0 16,21 0-16,-22 0 0,22-1 0,-21 22 16,0 0-1,21 22 1,0-1-16,0 0 0,0 0 15,21 0-15,0 0 0,1 1 16,-22-1-16,42 0 0,-21 0 0,0 0 16,0-21-16,1 0 15,-1 21-15,21-21 0,-21 0 0,22 0 16,20 0-16,-42-21 0,0 21 16,22-21-16,-22 0 0,21 0 15,-21 0-15,22-1 0,-22 1 0,0 0 16,0-21-16,0 21 0,1-22 0,-1 22 15,0-21-15,0 21 0,-21-1 16,0 1-16,21 21 0,-21-21 16,0 42-1,0 0 1,0 1-16,0-1 0,0 0 0,0 0 16,-21 0-16,21 0 15,-21 1-15,21-1 0,0 0 0,0 0 16,-21 21-16,21-20 0,-21-22 15,21 21-15,0-42 63,0-1 249,0 1-296,0 0 0,0 0-1,0 0-15,0 0 0,0-1 16,0 1-16,0 0 0,0 0 16,21 0-16,-21 0 0,0-22 15,21 22-15,-21 0 0,0 0 16,0 0-16,0-1 0,0 1 15,0 42 17,0 1-17,0-1-15,0 21 16,0-21-16,0 22 0,0-22 0,0 21 16,0-21-16,0 22 0,0-22 0,0 21 15,0-21-15,-21 22 0,21-22 16,-21 0-16,21 0 0,0 0 15,0 0-15,0 1 0,0-44 47,0 1-31,0 0 0,0 0-1,0 0 407,0 0-391,0-1-15,0 1 15,-22 21 94</inkml:trace>
+  <inkml:trace contextRef="#ctx0" brushRef="#br0" timeOffset="35719.94">8318 8255 0,'0'-21'16,"0"0"0,0 0-1,0-1-15,0 1 0,0 0 16,0 0-16,0 0 0,22 0 16,-22-1-16,21 1 0,0 0 0,0 0 15,-21 0-15,21 0 0,0-1 16,1 1-16,20 21 0,-21 0 0,0-21 15,0 21-15,1 0 0,-1 0 16,0 21-16,0 0 0,0 1 16,0-1-16,1 0 0,-1 21 0,-21-21 15,0 22-15,0-22 0,0 21 0,0 1 16,0-22-16,0 0 0,0 42 16,0-41-16,0-1 15,0 0-15,0 0 0,-21-21 16,21 21-1,0-42 32,0 0-47</inkml:trace>
+  <inkml:trace contextRef="#ctx0" brushRef="#br0" timeOffset="37100.8">8699 8043 0,'0'-21'0,"0"0"16,0 0-16,0 0 16,0 0-16,-21-1 0,0 22 15,0 0-15,0 0 16,0 0-16,-1 0 0,1 0 15,0 22-15,0-1 0,0 0 16,0 21-16,-1-21 0,1 22 16,21-1-16,-21-21 0,0 22 0,0-1 15,21 0-15,0 1 0,-21-22 16,21 21-16,0-21 0,0 0 0,0 1 16,0-1-16,0 0 0,21-21 15,0 0-15,0 0 16,0 0-16,0 0 0,22-21 0,-22 21 15,21-21-15,-21-1 0,1 1 16,20 0-16,-21 0 0,21 0 0,-20 0 16,-1-22-16,0 22 0,0 0 15,-21-21-15,0 20 0,21 1 0,-21-21 16,0 21-16,0 0 0,0-1 16,0 1-16,0 0 0,0 42 31,0 0-31,0 22 15,0-22-15,0 21 0,0-21 16,0 22-16,0-1 0,0 0 0,0 1 16,0-1-16,0 0 0,0 1 0,0 20 15,0-20-15,21-1 0,-21 21 16,0-20-16,0 20 0,22 1 0,-22-1 16,21-20-16,-21 20 0,0 1 15,0-22-15,0 21 0,0-20 0,0-1 16,0 22-16,-21-22 0,-1 0 15,1 1-15,0-22 0,0 21 0,-21-21 16,-1 22-16,22-22 0,-21 0 16,21-21-16,-1 0 0,1 0 15,0 0-15,0-21 0,21 0 0,-21-1 16,21-20-16,-21 21 0,21-21 16,0-1-16,0-20 0,0 20 0,0-20 15,0-1-15,0 1 0,21-22 0,0 22 16,0-1-16,0 1 0,0-1 0,1 1 15,20-1-15,0 1 16,-21 20-16,22 1 0,-1 0 0,-21-1 16,22 1-16,-1 0 0,-21-1 0,21 22 15,-20-21-15,20 21 0,-21-22 16</inkml:trace>
+  <inkml:trace contextRef="#ctx0" brushRef="#br0" timeOffset="38396.4">9186 7916 0,'0'-21'0,"0"42"16,0-63-16,0 21 0,0 0 15,-21 21 1,21 21 0,0 0-16,0 0 15,-21 0-15,21 22 0,0-22 0,0 21 16,0 1-16,0-22 0,0 21 16,0-21-16,0 0 0,0 1 0,0-1 15,0 0-15,0 0 0,0 0 16,0-42 31,0 0-47,0 0 0,0 0 0,0-1 15,0 1-15,21 0 0,-21-21 0,0 21 16,21-22-16,0 22 0,-21 0 16,22 0-16,-1 0 0,0-1 15,-21 1-15,21 21 0,0 0 0,0 0 0,1 0 16,-1 0-1,-21 21-15,21 1 0,0 20 16,-21-21-16,0 0 0,0 22 0,21-22 16,-21 0-16,0 21 0,21-21 15,-21 1-15,22-1 0,-22 0 0,21 0 16,0-21-16,0 0 16,0 0-16,0 0 0,1 0 15,-1 0-15,21 0 0,-21-21 16,0 0-16,22 21 0,-22-21 15,0-1-15,0 1 0,22-21 16,-22 21-16,0 0 0,0-1 0,0-20 16,-21 21-16,21 0 0,-21 0 15,22-1-15,-22 1 0,0 0 0,0 42 32,0 0-17,-22 1-15,1 20 0,21-21 0,-21 21 16,21-20-16,0-1 0,0 21 0,0-21 15,0 0-15,0 22 0,0-22 16,0 0-16,0 0 0,21-21 16,0 21-16,1-21 15,-1 0-15,0 0 16,21 0-16,1-42 0,-22 42 16,0-21-16,0 0 0,0 0 0,0-1 15,1 1-15,-1-21 0,0 21 16,-21 0-16,0-22 0,0 22 0,0-21 15,0-1-15,0 1 16,0 0-16,-21 21 0,0-1 0,-1 1 16,1 0-16,-42 21 0,42 0 15,-22 0-15,22 0 0,0 0 0,-21 21 16,20 0-16,1 1 0,0-1 16,0 21-16,0-21 0,21 22 15,0-1-15,0 0 0,0-21 0,0 22 16,0-22-16,0 0 0,0 0 15,0 0-15,21 1 0,0-1 0,0-21 16,22 0-16,-22 0 0,0 0 16,0 0-16,21 0 0,-20 0 15,-1-21-15,0-1 0,21 1 0,-21 0 16,1 0-16,-1 0 0,0 0 0,0-1 16,21-20-16,-20 21 0,-1 0 15,0-22-15,0 1 0,0 21 16,0 0-16,-21 0 0,0 42 31,0 0-15,0 0-16,0 0 0,0 0 15,0 22-15,0-22 0,0 0 16,0 0-16,0 22 0,0-22 0,0 0 16,0 0-16,0 0 0,0 0 0,22 1 15,-1-22-15,0 0 16,0 0-16,0 0 0,0 0 0,1 0 15,-1 0-15,0 0 0,21-22 0,-21 22 16,1-21-16,20 0 0,-21 0 16,21 0-16,-20 0 0,-1-1 15,0 1-15,0 0 0,-21-21 0,0 21 16,21-1-16,-21-20 0,0 21 0,0 0 16,0 0-16,0-1 15,-21 22-15,0 0 0,0 0 16,0 0-16,-1 22 0,1-1 0,21 0 15,-21 0-15,0 0 0,21 0 16,0 22-16,0 41 16,0-62-16,0-1 0,0 0 0,0 0 15,0 0-15,21-21 16,0 0-16,0 0 0,1 0 16,-1 0-16,0 0 0,21-21 15,-21 0-15,1 21 0,-1-21 0</inkml:trace>
+  <inkml:trace contextRef="#ctx0" brushRef="#br0" timeOffset="40347.97">11536 7451 0,'0'21'15,"0"0"-15,0 43 16,0-43-16,0 0 16,0 0-16,0 0 0,21 0 0,-21 1 15,21-22-15,0 0 0,0 0 16,1 0-16,-1 0 0,0 0 15,21 0-15,-21-22 0,22 1 0,-22 0 16,42-21-16,-20-1 0,-1 22 16,-21-21-16,0 21 0,22-22 15,-22 1-15,0 21 0,-21-21 0,0-1 16,0 22-16,0-21 0,0 21 16,0-1-16,-21 44 31,21-1-31,-21 21 0,0 0 15,-1 1-15,1 20 0,21-20 0,-21 20 16,0-21-16,21 22 0,0-22 16,0 22-16,-21-22 0,21 85 15,0-85-15,0 1 0,0-1 16,0 0-16,0-20 0,0 20 16,0-21-16,0 0 0,0 0 15,0 1-15,0-1 0,-21-21 31,-1 0-31,1 0 0,0 0 0,0-21 16,0-1-16,0 1 0,-1 21 0,1-21 16,0 0-16,0 0 0,21 0 15,-21-1-15,0 22 0,-1-21 16,22 0 0,0 42-1,0 0 1,0 1-16,0-1 15,22 0-15,-1-21 0,0 21 16,0-21-16,0 0 0,0 0 16,1 21-16,-1-21 15,0 0-15,0 0 0,0 0 0,0 0 16,1 21-16,-1-21 0,0 0 0,0 0 16,0 0-16,0 0 0,1 0 15,-1 0-15,0 0 0,0 0 16,0 0-16,0 0 0,1-21 0,-1 0 15,21 21-15,-21-21 0,0 0 16,43-22-16,-22 22 0,-21-21 16,22 21-16,-22 0 0,21-22 15,-21 22-15,1-21 0,-1 21 0,-21-22 16,0 22-16,0 0 0,0-21 0,0 20 16,0 1-16,-21 21 15,-1 0 1,1 21-16,0 1 0,0-1 0,0 0 15,0 21-15,-1-21 0,1 22 16,0-1-16,21-21 0,0 22 16,0-1-16,0-21 0,0 21 0,0-20 15,0-1-15,0 0 0,0 0 16,0 0-16,21 0 0,0-21 0,1 0 16,-1 0-16,0 0 0,0 0 0,21 0 15,-20-21-15,20 21 0,-21-21 16,21 0-16,1 0 0,-22 0 0,21-1 15,1 1-15,-1-21 0,-21 21 16,21-22-16,-20 22 0,20-21 16,-21 21-16,0-22 0,-21 22 0,0 0 15,0 0-15,0 0 0,0 0 0,-21 21 32,0 0-32,0 21 0,0 0 15,21 0-15,0 0 0,0 0 16,0 1-16,0 20 0,0-21 0,0 0 15,0 0-15,0 1 0,21-1 0,0 0 16,0 21-16,0-42 0,0 21 16,1 1-16,-1-1 0,0 0 15,-42-21 17,0 0-17,-1 0-15,1 0 0,0-21 16,0 0-16,0 21 0,0 0 15,-1 0-15,22-22 0,-21 22 16,21 22 0,0-1-1,21-21-15,1 21 0,-1-21 0,0 0 16,0 0-16,0 0 0,22 21 0,-22-21 16,21 0-16,-21 0 0,22 0 15,-1 0-15,0-21 0,1 0 0,-1 21 16,-21-21-16,21-1 0,1 1 15,-22 0-15,21 0 0,-21 0 16,1-22-16,-1 22 0,0-21 0,0 0 16,0 20-16,0-20 0,-21 0 15,0-22-15,22 22 0,-22 0 0,21-22 16,-21 1-16,0 20 0,0-20 0,0 20 16,0 1-16,0 21 0,0-21 15,0 20-15,0 44 16,-21-1-1,21 0-15,-22 21 0,22 1 0,0-1 16,0 21-16,-21-20 0,21 20 0,-21-20 16,21 20-16,-21-21 15,21 1-15,0-1 0,0 0 0,0 1 16,0-1-16,0 0 0,0-20 0,0 20 16,0-21-16,0 0 0,21 0 15,0 1-15,0-22 0,1 0 16,-1 0-16,0 0 0,0 0 0,0 0 15,0 0-15,1-22 16,-1 22-16,0-21 0,-21 0 0,21 0 16,-21 0-16,0-22 0,0 22 15,0 0-15,0 0 0</inkml:trace>
+  <inkml:trace contextRef="#ctx0" brushRef="#br0" timeOffset="40526.37">13462 7599 0,'0'0'0,"-21"0"0,0 42 16,42-42 0,0 0-16,0 0 0,0 0 15,0 0-15,1 0 0,20 0 16,-21 0-16,0 0 0,0 0 0,22 0 16,-22 0-16,0 0 0,0-21 15,0 21-15,1-21 0,-1 0 0,21 21 16</inkml:trace>
+  <inkml:trace contextRef="#ctx0" brushRef="#br0" timeOffset="40904.33">14668 7281 0,'0'-42'0,"0"84"0,0-105 0,0 42 16,0 0-16,0-1 0,0 1 16,-21 21-16,0 0 0,0 0 0,0 0 15,-22 0-15,1 21 16,21 1-16,-21-1 0,20 21 16,-20-21-16,21 22 0,-21 20 0,20-21 15,1 1-15,0 20 0,0-20 16,0-1-16,0 21 0,21-20 0,-22-1 15,22 0-15,0 22 0,0-22 0,0-21 16,0 22-16,22-1 0,-1 0 16,0-20-16,0-1 0,0 0 0,22 0 15,-22 0-15,0 0 0,42-21 16,-20 0-16,-1 0 0,-21 0 16,22 0-16,-22 0 0,21-21 15,0 21-15,-20-21 0,-1 0 0,21 0 16,-21 0-16,22-22 0</inkml:trace>
+  <inkml:trace contextRef="#ctx0" brushRef="#br0" timeOffset="41994.13">14965 7768 0,'0'-21'0,"0"42"0,0-84 0,0 42 15,0-1-15,0 1 0,-21 0 16,-1 21-16,1 0 0,0 0 16,0 0-16,0 21 15,0 0-15,-1 1 0,1-1 0,0 0 16,21 21-16,-21-21 0,0 22 0,0-22 15,21 21-15,0-21 16,0 22-16,-22-22 0,22 21 0,0-21 16,0 1-16,0-1 0,0 0 0,0 0 15,22-21-15,-1 0 16,0 0-16,0 0 0,0 0 16,0 0-16,1-21 0,-1 0 0,21-22 15,-21 22-15,0 0 16,1 0-16,-1-21 0,0 20 0,0-20 15,-21 21-15,21-21 0,-21-1 0,21 1 16,-21 21-16,0-22 0,0 22 16,0 0-16,0 0 0,0 42 31,0 0-31,-21 0 16,0 22-16,21-22 0,0 0 0,0 21 15,0-20-15,0 20 0,0-21 0,0 0 16,0 22-16,0-22 0,0 0 15,0 0-15,0 0 0,0 0 0,21 1 16,0-1-16,1-21 0,-1 21 16,0-21-16,0 0 0,0 0 15,0 0-15,1 0 0,-1-21 0,0 21 16,0-21-16,0-1 0,22 1 0,-22 0 16,0 0-16,0 0 0,0 0 15,0-1-15,1-20 0,-1 21 16,-21-21-16,21 20 0,0 1 0,-21-21 15,0 21-15,0 0 16,0 42 0,0 0-16,0 0 0,0 0 15,0 0-15,-21 22 0,21-22 16,0 21-16,0-21 0,0 1 0,0 20 16,0-21-16,0 0 0,0 0 0,0 1 15,0-1-15,0 0 0,0 0 16,0 0-16,-21-21 47,0 0-32,21-21-15,0 0 16,-22 21-16,1 0 16,21 21 15,0 0-31,21-21 15,1 21-15,-1-21 0,0 0 16,0 22-16,21-22 0,-20 0 0,20 0 16,-21 0-16,21 0 0,-20 0 15,41 0-15,-21 0 16,-20 0-16,20-22 0,-21 22 0,0-21 16,22 0-16,-22 0 0,0 0 15,21-43-15,-21 22 0,1 21 16,-1-22-16,0 1 0,-21 21 0,0-21 15,0 20-15,0 1 0,0 0 16,0 0-16,0 0 0,-21 21 16,21 21-16,-21 0 0,-1 0 15,1 0-15,0 22 16,0-22-16,0 21 0,21-21 0,0 22 0,-21-22 16,21 21-16,0-21 0,0 1 15,0-1-15,0 0 0,0 0 16,21 0-16,0-21 0,0 0 0,0 21 15,0-21-15,1 0 0,-1 0 0,0 0 16,21 0-16,-21 0 0,1 0 16,-1 0-16,0-21 0,0 21 0,0-21 15,-21 0-15,21 21 0,-21-21 16</inkml:trace>
+  <inkml:trace contextRef="#ctx0" brushRef="#br0" timeOffset="43320.12">1228 9800 0,'0'0'0,"0"-21"15,0 0-15,0 0 0,0 0 16,0-1-16,0 1 16,0 0-16,0 0 0,0 0 15,0 42 1,0 0-16,-22 0 16,22 22-16,0-22 0,-21 42 15,21-20-15,-42 41 16,21-41-16,0-1 0,-1 21 0,1-41 15,0 20-15,0 0 0,0-21 16,0 22-16,-1-22 0,1-21 16,21 21-16,0-42 31,0 0-31,21 0 0,1-1 16,20 22-16,-21-21 15,0 21-15,22 0 0,-22 0 16,21-21-16,0 21 0,1-21 0,-22 21 15,21-21-15,1 21 0,-1-21 16,-21 21-16,21-22 0,-20 22 16,-1-21-16,0 0 0,0 21 15,0-21-15,-21 0 0,0 0 16,0-1-16,0 1 0,0 0 16,0 0-16,0 0 0,0 0 0,0-1 15,0 1-15,-21 21 0,0 0 16,21 21-1,0 1-15,-21-1 0,21 21 16,-21 0-16,21-20 0,-22 20 16,22 0-16,0 1 0,0-22 0,-21 21 15,21 0-15,-21-20 0,21 20 16,0 0-16,0 1 16,0-22-16,0 0 15,0 0-15,0-42 47,0 0-31</inkml:trace>
+  <inkml:trace contextRef="#ctx0" brushRef="#br0" timeOffset="43551.56">1841 10139 0,'0'0'0,"22"0"0,-1 0 32,-21-21-32</inkml:trace>
+  <inkml:trace contextRef="#ctx0" brushRef="#br0" timeOffset="48358.86">3873 9652 0,'0'-21'15,"0"42"-15,0-63 0,0 21 0,22-1 0,-22-41 16,0 42-16,21 0 16,-21-1-16,0 1 0,0 0 0,0 0 15,0 0-15,-21 21 32,-1 21-32,22 0 0,-21 0 15,0 22-15,0-1 0,0 21 16,0-20-16,-1 20 0,1 1 0,0-1 15,-21 1-15,21-22 0,-43 85 16,-21 0-16,64-63 16,-21-22-16,-22 64 15,43-64-15,0 0 0,0-20 0,21-1 16,-21 0-16,21-42 16,0 0-16,21-1 15,0 1-15,0-21 0,0 0 16,1-1-16,-1 1 0,21 0 0,-21-1 15,0 1-15,22-22 0,-22 22 16,21-85-16,22 0 16,-43 64-16,0-1 0,21 1 15,-20-1-15,-1 22 0,-21-1 16,21 1-16,0 0 0,-21 21 0,0-1 16,21 22-1,-21 22-15,21-1 16,-21 21-16,0 0 0,0 1 15,0 20-15,0 1 0,0-22 0,0 22 16,0-1-16,0 1 0,0-1 16,0 1-16,0-1 0,0-21 0,0 22 15,0-22-15,0 64 0,0-64 16,0 1-16,0-1 16,0-21-16,0 22 0,0-22 0,22 0 15,-22 0-15,0 0 16,0-42-1,0 0-15,0 0 16,0 0-16,0-1 0,0 1 16,-22 0-16,1 0 0,0-21 0,0 20 15,-21 1-15,20 0 0,-20-21 16,0 21-16,-1-1 0,22 1 0,-21 21 16,0-21-16,20 21 0,-20 0 15,21 0-15,0 0 0,-22 21 0,22 0 16,21 1-16,0-1 0,-21 0 15,21 21-15,0-21 0,0 22 0,0-1 16,21-21-16,0 0 0,1 1 16,20-1-16,0 0 0,-21 0 15,22-21-15,-1 0 0,22 0 0,-22 0 16,0 0-16,22-21 0,-22 0 16,0 0-16,22-1 0,-22 1 0,1-21 15,-1 21-15,0 0 0,1-22 0,-1 22 16,-21 0-16,21 0 0,-20-22 15,-1 22-15,0 0 0,0 0 0,-21 0 16,21 0-16,-21-1 0,0 44 47,-21-1-47,21 0 16,-21 0-16,21 0 0,-21 0 0,21 22 15,0-22-15,0 0 0,0 0 16,-21 22-16,21-22 0,0 0 0,-22 0 15,22 0-15,0 0 0,0 1 16,0-1-16,0-42 31,0-1-15,0-20-16,0 21 0,0 0 16,0-22-16,22 22 15,-1-21-15,0 21 0,-21-22 0,21 22 16,0 0-16,0 0 0,1 0 0,-1 0 15,0 21-15,0 0 0,43 0 16,-43 21 0,-21 0-16,21 0 15,-21 0-15,0 0 0,0 1 0,0-1 16,0 21-16,0-21 0,0 0 16,0 1-16,0 20 0,21-21 0,-21 0 15,21 0-15,-21 1 0,21-22 0,1 21 16,-1-21-16,0 0 0,0 0 15,0 0-15,22 0 0,-22 0 0,21-21 16,-21-1-16,22 1 0,-1 0 16,-21 0-16,0 0 0,22-22 15,-22 22-15,0 0 0,0-21 0,0 21 16,-21-1-16,0-20 0,0 0 16,0 21-16,0-1 0,0 1 15,0 0-15,0 0 0,0 42 31,0 0-31,-21 0 0,21 1 16,0-1-16,0 0 0,0 21 16,-21-21-16,21 22 0,0-22 0,0 21 15,0-21-15,0 1 0,-21 20 16,21-21-16,0 0 0,-21 0 0,21 1 16,0-44 15,0 1-16,0 0-15,0 0 0,0 0 16,21 0-16,-21-22 0,21 22 0,0 0 16,-21 0-16,42-43 15,-20 22-15,-1 21 0,-21 0 16,21-1-16,0 1 0,0 21 16,0 0-16,1 0 15,-1 21-15,-21 1 0,21-1 16,-21 0-16,0 0 15,0 0-15,0 0 0,0 1 0,0-1 16,0 21-16,0-21 0,0 0 0,0 1 16,21-1-16,-21 0 0,0 0 15,21 0-15,0 0 16,1-21-16,-1 0 0,0 0 16,0 0-16,0-21 0,0 21 15,1-21-15,-1 0 0,0 0 16,21 0-16,-21-1 0,1 1 0,-1 0 15,0 0-15,0 0 0,0-22 16,0 22-16,-21 0 0,22 0 0,-22 0 16,21-22-16,0 22 15,-21 42 17,0 1-32,0-1 15,0 0-15,0 21 0,0-21 0,0 1 16,-21 20-16,21-21 0,-21 21 0,21-20 15,0 20-15,0-21 0,0 0 16,0 0-16,0 1 0,0-1 0,42 21 16,-21-42-16,0 0 15,0 0-15,1 0 0,-1 0 0,21 0 16,-21 0-16,22-21 0,-22 21 16,0-21-16,21 0 0,-21-1 0,1 1 15,-1 0-15,0-21 0,0 21 16,-21-1-16,0-20 0,0 21 0,21-21 15,-21 20-15,0 1 0,0-21 16,0 21-16,-21-22 0,0 22 0,0 0 16,0 21-16,-1-21 0,1 0 0,0 21 15,-21 0-15,21 0 0,-1 0 16,-20 0-16,21 21 0,0 0 0,0 0 16,-1 0-16,1 1 0,0-1 15,0 21-15,21-21 0,0 0 16,0 22-16,0-22 0,0 21 0,0-21 15,0 1-15,0 20 0,21-21 16,0 0-16,0 0 0,1-21 16,20 0-16,-21 0 0,0 0 0,22 0 15,-1 0-15,-21 0 0,21-21 0,-20 21 16,20-21-16,-21 0 0,21 0 16,-20-22-16,20 22 0,-21 0 15,21-42-15,-20 20 0,20 1 16,-21 0-16,-21-1 0,21 1 15,0 0-15,1-1 0,-22-20 0,0 20 16,0 1-16,21 0 0,-21-1 0,0 1 16,21 21-16,-21-21 0,0 20 15,0 1-15,0 0 0,0 42 32,0 0-32,0 1 0,0 20 15,0-21-15,0 21 0,0 1 0,0-1 16,0 0-16,0 22 0,0-22 15,0 1-15,0-1 0,0 0 0,0 1 16,0-1-16,0 0 0,0 1 16,0-1-16,0 0 0,0-21 0,0 22 15,0-1-15,0-21 0,21 0 16,0 1-16,0-1 0,1 0 0,20-21 16,-21 0-16,21 0 0,1 0 15,-1 0-15,22 0 0,-22-21 16,0 0-16,-21 21 0,1-22 15,20 1-15,-21 0 0,0-21 16,0 21-16,1-1 0,-1-20 0,21-21 16,-42 41-16,0-20 0,0 21 15,0-21-15,0 20 0,0-20 0,0 21 16,0 0-16,0 0 0,-21 21 31,0 0-31,21 21 0,-21 0 0,-1 0 16,1 0-16,0 0 0,0 1 0,-21 41 15,20-21-15,1-20 16,-21 41-16,21 1 16,21-43-16,0 21 15,0-21-15,0 0 0,21-21 16,0 0-16,0 0 0,0 0 16,1 0-16,-1 0 0,0-21 0,0 0 15,0 0-15,0 0 0,-21 0 16,22-1-16,20-20 15,-21 0-15,-21-1 0,21 1 16,-21 21-16,21 0 0,-21-22 16,0 22-16,0 0 0,0 42 47,0 0-47,0 1 0,0 20 15,0-21-15,0 0 0,0 0 16,0 22-16,0-22 0,0 0 0,0 21 15,0-20-15,0-1 0,0 0 0,64 42 16,-43-63 0,0 22-16,0-22 0,1 0 15,-1 0-15,0 0 0,0-22 16,0 22-16,0-21 0,22-21 16,-22 21-16,0-22 0,0 22 15,22-42-15,-43 20 0,42-41 16,-42 41-16,0-20 15,21 21-15,0-22 0,-21 22 16,0-22-16,21 22 0,-21-22 0,22 22 0,-22 21 16,0-21-16,21 20 0,-21 1 15,0 0-15,21 21 0,-21 21 16,0 22-16,0-22 16,0 21-16,-21 0 15,21 1-15,-21 20 0,21 22 16,-43 21-16,22-22 15,0-41-15,21-1 0,0 0 16,0 1-16,-21-22 0,21 21 0,0-21 16,0 22-16,0-22 0,0 0 0,0 0 15,21 0-15,0-21 16,0 0-16,0 0 0,22 0 16,-22 0-16,0-21 0,0 0 0,22 0 15,-22 0-15,0 0 16,0-1-16,21 1 0,-20 0 0,20-42 15,-21 41-15,0-20 0,0 21 16,-21 0-16,22-43 16,-1 64-16,-21-42 0,0 63 31,0 0-15,0 0-16,0 1 0,0-1 0,0 0 15,0 0-15,0 0 0,0 0 0,-21 1 16,21-1-16,0 21 0,0-21 15,0 0-15,0 1 0,21-1 16,0 0-16,0-21 0,0 0 16,22 0-16,-22 0 0,0 0 15,0 0-15,0 0 0,0-21 16,1 21-16,-1-21 0,0-1 16,0 1-16,0 0 0,-21 0 0,21 0 15,1 0-15,-22-43 0,0 43 16,21 0-16,-21 0 0,0-1 15,0 1-15,21 21 16,-21 21 0,0 1-1,0-1-15,0 0 0,-21 0 16,21 0-16,0 0 0,0 1 16,0-1-16,0 0 0,0 0 0,0 0 15,0 0-15,0 1 16,21-22-16,0 0 15,0 0-15,0 0 16,1-22-16,-1 22 0,0-21 16,-21 0-16,21 21 0,-21-21 0,21 0 15,-21 0-15,21-1 0,-21 1 16,0 0-16,0 0 0,0 0 0,0 0 16,-21-22-16,0 22 15,0 0-15,0 0 0,0 21 16,-1 0-16,1 0 0,0 0 0,0 0 15,0 0-15,42 0 47,0 0-47,0 0 0,0 0 16,1 0-16,20-21 0,-21-1 16,21 22-16,-20-21 0,20 21 0,-21 0 15,0 0-15,22 0 0,-22 0 0,21 0 16,-21 0-16,0 0 0,1 0 15,-22 21-15,0 1 0,0-1 16,0 0-16,0 0 0,0 0 0,0 0 16,0 1-16,0-1 0,0 0 15,0 0-15,0 0 0,0 0 0,0 1 16,-22-1-16,22 0 0,-21-21 16,21 21-16,-21 0 0,21 0 15,0 1-15,-21-22 16,21-22 15,0 1-31,21 0 16,-21 0-16,21 0 0,22-22 15,-22 22-15,0-21 16,0 21-16,0-22 0,0 22 0,43-42 16,-43 42-16,0-1 15,0 1-15,1 0 16,-1 21-16,-21 21 15,0 0-15,0 1 0,0-1 16,0 0-16,0 0 0,0 21 0,0-20 16,0-1-16,0 0 0,0 21 15,0-21-15,0 1 0,0-1 16,0 0-16,0 0 0,21-21 16,0 0-16,0 0 15,0 0-15,1 0 0,-1 0 0,0 0 16,0 0-16,0-21 0,0 0 0,1 21 15,20-21-15,-21-1 0,0 1 16,0 0-16,1 0 0,20-43 16,-21 22-16,21-21 15,-42-1-15,22 43 0,-22 0 16,0-22-16,0 22 16,0 0-16,0 42 31,0 0-31,0 1 0,0-1 0,0 21 15,0 0-15,0-20 0,0-1 16,0 0-16,0 0 0,0 0 16,0 0-16,0 1 0,0-1 0,0 0 15,0 0-15,0 0 16,0 0-16,-22-21 0,22 22 16,-21-22-16,21 21 0,-21-21 15,0 0-15,0 0 0,0 0 31,-1 0-31,22-21 32,0-1-17,0 1-15,0 0 16,0 0-16</inkml:trace>
+  <inkml:trace contextRef="#ctx0" brushRef="#br0" timeOffset="48595.29">9356 9567 0,'0'0'0,"-22"0"0,1 0 0,0 0 0,0 0 16,-21 0-16,20 0 31,1 22 31</inkml:trace>
+  <inkml:trace contextRef="#ctx0" brushRef="#br0" timeOffset="48867.72">7916 9885 0,'0'0'0,"-21"0"15,-21 0-15,21 0 0,21 21 16,21-21 0,0 0-1,0 0-15,0 0 0,22-21 0,-22 21 16,21-21-16,0 21 0,-20 0 0,20-21 15,-21 21-15,21 0 0,-20-22 16,-1 22-16,0 0 0,0 0 0,0-21 16,-21 0-1,-21 21 1,0 0-16,0 0 0,0 0 16</inkml:trace>
+  <inkml:trace contextRef="#ctx0" brushRef="#br0" timeOffset="49151.45">6371 9906 0,'-42'0'0,"84"0"0,-105 0 0,41 0 15,44 0 16,-1 0-31,21 0 0,-21-21 16,22 21-16,-22-21 0,21 21 0,0 0 16,-20 0-16,20-21 0,-21 21 15,21 0-15,-20 0 0,-1 0 16,-21-22-16,21 22 16,-42 0 15,0 22-31</inkml:trace>
+  <inkml:trace contextRef="#ctx0" brushRef="#br0" timeOffset="50095.45">1291 11748 0,'-21'0'0,"42"0"0,-63 0 16,21 0-16,-1 0 0,1 0 15,42 0 17,1 0-32,20 0 0,-21 0 15,21 0-15,1 0 0,-1-22 16,0 22-16,1 0 0,-1 0 0,-21-21 15,22 21-15,-22 0 16,0 0-16,0 0 0,0 0 16,-42 0-1,0 0-15,0 0 0</inkml:trace>
+  <inkml:trace contextRef="#ctx0" brushRef="#br0" timeOffset="50700.31">1228 11726 0,'-22'0'15,"1"22"1,21-1-16,0 0 16,0 0-16,0 0 0,-21 0 15,21 1-15,-21-1 0,21 0 0,0 21 16,-21-21-16,0 1 0,21 20 15,-22-21-15,22 0 0,0 0 16,-21 1-16,0-1 0,21-42 47,21-1-31,0 1-16,1 0 15,-1 21-15,-21-21 0,21 0 0,0 21 16,0-21-16,0-1 0,22 22 15,-22-21-15,0 21 0,21 0 0,-20 0 16,20 0-16,-21 0 0,21 0 16,-20 0-16,20 0 0,-21 21 15,0 1-15,22-1 0,-22 0 0,-21 0 16,21 43-16,-21-43 16,0 0-16,0 0 0,0 21 0,0-20 15,-21-1-15,0 0 0,-22 0 16,22 0-16,-21 0 0,21 1 0,-22-1 15,1-21-15,21 21 16,-22-21-16,1 0 0,-21 0 16,41 21-16,1-21 0,0 0 15,-21 0-15,21 0 0,-1 0 16,1 0-16,0 0 0,0 0 16,0 0-1,21-21-15,21 0 47,0 21-47,0 0 16,0-21-16</inkml:trace>
+  <inkml:trace contextRef="#ctx0" brushRef="#br0" timeOffset="51567.81">1968 12044 0,'0'0'0,"0"21"62,0 0-62,0 0 0,0 1 16,0-1-16,0 0 15,0 0-15,0 0 16,0 0-16,22-21 47,-22-21-47,21 21 16,-21-21-16,21 0 15,-21 0 1,0 0-16,0-1 15,0 44 32,0-1-31,0 0-16,0 0 16,-21-21-16,21 21 0,0 0 31,-21-21 0,21-21-31</inkml:trace>
+  <inkml:trace contextRef="#ctx0" brushRef="#br0" timeOffset="52825.4">3704 11642 0,'0'-21'0,"0"42"0,0-64 0,0 22 16,0 0-16,0 0 15,0 0-15,0 0 0,-21-1 16,0 1-16,0 0 0,21 0 16,-22 21-1,22 21 1,0 21-16,0 1 0,0-1 15,0 0-15,0 22 0,0-22 0,0 22 16,0 20-16,0-20 0,0-1 16,0 1-16,0-1 0,0 1 15,0-1-15,0-20 0,0-1 16,0 0-16,-21 1 0,21-22 0,0 0 16,0 0-16,0 0 0,0 1 0,0-1 31,-21-42-16,21-1 1,0 1-16,-21 0 0,21 0 16,0 0-16</inkml:trace>
+  <inkml:trace contextRef="#ctx0" brushRef="#br0" timeOffset="53183.72">3408 11832 0,'0'-21'0,"0"42"0,0-84 15,-21 42-15,21-1 0,0 1 16,0-21-16,0 21 0,0 0 0,0-22 16,0 22-16,21-21 0,0-1 15,0 22-15,21-21 0,1 0 0,-1 20 16,0-20-16,22 21 0,-22 0 16,22 0-16,-22-1 0,22 1 15,-22 21-15,0 0 0,1 21 0,-1 1 16,-21 20-16,21-21 0,-42 43 15,0-22-15,0 0 0,0 22 0,0-1 16,0-20-16,-21-1 0,0 21 0,-21-20 16,21-1-16,-22 0 0,22 1 15,-21-22-15,21 21 0,-22-21 16,22 1-16,0-1 0,0 0 0,21 0 16,-21-21-1,42 0 1,0 0-1,0 0-15,0-21 0,0 21 0,1-21 16,-1 21-16</inkml:trace>
+  <inkml:trace contextRef="#ctx0" brushRef="#br0" timeOffset="55683.3">4657 12256 0,'0'0'0,"42"-43"16,-42 22-16,21 21 15,-21-21-15,0 0 0,0 0 0,0-1 16,0 1-16,0-21 0,0 21 16,0 0-16,-21-22 0,0 1 15,0 21-15,-1 0 0,1-22 16,-21 22-16,21 0 0,0 0 0,-22 21 15,22 0-15,0 0 0,0 0 0,0 0 16,-22 21-16,22 0 0,0 0 16,0 0-16,0 22 0,-1-1 0,1 0 15,21 1-15,0-1 0,-21 0 16,21 1-16,0-22 0,0 21 0,0 1 16,0-22-16,0 0 0,21 0 15,-21 0-15,21-21 0,1 0 0,-1 0 16,21 0-16,-21 0 0,0 0 0,22 0 15,-22 0-15,21-21 16,1 0-16,-22 0 0,21 0 0,-21-1 16,22-20-16,-22 21 0,0-21 15,21 20-15,-21-20 0,1 21 0,-22-21 16,0 20-16,21-20 0,-21 21 0,0 0 16,0 0-16,0-1 0,0 1 15,0 0-15,0 42 31,-21 0-31,21 1 0,0-1 0,-22 21 16,22-21-16,0 22 0,0-22 0,0 21 16,0 0-16,0-20 0,0 20 15,0-21-15,0 0 0,0 0 16,0 1-16,0-1 0,22 0 16,-1-21-16,0 0 0,-21 21 0,21-21 15,21 0-15,-20 0 0,-1-21 16,0 21-16,21-21 0,-21 0 15,1-1-15,-1 1 0,21 0 0,-21-21 16,0 21-16,1-22 0,-1 1 16,0 0-16,0 20 0,-21-20 15,0 0-15,0 21 0,0-22 0,0 22 0,0 0 16,0 0-16,-21 21 16,0 0-16,0 0 15,-1 21-15,22 0 16,0 0-16,0 22 0,0-22 15,0 0-15,0 0 0,0 21 0,22-20 16,-1-1-16,-21 0 0,21 21 16,0-21-16,0 1 0,0-1 0,1 0 15,-1 21-15,0-21 0,0 1 0,0-22 16,0 21-16,1 0 0,41 0 16,-42 0-16,0-21 0,1 0 15,20 0-15,-21 0 0,0 0 16,22 0-16,-22 0 0,21 0 15,-21-21-15,22 21 0,-1-21 0,-21 0 16,21 0-16,1-22 0,-1 22 16,-21 0-16,22-21 0,-1-1 0,-21 1 15,0 0-15,0-1 0,1 22 0,-1-21 16,-21-1-16,0 22 0,0-21 16,0 21-16,0 0 0,0-1 0,-21 1 15,-1 21-15,1 0 0,0 0 16,0 0-16,0 0 0,-22 21 0,22 1 15,-21-1-15,0 0 0,20 21 0,-20-21 16,21 22-16,0-22 0,-22 21 16,22 1-16,21-1 0,0-21 0,-21 21 15,21-20-15,0 20 0,0-21 16,0 0-16,0 0 0,21 1 16,0-22-16,1 21 0,-1-21 15,0 0-15,0 0 0,21 0 0,-20 0 16,-1-21-16,0-1 0,0 22 15,0-21-15,22 0 0,-22 0 0,0 0 16,0-22-16,0 22 0,-21-21 16,21 21-16,-21-22 0,22 1 0,-22 21 15,0-21-15,0 20 0,0-41 16,0 42-16,0 0 0,0 42 31,0 0-15,0 0-16,0 0 0,0 22 15,0-1-15,0-21 0,0 21 0,0 1 16,0-1-16,0-21 0,0 22 0,21-1 16,-21-21-16,21 21 0,0-20 15,-21-1-15,21 0 0,0 0 16,1-21-16,-1 21 0,0-21 0,0 0 16,43 0-16,-43 0 0,21 0 15,-21-21-15,22 0 0,-22 0 0,0 0 16,21-1-16,-21 1 15,22-21-15,-22 0 0,0 20 0,21-41 16,-20 21-16,-1-1 0,0-20 0,0 20 16,0-20-16,-21-43 15,21 64-15,-21-22 0,0 22 0,22 0 16,-22-1-16,0 1 0,0 21 16,0 0-16,0 42 15,0 0-15,0 0 16,0 21-16,0 1 0,0-1 15,-22 0-15,22 22 0,0-22 0,-21 1 16,21 20-16,-21-21 0,21 22 0,0-22 16,0 1-16,0-1 0,0 0 15,0 1-15,0-1 0,0 0 0,0-21 16,0 1-16,0-1 0,21 0 16,0 0-16,1-21 0,-1 0 15,0 0-15,0 0 0,0 0 0,0 0 16,1 0-16,41-21 0,-21 0 15,-20 0-15,-1-1 0,21-20 16,-21 21-16,0-21 0,22-1 16,-22 1-16,0 0 0,0-1 0,0-20 15,1 20-15,-22-20 0,21-1 0,-21 22 16,21-21-16,0-1 0,-21 22 0,0-22 16,0 22-16,21 21 0,-21-22 15,0 22-15,0 42 31,0 1-31,0 20 0,0-21 16,-21 21-16,21 1 0,-21-1 0,21 0 16,0 1-16,0-1 0,0 0 0,0 22 15,0-22-15,0 1 0,0-1 16,0 0-16,0 1 0,0-1 0,0-21 16,0 21-16,21-20 0,0-1 0,0 0 15,1 0-15,-1 0 0,21-21 16,-21 0-16,22 21 0,-22-21 15,21 0-15,0 0 0,1 0 0,-1 0 0,0-21 16,-20 0-16,20 21 16,0-21-16,-21 0 0,1 0 0,20-22 15,-21 22-15,0 0 0,0-21 16,1 20-16,-1-20 0,-21 0 0,0 21 16,0-22-16,0 1 0,0 21 0,0-22 15,0 22-15,0 0 0,0 0 16,0 0-16,-21 21 0,-1 0 15,1 0-15,21 21 16,-21 0-16,21 21 0,-21-20 16,21-1-16,0 21 0,-21-21 0,21 22 15,0-1-15,0-21 0,0 21 16,0 1-16,0-22 0,0 0 16,0 21-16,0-20 0,0-1 0,21 0 15,0 0-15,0 0 0,0-21 0,1 21 16,-1-21-16,21 0 0,-21 0 15,22 0-15,-22 0 0,21 0 0,-21-21 16,0 0-16,22 21 0,-22-21 0,0 0 16,21 0-16,-20-1 0,-1-20 15,0 0-15,0 21 0,0-22 0,0 1 16,1-64-16,-22 64 16,21-22-16,-21 22 0,21-22 15,-21 1-15,0-22 0,21-84 16,0 127-16,-21-1 0,0 1 15,0 21-15,0 0 0,0-1 16,0 1-16,0 0 0,0 42 31,-21 22-31,0-22 0,21 21 0,-21 22 16,0-22-16,21 21 0,-22 1 0,1 63 16,0-64-16,21-20 15,-21 20-15,21 1 0,-21-22 0,21 22 16,0-22-16,0 0 0,0 1 15,0-1-15,21 0 0,0-21 16,0 1-16,0-1 0,22 21 16,-1-42-16,0 0 0,1 0 0,-1 0 15,0 0-15,1 0 0,-1 0 16,-21 0-16,22-21 0,-1 0 0,-21 21 16,0-21-16,0 21 0,1-43 15,-22 22-15,0 0 16,0 0-16,0 0 0,0-1 15,-22 22-15,22-21 0,-21 21 0,-21 0 16</inkml:trace>
+  <inkml:trace contextRef="#ctx0" brushRef="#br0" timeOffset="56715.23">1609 13737 0,'0'0'0,"0"-21"0,21 0 15,-21 0-15,0 0 16,0-1-16,0 1 0,0 0 0,0 0 16,0 0-16,0 0 0,0-1 15,-21 22-15,-1 0 16,1 0-16,0 0 0,-21 22 16,21-1-16,-1 21 15,1 0-15,0 1 0,0-1 0,0 0 16,21 22-16,-21-1 0,-1 1 15,1-1-15,21-20 0,0 20 16,0-20-16,0 20 0,0-21 0,0 1 16,0-1-16,0-21 0,21 0 15,1 1-15,20-1 0,-21-21 0,21 0 16,1 0-16,-1 0 0,22 0 16,-22-21-16,0-1 0,1 1 0,-1 0 15,-21 0-15,21 0 0,-20 0 16,-1-1-16,-21 1 0,0 0 15,0 0-15,0 0 0,0 0 16,0-1-16,-21 1 0,-1 0 0,1 21 16,0 0-16,-21 0 0,21 0 15,-1 0-15,-20 0 0,21 21 16,-21 0-16,20 1 0,1-1 0,0 0 16,0 21-16,0-21 0,0 1 15,-1 20-15,1-21 0,21 0 0,-21 22 16,21-22-16,0 0 0,0 0 15,0 0-15,21-21 0,0 0 16,1 0-16,-1 0 0,0 0 16,21 0-16,-21 0 0,22-21 15,-22 0-15</inkml:trace>
+  <inkml:trace contextRef="#ctx0" brushRef="#br0" timeOffset="57327.64">2455 13928 0,'21'0'16,"1"0"-16,-22-21 0,0-1 15,21 22-15,-21-21 16,-21 21 15,-1 0-31,1 21 16,0-21-16,21 22 16,-21-22-16,21 21 0,0 0 15,0-42 48,21 21-63,-21-21 0,21 21 15,-21-22-15,0 1 16,0 42 46,21-21-30,1 0-32</inkml:trace>
+  <inkml:trace contextRef="#ctx0" brushRef="#br0" timeOffset="61612.18">4085 13420 0,'21'-43'0,"-42"86"0,42-107 0,-21 43 0,21 0 16,-21 0-16,0 0 16,0 42-1,-21 0-15,21 21 16,-21-21-16,0 43 0,0-22 0,0 22 15,-1-1-15,1 1 0,0-1 16,-21 1-16,21-1 0,-1 1 16,-20-1-16,21 1 0,-21-22 15,20 22-15,1-22 0,-21 0 0,21 1 16,0-1-16,21 0 0,0-21 16,0 1-16,0-44 31,21 1-31,0 0 0,-21 0 15,21-21-15,0 20 0,0-20 16,1 0-16,-1-1 0,21 1 0,-21-21 16,0 20-16,1-20 0,-1-1 15,21 1-15,-21-22 0,0 22 16,1-1-16,-1 1 0,-21-1 0,21 22 16,0-1-16,0 1 0,-21 21 15,0-21-15,21 42 0,1 0 0,-1 0 16,-21 21-16,21 0 15,0 21-15,-21 1 0,0-1 0,21 21 16,0-20-16,-21 20 0,0 1 16,0-1-16,0 1 0,0-1 0,0 1 15,0-22-15,0 0 0,0 22 16,0-43-16,0 21 0,0 1 16,0-22-16,0 0 0,0 0 15,22 0-15,-22 1 16,0-44-1,0 1 1,0 0-16,-22 0 16,1 0-16,0 0 0,0-1 15,-21 1-15,20-21 0,-20 21 0,21 0 16,-21-1-16,-1 1 0,1 0 16,0 0-16,20 21 0,-20 0 15,21 0-15,0 0 0,0 0 0,-1 0 16,22 21-16,-21 0 0,21 0 0,0 1 15,0-1-15,0 0 16,21 0-16,1 0 0,-1-21 16,0 21-16,21 1 0,22-22 0,-22 0 15,0 0-15,1 0 0,-1 0 16,22-22-16,-22 22 0,21-21 0,1 0 16,-1 0-16,1-21 0,-1 20 15,1-20-15,21 0 0,-43 21 0,21-22 16,1 1-16,-22 21 0,1-22 15,-22 1-15,0 21 0,0 0 16,0 0-16,-21-1 0,0 1 0,0 42 16,-21 1-1,0-1-15,0 0 0,0 21 16,-1 1-16,1-22 0,21 21 16,0 0-16,-21-20 0,21 20 0,0-21 15,0 0-15,0 0 0,0 22 16,21-22-16,0 0 0,1-21 15,-1 21-15,0 0 0,0-21 16,0 0-16,-42 0 47,0 0-47,0 0 0,0 0 16,-1-21-16,1 21 0,-21-21 15,21 21-15,0 0 0,-1 0 16,1-21-16,0 21 0,0 0 0,0 0 15,21 21 1,0 0-16,0 0 16,0 1-16,0-1 0,0 0 15,21 0-15,0 0 0,-21 0 0,21 1 16,0-22-16,1 21 0,-1-21 0,0 0 16,0 0-16,0 0 0,0 0 15,1 0-15,20 0 0,-21 0 0,21-21 16,1-1-16,-22 1 0,21 0 15,22 0-15,-22 0 0,0-22 0,1 22 16,20-21-16,-20 21 0,-1-22 16,21 1-16,-41 0 0,20-1 15,0 1-15,-21 0 0,1-22 16,-22 22-16,0 21 0,0 0 16,-22 21-1,1 21-15,0 0 0,0 0 16,0 0-16,0 22 0,21-22 0,0 21 15,0-21-15,0 22 0,0-22 16,0 21-16,0-21 0,0 0 0,0 22 16,21-22-16,0 0 0,0 0 0,-21 0 15,21 1-15,0-1 0,1-21 16,-22 21-16,0 0 0,21-21 16,-21 21-16,-21-21 31,-1 0-31,1 0 0,0 0 15,0 0-15,0 0 0,0-21 0,-1 0 16,1 21-16,-21-21 0,21 21 16,0-21-16,-1 21 15,22 21 1,0 0-16,0 0 16,0 0-16,22 0 0,-1-21 15,0 22-15,0-1 0,0 0 16,0-21-16,1 21 0,20-21 0,-21 0 15,21 0-15,1 0 0,-1 0 16,0 0-16,22 0 0,-22 0 0,22-21 16,-1 0-16,1 0 0,-22 21 0,22-22 15,-22 1-15,0-21 0,22 21 16,-43 0-16,21-1 0,1-20 0,-22 21 16,0 0-16,0-22 0,-21 22 0,0-21 15,0 21-15,0 0 0,0-1 16,0-20-16,-21 42 15,0 0-15,0 0 16,-1 21-16,1 0 0,0 1 0,21-1 16,0 21-16,-21-21 0,21 22 15,-21-22-15,21 21 0,0-21 16,0 0-16,0 22 0,0-22 0,0 0 16,0 0-16,0 0 0,21 1 0,0-1 15,0-21-15,0 0 0,1 0 16,20 0-16,-21 0 0,21 0 0,1 0 15,-22 0-15,21-21 0,1-1 16,-1 1-16,0 0 0,1 0 16,-1 0-16,0 0 0,-21-1 0,22 1 15,-22-21-15,0 21 0,0 0 16,0-1-16,1 1 0,-22 0 0,0 0 16,0 0-16,0 42 31,0 0-31,0 0 0,0 0 0,0 1 15,0-1-15,0 21 0,0-21 16,0 0-16,0 1 0,0-1 16,21 0-16,0-21 0,0 21 0,-21 0 15,21-21-15,0 0 16,22 21-16,-22-21 0,0 0 0,21 0 16,-20 0-16,-1 0 0,21-21 0,-21 21 15,0-21-15,22 0 0,-22 0 16,0 0-16,0-1 0,0 1 0,1 0 15,-1-21-15,-21-1 0,21 1 0,-21-43 16,0 22-16,0-1 16,0 22-16,0-21 0,0-1 0,0 1 15,0-1-15,0 1 0,0 20 0,0 1 16,0 0-16,0-1 0,0 22 16,0 0-16,0 0 0,0 42 15,0 0 1,0 0-16,0 22 0,0-1 0,0 0 15,0 1-15,0-1 0,0 21 16,0 1-16,0-22 0,0 22 16,0-1-16,0-20 0,0 62 15,0-62-15,0-1 0,0 0 0,0 1 16,0-1-16,21-21 0,-21 0 16,0 1-16,21-1 0,0 0 0,-21 0 15,22-21-15,-1 0 0,0 0 0,0 0 16,0 0-16,0-21 0,1 0 15,20 21-15,-21-21 0,0-1 16,22 1-16,-22-21 0,0 21 0,0 0 0,0-22 16,0 22-16,1-21 15,-22-1-15,0 22 0,21-21 0,-21-43 16,0 64 0,0 42-1,0 0 1,0 1-16,0-1 0,0 0 15,0 0-15,0 21 0,0-20 0,0-1 16,0 0-16,0 0 0,0 21 0,0-20 16,0-1-16,0 0 15,21-21-15,0 21 0,0-21 16,0 0-16,1 0 0,-1 0 16,0-21-1,0 0-15,0 21 0,0-21 0,1-22 16,-1 22-16,0-21 0,-21 21 15,21-22-15,0 22 0,0 0 16,-21 0-16,0 0 0,22-1 0,-22 1 16,21 21-16,-21 21 31,0 1-31,0-1 0,0 0 16,0 0-16,0 0 0,0 22 15,0-22-15,0 0 0,0 0 0,0 0 16,21 0-16,-21 1 0,21-22 15,-21 21-15,21-21 16,0 0-16,1 0 16,-1 0-16,0 0 0,0 0 15,0-21-15,0-1 0,1 22 16,-22-21-16,21 0 0,-21 0 0,21 0 16,-21 0-16,0-22 0,0-20 15,0 42-15,0-22 0,-21 22 16,0-21-16,-1 21 0,1-22 0,0 43 15,0-21-15,0 0 0,0 21 16,-1 0-16,1 0 0,0 21 16,0 0-16,21 0 0,-21 1 15,21-1-15,0 0 0,0 0 0,0 0 16,0 0-16,0 1 0,0-1 16,21-21-16,0 21 0,21-21 0,-20 0 15,20 0-15,0 0 16,-21 0-16,22 0 0,-22-21 0,21 21 15,1-21-15,-1 21 0,-21-22 0,21 1 16,1 21-16,-22-21 0,21 21 16,-21-21-16,22 21 0,-22 0 0,0 0 15,0 0-15,0 0 16,-21 21-16,0 0 16,0 0-16,0 1 0,0-1 15,0 0-15,0 0 0,0 0 16,0 0-16,0 1 0,-21-1 15,21 0-15,0 0 0,0 0 16,0 0-16,-21-21 0,21 22 0,0-1 16,0-42 31,0-1-47,21 1 15,0 0-15,1 0 0,-1 0 16,0-43-16,21 43 0,-21-21 15,1-1-15,20 1 0,0 0 0,1 21 16,-1-22-16,0 22 0,-21 0 16,22 0-16,-22 21 15,0 0-15,0 0 0,0 0 0,-21 21 16,22 0-16,-22 0 0,0 0 0,0 22 16,0-22-16,0 0 0,-22 21 15,1-20-15,21 20 0,-21-21 0,21 0 16,0 22-16,0-22 0,0 0 0,0 0 15,0 0-15,21 0 16,0-21-16,1 22 0,-1-22 16,0 0-16,0 0 15,0 0-15,0 0 0,1 0 16,20-22-16,-21 22 0,0-21 0,0 0 16,22 0-16,-1-21 0,0 20 15,-20-20-15,41-21 16,-42 20-16,0 1 0,22 0 0,-22-1 15,21-41-15,-42 20 16,0 43-16,0 0 0,0 0 16,0-1-16,-21 22 15,-21 22-15,21-1 16,21 0-16,-22 21 0,1-21 16,0 1-16,21 20 0,0-21 0,0 21 0,0-20 15,0-1-15,0 0 16,0 0-16,0 0 0,0 0 0,21 1 15,0-1-15,1-21 0,-1 21 0,0 0 16,21 0-16,-21 0 16,1-21-16,-22 22 0,0-1 0,0 0 15,0 0-15,0 0 16,0 0-16,-22 1 16,1-1-16,0-21 0,0 21 15,0-21-15,0 0 16,-1 0-16,1 0 31,0 0-15,0 0-16,21-21 0,-21 0 15,0-1-15,-1 1 16,22 0-16,-21 0 0</inkml:trace>
+  <inkml:trace contextRef="#ctx0" brushRef="#br0" timeOffset="61908.3">9229 13166 0,'-22'-21'0,"1"-1"16,0 22-1,0 0-15,0 0 16,0 0 78,-1 22-94</inkml:trace>
+  <inkml:trace contextRef="#ctx0" brushRef="#br0" timeOffset="62232.11">7853 13568 0,'0'0'0,"-43"0"0,22 21 0,0-21 0,0 0 16,63 0-1,-21 0 1,1 0-16,-1 0 0,0-21 0,21 21 16,1 0-16,-22-21 0,21 21 15,0 0-15,1-21 0,-22-1 0,21 22 16,-21 0-16,1 0 0,-1-21 15,0 21-15,0 0 0,0 0 0,0 0 16,-21 21 31,-21 1-47</inkml:trace>
+  <inkml:trace contextRef="#ctx0" brushRef="#br0" timeOffset="63415.7">1376 15325 0,'21'0'16,"-21"21"-16,21-21 15,0 0 1,0 0-16,1 0 16,-1 21-16,0-21 0,0 0 0,0 0 15,0 0-15,1 0 0,20 0 16,-21 0-16,21 0 0,-20 0 0,20 0 16,-21 0-16,0 0 0,22-21 15,-22 21-15,21-21 0,-21 0 0,0 21 16,1-22-16,-1 1 0,0 0 15,-21 0-15,0 0 0,0 0 16,21-1-16,-21 1 0,0 0 16,-21 21 15,0 21-31,21 22 16,0-22-16,-21 21 0,-1 0 0,22 1 15,0-1-15,-21 0 0,0 1 16,0 20-16,21-20 0,-21 20 0,0-21 15,21 1-15,-22-1 0,1 22 16,21-22-16,-21 43 0,0-64 16,21 21-16,-21-21 0,21 0 15,0 1-15,0-1 16,0-42 15,0-1-31,0 1 16,0 0-16,0 0 0,0 0 15,0 0-15</inkml:trace>
+  <inkml:trace contextRef="#ctx0" brushRef="#br0" timeOffset="63667.62">1482 15706 0,'0'0'15,"21"0"1,0 0-16,0 0 15,21 0-15,-20 0 0,20 0 16,-21 0-16,64 0 16,-43 0-16,0 0 0,-20 0 15,20 0-15,0-21 0,-21 21 0,1 0 16,-1 0-16,0 0 0,0 0 31,-21-22-31,21 1 16</inkml:trace>
+  <inkml:trace contextRef="#ctx0" brushRef="#br0" timeOffset="63964.45">2498 15558 0,'0'0'0,"0"21"16,21-21-1,0 0 17,-21-21-32,21 21 15,-21-22-15,0 1 16,-21 21 15,0 0-15,21 21-16,-21 1 15,-1-22-15,22 21 16,22-42 15</inkml:trace>
+  <inkml:trace contextRef="#ctx0" brushRef="#br0" timeOffset="64580.59">4106 15473 0,'0'0'0,"0"-42"0,0 20 0,0 1 16,0-21-16,0 21 0,0-22 0,0 1 16,0 0-16,0-1 0,0 1 15,0 21-15,0-21 0,0-1 0,0 22 16,0 0-16,0 0 0,0 42 31,0 0-31,0 21 16,0 1-16,0 20 0,0-20 15,0 41-15,21-20 0,-21-1 0,0 1 16,0-1-16,0 1 0,0-1 16,0 1-16,0-22 0,0 22 0,-21-22 15,21 0-15,0 1 0,0-1 16,0 0-16,0-21 0,0 1 0,0-1 16,0 0-16,0-42 46,0 0-46,0-1 0,0 1 16,0-21-16,0 0 0,0 20 16,0-20-16,0 0 0</inkml:trace>
+  <inkml:trace contextRef="#ctx0" brushRef="#br0" timeOffset="65647.75">4085 15473 0,'0'-21'15,"0"42"-15,0-85 0,-21 43 0,21 0 16,0-21-16,0 21 0,0-22 0,0 22 15,0-21-15,0-1 0,0 1 16,0 21-16,21-21 0,0 20 0,0-20 16,22 21-16,-1 0 0,-21 0 15,22-1-15,20 1 0,-21 21 16,1 0-16,20 0 0,-20 0 0,-1 0 16,21 21-16,-41 1 0,20 20 15,-21-21-15,0 21 0,-21 1 0,0 20 16,0-20-16,0-1 0,-21 0 15,0 22-15,-21-22 0,20 0 0,-20 1 16,0-1-16,-1 0 0,1-20 0,0-1 16,-43 42-1,64-63-15,-21 21 0,20-21 0,1 0 0,0 0 16,0 0-16,0 0 0,0 0 16,-1-21-16,22 0 15,0 0 1,22 42 15,-1 0-31,0 0 0,-21 1 0,21-1 16,0 21-16,-21-21 0,21 22 0,1-22 15,-1 0-15,-21 21 0,21-21 16,0 1-16,0 20 0,22-21 0,-22-21 16,0 21-16,21 0 0,-21-21 15,22 0-15,-1 22 0,0-22 16,1 0-16,-1 0 0,22 0 0,-22-22 15,0 22-15,1-21 0,-1 0 16,0 0-16,1 0 0,-1 0 0,0-1 16,-21-20-16,1 21 0,-1 0 15,21-22-15,-42 22 0,0-21 0,21 21 16,-21-22-16,0 22 0,0-21 0,0 21 16,0-22-16,-21 22 0,0 0 15,0 21-15,0 0 0,-1 0 16,22 21-1,-21 22-15,21-22 0,-21 21 0,21-21 16,0 22-16,0-1 0,0 0 16,0-21-16,0 22 0,0-1 0,0-21 15,0 22-15,21-22 0,0 0 16,-21 0-16,22 0 0,-1-21 16,21 21-16,-21-21 0,22 0 0,-1 0 15,0 0-15,1-21 0,-1 21 0,0-21 16,22 0-16,-22 0 0,0-22 15,1 22-15,-1 0 0,0-21 0,1-1 16,-1 22-16,-21-21 0,0 0 16,1-1-16,-1 1 0,-21 0 15,21-1-15,-21 22 0,0-21 0,0-1 0,0 22 16,0 0-16,0 0 16,0 0-16,0 42 15,0 0 1,0 21-16,0-20 0,0 20 15,0 0-15,0 1 0,0-1 0,0 0 16,-21 1-16,21 20 0,0-21 16,0 22-16,0-1 0,-21 22 0,21-21 15,0 20-15,0-20 0,0 20 0,0 1 16,0 0-16,0-1 0,0 1 16,0 0-16,0-1 0,0 1 0,0 0 15,0-1-15,-22-20 0,22 21 0,-21-22 16,21 1-16,0-22 0,0 0 15,-21 1-15,21-1 0,0-21 16,-21 0-16,21-42 31,0 0-31,0 0 0,0 0 16,0-22-16,0 1 0,0 21 16,21-22-16,-21-20 0,0 21 0,0-22 15,0 1-15,0-1 0,21 1 0,-21-1 16</inkml:trace>
+  <inkml:trace contextRef="#ctx0" brushRef="#br0" timeOffset="66027.67">5863 15748 0,'0'0'0,"0"-21"0,0 0 15,-21 0-15,0-1 0,21 1 16,0 0-16,0 0 0,0 0 0,0 0 15,0-1-15,0 1 16,21 21-16,0-21 0,0 0 0,0 21 16,1 0-16,20 0 0,-21 0 15,0 0-15,22 0 0,-22 0 0,0 21 16,0-21-16,21 21 0,-20 0 0,-1 1 16,0-1-16,-21 0 0,0 0 15,21 0-15,-21 0 0,0 22 16,0-22-16,-21 0 15,21 0-15,-21 0 0,-22 22 0,22-22 16,0 0-16,-21 0 0,21 0 0,-22 1 16,22-1-16,0 0 0,0-21 15,0 21-15,-1-21 0,1 21 16,42-21 15,1 0-31,-22-21 0,21 21 0,21-21 16,-21 0-16</inkml:trace>
+  <inkml:trace contextRef="#ctx0" brushRef="#br0" timeOffset="67256.1">6689 15536 0,'0'0'16,"-22"-21"-16,22 0 15,-21 21-15,0-21 0,0 21 16,21-21-16,-21 21 0,0 0 0,-1 0 16,1 0-16,0 0 15,0 0-15,0 0 0,0 21 0,-1 0 16,-20 0-16,21 0 0,0 1 0,0 20 15,-1-21-15,1 21 0,0 1 16,21-22-16,-21 21 0,21-21 0,-21 22 16,21-1-16,0-21 0,0 0 15,0 1-15,0-1 0,21 0 0,0 0 16,0 0-16,0-21 0,1 0 0,20 0 16,-21 0-16,21 0 15,1 0-15,-22-21 0,21 0 0,1 21 16,-1-21-16,0 0 0,1-1 0,-1 1 15,0 0-15,-21-21 0,1 21 16,20-1-16,-42-20 0,21 21 0,-21-21 16,0 20-16,0-20 0,0 0 0,0 21 15,-21-22-15,21 1 0,-21 21 16,0-22-16,-22 22 0,22 21 0,0-21 16,-21 21-16,20 0 0,-20 0 15,0 0-15,21 21 0,-22 0 0,22 1 16,-42 41-16,41-42 15,1 22-15,0-1 0,0-21 16,21 21-16,-21 1 0,21-22 0,0 21 16,0-21-16,0 1 0,0-1 0,21 0 15,0 0-15,0 0 16,0 0-16,1-21 0,-1 0 0,21 0 0,-21 0 16,22 0-16,-1 0 0,0 0 15,1 0-15,-1-21 0,0 0 0,22 0 16,-22 0-16,0 0 0,43-22 15,-43 22-15,1 0 0,-1-21 16,-21 20-16,22 1 0,-22-21 16,0 21-16,0 0 0,-21-1 0,21 1 15,0 21 1,-21 21 0,0 1-16,0-1 15,0 0-15,0 0 0,0 21 16,0-20-16,0-1 0,0 0 0,0 21 15,0-21-15,0 1 0,22-1 16,-1 0-16,0 0 0,0 0 16,0-21-16,0 0 0,1 0 0,-1 0 15,21 0-15,0 0 0,-20 0 16,20 0-16,0-21 0,1 0 0,-1 0 16,0 0-16,-21-1 0,22 1 15,-1 0-15,0-21 0,22-43 16,-43 43-16,21-1 0,-20-20 15,-1-1-15,0 1 0,-21-1 16,0 1-16,21-1 0,-21 1 0,0-1 16,0 22-16,0-21 0,0 20 0,0 1 15,0 0-15,0 20 0,0 1 16,0 0-16,0 63 31,0-20-31,0 20 0,0-21 16,0 21-16,0 1 0,-21-1 0,21 22 15,-21-22-15,21 21 0,0-20 16,0 20-16,0-20 0,0-1 16,0 21-16,0-20 0,0-1 0,0 0 15,0 1-15,0-1 0,0 0 0,0-20 16,0 20-16,0-21 0,0 0 16,0 0-16,21 1 0,0-22 0,-21 21 15,21-21-15,0 0 0,1 0 16,-1 0-16,0 0 0,21 0 15,-21 0-15,1-21 0,-1 21 16,0-22-16,-21 1 0,21 21 16,0-21-16,0 21 0,-21-21 0,0 0 15,0 0-15,22 21 0,-22-22 16,21 1-16,-21 0 0,0 0 16,0 0-16,0 0 0</inkml:trace>
+  <inkml:trace contextRef="#ctx0" brushRef="#br0" timeOffset="67611.58">7916 15240 0,'0'0'0,"-21"0"16,42 0-1,22 0-15,-22 0 0,0-21 16,21 21-16,1 0 0,-1-21 16,0 21-16,1-21 0,-1 21 0,-21-22 15,21 22-15,1-21 0,-1 21 16,22-21-16,-22 21 0,0-21 16,-21 21-16,1 0 0,-1-21 0,0 21 15,0 0 1,-21 21 31,-21-21-47,0 21 15,0-21-15,-1 0 0,1 21 16,-21-21-16</inkml:trace>
+  <inkml:trace contextRef="#ctx0" brushRef="#br0" timeOffset="69324.22">2074 17209 0,'0'-22'47,"21"1"-32,1 0-15,-22 0 16,0 0-16,0 0 15,0-1-15,0 1 16,0 0-16,0 0 0,-22 0 16,1 21-1,0-21-15,0 21 0,0 0 16,0 0-16,-1 0 0,22 21 16,-21-21-16,0 21 0,0 0 15,0 0-15,0 0 0,21 1 16,-22-1-16,1 21 0,21-21 15,-21 0-15,21 1 0,0-1 0,0 0 16,0 0-16,0 0 0,0 0 16,0 1-16,21-22 15,0 0-15,1 0 0,-1 0 16,0 0-16,0 0 16,0 0-16,-21-22 0,21 22 15,1-21-15,-1 0 0,0 21 16,0-21-16,-21 0 0,21 0 0,0-1 15,-21 1-15,0 0 0,22 0 16,-22 0-16,21 21 0,-21-21 16,21-1-16,-21 1 0,0 0 15,0 42 17,0 0-32,0 1 15,0-1-15,0 21 0,0-21 0,0 0 16,0 22-16,0-22 0,0 0 15,0 21-15,0 1 0,0-1 16,0-21-16,0 22 0,0-1 16,0 0-16,0 1 0,0-1 0,0 0 15,0-21-15,0 22 0,0-22 16,0 0-16,-21 21 0,21-20 16,-21-1-16,-1-21 0,22 21 0,-21 0 15,0-21-15,0 0 16,0 0-16,-22 0 0,22 0 15,0 0-15,-21 0 0,21 0 0,-22-21 16,22 21-16,0-21 0,-21 0 16,20-1-16,1 1 0,0 0 15,21 0-15,-21 0 16,21 0-16,0-1 0,0 1 16,0 0-1,21 0 16,0 21-31,0 0 16,1 0-16,-1 0 16,0-21-16</inkml:trace>
+  <inkml:trace contextRef="#ctx0" brushRef="#br0" timeOffset="71255.61">2857 17611 0,'0'-21'16,"-21"21"0,0 0-1,0 21-15,21 0 16,-21-21-16,21 21 16,0 0-1,21-42 32,-21 0-47,21 0 0,0 21 16,-21-21-16,0-1 15,0 1-15,0 0 16,0 0 0,-21 42 15,21 0-31,-21 0 0,21 1 15,0-1-15,0 0 16,0 0 0,21-21 31,0 0-47,0 0 0</inkml:trace>
+  <inkml:trace contextRef="#ctx0" brushRef="#br0" timeOffset="74548.13">4445 16891 0,'0'0'0,"0"-21"16,0 0 15,21 21 125,-21-21-125,0 42 16,0 0-47,0 0 16,0 0-16,0 22 0,0-22 16,0 21-16,0 0 0,0 1 0,0-1 15,0 0-15,0 1 0,0-1 16,0 22-16,0-22 0,0 0 15,0 1-15,0-1 0,0-21 0,0 21 16,0-20-16,0 20 0,0-21 16,0 0-16,0 0 0,0 1 15,0-44 17,0 1-17,0 0-15,0-21 0,0 21 0,0-1 16,0-20-16,0 0 0,0 21 15,0-22-15,0 1 0,0 0 0,0-1 16,0-20-16,0 20 16,0 1-16,0-21 0,0 20 0,0-20 15,21 20-15,0 1 0,-21 0 16,22 21-16,-1-22 0,0 22 16,0 21-16,0 0 0,0 0 15,1 21-15,-1 0 0,0 1 0,0 20 16,0 0-16,0 1 0,-21-1 0,22 21 15,-22-20-15,21-1 0,-21 22 16,0-22-16,0 0 0,0 1 16,0-22-16,0 21 0,0 22 15,0-43-15,0 0 0,0 0 16,0 0-16,0-42 31,0 0-15,0 0-16,0 0 0,21-22 0,0 22 15,0-21-15,0-1 0,1 1 16,-1 0-16,0-1 0,0-20 16,0 21-16,0-1 0,1-20 0,20 20 15,-21 22-15,21-42 0,-20 42 16,20-1-16,-21 22 0,0 0 0,0 0 16,1 22-16,-1-1 0,-21 21 15,21 0-15,0 1 0,-21-1 16,21 0-16,-21 1 0,0 20 15,0-20-15,0-1 0,0 64 16,0-64-16,0 0 0,0 1 16,0-1-16,0 0 0,0-20 0,0 20 15,-21-21-15,21 0 0,0 0 16,0 1-16,0-1 0,0-42 47,21-1-47,0 1 15,1 0-15</inkml:trace>
+  <inkml:trace contextRef="#ctx0" brushRef="#br0" timeOffset="76089.78">5800 17695 0,'0'0'0,"-22"22"0,22-44 47,22 22-32,-1-21-15,0 0 0,0 0 16,0 0-16,-21 0 0,21-22 16,1 22-16,-1 0 0,-21-21 15,0 20-15,21-20 0,-21 21 0,21-21 16,-21-1-16,0 22 0,0 0 15,0 0-15,0 0 0,0-1 16,0 1-16,0 0 0,0 42 31,0 0-31,0 22 0,0-22 0,0 21 16,0-21-16,0 22 0,0-1 16,0 0-16,0 1 0,0-1 0,0 0 15,21-20-15,-21 20 16,21 0-16,-21-21 0,22 1 15,-1-22-15,0 0 0,-21 21 0,21-21 16,0 0-16,0 0 0,1-21 16,-1 21-16,0-22 0,0 1 15,0 0-15,0 0 0,1-21 0,-1 20 16,0-20-16,-21 21 0,21-21 16,0-1-16,-21 22 0,21-21 0,-21-1 15,0 22-15,0-21 0,0 21 16,0 0-16,0-1 0,22 1 0,-22 0 15,0 42 1,0 0-16,0 1 16,0-1-16,0 21 0,0-21 0,0 22 15,0-1-15,0 0 0,0 22 16,0-22-16,0-21 16,0 22-16,0-22 0,21 0 15,-21 0-15,0 0 0,21 0 0,0-21 16,0 0-16,0 0 0,1 0 15,-1 0-15,21 0 0,-21 0 0,22-21 16,-22 0-16,21 0 0,0 0 16,-20 0-16,20-1 0,0-20 0,-21 21 15,1-21-15,41-43 16,-42 43-16,0-1 0,1 1 16,-22 0-16,0-1 0,21-20 0,-21 20 0,0-20 15,0 21-15,0-1 16,21 1-16,-21 0 0,0-22 15,0 43-15,0 0 0,0 0 16,0 42 0,0 21-16,0-21 0,0 22 15,-21-1-15,21 0 0,-21 22 16,21-22-16,-22 22 0,22-22 0,0 0 16,0 22-16,-21-22 0,21 0 15,0 1-15,0-1 0,0 0 0,0 1 16,0-1-16,0-21 0,21 0 15,-21 1-15,22-1 0,-1 0 16,0 0-16,21-21 0,-21 0 0,1 0 16,-1 0-16,21 0 0,-21 0 15,22-21-15,20-21 0,-42 20 16,22-20-16,-22 21 0,21-21 16,-21-1-16,22 1 0,-22 0 15,0-1-15,0 1 0,0 0 0,0-22 16,1 22-16,-22-22 0,0 22 0,0-22 15,21 22-15,-21 0 0,0-1 16,21 1-16,-21 0 0,0 21 16,0-1-16,0 1 0,0 42 31,0 1-31,0-1 0,0 21 0,0 0 16,-21 1-16,21-1 0,-21 22 0,21-22 15,0 21-15,0-20 0,-22-1 16,22 22-16,-21-22 0,21 0 0,0 1 15,0-1-15,0 0 0,0 1 16,0-22-16,0 0 0,0 21 0,21-42 16,1 21-16,-1 1 0,0-22 15,0 0-15,0 0 0,22 0 0,-22 0 16,21-22-16,-21 22 0,22-21 0,-1 0 16,-21 0-16,21-21 0,-20 20 15,20 1-15,-21-21 0,0 21 16,0 0-16,1-22 0,-1 22 15,-21 0-15,0-21 0,21 20 16,-21 1-16,0 42 16,0 1-1,0-1-15,0 0 0,0 0 0,0 0 16,0 0-16,0 22 0,0-22 16,21 0-16,-21 0 0,21-21 0,-21 21 15,21 1-15,1-22 0,-1 21 16,0-21-16,0 0 0,0 0 15,0 0-15,1 0 16,-1-21-16,0 21 0,-21-22 16,21 1-16,-21 0 0,21 21 0,-21-21 15,0-21-15</inkml:trace>
+  <inkml:trace contextRef="#ctx0" brushRef="#br0" timeOffset="76407.72">8551 16722 0,'0'0'0,"0"21"0,0 0 0,-42 43 16,42-43 0,0 0-1,0-42 16,0 0-31,0-1 0,0 1 16,0 0 0,-21 21-1,0 0 17,21 21-32,-22-21 15,22 21 1,-21-21-16,0 0 0</inkml:trace>
+  <inkml:trace contextRef="#ctx0" brushRef="#br0" timeOffset="76659.58">7429 17145 0,'0'0'0,"-21"0"15,42 0 1,1 0-16,-1 0 0,21 0 16,-21 0-16,0 0 15,22-21-15,-22 21 0,21 0 0,-21-21 16,22 21-16,-22 0 0,21 0 16,-21-21-16,1 21 0,20 0 15,-21 0-15,0-22 16,-21 1-16</inkml:trace>
+  <inkml:trace contextRef="#ctx0" brushRef="#br0" timeOffset="78427.46">9440 16828 0,'0'0'0,"-21"0"0,0 0 16,0 0-16,0 0 0,-1 0 0,1 0 15,0 0 1,42-22 31,-21 1-47,21 21 0,1-21 16,-1 0-16,21 0 0,-21 21 0,0-21 15,1-1-15,-1 1 0,0 0 16,0 0-16,0 0 0,-21-22 0,21 22 15,-21 0-15,22 0 0,-22 0 16,0 0-16,0-1 16,-22 44 15,1-1-31,21 21 0,0-21 0,0 22 16,-21 20-16,21-21 0,0 22 15,0-22-15,0 22 0,0-1 0,-21-20 16,21 20-16,0-21 0,0 1 0,0-1 15,0 0-15,0 43 16,0-64-16,0 22 0,0-22 16,-21 21-16,21-21 0,-21 0 0,21 1 15,0-1-15,-22 0 16,1-21-16,0 0 16,0 0-16,0-21 15,0 21-15,-1-21 0,1-1 0,0 1 16,0 0-16,0 0 0,0-21 15,-22 20-15,22 1 0,0-21 0,0 21 16,0 0-16,21-1 0,-22 1 16,1 21-16,21-21 0,-21 21 15,21 21-15,0 0 16,0 1-16,0-1 0,0 0 16,0 21-16,21-21 0,0 1 0,-21 20 15,22-21-15,-1 0 0,0 0 16,0 22-16,0-22 0,43 0 15,-43 0-15,21-21 16,-21 0-16,22 0 0,-1 0 0,-21 0 16,22 0-16,-1 0 0,0-21 15,1 21-15,-1-21 0,0 0 0,1 0 16,-1-1-16,0-20 0,1 21 0,-1-43 16,0 22-16,-21 21 15,-21-21-15,0-1 0,22 22 0,-22-21 16,0 21-16,0-22 0,0 22 15,0 0-15,0 0 0,-22 0 0,1 21 16,0 0-16,0 0 16,21 21-16,0 0 15,-21 0-15,0 0 0,21 0 0,-22 22 16,22-22-16,-21 21 0,21-21 16,0 22-16,0-22 0,0 21 0,0-21 15,0 1-15,0-1 0,0 0 0,0 0 16,0 0-16,0 0 0,21 1 15,1-22-15,-1 0 0,21 21 16,-21-21-16,22 0 0,-22 0 16,21-21-16,-21-1 0,22 22 0,-22-21 15,21 0-15,-21 0 0,22 0 16,-22 0-16,21-22 0,-21 22 16,0 0-16,1-21 0,-1 20 0,-21-20 15,0 21-15,0-21 0,0 20 16,0 1-16,0 0 0,-21 42 31,21 0-31,-22 1 16,22-1-16,0 42 0,0-42 15,0 1-15,0-1 0,0 0 16,22 0-16,-1 0 0,-21 0 0,21 1 16,-21-1-16,0 0 15,21 0-15,0 0 0,-21 0 16,21 1-16,-42-22 31,0 0-31,0-22 16,0 1-16,0 21 15,21-21-15,-22 0 0,1 0 0,0 21 16,0-21-16,0-1 16,0 22-16,21 22 15,0-1 1,0 0-16,0 0 0,0 0 15,42 22-15,-21-43 16,0 21-16,0 0 0,1-21 16,-1 0-16,0 0 0,0 0 0,21 0 15,-20 0-15,20 0 0,0 0 16,-21 0-16,22-21 0,-1 0 0,0-1 16,1 1-16,-1 0 0,0 0 15,1-21-15,-1-1 0,-21 22 0,22-21 16,-22-1-16,0-20 0,0 21 0,0-1 15,0-20-15,-21 20 0,0-20 16,0 21-16,0-1 0,0 1 16,0 0-16,0-1 0,22 1 0,-22 21 15,0 0-15,0-1 0,0 44 32,0 20-32,0-21 15,0 21-15,0 22 0,0-22 0,0 1 16,0 20-16,-22-21 0,22 22 0,0-22 15,0 22-15,0-22 0,0 0 16,0 1-16,0-22 0,0 21 0,0-21 16,0 1-16,0-1 0,0 0 15,0 0-15,0 0 0,22-21 0,-1 0 16,0 21-16,0-21 16,0 0-16,0 0 0,1-21 15,-1 21-15,-21-21 0,21 0 16,0 0-16,-21 0 15,0-1-15,0 1 0,0 0 0,0 0 16</inkml:trace>
+  <inkml:trace contextRef="#ctx0" brushRef="#br0" timeOffset="78643.92">10964 17060 0,'0'0'0,"-21"0"0,0 0 15,0 0-15,42 0 31,0 0-31,0 0 16,0 0-16,1 0 0,20-21 0,-21 21 16,21-21-16,-20 21 0,-1 0 15,21 0-15,0-21 0,-20 21 16,-1 0-16,0 0 0,-21-21 31,21 21-31</inkml:trace>
+  <inkml:trace contextRef="#ctx0" brushRef="#br0" timeOffset="80116.58">12044 16891 0,'0'0'0,"0"-21"15,-21 0-15,21 0 0,0-1 16,0 1-16,0 0 0,0-21 16,0 21-16,-22-1 0,22 1 15,-21-21-15,21 21 0,0 0 0,-21-1 16,0 22-16,0-21 0,0 21 15,-1 0-15,1 0 0,-21 0 16,21 21-16,0 1 0,-22-1 16,22 0-16,0 21 0,-21 1 0,20-1 15,1 21-15,0-20 0,0 20 16,0 1-16,21-22 0,0 22 0,0-22 16,0 21-16,0-20 0,0-1 0,0 0 15,0 1-15,21-22 0,0 21 16,0-21-16,0 1 0,22-1 15,20 21-15,-20-42 0,-1 0 16,21 0-16,-20 0 0,-1 0 16,22-21-16,-22 0 0,21 0 0,-20 21 15,-1-22-15,0 1 0,1 0 16,-1-21-16,-21 21 0,0-1 0,1 1 16,-22-21-16,0 21 0,0-22 15,0 22-15,0 0 0,0 0 0,-22 0 16,1 0-16,0-1 0,0 22 0,0 0 15,-22 0-15,22 22 0,-21-1 16,21-21-16,-22 42 0,22-21 0,-21 0 16,21 22-16,0-22 15,-1 21-15,1-21 0,0 22 0,21-22 16,0 0-16,0 0 0,0 0 0,0 1 16,0-1-16,0 0 0,21-21 15,22 0-15,-22 0 0,0 0 16,0 0-16,21-21 0,-20 0 15,20 21-15,-21-22 0,21 1 0,-20 0 16,-1 0-16,21 0 0,-21 0 16,0-22-16,1 22 0,-22 0 15,0-21-15,21 20 0,-21 1 0,0 0 0,0 0 16,21 21-16,-21 21 31,0 0-15,0 0-16,0 1 0,0-1 0,-21 21 15,21-21-15,0 0 0,0 1 0,0-1 16,0 0-16,0 0 0,0 0 16,21 0-16,0-21 0,0 0 15,0 0-15,1 0 16,-1 0-16,21-21 0,-21 21 0,0-21 16,1 0-16,20 0 0,-21 0 15,0-1-15,22 1 0,-22 0 0,0-21 16,0 21-16,-21-1 0,21-20 0,-21 21 15,21 0-15,-21 0 16,0 42 0,0 0-16,0 0 15,0 0-15,0 0 0,0 1 16,-21 20-16,21-21 0,0 0 0,0 0 16,0 1-16,0-1 0,0 0 15,0 0-15,21 0 0,1 22 16,-1-43-16,-21 21 0,21-21 15,-42-21 32,0-1-47,-1 22 16,1-21-16,21 0 0,-21 21 16,0-21-16,21 42 46,0 0-46,0 0 0,21-21 16,0 0-16,22 22 0,-22-22 16,0 0-16,21 0 0,-21 0 15,22 0-15,-1 0 0,0 0 16,1 0-16,-1-22 0,0 22 0,22-21 16,-22 0-16,1 0 0,-1 21 15,0-42-15,1 20 0,20-20 16,-42 0-16,0 21 0,1-22 15,-1 22-15,-21-21 0,0 21 0,0-1 16,0 1-16,0 0 0,-21 21 16,-1 0-16,1 21 15,0 0-15,21 1 0,-21-1 16,21 0-16,-21 0 0,21 21 0,0-20 16,0-1-16,0 21 0,0-21 0,0 0 15,0 1-15,0-1 0,0 0 16,0 0-16,21 0 0,0-21 0,0 21 15,0-21 1,1 0-16,-1 0 0,0 0 16,0 0-16,0-21 0,0 21 0,1-21 15,-1 0-15,0 21 0,0-21 16,0 0-16,0-1 0,1 1 0,-1 0 16</inkml:trace>
+  <inkml:trace contextRef="#ctx0" brushRef="#br0" timeOffset="81075.69">15219 17230 0,'0'0'0,"-21"21"16,-1-21-16,1 0 15,0-21 1,21 0 0,0-1-16,0 1 0,0 0 15,0 0-15,0 0 0,0-22 16,0 22-16,-21 0 0,21-21 0,0-1 16,-21 22-16,0-21 0,21 21 0,-22-22 15,1 22-15,0 21 16,0-21-16,0 21 0,0 0 0,-22 0 15,22 21-15,0 0 0,0 1 0,0-1 16,-1 21-16,22-21 0,-21 22 16,21-1-16,0 0 0,-21 22 0,21-43 15,0 21-15,0 1 0,0-1 16,0-21-16,0 0 0,21 22 0,0-43 16,1 21-16,-1 0 0,0-21 15,0 0-15,0 0 0,0 0 0,1 0 16,20 0-16,-21 0 0,0 0 0,22 0 15,-22-21-15,0 0 0,0-1 16,43-20-16,-64 21 16,21 0-16,-21-22 0,21 22 0,-21-21 15,0 21-15,0-22 0,0 1 16,0 21-16,0-21 0,0 20 0,0 1 16,0 0-16,0 42 15,-21-21-15,21 21 16,0 22-16,0-22 0,0 21 0,0-21 15,0 22-15,0-22 0,0 21 16,21-21-16,-21 22 0,21-22 16,0 0-16,0 0 0,1 0 15,-1-21-15,0 0 0,0 0 16,0 0-16,22 0 0,-22 0 0,0 0 16,21 0-16,-21-21 0,1 0 15,20 0-15,-21 0 0,21-22 0,-20 22 16,-1-21-16,0 0 0,0-1 15,0 1-15,0-22 0,1 22 0,-1-21 16,-21 20-16,21-20 0,0-1 0,0 22 16,-21 0-16,21-1 15,-21 1-15,22 0 0,-22 20 0,0 1 0,0 0 16,0 42 0,0 0-16,0 1 0,0 20 15,0 0-15,0 1 0,0-1 0,-22 21 16,1-20-16,21 20 15,-21-20-15,21 20 0,0-21 0,0 1 16,0-1-16,-21 0 0,21 1 16,0-1-16,0 0 0,0-20 0,0 20 15,21-21-15,-21 0 0,21 0 16,0-21-16,1 22 16,-1-22-16,0 0 0,0 0 15,0 0-15,0-22 0,1 1 16,-1 0-16,-21 0 15,0 0-15,0-22 0,0 22 0,0 0 16,0 0-16,0 0 16,-21-22-16,-1 22 0</inkml:trace>
+  <inkml:trace contextRef="#ctx0" brushRef="#br0" timeOffset="81264.8">15684 16891 0,'0'0'0,"-21"0"0,0 0 0,42 0 31,0 0-31,22 0 0,-22 0 16,0 0-16,0 0 0,22 0 16,-22 0-16,21 0 0,-21 0 0,22 0 15,-22-21-15,0 0 0,21 21 0,-21 0 16,1-21-16,-1 21 16,0 0-16,0-22 0,0 22 0,0 0 15,1-21-15,-1 21 0</inkml:trace>
+  <inkml:trace contextRef="#ctx0" brushRef="#br0" timeOffset="83311.55">17441 17230 0,'0'0'0,"-21"0"0,0 21 16,21-42 15,0 0-31,0-1 0,21 1 16,21 0-16,-20 0 0,-1 0 15,0-22-15,21 22 0,-21-21 16,22 0-16,20-64 0,-20 63 16,-22 1-16,21-21 0,-21 20 15,0 1-15,1 0 0,-22-1 0,0 22 16,0-21-16,0 21 0,0-1 0,-43 1 16,22 0-16,0 21 0,-21 0 15,20 0-15,-20 21 0,-21 43 16,41-43-16,1 21 0,21 1 15,0-1-15,0 21 0,0-20 0,21 20 16,1-20-16,-1 20 0,21-21 0,-21 22 16,0-22-16,22 1 15,-22-22-15,0 21 0,0-21 0,0 22 16,1-22-16,-22 0 0,21 0 16,-21 0-16,0 0 0,-21-21 15,-1 0-15,1 0 0,0 0 16,-21 0-16,21-21 0,-22 21 15,22-21-15,-21 0 0,21 0 0,-22-22 16,1 22-16,21 0 0,-22-21 16,22 21-16,-21-1 0,21 1 0,0 0 15,-1 0-15,1 21 16,21 21-16,0 0 16,0 0-16,0 1 0,0-1 15,0 0-15,21 21 0,1-21 0,-1 1 16,0-1-16,21 0 0,-21 0 15,22 0-15,-1 0 0,0-21 0,-20 0 16,20 22-16,0-22 0,1 0 16,-1 0-16,0 0 0,1 0 0,-1-22 15,21 1-15,-20 0 0,-1 0 16,0 0-16,1 0 0,-1-1 0,0-20 16,1 21-16,-1-21 0,-21-1 0,0 1 15,1 0-15,-1-1 0,-21 1 16,0 0-16,0 20 0,0 1 0,0-21 15,-21 21-15,-1 21 16,1 0-16,-21 0 16,21 21-16,0 0 0,-1 0 0,-20 0 15,21 22-15,0-1 0,0 0 16,-1-20-16,22 20 0,0 0 0,-21-21 16,21 22-16,0-22 0,0 0 15,0 0-15,0 0 0,0 1 0,0-1 16,21-21-16,1 21 0,-1-21 15,0 0-15,0 0 16,0 0-16,0-21 0,1 0 0,20-1 16,-21 1-16,0 0 0,0 0 15,1 0-15,-1 0 0,0-22 16,0 1-16,0 21 0,-21-22 0,0 1 16,0 21-16,0-21 0,0 20 0,0 1 15,0 0-15,0 0 0,0 42 16,0 0-1,0 0-15,0 22 0,0-22 16,0 21-16,0 1 0,0-22 0,0 21 16,0 0-16,21-20 0,1-1 0,-1 0 15,-21 0-15,21 0 0,0 0 16,0-21-16,0 0 0,22 0 16,-22 0-16,0 0 0,0 0 0,0 0 15,22-21-15,-22 21 0,0-21 16,0 0-16,0 0 0,1 0 0,-1-1 15,0-20-15,-21 21 0,0-21 16,21 20-16,-21-20 0,0 21 0,0 0 16,0-22-16,0 22 0,0 42 31,0 22-31,-21-22 16,21 21-16,0-21 0,0 22 15,-21-22-15,21 21 0,0-21 16,0 1-16,-21-1 0,21 21 0,0-21 15,0 0-15,0 1 0,0-1 16,0-42 15,0-1-15,0 1-16,21 0 0,-21 0 16,0-21-16,0 20 0,21-20 15,-21 21-15,21-21 0,-21 20 16,21-20-16,-21 0 0,0 21 0,21-1 15,-21 1-15,22 0 0,-1 21 16,-21 21-16,0 0 0,0 1 16,21-1-16,-21 21 0,21-21 15,-21 22-15,0-22 0,0 21 16,21-21-16,-21 0 0,21 1 16,-21-1-16,22 0 0,-1 0 0,-21 0 15,21 0-15,0-21 0,0 22 0,0-22 16,-21 21-16,22-21 0,-1 0 15,0 0-15,0 0 16,0-21-16,0-1 16,1 22-16,-1-21 0,0 0 0,0-21 15,0 21-15,0-1 0,22-20 0,-22 0 16,21-1-16,-21 22 0,22-21 16,-22 21-16,0-22 0,0 22 15,0 21-15,-21-21 0,0 42 31,0 0-31,0 1 0,0-1 16,0 21-16,0-21 0,0 0 16,-21 22-16,21-22 0,0 21 0,0-21 15,0 1-15,0 20 0,0-21 0,0 0 16,21 0-16,1 1 0,-1-1 16,0-21-16,21 21 0,-21 0 0,22-21 15,-22 0-15,21 0 0,1 0 16,-22 0-16,21 0 0,0 0 0,1-21 15,-1 21-15,0-21 0,-20 0 16,20-1-16,0 1 0,-21-21 16,1 21-16,-1-22 0,0 1 0,0 0 15,-21-1-15,0 1 0,0 0 0,0-1 16,0 22-16,0-21 0,0 21 16,0 0-16,-21 21 0,0 0 0,0 0 15,-1 21-15,1 0 16,21 0-16,0 0 0,-21 22 0,21-22 15,0 21-15,0 0 0,0-20 16,0 20-16,0-21 0,0 21 0,21-20 16,-21-1-16,21 0 0,1 0 15,-1 0-15,0 0 0,0-21 0,-21 22 16,21-22-16,0 0 0,1 0 0,-1 0 16,0 0-16,0 0 0,0 0 15,0-22-15,1 22 16,-22-21-16,0 0 0,21 0 0,0 21 15,0-21-15,-21 0 0,21-22 0,0 22 16,1 0-16</inkml:trace>
+  <inkml:trace contextRef="#ctx0" brushRef="#br0" timeOffset="85032.07">21823 17187 0,'-21'22'0,"42"-44"0,-64 65 15,22-43-15,0 0 0,0 0 16,0 0-16,21-21 31,0-1-31,21 22 0,0-21 16,-21 0-16,21 0 0,0 0 0,1-22 15,-1 22-15,0-21 0,0 0 16,-21-1-16,21-20 0,0 20 0,1-20 16,-1-1-16,0 22 0,-21-21 15,0-1-15,21 22 0,-21-22 0,0 22 16,0-22-16,0 22 0,0 0 15,0-1-15,0 1 0,0 21 0,0 0 16,0 0-16,-21 42 16,21 0-16,-21 0 15,0 21-15,-1 1 0,22 20 16,-21 1-16,0-1 0,0 1 0,21-1 16,0 1-16,-21-1 0,21 1 15,0-1-15,0 1 0,0-1 0,0 1 16,0-22-16,21 0 0,0 1 15,21-1-15,-20-21 0,-1 22 0,21-22 16,0 0-16,-20 0 0,20-21 0,0 0 16,-21 0-16,22 0 0,-1 0 15,-21 0-15,22 0 0,-1-21 0,-21 21 16,21-21-16,-20-22 0,20 22 16,-21 0-16,0-21 0,0 21 0,1-22 15,-22 1-15,0-43 16,0 64-16,0-21 0,0-1 15,0 22-15,0 0 0,0 0 0,-22 21 16,1 0-16,0 0 16,0 21-16,0 0 0,21 22 0,-21-22 15,-1 0-15,22 21 0,-21-21 16,21 22-16,0-22 0,0 21 0,0-21 16,0 1-16,0-1 0,0 0 0,43 0 15,-43 0-15,42-21 0,-21 21 16,21-21-16,1 0 0,-22 0 15,21 0-15,-21 0 0,22 0 0,-1-21 16,-21 21-16,0-21 16,22 0-16,-22 0 0,0-22 0,0 22 15,0-21-15,1 21 0,-22-22 16,0 22-16,0-21 0,0 0 0,0 20 16,0 1-16,0 0 0,0 42 31,0 0-16,0 22-15,0-22 0,0 21 16,0-21-16,0 22 0,0-22 0,0 0 16,0 21-16,0-20 0,0-1 15,0 0-15,0 0 0,0 0 0,0 0 16,0 1-16,0-1 16,0-42 15,0-1-31,0 1 0,0 0 15,0 0-15,0 0 0,21-22 16,-21 22-16,21-21 0,-21 0 0,0 20 16,21-20-16,0 0 0,-21 21 15,21-1-15,1 1 0,-22 0 0,0 0 16,21 21-16,0 0 16,-21 21-16,21-21 0,-21 42 15,0-20-15,0-1 0,21 0 0,-21 21 16,0-21-16,21 22 15,-21-22-15,0 21 0,22-21 0,-22 1 16,21-1-16,0 21 0,-21-21 16,21-21-16,0 21 0,0 1 0,1-22 15,-1 0-15,0 0 0,0 0 16,0 0-16,0-22 16,1 22-16,-22-21 0,21 0 15,0-21-15,0 21 0,0-1 16,-21-20-16,43 0 0,-22-1 0,0 22 15,0-21-15,0 0 0,0-1 16,1 22-16,-22-21 0,21 21 16,0 21-16,-21-22 0,0 1 0,0 42 31,0 1-31,0-1 0,0 0 0,0 0 16,0 0-16,0 22 0,0-1 0,0-21 15,0 21-15,0-20 0,0-1 16,0 21-16,0-21 0,0 43 15,21-43-15,0 0 0,0 0 16,1-21-16,-1 21 0,21 1 0,-21-22 16,22 0-16,-1 0 0,0 0 15,1 0-15,-22 0 0,21 0 0,0 0 16,1-22-16,-1 1 0,0 0 16,-20 0-16,20 0 0,-21 0 15,21-22-15,-20 1 0,-1 21 0,0-22 16,-21 1-16,0 0 0,0-1 15,0 1-15,0 0 0,0 21 0,0-1 16,0 1-16,0 0 0,-21 21 16,0 0-16,-1 21 0,1 0 15,0 1-15,0-1 0,0 21 0,0 0 16,21-20-16,0 20 0,0 0 16,0 1-16,0-22 0,0 21 0,0-21 15,0 22-15,0-22 16,21 0-16,0 0 0,0 0 0,0-21 15,0 21-15,1-21 0,20 0 0,-21 0 16,0 0-16,22 0 0,-22 0 16,21-21-16,-21 21 0,22-21 0,-22 0 15,0 0-15,21 0 0,-21-1 16,1 1-16,-1 0 0,0 0 0,0-43 16,-21 43-16,0-21 0,0 21 15,0 0-15,0-1 0,-21-20 16,0 21-16,0 0 0</inkml:trace>
+  <inkml:trace contextRef="#ctx0" brushRef="#br0" timeOffset="85303.15">23961 16193 0,'0'0'0,"-22"0"0,1 0 16,0 0 31,0 0 0,0 0-47,0 0 0,-1 0 15,1 0-15,0 0 0</inkml:trace>
+  <inkml:trace contextRef="#ctx0" brushRef="#br0" timeOffset="85612.01">22119 16616 0,'0'0'0,"-42"0"0,21 21 0,-1-21 16,1 0-16,0 0 0,21-21 15,21 0 1,0 21-16,1-21 0,-1 21 16,21-22-16,0 22 0,1 0 15,-1-21-15,0 21 0,1 0 0,-1 0 16,0 0-16,1-21 0,-22 21 15,21 0-15,-21 0 0,1 0 0,-1 0 16,0 0 0,0 0-1,0-21-15,0 21 16,1 0-16,-1-21 0,21 0 0</inkml:trace>
+  <inkml:trace contextRef="#ctx0" brushRef="#br0" timeOffset="86796.1">27114 16701 0,'0'0'0,"0"21"0,0 0 0,0 0 16,22-21 15,-1-21-15,-21 0-16,21 0 15,0-1-15,0 1 0,-21 0 16,0 0-16,0 0 0,0 0 16,0-22-16,0 22 0,0 0 15,0 0-15,0 0 0,-21-1 16,21 1-16,-21 0 16,0 21-16,21-21 656,-21 21-656,-1 0 15,1 0-15</inkml:trace>
+  <inkml:trace contextRef="#ctx0" brushRef="#br0" timeOffset="87104.93">26628 16277 0,'0'0'0,"-22"0"0,1-21 0,0 21 16,0-21-16,0 21 15,21-21-15,21 0 16,0 21-16,21 0 16,1 0-16,-1 0 15,22-22-15,-22 22 0,21 0 0,22 0 0,-21-21 16,-1 21-16,1 0 0,-1 0 16,1-21-16,-1 21 0,-21 0 0,1 0 15,-1 0-15,-21 0 0,0 0 16,1 0-16,-44 0 31,1 0-31,0 0 16,0 0-16,-43 0 0,43 0 15,-21 0-15,21 21 0,0-21 16,-22 0-16</inkml:trace>
+  <inkml:trace contextRef="#ctx0" brushRef="#br0" timeOffset="87389.77">27114 16171 0,'0'22'15,"0"-1"1,0 0 0,0 0-16,0 21 15,0-20-15,0-1 0,0 21 0,0 0 0,0-20 16,0 20-16,0 0 16,0 1-16,0-1 0,0 0 0,0 1 15,0-1-15,0 0 0,0-21 16,0 22-16,0-1 0,0-21 0,0 0 15,0 1-15,0-1 0,0 0 16,0 0-16,0 0 16,22-21-1,-1-21 1,-21 0-16,21 0 0,0 0 16,0-1-16,-21 1 0,21 0 15,1 0-15</inkml:trace>
+  <inkml:trace contextRef="#ctx0" brushRef="#br0" timeOffset="88396.05">27432 16743 0,'21'0'15,"0"0"1,0 0 0,1-21-1,-1 21-15,-21-21 0,21-1 0,0 22 16,-21-21-16,21 0 0,0 0 15,-21 0-15,0 0 0,22-1 0,-22 1 16,21-21-16,-21 21 16,0 0-16,0-1 0,-21 22 31,-1 0-31,1 22 0,0-1 16,21 0-16,-21 0 0,0 21 15,0-20-15,-1 20 0,22 0 0,0 1 16,0-22-16,0 21 0,0 0 0,0-20 15,0-1-15,0 21 0,0-21 16,22 0-16,-22 1 0,21-22 0,0 21 16,21-21-16,-21 0 0,1 0 15,20 0-15,-21 0 0,21 0 16,-20-21-16,20 21 0,-21-22 0,0 1 16,22 0-16,-22 0 0,0 0 15,0-22-15,-21 22 0,0-21 0,21 21 16,-21-22-16,0 22 0,0-21 15,0 21-15,0 0 0,-21 21 16,0 0-16,0 0 0,0 21 16,21 0-16,0 0 15,0 21-15,0-20 0,0 20 0,0-21 16,0 21-16,0-20 0,21 20 16,-21-21-16,42 21 0,-42-20 15,21-1-15,-21 0 0,21 0 16,-21 0-1,-21-21 17,0-21-32,0 0 0,0 21 15,0-21-15,-1 0 16,44 21 31,-1 21-47,0-21 0,0 0 15,0 0-15,0 0 0,1 0 16,-1 0-16,21 0 0,-21 0 16,22-21-16,-22 21 0,21-22 0,-21 1 15,22 0-15,-22 0 0,0 0 0,21 0 16,-21-22-16,1 22 0,-1-21 16,0-1-16,-21 1 0,21 0 0,-21-1 15,21 1-15,-21 0 0,0-1 16,0-20-16,0 21 0,21-22 15,-21 43-15,0-21 0,0 20 16,0 44 0,-21 20-16,21-21 15,-21 21-15,21 1 0,-21-22 16,21 42-16,-21-20 0,21-1 16,0 0-16,0 1 0,0-1 0,0 0 15,0 1-15,0-1 0,0-21 16,0 43-16,0-22 0,0-21 15,0 0-15,21 1 0,0-1 16,0-21-16,-21 21 0,21-21 16,1 0-16,-1 0 15,0-21-15,-21 0 0,0-1 16,0 1-16,0 0 16,0 0-16,0 0 0,0 0 15,0-22-15,0 22 0,0 0 16</inkml:trace>
+  <inkml:trace contextRef="#ctx0" brushRef="#br0" timeOffset="88595.93">28300 16574 0,'0'21'16,"0"0"0,21-21-1,0 0-15,0 0 0,0 0 0,1 0 16,-1 0-16,0 0 0,0 0 15,0 0-15,22 0 0,-43-21 0,21 0 16,0 21-16,0 0 16,-21-22-16,21 1 15,0 21-15,-21-21 0,22 21 0</inkml:trace>
+  <inkml:trace contextRef="#ctx0" brushRef="#br0" timeOffset="88887.76">29146 16383 0,'0'-21'0,"0"42"15,-21 0 1,0 0 0,0 22-16,21-22 0,-21 21 0,0-21 15,21 22-15,0-1 0,-22 0 16,22-20-16,-21 20 0,21 0 0,0-21 15,0 1-15,0 20 0,0-21 16,0 0-16,0 0 0,0 1 16,0-44 31,0 1-47,0 0 15,0 0-15,0 0 0</inkml:trace>
+  <inkml:trace contextRef="#ctx0" brushRef="#br0" timeOffset="89148.13">29019 16489 0,'0'0'16,"0"-42"-16,0 20 0,0 1 0,0 0 15,0 42 1,22-21-16,-1 21 16,-21 1-16,21 20 0,-21-21 15,21 21-15,-21-20 0,21 20 0,0 0 16,-21-21-16,22 22 0,-1-1 15,21-21-15,-21 22 0,0-22 0,1 0 16,-1 0-16,21 0 0,-21 0 16,0 1-16,1-22 15,-1 0-15,-21-22 32,0 1-32,0 0 0,0 0 15,0 0-15,21-22 0,-21 22 16</inkml:trace>
+  <inkml:trace contextRef="#ctx0" brushRef="#br0" timeOffset="89443.65">29697 16150 0,'0'0'0,"21"-21"16,-21 42-1,0 0 1,0 1-16,0 20 0,-21-21 15,0 21-15,-1 1 0,22-1 0,-21 0 16,0 1-16,0-1 0,0 0 16,21-20-16,0 20 0,-21 0 0,21 1 15,-22-1-15,22-21 0,0 21 16,0-20-16,0-1 0,0 0 0,0 0 16,0 0-16,0 0 0,0 1 15,0-44 16,22 1-15,-22 0-16,21 21 0,0-21 16</inkml:trace>
+  <inkml:trace contextRef="#ctx0" brushRef="#br0" timeOffset="90108.28">30416 16298 0,'0'0'0,"0"-21"0,0 0 16,0-21-16,-21 21 16,0 21-16,0-22 0,0 22 15,0 0-15,-1 0 0,-20 0 16,21 22-16,0-1 0,-22 21 0,1-21 16,21 22-16,-21-1 0,20 0 15,1 1-15,0-1 0,0 0 0,0 1 16,21 20-16,-21-42 0,21 22 15,0-1-15,0 0 0,0-21 0,0 22 16,0-22-16,21 0 0,0 0 16,0 0-16,0-21 0,0 22 15,1-22-15,-1 0 0,21 0 16,-21 0-16,0 0 0,1 0 0,-1-22 16,0 1-16,0 21 0,-21-21 15,21 0-15,-21 0 0,0 0 0,0-1 16,0 1-16,0 0 0,-21 0 15,-21 0-15,21 0 0,-1-1 0,1 22 16,0 0-16,0 0 0,0 0 16,0 0-16,42 0 31,0 0-15,0 0-16,0 0 15,0 0-15,1 0 0,-22 22 16,21-22-16,-21 21 0,0 0 15,0 21-15,0-21 0,0 1 0,0 20 16,0-21-16,-21 21 0,21-20 16,-22 20-16,1-21 0,21 21 0,-21-20 15,0 20-15,21-21 0,0 21 16,-21-20-16,21-1 0,-21 0 0,21 0 16,0 21-16,0-20 0,0-1 15,0 0-15,0 0 0,0 0 16,0 0-1,21-21 1,-21-21 0,0 0-1,0 0-15,21 21 0,0-21 0,0 0 16,-21-1-16</inkml:trace>
+  <inkml:trace contextRef="#ctx0" brushRef="#br0" timeOffset="90440.09">30607 16828 0,'0'21'16,"21"-21"31,0-21-47,-21-1 15,21 22-15,-21-21 0,0 0 16,0 0-16,-21 21 31,0 0-15,0 0-16,21 21 0,-21-21 16,21 21-16,-21 0 0,21 1 15,-22-1 1,44-21 15,-1 0-31,0-21 0</inkml:trace>
+  <inkml:trace contextRef="#ctx0" brushRef="#br0" timeOffset="90784.58">31136 16425 0,'0'0'0,"-42"0"15,42 22 1,0-1 0,0 0-16,0 0 0,0 0 15,0 0-15,0 1 0,21-1 16,0 21-16,-21-21 0,0 22 0,21-22 15,-21 21-15,21-21 0,-21 22 0,0-22 16,22 0-16,-22 0 0,0 0 16,21 0-16,-21 1 15,0-44 32,0 1-31,0 0-16,0 0 0</inkml:trace>
+  <inkml:trace contextRef="#ctx0" brushRef="#br0" timeOffset="91087.41">31496 16425 0,'0'0'0,"-21"0"0,0 0 16,-1 0-16,1 0 15,0 22-15,0-1 0,-21-21 16,20 42-16,-20-21 0,21 0 16,-21 1-16,-1-1 0,22 21 0,-21-21 15,21 22-15,-22-22 0,22 21 16,0-21-16,0 0 0,0 22 0,21-22 16,0 0-16,-22 0 0,22 0 15,0 1-15,-21-22 0,21 21 0,0 0 16,21-21 15,1-21-31,-22 0 16,21 21-16,0-22 0,0 1 0,0 21 15,0-21-15</inkml:trace>
+  <inkml:trace contextRef="#ctx0" brushRef="#br0" timeOffset="91952.92">31623 16552 0,'0'0'0,"-21"0"47,21 22-47,-21-1 0,21 0 16,-22 0-16,22 0 0,-21 0 15,21 1-15,0 20 0,0-21 0,0 0 16,0 0-16,0 22 0,0-22 15,0 0-15,0 0 0,0 0 16,0 1 0,0-44 15,0 1-15,0 0-16,0 0 0,0 0 15,0 0-15,21-1 16,-21-20-16,22 21 0,-1-21 0,-21-1 15,21 22-15,0-21 0,0-1 16,0 22-16,1-21 0,-22 21 16,21 0-16,0-1 0,0 22 0,0 0 15,0 0-15,1 0 0,-1 0 16,-21 22-16,21-1 16,-21 0-16,0 0 0,0 0 15,0 0-15,0 22 0,0-22 0,0 0 16,-21 0-16,21 22 0,-21-22 15,21 0-15,0 0 0,0 0 16,0 0-16,0 1 0,0-1 16,0 0-16,0-42 47,0 0-47,0-1 15,21 1-15,0 0 16,0-21-16,-21 21 0,21-1 0,0-20 15,1 21-15,-1 0 0,0-22 16,0 22-16,0 0 0,0 0 16,22 21-16,-43-21 0,21 21 0,0 0 15,0 0-15,0 0 16,1 0-16,-22 21 16,0 0-1,0 0-15,0 0 0,0 1 16,0 20-16,-22-21 0,22 21 0,-21 1 15,21-22-15,0 21 0,0-21 16,-21 22-16,21-22 0,-21 0 0,21 0 16,0 0-16,0 1 0,-21-1 15,21 0-15,-21 0 16,21 0 0,0-42 30,0 0-30,0 0-16,0 0 0,0-1 16</inkml:trace>
+  <inkml:trace contextRef="#ctx0" brushRef="#br0" timeOffset="92443.64">32660 16531 0,'0'0'16,"21"-21"-16,-21 0 0,0 0 16,0 0-16,21 21 15,-21-22-15,22 1 0,-22 42 32,0 1-17,0-1-15,-22 0 0,1 21 16,0-21-16,0 22 0,0-1 0,0 0 15,-22 1-15,22-1 0,0-21 16,0 22-16,0-1 0,-1 0 16,22-21-16,0 22 0,-21-22 0,21 0 15,0 0-15,0 22 0,0-22 16,0 0-16,21-21 16,-21 21-16,22-21 0,-1 0 15,21 0-15,-21 0 0,22 0 16,-22 0-16,21 0 0,0 0 0,1 0 15,-22 0-15,21 0 0,-21 0 16,1 0-16,-1 0 0,0 0 16,0 0-16,0 0 0,0 0 0,1 0 15,-22-21 1,21 21 0,0 0-1,-21-21 16,0 0-15</inkml:trace>
+  <inkml:trace contextRef="#ctx0" brushRef="#br0" timeOffset="-204357.34">804 3895 0,'0'0'0,"-21"-21"16,0 21-16,0 0 16,42 21 15,0 0-16,0 0-15,-21 21 16,21-20-16,-21-1 0,0 21 0,0-21 16,0 0-16,0 22 0,0-22 15,0 0-15,0 0 0,0 0 16,0 1-16,0-1 0,0-42 47,0-1-47,0 1 0,0 0 15,0-21-15,0 21 0,0-22 16,0 1-16,0 0 0,0-1 0,0 1 16,0 0-16,-21 20 15,21 1-15,0 0 0,-21 0 0,21 0 16,0 42 15,0 0-31,0 21 0,0-20 16,0 20-16,0-21 0,0 21 15,0 1-15,0-1 0,0 0 16,0-20-16,0 20 0,0-21 0,0 21 16,0-20-16,0-1 0,0 0 15,0 0-15,0-42 47,0 0-47,21 0 0,-21-1 0,0 1 16,0 0-16,0-21 0,0 21 15,0-22-15,0 22 0,0-21 0,0 21 16,0-1-16,0 1 0,0 0 16,0 42 31,0 0-32,0 1-15,0-1 0,0 0 0,0 21 16,0-21-16,0 22 0,0-1 15,0-21-15,0 22 0,0-22 0,-21 21 16,21-21-16,0 22 0,0-22 16,0 0-16,0 0 0,0 0 15,0 0-15,0 1 0,0-1 0,0 0 16,21-21 15,0 0-15,1 0-16,20-21 0,-21 0 15,21-1-15,22-20 0,-22 21 16,43-21-16,-22-22 0,22 22 0,0-22 16,105-63-16,-105 64 15,21-1-15,0 22 0,-22-22 16,22 22-16,0 0 0,-21-1 0,-1 22 16,1-21-16,-22 21 0,-20 0 15,20-1-15,-42 22 0,22-21 16,-22 21-16,0 0 0,-42 0 47,0 0-47,0 21 15,-22 1-15,22-1 0,-21 0 16,-22 0-16,22 0 0,-22 0 16,1 1-16,-1-1 0,1 21 0,-85 43 15,63-43-15,-21 0 16,22 1-16,-22 20 0,0-20 15,0 20-15,21-21 0,-20 1 0,41 20 16,-21-20-16,22-22 0,-1 21 16,22 0-16,0-20 0,21-1 0,-22 0 15,22-21-15,21 21 0,-21-21 16,21 21 15,21-42 204,-21 0-235,21 0 15,0 0-15,1-1 0</inkml:trace>
+  <inkml:trace contextRef="#ctx0" brushRef="#br0" timeOffset="-101356.68">402 6033 0,'-21'0'16,"0"0"-1,21-22 1,0 1-16,0 0 15,0 0-15,0 0 16,0 0 0,0-1-1,-21 22-15,21 22 32,0-1-17,0 21-15,0-21 0,0 0 16,0 1-16,0-1 0,0 21 15,0-21-15,0 0 0,0 1 16,0 20-16,-22-21 0,22 0 0,0 0 16,0 1-16,0-1 15,0 0-15,0-42 47,0 0-47,0-1 0,0 1 16,0 0-16,22 0 0,-22 0 15,0-22-15,0 22 0,0 0 16,0-21-16,0 21 0,0-1 16,0-20-16,0 21 0,0 0 15,0 42 17,0 0-17,0 0 1,0 0-16,0 1 0,0-1 0,0 0 15,0 0-15,0 0 0,0 22 16,0-22-16,0 0 0,0 0 16,0 0-16,0 0 0,0 1 0,0-1 15,0 0-15,0 0 0,0 0 16,0 22-16,0-22 16,0 0-16,0 0 15,21-21-15,-21 21 16,21-21-1,0 0-15,0 0 16,0 0 0,1 0-16,-1 0 15,0-21-15,0 0 16,21 21-16,-20-21 0,-1 0 16,21-1-16,0 1 0,1 0 0,-1 0 15,0-21-15,22 20 0,-1-20 16,1 21-16,21-21 0,-1-1 0,22 1 15,-21 21-15,21-22 0,-1 1 16,-20 0-16,21-1 0,0 1 16,-22 21-16,22-21 0,-21-1 0,0 22 15,-1 0-15,1-21 0,-22 20 16,1 1-16,-22 0 0,22 0 16,-43 21-16,0-21 0,0 21 15,0-21-15,-42 21 31,0 0-31,-21 21 16,21 0-16,-22 0 0,1 0 16,-22 0-16,22 1 0,-21 20 15,-22-21-15,21 21 0,1-20 16,-22 20-16,1-21 0,-1 21 0,0 1 16,1-22-16,20 21 0,-21-21 15,22 1-15,-1 20 0,1-21 16,-1 0-16,22 0 0,-21 1 15,20-1-15,1 0 0,0 0 0,-1-21 16,1 21-16,21 0 0,-22 1 16,22-22-16,0 21 0,0 0 0,0-21 15,0 21-15,-1-21 0,1 21 16,0-21 0,21 21-16,-21-21 0,42 0 125,0 0-125,-21 22 15</inkml:trace>
+  <inkml:trace contextRef="#ctx0" brushRef="#br0" timeOffset="-99571.87">614 8022 0,'0'0'0,"0"-21"0,-21-21 16,21 21-16,0-1 0,-22 1 15,22 0-15,-21 21 0,21-21 16,0 0-16,0 0 0,0 42 47,0 0-47,0 21 0,21-21 15,-21 22-15,22-1 0,-22 0 16,0 22-16,0-22 0,0 22 16,0-22-16,0 0 0,0 1 0,0-1 15,0 0-15,0 1 0,0-1 16,0-21-16,0 0 0,0 1 15,0-1-15,0 0 0,0 0 16,0 0-16,0 0 31,21-21 16,0 0-16,0 0-31,0 0 16,-21-21-16,21 21 16,22-21-16,-22 0 0,64-21 15,-43 20-15,21 1 0,22-21 16,0 0-16,-1-22 0,22 22 0,21-22 16,-21 1-16,21-1 0,-21 1 15,0-1-15,21 1 0,-21 20 0,-22-20 16,22 21-16,-21 20 0,-22-20 15,1 21-15,-22 0 0,0 0 16,1-1-16,-22 22 0,0 0 0,-21-21 16,-21 21-1,0 0 1,0 0-16,-1 21 0,-20 1 16,0-1-16,-1-21 0,1 21 15,0 21-15,-22-21 0,1 1 0,-1 20 16,1 0-16,-22 1 0,0-1 15,1 0-15,-22 22 0,21-22 0,-21 0 16,1 22-16,-1-22 0,0 1 16,21-1-16,1 0 0,20 1 15,-21-1-15,22-21 0,21 21 0,-22-20 16,22-1-16,-1 0 0,1 0 16,21-21-16,0 21 0,0-21 0,-1 21 15,22 1 32,0-44 109,0 1-140,22 21-16,-22-21 0,0 0 16,21 21-16,-21-21 0,0 0 0,0-22 15,21 22-15,-21 0 0,0-21 16,0-1-16,21 1 0,-21 0 0,0-22 15,0 22-15,0-1 0,0 1 16,0 0-16,0 21 0,0-22 16,0 22-16,0 0 0,0 0 15,0 42 17,0 0-32,0 0 15,0 22-15,0-1 0,0 0 16,0 1-16,0 62 0,-21-62 15,21-1-15,0 22 0,0-43 16,0 21-16,0 0 0,0-20 0,0-1 16,0 0-16,0 0 0,0 0 15,0 0 1,0-42 15,0 0-31,0 0 16,0 0-1,0 0-15,-21-1 0</inkml:trace>
+  <inkml:trace contextRef="#ctx0" brushRef="#br0" timeOffset="212561.95">402 9927 0,'0'0'0,"0"-21"15,0 0-15,0 0 16,0 0 0,0 42 15,0 0-16,0 0-15,0 0 0,0 0 0,0 1 16,0 20-16,0-21 0,0 21 16,0-20-16,0-1 0,0 21 15,0-21-15,0 0 0,-21 1 0,21-1 16,0 0-16,0 0 0,0 0 16,0-42 15,0 0-16,0 0-15,0 0 0,0-1 16,0 1-16,0 0 0,0 0 16,0-21-16,0 20 0,0-20 0,0 0 15,0 21-15,0-22 0,0 22 16,0 0-16,0-21 0,0 20 0,0 1 16,0 0-16,0 42 46,0 0-30,0 1-16,0-1 0,0 21 0,0-21 16,0 22-16,0-1 0,0-21 15,0 21-15,0 1 0,0-22 16,0 21-16,-21 1 0,21-22 16,0 21-16,-21-21 0,21 0 0,0 1 15,-22-1-15,22 0 0,0 0 16,0 0-16,0 0 15,0 1 79,0-1-63,0 0 1,22 0-17,-1-21 1,0 0 0,0 0-16,0 0 15,0 0-15,22 0 16,-22-21-16,21 0 0,1-22 0,20 22 15,1 0-15,-1-21 0,1-1 16,-1 22-16,22-21 0,-1 0 0,1 20 16,0-20-16,-1 21 0,-20-21 15,21 20-15,-1-20 0,-20 0 0,-1 21 16,1-22-16,-1 22 0,1-21 16,-1 21-16,-20-1 0,-1-20 15,21 21-15,-20 0 0,-1 0 0,0-1 16,1 1-16,-22 0 0,21 0 15,-21 0-15,1 21 0,20-21 16,-21 21-16,0 0 16,-21-22-16,-21 44 47,0-22-32,0 21-15,0-21 0,-1 21 16,-20 0-16,21 0 0,-21 0 0,-1 1 15,1-1-15,-22 0 0,1 21 16,-1-21-16,1 22 0,-1-22 16,-20 21-16,-1 1 0,-21-22 0,22 21 15,-86 22-15,86-22 16,20 0-16,-21-21 0,22 22 16,-1-1-16,1-21 0,21 22 15,-1-22-15,-20 21 0,20-21 0,22 0 16,-21 1-16,21-1 0,0 0 15,-1-21-15,1 0 0,21 21 0,-21-21 16,21-21 31,21 21-31,0-21-16,1 21 15,-22-21-15,21 21 0,0-22 16,0 1-16,0 0 0,0 21 15,22-21-15,-1-21 0,-21 20 0,22 1 16,20 0-16,-21-21 0,22 21 0,-1-22 16,22 22-16,0-21 0,-1-1 15,1 22-15,0-21 0,-1 0 16,1-1-16,0 1 0,-1 0 16,-20-1-16,21 1 0,42-22 0,-64 22 15,-21 21-15,22 0 16,-43 0-16,21-1 0,-20 22 0,-1-21 15,0 21-15,0 0 16,-42 0 15,-21 0-31,20 21 0,-20 1 0,0-1 16,-1 0-16,1 0 0,-21 21 16,-1-20-16,-21 20 0,1 0 0,-1 1 15,0-1-15,-20 0 0,-1 1 16,0-1-16,0 0 0,21 1 15,-105 20-15,126-21 16,-84 22-16,85-22 0,-1-21 16,-20 22-16,41-22 15,22 0-15,0-21 0,0 0 16,0 21-16,21-42 47,21 21-47,-21-21 0,21 21 15,0-21-15,0 21 0,-21-21 16,21 21-16,1-22 0,-1 22 0,0-21 16,0 21-16,0-21 0,22 0 15,-22 21-15,21-21 0,0 0 16,1-1-16,20 1 0,-20 0 16,20 0-16,22-21 0,-22 20 0,22 1 15,0-21-15,-1 21 0,1 0 16,-22-22-16,22 22 0,-21 0 0,-1 0 15,-21 0-15,22-1 0,-22 22 16,1-42-16,-22 42 0,0 0 16,0 0-16,-21-21 156,0 42-109,-21-21-47,0 0 15,21 21-15,0 0 16</inkml:trace>
+  <inkml:trace contextRef="#ctx0" brushRef="#br0" timeOffset="-33606.63">233 11938 0,'0'0'0,"21"0"16,0 0-1,-21-21 17,0 0-17,-21 21 1,21-21-16,-21 21 0,0 0 31,21 21-15,0 0-16,-22 0 15,22 0-15,-21 0 0,21 1 0,0 20 16,0-21-16,0 21 0,-21-20 16,21 20-16,-21-21 0,21 21 0,-21-20 15,21 20-15,0-21 0,-21 21 16,21-20-16,-22-1 0,22 0 15,0 0-15,0 0 0,0 0 16,0-42 15,0 0-31,0 0 16,0 0-16,0-22 0,0 1 16,0 21-16,0 0 0,0-22 15,0 22-15,0-21 0,0 21 16,22 0-16,-1-22 0,-21 22 15,0 0-15,21 0 0,0 0 16,-21-1-16,21 22 31,0 0-31,1 22 0,-22-1 16,0 0-16,0 0 0,21 0 16,-21 22-16,0-22 0,21 0 15,-21 21-15,0-21 0,0 1 0,0 20 16,0-21-16,0 0 15,0 0-15,0 1 0,0-1 32,0-42-17,0-1-15,0 1 16,0 0-16,21 0 0,-21-21 16,0-22-16,0 43 0,0-21 15,0-1-15,0 22 0,0-21 16,0 21-16,0-1 0,0 1 0,-21 21 15,21-21-15,0 42 32,0 0-17,0 1-15,0 20 0,0 0 0,0-21 16,0 22-16,0-1 0,0 0 16,0 22-16,-21-22 15,21 1-15,0-1 0,0-21 0,-21 21 16,21-20-16,0-1 0,0 21 15,-22-21-15,22 0 0,-21 1 0,21-1 16,0 0-16,0 0 0,0 0 16,0 0-16,0 1 15,0-1 1,21-21 15,1 0-31,-1 0 16,0 0-16,0 0 15,0-21-15,0-1 0,1 1 16,20 21-16,-21-21 0,21 0 0,1 0 16,20-22-16,-20 22 0,20-21 15,22 21-15,-22-22 0,22 1 0,0 0 16,-1-1-16,22-20 0,-21-1 16,21 22-16,-1-21 0,-20-1 0,21 22 15,0-22-15,0 22 0,-1-22 16,1 22-16,21 0 0,-21-1 0,0 1 15,0 0-15,0 21 0,-22-22 16,1 22-16,0 0 0,-22 0 16,1 21-16,-1-21 0,-21 21 0,1 0 15,-22 0-15,0 0 0,0 0 16,-42 0 15,0 21-31,0-21 16,-22 21-16,22-21 0,0 21 15,-21 0-15,-1 0 0,1 1 0,0-1 16,-22 0-16,1 0 0,-22 21 0,0-20 16,1 20-16,-22-21 0,21 21 15,-21 1-15,22-22 0,-1 21 16,-21 1-16,22-1 0,-22 0 16,21 1-16,-21-1 0,22 0 0,-1 1 15,-21-22-15,21 21 0,1 0 16,20 1-16,-20-22 0,20 21 15,-21-21-15,22 1 0,-1 20 16,22-21-16,-21 0 0,20-21 0,1 21 16,21 1-16,0-22 0,-1 0 0,1 0 15,0 0 1</inkml:trace>
+  <inkml:trace contextRef="#ctx0" brushRef="#br0" timeOffset="194209.68">317 13885 0,'0'0'0,"-42"-21"16,42 0-16,0 0 15,21 0-15,0 21 16,1 0-16,-22-21 16,21 21-16</inkml:trace>
+  <inkml:trace contextRef="#ctx0" brushRef="#br0" timeOffset="196180.86">487 13674 0,'-21'0'16,"-1"0"-16,1 0 16,0-21-16,0 21 15,0 0-15,0 0 16,-1-22-16,1 22 16,21 22 46,0-1-62,0 0 16,21 21-16,1-21 0,-22 22 15,21-22-15,-21 21 0,21 1 0,-21-22 16,0 21-16,21 0 0,-21-20 16,21 20-16,-21-21 0,0 21 0,0-20 15,0-1-15,21 0 0,-21 0 16,0 0-16,22-21 0,-22 21 15,0-42 17,0 0-17,0 0-15,0 0 0,0 0 16,0-22-16,0 22 0,-22 0 16,22-21-16,-21 20 0,21-20 15,-21 0-15,21 21 0,0-22 16,0 22-16,0 0 0,-21-21 0,21 20 15,0 1-15,0 0 16,0 42 15,0 0-31,21 22 0,-21-22 0,0 21 16,0-21-16,0 22 0,0-1 16,0-21-16,0 22 0,0-1 15,0-21-15,0 21 0,0-20 16,0 20-16,0-21 0,0 0 15,0 0-15,0 1 0,0-1 16,0 0 0,0 0 15,21-21-15,0 0 30,-21 21-30,22-21 15,-1 0-15,0 0-16,0 0 16,0 0-16,0-21 0,22 0 15,-22 21-15,21-21 0,1 0 0,-1-1 16,21-20-16,1 21 0,-22-21 15,22 20-15,20-20 0,-20 0 0,21-1 16,-22 22-16,22-21 0,-1 0 16,1-1-16,0 1 0,-1 21 0,1-22 15,-21 22-15,20-21 16,-20 21-16,-22 0 0,22-1 0,-22 1 16,0 0-16,1 21 0,-1-21 15,-21 21-15,0 0 0,0 0 0,1 0 16,-22-21-16,21 21 0,-42 21 62,-1-21-46,1 21-16,-21 0 0,21 0 16,-22 1-16,1-1 0,0 0 15,-22 0-15,22 0 0,-22 22 16,1-22-16,-1 21 0,1-21 0,-1 0 15,1 22-15,-1-22 0,1 21 16,-1-21-16,1 1 0,-1 20 0,1-21 16,21 0-16,-22 0 0,22 1 15,-1-1-15,1 0 0,0 0 0,-1 0 16,1 0-16,21-21 0,-21 22 16,20-22-16,1 0 0,0 0 15,42 0 48,0 0-63,1 0 0,-1-22 15,21 1-15,-21 21 0,22-21 16,-1 0-16,21 0 0,1-22 0,-22 22 16,43-21-16,-22 21 0,22-22 15,-21 1-15,20 0 0,1-1 0,-22 1 16,22 0-16,-21-1 0,20 1 15,-20 21-15,-1-21 0,1 20 0,-1-20 16,1 21-16,-22 0 0,0 21 16,1-21-16,-1-1 0,-21 22 0,0 0 15,-21 22 17,-21-22-32,0 21 15,0-21-15,0 21 0,-22 0 16,1-21-16,0 21 0,-1 0 0,1 1 15,-21-1-15,-1 21 0,1-21 16,-1 0-16,1 22 0,-1-22 0,-21 21 16,22-21-16,-22 22 0,22-22 15,-22 0-15,0 21 0,22-20 16,-22 20-16,22-21 0,-22 0 16,0 22-16,22-22 0,-22 0 0,22 21 15,-22-21-15,22 1 0,-64 20 16,63-21-16,1 0 15,20 0-15,1 1 0,0-22 0,-1 0 16,22 21-16,0-21 16,42 0 15,0-21-15,22 21-16,-22-22 0,0 22 15,21-21-15,1 0 0,-22 21 16,21-21-16,-21 21 0,0 0 0,1-21 15,-1 21-15,0 0 0,0 0 16,-21-21 0,21 21-16,0 0 15,1 0-15,-1 0 16,0 0-16,0 0 0,21 0 16,1 0-16,-1-22 0,22 22 0,-1-21 15,1 0-15,-1 0 0,22 0 16,-1 0-16,1-22 0,0 22 0,-1 0 15,1-21-15,0 20 16,-22 1-16,1 0 0,-22 0 0,0 21 16,-20-21-16,20 21 0,-42-21 0,21 21 15,0 0 1,-42 0 15,0 0-15,0 0-16,0 21 0,-1-21 0,1 0 15,0 0-15,0 0 0</inkml:trace>
+  <inkml:trace contextRef="#ctx0" brushRef="#br0" timeOffset="-93295.68">423 15579 0,'21'0'0,"1"0"15,-22-21 1,0-1-16,0 1 0,0 0 16,0 0-16,0 0 15,0 0 1,0-1 0,0 44-1,0-1 1,0 0-16,0 0 0,0 0 15,0 0-15,0 1 0,0-1 16,0 0-16,0 0 0,-22 0 0,22 0 16,-21 1-16,21-1 15,0 0-15,0 0 0,0-42 47,0 0-47,0-22 0,0 22 16,0 0-16,0-21 15,0 21-15,0-22 0,0 22 16,0-21-16,0 21 0,0-1 0,0 1 16,0 0-16,0 0 0,0 0 15,0 42 17,0 0-32,0 0 15,0 0-15,0 1 0,0-1 16,0 0-16,0 0 0,0 21 0,0-20 15,0-1-15,0 21 0,0-21 16,0 22-16,0-22 0,0 21 16,0-21-16,0 22 0,0-22 15,0 21-15,0-21 0,0 0 16,0 22-16,0-22 0,0 0 0,0 0 16,0 0-16,21 1 15,-21-1-15,0 0 16,0 0-16,0 0 31,22-21 47,-1 0-62,0 0-1,0 0-15,0 0 16,0 0-16,1 0 0,-1 0 16,0 0-16,0 0 15,21 0-15,-20-21 0,20 0 16,0 0-16,1 0 0,-1-1 0,21 1 16,-20 0-16,41 0 0,-20 0 15,21 0-15,-22-22 0,22 22 16,-1 0-16,1 0 0,0 0 0,-1-1 15,1 1-15,-21 0 0,20 0 16,-20 0-16,-1 21 0,1-21 16,-1-1-16,1 1 0,-1 0 0,-20 21 15,20-21-15,-21 0 0,1 21 16,-1-21-16,-21-1 0,22 22 0,-22 0 16,21-21-16,-21 21 15,0 0-15,1 0 0,-1 0 0,-21-21 16,-21 21 15,-1 21-31,1-21 16,0 21-16,-21 1 0,-1-22 15,1 21-15,-21 0 0,20 0 16,-20-21-16,-1 21 0,1 0 0,-1 1 16,-20-1-16,20 0 0,1 0 15,-22-21-15,21 21 0,-20 0 16,20 1-16,-20-22 0,-1 21 0,21 0 15,1 0-15,-22-21 0,22 21 16,20 0-16,-20-21 0,-1 22 0,22-22 16,0 21-16,-1-21 15,1 21-15,21-21 0,0 0 0,0 0 16,-1 21-16,1-21 0,0 0 16,42 0 46,0 0-62,1 0 16,-1 0-16,21 0 0,-21 0 15,22-21-15,-1 0 0,21 21 0,1-21 16,21-1-16,-22 1 0,22 0 16,-1 0-16,1 0 0,0 0 15,-1-1-15,1 22 0,0-21 16,-1 0-16,1 0 0,-21 0 15,-1 21-15,22-21 0,-22-1 0,-20 22 16,-1-21-16,0 21 0,1 0 16,-22 0-16,21-21 0,-21 21 15,-42 0 32,0 0-47,0 0 0,0 0 16,-22 21-16,22-21 0,-21 21 15,-1-21-15,1 22 0,-21-22 0,20 21 16,-20-21-16,-1 21 16,22 0-16,-22-21 0,1 21 0,-1 0 15,1-21-15,-1 22 0,1-1 16,-1-21-16,1 21 0,-1 0 0,22-21 16,-21 21-16,20 0 0,-20-21 15,20 22-15,1-22 0,0 21 16,21-21-16,-22 0 0,22 21 0,0-21 15,0 0-15,0 21 0,42-21 63,0 0-63,0 0 16,0 0-16,0 0 15,1 0-15,-1 0 0,0 0 16,-21-21-16,21 21 0,-21-21 15,21 21 1,0-21-16,1 21 16</inkml:trace>
+  <inkml:trace contextRef="#ctx0" brushRef="#br0" timeOffset="-91947.96">762 17060 0,'0'0'0,"-21"0"0,0-21 15,21 0 1,-22 0-1,22 0-15,-21 21 16,21 21 0,0 0-1,0 0-15,0 0 0,0 22 16,0-22-16,0 21 0,0 1 16,21-22-16,-21 21 0,22 0 15,-22-20-15,0 20 0,0 0 16,0-21-16,0 22 0,0-22 0,0 0 15,21 0-15,-21 0 0,0 1 16,0-1-16,0 0 16,0-42-1,0 0 1,0-1-16,0 1 0,0 0 16,-21-21-16,21 21 0,0-22 0,0 1 15,0 21-15,0-22 0,0 1 16,0 21-16,0-21 0,0 20 15,0 1-15,0-21 0,0 21 16,0 0-16,0 42 31,21 0-15,-21 0-16,21 0 0,-21 0 16,21 22-16,-21-22 0,0 21 0,0-21 15,0 22-15,0-22 0,0 64 16,0-64-16,0 21 15,0-21-15,0 0 0,0 22 0,0-22 16,0 0-16,0 0 0,0 0 16,0 1-16,0-1 0,0 0 15,0 0 17,21-21-1,0-21-31,1 0 15,-1 21-15,0-21 0,21-1 16,1 1-16,-1-21 0,0 21 0,1 0 16,20-1-16,1 1 0,-1 0 15,1 0-15,-1-21 0,22 20 0,-1 1 16,1 0-16,0-21 0,-1 21 16,1-22-16,21 22 0,-21 0 15,20 0-15,-20-22 0,21 22 16,-21 0-16,-22 0 0,1 0 15,-1 21-15,1-21 0,-22-1 0,-21 22 16,0 0-16,0 0 0,-21-21 16,22 21-16,-1 0 172,-21 21-126</inkml:trace>
 </inkml:ink>
 </file>
 
@@ -1185,7 +1824,7 @@
           <p:cNvPr id="2" name="Title 1">
             <a:extLst>
               <a:ext uri="{FF2B5EF4-FFF2-40B4-BE49-F238E27FC236}">
-                <a16:creationId xmlns:a16="http://schemas.microsoft.com/office/drawing/2014/main" id="{6543131B-667A-42B5-A917-E43735A567CA}"/>
+                <a16:creationId xmlns:a16="http://schemas.microsoft.com/office/drawing/2014/main" id="{99027833-4BC7-49AC-A789-20F7E3A24BB7}"/>
               </a:ext>
             </a:extLst>
           </p:cNvPr>
@@ -1223,7 +1862,7 @@
           <p:cNvPr id="3" name="Subtitle 2">
             <a:extLst>
               <a:ext uri="{FF2B5EF4-FFF2-40B4-BE49-F238E27FC236}">
-                <a16:creationId xmlns:a16="http://schemas.microsoft.com/office/drawing/2014/main" id="{F324E845-B2A0-449B-9021-BDD5A9896A75}"/>
+                <a16:creationId xmlns:a16="http://schemas.microsoft.com/office/drawing/2014/main" id="{58844779-5B37-4DA7-BCE5-C380D3060825}"/>
               </a:ext>
             </a:extLst>
           </p:cNvPr>
@@ -1294,7 +1933,7 @@
           <p:cNvPr id="4" name="Date Placeholder 3">
             <a:extLst>
               <a:ext uri="{FF2B5EF4-FFF2-40B4-BE49-F238E27FC236}">
-                <a16:creationId xmlns:a16="http://schemas.microsoft.com/office/drawing/2014/main" id="{0DCE37E0-6E72-47F0-8ABE-B0F0841FEC2C}"/>
+                <a16:creationId xmlns:a16="http://schemas.microsoft.com/office/drawing/2014/main" id="{D42AB72A-CD43-45AF-A674-D95AC4FD7D2C}"/>
               </a:ext>
             </a:extLst>
           </p:cNvPr>
@@ -1310,9 +1949,9 @@
           <a:bodyPr/>
           <a:lstStyle/>
           <a:p>
-            <a:fld id="{E9BBFBE6-D06F-43AB-AB41-7A6020824E22}" type="datetimeFigureOut">
+            <a:fld id="{E1E689BE-542B-4373-926A-5C75531BA5D7}" type="datetimeFigureOut">
               <a:rPr lang="en-IN" smtClean="0"/>
-              <a:t>02-02-2021</a:t>
+              <a:t>03-02-2021</a:t>
             </a:fld>
             <a:endParaRPr lang="en-IN"/>
           </a:p>
@@ -1323,7 +1962,7 @@
           <p:cNvPr id="5" name="Footer Placeholder 4">
             <a:extLst>
               <a:ext uri="{FF2B5EF4-FFF2-40B4-BE49-F238E27FC236}">
-                <a16:creationId xmlns:a16="http://schemas.microsoft.com/office/drawing/2014/main" id="{21DE5CED-B8AC-4A10-88E1-399A04428C79}"/>
+                <a16:creationId xmlns:a16="http://schemas.microsoft.com/office/drawing/2014/main" id="{233F9515-99E0-4AE0-89A2-9B9E492A2DE4}"/>
               </a:ext>
             </a:extLst>
           </p:cNvPr>
@@ -1348,7 +1987,7 @@
           <p:cNvPr id="6" name="Slide Number Placeholder 5">
             <a:extLst>
               <a:ext uri="{FF2B5EF4-FFF2-40B4-BE49-F238E27FC236}">
-                <a16:creationId xmlns:a16="http://schemas.microsoft.com/office/drawing/2014/main" id="{50D7C156-755D-46B0-9E90-E1ECDAD6BCC0}"/>
+                <a16:creationId xmlns:a16="http://schemas.microsoft.com/office/drawing/2014/main" id="{88A397F2-1E6B-43B9-B789-D218408CBE6A}"/>
               </a:ext>
             </a:extLst>
           </p:cNvPr>
@@ -1364,7 +2003,7 @@
           <a:bodyPr/>
           <a:lstStyle/>
           <a:p>
-            <a:fld id="{67A181CE-E2F1-4BD4-903B-6EA4083536A9}" type="slidenum">
+            <a:fld id="{9202E25D-4BCF-4DCB-A664-9D592B2CA22F}" type="slidenum">
               <a:rPr lang="en-IN" smtClean="0"/>
               <a:t>‹#›</a:t>
             </a:fld>
@@ -1375,7 +2014,7 @@
     </p:spTree>
     <p:extLst>
       <p:ext uri="{BB962C8B-B14F-4D97-AF65-F5344CB8AC3E}">
-        <p14:creationId xmlns:p14="http://schemas.microsoft.com/office/powerpoint/2010/main" val="3778984766"/>
+        <p14:creationId xmlns:p14="http://schemas.microsoft.com/office/powerpoint/2010/main" val="3620253714"/>
       </p:ext>
     </p:extLst>
   </p:cSld>
@@ -1407,7 +2046,7 @@
           <p:cNvPr id="2" name="Title 1">
             <a:extLst>
               <a:ext uri="{FF2B5EF4-FFF2-40B4-BE49-F238E27FC236}">
-                <a16:creationId xmlns:a16="http://schemas.microsoft.com/office/drawing/2014/main" id="{88F34949-74B6-44FF-9619-3D592AA03358}"/>
+                <a16:creationId xmlns:a16="http://schemas.microsoft.com/office/drawing/2014/main" id="{5F50A35C-C8E5-4290-A936-FBEF25DCD8BC}"/>
               </a:ext>
             </a:extLst>
           </p:cNvPr>
@@ -1436,7 +2075,7 @@
           <p:cNvPr id="3" name="Vertical Text Placeholder 2">
             <a:extLst>
               <a:ext uri="{FF2B5EF4-FFF2-40B4-BE49-F238E27FC236}">
-                <a16:creationId xmlns:a16="http://schemas.microsoft.com/office/drawing/2014/main" id="{1B6A8B66-C928-47E0-A8BA-9C8515C06410}"/>
+                <a16:creationId xmlns:a16="http://schemas.microsoft.com/office/drawing/2014/main" id="{348F6EB5-1664-4D26-81BA-0F5A87FA5650}"/>
               </a:ext>
             </a:extLst>
           </p:cNvPr>
@@ -1494,7 +2133,7 @@
           <p:cNvPr id="4" name="Date Placeholder 3">
             <a:extLst>
               <a:ext uri="{FF2B5EF4-FFF2-40B4-BE49-F238E27FC236}">
-                <a16:creationId xmlns:a16="http://schemas.microsoft.com/office/drawing/2014/main" id="{28788531-7CEE-4309-BB88-DB333381ED33}"/>
+                <a16:creationId xmlns:a16="http://schemas.microsoft.com/office/drawing/2014/main" id="{FADF70B3-06F9-4494-A448-10E00AB04561}"/>
               </a:ext>
             </a:extLst>
           </p:cNvPr>
@@ -1510,9 +2149,9 @@
           <a:bodyPr/>
           <a:lstStyle/>
           <a:p>
-            <a:fld id="{E9BBFBE6-D06F-43AB-AB41-7A6020824E22}" type="datetimeFigureOut">
+            <a:fld id="{E1E689BE-542B-4373-926A-5C75531BA5D7}" type="datetimeFigureOut">
               <a:rPr lang="en-IN" smtClean="0"/>
-              <a:t>02-02-2021</a:t>
+              <a:t>03-02-2021</a:t>
             </a:fld>
             <a:endParaRPr lang="en-IN"/>
           </a:p>
@@ -1523,7 +2162,7 @@
           <p:cNvPr id="5" name="Footer Placeholder 4">
             <a:extLst>
               <a:ext uri="{FF2B5EF4-FFF2-40B4-BE49-F238E27FC236}">
-                <a16:creationId xmlns:a16="http://schemas.microsoft.com/office/drawing/2014/main" id="{32A47331-1DCF-4189-B033-719B362A756E}"/>
+                <a16:creationId xmlns:a16="http://schemas.microsoft.com/office/drawing/2014/main" id="{32327AD6-8EB9-448D-9620-593D6D0026DC}"/>
               </a:ext>
             </a:extLst>
           </p:cNvPr>
@@ -1548,7 +2187,7 @@
           <p:cNvPr id="6" name="Slide Number Placeholder 5">
             <a:extLst>
               <a:ext uri="{FF2B5EF4-FFF2-40B4-BE49-F238E27FC236}">
-                <a16:creationId xmlns:a16="http://schemas.microsoft.com/office/drawing/2014/main" id="{713B2479-0599-4735-910C-89AFB37A4755}"/>
+                <a16:creationId xmlns:a16="http://schemas.microsoft.com/office/drawing/2014/main" id="{67BD702D-4F9E-4A73-AC92-5C0B98E09F4F}"/>
               </a:ext>
             </a:extLst>
           </p:cNvPr>
@@ -1564,7 +2203,7 @@
           <a:bodyPr/>
           <a:lstStyle/>
           <a:p>
-            <a:fld id="{67A181CE-E2F1-4BD4-903B-6EA4083536A9}" type="slidenum">
+            <a:fld id="{9202E25D-4BCF-4DCB-A664-9D592B2CA22F}" type="slidenum">
               <a:rPr lang="en-IN" smtClean="0"/>
               <a:t>‹#›</a:t>
             </a:fld>
@@ -1575,7 +2214,7 @@
     </p:spTree>
     <p:extLst>
       <p:ext uri="{BB962C8B-B14F-4D97-AF65-F5344CB8AC3E}">
-        <p14:creationId xmlns:p14="http://schemas.microsoft.com/office/powerpoint/2010/main" val="1584883437"/>
+        <p14:creationId xmlns:p14="http://schemas.microsoft.com/office/powerpoint/2010/main" val="899378957"/>
       </p:ext>
     </p:extLst>
   </p:cSld>
@@ -1607,7 +2246,7 @@
           <p:cNvPr id="2" name="Vertical Title 1">
             <a:extLst>
               <a:ext uri="{FF2B5EF4-FFF2-40B4-BE49-F238E27FC236}">
-                <a16:creationId xmlns:a16="http://schemas.microsoft.com/office/drawing/2014/main" id="{C8185620-A49C-426D-AB5F-380D1591F532}"/>
+                <a16:creationId xmlns:a16="http://schemas.microsoft.com/office/drawing/2014/main" id="{1AAB59E9-8597-4DDA-88CE-CEC1479B8A46}"/>
               </a:ext>
             </a:extLst>
           </p:cNvPr>
@@ -1641,7 +2280,7 @@
           <p:cNvPr id="3" name="Vertical Text Placeholder 2">
             <a:extLst>
               <a:ext uri="{FF2B5EF4-FFF2-40B4-BE49-F238E27FC236}">
-                <a16:creationId xmlns:a16="http://schemas.microsoft.com/office/drawing/2014/main" id="{809C4405-F43F-4E45-9BFE-895D14ED895F}"/>
+                <a16:creationId xmlns:a16="http://schemas.microsoft.com/office/drawing/2014/main" id="{48D9B398-AB2E-4A84-ADA2-7BD10F1BAA78}"/>
               </a:ext>
             </a:extLst>
           </p:cNvPr>
@@ -1704,7 +2343,7 @@
           <p:cNvPr id="4" name="Date Placeholder 3">
             <a:extLst>
               <a:ext uri="{FF2B5EF4-FFF2-40B4-BE49-F238E27FC236}">
-                <a16:creationId xmlns:a16="http://schemas.microsoft.com/office/drawing/2014/main" id="{F3BD46A2-24A4-453F-97B1-CDC4B0AD95D8}"/>
+                <a16:creationId xmlns:a16="http://schemas.microsoft.com/office/drawing/2014/main" id="{C1EF9486-6A62-49A0-8B9E-C73F49EA6FEB}"/>
               </a:ext>
             </a:extLst>
           </p:cNvPr>
@@ -1720,9 +2359,9 @@
           <a:bodyPr/>
           <a:lstStyle/>
           <a:p>
-            <a:fld id="{E9BBFBE6-D06F-43AB-AB41-7A6020824E22}" type="datetimeFigureOut">
+            <a:fld id="{E1E689BE-542B-4373-926A-5C75531BA5D7}" type="datetimeFigureOut">
               <a:rPr lang="en-IN" smtClean="0"/>
-              <a:t>02-02-2021</a:t>
+              <a:t>03-02-2021</a:t>
             </a:fld>
             <a:endParaRPr lang="en-IN"/>
           </a:p>
@@ -1733,7 +2372,7 @@
           <p:cNvPr id="5" name="Footer Placeholder 4">
             <a:extLst>
               <a:ext uri="{FF2B5EF4-FFF2-40B4-BE49-F238E27FC236}">
-                <a16:creationId xmlns:a16="http://schemas.microsoft.com/office/drawing/2014/main" id="{185E3DC4-D80D-40E4-8B63-35954D110268}"/>
+                <a16:creationId xmlns:a16="http://schemas.microsoft.com/office/drawing/2014/main" id="{8F467A79-8B56-47AA-B562-7696B18C4A4D}"/>
               </a:ext>
             </a:extLst>
           </p:cNvPr>
@@ -1758,7 +2397,7 @@
           <p:cNvPr id="6" name="Slide Number Placeholder 5">
             <a:extLst>
               <a:ext uri="{FF2B5EF4-FFF2-40B4-BE49-F238E27FC236}">
-                <a16:creationId xmlns:a16="http://schemas.microsoft.com/office/drawing/2014/main" id="{D0572996-B8A1-4AA5-A8D5-E2A35E5EBD12}"/>
+                <a16:creationId xmlns:a16="http://schemas.microsoft.com/office/drawing/2014/main" id="{64F432C3-26A3-4B88-98F6-C737D82607D2}"/>
               </a:ext>
             </a:extLst>
           </p:cNvPr>
@@ -1774,7 +2413,7 @@
           <a:bodyPr/>
           <a:lstStyle/>
           <a:p>
-            <a:fld id="{67A181CE-E2F1-4BD4-903B-6EA4083536A9}" type="slidenum">
+            <a:fld id="{9202E25D-4BCF-4DCB-A664-9D592B2CA22F}" type="slidenum">
               <a:rPr lang="en-IN" smtClean="0"/>
               <a:t>‹#›</a:t>
             </a:fld>
@@ -1785,7 +2424,7 @@
     </p:spTree>
     <p:extLst>
       <p:ext uri="{BB962C8B-B14F-4D97-AF65-F5344CB8AC3E}">
-        <p14:creationId xmlns:p14="http://schemas.microsoft.com/office/powerpoint/2010/main" val="3970827500"/>
+        <p14:creationId xmlns:p14="http://schemas.microsoft.com/office/powerpoint/2010/main" val="3591304584"/>
       </p:ext>
     </p:extLst>
   </p:cSld>
@@ -1817,7 +2456,7 @@
           <p:cNvPr id="2" name="Title 1">
             <a:extLst>
               <a:ext uri="{FF2B5EF4-FFF2-40B4-BE49-F238E27FC236}">
-                <a16:creationId xmlns:a16="http://schemas.microsoft.com/office/drawing/2014/main" id="{F2C81F94-6C27-4E36-B258-3212026DC564}"/>
+                <a16:creationId xmlns:a16="http://schemas.microsoft.com/office/drawing/2014/main" id="{DCF25121-11BB-4BCF-B5EF-BA824A95DADD}"/>
               </a:ext>
             </a:extLst>
           </p:cNvPr>
@@ -1846,7 +2485,7 @@
           <p:cNvPr id="3" name="Content Placeholder 2">
             <a:extLst>
               <a:ext uri="{FF2B5EF4-FFF2-40B4-BE49-F238E27FC236}">
-                <a16:creationId xmlns:a16="http://schemas.microsoft.com/office/drawing/2014/main" id="{D3C0F331-2101-4726-9B27-C59DCC998023}"/>
+                <a16:creationId xmlns:a16="http://schemas.microsoft.com/office/drawing/2014/main" id="{35D2DADF-04BB-446D-8F8B-8A41F243F7B0}"/>
               </a:ext>
             </a:extLst>
           </p:cNvPr>
@@ -1904,7 +2543,7 @@
           <p:cNvPr id="4" name="Date Placeholder 3">
             <a:extLst>
               <a:ext uri="{FF2B5EF4-FFF2-40B4-BE49-F238E27FC236}">
-                <a16:creationId xmlns:a16="http://schemas.microsoft.com/office/drawing/2014/main" id="{8E8C291C-0298-4D74-BC04-AE3F8A42C70B}"/>
+                <a16:creationId xmlns:a16="http://schemas.microsoft.com/office/drawing/2014/main" id="{7E1D80A8-0A5D-4179-BF2B-29B31BC1EE6F}"/>
               </a:ext>
             </a:extLst>
           </p:cNvPr>
@@ -1920,9 +2559,9 @@
           <a:bodyPr/>
           <a:lstStyle/>
           <a:p>
-            <a:fld id="{E9BBFBE6-D06F-43AB-AB41-7A6020824E22}" type="datetimeFigureOut">
+            <a:fld id="{E1E689BE-542B-4373-926A-5C75531BA5D7}" type="datetimeFigureOut">
               <a:rPr lang="en-IN" smtClean="0"/>
-              <a:t>02-02-2021</a:t>
+              <a:t>03-02-2021</a:t>
             </a:fld>
             <a:endParaRPr lang="en-IN"/>
           </a:p>
@@ -1933,7 +2572,7 @@
           <p:cNvPr id="5" name="Footer Placeholder 4">
             <a:extLst>
               <a:ext uri="{FF2B5EF4-FFF2-40B4-BE49-F238E27FC236}">
-                <a16:creationId xmlns:a16="http://schemas.microsoft.com/office/drawing/2014/main" id="{0E87326F-200F-4C94-8054-2B273EF85CED}"/>
+                <a16:creationId xmlns:a16="http://schemas.microsoft.com/office/drawing/2014/main" id="{9B5A1306-8D62-413D-BDDF-2338EC906E14}"/>
               </a:ext>
             </a:extLst>
           </p:cNvPr>
@@ -1958,7 +2597,7 @@
           <p:cNvPr id="6" name="Slide Number Placeholder 5">
             <a:extLst>
               <a:ext uri="{FF2B5EF4-FFF2-40B4-BE49-F238E27FC236}">
-                <a16:creationId xmlns:a16="http://schemas.microsoft.com/office/drawing/2014/main" id="{021B707B-E583-43AB-9C78-A59F9292E869}"/>
+                <a16:creationId xmlns:a16="http://schemas.microsoft.com/office/drawing/2014/main" id="{17745311-C70E-4BCE-9501-87009A437121}"/>
               </a:ext>
             </a:extLst>
           </p:cNvPr>
@@ -1974,7 +2613,7 @@
           <a:bodyPr/>
           <a:lstStyle/>
           <a:p>
-            <a:fld id="{67A181CE-E2F1-4BD4-903B-6EA4083536A9}" type="slidenum">
+            <a:fld id="{9202E25D-4BCF-4DCB-A664-9D592B2CA22F}" type="slidenum">
               <a:rPr lang="en-IN" smtClean="0"/>
               <a:t>‹#›</a:t>
             </a:fld>
@@ -1985,7 +2624,7 @@
     </p:spTree>
     <p:extLst>
       <p:ext uri="{BB962C8B-B14F-4D97-AF65-F5344CB8AC3E}">
-        <p14:creationId xmlns:p14="http://schemas.microsoft.com/office/powerpoint/2010/main" val="1316467182"/>
+        <p14:creationId xmlns:p14="http://schemas.microsoft.com/office/powerpoint/2010/main" val="2597216944"/>
       </p:ext>
     </p:extLst>
   </p:cSld>
@@ -2017,7 +2656,7 @@
           <p:cNvPr id="2" name="Title 1">
             <a:extLst>
               <a:ext uri="{FF2B5EF4-FFF2-40B4-BE49-F238E27FC236}">
-                <a16:creationId xmlns:a16="http://schemas.microsoft.com/office/drawing/2014/main" id="{88E1B130-6703-4F0B-9053-B3D76F7A4BFC}"/>
+                <a16:creationId xmlns:a16="http://schemas.microsoft.com/office/drawing/2014/main" id="{4212D0F6-E97F-4DE4-966A-FF435AFEE204}"/>
               </a:ext>
             </a:extLst>
           </p:cNvPr>
@@ -2055,7 +2694,7 @@
           <p:cNvPr id="3" name="Text Placeholder 2">
             <a:extLst>
               <a:ext uri="{FF2B5EF4-FFF2-40B4-BE49-F238E27FC236}">
-                <a16:creationId xmlns:a16="http://schemas.microsoft.com/office/drawing/2014/main" id="{408CB034-7125-492D-891E-EC63369BB5A6}"/>
+                <a16:creationId xmlns:a16="http://schemas.microsoft.com/office/drawing/2014/main" id="{09B00D1F-5C26-4D6A-B451-38AE2974BBD2}"/>
               </a:ext>
             </a:extLst>
           </p:cNvPr>
@@ -2180,7 +2819,7 @@
           <p:cNvPr id="4" name="Date Placeholder 3">
             <a:extLst>
               <a:ext uri="{FF2B5EF4-FFF2-40B4-BE49-F238E27FC236}">
-                <a16:creationId xmlns:a16="http://schemas.microsoft.com/office/drawing/2014/main" id="{07261DC8-770F-403F-A68E-651DD5E6B7FD}"/>
+                <a16:creationId xmlns:a16="http://schemas.microsoft.com/office/drawing/2014/main" id="{82F6A35D-BF1A-4909-922F-3C95A1BD852A}"/>
               </a:ext>
             </a:extLst>
           </p:cNvPr>
@@ -2196,9 +2835,9 @@
           <a:bodyPr/>
           <a:lstStyle/>
           <a:p>
-            <a:fld id="{E9BBFBE6-D06F-43AB-AB41-7A6020824E22}" type="datetimeFigureOut">
+            <a:fld id="{E1E689BE-542B-4373-926A-5C75531BA5D7}" type="datetimeFigureOut">
               <a:rPr lang="en-IN" smtClean="0"/>
-              <a:t>02-02-2021</a:t>
+              <a:t>03-02-2021</a:t>
             </a:fld>
             <a:endParaRPr lang="en-IN"/>
           </a:p>
@@ -2209,7 +2848,7 @@
           <p:cNvPr id="5" name="Footer Placeholder 4">
             <a:extLst>
               <a:ext uri="{FF2B5EF4-FFF2-40B4-BE49-F238E27FC236}">
-                <a16:creationId xmlns:a16="http://schemas.microsoft.com/office/drawing/2014/main" id="{91B36C32-2D37-481F-A827-74031BBE026A}"/>
+                <a16:creationId xmlns:a16="http://schemas.microsoft.com/office/drawing/2014/main" id="{C52FB536-D73E-4D81-A49D-9A13D9F8292A}"/>
               </a:ext>
             </a:extLst>
           </p:cNvPr>
@@ -2234,7 +2873,7 @@
           <p:cNvPr id="6" name="Slide Number Placeholder 5">
             <a:extLst>
               <a:ext uri="{FF2B5EF4-FFF2-40B4-BE49-F238E27FC236}">
-                <a16:creationId xmlns:a16="http://schemas.microsoft.com/office/drawing/2014/main" id="{9C7D76DE-C3C3-40E6-96B1-3F7CDCD05A24}"/>
+                <a16:creationId xmlns:a16="http://schemas.microsoft.com/office/drawing/2014/main" id="{BD70F212-DE63-4AB2-89A4-F6614FCD6FC4}"/>
               </a:ext>
             </a:extLst>
           </p:cNvPr>
@@ -2250,7 +2889,7 @@
           <a:bodyPr/>
           <a:lstStyle/>
           <a:p>
-            <a:fld id="{67A181CE-E2F1-4BD4-903B-6EA4083536A9}" type="slidenum">
+            <a:fld id="{9202E25D-4BCF-4DCB-A664-9D592B2CA22F}" type="slidenum">
               <a:rPr lang="en-IN" smtClean="0"/>
               <a:t>‹#›</a:t>
             </a:fld>
@@ -2261,7 +2900,7 @@
     </p:spTree>
     <p:extLst>
       <p:ext uri="{BB962C8B-B14F-4D97-AF65-F5344CB8AC3E}">
-        <p14:creationId xmlns:p14="http://schemas.microsoft.com/office/powerpoint/2010/main" val="3613018909"/>
+        <p14:creationId xmlns:p14="http://schemas.microsoft.com/office/powerpoint/2010/main" val="3281456156"/>
       </p:ext>
     </p:extLst>
   </p:cSld>
@@ -2293,7 +2932,7 @@
           <p:cNvPr id="2" name="Title 1">
             <a:extLst>
               <a:ext uri="{FF2B5EF4-FFF2-40B4-BE49-F238E27FC236}">
-                <a16:creationId xmlns:a16="http://schemas.microsoft.com/office/drawing/2014/main" id="{1774BD70-BEE2-4269-9D1E-75525E1DA18D}"/>
+                <a16:creationId xmlns:a16="http://schemas.microsoft.com/office/drawing/2014/main" id="{AD9DCBBA-4AFF-4E0F-B8B7-37BD1EAAA013}"/>
               </a:ext>
             </a:extLst>
           </p:cNvPr>
@@ -2322,7 +2961,7 @@
           <p:cNvPr id="3" name="Content Placeholder 2">
             <a:extLst>
               <a:ext uri="{FF2B5EF4-FFF2-40B4-BE49-F238E27FC236}">
-                <a16:creationId xmlns:a16="http://schemas.microsoft.com/office/drawing/2014/main" id="{D7B45BEB-C74D-4544-ACB7-7BACEFC0BD44}"/>
+                <a16:creationId xmlns:a16="http://schemas.microsoft.com/office/drawing/2014/main" id="{41695CC4-0D00-431B-9706-68E51AED647E}"/>
               </a:ext>
             </a:extLst>
           </p:cNvPr>
@@ -2385,7 +3024,7 @@
           <p:cNvPr id="4" name="Content Placeholder 3">
             <a:extLst>
               <a:ext uri="{FF2B5EF4-FFF2-40B4-BE49-F238E27FC236}">
-                <a16:creationId xmlns:a16="http://schemas.microsoft.com/office/drawing/2014/main" id="{9EDCE242-8FF5-4C7F-8714-82ADEC4060D6}"/>
+                <a16:creationId xmlns:a16="http://schemas.microsoft.com/office/drawing/2014/main" id="{E94A8228-857A-42A1-84CB-DAF918DDA4A5}"/>
               </a:ext>
             </a:extLst>
           </p:cNvPr>
@@ -2448,7 +3087,7 @@
           <p:cNvPr id="5" name="Date Placeholder 4">
             <a:extLst>
               <a:ext uri="{FF2B5EF4-FFF2-40B4-BE49-F238E27FC236}">
-                <a16:creationId xmlns:a16="http://schemas.microsoft.com/office/drawing/2014/main" id="{CC671164-CD3A-4FCD-9CAE-CE5ED70312C3}"/>
+                <a16:creationId xmlns:a16="http://schemas.microsoft.com/office/drawing/2014/main" id="{643FB516-5B69-4477-8770-E219B9ABAEFB}"/>
               </a:ext>
             </a:extLst>
           </p:cNvPr>
@@ -2464,9 +3103,9 @@
           <a:bodyPr/>
           <a:lstStyle/>
           <a:p>
-            <a:fld id="{E9BBFBE6-D06F-43AB-AB41-7A6020824E22}" type="datetimeFigureOut">
+            <a:fld id="{E1E689BE-542B-4373-926A-5C75531BA5D7}" type="datetimeFigureOut">
               <a:rPr lang="en-IN" smtClean="0"/>
-              <a:t>02-02-2021</a:t>
+              <a:t>03-02-2021</a:t>
             </a:fld>
             <a:endParaRPr lang="en-IN"/>
           </a:p>
@@ -2477,7 +3116,7 @@
           <p:cNvPr id="6" name="Footer Placeholder 5">
             <a:extLst>
               <a:ext uri="{FF2B5EF4-FFF2-40B4-BE49-F238E27FC236}">
-                <a16:creationId xmlns:a16="http://schemas.microsoft.com/office/drawing/2014/main" id="{F2882705-BE06-4DBE-A301-F5DE8289E7CD}"/>
+                <a16:creationId xmlns:a16="http://schemas.microsoft.com/office/drawing/2014/main" id="{A7011E41-AA14-4851-BC9A-85A183891325}"/>
               </a:ext>
             </a:extLst>
           </p:cNvPr>
@@ -2502,7 +3141,7 @@
           <p:cNvPr id="7" name="Slide Number Placeholder 6">
             <a:extLst>
               <a:ext uri="{FF2B5EF4-FFF2-40B4-BE49-F238E27FC236}">
-                <a16:creationId xmlns:a16="http://schemas.microsoft.com/office/drawing/2014/main" id="{46680573-C8CF-4709-9E14-4D54FC31E0B1}"/>
+                <a16:creationId xmlns:a16="http://schemas.microsoft.com/office/drawing/2014/main" id="{2EDEAC92-25DC-4FBC-B02D-587A9562AE2A}"/>
               </a:ext>
             </a:extLst>
           </p:cNvPr>
@@ -2518,7 +3157,7 @@
           <a:bodyPr/>
           <a:lstStyle/>
           <a:p>
-            <a:fld id="{67A181CE-E2F1-4BD4-903B-6EA4083536A9}" type="slidenum">
+            <a:fld id="{9202E25D-4BCF-4DCB-A664-9D592B2CA22F}" type="slidenum">
               <a:rPr lang="en-IN" smtClean="0"/>
               <a:t>‹#›</a:t>
             </a:fld>
@@ -2529,7 +3168,7 @@
     </p:spTree>
     <p:extLst>
       <p:ext uri="{BB962C8B-B14F-4D97-AF65-F5344CB8AC3E}">
-        <p14:creationId xmlns:p14="http://schemas.microsoft.com/office/powerpoint/2010/main" val="585204439"/>
+        <p14:creationId xmlns:p14="http://schemas.microsoft.com/office/powerpoint/2010/main" val="245554768"/>
       </p:ext>
     </p:extLst>
   </p:cSld>
@@ -2561,7 +3200,7 @@
           <p:cNvPr id="2" name="Title 1">
             <a:extLst>
               <a:ext uri="{FF2B5EF4-FFF2-40B4-BE49-F238E27FC236}">
-                <a16:creationId xmlns:a16="http://schemas.microsoft.com/office/drawing/2014/main" id="{17AF883F-30F8-41F6-85DF-4449186D465E}"/>
+                <a16:creationId xmlns:a16="http://schemas.microsoft.com/office/drawing/2014/main" id="{02A158C1-0A0F-4148-BE64-3E2D9F245F0E}"/>
               </a:ext>
             </a:extLst>
           </p:cNvPr>
@@ -2595,7 +3234,7 @@
           <p:cNvPr id="3" name="Text Placeholder 2">
             <a:extLst>
               <a:ext uri="{FF2B5EF4-FFF2-40B4-BE49-F238E27FC236}">
-                <a16:creationId xmlns:a16="http://schemas.microsoft.com/office/drawing/2014/main" id="{DF48E79D-355A-46E4-A3A9-681361CE5409}"/>
+                <a16:creationId xmlns:a16="http://schemas.microsoft.com/office/drawing/2014/main" id="{D06715EF-F9D7-4F27-9B05-5856AA499844}"/>
               </a:ext>
             </a:extLst>
           </p:cNvPr>
@@ -2666,7 +3305,7 @@
           <p:cNvPr id="4" name="Content Placeholder 3">
             <a:extLst>
               <a:ext uri="{FF2B5EF4-FFF2-40B4-BE49-F238E27FC236}">
-                <a16:creationId xmlns:a16="http://schemas.microsoft.com/office/drawing/2014/main" id="{4A745E33-31A8-4419-B061-60E346ADFD84}"/>
+                <a16:creationId xmlns:a16="http://schemas.microsoft.com/office/drawing/2014/main" id="{1D9F90C6-85C6-47B0-84AB-E40974B040DB}"/>
               </a:ext>
             </a:extLst>
           </p:cNvPr>
@@ -2729,7 +3368,7 @@
           <p:cNvPr id="5" name="Text Placeholder 4">
             <a:extLst>
               <a:ext uri="{FF2B5EF4-FFF2-40B4-BE49-F238E27FC236}">
-                <a16:creationId xmlns:a16="http://schemas.microsoft.com/office/drawing/2014/main" id="{33B25DC7-B4C5-4B4A-AEF8-C1FFBE28BA34}"/>
+                <a16:creationId xmlns:a16="http://schemas.microsoft.com/office/drawing/2014/main" id="{5249F459-9B81-4943-92A9-198EE053AF15}"/>
               </a:ext>
             </a:extLst>
           </p:cNvPr>
@@ -2800,7 +3439,7 @@
           <p:cNvPr id="6" name="Content Placeholder 5">
             <a:extLst>
               <a:ext uri="{FF2B5EF4-FFF2-40B4-BE49-F238E27FC236}">
-                <a16:creationId xmlns:a16="http://schemas.microsoft.com/office/drawing/2014/main" id="{798E3227-C417-4EE3-BA22-B9E5E1BD185B}"/>
+                <a16:creationId xmlns:a16="http://schemas.microsoft.com/office/drawing/2014/main" id="{93013B62-CDAB-49F5-9601-EAE51DFC31A2}"/>
               </a:ext>
             </a:extLst>
           </p:cNvPr>
@@ -2863,7 +3502,7 @@
           <p:cNvPr id="7" name="Date Placeholder 6">
             <a:extLst>
               <a:ext uri="{FF2B5EF4-FFF2-40B4-BE49-F238E27FC236}">
-                <a16:creationId xmlns:a16="http://schemas.microsoft.com/office/drawing/2014/main" id="{FCAC784A-0C6A-4924-9130-9F1FB7AB3E95}"/>
+                <a16:creationId xmlns:a16="http://schemas.microsoft.com/office/drawing/2014/main" id="{0738B9A8-0676-4FAB-B556-F12BA15C7892}"/>
               </a:ext>
             </a:extLst>
           </p:cNvPr>
@@ -2879,9 +3518,9 @@
           <a:bodyPr/>
           <a:lstStyle/>
           <a:p>
-            <a:fld id="{E9BBFBE6-D06F-43AB-AB41-7A6020824E22}" type="datetimeFigureOut">
+            <a:fld id="{E1E689BE-542B-4373-926A-5C75531BA5D7}" type="datetimeFigureOut">
               <a:rPr lang="en-IN" smtClean="0"/>
-              <a:t>02-02-2021</a:t>
+              <a:t>03-02-2021</a:t>
             </a:fld>
             <a:endParaRPr lang="en-IN"/>
           </a:p>
@@ -2892,7 +3531,7 @@
           <p:cNvPr id="8" name="Footer Placeholder 7">
             <a:extLst>
               <a:ext uri="{FF2B5EF4-FFF2-40B4-BE49-F238E27FC236}">
-                <a16:creationId xmlns:a16="http://schemas.microsoft.com/office/drawing/2014/main" id="{0A7FF21A-3A61-43B1-8A55-E6E9557FB178}"/>
+                <a16:creationId xmlns:a16="http://schemas.microsoft.com/office/drawing/2014/main" id="{73E1559B-947A-425B-9352-B6B782EFEF8B}"/>
               </a:ext>
             </a:extLst>
           </p:cNvPr>
@@ -2917,7 +3556,7 @@
           <p:cNvPr id="9" name="Slide Number Placeholder 8">
             <a:extLst>
               <a:ext uri="{FF2B5EF4-FFF2-40B4-BE49-F238E27FC236}">
-                <a16:creationId xmlns:a16="http://schemas.microsoft.com/office/drawing/2014/main" id="{DA5EE660-7478-49E6-8BA1-81D3EEAEAE3F}"/>
+                <a16:creationId xmlns:a16="http://schemas.microsoft.com/office/drawing/2014/main" id="{5CFA355E-33F5-41B5-9E03-2382849ED157}"/>
               </a:ext>
             </a:extLst>
           </p:cNvPr>
@@ -2933,7 +3572,7 @@
           <a:bodyPr/>
           <a:lstStyle/>
           <a:p>
-            <a:fld id="{67A181CE-E2F1-4BD4-903B-6EA4083536A9}" type="slidenum">
+            <a:fld id="{9202E25D-4BCF-4DCB-A664-9D592B2CA22F}" type="slidenum">
               <a:rPr lang="en-IN" smtClean="0"/>
               <a:t>‹#›</a:t>
             </a:fld>
@@ -2944,7 +3583,7 @@
     </p:spTree>
     <p:extLst>
       <p:ext uri="{BB962C8B-B14F-4D97-AF65-F5344CB8AC3E}">
-        <p14:creationId xmlns:p14="http://schemas.microsoft.com/office/powerpoint/2010/main" val="3840588636"/>
+        <p14:creationId xmlns:p14="http://schemas.microsoft.com/office/powerpoint/2010/main" val="245367893"/>
       </p:ext>
     </p:extLst>
   </p:cSld>
@@ -2976,7 +3615,7 @@
           <p:cNvPr id="2" name="Title 1">
             <a:extLst>
               <a:ext uri="{FF2B5EF4-FFF2-40B4-BE49-F238E27FC236}">
-                <a16:creationId xmlns:a16="http://schemas.microsoft.com/office/drawing/2014/main" id="{42E65AE8-DA8C-410F-AFAD-273739C9F8C3}"/>
+                <a16:creationId xmlns:a16="http://schemas.microsoft.com/office/drawing/2014/main" id="{E4BA23BB-A92F-4086-8A9A-FF13293580EB}"/>
               </a:ext>
             </a:extLst>
           </p:cNvPr>
@@ -3005,7 +3644,7 @@
           <p:cNvPr id="3" name="Date Placeholder 2">
             <a:extLst>
               <a:ext uri="{FF2B5EF4-FFF2-40B4-BE49-F238E27FC236}">
-                <a16:creationId xmlns:a16="http://schemas.microsoft.com/office/drawing/2014/main" id="{017D1B52-E6DE-4FB9-8B62-D26BE17F44E1}"/>
+                <a16:creationId xmlns:a16="http://schemas.microsoft.com/office/drawing/2014/main" id="{FD67A8AB-1924-4FE0-954C-F25BE57BB870}"/>
               </a:ext>
             </a:extLst>
           </p:cNvPr>
@@ -3021,9 +3660,9 @@
           <a:bodyPr/>
           <a:lstStyle/>
           <a:p>
-            <a:fld id="{E9BBFBE6-D06F-43AB-AB41-7A6020824E22}" type="datetimeFigureOut">
+            <a:fld id="{E1E689BE-542B-4373-926A-5C75531BA5D7}" type="datetimeFigureOut">
               <a:rPr lang="en-IN" smtClean="0"/>
-              <a:t>02-02-2021</a:t>
+              <a:t>03-02-2021</a:t>
             </a:fld>
             <a:endParaRPr lang="en-IN"/>
           </a:p>
@@ -3034,7 +3673,7 @@
           <p:cNvPr id="4" name="Footer Placeholder 3">
             <a:extLst>
               <a:ext uri="{FF2B5EF4-FFF2-40B4-BE49-F238E27FC236}">
-                <a16:creationId xmlns:a16="http://schemas.microsoft.com/office/drawing/2014/main" id="{71CCD9DE-1A90-4F4C-A1D2-28A4A8F634B4}"/>
+                <a16:creationId xmlns:a16="http://schemas.microsoft.com/office/drawing/2014/main" id="{CA86960C-6A9A-4693-A650-E1A5130F5823}"/>
               </a:ext>
             </a:extLst>
           </p:cNvPr>
@@ -3059,7 +3698,7 @@
           <p:cNvPr id="5" name="Slide Number Placeholder 4">
             <a:extLst>
               <a:ext uri="{FF2B5EF4-FFF2-40B4-BE49-F238E27FC236}">
-                <a16:creationId xmlns:a16="http://schemas.microsoft.com/office/drawing/2014/main" id="{9578C817-8FFE-40CD-AA86-8CD54C581CCD}"/>
+                <a16:creationId xmlns:a16="http://schemas.microsoft.com/office/drawing/2014/main" id="{23736872-5FBC-4DCD-A212-4DF2ABC6B5D3}"/>
               </a:ext>
             </a:extLst>
           </p:cNvPr>
@@ -3075,7 +3714,7 @@
           <a:bodyPr/>
           <a:lstStyle/>
           <a:p>
-            <a:fld id="{67A181CE-E2F1-4BD4-903B-6EA4083536A9}" type="slidenum">
+            <a:fld id="{9202E25D-4BCF-4DCB-A664-9D592B2CA22F}" type="slidenum">
               <a:rPr lang="en-IN" smtClean="0"/>
               <a:t>‹#›</a:t>
             </a:fld>
@@ -3086,7 +3725,7 @@
     </p:spTree>
     <p:extLst>
       <p:ext uri="{BB962C8B-B14F-4D97-AF65-F5344CB8AC3E}">
-        <p14:creationId xmlns:p14="http://schemas.microsoft.com/office/powerpoint/2010/main" val="4044451233"/>
+        <p14:creationId xmlns:p14="http://schemas.microsoft.com/office/powerpoint/2010/main" val="2175763374"/>
       </p:ext>
     </p:extLst>
   </p:cSld>
@@ -3118,7 +3757,7 @@
           <p:cNvPr id="2" name="Date Placeholder 1">
             <a:extLst>
               <a:ext uri="{FF2B5EF4-FFF2-40B4-BE49-F238E27FC236}">
-                <a16:creationId xmlns:a16="http://schemas.microsoft.com/office/drawing/2014/main" id="{88D85521-7531-491A-BC22-0143DF4BA286}"/>
+                <a16:creationId xmlns:a16="http://schemas.microsoft.com/office/drawing/2014/main" id="{45CEC824-93F3-43A6-9939-1178FA91050F}"/>
               </a:ext>
             </a:extLst>
           </p:cNvPr>
@@ -3134,9 +3773,9 @@
           <a:bodyPr/>
           <a:lstStyle/>
           <a:p>
-            <a:fld id="{E9BBFBE6-D06F-43AB-AB41-7A6020824E22}" type="datetimeFigureOut">
+            <a:fld id="{E1E689BE-542B-4373-926A-5C75531BA5D7}" type="datetimeFigureOut">
               <a:rPr lang="en-IN" smtClean="0"/>
-              <a:t>02-02-2021</a:t>
+              <a:t>03-02-2021</a:t>
             </a:fld>
             <a:endParaRPr lang="en-IN"/>
           </a:p>
@@ -3147,7 +3786,7 @@
           <p:cNvPr id="3" name="Footer Placeholder 2">
             <a:extLst>
               <a:ext uri="{FF2B5EF4-FFF2-40B4-BE49-F238E27FC236}">
-                <a16:creationId xmlns:a16="http://schemas.microsoft.com/office/drawing/2014/main" id="{B4DC4787-BD04-4878-B0A5-8ED427F43C1F}"/>
+                <a16:creationId xmlns:a16="http://schemas.microsoft.com/office/drawing/2014/main" id="{DE29D3DB-7FA0-4096-AB9F-9B74C63DEFD1}"/>
               </a:ext>
             </a:extLst>
           </p:cNvPr>
@@ -3172,7 +3811,7 @@
           <p:cNvPr id="4" name="Slide Number Placeholder 3">
             <a:extLst>
               <a:ext uri="{FF2B5EF4-FFF2-40B4-BE49-F238E27FC236}">
-                <a16:creationId xmlns:a16="http://schemas.microsoft.com/office/drawing/2014/main" id="{69BDAEBF-DD95-4D00-8127-568739162021}"/>
+                <a16:creationId xmlns:a16="http://schemas.microsoft.com/office/drawing/2014/main" id="{42C9964F-5CEB-4AC1-B945-3ADB4CAA942B}"/>
               </a:ext>
             </a:extLst>
           </p:cNvPr>
@@ -3188,7 +3827,7 @@
           <a:bodyPr/>
           <a:lstStyle/>
           <a:p>
-            <a:fld id="{67A181CE-E2F1-4BD4-903B-6EA4083536A9}" type="slidenum">
+            <a:fld id="{9202E25D-4BCF-4DCB-A664-9D592B2CA22F}" type="slidenum">
               <a:rPr lang="en-IN" smtClean="0"/>
               <a:t>‹#›</a:t>
             </a:fld>
@@ -3199,7 +3838,7 @@
     </p:spTree>
     <p:extLst>
       <p:ext uri="{BB962C8B-B14F-4D97-AF65-F5344CB8AC3E}">
-        <p14:creationId xmlns:p14="http://schemas.microsoft.com/office/powerpoint/2010/main" val="1150505221"/>
+        <p14:creationId xmlns:p14="http://schemas.microsoft.com/office/powerpoint/2010/main" val="1969424475"/>
       </p:ext>
     </p:extLst>
   </p:cSld>
@@ -3231,7 +3870,7 @@
           <p:cNvPr id="2" name="Title 1">
             <a:extLst>
               <a:ext uri="{FF2B5EF4-FFF2-40B4-BE49-F238E27FC236}">
-                <a16:creationId xmlns:a16="http://schemas.microsoft.com/office/drawing/2014/main" id="{5CC1EE40-226F-4DDD-BD62-575555E3C4CD}"/>
+                <a16:creationId xmlns:a16="http://schemas.microsoft.com/office/drawing/2014/main" id="{CFC18FC3-161C-4A65-A225-38C1DE5A46DF}"/>
               </a:ext>
             </a:extLst>
           </p:cNvPr>
@@ -3269,7 +3908,7 @@
           <p:cNvPr id="3" name="Content Placeholder 2">
             <a:extLst>
               <a:ext uri="{FF2B5EF4-FFF2-40B4-BE49-F238E27FC236}">
-                <a16:creationId xmlns:a16="http://schemas.microsoft.com/office/drawing/2014/main" id="{7967DCB0-00AF-4C73-B48C-5F7FF576596E}"/>
+                <a16:creationId xmlns:a16="http://schemas.microsoft.com/office/drawing/2014/main" id="{372E6CCF-5A53-45CE-A36D-16A2C2B7C09F}"/>
               </a:ext>
             </a:extLst>
           </p:cNvPr>
@@ -3360,7 +3999,7 @@
           <p:cNvPr id="4" name="Text Placeholder 3">
             <a:extLst>
               <a:ext uri="{FF2B5EF4-FFF2-40B4-BE49-F238E27FC236}">
-                <a16:creationId xmlns:a16="http://schemas.microsoft.com/office/drawing/2014/main" id="{6BC3C9A9-BEB5-4EEF-BA51-0362AAB52373}"/>
+                <a16:creationId xmlns:a16="http://schemas.microsoft.com/office/drawing/2014/main" id="{E635C15E-9CF0-4374-8539-711AF4ED6153}"/>
               </a:ext>
             </a:extLst>
           </p:cNvPr>
@@ -3431,7 +4070,7 @@
           <p:cNvPr id="5" name="Date Placeholder 4">
             <a:extLst>
               <a:ext uri="{FF2B5EF4-FFF2-40B4-BE49-F238E27FC236}">
-                <a16:creationId xmlns:a16="http://schemas.microsoft.com/office/drawing/2014/main" id="{8ABBB04B-23CB-47A6-832E-4F5FBDF2EB71}"/>
+                <a16:creationId xmlns:a16="http://schemas.microsoft.com/office/drawing/2014/main" id="{B9BBF17F-EC75-40E8-815A-52F08292E703}"/>
               </a:ext>
             </a:extLst>
           </p:cNvPr>
@@ -3447,9 +4086,9 @@
           <a:bodyPr/>
           <a:lstStyle/>
           <a:p>
-            <a:fld id="{E9BBFBE6-D06F-43AB-AB41-7A6020824E22}" type="datetimeFigureOut">
+            <a:fld id="{E1E689BE-542B-4373-926A-5C75531BA5D7}" type="datetimeFigureOut">
               <a:rPr lang="en-IN" smtClean="0"/>
-              <a:t>02-02-2021</a:t>
+              <a:t>03-02-2021</a:t>
             </a:fld>
             <a:endParaRPr lang="en-IN"/>
           </a:p>
@@ -3460,7 +4099,7 @@
           <p:cNvPr id="6" name="Footer Placeholder 5">
             <a:extLst>
               <a:ext uri="{FF2B5EF4-FFF2-40B4-BE49-F238E27FC236}">
-                <a16:creationId xmlns:a16="http://schemas.microsoft.com/office/drawing/2014/main" id="{4650D4DD-5A97-47B0-8A1D-D132A592CF9A}"/>
+                <a16:creationId xmlns:a16="http://schemas.microsoft.com/office/drawing/2014/main" id="{C5ABE182-68B3-43B4-9D18-5B2FBA218122}"/>
               </a:ext>
             </a:extLst>
           </p:cNvPr>
@@ -3485,7 +4124,7 @@
           <p:cNvPr id="7" name="Slide Number Placeholder 6">
             <a:extLst>
               <a:ext uri="{FF2B5EF4-FFF2-40B4-BE49-F238E27FC236}">
-                <a16:creationId xmlns:a16="http://schemas.microsoft.com/office/drawing/2014/main" id="{18010FA0-F033-4D4C-A349-EEB3709FF597}"/>
+                <a16:creationId xmlns:a16="http://schemas.microsoft.com/office/drawing/2014/main" id="{6FEC8A81-B1FE-4C09-80DD-913C1C146B14}"/>
               </a:ext>
             </a:extLst>
           </p:cNvPr>
@@ -3501,7 +4140,7 @@
           <a:bodyPr/>
           <a:lstStyle/>
           <a:p>
-            <a:fld id="{67A181CE-E2F1-4BD4-903B-6EA4083536A9}" type="slidenum">
+            <a:fld id="{9202E25D-4BCF-4DCB-A664-9D592B2CA22F}" type="slidenum">
               <a:rPr lang="en-IN" smtClean="0"/>
               <a:t>‹#›</a:t>
             </a:fld>
@@ -3512,7 +4151,7 @@
     </p:spTree>
     <p:extLst>
       <p:ext uri="{BB962C8B-B14F-4D97-AF65-F5344CB8AC3E}">
-        <p14:creationId xmlns:p14="http://schemas.microsoft.com/office/powerpoint/2010/main" val="2544836881"/>
+        <p14:creationId xmlns:p14="http://schemas.microsoft.com/office/powerpoint/2010/main" val="1408827662"/>
       </p:ext>
     </p:extLst>
   </p:cSld>
@@ -3544,7 +4183,7 @@
           <p:cNvPr id="2" name="Title 1">
             <a:extLst>
               <a:ext uri="{FF2B5EF4-FFF2-40B4-BE49-F238E27FC236}">
-                <a16:creationId xmlns:a16="http://schemas.microsoft.com/office/drawing/2014/main" id="{102B7523-580C-49A2-A2AA-06D75A81D6AB}"/>
+                <a16:creationId xmlns:a16="http://schemas.microsoft.com/office/drawing/2014/main" id="{1C7D195A-9517-4315-9D02-452345AFB9EA}"/>
               </a:ext>
             </a:extLst>
           </p:cNvPr>
@@ -3582,7 +4221,7 @@
           <p:cNvPr id="3" name="Picture Placeholder 2">
             <a:extLst>
               <a:ext uri="{FF2B5EF4-FFF2-40B4-BE49-F238E27FC236}">
-                <a16:creationId xmlns:a16="http://schemas.microsoft.com/office/drawing/2014/main" id="{CA21631D-126F-4156-8857-B7023ABDA81D}"/>
+                <a16:creationId xmlns:a16="http://schemas.microsoft.com/office/drawing/2014/main" id="{6895E444-D86D-42B4-9168-9B7DCCF22B1D}"/>
               </a:ext>
             </a:extLst>
           </p:cNvPr>
@@ -3649,7 +4288,7 @@
           <p:cNvPr id="4" name="Text Placeholder 3">
             <a:extLst>
               <a:ext uri="{FF2B5EF4-FFF2-40B4-BE49-F238E27FC236}">
-                <a16:creationId xmlns:a16="http://schemas.microsoft.com/office/drawing/2014/main" id="{F5EA291E-7BAA-4311-A073-D34CA390F7D0}"/>
+                <a16:creationId xmlns:a16="http://schemas.microsoft.com/office/drawing/2014/main" id="{426C5D49-EAEC-4557-8278-CDE7399FC256}"/>
               </a:ext>
             </a:extLst>
           </p:cNvPr>
@@ -3720,7 +4359,7 @@
           <p:cNvPr id="5" name="Date Placeholder 4">
             <a:extLst>
               <a:ext uri="{FF2B5EF4-FFF2-40B4-BE49-F238E27FC236}">
-                <a16:creationId xmlns:a16="http://schemas.microsoft.com/office/drawing/2014/main" id="{6D550DF7-4827-4403-B50A-D1D9B37C0C36}"/>
+                <a16:creationId xmlns:a16="http://schemas.microsoft.com/office/drawing/2014/main" id="{CC3F29D6-07AD-42A4-98F8-51871A45B12D}"/>
               </a:ext>
             </a:extLst>
           </p:cNvPr>
@@ -3736,9 +4375,9 @@
           <a:bodyPr/>
           <a:lstStyle/>
           <a:p>
-            <a:fld id="{E9BBFBE6-D06F-43AB-AB41-7A6020824E22}" type="datetimeFigureOut">
+            <a:fld id="{E1E689BE-542B-4373-926A-5C75531BA5D7}" type="datetimeFigureOut">
               <a:rPr lang="en-IN" smtClean="0"/>
-              <a:t>02-02-2021</a:t>
+              <a:t>03-02-2021</a:t>
             </a:fld>
             <a:endParaRPr lang="en-IN"/>
           </a:p>
@@ -3749,7 +4388,7 @@
           <p:cNvPr id="6" name="Footer Placeholder 5">
             <a:extLst>
               <a:ext uri="{FF2B5EF4-FFF2-40B4-BE49-F238E27FC236}">
-                <a16:creationId xmlns:a16="http://schemas.microsoft.com/office/drawing/2014/main" id="{58626472-BC07-4928-8568-CBFA4F1445EA}"/>
+                <a16:creationId xmlns:a16="http://schemas.microsoft.com/office/drawing/2014/main" id="{6A267ECB-9809-41C4-A3C7-DC1323BC9E79}"/>
               </a:ext>
             </a:extLst>
           </p:cNvPr>
@@ -3774,7 +4413,7 @@
           <p:cNvPr id="7" name="Slide Number Placeholder 6">
             <a:extLst>
               <a:ext uri="{FF2B5EF4-FFF2-40B4-BE49-F238E27FC236}">
-                <a16:creationId xmlns:a16="http://schemas.microsoft.com/office/drawing/2014/main" id="{B66BC003-2C14-473C-BC2A-AF0058590DB5}"/>
+                <a16:creationId xmlns:a16="http://schemas.microsoft.com/office/drawing/2014/main" id="{322F5FC1-573F-4EE2-AFD2-633E78852208}"/>
               </a:ext>
             </a:extLst>
           </p:cNvPr>
@@ -3790,7 +4429,7 @@
           <a:bodyPr/>
           <a:lstStyle/>
           <a:p>
-            <a:fld id="{67A181CE-E2F1-4BD4-903B-6EA4083536A9}" type="slidenum">
+            <a:fld id="{9202E25D-4BCF-4DCB-A664-9D592B2CA22F}" type="slidenum">
               <a:rPr lang="en-IN" smtClean="0"/>
               <a:t>‹#›</a:t>
             </a:fld>
@@ -3801,7 +4440,7 @@
     </p:spTree>
     <p:extLst>
       <p:ext uri="{BB962C8B-B14F-4D97-AF65-F5344CB8AC3E}">
-        <p14:creationId xmlns:p14="http://schemas.microsoft.com/office/powerpoint/2010/main" val="1672911285"/>
+        <p14:creationId xmlns:p14="http://schemas.microsoft.com/office/powerpoint/2010/main" val="3213164865"/>
       </p:ext>
     </p:extLst>
   </p:cSld>
@@ -3838,7 +4477,7 @@
           <p:cNvPr id="2" name="Title Placeholder 1">
             <a:extLst>
               <a:ext uri="{FF2B5EF4-FFF2-40B4-BE49-F238E27FC236}">
-                <a16:creationId xmlns:a16="http://schemas.microsoft.com/office/drawing/2014/main" id="{60021646-CC2E-4157-A465-3BCD5C157FFA}"/>
+                <a16:creationId xmlns:a16="http://schemas.microsoft.com/office/drawing/2014/main" id="{5E25BAB0-797A-402B-9C0C-1A032A6E1EF3}"/>
               </a:ext>
             </a:extLst>
           </p:cNvPr>
@@ -3877,7 +4516,7 @@
           <p:cNvPr id="3" name="Text Placeholder 2">
             <a:extLst>
               <a:ext uri="{FF2B5EF4-FFF2-40B4-BE49-F238E27FC236}">
-                <a16:creationId xmlns:a16="http://schemas.microsoft.com/office/drawing/2014/main" id="{002B9941-FE7E-4965-B96C-35225E76B561}"/>
+                <a16:creationId xmlns:a16="http://schemas.microsoft.com/office/drawing/2014/main" id="{BDCABAD4-8B93-4E5C-9BAB-44B74D52BCE9}"/>
               </a:ext>
             </a:extLst>
           </p:cNvPr>
@@ -3945,7 +4584,7 @@
           <p:cNvPr id="4" name="Date Placeholder 3">
             <a:extLst>
               <a:ext uri="{FF2B5EF4-FFF2-40B4-BE49-F238E27FC236}">
-                <a16:creationId xmlns:a16="http://schemas.microsoft.com/office/drawing/2014/main" id="{691BB673-4FD1-4449-9F66-39DC99DA7784}"/>
+                <a16:creationId xmlns:a16="http://schemas.microsoft.com/office/drawing/2014/main" id="{5AF843B7-05CE-4321-AF32-6FE0CE3FAECD}"/>
               </a:ext>
             </a:extLst>
           </p:cNvPr>
@@ -3979,9 +4618,9 @@
             </a:lvl1pPr>
           </a:lstStyle>
           <a:p>
-            <a:fld id="{E9BBFBE6-D06F-43AB-AB41-7A6020824E22}" type="datetimeFigureOut">
+            <a:fld id="{E1E689BE-542B-4373-926A-5C75531BA5D7}" type="datetimeFigureOut">
               <a:rPr lang="en-IN" smtClean="0"/>
-              <a:t>02-02-2021</a:t>
+              <a:t>03-02-2021</a:t>
             </a:fld>
             <a:endParaRPr lang="en-IN"/>
           </a:p>
@@ -3992,7 +4631,7 @@
           <p:cNvPr id="5" name="Footer Placeholder 4">
             <a:extLst>
               <a:ext uri="{FF2B5EF4-FFF2-40B4-BE49-F238E27FC236}">
-                <a16:creationId xmlns:a16="http://schemas.microsoft.com/office/drawing/2014/main" id="{895EE4C9-340E-42E9-AC69-FB5845D84A72}"/>
+                <a16:creationId xmlns:a16="http://schemas.microsoft.com/office/drawing/2014/main" id="{0982A319-0D99-44D5-9D07-AE0027445C96}"/>
               </a:ext>
             </a:extLst>
           </p:cNvPr>
@@ -4035,7 +4674,7 @@
           <p:cNvPr id="6" name="Slide Number Placeholder 5">
             <a:extLst>
               <a:ext uri="{FF2B5EF4-FFF2-40B4-BE49-F238E27FC236}">
-                <a16:creationId xmlns:a16="http://schemas.microsoft.com/office/drawing/2014/main" id="{58D49C73-7426-4767-96F3-816B3D3A3F98}"/>
+                <a16:creationId xmlns:a16="http://schemas.microsoft.com/office/drawing/2014/main" id="{32DBE040-E0DC-464F-BD82-3DCE6E384898}"/>
               </a:ext>
             </a:extLst>
           </p:cNvPr>
@@ -4069,7 +4708,7 @@
             </a:lvl1pPr>
           </a:lstStyle>
           <a:p>
-            <a:fld id="{67A181CE-E2F1-4BD4-903B-6EA4083536A9}" type="slidenum">
+            <a:fld id="{9202E25D-4BCF-4DCB-A664-9D592B2CA22F}" type="slidenum">
               <a:rPr lang="en-IN" smtClean="0"/>
               <a:t>‹#›</a:t>
             </a:fld>
@@ -4080,7 +4719,7 @@
     </p:spTree>
     <p:extLst>
       <p:ext uri="{BB962C8B-B14F-4D97-AF65-F5344CB8AC3E}">
-        <p14:creationId xmlns:p14="http://schemas.microsoft.com/office/powerpoint/2010/main" val="2049428027"/>
+        <p14:creationId xmlns:p14="http://schemas.microsoft.com/office/powerpoint/2010/main" val="3924888116"/>
       </p:ext>
     </p:extLst>
   </p:cSld>
@@ -4403,15 +5042,15 @@
           <p:cNvPr id="2" name="Title 1">
             <a:extLst>
               <a:ext uri="{FF2B5EF4-FFF2-40B4-BE49-F238E27FC236}">
-                <a16:creationId xmlns:a16="http://schemas.microsoft.com/office/drawing/2014/main" id="{BA58C729-E66C-45D4-8356-598D382ADE19}"/>
-              </a:ext>
-            </a:extLst>
-          </p:cNvPr>
-          <p:cNvSpPr>
-            <a:spLocks noGrp="1"/>
-          </p:cNvSpPr>
-          <p:nvPr>
-            <p:ph type="title"/>
+                <a16:creationId xmlns:a16="http://schemas.microsoft.com/office/drawing/2014/main" id="{153E534C-53E7-46A9-9406-F5C997F7D377}"/>
+              </a:ext>
+            </a:extLst>
+          </p:cNvPr>
+          <p:cNvSpPr>
+            <a:spLocks noGrp="1"/>
+          </p:cNvSpPr>
+          <p:nvPr>
+            <p:ph type="ctrTitle"/>
           </p:nvPr>
         </p:nvSpPr>
         <p:spPr/>
@@ -4425,18 +5064,18 @@
       </p:sp>
       <p:sp>
         <p:nvSpPr>
-          <p:cNvPr id="3" name="Content Placeholder 2">
-            <a:extLst>
-              <a:ext uri="{FF2B5EF4-FFF2-40B4-BE49-F238E27FC236}">
-                <a16:creationId xmlns:a16="http://schemas.microsoft.com/office/drawing/2014/main" id="{31E0B594-B433-4510-91A9-DAFF288C8907}"/>
-              </a:ext>
-            </a:extLst>
-          </p:cNvPr>
-          <p:cNvSpPr>
-            <a:spLocks noGrp="1"/>
-          </p:cNvSpPr>
-          <p:nvPr>
-            <p:ph idx="1"/>
+          <p:cNvPr id="3" name="Subtitle 2">
+            <a:extLst>
+              <a:ext uri="{FF2B5EF4-FFF2-40B4-BE49-F238E27FC236}">
+                <a16:creationId xmlns:a16="http://schemas.microsoft.com/office/drawing/2014/main" id="{D9108047-9D12-4CA0-BB8B-87CE85F7D7C2}"/>
+              </a:ext>
+            </a:extLst>
+          </p:cNvPr>
+          <p:cNvSpPr>
+            <a:spLocks noGrp="1"/>
+          </p:cNvSpPr>
+          <p:nvPr>
+            <p:ph type="subTitle" idx="1"/>
           </p:nvPr>
         </p:nvSpPr>
         <p:spPr/>
@@ -4455,7 +5094,7 @@
               <p14:cNvPr id="4" name="Ink 3">
                 <a:extLst>
                   <a:ext uri="{FF2B5EF4-FFF2-40B4-BE49-F238E27FC236}">
-                    <a16:creationId xmlns:a16="http://schemas.microsoft.com/office/drawing/2014/main" id="{2AB77728-7F54-44BA-AF91-2C7662898AFA}"/>
+                    <a16:creationId xmlns:a16="http://schemas.microsoft.com/office/drawing/2014/main" id="{47EAC205-A051-4C9C-A0EA-F3C72BBAFAD2}"/>
                   </a:ext>
                 </a:extLst>
               </p14:cNvPr>
@@ -4463,8 +5102,8 @@
               <p14:nvPr/>
             </p14:nvContentPartPr>
             <p14:xfrm>
-              <a:off x="0" y="525960"/>
-              <a:ext cx="8100360" cy="2964240"/>
+              <a:off x="784800" y="266760"/>
+              <a:ext cx="5372640" cy="2141640"/>
             </p14:xfrm>
           </p:contentPart>
         </mc:Choice>
@@ -4474,7 +5113,7 @@
               <p:cNvPr id="4" name="Ink 3">
                 <a:extLst>
                   <a:ext uri="{FF2B5EF4-FFF2-40B4-BE49-F238E27FC236}">
-                    <a16:creationId xmlns:a16="http://schemas.microsoft.com/office/drawing/2014/main" id="{2AB77728-7F54-44BA-AF91-2C7662898AFA}"/>
+                    <a16:creationId xmlns:a16="http://schemas.microsoft.com/office/drawing/2014/main" id="{47EAC205-A051-4C9C-A0EA-F3C72BBAFAD2}"/>
                   </a:ext>
                 </a:extLst>
               </p:cNvPr>
@@ -4489,8 +5128,8 @@
             </p:blipFill>
             <p:spPr>
               <a:xfrm>
-                <a:off x="-9360" y="516600"/>
-                <a:ext cx="8119080" cy="2982960"/>
+                <a:off x="775440" y="257400"/>
+                <a:ext cx="5391360" cy="2160360"/>
               </a:xfrm>
               <a:prstGeom prst="rect">
                 <a:avLst/>
@@ -4502,7 +5141,7 @@
     </p:spTree>
     <p:extLst>
       <p:ext uri="{BB962C8B-B14F-4D97-AF65-F5344CB8AC3E}">
-        <p14:creationId xmlns:p14="http://schemas.microsoft.com/office/powerpoint/2010/main" val="2845054038"/>
+        <p14:creationId xmlns:p14="http://schemas.microsoft.com/office/powerpoint/2010/main" val="3825285285"/>
       </p:ext>
     </p:extLst>
   </p:cSld>
@@ -4534,7 +5173,7 @@
           <p:cNvPr id="2" name="Title 1">
             <a:extLst>
               <a:ext uri="{FF2B5EF4-FFF2-40B4-BE49-F238E27FC236}">
-                <a16:creationId xmlns:a16="http://schemas.microsoft.com/office/drawing/2014/main" id="{3D6F2E30-7169-4910-9652-D3B4C2D37E93}"/>
+                <a16:creationId xmlns:a16="http://schemas.microsoft.com/office/drawing/2014/main" id="{153E534C-53E7-46A9-9406-F5C997F7D377}"/>
               </a:ext>
             </a:extLst>
           </p:cNvPr>
@@ -4559,7 +5198,7 @@
           <p:cNvPr id="3" name="Subtitle 2">
             <a:extLst>
               <a:ext uri="{FF2B5EF4-FFF2-40B4-BE49-F238E27FC236}">
-                <a16:creationId xmlns:a16="http://schemas.microsoft.com/office/drawing/2014/main" id="{65EFD7F7-B3C3-49D4-9F31-D52A27CC3E6B}"/>
+                <a16:creationId xmlns:a16="http://schemas.microsoft.com/office/drawing/2014/main" id="{D9108047-9D12-4CA0-BB8B-87CE85F7D7C2}"/>
               </a:ext>
             </a:extLst>
           </p:cNvPr>
@@ -4586,7 +5225,7 @@
               <p14:cNvPr id="4" name="Ink 3">
                 <a:extLst>
                   <a:ext uri="{FF2B5EF4-FFF2-40B4-BE49-F238E27FC236}">
-                    <a16:creationId xmlns:a16="http://schemas.microsoft.com/office/drawing/2014/main" id="{68D5C926-9063-4C2A-8FC2-566914FCB5A6}"/>
+                    <a16:creationId xmlns:a16="http://schemas.microsoft.com/office/drawing/2014/main" id="{2CFFEF66-C2B5-4875-BF80-DAC867738326}"/>
                   </a:ext>
                 </a:extLst>
               </p14:cNvPr>
@@ -4594,8 +5233,8 @@
               <p14:nvPr/>
             </p14:nvContentPartPr>
             <p14:xfrm>
-              <a:off x="906840" y="83880"/>
-              <a:ext cx="8367120" cy="5456160"/>
+              <a:off x="563760" y="60840"/>
+              <a:ext cx="11415240" cy="6180480"/>
             </p14:xfrm>
           </p:contentPart>
         </mc:Choice>
@@ -4605,7 +5244,7 @@
               <p:cNvPr id="4" name="Ink 3">
                 <a:extLst>
                   <a:ext uri="{FF2B5EF4-FFF2-40B4-BE49-F238E27FC236}">
-                    <a16:creationId xmlns:a16="http://schemas.microsoft.com/office/drawing/2014/main" id="{68D5C926-9063-4C2A-8FC2-566914FCB5A6}"/>
+                    <a16:creationId xmlns:a16="http://schemas.microsoft.com/office/drawing/2014/main" id="{2CFFEF66-C2B5-4875-BF80-DAC867738326}"/>
                   </a:ext>
                 </a:extLst>
               </p:cNvPr>
@@ -4620,8 +5259,8 @@
             </p:blipFill>
             <p:spPr>
               <a:xfrm>
-                <a:off x="897480" y="74520"/>
-                <a:ext cx="8385840" cy="5474880"/>
+                <a:off x="554400" y="51480"/>
+                <a:ext cx="11433960" cy="6199200"/>
               </a:xfrm>
               <a:prstGeom prst="rect">
                 <a:avLst/>
@@ -4633,7 +5272,662 @@
     </p:spTree>
     <p:extLst>
       <p:ext uri="{BB962C8B-B14F-4D97-AF65-F5344CB8AC3E}">
-        <p14:creationId xmlns:p14="http://schemas.microsoft.com/office/powerpoint/2010/main" val="866748372"/>
+        <p14:creationId xmlns:p14="http://schemas.microsoft.com/office/powerpoint/2010/main" val="3281829829"/>
+      </p:ext>
+    </p:extLst>
+  </p:cSld>
+  <p:clrMapOvr>
+    <a:masterClrMapping/>
+  </p:clrMapOvr>
+</p:sld>
+</file>
+
+<file path=ppt/slides/slide11.xml><?xml version="1.0" encoding="utf-8"?>
+<p:sld xmlns:a="http://schemas.openxmlformats.org/drawingml/2006/main" xmlns:r="http://schemas.openxmlformats.org/officeDocument/2006/relationships" xmlns:p="http://schemas.openxmlformats.org/presentationml/2006/main">
+  <p:cSld>
+    <p:spTree>
+      <p:nvGrpSpPr>
+        <p:cNvPr id="1" name=""/>
+        <p:cNvGrpSpPr/>
+        <p:nvPr/>
+      </p:nvGrpSpPr>
+      <p:grpSpPr>
+        <a:xfrm>
+          <a:off x="0" y="0"/>
+          <a:ext cx="0" cy="0"/>
+          <a:chOff x="0" y="0"/>
+          <a:chExt cx="0" cy="0"/>
+        </a:xfrm>
+      </p:grpSpPr>
+      <p:sp>
+        <p:nvSpPr>
+          <p:cNvPr id="2" name="Title 1">
+            <a:extLst>
+              <a:ext uri="{FF2B5EF4-FFF2-40B4-BE49-F238E27FC236}">
+                <a16:creationId xmlns:a16="http://schemas.microsoft.com/office/drawing/2014/main" id="{153E534C-53E7-46A9-9406-F5C997F7D377}"/>
+              </a:ext>
+            </a:extLst>
+          </p:cNvPr>
+          <p:cNvSpPr>
+            <a:spLocks noGrp="1"/>
+          </p:cNvSpPr>
+          <p:nvPr>
+            <p:ph type="ctrTitle"/>
+          </p:nvPr>
+        </p:nvSpPr>
+        <p:spPr/>
+        <p:txBody>
+          <a:bodyPr/>
+          <a:lstStyle/>
+          <a:p>
+            <a:endParaRPr lang="en-IN"/>
+          </a:p>
+        </p:txBody>
+      </p:sp>
+      <p:sp>
+        <p:nvSpPr>
+          <p:cNvPr id="3" name="Subtitle 2">
+            <a:extLst>
+              <a:ext uri="{FF2B5EF4-FFF2-40B4-BE49-F238E27FC236}">
+                <a16:creationId xmlns:a16="http://schemas.microsoft.com/office/drawing/2014/main" id="{D9108047-9D12-4CA0-BB8B-87CE85F7D7C2}"/>
+              </a:ext>
+            </a:extLst>
+          </p:cNvPr>
+          <p:cNvSpPr>
+            <a:spLocks noGrp="1"/>
+          </p:cNvSpPr>
+          <p:nvPr>
+            <p:ph type="subTitle" idx="1"/>
+          </p:nvPr>
+        </p:nvSpPr>
+        <p:spPr/>
+        <p:txBody>
+          <a:bodyPr/>
+          <a:lstStyle/>
+          <a:p>
+            <a:endParaRPr lang="en-IN"/>
+          </a:p>
+        </p:txBody>
+      </p:sp>
+      <mc:AlternateContent xmlns:mc="http://schemas.openxmlformats.org/markup-compatibility/2006">
+        <mc:Choice xmlns:p14="http://schemas.microsoft.com/office/powerpoint/2010/main" Requires="p14">
+          <p:contentPart p14:bwMode="auto" r:id="rId2">
+            <p14:nvContentPartPr>
+              <p14:cNvPr id="4" name="Ink 3">
+                <a:extLst>
+                  <a:ext uri="{FF2B5EF4-FFF2-40B4-BE49-F238E27FC236}">
+                    <a16:creationId xmlns:a16="http://schemas.microsoft.com/office/drawing/2014/main" id="{06E74F9A-27D2-4FFF-A18B-9E514FACC542}"/>
+                  </a:ext>
+                </a:extLst>
+              </p14:cNvPr>
+              <p14:cNvContentPartPr/>
+              <p14:nvPr/>
+            </p14:nvContentPartPr>
+            <p14:xfrm>
+              <a:off x="198000" y="0"/>
+              <a:ext cx="9151920" cy="6782040"/>
+            </p14:xfrm>
+          </p:contentPart>
+        </mc:Choice>
+        <mc:Fallback>
+          <p:pic>
+            <p:nvPicPr>
+              <p:cNvPr id="4" name="Ink 3">
+                <a:extLst>
+                  <a:ext uri="{FF2B5EF4-FFF2-40B4-BE49-F238E27FC236}">
+                    <a16:creationId xmlns:a16="http://schemas.microsoft.com/office/drawing/2014/main" id="{06E74F9A-27D2-4FFF-A18B-9E514FACC542}"/>
+                  </a:ext>
+                </a:extLst>
+              </p:cNvPr>
+              <p:cNvPicPr/>
+              <p:nvPr/>
+            </p:nvPicPr>
+            <p:blipFill>
+              <a:blip r:embed="rId3"/>
+              <a:stretch>
+                <a:fillRect/>
+              </a:stretch>
+            </p:blipFill>
+            <p:spPr>
+              <a:xfrm>
+                <a:off x="188640" y="-9360"/>
+                <a:ext cx="9170640" cy="6800760"/>
+              </a:xfrm>
+              <a:prstGeom prst="rect">
+                <a:avLst/>
+              </a:prstGeom>
+            </p:spPr>
+          </p:pic>
+        </mc:Fallback>
+      </mc:AlternateContent>
+    </p:spTree>
+    <p:extLst>
+      <p:ext uri="{BB962C8B-B14F-4D97-AF65-F5344CB8AC3E}">
+        <p14:creationId xmlns:p14="http://schemas.microsoft.com/office/powerpoint/2010/main" val="4123175094"/>
+      </p:ext>
+    </p:extLst>
+  </p:cSld>
+  <p:clrMapOvr>
+    <a:masterClrMapping/>
+  </p:clrMapOvr>
+</p:sld>
+</file>
+
+<file path=ppt/slides/slide12.xml><?xml version="1.0" encoding="utf-8"?>
+<p:sld xmlns:a="http://schemas.openxmlformats.org/drawingml/2006/main" xmlns:r="http://schemas.openxmlformats.org/officeDocument/2006/relationships" xmlns:p="http://schemas.openxmlformats.org/presentationml/2006/main">
+  <p:cSld>
+    <p:spTree>
+      <p:nvGrpSpPr>
+        <p:cNvPr id="1" name=""/>
+        <p:cNvGrpSpPr/>
+        <p:nvPr/>
+      </p:nvGrpSpPr>
+      <p:grpSpPr>
+        <a:xfrm>
+          <a:off x="0" y="0"/>
+          <a:ext cx="0" cy="0"/>
+          <a:chOff x="0" y="0"/>
+          <a:chExt cx="0" cy="0"/>
+        </a:xfrm>
+      </p:grpSpPr>
+      <p:sp>
+        <p:nvSpPr>
+          <p:cNvPr id="2" name="Title 1">
+            <a:extLst>
+              <a:ext uri="{FF2B5EF4-FFF2-40B4-BE49-F238E27FC236}">
+                <a16:creationId xmlns:a16="http://schemas.microsoft.com/office/drawing/2014/main" id="{153E534C-53E7-46A9-9406-F5C997F7D377}"/>
+              </a:ext>
+            </a:extLst>
+          </p:cNvPr>
+          <p:cNvSpPr>
+            <a:spLocks noGrp="1"/>
+          </p:cNvSpPr>
+          <p:nvPr>
+            <p:ph type="ctrTitle"/>
+          </p:nvPr>
+        </p:nvSpPr>
+        <p:spPr/>
+        <p:txBody>
+          <a:bodyPr/>
+          <a:lstStyle/>
+          <a:p>
+            <a:endParaRPr lang="en-IN"/>
+          </a:p>
+        </p:txBody>
+      </p:sp>
+      <p:sp>
+        <p:nvSpPr>
+          <p:cNvPr id="3" name="Subtitle 2">
+            <a:extLst>
+              <a:ext uri="{FF2B5EF4-FFF2-40B4-BE49-F238E27FC236}">
+                <a16:creationId xmlns:a16="http://schemas.microsoft.com/office/drawing/2014/main" id="{D9108047-9D12-4CA0-BB8B-87CE85F7D7C2}"/>
+              </a:ext>
+            </a:extLst>
+          </p:cNvPr>
+          <p:cNvSpPr>
+            <a:spLocks noGrp="1"/>
+          </p:cNvSpPr>
+          <p:nvPr>
+            <p:ph type="subTitle" idx="1"/>
+          </p:nvPr>
+        </p:nvSpPr>
+        <p:spPr/>
+        <p:txBody>
+          <a:bodyPr/>
+          <a:lstStyle/>
+          <a:p>
+            <a:endParaRPr lang="en-IN"/>
+          </a:p>
+        </p:txBody>
+      </p:sp>
+      <mc:AlternateContent xmlns:mc="http://schemas.openxmlformats.org/markup-compatibility/2006">
+        <mc:Choice xmlns:p14="http://schemas.microsoft.com/office/powerpoint/2010/main" Requires="p14">
+          <p:contentPart p14:bwMode="auto" r:id="rId2">
+            <p14:nvContentPartPr>
+              <p14:cNvPr id="4" name="Ink 3">
+                <a:extLst>
+                  <a:ext uri="{FF2B5EF4-FFF2-40B4-BE49-F238E27FC236}">
+                    <a16:creationId xmlns:a16="http://schemas.microsoft.com/office/drawing/2014/main" id="{14DA210B-50EC-49D2-AD0C-38A8232C3A2A}"/>
+                  </a:ext>
+                </a:extLst>
+              </p14:cNvPr>
+              <p14:cNvContentPartPr/>
+              <p14:nvPr/>
+            </p14:nvContentPartPr>
+            <p14:xfrm>
+              <a:off x="342720" y="129600"/>
+              <a:ext cx="11841840" cy="4214160"/>
+            </p14:xfrm>
+          </p:contentPart>
+        </mc:Choice>
+        <mc:Fallback>
+          <p:pic>
+            <p:nvPicPr>
+              <p:cNvPr id="4" name="Ink 3">
+                <a:extLst>
+                  <a:ext uri="{FF2B5EF4-FFF2-40B4-BE49-F238E27FC236}">
+                    <a16:creationId xmlns:a16="http://schemas.microsoft.com/office/drawing/2014/main" id="{14DA210B-50EC-49D2-AD0C-38A8232C3A2A}"/>
+                  </a:ext>
+                </a:extLst>
+              </p:cNvPr>
+              <p:cNvPicPr/>
+              <p:nvPr/>
+            </p:nvPicPr>
+            <p:blipFill>
+              <a:blip r:embed="rId3"/>
+              <a:stretch>
+                <a:fillRect/>
+              </a:stretch>
+            </p:blipFill>
+            <p:spPr>
+              <a:xfrm>
+                <a:off x="333360" y="120240"/>
+                <a:ext cx="11860560" cy="4232880"/>
+              </a:xfrm>
+              <a:prstGeom prst="rect">
+                <a:avLst/>
+              </a:prstGeom>
+            </p:spPr>
+          </p:pic>
+        </mc:Fallback>
+      </mc:AlternateContent>
+    </p:spTree>
+    <p:extLst>
+      <p:ext uri="{BB962C8B-B14F-4D97-AF65-F5344CB8AC3E}">
+        <p14:creationId xmlns:p14="http://schemas.microsoft.com/office/powerpoint/2010/main" val="503098258"/>
+      </p:ext>
+    </p:extLst>
+  </p:cSld>
+  <p:clrMapOvr>
+    <a:masterClrMapping/>
+  </p:clrMapOvr>
+</p:sld>
+</file>
+
+<file path=ppt/slides/slide13.xml><?xml version="1.0" encoding="utf-8"?>
+<p:sld xmlns:a="http://schemas.openxmlformats.org/drawingml/2006/main" xmlns:r="http://schemas.openxmlformats.org/officeDocument/2006/relationships" xmlns:p="http://schemas.openxmlformats.org/presentationml/2006/main">
+  <p:cSld>
+    <p:spTree>
+      <p:nvGrpSpPr>
+        <p:cNvPr id="1" name=""/>
+        <p:cNvGrpSpPr/>
+        <p:nvPr/>
+      </p:nvGrpSpPr>
+      <p:grpSpPr>
+        <a:xfrm>
+          <a:off x="0" y="0"/>
+          <a:ext cx="0" cy="0"/>
+          <a:chOff x="0" y="0"/>
+          <a:chExt cx="0" cy="0"/>
+        </a:xfrm>
+      </p:grpSpPr>
+      <p:sp>
+        <p:nvSpPr>
+          <p:cNvPr id="2" name="Title 1">
+            <a:extLst>
+              <a:ext uri="{FF2B5EF4-FFF2-40B4-BE49-F238E27FC236}">
+                <a16:creationId xmlns:a16="http://schemas.microsoft.com/office/drawing/2014/main" id="{153E534C-53E7-46A9-9406-F5C997F7D377}"/>
+              </a:ext>
+            </a:extLst>
+          </p:cNvPr>
+          <p:cNvSpPr>
+            <a:spLocks noGrp="1"/>
+          </p:cNvSpPr>
+          <p:nvPr>
+            <p:ph type="ctrTitle"/>
+          </p:nvPr>
+        </p:nvSpPr>
+        <p:spPr/>
+        <p:txBody>
+          <a:bodyPr/>
+          <a:lstStyle/>
+          <a:p>
+            <a:endParaRPr lang="en-IN"/>
+          </a:p>
+        </p:txBody>
+      </p:sp>
+      <p:sp>
+        <p:nvSpPr>
+          <p:cNvPr id="3" name="Subtitle 2">
+            <a:extLst>
+              <a:ext uri="{FF2B5EF4-FFF2-40B4-BE49-F238E27FC236}">
+                <a16:creationId xmlns:a16="http://schemas.microsoft.com/office/drawing/2014/main" id="{D9108047-9D12-4CA0-BB8B-87CE85F7D7C2}"/>
+              </a:ext>
+            </a:extLst>
+          </p:cNvPr>
+          <p:cNvSpPr>
+            <a:spLocks noGrp="1"/>
+          </p:cNvSpPr>
+          <p:nvPr>
+            <p:ph type="subTitle" idx="1"/>
+          </p:nvPr>
+        </p:nvSpPr>
+        <p:spPr/>
+        <p:txBody>
+          <a:bodyPr/>
+          <a:lstStyle/>
+          <a:p>
+            <a:endParaRPr lang="en-IN"/>
+          </a:p>
+        </p:txBody>
+      </p:sp>
+      <mc:AlternateContent xmlns:mc="http://schemas.openxmlformats.org/markup-compatibility/2006">
+        <mc:Choice xmlns:p14="http://schemas.microsoft.com/office/powerpoint/2010/main" Requires="p14">
+          <p:contentPart p14:bwMode="auto" r:id="rId2">
+            <p14:nvContentPartPr>
+              <p14:cNvPr id="4" name="Ink 3">
+                <a:extLst>
+                  <a:ext uri="{FF2B5EF4-FFF2-40B4-BE49-F238E27FC236}">
+                    <a16:creationId xmlns:a16="http://schemas.microsoft.com/office/drawing/2014/main" id="{6E0D920B-883F-41EF-A606-57C7742FD058}"/>
+                  </a:ext>
+                </a:extLst>
+              </p14:cNvPr>
+              <p14:cNvContentPartPr/>
+              <p14:nvPr/>
+            </p14:nvContentPartPr>
+            <p14:xfrm>
+              <a:off x="0" y="83880"/>
+              <a:ext cx="9113760" cy="6766920"/>
+            </p14:xfrm>
+          </p:contentPart>
+        </mc:Choice>
+        <mc:Fallback>
+          <p:pic>
+            <p:nvPicPr>
+              <p:cNvPr id="4" name="Ink 3">
+                <a:extLst>
+                  <a:ext uri="{FF2B5EF4-FFF2-40B4-BE49-F238E27FC236}">
+                    <a16:creationId xmlns:a16="http://schemas.microsoft.com/office/drawing/2014/main" id="{6E0D920B-883F-41EF-A606-57C7742FD058}"/>
+                  </a:ext>
+                </a:extLst>
+              </p:cNvPr>
+              <p:cNvPicPr/>
+              <p:nvPr/>
+            </p:nvPicPr>
+            <p:blipFill>
+              <a:blip r:embed="rId3"/>
+              <a:stretch>
+                <a:fillRect/>
+              </a:stretch>
+            </p:blipFill>
+            <p:spPr>
+              <a:xfrm>
+                <a:off x="-9360" y="74520"/>
+                <a:ext cx="9132480" cy="6785640"/>
+              </a:xfrm>
+              <a:prstGeom prst="rect">
+                <a:avLst/>
+              </a:prstGeom>
+            </p:spPr>
+          </p:pic>
+        </mc:Fallback>
+      </mc:AlternateContent>
+    </p:spTree>
+    <p:extLst>
+      <p:ext uri="{BB962C8B-B14F-4D97-AF65-F5344CB8AC3E}">
+        <p14:creationId xmlns:p14="http://schemas.microsoft.com/office/powerpoint/2010/main" val="1114519299"/>
+      </p:ext>
+    </p:extLst>
+  </p:cSld>
+  <p:clrMapOvr>
+    <a:masterClrMapping/>
+  </p:clrMapOvr>
+</p:sld>
+</file>
+
+<file path=ppt/slides/slide14.xml><?xml version="1.0" encoding="utf-8"?>
+<p:sld xmlns:a="http://schemas.openxmlformats.org/drawingml/2006/main" xmlns:r="http://schemas.openxmlformats.org/officeDocument/2006/relationships" xmlns:p="http://schemas.openxmlformats.org/presentationml/2006/main">
+  <p:cSld>
+    <p:spTree>
+      <p:nvGrpSpPr>
+        <p:cNvPr id="1" name=""/>
+        <p:cNvGrpSpPr/>
+        <p:nvPr/>
+      </p:nvGrpSpPr>
+      <p:grpSpPr>
+        <a:xfrm>
+          <a:off x="0" y="0"/>
+          <a:ext cx="0" cy="0"/>
+          <a:chOff x="0" y="0"/>
+          <a:chExt cx="0" cy="0"/>
+        </a:xfrm>
+      </p:grpSpPr>
+      <p:sp>
+        <p:nvSpPr>
+          <p:cNvPr id="2" name="Title 1">
+            <a:extLst>
+              <a:ext uri="{FF2B5EF4-FFF2-40B4-BE49-F238E27FC236}">
+                <a16:creationId xmlns:a16="http://schemas.microsoft.com/office/drawing/2014/main" id="{153E534C-53E7-46A9-9406-F5C997F7D377}"/>
+              </a:ext>
+            </a:extLst>
+          </p:cNvPr>
+          <p:cNvSpPr>
+            <a:spLocks noGrp="1"/>
+          </p:cNvSpPr>
+          <p:nvPr>
+            <p:ph type="ctrTitle"/>
+          </p:nvPr>
+        </p:nvSpPr>
+        <p:spPr/>
+        <p:txBody>
+          <a:bodyPr/>
+          <a:lstStyle/>
+          <a:p>
+            <a:endParaRPr lang="en-IN"/>
+          </a:p>
+        </p:txBody>
+      </p:sp>
+      <p:sp>
+        <p:nvSpPr>
+          <p:cNvPr id="3" name="Subtitle 2">
+            <a:extLst>
+              <a:ext uri="{FF2B5EF4-FFF2-40B4-BE49-F238E27FC236}">
+                <a16:creationId xmlns:a16="http://schemas.microsoft.com/office/drawing/2014/main" id="{D9108047-9D12-4CA0-BB8B-87CE85F7D7C2}"/>
+              </a:ext>
+            </a:extLst>
+          </p:cNvPr>
+          <p:cNvSpPr>
+            <a:spLocks noGrp="1"/>
+          </p:cNvSpPr>
+          <p:nvPr>
+            <p:ph type="subTitle" idx="1"/>
+          </p:nvPr>
+        </p:nvSpPr>
+        <p:spPr/>
+        <p:txBody>
+          <a:bodyPr/>
+          <a:lstStyle/>
+          <a:p>
+            <a:endParaRPr lang="en-IN"/>
+          </a:p>
+        </p:txBody>
+      </p:sp>
+      <mc:AlternateContent xmlns:mc="http://schemas.openxmlformats.org/markup-compatibility/2006">
+        <mc:Choice xmlns:p14="http://schemas.microsoft.com/office/powerpoint/2010/main" Requires="p14">
+          <p:contentPart p14:bwMode="auto" r:id="rId2">
+            <p14:nvContentPartPr>
+              <p14:cNvPr id="4" name="Ink 3">
+                <a:extLst>
+                  <a:ext uri="{FF2B5EF4-FFF2-40B4-BE49-F238E27FC236}">
+                    <a16:creationId xmlns:a16="http://schemas.microsoft.com/office/drawing/2014/main" id="{29482D35-7DD3-4FDC-9D1E-30DC497D1FBB}"/>
+                  </a:ext>
+                </a:extLst>
+              </p14:cNvPr>
+              <p14:cNvContentPartPr/>
+              <p14:nvPr/>
+            </p14:nvContentPartPr>
+            <p14:xfrm>
+              <a:off x="541080" y="114480"/>
+              <a:ext cx="7231680" cy="5981760"/>
+            </p14:xfrm>
+          </p:contentPart>
+        </mc:Choice>
+        <mc:Fallback>
+          <p:pic>
+            <p:nvPicPr>
+              <p:cNvPr id="4" name="Ink 3">
+                <a:extLst>
+                  <a:ext uri="{FF2B5EF4-FFF2-40B4-BE49-F238E27FC236}">
+                    <a16:creationId xmlns:a16="http://schemas.microsoft.com/office/drawing/2014/main" id="{29482D35-7DD3-4FDC-9D1E-30DC497D1FBB}"/>
+                  </a:ext>
+                </a:extLst>
+              </p:cNvPr>
+              <p:cNvPicPr/>
+              <p:nvPr/>
+            </p:nvPicPr>
+            <p:blipFill>
+              <a:blip r:embed="rId3"/>
+              <a:stretch>
+                <a:fillRect/>
+              </a:stretch>
+            </p:blipFill>
+            <p:spPr>
+              <a:xfrm>
+                <a:off x="531720" y="105120"/>
+                <a:ext cx="7250400" cy="6000480"/>
+              </a:xfrm>
+              <a:prstGeom prst="rect">
+                <a:avLst/>
+              </a:prstGeom>
+            </p:spPr>
+          </p:pic>
+        </mc:Fallback>
+      </mc:AlternateContent>
+    </p:spTree>
+    <p:extLst>
+      <p:ext uri="{BB962C8B-B14F-4D97-AF65-F5344CB8AC3E}">
+        <p14:creationId xmlns:p14="http://schemas.microsoft.com/office/powerpoint/2010/main" val="1980598871"/>
+      </p:ext>
+    </p:extLst>
+  </p:cSld>
+  <p:clrMapOvr>
+    <a:masterClrMapping/>
+  </p:clrMapOvr>
+</p:sld>
+</file>
+
+<file path=ppt/slides/slide15.xml><?xml version="1.0" encoding="utf-8"?>
+<p:sld xmlns:a="http://schemas.openxmlformats.org/drawingml/2006/main" xmlns:r="http://schemas.openxmlformats.org/officeDocument/2006/relationships" xmlns:p="http://schemas.openxmlformats.org/presentationml/2006/main">
+  <p:cSld>
+    <p:spTree>
+      <p:nvGrpSpPr>
+        <p:cNvPr id="1" name=""/>
+        <p:cNvGrpSpPr/>
+        <p:nvPr/>
+      </p:nvGrpSpPr>
+      <p:grpSpPr>
+        <a:xfrm>
+          <a:off x="0" y="0"/>
+          <a:ext cx="0" cy="0"/>
+          <a:chOff x="0" y="0"/>
+          <a:chExt cx="0" cy="0"/>
+        </a:xfrm>
+      </p:grpSpPr>
+      <p:sp>
+        <p:nvSpPr>
+          <p:cNvPr id="2" name="Title 1">
+            <a:extLst>
+              <a:ext uri="{FF2B5EF4-FFF2-40B4-BE49-F238E27FC236}">
+                <a16:creationId xmlns:a16="http://schemas.microsoft.com/office/drawing/2014/main" id="{153E534C-53E7-46A9-9406-F5C997F7D377}"/>
+              </a:ext>
+            </a:extLst>
+          </p:cNvPr>
+          <p:cNvSpPr>
+            <a:spLocks noGrp="1"/>
+          </p:cNvSpPr>
+          <p:nvPr>
+            <p:ph type="ctrTitle"/>
+          </p:nvPr>
+        </p:nvSpPr>
+        <p:spPr/>
+        <p:txBody>
+          <a:bodyPr/>
+          <a:lstStyle/>
+          <a:p>
+            <a:endParaRPr lang="en-IN"/>
+          </a:p>
+        </p:txBody>
+      </p:sp>
+      <p:sp>
+        <p:nvSpPr>
+          <p:cNvPr id="3" name="Subtitle 2">
+            <a:extLst>
+              <a:ext uri="{FF2B5EF4-FFF2-40B4-BE49-F238E27FC236}">
+                <a16:creationId xmlns:a16="http://schemas.microsoft.com/office/drawing/2014/main" id="{D9108047-9D12-4CA0-BB8B-87CE85F7D7C2}"/>
+              </a:ext>
+            </a:extLst>
+          </p:cNvPr>
+          <p:cNvSpPr>
+            <a:spLocks noGrp="1"/>
+          </p:cNvSpPr>
+          <p:nvPr>
+            <p:ph type="subTitle" idx="1"/>
+          </p:nvPr>
+        </p:nvSpPr>
+        <p:spPr/>
+        <p:txBody>
+          <a:bodyPr/>
+          <a:lstStyle/>
+          <a:p>
+            <a:endParaRPr lang="en-IN"/>
+          </a:p>
+        </p:txBody>
+      </p:sp>
+      <mc:AlternateContent xmlns:mc="http://schemas.openxmlformats.org/markup-compatibility/2006">
+        <mc:Choice xmlns:p14="http://schemas.microsoft.com/office/powerpoint/2010/main" Requires="p14">
+          <p:contentPart p14:bwMode="auto" r:id="rId2">
+            <p14:nvContentPartPr>
+              <p14:cNvPr id="4" name="Ink 3">
+                <a:extLst>
+                  <a:ext uri="{FF2B5EF4-FFF2-40B4-BE49-F238E27FC236}">
+                    <a16:creationId xmlns:a16="http://schemas.microsoft.com/office/drawing/2014/main" id="{02CB3EE7-8754-4B42-BECA-AF4D1A0AF08B}"/>
+                  </a:ext>
+                </a:extLst>
+              </p14:cNvPr>
+              <p14:cNvContentPartPr/>
+              <p14:nvPr/>
+            </p14:nvContentPartPr>
+            <p14:xfrm>
+              <a:off x="762120" y="114480"/>
+              <a:ext cx="5471280" cy="5067360"/>
+            </p14:xfrm>
+          </p:contentPart>
+        </mc:Choice>
+        <mc:Fallback>
+          <p:pic>
+            <p:nvPicPr>
+              <p:cNvPr id="4" name="Ink 3">
+                <a:extLst>
+                  <a:ext uri="{FF2B5EF4-FFF2-40B4-BE49-F238E27FC236}">
+                    <a16:creationId xmlns:a16="http://schemas.microsoft.com/office/drawing/2014/main" id="{02CB3EE7-8754-4B42-BECA-AF4D1A0AF08B}"/>
+                  </a:ext>
+                </a:extLst>
+              </p:cNvPr>
+              <p:cNvPicPr/>
+              <p:nvPr/>
+            </p:nvPicPr>
+            <p:blipFill>
+              <a:blip r:embed="rId3"/>
+              <a:stretch>
+                <a:fillRect/>
+              </a:stretch>
+            </p:blipFill>
+            <p:spPr>
+              <a:xfrm>
+                <a:off x="752760" y="105120"/>
+                <a:ext cx="5490000" cy="5086080"/>
+              </a:xfrm>
+              <a:prstGeom prst="rect">
+                <a:avLst/>
+              </a:prstGeom>
+            </p:spPr>
+          </p:pic>
+        </mc:Fallback>
+      </mc:AlternateContent>
+    </p:spTree>
+    <p:extLst>
+      <p:ext uri="{BB962C8B-B14F-4D97-AF65-F5344CB8AC3E}">
+        <p14:creationId xmlns:p14="http://schemas.microsoft.com/office/powerpoint/2010/main" val="23306013"/>
       </p:ext>
     </p:extLst>
   </p:cSld>
@@ -4665,7 +5959,7 @@
           <p:cNvPr id="2" name="Title 1">
             <a:extLst>
               <a:ext uri="{FF2B5EF4-FFF2-40B4-BE49-F238E27FC236}">
-                <a16:creationId xmlns:a16="http://schemas.microsoft.com/office/drawing/2014/main" id="{3D6F2E30-7169-4910-9652-D3B4C2D37E93}"/>
+                <a16:creationId xmlns:a16="http://schemas.microsoft.com/office/drawing/2014/main" id="{153E534C-53E7-46A9-9406-F5C997F7D377}"/>
               </a:ext>
             </a:extLst>
           </p:cNvPr>
@@ -4690,7 +5984,7 @@
           <p:cNvPr id="3" name="Subtitle 2">
             <a:extLst>
               <a:ext uri="{FF2B5EF4-FFF2-40B4-BE49-F238E27FC236}">
-                <a16:creationId xmlns:a16="http://schemas.microsoft.com/office/drawing/2014/main" id="{65EFD7F7-B3C3-49D4-9F31-D52A27CC3E6B}"/>
+                <a16:creationId xmlns:a16="http://schemas.microsoft.com/office/drawing/2014/main" id="{D9108047-9D12-4CA0-BB8B-87CE85F7D7C2}"/>
               </a:ext>
             </a:extLst>
           </p:cNvPr>
@@ -4714,10 +6008,10 @@
         <mc:Choice xmlns:p14="http://schemas.microsoft.com/office/powerpoint/2010/main" Requires="p14">
           <p:contentPart p14:bwMode="auto" r:id="rId2">
             <p14:nvContentPartPr>
-              <p14:cNvPr id="5" name="Ink 4">
+              <p14:cNvPr id="4" name="Ink 3">
                 <a:extLst>
                   <a:ext uri="{FF2B5EF4-FFF2-40B4-BE49-F238E27FC236}">
-                    <a16:creationId xmlns:a16="http://schemas.microsoft.com/office/drawing/2014/main" id="{669BF910-1F6C-4752-B3DF-170F521A9736}"/>
+                    <a16:creationId xmlns:a16="http://schemas.microsoft.com/office/drawing/2014/main" id="{9D313C31-2470-4979-9A08-5526A535D3C8}"/>
                   </a:ext>
                 </a:extLst>
               </p14:cNvPr>
@@ -4725,18 +6019,18 @@
               <p14:nvPr/>
             </p14:nvContentPartPr>
             <p14:xfrm>
-              <a:off x="274320" y="68760"/>
-              <a:ext cx="9532800" cy="6751440"/>
+              <a:off x="1219320" y="38160"/>
+              <a:ext cx="3459600" cy="3116880"/>
             </p14:xfrm>
           </p:contentPart>
         </mc:Choice>
         <mc:Fallback>
           <p:pic>
             <p:nvPicPr>
-              <p:cNvPr id="5" name="Ink 4">
+              <p:cNvPr id="4" name="Ink 3">
                 <a:extLst>
                   <a:ext uri="{FF2B5EF4-FFF2-40B4-BE49-F238E27FC236}">
-                    <a16:creationId xmlns:a16="http://schemas.microsoft.com/office/drawing/2014/main" id="{669BF910-1F6C-4752-B3DF-170F521A9736}"/>
+                    <a16:creationId xmlns:a16="http://schemas.microsoft.com/office/drawing/2014/main" id="{9D313C31-2470-4979-9A08-5526A535D3C8}"/>
                   </a:ext>
                 </a:extLst>
               </p:cNvPr>
@@ -4751,59 +6045,8 @@
             </p:blipFill>
             <p:spPr>
               <a:xfrm>
-                <a:off x="264960" y="59400"/>
-                <a:ext cx="9551520" cy="6770160"/>
-              </a:xfrm>
-              <a:prstGeom prst="rect">
-                <a:avLst/>
-              </a:prstGeom>
-            </p:spPr>
-          </p:pic>
-        </mc:Fallback>
-      </mc:AlternateContent>
-      <mc:AlternateContent xmlns:mc="http://schemas.openxmlformats.org/markup-compatibility/2006">
-        <mc:Choice xmlns:p14="http://schemas.microsoft.com/office/powerpoint/2010/main" Requires="p14">
-          <p:contentPart p14:bwMode="auto" r:id="rId4">
-            <p14:nvContentPartPr>
-              <p14:cNvPr id="6" name="Ink 5">
-                <a:extLst>
-                  <a:ext uri="{FF2B5EF4-FFF2-40B4-BE49-F238E27FC236}">
-                    <a16:creationId xmlns:a16="http://schemas.microsoft.com/office/drawing/2014/main" id="{F1B7CB7F-45D2-400E-8535-6F912BEC760D}"/>
-                  </a:ext>
-                </a:extLst>
-              </p14:cNvPr>
-              <p14:cNvContentPartPr/>
-              <p14:nvPr/>
-            </p14:nvContentPartPr>
-            <p14:xfrm>
-              <a:off x="1394280" y="1226880"/>
-              <a:ext cx="9677880" cy="5623920"/>
-            </p14:xfrm>
-          </p:contentPart>
-        </mc:Choice>
-        <mc:Fallback>
-          <p:pic>
-            <p:nvPicPr>
-              <p:cNvPr id="6" name="Ink 5">
-                <a:extLst>
-                  <a:ext uri="{FF2B5EF4-FFF2-40B4-BE49-F238E27FC236}">
-                    <a16:creationId xmlns:a16="http://schemas.microsoft.com/office/drawing/2014/main" id="{F1B7CB7F-45D2-400E-8535-6F912BEC760D}"/>
-                  </a:ext>
-                </a:extLst>
-              </p:cNvPr>
-              <p:cNvPicPr/>
-              <p:nvPr/>
-            </p:nvPicPr>
-            <p:blipFill>
-              <a:blip r:embed="rId5"/>
-              <a:stretch>
-                <a:fillRect/>
-              </a:stretch>
-            </p:blipFill>
-            <p:spPr>
-              <a:xfrm>
-                <a:off x="1384920" y="1217520"/>
-                <a:ext cx="9696600" cy="5642640"/>
+                <a:off x="1209960" y="28800"/>
+                <a:ext cx="3478320" cy="3135600"/>
               </a:xfrm>
               <a:prstGeom prst="rect">
                 <a:avLst/>
@@ -4815,7 +6058,7 @@
     </p:spTree>
     <p:extLst>
       <p:ext uri="{BB962C8B-B14F-4D97-AF65-F5344CB8AC3E}">
-        <p14:creationId xmlns:p14="http://schemas.microsoft.com/office/powerpoint/2010/main" val="1229208284"/>
+        <p14:creationId xmlns:p14="http://schemas.microsoft.com/office/powerpoint/2010/main" val="3607991513"/>
       </p:ext>
     </p:extLst>
   </p:cSld>
@@ -4847,7 +6090,7 @@
           <p:cNvPr id="2" name="Title 1">
             <a:extLst>
               <a:ext uri="{FF2B5EF4-FFF2-40B4-BE49-F238E27FC236}">
-                <a16:creationId xmlns:a16="http://schemas.microsoft.com/office/drawing/2014/main" id="{3D6F2E30-7169-4910-9652-D3B4C2D37E93}"/>
+                <a16:creationId xmlns:a16="http://schemas.microsoft.com/office/drawing/2014/main" id="{153E534C-53E7-46A9-9406-F5C997F7D377}"/>
               </a:ext>
             </a:extLst>
           </p:cNvPr>
@@ -4872,7 +6115,7 @@
           <p:cNvPr id="3" name="Subtitle 2">
             <a:extLst>
               <a:ext uri="{FF2B5EF4-FFF2-40B4-BE49-F238E27FC236}">
-                <a16:creationId xmlns:a16="http://schemas.microsoft.com/office/drawing/2014/main" id="{65EFD7F7-B3C3-49D4-9F31-D52A27CC3E6B}"/>
+                <a16:creationId xmlns:a16="http://schemas.microsoft.com/office/drawing/2014/main" id="{D9108047-9D12-4CA0-BB8B-87CE85F7D7C2}"/>
               </a:ext>
             </a:extLst>
           </p:cNvPr>
@@ -4899,7 +6142,7 @@
               <p14:cNvPr id="4" name="Ink 3">
                 <a:extLst>
                   <a:ext uri="{FF2B5EF4-FFF2-40B4-BE49-F238E27FC236}">
-                    <a16:creationId xmlns:a16="http://schemas.microsoft.com/office/drawing/2014/main" id="{BD978A88-BC42-4D47-B56A-4E08DD5D2F8E}"/>
+                    <a16:creationId xmlns:a16="http://schemas.microsoft.com/office/drawing/2014/main" id="{65E243E6-6924-4B32-888A-A96673308B0E}"/>
                   </a:ext>
                 </a:extLst>
               </p14:cNvPr>
@@ -4907,8 +6150,8 @@
               <p14:nvPr/>
             </p14:nvContentPartPr>
             <p14:xfrm>
-              <a:off x="1257120" y="335160"/>
-              <a:ext cx="5563080" cy="4191480"/>
+              <a:off x="221040" y="297360"/>
+              <a:ext cx="7132680" cy="2293920"/>
             </p14:xfrm>
           </p:contentPart>
         </mc:Choice>
@@ -4918,7 +6161,7 @@
               <p:cNvPr id="4" name="Ink 3">
                 <a:extLst>
                   <a:ext uri="{FF2B5EF4-FFF2-40B4-BE49-F238E27FC236}">
-                    <a16:creationId xmlns:a16="http://schemas.microsoft.com/office/drawing/2014/main" id="{BD978A88-BC42-4D47-B56A-4E08DD5D2F8E}"/>
+                    <a16:creationId xmlns:a16="http://schemas.microsoft.com/office/drawing/2014/main" id="{65E243E6-6924-4B32-888A-A96673308B0E}"/>
                   </a:ext>
                 </a:extLst>
               </p:cNvPr>
@@ -4933,8 +6176,8 @@
             </p:blipFill>
             <p:spPr>
               <a:xfrm>
-                <a:off x="1247760" y="325800"/>
-                <a:ext cx="5581800" cy="4210200"/>
+                <a:off x="211680" y="288000"/>
+                <a:ext cx="7151400" cy="2312640"/>
               </a:xfrm>
               <a:prstGeom prst="rect">
                 <a:avLst/>
@@ -4946,7 +6189,7 @@
     </p:spTree>
     <p:extLst>
       <p:ext uri="{BB962C8B-B14F-4D97-AF65-F5344CB8AC3E}">
-        <p14:creationId xmlns:p14="http://schemas.microsoft.com/office/powerpoint/2010/main" val="681045508"/>
+        <p14:creationId xmlns:p14="http://schemas.microsoft.com/office/powerpoint/2010/main" val="3526605260"/>
       </p:ext>
     </p:extLst>
   </p:cSld>
@@ -4978,7 +6221,7 @@
           <p:cNvPr id="2" name="Title 1">
             <a:extLst>
               <a:ext uri="{FF2B5EF4-FFF2-40B4-BE49-F238E27FC236}">
-                <a16:creationId xmlns:a16="http://schemas.microsoft.com/office/drawing/2014/main" id="{3D6F2E30-7169-4910-9652-D3B4C2D37E93}"/>
+                <a16:creationId xmlns:a16="http://schemas.microsoft.com/office/drawing/2014/main" id="{153E534C-53E7-46A9-9406-F5C997F7D377}"/>
               </a:ext>
             </a:extLst>
           </p:cNvPr>
@@ -5003,7 +6246,7 @@
           <p:cNvPr id="3" name="Subtitle 2">
             <a:extLst>
               <a:ext uri="{FF2B5EF4-FFF2-40B4-BE49-F238E27FC236}">
-                <a16:creationId xmlns:a16="http://schemas.microsoft.com/office/drawing/2014/main" id="{65EFD7F7-B3C3-49D4-9F31-D52A27CC3E6B}"/>
+                <a16:creationId xmlns:a16="http://schemas.microsoft.com/office/drawing/2014/main" id="{D9108047-9D12-4CA0-BB8B-87CE85F7D7C2}"/>
               </a:ext>
             </a:extLst>
           </p:cNvPr>
@@ -5030,7 +6273,7 @@
               <p14:cNvPr id="4" name="Ink 3">
                 <a:extLst>
                   <a:ext uri="{FF2B5EF4-FFF2-40B4-BE49-F238E27FC236}">
-                    <a16:creationId xmlns:a16="http://schemas.microsoft.com/office/drawing/2014/main" id="{66B9CA0C-D29F-4E16-84DE-43B4632F1A21}"/>
+                    <a16:creationId xmlns:a16="http://schemas.microsoft.com/office/drawing/2014/main" id="{112F05F4-AD7F-409F-8E69-BEBA0AC594CB}"/>
                   </a:ext>
                 </a:extLst>
               </p14:cNvPr>
@@ -5038,8 +6281,8 @@
               <p14:nvPr/>
             </p14:nvContentPartPr>
             <p14:xfrm>
-              <a:off x="1523880" y="190440"/>
-              <a:ext cx="5349600" cy="2766600"/>
+              <a:off x="327600" y="129600"/>
+              <a:ext cx="7925040" cy="5799240"/>
             </p14:xfrm>
           </p:contentPart>
         </mc:Choice>
@@ -5049,7 +6292,7 @@
               <p:cNvPr id="4" name="Ink 3">
                 <a:extLst>
                   <a:ext uri="{FF2B5EF4-FFF2-40B4-BE49-F238E27FC236}">
-                    <a16:creationId xmlns:a16="http://schemas.microsoft.com/office/drawing/2014/main" id="{66B9CA0C-D29F-4E16-84DE-43B4632F1A21}"/>
+                    <a16:creationId xmlns:a16="http://schemas.microsoft.com/office/drawing/2014/main" id="{112F05F4-AD7F-409F-8E69-BEBA0AC594CB}"/>
                   </a:ext>
                 </a:extLst>
               </p:cNvPr>
@@ -5064,8 +6307,59 @@
             </p:blipFill>
             <p:spPr>
               <a:xfrm>
-                <a:off x="1514520" y="181080"/>
-                <a:ext cx="5368320" cy="2785320"/>
+                <a:off x="318240" y="120240"/>
+                <a:ext cx="7943760" cy="5817960"/>
+              </a:xfrm>
+              <a:prstGeom prst="rect">
+                <a:avLst/>
+              </a:prstGeom>
+            </p:spPr>
+          </p:pic>
+        </mc:Fallback>
+      </mc:AlternateContent>
+      <mc:AlternateContent xmlns:mc="http://schemas.openxmlformats.org/markup-compatibility/2006">
+        <mc:Choice xmlns:p14="http://schemas.microsoft.com/office/powerpoint/2010/main" Requires="p14">
+          <p:contentPart p14:bwMode="auto" r:id="rId4">
+            <p14:nvContentPartPr>
+              <p14:cNvPr id="5" name="Ink 4">
+                <a:extLst>
+                  <a:ext uri="{FF2B5EF4-FFF2-40B4-BE49-F238E27FC236}">
+                    <a16:creationId xmlns:a16="http://schemas.microsoft.com/office/drawing/2014/main" id="{5A0FA896-5D7F-466D-A3B0-EDD7EA8056BF}"/>
+                  </a:ext>
+                </a:extLst>
+              </p14:cNvPr>
+              <p14:cNvContentPartPr/>
+              <p14:nvPr/>
+            </p14:nvContentPartPr>
+            <p14:xfrm>
+              <a:off x="365760" y="167760"/>
+              <a:ext cx="11818800" cy="6660000"/>
+            </p14:xfrm>
+          </p:contentPart>
+        </mc:Choice>
+        <mc:Fallback>
+          <p:pic>
+            <p:nvPicPr>
+              <p:cNvPr id="5" name="Ink 4">
+                <a:extLst>
+                  <a:ext uri="{FF2B5EF4-FFF2-40B4-BE49-F238E27FC236}">
+                    <a16:creationId xmlns:a16="http://schemas.microsoft.com/office/drawing/2014/main" id="{5A0FA896-5D7F-466D-A3B0-EDD7EA8056BF}"/>
+                  </a:ext>
+                </a:extLst>
+              </p:cNvPr>
+              <p:cNvPicPr/>
+              <p:nvPr/>
+            </p:nvPicPr>
+            <p:blipFill>
+              <a:blip r:embed="rId5"/>
+              <a:stretch>
+                <a:fillRect/>
+              </a:stretch>
+            </p:blipFill>
+            <p:spPr>
+              <a:xfrm>
+                <a:off x="356400" y="158400"/>
+                <a:ext cx="11837520" cy="6678720"/>
               </a:xfrm>
               <a:prstGeom prst="rect">
                 <a:avLst/>
@@ -5077,7 +6371,7 @@
     </p:spTree>
     <p:extLst>
       <p:ext uri="{BB962C8B-B14F-4D97-AF65-F5344CB8AC3E}">
-        <p14:creationId xmlns:p14="http://schemas.microsoft.com/office/powerpoint/2010/main" val="1722698545"/>
+        <p14:creationId xmlns:p14="http://schemas.microsoft.com/office/powerpoint/2010/main" val="1574163014"/>
       </p:ext>
     </p:extLst>
   </p:cSld>
@@ -5109,7 +6403,7 @@
           <p:cNvPr id="2" name="Title 1">
             <a:extLst>
               <a:ext uri="{FF2B5EF4-FFF2-40B4-BE49-F238E27FC236}">
-                <a16:creationId xmlns:a16="http://schemas.microsoft.com/office/drawing/2014/main" id="{3D6F2E30-7169-4910-9652-D3B4C2D37E93}"/>
+                <a16:creationId xmlns:a16="http://schemas.microsoft.com/office/drawing/2014/main" id="{153E534C-53E7-46A9-9406-F5C997F7D377}"/>
               </a:ext>
             </a:extLst>
           </p:cNvPr>
@@ -5134,7 +6428,7 @@
           <p:cNvPr id="3" name="Subtitle 2">
             <a:extLst>
               <a:ext uri="{FF2B5EF4-FFF2-40B4-BE49-F238E27FC236}">
-                <a16:creationId xmlns:a16="http://schemas.microsoft.com/office/drawing/2014/main" id="{65EFD7F7-B3C3-49D4-9F31-D52A27CC3E6B}"/>
+                <a16:creationId xmlns:a16="http://schemas.microsoft.com/office/drawing/2014/main" id="{D9108047-9D12-4CA0-BB8B-87CE85F7D7C2}"/>
               </a:ext>
             </a:extLst>
           </p:cNvPr>
@@ -5161,7 +6455,7 @@
               <p14:cNvPr id="4" name="Ink 3">
                 <a:extLst>
                   <a:ext uri="{FF2B5EF4-FFF2-40B4-BE49-F238E27FC236}">
-                    <a16:creationId xmlns:a16="http://schemas.microsoft.com/office/drawing/2014/main" id="{0186CEFF-1F62-429F-8764-DC4FBB924589}"/>
+                    <a16:creationId xmlns:a16="http://schemas.microsoft.com/office/drawing/2014/main" id="{B5F31C3E-A413-4D40-B65B-B6166730B70E}"/>
                   </a:ext>
                 </a:extLst>
               </p14:cNvPr>
@@ -5169,8 +6463,8 @@
               <p14:nvPr/>
             </p14:nvContentPartPr>
             <p14:xfrm>
-              <a:off x="1104840" y="167760"/>
-              <a:ext cx="5867640" cy="3086280"/>
+              <a:off x="845640" y="83880"/>
+              <a:ext cx="11323800" cy="6644880"/>
             </p14:xfrm>
           </p:contentPart>
         </mc:Choice>
@@ -5180,7 +6474,7 @@
               <p:cNvPr id="4" name="Ink 3">
                 <a:extLst>
                   <a:ext uri="{FF2B5EF4-FFF2-40B4-BE49-F238E27FC236}">
-                    <a16:creationId xmlns:a16="http://schemas.microsoft.com/office/drawing/2014/main" id="{0186CEFF-1F62-429F-8764-DC4FBB924589}"/>
+                    <a16:creationId xmlns:a16="http://schemas.microsoft.com/office/drawing/2014/main" id="{B5F31C3E-A413-4D40-B65B-B6166730B70E}"/>
                   </a:ext>
                 </a:extLst>
               </p:cNvPr>
@@ -5195,8 +6489,8 @@
             </p:blipFill>
             <p:spPr>
               <a:xfrm>
-                <a:off x="1095480" y="158400"/>
-                <a:ext cx="5886360" cy="3105000"/>
+                <a:off x="836280" y="74520"/>
+                <a:ext cx="11342520" cy="6663600"/>
               </a:xfrm>
               <a:prstGeom prst="rect">
                 <a:avLst/>
@@ -5208,7 +6502,7 @@
     </p:spTree>
     <p:extLst>
       <p:ext uri="{BB962C8B-B14F-4D97-AF65-F5344CB8AC3E}">
-        <p14:creationId xmlns:p14="http://schemas.microsoft.com/office/powerpoint/2010/main" val="211182023"/>
+        <p14:creationId xmlns:p14="http://schemas.microsoft.com/office/powerpoint/2010/main" val="1539943564"/>
       </p:ext>
     </p:extLst>
   </p:cSld>
@@ -5240,7 +6534,7 @@
           <p:cNvPr id="2" name="Title 1">
             <a:extLst>
               <a:ext uri="{FF2B5EF4-FFF2-40B4-BE49-F238E27FC236}">
-                <a16:creationId xmlns:a16="http://schemas.microsoft.com/office/drawing/2014/main" id="{3D6F2E30-7169-4910-9652-D3B4C2D37E93}"/>
+                <a16:creationId xmlns:a16="http://schemas.microsoft.com/office/drawing/2014/main" id="{153E534C-53E7-46A9-9406-F5C997F7D377}"/>
               </a:ext>
             </a:extLst>
           </p:cNvPr>
@@ -5265,7 +6559,7 @@
           <p:cNvPr id="3" name="Subtitle 2">
             <a:extLst>
               <a:ext uri="{FF2B5EF4-FFF2-40B4-BE49-F238E27FC236}">
-                <a16:creationId xmlns:a16="http://schemas.microsoft.com/office/drawing/2014/main" id="{65EFD7F7-B3C3-49D4-9F31-D52A27CC3E6B}"/>
+                <a16:creationId xmlns:a16="http://schemas.microsoft.com/office/drawing/2014/main" id="{D9108047-9D12-4CA0-BB8B-87CE85F7D7C2}"/>
               </a:ext>
             </a:extLst>
           </p:cNvPr>
@@ -5292,7 +6586,7 @@
               <p14:cNvPr id="4" name="Ink 3">
                 <a:extLst>
                   <a:ext uri="{FF2B5EF4-FFF2-40B4-BE49-F238E27FC236}">
-                    <a16:creationId xmlns:a16="http://schemas.microsoft.com/office/drawing/2014/main" id="{7F148413-F417-40EC-BD23-83E74CC860AF}"/>
+                    <a16:creationId xmlns:a16="http://schemas.microsoft.com/office/drawing/2014/main" id="{8DA21161-2569-44ED-ABA7-C0ABA6A2320D}"/>
                   </a:ext>
                 </a:extLst>
               </p14:cNvPr>
@@ -5300,8 +6594,8 @@
               <p14:nvPr/>
             </p14:nvContentPartPr>
             <p14:xfrm>
-              <a:off x="609480" y="76320"/>
-              <a:ext cx="8885520" cy="5258160"/>
+              <a:off x="205560" y="0"/>
+              <a:ext cx="11963880" cy="6279120"/>
             </p14:xfrm>
           </p:contentPart>
         </mc:Choice>
@@ -5311,7 +6605,7 @@
               <p:cNvPr id="4" name="Ink 3">
                 <a:extLst>
                   <a:ext uri="{FF2B5EF4-FFF2-40B4-BE49-F238E27FC236}">
-                    <a16:creationId xmlns:a16="http://schemas.microsoft.com/office/drawing/2014/main" id="{7F148413-F417-40EC-BD23-83E74CC860AF}"/>
+                    <a16:creationId xmlns:a16="http://schemas.microsoft.com/office/drawing/2014/main" id="{8DA21161-2569-44ED-ABA7-C0ABA6A2320D}"/>
                   </a:ext>
                 </a:extLst>
               </p:cNvPr>
@@ -5326,59 +6620,8 @@
             </p:blipFill>
             <p:spPr>
               <a:xfrm>
-                <a:off x="600120" y="66960"/>
-                <a:ext cx="8904240" cy="5276880"/>
-              </a:xfrm>
-              <a:prstGeom prst="rect">
-                <a:avLst/>
-              </a:prstGeom>
-            </p:spPr>
-          </p:pic>
-        </mc:Fallback>
-      </mc:AlternateContent>
-      <mc:AlternateContent xmlns:mc="http://schemas.openxmlformats.org/markup-compatibility/2006">
-        <mc:Choice xmlns:p14="http://schemas.microsoft.com/office/powerpoint/2010/main" Requires="p14">
-          <p:contentPart p14:bwMode="auto" r:id="rId4">
-            <p14:nvContentPartPr>
-              <p14:cNvPr id="5" name="Ink 4">
-                <a:extLst>
-                  <a:ext uri="{FF2B5EF4-FFF2-40B4-BE49-F238E27FC236}">
-                    <a16:creationId xmlns:a16="http://schemas.microsoft.com/office/drawing/2014/main" id="{1F967C2D-7CAF-41EF-BB5E-39D8E79956E5}"/>
-                  </a:ext>
-                </a:extLst>
-              </p14:cNvPr>
-              <p14:cNvContentPartPr/>
-              <p14:nvPr/>
-            </p14:nvContentPartPr>
-            <p14:xfrm>
-              <a:off x="754200" y="655200"/>
-              <a:ext cx="6256440" cy="4244760"/>
-            </p14:xfrm>
-          </p:contentPart>
-        </mc:Choice>
-        <mc:Fallback>
-          <p:pic>
-            <p:nvPicPr>
-              <p:cNvPr id="5" name="Ink 4">
-                <a:extLst>
-                  <a:ext uri="{FF2B5EF4-FFF2-40B4-BE49-F238E27FC236}">
-                    <a16:creationId xmlns:a16="http://schemas.microsoft.com/office/drawing/2014/main" id="{1F967C2D-7CAF-41EF-BB5E-39D8E79956E5}"/>
-                  </a:ext>
-                </a:extLst>
-              </p:cNvPr>
-              <p:cNvPicPr/>
-              <p:nvPr/>
-            </p:nvPicPr>
-            <p:blipFill>
-              <a:blip r:embed="rId5"/>
-              <a:stretch>
-                <a:fillRect/>
-              </a:stretch>
-            </p:blipFill>
-            <p:spPr>
-              <a:xfrm>
-                <a:off x="744840" y="645840"/>
-                <a:ext cx="6275160" cy="4263480"/>
+                <a:off x="196200" y="-9360"/>
+                <a:ext cx="11982600" cy="6297840"/>
               </a:xfrm>
               <a:prstGeom prst="rect">
                 <a:avLst/>
@@ -5390,7 +6633,7 @@
     </p:spTree>
     <p:extLst>
       <p:ext uri="{BB962C8B-B14F-4D97-AF65-F5344CB8AC3E}">
-        <p14:creationId xmlns:p14="http://schemas.microsoft.com/office/powerpoint/2010/main" val="1643195418"/>
+        <p14:creationId xmlns:p14="http://schemas.microsoft.com/office/powerpoint/2010/main" val="2887332697"/>
       </p:ext>
     </p:extLst>
   </p:cSld>
@@ -5422,7 +6665,7 @@
           <p:cNvPr id="2" name="Title 1">
             <a:extLst>
               <a:ext uri="{FF2B5EF4-FFF2-40B4-BE49-F238E27FC236}">
-                <a16:creationId xmlns:a16="http://schemas.microsoft.com/office/drawing/2014/main" id="{3D6F2E30-7169-4910-9652-D3B4C2D37E93}"/>
+                <a16:creationId xmlns:a16="http://schemas.microsoft.com/office/drawing/2014/main" id="{153E534C-53E7-46A9-9406-F5C997F7D377}"/>
               </a:ext>
             </a:extLst>
           </p:cNvPr>
@@ -5447,7 +6690,7 @@
           <p:cNvPr id="3" name="Subtitle 2">
             <a:extLst>
               <a:ext uri="{FF2B5EF4-FFF2-40B4-BE49-F238E27FC236}">
-                <a16:creationId xmlns:a16="http://schemas.microsoft.com/office/drawing/2014/main" id="{65EFD7F7-B3C3-49D4-9F31-D52A27CC3E6B}"/>
+                <a16:creationId xmlns:a16="http://schemas.microsoft.com/office/drawing/2014/main" id="{D9108047-9D12-4CA0-BB8B-87CE85F7D7C2}"/>
               </a:ext>
             </a:extLst>
           </p:cNvPr>
@@ -5474,7 +6717,7 @@
               <p14:cNvPr id="4" name="Ink 3">
                 <a:extLst>
                   <a:ext uri="{FF2B5EF4-FFF2-40B4-BE49-F238E27FC236}">
-                    <a16:creationId xmlns:a16="http://schemas.microsoft.com/office/drawing/2014/main" id="{F8BFF5CC-89B3-49FE-9DE9-49FD024E5AE3}"/>
+                    <a16:creationId xmlns:a16="http://schemas.microsoft.com/office/drawing/2014/main" id="{6018EBD2-0A2C-424A-B01E-6BCCDF435722}"/>
                   </a:ext>
                 </a:extLst>
               </p14:cNvPr>
@@ -5482,8 +6725,8 @@
               <p14:nvPr/>
             </p14:nvContentPartPr>
             <p14:xfrm>
-              <a:off x="198000" y="358200"/>
-              <a:ext cx="8489160" cy="2972160"/>
+              <a:off x="152280" y="83880"/>
+              <a:ext cx="7681320" cy="2583360"/>
             </p14:xfrm>
           </p:contentPart>
         </mc:Choice>
@@ -5493,7 +6736,7 @@
               <p:cNvPr id="4" name="Ink 3">
                 <a:extLst>
                   <a:ext uri="{FF2B5EF4-FFF2-40B4-BE49-F238E27FC236}">
-                    <a16:creationId xmlns:a16="http://schemas.microsoft.com/office/drawing/2014/main" id="{F8BFF5CC-89B3-49FE-9DE9-49FD024E5AE3}"/>
+                    <a16:creationId xmlns:a16="http://schemas.microsoft.com/office/drawing/2014/main" id="{6018EBD2-0A2C-424A-B01E-6BCCDF435722}"/>
                   </a:ext>
                 </a:extLst>
               </p:cNvPr>
@@ -5508,8 +6751,8 @@
             </p:blipFill>
             <p:spPr>
               <a:xfrm>
-                <a:off x="188640" y="348840"/>
-                <a:ext cx="8507880" cy="2990880"/>
+                <a:off x="142920" y="74520"/>
+                <a:ext cx="7700040" cy="2602080"/>
               </a:xfrm>
               <a:prstGeom prst="rect">
                 <a:avLst/>
@@ -5521,7 +6764,7 @@
     </p:spTree>
     <p:extLst>
       <p:ext uri="{BB962C8B-B14F-4D97-AF65-F5344CB8AC3E}">
-        <p14:creationId xmlns:p14="http://schemas.microsoft.com/office/powerpoint/2010/main" val="1286956682"/>
+        <p14:creationId xmlns:p14="http://schemas.microsoft.com/office/powerpoint/2010/main" val="2097791772"/>
       </p:ext>
     </p:extLst>
   </p:cSld>
@@ -5553,7 +6796,7 @@
           <p:cNvPr id="2" name="Title 1">
             <a:extLst>
               <a:ext uri="{FF2B5EF4-FFF2-40B4-BE49-F238E27FC236}">
-                <a16:creationId xmlns:a16="http://schemas.microsoft.com/office/drawing/2014/main" id="{3D6F2E30-7169-4910-9652-D3B4C2D37E93}"/>
+                <a16:creationId xmlns:a16="http://schemas.microsoft.com/office/drawing/2014/main" id="{153E534C-53E7-46A9-9406-F5C997F7D377}"/>
               </a:ext>
             </a:extLst>
           </p:cNvPr>
@@ -5578,7 +6821,7 @@
           <p:cNvPr id="3" name="Subtitle 2">
             <a:extLst>
               <a:ext uri="{FF2B5EF4-FFF2-40B4-BE49-F238E27FC236}">
-                <a16:creationId xmlns:a16="http://schemas.microsoft.com/office/drawing/2014/main" id="{65EFD7F7-B3C3-49D4-9F31-D52A27CC3E6B}"/>
+                <a16:creationId xmlns:a16="http://schemas.microsoft.com/office/drawing/2014/main" id="{D9108047-9D12-4CA0-BB8B-87CE85F7D7C2}"/>
               </a:ext>
             </a:extLst>
           </p:cNvPr>
@@ -5605,7 +6848,7 @@
               <p14:cNvPr id="4" name="Ink 3">
                 <a:extLst>
                   <a:ext uri="{FF2B5EF4-FFF2-40B4-BE49-F238E27FC236}">
-                    <a16:creationId xmlns:a16="http://schemas.microsoft.com/office/drawing/2014/main" id="{8DFD859C-6F35-418C-A0F3-122A11D5B815}"/>
+                    <a16:creationId xmlns:a16="http://schemas.microsoft.com/office/drawing/2014/main" id="{3ED73449-824F-4A92-9241-E662CA027BFA}"/>
                   </a:ext>
                 </a:extLst>
               </p14:cNvPr>
@@ -5613,8 +6856,8 @@
               <p14:nvPr/>
             </p14:nvContentPartPr>
             <p14:xfrm>
-              <a:off x="685800" y="15120"/>
-              <a:ext cx="7566840" cy="5128920"/>
+              <a:off x="22680" y="38160"/>
+              <a:ext cx="11864880" cy="6408720"/>
             </p14:xfrm>
           </p:contentPart>
         </mc:Choice>
@@ -5624,7 +6867,7 @@
               <p:cNvPr id="4" name="Ink 3">
                 <a:extLst>
                   <a:ext uri="{FF2B5EF4-FFF2-40B4-BE49-F238E27FC236}">
-                    <a16:creationId xmlns:a16="http://schemas.microsoft.com/office/drawing/2014/main" id="{8DFD859C-6F35-418C-A0F3-122A11D5B815}"/>
+                    <a16:creationId xmlns:a16="http://schemas.microsoft.com/office/drawing/2014/main" id="{3ED73449-824F-4A92-9241-E662CA027BFA}"/>
                   </a:ext>
                 </a:extLst>
               </p:cNvPr>
@@ -5639,8 +6882,8 @@
             </p:blipFill>
             <p:spPr>
               <a:xfrm>
-                <a:off x="676440" y="5760"/>
-                <a:ext cx="7585560" cy="5147640"/>
+                <a:off x="13320" y="28800"/>
+                <a:ext cx="11883600" cy="6427440"/>
               </a:xfrm>
               <a:prstGeom prst="rect">
                 <a:avLst/>
@@ -5652,7 +6895,7 @@
     </p:spTree>
     <p:extLst>
       <p:ext uri="{BB962C8B-B14F-4D97-AF65-F5344CB8AC3E}">
-        <p14:creationId xmlns:p14="http://schemas.microsoft.com/office/powerpoint/2010/main" val="662016851"/>
+        <p14:creationId xmlns:p14="http://schemas.microsoft.com/office/powerpoint/2010/main" val="1291061964"/>
       </p:ext>
     </p:extLst>
   </p:cSld>
@@ -5684,7 +6927,7 @@
           <p:cNvPr id="2" name="Title 1">
             <a:extLst>
               <a:ext uri="{FF2B5EF4-FFF2-40B4-BE49-F238E27FC236}">
-                <a16:creationId xmlns:a16="http://schemas.microsoft.com/office/drawing/2014/main" id="{3D6F2E30-7169-4910-9652-D3B4C2D37E93}"/>
+                <a16:creationId xmlns:a16="http://schemas.microsoft.com/office/drawing/2014/main" id="{153E534C-53E7-46A9-9406-F5C997F7D377}"/>
               </a:ext>
             </a:extLst>
           </p:cNvPr>
@@ -5709,7 +6952,7 @@
           <p:cNvPr id="3" name="Subtitle 2">
             <a:extLst>
               <a:ext uri="{FF2B5EF4-FFF2-40B4-BE49-F238E27FC236}">
-                <a16:creationId xmlns:a16="http://schemas.microsoft.com/office/drawing/2014/main" id="{65EFD7F7-B3C3-49D4-9F31-D52A27CC3E6B}"/>
+                <a16:creationId xmlns:a16="http://schemas.microsoft.com/office/drawing/2014/main" id="{D9108047-9D12-4CA0-BB8B-87CE85F7D7C2}"/>
               </a:ext>
             </a:extLst>
           </p:cNvPr>
@@ -5736,7 +6979,7 @@
               <p14:cNvPr id="4" name="Ink 3">
                 <a:extLst>
                   <a:ext uri="{FF2B5EF4-FFF2-40B4-BE49-F238E27FC236}">
-                    <a16:creationId xmlns:a16="http://schemas.microsoft.com/office/drawing/2014/main" id="{1E100991-6EF2-4FD3-96A2-2A9D08EA7560}"/>
+                    <a16:creationId xmlns:a16="http://schemas.microsoft.com/office/drawing/2014/main" id="{2619AA57-FA39-4E57-B10A-34F2D293CE70}"/>
                   </a:ext>
                 </a:extLst>
               </p14:cNvPr>
@@ -5744,8 +6987,8 @@
               <p14:nvPr/>
             </p14:nvContentPartPr>
             <p14:xfrm>
-              <a:off x="891360" y="137160"/>
-              <a:ext cx="8580600" cy="5212440"/>
+              <a:off x="571320" y="228600"/>
+              <a:ext cx="11095200" cy="6157440"/>
             </p14:xfrm>
           </p:contentPart>
         </mc:Choice>
@@ -5755,7 +6998,7 @@
               <p:cNvPr id="4" name="Ink 3">
                 <a:extLst>
                   <a:ext uri="{FF2B5EF4-FFF2-40B4-BE49-F238E27FC236}">
-                    <a16:creationId xmlns:a16="http://schemas.microsoft.com/office/drawing/2014/main" id="{1E100991-6EF2-4FD3-96A2-2A9D08EA7560}"/>
+                    <a16:creationId xmlns:a16="http://schemas.microsoft.com/office/drawing/2014/main" id="{2619AA57-FA39-4E57-B10A-34F2D293CE70}"/>
                   </a:ext>
                 </a:extLst>
               </p:cNvPr>
@@ -5770,8 +7013,8 @@
             </p:blipFill>
             <p:spPr>
               <a:xfrm>
-                <a:off x="882000" y="127800"/>
-                <a:ext cx="8599320" cy="5231160"/>
+                <a:off x="561960" y="219240"/>
+                <a:ext cx="11113920" cy="6176160"/>
               </a:xfrm>
               <a:prstGeom prst="rect">
                 <a:avLst/>
@@ -5783,7 +7026,7 @@
     </p:spTree>
     <p:extLst>
       <p:ext uri="{BB962C8B-B14F-4D97-AF65-F5344CB8AC3E}">
-        <p14:creationId xmlns:p14="http://schemas.microsoft.com/office/powerpoint/2010/main" val="2584076379"/>
+        <p14:creationId xmlns:p14="http://schemas.microsoft.com/office/powerpoint/2010/main" val="1952518519"/>
       </p:ext>
     </p:extLst>
   </p:cSld>
